--- a/실험정리.pptx
+++ b/실험정리.pptx
@@ -7,13 +7,7 @@
   <p:sldIdLst>
     <p:sldId id="256" r:id="rId2"/>
     <p:sldId id="272" r:id="rId3"/>
-    <p:sldId id="280" r:id="rId4"/>
-    <p:sldId id="281" r:id="rId5"/>
-    <p:sldId id="283" r:id="rId6"/>
-    <p:sldId id="278" r:id="rId7"/>
-    <p:sldId id="279" r:id="rId8"/>
-    <p:sldId id="282" r:id="rId9"/>
-    <p:sldId id="284" r:id="rId10"/>
+    <p:sldId id="278" r:id="rId4"/>
   </p:sldIdLst>
   <p:sldSz cx="12192000" cy="6858000"/>
   <p:notesSz cx="6858000" cy="9144000"/>
@@ -251,7 +245,7 @@
           <a:p>
             <a:fld id="{8DB7441D-C530-4CF1-96F4-7190D1E0155F}" type="datetimeFigureOut">
               <a:rPr lang="ko-KR" altLang="en-US" smtClean="0"/>
-              <a:t>2020-07-30</a:t>
+              <a:t>2020-07-31</a:t>
             </a:fld>
             <a:endParaRPr lang="ko-KR" altLang="en-US"/>
           </a:p>
@@ -421,7 +415,7 @@
           <a:p>
             <a:fld id="{8DB7441D-C530-4CF1-96F4-7190D1E0155F}" type="datetimeFigureOut">
               <a:rPr lang="ko-KR" altLang="en-US" smtClean="0"/>
-              <a:t>2020-07-30</a:t>
+              <a:t>2020-07-31</a:t>
             </a:fld>
             <a:endParaRPr lang="ko-KR" altLang="en-US"/>
           </a:p>
@@ -601,7 +595,7 @@
           <a:p>
             <a:fld id="{8DB7441D-C530-4CF1-96F4-7190D1E0155F}" type="datetimeFigureOut">
               <a:rPr lang="ko-KR" altLang="en-US" smtClean="0"/>
-              <a:t>2020-07-30</a:t>
+              <a:t>2020-07-31</a:t>
             </a:fld>
             <a:endParaRPr lang="ko-KR" altLang="en-US"/>
           </a:p>
@@ -771,7 +765,7 @@
           <a:p>
             <a:fld id="{8DB7441D-C530-4CF1-96F4-7190D1E0155F}" type="datetimeFigureOut">
               <a:rPr lang="ko-KR" altLang="en-US" smtClean="0"/>
-              <a:t>2020-07-30</a:t>
+              <a:t>2020-07-31</a:t>
             </a:fld>
             <a:endParaRPr lang="ko-KR" altLang="en-US"/>
           </a:p>
@@ -1017,7 +1011,7 @@
           <a:p>
             <a:fld id="{8DB7441D-C530-4CF1-96F4-7190D1E0155F}" type="datetimeFigureOut">
               <a:rPr lang="ko-KR" altLang="en-US" smtClean="0"/>
-              <a:t>2020-07-30</a:t>
+              <a:t>2020-07-31</a:t>
             </a:fld>
             <a:endParaRPr lang="ko-KR" altLang="en-US"/>
           </a:p>
@@ -1249,7 +1243,7 @@
           <a:p>
             <a:fld id="{8DB7441D-C530-4CF1-96F4-7190D1E0155F}" type="datetimeFigureOut">
               <a:rPr lang="ko-KR" altLang="en-US" smtClean="0"/>
-              <a:t>2020-07-30</a:t>
+              <a:t>2020-07-31</a:t>
             </a:fld>
             <a:endParaRPr lang="ko-KR" altLang="en-US"/>
           </a:p>
@@ -1616,7 +1610,7 @@
           <a:p>
             <a:fld id="{8DB7441D-C530-4CF1-96F4-7190D1E0155F}" type="datetimeFigureOut">
               <a:rPr lang="ko-KR" altLang="en-US" smtClean="0"/>
-              <a:t>2020-07-30</a:t>
+              <a:t>2020-07-31</a:t>
             </a:fld>
             <a:endParaRPr lang="ko-KR" altLang="en-US"/>
           </a:p>
@@ -1734,7 +1728,7 @@
           <a:p>
             <a:fld id="{8DB7441D-C530-4CF1-96F4-7190D1E0155F}" type="datetimeFigureOut">
               <a:rPr lang="ko-KR" altLang="en-US" smtClean="0"/>
-              <a:t>2020-07-30</a:t>
+              <a:t>2020-07-31</a:t>
             </a:fld>
             <a:endParaRPr lang="ko-KR" altLang="en-US"/>
           </a:p>
@@ -1829,7 +1823,7 @@
           <a:p>
             <a:fld id="{8DB7441D-C530-4CF1-96F4-7190D1E0155F}" type="datetimeFigureOut">
               <a:rPr lang="ko-KR" altLang="en-US" smtClean="0"/>
-              <a:t>2020-07-30</a:t>
+              <a:t>2020-07-31</a:t>
             </a:fld>
             <a:endParaRPr lang="ko-KR" altLang="en-US"/>
           </a:p>
@@ -2106,7 +2100,7 @@
           <a:p>
             <a:fld id="{8DB7441D-C530-4CF1-96F4-7190D1E0155F}" type="datetimeFigureOut">
               <a:rPr lang="ko-KR" altLang="en-US" smtClean="0"/>
-              <a:t>2020-07-30</a:t>
+              <a:t>2020-07-31</a:t>
             </a:fld>
             <a:endParaRPr lang="ko-KR" altLang="en-US"/>
           </a:p>
@@ -2359,7 +2353,7 @@
           <a:p>
             <a:fld id="{8DB7441D-C530-4CF1-96F4-7190D1E0155F}" type="datetimeFigureOut">
               <a:rPr lang="ko-KR" altLang="en-US" smtClean="0"/>
-              <a:t>2020-07-30</a:t>
+              <a:t>2020-07-31</a:t>
             </a:fld>
             <a:endParaRPr lang="ko-KR" altLang="en-US"/>
           </a:p>
@@ -2572,7 +2566,7 @@
           <a:p>
             <a:fld id="{8DB7441D-C530-4CF1-96F4-7190D1E0155F}" type="datetimeFigureOut">
               <a:rPr lang="ko-KR" altLang="en-US" smtClean="0"/>
-              <a:t>2020-07-30</a:t>
+              <a:t>2020-07-31</a:t>
             </a:fld>
             <a:endParaRPr lang="ko-KR" altLang="en-US"/>
           </a:p>
@@ -3069,8 +3063,8 @@
           </a:p>
         </p:txBody>
       </p:sp>
-      <mc:AlternateContent xmlns:mc="http://schemas.openxmlformats.org/markup-compatibility/2006" xmlns:a14="http://schemas.microsoft.com/office/drawing/2010/main">
-        <mc:Choice Requires="a14">
+      <mc:AlternateContent xmlns:mc="http://schemas.openxmlformats.org/markup-compatibility/2006">
+        <mc:Choice xmlns:a14="http://schemas.microsoft.com/office/drawing/2010/main" Requires="a14">
           <p:sp>
             <p:nvSpPr>
               <p:cNvPr id="4" name="TextBox 3"/>
@@ -3217,13 +3211,13 @@
                       <a:rPr lang="en-US" altLang="ko-KR" b="0" i="1" smtClean="0">
                         <a:latin typeface="Cambria Math" panose="02040503050406030204" pitchFamily="18" charset="0"/>
                       </a:rPr>
-                      <m:t> − </m:t>
+                      <m:t> −</m:t>
                     </m:r>
                     <m:r>
-                      <a:rPr lang="ko-KR" altLang="en-US" b="0" i="1" smtClean="0">
+                      <a:rPr lang="en-US" altLang="ko-KR" b="0" i="1" smtClean="0">
                         <a:latin typeface="Cambria Math" panose="02040503050406030204" pitchFamily="18" charset="0"/>
                       </a:rPr>
-                      <m:t>𝛾</m:t>
+                      <m:t>10</m:t>
                     </m:r>
                     <m:r>
                       <a:rPr lang="en-US" altLang="ko-KR" b="0" i="1" smtClean="0">
@@ -3364,7 +3358,7 @@
             </p:txBody>
           </p:sp>
         </mc:Choice>
-        <mc:Fallback xmlns="">
+        <mc:Fallback>
           <p:sp>
             <p:nvSpPr>
               <p:cNvPr id="4" name="TextBox 3"/>
@@ -3554,19 +3548,15 @@
           <a:p>
             <a:r>
               <a:rPr lang="en-US" altLang="ko-KR" dirty="0" smtClean="0"/>
-              <a:t>DDQN</a:t>
+              <a:t>DDPG</a:t>
             </a:r>
             <a:r>
               <a:rPr lang="ko-KR" altLang="en-US" dirty="0" smtClean="0"/>
               <a:t> </a:t>
             </a:r>
             <a:r>
-              <a:rPr lang="en-US" altLang="ko-KR" dirty="0"/>
-              <a:t>2</a:t>
-            </a:r>
-            <a:r>
               <a:rPr lang="en-US" altLang="ko-KR" dirty="0" smtClean="0"/>
-              <a:t> – </a:t>
+              <a:t>1 – </a:t>
             </a:r>
             <a:r>
               <a:rPr lang="ko-KR" altLang="en-US" dirty="0" err="1" smtClean="0"/>
@@ -3580,8 +3570,8 @@
           </a:p>
         </p:txBody>
       </p:sp>
-      <mc:AlternateContent xmlns:mc="http://schemas.openxmlformats.org/markup-compatibility/2006" xmlns:a14="http://schemas.microsoft.com/office/drawing/2010/main">
-        <mc:Choice Requires="a14">
+      <mc:AlternateContent xmlns:mc="http://schemas.openxmlformats.org/markup-compatibility/2006">
+        <mc:Choice xmlns:a14="http://schemas.microsoft.com/office/drawing/2010/main" Requires="a14">
           <p:sp>
             <p:nvSpPr>
               <p:cNvPr id="4" name="TextBox 3"/>
@@ -3591,7 +3581,7 @@
             <p:spPr>
               <a:xfrm>
                 <a:off x="838200" y="1459832"/>
-                <a:ext cx="11000874" cy="3992568"/>
+                <a:ext cx="11000874" cy="5100563"/>
               </a:xfrm>
               <a:prstGeom prst="rect">
                 <a:avLst/>
@@ -3609,72 +3599,6 @@
                   <a:buChar char="-"/>
                 </a:pPr>
                 <a:r>
-                  <a:rPr lang="en-US" altLang="ko-KR" b="1" dirty="0" smtClean="0">
-                    <a:solidFill>
-                      <a:srgbClr val="FF0000"/>
-                    </a:solidFill>
-                  </a:rPr>
-                  <a:t>DDQN1</a:t>
-                </a:r>
-                <a:r>
-                  <a:rPr lang="ko-KR" altLang="en-US" b="1" dirty="0">
-                    <a:solidFill>
-                      <a:srgbClr val="FF0000"/>
-                    </a:solidFill>
-                  </a:rPr>
-                  <a:t>과 비교하여 </a:t>
-                </a:r>
-                <a:r>
-                  <a:rPr lang="en-US" altLang="ko-KR" b="1" dirty="0" err="1">
-                    <a:solidFill>
-                      <a:srgbClr val="FF0000"/>
-                    </a:solidFill>
-                  </a:rPr>
-                  <a:t>power_out_norm</a:t>
-                </a:r>
-                <a:r>
-                  <a:rPr lang="ko-KR" altLang="en-US" b="1" dirty="0">
-                    <a:solidFill>
-                      <a:srgbClr val="FF0000"/>
-                    </a:solidFill>
-                  </a:rPr>
-                  <a:t>을 </a:t>
-                </a:r>
-                <a:r>
-                  <a:rPr lang="en-US" altLang="ko-KR" b="1" dirty="0" err="1">
-                    <a:solidFill>
-                      <a:srgbClr val="FF0000"/>
-                    </a:solidFill>
-                  </a:rPr>
-                  <a:t>power_out</a:t>
-                </a:r>
-                <a:r>
-                  <a:rPr lang="ko-KR" altLang="en-US" b="1" dirty="0">
-                    <a:solidFill>
-                      <a:srgbClr val="FF0000"/>
-                    </a:solidFill>
-                  </a:rPr>
-                  <a:t>으로 교체함 </a:t>
-                </a:r>
-                <a:endParaRPr lang="en-US" altLang="ko-KR" b="1" dirty="0">
-                  <a:solidFill>
-                    <a:srgbClr val="FF0000"/>
-                  </a:solidFill>
-                </a:endParaRPr>
-              </a:p>
-              <a:p>
-                <a:pPr marL="285750" indent="-285750">
-                  <a:buFontTx/>
-                  <a:buChar char="-"/>
-                </a:pPr>
-                <a:endParaRPr lang="en-US" altLang="ko-KR" b="1" dirty="0"/>
-              </a:p>
-              <a:p>
-                <a:pPr marL="285750" indent="-285750">
-                  <a:buFontTx/>
-                  <a:buChar char="-"/>
-                </a:pPr>
-                <a:r>
                   <a:rPr lang="en-US" altLang="ko-KR" b="1" dirty="0" smtClean="0"/>
                   <a:t>State, Action, Reward </a:t>
                 </a:r>
@@ -3690,7 +3614,7 @@
                 </a:r>
                 <a:r>
                   <a:rPr lang="en-US" altLang="ko-KR" dirty="0" err="1" smtClean="0"/>
-                  <a:t>power_out</a:t>
+                  <a:t>power_out_norm</a:t>
                 </a:r>
                 <a:r>
                   <a:rPr lang="en-US" altLang="ko-KR" dirty="0" smtClean="0"/>
@@ -3724,15 +3648,7 @@
                 </a:r>
                 <a:r>
                   <a:rPr lang="ko-KR" altLang="en-US" dirty="0" smtClean="0"/>
-                  <a:t>크기 </a:t>
-                </a:r>
-                <a:r>
-                  <a:rPr lang="en-US" altLang="ko-KR" dirty="0" smtClean="0"/>
-                  <a:t>20</a:t>
-                </a:r>
-                <a:r>
-                  <a:rPr lang="ko-KR" altLang="en-US" dirty="0" smtClean="0"/>
-                  <a:t>의 이산화 된 액션 </a:t>
+                  <a:t>연속적인 액션 </a:t>
                 </a:r>
                 <a:endParaRPr lang="en-US" altLang="ko-KR" dirty="0" smtClean="0"/>
               </a:p>
@@ -3743,12 +3659,18 @@
                 </a:pPr>
                 <a:r>
                   <a:rPr lang="en-US" altLang="ko-KR" dirty="0" smtClean="0"/>
-                  <a:t>Reward: </a:t>
+                  <a:t>Reward:</a:t>
                 </a:r>
                 <a14:m>
                   <m:oMath xmlns:m="http://schemas.openxmlformats.org/officeDocument/2006/math">
                     <m:r>
                       <a:rPr lang="en-US" altLang="ko-KR" b="0" i="0" smtClean="0">
+                        <a:latin typeface="Cambria Math" panose="02040503050406030204" pitchFamily="18" charset="0"/>
+                      </a:rPr>
+                      <m:t> </m:t>
+                    </m:r>
+                    <m:r>
+                      <a:rPr lang="en-US" altLang="ko-KR">
                         <a:latin typeface="Cambria Math" panose="02040503050406030204" pitchFamily="18" charset="0"/>
                       </a:rPr>
                       <m:t>− </m:t>
@@ -3757,7 +3679,7 @@
                       <m:accPr>
                         <m:chr m:val="̇"/>
                         <m:ctrlPr>
-                          <a:rPr lang="en-US" altLang="ko-KR" i="1" smtClean="0">
+                          <a:rPr lang="en-US" altLang="ko-KR" i="1">
                             <a:latin typeface="Cambria Math" panose="02040503050406030204" pitchFamily="18" charset="0"/>
                           </a:rPr>
                         </m:ctrlPr>
@@ -3766,14 +3688,14 @@
                         <m:sSub>
                           <m:sSubPr>
                             <m:ctrlPr>
-                              <a:rPr lang="en-US" altLang="ko-KR" b="0" i="1" smtClean="0">
+                              <a:rPr lang="en-US" altLang="ko-KR" i="1">
                                 <a:latin typeface="Cambria Math" panose="02040503050406030204" pitchFamily="18" charset="0"/>
                               </a:rPr>
                             </m:ctrlPr>
                           </m:sSubPr>
                           <m:e>
                             <m:r>
-                              <a:rPr lang="en-US" altLang="ko-KR" b="0" i="1" smtClean="0">
+                              <a:rPr lang="en-US" altLang="ko-KR" i="1">
                                 <a:latin typeface="Cambria Math" panose="02040503050406030204" pitchFamily="18" charset="0"/>
                               </a:rPr>
                               <m:t>𝑚</m:t>
@@ -3781,7 +3703,7 @@
                           </m:e>
                           <m:sub>
                             <m:r>
-                              <a:rPr lang="en-US" altLang="ko-KR" b="0" i="1" smtClean="0">
+                              <a:rPr lang="en-US" altLang="ko-KR" i="1">
                                 <a:latin typeface="Cambria Math" panose="02040503050406030204" pitchFamily="18" charset="0"/>
                               </a:rPr>
                               <m:t>𝑓𝑐</m:t>
@@ -3791,19 +3713,19 @@
                       </m:e>
                     </m:acc>
                     <m:r>
+                      <a:rPr lang="en-US" altLang="ko-KR" i="1">
+                        <a:latin typeface="Cambria Math" panose="02040503050406030204" pitchFamily="18" charset="0"/>
+                      </a:rPr>
+                      <m:t> −</m:t>
+                    </m:r>
+                    <m:r>
                       <a:rPr lang="en-US" altLang="ko-KR" b="0" i="1" smtClean="0">
                         <a:latin typeface="Cambria Math" panose="02040503050406030204" pitchFamily="18" charset="0"/>
                       </a:rPr>
-                      <m:t> − </m:t>
+                      <m:t>10</m:t>
                     </m:r>
                     <m:r>
-                      <a:rPr lang="ko-KR" altLang="en-US" b="0" i="1" smtClean="0">
-                        <a:latin typeface="Cambria Math" panose="02040503050406030204" pitchFamily="18" charset="0"/>
-                      </a:rPr>
-                      <m:t>𝛾</m:t>
-                    </m:r>
-                    <m:r>
-                      <a:rPr lang="en-US" altLang="ko-KR" b="0" i="1" smtClean="0">
+                      <a:rPr lang="en-US" altLang="ko-KR" i="1">
                         <a:latin typeface="Cambria Math" panose="02040503050406030204" pitchFamily="18" charset="0"/>
                         <a:ea typeface="Cambria Math" panose="02040503050406030204" pitchFamily="18" charset="0"/>
                       </a:rPr>
@@ -3814,7 +3736,7 @@
                         <m:begChr m:val="|"/>
                         <m:endChr m:val="|"/>
                         <m:ctrlPr>
-                          <a:rPr lang="en-US" altLang="ko-KR" b="0" i="1" smtClean="0">
+                          <a:rPr lang="en-US" altLang="ko-KR" i="1">
                             <a:latin typeface="Cambria Math" panose="02040503050406030204" pitchFamily="18" charset="0"/>
                             <a:ea typeface="Cambria Math" panose="02040503050406030204" pitchFamily="18" charset="0"/>
                           </a:rPr>
@@ -3822,14 +3744,14 @@
                       </m:dPr>
                       <m:e>
                         <m:r>
-                          <a:rPr lang="en-US" altLang="ko-KR" b="0" i="1" smtClean="0">
+                          <a:rPr lang="en-US" altLang="ko-KR" i="1">
                             <a:latin typeface="Cambria Math" panose="02040503050406030204" pitchFamily="18" charset="0"/>
                             <a:ea typeface="Cambria Math" panose="02040503050406030204" pitchFamily="18" charset="0"/>
                           </a:rPr>
                           <m:t>𝑆𝑂𝐶</m:t>
                         </m:r>
                         <m:r>
-                          <a:rPr lang="en-US" altLang="ko-KR" b="0" i="1" smtClean="0">
+                          <a:rPr lang="en-US" altLang="ko-KR" i="1">
                             <a:latin typeface="Cambria Math" panose="02040503050406030204" pitchFamily="18" charset="0"/>
                             <a:ea typeface="Cambria Math" panose="02040503050406030204" pitchFamily="18" charset="0"/>
                           </a:rPr>
@@ -3837,1729 +3759,12 @@
                         </m:r>
                       </m:e>
                     </m:d>
-                    <m:r>
-                      <a:rPr lang="en-US" altLang="ko-KR" b="0" i="1" smtClean="0">
-                        <a:latin typeface="Cambria Math" panose="02040503050406030204" pitchFamily="18" charset="0"/>
-                      </a:rPr>
-                      <m:t> </m:t>
-                    </m:r>
                   </m:oMath>
                 </a14:m>
                 <a:endParaRPr lang="en-US" altLang="ko-KR" dirty="0" smtClean="0"/>
               </a:p>
               <a:p>
-                <a:pPr marL="285750" indent="-285750">
-                  <a:buFontTx/>
-                  <a:buChar char="-"/>
-                </a:pPr>
-                <a:endParaRPr lang="en-US" altLang="ko-KR" dirty="0" smtClean="0"/>
-              </a:p>
-              <a:p>
-                <a:pPr marL="285750" indent="-285750">
-                  <a:buFontTx/>
-                  <a:buChar char="-"/>
-                </a:pPr>
-                <a:r>
-                  <a:rPr lang="ko-KR" altLang="en-US" b="1" dirty="0" smtClean="0"/>
-                  <a:t>네트워크 구조</a:t>
-                </a:r>
-                <a:r>
-                  <a:rPr lang="en-US" altLang="ko-KR" b="1" dirty="0" smtClean="0"/>
-                  <a:t>: </a:t>
-                </a:r>
-              </a:p>
-              <a:p>
                 <a:pPr marL="742950" lvl="1" indent="-285750">
-                  <a:buFontTx/>
-                  <a:buChar char="-"/>
-                </a:pPr>
-                <a:r>
-                  <a:rPr lang="en-US" altLang="ko-KR" b="1" dirty="0" smtClean="0"/>
-                  <a:t>Main, Target: </a:t>
-                </a:r>
-              </a:p>
-              <a:p>
-                <a:pPr marL="1200150" lvl="2" indent="-285750">
-                  <a:buFontTx/>
-                  <a:buChar char="-"/>
-                </a:pPr>
-                <a:r>
-                  <a:rPr lang="en-US" altLang="ko-KR" dirty="0" smtClean="0"/>
-                  <a:t>Input(4) </a:t>
-                </a:r>
-              </a:p>
-              <a:p>
-                <a:pPr marL="1200150" lvl="2" indent="-285750">
-                  <a:buFontTx/>
-                  <a:buChar char="-"/>
-                </a:pPr>
-                <a:r>
-                  <a:rPr lang="en-US" altLang="ko-KR" dirty="0" smtClean="0"/>
-                  <a:t>Dense(30, activation=“</a:t>
-                </a:r>
-                <a:r>
-                  <a:rPr lang="en-US" altLang="ko-KR" dirty="0" err="1" smtClean="0"/>
-                  <a:t>relu</a:t>
-                </a:r>
-                <a:r>
-                  <a:rPr lang="en-US" altLang="ko-KR" dirty="0" smtClean="0"/>
-                  <a:t>”)</a:t>
-                </a:r>
-              </a:p>
-              <a:p>
-                <a:pPr marL="1200150" lvl="2" indent="-285750">
-                  <a:buFontTx/>
-                  <a:buChar char="-"/>
-                </a:pPr>
-                <a:r>
-                  <a:rPr lang="en-US" altLang="ko-KR" dirty="0" smtClean="0"/>
-                  <a:t>Dense(30, activation=“</a:t>
-                </a:r>
-                <a:r>
-                  <a:rPr lang="en-US" altLang="ko-KR" dirty="0" err="1" smtClean="0"/>
-                  <a:t>relu</a:t>
-                </a:r>
-                <a:r>
-                  <a:rPr lang="en-US" altLang="ko-KR" dirty="0" smtClean="0"/>
-                  <a:t>”)</a:t>
-                </a:r>
-              </a:p>
-              <a:p>
-                <a:pPr marL="1200150" lvl="2" indent="-285750">
-                  <a:buFontTx/>
-                  <a:buChar char="-"/>
-                </a:pPr>
-                <a:r>
-                  <a:rPr lang="en-US" altLang="ko-KR" dirty="0" smtClean="0"/>
-                  <a:t>Output(20)</a:t>
-                </a:r>
-              </a:p>
-              <a:p>
-                <a:pPr lvl="1"/>
-                <a:endParaRPr lang="en-US" altLang="ko-KR" dirty="0" smtClean="0"/>
-              </a:p>
-            </p:txBody>
-          </p:sp>
-        </mc:Choice>
-        <mc:Fallback xmlns="">
-          <p:sp>
-            <p:nvSpPr>
-              <p:cNvPr id="4" name="TextBox 3"/>
-              <p:cNvSpPr txBox="1">
-                <a:spLocks noRot="1" noChangeAspect="1" noMove="1" noResize="1" noEditPoints="1" noAdjustHandles="1" noChangeArrowheads="1" noChangeShapeType="1" noTextEdit="1"/>
-              </p:cNvSpPr>
-              <p:nvPr/>
-            </p:nvSpPr>
-            <p:spPr>
-              <a:xfrm>
-                <a:off x="838200" y="1459832"/>
-                <a:ext cx="11000874" cy="3992568"/>
-              </a:xfrm>
-              <a:prstGeom prst="rect">
-                <a:avLst/>
-              </a:prstGeom>
-              <a:blipFill>
-                <a:blip r:embed="rId2"/>
-                <a:stretch>
-                  <a:fillRect l="-610" t="-1374"/>
-                </a:stretch>
-              </a:blipFill>
-            </p:spPr>
-            <p:txBody>
-              <a:bodyPr/>
-              <a:lstStyle/>
-              <a:p>
-                <a:r>
-                  <a:rPr lang="ko-KR" altLang="en-US">
-                    <a:noFill/>
-                  </a:rPr>
-                  <a:t> </a:t>
-                </a:r>
-              </a:p>
-            </p:txBody>
-          </p:sp>
-        </mc:Fallback>
-      </mc:AlternateContent>
-      <p:pic>
-        <p:nvPicPr>
-          <p:cNvPr id="3" name="그림 2"/>
-          <p:cNvPicPr>
-            <a:picLocks noChangeAspect="1"/>
-          </p:cNvPicPr>
-          <p:nvPr/>
-        </p:nvPicPr>
-        <p:blipFill>
-          <a:blip r:embed="rId3"/>
-          <a:stretch>
-            <a:fillRect/>
-          </a:stretch>
-        </p:blipFill>
-        <p:spPr>
-          <a:xfrm>
-            <a:off x="7946967" y="1797422"/>
-            <a:ext cx="3586508" cy="2717247"/>
-          </a:xfrm>
-          <a:prstGeom prst="rect">
-            <a:avLst/>
-          </a:prstGeom>
-        </p:spPr>
-      </p:pic>
-      <p:sp>
-        <p:nvSpPr>
-          <p:cNvPr id="5" name="TextBox 4"/>
-          <p:cNvSpPr txBox="1"/>
-          <p:nvPr/>
-        </p:nvSpPr>
-        <p:spPr>
-          <a:xfrm>
-            <a:off x="8711738" y="4621403"/>
-            <a:ext cx="3017520" cy="369332"/>
-          </a:xfrm>
-          <a:prstGeom prst="rect">
-            <a:avLst/>
-          </a:prstGeom>
-          <a:noFill/>
-        </p:spPr>
-        <p:txBody>
-          <a:bodyPr wrap="square" rtlCol="0">
-            <a:spAutoFit/>
-          </a:bodyPr>
-          <a:lstStyle/>
-          <a:p>
-            <a:r>
-              <a:rPr lang="en-US" altLang="ko-KR" dirty="0" smtClean="0"/>
-              <a:t>&lt;</a:t>
-            </a:r>
-            <a:r>
-              <a:rPr lang="ko-KR" altLang="en-US" dirty="0" err="1" smtClean="0"/>
-              <a:t>하이퍼파라미터</a:t>
-            </a:r>
-            <a:r>
-              <a:rPr lang="en-US" altLang="ko-KR" dirty="0" smtClean="0"/>
-              <a:t>&gt;</a:t>
-            </a:r>
-            <a:r>
-              <a:rPr lang="ko-KR" altLang="en-US" dirty="0" smtClean="0"/>
-              <a:t> </a:t>
-            </a:r>
-            <a:endParaRPr lang="ko-KR" altLang="en-US" dirty="0"/>
-          </a:p>
-        </p:txBody>
-      </p:sp>
-      <p:sp>
-        <p:nvSpPr>
-          <p:cNvPr id="6" name="TextBox 5"/>
-          <p:cNvSpPr txBox="1"/>
-          <p:nvPr/>
-        </p:nvSpPr>
-        <p:spPr>
-          <a:xfrm>
-            <a:off x="5132008" y="5559134"/>
-            <a:ext cx="5382206" cy="830997"/>
-          </a:xfrm>
-          <a:prstGeom prst="rect">
-            <a:avLst/>
-          </a:prstGeom>
-          <a:noFill/>
-        </p:spPr>
-        <p:txBody>
-          <a:bodyPr wrap="square" rtlCol="0">
-            <a:spAutoFit/>
-          </a:bodyPr>
-          <a:lstStyle/>
-          <a:p>
-            <a:r>
-              <a:rPr lang="ko-KR" altLang="en-US" sz="2400" b="1" dirty="0" smtClean="0">
-                <a:solidFill>
-                  <a:srgbClr val="FF0000"/>
-                </a:solidFill>
-              </a:rPr>
-              <a:t>실패</a:t>
-            </a:r>
-            <a:r>
-              <a:rPr lang="en-US" altLang="ko-KR" sz="2400" b="1" dirty="0" smtClean="0">
-                <a:solidFill>
-                  <a:srgbClr val="FF0000"/>
-                </a:solidFill>
-              </a:rPr>
-              <a:t>…. </a:t>
-            </a:r>
-            <a:br>
-              <a:rPr lang="en-US" altLang="ko-KR" sz="2400" b="1" dirty="0" smtClean="0">
-                <a:solidFill>
-                  <a:srgbClr val="FF0000"/>
-                </a:solidFill>
-              </a:rPr>
-            </a:br>
-            <a:r>
-              <a:rPr lang="ko-KR" altLang="en-US" sz="2400" b="1" dirty="0" smtClean="0">
-                <a:solidFill>
-                  <a:srgbClr val="FF0000"/>
-                </a:solidFill>
-              </a:rPr>
-              <a:t>편차가 너무 심한 것으로 보임 </a:t>
-            </a:r>
-            <a:endParaRPr lang="ko-KR" altLang="en-US" dirty="0"/>
-          </a:p>
-        </p:txBody>
-      </p:sp>
-    </p:spTree>
-    <p:extLst>
-      <p:ext uri="{BB962C8B-B14F-4D97-AF65-F5344CB8AC3E}">
-        <p14:creationId xmlns:p14="http://schemas.microsoft.com/office/powerpoint/2010/main" val="1045989020"/>
-      </p:ext>
-    </p:extLst>
-  </p:cSld>
-  <p:clrMapOvr>
-    <a:masterClrMapping/>
-  </p:clrMapOvr>
-</p:sld>
-</file>
-
-<file path=ppt/slides/slide4.xml><?xml version="1.0" encoding="utf-8"?>
-<p:sld xmlns:a="http://schemas.openxmlformats.org/drawingml/2006/main" xmlns:r="http://schemas.openxmlformats.org/officeDocument/2006/relationships" xmlns:p="http://schemas.openxmlformats.org/presentationml/2006/main">
-  <p:cSld>
-    <p:spTree>
-      <p:nvGrpSpPr>
-        <p:cNvPr id="1" name=""/>
-        <p:cNvGrpSpPr/>
-        <p:nvPr/>
-      </p:nvGrpSpPr>
-      <p:grpSpPr>
-        <a:xfrm>
-          <a:off x="0" y="0"/>
-          <a:ext cx="0" cy="0"/>
-          <a:chOff x="0" y="0"/>
-          <a:chExt cx="0" cy="0"/>
-        </a:xfrm>
-      </p:grpSpPr>
-      <p:sp>
-        <p:nvSpPr>
-          <p:cNvPr id="2" name="제목 1"/>
-          <p:cNvSpPr>
-            <a:spLocks noGrp="1"/>
-          </p:cNvSpPr>
-          <p:nvPr>
-            <p:ph type="title"/>
-          </p:nvPr>
-        </p:nvSpPr>
-        <p:spPr/>
-        <p:txBody>
-          <a:bodyPr/>
-          <a:lstStyle/>
-          <a:p>
-            <a:r>
-              <a:rPr lang="en-US" altLang="ko-KR" dirty="0" smtClean="0"/>
-              <a:t>DDQN</a:t>
-            </a:r>
-            <a:r>
-              <a:rPr lang="ko-KR" altLang="en-US" dirty="0" smtClean="0"/>
-              <a:t> </a:t>
-            </a:r>
-            <a:r>
-              <a:rPr lang="en-US" altLang="ko-KR" dirty="0"/>
-              <a:t>3</a:t>
-            </a:r>
-            <a:r>
-              <a:rPr lang="en-US" altLang="ko-KR" dirty="0" smtClean="0"/>
-              <a:t> – </a:t>
-            </a:r>
-            <a:r>
-              <a:rPr lang="ko-KR" altLang="en-US" dirty="0" smtClean="0"/>
-              <a:t>노트북   </a:t>
-            </a:r>
-            <a:endParaRPr lang="ko-KR" altLang="en-US" dirty="0"/>
-          </a:p>
-        </p:txBody>
-      </p:sp>
-      <mc:AlternateContent xmlns:mc="http://schemas.openxmlformats.org/markup-compatibility/2006" xmlns:a14="http://schemas.microsoft.com/office/drawing/2010/main">
-        <mc:Choice Requires="a14">
-          <p:sp>
-            <p:nvSpPr>
-              <p:cNvPr id="4" name="TextBox 3"/>
-              <p:cNvSpPr txBox="1"/>
-              <p:nvPr/>
-            </p:nvSpPr>
-            <p:spPr>
-              <a:xfrm>
-                <a:off x="838200" y="1459832"/>
-                <a:ext cx="11000874" cy="4546566"/>
-              </a:xfrm>
-              <a:prstGeom prst="rect">
-                <a:avLst/>
-              </a:prstGeom>
-              <a:noFill/>
-            </p:spPr>
-            <p:txBody>
-              <a:bodyPr wrap="square" rtlCol="0">
-                <a:spAutoFit/>
-              </a:bodyPr>
-              <a:lstStyle/>
-              <a:p>
-                <a:pPr marL="285750" indent="-285750">
-                  <a:buFontTx/>
-                  <a:buChar char="-"/>
-                </a:pPr>
-                <a:r>
-                  <a:rPr lang="en-US" altLang="ko-KR" b="1" dirty="0" smtClean="0">
-                    <a:solidFill>
-                      <a:srgbClr val="FF0000"/>
-                    </a:solidFill>
-                  </a:rPr>
-                  <a:t>DDQN2</a:t>
-                </a:r>
-                <a:r>
-                  <a:rPr lang="ko-KR" altLang="en-US" b="1" dirty="0" smtClean="0">
-                    <a:solidFill>
-                      <a:srgbClr val="FF0000"/>
-                    </a:solidFill>
-                  </a:rPr>
-                  <a:t>과 비교하여 </a:t>
-                </a:r>
-                <a:r>
-                  <a:rPr lang="en-US" altLang="ko-KR" b="1" dirty="0" smtClean="0">
-                    <a:solidFill>
-                      <a:srgbClr val="FF0000"/>
-                    </a:solidFill>
-                  </a:rPr>
-                  <a:t>Input Layer</a:t>
-                </a:r>
-                <a:r>
-                  <a:rPr lang="ko-KR" altLang="en-US" b="1" dirty="0" smtClean="0">
-                    <a:solidFill>
-                      <a:srgbClr val="FF0000"/>
-                    </a:solidFill>
-                  </a:rPr>
-                  <a:t>에 </a:t>
-                </a:r>
-                <a:r>
-                  <a:rPr lang="en-US" altLang="ko-KR" b="1" dirty="0" err="1" smtClean="0">
-                    <a:solidFill>
-                      <a:srgbClr val="FF0000"/>
-                    </a:solidFill>
-                  </a:rPr>
-                  <a:t>BatchNormalization</a:t>
-                </a:r>
-                <a:r>
-                  <a:rPr lang="ko-KR" altLang="en-US" b="1" dirty="0" smtClean="0">
-                    <a:solidFill>
-                      <a:srgbClr val="FF0000"/>
-                    </a:solidFill>
-                  </a:rPr>
-                  <a:t>을 </a:t>
-                </a:r>
-                <a:r>
-                  <a:rPr lang="en-US" altLang="ko-KR" b="1" dirty="0" smtClean="0">
-                    <a:solidFill>
-                      <a:srgbClr val="FF0000"/>
-                    </a:solidFill>
-                  </a:rPr>
-                  <a:t/>
-                </a:r>
-                <a:br>
-                  <a:rPr lang="en-US" altLang="ko-KR" b="1" dirty="0" smtClean="0">
-                    <a:solidFill>
-                      <a:srgbClr val="FF0000"/>
-                    </a:solidFill>
-                  </a:rPr>
-                </a:br>
-                <a:r>
-                  <a:rPr lang="ko-KR" altLang="en-US" b="1" dirty="0" smtClean="0">
-                    <a:solidFill>
-                      <a:srgbClr val="FF0000"/>
-                    </a:solidFill>
-                  </a:rPr>
-                  <a:t>적용함 </a:t>
-                </a:r>
-                <a:endParaRPr lang="en-US" altLang="ko-KR" b="1" dirty="0">
-                  <a:solidFill>
-                    <a:srgbClr val="FF0000"/>
-                  </a:solidFill>
-                </a:endParaRPr>
-              </a:p>
-              <a:p>
-                <a:pPr marL="285750" indent="-285750">
-                  <a:buFontTx/>
-                  <a:buChar char="-"/>
-                </a:pPr>
-                <a:endParaRPr lang="en-US" altLang="ko-KR" b="1" dirty="0"/>
-              </a:p>
-              <a:p>
-                <a:pPr marL="285750" indent="-285750">
-                  <a:buFontTx/>
-                  <a:buChar char="-"/>
-                </a:pPr>
-                <a:r>
-                  <a:rPr lang="en-US" altLang="ko-KR" b="1" dirty="0" smtClean="0"/>
-                  <a:t>State, Action, Reward </a:t>
-                </a:r>
-              </a:p>
-              <a:p>
-                <a:pPr marL="742950" lvl="1" indent="-285750">
-                  <a:buFontTx/>
-                  <a:buChar char="-"/>
-                </a:pPr>
-                <a:r>
-                  <a:rPr lang="en-US" altLang="ko-KR" dirty="0" smtClean="0"/>
-                  <a:t>State:   [</a:t>
-                </a:r>
-                <a:r>
-                  <a:rPr lang="en-US" altLang="ko-KR" dirty="0" err="1" smtClean="0"/>
-                  <a:t>power_out</a:t>
-                </a:r>
-                <a:r>
-                  <a:rPr lang="en-US" altLang="ko-KR" dirty="0" smtClean="0"/>
-                  <a:t>, SOC – 0.6, </a:t>
-                </a:r>
-                <a:r>
-                  <a:rPr lang="en-US" altLang="ko-KR" dirty="0" err="1" smtClean="0"/>
-                  <a:t>j_min</a:t>
-                </a:r>
-                <a:r>
-                  <a:rPr lang="en-US" altLang="ko-KR" dirty="0" smtClean="0"/>
-                  <a:t>, </a:t>
-                </a:r>
-                <a:r>
-                  <a:rPr lang="en-US" altLang="ko-KR" dirty="0" err="1" smtClean="0"/>
-                  <a:t>j_max</a:t>
-                </a:r>
-                <a:r>
-                  <a:rPr lang="en-US" altLang="ko-KR" dirty="0" smtClean="0"/>
-                  <a:t>]</a:t>
-                </a:r>
-              </a:p>
-              <a:p>
-                <a:pPr marL="742950" lvl="1" indent="-285750">
-                  <a:buFontTx/>
-                  <a:buChar char="-"/>
-                </a:pPr>
-                <a:r>
-                  <a:rPr lang="en-US" altLang="ko-KR" dirty="0" smtClean="0"/>
-                  <a:t>Action:  </a:t>
-                </a:r>
-                <a:r>
-                  <a:rPr lang="ko-KR" altLang="en-US" dirty="0" smtClean="0"/>
-                  <a:t>크기 </a:t>
-                </a:r>
-                <a:r>
-                  <a:rPr lang="en-US" altLang="ko-KR" dirty="0" smtClean="0"/>
-                  <a:t>20</a:t>
-                </a:r>
-                <a:r>
-                  <a:rPr lang="ko-KR" altLang="en-US" dirty="0" smtClean="0"/>
-                  <a:t>의 이산화 된 액션 </a:t>
-                </a:r>
-                <a:endParaRPr lang="en-US" altLang="ko-KR" dirty="0" smtClean="0"/>
-              </a:p>
-              <a:p>
-                <a:pPr marL="742950" lvl="1" indent="-285750">
-                  <a:buFontTx/>
-                  <a:buChar char="-"/>
-                </a:pPr>
-                <a:r>
-                  <a:rPr lang="en-US" altLang="ko-KR" dirty="0" smtClean="0"/>
-                  <a:t>Reward: </a:t>
-                </a:r>
-                <a14:m>
-                  <m:oMath xmlns:m="http://schemas.openxmlformats.org/officeDocument/2006/math">
-                    <m:r>
-                      <a:rPr lang="en-US" altLang="ko-KR" b="0" i="0" smtClean="0">
-                        <a:latin typeface="Cambria Math" panose="02040503050406030204" pitchFamily="18" charset="0"/>
-                      </a:rPr>
-                      <m:t>− </m:t>
-                    </m:r>
-                    <m:acc>
-                      <m:accPr>
-                        <m:chr m:val="̇"/>
-                        <m:ctrlPr>
-                          <a:rPr lang="en-US" altLang="ko-KR" i="1" smtClean="0">
-                            <a:latin typeface="Cambria Math" panose="02040503050406030204" pitchFamily="18" charset="0"/>
-                          </a:rPr>
-                        </m:ctrlPr>
-                      </m:accPr>
-                      <m:e>
-                        <m:sSub>
-                          <m:sSubPr>
-                            <m:ctrlPr>
-                              <a:rPr lang="en-US" altLang="ko-KR" b="0" i="1" smtClean="0">
-                                <a:latin typeface="Cambria Math" panose="02040503050406030204" pitchFamily="18" charset="0"/>
-                              </a:rPr>
-                            </m:ctrlPr>
-                          </m:sSubPr>
-                          <m:e>
-                            <m:r>
-                              <a:rPr lang="en-US" altLang="ko-KR" b="0" i="1" smtClean="0">
-                                <a:latin typeface="Cambria Math" panose="02040503050406030204" pitchFamily="18" charset="0"/>
-                              </a:rPr>
-                              <m:t>𝑚</m:t>
-                            </m:r>
-                          </m:e>
-                          <m:sub>
-                            <m:r>
-                              <a:rPr lang="en-US" altLang="ko-KR" b="0" i="1" smtClean="0">
-                                <a:latin typeface="Cambria Math" panose="02040503050406030204" pitchFamily="18" charset="0"/>
-                              </a:rPr>
-                              <m:t>𝑓𝑐</m:t>
-                            </m:r>
-                          </m:sub>
-                        </m:sSub>
-                      </m:e>
-                    </m:acc>
-                    <m:r>
-                      <a:rPr lang="en-US" altLang="ko-KR" b="0" i="1" smtClean="0">
-                        <a:latin typeface="Cambria Math" panose="02040503050406030204" pitchFamily="18" charset="0"/>
-                      </a:rPr>
-                      <m:t> − </m:t>
-                    </m:r>
-                    <m:r>
-                      <a:rPr lang="ko-KR" altLang="en-US" b="0" i="1" smtClean="0">
-                        <a:latin typeface="Cambria Math" panose="02040503050406030204" pitchFamily="18" charset="0"/>
-                      </a:rPr>
-                      <m:t>𝛾</m:t>
-                    </m:r>
-                    <m:r>
-                      <a:rPr lang="en-US" altLang="ko-KR" b="0" i="1" smtClean="0">
-                        <a:latin typeface="Cambria Math" panose="02040503050406030204" pitchFamily="18" charset="0"/>
-                        <a:ea typeface="Cambria Math" panose="02040503050406030204" pitchFamily="18" charset="0"/>
-                      </a:rPr>
-                      <m:t>×</m:t>
-                    </m:r>
-                    <m:d>
-                      <m:dPr>
-                        <m:begChr m:val="|"/>
-                        <m:endChr m:val="|"/>
-                        <m:ctrlPr>
-                          <a:rPr lang="en-US" altLang="ko-KR" b="0" i="1" smtClean="0">
-                            <a:latin typeface="Cambria Math" panose="02040503050406030204" pitchFamily="18" charset="0"/>
-                            <a:ea typeface="Cambria Math" panose="02040503050406030204" pitchFamily="18" charset="0"/>
-                          </a:rPr>
-                        </m:ctrlPr>
-                      </m:dPr>
-                      <m:e>
-                        <m:r>
-                          <a:rPr lang="en-US" altLang="ko-KR" b="0" i="1" smtClean="0">
-                            <a:latin typeface="Cambria Math" panose="02040503050406030204" pitchFamily="18" charset="0"/>
-                            <a:ea typeface="Cambria Math" panose="02040503050406030204" pitchFamily="18" charset="0"/>
-                          </a:rPr>
-                          <m:t>𝑆𝑂𝐶</m:t>
-                        </m:r>
-                        <m:r>
-                          <a:rPr lang="en-US" altLang="ko-KR" b="0" i="1" smtClean="0">
-                            <a:latin typeface="Cambria Math" panose="02040503050406030204" pitchFamily="18" charset="0"/>
-                            <a:ea typeface="Cambria Math" panose="02040503050406030204" pitchFamily="18" charset="0"/>
-                          </a:rPr>
-                          <m:t>−0.6</m:t>
-                        </m:r>
-                      </m:e>
-                    </m:d>
-                    <m:r>
-                      <a:rPr lang="en-US" altLang="ko-KR" b="0" i="1" smtClean="0">
-                        <a:latin typeface="Cambria Math" panose="02040503050406030204" pitchFamily="18" charset="0"/>
-                      </a:rPr>
-                      <m:t> </m:t>
-                    </m:r>
-                  </m:oMath>
-                </a14:m>
-                <a:endParaRPr lang="en-US" altLang="ko-KR" dirty="0" smtClean="0"/>
-              </a:p>
-              <a:p>
-                <a:pPr marL="285750" indent="-285750">
-                  <a:buFontTx/>
-                  <a:buChar char="-"/>
-                </a:pPr>
-                <a:endParaRPr lang="en-US" altLang="ko-KR" dirty="0" smtClean="0"/>
-              </a:p>
-              <a:p>
-                <a:pPr marL="285750" indent="-285750">
-                  <a:buFontTx/>
-                  <a:buChar char="-"/>
-                </a:pPr>
-                <a:r>
-                  <a:rPr lang="ko-KR" altLang="en-US" b="1" dirty="0" smtClean="0"/>
-                  <a:t>네트워크 구조</a:t>
-                </a:r>
-                <a:r>
-                  <a:rPr lang="en-US" altLang="ko-KR" b="1" dirty="0" smtClean="0"/>
-                  <a:t>: </a:t>
-                </a:r>
-              </a:p>
-              <a:p>
-                <a:pPr marL="742950" lvl="1" indent="-285750">
-                  <a:buFontTx/>
-                  <a:buChar char="-"/>
-                </a:pPr>
-                <a:r>
-                  <a:rPr lang="en-US" altLang="ko-KR" b="1" dirty="0" smtClean="0"/>
-                  <a:t>Main, Target: </a:t>
-                </a:r>
-              </a:p>
-              <a:p>
-                <a:pPr marL="1200150" lvl="2" indent="-285750">
-                  <a:buFontTx/>
-                  <a:buChar char="-"/>
-                </a:pPr>
-                <a:r>
-                  <a:rPr lang="en-US" altLang="ko-KR" dirty="0" smtClean="0"/>
-                  <a:t>Input(4) </a:t>
-                </a:r>
-              </a:p>
-              <a:p>
-                <a:pPr marL="1200150" lvl="2" indent="-285750">
-                  <a:buFontTx/>
-                  <a:buChar char="-"/>
-                </a:pPr>
-                <a:r>
-                  <a:rPr lang="en-US" altLang="ko-KR" dirty="0" err="1" smtClean="0"/>
-                  <a:t>BatchNormalization</a:t>
-                </a:r>
-                <a:r>
-                  <a:rPr lang="en-US" altLang="ko-KR" dirty="0" smtClean="0"/>
-                  <a:t>() </a:t>
-                </a:r>
-              </a:p>
-              <a:p>
-                <a:pPr marL="1200150" lvl="2" indent="-285750">
-                  <a:buFontTx/>
-                  <a:buChar char="-"/>
-                </a:pPr>
-                <a:r>
-                  <a:rPr lang="en-US" altLang="ko-KR" dirty="0" smtClean="0"/>
-                  <a:t>Dense(30, activation=“</a:t>
-                </a:r>
-                <a:r>
-                  <a:rPr lang="en-US" altLang="ko-KR" dirty="0" err="1" smtClean="0"/>
-                  <a:t>relu</a:t>
-                </a:r>
-                <a:r>
-                  <a:rPr lang="en-US" altLang="ko-KR" dirty="0" smtClean="0"/>
-                  <a:t>”)</a:t>
-                </a:r>
-              </a:p>
-              <a:p>
-                <a:pPr marL="1200150" lvl="2" indent="-285750">
-                  <a:buFontTx/>
-                  <a:buChar char="-"/>
-                </a:pPr>
-                <a:r>
-                  <a:rPr lang="en-US" altLang="ko-KR" dirty="0" smtClean="0"/>
-                  <a:t>Dense(30, activation=“</a:t>
-                </a:r>
-                <a:r>
-                  <a:rPr lang="en-US" altLang="ko-KR" dirty="0" err="1" smtClean="0"/>
-                  <a:t>relu</a:t>
-                </a:r>
-                <a:r>
-                  <a:rPr lang="en-US" altLang="ko-KR" dirty="0" smtClean="0"/>
-                  <a:t>”)</a:t>
-                </a:r>
-              </a:p>
-              <a:p>
-                <a:pPr marL="1200150" lvl="2" indent="-285750">
-                  <a:buFontTx/>
-                  <a:buChar char="-"/>
-                </a:pPr>
-                <a:r>
-                  <a:rPr lang="en-US" altLang="ko-KR" dirty="0" smtClean="0"/>
-                  <a:t>Output(20)</a:t>
-                </a:r>
-              </a:p>
-              <a:p>
-                <a:pPr lvl="1"/>
-                <a:endParaRPr lang="en-US" altLang="ko-KR" dirty="0" smtClean="0"/>
-              </a:p>
-            </p:txBody>
-          </p:sp>
-        </mc:Choice>
-        <mc:Fallback xmlns="">
-          <p:sp>
-            <p:nvSpPr>
-              <p:cNvPr id="4" name="TextBox 3"/>
-              <p:cNvSpPr txBox="1">
-                <a:spLocks noRot="1" noChangeAspect="1" noMove="1" noResize="1" noEditPoints="1" noAdjustHandles="1" noChangeArrowheads="1" noChangeShapeType="1" noTextEdit="1"/>
-              </p:cNvSpPr>
-              <p:nvPr/>
-            </p:nvSpPr>
-            <p:spPr>
-              <a:xfrm>
-                <a:off x="838200" y="1459832"/>
-                <a:ext cx="11000874" cy="4546566"/>
-              </a:xfrm>
-              <a:prstGeom prst="rect">
-                <a:avLst/>
-              </a:prstGeom>
-              <a:blipFill>
-                <a:blip r:embed="rId2"/>
-                <a:stretch>
-                  <a:fillRect l="-610" t="-1206"/>
-                </a:stretch>
-              </a:blipFill>
-            </p:spPr>
-            <p:txBody>
-              <a:bodyPr/>
-              <a:lstStyle/>
-              <a:p>
-                <a:r>
-                  <a:rPr lang="ko-KR" altLang="en-US">
-                    <a:noFill/>
-                  </a:rPr>
-                  <a:t> </a:t>
-                </a:r>
-              </a:p>
-            </p:txBody>
-          </p:sp>
-        </mc:Fallback>
-      </mc:AlternateContent>
-      <p:pic>
-        <p:nvPicPr>
-          <p:cNvPr id="3" name="그림 2"/>
-          <p:cNvPicPr>
-            <a:picLocks noChangeAspect="1"/>
-          </p:cNvPicPr>
-          <p:nvPr/>
-        </p:nvPicPr>
-        <p:blipFill>
-          <a:blip r:embed="rId3"/>
-          <a:stretch>
-            <a:fillRect/>
-          </a:stretch>
-        </p:blipFill>
-        <p:spPr>
-          <a:xfrm>
-            <a:off x="7946967" y="1797422"/>
-            <a:ext cx="3586508" cy="2717247"/>
-          </a:xfrm>
-          <a:prstGeom prst="rect">
-            <a:avLst/>
-          </a:prstGeom>
-        </p:spPr>
-      </p:pic>
-      <p:sp>
-        <p:nvSpPr>
-          <p:cNvPr id="5" name="TextBox 4"/>
-          <p:cNvSpPr txBox="1"/>
-          <p:nvPr/>
-        </p:nvSpPr>
-        <p:spPr>
-          <a:xfrm>
-            <a:off x="8711738" y="4621403"/>
-            <a:ext cx="3017520" cy="369332"/>
-          </a:xfrm>
-          <a:prstGeom prst="rect">
-            <a:avLst/>
-          </a:prstGeom>
-          <a:noFill/>
-        </p:spPr>
-        <p:txBody>
-          <a:bodyPr wrap="square" rtlCol="0">
-            <a:spAutoFit/>
-          </a:bodyPr>
-          <a:lstStyle/>
-          <a:p>
-            <a:r>
-              <a:rPr lang="en-US" altLang="ko-KR" dirty="0" smtClean="0"/>
-              <a:t>&lt;</a:t>
-            </a:r>
-            <a:r>
-              <a:rPr lang="ko-KR" altLang="en-US" dirty="0" err="1" smtClean="0"/>
-              <a:t>하이퍼파라미터</a:t>
-            </a:r>
-            <a:r>
-              <a:rPr lang="en-US" altLang="ko-KR" dirty="0" smtClean="0"/>
-              <a:t>&gt;</a:t>
-            </a:r>
-            <a:r>
-              <a:rPr lang="ko-KR" altLang="en-US" dirty="0" smtClean="0"/>
-              <a:t> </a:t>
-            </a:r>
-            <a:endParaRPr lang="ko-KR" altLang="en-US" dirty="0"/>
-          </a:p>
-        </p:txBody>
-      </p:sp>
-      <p:sp>
-        <p:nvSpPr>
-          <p:cNvPr id="6" name="TextBox 5"/>
-          <p:cNvSpPr txBox="1"/>
-          <p:nvPr/>
-        </p:nvSpPr>
-        <p:spPr>
-          <a:xfrm>
-            <a:off x="2527940" y="5921265"/>
-            <a:ext cx="8940160" cy="830997"/>
-          </a:xfrm>
-          <a:prstGeom prst="rect">
-            <a:avLst/>
-          </a:prstGeom>
-          <a:noFill/>
-        </p:spPr>
-        <p:txBody>
-          <a:bodyPr wrap="square" rtlCol="0">
-            <a:spAutoFit/>
-          </a:bodyPr>
-          <a:lstStyle/>
-          <a:p>
-            <a:r>
-              <a:rPr lang="ko-KR" altLang="en-US" sz="2400" b="1" dirty="0" smtClean="0">
-                <a:solidFill>
-                  <a:srgbClr val="FF0000"/>
-                </a:solidFill>
-              </a:rPr>
-              <a:t>실패</a:t>
-            </a:r>
-            <a:r>
-              <a:rPr lang="en-US" altLang="ko-KR" sz="2400" b="1" dirty="0" smtClean="0">
-                <a:solidFill>
-                  <a:srgbClr val="FF0000"/>
-                </a:solidFill>
-              </a:rPr>
-              <a:t>… </a:t>
-            </a:r>
-          </a:p>
-          <a:p>
-            <a:r>
-              <a:rPr lang="en-US" altLang="ko-KR" sz="2400" b="1" dirty="0" smtClean="0">
-                <a:solidFill>
-                  <a:srgbClr val="FF0000"/>
-                </a:solidFill>
-              </a:rPr>
-              <a:t>Power out</a:t>
-            </a:r>
-            <a:r>
-              <a:rPr lang="ko-KR" altLang="en-US" sz="2400" b="1" dirty="0" smtClean="0">
-                <a:solidFill>
-                  <a:srgbClr val="FF0000"/>
-                </a:solidFill>
-              </a:rPr>
-              <a:t>과 나머지 변수들의 편차가 너무 큰 거 같음  </a:t>
-            </a:r>
-            <a:endParaRPr lang="ko-KR" altLang="en-US" dirty="0"/>
-          </a:p>
-        </p:txBody>
-      </p:sp>
-    </p:spTree>
-    <p:extLst>
-      <p:ext uri="{BB962C8B-B14F-4D97-AF65-F5344CB8AC3E}">
-        <p14:creationId xmlns:p14="http://schemas.microsoft.com/office/powerpoint/2010/main" val="1445469938"/>
-      </p:ext>
-    </p:extLst>
-  </p:cSld>
-  <p:clrMapOvr>
-    <a:masterClrMapping/>
-  </p:clrMapOvr>
-</p:sld>
-</file>
-
-<file path=ppt/slides/slide5.xml><?xml version="1.0" encoding="utf-8"?>
-<p:sld xmlns:a="http://schemas.openxmlformats.org/drawingml/2006/main" xmlns:r="http://schemas.openxmlformats.org/officeDocument/2006/relationships" xmlns:p="http://schemas.openxmlformats.org/presentationml/2006/main">
-  <p:cSld>
-    <p:spTree>
-      <p:nvGrpSpPr>
-        <p:cNvPr id="1" name=""/>
-        <p:cNvGrpSpPr/>
-        <p:nvPr/>
-      </p:nvGrpSpPr>
-      <p:grpSpPr>
-        <a:xfrm>
-          <a:off x="0" y="0"/>
-          <a:ext cx="0" cy="0"/>
-          <a:chOff x="0" y="0"/>
-          <a:chExt cx="0" cy="0"/>
-        </a:xfrm>
-      </p:grpSpPr>
-      <p:sp>
-        <p:nvSpPr>
-          <p:cNvPr id="2" name="제목 1"/>
-          <p:cNvSpPr>
-            <a:spLocks noGrp="1"/>
-          </p:cNvSpPr>
-          <p:nvPr>
-            <p:ph type="title"/>
-          </p:nvPr>
-        </p:nvSpPr>
-        <p:spPr/>
-        <p:txBody>
-          <a:bodyPr/>
-          <a:lstStyle/>
-          <a:p>
-            <a:r>
-              <a:rPr lang="en-US" altLang="ko-KR" dirty="0" smtClean="0"/>
-              <a:t>DDQN</a:t>
-            </a:r>
-            <a:r>
-              <a:rPr lang="ko-KR" altLang="en-US" dirty="0" smtClean="0"/>
-              <a:t> </a:t>
-            </a:r>
-            <a:r>
-              <a:rPr lang="en-US" altLang="ko-KR" dirty="0"/>
-              <a:t>4</a:t>
-            </a:r>
-            <a:r>
-              <a:rPr lang="en-US" altLang="ko-KR" dirty="0" smtClean="0"/>
-              <a:t> – </a:t>
-            </a:r>
-            <a:r>
-              <a:rPr lang="ko-KR" altLang="en-US" dirty="0" err="1" smtClean="0"/>
-              <a:t>데스크탑</a:t>
-            </a:r>
-            <a:r>
-              <a:rPr lang="ko-KR" altLang="en-US" dirty="0" smtClean="0"/>
-              <a:t>    </a:t>
-            </a:r>
-            <a:endParaRPr lang="ko-KR" altLang="en-US" dirty="0"/>
-          </a:p>
-        </p:txBody>
-      </p:sp>
-      <mc:AlternateContent xmlns:mc="http://schemas.openxmlformats.org/markup-compatibility/2006" xmlns:a14="http://schemas.microsoft.com/office/drawing/2010/main">
-        <mc:Choice Requires="a14">
-          <p:sp>
-            <p:nvSpPr>
-              <p:cNvPr id="4" name="TextBox 3"/>
-              <p:cNvSpPr txBox="1"/>
-              <p:nvPr/>
-            </p:nvSpPr>
-            <p:spPr>
-              <a:xfrm>
-                <a:off x="838200" y="1459832"/>
-                <a:ext cx="11000874" cy="4546566"/>
-              </a:xfrm>
-              <a:prstGeom prst="rect">
-                <a:avLst/>
-              </a:prstGeom>
-              <a:noFill/>
-            </p:spPr>
-            <p:txBody>
-              <a:bodyPr wrap="square" rtlCol="0">
-                <a:spAutoFit/>
-              </a:bodyPr>
-              <a:lstStyle/>
-              <a:p>
-                <a:pPr marL="285750" indent="-285750">
-                  <a:buFontTx/>
-                  <a:buChar char="-"/>
-                </a:pPr>
-                <a:r>
-                  <a:rPr lang="en-US" altLang="ko-KR" b="1" dirty="0" smtClean="0">
-                    <a:solidFill>
-                      <a:srgbClr val="FF0000"/>
-                    </a:solidFill>
-                  </a:rPr>
-                  <a:t>DDQN2</a:t>
-                </a:r>
-                <a:r>
-                  <a:rPr lang="ko-KR" altLang="en-US" b="1" dirty="0" smtClean="0">
-                    <a:solidFill>
-                      <a:srgbClr val="FF0000"/>
-                    </a:solidFill>
-                  </a:rPr>
-                  <a:t>과 비교하여 </a:t>
-                </a:r>
-                <a:r>
-                  <a:rPr lang="en-US" altLang="ko-KR" b="1" dirty="0" smtClean="0">
-                    <a:solidFill>
-                      <a:srgbClr val="FF0000"/>
-                    </a:solidFill>
-                  </a:rPr>
-                  <a:t>Input Layer</a:t>
-                </a:r>
-                <a:r>
-                  <a:rPr lang="ko-KR" altLang="en-US" b="1" dirty="0" smtClean="0">
-                    <a:solidFill>
-                      <a:srgbClr val="FF0000"/>
-                    </a:solidFill>
-                  </a:rPr>
-                  <a:t>에 </a:t>
-                </a:r>
-                <a:r>
-                  <a:rPr lang="en-US" altLang="ko-KR" b="1" dirty="0" err="1" smtClean="0">
-                    <a:solidFill>
-                      <a:srgbClr val="FF0000"/>
-                    </a:solidFill>
-                  </a:rPr>
-                  <a:t>BatchNormalization</a:t>
-                </a:r>
-                <a:r>
-                  <a:rPr lang="ko-KR" altLang="en-US" b="1" dirty="0" smtClean="0">
-                    <a:solidFill>
-                      <a:srgbClr val="FF0000"/>
-                    </a:solidFill>
-                  </a:rPr>
-                  <a:t>을 </a:t>
-                </a:r>
-                <a:r>
-                  <a:rPr lang="en-US" altLang="ko-KR" b="1" dirty="0" smtClean="0">
-                    <a:solidFill>
-                      <a:srgbClr val="FF0000"/>
-                    </a:solidFill>
-                  </a:rPr>
-                  <a:t/>
-                </a:r>
-                <a:br>
-                  <a:rPr lang="en-US" altLang="ko-KR" b="1" dirty="0" smtClean="0">
-                    <a:solidFill>
-                      <a:srgbClr val="FF0000"/>
-                    </a:solidFill>
-                  </a:rPr>
-                </a:br>
-                <a:r>
-                  <a:rPr lang="ko-KR" altLang="en-US" b="1" dirty="0" smtClean="0">
-                    <a:solidFill>
-                      <a:srgbClr val="FF0000"/>
-                    </a:solidFill>
-                  </a:rPr>
-                  <a:t>적용함 </a:t>
-                </a:r>
-                <a:endParaRPr lang="en-US" altLang="ko-KR" b="1" dirty="0">
-                  <a:solidFill>
-                    <a:srgbClr val="FF0000"/>
-                  </a:solidFill>
-                </a:endParaRPr>
-              </a:p>
-              <a:p>
-                <a:pPr marL="285750" indent="-285750">
-                  <a:buFontTx/>
-                  <a:buChar char="-"/>
-                </a:pPr>
-                <a:endParaRPr lang="en-US" altLang="ko-KR" b="1" dirty="0"/>
-              </a:p>
-              <a:p>
-                <a:pPr marL="285750" indent="-285750">
-                  <a:buFontTx/>
-                  <a:buChar char="-"/>
-                </a:pPr>
-                <a:r>
-                  <a:rPr lang="en-US" altLang="ko-KR" b="1" dirty="0" smtClean="0"/>
-                  <a:t>State, Action, Reward </a:t>
-                </a:r>
-              </a:p>
-              <a:p>
-                <a:pPr marL="742950" lvl="1" indent="-285750">
-                  <a:buFontTx/>
-                  <a:buChar char="-"/>
-                </a:pPr>
-                <a:r>
-                  <a:rPr lang="en-US" altLang="ko-KR" dirty="0" smtClean="0"/>
-                  <a:t>State:   [</a:t>
-                </a:r>
-                <a:r>
-                  <a:rPr lang="en-US" altLang="ko-KR" dirty="0" err="1" smtClean="0"/>
-                  <a:t>power_out</a:t>
-                </a:r>
-                <a:r>
-                  <a:rPr lang="en-US" altLang="ko-KR" dirty="0" smtClean="0"/>
-                  <a:t>, SOC – 0.6, </a:t>
-                </a:r>
-                <a:r>
-                  <a:rPr lang="en-US" altLang="ko-KR" dirty="0" err="1" smtClean="0"/>
-                  <a:t>j_min</a:t>
-                </a:r>
-                <a:r>
-                  <a:rPr lang="en-US" altLang="ko-KR" dirty="0" smtClean="0"/>
-                  <a:t>, </a:t>
-                </a:r>
-                <a:r>
-                  <a:rPr lang="en-US" altLang="ko-KR" dirty="0" err="1" smtClean="0"/>
-                  <a:t>j_max</a:t>
-                </a:r>
-                <a:r>
-                  <a:rPr lang="en-US" altLang="ko-KR" dirty="0" smtClean="0"/>
-                  <a:t>]</a:t>
-                </a:r>
-              </a:p>
-              <a:p>
-                <a:pPr marL="742950" lvl="1" indent="-285750">
-                  <a:buFontTx/>
-                  <a:buChar char="-"/>
-                </a:pPr>
-                <a:r>
-                  <a:rPr lang="en-US" altLang="ko-KR" dirty="0" smtClean="0"/>
-                  <a:t>Action:  </a:t>
-                </a:r>
-                <a:r>
-                  <a:rPr lang="ko-KR" altLang="en-US" dirty="0" smtClean="0"/>
-                  <a:t>크기 </a:t>
-                </a:r>
-                <a:r>
-                  <a:rPr lang="en-US" altLang="ko-KR" dirty="0" smtClean="0"/>
-                  <a:t>20</a:t>
-                </a:r>
-                <a:r>
-                  <a:rPr lang="ko-KR" altLang="en-US" dirty="0" smtClean="0"/>
-                  <a:t>의 이산화 된 액션 </a:t>
-                </a:r>
-                <a:endParaRPr lang="en-US" altLang="ko-KR" dirty="0" smtClean="0"/>
-              </a:p>
-              <a:p>
-                <a:pPr marL="742950" lvl="1" indent="-285750">
-                  <a:buFontTx/>
-                  <a:buChar char="-"/>
-                </a:pPr>
-                <a:r>
-                  <a:rPr lang="en-US" altLang="ko-KR" dirty="0" smtClean="0"/>
-                  <a:t>Reward: </a:t>
-                </a:r>
-                <a14:m>
-                  <m:oMath xmlns:m="http://schemas.openxmlformats.org/officeDocument/2006/math">
-                    <m:r>
-                      <a:rPr lang="en-US" altLang="ko-KR" b="0" i="0" smtClean="0">
-                        <a:latin typeface="Cambria Math" panose="02040503050406030204" pitchFamily="18" charset="0"/>
-                      </a:rPr>
-                      <m:t>− </m:t>
-                    </m:r>
-                    <m:acc>
-                      <m:accPr>
-                        <m:chr m:val="̇"/>
-                        <m:ctrlPr>
-                          <a:rPr lang="en-US" altLang="ko-KR" i="1" smtClean="0">
-                            <a:latin typeface="Cambria Math" panose="02040503050406030204" pitchFamily="18" charset="0"/>
-                          </a:rPr>
-                        </m:ctrlPr>
-                      </m:accPr>
-                      <m:e>
-                        <m:sSub>
-                          <m:sSubPr>
-                            <m:ctrlPr>
-                              <a:rPr lang="en-US" altLang="ko-KR" b="0" i="1" smtClean="0">
-                                <a:latin typeface="Cambria Math" panose="02040503050406030204" pitchFamily="18" charset="0"/>
-                              </a:rPr>
-                            </m:ctrlPr>
-                          </m:sSubPr>
-                          <m:e>
-                            <m:r>
-                              <a:rPr lang="en-US" altLang="ko-KR" b="0" i="1" smtClean="0">
-                                <a:latin typeface="Cambria Math" panose="02040503050406030204" pitchFamily="18" charset="0"/>
-                              </a:rPr>
-                              <m:t>𝑚</m:t>
-                            </m:r>
-                          </m:e>
-                          <m:sub>
-                            <m:r>
-                              <a:rPr lang="en-US" altLang="ko-KR" b="0" i="1" smtClean="0">
-                                <a:latin typeface="Cambria Math" panose="02040503050406030204" pitchFamily="18" charset="0"/>
-                              </a:rPr>
-                              <m:t>𝑓𝑐</m:t>
-                            </m:r>
-                          </m:sub>
-                        </m:sSub>
-                      </m:e>
-                    </m:acc>
-                    <m:r>
-                      <a:rPr lang="en-US" altLang="ko-KR" b="0" i="1" smtClean="0">
-                        <a:latin typeface="Cambria Math" panose="02040503050406030204" pitchFamily="18" charset="0"/>
-                      </a:rPr>
-                      <m:t> − </m:t>
-                    </m:r>
-                    <m:r>
-                      <a:rPr lang="ko-KR" altLang="en-US" b="0" i="1" smtClean="0">
-                        <a:latin typeface="Cambria Math" panose="02040503050406030204" pitchFamily="18" charset="0"/>
-                      </a:rPr>
-                      <m:t>𝛾</m:t>
-                    </m:r>
-                    <m:r>
-                      <a:rPr lang="en-US" altLang="ko-KR" b="0" i="1" smtClean="0">
-                        <a:latin typeface="Cambria Math" panose="02040503050406030204" pitchFamily="18" charset="0"/>
-                        <a:ea typeface="Cambria Math" panose="02040503050406030204" pitchFamily="18" charset="0"/>
-                      </a:rPr>
-                      <m:t>×</m:t>
-                    </m:r>
-                    <m:d>
-                      <m:dPr>
-                        <m:begChr m:val="|"/>
-                        <m:endChr m:val="|"/>
-                        <m:ctrlPr>
-                          <a:rPr lang="en-US" altLang="ko-KR" b="0" i="1" smtClean="0">
-                            <a:latin typeface="Cambria Math" panose="02040503050406030204" pitchFamily="18" charset="0"/>
-                            <a:ea typeface="Cambria Math" panose="02040503050406030204" pitchFamily="18" charset="0"/>
-                          </a:rPr>
-                        </m:ctrlPr>
-                      </m:dPr>
-                      <m:e>
-                        <m:r>
-                          <a:rPr lang="en-US" altLang="ko-KR" b="0" i="1" smtClean="0">
-                            <a:latin typeface="Cambria Math" panose="02040503050406030204" pitchFamily="18" charset="0"/>
-                            <a:ea typeface="Cambria Math" panose="02040503050406030204" pitchFamily="18" charset="0"/>
-                          </a:rPr>
-                          <m:t>𝑆𝑂𝐶</m:t>
-                        </m:r>
-                        <m:r>
-                          <a:rPr lang="en-US" altLang="ko-KR" b="0" i="1" smtClean="0">
-                            <a:latin typeface="Cambria Math" panose="02040503050406030204" pitchFamily="18" charset="0"/>
-                            <a:ea typeface="Cambria Math" panose="02040503050406030204" pitchFamily="18" charset="0"/>
-                          </a:rPr>
-                          <m:t>−0.6</m:t>
-                        </m:r>
-                      </m:e>
-                    </m:d>
-                    <m:r>
-                      <a:rPr lang="en-US" altLang="ko-KR" b="0" i="1" smtClean="0">
-                        <a:latin typeface="Cambria Math" panose="02040503050406030204" pitchFamily="18" charset="0"/>
-                      </a:rPr>
-                      <m:t> </m:t>
-                    </m:r>
-                  </m:oMath>
-                </a14:m>
-                <a:endParaRPr lang="en-US" altLang="ko-KR" dirty="0" smtClean="0"/>
-              </a:p>
-              <a:p>
-                <a:pPr marL="285750" indent="-285750">
-                  <a:buFontTx/>
-                  <a:buChar char="-"/>
-                </a:pPr>
-                <a:endParaRPr lang="en-US" altLang="ko-KR" dirty="0" smtClean="0"/>
-              </a:p>
-              <a:p>
-                <a:pPr marL="285750" indent="-285750">
-                  <a:buFontTx/>
-                  <a:buChar char="-"/>
-                </a:pPr>
-                <a:r>
-                  <a:rPr lang="ko-KR" altLang="en-US" b="1" dirty="0" smtClean="0"/>
-                  <a:t>네트워크 구조</a:t>
-                </a:r>
-                <a:r>
-                  <a:rPr lang="en-US" altLang="ko-KR" b="1" dirty="0" smtClean="0"/>
-                  <a:t>: </a:t>
-                </a:r>
-              </a:p>
-              <a:p>
-                <a:pPr marL="742950" lvl="1" indent="-285750">
-                  <a:buFontTx/>
-                  <a:buChar char="-"/>
-                </a:pPr>
-                <a:r>
-                  <a:rPr lang="en-US" altLang="ko-KR" b="1" dirty="0" smtClean="0"/>
-                  <a:t>Main, Target: </a:t>
-                </a:r>
-              </a:p>
-              <a:p>
-                <a:pPr marL="1200150" lvl="2" indent="-285750">
-                  <a:buFontTx/>
-                  <a:buChar char="-"/>
-                </a:pPr>
-                <a:r>
-                  <a:rPr lang="en-US" altLang="ko-KR" dirty="0" smtClean="0"/>
-                  <a:t>Input(4) </a:t>
-                </a:r>
-              </a:p>
-              <a:p>
-                <a:pPr marL="1200150" lvl="2" indent="-285750">
-                  <a:buFontTx/>
-                  <a:buChar char="-"/>
-                </a:pPr>
-                <a:r>
-                  <a:rPr lang="en-US" altLang="ko-KR" dirty="0" err="1" smtClean="0"/>
-                  <a:t>BatchNormalization</a:t>
-                </a:r>
-                <a:r>
-                  <a:rPr lang="en-US" altLang="ko-KR" dirty="0" smtClean="0"/>
-                  <a:t>() </a:t>
-                </a:r>
-              </a:p>
-              <a:p>
-                <a:pPr marL="1200150" lvl="2" indent="-285750">
-                  <a:buFontTx/>
-                  <a:buChar char="-"/>
-                </a:pPr>
-                <a:r>
-                  <a:rPr lang="en-US" altLang="ko-KR" dirty="0" smtClean="0"/>
-                  <a:t>Dense(30, activation=“</a:t>
-                </a:r>
-                <a:r>
-                  <a:rPr lang="en-US" altLang="ko-KR" dirty="0" err="1" smtClean="0"/>
-                  <a:t>relu</a:t>
-                </a:r>
-                <a:r>
-                  <a:rPr lang="en-US" altLang="ko-KR" dirty="0" smtClean="0"/>
-                  <a:t>”)</a:t>
-                </a:r>
-              </a:p>
-              <a:p>
-                <a:pPr marL="1200150" lvl="2" indent="-285750">
-                  <a:buFontTx/>
-                  <a:buChar char="-"/>
-                </a:pPr>
-                <a:r>
-                  <a:rPr lang="en-US" altLang="ko-KR" dirty="0" smtClean="0"/>
-                  <a:t>Dense(30, activation=“</a:t>
-                </a:r>
-                <a:r>
-                  <a:rPr lang="en-US" altLang="ko-KR" dirty="0" err="1" smtClean="0"/>
-                  <a:t>relu</a:t>
-                </a:r>
-                <a:r>
-                  <a:rPr lang="en-US" altLang="ko-KR" dirty="0" smtClean="0"/>
-                  <a:t>”)</a:t>
-                </a:r>
-              </a:p>
-              <a:p>
-                <a:pPr marL="1200150" lvl="2" indent="-285750">
-                  <a:buFontTx/>
-                  <a:buChar char="-"/>
-                </a:pPr>
-                <a:r>
-                  <a:rPr lang="en-US" altLang="ko-KR" dirty="0" smtClean="0"/>
-                  <a:t>Output(20)</a:t>
-                </a:r>
-              </a:p>
-              <a:p>
-                <a:pPr lvl="1"/>
-                <a:endParaRPr lang="en-US" altLang="ko-KR" dirty="0" smtClean="0"/>
-              </a:p>
-            </p:txBody>
-          </p:sp>
-        </mc:Choice>
-        <mc:Fallback xmlns="">
-          <p:sp>
-            <p:nvSpPr>
-              <p:cNvPr id="4" name="TextBox 3"/>
-              <p:cNvSpPr txBox="1">
-                <a:spLocks noRot="1" noChangeAspect="1" noMove="1" noResize="1" noEditPoints="1" noAdjustHandles="1" noChangeArrowheads="1" noChangeShapeType="1" noTextEdit="1"/>
-              </p:cNvSpPr>
-              <p:nvPr/>
-            </p:nvSpPr>
-            <p:spPr>
-              <a:xfrm>
-                <a:off x="838200" y="1459832"/>
-                <a:ext cx="11000874" cy="4546566"/>
-              </a:xfrm>
-              <a:prstGeom prst="rect">
-                <a:avLst/>
-              </a:prstGeom>
-              <a:blipFill>
-                <a:blip r:embed="rId2"/>
-                <a:stretch>
-                  <a:fillRect l="-610" t="-1206"/>
-                </a:stretch>
-              </a:blipFill>
-            </p:spPr>
-            <p:txBody>
-              <a:bodyPr/>
-              <a:lstStyle/>
-              <a:p>
-                <a:r>
-                  <a:rPr lang="ko-KR" altLang="en-US">
-                    <a:noFill/>
-                  </a:rPr>
-                  <a:t> </a:t>
-                </a:r>
-              </a:p>
-            </p:txBody>
-          </p:sp>
-        </mc:Fallback>
-      </mc:AlternateContent>
-      <p:pic>
-        <p:nvPicPr>
-          <p:cNvPr id="3" name="그림 2"/>
-          <p:cNvPicPr>
-            <a:picLocks noChangeAspect="1"/>
-          </p:cNvPicPr>
-          <p:nvPr/>
-        </p:nvPicPr>
-        <p:blipFill>
-          <a:blip r:embed="rId3"/>
-          <a:stretch>
-            <a:fillRect/>
-          </a:stretch>
-        </p:blipFill>
-        <p:spPr>
-          <a:xfrm>
-            <a:off x="7946967" y="1797422"/>
-            <a:ext cx="3586508" cy="2717247"/>
-          </a:xfrm>
-          <a:prstGeom prst="rect">
-            <a:avLst/>
-          </a:prstGeom>
-        </p:spPr>
-      </p:pic>
-      <p:sp>
-        <p:nvSpPr>
-          <p:cNvPr id="5" name="TextBox 4"/>
-          <p:cNvSpPr txBox="1"/>
-          <p:nvPr/>
-        </p:nvSpPr>
-        <p:spPr>
-          <a:xfrm>
-            <a:off x="8711738" y="4621403"/>
-            <a:ext cx="3017520" cy="369332"/>
-          </a:xfrm>
-          <a:prstGeom prst="rect">
-            <a:avLst/>
-          </a:prstGeom>
-          <a:noFill/>
-        </p:spPr>
-        <p:txBody>
-          <a:bodyPr wrap="square" rtlCol="0">
-            <a:spAutoFit/>
-          </a:bodyPr>
-          <a:lstStyle/>
-          <a:p>
-            <a:r>
-              <a:rPr lang="en-US" altLang="ko-KR" dirty="0" smtClean="0"/>
-              <a:t>&lt;</a:t>
-            </a:r>
-            <a:r>
-              <a:rPr lang="ko-KR" altLang="en-US" dirty="0" err="1" smtClean="0"/>
-              <a:t>하이퍼파라미터</a:t>
-            </a:r>
-            <a:r>
-              <a:rPr lang="en-US" altLang="ko-KR" dirty="0" smtClean="0"/>
-              <a:t>&gt;</a:t>
-            </a:r>
-            <a:r>
-              <a:rPr lang="ko-KR" altLang="en-US" dirty="0" smtClean="0"/>
-              <a:t> </a:t>
-            </a:r>
-            <a:endParaRPr lang="ko-KR" altLang="en-US" dirty="0"/>
-          </a:p>
-        </p:txBody>
-      </p:sp>
-      <p:sp>
-        <p:nvSpPr>
-          <p:cNvPr id="6" name="TextBox 5"/>
-          <p:cNvSpPr txBox="1"/>
-          <p:nvPr/>
-        </p:nvSpPr>
-        <p:spPr>
-          <a:xfrm>
-            <a:off x="2652631" y="5846450"/>
-            <a:ext cx="8940160" cy="461665"/>
-          </a:xfrm>
-          <a:prstGeom prst="rect">
-            <a:avLst/>
-          </a:prstGeom>
-          <a:noFill/>
-        </p:spPr>
-        <p:txBody>
-          <a:bodyPr wrap="square" rtlCol="0">
-            <a:spAutoFit/>
-          </a:bodyPr>
-          <a:lstStyle/>
-          <a:p>
-            <a:r>
-              <a:rPr lang="ko-KR" altLang="en-US" sz="2400" b="1" dirty="0" smtClean="0">
-                <a:solidFill>
-                  <a:srgbClr val="FF0000"/>
-                </a:solidFill>
-              </a:rPr>
-              <a:t>실험 예정</a:t>
-            </a:r>
-            <a:r>
-              <a:rPr lang="en-US" altLang="ko-KR" sz="2400" b="1" dirty="0" smtClean="0">
-                <a:solidFill>
-                  <a:srgbClr val="FF0000"/>
-                </a:solidFill>
-              </a:rPr>
-              <a:t>… </a:t>
-            </a:r>
-          </a:p>
-        </p:txBody>
-      </p:sp>
-    </p:spTree>
-    <p:extLst>
-      <p:ext uri="{BB962C8B-B14F-4D97-AF65-F5344CB8AC3E}">
-        <p14:creationId xmlns:p14="http://schemas.microsoft.com/office/powerpoint/2010/main" val="108779351"/>
-      </p:ext>
-    </p:extLst>
-  </p:cSld>
-  <p:clrMapOvr>
-    <a:masterClrMapping/>
-  </p:clrMapOvr>
-</p:sld>
-</file>
-
-<file path=ppt/slides/slide6.xml><?xml version="1.0" encoding="utf-8"?>
-<p:sld xmlns:a="http://schemas.openxmlformats.org/drawingml/2006/main" xmlns:r="http://schemas.openxmlformats.org/officeDocument/2006/relationships" xmlns:p="http://schemas.openxmlformats.org/presentationml/2006/main">
-  <p:cSld>
-    <p:spTree>
-      <p:nvGrpSpPr>
-        <p:cNvPr id="1" name=""/>
-        <p:cNvGrpSpPr/>
-        <p:nvPr/>
-      </p:nvGrpSpPr>
-      <p:grpSpPr>
-        <a:xfrm>
-          <a:off x="0" y="0"/>
-          <a:ext cx="0" cy="0"/>
-          <a:chOff x="0" y="0"/>
-          <a:chExt cx="0" cy="0"/>
-        </a:xfrm>
-      </p:grpSpPr>
-      <p:sp>
-        <p:nvSpPr>
-          <p:cNvPr id="2" name="제목 1"/>
-          <p:cNvSpPr>
-            <a:spLocks noGrp="1"/>
-          </p:cNvSpPr>
-          <p:nvPr>
-            <p:ph type="title"/>
-          </p:nvPr>
-        </p:nvSpPr>
-        <p:spPr/>
-        <p:txBody>
-          <a:bodyPr/>
-          <a:lstStyle/>
-          <a:p>
-            <a:r>
-              <a:rPr lang="en-US" altLang="ko-KR" dirty="0" smtClean="0"/>
-              <a:t>DDPG</a:t>
-            </a:r>
-            <a:r>
-              <a:rPr lang="ko-KR" altLang="en-US" dirty="0" smtClean="0"/>
-              <a:t> </a:t>
-            </a:r>
-            <a:r>
-              <a:rPr lang="en-US" altLang="ko-KR" dirty="0" smtClean="0"/>
-              <a:t>1 – </a:t>
-            </a:r>
-            <a:r>
-              <a:rPr lang="ko-KR" altLang="en-US" dirty="0" err="1" smtClean="0"/>
-              <a:t>데스크탑</a:t>
-            </a:r>
-            <a:r>
-              <a:rPr lang="ko-KR" altLang="en-US" dirty="0" smtClean="0"/>
-              <a:t>  </a:t>
-            </a:r>
-            <a:endParaRPr lang="ko-KR" altLang="en-US" dirty="0"/>
-          </a:p>
-        </p:txBody>
-      </p:sp>
-      <mc:AlternateContent xmlns:mc="http://schemas.openxmlformats.org/markup-compatibility/2006" xmlns:a14="http://schemas.microsoft.com/office/drawing/2010/main">
-        <mc:Choice Requires="a14">
-          <p:sp>
-            <p:nvSpPr>
-              <p:cNvPr id="4" name="TextBox 3"/>
-              <p:cNvSpPr txBox="1"/>
-              <p:nvPr/>
-            </p:nvSpPr>
-            <p:spPr>
-              <a:xfrm>
-                <a:off x="838200" y="1459832"/>
-                <a:ext cx="11000874" cy="5078313"/>
-              </a:xfrm>
-              <a:prstGeom prst="rect">
-                <a:avLst/>
-              </a:prstGeom>
-              <a:noFill/>
-            </p:spPr>
-            <p:txBody>
-              <a:bodyPr wrap="square" rtlCol="0">
-                <a:spAutoFit/>
-              </a:bodyPr>
-              <a:lstStyle/>
-              <a:p>
-                <a:pPr marL="285750" indent="-285750">
-                  <a:buFontTx/>
-                  <a:buChar char="-"/>
-                </a:pPr>
-                <a:r>
-                  <a:rPr lang="en-US" altLang="ko-KR" b="1" dirty="0" smtClean="0"/>
-                  <a:t>State, Action, Reward </a:t>
-                </a:r>
-              </a:p>
-              <a:p>
-                <a:pPr marL="742950" lvl="1" indent="-285750">
-                  <a:buFontTx/>
-                  <a:buChar char="-"/>
-                </a:pPr>
-                <a:r>
-                  <a:rPr lang="en-US" altLang="ko-KR" dirty="0" smtClean="0"/>
-                  <a:t>State:   [</a:t>
-                </a:r>
-                <a:r>
-                  <a:rPr lang="en-US" altLang="ko-KR" dirty="0" err="1" smtClean="0"/>
-                  <a:t>power_out_norm</a:t>
-                </a:r>
-                <a:r>
-                  <a:rPr lang="en-US" altLang="ko-KR" dirty="0" smtClean="0"/>
-                  <a:t>, SOC – 0.6, </a:t>
-                </a:r>
-                <a:r>
-                  <a:rPr lang="en-US" altLang="ko-KR" dirty="0" err="1" smtClean="0"/>
-                  <a:t>j_min</a:t>
-                </a:r>
-                <a:r>
-                  <a:rPr lang="en-US" altLang="ko-KR" dirty="0" smtClean="0"/>
-                  <a:t>, </a:t>
-                </a:r>
-                <a:r>
-                  <a:rPr lang="en-US" altLang="ko-KR" dirty="0" err="1" smtClean="0"/>
-                  <a:t>j_max</a:t>
-                </a:r>
-                <a:r>
-                  <a:rPr lang="en-US" altLang="ko-KR" dirty="0" smtClean="0"/>
-                  <a:t>]</a:t>
-                </a:r>
-              </a:p>
-              <a:p>
-                <a:pPr marL="742950" lvl="1" indent="-285750">
-                  <a:buFontTx/>
-                  <a:buChar char="-"/>
-                </a:pPr>
-                <a:r>
-                  <a:rPr lang="en-US" altLang="ko-KR" dirty="0" smtClean="0"/>
-                  <a:t>Action:  </a:t>
-                </a:r>
-                <a:r>
-                  <a:rPr lang="ko-KR" altLang="en-US" dirty="0" smtClean="0"/>
-                  <a:t>연속적인 액션 </a:t>
-                </a:r>
-                <a:endParaRPr lang="en-US" altLang="ko-KR" dirty="0" smtClean="0"/>
-              </a:p>
-              <a:p>
-                <a:pPr marL="742950" lvl="1" indent="-285750">
-                  <a:buFontTx/>
-                  <a:buChar char="-"/>
-                </a:pPr>
-                <a:r>
-                  <a:rPr lang="en-US" altLang="ko-KR" dirty="0" smtClean="0"/>
-                  <a:t>Reward: </a:t>
-                </a:r>
-                <a14:m>
-                  <m:oMath xmlns:m="http://schemas.openxmlformats.org/officeDocument/2006/math">
-                    <m:r>
-                      <a:rPr lang="en-US" altLang="ko-KR" b="0" i="1" smtClean="0">
-                        <a:latin typeface="Cambria Math" panose="02040503050406030204" pitchFamily="18" charset="0"/>
-                      </a:rPr>
-                      <m:t>− </m:t>
-                    </m:r>
-                    <m:d>
-                      <m:dPr>
-                        <m:begChr m:val="|"/>
-                        <m:endChr m:val="|"/>
-                        <m:ctrlPr>
-                          <a:rPr lang="en-US" altLang="ko-KR" b="0" i="1" smtClean="0">
-                            <a:latin typeface="Cambria Math" panose="02040503050406030204" pitchFamily="18" charset="0"/>
-                            <a:ea typeface="Cambria Math" panose="02040503050406030204" pitchFamily="18" charset="0"/>
-                          </a:rPr>
-                        </m:ctrlPr>
-                      </m:dPr>
-                      <m:e>
-                        <m:r>
-                          <a:rPr lang="en-US" altLang="ko-KR" b="0" i="1" smtClean="0">
-                            <a:latin typeface="Cambria Math" panose="02040503050406030204" pitchFamily="18" charset="0"/>
-                            <a:ea typeface="Cambria Math" panose="02040503050406030204" pitchFamily="18" charset="0"/>
-                          </a:rPr>
-                          <m:t>𝑆𝑂𝐶</m:t>
-                        </m:r>
-                        <m:r>
-                          <a:rPr lang="en-US" altLang="ko-KR" b="0" i="1" smtClean="0">
-                            <a:latin typeface="Cambria Math" panose="02040503050406030204" pitchFamily="18" charset="0"/>
-                            <a:ea typeface="Cambria Math" panose="02040503050406030204" pitchFamily="18" charset="0"/>
-                          </a:rPr>
-                          <m:t>−0.6</m:t>
-                        </m:r>
-                      </m:e>
-                    </m:d>
-                    <m:r>
-                      <a:rPr lang="en-US" altLang="ko-KR" b="0" i="1" smtClean="0">
-                        <a:latin typeface="Cambria Math" panose="02040503050406030204" pitchFamily="18" charset="0"/>
-                      </a:rPr>
-                      <m:t> </m:t>
-                    </m:r>
-                  </m:oMath>
-                </a14:m>
-                <a:endParaRPr lang="en-US" altLang="ko-KR" dirty="0" smtClean="0"/>
-              </a:p>
-              <a:p>
-                <a:pPr marL="285750" indent="-285750">
                   <a:buFontTx/>
                   <a:buChar char="-"/>
                 </a:pPr>
@@ -5737,7 +3942,7 @@
             </p:txBody>
           </p:sp>
         </mc:Choice>
-        <mc:Fallback xmlns="">
+        <mc:Fallback>
           <p:sp>
             <p:nvSpPr>
               <p:cNvPr id="4" name="TextBox 3"/>
@@ -5749,7 +3954,7 @@
             <p:spPr>
               <a:xfrm>
                 <a:off x="838200" y="1459832"/>
-                <a:ext cx="11000874" cy="5078313"/>
+                <a:ext cx="11000874" cy="5100563"/>
               </a:xfrm>
               <a:prstGeom prst="rect">
                 <a:avLst/>
@@ -5757,7 +3962,7 @@
               <a:blipFill>
                 <a:blip r:embed="rId2"/>
                 <a:stretch>
-                  <a:fillRect l="-610" t="-1079"/>
+                  <a:fillRect l="-610" t="-1075"/>
                 </a:stretch>
               </a:blipFill>
             </p:spPr>
@@ -5888,40 +4093,16 @@
           </a:p>
         </p:txBody>
       </p:sp>
-      <p:pic>
-        <p:nvPicPr>
-          <p:cNvPr id="8" name="그림 7"/>
-          <p:cNvPicPr>
-            <a:picLocks noChangeAspect="1"/>
-          </p:cNvPicPr>
+      <p:sp>
+        <p:nvSpPr>
+          <p:cNvPr id="10" name="TextBox 9"/>
+          <p:cNvSpPr txBox="1"/>
           <p:nvPr/>
-        </p:nvPicPr>
-        <p:blipFill>
-          <a:blip r:embed="rId4"/>
-          <a:stretch>
-            <a:fillRect/>
-          </a:stretch>
-        </p:blipFill>
+        </p:nvSpPr>
         <p:spPr>
           <a:xfrm>
-            <a:off x="7954936" y="1139334"/>
-            <a:ext cx="3389510" cy="2935296"/>
-          </a:xfrm>
-          <a:prstGeom prst="rect">
-            <a:avLst/>
-          </a:prstGeom>
-        </p:spPr>
-      </p:pic>
-      <p:sp>
-        <p:nvSpPr>
-          <p:cNvPr id="9" name="TextBox 8"/>
-          <p:cNvSpPr txBox="1"/>
-          <p:nvPr/>
-        </p:nvSpPr>
-        <p:spPr>
-          <a:xfrm>
-            <a:off x="9288373" y="5218467"/>
-            <a:ext cx="1897501" cy="461665"/>
+            <a:off x="8943110" y="5360066"/>
+            <a:ext cx="2478578" cy="830997"/>
           </a:xfrm>
           <a:prstGeom prst="rect">
             <a:avLst/>
@@ -5940,550 +4121,23 @@
                   <a:srgbClr val="FF0000"/>
                 </a:solidFill>
               </a:rPr>
-              <a:t>성공적임</a:t>
-            </a:r>
-            <a:r>
-              <a:rPr lang="ko-KR" altLang="en-US" dirty="0" smtClean="0"/>
-              <a:t> </a:t>
-            </a:r>
-            <a:endParaRPr lang="ko-KR" altLang="en-US" dirty="0"/>
-          </a:p>
-        </p:txBody>
-      </p:sp>
-    </p:spTree>
-    <p:extLst>
-      <p:ext uri="{BB962C8B-B14F-4D97-AF65-F5344CB8AC3E}">
-        <p14:creationId xmlns:p14="http://schemas.microsoft.com/office/powerpoint/2010/main" val="3426921437"/>
-      </p:ext>
-    </p:extLst>
-  </p:cSld>
-  <p:clrMapOvr>
-    <a:masterClrMapping/>
-  </p:clrMapOvr>
-</p:sld>
-</file>
-
-<file path=ppt/slides/slide7.xml><?xml version="1.0" encoding="utf-8"?>
-<p:sld xmlns:a="http://schemas.openxmlformats.org/drawingml/2006/main" xmlns:r="http://schemas.openxmlformats.org/officeDocument/2006/relationships" xmlns:p="http://schemas.openxmlformats.org/presentationml/2006/main">
-  <p:cSld>
-    <p:spTree>
-      <p:nvGrpSpPr>
-        <p:cNvPr id="1" name=""/>
-        <p:cNvGrpSpPr/>
-        <p:nvPr/>
-      </p:nvGrpSpPr>
-      <p:grpSpPr>
-        <a:xfrm>
-          <a:off x="0" y="0"/>
-          <a:ext cx="0" cy="0"/>
-          <a:chOff x="0" y="0"/>
-          <a:chExt cx="0" cy="0"/>
-        </a:xfrm>
-      </p:grpSpPr>
-      <p:sp>
-        <p:nvSpPr>
-          <p:cNvPr id="2" name="제목 1"/>
-          <p:cNvSpPr>
-            <a:spLocks noGrp="1"/>
-          </p:cNvSpPr>
-          <p:nvPr>
-            <p:ph type="title"/>
-          </p:nvPr>
-        </p:nvSpPr>
-        <p:spPr/>
-        <p:txBody>
-          <a:bodyPr/>
-          <a:lstStyle/>
-          <a:p>
-            <a:r>
-              <a:rPr lang="en-US" altLang="ko-KR" dirty="0" smtClean="0"/>
-              <a:t>DDPG</a:t>
-            </a:r>
-            <a:r>
-              <a:rPr lang="ko-KR" altLang="en-US" dirty="0" smtClean="0"/>
-              <a:t> </a:t>
-            </a:r>
-            <a:r>
-              <a:rPr lang="en-US" altLang="ko-KR" dirty="0"/>
-              <a:t>2</a:t>
-            </a:r>
-            <a:r>
-              <a:rPr lang="en-US" altLang="ko-KR" dirty="0" smtClean="0"/>
-              <a:t> – </a:t>
-            </a:r>
-            <a:r>
-              <a:rPr lang="ko-KR" altLang="en-US" dirty="0" err="1" smtClean="0"/>
-              <a:t>데스크탑</a:t>
-            </a:r>
-            <a:r>
-              <a:rPr lang="ko-KR" altLang="en-US" dirty="0" smtClean="0"/>
-              <a:t>  </a:t>
-            </a:r>
-            <a:endParaRPr lang="ko-KR" altLang="en-US" dirty="0"/>
-          </a:p>
-        </p:txBody>
-      </p:sp>
-      <mc:AlternateContent xmlns:mc="http://schemas.openxmlformats.org/markup-compatibility/2006" xmlns:a14="http://schemas.microsoft.com/office/drawing/2010/main">
-        <mc:Choice Requires="a14">
-          <p:sp>
-            <p:nvSpPr>
-              <p:cNvPr id="4" name="TextBox 3"/>
-              <p:cNvSpPr txBox="1"/>
-              <p:nvPr/>
-            </p:nvSpPr>
-            <p:spPr>
-              <a:xfrm>
-                <a:off x="838200" y="1459832"/>
-                <a:ext cx="11000874" cy="4524315"/>
-              </a:xfrm>
-              <a:prstGeom prst="rect">
-                <a:avLst/>
-              </a:prstGeom>
-              <a:noFill/>
-            </p:spPr>
-            <p:txBody>
-              <a:bodyPr wrap="square" rtlCol="0">
-                <a:spAutoFit/>
-              </a:bodyPr>
-              <a:lstStyle/>
-              <a:p>
-                <a:pPr marL="285750" indent="-285750">
-                  <a:buFontTx/>
-                  <a:buChar char="-"/>
-                </a:pPr>
-                <a:r>
-                  <a:rPr lang="en-US" altLang="ko-KR" b="1" dirty="0" smtClean="0">
-                    <a:solidFill>
-                      <a:srgbClr val="FF0000"/>
-                    </a:solidFill>
-                  </a:rPr>
-                  <a:t>DDPG1</a:t>
-                </a:r>
-                <a:r>
-                  <a:rPr lang="ko-KR" altLang="en-US" b="1" dirty="0" smtClean="0">
-                    <a:solidFill>
-                      <a:srgbClr val="FF0000"/>
-                    </a:solidFill>
-                  </a:rPr>
-                  <a:t>과 비교하여 </a:t>
-                </a:r>
-                <a:r>
-                  <a:rPr lang="en-US" altLang="ko-KR" b="1" dirty="0" err="1" smtClean="0">
-                    <a:solidFill>
-                      <a:srgbClr val="FF0000"/>
-                    </a:solidFill>
-                  </a:rPr>
-                  <a:t>power_out_norm</a:t>
-                </a:r>
-                <a:r>
-                  <a:rPr lang="ko-KR" altLang="en-US" b="1" dirty="0" smtClean="0">
-                    <a:solidFill>
-                      <a:srgbClr val="FF0000"/>
-                    </a:solidFill>
-                  </a:rPr>
-                  <a:t>을 </a:t>
-                </a:r>
-                <a:r>
-                  <a:rPr lang="en-US" altLang="ko-KR" b="1" dirty="0" err="1" smtClean="0">
-                    <a:solidFill>
-                      <a:srgbClr val="FF0000"/>
-                    </a:solidFill>
-                  </a:rPr>
-                  <a:t>power_out</a:t>
-                </a:r>
-                <a:r>
-                  <a:rPr lang="ko-KR" altLang="en-US" b="1" dirty="0" smtClean="0">
-                    <a:solidFill>
-                      <a:srgbClr val="FF0000"/>
-                    </a:solidFill>
-                  </a:rPr>
-                  <a:t>으로 교체함 </a:t>
-                </a:r>
-                <a:endParaRPr lang="en-US" altLang="ko-KR" b="1" dirty="0" smtClean="0">
-                  <a:solidFill>
-                    <a:srgbClr val="FF0000"/>
-                  </a:solidFill>
-                </a:endParaRPr>
-              </a:p>
-              <a:p>
-                <a:pPr marL="285750" indent="-285750">
-                  <a:buFontTx/>
-                  <a:buChar char="-"/>
-                </a:pPr>
-                <a:endParaRPr lang="en-US" altLang="ko-KR" b="1" dirty="0"/>
-              </a:p>
-              <a:p>
-                <a:pPr marL="285750" indent="-285750">
-                  <a:buFontTx/>
-                  <a:buChar char="-"/>
-                </a:pPr>
-                <a:r>
-                  <a:rPr lang="en-US" altLang="ko-KR" b="1" dirty="0" smtClean="0"/>
-                  <a:t>State, Action, Reward </a:t>
-                </a:r>
-              </a:p>
-              <a:p>
-                <a:pPr marL="742950" lvl="1" indent="-285750">
-                  <a:buFontTx/>
-                  <a:buChar char="-"/>
-                </a:pPr>
-                <a:r>
-                  <a:rPr lang="en-US" altLang="ko-KR" dirty="0" smtClean="0"/>
-                  <a:t>State:   [</a:t>
-                </a:r>
-                <a:r>
-                  <a:rPr lang="en-US" altLang="ko-KR" dirty="0" err="1" smtClean="0">
-                    <a:solidFill>
-                      <a:srgbClr val="FF0000"/>
-                    </a:solidFill>
-                  </a:rPr>
-                  <a:t>power_out</a:t>
-                </a:r>
-                <a:r>
-                  <a:rPr lang="en-US" altLang="ko-KR" dirty="0" smtClean="0"/>
-                  <a:t>, SOC – 0.6, </a:t>
-                </a:r>
-                <a:r>
-                  <a:rPr lang="en-US" altLang="ko-KR" dirty="0" err="1" smtClean="0"/>
-                  <a:t>j_min</a:t>
-                </a:r>
-                <a:r>
-                  <a:rPr lang="en-US" altLang="ko-KR" dirty="0" smtClean="0"/>
-                  <a:t>, </a:t>
-                </a:r>
-                <a:r>
-                  <a:rPr lang="en-US" altLang="ko-KR" dirty="0" err="1" smtClean="0"/>
-                  <a:t>j_max</a:t>
-                </a:r>
-                <a:r>
-                  <a:rPr lang="en-US" altLang="ko-KR" dirty="0" smtClean="0"/>
-                  <a:t>]</a:t>
-                </a:r>
-              </a:p>
-              <a:p>
-                <a:pPr marL="742950" lvl="1" indent="-285750">
-                  <a:buFontTx/>
-                  <a:buChar char="-"/>
-                </a:pPr>
-                <a:r>
-                  <a:rPr lang="en-US" altLang="ko-KR" dirty="0" smtClean="0"/>
-                  <a:t>Action:  </a:t>
-                </a:r>
-                <a:r>
-                  <a:rPr lang="ko-KR" altLang="en-US" dirty="0" smtClean="0"/>
-                  <a:t>연속적인 액션 </a:t>
-                </a:r>
-                <a:endParaRPr lang="en-US" altLang="ko-KR" dirty="0" smtClean="0"/>
-              </a:p>
-              <a:p>
-                <a:pPr marL="742950" lvl="1" indent="-285750">
-                  <a:buFontTx/>
-                  <a:buChar char="-"/>
-                </a:pPr>
-                <a:r>
-                  <a:rPr lang="en-US" altLang="ko-KR" dirty="0" smtClean="0"/>
-                  <a:t>Reward: </a:t>
-                </a:r>
-                <a14:m>
-                  <m:oMath xmlns:m="http://schemas.openxmlformats.org/officeDocument/2006/math">
-                    <m:r>
-                      <a:rPr lang="en-US" altLang="ko-KR" b="0" i="1" smtClean="0">
-                        <a:latin typeface="Cambria Math" panose="02040503050406030204" pitchFamily="18" charset="0"/>
-                      </a:rPr>
-                      <m:t>− </m:t>
-                    </m:r>
-                    <m:d>
-                      <m:dPr>
-                        <m:begChr m:val="|"/>
-                        <m:endChr m:val="|"/>
-                        <m:ctrlPr>
-                          <a:rPr lang="en-US" altLang="ko-KR" b="0" i="1" smtClean="0">
-                            <a:latin typeface="Cambria Math" panose="02040503050406030204" pitchFamily="18" charset="0"/>
-                            <a:ea typeface="Cambria Math" panose="02040503050406030204" pitchFamily="18" charset="0"/>
-                          </a:rPr>
-                        </m:ctrlPr>
-                      </m:dPr>
-                      <m:e>
-                        <m:r>
-                          <a:rPr lang="en-US" altLang="ko-KR" b="0" i="1" smtClean="0">
-                            <a:latin typeface="Cambria Math" panose="02040503050406030204" pitchFamily="18" charset="0"/>
-                            <a:ea typeface="Cambria Math" panose="02040503050406030204" pitchFamily="18" charset="0"/>
-                          </a:rPr>
-                          <m:t>𝑆𝑂𝐶</m:t>
-                        </m:r>
-                        <m:r>
-                          <a:rPr lang="en-US" altLang="ko-KR" b="0" i="1" smtClean="0">
-                            <a:latin typeface="Cambria Math" panose="02040503050406030204" pitchFamily="18" charset="0"/>
-                            <a:ea typeface="Cambria Math" panose="02040503050406030204" pitchFamily="18" charset="0"/>
-                          </a:rPr>
-                          <m:t>−0.6</m:t>
-                        </m:r>
-                      </m:e>
-                    </m:d>
-                    <m:r>
-                      <a:rPr lang="en-US" altLang="ko-KR" b="0" i="1" smtClean="0">
-                        <a:latin typeface="Cambria Math" panose="02040503050406030204" pitchFamily="18" charset="0"/>
-                      </a:rPr>
-                      <m:t> </m:t>
-                    </m:r>
-                  </m:oMath>
-                </a14:m>
-                <a:endParaRPr lang="en-US" altLang="ko-KR" dirty="0" smtClean="0"/>
-              </a:p>
-              <a:p>
-                <a:pPr marL="285750" indent="-285750">
-                  <a:buFontTx/>
-                  <a:buChar char="-"/>
-                </a:pPr>
-                <a:endParaRPr lang="en-US" altLang="ko-KR" dirty="0" smtClean="0"/>
-              </a:p>
-              <a:p>
-                <a:pPr marL="285750" indent="-285750">
-                  <a:buFontTx/>
-                  <a:buChar char="-"/>
-                </a:pPr>
-                <a:r>
-                  <a:rPr lang="ko-KR" altLang="en-US" b="1" dirty="0" smtClean="0"/>
-                  <a:t>네트워크 구조</a:t>
-                </a:r>
-                <a:r>
-                  <a:rPr lang="en-US" altLang="ko-KR" b="1" dirty="0" smtClean="0"/>
-                  <a:t>: </a:t>
-                </a:r>
-              </a:p>
-              <a:p>
-                <a:pPr marL="742950" lvl="1" indent="-285750">
-                  <a:buFontTx/>
-                  <a:buChar char="-"/>
-                </a:pPr>
-                <a:r>
-                  <a:rPr lang="en-US" altLang="ko-KR" b="1" dirty="0" smtClean="0"/>
-                  <a:t>Actor: </a:t>
-                </a:r>
-              </a:p>
-              <a:p>
-                <a:pPr marL="1200150" lvl="2" indent="-285750">
-                  <a:buFontTx/>
-                  <a:buChar char="-"/>
-                </a:pPr>
-                <a:r>
-                  <a:rPr lang="en-US" altLang="ko-KR" dirty="0" smtClean="0"/>
-                  <a:t>Input(4)</a:t>
-                </a:r>
-              </a:p>
-              <a:p>
-                <a:pPr marL="1200150" lvl="2" indent="-285750">
-                  <a:buFontTx/>
-                  <a:buChar char="-"/>
-                </a:pPr>
-                <a:r>
-                  <a:rPr lang="en-US" altLang="ko-KR" dirty="0" smtClean="0"/>
-                  <a:t>Dense(512, activation=“</a:t>
-                </a:r>
-                <a:r>
-                  <a:rPr lang="en-US" altLang="ko-KR" dirty="0" err="1" smtClean="0"/>
-                  <a:t>relu</a:t>
-                </a:r>
-                <a:r>
-                  <a:rPr lang="en-US" altLang="ko-KR" dirty="0" smtClean="0"/>
-                  <a:t>”)</a:t>
-                </a:r>
-              </a:p>
-              <a:p>
-                <a:pPr marL="1200150" lvl="2" indent="-285750">
-                  <a:buFontTx/>
-                  <a:buChar char="-"/>
-                </a:pPr>
-                <a:r>
-                  <a:rPr lang="en-US" altLang="ko-KR" dirty="0" smtClean="0"/>
-                  <a:t>Dense(512, activation=“</a:t>
-                </a:r>
-                <a:r>
-                  <a:rPr lang="en-US" altLang="ko-KR" dirty="0" err="1" smtClean="0"/>
-                  <a:t>relu</a:t>
-                </a:r>
-                <a:r>
-                  <a:rPr lang="en-US" altLang="ko-KR" dirty="0" smtClean="0"/>
-                  <a:t>”)</a:t>
-                </a:r>
-              </a:p>
-              <a:p>
-                <a:pPr marL="1200150" lvl="2" indent="-285750">
-                  <a:buFontTx/>
-                  <a:buChar char="-"/>
-                </a:pPr>
-                <a:r>
-                  <a:rPr lang="en-US" altLang="ko-KR" dirty="0" smtClean="0"/>
-                  <a:t>Output(1)</a:t>
-                </a:r>
-              </a:p>
-              <a:p>
-                <a:pPr marL="1200150" lvl="2" indent="-285750">
-                  <a:buFontTx/>
-                  <a:buChar char="-"/>
-                </a:pPr>
-                <a:endParaRPr lang="en-US" altLang="ko-KR" dirty="0" smtClean="0"/>
-              </a:p>
-              <a:p>
-                <a:pPr marL="742950" lvl="1" indent="-285750">
-                  <a:buFontTx/>
-                  <a:buChar char="-"/>
-                </a:pPr>
-                <a:r>
-                  <a:rPr lang="en-US" altLang="ko-KR" b="1" dirty="0" smtClean="0"/>
-                  <a:t>Critic:  </a:t>
-                </a:r>
-                <a:endParaRPr lang="en-US" altLang="ko-KR" b="1" dirty="0"/>
-              </a:p>
-              <a:p>
-                <a:pPr lvl="1"/>
-                <a:endParaRPr lang="en-US" altLang="ko-KR" dirty="0" smtClean="0"/>
-              </a:p>
-            </p:txBody>
-          </p:sp>
-        </mc:Choice>
-        <mc:Fallback xmlns="">
-          <p:sp>
-            <p:nvSpPr>
-              <p:cNvPr id="4" name="TextBox 3"/>
-              <p:cNvSpPr txBox="1">
-                <a:spLocks noRot="1" noChangeAspect="1" noMove="1" noResize="1" noEditPoints="1" noAdjustHandles="1" noChangeArrowheads="1" noChangeShapeType="1" noTextEdit="1"/>
-              </p:cNvSpPr>
-              <p:nvPr/>
-            </p:nvSpPr>
-            <p:spPr>
-              <a:xfrm>
-                <a:off x="838200" y="1459832"/>
-                <a:ext cx="11000874" cy="4524315"/>
-              </a:xfrm>
-              <a:prstGeom prst="rect">
-                <a:avLst/>
-              </a:prstGeom>
-              <a:blipFill>
-                <a:blip r:embed="rId2"/>
-                <a:stretch>
-                  <a:fillRect l="-610" t="-1211"/>
-                </a:stretch>
-              </a:blipFill>
-            </p:spPr>
-            <p:txBody>
-              <a:bodyPr/>
-              <a:lstStyle/>
-              <a:p>
-                <a:r>
-                  <a:rPr lang="ko-KR" altLang="en-US">
-                    <a:noFill/>
-                  </a:rPr>
-                  <a:t> </a:t>
-                </a:r>
-              </a:p>
-            </p:txBody>
-          </p:sp>
-        </mc:Fallback>
-      </mc:AlternateContent>
-      <p:sp>
-        <p:nvSpPr>
-          <p:cNvPr id="5" name="TextBox 4"/>
-          <p:cNvSpPr txBox="1"/>
-          <p:nvPr/>
-        </p:nvSpPr>
-        <p:spPr>
-          <a:xfrm>
-            <a:off x="9084603" y="4439142"/>
-            <a:ext cx="3017520" cy="369332"/>
-          </a:xfrm>
-          <a:prstGeom prst="rect">
-            <a:avLst/>
-          </a:prstGeom>
-          <a:noFill/>
-        </p:spPr>
-        <p:txBody>
-          <a:bodyPr wrap="square" rtlCol="0">
-            <a:spAutoFit/>
-          </a:bodyPr>
-          <a:lstStyle/>
-          <a:p>
-            <a:r>
-              <a:rPr lang="en-US" altLang="ko-KR" dirty="0" smtClean="0"/>
-              <a:t>&lt;</a:t>
-            </a:r>
-            <a:r>
-              <a:rPr lang="ko-KR" altLang="en-US" dirty="0" err="1" smtClean="0"/>
-              <a:t>하이퍼파라미터</a:t>
-            </a:r>
-            <a:r>
-              <a:rPr lang="en-US" altLang="ko-KR" dirty="0" smtClean="0"/>
-              <a:t>&gt;</a:t>
-            </a:r>
-            <a:r>
-              <a:rPr lang="ko-KR" altLang="en-US" dirty="0" smtClean="0"/>
-              <a:t> </a:t>
-            </a:r>
-            <a:endParaRPr lang="ko-KR" altLang="en-US" dirty="0"/>
-          </a:p>
-        </p:txBody>
-      </p:sp>
-      <p:pic>
-        <p:nvPicPr>
-          <p:cNvPr id="6" name="그림 5"/>
-          <p:cNvPicPr>
-            <a:picLocks noChangeAspect="1"/>
-          </p:cNvPicPr>
-          <p:nvPr/>
-        </p:nvPicPr>
-        <p:blipFill>
-          <a:blip r:embed="rId3"/>
-          <a:stretch>
-            <a:fillRect/>
-          </a:stretch>
-        </p:blipFill>
-        <p:spPr>
-          <a:xfrm>
-            <a:off x="5560297" y="4147655"/>
-            <a:ext cx="2750763" cy="2340135"/>
-          </a:xfrm>
-          <a:prstGeom prst="rect">
-            <a:avLst/>
-          </a:prstGeom>
-        </p:spPr>
-      </p:pic>
-      <p:sp>
-        <p:nvSpPr>
-          <p:cNvPr id="7" name="TextBox 6"/>
-          <p:cNvSpPr txBox="1"/>
-          <p:nvPr/>
-        </p:nvSpPr>
-        <p:spPr>
-          <a:xfrm>
-            <a:off x="5993998" y="6551166"/>
-            <a:ext cx="3017520" cy="369332"/>
-          </a:xfrm>
-          <a:prstGeom prst="rect">
-            <a:avLst/>
-          </a:prstGeom>
-          <a:noFill/>
-        </p:spPr>
-        <p:txBody>
-          <a:bodyPr wrap="square" rtlCol="0">
-            <a:spAutoFit/>
-          </a:bodyPr>
-          <a:lstStyle/>
-          <a:p>
-            <a:r>
-              <a:rPr lang="en-US" altLang="ko-KR" dirty="0" smtClean="0"/>
-              <a:t>&lt;</a:t>
-            </a:r>
-            <a:r>
-              <a:rPr lang="ko-KR" altLang="en-US" dirty="0" err="1" smtClean="0"/>
-              <a:t>크리틱</a:t>
-            </a:r>
-            <a:r>
-              <a:rPr lang="ko-KR" altLang="en-US" dirty="0" smtClean="0"/>
-              <a:t> 구조</a:t>
-            </a:r>
-            <a:r>
-              <a:rPr lang="en-US" altLang="ko-KR" dirty="0" smtClean="0"/>
-              <a:t>&gt;</a:t>
+              <a:t>학습율을</a:t>
+            </a:r>
+            <a:r>
+              <a:rPr lang="ko-KR" altLang="en-US" sz="2400" b="1" dirty="0" smtClean="0">
+                <a:solidFill>
+                  <a:srgbClr val="FF0000"/>
+                </a:solidFill>
+              </a:rPr>
+              <a:t> 낮춰서 다시 시도 </a:t>
+            </a:r>
+            <a:r>
+              <a:rPr lang="en-US" altLang="ko-KR" sz="2400" b="1" dirty="0" smtClean="0">
+                <a:solidFill>
+                  <a:srgbClr val="FF0000"/>
+                </a:solidFill>
+              </a:rPr>
+              <a:t>.. </a:t>
             </a:r>
             <a:r>
               <a:rPr lang="ko-KR" altLang="en-US" dirty="0" smtClean="0"/>
@@ -6509,619 +4163,8 @@
         </p:blipFill>
         <p:spPr>
           <a:xfrm>
-            <a:off x="8358132" y="1230490"/>
-            <a:ext cx="3833868" cy="3109809"/>
-          </a:xfrm>
-          <a:prstGeom prst="rect">
-            <a:avLst/>
-          </a:prstGeom>
-        </p:spPr>
-      </p:pic>
-      <p:sp>
-        <p:nvSpPr>
-          <p:cNvPr id="9" name="TextBox 8"/>
-          <p:cNvSpPr txBox="1"/>
-          <p:nvPr/>
-        </p:nvSpPr>
-        <p:spPr>
-          <a:xfrm>
-            <a:off x="9169286" y="5205664"/>
-            <a:ext cx="1897501" cy="461665"/>
-          </a:xfrm>
-          <a:prstGeom prst="rect">
-            <a:avLst/>
-          </a:prstGeom>
-          <a:noFill/>
-        </p:spPr>
-        <p:txBody>
-          <a:bodyPr wrap="square" rtlCol="0">
-            <a:spAutoFit/>
-          </a:bodyPr>
-          <a:lstStyle/>
-          <a:p>
-            <a:r>
-              <a:rPr lang="ko-KR" altLang="en-US" sz="2400" b="1" dirty="0" smtClean="0">
-                <a:solidFill>
-                  <a:srgbClr val="FF0000"/>
-                </a:solidFill>
-              </a:rPr>
-              <a:t>실패 </a:t>
-            </a:r>
-            <a:r>
-              <a:rPr lang="en-US" altLang="ko-KR" sz="2400" b="1" dirty="0" smtClean="0">
-                <a:solidFill>
-                  <a:srgbClr val="FF0000"/>
-                </a:solidFill>
-              </a:rPr>
-              <a:t>… </a:t>
-            </a:r>
-            <a:r>
-              <a:rPr lang="ko-KR" altLang="en-US" dirty="0" smtClean="0"/>
-              <a:t> </a:t>
-            </a:r>
-            <a:endParaRPr lang="ko-KR" altLang="en-US" dirty="0"/>
-          </a:p>
-        </p:txBody>
-      </p:sp>
-    </p:spTree>
-    <p:extLst>
-      <p:ext uri="{BB962C8B-B14F-4D97-AF65-F5344CB8AC3E}">
-        <p14:creationId xmlns:p14="http://schemas.microsoft.com/office/powerpoint/2010/main" val="2717928375"/>
-      </p:ext>
-    </p:extLst>
-  </p:cSld>
-  <p:clrMapOvr>
-    <a:masterClrMapping/>
-  </p:clrMapOvr>
-</p:sld>
-</file>
-
-<file path=ppt/slides/slide8.xml><?xml version="1.0" encoding="utf-8"?>
-<p:sld xmlns:a="http://schemas.openxmlformats.org/drawingml/2006/main" xmlns:r="http://schemas.openxmlformats.org/officeDocument/2006/relationships" xmlns:p="http://schemas.openxmlformats.org/presentationml/2006/main">
-  <p:cSld>
-    <p:spTree>
-      <p:nvGrpSpPr>
-        <p:cNvPr id="1" name=""/>
-        <p:cNvGrpSpPr/>
-        <p:nvPr/>
-      </p:nvGrpSpPr>
-      <p:grpSpPr>
-        <a:xfrm>
-          <a:off x="0" y="0"/>
-          <a:ext cx="0" cy="0"/>
-          <a:chOff x="0" y="0"/>
-          <a:chExt cx="0" cy="0"/>
-        </a:xfrm>
-      </p:grpSpPr>
-      <p:sp>
-        <p:nvSpPr>
-          <p:cNvPr id="2" name="제목 1"/>
-          <p:cNvSpPr>
-            <a:spLocks noGrp="1"/>
-          </p:cNvSpPr>
-          <p:nvPr>
-            <p:ph type="title"/>
-          </p:nvPr>
-        </p:nvSpPr>
-        <p:spPr/>
-        <p:txBody>
-          <a:bodyPr/>
-          <a:lstStyle/>
-          <a:p>
-            <a:r>
-              <a:rPr lang="en-US" altLang="ko-KR" dirty="0" smtClean="0"/>
-              <a:t>DDPG</a:t>
-            </a:r>
-            <a:r>
-              <a:rPr lang="ko-KR" altLang="en-US" dirty="0" smtClean="0"/>
-              <a:t> </a:t>
-            </a:r>
-            <a:r>
-              <a:rPr lang="en-US" altLang="ko-KR" dirty="0"/>
-              <a:t>3</a:t>
-            </a:r>
-            <a:r>
-              <a:rPr lang="en-US" altLang="ko-KR" dirty="0" smtClean="0"/>
-              <a:t> – </a:t>
-            </a:r>
-            <a:r>
-              <a:rPr lang="ko-KR" altLang="en-US" dirty="0" smtClean="0"/>
-              <a:t>노트북   </a:t>
-            </a:r>
-            <a:endParaRPr lang="ko-KR" altLang="en-US" dirty="0"/>
-          </a:p>
-        </p:txBody>
-      </p:sp>
-      <mc:AlternateContent xmlns:mc="http://schemas.openxmlformats.org/markup-compatibility/2006" xmlns:a14="http://schemas.microsoft.com/office/drawing/2010/main">
-        <mc:Choice Requires="a14">
-          <p:sp>
-            <p:nvSpPr>
-              <p:cNvPr id="4" name="TextBox 3"/>
-              <p:cNvSpPr txBox="1"/>
-              <p:nvPr/>
-            </p:nvSpPr>
-            <p:spPr>
-              <a:xfrm>
-                <a:off x="838200" y="1459832"/>
-                <a:ext cx="11000874" cy="4801314"/>
-              </a:xfrm>
-              <a:prstGeom prst="rect">
-                <a:avLst/>
-              </a:prstGeom>
-              <a:noFill/>
-            </p:spPr>
-            <p:txBody>
-              <a:bodyPr wrap="square" rtlCol="0">
-                <a:spAutoFit/>
-              </a:bodyPr>
-              <a:lstStyle/>
-              <a:p>
-                <a:pPr marL="285750" indent="-285750">
-                  <a:buFontTx/>
-                  <a:buChar char="-"/>
-                </a:pPr>
-                <a:r>
-                  <a:rPr lang="en-US" altLang="ko-KR" b="1" dirty="0" smtClean="0">
-                    <a:solidFill>
-                      <a:srgbClr val="FF0000"/>
-                    </a:solidFill>
-                  </a:rPr>
-                  <a:t>DDPG2</a:t>
-                </a:r>
-                <a:r>
-                  <a:rPr lang="ko-KR" altLang="en-US" b="1" dirty="0" smtClean="0">
-                    <a:solidFill>
-                      <a:srgbClr val="FF0000"/>
-                    </a:solidFill>
-                  </a:rPr>
-                  <a:t>과 비교하여 </a:t>
-                </a:r>
-                <a:r>
-                  <a:rPr lang="en-US" altLang="ko-KR" b="1" dirty="0" err="1" smtClean="0">
-                    <a:solidFill>
-                      <a:srgbClr val="FF0000"/>
-                    </a:solidFill>
-                  </a:rPr>
-                  <a:t>BatchNormalization</a:t>
-                </a:r>
-                <a:r>
-                  <a:rPr lang="ko-KR" altLang="en-US" b="1" dirty="0" smtClean="0">
-                    <a:solidFill>
-                      <a:srgbClr val="FF0000"/>
-                    </a:solidFill>
-                  </a:rPr>
-                  <a:t>을 적용함 </a:t>
-                </a:r>
-                <a:endParaRPr lang="en-US" altLang="ko-KR" b="1" dirty="0" smtClean="0">
-                  <a:solidFill>
-                    <a:srgbClr val="FF0000"/>
-                  </a:solidFill>
-                </a:endParaRPr>
-              </a:p>
-              <a:p>
-                <a:pPr marL="285750" indent="-285750">
-                  <a:buFontTx/>
-                  <a:buChar char="-"/>
-                </a:pPr>
-                <a:endParaRPr lang="en-US" altLang="ko-KR" b="1" dirty="0"/>
-              </a:p>
-              <a:p>
-                <a:pPr marL="285750" indent="-285750">
-                  <a:buFontTx/>
-                  <a:buChar char="-"/>
-                </a:pPr>
-                <a:r>
-                  <a:rPr lang="en-US" altLang="ko-KR" b="1" dirty="0" smtClean="0"/>
-                  <a:t>State, Action, Reward </a:t>
-                </a:r>
-              </a:p>
-              <a:p>
-                <a:pPr marL="742950" lvl="1" indent="-285750">
-                  <a:buFontTx/>
-                  <a:buChar char="-"/>
-                </a:pPr>
-                <a:r>
-                  <a:rPr lang="en-US" altLang="ko-KR" dirty="0" smtClean="0"/>
-                  <a:t>State:   [</a:t>
-                </a:r>
-                <a:r>
-                  <a:rPr lang="en-US" altLang="ko-KR" dirty="0" err="1" smtClean="0"/>
-                  <a:t>power_out</a:t>
-                </a:r>
-                <a:r>
-                  <a:rPr lang="en-US" altLang="ko-KR" dirty="0" smtClean="0"/>
-                  <a:t>, SOC – 0.6, </a:t>
-                </a:r>
-                <a:r>
-                  <a:rPr lang="en-US" altLang="ko-KR" dirty="0" err="1" smtClean="0"/>
-                  <a:t>j_min</a:t>
-                </a:r>
-                <a:r>
-                  <a:rPr lang="en-US" altLang="ko-KR" dirty="0" smtClean="0"/>
-                  <a:t>, </a:t>
-                </a:r>
-                <a:r>
-                  <a:rPr lang="en-US" altLang="ko-KR" dirty="0" err="1" smtClean="0"/>
-                  <a:t>j_max</a:t>
-                </a:r>
-                <a:r>
-                  <a:rPr lang="en-US" altLang="ko-KR" dirty="0" smtClean="0"/>
-                  <a:t>]</a:t>
-                </a:r>
-              </a:p>
-              <a:p>
-                <a:pPr marL="742950" lvl="1" indent="-285750">
-                  <a:buFontTx/>
-                  <a:buChar char="-"/>
-                </a:pPr>
-                <a:r>
-                  <a:rPr lang="en-US" altLang="ko-KR" dirty="0" smtClean="0"/>
-                  <a:t>Action:  </a:t>
-                </a:r>
-                <a:r>
-                  <a:rPr lang="ko-KR" altLang="en-US" dirty="0" smtClean="0"/>
-                  <a:t>연속적인 액션 </a:t>
-                </a:r>
-                <a:endParaRPr lang="en-US" altLang="ko-KR" dirty="0" smtClean="0"/>
-              </a:p>
-              <a:p>
-                <a:pPr marL="742950" lvl="1" indent="-285750">
-                  <a:buFontTx/>
-                  <a:buChar char="-"/>
-                </a:pPr>
-                <a:r>
-                  <a:rPr lang="en-US" altLang="ko-KR" dirty="0" smtClean="0"/>
-                  <a:t>Reward: </a:t>
-                </a:r>
-                <a14:m>
-                  <m:oMath xmlns:m="http://schemas.openxmlformats.org/officeDocument/2006/math">
-                    <m:r>
-                      <a:rPr lang="en-US" altLang="ko-KR" b="0" i="1" smtClean="0">
-                        <a:latin typeface="Cambria Math" panose="02040503050406030204" pitchFamily="18" charset="0"/>
-                      </a:rPr>
-                      <m:t>− </m:t>
-                    </m:r>
-                    <m:d>
-                      <m:dPr>
-                        <m:begChr m:val="|"/>
-                        <m:endChr m:val="|"/>
-                        <m:ctrlPr>
-                          <a:rPr lang="en-US" altLang="ko-KR" b="0" i="1" smtClean="0">
-                            <a:latin typeface="Cambria Math" panose="02040503050406030204" pitchFamily="18" charset="0"/>
-                            <a:ea typeface="Cambria Math" panose="02040503050406030204" pitchFamily="18" charset="0"/>
-                          </a:rPr>
-                        </m:ctrlPr>
-                      </m:dPr>
-                      <m:e>
-                        <m:r>
-                          <a:rPr lang="en-US" altLang="ko-KR" b="0" i="1" smtClean="0">
-                            <a:latin typeface="Cambria Math" panose="02040503050406030204" pitchFamily="18" charset="0"/>
-                            <a:ea typeface="Cambria Math" panose="02040503050406030204" pitchFamily="18" charset="0"/>
-                          </a:rPr>
-                          <m:t>𝑆𝑂𝐶</m:t>
-                        </m:r>
-                        <m:r>
-                          <a:rPr lang="en-US" altLang="ko-KR" b="0" i="1" smtClean="0">
-                            <a:latin typeface="Cambria Math" panose="02040503050406030204" pitchFamily="18" charset="0"/>
-                            <a:ea typeface="Cambria Math" panose="02040503050406030204" pitchFamily="18" charset="0"/>
-                          </a:rPr>
-                          <m:t>−0.6</m:t>
-                        </m:r>
-                      </m:e>
-                    </m:d>
-                    <m:r>
-                      <a:rPr lang="en-US" altLang="ko-KR" b="0" i="1" smtClean="0">
-                        <a:latin typeface="Cambria Math" panose="02040503050406030204" pitchFamily="18" charset="0"/>
-                      </a:rPr>
-                      <m:t> </m:t>
-                    </m:r>
-                  </m:oMath>
-                </a14:m>
-                <a:endParaRPr lang="en-US" altLang="ko-KR" dirty="0" smtClean="0"/>
-              </a:p>
-              <a:p>
-                <a:pPr marL="285750" indent="-285750">
-                  <a:buFontTx/>
-                  <a:buChar char="-"/>
-                </a:pPr>
-                <a:endParaRPr lang="en-US" altLang="ko-KR" dirty="0" smtClean="0"/>
-              </a:p>
-              <a:p>
-                <a:pPr marL="285750" indent="-285750">
-                  <a:buFontTx/>
-                  <a:buChar char="-"/>
-                </a:pPr>
-                <a:r>
-                  <a:rPr lang="ko-KR" altLang="en-US" b="1" dirty="0" smtClean="0"/>
-                  <a:t>네트워크 구조</a:t>
-                </a:r>
-                <a:r>
-                  <a:rPr lang="en-US" altLang="ko-KR" b="1" dirty="0" smtClean="0"/>
-                  <a:t>: </a:t>
-                </a:r>
-              </a:p>
-              <a:p>
-                <a:pPr marL="742950" lvl="1" indent="-285750">
-                  <a:buFontTx/>
-                  <a:buChar char="-"/>
-                </a:pPr>
-                <a:r>
-                  <a:rPr lang="en-US" altLang="ko-KR" b="1" dirty="0" smtClean="0"/>
-                  <a:t>Actor: </a:t>
-                </a:r>
-              </a:p>
-              <a:p>
-                <a:pPr marL="1200150" lvl="2" indent="-285750">
-                  <a:buFontTx/>
-                  <a:buChar char="-"/>
-                </a:pPr>
-                <a:r>
-                  <a:rPr lang="en-US" altLang="ko-KR" dirty="0" smtClean="0"/>
-                  <a:t>Input(4)</a:t>
-                </a:r>
-              </a:p>
-              <a:p>
-                <a:pPr marL="1200150" lvl="2" indent="-285750">
-                  <a:buFontTx/>
-                  <a:buChar char="-"/>
-                </a:pPr>
-                <a:r>
-                  <a:rPr lang="en-US" altLang="ko-KR" dirty="0" err="1" smtClean="0">
-                    <a:solidFill>
-                      <a:srgbClr val="FF0000"/>
-                    </a:solidFill>
-                  </a:rPr>
-                  <a:t>BatchNormalization</a:t>
-                </a:r>
-                <a:r>
-                  <a:rPr lang="en-US" altLang="ko-KR" dirty="0" smtClean="0">
-                    <a:solidFill>
-                      <a:srgbClr val="FF0000"/>
-                    </a:solidFill>
-                  </a:rPr>
-                  <a:t>() </a:t>
-                </a:r>
-              </a:p>
-              <a:p>
-                <a:pPr marL="1200150" lvl="2" indent="-285750">
-                  <a:buFontTx/>
-                  <a:buChar char="-"/>
-                </a:pPr>
-                <a:r>
-                  <a:rPr lang="en-US" altLang="ko-KR" dirty="0" smtClean="0"/>
-                  <a:t>Dense(512, activation=“</a:t>
-                </a:r>
-                <a:r>
-                  <a:rPr lang="en-US" altLang="ko-KR" dirty="0" err="1" smtClean="0"/>
-                  <a:t>relu</a:t>
-                </a:r>
-                <a:r>
-                  <a:rPr lang="en-US" altLang="ko-KR" dirty="0" smtClean="0"/>
-                  <a:t>”)</a:t>
-                </a:r>
-              </a:p>
-              <a:p>
-                <a:pPr marL="1200150" lvl="2" indent="-285750">
-                  <a:buFontTx/>
-                  <a:buChar char="-"/>
-                </a:pPr>
-                <a:r>
-                  <a:rPr lang="en-US" altLang="ko-KR" dirty="0" smtClean="0"/>
-                  <a:t>Dense(512, activation=“</a:t>
-                </a:r>
-                <a:r>
-                  <a:rPr lang="en-US" altLang="ko-KR" dirty="0" err="1" smtClean="0"/>
-                  <a:t>relu</a:t>
-                </a:r>
-                <a:r>
-                  <a:rPr lang="en-US" altLang="ko-KR" dirty="0" smtClean="0"/>
-                  <a:t>”)</a:t>
-                </a:r>
-              </a:p>
-              <a:p>
-                <a:pPr marL="1200150" lvl="2" indent="-285750">
-                  <a:buFontTx/>
-                  <a:buChar char="-"/>
-                </a:pPr>
-                <a:r>
-                  <a:rPr lang="en-US" altLang="ko-KR" dirty="0" smtClean="0"/>
-                  <a:t>Output(1)</a:t>
-                </a:r>
-              </a:p>
-              <a:p>
-                <a:pPr marL="1200150" lvl="2" indent="-285750">
-                  <a:buFontTx/>
-                  <a:buChar char="-"/>
-                </a:pPr>
-                <a:endParaRPr lang="en-US" altLang="ko-KR" dirty="0" smtClean="0"/>
-              </a:p>
-              <a:p>
-                <a:pPr marL="742950" lvl="1" indent="-285750">
-                  <a:buFontTx/>
-                  <a:buChar char="-"/>
-                </a:pPr>
-                <a:r>
-                  <a:rPr lang="en-US" altLang="ko-KR" b="1" dirty="0" smtClean="0"/>
-                  <a:t>Critic:  </a:t>
-                </a:r>
-                <a:endParaRPr lang="en-US" altLang="ko-KR" b="1" dirty="0"/>
-              </a:p>
-              <a:p>
-                <a:pPr lvl="1"/>
-                <a:endParaRPr lang="en-US" altLang="ko-KR" dirty="0" smtClean="0"/>
-              </a:p>
-            </p:txBody>
-          </p:sp>
-        </mc:Choice>
-        <mc:Fallback xmlns="">
-          <p:sp>
-            <p:nvSpPr>
-              <p:cNvPr id="4" name="TextBox 3"/>
-              <p:cNvSpPr txBox="1">
-                <a:spLocks noRot="1" noChangeAspect="1" noMove="1" noResize="1" noEditPoints="1" noAdjustHandles="1" noChangeArrowheads="1" noChangeShapeType="1" noTextEdit="1"/>
-              </p:cNvSpPr>
-              <p:nvPr/>
-            </p:nvSpPr>
-            <p:spPr>
-              <a:xfrm>
-                <a:off x="838200" y="1459832"/>
-                <a:ext cx="11000874" cy="4801314"/>
-              </a:xfrm>
-              <a:prstGeom prst="rect">
-                <a:avLst/>
-              </a:prstGeom>
-              <a:blipFill>
-                <a:blip r:embed="rId2"/>
-                <a:stretch>
-                  <a:fillRect l="-610" t="-1142"/>
-                </a:stretch>
-              </a:blipFill>
-            </p:spPr>
-            <p:txBody>
-              <a:bodyPr/>
-              <a:lstStyle/>
-              <a:p>
-                <a:r>
-                  <a:rPr lang="ko-KR" altLang="en-US">
-                    <a:noFill/>
-                  </a:rPr>
-                  <a:t> </a:t>
-                </a:r>
-              </a:p>
-            </p:txBody>
-          </p:sp>
-        </mc:Fallback>
-      </mc:AlternateContent>
-      <p:sp>
-        <p:nvSpPr>
-          <p:cNvPr id="5" name="TextBox 4"/>
-          <p:cNvSpPr txBox="1"/>
-          <p:nvPr/>
-        </p:nvSpPr>
-        <p:spPr>
-          <a:xfrm>
-            <a:off x="9055040" y="5084006"/>
-            <a:ext cx="3017520" cy="369332"/>
-          </a:xfrm>
-          <a:prstGeom prst="rect">
-            <a:avLst/>
-          </a:prstGeom>
-          <a:noFill/>
-        </p:spPr>
-        <p:txBody>
-          <a:bodyPr wrap="square" rtlCol="0">
-            <a:spAutoFit/>
-          </a:bodyPr>
-          <a:lstStyle/>
-          <a:p>
-            <a:r>
-              <a:rPr lang="en-US" altLang="ko-KR" dirty="0" smtClean="0"/>
-              <a:t>&lt;</a:t>
-            </a:r>
-            <a:r>
-              <a:rPr lang="ko-KR" altLang="en-US" dirty="0" err="1" smtClean="0"/>
-              <a:t>하이퍼파라미터</a:t>
-            </a:r>
-            <a:r>
-              <a:rPr lang="en-US" altLang="ko-KR" dirty="0" smtClean="0"/>
-              <a:t>&gt;</a:t>
-            </a:r>
-            <a:r>
-              <a:rPr lang="ko-KR" altLang="en-US" dirty="0" smtClean="0"/>
-              <a:t> </a:t>
-            </a:r>
-            <a:endParaRPr lang="ko-KR" altLang="en-US" dirty="0"/>
-          </a:p>
-        </p:txBody>
-      </p:sp>
-      <p:pic>
-        <p:nvPicPr>
-          <p:cNvPr id="6" name="그림 5"/>
-          <p:cNvPicPr>
-            <a:picLocks noChangeAspect="1"/>
-          </p:cNvPicPr>
-          <p:nvPr/>
-        </p:nvPicPr>
-        <p:blipFill>
-          <a:blip r:embed="rId3"/>
-          <a:stretch>
-            <a:fillRect/>
-          </a:stretch>
-        </p:blipFill>
-        <p:spPr>
-          <a:xfrm>
-            <a:off x="5560297" y="4147655"/>
-            <a:ext cx="2750763" cy="2340135"/>
-          </a:xfrm>
-          <a:prstGeom prst="rect">
-            <a:avLst/>
-          </a:prstGeom>
-        </p:spPr>
-      </p:pic>
-      <p:sp>
-        <p:nvSpPr>
-          <p:cNvPr id="7" name="TextBox 6"/>
-          <p:cNvSpPr txBox="1"/>
-          <p:nvPr/>
-        </p:nvSpPr>
-        <p:spPr>
-          <a:xfrm>
-            <a:off x="5993998" y="6551166"/>
-            <a:ext cx="3017520" cy="369332"/>
-          </a:xfrm>
-          <a:prstGeom prst="rect">
-            <a:avLst/>
-          </a:prstGeom>
-          <a:noFill/>
-        </p:spPr>
-        <p:txBody>
-          <a:bodyPr wrap="square" rtlCol="0">
-            <a:spAutoFit/>
-          </a:bodyPr>
-          <a:lstStyle/>
-          <a:p>
-            <a:r>
-              <a:rPr lang="en-US" altLang="ko-KR" dirty="0" smtClean="0"/>
-              <a:t>&lt;</a:t>
-            </a:r>
-            <a:r>
-              <a:rPr lang="ko-KR" altLang="en-US" dirty="0" err="1" smtClean="0"/>
-              <a:t>크리틱</a:t>
-            </a:r>
-            <a:r>
-              <a:rPr lang="ko-KR" altLang="en-US" dirty="0" smtClean="0"/>
-              <a:t> 구조</a:t>
-            </a:r>
-            <a:r>
-              <a:rPr lang="en-US" altLang="ko-KR" dirty="0" smtClean="0"/>
-              <a:t>&gt;</a:t>
-            </a:r>
-            <a:r>
-              <a:rPr lang="ko-KR" altLang="en-US" dirty="0" smtClean="0"/>
-              <a:t> </a:t>
-            </a:r>
-            <a:endParaRPr lang="ko-KR" altLang="en-US" dirty="0"/>
-          </a:p>
-        </p:txBody>
-      </p:sp>
-      <p:pic>
-        <p:nvPicPr>
-          <p:cNvPr id="8" name="그림 7"/>
-          <p:cNvPicPr>
-            <a:picLocks noChangeAspect="1"/>
-          </p:cNvPicPr>
-          <p:nvPr/>
-        </p:nvPicPr>
-        <p:blipFill>
-          <a:blip r:embed="rId4"/>
-          <a:stretch>
-            <a:fillRect/>
-          </a:stretch>
-        </p:blipFill>
-        <p:spPr>
-          <a:xfrm>
-            <a:off x="8497055" y="2148710"/>
-            <a:ext cx="3389510" cy="2935296"/>
+            <a:off x="7870490" y="834290"/>
+            <a:ext cx="3676702" cy="3304655"/>
           </a:xfrm>
           <a:prstGeom prst="rect">
             <a:avLst/>
@@ -7131,616 +4174,7 @@
     </p:spTree>
     <p:extLst>
       <p:ext uri="{BB962C8B-B14F-4D97-AF65-F5344CB8AC3E}">
-        <p14:creationId xmlns:p14="http://schemas.microsoft.com/office/powerpoint/2010/main" val="2112115307"/>
-      </p:ext>
-    </p:extLst>
-  </p:cSld>
-  <p:clrMapOvr>
-    <a:masterClrMapping/>
-  </p:clrMapOvr>
-</p:sld>
-</file>
-
-<file path=ppt/slides/slide9.xml><?xml version="1.0" encoding="utf-8"?>
-<p:sld xmlns:a="http://schemas.openxmlformats.org/drawingml/2006/main" xmlns:r="http://schemas.openxmlformats.org/officeDocument/2006/relationships" xmlns:p="http://schemas.openxmlformats.org/presentationml/2006/main">
-  <p:cSld>
-    <p:spTree>
-      <p:nvGrpSpPr>
-        <p:cNvPr id="1" name=""/>
-        <p:cNvGrpSpPr/>
-        <p:nvPr/>
-      </p:nvGrpSpPr>
-      <p:grpSpPr>
-        <a:xfrm>
-          <a:off x="0" y="0"/>
-          <a:ext cx="0" cy="0"/>
-          <a:chOff x="0" y="0"/>
-          <a:chExt cx="0" cy="0"/>
-        </a:xfrm>
-      </p:grpSpPr>
-      <p:sp>
-        <p:nvSpPr>
-          <p:cNvPr id="2" name="제목 1"/>
-          <p:cNvSpPr>
-            <a:spLocks noGrp="1"/>
-          </p:cNvSpPr>
-          <p:nvPr>
-            <p:ph type="title"/>
-          </p:nvPr>
-        </p:nvSpPr>
-        <p:spPr/>
-        <p:txBody>
-          <a:bodyPr/>
-          <a:lstStyle/>
-          <a:p>
-            <a:r>
-              <a:rPr lang="en-US" altLang="ko-KR" dirty="0" smtClean="0"/>
-              <a:t>DDPG</a:t>
-            </a:r>
-            <a:r>
-              <a:rPr lang="ko-KR" altLang="en-US" dirty="0" smtClean="0"/>
-              <a:t> </a:t>
-            </a:r>
-            <a:r>
-              <a:rPr lang="en-US" altLang="ko-KR" dirty="0"/>
-              <a:t>4</a:t>
-            </a:r>
-            <a:r>
-              <a:rPr lang="en-US" altLang="ko-KR" dirty="0" smtClean="0"/>
-              <a:t> – </a:t>
-            </a:r>
-            <a:r>
-              <a:rPr lang="ko-KR" altLang="en-US" dirty="0" err="1" smtClean="0"/>
-              <a:t>데스크탑</a:t>
-            </a:r>
-            <a:r>
-              <a:rPr lang="ko-KR" altLang="en-US" dirty="0" smtClean="0"/>
-              <a:t>   </a:t>
-            </a:r>
-            <a:endParaRPr lang="ko-KR" altLang="en-US" dirty="0"/>
-          </a:p>
-        </p:txBody>
-      </p:sp>
-      <mc:AlternateContent xmlns:mc="http://schemas.openxmlformats.org/markup-compatibility/2006" xmlns:a14="http://schemas.microsoft.com/office/drawing/2010/main">
-        <mc:Choice Requires="a14">
-          <p:sp>
-            <p:nvSpPr>
-              <p:cNvPr id="4" name="TextBox 3"/>
-              <p:cNvSpPr txBox="1"/>
-              <p:nvPr/>
-            </p:nvSpPr>
-            <p:spPr>
-              <a:xfrm>
-                <a:off x="838200" y="1459832"/>
-                <a:ext cx="11000874" cy="4524315"/>
-              </a:xfrm>
-              <a:prstGeom prst="rect">
-                <a:avLst/>
-              </a:prstGeom>
-              <a:noFill/>
-            </p:spPr>
-            <p:txBody>
-              <a:bodyPr wrap="square" rtlCol="0">
-                <a:spAutoFit/>
-              </a:bodyPr>
-              <a:lstStyle/>
-              <a:p>
-                <a:pPr marL="285750" indent="-285750">
-                  <a:buFontTx/>
-                  <a:buChar char="-"/>
-                </a:pPr>
-                <a:r>
-                  <a:rPr lang="en-US" altLang="ko-KR" b="1" dirty="0" err="1" smtClean="0">
-                    <a:solidFill>
-                      <a:srgbClr val="FF0000"/>
-                    </a:solidFill>
-                  </a:rPr>
-                  <a:t>Power_out</a:t>
-                </a:r>
-                <a:r>
-                  <a:rPr lang="ko-KR" altLang="en-US" b="1" dirty="0" smtClean="0">
-                    <a:solidFill>
-                      <a:srgbClr val="FF0000"/>
-                    </a:solidFill>
-                  </a:rPr>
-                  <a:t>의</a:t>
-                </a:r>
-                <a:r>
-                  <a:rPr lang="en-US" altLang="ko-KR" b="1" dirty="0">
-                    <a:solidFill>
-                      <a:srgbClr val="FF0000"/>
-                    </a:solidFill>
-                  </a:rPr>
-                  <a:t> </a:t>
-                </a:r>
-                <a:r>
-                  <a:rPr lang="ko-KR" altLang="en-US" b="1" dirty="0" smtClean="0">
-                    <a:solidFill>
-                      <a:srgbClr val="FF0000"/>
-                    </a:solidFill>
-                  </a:rPr>
-                  <a:t>단위를 </a:t>
-                </a:r>
-                <a:r>
-                  <a:rPr lang="en-US" altLang="ko-KR" b="1" dirty="0" smtClean="0">
-                    <a:solidFill>
-                      <a:srgbClr val="FF0000"/>
-                    </a:solidFill>
-                  </a:rPr>
-                  <a:t>kw</a:t>
-                </a:r>
-                <a:r>
-                  <a:rPr lang="ko-KR" altLang="en-US" b="1" dirty="0" smtClean="0">
-                    <a:solidFill>
-                      <a:srgbClr val="FF0000"/>
-                    </a:solidFill>
-                  </a:rPr>
-                  <a:t>로 환산함 </a:t>
-                </a:r>
-                <a:endParaRPr lang="en-US" altLang="ko-KR" b="1" dirty="0" smtClean="0">
-                  <a:solidFill>
-                    <a:srgbClr val="FF0000"/>
-                  </a:solidFill>
-                </a:endParaRPr>
-              </a:p>
-              <a:p>
-                <a:pPr marL="285750" indent="-285750">
-                  <a:buFontTx/>
-                  <a:buChar char="-"/>
-                </a:pPr>
-                <a:endParaRPr lang="en-US" altLang="ko-KR" b="1" dirty="0"/>
-              </a:p>
-              <a:p>
-                <a:pPr marL="285750" indent="-285750">
-                  <a:buFontTx/>
-                  <a:buChar char="-"/>
-                </a:pPr>
-                <a:r>
-                  <a:rPr lang="en-US" altLang="ko-KR" b="1" dirty="0" smtClean="0"/>
-                  <a:t>State, Action, Reward </a:t>
-                </a:r>
-              </a:p>
-              <a:p>
-                <a:pPr marL="742950" lvl="1" indent="-285750">
-                  <a:buFontTx/>
-                  <a:buChar char="-"/>
-                </a:pPr>
-                <a:r>
-                  <a:rPr lang="en-US" altLang="ko-KR" dirty="0" smtClean="0"/>
-                  <a:t>State:   [</a:t>
-                </a:r>
-                <a:r>
-                  <a:rPr lang="en-US" altLang="ko-KR" dirty="0" err="1" smtClean="0"/>
-                  <a:t>power_out</a:t>
-                </a:r>
-                <a:r>
-                  <a:rPr lang="en-US" altLang="ko-KR" dirty="0" smtClean="0"/>
-                  <a:t>, SOC – 0.6, </a:t>
-                </a:r>
-                <a:r>
-                  <a:rPr lang="en-US" altLang="ko-KR" dirty="0" err="1" smtClean="0"/>
-                  <a:t>j_min</a:t>
-                </a:r>
-                <a:r>
-                  <a:rPr lang="en-US" altLang="ko-KR" dirty="0" smtClean="0"/>
-                  <a:t>, </a:t>
-                </a:r>
-                <a:r>
-                  <a:rPr lang="en-US" altLang="ko-KR" dirty="0" err="1" smtClean="0"/>
-                  <a:t>j_max</a:t>
-                </a:r>
-                <a:r>
-                  <a:rPr lang="en-US" altLang="ko-KR" dirty="0" smtClean="0"/>
-                  <a:t>]</a:t>
-                </a:r>
-              </a:p>
-              <a:p>
-                <a:pPr marL="742950" lvl="1" indent="-285750">
-                  <a:buFontTx/>
-                  <a:buChar char="-"/>
-                </a:pPr>
-                <a:r>
-                  <a:rPr lang="en-US" altLang="ko-KR" dirty="0" smtClean="0"/>
-                  <a:t>Action:  </a:t>
-                </a:r>
-                <a:r>
-                  <a:rPr lang="ko-KR" altLang="en-US" dirty="0" smtClean="0"/>
-                  <a:t>연속적인 액션 </a:t>
-                </a:r>
-                <a:endParaRPr lang="en-US" altLang="ko-KR" dirty="0" smtClean="0"/>
-              </a:p>
-              <a:p>
-                <a:pPr marL="742950" lvl="1" indent="-285750">
-                  <a:buFontTx/>
-                  <a:buChar char="-"/>
-                </a:pPr>
-                <a:r>
-                  <a:rPr lang="en-US" altLang="ko-KR" dirty="0" smtClean="0"/>
-                  <a:t>Reward: </a:t>
-                </a:r>
-                <a14:m>
-                  <m:oMath xmlns:m="http://schemas.openxmlformats.org/officeDocument/2006/math">
-                    <m:r>
-                      <a:rPr lang="en-US" altLang="ko-KR" b="0" i="1" smtClean="0">
-                        <a:latin typeface="Cambria Math" panose="02040503050406030204" pitchFamily="18" charset="0"/>
-                      </a:rPr>
-                      <m:t>− </m:t>
-                    </m:r>
-                    <m:d>
-                      <m:dPr>
-                        <m:begChr m:val="|"/>
-                        <m:endChr m:val="|"/>
-                        <m:ctrlPr>
-                          <a:rPr lang="en-US" altLang="ko-KR" b="0" i="1" smtClean="0">
-                            <a:latin typeface="Cambria Math" panose="02040503050406030204" pitchFamily="18" charset="0"/>
-                            <a:ea typeface="Cambria Math" panose="02040503050406030204" pitchFamily="18" charset="0"/>
-                          </a:rPr>
-                        </m:ctrlPr>
-                      </m:dPr>
-                      <m:e>
-                        <m:r>
-                          <a:rPr lang="en-US" altLang="ko-KR" b="0" i="1" smtClean="0">
-                            <a:latin typeface="Cambria Math" panose="02040503050406030204" pitchFamily="18" charset="0"/>
-                            <a:ea typeface="Cambria Math" panose="02040503050406030204" pitchFamily="18" charset="0"/>
-                          </a:rPr>
-                          <m:t>𝑆𝑂𝐶</m:t>
-                        </m:r>
-                        <m:r>
-                          <a:rPr lang="en-US" altLang="ko-KR" b="0" i="1" smtClean="0">
-                            <a:latin typeface="Cambria Math" panose="02040503050406030204" pitchFamily="18" charset="0"/>
-                            <a:ea typeface="Cambria Math" panose="02040503050406030204" pitchFamily="18" charset="0"/>
-                          </a:rPr>
-                          <m:t>−0.6</m:t>
-                        </m:r>
-                      </m:e>
-                    </m:d>
-                    <m:r>
-                      <a:rPr lang="en-US" altLang="ko-KR" b="0" i="1" smtClean="0">
-                        <a:latin typeface="Cambria Math" panose="02040503050406030204" pitchFamily="18" charset="0"/>
-                      </a:rPr>
-                      <m:t> </m:t>
-                    </m:r>
-                  </m:oMath>
-                </a14:m>
-                <a:endParaRPr lang="en-US" altLang="ko-KR" dirty="0" smtClean="0"/>
-              </a:p>
-              <a:p>
-                <a:pPr marL="285750" indent="-285750">
-                  <a:buFontTx/>
-                  <a:buChar char="-"/>
-                </a:pPr>
-                <a:endParaRPr lang="en-US" altLang="ko-KR" dirty="0" smtClean="0"/>
-              </a:p>
-              <a:p>
-                <a:pPr marL="285750" indent="-285750">
-                  <a:buFontTx/>
-                  <a:buChar char="-"/>
-                </a:pPr>
-                <a:r>
-                  <a:rPr lang="ko-KR" altLang="en-US" b="1" dirty="0" smtClean="0"/>
-                  <a:t>네트워크 구조</a:t>
-                </a:r>
-                <a:r>
-                  <a:rPr lang="en-US" altLang="ko-KR" b="1" dirty="0" smtClean="0"/>
-                  <a:t>: </a:t>
-                </a:r>
-              </a:p>
-              <a:p>
-                <a:pPr marL="742950" lvl="1" indent="-285750">
-                  <a:buFontTx/>
-                  <a:buChar char="-"/>
-                </a:pPr>
-                <a:r>
-                  <a:rPr lang="en-US" altLang="ko-KR" b="1" dirty="0" smtClean="0"/>
-                  <a:t>Actor: </a:t>
-                </a:r>
-              </a:p>
-              <a:p>
-                <a:pPr marL="1200150" lvl="2" indent="-285750">
-                  <a:buFontTx/>
-                  <a:buChar char="-"/>
-                </a:pPr>
-                <a:r>
-                  <a:rPr lang="en-US" altLang="ko-KR" dirty="0" smtClean="0"/>
-                  <a:t>Input(4)</a:t>
-                </a:r>
-              </a:p>
-              <a:p>
-                <a:pPr marL="1200150" lvl="2" indent="-285750">
-                  <a:buFontTx/>
-                  <a:buChar char="-"/>
-                </a:pPr>
-                <a:r>
-                  <a:rPr lang="en-US" altLang="ko-KR" dirty="0" smtClean="0"/>
-                  <a:t>Dense(512, activation=“</a:t>
-                </a:r>
-                <a:r>
-                  <a:rPr lang="en-US" altLang="ko-KR" dirty="0" err="1" smtClean="0"/>
-                  <a:t>relu</a:t>
-                </a:r>
-                <a:r>
-                  <a:rPr lang="en-US" altLang="ko-KR" dirty="0" smtClean="0"/>
-                  <a:t>”)</a:t>
-                </a:r>
-              </a:p>
-              <a:p>
-                <a:pPr marL="1200150" lvl="2" indent="-285750">
-                  <a:buFontTx/>
-                  <a:buChar char="-"/>
-                </a:pPr>
-                <a:r>
-                  <a:rPr lang="en-US" altLang="ko-KR" dirty="0" smtClean="0"/>
-                  <a:t>Dense(512, activation=“</a:t>
-                </a:r>
-                <a:r>
-                  <a:rPr lang="en-US" altLang="ko-KR" dirty="0" err="1" smtClean="0"/>
-                  <a:t>relu</a:t>
-                </a:r>
-                <a:r>
-                  <a:rPr lang="en-US" altLang="ko-KR" dirty="0" smtClean="0"/>
-                  <a:t>”)</a:t>
-                </a:r>
-              </a:p>
-              <a:p>
-                <a:pPr marL="1200150" lvl="2" indent="-285750">
-                  <a:buFontTx/>
-                  <a:buChar char="-"/>
-                </a:pPr>
-                <a:r>
-                  <a:rPr lang="en-US" altLang="ko-KR" dirty="0" smtClean="0"/>
-                  <a:t>Output(1)</a:t>
-                </a:r>
-              </a:p>
-              <a:p>
-                <a:pPr marL="1200150" lvl="2" indent="-285750">
-                  <a:buFontTx/>
-                  <a:buChar char="-"/>
-                </a:pPr>
-                <a:endParaRPr lang="en-US" altLang="ko-KR" dirty="0" smtClean="0"/>
-              </a:p>
-              <a:p>
-                <a:pPr marL="742950" lvl="1" indent="-285750">
-                  <a:buFontTx/>
-                  <a:buChar char="-"/>
-                </a:pPr>
-                <a:r>
-                  <a:rPr lang="en-US" altLang="ko-KR" b="1" dirty="0" smtClean="0"/>
-                  <a:t>Critic:  </a:t>
-                </a:r>
-                <a:endParaRPr lang="en-US" altLang="ko-KR" b="1" dirty="0"/>
-              </a:p>
-              <a:p>
-                <a:pPr lvl="1"/>
-                <a:endParaRPr lang="en-US" altLang="ko-KR" dirty="0" smtClean="0"/>
-              </a:p>
-            </p:txBody>
-          </p:sp>
-        </mc:Choice>
-        <mc:Fallback xmlns="">
-          <p:sp>
-            <p:nvSpPr>
-              <p:cNvPr id="4" name="TextBox 3"/>
-              <p:cNvSpPr txBox="1">
-                <a:spLocks noRot="1" noChangeAspect="1" noMove="1" noResize="1" noEditPoints="1" noAdjustHandles="1" noChangeArrowheads="1" noChangeShapeType="1" noTextEdit="1"/>
-              </p:cNvSpPr>
-              <p:nvPr/>
-            </p:nvSpPr>
-            <p:spPr>
-              <a:xfrm>
-                <a:off x="838200" y="1459832"/>
-                <a:ext cx="11000874" cy="4524315"/>
-              </a:xfrm>
-              <a:prstGeom prst="rect">
-                <a:avLst/>
-              </a:prstGeom>
-              <a:blipFill>
-                <a:blip r:embed="rId2"/>
-                <a:stretch>
-                  <a:fillRect l="-610" t="-1211"/>
-                </a:stretch>
-              </a:blipFill>
-            </p:spPr>
-            <p:txBody>
-              <a:bodyPr/>
-              <a:lstStyle/>
-              <a:p>
-                <a:r>
-                  <a:rPr lang="ko-KR" altLang="en-US">
-                    <a:noFill/>
-                  </a:rPr>
-                  <a:t> </a:t>
-                </a:r>
-              </a:p>
-            </p:txBody>
-          </p:sp>
-        </mc:Fallback>
-      </mc:AlternateContent>
-      <p:sp>
-        <p:nvSpPr>
-          <p:cNvPr id="5" name="TextBox 4"/>
-          <p:cNvSpPr txBox="1"/>
-          <p:nvPr/>
-        </p:nvSpPr>
-        <p:spPr>
-          <a:xfrm>
-            <a:off x="9055040" y="5084006"/>
-            <a:ext cx="3017520" cy="369332"/>
-          </a:xfrm>
-          <a:prstGeom prst="rect">
-            <a:avLst/>
-          </a:prstGeom>
-          <a:noFill/>
-        </p:spPr>
-        <p:txBody>
-          <a:bodyPr wrap="square" rtlCol="0">
-            <a:spAutoFit/>
-          </a:bodyPr>
-          <a:lstStyle/>
-          <a:p>
-            <a:r>
-              <a:rPr lang="en-US" altLang="ko-KR" dirty="0" smtClean="0"/>
-              <a:t>&lt;</a:t>
-            </a:r>
-            <a:r>
-              <a:rPr lang="ko-KR" altLang="en-US" dirty="0" err="1" smtClean="0"/>
-              <a:t>하이퍼파라미터</a:t>
-            </a:r>
-            <a:r>
-              <a:rPr lang="en-US" altLang="ko-KR" dirty="0" smtClean="0"/>
-              <a:t>&gt;</a:t>
-            </a:r>
-            <a:r>
-              <a:rPr lang="ko-KR" altLang="en-US" dirty="0" smtClean="0"/>
-              <a:t> </a:t>
-            </a:r>
-            <a:endParaRPr lang="ko-KR" altLang="en-US" dirty="0"/>
-          </a:p>
-        </p:txBody>
-      </p:sp>
-      <p:pic>
-        <p:nvPicPr>
-          <p:cNvPr id="6" name="그림 5"/>
-          <p:cNvPicPr>
-            <a:picLocks noChangeAspect="1"/>
-          </p:cNvPicPr>
-          <p:nvPr/>
-        </p:nvPicPr>
-        <p:blipFill>
-          <a:blip r:embed="rId3"/>
-          <a:stretch>
-            <a:fillRect/>
-          </a:stretch>
-        </p:blipFill>
-        <p:spPr>
-          <a:xfrm>
-            <a:off x="5560297" y="4147655"/>
-            <a:ext cx="2750763" cy="2340135"/>
-          </a:xfrm>
-          <a:prstGeom prst="rect">
-            <a:avLst/>
-          </a:prstGeom>
-        </p:spPr>
-      </p:pic>
-      <p:sp>
-        <p:nvSpPr>
-          <p:cNvPr id="7" name="TextBox 6"/>
-          <p:cNvSpPr txBox="1"/>
-          <p:nvPr/>
-        </p:nvSpPr>
-        <p:spPr>
-          <a:xfrm>
-            <a:off x="5993998" y="6551166"/>
-            <a:ext cx="3017520" cy="369332"/>
-          </a:xfrm>
-          <a:prstGeom prst="rect">
-            <a:avLst/>
-          </a:prstGeom>
-          <a:noFill/>
-        </p:spPr>
-        <p:txBody>
-          <a:bodyPr wrap="square" rtlCol="0">
-            <a:spAutoFit/>
-          </a:bodyPr>
-          <a:lstStyle/>
-          <a:p>
-            <a:r>
-              <a:rPr lang="en-US" altLang="ko-KR" dirty="0" smtClean="0"/>
-              <a:t>&lt;</a:t>
-            </a:r>
-            <a:r>
-              <a:rPr lang="ko-KR" altLang="en-US" dirty="0" err="1" smtClean="0"/>
-              <a:t>크리틱</a:t>
-            </a:r>
-            <a:r>
-              <a:rPr lang="ko-KR" altLang="en-US" dirty="0" smtClean="0"/>
-              <a:t> 구조</a:t>
-            </a:r>
-            <a:r>
-              <a:rPr lang="en-US" altLang="ko-KR" dirty="0" smtClean="0"/>
-              <a:t>&gt;</a:t>
-            </a:r>
-            <a:r>
-              <a:rPr lang="ko-KR" altLang="en-US" dirty="0" smtClean="0"/>
-              <a:t> </a:t>
-            </a:r>
-            <a:endParaRPr lang="ko-KR" altLang="en-US" dirty="0"/>
-          </a:p>
-        </p:txBody>
-      </p:sp>
-      <p:pic>
-        <p:nvPicPr>
-          <p:cNvPr id="8" name="그림 7"/>
-          <p:cNvPicPr>
-            <a:picLocks noChangeAspect="1"/>
-          </p:cNvPicPr>
-          <p:nvPr/>
-        </p:nvPicPr>
-        <p:blipFill>
-          <a:blip r:embed="rId4"/>
-          <a:stretch>
-            <a:fillRect/>
-          </a:stretch>
-        </p:blipFill>
-        <p:spPr>
-          <a:xfrm>
-            <a:off x="8497055" y="2148710"/>
-            <a:ext cx="3389510" cy="2935296"/>
-          </a:xfrm>
-          <a:prstGeom prst="rect">
-            <a:avLst/>
-          </a:prstGeom>
-        </p:spPr>
-      </p:pic>
-      <p:sp>
-        <p:nvSpPr>
-          <p:cNvPr id="9" name="TextBox 8"/>
-          <p:cNvSpPr txBox="1"/>
-          <p:nvPr/>
-        </p:nvSpPr>
-        <p:spPr>
-          <a:xfrm>
-            <a:off x="9055040" y="5984147"/>
-            <a:ext cx="1897501" cy="461665"/>
-          </a:xfrm>
-          <a:prstGeom prst="rect">
-            <a:avLst/>
-          </a:prstGeom>
-          <a:noFill/>
-        </p:spPr>
-        <p:txBody>
-          <a:bodyPr wrap="square" rtlCol="0">
-            <a:spAutoFit/>
-          </a:bodyPr>
-          <a:lstStyle/>
-          <a:p>
-            <a:r>
-              <a:rPr lang="ko-KR" altLang="en-US" sz="2400" b="1" smtClean="0">
-                <a:solidFill>
-                  <a:srgbClr val="FF0000"/>
-                </a:solidFill>
-              </a:rPr>
-              <a:t>실험 중 </a:t>
-            </a:r>
-            <a:r>
-              <a:rPr lang="en-US" altLang="ko-KR" sz="2400" b="1" dirty="0" smtClean="0">
-                <a:solidFill>
-                  <a:srgbClr val="FF0000"/>
-                </a:solidFill>
-              </a:rPr>
-              <a:t>… </a:t>
-            </a:r>
-            <a:r>
-              <a:rPr lang="ko-KR" altLang="en-US" dirty="0" smtClean="0"/>
-              <a:t> </a:t>
-            </a:r>
-            <a:endParaRPr lang="ko-KR" altLang="en-US" dirty="0"/>
-          </a:p>
-        </p:txBody>
-      </p:sp>
-    </p:spTree>
-    <p:extLst>
-      <p:ext uri="{BB962C8B-B14F-4D97-AF65-F5344CB8AC3E}">
-        <p14:creationId xmlns:p14="http://schemas.microsoft.com/office/powerpoint/2010/main" val="2828685083"/>
+        <p14:creationId xmlns:p14="http://schemas.microsoft.com/office/powerpoint/2010/main" val="3426921437"/>
       </p:ext>
     </p:extLst>
   </p:cSld>

--- a/실험정리.pptx
+++ b/실험정리.pptx
@@ -7,7 +7,8 @@
   <p:sldIdLst>
     <p:sldId id="256" r:id="rId2"/>
     <p:sldId id="272" r:id="rId3"/>
-    <p:sldId id="278" r:id="rId4"/>
+    <p:sldId id="279" r:id="rId4"/>
+    <p:sldId id="278" r:id="rId5"/>
   </p:sldIdLst>
   <p:sldSz cx="12192000" cy="6858000"/>
   <p:notesSz cx="6858000" cy="9144000"/>
@@ -3063,8 +3064,8 @@
           </a:p>
         </p:txBody>
       </p:sp>
-      <mc:AlternateContent xmlns:mc="http://schemas.openxmlformats.org/markup-compatibility/2006">
-        <mc:Choice xmlns:a14="http://schemas.microsoft.com/office/drawing/2010/main" Requires="a14">
+      <mc:AlternateContent xmlns:mc="http://schemas.openxmlformats.org/markup-compatibility/2006" xmlns:a14="http://schemas.microsoft.com/office/drawing/2010/main">
+        <mc:Choice Requires="a14">
           <p:sp>
             <p:nvSpPr>
               <p:cNvPr id="4" name="TextBox 3"/>
@@ -3211,13 +3212,7 @@
                       <a:rPr lang="en-US" altLang="ko-KR" b="0" i="1" smtClean="0">
                         <a:latin typeface="Cambria Math" panose="02040503050406030204" pitchFamily="18" charset="0"/>
                       </a:rPr>
-                      <m:t> −</m:t>
-                    </m:r>
-                    <m:r>
-                      <a:rPr lang="en-US" altLang="ko-KR" b="0" i="1" smtClean="0">
-                        <a:latin typeface="Cambria Math" panose="02040503050406030204" pitchFamily="18" charset="0"/>
-                      </a:rPr>
-                      <m:t>10</m:t>
+                      <m:t> −10</m:t>
                     </m:r>
                     <m:r>
                       <a:rPr lang="en-US" altLang="ko-KR" b="0" i="1" smtClean="0">
@@ -3358,7 +3353,7 @@
             </p:txBody>
           </p:sp>
         </mc:Choice>
-        <mc:Fallback>
+        <mc:Fallback xmlns="">
           <p:sp>
             <p:nvSpPr>
               <p:cNvPr id="4" name="TextBox 3"/>
@@ -3548,7 +3543,7 @@
           <a:p>
             <a:r>
               <a:rPr lang="en-US" altLang="ko-KR" dirty="0" smtClean="0"/>
-              <a:t>DDPG</a:t>
+              <a:t>DDQN</a:t>
             </a:r>
             <a:r>
               <a:rPr lang="ko-KR" altLang="en-US" dirty="0" smtClean="0"/>
@@ -3556,6 +3551,589 @@
             </a:r>
             <a:r>
               <a:rPr lang="en-US" altLang="ko-KR" dirty="0" smtClean="0"/>
+              <a:t>2</a:t>
+            </a:r>
+            <a:r>
+              <a:rPr lang="ko-KR" altLang="en-US" dirty="0" smtClean="0"/>
+              <a:t>  </a:t>
+            </a:r>
+            <a:endParaRPr lang="ko-KR" altLang="en-US" dirty="0"/>
+          </a:p>
+        </p:txBody>
+      </p:sp>
+      <mc:AlternateContent xmlns:mc="http://schemas.openxmlformats.org/markup-compatibility/2006">
+        <mc:Choice xmlns:a14="http://schemas.microsoft.com/office/drawing/2010/main" Requires="a14">
+          <p:sp>
+            <p:nvSpPr>
+              <p:cNvPr id="4" name="TextBox 3"/>
+              <p:cNvSpPr txBox="1"/>
+              <p:nvPr/>
+            </p:nvSpPr>
+            <p:spPr>
+              <a:xfrm>
+                <a:off x="838200" y="1459832"/>
+                <a:ext cx="11000874" cy="3992568"/>
+              </a:xfrm>
+              <a:prstGeom prst="rect">
+                <a:avLst/>
+              </a:prstGeom>
+              <a:noFill/>
+            </p:spPr>
+            <p:txBody>
+              <a:bodyPr wrap="square" rtlCol="0">
+                <a:spAutoFit/>
+              </a:bodyPr>
+              <a:lstStyle/>
+              <a:p>
+                <a:pPr marL="285750" indent="-285750">
+                  <a:buFontTx/>
+                  <a:buChar char="-"/>
+                </a:pPr>
+                <a:r>
+                  <a:rPr lang="en-US" altLang="ko-KR" b="1" dirty="0" smtClean="0">
+                    <a:solidFill>
+                      <a:srgbClr val="FF0000"/>
+                    </a:solidFill>
+                  </a:rPr>
+                  <a:t>Power</a:t>
+                </a:r>
+                <a:r>
+                  <a:rPr lang="ko-KR" altLang="en-US" b="1" dirty="0" smtClean="0">
+                    <a:solidFill>
+                      <a:srgbClr val="FF0000"/>
+                    </a:solidFill>
+                  </a:rPr>
+                  <a:t>를 </a:t>
+                </a:r>
+                <a:r>
+                  <a:rPr lang="en-US" altLang="ko-KR" b="1" dirty="0" smtClean="0">
+                    <a:solidFill>
+                      <a:srgbClr val="FF0000"/>
+                    </a:solidFill>
+                  </a:rPr>
+                  <a:t>kW </a:t>
+                </a:r>
+                <a:r>
+                  <a:rPr lang="ko-KR" altLang="en-US" b="1" dirty="0" smtClean="0">
+                    <a:solidFill>
+                      <a:srgbClr val="FF0000"/>
+                    </a:solidFill>
+                  </a:rPr>
+                  <a:t>단위로 환산하여 </a:t>
+                </a:r>
+                <a:r>
+                  <a:rPr lang="en-US" altLang="ko-KR" b="1" dirty="0" smtClean="0">
+                    <a:solidFill>
+                      <a:srgbClr val="FF0000"/>
+                    </a:solidFill>
+                  </a:rPr>
+                  <a:t>Feature scaling </a:t>
+                </a:r>
+                <a:r>
+                  <a:rPr lang="ko-KR" altLang="en-US" b="1" dirty="0" smtClean="0">
+                    <a:solidFill>
+                      <a:srgbClr val="FF0000"/>
+                    </a:solidFill>
+                  </a:rPr>
+                  <a:t>수행 </a:t>
+                </a:r>
+                <a:endParaRPr lang="en-US" altLang="ko-KR" b="1" dirty="0" smtClean="0">
+                  <a:solidFill>
+                    <a:srgbClr val="FF0000"/>
+                  </a:solidFill>
+                </a:endParaRPr>
+              </a:p>
+              <a:p>
+                <a:pPr marL="285750" indent="-285750">
+                  <a:buFontTx/>
+                  <a:buChar char="-"/>
+                </a:pPr>
+                <a:endParaRPr lang="en-US" altLang="ko-KR" b="1" dirty="0"/>
+              </a:p>
+              <a:p>
+                <a:pPr marL="285750" indent="-285750">
+                  <a:buFontTx/>
+                  <a:buChar char="-"/>
+                </a:pPr>
+                <a:r>
+                  <a:rPr lang="en-US" altLang="ko-KR" b="1" dirty="0" smtClean="0"/>
+                  <a:t>State</a:t>
+                </a:r>
+                <a:r>
+                  <a:rPr lang="en-US" altLang="ko-KR" b="1" dirty="0" smtClean="0"/>
+                  <a:t>, Action, Reward </a:t>
+                </a:r>
+              </a:p>
+              <a:p>
+                <a:pPr marL="742950" lvl="1" indent="-285750">
+                  <a:buFontTx/>
+                  <a:buChar char="-"/>
+                </a:pPr>
+                <a:r>
+                  <a:rPr lang="en-US" altLang="ko-KR" dirty="0" smtClean="0"/>
+                  <a:t>State:   [</a:t>
+                </a:r>
+                <a:r>
+                  <a:rPr lang="en-US" altLang="ko-KR" dirty="0" err="1" smtClean="0">
+                    <a:solidFill>
+                      <a:srgbClr val="FF0000"/>
+                    </a:solidFill>
+                  </a:rPr>
+                  <a:t>power_out</a:t>
+                </a:r>
+                <a:r>
+                  <a:rPr lang="en-US" altLang="ko-KR" dirty="0" smtClean="0">
+                    <a:solidFill>
+                      <a:srgbClr val="FF0000"/>
+                    </a:solidFill>
+                  </a:rPr>
+                  <a:t>/1000</a:t>
+                </a:r>
+                <a:r>
+                  <a:rPr lang="en-US" altLang="ko-KR" dirty="0" smtClean="0"/>
+                  <a:t>, </a:t>
+                </a:r>
+                <a:r>
+                  <a:rPr lang="en-US" altLang="ko-KR" dirty="0" smtClean="0"/>
+                  <a:t>SOC – 0.6, </a:t>
+                </a:r>
+                <a:r>
+                  <a:rPr lang="en-US" altLang="ko-KR" dirty="0" err="1" smtClean="0"/>
+                  <a:t>j_min</a:t>
+                </a:r>
+                <a:r>
+                  <a:rPr lang="en-US" altLang="ko-KR" dirty="0" smtClean="0"/>
+                  <a:t>, </a:t>
+                </a:r>
+                <a:r>
+                  <a:rPr lang="en-US" altLang="ko-KR" dirty="0" err="1" smtClean="0"/>
+                  <a:t>j_max</a:t>
+                </a:r>
+                <a:r>
+                  <a:rPr lang="en-US" altLang="ko-KR" dirty="0" smtClean="0"/>
+                  <a:t>]</a:t>
+                </a:r>
+              </a:p>
+              <a:p>
+                <a:pPr marL="742950" lvl="1" indent="-285750">
+                  <a:buFontTx/>
+                  <a:buChar char="-"/>
+                </a:pPr>
+                <a:r>
+                  <a:rPr lang="en-US" altLang="ko-KR" dirty="0" smtClean="0"/>
+                  <a:t>Action:  </a:t>
+                </a:r>
+                <a:r>
+                  <a:rPr lang="ko-KR" altLang="en-US" dirty="0" smtClean="0"/>
+                  <a:t>크기 </a:t>
+                </a:r>
+                <a:r>
+                  <a:rPr lang="en-US" altLang="ko-KR" dirty="0" smtClean="0"/>
+                  <a:t>20</a:t>
+                </a:r>
+                <a:r>
+                  <a:rPr lang="ko-KR" altLang="en-US" dirty="0" smtClean="0"/>
+                  <a:t>의 이산화 된 액션 </a:t>
+                </a:r>
+                <a:endParaRPr lang="en-US" altLang="ko-KR" dirty="0" smtClean="0"/>
+              </a:p>
+              <a:p>
+                <a:pPr marL="742950" lvl="1" indent="-285750">
+                  <a:buFontTx/>
+                  <a:buChar char="-"/>
+                </a:pPr>
+                <a:r>
+                  <a:rPr lang="en-US" altLang="ko-KR" dirty="0" smtClean="0"/>
+                  <a:t>Reward: </a:t>
+                </a:r>
+                <a14:m>
+                  <m:oMath xmlns:m="http://schemas.openxmlformats.org/officeDocument/2006/math">
+                    <m:r>
+                      <a:rPr lang="en-US" altLang="ko-KR" b="0" i="0" smtClean="0">
+                        <a:latin typeface="Cambria Math" panose="02040503050406030204" pitchFamily="18" charset="0"/>
+                      </a:rPr>
+                      <m:t>− </m:t>
+                    </m:r>
+                    <m:acc>
+                      <m:accPr>
+                        <m:chr m:val="̇"/>
+                        <m:ctrlPr>
+                          <a:rPr lang="en-US" altLang="ko-KR" i="1" smtClean="0">
+                            <a:latin typeface="Cambria Math" panose="02040503050406030204" pitchFamily="18" charset="0"/>
+                          </a:rPr>
+                        </m:ctrlPr>
+                      </m:accPr>
+                      <m:e>
+                        <m:sSub>
+                          <m:sSubPr>
+                            <m:ctrlPr>
+                              <a:rPr lang="en-US" altLang="ko-KR" b="0" i="1" smtClean="0">
+                                <a:latin typeface="Cambria Math" panose="02040503050406030204" pitchFamily="18" charset="0"/>
+                              </a:rPr>
+                            </m:ctrlPr>
+                          </m:sSubPr>
+                          <m:e>
+                            <m:r>
+                              <a:rPr lang="en-US" altLang="ko-KR" b="0" i="1" smtClean="0">
+                                <a:latin typeface="Cambria Math" panose="02040503050406030204" pitchFamily="18" charset="0"/>
+                              </a:rPr>
+                              <m:t>𝑚</m:t>
+                            </m:r>
+                          </m:e>
+                          <m:sub>
+                            <m:r>
+                              <a:rPr lang="en-US" altLang="ko-KR" b="0" i="1" smtClean="0">
+                                <a:latin typeface="Cambria Math" panose="02040503050406030204" pitchFamily="18" charset="0"/>
+                              </a:rPr>
+                              <m:t>𝑓𝑐</m:t>
+                            </m:r>
+                          </m:sub>
+                        </m:sSub>
+                      </m:e>
+                    </m:acc>
+                    <m:r>
+                      <a:rPr lang="en-US" altLang="ko-KR" b="0" i="1" smtClean="0">
+                        <a:latin typeface="Cambria Math" panose="02040503050406030204" pitchFamily="18" charset="0"/>
+                      </a:rPr>
+                      <m:t> −10</m:t>
+                    </m:r>
+                    <m:r>
+                      <a:rPr lang="en-US" altLang="ko-KR" b="0" i="1" smtClean="0">
+                        <a:latin typeface="Cambria Math" panose="02040503050406030204" pitchFamily="18" charset="0"/>
+                        <a:ea typeface="Cambria Math" panose="02040503050406030204" pitchFamily="18" charset="0"/>
+                      </a:rPr>
+                      <m:t>×</m:t>
+                    </m:r>
+                    <m:d>
+                      <m:dPr>
+                        <m:begChr m:val="|"/>
+                        <m:endChr m:val="|"/>
+                        <m:ctrlPr>
+                          <a:rPr lang="en-US" altLang="ko-KR" b="0" i="1" smtClean="0">
+                            <a:latin typeface="Cambria Math" panose="02040503050406030204" pitchFamily="18" charset="0"/>
+                            <a:ea typeface="Cambria Math" panose="02040503050406030204" pitchFamily="18" charset="0"/>
+                          </a:rPr>
+                        </m:ctrlPr>
+                      </m:dPr>
+                      <m:e>
+                        <m:r>
+                          <a:rPr lang="en-US" altLang="ko-KR" b="0" i="1" smtClean="0">
+                            <a:latin typeface="Cambria Math" panose="02040503050406030204" pitchFamily="18" charset="0"/>
+                            <a:ea typeface="Cambria Math" panose="02040503050406030204" pitchFamily="18" charset="0"/>
+                          </a:rPr>
+                          <m:t>𝑆𝑂𝐶</m:t>
+                        </m:r>
+                        <m:r>
+                          <a:rPr lang="en-US" altLang="ko-KR" b="0" i="1" smtClean="0">
+                            <a:latin typeface="Cambria Math" panose="02040503050406030204" pitchFamily="18" charset="0"/>
+                            <a:ea typeface="Cambria Math" panose="02040503050406030204" pitchFamily="18" charset="0"/>
+                          </a:rPr>
+                          <m:t>−0.6</m:t>
+                        </m:r>
+                      </m:e>
+                    </m:d>
+                    <m:r>
+                      <a:rPr lang="en-US" altLang="ko-KR" b="0" i="1" smtClean="0">
+                        <a:latin typeface="Cambria Math" panose="02040503050406030204" pitchFamily="18" charset="0"/>
+                      </a:rPr>
+                      <m:t> </m:t>
+                    </m:r>
+                  </m:oMath>
+                </a14:m>
+                <a:endParaRPr lang="en-US" altLang="ko-KR" dirty="0" smtClean="0"/>
+              </a:p>
+              <a:p>
+                <a:pPr marL="285750" indent="-285750">
+                  <a:buFontTx/>
+                  <a:buChar char="-"/>
+                </a:pPr>
+                <a:endParaRPr lang="en-US" altLang="ko-KR" dirty="0" smtClean="0"/>
+              </a:p>
+              <a:p>
+                <a:pPr marL="285750" indent="-285750">
+                  <a:buFontTx/>
+                  <a:buChar char="-"/>
+                </a:pPr>
+                <a:r>
+                  <a:rPr lang="ko-KR" altLang="en-US" b="1" dirty="0" smtClean="0"/>
+                  <a:t>네트워크 구조</a:t>
+                </a:r>
+                <a:r>
+                  <a:rPr lang="en-US" altLang="ko-KR" b="1" dirty="0" smtClean="0"/>
+                  <a:t>: </a:t>
+                </a:r>
+              </a:p>
+              <a:p>
+                <a:pPr marL="742950" lvl="1" indent="-285750">
+                  <a:buFontTx/>
+                  <a:buChar char="-"/>
+                </a:pPr>
+                <a:r>
+                  <a:rPr lang="en-US" altLang="ko-KR" b="1" dirty="0" smtClean="0"/>
+                  <a:t>Main, Target: </a:t>
+                </a:r>
+              </a:p>
+              <a:p>
+                <a:pPr marL="1200150" lvl="2" indent="-285750">
+                  <a:buFontTx/>
+                  <a:buChar char="-"/>
+                </a:pPr>
+                <a:r>
+                  <a:rPr lang="en-US" altLang="ko-KR" dirty="0" smtClean="0"/>
+                  <a:t>Input(4) </a:t>
+                </a:r>
+              </a:p>
+              <a:p>
+                <a:pPr marL="1200150" lvl="2" indent="-285750">
+                  <a:buFontTx/>
+                  <a:buChar char="-"/>
+                </a:pPr>
+                <a:r>
+                  <a:rPr lang="en-US" altLang="ko-KR" dirty="0" smtClean="0"/>
+                  <a:t>Dense(30, activation=“</a:t>
+                </a:r>
+                <a:r>
+                  <a:rPr lang="en-US" altLang="ko-KR" dirty="0" err="1" smtClean="0"/>
+                  <a:t>relu</a:t>
+                </a:r>
+                <a:r>
+                  <a:rPr lang="en-US" altLang="ko-KR" dirty="0" smtClean="0"/>
+                  <a:t>”)</a:t>
+                </a:r>
+              </a:p>
+              <a:p>
+                <a:pPr marL="1200150" lvl="2" indent="-285750">
+                  <a:buFontTx/>
+                  <a:buChar char="-"/>
+                </a:pPr>
+                <a:r>
+                  <a:rPr lang="en-US" altLang="ko-KR" dirty="0" smtClean="0"/>
+                  <a:t>Dense(30, activation=“</a:t>
+                </a:r>
+                <a:r>
+                  <a:rPr lang="en-US" altLang="ko-KR" dirty="0" err="1" smtClean="0"/>
+                  <a:t>relu</a:t>
+                </a:r>
+                <a:r>
+                  <a:rPr lang="en-US" altLang="ko-KR" dirty="0" smtClean="0"/>
+                  <a:t>”)</a:t>
+                </a:r>
+              </a:p>
+              <a:p>
+                <a:pPr marL="1200150" lvl="2" indent="-285750">
+                  <a:buFontTx/>
+                  <a:buChar char="-"/>
+                </a:pPr>
+                <a:r>
+                  <a:rPr lang="en-US" altLang="ko-KR" dirty="0" smtClean="0"/>
+                  <a:t>Output(20)</a:t>
+                </a:r>
+              </a:p>
+              <a:p>
+                <a:pPr lvl="1"/>
+                <a:endParaRPr lang="en-US" altLang="ko-KR" dirty="0" smtClean="0"/>
+              </a:p>
+            </p:txBody>
+          </p:sp>
+        </mc:Choice>
+        <mc:Fallback>
+          <p:sp>
+            <p:nvSpPr>
+              <p:cNvPr id="4" name="TextBox 3"/>
+              <p:cNvSpPr txBox="1">
+                <a:spLocks noRot="1" noChangeAspect="1" noMove="1" noResize="1" noEditPoints="1" noAdjustHandles="1" noChangeArrowheads="1" noChangeShapeType="1" noTextEdit="1"/>
+              </p:cNvSpPr>
+              <p:nvPr/>
+            </p:nvSpPr>
+            <p:spPr>
+              <a:xfrm>
+                <a:off x="838200" y="1459832"/>
+                <a:ext cx="11000874" cy="3992568"/>
+              </a:xfrm>
+              <a:prstGeom prst="rect">
+                <a:avLst/>
+              </a:prstGeom>
+              <a:blipFill>
+                <a:blip r:embed="rId2"/>
+                <a:stretch>
+                  <a:fillRect l="-610" t="-1374"/>
+                </a:stretch>
+              </a:blipFill>
+            </p:spPr>
+            <p:txBody>
+              <a:bodyPr/>
+              <a:lstStyle/>
+              <a:p>
+                <a:r>
+                  <a:rPr lang="ko-KR" altLang="en-US">
+                    <a:noFill/>
+                  </a:rPr>
+                  <a:t> </a:t>
+                </a:r>
+              </a:p>
+            </p:txBody>
+          </p:sp>
+        </mc:Fallback>
+      </mc:AlternateContent>
+      <p:pic>
+        <p:nvPicPr>
+          <p:cNvPr id="3" name="그림 2"/>
+          <p:cNvPicPr>
+            <a:picLocks noChangeAspect="1"/>
+          </p:cNvPicPr>
+          <p:nvPr/>
+        </p:nvPicPr>
+        <p:blipFill>
+          <a:blip r:embed="rId3"/>
+          <a:stretch>
+            <a:fillRect/>
+          </a:stretch>
+        </p:blipFill>
+        <p:spPr>
+          <a:xfrm>
+            <a:off x="7946967" y="1797422"/>
+            <a:ext cx="3586508" cy="2717247"/>
+          </a:xfrm>
+          <a:prstGeom prst="rect">
+            <a:avLst/>
+          </a:prstGeom>
+        </p:spPr>
+      </p:pic>
+      <p:sp>
+        <p:nvSpPr>
+          <p:cNvPr id="5" name="TextBox 4"/>
+          <p:cNvSpPr txBox="1"/>
+          <p:nvPr/>
+        </p:nvSpPr>
+        <p:spPr>
+          <a:xfrm>
+            <a:off x="8711738" y="4621403"/>
+            <a:ext cx="3017520" cy="369332"/>
+          </a:xfrm>
+          <a:prstGeom prst="rect">
+            <a:avLst/>
+          </a:prstGeom>
+          <a:noFill/>
+        </p:spPr>
+        <p:txBody>
+          <a:bodyPr wrap="square" rtlCol="0">
+            <a:spAutoFit/>
+          </a:bodyPr>
+          <a:lstStyle/>
+          <a:p>
+            <a:r>
+              <a:rPr lang="en-US" altLang="ko-KR" dirty="0" smtClean="0"/>
+              <a:t>&lt;</a:t>
+            </a:r>
+            <a:r>
+              <a:rPr lang="ko-KR" altLang="en-US" dirty="0" err="1" smtClean="0"/>
+              <a:t>하이퍼파라미터</a:t>
+            </a:r>
+            <a:r>
+              <a:rPr lang="en-US" altLang="ko-KR" dirty="0" smtClean="0"/>
+              <a:t>&gt;</a:t>
+            </a:r>
+            <a:r>
+              <a:rPr lang="ko-KR" altLang="en-US" dirty="0" smtClean="0"/>
+              <a:t> </a:t>
+            </a:r>
+            <a:endParaRPr lang="ko-KR" altLang="en-US" dirty="0"/>
+          </a:p>
+        </p:txBody>
+      </p:sp>
+      <p:sp>
+        <p:nvSpPr>
+          <p:cNvPr id="6" name="TextBox 5"/>
+          <p:cNvSpPr txBox="1"/>
+          <p:nvPr/>
+        </p:nvSpPr>
+        <p:spPr>
+          <a:xfrm>
+            <a:off x="5971594" y="5376409"/>
+            <a:ext cx="1897501" cy="461665"/>
+          </a:xfrm>
+          <a:prstGeom prst="rect">
+            <a:avLst/>
+          </a:prstGeom>
+          <a:noFill/>
+        </p:spPr>
+        <p:txBody>
+          <a:bodyPr wrap="square" rtlCol="0">
+            <a:spAutoFit/>
+          </a:bodyPr>
+          <a:lstStyle/>
+          <a:p>
+            <a:r>
+              <a:rPr lang="ko-KR" altLang="en-US" sz="2400" b="1" dirty="0" err="1" smtClean="0">
+                <a:solidFill>
+                  <a:srgbClr val="FF0000"/>
+                </a:solidFill>
+              </a:rPr>
+              <a:t>성공적임</a:t>
+            </a:r>
+            <a:r>
+              <a:rPr lang="ko-KR" altLang="en-US" dirty="0" smtClean="0"/>
+              <a:t> </a:t>
+            </a:r>
+            <a:endParaRPr lang="ko-KR" altLang="en-US" dirty="0"/>
+          </a:p>
+        </p:txBody>
+      </p:sp>
+    </p:spTree>
+    <p:extLst>
+      <p:ext uri="{BB962C8B-B14F-4D97-AF65-F5344CB8AC3E}">
+        <p14:creationId xmlns:p14="http://schemas.microsoft.com/office/powerpoint/2010/main" val="2443828431"/>
+      </p:ext>
+    </p:extLst>
+  </p:cSld>
+  <p:clrMapOvr>
+    <a:masterClrMapping/>
+  </p:clrMapOvr>
+</p:sld>
+</file>
+
+<file path=ppt/slides/slide4.xml><?xml version="1.0" encoding="utf-8"?>
+<p:sld xmlns:a="http://schemas.openxmlformats.org/drawingml/2006/main" xmlns:r="http://schemas.openxmlformats.org/officeDocument/2006/relationships" xmlns:p="http://schemas.openxmlformats.org/presentationml/2006/main">
+  <p:cSld>
+    <p:spTree>
+      <p:nvGrpSpPr>
+        <p:cNvPr id="1" name=""/>
+        <p:cNvGrpSpPr/>
+        <p:nvPr/>
+      </p:nvGrpSpPr>
+      <p:grpSpPr>
+        <a:xfrm>
+          <a:off x="0" y="0"/>
+          <a:ext cx="0" cy="0"/>
+          <a:chOff x="0" y="0"/>
+          <a:chExt cx="0" cy="0"/>
+        </a:xfrm>
+      </p:grpSpPr>
+      <p:sp>
+        <p:nvSpPr>
+          <p:cNvPr id="2" name="제목 1"/>
+          <p:cNvSpPr>
+            <a:spLocks noGrp="1"/>
+          </p:cNvSpPr>
+          <p:nvPr>
+            <p:ph type="title"/>
+          </p:nvPr>
+        </p:nvSpPr>
+        <p:spPr/>
+        <p:txBody>
+          <a:bodyPr/>
+          <a:lstStyle/>
+          <a:p>
+            <a:r>
+              <a:rPr lang="en-US" altLang="ko-KR" dirty="0" smtClean="0"/>
+              <a:t>DDPG</a:t>
+            </a:r>
+            <a:r>
+              <a:rPr lang="ko-KR" altLang="en-US" dirty="0" smtClean="0"/>
+              <a:t> </a:t>
+            </a:r>
+            <a:r>
+              <a:rPr lang="en-US" altLang="ko-KR" dirty="0" smtClean="0"/>
               <a:t>1 – </a:t>
             </a:r>
             <a:r>
@@ -3570,8 +4148,8 @@
           </a:p>
         </p:txBody>
       </p:sp>
-      <mc:AlternateContent xmlns:mc="http://schemas.openxmlformats.org/markup-compatibility/2006">
-        <mc:Choice xmlns:a14="http://schemas.microsoft.com/office/drawing/2010/main" Requires="a14">
+      <mc:AlternateContent xmlns:mc="http://schemas.openxmlformats.org/markup-compatibility/2006" xmlns:a14="http://schemas.microsoft.com/office/drawing/2010/main">
+        <mc:Choice Requires="a14">
           <p:sp>
             <p:nvSpPr>
               <p:cNvPr id="4" name="TextBox 3"/>
@@ -3942,7 +4520,7 @@
             </p:txBody>
           </p:sp>
         </mc:Choice>
-        <mc:Fallback>
+        <mc:Fallback xmlns="">
           <p:sp>
             <p:nvSpPr>
               <p:cNvPr id="4" name="TextBox 3"/>

--- a/실험정리.pptx
+++ b/실험정리.pptx
@@ -8,7 +8,8 @@
     <p:sldId id="256" r:id="rId2"/>
     <p:sldId id="272" r:id="rId3"/>
     <p:sldId id="279" r:id="rId4"/>
-    <p:sldId id="278" r:id="rId5"/>
+    <p:sldId id="280" r:id="rId5"/>
+    <p:sldId id="278" r:id="rId6"/>
   </p:sldIdLst>
   <p:sldSz cx="12192000" cy="6858000"/>
   <p:notesSz cx="6858000" cy="9144000"/>
@@ -3561,8 +3562,8 @@
           </a:p>
         </p:txBody>
       </p:sp>
-      <mc:AlternateContent xmlns:mc="http://schemas.openxmlformats.org/markup-compatibility/2006">
-        <mc:Choice xmlns:a14="http://schemas.microsoft.com/office/drawing/2010/main" Requires="a14">
+      <mc:AlternateContent xmlns:mc="http://schemas.openxmlformats.org/markup-compatibility/2006" xmlns:a14="http://schemas.microsoft.com/office/drawing/2010/main">
+        <mc:Choice Requires="a14">
           <p:sp>
             <p:nvSpPr>
               <p:cNvPr id="4" name="TextBox 3"/>
@@ -3657,11 +3658,7 @@
                 </a:pPr>
                 <a:r>
                   <a:rPr lang="en-US" altLang="ko-KR" b="1" dirty="0" smtClean="0"/>
-                  <a:t>State</a:t>
-                </a:r>
-                <a:r>
-                  <a:rPr lang="en-US" altLang="ko-KR" b="1" dirty="0" smtClean="0"/>
-                  <a:t>, Action, Reward </a:t>
+                  <a:t>State, Action, Reward </a:t>
                 </a:r>
               </a:p>
               <a:p>
@@ -3691,11 +3688,7 @@
                 </a:r>
                 <a:r>
                   <a:rPr lang="en-US" altLang="ko-KR" dirty="0" smtClean="0"/>
-                  <a:t>, </a:t>
-                </a:r>
-                <a:r>
-                  <a:rPr lang="en-US" altLang="ko-KR" dirty="0" smtClean="0"/>
-                  <a:t>SOC – 0.6, </a:t>
+                  <a:t>, SOC – 0.6, </a:t>
                 </a:r>
                 <a:r>
                   <a:rPr lang="en-US" altLang="ko-KR" dirty="0" err="1" smtClean="0"/>
@@ -3936,7 +3929,7 @@
             </p:txBody>
           </p:sp>
         </mc:Choice>
-        <mc:Fallback>
+        <mc:Fallback xmlns="">
           <p:sp>
             <p:nvSpPr>
               <p:cNvPr id="4" name="TextBox 3"/>
@@ -4093,6 +4086,482 @@
 </file>
 
 <file path=ppt/slides/slide4.xml><?xml version="1.0" encoding="utf-8"?>
+<p:sld xmlns:a="http://schemas.openxmlformats.org/drawingml/2006/main" xmlns:r="http://schemas.openxmlformats.org/officeDocument/2006/relationships" xmlns:p="http://schemas.openxmlformats.org/presentationml/2006/main">
+  <p:cSld>
+    <p:spTree>
+      <p:nvGrpSpPr>
+        <p:cNvPr id="1" name=""/>
+        <p:cNvGrpSpPr/>
+        <p:nvPr/>
+      </p:nvGrpSpPr>
+      <p:grpSpPr>
+        <a:xfrm>
+          <a:off x="0" y="0"/>
+          <a:ext cx="0" cy="0"/>
+          <a:chOff x="0" y="0"/>
+          <a:chExt cx="0" cy="0"/>
+        </a:xfrm>
+      </p:grpSpPr>
+      <p:sp>
+        <p:nvSpPr>
+          <p:cNvPr id="2" name="제목 1"/>
+          <p:cNvSpPr>
+            <a:spLocks noGrp="1"/>
+          </p:cNvSpPr>
+          <p:nvPr>
+            <p:ph type="title"/>
+          </p:nvPr>
+        </p:nvSpPr>
+        <p:spPr/>
+        <p:txBody>
+          <a:bodyPr/>
+          <a:lstStyle/>
+          <a:p>
+            <a:r>
+              <a:rPr lang="en-US" altLang="ko-KR" dirty="0" smtClean="0"/>
+              <a:t>DDQN</a:t>
+            </a:r>
+            <a:r>
+              <a:rPr lang="ko-KR" altLang="en-US" dirty="0" smtClean="0"/>
+              <a:t> </a:t>
+            </a:r>
+            <a:r>
+              <a:rPr lang="en-US" altLang="ko-KR" dirty="0"/>
+              <a:t>3</a:t>
+            </a:r>
+            <a:r>
+              <a:rPr lang="ko-KR" altLang="en-US" dirty="0" smtClean="0"/>
+              <a:t>  </a:t>
+            </a:r>
+            <a:endParaRPr lang="ko-KR" altLang="en-US" dirty="0"/>
+          </a:p>
+        </p:txBody>
+      </p:sp>
+      <p:sp>
+        <p:nvSpPr>
+          <p:cNvPr id="4" name="TextBox 3"/>
+          <p:cNvSpPr txBox="1"/>
+          <p:nvPr/>
+        </p:nvSpPr>
+        <p:spPr>
+          <a:xfrm>
+            <a:off x="838200" y="1459832"/>
+            <a:ext cx="11000874" cy="4524315"/>
+          </a:xfrm>
+          <a:prstGeom prst="rect">
+            <a:avLst/>
+          </a:prstGeom>
+          <a:noFill/>
+        </p:spPr>
+        <p:txBody>
+          <a:bodyPr wrap="square" rtlCol="0">
+            <a:spAutoFit/>
+          </a:bodyPr>
+          <a:lstStyle/>
+          <a:p>
+            <a:pPr marL="285750" indent="-285750">
+              <a:buFontTx/>
+              <a:buChar char="-"/>
+            </a:pPr>
+            <a:r>
+              <a:rPr lang="ko-KR" altLang="en-US" b="1" dirty="0" smtClean="0">
+                <a:solidFill>
+                  <a:srgbClr val="FF0000"/>
+                </a:solidFill>
+              </a:rPr>
+              <a:t>다양한 </a:t>
+            </a:r>
+            <a:r>
+              <a:rPr lang="en-US" altLang="ko-KR" b="1" dirty="0" smtClean="0">
+                <a:solidFill>
+                  <a:srgbClr val="FF0000"/>
+                </a:solidFill>
+              </a:rPr>
+              <a:t>State</a:t>
+            </a:r>
+            <a:r>
+              <a:rPr lang="ko-KR" altLang="en-US" b="1" dirty="0" smtClean="0">
+                <a:solidFill>
+                  <a:srgbClr val="FF0000"/>
+                </a:solidFill>
+              </a:rPr>
+              <a:t>에 대한 실험을 진행함</a:t>
+            </a:r>
+            <a:endParaRPr lang="en-US" altLang="ko-KR" b="1" dirty="0" smtClean="0">
+              <a:solidFill>
+                <a:srgbClr val="FF0000"/>
+              </a:solidFill>
+            </a:endParaRPr>
+          </a:p>
+          <a:p>
+            <a:pPr marL="285750" indent="-285750">
+              <a:buFontTx/>
+              <a:buChar char="-"/>
+            </a:pPr>
+            <a:endParaRPr lang="en-US" altLang="ko-KR" b="1" dirty="0"/>
+          </a:p>
+          <a:p>
+            <a:pPr marL="285750" indent="-285750">
+              <a:buFontTx/>
+              <a:buChar char="-"/>
+            </a:pPr>
+            <a:r>
+              <a:rPr lang="en-US" altLang="ko-KR" b="1" dirty="0" smtClean="0"/>
+              <a:t>Env1 State:</a:t>
+            </a:r>
+            <a:endParaRPr lang="en-US" altLang="ko-KR" b="1" dirty="0" smtClean="0"/>
+          </a:p>
+          <a:p>
+            <a:pPr marL="742950" lvl="1" indent="-285750">
+              <a:buFontTx/>
+              <a:buChar char="-"/>
+            </a:pPr>
+            <a:r>
+              <a:rPr lang="en-US" altLang="ko-KR" dirty="0" smtClean="0"/>
+              <a:t>State:   [</a:t>
+            </a:r>
+            <a:r>
+              <a:rPr lang="en-US" altLang="ko-KR" dirty="0" err="1" smtClean="0">
+                <a:solidFill>
+                  <a:srgbClr val="FF0000"/>
+                </a:solidFill>
+              </a:rPr>
+              <a:t>power_out</a:t>
+            </a:r>
+            <a:r>
+              <a:rPr lang="en-US" altLang="ko-KR" dirty="0" smtClean="0">
+                <a:solidFill>
+                  <a:srgbClr val="FF0000"/>
+                </a:solidFill>
+              </a:rPr>
+              <a:t>/1000</a:t>
+            </a:r>
+            <a:r>
+              <a:rPr lang="en-US" altLang="ko-KR" dirty="0" smtClean="0"/>
+              <a:t>, </a:t>
+            </a:r>
+            <a:r>
+              <a:rPr lang="en-US" altLang="ko-KR" dirty="0" smtClean="0"/>
+              <a:t>SOC, </a:t>
+            </a:r>
+            <a:r>
+              <a:rPr lang="en-US" altLang="ko-KR" dirty="0" err="1" smtClean="0"/>
+              <a:t>j_min</a:t>
+            </a:r>
+            <a:r>
+              <a:rPr lang="en-US" altLang="ko-KR" dirty="0" smtClean="0"/>
+              <a:t>, </a:t>
+            </a:r>
+            <a:r>
+              <a:rPr lang="en-US" altLang="ko-KR" dirty="0" err="1" smtClean="0"/>
+              <a:t>j_max</a:t>
+            </a:r>
+            <a:r>
+              <a:rPr lang="en-US" altLang="ko-KR" dirty="0" smtClean="0"/>
+              <a:t>]</a:t>
+            </a:r>
+          </a:p>
+          <a:p>
+            <a:pPr marL="742950" lvl="1" indent="-285750">
+              <a:buFontTx/>
+              <a:buChar char="-"/>
+            </a:pPr>
+            <a:endParaRPr lang="en-US" altLang="ko-KR" dirty="0" smtClean="0"/>
+          </a:p>
+          <a:p>
+            <a:pPr marL="285750" indent="-285750">
+              <a:buFontTx/>
+              <a:buChar char="-"/>
+            </a:pPr>
+            <a:r>
+              <a:rPr lang="en-US" altLang="ko-KR" b="1" dirty="0" smtClean="0"/>
+              <a:t>Env2 </a:t>
+            </a:r>
+            <a:r>
+              <a:rPr lang="en-US" altLang="ko-KR" b="1" dirty="0"/>
+              <a:t>State:</a:t>
+            </a:r>
+          </a:p>
+          <a:p>
+            <a:pPr marL="742950" lvl="1" indent="-285750">
+              <a:buFontTx/>
+              <a:buChar char="-"/>
+            </a:pPr>
+            <a:r>
+              <a:rPr lang="en-US" altLang="ko-KR" dirty="0"/>
+              <a:t>State:   </a:t>
+            </a:r>
+            <a:r>
+              <a:rPr lang="en-US" altLang="ko-KR" dirty="0" smtClean="0"/>
+              <a:t>[</a:t>
+            </a:r>
+            <a:r>
+              <a:rPr lang="en-US" altLang="ko-KR" dirty="0" err="1" smtClean="0">
+                <a:solidFill>
+                  <a:srgbClr val="FF0000"/>
+                </a:solidFill>
+              </a:rPr>
+              <a:t>tq</a:t>
+            </a:r>
+            <a:r>
+              <a:rPr lang="en-US" altLang="ko-KR" dirty="0" smtClean="0">
+                <a:solidFill>
+                  <a:srgbClr val="FF0000"/>
+                </a:solidFill>
+              </a:rPr>
+              <a:t>, </a:t>
+            </a:r>
+            <a:r>
+              <a:rPr lang="en-US" altLang="ko-KR" dirty="0" err="1" smtClean="0">
+                <a:solidFill>
+                  <a:srgbClr val="FF0000"/>
+                </a:solidFill>
+              </a:rPr>
+              <a:t>sp</a:t>
+            </a:r>
+            <a:r>
+              <a:rPr lang="en-US" altLang="ko-KR" dirty="0" smtClean="0"/>
+              <a:t>, </a:t>
+            </a:r>
+            <a:r>
+              <a:rPr lang="en-US" altLang="ko-KR" dirty="0"/>
+              <a:t>SOC, </a:t>
+            </a:r>
+            <a:r>
+              <a:rPr lang="en-US" altLang="ko-KR" dirty="0" err="1"/>
+              <a:t>j_min</a:t>
+            </a:r>
+            <a:r>
+              <a:rPr lang="en-US" altLang="ko-KR" dirty="0"/>
+              <a:t>, </a:t>
+            </a:r>
+            <a:r>
+              <a:rPr lang="en-US" altLang="ko-KR" dirty="0" err="1"/>
+              <a:t>j_max</a:t>
+            </a:r>
+            <a:r>
+              <a:rPr lang="en-US" altLang="ko-KR" dirty="0"/>
+              <a:t>]</a:t>
+            </a:r>
+          </a:p>
+          <a:p>
+            <a:pPr marL="285750" indent="-285750">
+              <a:buFontTx/>
+              <a:buChar char="-"/>
+            </a:pPr>
+            <a:endParaRPr lang="en-US" altLang="ko-KR" dirty="0" smtClean="0"/>
+          </a:p>
+          <a:p>
+            <a:pPr marL="285750" indent="-285750">
+              <a:buFontTx/>
+              <a:buChar char="-"/>
+            </a:pPr>
+            <a:endParaRPr lang="en-US" altLang="ko-KR" dirty="0" smtClean="0"/>
+          </a:p>
+          <a:p>
+            <a:pPr marL="285750" indent="-285750">
+              <a:buFontTx/>
+              <a:buChar char="-"/>
+            </a:pPr>
+            <a:r>
+              <a:rPr lang="ko-KR" altLang="en-US" b="1" dirty="0" smtClean="0"/>
+              <a:t>네트워크 구조</a:t>
+            </a:r>
+            <a:r>
+              <a:rPr lang="en-US" altLang="ko-KR" b="1" dirty="0" smtClean="0"/>
+              <a:t>: </a:t>
+            </a:r>
+          </a:p>
+          <a:p>
+            <a:pPr marL="742950" lvl="1" indent="-285750">
+              <a:buFontTx/>
+              <a:buChar char="-"/>
+            </a:pPr>
+            <a:r>
+              <a:rPr lang="en-US" altLang="ko-KR" b="1" dirty="0" smtClean="0"/>
+              <a:t>Main, Target: </a:t>
+            </a:r>
+          </a:p>
+          <a:p>
+            <a:pPr marL="1200150" lvl="2" indent="-285750">
+              <a:buFontTx/>
+              <a:buChar char="-"/>
+            </a:pPr>
+            <a:r>
+              <a:rPr lang="en-US" altLang="ko-KR" dirty="0" smtClean="0"/>
+              <a:t>Input(4) </a:t>
+            </a:r>
+          </a:p>
+          <a:p>
+            <a:pPr marL="1200150" lvl="2" indent="-285750">
+              <a:buFontTx/>
+              <a:buChar char="-"/>
+            </a:pPr>
+            <a:r>
+              <a:rPr lang="en-US" altLang="ko-KR" dirty="0" smtClean="0"/>
+              <a:t>Dense(30, activation=“</a:t>
+            </a:r>
+            <a:r>
+              <a:rPr lang="en-US" altLang="ko-KR" dirty="0" err="1" smtClean="0"/>
+              <a:t>relu</a:t>
+            </a:r>
+            <a:r>
+              <a:rPr lang="en-US" altLang="ko-KR" dirty="0" smtClean="0"/>
+              <a:t>”)</a:t>
+            </a:r>
+          </a:p>
+          <a:p>
+            <a:pPr marL="1200150" lvl="2" indent="-285750">
+              <a:buFontTx/>
+              <a:buChar char="-"/>
+            </a:pPr>
+            <a:r>
+              <a:rPr lang="en-US" altLang="ko-KR" dirty="0" smtClean="0"/>
+              <a:t>Dense(30, activation=“</a:t>
+            </a:r>
+            <a:r>
+              <a:rPr lang="en-US" altLang="ko-KR" dirty="0" err="1" smtClean="0"/>
+              <a:t>relu</a:t>
+            </a:r>
+            <a:r>
+              <a:rPr lang="en-US" altLang="ko-KR" dirty="0" smtClean="0"/>
+              <a:t>”)</a:t>
+            </a:r>
+          </a:p>
+          <a:p>
+            <a:pPr marL="1200150" lvl="2" indent="-285750">
+              <a:buFontTx/>
+              <a:buChar char="-"/>
+            </a:pPr>
+            <a:r>
+              <a:rPr lang="en-US" altLang="ko-KR" dirty="0" smtClean="0"/>
+              <a:t>Output(20)</a:t>
+            </a:r>
+          </a:p>
+          <a:p>
+            <a:pPr lvl="1"/>
+            <a:endParaRPr lang="en-US" altLang="ko-KR" dirty="0" smtClean="0"/>
+          </a:p>
+        </p:txBody>
+      </p:sp>
+      <p:pic>
+        <p:nvPicPr>
+          <p:cNvPr id="3" name="그림 2"/>
+          <p:cNvPicPr>
+            <a:picLocks noChangeAspect="1"/>
+          </p:cNvPicPr>
+          <p:nvPr/>
+        </p:nvPicPr>
+        <p:blipFill>
+          <a:blip r:embed="rId2"/>
+          <a:stretch>
+            <a:fillRect/>
+          </a:stretch>
+        </p:blipFill>
+        <p:spPr>
+          <a:xfrm>
+            <a:off x="7946967" y="1797422"/>
+            <a:ext cx="3586508" cy="2717247"/>
+          </a:xfrm>
+          <a:prstGeom prst="rect">
+            <a:avLst/>
+          </a:prstGeom>
+        </p:spPr>
+      </p:pic>
+      <p:sp>
+        <p:nvSpPr>
+          <p:cNvPr id="5" name="TextBox 4"/>
+          <p:cNvSpPr txBox="1"/>
+          <p:nvPr/>
+        </p:nvSpPr>
+        <p:spPr>
+          <a:xfrm>
+            <a:off x="8711738" y="4621403"/>
+            <a:ext cx="3017520" cy="369332"/>
+          </a:xfrm>
+          <a:prstGeom prst="rect">
+            <a:avLst/>
+          </a:prstGeom>
+          <a:noFill/>
+        </p:spPr>
+        <p:txBody>
+          <a:bodyPr wrap="square" rtlCol="0">
+            <a:spAutoFit/>
+          </a:bodyPr>
+          <a:lstStyle/>
+          <a:p>
+            <a:r>
+              <a:rPr lang="en-US" altLang="ko-KR" dirty="0" smtClean="0"/>
+              <a:t>&lt;</a:t>
+            </a:r>
+            <a:r>
+              <a:rPr lang="ko-KR" altLang="en-US" dirty="0" err="1" smtClean="0"/>
+              <a:t>하이퍼파라미터</a:t>
+            </a:r>
+            <a:r>
+              <a:rPr lang="en-US" altLang="ko-KR" dirty="0" smtClean="0"/>
+              <a:t>&gt;</a:t>
+            </a:r>
+            <a:r>
+              <a:rPr lang="ko-KR" altLang="en-US" dirty="0" smtClean="0"/>
+              <a:t> </a:t>
+            </a:r>
+            <a:endParaRPr lang="ko-KR" altLang="en-US" dirty="0"/>
+          </a:p>
+        </p:txBody>
+      </p:sp>
+      <p:sp>
+        <p:nvSpPr>
+          <p:cNvPr id="6" name="TextBox 5"/>
+          <p:cNvSpPr txBox="1"/>
+          <p:nvPr/>
+        </p:nvSpPr>
+        <p:spPr>
+          <a:xfrm>
+            <a:off x="5971594" y="5376409"/>
+            <a:ext cx="1897501" cy="461665"/>
+          </a:xfrm>
+          <a:prstGeom prst="rect">
+            <a:avLst/>
+          </a:prstGeom>
+          <a:noFill/>
+        </p:spPr>
+        <p:txBody>
+          <a:bodyPr wrap="square" rtlCol="0">
+            <a:spAutoFit/>
+          </a:bodyPr>
+          <a:lstStyle/>
+          <a:p>
+            <a:r>
+              <a:rPr lang="ko-KR" altLang="en-US" sz="2400" b="1" dirty="0" err="1" smtClean="0">
+                <a:solidFill>
+                  <a:srgbClr val="FF0000"/>
+                </a:solidFill>
+              </a:rPr>
+              <a:t>성공적임</a:t>
+            </a:r>
+            <a:r>
+              <a:rPr lang="ko-KR" altLang="en-US" dirty="0" smtClean="0"/>
+              <a:t> </a:t>
+            </a:r>
+            <a:endParaRPr lang="ko-KR" altLang="en-US" dirty="0"/>
+          </a:p>
+        </p:txBody>
+      </p:sp>
+    </p:spTree>
+    <p:extLst>
+      <p:ext uri="{BB962C8B-B14F-4D97-AF65-F5344CB8AC3E}">
+        <p14:creationId xmlns:p14="http://schemas.microsoft.com/office/powerpoint/2010/main" val="968694079"/>
+      </p:ext>
+    </p:extLst>
+  </p:cSld>
+  <p:clrMapOvr>
+    <a:masterClrMapping/>
+  </p:clrMapOvr>
+</p:sld>
+</file>
+
+<file path=ppt/slides/slide5.xml><?xml version="1.0" encoding="utf-8"?>
 <p:sld xmlns:a="http://schemas.openxmlformats.org/drawingml/2006/main" xmlns:r="http://schemas.openxmlformats.org/officeDocument/2006/relationships" xmlns:p="http://schemas.openxmlformats.org/presentationml/2006/main">
   <p:cSld>
     <p:spTree>

--- a/실험정리.pptx
+++ b/실험정리.pptx
@@ -6,10 +6,13 @@
   </p:sldMasterIdLst>
   <p:sldIdLst>
     <p:sldId id="256" r:id="rId2"/>
-    <p:sldId id="272" r:id="rId3"/>
-    <p:sldId id="279" r:id="rId4"/>
-    <p:sldId id="280" r:id="rId5"/>
-    <p:sldId id="278" r:id="rId6"/>
+    <p:sldId id="282" r:id="rId3"/>
+    <p:sldId id="272" r:id="rId4"/>
+    <p:sldId id="279" r:id="rId5"/>
+    <p:sldId id="281" r:id="rId6"/>
+    <p:sldId id="280" r:id="rId7"/>
+    <p:sldId id="278" r:id="rId8"/>
+    <p:sldId id="283" r:id="rId9"/>
   </p:sldIdLst>
   <p:sldSz cx="12192000" cy="6858000"/>
   <p:notesSz cx="6858000" cy="9144000"/>
@@ -3043,6 +3046,636 @@
           <a:p>
             <a:r>
               <a:rPr lang="en-US" altLang="ko-KR" dirty="0" smtClean="0"/>
+              <a:t>Feature Scaling</a:t>
+            </a:r>
+            <a:r>
+              <a:rPr lang="ko-KR" altLang="en-US" dirty="0" smtClean="0"/>
+              <a:t>의 중요성 </a:t>
+            </a:r>
+            <a:endParaRPr lang="ko-KR" altLang="en-US" dirty="0"/>
+          </a:p>
+        </p:txBody>
+      </p:sp>
+      <p:sp>
+        <p:nvSpPr>
+          <p:cNvPr id="4" name="TextBox 3"/>
+          <p:cNvSpPr txBox="1"/>
+          <p:nvPr/>
+        </p:nvSpPr>
+        <p:spPr>
+          <a:xfrm>
+            <a:off x="838200" y="1459832"/>
+            <a:ext cx="11000874" cy="1477328"/>
+          </a:xfrm>
+          <a:prstGeom prst="rect">
+            <a:avLst/>
+          </a:prstGeom>
+          <a:noFill/>
+        </p:spPr>
+        <p:txBody>
+          <a:bodyPr wrap="square" rtlCol="0">
+            <a:spAutoFit/>
+          </a:bodyPr>
+          <a:lstStyle/>
+          <a:p>
+            <a:pPr marL="285750" indent="-285750">
+              <a:buFontTx/>
+              <a:buChar char="-"/>
+            </a:pPr>
+            <a:r>
+              <a:rPr lang="en-US" altLang="ko-KR" b="1" dirty="0" smtClean="0"/>
+              <a:t>Feature </a:t>
+            </a:r>
+            <a:r>
+              <a:rPr lang="ko-KR" altLang="en-US" b="1" dirty="0" smtClean="0"/>
+              <a:t>사이의 값의 큰 차이는 학습의 불안정성을 가져옴</a:t>
+            </a:r>
+            <a:endParaRPr lang="en-US" altLang="ko-KR" b="1" dirty="0" smtClean="0"/>
+          </a:p>
+          <a:p>
+            <a:pPr marL="742950" lvl="1" indent="-285750">
+              <a:buFontTx/>
+              <a:buChar char="-"/>
+            </a:pPr>
+            <a:r>
+              <a:rPr lang="en-US" altLang="ko-KR" dirty="0" smtClean="0"/>
+              <a:t>State:   [</a:t>
+            </a:r>
+            <a:r>
+              <a:rPr lang="en-US" altLang="ko-KR" dirty="0" err="1" smtClean="0"/>
+              <a:t>power_out</a:t>
+            </a:r>
+            <a:r>
+              <a:rPr lang="en-US" altLang="ko-KR" dirty="0" smtClean="0"/>
+              <a:t>, SOC – 0.6, </a:t>
+            </a:r>
+            <a:r>
+              <a:rPr lang="en-US" altLang="ko-KR" dirty="0" err="1" smtClean="0"/>
+              <a:t>j_min</a:t>
+            </a:r>
+            <a:r>
+              <a:rPr lang="en-US" altLang="ko-KR" dirty="0" smtClean="0"/>
+              <a:t>, </a:t>
+            </a:r>
+            <a:r>
+              <a:rPr lang="en-US" altLang="ko-KR" dirty="0" err="1" smtClean="0"/>
+              <a:t>j_max</a:t>
+            </a:r>
+            <a:r>
+              <a:rPr lang="en-US" altLang="ko-KR" dirty="0" smtClean="0"/>
+              <a:t>]</a:t>
+            </a:r>
+          </a:p>
+          <a:p>
+            <a:pPr lvl="1"/>
+            <a:endParaRPr lang="en-US" altLang="ko-KR" dirty="0" smtClean="0"/>
+          </a:p>
+          <a:p>
+            <a:pPr marL="285750" indent="-285750">
+              <a:buFontTx/>
+              <a:buChar char="-"/>
+            </a:pPr>
+            <a:endParaRPr lang="en-US" altLang="ko-KR" dirty="0" smtClean="0"/>
+          </a:p>
+          <a:p>
+            <a:pPr lvl="1"/>
+            <a:endParaRPr lang="en-US" altLang="ko-KR" dirty="0" smtClean="0"/>
+          </a:p>
+        </p:txBody>
+      </p:sp>
+      <p:pic>
+        <p:nvPicPr>
+          <p:cNvPr id="7" name="그림 6"/>
+          <p:cNvPicPr>
+            <a:picLocks noChangeAspect="1"/>
+          </p:cNvPicPr>
+          <p:nvPr/>
+        </p:nvPicPr>
+        <p:blipFill>
+          <a:blip r:embed="rId2">
+            <a:extLst>
+              <a:ext uri="{28A0092B-C50C-407E-A947-70E740481C1C}">
+                <a14:useLocalDpi xmlns:a14="http://schemas.microsoft.com/office/drawing/2010/main" val="0"/>
+              </a:ext>
+            </a:extLst>
+          </a:blip>
+          <a:stretch>
+            <a:fillRect/>
+          </a:stretch>
+        </p:blipFill>
+        <p:spPr>
+          <a:xfrm>
+            <a:off x="7557710" y="1045151"/>
+            <a:ext cx="4570869" cy="3047246"/>
+          </a:xfrm>
+          <a:prstGeom prst="rect">
+            <a:avLst/>
+          </a:prstGeom>
+        </p:spPr>
+      </p:pic>
+      <mc:AlternateContent xmlns:mc="http://schemas.openxmlformats.org/markup-compatibility/2006" xmlns:a14="http://schemas.microsoft.com/office/drawing/2010/main">
+        <mc:Choice Requires="a14">
+          <p:sp>
+            <p:nvSpPr>
+              <p:cNvPr id="8" name="TextBox 7"/>
+              <p:cNvSpPr txBox="1"/>
+              <p:nvPr/>
+            </p:nvSpPr>
+            <p:spPr>
+              <a:xfrm>
+                <a:off x="1945178" y="2189118"/>
+                <a:ext cx="5902037" cy="379656"/>
+              </a:xfrm>
+              <a:prstGeom prst="rect">
+                <a:avLst/>
+              </a:prstGeom>
+              <a:noFill/>
+            </p:spPr>
+            <p:txBody>
+              <a:bodyPr wrap="square" rtlCol="0">
+                <a:spAutoFit/>
+              </a:bodyPr>
+              <a:lstStyle/>
+              <a:p>
+                <a:r>
+                  <a:rPr lang="en-US" altLang="ko-KR" b="1" dirty="0" smtClean="0"/>
+                  <a:t>Power_out:  ~ </a:t>
+                </a:r>
+                <a14:m>
+                  <m:oMath xmlns:m="http://schemas.openxmlformats.org/officeDocument/2006/math">
+                    <m:sSup>
+                      <m:sSupPr>
+                        <m:ctrlPr>
+                          <a:rPr lang="en-US" altLang="ko-KR" b="1" i="1" smtClean="0">
+                            <a:latin typeface="Cambria Math" panose="02040503050406030204" pitchFamily="18" charset="0"/>
+                          </a:rPr>
+                        </m:ctrlPr>
+                      </m:sSupPr>
+                      <m:e>
+                        <m:r>
+                          <a:rPr lang="en-US" altLang="ko-KR" b="1" i="1" smtClean="0">
+                            <a:latin typeface="Cambria Math" panose="02040503050406030204" pitchFamily="18" charset="0"/>
+                          </a:rPr>
+                          <m:t>𝟏𝟎</m:t>
+                        </m:r>
+                      </m:e>
+                      <m:sup>
+                        <m:r>
+                          <a:rPr lang="en-US" altLang="ko-KR" b="1" i="1" smtClean="0">
+                            <a:latin typeface="Cambria Math" panose="02040503050406030204" pitchFamily="18" charset="0"/>
+                          </a:rPr>
+                          <m:t>𝟓</m:t>
+                        </m:r>
+                      </m:sup>
+                    </m:sSup>
+                  </m:oMath>
+                </a14:m>
+                <a:r>
+                  <a:rPr lang="en-US" altLang="ko-KR" dirty="0" smtClean="0"/>
+                  <a:t> </a:t>
+                </a:r>
+                <a:endParaRPr lang="ko-KR" altLang="en-US" dirty="0"/>
+              </a:p>
+            </p:txBody>
+          </p:sp>
+        </mc:Choice>
+        <mc:Fallback xmlns="">
+          <p:sp>
+            <p:nvSpPr>
+              <p:cNvPr id="8" name="TextBox 7"/>
+              <p:cNvSpPr txBox="1">
+                <a:spLocks noRot="1" noChangeAspect="1" noMove="1" noResize="1" noEditPoints="1" noAdjustHandles="1" noChangeArrowheads="1" noChangeShapeType="1" noTextEdit="1"/>
+              </p:cNvSpPr>
+              <p:nvPr/>
+            </p:nvSpPr>
+            <p:spPr>
+              <a:xfrm>
+                <a:off x="1945178" y="2189118"/>
+                <a:ext cx="5902037" cy="379656"/>
+              </a:xfrm>
+              <a:prstGeom prst="rect">
+                <a:avLst/>
+              </a:prstGeom>
+              <a:blipFill>
+                <a:blip r:embed="rId3"/>
+                <a:stretch>
+                  <a:fillRect l="-826" t="-6452" b="-24194"/>
+                </a:stretch>
+              </a:blipFill>
+            </p:spPr>
+            <p:txBody>
+              <a:bodyPr/>
+              <a:lstStyle/>
+              <a:p>
+                <a:r>
+                  <a:rPr lang="ko-KR" altLang="en-US">
+                    <a:noFill/>
+                  </a:rPr>
+                  <a:t> </a:t>
+                </a:r>
+              </a:p>
+            </p:txBody>
+          </p:sp>
+        </mc:Fallback>
+      </mc:AlternateContent>
+      <mc:AlternateContent xmlns:mc="http://schemas.openxmlformats.org/markup-compatibility/2006" xmlns:a14="http://schemas.microsoft.com/office/drawing/2010/main">
+        <mc:Choice Requires="a14">
+          <p:sp>
+            <p:nvSpPr>
+              <p:cNvPr id="10" name="TextBox 9"/>
+              <p:cNvSpPr txBox="1"/>
+              <p:nvPr/>
+            </p:nvSpPr>
+            <p:spPr>
+              <a:xfrm>
+                <a:off x="1945178" y="3219386"/>
+                <a:ext cx="5902037" cy="375552"/>
+              </a:xfrm>
+              <a:prstGeom prst="rect">
+                <a:avLst/>
+              </a:prstGeom>
+              <a:noFill/>
+            </p:spPr>
+            <p:txBody>
+              <a:bodyPr wrap="square" rtlCol="0">
+                <a:spAutoFit/>
+              </a:bodyPr>
+              <a:lstStyle/>
+              <a:p>
+                <a:r>
+                  <a:rPr lang="en-US" altLang="ko-KR" b="1" dirty="0" smtClean="0"/>
+                  <a:t>j</a:t>
+                </a:r>
+                <a:r>
+                  <a:rPr lang="en-US" altLang="ko-KR" b="1" dirty="0" err="1" smtClean="0"/>
+                  <a:t>_min</a:t>
+                </a:r>
+                <a:r>
+                  <a:rPr lang="en-US" altLang="ko-KR" b="1" dirty="0" smtClean="0"/>
+                  <a:t>, </a:t>
+                </a:r>
+                <a:r>
+                  <a:rPr lang="en-US" altLang="ko-KR" b="1" dirty="0" err="1" smtClean="0"/>
+                  <a:t>j_max</a:t>
+                </a:r>
+                <a:r>
+                  <a:rPr lang="en-US" altLang="ko-KR" b="1" dirty="0" smtClean="0"/>
+                  <a:t>:  ~ </a:t>
+                </a:r>
+                <a14:m>
+                  <m:oMath xmlns:m="http://schemas.openxmlformats.org/officeDocument/2006/math">
+                    <m:sSup>
+                      <m:sSupPr>
+                        <m:ctrlPr>
+                          <a:rPr lang="en-US" altLang="ko-KR" b="1" i="1" smtClean="0">
+                            <a:latin typeface="Cambria Math" panose="02040503050406030204" pitchFamily="18" charset="0"/>
+                          </a:rPr>
+                        </m:ctrlPr>
+                      </m:sSupPr>
+                      <m:e>
+                        <m:r>
+                          <a:rPr lang="en-US" altLang="ko-KR" b="1" i="1" smtClean="0">
+                            <a:latin typeface="Cambria Math" panose="02040503050406030204" pitchFamily="18" charset="0"/>
+                          </a:rPr>
+                          <m:t>𝟏𝟎</m:t>
+                        </m:r>
+                      </m:e>
+                      <m:sup>
+                        <m:r>
+                          <a:rPr lang="en-US" altLang="ko-KR" b="1" i="1" smtClean="0">
+                            <a:latin typeface="Cambria Math" panose="02040503050406030204" pitchFamily="18" charset="0"/>
+                          </a:rPr>
+                          <m:t>−</m:t>
+                        </m:r>
+                        <m:r>
+                          <a:rPr lang="en-US" altLang="ko-KR" b="1" i="1" smtClean="0">
+                            <a:latin typeface="Cambria Math" panose="02040503050406030204" pitchFamily="18" charset="0"/>
+                          </a:rPr>
+                          <m:t>𝟏</m:t>
+                        </m:r>
+                      </m:sup>
+                    </m:sSup>
+                  </m:oMath>
+                </a14:m>
+                <a:r>
+                  <a:rPr lang="en-US" altLang="ko-KR" dirty="0" smtClean="0"/>
+                  <a:t> </a:t>
+                </a:r>
+                <a:endParaRPr lang="ko-KR" altLang="en-US" dirty="0"/>
+              </a:p>
+            </p:txBody>
+          </p:sp>
+        </mc:Choice>
+        <mc:Fallback xmlns="">
+          <p:sp>
+            <p:nvSpPr>
+              <p:cNvPr id="10" name="TextBox 9"/>
+              <p:cNvSpPr txBox="1">
+                <a:spLocks noRot="1" noChangeAspect="1" noMove="1" noResize="1" noEditPoints="1" noAdjustHandles="1" noChangeArrowheads="1" noChangeShapeType="1" noTextEdit="1"/>
+              </p:cNvSpPr>
+              <p:nvPr/>
+            </p:nvSpPr>
+            <p:spPr>
+              <a:xfrm>
+                <a:off x="1945178" y="3219386"/>
+                <a:ext cx="5902037" cy="375552"/>
+              </a:xfrm>
+              <a:prstGeom prst="rect">
+                <a:avLst/>
+              </a:prstGeom>
+              <a:blipFill>
+                <a:blip r:embed="rId4"/>
+                <a:stretch>
+                  <a:fillRect l="-826" t="-6452" b="-24194"/>
+                </a:stretch>
+              </a:blipFill>
+            </p:spPr>
+            <p:txBody>
+              <a:bodyPr/>
+              <a:lstStyle/>
+              <a:p>
+                <a:r>
+                  <a:rPr lang="ko-KR" altLang="en-US">
+                    <a:noFill/>
+                  </a:rPr>
+                  <a:t> </a:t>
+                </a:r>
+              </a:p>
+            </p:txBody>
+          </p:sp>
+        </mc:Fallback>
+      </mc:AlternateContent>
+      <mc:AlternateContent xmlns:mc="http://schemas.openxmlformats.org/markup-compatibility/2006" xmlns:a14="http://schemas.microsoft.com/office/drawing/2010/main">
+        <mc:Choice Requires="a14">
+          <p:sp>
+            <p:nvSpPr>
+              <p:cNvPr id="11" name="TextBox 10"/>
+              <p:cNvSpPr txBox="1"/>
+              <p:nvPr/>
+            </p:nvSpPr>
+            <p:spPr>
+              <a:xfrm>
+                <a:off x="1945178" y="2706304"/>
+                <a:ext cx="5902037" cy="375552"/>
+              </a:xfrm>
+              <a:prstGeom prst="rect">
+                <a:avLst/>
+              </a:prstGeom>
+              <a:noFill/>
+            </p:spPr>
+            <p:txBody>
+              <a:bodyPr wrap="square" rtlCol="0">
+                <a:spAutoFit/>
+              </a:bodyPr>
+              <a:lstStyle/>
+              <a:p>
+                <a:r>
+                  <a:rPr lang="en-US" altLang="ko-KR" b="1" dirty="0" smtClean="0"/>
+                  <a:t>SOC – 0.6:  ~ </a:t>
+                </a:r>
+                <a14:m>
+                  <m:oMath xmlns:m="http://schemas.openxmlformats.org/officeDocument/2006/math">
+                    <m:sSup>
+                      <m:sSupPr>
+                        <m:ctrlPr>
+                          <a:rPr lang="en-US" altLang="ko-KR" b="1" i="1" smtClean="0">
+                            <a:latin typeface="Cambria Math" panose="02040503050406030204" pitchFamily="18" charset="0"/>
+                          </a:rPr>
+                        </m:ctrlPr>
+                      </m:sSupPr>
+                      <m:e>
+                        <m:r>
+                          <a:rPr lang="en-US" altLang="ko-KR" b="1" i="1" smtClean="0">
+                            <a:latin typeface="Cambria Math" panose="02040503050406030204" pitchFamily="18" charset="0"/>
+                          </a:rPr>
+                          <m:t>𝟏𝟎</m:t>
+                        </m:r>
+                      </m:e>
+                      <m:sup>
+                        <m:r>
+                          <a:rPr lang="en-US" altLang="ko-KR" b="1" i="1" smtClean="0">
+                            <a:latin typeface="Cambria Math" panose="02040503050406030204" pitchFamily="18" charset="0"/>
+                          </a:rPr>
+                          <m:t>−</m:t>
+                        </m:r>
+                        <m:r>
+                          <a:rPr lang="en-US" altLang="ko-KR" b="1" i="1" smtClean="0">
+                            <a:latin typeface="Cambria Math" panose="02040503050406030204" pitchFamily="18" charset="0"/>
+                          </a:rPr>
+                          <m:t>𝟏</m:t>
+                        </m:r>
+                      </m:sup>
+                    </m:sSup>
+                  </m:oMath>
+                </a14:m>
+                <a:r>
+                  <a:rPr lang="en-US" altLang="ko-KR" dirty="0" smtClean="0"/>
+                  <a:t> </a:t>
+                </a:r>
+                <a:endParaRPr lang="ko-KR" altLang="en-US" dirty="0"/>
+              </a:p>
+            </p:txBody>
+          </p:sp>
+        </mc:Choice>
+        <mc:Fallback xmlns="">
+          <p:sp>
+            <p:nvSpPr>
+              <p:cNvPr id="11" name="TextBox 10"/>
+              <p:cNvSpPr txBox="1">
+                <a:spLocks noRot="1" noChangeAspect="1" noMove="1" noResize="1" noEditPoints="1" noAdjustHandles="1" noChangeArrowheads="1" noChangeShapeType="1" noTextEdit="1"/>
+              </p:cNvSpPr>
+              <p:nvPr/>
+            </p:nvSpPr>
+            <p:spPr>
+              <a:xfrm>
+                <a:off x="1945178" y="2706304"/>
+                <a:ext cx="5902037" cy="375552"/>
+              </a:xfrm>
+              <a:prstGeom prst="rect">
+                <a:avLst/>
+              </a:prstGeom>
+              <a:blipFill>
+                <a:blip r:embed="rId5"/>
+                <a:stretch>
+                  <a:fillRect l="-826" t="-8065" b="-24194"/>
+                </a:stretch>
+              </a:blipFill>
+            </p:spPr>
+            <p:txBody>
+              <a:bodyPr/>
+              <a:lstStyle/>
+              <a:p>
+                <a:r>
+                  <a:rPr lang="ko-KR" altLang="en-US">
+                    <a:noFill/>
+                  </a:rPr>
+                  <a:t> </a:t>
+                </a:r>
+              </a:p>
+            </p:txBody>
+          </p:sp>
+        </mc:Fallback>
+      </mc:AlternateContent>
+      <p:sp>
+        <p:nvSpPr>
+          <p:cNvPr id="12" name="TextBox 11"/>
+          <p:cNvSpPr txBox="1"/>
+          <p:nvPr/>
+        </p:nvSpPr>
+        <p:spPr>
+          <a:xfrm>
+            <a:off x="838200" y="4192121"/>
+            <a:ext cx="11000874" cy="1200329"/>
+          </a:xfrm>
+          <a:prstGeom prst="rect">
+            <a:avLst/>
+          </a:prstGeom>
+          <a:noFill/>
+        </p:spPr>
+        <p:txBody>
+          <a:bodyPr wrap="square" rtlCol="0">
+            <a:spAutoFit/>
+          </a:bodyPr>
+          <a:lstStyle/>
+          <a:p>
+            <a:pPr marL="285750" indent="-285750">
+              <a:buFontTx/>
+              <a:buChar char="-"/>
+            </a:pPr>
+            <a:r>
+              <a:rPr lang="en-US" altLang="ko-KR" b="1" dirty="0" smtClean="0">
+                <a:solidFill>
+                  <a:srgbClr val="FF0000"/>
+                </a:solidFill>
+              </a:rPr>
+              <a:t>Power</a:t>
+            </a:r>
+            <a:r>
+              <a:rPr lang="ko-KR" altLang="en-US" b="1" dirty="0" smtClean="0">
+                <a:solidFill>
+                  <a:srgbClr val="FF0000"/>
+                </a:solidFill>
+              </a:rPr>
+              <a:t>의 평균이 </a:t>
+            </a:r>
+            <a:r>
+              <a:rPr lang="en-US" altLang="ko-KR" b="1" dirty="0" smtClean="0">
+                <a:solidFill>
+                  <a:srgbClr val="FF0000"/>
+                </a:solidFill>
+              </a:rPr>
+              <a:t>0</a:t>
+            </a:r>
+            <a:r>
+              <a:rPr lang="ko-KR" altLang="en-US" b="1" dirty="0" smtClean="0">
+                <a:solidFill>
+                  <a:srgbClr val="FF0000"/>
+                </a:solidFill>
+              </a:rPr>
+              <a:t>이고 표준편차가 </a:t>
+            </a:r>
+            <a:r>
+              <a:rPr lang="en-US" altLang="ko-KR" b="1" dirty="0" smtClean="0">
+                <a:solidFill>
+                  <a:srgbClr val="FF0000"/>
+                </a:solidFill>
+              </a:rPr>
+              <a:t>1</a:t>
+            </a:r>
+            <a:r>
+              <a:rPr lang="ko-KR" altLang="en-US" b="1" dirty="0" smtClean="0">
+                <a:solidFill>
+                  <a:srgbClr val="FF0000"/>
+                </a:solidFill>
+              </a:rPr>
+              <a:t>이 되도록 </a:t>
+            </a:r>
+            <a:r>
+              <a:rPr lang="en-US" altLang="ko-KR" b="1" dirty="0" smtClean="0">
+                <a:solidFill>
+                  <a:srgbClr val="FF0000"/>
+                </a:solidFill>
+              </a:rPr>
+              <a:t>normalization</a:t>
+            </a:r>
+            <a:r>
+              <a:rPr lang="ko-KR" altLang="en-US" b="1" dirty="0" smtClean="0">
+                <a:solidFill>
+                  <a:srgbClr val="FF0000"/>
+                </a:solidFill>
+              </a:rPr>
+              <a:t>을 진행하면 학습의 안정도가 매우 커짐 </a:t>
+            </a:r>
+            <a:endParaRPr lang="en-US" altLang="ko-KR" b="1" dirty="0" smtClean="0">
+              <a:solidFill>
+                <a:srgbClr val="FF0000"/>
+              </a:solidFill>
+            </a:endParaRPr>
+          </a:p>
+          <a:p>
+            <a:pPr lvl="1"/>
+            <a:endParaRPr lang="en-US" altLang="ko-KR" dirty="0" smtClean="0"/>
+          </a:p>
+          <a:p>
+            <a:pPr marL="285750" indent="-285750">
+              <a:buFontTx/>
+              <a:buChar char="-"/>
+            </a:pPr>
+            <a:endParaRPr lang="en-US" altLang="ko-KR" dirty="0" smtClean="0"/>
+          </a:p>
+          <a:p>
+            <a:pPr lvl="1"/>
+            <a:endParaRPr lang="en-US" altLang="ko-KR" dirty="0" smtClean="0"/>
+          </a:p>
+        </p:txBody>
+      </p:sp>
+    </p:spTree>
+    <p:extLst>
+      <p:ext uri="{BB962C8B-B14F-4D97-AF65-F5344CB8AC3E}">
+        <p14:creationId xmlns:p14="http://schemas.microsoft.com/office/powerpoint/2010/main" val="726851820"/>
+      </p:ext>
+    </p:extLst>
+  </p:cSld>
+  <p:clrMapOvr>
+    <a:masterClrMapping/>
+  </p:clrMapOvr>
+</p:sld>
+</file>
+
+<file path=ppt/slides/slide3.xml><?xml version="1.0" encoding="utf-8"?>
+<p:sld xmlns:a="http://schemas.openxmlformats.org/drawingml/2006/main" xmlns:r="http://schemas.openxmlformats.org/officeDocument/2006/relationships" xmlns:p="http://schemas.openxmlformats.org/presentationml/2006/main">
+  <p:cSld>
+    <p:spTree>
+      <p:nvGrpSpPr>
+        <p:cNvPr id="1" name=""/>
+        <p:cNvGrpSpPr/>
+        <p:nvPr/>
+      </p:nvGrpSpPr>
+      <p:grpSpPr>
+        <a:xfrm>
+          <a:off x="0" y="0"/>
+          <a:ext cx="0" cy="0"/>
+          <a:chOff x="0" y="0"/>
+          <a:chExt cx="0" cy="0"/>
+        </a:xfrm>
+      </p:grpSpPr>
+      <p:sp>
+        <p:nvSpPr>
+          <p:cNvPr id="2" name="제목 1"/>
+          <p:cNvSpPr>
+            <a:spLocks noGrp="1"/>
+          </p:cNvSpPr>
+          <p:nvPr>
+            <p:ph type="title"/>
+          </p:nvPr>
+        </p:nvSpPr>
+        <p:spPr/>
+        <p:txBody>
+          <a:bodyPr/>
+          <a:lstStyle/>
+          <a:p>
+            <a:r>
+              <a:rPr lang="en-US" altLang="ko-KR" dirty="0" smtClean="0"/>
               <a:t>DDQN</a:t>
             </a:r>
             <a:r>
@@ -3051,15 +3684,7 @@
             </a:r>
             <a:r>
               <a:rPr lang="en-US" altLang="ko-KR" dirty="0" smtClean="0"/>
-              <a:t>1 – </a:t>
-            </a:r>
-            <a:r>
-              <a:rPr lang="ko-KR" altLang="en-US" dirty="0" err="1" smtClean="0"/>
-              <a:t>데스크탑</a:t>
-            </a:r>
-            <a:r>
-              <a:rPr lang="ko-KR" altLang="en-US" dirty="0" smtClean="0"/>
-              <a:t>  </a:t>
+              <a:t>1</a:t>
             </a:r>
             <a:endParaRPr lang="ko-KR" altLang="en-US" dirty="0"/>
           </a:p>
@@ -3510,7 +4135,7 @@
 </p:sld>
 </file>
 
-<file path=ppt/slides/slide3.xml><?xml version="1.0" encoding="utf-8"?>
+<file path=ppt/slides/slide4.xml><?xml version="1.0" encoding="utf-8"?>
 <p:sld xmlns:a="http://schemas.openxmlformats.org/drawingml/2006/main" xmlns:r="http://schemas.openxmlformats.org/officeDocument/2006/relationships" xmlns:p="http://schemas.openxmlformats.org/presentationml/2006/main">
   <p:cSld>
     <p:spTree>
@@ -4085,7 +4710,7 @@
 </p:sld>
 </file>
 
-<file path=ppt/slides/slide4.xml><?xml version="1.0" encoding="utf-8"?>
+<file path=ppt/slides/slide5.xml><?xml version="1.0" encoding="utf-8"?>
 <p:sld xmlns:a="http://schemas.openxmlformats.org/drawingml/2006/main" xmlns:r="http://schemas.openxmlformats.org/officeDocument/2006/relationships" xmlns:p="http://schemas.openxmlformats.org/presentationml/2006/main">
   <p:cSld>
     <p:spTree>
@@ -4126,8 +4751,8 @@
               <a:t> </a:t>
             </a:r>
             <a:r>
-              <a:rPr lang="en-US" altLang="ko-KR" dirty="0"/>
-              <a:t>3</a:t>
+              <a:rPr lang="en-US" altLang="ko-KR" dirty="0" smtClean="0"/>
+              <a:t>2</a:t>
             </a:r>
             <a:r>
               <a:rPr lang="ko-KR" altLang="en-US" dirty="0" smtClean="0"/>
@@ -4146,7 +4771,7 @@
         <p:spPr>
           <a:xfrm>
             <a:off x="838200" y="1459832"/>
-            <a:ext cx="11000874" cy="4524315"/>
+            <a:ext cx="11000874" cy="923330"/>
           </a:xfrm>
           <a:prstGeom prst="rect">
             <a:avLst/>
@@ -4164,6 +4789,205 @@
               <a:buChar char="-"/>
             </a:pPr>
             <a:r>
+              <a:rPr lang="en-US" altLang="ko-KR" b="1" dirty="0" smtClean="0">
+                <a:solidFill>
+                  <a:srgbClr val="FF0000"/>
+                </a:solidFill>
+              </a:rPr>
+              <a:t>Power</a:t>
+            </a:r>
+            <a:r>
+              <a:rPr lang="ko-KR" altLang="en-US" b="1" dirty="0" smtClean="0">
+                <a:solidFill>
+                  <a:srgbClr val="FF0000"/>
+                </a:solidFill>
+              </a:rPr>
+              <a:t>를 </a:t>
+            </a:r>
+            <a:r>
+              <a:rPr lang="en-US" altLang="ko-KR" b="1" dirty="0" smtClean="0">
+                <a:solidFill>
+                  <a:srgbClr val="FF0000"/>
+                </a:solidFill>
+              </a:rPr>
+              <a:t>kW </a:t>
+            </a:r>
+            <a:r>
+              <a:rPr lang="ko-KR" altLang="en-US" b="1" dirty="0" smtClean="0">
+                <a:solidFill>
+                  <a:srgbClr val="FF0000"/>
+                </a:solidFill>
+              </a:rPr>
+              <a:t>단위로 환산하여 </a:t>
+            </a:r>
+            <a:r>
+              <a:rPr lang="en-US" altLang="ko-KR" b="1" dirty="0" smtClean="0">
+                <a:solidFill>
+                  <a:srgbClr val="FF0000"/>
+                </a:solidFill>
+              </a:rPr>
+              <a:t>Feature scaling </a:t>
+            </a:r>
+            <a:r>
+              <a:rPr lang="ko-KR" altLang="en-US" b="1" dirty="0" smtClean="0">
+                <a:solidFill>
+                  <a:srgbClr val="FF0000"/>
+                </a:solidFill>
+              </a:rPr>
+              <a:t>수행 </a:t>
+            </a:r>
+            <a:endParaRPr lang="en-US" altLang="ko-KR" b="1" dirty="0" smtClean="0">
+              <a:solidFill>
+                <a:srgbClr val="FF0000"/>
+              </a:solidFill>
+            </a:endParaRPr>
+          </a:p>
+          <a:p>
+            <a:pPr marL="285750" indent="-285750">
+              <a:buFontTx/>
+              <a:buChar char="-"/>
+            </a:pPr>
+            <a:endParaRPr lang="en-US" altLang="ko-KR" b="1" dirty="0"/>
+          </a:p>
+          <a:p>
+            <a:pPr marL="285750" indent="-285750">
+              <a:buFontTx/>
+              <a:buChar char="-"/>
+            </a:pPr>
+            <a:r>
+              <a:rPr lang="en-US" altLang="ko-KR" b="1" dirty="0" smtClean="0"/>
+              <a:t>Feature scaling</a:t>
+            </a:r>
+            <a:r>
+              <a:rPr lang="ko-KR" altLang="en-US" b="1" dirty="0" smtClean="0"/>
+              <a:t>을 통해 학습 안정도를 크게 향상시킬 수 있음을 확인함</a:t>
+            </a:r>
+            <a:endParaRPr lang="en-US" altLang="ko-KR" dirty="0" smtClean="0"/>
+          </a:p>
+        </p:txBody>
+      </p:sp>
+      <p:pic>
+        <p:nvPicPr>
+          <p:cNvPr id="7" name="그림 6"/>
+          <p:cNvPicPr>
+            <a:picLocks noChangeAspect="1"/>
+          </p:cNvPicPr>
+          <p:nvPr/>
+        </p:nvPicPr>
+        <p:blipFill>
+          <a:blip r:embed="rId2">
+            <a:extLst>
+              <a:ext uri="{28A0092B-C50C-407E-A947-70E740481C1C}">
+                <a14:useLocalDpi xmlns:a14="http://schemas.microsoft.com/office/drawing/2010/main" val="0"/>
+              </a:ext>
+            </a:extLst>
+          </a:blip>
+          <a:stretch>
+            <a:fillRect/>
+          </a:stretch>
+        </p:blipFill>
+        <p:spPr>
+          <a:xfrm>
+            <a:off x="3674226" y="2383162"/>
+            <a:ext cx="6467302" cy="4311535"/>
+          </a:xfrm>
+          <a:prstGeom prst="rect">
+            <a:avLst/>
+          </a:prstGeom>
+        </p:spPr>
+      </p:pic>
+    </p:spTree>
+    <p:extLst>
+      <p:ext uri="{BB962C8B-B14F-4D97-AF65-F5344CB8AC3E}">
+        <p14:creationId xmlns:p14="http://schemas.microsoft.com/office/powerpoint/2010/main" val="1543216389"/>
+      </p:ext>
+    </p:extLst>
+  </p:cSld>
+  <p:clrMapOvr>
+    <a:masterClrMapping/>
+  </p:clrMapOvr>
+</p:sld>
+</file>
+
+<file path=ppt/slides/slide6.xml><?xml version="1.0" encoding="utf-8"?>
+<p:sld xmlns:a="http://schemas.openxmlformats.org/drawingml/2006/main" xmlns:r="http://schemas.openxmlformats.org/officeDocument/2006/relationships" xmlns:p="http://schemas.openxmlformats.org/presentationml/2006/main">
+  <p:cSld>
+    <p:spTree>
+      <p:nvGrpSpPr>
+        <p:cNvPr id="1" name=""/>
+        <p:cNvGrpSpPr/>
+        <p:nvPr/>
+      </p:nvGrpSpPr>
+      <p:grpSpPr>
+        <a:xfrm>
+          <a:off x="0" y="0"/>
+          <a:ext cx="0" cy="0"/>
+          <a:chOff x="0" y="0"/>
+          <a:chExt cx="0" cy="0"/>
+        </a:xfrm>
+      </p:grpSpPr>
+      <p:sp>
+        <p:nvSpPr>
+          <p:cNvPr id="2" name="제목 1"/>
+          <p:cNvSpPr>
+            <a:spLocks noGrp="1"/>
+          </p:cNvSpPr>
+          <p:nvPr>
+            <p:ph type="title"/>
+          </p:nvPr>
+        </p:nvSpPr>
+        <p:spPr/>
+        <p:txBody>
+          <a:bodyPr/>
+          <a:lstStyle/>
+          <a:p>
+            <a:r>
+              <a:rPr lang="en-US" altLang="ko-KR" dirty="0" smtClean="0"/>
+              <a:t>DDQN</a:t>
+            </a:r>
+            <a:r>
+              <a:rPr lang="ko-KR" altLang="en-US" dirty="0" smtClean="0"/>
+              <a:t> </a:t>
+            </a:r>
+            <a:r>
+              <a:rPr lang="en-US" altLang="ko-KR" dirty="0"/>
+              <a:t>3</a:t>
+            </a:r>
+            <a:r>
+              <a:rPr lang="ko-KR" altLang="en-US" dirty="0" smtClean="0"/>
+              <a:t>  </a:t>
+            </a:r>
+            <a:endParaRPr lang="ko-KR" altLang="en-US" dirty="0"/>
+          </a:p>
+        </p:txBody>
+      </p:sp>
+      <p:sp>
+        <p:nvSpPr>
+          <p:cNvPr id="4" name="TextBox 3"/>
+          <p:cNvSpPr txBox="1"/>
+          <p:nvPr/>
+        </p:nvSpPr>
+        <p:spPr>
+          <a:xfrm>
+            <a:off x="838200" y="1459832"/>
+            <a:ext cx="11000874" cy="4247317"/>
+          </a:xfrm>
+          <a:prstGeom prst="rect">
+            <a:avLst/>
+          </a:prstGeom>
+          <a:noFill/>
+        </p:spPr>
+        <p:txBody>
+          <a:bodyPr wrap="square" rtlCol="0">
+            <a:spAutoFit/>
+          </a:bodyPr>
+          <a:lstStyle/>
+          <a:p>
+            <a:pPr marL="285750" indent="-285750">
+              <a:buFontTx/>
+              <a:buChar char="-"/>
+            </a:pPr>
+            <a:r>
               <a:rPr lang="ko-KR" altLang="en-US" b="1" dirty="0" smtClean="0">
                 <a:solidFill>
                   <a:srgbClr val="FF0000"/>
@@ -4209,7 +5033,6 @@
               <a:rPr lang="en-US" altLang="ko-KR" b="1" dirty="0" smtClean="0"/>
               <a:t>Env1 State:</a:t>
             </a:r>
-            <a:endParaRPr lang="en-US" altLang="ko-KR" b="1" dirty="0" smtClean="0"/>
           </a:p>
           <a:p>
             <a:pPr marL="742950" lvl="1" indent="-285750">
@@ -4238,11 +5061,7 @@
             </a:r>
             <a:r>
               <a:rPr lang="en-US" altLang="ko-KR" dirty="0" smtClean="0"/>
-              <a:t>, </a:t>
-            </a:r>
-            <a:r>
-              <a:rPr lang="en-US" altLang="ko-KR" dirty="0" smtClean="0"/>
-              <a:t>SOC, </a:t>
+              <a:t>, SOC, </a:t>
             </a:r>
             <a:r>
               <a:rPr lang="en-US" altLang="ko-KR" dirty="0" err="1" smtClean="0"/>
@@ -4356,20 +5175,92 @@
               <a:buFontTx/>
               <a:buChar char="-"/>
             </a:pPr>
-            <a:endParaRPr lang="en-US" altLang="ko-KR" dirty="0" smtClean="0"/>
+            <a:r>
+              <a:rPr lang="en-US" altLang="ko-KR" b="1" dirty="0" smtClean="0"/>
+              <a:t>Env3 </a:t>
+            </a:r>
+            <a:r>
+              <a:rPr lang="en-US" altLang="ko-KR" b="1" dirty="0"/>
+              <a:t>State:</a:t>
+            </a:r>
+          </a:p>
+          <a:p>
+            <a:pPr marL="742950" lvl="1" indent="-285750">
+              <a:buFontTx/>
+              <a:buChar char="-"/>
+            </a:pPr>
+            <a:r>
+              <a:rPr lang="en-US" altLang="ko-KR" dirty="0"/>
+              <a:t>State:   </a:t>
+            </a:r>
+            <a:r>
+              <a:rPr lang="en-US" altLang="ko-KR" dirty="0" smtClean="0"/>
+              <a:t>[</a:t>
+            </a:r>
+            <a:r>
+              <a:rPr lang="en-US" altLang="ko-KR" dirty="0" err="1" smtClean="0">
+                <a:solidFill>
+                  <a:srgbClr val="FF0000"/>
+                </a:solidFill>
+              </a:rPr>
+              <a:t>acc</a:t>
+            </a:r>
+            <a:r>
+              <a:rPr lang="en-US" altLang="ko-KR" dirty="0" smtClean="0">
+                <a:solidFill>
+                  <a:srgbClr val="FF0000"/>
+                </a:solidFill>
+              </a:rPr>
+              <a:t>, </a:t>
+            </a:r>
+            <a:r>
+              <a:rPr lang="en-US" altLang="ko-KR" dirty="0" err="1">
+                <a:solidFill>
+                  <a:srgbClr val="FF0000"/>
+                </a:solidFill>
+              </a:rPr>
+              <a:t>sp</a:t>
+            </a:r>
+            <a:r>
+              <a:rPr lang="en-US" altLang="ko-KR" dirty="0"/>
+              <a:t>, SOC, </a:t>
+            </a:r>
+            <a:r>
+              <a:rPr lang="en-US" altLang="ko-KR" dirty="0" err="1"/>
+              <a:t>j_min</a:t>
+            </a:r>
+            <a:r>
+              <a:rPr lang="en-US" altLang="ko-KR" dirty="0"/>
+              <a:t>, </a:t>
+            </a:r>
+            <a:r>
+              <a:rPr lang="en-US" altLang="ko-KR" dirty="0" err="1"/>
+              <a:t>j_max</a:t>
+            </a:r>
+            <a:r>
+              <a:rPr lang="en-US" altLang="ko-KR" dirty="0"/>
+              <a:t>]</a:t>
+            </a:r>
           </a:p>
           <a:p>
             <a:pPr marL="285750" indent="-285750">
               <a:buFontTx/>
               <a:buChar char="-"/>
             </a:pPr>
-            <a:r>
-              <a:rPr lang="ko-KR" altLang="en-US" b="1" dirty="0" smtClean="0"/>
-              <a:t>네트워크 구조</a:t>
-            </a:r>
+            <a:endParaRPr lang="en-US" altLang="ko-KR" dirty="0" smtClean="0"/>
+          </a:p>
+          <a:p>
+            <a:pPr marL="285750" indent="-285750">
+              <a:buFontTx/>
+              <a:buChar char="-"/>
+            </a:pPr>
             <a:r>
               <a:rPr lang="en-US" altLang="ko-KR" b="1" dirty="0" smtClean="0"/>
-              <a:t>: </a:t>
+              <a:t>Env4 </a:t>
+            </a:r>
+            <a:r>
+              <a:rPr lang="en-US" altLang="ko-KR" b="1" dirty="0"/>
+              <a:t>State:</a:t>
             </a:r>
           </a:p>
           <a:p>
@@ -4378,65 +5269,68 @@
               <a:buChar char="-"/>
             </a:pPr>
             <a:r>
-              <a:rPr lang="en-US" altLang="ko-KR" b="1" dirty="0" smtClean="0"/>
-              <a:t>Main, Target: </a:t>
-            </a:r>
-          </a:p>
-          <a:p>
-            <a:pPr marL="1200150" lvl="2" indent="-285750">
+              <a:rPr lang="en-US" altLang="ko-KR" dirty="0"/>
+              <a:t>State:   </a:t>
+            </a:r>
+            <a:r>
+              <a:rPr lang="en-US" altLang="ko-KR" dirty="0" smtClean="0"/>
+              <a:t>[</a:t>
+            </a:r>
+            <a:r>
+              <a:rPr lang="en-US" altLang="ko-KR" dirty="0" err="1" smtClean="0">
+                <a:solidFill>
+                  <a:srgbClr val="FF0000"/>
+                </a:solidFill>
+              </a:rPr>
+              <a:t>acc</a:t>
+            </a:r>
+            <a:r>
+              <a:rPr lang="en-US" altLang="ko-KR" dirty="0" smtClean="0">
+                <a:solidFill>
+                  <a:srgbClr val="FF0000"/>
+                </a:solidFill>
+              </a:rPr>
+              <a:t>, </a:t>
+            </a:r>
+            <a:r>
+              <a:rPr lang="en-US" altLang="ko-KR" dirty="0" err="1">
+                <a:solidFill>
+                  <a:srgbClr val="FF0000"/>
+                </a:solidFill>
+              </a:rPr>
+              <a:t>sp</a:t>
+            </a:r>
+            <a:r>
+              <a:rPr lang="en-US" altLang="ko-KR" dirty="0"/>
+              <a:t>, </a:t>
+            </a:r>
+            <a:r>
+              <a:rPr lang="en-US" altLang="ko-KR" dirty="0" smtClean="0"/>
+              <a:t>SOC – 0.6, </a:t>
+            </a:r>
+            <a:r>
+              <a:rPr lang="en-US" altLang="ko-KR" dirty="0" err="1"/>
+              <a:t>j_min</a:t>
+            </a:r>
+            <a:r>
+              <a:rPr lang="en-US" altLang="ko-KR" dirty="0"/>
+              <a:t>, </a:t>
+            </a:r>
+            <a:r>
+              <a:rPr lang="en-US" altLang="ko-KR" dirty="0" err="1"/>
+              <a:t>j_max</a:t>
+            </a:r>
+            <a:r>
+              <a:rPr lang="en-US" altLang="ko-KR" dirty="0" smtClean="0"/>
+              <a:t>]</a:t>
+            </a:r>
+          </a:p>
+          <a:p>
+            <a:pPr marL="285750" indent="-285750">
               <a:buFontTx/>
               <a:buChar char="-"/>
             </a:pPr>
-            <a:r>
-              <a:rPr lang="en-US" altLang="ko-KR" dirty="0" smtClean="0"/>
-              <a:t>Input(4) </a:t>
-            </a:r>
-          </a:p>
-          <a:p>
-            <a:pPr marL="1200150" lvl="2" indent="-285750">
-              <a:buFontTx/>
-              <a:buChar char="-"/>
-            </a:pPr>
-            <a:r>
-              <a:rPr lang="en-US" altLang="ko-KR" dirty="0" smtClean="0"/>
-              <a:t>Dense(30, activation=“</a:t>
-            </a:r>
-            <a:r>
-              <a:rPr lang="en-US" altLang="ko-KR" dirty="0" err="1" smtClean="0"/>
-              <a:t>relu</a:t>
-            </a:r>
-            <a:r>
-              <a:rPr lang="en-US" altLang="ko-KR" dirty="0" smtClean="0"/>
-              <a:t>”)</a:t>
-            </a:r>
-          </a:p>
-          <a:p>
-            <a:pPr marL="1200150" lvl="2" indent="-285750">
-              <a:buFontTx/>
-              <a:buChar char="-"/>
-            </a:pPr>
-            <a:r>
-              <a:rPr lang="en-US" altLang="ko-KR" dirty="0" smtClean="0"/>
-              <a:t>Dense(30, activation=“</a:t>
-            </a:r>
-            <a:r>
-              <a:rPr lang="en-US" altLang="ko-KR" dirty="0" err="1" smtClean="0"/>
-              <a:t>relu</a:t>
-            </a:r>
-            <a:r>
-              <a:rPr lang="en-US" altLang="ko-KR" dirty="0" smtClean="0"/>
-              <a:t>”)</a:t>
-            </a:r>
-          </a:p>
-          <a:p>
-            <a:pPr marL="1200150" lvl="2" indent="-285750">
-              <a:buFontTx/>
-              <a:buChar char="-"/>
-            </a:pPr>
-            <a:r>
-              <a:rPr lang="en-US" altLang="ko-KR" dirty="0" smtClean="0"/>
-              <a:t>Output(20)</a:t>
-            </a:r>
+            <a:endParaRPr lang="en-US" altLang="ko-KR" dirty="0" smtClean="0"/>
           </a:p>
           <a:p>
             <a:pPr lvl="1"/>
@@ -4561,7 +5455,7 @@
 </p:sld>
 </file>
 
-<file path=ppt/slides/slide5.xml><?xml version="1.0" encoding="utf-8"?>
+<file path=ppt/slides/slide7.xml><?xml version="1.0" encoding="utf-8"?>
 <p:sld xmlns:a="http://schemas.openxmlformats.org/drawingml/2006/main" xmlns:r="http://schemas.openxmlformats.org/officeDocument/2006/relationships" xmlns:p="http://schemas.openxmlformats.org/presentationml/2006/main">
   <p:cSld>
     <p:spTree>
@@ -4603,15 +5497,7 @@
             </a:r>
             <a:r>
               <a:rPr lang="en-US" altLang="ko-KR" dirty="0" smtClean="0"/>
-              <a:t>1 – </a:t>
-            </a:r>
-            <a:r>
-              <a:rPr lang="ko-KR" altLang="en-US" dirty="0" err="1" smtClean="0"/>
-              <a:t>데스크탑</a:t>
-            </a:r>
-            <a:r>
-              <a:rPr lang="ko-KR" altLang="en-US" dirty="0" smtClean="0"/>
-              <a:t>  </a:t>
+              <a:t>1</a:t>
             </a:r>
             <a:endParaRPr lang="ko-KR" altLang="en-US" dirty="0"/>
           </a:p>
@@ -5148,8 +6034,8 @@
         </p:nvSpPr>
         <p:spPr>
           <a:xfrm>
-            <a:off x="8943110" y="5360066"/>
-            <a:ext cx="2478578" cy="830997"/>
+            <a:off x="8610601" y="5050309"/>
+            <a:ext cx="3018905" cy="646331"/>
           </a:xfrm>
           <a:prstGeom prst="rect">
             <a:avLst/>
@@ -5163,34 +6049,770 @@
           <a:lstStyle/>
           <a:p>
             <a:r>
-              <a:rPr lang="ko-KR" altLang="en-US" sz="2400" b="1" dirty="0" err="1" smtClean="0">
+              <a:rPr lang="ko-KR" altLang="en-US" dirty="0" err="1" smtClean="0">
                 <a:solidFill>
                   <a:srgbClr val="FF0000"/>
                 </a:solidFill>
               </a:rPr>
-              <a:t>학습율을</a:t>
-            </a:r>
-            <a:r>
-              <a:rPr lang="ko-KR" altLang="en-US" sz="2400" b="1" dirty="0" smtClean="0">
+              <a:t>학습률을</a:t>
+            </a:r>
+            <a:r>
+              <a:rPr lang="ko-KR" altLang="en-US" dirty="0" smtClean="0">
                 <a:solidFill>
                   <a:srgbClr val="FF0000"/>
                 </a:solidFill>
               </a:rPr>
-              <a:t> 낮춰서 다시 시도 </a:t>
-            </a:r>
-            <a:r>
-              <a:rPr lang="en-US" altLang="ko-KR" sz="2400" b="1" dirty="0" smtClean="0">
+              <a:t> 낮추니 성공하는 것으로 보임</a:t>
+            </a:r>
+            <a:endParaRPr lang="ko-KR" altLang="en-US" dirty="0">
+              <a:solidFill>
+                <a:srgbClr val="FF0000"/>
+              </a:solidFill>
+            </a:endParaRPr>
+          </a:p>
+        </p:txBody>
+      </p:sp>
+      <p:pic>
+        <p:nvPicPr>
+          <p:cNvPr id="8" name="그림 7"/>
+          <p:cNvPicPr>
+            <a:picLocks noChangeAspect="1"/>
+          </p:cNvPicPr>
+          <p:nvPr/>
+        </p:nvPicPr>
+        <p:blipFill>
+          <a:blip r:embed="rId4"/>
+          <a:stretch>
+            <a:fillRect/>
+          </a:stretch>
+        </p:blipFill>
+        <p:spPr>
+          <a:xfrm>
+            <a:off x="8138939" y="799805"/>
+            <a:ext cx="3214861" cy="3275002"/>
+          </a:xfrm>
+          <a:prstGeom prst="rect">
+            <a:avLst/>
+          </a:prstGeom>
+        </p:spPr>
+      </p:pic>
+    </p:spTree>
+    <p:extLst>
+      <p:ext uri="{BB962C8B-B14F-4D97-AF65-F5344CB8AC3E}">
+        <p14:creationId xmlns:p14="http://schemas.microsoft.com/office/powerpoint/2010/main" val="3426921437"/>
+      </p:ext>
+    </p:extLst>
+  </p:cSld>
+  <p:clrMapOvr>
+    <a:masterClrMapping/>
+  </p:clrMapOvr>
+</p:sld>
+</file>
+
+<file path=ppt/slides/slide8.xml><?xml version="1.0" encoding="utf-8"?>
+<p:sld xmlns:a="http://schemas.openxmlformats.org/drawingml/2006/main" xmlns:r="http://schemas.openxmlformats.org/officeDocument/2006/relationships" xmlns:p="http://schemas.openxmlformats.org/presentationml/2006/main">
+  <p:cSld>
+    <p:spTree>
+      <p:nvGrpSpPr>
+        <p:cNvPr id="1" name=""/>
+        <p:cNvGrpSpPr/>
+        <p:nvPr/>
+      </p:nvGrpSpPr>
+      <p:grpSpPr>
+        <a:xfrm>
+          <a:off x="0" y="0"/>
+          <a:ext cx="0" cy="0"/>
+          <a:chOff x="0" y="0"/>
+          <a:chExt cx="0" cy="0"/>
+        </a:xfrm>
+      </p:grpSpPr>
+      <p:sp>
+        <p:nvSpPr>
+          <p:cNvPr id="2" name="제목 1"/>
+          <p:cNvSpPr>
+            <a:spLocks noGrp="1"/>
+          </p:cNvSpPr>
+          <p:nvPr>
+            <p:ph type="title"/>
+          </p:nvPr>
+        </p:nvSpPr>
+        <p:spPr/>
+        <p:txBody>
+          <a:bodyPr/>
+          <a:lstStyle/>
+          <a:p>
+            <a:r>
+              <a:rPr lang="en-US" altLang="ko-KR" dirty="0" smtClean="0"/>
+              <a:t>DDPG</a:t>
+            </a:r>
+            <a:r>
+              <a:rPr lang="ko-KR" altLang="en-US" dirty="0" smtClean="0"/>
+              <a:t> </a:t>
+            </a:r>
+            <a:r>
+              <a:rPr lang="en-US" altLang="ko-KR" dirty="0" smtClean="0"/>
+              <a:t>2</a:t>
+            </a:r>
+            <a:endParaRPr lang="ko-KR" altLang="en-US" dirty="0"/>
+          </a:p>
+        </p:txBody>
+      </p:sp>
+      <mc:AlternateContent xmlns:mc="http://schemas.openxmlformats.org/markup-compatibility/2006">
+        <mc:Choice xmlns:a14="http://schemas.microsoft.com/office/drawing/2010/main" Requires="a14">
+          <p:sp>
+            <p:nvSpPr>
+              <p:cNvPr id="4" name="TextBox 3"/>
+              <p:cNvSpPr txBox="1"/>
+              <p:nvPr/>
+            </p:nvSpPr>
+            <p:spPr>
+              <a:xfrm>
+                <a:off x="838200" y="1459832"/>
+                <a:ext cx="11000874" cy="5654561"/>
+              </a:xfrm>
+              <a:prstGeom prst="rect">
+                <a:avLst/>
+              </a:prstGeom>
+              <a:noFill/>
+            </p:spPr>
+            <p:txBody>
+              <a:bodyPr wrap="square" rtlCol="0">
+                <a:spAutoFit/>
+              </a:bodyPr>
+              <a:lstStyle/>
+              <a:p>
+                <a:pPr marL="285750" indent="-285750">
+                  <a:buFontTx/>
+                  <a:buChar char="-"/>
+                </a:pPr>
+                <a:r>
+                  <a:rPr lang="en-US" altLang="ko-KR" b="1" dirty="0">
+                    <a:solidFill>
+                      <a:srgbClr val="FF0000"/>
+                    </a:solidFill>
+                  </a:rPr>
+                  <a:t>Power</a:t>
+                </a:r>
+                <a:r>
+                  <a:rPr lang="ko-KR" altLang="en-US" b="1" dirty="0">
+                    <a:solidFill>
+                      <a:srgbClr val="FF0000"/>
+                    </a:solidFill>
+                  </a:rPr>
+                  <a:t>를 </a:t>
+                </a:r>
+                <a:r>
+                  <a:rPr lang="en-US" altLang="ko-KR" b="1" dirty="0">
+                    <a:solidFill>
+                      <a:srgbClr val="FF0000"/>
+                    </a:solidFill>
+                  </a:rPr>
+                  <a:t>kW </a:t>
+                </a:r>
+                <a:r>
+                  <a:rPr lang="ko-KR" altLang="en-US" b="1" dirty="0">
+                    <a:solidFill>
+                      <a:srgbClr val="FF0000"/>
+                    </a:solidFill>
+                  </a:rPr>
+                  <a:t>단위로 환산하여 </a:t>
+                </a:r>
+                <a:r>
+                  <a:rPr lang="en-US" altLang="ko-KR" b="1" dirty="0">
+                    <a:solidFill>
+                      <a:srgbClr val="FF0000"/>
+                    </a:solidFill>
+                  </a:rPr>
+                  <a:t>Feature scaling </a:t>
+                </a:r>
+                <a:r>
+                  <a:rPr lang="ko-KR" altLang="en-US" b="1" dirty="0">
+                    <a:solidFill>
+                      <a:srgbClr val="FF0000"/>
+                    </a:solidFill>
+                  </a:rPr>
+                  <a:t>수행 </a:t>
+                </a:r>
+                <a:endParaRPr lang="en-US" altLang="ko-KR" b="1" dirty="0" smtClean="0"/>
+              </a:p>
+              <a:p>
+                <a:pPr marL="285750" indent="-285750">
+                  <a:buFontTx/>
+                  <a:buChar char="-"/>
+                </a:pPr>
+                <a:endParaRPr lang="en-US" altLang="ko-KR" b="1" dirty="0"/>
+              </a:p>
+              <a:p>
+                <a:pPr marL="285750" indent="-285750">
+                  <a:buFontTx/>
+                  <a:buChar char="-"/>
+                </a:pPr>
+                <a:r>
+                  <a:rPr lang="en-US" altLang="ko-KR" b="1" dirty="0" smtClean="0"/>
+                  <a:t>State</a:t>
+                </a:r>
+                <a:r>
+                  <a:rPr lang="en-US" altLang="ko-KR" b="1" dirty="0" smtClean="0"/>
+                  <a:t>, Action, Reward </a:t>
+                </a:r>
+              </a:p>
+              <a:p>
+                <a:pPr marL="742950" lvl="1" indent="-285750">
+                  <a:buFontTx/>
+                  <a:buChar char="-"/>
+                </a:pPr>
+                <a:r>
+                  <a:rPr lang="en-US" altLang="ko-KR" dirty="0" smtClean="0"/>
+                  <a:t>State:   [</a:t>
+                </a:r>
+                <a:r>
+                  <a:rPr lang="en-US" altLang="ko-KR" dirty="0" err="1" smtClean="0">
+                    <a:solidFill>
+                      <a:srgbClr val="FF0000"/>
+                    </a:solidFill>
+                  </a:rPr>
+                  <a:t>power_out</a:t>
+                </a:r>
+                <a:r>
+                  <a:rPr lang="en-US" altLang="ko-KR" dirty="0">
+                    <a:solidFill>
+                      <a:srgbClr val="FF0000"/>
+                    </a:solidFill>
+                  </a:rPr>
+                  <a:t> </a:t>
+                </a:r>
+                <a:r>
+                  <a:rPr lang="en-US" altLang="ko-KR" dirty="0" smtClean="0">
+                    <a:solidFill>
+                      <a:srgbClr val="FF0000"/>
+                    </a:solidFill>
+                  </a:rPr>
+                  <a:t>/ 1000</a:t>
+                </a:r>
+                <a:r>
+                  <a:rPr lang="en-US" altLang="ko-KR" dirty="0" smtClean="0"/>
+                  <a:t>, </a:t>
+                </a:r>
+                <a:r>
+                  <a:rPr lang="en-US" altLang="ko-KR" dirty="0" smtClean="0"/>
+                  <a:t>SOC – 0.6, </a:t>
+                </a:r>
+                <a:r>
+                  <a:rPr lang="en-US" altLang="ko-KR" dirty="0" err="1" smtClean="0"/>
+                  <a:t>j_min</a:t>
+                </a:r>
+                <a:r>
+                  <a:rPr lang="en-US" altLang="ko-KR" dirty="0" smtClean="0"/>
+                  <a:t>, </a:t>
+                </a:r>
+                <a:r>
+                  <a:rPr lang="en-US" altLang="ko-KR" dirty="0" err="1" smtClean="0"/>
+                  <a:t>j_max</a:t>
+                </a:r>
+                <a:r>
+                  <a:rPr lang="en-US" altLang="ko-KR" dirty="0" smtClean="0"/>
+                  <a:t>]</a:t>
+                </a:r>
+              </a:p>
+              <a:p>
+                <a:pPr marL="742950" lvl="1" indent="-285750">
+                  <a:buFontTx/>
+                  <a:buChar char="-"/>
+                </a:pPr>
+                <a:r>
+                  <a:rPr lang="en-US" altLang="ko-KR" dirty="0" smtClean="0"/>
+                  <a:t>Action:  </a:t>
+                </a:r>
+                <a:r>
+                  <a:rPr lang="ko-KR" altLang="en-US" dirty="0" smtClean="0"/>
+                  <a:t>연속적인 액션 </a:t>
+                </a:r>
+                <a:endParaRPr lang="en-US" altLang="ko-KR" dirty="0" smtClean="0"/>
+              </a:p>
+              <a:p>
+                <a:pPr marL="742950" lvl="1" indent="-285750">
+                  <a:buFontTx/>
+                  <a:buChar char="-"/>
+                </a:pPr>
+                <a:r>
+                  <a:rPr lang="en-US" altLang="ko-KR" dirty="0" smtClean="0"/>
+                  <a:t>Reward:</a:t>
+                </a:r>
+                <a14:m>
+                  <m:oMath xmlns:m="http://schemas.openxmlformats.org/officeDocument/2006/math">
+                    <m:r>
+                      <a:rPr lang="en-US" altLang="ko-KR" b="0" i="0" smtClean="0">
+                        <a:latin typeface="Cambria Math" panose="02040503050406030204" pitchFamily="18" charset="0"/>
+                      </a:rPr>
+                      <m:t> </m:t>
+                    </m:r>
+                    <m:r>
+                      <a:rPr lang="en-US" altLang="ko-KR">
+                        <a:latin typeface="Cambria Math" panose="02040503050406030204" pitchFamily="18" charset="0"/>
+                      </a:rPr>
+                      <m:t>− </m:t>
+                    </m:r>
+                    <m:acc>
+                      <m:accPr>
+                        <m:chr m:val="̇"/>
+                        <m:ctrlPr>
+                          <a:rPr lang="en-US" altLang="ko-KR" i="1">
+                            <a:latin typeface="Cambria Math" panose="02040503050406030204" pitchFamily="18" charset="0"/>
+                          </a:rPr>
+                        </m:ctrlPr>
+                      </m:accPr>
+                      <m:e>
+                        <m:sSub>
+                          <m:sSubPr>
+                            <m:ctrlPr>
+                              <a:rPr lang="en-US" altLang="ko-KR" i="1">
+                                <a:latin typeface="Cambria Math" panose="02040503050406030204" pitchFamily="18" charset="0"/>
+                              </a:rPr>
+                            </m:ctrlPr>
+                          </m:sSubPr>
+                          <m:e>
+                            <m:r>
+                              <a:rPr lang="en-US" altLang="ko-KR" i="1">
+                                <a:latin typeface="Cambria Math" panose="02040503050406030204" pitchFamily="18" charset="0"/>
+                              </a:rPr>
+                              <m:t>𝑚</m:t>
+                            </m:r>
+                          </m:e>
+                          <m:sub>
+                            <m:r>
+                              <a:rPr lang="en-US" altLang="ko-KR" i="1">
+                                <a:latin typeface="Cambria Math" panose="02040503050406030204" pitchFamily="18" charset="0"/>
+                              </a:rPr>
+                              <m:t>𝑓𝑐</m:t>
+                            </m:r>
+                          </m:sub>
+                        </m:sSub>
+                      </m:e>
+                    </m:acc>
+                    <m:r>
+                      <a:rPr lang="en-US" altLang="ko-KR" i="1">
+                        <a:latin typeface="Cambria Math" panose="02040503050406030204" pitchFamily="18" charset="0"/>
+                      </a:rPr>
+                      <m:t> −</m:t>
+                    </m:r>
+                    <m:r>
+                      <a:rPr lang="en-US" altLang="ko-KR" b="0" i="1" smtClean="0">
+                        <a:latin typeface="Cambria Math" panose="02040503050406030204" pitchFamily="18" charset="0"/>
+                      </a:rPr>
+                      <m:t>10</m:t>
+                    </m:r>
+                    <m:r>
+                      <a:rPr lang="en-US" altLang="ko-KR" i="1">
+                        <a:latin typeface="Cambria Math" panose="02040503050406030204" pitchFamily="18" charset="0"/>
+                        <a:ea typeface="Cambria Math" panose="02040503050406030204" pitchFamily="18" charset="0"/>
+                      </a:rPr>
+                      <m:t>×</m:t>
+                    </m:r>
+                    <m:d>
+                      <m:dPr>
+                        <m:begChr m:val="|"/>
+                        <m:endChr m:val="|"/>
+                        <m:ctrlPr>
+                          <a:rPr lang="en-US" altLang="ko-KR" i="1">
+                            <a:latin typeface="Cambria Math" panose="02040503050406030204" pitchFamily="18" charset="0"/>
+                            <a:ea typeface="Cambria Math" panose="02040503050406030204" pitchFamily="18" charset="0"/>
+                          </a:rPr>
+                        </m:ctrlPr>
+                      </m:dPr>
+                      <m:e>
+                        <m:r>
+                          <a:rPr lang="en-US" altLang="ko-KR" i="1">
+                            <a:latin typeface="Cambria Math" panose="02040503050406030204" pitchFamily="18" charset="0"/>
+                            <a:ea typeface="Cambria Math" panose="02040503050406030204" pitchFamily="18" charset="0"/>
+                          </a:rPr>
+                          <m:t>𝑆𝑂𝐶</m:t>
+                        </m:r>
+                        <m:r>
+                          <a:rPr lang="en-US" altLang="ko-KR" i="1">
+                            <a:latin typeface="Cambria Math" panose="02040503050406030204" pitchFamily="18" charset="0"/>
+                            <a:ea typeface="Cambria Math" panose="02040503050406030204" pitchFamily="18" charset="0"/>
+                          </a:rPr>
+                          <m:t>−0.6</m:t>
+                        </m:r>
+                      </m:e>
+                    </m:d>
+                  </m:oMath>
+                </a14:m>
+                <a:endParaRPr lang="en-US" altLang="ko-KR" dirty="0" smtClean="0"/>
+              </a:p>
+              <a:p>
+                <a:pPr marL="742950" lvl="1" indent="-285750">
+                  <a:buFontTx/>
+                  <a:buChar char="-"/>
+                </a:pPr>
+                <a:endParaRPr lang="en-US" altLang="ko-KR" dirty="0" smtClean="0"/>
+              </a:p>
+              <a:p>
+                <a:pPr marL="285750" indent="-285750">
+                  <a:buFontTx/>
+                  <a:buChar char="-"/>
+                </a:pPr>
+                <a:r>
+                  <a:rPr lang="ko-KR" altLang="en-US" b="1" dirty="0" smtClean="0"/>
+                  <a:t>네트워크 구조</a:t>
+                </a:r>
+                <a:r>
+                  <a:rPr lang="en-US" altLang="ko-KR" b="1" dirty="0" smtClean="0"/>
+                  <a:t>: </a:t>
+                </a:r>
+              </a:p>
+              <a:p>
+                <a:pPr marL="742950" lvl="1" indent="-285750">
+                  <a:buFontTx/>
+                  <a:buChar char="-"/>
+                </a:pPr>
+                <a:r>
+                  <a:rPr lang="en-US" altLang="ko-KR" b="1" dirty="0" smtClean="0"/>
+                  <a:t>Actor: </a:t>
+                </a:r>
+              </a:p>
+              <a:p>
+                <a:pPr marL="1200150" lvl="2" indent="-285750">
+                  <a:buFontTx/>
+                  <a:buChar char="-"/>
+                </a:pPr>
+                <a:r>
+                  <a:rPr lang="en-US" altLang="ko-KR" dirty="0" smtClean="0"/>
+                  <a:t>Input(4)</a:t>
+                </a:r>
+              </a:p>
+              <a:p>
+                <a:pPr marL="1200150" lvl="2" indent="-285750">
+                  <a:buFontTx/>
+                  <a:buChar char="-"/>
+                </a:pPr>
+                <a:r>
+                  <a:rPr lang="en-US" altLang="ko-KR" dirty="0" smtClean="0"/>
+                  <a:t>Dense(512, activation=“</a:t>
+                </a:r>
+                <a:r>
+                  <a:rPr lang="en-US" altLang="ko-KR" dirty="0" err="1" smtClean="0"/>
+                  <a:t>relu</a:t>
+                </a:r>
+                <a:r>
+                  <a:rPr lang="en-US" altLang="ko-KR" dirty="0" smtClean="0"/>
+                  <a:t>”)</a:t>
+                </a:r>
+              </a:p>
+              <a:p>
+                <a:pPr marL="1200150" lvl="2" indent="-285750">
+                  <a:buFontTx/>
+                  <a:buChar char="-"/>
+                </a:pPr>
+                <a:r>
+                  <a:rPr lang="en-US" altLang="ko-KR" dirty="0" smtClean="0"/>
+                  <a:t>Dense(512, activation=“</a:t>
+                </a:r>
+                <a:r>
+                  <a:rPr lang="en-US" altLang="ko-KR" dirty="0" err="1" smtClean="0"/>
+                  <a:t>relu</a:t>
+                </a:r>
+                <a:r>
+                  <a:rPr lang="en-US" altLang="ko-KR" dirty="0" smtClean="0"/>
+                  <a:t>”)</a:t>
+                </a:r>
+              </a:p>
+              <a:p>
+                <a:pPr marL="1200150" lvl="2" indent="-285750">
+                  <a:buFontTx/>
+                  <a:buChar char="-"/>
+                </a:pPr>
+                <a:r>
+                  <a:rPr lang="en-US" altLang="ko-KR" dirty="0" smtClean="0"/>
+                  <a:t>Output(1)</a:t>
+                </a:r>
+              </a:p>
+              <a:p>
+                <a:pPr marL="1200150" lvl="2" indent="-285750">
+                  <a:buFontTx/>
+                  <a:buChar char="-"/>
+                </a:pPr>
+                <a:endParaRPr lang="en-US" altLang="ko-KR" dirty="0" smtClean="0"/>
+              </a:p>
+              <a:p>
+                <a:pPr marL="742950" lvl="1" indent="-285750">
+                  <a:buFontTx/>
+                  <a:buChar char="-"/>
+                </a:pPr>
+                <a:r>
+                  <a:rPr lang="en-US" altLang="ko-KR" b="1" dirty="0" smtClean="0"/>
+                  <a:t>Critic:  </a:t>
+                </a:r>
+                <a:endParaRPr lang="en-US" altLang="ko-KR" b="1" dirty="0"/>
+              </a:p>
+              <a:p>
+                <a:pPr marL="1200150" lvl="2" indent="-285750">
+                  <a:buFontTx/>
+                  <a:buChar char="-"/>
+                </a:pPr>
+                <a:r>
+                  <a:rPr lang="en-US" altLang="ko-KR" dirty="0" smtClean="0"/>
+                  <a:t>Input(4, 1) </a:t>
+                </a:r>
+                <a:endParaRPr lang="en-US" altLang="ko-KR" dirty="0"/>
+              </a:p>
+              <a:p>
+                <a:pPr marL="1200150" lvl="2" indent="-285750">
+                  <a:buFontTx/>
+                  <a:buChar char="-"/>
+                </a:pPr>
+                <a:r>
+                  <a:rPr lang="en-US" altLang="ko-KR" dirty="0" smtClean="0"/>
+                  <a:t>Dense(16, </a:t>
+                </a:r>
+                <a:r>
+                  <a:rPr lang="en-US" altLang="ko-KR" dirty="0"/>
+                  <a:t>activation=“</a:t>
+                </a:r>
+                <a:r>
+                  <a:rPr lang="en-US" altLang="ko-KR" dirty="0" err="1"/>
+                  <a:t>relu</a:t>
+                </a:r>
+                <a:r>
+                  <a:rPr lang="en-US" altLang="ko-KR" dirty="0"/>
+                  <a:t>”)</a:t>
+                </a:r>
+              </a:p>
+              <a:p>
+                <a:pPr marL="1200150" lvl="2" indent="-285750">
+                  <a:buFontTx/>
+                  <a:buChar char="-"/>
+                </a:pPr>
+                <a:r>
+                  <a:rPr lang="en-US" altLang="ko-KR" dirty="0" smtClean="0"/>
+                  <a:t>Dense(32, </a:t>
+                </a:r>
+                <a:r>
+                  <a:rPr lang="en-US" altLang="ko-KR" dirty="0"/>
+                  <a:t>activation=“</a:t>
+                </a:r>
+                <a:r>
+                  <a:rPr lang="en-US" altLang="ko-KR" dirty="0" err="1"/>
+                  <a:t>relu</a:t>
+                </a:r>
+                <a:r>
+                  <a:rPr lang="en-US" altLang="ko-KR" dirty="0" smtClean="0"/>
+                  <a:t>”) </a:t>
+                </a:r>
+                <a:endParaRPr lang="en-US" altLang="ko-KR" dirty="0"/>
+              </a:p>
+              <a:p>
+                <a:pPr marL="1200150" lvl="2" indent="-285750">
+                  <a:buFontTx/>
+                  <a:buChar char="-"/>
+                </a:pPr>
+                <a:r>
+                  <a:rPr lang="en-US" altLang="ko-KR" dirty="0" smtClean="0"/>
+                  <a:t>Output(1)</a:t>
+                </a:r>
+                <a:endParaRPr lang="en-US" altLang="ko-KR" dirty="0"/>
+              </a:p>
+              <a:p>
+                <a:pPr lvl="1"/>
+                <a:endParaRPr lang="en-US" altLang="ko-KR" dirty="0" smtClean="0"/>
+              </a:p>
+            </p:txBody>
+          </p:sp>
+        </mc:Choice>
+        <mc:Fallback>
+          <p:sp>
+            <p:nvSpPr>
+              <p:cNvPr id="4" name="TextBox 3"/>
+              <p:cNvSpPr txBox="1">
+                <a:spLocks noRot="1" noChangeAspect="1" noMove="1" noResize="1" noEditPoints="1" noAdjustHandles="1" noChangeArrowheads="1" noChangeShapeType="1" noTextEdit="1"/>
+              </p:cNvSpPr>
+              <p:nvPr/>
+            </p:nvSpPr>
+            <p:spPr>
+              <a:xfrm>
+                <a:off x="838200" y="1459832"/>
+                <a:ext cx="11000874" cy="5654561"/>
+              </a:xfrm>
+              <a:prstGeom prst="rect">
+                <a:avLst/>
+              </a:prstGeom>
+              <a:blipFill>
+                <a:blip r:embed="rId2"/>
+                <a:stretch>
+                  <a:fillRect l="-610" t="-970"/>
+                </a:stretch>
+              </a:blipFill>
+            </p:spPr>
+            <p:txBody>
+              <a:bodyPr/>
+              <a:lstStyle/>
+              <a:p>
+                <a:r>
+                  <a:rPr lang="ko-KR" altLang="en-US">
+                    <a:noFill/>
+                  </a:rPr>
+                  <a:t> </a:t>
+                </a:r>
+              </a:p>
+            </p:txBody>
+          </p:sp>
+        </mc:Fallback>
+      </mc:AlternateContent>
+      <p:sp>
+        <p:nvSpPr>
+          <p:cNvPr id="5" name="TextBox 4"/>
+          <p:cNvSpPr txBox="1"/>
+          <p:nvPr/>
+        </p:nvSpPr>
+        <p:spPr>
+          <a:xfrm>
+            <a:off x="8611986" y="4117116"/>
+            <a:ext cx="3017520" cy="369332"/>
+          </a:xfrm>
+          <a:prstGeom prst="rect">
+            <a:avLst/>
+          </a:prstGeom>
+          <a:noFill/>
+        </p:spPr>
+        <p:txBody>
+          <a:bodyPr wrap="square" rtlCol="0">
+            <a:spAutoFit/>
+          </a:bodyPr>
+          <a:lstStyle/>
+          <a:p>
+            <a:r>
+              <a:rPr lang="en-US" altLang="ko-KR" dirty="0" smtClean="0"/>
+              <a:t>&lt;</a:t>
+            </a:r>
+            <a:r>
+              <a:rPr lang="ko-KR" altLang="en-US" dirty="0" err="1" smtClean="0"/>
+              <a:t>하이퍼파라미터</a:t>
+            </a:r>
+            <a:r>
+              <a:rPr lang="en-US" altLang="ko-KR" dirty="0" smtClean="0"/>
+              <a:t>&gt;</a:t>
+            </a:r>
+            <a:r>
+              <a:rPr lang="ko-KR" altLang="en-US" dirty="0" smtClean="0"/>
+              <a:t> </a:t>
+            </a:r>
+            <a:endParaRPr lang="ko-KR" altLang="en-US" dirty="0"/>
+          </a:p>
+        </p:txBody>
+      </p:sp>
+      <p:pic>
+        <p:nvPicPr>
+          <p:cNvPr id="6" name="그림 5"/>
+          <p:cNvPicPr>
+            <a:picLocks noChangeAspect="1"/>
+          </p:cNvPicPr>
+          <p:nvPr/>
+        </p:nvPicPr>
+        <p:blipFill>
+          <a:blip r:embed="rId3"/>
+          <a:stretch>
+            <a:fillRect/>
+          </a:stretch>
+        </p:blipFill>
+        <p:spPr>
+          <a:xfrm>
+            <a:off x="5336771" y="4393049"/>
+            <a:ext cx="2737052" cy="2328471"/>
+          </a:xfrm>
+          <a:prstGeom prst="rect">
+            <a:avLst/>
+          </a:prstGeom>
+        </p:spPr>
+      </p:pic>
+      <p:sp>
+        <p:nvSpPr>
+          <p:cNvPr id="7" name="TextBox 6"/>
+          <p:cNvSpPr txBox="1"/>
+          <p:nvPr/>
+        </p:nvSpPr>
+        <p:spPr>
+          <a:xfrm>
+            <a:off x="8015634" y="6445167"/>
+            <a:ext cx="3017520" cy="369332"/>
+          </a:xfrm>
+          <a:prstGeom prst="rect">
+            <a:avLst/>
+          </a:prstGeom>
+          <a:noFill/>
+        </p:spPr>
+        <p:txBody>
+          <a:bodyPr wrap="square" rtlCol="0">
+            <a:spAutoFit/>
+          </a:bodyPr>
+          <a:lstStyle/>
+          <a:p>
+            <a:r>
+              <a:rPr lang="en-US" altLang="ko-KR" dirty="0" smtClean="0"/>
+              <a:t>&lt;</a:t>
+            </a:r>
+            <a:r>
+              <a:rPr lang="ko-KR" altLang="en-US" dirty="0" err="1" smtClean="0"/>
+              <a:t>크리틱</a:t>
+            </a:r>
+            <a:r>
+              <a:rPr lang="ko-KR" altLang="en-US" dirty="0" smtClean="0"/>
+              <a:t> 구조</a:t>
+            </a:r>
+            <a:r>
+              <a:rPr lang="en-US" altLang="ko-KR" dirty="0" smtClean="0"/>
+              <a:t>&gt;</a:t>
+            </a:r>
+            <a:r>
+              <a:rPr lang="ko-KR" altLang="en-US" dirty="0" smtClean="0"/>
+              <a:t> </a:t>
+            </a:r>
+            <a:endParaRPr lang="ko-KR" altLang="en-US" dirty="0"/>
+          </a:p>
+        </p:txBody>
+      </p:sp>
+      <p:sp>
+        <p:nvSpPr>
+          <p:cNvPr id="10" name="TextBox 9"/>
+          <p:cNvSpPr txBox="1"/>
+          <p:nvPr/>
+        </p:nvSpPr>
+        <p:spPr>
+          <a:xfrm>
+            <a:off x="8610601" y="5050309"/>
+            <a:ext cx="3018905" cy="646331"/>
+          </a:xfrm>
+          <a:prstGeom prst="rect">
+            <a:avLst/>
+          </a:prstGeom>
+          <a:noFill/>
+        </p:spPr>
+        <p:txBody>
+          <a:bodyPr wrap="square" rtlCol="0">
+            <a:spAutoFit/>
+          </a:bodyPr>
+          <a:lstStyle/>
+          <a:p>
+            <a:r>
+              <a:rPr lang="ko-KR" altLang="en-US" dirty="0" err="1" smtClean="0">
                 <a:solidFill>
                   <a:srgbClr val="FF0000"/>
                 </a:solidFill>
               </a:rPr>
-              <a:t>.. </a:t>
-            </a:r>
-            <a:r>
-              <a:rPr lang="ko-KR" altLang="en-US" dirty="0" smtClean="0"/>
-              <a:t> </a:t>
-            </a:r>
-            <a:endParaRPr lang="ko-KR" altLang="en-US" dirty="0"/>
+              <a:t>학습률을</a:t>
+            </a:r>
+            <a:r>
+              <a:rPr lang="ko-KR" altLang="en-US" dirty="0" smtClean="0">
+                <a:solidFill>
+                  <a:srgbClr val="FF0000"/>
+                </a:solidFill>
+              </a:rPr>
+              <a:t> 낮추니 성공하는 것으로 보임</a:t>
+            </a:r>
+            <a:endParaRPr lang="ko-KR" altLang="en-US" dirty="0">
+              <a:solidFill>
+                <a:srgbClr val="FF0000"/>
+              </a:solidFill>
+            </a:endParaRPr>
           </a:p>
         </p:txBody>
       </p:sp>
@@ -5221,7 +6843,7 @@
     </p:spTree>
     <p:extLst>
       <p:ext uri="{BB962C8B-B14F-4D97-AF65-F5344CB8AC3E}">
-        <p14:creationId xmlns:p14="http://schemas.microsoft.com/office/powerpoint/2010/main" val="3426921437"/>
+        <p14:creationId xmlns:p14="http://schemas.microsoft.com/office/powerpoint/2010/main" val="557113823"/>
       </p:ext>
     </p:extLst>
   </p:cSld>

--- a/실험정리.pptx
+++ b/실험정리.pptx
@@ -11,8 +11,9 @@
     <p:sldId id="279" r:id="rId5"/>
     <p:sldId id="281" r:id="rId6"/>
     <p:sldId id="280" r:id="rId7"/>
-    <p:sldId id="278" r:id="rId8"/>
-    <p:sldId id="283" r:id="rId9"/>
+    <p:sldId id="284" r:id="rId8"/>
+    <p:sldId id="278" r:id="rId9"/>
+    <p:sldId id="283" r:id="rId10"/>
   </p:sldIdLst>
   <p:sldSz cx="12192000" cy="6858000"/>
   <p:notesSz cx="6858000" cy="9144000"/>
@@ -4752,11 +4753,11 @@
             </a:r>
             <a:r>
               <a:rPr lang="en-US" altLang="ko-KR" dirty="0" smtClean="0"/>
-              <a:t>2</a:t>
+              <a:t>2 – </a:t>
             </a:r>
             <a:r>
               <a:rPr lang="ko-KR" altLang="en-US" dirty="0" smtClean="0"/>
-              <a:t>  </a:t>
+              <a:t>결과   </a:t>
             </a:r>
             <a:endParaRPr lang="ko-KR" altLang="en-US" dirty="0"/>
           </a:p>
@@ -5456,6 +5457,622 @@
 </file>
 
 <file path=ppt/slides/slide7.xml><?xml version="1.0" encoding="utf-8"?>
+<p:sld xmlns:a="http://schemas.openxmlformats.org/drawingml/2006/main" xmlns:r="http://schemas.openxmlformats.org/officeDocument/2006/relationships" xmlns:p="http://schemas.openxmlformats.org/presentationml/2006/main">
+  <p:cSld>
+    <p:spTree>
+      <p:nvGrpSpPr>
+        <p:cNvPr id="1" name=""/>
+        <p:cNvGrpSpPr/>
+        <p:nvPr/>
+      </p:nvGrpSpPr>
+      <p:grpSpPr>
+        <a:xfrm>
+          <a:off x="0" y="0"/>
+          <a:ext cx="0" cy="0"/>
+          <a:chOff x="0" y="0"/>
+          <a:chExt cx="0" cy="0"/>
+        </a:xfrm>
+      </p:grpSpPr>
+      <p:sp>
+        <p:nvSpPr>
+          <p:cNvPr id="2" name="제목 1"/>
+          <p:cNvSpPr>
+            <a:spLocks noGrp="1"/>
+          </p:cNvSpPr>
+          <p:nvPr>
+            <p:ph type="title"/>
+          </p:nvPr>
+        </p:nvSpPr>
+        <p:spPr/>
+        <p:txBody>
+          <a:bodyPr/>
+          <a:lstStyle/>
+          <a:p>
+            <a:r>
+              <a:rPr lang="en-US" altLang="ko-KR" dirty="0" smtClean="0"/>
+              <a:t>DDQN</a:t>
+            </a:r>
+            <a:r>
+              <a:rPr lang="ko-KR" altLang="en-US" dirty="0" smtClean="0"/>
+              <a:t> </a:t>
+            </a:r>
+            <a:r>
+              <a:rPr lang="en-US" altLang="ko-KR" dirty="0" smtClean="0"/>
+              <a:t>3 – </a:t>
+            </a:r>
+            <a:r>
+              <a:rPr lang="ko-KR" altLang="en-US" dirty="0" smtClean="0"/>
+              <a:t>결과   </a:t>
+            </a:r>
+            <a:endParaRPr lang="ko-KR" altLang="en-US" dirty="0"/>
+          </a:p>
+        </p:txBody>
+      </p:sp>
+      <p:sp>
+        <p:nvSpPr>
+          <p:cNvPr id="4" name="TextBox 3"/>
+          <p:cNvSpPr txBox="1"/>
+          <p:nvPr/>
+        </p:nvSpPr>
+        <p:spPr>
+          <a:xfrm>
+            <a:off x="838200" y="1459832"/>
+            <a:ext cx="11000874" cy="4247317"/>
+          </a:xfrm>
+          <a:prstGeom prst="rect">
+            <a:avLst/>
+          </a:prstGeom>
+          <a:noFill/>
+        </p:spPr>
+        <p:txBody>
+          <a:bodyPr wrap="square" rtlCol="0">
+            <a:spAutoFit/>
+          </a:bodyPr>
+          <a:lstStyle/>
+          <a:p>
+            <a:pPr marL="285750" indent="-285750">
+              <a:buFontTx/>
+              <a:buChar char="-"/>
+            </a:pPr>
+            <a:r>
+              <a:rPr lang="ko-KR" altLang="en-US" b="1" dirty="0" smtClean="0">
+                <a:solidFill>
+                  <a:srgbClr val="FF0000"/>
+                </a:solidFill>
+              </a:rPr>
+              <a:t>다양한 </a:t>
+            </a:r>
+            <a:r>
+              <a:rPr lang="en-US" altLang="ko-KR" b="1" dirty="0" smtClean="0">
+                <a:solidFill>
+                  <a:srgbClr val="FF0000"/>
+                </a:solidFill>
+              </a:rPr>
+              <a:t>State</a:t>
+            </a:r>
+            <a:r>
+              <a:rPr lang="ko-KR" altLang="en-US" b="1" dirty="0" smtClean="0">
+                <a:solidFill>
+                  <a:srgbClr val="FF0000"/>
+                </a:solidFill>
+              </a:rPr>
+              <a:t>에 대한 실험을 진행함</a:t>
+            </a:r>
+            <a:endParaRPr lang="en-US" altLang="ko-KR" b="1" dirty="0" smtClean="0">
+              <a:solidFill>
+                <a:srgbClr val="FF0000"/>
+              </a:solidFill>
+            </a:endParaRPr>
+          </a:p>
+          <a:p>
+            <a:pPr marL="285750" indent="-285750">
+              <a:buFontTx/>
+              <a:buChar char="-"/>
+            </a:pPr>
+            <a:endParaRPr lang="en-US" altLang="ko-KR" b="1" dirty="0"/>
+          </a:p>
+          <a:p>
+            <a:pPr marL="285750" indent="-285750">
+              <a:buFontTx/>
+              <a:buChar char="-"/>
+            </a:pPr>
+            <a:r>
+              <a:rPr lang="en-US" altLang="ko-KR" b="1" dirty="0" smtClean="0"/>
+              <a:t>Env1 State:</a:t>
+            </a:r>
+          </a:p>
+          <a:p>
+            <a:pPr marL="742950" lvl="1" indent="-285750">
+              <a:buFontTx/>
+              <a:buChar char="-"/>
+            </a:pPr>
+            <a:r>
+              <a:rPr lang="en-US" altLang="ko-KR" dirty="0" smtClean="0"/>
+              <a:t>State:   [</a:t>
+            </a:r>
+            <a:r>
+              <a:rPr lang="en-US" altLang="ko-KR" dirty="0" err="1" smtClean="0">
+                <a:solidFill>
+                  <a:srgbClr val="FF0000"/>
+                </a:solidFill>
+              </a:rPr>
+              <a:t>power_out</a:t>
+            </a:r>
+            <a:r>
+              <a:rPr lang="en-US" altLang="ko-KR" dirty="0" smtClean="0">
+                <a:solidFill>
+                  <a:srgbClr val="FF0000"/>
+                </a:solidFill>
+              </a:rPr>
+              <a:t>/1000</a:t>
+            </a:r>
+            <a:r>
+              <a:rPr lang="en-US" altLang="ko-KR" dirty="0" smtClean="0"/>
+              <a:t>, SOC, </a:t>
+            </a:r>
+            <a:r>
+              <a:rPr lang="en-US" altLang="ko-KR" dirty="0" err="1" smtClean="0"/>
+              <a:t>j_min</a:t>
+            </a:r>
+            <a:r>
+              <a:rPr lang="en-US" altLang="ko-KR" dirty="0" smtClean="0"/>
+              <a:t>, </a:t>
+            </a:r>
+            <a:r>
+              <a:rPr lang="en-US" altLang="ko-KR" dirty="0" err="1" smtClean="0"/>
+              <a:t>j_max</a:t>
+            </a:r>
+            <a:r>
+              <a:rPr lang="en-US" altLang="ko-KR" dirty="0" smtClean="0"/>
+              <a:t>]</a:t>
+            </a:r>
+          </a:p>
+          <a:p>
+            <a:pPr marL="742950" lvl="1" indent="-285750">
+              <a:buFontTx/>
+              <a:buChar char="-"/>
+            </a:pPr>
+            <a:endParaRPr lang="en-US" altLang="ko-KR" dirty="0" smtClean="0"/>
+          </a:p>
+          <a:p>
+            <a:pPr marL="285750" indent="-285750">
+              <a:buFontTx/>
+              <a:buChar char="-"/>
+            </a:pPr>
+            <a:r>
+              <a:rPr lang="en-US" altLang="ko-KR" b="1" dirty="0" smtClean="0"/>
+              <a:t>Env2 </a:t>
+            </a:r>
+            <a:r>
+              <a:rPr lang="en-US" altLang="ko-KR" b="1" dirty="0"/>
+              <a:t>State:</a:t>
+            </a:r>
+          </a:p>
+          <a:p>
+            <a:pPr marL="742950" lvl="1" indent="-285750">
+              <a:buFontTx/>
+              <a:buChar char="-"/>
+            </a:pPr>
+            <a:r>
+              <a:rPr lang="en-US" altLang="ko-KR" dirty="0"/>
+              <a:t>State:   </a:t>
+            </a:r>
+            <a:r>
+              <a:rPr lang="en-US" altLang="ko-KR" dirty="0" smtClean="0"/>
+              <a:t>[</a:t>
+            </a:r>
+            <a:r>
+              <a:rPr lang="en-US" altLang="ko-KR" dirty="0" err="1" smtClean="0">
+                <a:solidFill>
+                  <a:srgbClr val="FF0000"/>
+                </a:solidFill>
+              </a:rPr>
+              <a:t>tq</a:t>
+            </a:r>
+            <a:r>
+              <a:rPr lang="en-US" altLang="ko-KR" dirty="0" smtClean="0">
+                <a:solidFill>
+                  <a:srgbClr val="FF0000"/>
+                </a:solidFill>
+              </a:rPr>
+              <a:t>, </a:t>
+            </a:r>
+            <a:r>
+              <a:rPr lang="en-US" altLang="ko-KR" dirty="0" err="1" smtClean="0">
+                <a:solidFill>
+                  <a:srgbClr val="FF0000"/>
+                </a:solidFill>
+              </a:rPr>
+              <a:t>sp</a:t>
+            </a:r>
+            <a:r>
+              <a:rPr lang="en-US" altLang="ko-KR" dirty="0" smtClean="0"/>
+              <a:t>, </a:t>
+            </a:r>
+            <a:r>
+              <a:rPr lang="en-US" altLang="ko-KR" dirty="0"/>
+              <a:t>SOC, </a:t>
+            </a:r>
+            <a:r>
+              <a:rPr lang="en-US" altLang="ko-KR" dirty="0" err="1"/>
+              <a:t>j_min</a:t>
+            </a:r>
+            <a:r>
+              <a:rPr lang="en-US" altLang="ko-KR" dirty="0"/>
+              <a:t>, </a:t>
+            </a:r>
+            <a:r>
+              <a:rPr lang="en-US" altLang="ko-KR" dirty="0" err="1"/>
+              <a:t>j_max</a:t>
+            </a:r>
+            <a:r>
+              <a:rPr lang="en-US" altLang="ko-KR" dirty="0"/>
+              <a:t>]</a:t>
+            </a:r>
+          </a:p>
+          <a:p>
+            <a:pPr marL="285750" indent="-285750">
+              <a:buFontTx/>
+              <a:buChar char="-"/>
+            </a:pPr>
+            <a:endParaRPr lang="en-US" altLang="ko-KR" dirty="0" smtClean="0"/>
+          </a:p>
+          <a:p>
+            <a:pPr marL="285750" indent="-285750">
+              <a:buFontTx/>
+              <a:buChar char="-"/>
+            </a:pPr>
+            <a:r>
+              <a:rPr lang="en-US" altLang="ko-KR" b="1" dirty="0" smtClean="0"/>
+              <a:t>Env3 </a:t>
+            </a:r>
+            <a:r>
+              <a:rPr lang="en-US" altLang="ko-KR" b="1" dirty="0"/>
+              <a:t>State:</a:t>
+            </a:r>
+          </a:p>
+          <a:p>
+            <a:pPr marL="742950" lvl="1" indent="-285750">
+              <a:buFontTx/>
+              <a:buChar char="-"/>
+            </a:pPr>
+            <a:r>
+              <a:rPr lang="en-US" altLang="ko-KR" dirty="0"/>
+              <a:t>State:   </a:t>
+            </a:r>
+            <a:r>
+              <a:rPr lang="en-US" altLang="ko-KR" dirty="0" smtClean="0"/>
+              <a:t>[</a:t>
+            </a:r>
+            <a:r>
+              <a:rPr lang="en-US" altLang="ko-KR" dirty="0" err="1" smtClean="0">
+                <a:solidFill>
+                  <a:srgbClr val="FF0000"/>
+                </a:solidFill>
+              </a:rPr>
+              <a:t>acc</a:t>
+            </a:r>
+            <a:r>
+              <a:rPr lang="en-US" altLang="ko-KR" dirty="0" smtClean="0">
+                <a:solidFill>
+                  <a:srgbClr val="FF0000"/>
+                </a:solidFill>
+              </a:rPr>
+              <a:t>, </a:t>
+            </a:r>
+            <a:r>
+              <a:rPr lang="en-US" altLang="ko-KR" dirty="0" err="1">
+                <a:solidFill>
+                  <a:srgbClr val="FF0000"/>
+                </a:solidFill>
+              </a:rPr>
+              <a:t>sp</a:t>
+            </a:r>
+            <a:r>
+              <a:rPr lang="en-US" altLang="ko-KR" dirty="0"/>
+              <a:t>, SOC, </a:t>
+            </a:r>
+            <a:r>
+              <a:rPr lang="en-US" altLang="ko-KR" dirty="0" err="1"/>
+              <a:t>j_min</a:t>
+            </a:r>
+            <a:r>
+              <a:rPr lang="en-US" altLang="ko-KR" dirty="0"/>
+              <a:t>, </a:t>
+            </a:r>
+            <a:r>
+              <a:rPr lang="en-US" altLang="ko-KR" dirty="0" err="1"/>
+              <a:t>j_max</a:t>
+            </a:r>
+            <a:r>
+              <a:rPr lang="en-US" altLang="ko-KR" dirty="0"/>
+              <a:t>]</a:t>
+            </a:r>
+          </a:p>
+          <a:p>
+            <a:pPr marL="285750" indent="-285750">
+              <a:buFontTx/>
+              <a:buChar char="-"/>
+            </a:pPr>
+            <a:endParaRPr lang="en-US" altLang="ko-KR" dirty="0" smtClean="0"/>
+          </a:p>
+          <a:p>
+            <a:pPr marL="285750" indent="-285750">
+              <a:buFontTx/>
+              <a:buChar char="-"/>
+            </a:pPr>
+            <a:r>
+              <a:rPr lang="en-US" altLang="ko-KR" b="1" dirty="0" smtClean="0"/>
+              <a:t>Env4 </a:t>
+            </a:r>
+            <a:r>
+              <a:rPr lang="en-US" altLang="ko-KR" b="1" dirty="0"/>
+              <a:t>State:</a:t>
+            </a:r>
+          </a:p>
+          <a:p>
+            <a:pPr marL="742950" lvl="1" indent="-285750">
+              <a:buFontTx/>
+              <a:buChar char="-"/>
+            </a:pPr>
+            <a:r>
+              <a:rPr lang="en-US" altLang="ko-KR" dirty="0"/>
+              <a:t>State:   </a:t>
+            </a:r>
+            <a:r>
+              <a:rPr lang="en-US" altLang="ko-KR" dirty="0" smtClean="0"/>
+              <a:t>[</a:t>
+            </a:r>
+            <a:r>
+              <a:rPr lang="en-US" altLang="ko-KR" dirty="0" err="1" smtClean="0">
+                <a:solidFill>
+                  <a:srgbClr val="FF0000"/>
+                </a:solidFill>
+              </a:rPr>
+              <a:t>acc</a:t>
+            </a:r>
+            <a:r>
+              <a:rPr lang="en-US" altLang="ko-KR" dirty="0" smtClean="0">
+                <a:solidFill>
+                  <a:srgbClr val="FF0000"/>
+                </a:solidFill>
+              </a:rPr>
+              <a:t>, </a:t>
+            </a:r>
+            <a:r>
+              <a:rPr lang="en-US" altLang="ko-KR" dirty="0" err="1">
+                <a:solidFill>
+                  <a:srgbClr val="FF0000"/>
+                </a:solidFill>
+              </a:rPr>
+              <a:t>sp</a:t>
+            </a:r>
+            <a:r>
+              <a:rPr lang="en-US" altLang="ko-KR" dirty="0"/>
+              <a:t>, </a:t>
+            </a:r>
+            <a:r>
+              <a:rPr lang="en-US" altLang="ko-KR" dirty="0" smtClean="0"/>
+              <a:t>SOC – 0.6, </a:t>
+            </a:r>
+            <a:r>
+              <a:rPr lang="en-US" altLang="ko-KR" dirty="0" err="1"/>
+              <a:t>j_min</a:t>
+            </a:r>
+            <a:r>
+              <a:rPr lang="en-US" altLang="ko-KR" dirty="0"/>
+              <a:t>, </a:t>
+            </a:r>
+            <a:r>
+              <a:rPr lang="en-US" altLang="ko-KR" dirty="0" err="1"/>
+              <a:t>j_max</a:t>
+            </a:r>
+            <a:r>
+              <a:rPr lang="en-US" altLang="ko-KR" dirty="0" smtClean="0"/>
+              <a:t>]</a:t>
+            </a:r>
+          </a:p>
+          <a:p>
+            <a:pPr marL="285750" indent="-285750">
+              <a:buFontTx/>
+              <a:buChar char="-"/>
+            </a:pPr>
+            <a:endParaRPr lang="en-US" altLang="ko-KR" dirty="0" smtClean="0"/>
+          </a:p>
+          <a:p>
+            <a:pPr lvl="1"/>
+            <a:endParaRPr lang="en-US" altLang="ko-KR" dirty="0" smtClean="0"/>
+          </a:p>
+        </p:txBody>
+      </p:sp>
+      <p:sp>
+        <p:nvSpPr>
+          <p:cNvPr id="6" name="TextBox 5"/>
+          <p:cNvSpPr txBox="1"/>
+          <p:nvPr/>
+        </p:nvSpPr>
+        <p:spPr>
+          <a:xfrm>
+            <a:off x="1891963" y="5548734"/>
+            <a:ext cx="8463422" cy="646331"/>
+          </a:xfrm>
+          <a:prstGeom prst="rect">
+            <a:avLst/>
+          </a:prstGeom>
+          <a:noFill/>
+        </p:spPr>
+        <p:txBody>
+          <a:bodyPr wrap="square" rtlCol="0">
+            <a:spAutoFit/>
+          </a:bodyPr>
+          <a:lstStyle/>
+          <a:p>
+            <a:r>
+              <a:rPr lang="en-US" altLang="ko-KR" dirty="0" err="1" smtClean="0">
+                <a:solidFill>
+                  <a:srgbClr val="FF0000"/>
+                </a:solidFill>
+              </a:rPr>
+              <a:t>Tq</a:t>
+            </a:r>
+            <a:r>
+              <a:rPr lang="en-US" altLang="ko-KR" dirty="0" smtClean="0">
+                <a:solidFill>
+                  <a:srgbClr val="FF0000"/>
+                </a:solidFill>
+              </a:rPr>
+              <a:t>, </a:t>
+            </a:r>
+            <a:r>
+              <a:rPr lang="en-US" altLang="ko-KR" dirty="0" err="1" smtClean="0">
+                <a:solidFill>
+                  <a:srgbClr val="FF0000"/>
+                </a:solidFill>
+              </a:rPr>
+              <a:t>sp</a:t>
+            </a:r>
+            <a:r>
+              <a:rPr lang="ko-KR" altLang="en-US" dirty="0" smtClean="0">
+                <a:solidFill>
+                  <a:srgbClr val="FF0000"/>
+                </a:solidFill>
+              </a:rPr>
+              <a:t>를 사용하는 것 아니면 모두 유효할 것으로 보임</a:t>
+            </a:r>
+            <a:r>
+              <a:rPr lang="en-US" altLang="ko-KR" dirty="0" smtClean="0">
+                <a:solidFill>
+                  <a:srgbClr val="FF0000"/>
+                </a:solidFill>
+              </a:rPr>
+              <a:t>. </a:t>
+            </a:r>
+          </a:p>
+          <a:p>
+            <a:r>
+              <a:rPr lang="en-US" altLang="ko-KR" dirty="0" smtClean="0">
+                <a:solidFill>
+                  <a:srgbClr val="FF0000"/>
+                </a:solidFill>
+              </a:rPr>
+              <a:t>SOC</a:t>
+            </a:r>
+            <a:r>
+              <a:rPr lang="ko-KR" altLang="en-US" dirty="0" smtClean="0">
+                <a:solidFill>
+                  <a:srgbClr val="FF0000"/>
+                </a:solidFill>
+              </a:rPr>
+              <a:t>는 </a:t>
+            </a:r>
+            <a:r>
+              <a:rPr lang="en-US" altLang="ko-KR" dirty="0" smtClean="0">
+                <a:solidFill>
+                  <a:srgbClr val="FF0000"/>
+                </a:solidFill>
+              </a:rPr>
+              <a:t>SOC </a:t>
+            </a:r>
+            <a:r>
+              <a:rPr lang="ko-KR" altLang="en-US" dirty="0" smtClean="0">
+                <a:solidFill>
+                  <a:srgbClr val="FF0000"/>
+                </a:solidFill>
+              </a:rPr>
+              <a:t>절대값을 사용하는 것 보단 </a:t>
+            </a:r>
+            <a:r>
+              <a:rPr lang="en-US" altLang="ko-KR" dirty="0" smtClean="0">
+                <a:solidFill>
+                  <a:srgbClr val="FF0000"/>
+                </a:solidFill>
+              </a:rPr>
+              <a:t>SOC-0.6</a:t>
+            </a:r>
+            <a:r>
+              <a:rPr lang="ko-KR" altLang="en-US" dirty="0" smtClean="0">
+                <a:solidFill>
+                  <a:srgbClr val="FF0000"/>
+                </a:solidFill>
+              </a:rPr>
+              <a:t>을 사용하는 것이 좋은 듯 </a:t>
+            </a:r>
+            <a:r>
+              <a:rPr lang="en-US" altLang="ko-KR" dirty="0" smtClean="0">
+                <a:solidFill>
+                  <a:srgbClr val="FF0000"/>
+                </a:solidFill>
+              </a:rPr>
+              <a:t>… </a:t>
+            </a:r>
+            <a:r>
+              <a:rPr lang="ko-KR" altLang="en-US" dirty="0" smtClean="0">
+                <a:solidFill>
+                  <a:srgbClr val="FF0000"/>
+                </a:solidFill>
+              </a:rPr>
+              <a:t> </a:t>
+            </a:r>
+            <a:r>
+              <a:rPr lang="ko-KR" altLang="en-US" dirty="0" smtClean="0">
+                <a:solidFill>
+                  <a:srgbClr val="FF0000"/>
+                </a:solidFill>
+              </a:rPr>
+              <a:t>  </a:t>
+            </a:r>
+            <a:endParaRPr lang="ko-KR" altLang="en-US" dirty="0">
+              <a:solidFill>
+                <a:srgbClr val="FF0000"/>
+              </a:solidFill>
+            </a:endParaRPr>
+          </a:p>
+        </p:txBody>
+      </p:sp>
+      <p:pic>
+        <p:nvPicPr>
+          <p:cNvPr id="7" name="그림 6"/>
+          <p:cNvPicPr>
+            <a:picLocks noChangeAspect="1"/>
+          </p:cNvPicPr>
+          <p:nvPr/>
+        </p:nvPicPr>
+        <p:blipFill>
+          <a:blip r:embed="rId2">
+            <a:extLst>
+              <a:ext uri="{28A0092B-C50C-407E-A947-70E740481C1C}">
+                <a14:useLocalDpi xmlns:a14="http://schemas.microsoft.com/office/drawing/2010/main" val="0"/>
+              </a:ext>
+            </a:extLst>
+          </a:blip>
+          <a:stretch>
+            <a:fillRect/>
+          </a:stretch>
+        </p:blipFill>
+        <p:spPr>
+          <a:xfrm>
+            <a:off x="6711735" y="1387414"/>
+            <a:ext cx="5480265" cy="3653510"/>
+          </a:xfrm>
+          <a:prstGeom prst="rect">
+            <a:avLst/>
+          </a:prstGeom>
+        </p:spPr>
+      </p:pic>
+    </p:spTree>
+    <p:extLst>
+      <p:ext uri="{BB962C8B-B14F-4D97-AF65-F5344CB8AC3E}">
+        <p14:creationId xmlns:p14="http://schemas.microsoft.com/office/powerpoint/2010/main" val="244251831"/>
+      </p:ext>
+    </p:extLst>
+  </p:cSld>
+  <p:clrMapOvr>
+    <a:masterClrMapping/>
+  </p:clrMapOvr>
+</p:sld>
+</file>
+
+<file path=ppt/slides/slide8.xml><?xml version="1.0" encoding="utf-8"?>
 <p:sld xmlns:a="http://schemas.openxmlformats.org/drawingml/2006/main" xmlns:r="http://schemas.openxmlformats.org/officeDocument/2006/relationships" xmlns:p="http://schemas.openxmlformats.org/presentationml/2006/main">
   <p:cSld>
     <p:spTree>
@@ -6109,7 +6726,7 @@
 </p:sld>
 </file>
 
-<file path=ppt/slides/slide8.xml><?xml version="1.0" encoding="utf-8"?>
+<file path=ppt/slides/slide9.xml><?xml version="1.0" encoding="utf-8"?>
 <p:sld xmlns:a="http://schemas.openxmlformats.org/drawingml/2006/main" xmlns:r="http://schemas.openxmlformats.org/officeDocument/2006/relationships" xmlns:p="http://schemas.openxmlformats.org/presentationml/2006/main">
   <p:cSld>
     <p:spTree>
@@ -6157,8 +6774,8 @@
           </a:p>
         </p:txBody>
       </p:sp>
-      <mc:AlternateContent xmlns:mc="http://schemas.openxmlformats.org/markup-compatibility/2006">
-        <mc:Choice xmlns:a14="http://schemas.microsoft.com/office/drawing/2010/main" Requires="a14">
+      <mc:AlternateContent xmlns:mc="http://schemas.openxmlformats.org/markup-compatibility/2006" xmlns:a14="http://schemas.microsoft.com/office/drawing/2010/main">
+        <mc:Choice Requires="a14">
           <p:sp>
             <p:nvSpPr>
               <p:cNvPr id="4" name="TextBox 3"/>
@@ -6249,11 +6866,7 @@
                 </a:pPr>
                 <a:r>
                   <a:rPr lang="en-US" altLang="ko-KR" b="1" dirty="0" smtClean="0"/>
-                  <a:t>State</a:t>
-                </a:r>
-                <a:r>
-                  <a:rPr lang="en-US" altLang="ko-KR" b="1" dirty="0" smtClean="0"/>
-                  <a:t>, Action, Reward </a:t>
+                  <a:t>State, Action, Reward </a:t>
                 </a:r>
               </a:p>
               <a:p>
@@ -6291,11 +6904,7 @@
                 </a:r>
                 <a:r>
                   <a:rPr lang="en-US" altLang="ko-KR" dirty="0" smtClean="0"/>
-                  <a:t>, </a:t>
-                </a:r>
-                <a:r>
-                  <a:rPr lang="en-US" altLang="ko-KR" dirty="0" smtClean="0"/>
-                  <a:t>SOC – 0.6, </a:t>
+                  <a:t>, SOC – 0.6, </a:t>
                 </a:r>
                 <a:r>
                   <a:rPr lang="en-US" altLang="ko-KR" dirty="0" err="1" smtClean="0"/>
@@ -6619,7 +7228,7 @@
             </p:txBody>
           </p:sp>
         </mc:Choice>
-        <mc:Fallback>
+        <mc:Fallback xmlns="">
           <p:sp>
             <p:nvSpPr>
               <p:cNvPr id="4" name="TextBox 3"/>
@@ -6779,7 +7388,7 @@
         <p:spPr>
           <a:xfrm>
             <a:off x="8610601" y="5050309"/>
-            <a:ext cx="3018905" cy="646331"/>
+            <a:ext cx="3018905" cy="1200329"/>
           </a:xfrm>
           <a:prstGeom prst="rect">
             <a:avLst/>
@@ -6798,7 +7407,7 @@
                   <a:srgbClr val="FF0000"/>
                 </a:solidFill>
               </a:rPr>
-              <a:t>학습률을</a:t>
+              <a:t>성공적임</a:t>
             </a:r>
             <a:r>
               <a:rPr lang="ko-KR" altLang="en-US" dirty="0" smtClean="0">
@@ -6806,9 +7415,55 @@
                   <a:srgbClr val="FF0000"/>
                 </a:solidFill>
               </a:rPr>
-              <a:t> 낮추니 성공하는 것으로 보임</a:t>
-            </a:r>
-            <a:endParaRPr lang="ko-KR" altLang="en-US" dirty="0">
+              <a:t> </a:t>
+            </a:r>
+            <a:r>
+              <a:rPr lang="en-US" altLang="ko-KR" dirty="0" smtClean="0">
+                <a:solidFill>
+                  <a:srgbClr val="FF0000"/>
+                </a:solidFill>
+              </a:rPr>
+              <a:t>.. </a:t>
+            </a:r>
+            <a:endParaRPr lang="en-US" altLang="ko-KR" dirty="0">
+              <a:solidFill>
+                <a:srgbClr val="FF0000"/>
+              </a:solidFill>
+            </a:endParaRPr>
+          </a:p>
+          <a:p>
+            <a:endParaRPr lang="en-US" altLang="ko-KR" dirty="0">
+              <a:solidFill>
+                <a:srgbClr val="FF0000"/>
+              </a:solidFill>
+            </a:endParaRPr>
+          </a:p>
+          <a:p>
+            <a:r>
+              <a:rPr lang="ko-KR" altLang="en-US" dirty="0" smtClean="0">
+                <a:solidFill>
+                  <a:srgbClr val="FF0000"/>
+                </a:solidFill>
+              </a:rPr>
+              <a:t>결국 </a:t>
+            </a:r>
+            <a:r>
+              <a:rPr lang="en-US" altLang="ko-KR" dirty="0" smtClean="0">
+                <a:solidFill>
+                  <a:srgbClr val="FF0000"/>
+                </a:solidFill>
+              </a:rPr>
+              <a:t>DDPG </a:t>
+            </a:r>
+            <a:r>
+              <a:rPr lang="ko-KR" altLang="en-US" dirty="0" smtClean="0">
+                <a:solidFill>
+                  <a:srgbClr val="FF0000"/>
+                </a:solidFill>
+              </a:rPr>
+              <a:t>알고리즘으로 가야함 </a:t>
+            </a:r>
+            <a:endParaRPr lang="en-US" altLang="ko-KR" dirty="0" smtClean="0">
               <a:solidFill>
                 <a:srgbClr val="FF0000"/>
               </a:solidFill>

--- a/실험정리.pptx
+++ b/실험정리.pptx
@@ -14,6 +14,7 @@
     <p:sldId id="284" r:id="rId8"/>
     <p:sldId id="278" r:id="rId9"/>
     <p:sldId id="283" r:id="rId10"/>
+    <p:sldId id="285" r:id="rId11"/>
   </p:sldIdLst>
   <p:sldSz cx="12192000" cy="6858000"/>
   <p:notesSz cx="6858000" cy="9144000"/>
@@ -3013,6 +3014,488 @@
 </p:sld>
 </file>
 
+<file path=ppt/slides/slide10.xml><?xml version="1.0" encoding="utf-8"?>
+<p:sld xmlns:a="http://schemas.openxmlformats.org/drawingml/2006/main" xmlns:r="http://schemas.openxmlformats.org/officeDocument/2006/relationships" xmlns:p="http://schemas.openxmlformats.org/presentationml/2006/main">
+  <p:cSld>
+    <p:spTree>
+      <p:nvGrpSpPr>
+        <p:cNvPr id="1" name=""/>
+        <p:cNvGrpSpPr/>
+        <p:nvPr/>
+      </p:nvGrpSpPr>
+      <p:grpSpPr>
+        <a:xfrm>
+          <a:off x="0" y="0"/>
+          <a:ext cx="0" cy="0"/>
+          <a:chOff x="0" y="0"/>
+          <a:chExt cx="0" cy="0"/>
+        </a:xfrm>
+      </p:grpSpPr>
+      <p:sp>
+        <p:nvSpPr>
+          <p:cNvPr id="2" name="제목 1"/>
+          <p:cNvSpPr>
+            <a:spLocks noGrp="1"/>
+          </p:cNvSpPr>
+          <p:nvPr>
+            <p:ph type="title"/>
+          </p:nvPr>
+        </p:nvSpPr>
+        <p:spPr/>
+        <p:txBody>
+          <a:bodyPr/>
+          <a:lstStyle/>
+          <a:p>
+            <a:r>
+              <a:rPr lang="en-US" altLang="ko-KR" dirty="0" smtClean="0"/>
+              <a:t>DD</a:t>
+            </a:r>
+            <a:r>
+              <a:rPr lang="en-US" altLang="ko-KR" dirty="0" smtClean="0"/>
+              <a:t>PG</a:t>
+            </a:r>
+            <a:r>
+              <a:rPr lang="ko-KR" altLang="en-US" dirty="0" smtClean="0"/>
+              <a:t> </a:t>
+            </a:r>
+            <a:r>
+              <a:rPr lang="en-US" altLang="ko-KR" dirty="0"/>
+              <a:t>3</a:t>
+            </a:r>
+            <a:r>
+              <a:rPr lang="ko-KR" altLang="en-US" dirty="0" smtClean="0"/>
+              <a:t>  </a:t>
+            </a:r>
+            <a:endParaRPr lang="ko-KR" altLang="en-US" dirty="0"/>
+          </a:p>
+        </p:txBody>
+      </p:sp>
+      <p:sp>
+        <p:nvSpPr>
+          <p:cNvPr id="4" name="TextBox 3"/>
+          <p:cNvSpPr txBox="1"/>
+          <p:nvPr/>
+        </p:nvSpPr>
+        <p:spPr>
+          <a:xfrm>
+            <a:off x="838200" y="1459832"/>
+            <a:ext cx="11000874" cy="3693319"/>
+          </a:xfrm>
+          <a:prstGeom prst="rect">
+            <a:avLst/>
+          </a:prstGeom>
+          <a:noFill/>
+        </p:spPr>
+        <p:txBody>
+          <a:bodyPr wrap="square" rtlCol="0">
+            <a:spAutoFit/>
+          </a:bodyPr>
+          <a:lstStyle/>
+          <a:p>
+            <a:pPr marL="285750" indent="-285750">
+              <a:buFontTx/>
+              <a:buChar char="-"/>
+            </a:pPr>
+            <a:r>
+              <a:rPr lang="ko-KR" altLang="en-US" b="1" dirty="0" smtClean="0">
+                <a:solidFill>
+                  <a:srgbClr val="FF0000"/>
+                </a:solidFill>
+              </a:rPr>
+              <a:t>다양한 </a:t>
+            </a:r>
+            <a:r>
+              <a:rPr lang="en-US" altLang="ko-KR" b="1" dirty="0" smtClean="0">
+                <a:solidFill>
+                  <a:srgbClr val="FF0000"/>
+                </a:solidFill>
+              </a:rPr>
+              <a:t>State</a:t>
+            </a:r>
+            <a:r>
+              <a:rPr lang="ko-KR" altLang="en-US" b="1" dirty="0" smtClean="0">
+                <a:solidFill>
+                  <a:srgbClr val="FF0000"/>
+                </a:solidFill>
+              </a:rPr>
+              <a:t>에 대한 실험을 진행함</a:t>
+            </a:r>
+            <a:endParaRPr lang="en-US" altLang="ko-KR" b="1" dirty="0" smtClean="0">
+              <a:solidFill>
+                <a:srgbClr val="FF0000"/>
+              </a:solidFill>
+            </a:endParaRPr>
+          </a:p>
+          <a:p>
+            <a:pPr marL="285750" indent="-285750">
+              <a:buFontTx/>
+              <a:buChar char="-"/>
+            </a:pPr>
+            <a:endParaRPr lang="en-US" altLang="ko-KR" b="1" dirty="0"/>
+          </a:p>
+          <a:p>
+            <a:pPr marL="285750" indent="-285750">
+              <a:buFontTx/>
+              <a:buChar char="-"/>
+            </a:pPr>
+            <a:r>
+              <a:rPr lang="en-US" altLang="ko-KR" b="1" dirty="0" smtClean="0"/>
+              <a:t>Env1 State:</a:t>
+            </a:r>
+          </a:p>
+          <a:p>
+            <a:pPr marL="742950" lvl="1" indent="-285750">
+              <a:buFontTx/>
+              <a:buChar char="-"/>
+            </a:pPr>
+            <a:r>
+              <a:rPr lang="en-US" altLang="ko-KR" dirty="0" smtClean="0"/>
+              <a:t>State:   [</a:t>
+            </a:r>
+            <a:r>
+              <a:rPr lang="en-US" altLang="ko-KR" dirty="0" err="1" smtClean="0">
+                <a:solidFill>
+                  <a:srgbClr val="FF0000"/>
+                </a:solidFill>
+              </a:rPr>
+              <a:t>power_out</a:t>
+            </a:r>
+            <a:r>
+              <a:rPr lang="en-US" altLang="ko-KR" dirty="0" smtClean="0">
+                <a:solidFill>
+                  <a:srgbClr val="FF0000"/>
+                </a:solidFill>
+              </a:rPr>
+              <a:t>/1000</a:t>
+            </a:r>
+            <a:r>
+              <a:rPr lang="en-US" altLang="ko-KR" dirty="0" smtClean="0"/>
+              <a:t>, </a:t>
+            </a:r>
+            <a:r>
+              <a:rPr lang="en-US" altLang="ko-KR" dirty="0" smtClean="0"/>
+              <a:t>SOC - 0.6, </a:t>
+            </a:r>
+            <a:r>
+              <a:rPr lang="en-US" altLang="ko-KR" dirty="0" err="1" smtClean="0"/>
+              <a:t>j_min</a:t>
+            </a:r>
+            <a:r>
+              <a:rPr lang="en-US" altLang="ko-KR" dirty="0" smtClean="0"/>
+              <a:t>, </a:t>
+            </a:r>
+            <a:r>
+              <a:rPr lang="en-US" altLang="ko-KR" dirty="0" err="1" smtClean="0"/>
+              <a:t>j_max</a:t>
+            </a:r>
+            <a:r>
+              <a:rPr lang="en-US" altLang="ko-KR" dirty="0" smtClean="0"/>
+              <a:t>]</a:t>
+            </a:r>
+          </a:p>
+          <a:p>
+            <a:pPr marL="742950" lvl="1" indent="-285750">
+              <a:buFontTx/>
+              <a:buChar char="-"/>
+            </a:pPr>
+            <a:endParaRPr lang="en-US" altLang="ko-KR" dirty="0" smtClean="0"/>
+          </a:p>
+          <a:p>
+            <a:pPr marL="285750" indent="-285750">
+              <a:buFontTx/>
+              <a:buChar char="-"/>
+            </a:pPr>
+            <a:r>
+              <a:rPr lang="en-US" altLang="ko-KR" b="1" dirty="0" smtClean="0"/>
+              <a:t>Env2 </a:t>
+            </a:r>
+            <a:r>
+              <a:rPr lang="en-US" altLang="ko-KR" b="1" dirty="0"/>
+              <a:t>State:</a:t>
+            </a:r>
+          </a:p>
+          <a:p>
+            <a:pPr marL="742950" lvl="1" indent="-285750">
+              <a:buFontTx/>
+              <a:buChar char="-"/>
+            </a:pPr>
+            <a:r>
+              <a:rPr lang="en-US" altLang="ko-KR" dirty="0"/>
+              <a:t>State:   </a:t>
+            </a:r>
+            <a:r>
+              <a:rPr lang="en-US" altLang="ko-KR" dirty="0" smtClean="0"/>
+              <a:t>[</a:t>
+            </a:r>
+            <a:r>
+              <a:rPr lang="en-US" altLang="ko-KR" dirty="0" err="1" smtClean="0">
+                <a:solidFill>
+                  <a:srgbClr val="FF0000"/>
+                </a:solidFill>
+              </a:rPr>
+              <a:t>tq</a:t>
+            </a:r>
+            <a:r>
+              <a:rPr lang="en-US" altLang="ko-KR" dirty="0" smtClean="0">
+                <a:solidFill>
+                  <a:srgbClr val="FF0000"/>
+                </a:solidFill>
+              </a:rPr>
+              <a:t>, </a:t>
+            </a:r>
+            <a:r>
+              <a:rPr lang="en-US" altLang="ko-KR" dirty="0" err="1" smtClean="0">
+                <a:solidFill>
+                  <a:srgbClr val="FF0000"/>
+                </a:solidFill>
+              </a:rPr>
+              <a:t>sp_whl</a:t>
+            </a:r>
+            <a:r>
+              <a:rPr lang="en-US" altLang="ko-KR" dirty="0" smtClean="0"/>
+              <a:t>, SOC - 0.6, </a:t>
+            </a:r>
+            <a:r>
+              <a:rPr lang="en-US" altLang="ko-KR" dirty="0" err="1"/>
+              <a:t>j_min</a:t>
+            </a:r>
+            <a:r>
+              <a:rPr lang="en-US" altLang="ko-KR" dirty="0"/>
+              <a:t>, </a:t>
+            </a:r>
+            <a:r>
+              <a:rPr lang="en-US" altLang="ko-KR" dirty="0" err="1"/>
+              <a:t>j_max</a:t>
+            </a:r>
+            <a:r>
+              <a:rPr lang="en-US" altLang="ko-KR" dirty="0"/>
+              <a:t>]</a:t>
+            </a:r>
+          </a:p>
+          <a:p>
+            <a:pPr marL="285750" indent="-285750">
+              <a:buFontTx/>
+              <a:buChar char="-"/>
+            </a:pPr>
+            <a:endParaRPr lang="en-US" altLang="ko-KR" dirty="0" smtClean="0"/>
+          </a:p>
+          <a:p>
+            <a:pPr marL="285750" indent="-285750">
+              <a:buFontTx/>
+              <a:buChar char="-"/>
+            </a:pPr>
+            <a:r>
+              <a:rPr lang="en-US" altLang="ko-KR" b="1" dirty="0" smtClean="0"/>
+              <a:t>Env3 </a:t>
+            </a:r>
+            <a:r>
+              <a:rPr lang="en-US" altLang="ko-KR" b="1" dirty="0"/>
+              <a:t>State:</a:t>
+            </a:r>
+          </a:p>
+          <a:p>
+            <a:pPr marL="742950" lvl="1" indent="-285750">
+              <a:buFontTx/>
+              <a:buChar char="-"/>
+            </a:pPr>
+            <a:r>
+              <a:rPr lang="en-US" altLang="ko-KR" dirty="0"/>
+              <a:t>State:   </a:t>
+            </a:r>
+            <a:r>
+              <a:rPr lang="en-US" altLang="ko-KR" dirty="0" smtClean="0"/>
+              <a:t>[</a:t>
+            </a:r>
+            <a:r>
+              <a:rPr lang="en-US" altLang="ko-KR" dirty="0" err="1" smtClean="0">
+                <a:solidFill>
+                  <a:srgbClr val="FF0000"/>
+                </a:solidFill>
+              </a:rPr>
+              <a:t>acc</a:t>
+            </a:r>
+            <a:r>
+              <a:rPr lang="en-US" altLang="ko-KR" dirty="0" smtClean="0">
+                <a:solidFill>
+                  <a:srgbClr val="FF0000"/>
+                </a:solidFill>
+              </a:rPr>
+              <a:t>, </a:t>
+            </a:r>
+            <a:r>
+              <a:rPr lang="en-US" altLang="ko-KR" dirty="0" err="1">
+                <a:solidFill>
+                  <a:srgbClr val="FF0000"/>
+                </a:solidFill>
+              </a:rPr>
+              <a:t>sp_whl</a:t>
+            </a:r>
+            <a:r>
+              <a:rPr lang="en-US" altLang="ko-KR" dirty="0" smtClean="0"/>
+              <a:t>, </a:t>
+            </a:r>
+            <a:r>
+              <a:rPr lang="en-US" altLang="ko-KR" dirty="0" smtClean="0"/>
+              <a:t>SOC - 0.6</a:t>
+            </a:r>
+            <a:r>
+              <a:rPr lang="en-US" altLang="ko-KR" dirty="0"/>
+              <a:t>, </a:t>
+            </a:r>
+            <a:r>
+              <a:rPr lang="en-US" altLang="ko-KR" dirty="0" err="1"/>
+              <a:t>j_min</a:t>
+            </a:r>
+            <a:r>
+              <a:rPr lang="en-US" altLang="ko-KR" dirty="0"/>
+              <a:t>, </a:t>
+            </a:r>
+            <a:r>
+              <a:rPr lang="en-US" altLang="ko-KR" dirty="0" err="1"/>
+              <a:t>j_max</a:t>
+            </a:r>
+            <a:r>
+              <a:rPr lang="en-US" altLang="ko-KR" dirty="0"/>
+              <a:t>]</a:t>
+            </a:r>
+          </a:p>
+          <a:p>
+            <a:pPr marL="285750" indent="-285750">
+              <a:buFontTx/>
+              <a:buChar char="-"/>
+            </a:pPr>
+            <a:endParaRPr lang="en-US" altLang="ko-KR" dirty="0" smtClean="0"/>
+          </a:p>
+          <a:p>
+            <a:pPr marL="285750" indent="-285750">
+              <a:buFontTx/>
+              <a:buChar char="-"/>
+            </a:pPr>
+            <a:endParaRPr lang="en-US" altLang="ko-KR" dirty="0" smtClean="0"/>
+          </a:p>
+          <a:p>
+            <a:pPr lvl="1"/>
+            <a:endParaRPr lang="en-US" altLang="ko-KR" dirty="0" smtClean="0"/>
+          </a:p>
+        </p:txBody>
+      </p:sp>
+      <p:pic>
+        <p:nvPicPr>
+          <p:cNvPr id="3" name="그림 2"/>
+          <p:cNvPicPr>
+            <a:picLocks noChangeAspect="1"/>
+          </p:cNvPicPr>
+          <p:nvPr/>
+        </p:nvPicPr>
+        <p:blipFill>
+          <a:blip r:embed="rId2"/>
+          <a:stretch>
+            <a:fillRect/>
+          </a:stretch>
+        </p:blipFill>
+        <p:spPr>
+          <a:xfrm>
+            <a:off x="7946967" y="1797422"/>
+            <a:ext cx="3586508" cy="2717247"/>
+          </a:xfrm>
+          <a:prstGeom prst="rect">
+            <a:avLst/>
+          </a:prstGeom>
+        </p:spPr>
+      </p:pic>
+      <p:sp>
+        <p:nvSpPr>
+          <p:cNvPr id="5" name="TextBox 4"/>
+          <p:cNvSpPr txBox="1"/>
+          <p:nvPr/>
+        </p:nvSpPr>
+        <p:spPr>
+          <a:xfrm>
+            <a:off x="8711738" y="4621403"/>
+            <a:ext cx="3017520" cy="369332"/>
+          </a:xfrm>
+          <a:prstGeom prst="rect">
+            <a:avLst/>
+          </a:prstGeom>
+          <a:noFill/>
+        </p:spPr>
+        <p:txBody>
+          <a:bodyPr wrap="square" rtlCol="0">
+            <a:spAutoFit/>
+          </a:bodyPr>
+          <a:lstStyle/>
+          <a:p>
+            <a:r>
+              <a:rPr lang="en-US" altLang="ko-KR" dirty="0" smtClean="0"/>
+              <a:t>&lt;</a:t>
+            </a:r>
+            <a:r>
+              <a:rPr lang="ko-KR" altLang="en-US" dirty="0" err="1" smtClean="0"/>
+              <a:t>하이퍼파라미터</a:t>
+            </a:r>
+            <a:r>
+              <a:rPr lang="en-US" altLang="ko-KR" dirty="0" smtClean="0"/>
+              <a:t>&gt;</a:t>
+            </a:r>
+            <a:r>
+              <a:rPr lang="ko-KR" altLang="en-US" dirty="0" smtClean="0"/>
+              <a:t> </a:t>
+            </a:r>
+            <a:endParaRPr lang="ko-KR" altLang="en-US" dirty="0"/>
+          </a:p>
+        </p:txBody>
+      </p:sp>
+      <p:sp>
+        <p:nvSpPr>
+          <p:cNvPr id="6" name="TextBox 5"/>
+          <p:cNvSpPr txBox="1"/>
+          <p:nvPr/>
+        </p:nvSpPr>
+        <p:spPr>
+          <a:xfrm>
+            <a:off x="5971594" y="5376409"/>
+            <a:ext cx="1897501" cy="461665"/>
+          </a:xfrm>
+          <a:prstGeom prst="rect">
+            <a:avLst/>
+          </a:prstGeom>
+          <a:noFill/>
+        </p:spPr>
+        <p:txBody>
+          <a:bodyPr wrap="square" rtlCol="0">
+            <a:spAutoFit/>
+          </a:bodyPr>
+          <a:lstStyle/>
+          <a:p>
+            <a:r>
+              <a:rPr lang="ko-KR" altLang="en-US" sz="2400" b="1" dirty="0" err="1" smtClean="0">
+                <a:solidFill>
+                  <a:srgbClr val="FF0000"/>
+                </a:solidFill>
+              </a:rPr>
+              <a:t>성공적임</a:t>
+            </a:r>
+            <a:r>
+              <a:rPr lang="ko-KR" altLang="en-US" dirty="0" smtClean="0"/>
+              <a:t> </a:t>
+            </a:r>
+            <a:endParaRPr lang="ko-KR" altLang="en-US" dirty="0"/>
+          </a:p>
+        </p:txBody>
+      </p:sp>
+    </p:spTree>
+    <p:extLst>
+      <p:ext uri="{BB962C8B-B14F-4D97-AF65-F5344CB8AC3E}">
+        <p14:creationId xmlns:p14="http://schemas.microsoft.com/office/powerpoint/2010/main" val="28906980"/>
+      </p:ext>
+    </p:extLst>
+  </p:cSld>
+  <p:clrMapOvr>
+    <a:masterClrMapping/>
+  </p:clrMapOvr>
+</p:sld>
+</file>
+
 <file path=ppt/slides/slide2.xml><?xml version="1.0" encoding="utf-8"?>
 <p:sld xmlns:a="http://schemas.openxmlformats.org/drawingml/2006/main" xmlns:r="http://schemas.openxmlformats.org/officeDocument/2006/relationships" xmlns:p="http://schemas.openxmlformats.org/presentationml/2006/main">
   <p:cSld>
@@ -6011,15 +6494,7 @@
                   <a:srgbClr val="FF0000"/>
                 </a:solidFill>
               </a:rPr>
-              <a:t> </a:t>
-            </a:r>
-            <a:r>
-              <a:rPr lang="ko-KR" altLang="en-US" dirty="0" smtClean="0">
-                <a:solidFill>
-                  <a:srgbClr val="FF0000"/>
-                </a:solidFill>
-              </a:rPr>
-              <a:t>  </a:t>
+              <a:t>   </a:t>
             </a:r>
             <a:endParaRPr lang="ko-KR" altLang="en-US" dirty="0">
               <a:solidFill>

--- a/실험정리.pptx
+++ b/실험정리.pptx
@@ -3048,11 +3048,7 @@
           <a:p>
             <a:r>
               <a:rPr lang="en-US" altLang="ko-KR" dirty="0" smtClean="0"/>
-              <a:t>DD</a:t>
-            </a:r>
-            <a:r>
-              <a:rPr lang="en-US" altLang="ko-KR" dirty="0" smtClean="0"/>
-              <a:t>PG</a:t>
+              <a:t>DDPG</a:t>
             </a:r>
             <a:r>
               <a:rPr lang="ko-KR" altLang="en-US" dirty="0" smtClean="0"/>
@@ -3170,11 +3166,7 @@
             </a:r>
             <a:r>
               <a:rPr lang="en-US" altLang="ko-KR" dirty="0" smtClean="0"/>
-              <a:t>, </a:t>
-            </a:r>
-            <a:r>
-              <a:rPr lang="en-US" altLang="ko-KR" dirty="0" smtClean="0"/>
-              <a:t>SOC - 0.6, </a:t>
+              <a:t>, SOC - 0.6, </a:t>
             </a:r>
             <a:r>
               <a:rPr lang="en-US" altLang="ko-KR" dirty="0" err="1" smtClean="0"/>
@@ -3332,11 +3324,7 @@
             </a:r>
             <a:r>
               <a:rPr lang="en-US" altLang="ko-KR" dirty="0" smtClean="0"/>
-              <a:t>, </a:t>
-            </a:r>
-            <a:r>
-              <a:rPr lang="en-US" altLang="ko-KR" dirty="0" smtClean="0"/>
-              <a:t>SOC - 0.6</a:t>
+              <a:t>, SOC - 0.6</a:t>
             </a:r>
             <a:r>
               <a:rPr lang="en-US" altLang="ko-KR" dirty="0"/>
@@ -3454,7 +3442,7 @@
         <p:spPr>
           <a:xfrm>
             <a:off x="5971594" y="5376409"/>
-            <a:ext cx="1897501" cy="461665"/>
+            <a:ext cx="4685322" cy="830997"/>
           </a:xfrm>
           <a:prstGeom prst="rect">
             <a:avLst/>
@@ -3468,6 +3456,37 @@
           <a:lstStyle/>
           <a:p>
             <a:r>
+              <a:rPr lang="en-US" altLang="ko-KR" sz="2400" b="1" dirty="0" smtClean="0">
+                <a:solidFill>
+                  <a:srgbClr val="FF0000"/>
+                </a:solidFill>
+              </a:rPr>
+              <a:t>Env1</a:t>
+            </a:r>
+            <a:r>
+              <a:rPr lang="ko-KR" altLang="en-US" sz="2400" b="1" dirty="0" smtClean="0">
+                <a:solidFill>
+                  <a:srgbClr val="FF0000"/>
+                </a:solidFill>
+              </a:rPr>
+              <a:t>에 대해서만 부분적으로 </a:t>
+            </a:r>
+            <a:r>
+              <a:rPr lang="en-US" altLang="ko-KR" sz="2400" b="1" dirty="0" smtClean="0">
+                <a:solidFill>
+                  <a:srgbClr val="FF0000"/>
+                </a:solidFill>
+              </a:rPr>
+              <a:t/>
+            </a:r>
+            <a:br>
+              <a:rPr lang="en-US" altLang="ko-KR" sz="2400" b="1" dirty="0" smtClean="0">
+                <a:solidFill>
+                  <a:srgbClr val="FF0000"/>
+                </a:solidFill>
+              </a:rPr>
+            </a:br>
+            <a:r>
               <a:rPr lang="ko-KR" altLang="en-US" sz="2400" b="1" dirty="0" err="1" smtClean="0">
                 <a:solidFill>
                   <a:srgbClr val="FF0000"/>
@@ -3476,7 +3495,11 @@
               <a:t>성공적임</a:t>
             </a:r>
             <a:r>
-              <a:rPr lang="ko-KR" altLang="en-US" dirty="0" smtClean="0"/>
+              <a:rPr lang="ko-KR" altLang="en-US" sz="2400" b="1" dirty="0" smtClean="0">
+                <a:solidFill>
+                  <a:srgbClr val="FF0000"/>
+                </a:solidFill>
+              </a:rPr>
               <a:t> </a:t>
             </a:r>
             <a:endParaRPr lang="ko-KR" altLang="en-US" dirty="0"/>
@@ -6433,7 +6456,7 @@
           </a:p>
           <a:p>
             <a:r>
-              <a:rPr lang="en-US" altLang="ko-KR" dirty="0" smtClean="0">
+              <a:rPr lang="en-US" altLang="ko-KR" b="1" dirty="0" smtClean="0">
                 <a:solidFill>
                   <a:srgbClr val="FF0000"/>
                 </a:solidFill>
@@ -6441,7 +6464,7 @@
               <a:t>SOC</a:t>
             </a:r>
             <a:r>
-              <a:rPr lang="ko-KR" altLang="en-US" dirty="0" smtClean="0">
+              <a:rPr lang="ko-KR" altLang="en-US" b="1" dirty="0" smtClean="0">
                 <a:solidFill>
                   <a:srgbClr val="FF0000"/>
                 </a:solidFill>
@@ -6449,7 +6472,7 @@
               <a:t>는 </a:t>
             </a:r>
             <a:r>
-              <a:rPr lang="en-US" altLang="ko-KR" dirty="0" smtClean="0">
+              <a:rPr lang="en-US" altLang="ko-KR" b="1" dirty="0" smtClean="0">
                 <a:solidFill>
                   <a:srgbClr val="FF0000"/>
                 </a:solidFill>
@@ -6457,7 +6480,7 @@
               <a:t>SOC </a:t>
             </a:r>
             <a:r>
-              <a:rPr lang="ko-KR" altLang="en-US" dirty="0" smtClean="0">
+              <a:rPr lang="ko-KR" altLang="en-US" b="1" dirty="0" smtClean="0">
                 <a:solidFill>
                   <a:srgbClr val="FF0000"/>
                 </a:solidFill>
@@ -6465,7 +6488,7 @@
               <a:t>절대값을 사용하는 것 보단 </a:t>
             </a:r>
             <a:r>
-              <a:rPr lang="en-US" altLang="ko-KR" dirty="0" smtClean="0">
+              <a:rPr lang="en-US" altLang="ko-KR" b="1" dirty="0" smtClean="0">
                 <a:solidFill>
                   <a:srgbClr val="FF0000"/>
                 </a:solidFill>
@@ -6473,7 +6496,7 @@
               <a:t>SOC-0.6</a:t>
             </a:r>
             <a:r>
-              <a:rPr lang="ko-KR" altLang="en-US" dirty="0" smtClean="0">
+              <a:rPr lang="ko-KR" altLang="en-US" b="1" dirty="0" smtClean="0">
                 <a:solidFill>
                   <a:srgbClr val="FF0000"/>
                 </a:solidFill>
@@ -6481,7 +6504,7 @@
               <a:t>을 사용하는 것이 좋은 듯 </a:t>
             </a:r>
             <a:r>
-              <a:rPr lang="en-US" altLang="ko-KR" dirty="0" smtClean="0">
+              <a:rPr lang="en-US" altLang="ko-KR" b="1" dirty="0" smtClean="0">
                 <a:solidFill>
                   <a:srgbClr val="FF0000"/>
                 </a:solidFill>
@@ -6489,14 +6512,14 @@
               <a:t>… </a:t>
             </a:r>
             <a:r>
-              <a:rPr lang="ko-KR" altLang="en-US" dirty="0" smtClean="0">
+              <a:rPr lang="ko-KR" altLang="en-US" b="1" dirty="0" smtClean="0">
                 <a:solidFill>
                   <a:srgbClr val="FF0000"/>
                 </a:solidFill>
               </a:rPr>
               <a:t>   </a:t>
             </a:r>
-            <a:endParaRPr lang="ko-KR" altLang="en-US" dirty="0">
+            <a:endParaRPr lang="ko-KR" altLang="en-US" b="1" dirty="0">
               <a:solidFill>
                 <a:srgbClr val="FF0000"/>
               </a:solidFill>
@@ -6526,8 +6549,38 @@
         </p:blipFill>
         <p:spPr>
           <a:xfrm>
-            <a:off x="6711735" y="1387414"/>
-            <a:ext cx="5480265" cy="3653510"/>
+            <a:off x="7784123" y="203200"/>
+            <a:ext cx="3709232" cy="2472821"/>
+          </a:xfrm>
+          <a:prstGeom prst="rect">
+            <a:avLst/>
+          </a:prstGeom>
+        </p:spPr>
+      </p:pic>
+      <p:pic>
+        <p:nvPicPr>
+          <p:cNvPr id="3" name="그림 2"/>
+          <p:cNvPicPr>
+            <a:picLocks noChangeAspect="1"/>
+          </p:cNvPicPr>
+          <p:nvPr/>
+        </p:nvPicPr>
+        <p:blipFill>
+          <a:blip r:embed="rId3">
+            <a:extLst>
+              <a:ext uri="{28A0092B-C50C-407E-A947-70E740481C1C}">
+                <a14:useLocalDpi xmlns:a14="http://schemas.microsoft.com/office/drawing/2010/main" val="0"/>
+              </a:ext>
+            </a:extLst>
+          </a:blip>
+          <a:stretch>
+            <a:fillRect/>
+          </a:stretch>
+        </p:blipFill>
+        <p:spPr>
+          <a:xfrm>
+            <a:off x="7784123" y="2528559"/>
+            <a:ext cx="3709232" cy="2472821"/>
           </a:xfrm>
           <a:prstGeom prst="rect">
             <a:avLst/>

--- a/실험정리.pptx
+++ b/실험정리.pptx
@@ -252,7 +252,7 @@
           <a:p>
             <a:fld id="{8DB7441D-C530-4CF1-96F4-7190D1E0155F}" type="datetimeFigureOut">
               <a:rPr lang="ko-KR" altLang="en-US" smtClean="0"/>
-              <a:t>2020-07-31</a:t>
+              <a:t>2020-08-01</a:t>
             </a:fld>
             <a:endParaRPr lang="ko-KR" altLang="en-US"/>
           </a:p>
@@ -422,7 +422,7 @@
           <a:p>
             <a:fld id="{8DB7441D-C530-4CF1-96F4-7190D1E0155F}" type="datetimeFigureOut">
               <a:rPr lang="ko-KR" altLang="en-US" smtClean="0"/>
-              <a:t>2020-07-31</a:t>
+              <a:t>2020-08-01</a:t>
             </a:fld>
             <a:endParaRPr lang="ko-KR" altLang="en-US"/>
           </a:p>
@@ -602,7 +602,7 @@
           <a:p>
             <a:fld id="{8DB7441D-C530-4CF1-96F4-7190D1E0155F}" type="datetimeFigureOut">
               <a:rPr lang="ko-KR" altLang="en-US" smtClean="0"/>
-              <a:t>2020-07-31</a:t>
+              <a:t>2020-08-01</a:t>
             </a:fld>
             <a:endParaRPr lang="ko-KR" altLang="en-US"/>
           </a:p>
@@ -772,7 +772,7 @@
           <a:p>
             <a:fld id="{8DB7441D-C530-4CF1-96F4-7190D1E0155F}" type="datetimeFigureOut">
               <a:rPr lang="ko-KR" altLang="en-US" smtClean="0"/>
-              <a:t>2020-07-31</a:t>
+              <a:t>2020-08-01</a:t>
             </a:fld>
             <a:endParaRPr lang="ko-KR" altLang="en-US"/>
           </a:p>
@@ -1018,7 +1018,7 @@
           <a:p>
             <a:fld id="{8DB7441D-C530-4CF1-96F4-7190D1E0155F}" type="datetimeFigureOut">
               <a:rPr lang="ko-KR" altLang="en-US" smtClean="0"/>
-              <a:t>2020-07-31</a:t>
+              <a:t>2020-08-01</a:t>
             </a:fld>
             <a:endParaRPr lang="ko-KR" altLang="en-US"/>
           </a:p>
@@ -1250,7 +1250,7 @@
           <a:p>
             <a:fld id="{8DB7441D-C530-4CF1-96F4-7190D1E0155F}" type="datetimeFigureOut">
               <a:rPr lang="ko-KR" altLang="en-US" smtClean="0"/>
-              <a:t>2020-07-31</a:t>
+              <a:t>2020-08-01</a:t>
             </a:fld>
             <a:endParaRPr lang="ko-KR" altLang="en-US"/>
           </a:p>
@@ -1617,7 +1617,7 @@
           <a:p>
             <a:fld id="{8DB7441D-C530-4CF1-96F4-7190D1E0155F}" type="datetimeFigureOut">
               <a:rPr lang="ko-KR" altLang="en-US" smtClean="0"/>
-              <a:t>2020-07-31</a:t>
+              <a:t>2020-08-01</a:t>
             </a:fld>
             <a:endParaRPr lang="ko-KR" altLang="en-US"/>
           </a:p>
@@ -1735,7 +1735,7 @@
           <a:p>
             <a:fld id="{8DB7441D-C530-4CF1-96F4-7190D1E0155F}" type="datetimeFigureOut">
               <a:rPr lang="ko-KR" altLang="en-US" smtClean="0"/>
-              <a:t>2020-07-31</a:t>
+              <a:t>2020-08-01</a:t>
             </a:fld>
             <a:endParaRPr lang="ko-KR" altLang="en-US"/>
           </a:p>
@@ -1830,7 +1830,7 @@
           <a:p>
             <a:fld id="{8DB7441D-C530-4CF1-96F4-7190D1E0155F}" type="datetimeFigureOut">
               <a:rPr lang="ko-KR" altLang="en-US" smtClean="0"/>
-              <a:t>2020-07-31</a:t>
+              <a:t>2020-08-01</a:t>
             </a:fld>
             <a:endParaRPr lang="ko-KR" altLang="en-US"/>
           </a:p>
@@ -2107,7 +2107,7 @@
           <a:p>
             <a:fld id="{8DB7441D-C530-4CF1-96F4-7190D1E0155F}" type="datetimeFigureOut">
               <a:rPr lang="ko-KR" altLang="en-US" smtClean="0"/>
-              <a:t>2020-07-31</a:t>
+              <a:t>2020-08-01</a:t>
             </a:fld>
             <a:endParaRPr lang="ko-KR" altLang="en-US"/>
           </a:p>
@@ -2360,7 +2360,7 @@
           <a:p>
             <a:fld id="{8DB7441D-C530-4CF1-96F4-7190D1E0155F}" type="datetimeFigureOut">
               <a:rPr lang="ko-KR" altLang="en-US" smtClean="0"/>
-              <a:t>2020-07-31</a:t>
+              <a:t>2020-08-01</a:t>
             </a:fld>
             <a:endParaRPr lang="ko-KR" altLang="en-US"/>
           </a:p>
@@ -2573,7 +2573,7 @@
           <a:p>
             <a:fld id="{8DB7441D-C530-4CF1-96F4-7190D1E0155F}" type="datetimeFigureOut">
               <a:rPr lang="ko-KR" altLang="en-US" smtClean="0"/>
-              <a:t>2020-07-31</a:t>
+              <a:t>2020-08-01</a:t>
             </a:fld>
             <a:endParaRPr lang="ko-KR" altLang="en-US"/>
           </a:p>
@@ -3075,7 +3075,7 @@
         <p:spPr>
           <a:xfrm>
             <a:off x="838200" y="1459832"/>
-            <a:ext cx="11000874" cy="3693319"/>
+            <a:ext cx="11000874" cy="4524315"/>
           </a:xfrm>
           <a:prstGeom prst="rect">
             <a:avLst/>
@@ -3278,11 +3278,7 @@
             </a:pPr>
             <a:r>
               <a:rPr lang="en-US" altLang="ko-KR" b="1" dirty="0" smtClean="0"/>
-              <a:t>Env3 </a:t>
-            </a:r>
-            <a:r>
-              <a:rPr lang="en-US" altLang="ko-KR" b="1" dirty="0"/>
-              <a:t>State:</a:t>
+              <a:t>Env3 State:</a:t>
             </a:r>
           </a:p>
           <a:p>
@@ -3291,6 +3287,77 @@
               <a:buChar char="-"/>
             </a:pPr>
             <a:r>
+              <a:rPr lang="en-US" altLang="ko-KR" dirty="0" smtClean="0"/>
+              <a:t>State:   [</a:t>
+            </a:r>
+            <a:r>
+              <a:rPr lang="en-US" altLang="ko-KR" dirty="0" err="1" smtClean="0">
+                <a:solidFill>
+                  <a:srgbClr val="FF0000"/>
+                </a:solidFill>
+              </a:rPr>
+              <a:t>acc</a:t>
+            </a:r>
+            <a:r>
+              <a:rPr lang="en-US" altLang="ko-KR" dirty="0" smtClean="0">
+                <a:solidFill>
+                  <a:srgbClr val="FF0000"/>
+                </a:solidFill>
+              </a:rPr>
+              <a:t>, </a:t>
+            </a:r>
+            <a:r>
+              <a:rPr lang="en-US" altLang="ko-KR" dirty="0" err="1" smtClean="0">
+                <a:solidFill>
+                  <a:srgbClr val="FF0000"/>
+                </a:solidFill>
+              </a:rPr>
+              <a:t>sp_whl</a:t>
+            </a:r>
+            <a:r>
+              <a:rPr lang="en-US" altLang="ko-KR" dirty="0" smtClean="0"/>
+              <a:t>, SOC - 0.6, </a:t>
+            </a:r>
+            <a:r>
+              <a:rPr lang="en-US" altLang="ko-KR" dirty="0" err="1" smtClean="0"/>
+              <a:t>j_min</a:t>
+            </a:r>
+            <a:r>
+              <a:rPr lang="en-US" altLang="ko-KR" dirty="0" smtClean="0"/>
+              <a:t>, </a:t>
+            </a:r>
+            <a:r>
+              <a:rPr lang="en-US" altLang="ko-KR" dirty="0" err="1" smtClean="0"/>
+              <a:t>j_max</a:t>
+            </a:r>
+            <a:r>
+              <a:rPr lang="en-US" altLang="ko-KR" dirty="0" smtClean="0"/>
+              <a:t>]</a:t>
+            </a:r>
+          </a:p>
+          <a:p>
+            <a:endParaRPr lang="en-US" altLang="ko-KR" dirty="0"/>
+          </a:p>
+          <a:p>
+            <a:pPr marL="285750" indent="-285750">
+              <a:buFontTx/>
+              <a:buChar char="-"/>
+            </a:pPr>
+            <a:r>
+              <a:rPr lang="en-US" altLang="ko-KR" b="1" dirty="0" smtClean="0"/>
+              <a:t>Env4 </a:t>
+            </a:r>
+            <a:r>
+              <a:rPr lang="en-US" altLang="ko-KR" b="1" dirty="0"/>
+              <a:t>State:</a:t>
+            </a:r>
+          </a:p>
+          <a:p>
+            <a:pPr marL="742950" lvl="1" indent="-285750">
+              <a:buFontTx/>
+              <a:buChar char="-"/>
+            </a:pPr>
+            <a:r>
               <a:rPr lang="en-US" altLang="ko-KR" dirty="0"/>
               <a:t>State:   </a:t>
             </a:r>
@@ -3304,10 +3371,26 @@
                   <a:srgbClr val="FF0000"/>
                 </a:solidFill>
               </a:rPr>
+              <a:t>power_out</a:t>
+            </a:r>
+            <a:r>
+              <a:rPr lang="en-US" altLang="ko-KR" dirty="0" smtClean="0">
+                <a:solidFill>
+                  <a:srgbClr val="FF0000"/>
+                </a:solidFill>
+              </a:rPr>
+              <a:t> / 1000, </a:t>
+            </a:r>
+            <a:r>
+              <a:rPr lang="en-US" altLang="ko-KR" dirty="0" err="1" smtClean="0">
+                <a:solidFill>
+                  <a:srgbClr val="FF0000"/>
+                </a:solidFill>
+              </a:rPr>
               <a:t>acc</a:t>
             </a:r>
             <a:r>
-              <a:rPr lang="en-US" altLang="ko-KR" dirty="0" smtClean="0">
+              <a:rPr lang="en-US" altLang="ko-KR" dirty="0">
                 <a:solidFill>
                   <a:srgbClr val="FF0000"/>
                 </a:solidFill>
@@ -3323,12 +3406,8 @@
               <a:t>sp_whl</a:t>
             </a:r>
             <a:r>
-              <a:rPr lang="en-US" altLang="ko-KR" dirty="0" smtClean="0"/>
-              <a:t>, SOC - 0.6</a:t>
-            </a:r>
-            <a:r>
               <a:rPr lang="en-US" altLang="ko-KR" dirty="0"/>
-              <a:t>, </a:t>
+              <a:t>, SOC - 0.6, </a:t>
             </a:r>
             <a:r>
               <a:rPr lang="en-US" altLang="ko-KR" dirty="0" err="1"/>
@@ -3442,7 +3521,7 @@
         <p:spPr>
           <a:xfrm>
             <a:off x="5971594" y="5376409"/>
-            <a:ext cx="4685322" cy="830997"/>
+            <a:ext cx="6073868" cy="1477328"/>
           </a:xfrm>
           <a:prstGeom prst="rect">
             <a:avLst/>
@@ -3502,7 +3581,88 @@
               </a:rPr>
               <a:t> </a:t>
             </a:r>
-            <a:endParaRPr lang="ko-KR" altLang="en-US" dirty="0"/>
+            <a:r>
+              <a:rPr lang="en-US" altLang="ko-KR" sz="2400" b="1" dirty="0" smtClean="0">
+                <a:solidFill>
+                  <a:srgbClr val="FF0000"/>
+                </a:solidFill>
+              </a:rPr>
+              <a:t>(Env2, Env3</a:t>
+            </a:r>
+            <a:r>
+              <a:rPr lang="ko-KR" altLang="en-US" sz="2400" b="1" dirty="0" smtClean="0">
+                <a:solidFill>
+                  <a:srgbClr val="FF0000"/>
+                </a:solidFill>
+              </a:rPr>
+              <a:t>은 실패</a:t>
+            </a:r>
+            <a:r>
+              <a:rPr lang="en-US" altLang="ko-KR" sz="2400" b="1" dirty="0" smtClean="0">
+                <a:solidFill>
+                  <a:srgbClr val="FF0000"/>
+                </a:solidFill>
+              </a:rPr>
+              <a:t>…)</a:t>
+            </a:r>
+          </a:p>
+          <a:p>
+            <a:endParaRPr lang="en-US" altLang="ko-KR" dirty="0"/>
+          </a:p>
+          <a:p>
+            <a:r>
+              <a:rPr lang="en-US" altLang="ko-KR" sz="2400" b="1" dirty="0" smtClean="0">
+                <a:solidFill>
+                  <a:srgbClr val="FF0000"/>
+                </a:solidFill>
+              </a:rPr>
+              <a:t>Decay Rate</a:t>
+            </a:r>
+            <a:r>
+              <a:rPr lang="ko-KR" altLang="en-US" sz="2400" b="1" dirty="0" smtClean="0">
+                <a:solidFill>
+                  <a:srgbClr val="FF0000"/>
+                </a:solidFill>
+              </a:rPr>
+              <a:t>를 </a:t>
+            </a:r>
+            <a:r>
+              <a:rPr lang="en-US" altLang="ko-KR" sz="2400" b="1" dirty="0" smtClean="0">
+                <a:solidFill>
+                  <a:srgbClr val="FF0000"/>
+                </a:solidFill>
+              </a:rPr>
+              <a:t>0.00001</a:t>
+            </a:r>
+            <a:r>
+              <a:rPr lang="ko-KR" altLang="en-US" sz="2400" b="1" dirty="0" smtClean="0">
+                <a:solidFill>
+                  <a:srgbClr val="FF0000"/>
+                </a:solidFill>
+              </a:rPr>
+              <a:t>로</a:t>
+            </a:r>
+            <a:r>
+              <a:rPr lang="en-US" altLang="ko-KR" sz="2400" b="1" dirty="0" smtClean="0">
+                <a:solidFill>
+                  <a:srgbClr val="FF0000"/>
+                </a:solidFill>
+              </a:rPr>
+              <a:t> </a:t>
+            </a:r>
+            <a:r>
+              <a:rPr lang="ko-KR" altLang="en-US" sz="2400" b="1" dirty="0" smtClean="0">
+                <a:solidFill>
+                  <a:srgbClr val="FF0000"/>
+                </a:solidFill>
+              </a:rPr>
+              <a:t>낮추기 시도 </a:t>
+            </a:r>
+            <a:endParaRPr lang="en-US" altLang="ko-KR" sz="2400" b="1" dirty="0">
+              <a:solidFill>
+                <a:srgbClr val="FF0000"/>
+              </a:solidFill>
+            </a:endParaRPr>
           </a:p>
         </p:txBody>
       </p:sp>

--- a/실험정리.pptx
+++ b/실험정리.pptx
@@ -15,6 +15,8 @@
     <p:sldId id="278" r:id="rId9"/>
     <p:sldId id="283" r:id="rId10"/>
     <p:sldId id="285" r:id="rId11"/>
+    <p:sldId id="286" r:id="rId12"/>
+    <p:sldId id="287" r:id="rId13"/>
   </p:sldIdLst>
   <p:sldSz cx="12192000" cy="6858000"/>
   <p:notesSz cx="6858000" cy="9144000"/>
@@ -3520,8 +3522,8 @@
         </p:nvSpPr>
         <p:spPr>
           <a:xfrm>
-            <a:off x="5971594" y="5376409"/>
-            <a:ext cx="6073868" cy="1477328"/>
+            <a:off x="1345223" y="5376409"/>
+            <a:ext cx="10700239" cy="1477328"/>
           </a:xfrm>
           <a:prstGeom prst="rect">
             <a:avLst/>
@@ -3587,7 +3589,15 @@
                   <a:srgbClr val="FF0000"/>
                 </a:solidFill>
               </a:rPr>
-              <a:t>(Env2, Env3</a:t>
+              <a:t>(</a:t>
+            </a:r>
+            <a:r>
+              <a:rPr lang="en-US" altLang="ko-KR" sz="2400" b="1" dirty="0" smtClean="0">
+                <a:solidFill>
+                  <a:srgbClr val="FF0000"/>
+                </a:solidFill>
+              </a:rPr>
+              <a:t>Env2</a:t>
             </a:r>
             <a:r>
               <a:rPr lang="ko-KR" altLang="en-US" sz="2400" b="1" dirty="0" smtClean="0">
@@ -3596,6 +3606,30 @@
                 </a:solidFill>
               </a:rPr>
               <a:t>은 실패</a:t>
+            </a:r>
+            <a:r>
+              <a:rPr lang="en-US" altLang="ko-KR" sz="2400" b="1" dirty="0" smtClean="0">
+                <a:solidFill>
+                  <a:srgbClr val="FF0000"/>
+                </a:solidFill>
+              </a:rPr>
+              <a:t>, Env3</a:t>
+            </a:r>
+            <a:r>
+              <a:rPr lang="ko-KR" altLang="en-US" sz="2400" b="1" dirty="0" smtClean="0">
+                <a:solidFill>
+                  <a:srgbClr val="FF0000"/>
+                </a:solidFill>
+              </a:rPr>
+              <a:t>은 많이 </a:t>
+            </a:r>
+            <a:r>
+              <a:rPr lang="ko-KR" altLang="en-US" sz="2400" b="1" dirty="0" smtClean="0">
+                <a:solidFill>
+                  <a:srgbClr val="FF0000"/>
+                </a:solidFill>
+              </a:rPr>
+              <a:t>실패</a:t>
             </a:r>
             <a:r>
               <a:rPr lang="en-US" altLang="ko-KR" sz="2400" b="1" dirty="0" smtClean="0">
@@ -3670,6 +3704,412 @@
     <p:extLst>
       <p:ext uri="{BB962C8B-B14F-4D97-AF65-F5344CB8AC3E}">
         <p14:creationId xmlns:p14="http://schemas.microsoft.com/office/powerpoint/2010/main" val="28906980"/>
+      </p:ext>
+    </p:extLst>
+  </p:cSld>
+  <p:clrMapOvr>
+    <a:masterClrMapping/>
+  </p:clrMapOvr>
+</p:sld>
+</file>
+
+<file path=ppt/slides/slide11.xml><?xml version="1.0" encoding="utf-8"?>
+<p:sld xmlns:a="http://schemas.openxmlformats.org/drawingml/2006/main" xmlns:r="http://schemas.openxmlformats.org/officeDocument/2006/relationships" xmlns:p="http://schemas.openxmlformats.org/presentationml/2006/main">
+  <p:cSld>
+    <p:spTree>
+      <p:nvGrpSpPr>
+        <p:cNvPr id="1" name=""/>
+        <p:cNvGrpSpPr/>
+        <p:nvPr/>
+      </p:nvGrpSpPr>
+      <p:grpSpPr>
+        <a:xfrm>
+          <a:off x="0" y="0"/>
+          <a:ext cx="0" cy="0"/>
+          <a:chOff x="0" y="0"/>
+          <a:chExt cx="0" cy="0"/>
+        </a:xfrm>
+      </p:grpSpPr>
+      <p:sp>
+        <p:nvSpPr>
+          <p:cNvPr id="2" name="제목 1"/>
+          <p:cNvSpPr>
+            <a:spLocks noGrp="1"/>
+          </p:cNvSpPr>
+          <p:nvPr>
+            <p:ph type="title"/>
+          </p:nvPr>
+        </p:nvSpPr>
+        <p:spPr/>
+        <p:txBody>
+          <a:bodyPr/>
+          <a:lstStyle/>
+          <a:p>
+            <a:r>
+              <a:rPr lang="en-US" altLang="ko-KR" dirty="0" smtClean="0"/>
+              <a:t>DDPG</a:t>
+            </a:r>
+            <a:r>
+              <a:rPr lang="ko-KR" altLang="en-US" dirty="0" smtClean="0"/>
+              <a:t> </a:t>
+            </a:r>
+            <a:r>
+              <a:rPr lang="en-US" altLang="ko-KR" dirty="0"/>
+              <a:t>4</a:t>
+            </a:r>
+            <a:r>
+              <a:rPr lang="ko-KR" altLang="en-US" dirty="0" smtClean="0"/>
+              <a:t>  </a:t>
+            </a:r>
+            <a:endParaRPr lang="ko-KR" altLang="en-US" dirty="0"/>
+          </a:p>
+        </p:txBody>
+      </p:sp>
+      <p:sp>
+        <p:nvSpPr>
+          <p:cNvPr id="4" name="TextBox 3"/>
+          <p:cNvSpPr txBox="1"/>
+          <p:nvPr/>
+        </p:nvSpPr>
+        <p:spPr>
+          <a:xfrm>
+            <a:off x="838200" y="1459832"/>
+            <a:ext cx="11000874" cy="923330"/>
+          </a:xfrm>
+          <a:prstGeom prst="rect">
+            <a:avLst/>
+          </a:prstGeom>
+          <a:noFill/>
+        </p:spPr>
+        <p:txBody>
+          <a:bodyPr wrap="square" rtlCol="0">
+            <a:spAutoFit/>
+          </a:bodyPr>
+          <a:lstStyle/>
+          <a:p>
+            <a:pPr marL="285750" indent="-285750">
+              <a:buFontTx/>
+              <a:buChar char="-"/>
+            </a:pPr>
+            <a:r>
+              <a:rPr lang="en-US" altLang="ko-KR" b="1" dirty="0" smtClean="0">
+                <a:solidFill>
+                  <a:srgbClr val="FF0000"/>
+                </a:solidFill>
+              </a:rPr>
+              <a:t>Decay Rate</a:t>
+            </a:r>
+            <a:r>
+              <a:rPr lang="ko-KR" altLang="en-US" b="1" dirty="0" smtClean="0">
+                <a:solidFill>
+                  <a:srgbClr val="FF0000"/>
+                </a:solidFill>
+              </a:rPr>
+              <a:t>에 따른 학습 안정도를 확인함 </a:t>
+            </a:r>
+            <a:endParaRPr lang="en-US" altLang="ko-KR" b="1" dirty="0" smtClean="0">
+              <a:solidFill>
+                <a:srgbClr val="FF0000"/>
+              </a:solidFill>
+            </a:endParaRPr>
+          </a:p>
+          <a:p>
+            <a:pPr marL="285750" indent="-285750">
+              <a:buFontTx/>
+              <a:buChar char="-"/>
+            </a:pPr>
+            <a:endParaRPr lang="en-US" altLang="ko-KR" b="1" dirty="0"/>
+          </a:p>
+          <a:p>
+            <a:pPr marL="285750" indent="-285750">
+              <a:buFontTx/>
+              <a:buChar char="-"/>
+            </a:pPr>
+            <a:r>
+              <a:rPr lang="en-US" altLang="ko-KR" b="1" dirty="0" smtClean="0"/>
+              <a:t>Decay Rate</a:t>
+            </a:r>
+            <a:r>
+              <a:rPr lang="en-US" altLang="ko-KR" b="1" dirty="0"/>
+              <a:t>: [0.0001, 0.00004, 0.00002, 0.00001, 0.000005] </a:t>
+            </a:r>
+            <a:endParaRPr lang="en-US" altLang="ko-KR" dirty="0" smtClean="0"/>
+          </a:p>
+        </p:txBody>
+      </p:sp>
+      <p:pic>
+        <p:nvPicPr>
+          <p:cNvPr id="3" name="그림 2"/>
+          <p:cNvPicPr>
+            <a:picLocks noChangeAspect="1"/>
+          </p:cNvPicPr>
+          <p:nvPr/>
+        </p:nvPicPr>
+        <p:blipFill>
+          <a:blip r:embed="rId2"/>
+          <a:stretch>
+            <a:fillRect/>
+          </a:stretch>
+        </p:blipFill>
+        <p:spPr>
+          <a:xfrm>
+            <a:off x="7946967" y="1797422"/>
+            <a:ext cx="3586508" cy="2717247"/>
+          </a:xfrm>
+          <a:prstGeom prst="rect">
+            <a:avLst/>
+          </a:prstGeom>
+        </p:spPr>
+      </p:pic>
+      <p:sp>
+        <p:nvSpPr>
+          <p:cNvPr id="5" name="TextBox 4"/>
+          <p:cNvSpPr txBox="1"/>
+          <p:nvPr/>
+        </p:nvSpPr>
+        <p:spPr>
+          <a:xfrm>
+            <a:off x="8711738" y="4621403"/>
+            <a:ext cx="3017520" cy="369332"/>
+          </a:xfrm>
+          <a:prstGeom prst="rect">
+            <a:avLst/>
+          </a:prstGeom>
+          <a:noFill/>
+        </p:spPr>
+        <p:txBody>
+          <a:bodyPr wrap="square" rtlCol="0">
+            <a:spAutoFit/>
+          </a:bodyPr>
+          <a:lstStyle/>
+          <a:p>
+            <a:r>
+              <a:rPr lang="en-US" altLang="ko-KR" dirty="0" smtClean="0"/>
+              <a:t>&lt;</a:t>
+            </a:r>
+            <a:r>
+              <a:rPr lang="ko-KR" altLang="en-US" dirty="0" err="1" smtClean="0"/>
+              <a:t>하이퍼파라미터</a:t>
+            </a:r>
+            <a:r>
+              <a:rPr lang="en-US" altLang="ko-KR" dirty="0" smtClean="0"/>
+              <a:t>&gt;</a:t>
+            </a:r>
+            <a:r>
+              <a:rPr lang="ko-KR" altLang="en-US" dirty="0" smtClean="0"/>
+              <a:t> </a:t>
+            </a:r>
+            <a:endParaRPr lang="ko-KR" altLang="en-US" dirty="0"/>
+          </a:p>
+        </p:txBody>
+      </p:sp>
+    </p:spTree>
+    <p:extLst>
+      <p:ext uri="{BB962C8B-B14F-4D97-AF65-F5344CB8AC3E}">
+        <p14:creationId xmlns:p14="http://schemas.microsoft.com/office/powerpoint/2010/main" val="3573721589"/>
+      </p:ext>
+    </p:extLst>
+  </p:cSld>
+  <p:clrMapOvr>
+    <a:masterClrMapping/>
+  </p:clrMapOvr>
+</p:sld>
+</file>
+
+<file path=ppt/slides/slide12.xml><?xml version="1.0" encoding="utf-8"?>
+<p:sld xmlns:a="http://schemas.openxmlformats.org/drawingml/2006/main" xmlns:r="http://schemas.openxmlformats.org/officeDocument/2006/relationships" xmlns:p="http://schemas.openxmlformats.org/presentationml/2006/main">
+  <p:cSld>
+    <p:spTree>
+      <p:nvGrpSpPr>
+        <p:cNvPr id="1" name=""/>
+        <p:cNvGrpSpPr/>
+        <p:nvPr/>
+      </p:nvGrpSpPr>
+      <p:grpSpPr>
+        <a:xfrm>
+          <a:off x="0" y="0"/>
+          <a:ext cx="0" cy="0"/>
+          <a:chOff x="0" y="0"/>
+          <a:chExt cx="0" cy="0"/>
+        </a:xfrm>
+      </p:grpSpPr>
+      <p:sp>
+        <p:nvSpPr>
+          <p:cNvPr id="2" name="제목 1"/>
+          <p:cNvSpPr>
+            <a:spLocks noGrp="1"/>
+          </p:cNvSpPr>
+          <p:nvPr>
+            <p:ph type="title"/>
+          </p:nvPr>
+        </p:nvSpPr>
+        <p:spPr/>
+        <p:txBody>
+          <a:bodyPr/>
+          <a:lstStyle/>
+          <a:p>
+            <a:r>
+              <a:rPr lang="en-US" altLang="ko-KR" dirty="0" smtClean="0"/>
+              <a:t>DDPG</a:t>
+            </a:r>
+            <a:r>
+              <a:rPr lang="ko-KR" altLang="en-US" dirty="0" smtClean="0"/>
+              <a:t> </a:t>
+            </a:r>
+            <a:r>
+              <a:rPr lang="en-US" altLang="ko-KR" dirty="0"/>
+              <a:t>5</a:t>
+            </a:r>
+            <a:r>
+              <a:rPr lang="ko-KR" altLang="en-US" dirty="0" smtClean="0"/>
+              <a:t>  </a:t>
+            </a:r>
+            <a:endParaRPr lang="ko-KR" altLang="en-US" dirty="0"/>
+          </a:p>
+        </p:txBody>
+      </p:sp>
+      <p:sp>
+        <p:nvSpPr>
+          <p:cNvPr id="4" name="TextBox 3"/>
+          <p:cNvSpPr txBox="1"/>
+          <p:nvPr/>
+        </p:nvSpPr>
+        <p:spPr>
+          <a:xfrm>
+            <a:off x="838200" y="1459832"/>
+            <a:ext cx="11000874" cy="923330"/>
+          </a:xfrm>
+          <a:prstGeom prst="rect">
+            <a:avLst/>
+          </a:prstGeom>
+          <a:noFill/>
+        </p:spPr>
+        <p:txBody>
+          <a:bodyPr wrap="square" rtlCol="0">
+            <a:spAutoFit/>
+          </a:bodyPr>
+          <a:lstStyle/>
+          <a:p>
+            <a:pPr marL="285750" indent="-285750">
+              <a:buFontTx/>
+              <a:buChar char="-"/>
+            </a:pPr>
+            <a:r>
+              <a:rPr lang="en-US" altLang="ko-KR" b="1" dirty="0" smtClean="0">
+                <a:solidFill>
+                  <a:srgbClr val="FF0000"/>
+                </a:solidFill>
+              </a:rPr>
+              <a:t>Discount rate</a:t>
+            </a:r>
+            <a:r>
+              <a:rPr lang="ko-KR" altLang="en-US" b="1" dirty="0" smtClean="0">
+                <a:solidFill>
+                  <a:srgbClr val="FF0000"/>
+                </a:solidFill>
+              </a:rPr>
+              <a:t>에 따른 학습 안정도를 확인함 </a:t>
+            </a:r>
+            <a:endParaRPr lang="en-US" altLang="ko-KR" b="1" dirty="0" smtClean="0">
+              <a:solidFill>
+                <a:srgbClr val="FF0000"/>
+              </a:solidFill>
+            </a:endParaRPr>
+          </a:p>
+          <a:p>
+            <a:pPr marL="285750" indent="-285750">
+              <a:buFontTx/>
+              <a:buChar char="-"/>
+            </a:pPr>
+            <a:endParaRPr lang="en-US" altLang="ko-KR" b="1" dirty="0"/>
+          </a:p>
+          <a:p>
+            <a:pPr marL="285750" indent="-285750">
+              <a:buFontTx/>
+              <a:buChar char="-"/>
+            </a:pPr>
+            <a:r>
+              <a:rPr lang="en-US" altLang="ko-KR" b="1" dirty="0" smtClean="0"/>
+              <a:t>Discount Rate</a:t>
+            </a:r>
+            <a:r>
+              <a:rPr lang="en-US" altLang="ko-KR" b="1" dirty="0"/>
+              <a:t>: [0.0001, 0.00004, 0.00002, 0.00001, 0.000005] </a:t>
+            </a:r>
+            <a:endParaRPr lang="en-US" altLang="ko-KR" dirty="0" smtClean="0"/>
+          </a:p>
+        </p:txBody>
+      </p:sp>
+      <p:pic>
+        <p:nvPicPr>
+          <p:cNvPr id="3" name="그림 2"/>
+          <p:cNvPicPr>
+            <a:picLocks noChangeAspect="1"/>
+          </p:cNvPicPr>
+          <p:nvPr/>
+        </p:nvPicPr>
+        <p:blipFill>
+          <a:blip r:embed="rId2"/>
+          <a:stretch>
+            <a:fillRect/>
+          </a:stretch>
+        </p:blipFill>
+        <p:spPr>
+          <a:xfrm>
+            <a:off x="7946967" y="2659067"/>
+            <a:ext cx="3586508" cy="2717247"/>
+          </a:xfrm>
+          <a:prstGeom prst="rect">
+            <a:avLst/>
+          </a:prstGeom>
+        </p:spPr>
+      </p:pic>
+      <p:sp>
+        <p:nvSpPr>
+          <p:cNvPr id="5" name="TextBox 4"/>
+          <p:cNvSpPr txBox="1"/>
+          <p:nvPr/>
+        </p:nvSpPr>
+        <p:spPr>
+          <a:xfrm>
+            <a:off x="8711738" y="5483048"/>
+            <a:ext cx="3017520" cy="369332"/>
+          </a:xfrm>
+          <a:prstGeom prst="rect">
+            <a:avLst/>
+          </a:prstGeom>
+          <a:noFill/>
+        </p:spPr>
+        <p:txBody>
+          <a:bodyPr wrap="square" rtlCol="0">
+            <a:spAutoFit/>
+          </a:bodyPr>
+          <a:lstStyle/>
+          <a:p>
+            <a:r>
+              <a:rPr lang="en-US" altLang="ko-KR" dirty="0" smtClean="0"/>
+              <a:t>&lt;</a:t>
+            </a:r>
+            <a:r>
+              <a:rPr lang="ko-KR" altLang="en-US" dirty="0" err="1" smtClean="0"/>
+              <a:t>하이퍼파라미터</a:t>
+            </a:r>
+            <a:r>
+              <a:rPr lang="en-US" altLang="ko-KR" dirty="0" smtClean="0"/>
+              <a:t>&gt;</a:t>
+            </a:r>
+            <a:r>
+              <a:rPr lang="ko-KR" altLang="en-US" dirty="0" smtClean="0"/>
+              <a:t> </a:t>
+            </a:r>
+            <a:endParaRPr lang="ko-KR" altLang="en-US" dirty="0"/>
+          </a:p>
+        </p:txBody>
+      </p:sp>
+    </p:spTree>
+    <p:extLst>
+      <p:ext uri="{BB962C8B-B14F-4D97-AF65-F5344CB8AC3E}">
+        <p14:creationId xmlns:p14="http://schemas.microsoft.com/office/powerpoint/2010/main" val="884086792"/>
       </p:ext>
     </p:extLst>
   </p:cSld>

--- a/실험정리.pptx
+++ b/실험정리.pptx
@@ -4699,15 +4699,7 @@
                   <a:srgbClr val="FF0000"/>
                 </a:solidFill>
               </a:rPr>
-              <a:t>Decay </a:t>
-            </a:r>
-            <a:r>
-              <a:rPr lang="en-US" altLang="ko-KR" b="1" dirty="0" smtClean="0">
-                <a:solidFill>
-                  <a:srgbClr val="FF0000"/>
-                </a:solidFill>
-              </a:rPr>
-              <a:t>Rate</a:t>
+              <a:t>Decay Rate</a:t>
             </a:r>
             <a:r>
               <a:rPr lang="ko-KR" altLang="en-US" b="1" dirty="0" smtClean="0">
@@ -4794,8 +4786,8 @@
         </p:nvSpPr>
         <p:spPr>
           <a:xfrm>
-            <a:off x="838200" y="1459832"/>
-            <a:ext cx="11000874" cy="923330"/>
+            <a:off x="838200" y="1484771"/>
+            <a:ext cx="11000874" cy="5078313"/>
           </a:xfrm>
           <a:prstGeom prst="rect">
             <a:avLst/>
@@ -4879,14 +4871,447 @@
               <a:buChar char="-"/>
             </a:pPr>
             <a:r>
+              <a:rPr lang="en-US" altLang="ko-KR" b="1" dirty="0"/>
+              <a:t>Env1 State:</a:t>
+            </a:r>
+          </a:p>
+          <a:p>
+            <a:pPr marL="742950" lvl="1" indent="-285750">
+              <a:buFontTx/>
+              <a:buChar char="-"/>
+            </a:pPr>
+            <a:r>
+              <a:rPr lang="en-US" altLang="ko-KR" dirty="0"/>
+              <a:t>State:   [</a:t>
+            </a:r>
+            <a:r>
+              <a:rPr lang="en-US" altLang="ko-KR" dirty="0" err="1">
+                <a:solidFill>
+                  <a:srgbClr val="FF0000"/>
+                </a:solidFill>
+              </a:rPr>
+              <a:t>power_out</a:t>
+            </a:r>
+            <a:r>
+              <a:rPr lang="en-US" altLang="ko-KR" dirty="0">
+                <a:solidFill>
+                  <a:srgbClr val="FF0000"/>
+                </a:solidFill>
+              </a:rPr>
+              <a:t>/1000</a:t>
+            </a:r>
+            <a:r>
+              <a:rPr lang="en-US" altLang="ko-KR" dirty="0"/>
+              <a:t>, SOC - 0.6, </a:t>
+            </a:r>
+            <a:r>
+              <a:rPr lang="en-US" altLang="ko-KR" dirty="0" err="1"/>
+              <a:t>j_min</a:t>
+            </a:r>
+            <a:r>
+              <a:rPr lang="en-US" altLang="ko-KR" dirty="0"/>
+              <a:t>, </a:t>
+            </a:r>
+            <a:r>
+              <a:rPr lang="en-US" altLang="ko-KR" dirty="0" err="1"/>
+              <a:t>j_max</a:t>
+            </a:r>
+            <a:r>
+              <a:rPr lang="en-US" altLang="ko-KR" dirty="0" smtClean="0"/>
+              <a:t>]</a:t>
+            </a:r>
+          </a:p>
+          <a:p>
+            <a:pPr marL="742950" lvl="1" indent="-285750">
+              <a:buFontTx/>
+              <a:buChar char="-"/>
+            </a:pPr>
+            <a:r>
+              <a:rPr lang="en-US" altLang="ko-KR" dirty="0" smtClean="0"/>
+              <a:t>Replay memory</a:t>
+            </a:r>
+            <a:r>
+              <a:rPr lang="ko-KR" altLang="en-US" dirty="0" smtClean="0"/>
+              <a:t>에서 </a:t>
+            </a:r>
+            <a:r>
+              <a:rPr lang="en-US" altLang="ko-KR" dirty="0" err="1" smtClean="0"/>
+              <a:t>power_out</a:t>
+            </a:r>
+            <a:r>
+              <a:rPr lang="ko-KR" altLang="en-US" dirty="0" smtClean="0"/>
+              <a:t>에 대해</a:t>
+            </a:r>
+            <a:r>
+              <a:rPr lang="en-US" altLang="ko-KR" dirty="0" smtClean="0"/>
+              <a:t> min-max normalization </a:t>
+            </a:r>
+            <a:r>
+              <a:rPr lang="ko-KR" altLang="en-US" dirty="0" smtClean="0"/>
+              <a:t>적용 </a:t>
+            </a:r>
+            <a:endParaRPr lang="en-US" altLang="ko-KR" dirty="0"/>
+          </a:p>
+          <a:p>
+            <a:endParaRPr lang="en-US" altLang="ko-KR" dirty="0"/>
+          </a:p>
+          <a:p>
+            <a:pPr marL="285750" indent="-285750">
+              <a:buFontTx/>
+              <a:buChar char="-"/>
+            </a:pPr>
+            <a:r>
               <a:rPr lang="en-US" altLang="ko-KR" b="1" dirty="0" smtClean="0"/>
-              <a:t>Discount Rate</a:t>
+              <a:t>Env2 </a:t>
             </a:r>
             <a:r>
               <a:rPr lang="en-US" altLang="ko-KR" b="1" dirty="0"/>
-              <a:t>: [0.0001, 0.00004, 0.00002, 0.00001, 0.000005] </a:t>
+              <a:t>State:</a:t>
+            </a:r>
+          </a:p>
+          <a:p>
+            <a:pPr marL="742950" lvl="1" indent="-285750">
+              <a:buFontTx/>
+              <a:buChar char="-"/>
+            </a:pPr>
+            <a:r>
+              <a:rPr lang="en-US" altLang="ko-KR" dirty="0"/>
+              <a:t>State:   [</a:t>
+            </a:r>
+            <a:r>
+              <a:rPr lang="en-US" altLang="ko-KR" dirty="0" err="1">
+                <a:solidFill>
+                  <a:srgbClr val="FF0000"/>
+                </a:solidFill>
+              </a:rPr>
+              <a:t>power_out</a:t>
+            </a:r>
+            <a:r>
+              <a:rPr lang="en-US" altLang="ko-KR" dirty="0">
+                <a:solidFill>
+                  <a:srgbClr val="FF0000"/>
+                </a:solidFill>
+              </a:rPr>
+              <a:t>/1000</a:t>
+            </a:r>
+            <a:r>
+              <a:rPr lang="en-US" altLang="ko-KR" dirty="0"/>
+              <a:t>, SOC - 0.6, </a:t>
+            </a:r>
+            <a:r>
+              <a:rPr lang="en-US" altLang="ko-KR" dirty="0" err="1"/>
+              <a:t>j_min</a:t>
+            </a:r>
+            <a:r>
+              <a:rPr lang="en-US" altLang="ko-KR" dirty="0"/>
+              <a:t>, </a:t>
+            </a:r>
+            <a:r>
+              <a:rPr lang="en-US" altLang="ko-KR" dirty="0" err="1"/>
+              <a:t>j_max</a:t>
+            </a:r>
+            <a:r>
+              <a:rPr lang="en-US" altLang="ko-KR" dirty="0"/>
+              <a:t>]</a:t>
+            </a:r>
+          </a:p>
+          <a:p>
+            <a:pPr marL="742950" lvl="1" indent="-285750">
+              <a:buFontTx/>
+              <a:buChar char="-"/>
+            </a:pPr>
+            <a:r>
+              <a:rPr lang="en-US" altLang="ko-KR" dirty="0"/>
+              <a:t>Replay memory</a:t>
+            </a:r>
+            <a:r>
+              <a:rPr lang="ko-KR" altLang="en-US" dirty="0"/>
+              <a:t>에서 </a:t>
+            </a:r>
+            <a:r>
+              <a:rPr lang="ko-KR" altLang="en-US" dirty="0" smtClean="0"/>
+              <a:t>모든 </a:t>
+            </a:r>
+            <a:r>
+              <a:rPr lang="en-US" altLang="ko-KR" dirty="0" smtClean="0"/>
+              <a:t>Feature</a:t>
+            </a:r>
+            <a:r>
+              <a:rPr lang="ko-KR" altLang="en-US" dirty="0" smtClean="0"/>
+              <a:t>에 </a:t>
+            </a:r>
+            <a:r>
+              <a:rPr lang="ko-KR" altLang="en-US" dirty="0"/>
+              <a:t>대해</a:t>
+            </a:r>
+            <a:r>
+              <a:rPr lang="en-US" altLang="ko-KR" dirty="0"/>
+              <a:t> min-max </a:t>
+            </a:r>
+            <a:r>
+              <a:rPr lang="en-US" altLang="ko-KR" dirty="0" smtClean="0"/>
+              <a:t>normalization </a:t>
+            </a:r>
+            <a:r>
+              <a:rPr lang="ko-KR" altLang="en-US" dirty="0"/>
+              <a:t>적용 </a:t>
             </a:r>
             <a:endParaRPr lang="en-US" altLang="ko-KR" dirty="0" smtClean="0"/>
+          </a:p>
+          <a:p>
+            <a:pPr marL="742950" lvl="1" indent="-285750">
+              <a:buFontTx/>
+              <a:buChar char="-"/>
+            </a:pPr>
+            <a:endParaRPr lang="en-US" altLang="ko-KR" dirty="0" smtClean="0"/>
+          </a:p>
+          <a:p>
+            <a:pPr marL="285750" indent="-285750">
+              <a:buFontTx/>
+              <a:buChar char="-"/>
+            </a:pPr>
+            <a:r>
+              <a:rPr lang="en-US" altLang="ko-KR" b="1" dirty="0" smtClean="0"/>
+              <a:t>Env3 </a:t>
+            </a:r>
+            <a:r>
+              <a:rPr lang="en-US" altLang="ko-KR" b="1" dirty="0"/>
+              <a:t>State:</a:t>
+            </a:r>
+          </a:p>
+          <a:p>
+            <a:pPr marL="742950" lvl="1" indent="-285750">
+              <a:buFontTx/>
+              <a:buChar char="-"/>
+            </a:pPr>
+            <a:r>
+              <a:rPr lang="en-US" altLang="ko-KR" dirty="0"/>
+              <a:t>State:   </a:t>
+            </a:r>
+            <a:r>
+              <a:rPr lang="en-US" altLang="ko-KR" dirty="0" smtClean="0"/>
+              <a:t>[</a:t>
+            </a:r>
+            <a:r>
+              <a:rPr lang="en-US" altLang="ko-KR" dirty="0" err="1" smtClean="0">
+                <a:solidFill>
+                  <a:srgbClr val="FF0000"/>
+                </a:solidFill>
+              </a:rPr>
+              <a:t>acc</a:t>
+            </a:r>
+            <a:r>
+              <a:rPr lang="en-US" altLang="ko-KR" dirty="0" smtClean="0">
+                <a:solidFill>
+                  <a:srgbClr val="FF0000"/>
+                </a:solidFill>
+              </a:rPr>
+              <a:t>, </a:t>
+            </a:r>
+            <a:r>
+              <a:rPr lang="en-US" altLang="ko-KR" dirty="0" err="1" smtClean="0">
+                <a:solidFill>
+                  <a:srgbClr val="FF0000"/>
+                </a:solidFill>
+              </a:rPr>
+              <a:t>sp_whl</a:t>
+            </a:r>
+            <a:r>
+              <a:rPr lang="en-US" altLang="ko-KR" dirty="0" smtClean="0"/>
+              <a:t>, </a:t>
+            </a:r>
+            <a:r>
+              <a:rPr lang="en-US" altLang="ko-KR" dirty="0"/>
+              <a:t>SOC - 0.6, </a:t>
+            </a:r>
+            <a:r>
+              <a:rPr lang="en-US" altLang="ko-KR" dirty="0" err="1"/>
+              <a:t>j_min</a:t>
+            </a:r>
+            <a:r>
+              <a:rPr lang="en-US" altLang="ko-KR" dirty="0"/>
+              <a:t>, </a:t>
+            </a:r>
+            <a:r>
+              <a:rPr lang="en-US" altLang="ko-KR" dirty="0" err="1"/>
+              <a:t>j_max</a:t>
+            </a:r>
+            <a:r>
+              <a:rPr lang="en-US" altLang="ko-KR" dirty="0"/>
+              <a:t>]</a:t>
+            </a:r>
+          </a:p>
+          <a:p>
+            <a:pPr marL="742950" lvl="1" indent="-285750">
+              <a:buFontTx/>
+              <a:buChar char="-"/>
+            </a:pPr>
+            <a:r>
+              <a:rPr lang="en-US" altLang="ko-KR" dirty="0"/>
+              <a:t>Replay memory</a:t>
+            </a:r>
+            <a:r>
+              <a:rPr lang="ko-KR" altLang="en-US" dirty="0"/>
+              <a:t>에서 </a:t>
+            </a:r>
+            <a:r>
+              <a:rPr lang="en-US" altLang="ko-KR" dirty="0" err="1" smtClean="0"/>
+              <a:t>acc</a:t>
+            </a:r>
+            <a:r>
+              <a:rPr lang="en-US" altLang="ko-KR" dirty="0" smtClean="0"/>
+              <a:t>, </a:t>
+            </a:r>
+            <a:r>
+              <a:rPr lang="en-US" altLang="ko-KR" dirty="0" err="1" smtClean="0"/>
+              <a:t>sp_whl</a:t>
+            </a:r>
+            <a:r>
+              <a:rPr lang="ko-KR" altLang="en-US" dirty="0" smtClean="0"/>
+              <a:t>에 </a:t>
+            </a:r>
+            <a:r>
+              <a:rPr lang="ko-KR" altLang="en-US" dirty="0"/>
+              <a:t>대해</a:t>
+            </a:r>
+            <a:r>
+              <a:rPr lang="en-US" altLang="ko-KR" dirty="0"/>
+              <a:t> min-max </a:t>
+            </a:r>
+            <a:r>
+              <a:rPr lang="en-US" altLang="ko-KR" dirty="0" smtClean="0"/>
+              <a:t>normalization </a:t>
+            </a:r>
+            <a:r>
+              <a:rPr lang="ko-KR" altLang="en-US" dirty="0"/>
+              <a:t>적용 </a:t>
+            </a:r>
+            <a:endParaRPr lang="en-US" altLang="ko-KR" dirty="0"/>
+          </a:p>
+          <a:p>
+            <a:pPr marL="742950" lvl="1" indent="-285750">
+              <a:buFontTx/>
+              <a:buChar char="-"/>
+            </a:pPr>
+            <a:endParaRPr lang="en-US" altLang="ko-KR" dirty="0" smtClean="0"/>
+          </a:p>
+          <a:p>
+            <a:pPr marL="285750" indent="-285750">
+              <a:buFontTx/>
+              <a:buChar char="-"/>
+            </a:pPr>
+            <a:r>
+              <a:rPr lang="en-US" altLang="ko-KR" b="1" dirty="0" smtClean="0"/>
+              <a:t>Env4 </a:t>
+            </a:r>
+            <a:r>
+              <a:rPr lang="en-US" altLang="ko-KR" b="1" dirty="0"/>
+              <a:t>State:</a:t>
+            </a:r>
+          </a:p>
+          <a:p>
+            <a:pPr marL="742950" lvl="1" indent="-285750">
+              <a:buFontTx/>
+              <a:buChar char="-"/>
+            </a:pPr>
+            <a:r>
+              <a:rPr lang="en-US" altLang="ko-KR" dirty="0"/>
+              <a:t>State:   </a:t>
+            </a:r>
+            <a:r>
+              <a:rPr lang="en-US" altLang="ko-KR" dirty="0" smtClean="0"/>
+              <a:t>[</a:t>
+            </a:r>
+            <a:r>
+              <a:rPr lang="en-US" altLang="ko-KR" dirty="0" err="1" smtClean="0">
+                <a:solidFill>
+                  <a:srgbClr val="FF0000"/>
+                </a:solidFill>
+              </a:rPr>
+              <a:t>acc</a:t>
+            </a:r>
+            <a:r>
+              <a:rPr lang="en-US" altLang="ko-KR" dirty="0" smtClean="0">
+                <a:solidFill>
+                  <a:srgbClr val="FF0000"/>
+                </a:solidFill>
+              </a:rPr>
+              <a:t>, </a:t>
+            </a:r>
+            <a:r>
+              <a:rPr lang="en-US" altLang="ko-KR" dirty="0" err="1" smtClean="0">
+                <a:solidFill>
+                  <a:srgbClr val="FF0000"/>
+                </a:solidFill>
+              </a:rPr>
+              <a:t>sp_whl</a:t>
+            </a:r>
+            <a:r>
+              <a:rPr lang="en-US" altLang="ko-KR" dirty="0" smtClean="0"/>
+              <a:t>, </a:t>
+            </a:r>
+            <a:r>
+              <a:rPr lang="en-US" altLang="ko-KR" dirty="0"/>
+              <a:t>SOC - 0.6, </a:t>
+            </a:r>
+            <a:r>
+              <a:rPr lang="en-US" altLang="ko-KR" dirty="0" err="1"/>
+              <a:t>j_min</a:t>
+            </a:r>
+            <a:r>
+              <a:rPr lang="en-US" altLang="ko-KR" dirty="0"/>
+              <a:t>, </a:t>
+            </a:r>
+            <a:r>
+              <a:rPr lang="en-US" altLang="ko-KR" dirty="0" err="1"/>
+              <a:t>j_max</a:t>
+            </a:r>
+            <a:r>
+              <a:rPr lang="en-US" altLang="ko-KR" dirty="0"/>
+              <a:t>]</a:t>
+            </a:r>
+          </a:p>
+          <a:p>
+            <a:pPr marL="742950" lvl="1" indent="-285750">
+              <a:buFontTx/>
+              <a:buChar char="-"/>
+            </a:pPr>
+            <a:r>
+              <a:rPr lang="en-US" altLang="ko-KR" dirty="0"/>
+              <a:t>Replay memory</a:t>
+            </a:r>
+            <a:r>
+              <a:rPr lang="ko-KR" altLang="en-US" dirty="0"/>
+              <a:t>에서 모든 </a:t>
+            </a:r>
+            <a:r>
+              <a:rPr lang="en-US" altLang="ko-KR" dirty="0"/>
+              <a:t>Feature</a:t>
+            </a:r>
+            <a:r>
+              <a:rPr lang="ko-KR" altLang="en-US" dirty="0"/>
+              <a:t>에 대해</a:t>
+            </a:r>
+            <a:r>
+              <a:rPr lang="en-US" altLang="ko-KR" dirty="0"/>
+              <a:t> min-max </a:t>
+            </a:r>
+            <a:r>
+              <a:rPr lang="en-US" altLang="ko-KR" dirty="0" smtClean="0"/>
+              <a:t>normalization </a:t>
+            </a:r>
+            <a:r>
+              <a:rPr lang="ko-KR" altLang="en-US" dirty="0"/>
+              <a:t>적용 </a:t>
+            </a:r>
+            <a:endParaRPr lang="en-US" altLang="ko-KR" dirty="0"/>
+          </a:p>
+          <a:p>
+            <a:pPr marL="742950" lvl="1" indent="-285750">
+              <a:buFontTx/>
+              <a:buChar char="-"/>
+            </a:pPr>
+            <a:endParaRPr lang="en-US" altLang="ko-KR" dirty="0"/>
           </a:p>
         </p:txBody>
       </p:sp>
@@ -4906,8 +5331,8 @@
         </p:blipFill>
         <p:spPr>
           <a:xfrm>
-            <a:off x="7946967" y="2659067"/>
-            <a:ext cx="3586508" cy="2717247"/>
+            <a:off x="9023899" y="1963365"/>
+            <a:ext cx="2705359" cy="2049662"/>
           </a:xfrm>
           <a:prstGeom prst="rect">
             <a:avLst/>
@@ -4922,7 +5347,7 @@
         </p:nvSpPr>
         <p:spPr>
           <a:xfrm>
-            <a:off x="8711738" y="5483048"/>
+            <a:off x="9376757" y="4122289"/>
             <a:ext cx="3017520" cy="369332"/>
           </a:xfrm>
           <a:prstGeom prst="rect">
@@ -6062,8 +6487,8 @@
           </a:prstGeom>
         </p:spPr>
       </p:pic>
-      <mc:AlternateContent xmlns:mc="http://schemas.openxmlformats.org/markup-compatibility/2006">
-        <mc:Choice xmlns:a14="http://schemas.microsoft.com/office/drawing/2010/main" Requires="a14">
+      <mc:AlternateContent xmlns:mc="http://schemas.openxmlformats.org/markup-compatibility/2006" xmlns:a14="http://schemas.microsoft.com/office/drawing/2010/main">
+        <mc:Choice Requires="a14">
           <p:sp>
             <p:nvSpPr>
               <p:cNvPr id="8" name="TextBox 7"/>
@@ -6092,11 +6517,7 @@
                 </a:r>
                 <a:r>
                   <a:rPr lang="en-US" altLang="ko-KR" b="1" dirty="0" smtClean="0"/>
-                  <a:t> [W]:  </a:t>
-                </a:r>
-                <a:r>
-                  <a:rPr lang="en-US" altLang="ko-KR" b="1" dirty="0" smtClean="0"/>
-                  <a:t>~ </a:t>
+                  <a:t> [W]:  ~ </a:t>
                 </a:r>
                 <a14:m>
                   <m:oMath xmlns:m="http://schemas.openxmlformats.org/officeDocument/2006/math">
@@ -6136,7 +6557,7 @@
             </p:txBody>
           </p:sp>
         </mc:Choice>
-        <mc:Fallback>
+        <mc:Fallback xmlns="">
           <p:sp>
             <p:nvSpPr>
               <p:cNvPr id="8" name="TextBox 7"/>
@@ -6175,8 +6596,8 @@
           </p:sp>
         </mc:Fallback>
       </mc:AlternateContent>
-      <mc:AlternateContent xmlns:mc="http://schemas.openxmlformats.org/markup-compatibility/2006">
-        <mc:Choice xmlns:a14="http://schemas.microsoft.com/office/drawing/2010/main" Requires="a14">
+      <mc:AlternateContent xmlns:mc="http://schemas.openxmlformats.org/markup-compatibility/2006" xmlns:a14="http://schemas.microsoft.com/office/drawing/2010/main">
+        <mc:Choice Requires="a14">
           <p:sp>
             <p:nvSpPr>
               <p:cNvPr id="10" name="TextBox 9"/>
@@ -6263,7 +6684,7 @@
             </p:txBody>
           </p:sp>
         </mc:Choice>
-        <mc:Fallback>
+        <mc:Fallback xmlns="">
           <p:sp>
             <p:nvSpPr>
               <p:cNvPr id="10" name="TextBox 9"/>
@@ -6302,8 +6723,8 @@
           </p:sp>
         </mc:Fallback>
       </mc:AlternateContent>
-      <mc:AlternateContent xmlns:mc="http://schemas.openxmlformats.org/markup-compatibility/2006">
-        <mc:Choice xmlns:a14="http://schemas.microsoft.com/office/drawing/2010/main" Requires="a14">
+      <mc:AlternateContent xmlns:mc="http://schemas.openxmlformats.org/markup-compatibility/2006" xmlns:a14="http://schemas.microsoft.com/office/drawing/2010/main">
+        <mc:Choice Requires="a14">
           <p:sp>
             <p:nvSpPr>
               <p:cNvPr id="11" name="TextBox 10"/>
@@ -6374,7 +6795,7 @@
             </p:txBody>
           </p:sp>
         </mc:Choice>
-        <mc:Fallback>
+        <mc:Fallback xmlns="">
           <p:sp>
             <p:nvSpPr>
               <p:cNvPr id="11" name="TextBox 10"/>
@@ -6548,8 +6969,8 @@
           </a:p>
         </p:txBody>
       </p:sp>
-      <mc:AlternateContent xmlns:mc="http://schemas.openxmlformats.org/markup-compatibility/2006">
-        <mc:Choice xmlns:a14="http://schemas.microsoft.com/office/drawing/2010/main" Requires="a14">
+      <mc:AlternateContent xmlns:mc="http://schemas.openxmlformats.org/markup-compatibility/2006" xmlns:a14="http://schemas.microsoft.com/office/drawing/2010/main">
+        <mc:Choice Requires="a14">
           <p:sp>
             <p:nvSpPr>
               <p:cNvPr id="9" name="TextBox 8"/>
@@ -6574,11 +6995,7 @@
               <a:p>
                 <a:r>
                   <a:rPr lang="en-US" altLang="ko-KR" b="1" dirty="0" smtClean="0"/>
-                  <a:t>Power_out [kW]:  </a:t>
-                </a:r>
-                <a:r>
-                  <a:rPr lang="en-US" altLang="ko-KR" b="1" dirty="0" smtClean="0"/>
-                  <a:t>~ </a:t>
+                  <a:t>Power_out [kW]:  ~ </a:t>
                 </a:r>
                 <a14:m>
                   <m:oMath xmlns:m="http://schemas.openxmlformats.org/officeDocument/2006/math">
@@ -6618,7 +7035,7 @@
             </p:txBody>
           </p:sp>
         </mc:Choice>
-        <mc:Fallback>
+        <mc:Fallback xmlns="">
           <p:sp>
             <p:nvSpPr>
               <p:cNvPr id="9" name="TextBox 8"/>
@@ -6657,8 +7074,8 @@
           </p:sp>
         </mc:Fallback>
       </mc:AlternateContent>
-      <mc:AlternateContent xmlns:mc="http://schemas.openxmlformats.org/markup-compatibility/2006">
-        <mc:Choice xmlns:a14="http://schemas.microsoft.com/office/drawing/2010/main" Requires="a14">
+      <mc:AlternateContent xmlns:mc="http://schemas.openxmlformats.org/markup-compatibility/2006" xmlns:a14="http://schemas.microsoft.com/office/drawing/2010/main">
+        <mc:Choice Requires="a14">
           <p:sp>
             <p:nvSpPr>
               <p:cNvPr id="13" name="TextBox 12"/>
@@ -6745,7 +7162,7 @@
             </p:txBody>
           </p:sp>
         </mc:Choice>
-        <mc:Fallback>
+        <mc:Fallback xmlns="">
           <p:sp>
             <p:nvSpPr>
               <p:cNvPr id="13" name="TextBox 12"/>
@@ -6784,8 +7201,8 @@
           </p:sp>
         </mc:Fallback>
       </mc:AlternateContent>
-      <mc:AlternateContent xmlns:mc="http://schemas.openxmlformats.org/markup-compatibility/2006">
-        <mc:Choice xmlns:a14="http://schemas.microsoft.com/office/drawing/2010/main" Requires="a14">
+      <mc:AlternateContent xmlns:mc="http://schemas.openxmlformats.org/markup-compatibility/2006" xmlns:a14="http://schemas.microsoft.com/office/drawing/2010/main">
+        <mc:Choice Requires="a14">
           <p:sp>
             <p:nvSpPr>
               <p:cNvPr id="14" name="TextBox 13"/>
@@ -6856,7 +7273,7 @@
             </p:txBody>
           </p:sp>
         </mc:Choice>
-        <mc:Fallback>
+        <mc:Fallback xmlns="">
           <p:sp>
             <p:nvSpPr>
               <p:cNvPr id="14" name="TextBox 13"/>

--- a/실험정리.pptx
+++ b/실험정리.pptx
@@ -18,7 +18,8 @@
     <p:sldId id="285" r:id="rId12"/>
     <p:sldId id="286" r:id="rId13"/>
     <p:sldId id="287" r:id="rId14"/>
-    <p:sldId id="288" r:id="rId15"/>
+    <p:sldId id="290" r:id="rId15"/>
+    <p:sldId id="288" r:id="rId16"/>
   </p:sldIdLst>
   <p:sldSz cx="12192000" cy="6858000"/>
   <p:notesSz cx="6858000" cy="9144000"/>
@@ -4953,6 +4954,22 @@
             <a:endParaRPr lang="en-US" altLang="ko-KR" dirty="0"/>
           </a:p>
           <a:p>
+            <a:pPr marL="742950" lvl="1" indent="-285750">
+              <a:buFontTx/>
+              <a:buChar char="-"/>
+            </a:pPr>
+            <a:r>
+              <a:rPr lang="en-US" altLang="ko-KR" dirty="0" smtClean="0"/>
+              <a:t>[</a:t>
+            </a:r>
+            <a:r>
+              <a:rPr lang="ko-KR" altLang="en-US" dirty="0" smtClean="0"/>
+              <a:t>실패</a:t>
+            </a:r>
+            <a:r>
+              <a:rPr lang="en-US" altLang="ko-KR" dirty="0" smtClean="0"/>
+              <a:t>]</a:t>
+            </a:r>
             <a:endParaRPr lang="en-US" altLang="ko-KR" dirty="0"/>
           </a:p>
           <a:p>
@@ -5063,6 +5080,18 @@
               <a:buFontTx/>
               <a:buChar char="-"/>
             </a:pPr>
+            <a:r>
+              <a:rPr lang="en-US" altLang="ko-KR" dirty="0" smtClean="0"/>
+              <a:t>[</a:t>
+            </a:r>
+            <a:r>
+              <a:rPr lang="ko-KR" altLang="en-US" dirty="0" smtClean="0"/>
+              <a:t>실패</a:t>
+            </a:r>
+            <a:r>
+              <a:rPr lang="en-US" altLang="ko-KR" dirty="0" smtClean="0"/>
+              <a:t>]</a:t>
+            </a:r>
             <a:endParaRPr lang="en-US" altLang="ko-KR" dirty="0" smtClean="0"/>
           </a:p>
           <a:p>
@@ -5193,6 +5222,10 @@
               <a:buFontTx/>
               <a:buChar char="-"/>
             </a:pPr>
+            <a:r>
+              <a:rPr lang="en-US" altLang="ko-KR" dirty="0" smtClean="0"/>
+              <a:t>[]</a:t>
+            </a:r>
             <a:endParaRPr lang="en-US" altLang="ko-KR" dirty="0" smtClean="0"/>
           </a:p>
           <a:p>
@@ -5311,6 +5344,10 @@
               <a:buFontTx/>
               <a:buChar char="-"/>
             </a:pPr>
+            <a:r>
+              <a:rPr lang="en-US" altLang="ko-KR" dirty="0" smtClean="0"/>
+              <a:t>[]</a:t>
+            </a:r>
             <a:endParaRPr lang="en-US" altLang="ko-KR" dirty="0"/>
           </a:p>
         </p:txBody>
@@ -5331,8 +5368,8 @@
         </p:blipFill>
         <p:spPr>
           <a:xfrm>
-            <a:off x="9023899" y="1963365"/>
-            <a:ext cx="2705359" cy="2049662"/>
+            <a:off x="9023899" y="1779557"/>
+            <a:ext cx="2947968" cy="2233470"/>
           </a:xfrm>
           <a:prstGeom prst="rect">
             <a:avLst/>
@@ -5381,6 +5418,68 @@
           </a:p>
         </p:txBody>
       </p:sp>
+      <p:sp>
+        <p:nvSpPr>
+          <p:cNvPr id="6" name="TextBox 5"/>
+          <p:cNvSpPr txBox="1"/>
+          <p:nvPr/>
+        </p:nvSpPr>
+        <p:spPr>
+          <a:xfrm>
+            <a:off x="2560388" y="6433049"/>
+            <a:ext cx="8607145" cy="369332"/>
+          </a:xfrm>
+          <a:prstGeom prst="rect">
+            <a:avLst/>
+          </a:prstGeom>
+          <a:noFill/>
+        </p:spPr>
+        <p:txBody>
+          <a:bodyPr wrap="square" rtlCol="0">
+            <a:spAutoFit/>
+          </a:bodyPr>
+          <a:lstStyle/>
+          <a:p>
+            <a:r>
+              <a:rPr lang="en-US" altLang="ko-KR" b="1" dirty="0" smtClean="0">
+                <a:solidFill>
+                  <a:srgbClr val="FF0000"/>
+                </a:solidFill>
+              </a:rPr>
+              <a:t>Reference </a:t>
+            </a:r>
+            <a:r>
+              <a:rPr lang="ko-KR" altLang="en-US" b="1" dirty="0" smtClean="0">
+                <a:solidFill>
+                  <a:srgbClr val="FF0000"/>
+                </a:solidFill>
+              </a:rPr>
+              <a:t>모델은 높은 학습률에서도 꽤 견고한 학습을 보이는 것으로 확인 </a:t>
+            </a:r>
+            <a:r>
+              <a:rPr lang="ko-KR" altLang="en-US" b="1" dirty="0" err="1">
+                <a:solidFill>
+                  <a:srgbClr val="FF0000"/>
+                </a:solidFill>
+              </a:rPr>
+              <a:t>됌</a:t>
+            </a:r>
+            <a:r>
+              <a:rPr lang="ko-KR" altLang="en-US" b="1" dirty="0" smtClean="0">
+                <a:solidFill>
+                  <a:srgbClr val="FF0000"/>
+                </a:solidFill>
+              </a:rPr>
+              <a:t> </a:t>
+            </a:r>
+            <a:endParaRPr lang="en-US" altLang="ko-KR" b="1" dirty="0">
+              <a:solidFill>
+                <a:srgbClr val="FF0000"/>
+              </a:solidFill>
+            </a:endParaRPr>
+          </a:p>
+        </p:txBody>
+      </p:sp>
     </p:spTree>
     <p:extLst>
       <p:ext uri="{BB962C8B-B14F-4D97-AF65-F5344CB8AC3E}">
@@ -5395,6 +5494,714 @@
 </file>
 
 <file path=ppt/slides/slide14.xml><?xml version="1.0" encoding="utf-8"?>
+<p:sld xmlns:a="http://schemas.openxmlformats.org/drawingml/2006/main" xmlns:r="http://schemas.openxmlformats.org/officeDocument/2006/relationships" xmlns:p="http://schemas.openxmlformats.org/presentationml/2006/main">
+  <p:cSld>
+    <p:spTree>
+      <p:nvGrpSpPr>
+        <p:cNvPr id="1" name=""/>
+        <p:cNvGrpSpPr/>
+        <p:nvPr/>
+      </p:nvGrpSpPr>
+      <p:grpSpPr>
+        <a:xfrm>
+          <a:off x="0" y="0"/>
+          <a:ext cx="0" cy="0"/>
+          <a:chOff x="0" y="0"/>
+          <a:chExt cx="0" cy="0"/>
+        </a:xfrm>
+      </p:grpSpPr>
+      <p:sp>
+        <p:nvSpPr>
+          <p:cNvPr id="2" name="제목 1"/>
+          <p:cNvSpPr>
+            <a:spLocks noGrp="1"/>
+          </p:cNvSpPr>
+          <p:nvPr>
+            <p:ph type="title"/>
+          </p:nvPr>
+        </p:nvSpPr>
+        <p:spPr/>
+        <p:txBody>
+          <a:bodyPr/>
+          <a:lstStyle/>
+          <a:p>
+            <a:r>
+              <a:rPr lang="en-US" altLang="ko-KR" dirty="0" smtClean="0"/>
+              <a:t>DDPG</a:t>
+            </a:r>
+            <a:r>
+              <a:rPr lang="ko-KR" altLang="en-US" dirty="0" smtClean="0"/>
+              <a:t> </a:t>
+            </a:r>
+            <a:r>
+              <a:rPr lang="en-US" altLang="ko-KR" dirty="0"/>
+              <a:t>6</a:t>
+            </a:r>
+            <a:r>
+              <a:rPr lang="ko-KR" altLang="en-US" dirty="0" smtClean="0"/>
+              <a:t>  </a:t>
+            </a:r>
+            <a:endParaRPr lang="ko-KR" altLang="en-US" dirty="0"/>
+          </a:p>
+        </p:txBody>
+      </p:sp>
+      <p:sp>
+        <p:nvSpPr>
+          <p:cNvPr id="4" name="TextBox 3"/>
+          <p:cNvSpPr txBox="1"/>
+          <p:nvPr/>
+        </p:nvSpPr>
+        <p:spPr>
+          <a:xfrm>
+            <a:off x="838200" y="1484771"/>
+            <a:ext cx="11000874" cy="5078313"/>
+          </a:xfrm>
+          <a:prstGeom prst="rect">
+            <a:avLst/>
+          </a:prstGeom>
+          <a:noFill/>
+        </p:spPr>
+        <p:txBody>
+          <a:bodyPr wrap="square" rtlCol="0">
+            <a:spAutoFit/>
+          </a:bodyPr>
+          <a:lstStyle/>
+          <a:p>
+            <a:pPr marL="285750" indent="-285750">
+              <a:buFontTx/>
+              <a:buChar char="-"/>
+            </a:pPr>
+            <a:r>
+              <a:rPr lang="en-US" altLang="ko-KR" b="1" dirty="0" smtClean="0">
+                <a:solidFill>
+                  <a:srgbClr val="FF0000"/>
+                </a:solidFill>
+              </a:rPr>
+              <a:t>Replay memory</a:t>
+            </a:r>
+            <a:r>
+              <a:rPr lang="ko-KR" altLang="en-US" b="1" dirty="0" smtClean="0">
+                <a:solidFill>
+                  <a:srgbClr val="FF0000"/>
+                </a:solidFill>
+              </a:rPr>
+              <a:t>에서 </a:t>
+            </a:r>
+            <a:r>
+              <a:rPr lang="en-US" altLang="ko-KR" b="1" dirty="0" smtClean="0">
+                <a:solidFill>
+                  <a:srgbClr val="FF0000"/>
+                </a:solidFill>
+              </a:rPr>
+              <a:t>experiments</a:t>
+            </a:r>
+            <a:r>
+              <a:rPr lang="ko-KR" altLang="en-US" b="1" dirty="0" smtClean="0">
+                <a:solidFill>
+                  <a:srgbClr val="FF0000"/>
+                </a:solidFill>
+              </a:rPr>
+              <a:t>를 </a:t>
+            </a:r>
+            <a:r>
+              <a:rPr lang="en-US" altLang="ko-KR" b="1" dirty="0" smtClean="0">
+                <a:solidFill>
+                  <a:srgbClr val="FF0000"/>
+                </a:solidFill>
+              </a:rPr>
+              <a:t>normalization</a:t>
+            </a:r>
+            <a:r>
+              <a:rPr lang="ko-KR" altLang="en-US" b="1" dirty="0" smtClean="0">
+                <a:solidFill>
+                  <a:srgbClr val="FF0000"/>
+                </a:solidFill>
+              </a:rPr>
+              <a:t>하는 방식을 활용하기 </a:t>
+            </a:r>
+            <a:endParaRPr lang="en-US" altLang="ko-KR" b="1" dirty="0" smtClean="0">
+              <a:solidFill>
+                <a:srgbClr val="FF0000"/>
+              </a:solidFill>
+            </a:endParaRPr>
+          </a:p>
+          <a:p>
+            <a:pPr marL="285750" indent="-285750">
+              <a:buFontTx/>
+              <a:buChar char="-"/>
+            </a:pPr>
+            <a:endParaRPr lang="en-US" altLang="ko-KR" b="1" dirty="0"/>
+          </a:p>
+          <a:p>
+            <a:pPr marL="285750" indent="-285750">
+              <a:buFontTx/>
+              <a:buChar char="-"/>
+            </a:pPr>
+            <a:r>
+              <a:rPr lang="en-US" altLang="ko-KR" b="1" dirty="0"/>
+              <a:t>Env1 State:</a:t>
+            </a:r>
+          </a:p>
+          <a:p>
+            <a:pPr marL="742950" lvl="1" indent="-285750">
+              <a:buFontTx/>
+              <a:buChar char="-"/>
+            </a:pPr>
+            <a:r>
+              <a:rPr lang="en-US" altLang="ko-KR" dirty="0"/>
+              <a:t>State:   [</a:t>
+            </a:r>
+            <a:r>
+              <a:rPr lang="en-US" altLang="ko-KR" dirty="0" err="1">
+                <a:solidFill>
+                  <a:srgbClr val="FF0000"/>
+                </a:solidFill>
+              </a:rPr>
+              <a:t>power_out</a:t>
+            </a:r>
+            <a:r>
+              <a:rPr lang="en-US" altLang="ko-KR" dirty="0">
+                <a:solidFill>
+                  <a:srgbClr val="FF0000"/>
+                </a:solidFill>
+              </a:rPr>
+              <a:t>/1000</a:t>
+            </a:r>
+            <a:r>
+              <a:rPr lang="en-US" altLang="ko-KR" dirty="0"/>
+              <a:t>, SOC - 0.6, </a:t>
+            </a:r>
+            <a:r>
+              <a:rPr lang="en-US" altLang="ko-KR" dirty="0" err="1"/>
+              <a:t>j_min</a:t>
+            </a:r>
+            <a:r>
+              <a:rPr lang="en-US" altLang="ko-KR" dirty="0"/>
+              <a:t>, </a:t>
+            </a:r>
+            <a:r>
+              <a:rPr lang="en-US" altLang="ko-KR" dirty="0" err="1"/>
+              <a:t>j_max</a:t>
+            </a:r>
+            <a:r>
+              <a:rPr lang="en-US" altLang="ko-KR" dirty="0" smtClean="0"/>
+              <a:t>]</a:t>
+            </a:r>
+          </a:p>
+          <a:p>
+            <a:pPr marL="742950" lvl="1" indent="-285750">
+              <a:buFontTx/>
+              <a:buChar char="-"/>
+            </a:pPr>
+            <a:r>
+              <a:rPr lang="en-US" altLang="ko-KR" dirty="0" smtClean="0"/>
+              <a:t>Replay memory</a:t>
+            </a:r>
+            <a:r>
+              <a:rPr lang="ko-KR" altLang="en-US" dirty="0" smtClean="0"/>
+              <a:t>에서 </a:t>
+            </a:r>
+            <a:r>
+              <a:rPr lang="en-US" altLang="ko-KR" dirty="0" err="1" smtClean="0"/>
+              <a:t>power_out</a:t>
+            </a:r>
+            <a:r>
+              <a:rPr lang="ko-KR" altLang="en-US" dirty="0" smtClean="0"/>
+              <a:t>에 대해</a:t>
+            </a:r>
+            <a:r>
+              <a:rPr lang="en-US" altLang="ko-KR" dirty="0" smtClean="0"/>
+              <a:t> </a:t>
+            </a:r>
+            <a:r>
+              <a:rPr lang="en-US" altLang="ko-KR" dirty="0" smtClean="0"/>
+              <a:t>mean-</a:t>
+            </a:r>
+            <a:r>
+              <a:rPr lang="en-US" altLang="ko-KR" dirty="0" err="1" smtClean="0"/>
+              <a:t>std</a:t>
+            </a:r>
+            <a:r>
+              <a:rPr lang="en-US" altLang="ko-KR" dirty="0" smtClean="0"/>
+              <a:t> </a:t>
+            </a:r>
+            <a:r>
+              <a:rPr lang="en-US" altLang="ko-KR" dirty="0" smtClean="0"/>
+              <a:t>normalization </a:t>
+            </a:r>
+            <a:r>
+              <a:rPr lang="ko-KR" altLang="en-US" dirty="0" smtClean="0"/>
+              <a:t>적용 </a:t>
+            </a:r>
+            <a:endParaRPr lang="en-US" altLang="ko-KR" dirty="0"/>
+          </a:p>
+          <a:p>
+            <a:endParaRPr lang="en-US" altLang="ko-KR" dirty="0"/>
+          </a:p>
+          <a:p>
+            <a:pPr marL="285750" indent="-285750">
+              <a:buFontTx/>
+              <a:buChar char="-"/>
+            </a:pPr>
+            <a:r>
+              <a:rPr lang="en-US" altLang="ko-KR" b="1" dirty="0" smtClean="0"/>
+              <a:t>Env2 </a:t>
+            </a:r>
+            <a:r>
+              <a:rPr lang="en-US" altLang="ko-KR" b="1" dirty="0"/>
+              <a:t>State:</a:t>
+            </a:r>
+          </a:p>
+          <a:p>
+            <a:pPr marL="742950" lvl="1" indent="-285750">
+              <a:buFontTx/>
+              <a:buChar char="-"/>
+            </a:pPr>
+            <a:r>
+              <a:rPr lang="en-US" altLang="ko-KR" dirty="0"/>
+              <a:t>State:   [</a:t>
+            </a:r>
+            <a:r>
+              <a:rPr lang="en-US" altLang="ko-KR" dirty="0" err="1">
+                <a:solidFill>
+                  <a:srgbClr val="FF0000"/>
+                </a:solidFill>
+              </a:rPr>
+              <a:t>power_out</a:t>
+            </a:r>
+            <a:r>
+              <a:rPr lang="en-US" altLang="ko-KR" dirty="0">
+                <a:solidFill>
+                  <a:srgbClr val="FF0000"/>
+                </a:solidFill>
+              </a:rPr>
+              <a:t>/1000</a:t>
+            </a:r>
+            <a:r>
+              <a:rPr lang="en-US" altLang="ko-KR" dirty="0"/>
+              <a:t>, SOC - 0.6, </a:t>
+            </a:r>
+            <a:r>
+              <a:rPr lang="en-US" altLang="ko-KR" dirty="0" err="1"/>
+              <a:t>j_min</a:t>
+            </a:r>
+            <a:r>
+              <a:rPr lang="en-US" altLang="ko-KR" dirty="0"/>
+              <a:t>, </a:t>
+            </a:r>
+            <a:r>
+              <a:rPr lang="en-US" altLang="ko-KR" dirty="0" err="1"/>
+              <a:t>j_max</a:t>
+            </a:r>
+            <a:r>
+              <a:rPr lang="en-US" altLang="ko-KR" dirty="0"/>
+              <a:t>]</a:t>
+            </a:r>
+          </a:p>
+          <a:p>
+            <a:pPr marL="742950" lvl="1" indent="-285750">
+              <a:buFontTx/>
+              <a:buChar char="-"/>
+            </a:pPr>
+            <a:r>
+              <a:rPr lang="en-US" altLang="ko-KR" dirty="0"/>
+              <a:t>Replay memory</a:t>
+            </a:r>
+            <a:r>
+              <a:rPr lang="ko-KR" altLang="en-US" dirty="0"/>
+              <a:t>에서 </a:t>
+            </a:r>
+            <a:r>
+              <a:rPr lang="ko-KR" altLang="en-US" dirty="0" smtClean="0"/>
+              <a:t>모든 </a:t>
+            </a:r>
+            <a:r>
+              <a:rPr lang="en-US" altLang="ko-KR" dirty="0" smtClean="0"/>
+              <a:t>Feature</a:t>
+            </a:r>
+            <a:r>
+              <a:rPr lang="ko-KR" altLang="en-US" dirty="0" smtClean="0"/>
+              <a:t>에 </a:t>
+            </a:r>
+            <a:r>
+              <a:rPr lang="ko-KR" altLang="en-US" dirty="0"/>
+              <a:t>대해</a:t>
+            </a:r>
+            <a:r>
+              <a:rPr lang="en-US" altLang="ko-KR" dirty="0"/>
+              <a:t> </a:t>
+            </a:r>
+            <a:r>
+              <a:rPr lang="en-US" altLang="ko-KR" dirty="0"/>
+              <a:t>mean-</a:t>
+            </a:r>
+            <a:r>
+              <a:rPr lang="en-US" altLang="ko-KR" dirty="0" err="1"/>
+              <a:t>std</a:t>
+            </a:r>
+            <a:r>
+              <a:rPr lang="en-US" altLang="ko-KR" dirty="0"/>
+              <a:t> normalization </a:t>
+            </a:r>
+            <a:r>
+              <a:rPr lang="ko-KR" altLang="en-US" dirty="0"/>
+              <a:t>적용 </a:t>
+            </a:r>
+            <a:endParaRPr lang="en-US" altLang="ko-KR" dirty="0" smtClean="0"/>
+          </a:p>
+          <a:p>
+            <a:pPr marL="742950" lvl="1" indent="-285750">
+              <a:buFontTx/>
+              <a:buChar char="-"/>
+            </a:pPr>
+            <a:endParaRPr lang="en-US" altLang="ko-KR" dirty="0" smtClean="0"/>
+          </a:p>
+          <a:p>
+            <a:pPr marL="285750" indent="-285750">
+              <a:buFontTx/>
+              <a:buChar char="-"/>
+            </a:pPr>
+            <a:r>
+              <a:rPr lang="en-US" altLang="ko-KR" b="1" dirty="0" smtClean="0"/>
+              <a:t>Env3 </a:t>
+            </a:r>
+            <a:r>
+              <a:rPr lang="en-US" altLang="ko-KR" b="1" dirty="0"/>
+              <a:t>State:</a:t>
+            </a:r>
+          </a:p>
+          <a:p>
+            <a:pPr marL="742950" lvl="1" indent="-285750">
+              <a:buFontTx/>
+              <a:buChar char="-"/>
+            </a:pPr>
+            <a:r>
+              <a:rPr lang="en-US" altLang="ko-KR" dirty="0"/>
+              <a:t>State:   </a:t>
+            </a:r>
+            <a:r>
+              <a:rPr lang="en-US" altLang="ko-KR" dirty="0" smtClean="0"/>
+              <a:t>[</a:t>
+            </a:r>
+            <a:r>
+              <a:rPr lang="en-US" altLang="ko-KR" dirty="0" err="1" smtClean="0">
+                <a:solidFill>
+                  <a:srgbClr val="FF0000"/>
+                </a:solidFill>
+              </a:rPr>
+              <a:t>acc</a:t>
+            </a:r>
+            <a:r>
+              <a:rPr lang="en-US" altLang="ko-KR" dirty="0" smtClean="0">
+                <a:solidFill>
+                  <a:srgbClr val="FF0000"/>
+                </a:solidFill>
+              </a:rPr>
+              <a:t>, </a:t>
+            </a:r>
+            <a:r>
+              <a:rPr lang="en-US" altLang="ko-KR" dirty="0" err="1" smtClean="0">
+                <a:solidFill>
+                  <a:srgbClr val="FF0000"/>
+                </a:solidFill>
+              </a:rPr>
+              <a:t>sp_whl</a:t>
+            </a:r>
+            <a:r>
+              <a:rPr lang="en-US" altLang="ko-KR" dirty="0" smtClean="0"/>
+              <a:t>, </a:t>
+            </a:r>
+            <a:r>
+              <a:rPr lang="en-US" altLang="ko-KR" dirty="0"/>
+              <a:t>SOC - 0.6, </a:t>
+            </a:r>
+            <a:r>
+              <a:rPr lang="en-US" altLang="ko-KR" dirty="0" err="1"/>
+              <a:t>j_min</a:t>
+            </a:r>
+            <a:r>
+              <a:rPr lang="en-US" altLang="ko-KR" dirty="0"/>
+              <a:t>, </a:t>
+            </a:r>
+            <a:r>
+              <a:rPr lang="en-US" altLang="ko-KR" dirty="0" err="1"/>
+              <a:t>j_max</a:t>
+            </a:r>
+            <a:r>
+              <a:rPr lang="en-US" altLang="ko-KR" dirty="0"/>
+              <a:t>]</a:t>
+            </a:r>
+          </a:p>
+          <a:p>
+            <a:pPr marL="742950" lvl="1" indent="-285750">
+              <a:buFontTx/>
+              <a:buChar char="-"/>
+            </a:pPr>
+            <a:r>
+              <a:rPr lang="en-US" altLang="ko-KR" dirty="0"/>
+              <a:t>Replay memory</a:t>
+            </a:r>
+            <a:r>
+              <a:rPr lang="ko-KR" altLang="en-US" dirty="0"/>
+              <a:t>에서 </a:t>
+            </a:r>
+            <a:r>
+              <a:rPr lang="en-US" altLang="ko-KR" dirty="0" err="1" smtClean="0"/>
+              <a:t>acc</a:t>
+            </a:r>
+            <a:r>
+              <a:rPr lang="en-US" altLang="ko-KR" dirty="0" smtClean="0"/>
+              <a:t>, </a:t>
+            </a:r>
+            <a:r>
+              <a:rPr lang="en-US" altLang="ko-KR" dirty="0" err="1" smtClean="0"/>
+              <a:t>sp_whl</a:t>
+            </a:r>
+            <a:r>
+              <a:rPr lang="ko-KR" altLang="en-US" dirty="0" smtClean="0"/>
+              <a:t>에 </a:t>
+            </a:r>
+            <a:r>
+              <a:rPr lang="ko-KR" altLang="en-US" dirty="0"/>
+              <a:t>대해</a:t>
+            </a:r>
+            <a:r>
+              <a:rPr lang="en-US" altLang="ko-KR" dirty="0"/>
+              <a:t> </a:t>
+            </a:r>
+            <a:r>
+              <a:rPr lang="en-US" altLang="ko-KR" dirty="0"/>
+              <a:t>mean-</a:t>
+            </a:r>
+            <a:r>
+              <a:rPr lang="en-US" altLang="ko-KR" dirty="0" err="1"/>
+              <a:t>std</a:t>
+            </a:r>
+            <a:r>
+              <a:rPr lang="en-US" altLang="ko-KR" dirty="0"/>
+              <a:t> normalization </a:t>
+            </a:r>
+            <a:r>
+              <a:rPr lang="ko-KR" altLang="en-US" dirty="0" smtClean="0"/>
+              <a:t>적용 </a:t>
+            </a:r>
+            <a:endParaRPr lang="en-US" altLang="ko-KR" dirty="0"/>
+          </a:p>
+          <a:p>
+            <a:pPr marL="742950" lvl="1" indent="-285750">
+              <a:buFontTx/>
+              <a:buChar char="-"/>
+            </a:pPr>
+            <a:endParaRPr lang="en-US" altLang="ko-KR" dirty="0" smtClean="0"/>
+          </a:p>
+          <a:p>
+            <a:pPr marL="285750" indent="-285750">
+              <a:buFontTx/>
+              <a:buChar char="-"/>
+            </a:pPr>
+            <a:r>
+              <a:rPr lang="en-US" altLang="ko-KR" b="1" dirty="0" smtClean="0"/>
+              <a:t>Env4 </a:t>
+            </a:r>
+            <a:r>
+              <a:rPr lang="en-US" altLang="ko-KR" b="1" dirty="0"/>
+              <a:t>State:</a:t>
+            </a:r>
+          </a:p>
+          <a:p>
+            <a:pPr marL="742950" lvl="1" indent="-285750">
+              <a:buFontTx/>
+              <a:buChar char="-"/>
+            </a:pPr>
+            <a:r>
+              <a:rPr lang="en-US" altLang="ko-KR" dirty="0"/>
+              <a:t>State:   </a:t>
+            </a:r>
+            <a:r>
+              <a:rPr lang="en-US" altLang="ko-KR" dirty="0" smtClean="0"/>
+              <a:t>[</a:t>
+            </a:r>
+            <a:r>
+              <a:rPr lang="en-US" altLang="ko-KR" dirty="0" err="1" smtClean="0">
+                <a:solidFill>
+                  <a:srgbClr val="FF0000"/>
+                </a:solidFill>
+              </a:rPr>
+              <a:t>acc</a:t>
+            </a:r>
+            <a:r>
+              <a:rPr lang="en-US" altLang="ko-KR" dirty="0" smtClean="0">
+                <a:solidFill>
+                  <a:srgbClr val="FF0000"/>
+                </a:solidFill>
+              </a:rPr>
+              <a:t>, </a:t>
+            </a:r>
+            <a:r>
+              <a:rPr lang="en-US" altLang="ko-KR" dirty="0" err="1" smtClean="0">
+                <a:solidFill>
+                  <a:srgbClr val="FF0000"/>
+                </a:solidFill>
+              </a:rPr>
+              <a:t>sp_whl</a:t>
+            </a:r>
+            <a:r>
+              <a:rPr lang="en-US" altLang="ko-KR" dirty="0" smtClean="0"/>
+              <a:t>, </a:t>
+            </a:r>
+            <a:r>
+              <a:rPr lang="en-US" altLang="ko-KR" dirty="0"/>
+              <a:t>SOC - 0.6, </a:t>
+            </a:r>
+            <a:r>
+              <a:rPr lang="en-US" altLang="ko-KR" dirty="0" err="1"/>
+              <a:t>j_min</a:t>
+            </a:r>
+            <a:r>
+              <a:rPr lang="en-US" altLang="ko-KR" dirty="0"/>
+              <a:t>, </a:t>
+            </a:r>
+            <a:r>
+              <a:rPr lang="en-US" altLang="ko-KR" dirty="0" err="1"/>
+              <a:t>j_max</a:t>
+            </a:r>
+            <a:r>
+              <a:rPr lang="en-US" altLang="ko-KR" dirty="0"/>
+              <a:t>]</a:t>
+            </a:r>
+          </a:p>
+          <a:p>
+            <a:pPr marL="742950" lvl="1" indent="-285750">
+              <a:buFontTx/>
+              <a:buChar char="-"/>
+            </a:pPr>
+            <a:r>
+              <a:rPr lang="en-US" altLang="ko-KR" dirty="0"/>
+              <a:t>Replay memory</a:t>
+            </a:r>
+            <a:r>
+              <a:rPr lang="ko-KR" altLang="en-US" dirty="0"/>
+              <a:t>에서 모든 </a:t>
+            </a:r>
+            <a:r>
+              <a:rPr lang="en-US" altLang="ko-KR" dirty="0"/>
+              <a:t>Feature</a:t>
+            </a:r>
+            <a:r>
+              <a:rPr lang="ko-KR" altLang="en-US" dirty="0"/>
+              <a:t>에 대해</a:t>
+            </a:r>
+            <a:r>
+              <a:rPr lang="en-US" altLang="ko-KR" dirty="0"/>
+              <a:t> </a:t>
+            </a:r>
+            <a:r>
+              <a:rPr lang="en-US" altLang="ko-KR" dirty="0"/>
+              <a:t>mean-</a:t>
+            </a:r>
+            <a:r>
+              <a:rPr lang="en-US" altLang="ko-KR" dirty="0" err="1"/>
+              <a:t>std</a:t>
+            </a:r>
+            <a:r>
+              <a:rPr lang="en-US" altLang="ko-KR" dirty="0"/>
+              <a:t> normalization </a:t>
+            </a:r>
+            <a:r>
+              <a:rPr lang="ko-KR" altLang="en-US" dirty="0" smtClean="0"/>
+              <a:t>적용 </a:t>
+            </a:r>
+            <a:endParaRPr lang="en-US" altLang="ko-KR" dirty="0"/>
+          </a:p>
+          <a:p>
+            <a:pPr marL="742950" lvl="1" indent="-285750">
+              <a:buFontTx/>
+              <a:buChar char="-"/>
+            </a:pPr>
+            <a:endParaRPr lang="en-US" altLang="ko-KR" dirty="0"/>
+          </a:p>
+        </p:txBody>
+      </p:sp>
+      <p:pic>
+        <p:nvPicPr>
+          <p:cNvPr id="3" name="그림 2"/>
+          <p:cNvPicPr>
+            <a:picLocks noChangeAspect="1"/>
+          </p:cNvPicPr>
+          <p:nvPr/>
+        </p:nvPicPr>
+        <p:blipFill>
+          <a:blip r:embed="rId2"/>
+          <a:stretch>
+            <a:fillRect/>
+          </a:stretch>
+        </p:blipFill>
+        <p:spPr>
+          <a:xfrm>
+            <a:off x="9281594" y="558514"/>
+            <a:ext cx="2705359" cy="2049662"/>
+          </a:xfrm>
+          <a:prstGeom prst="rect">
+            <a:avLst/>
+          </a:prstGeom>
+        </p:spPr>
+      </p:pic>
+      <p:sp>
+        <p:nvSpPr>
+          <p:cNvPr id="5" name="TextBox 4"/>
+          <p:cNvSpPr txBox="1"/>
+          <p:nvPr/>
+        </p:nvSpPr>
+        <p:spPr>
+          <a:xfrm>
+            <a:off x="9576262" y="2684188"/>
+            <a:ext cx="2262812" cy="369332"/>
+          </a:xfrm>
+          <a:prstGeom prst="rect">
+            <a:avLst/>
+          </a:prstGeom>
+          <a:noFill/>
+        </p:spPr>
+        <p:txBody>
+          <a:bodyPr wrap="square" rtlCol="0">
+            <a:spAutoFit/>
+          </a:bodyPr>
+          <a:lstStyle/>
+          <a:p>
+            <a:r>
+              <a:rPr lang="en-US" altLang="ko-KR" dirty="0" smtClean="0"/>
+              <a:t>&lt;</a:t>
+            </a:r>
+            <a:r>
+              <a:rPr lang="ko-KR" altLang="en-US" dirty="0" err="1" smtClean="0"/>
+              <a:t>하이퍼파라미터</a:t>
+            </a:r>
+            <a:r>
+              <a:rPr lang="en-US" altLang="ko-KR" dirty="0" smtClean="0"/>
+              <a:t>&gt;</a:t>
+            </a:r>
+            <a:r>
+              <a:rPr lang="ko-KR" altLang="en-US" dirty="0" smtClean="0"/>
+              <a:t> </a:t>
+            </a:r>
+            <a:endParaRPr lang="ko-KR" altLang="en-US" dirty="0"/>
+          </a:p>
+        </p:txBody>
+      </p:sp>
+    </p:spTree>
+    <p:extLst>
+      <p:ext uri="{BB962C8B-B14F-4D97-AF65-F5344CB8AC3E}">
+        <p14:creationId xmlns:p14="http://schemas.microsoft.com/office/powerpoint/2010/main" val="504876074"/>
+      </p:ext>
+    </p:extLst>
+  </p:cSld>
+  <p:clrMapOvr>
+    <a:masterClrMapping/>
+  </p:clrMapOvr>
+</p:sld>
+</file>
+
+<file path=ppt/slides/slide15.xml><?xml version="1.0" encoding="utf-8"?>
 <p:sld xmlns:a="http://schemas.openxmlformats.org/drawingml/2006/main" xmlns:r="http://schemas.openxmlformats.org/officeDocument/2006/relationships" xmlns:p="http://schemas.openxmlformats.org/presentationml/2006/main">
   <p:cSld>
     <p:spTree>
@@ -6457,36 +7264,6 @@
           </a:p>
         </p:txBody>
       </p:sp>
-      <p:pic>
-        <p:nvPicPr>
-          <p:cNvPr id="7" name="그림 6"/>
-          <p:cNvPicPr>
-            <a:picLocks noChangeAspect="1"/>
-          </p:cNvPicPr>
-          <p:nvPr/>
-        </p:nvPicPr>
-        <p:blipFill>
-          <a:blip r:embed="rId2">
-            <a:extLst>
-              <a:ext uri="{28A0092B-C50C-407E-A947-70E740481C1C}">
-                <a14:useLocalDpi xmlns:a14="http://schemas.microsoft.com/office/drawing/2010/main" val="0"/>
-              </a:ext>
-            </a:extLst>
-          </a:blip>
-          <a:stretch>
-            <a:fillRect/>
-          </a:stretch>
-        </p:blipFill>
-        <p:spPr>
-          <a:xfrm>
-            <a:off x="7690714" y="1370457"/>
-            <a:ext cx="4570869" cy="3047246"/>
-          </a:xfrm>
-          <a:prstGeom prst="rect">
-            <a:avLst/>
-          </a:prstGeom>
-        </p:spPr>
-      </p:pic>
       <mc:AlternateContent xmlns:mc="http://schemas.openxmlformats.org/markup-compatibility/2006" xmlns:a14="http://schemas.microsoft.com/office/drawing/2010/main">
         <mc:Choice Requires="a14">
           <p:sp>
@@ -6834,141 +7611,6 @@
           </p:sp>
         </mc:Fallback>
       </mc:AlternateContent>
-      <p:sp>
-        <p:nvSpPr>
-          <p:cNvPr id="12" name="TextBox 11"/>
-          <p:cNvSpPr txBox="1"/>
-          <p:nvPr/>
-        </p:nvSpPr>
-        <p:spPr>
-          <a:xfrm>
-            <a:off x="838200" y="5256150"/>
-            <a:ext cx="11000874" cy="1754326"/>
-          </a:xfrm>
-          <a:prstGeom prst="rect">
-            <a:avLst/>
-          </a:prstGeom>
-          <a:noFill/>
-        </p:spPr>
-        <p:txBody>
-          <a:bodyPr wrap="square" rtlCol="0">
-            <a:spAutoFit/>
-          </a:bodyPr>
-          <a:lstStyle/>
-          <a:p>
-            <a:pPr marL="285750" indent="-285750">
-              <a:buFontTx/>
-              <a:buChar char="-"/>
-            </a:pPr>
-            <a:endParaRPr lang="en-US" altLang="ko-KR" b="1" dirty="0" smtClean="0">
-              <a:solidFill>
-                <a:srgbClr val="FF0000"/>
-              </a:solidFill>
-            </a:endParaRPr>
-          </a:p>
-          <a:p>
-            <a:pPr marL="285750" indent="-285750">
-              <a:buFontTx/>
-              <a:buChar char="-"/>
-            </a:pPr>
-            <a:endParaRPr lang="en-US" altLang="ko-KR" b="1" dirty="0" smtClean="0">
-              <a:solidFill>
-                <a:srgbClr val="FF0000"/>
-              </a:solidFill>
-            </a:endParaRPr>
-          </a:p>
-          <a:p>
-            <a:pPr marL="285750" indent="-285750">
-              <a:buFontTx/>
-              <a:buChar char="-"/>
-            </a:pPr>
-            <a:r>
-              <a:rPr lang="en-US" altLang="ko-KR" b="1" dirty="0" smtClean="0">
-                <a:solidFill>
-                  <a:srgbClr val="FF0000"/>
-                </a:solidFill>
-              </a:rPr>
-              <a:t>Power</a:t>
-            </a:r>
-            <a:r>
-              <a:rPr lang="ko-KR" altLang="en-US" b="1" dirty="0" smtClean="0">
-                <a:solidFill>
-                  <a:srgbClr val="FF0000"/>
-                </a:solidFill>
-              </a:rPr>
-              <a:t>의 평균이 </a:t>
-            </a:r>
-            <a:r>
-              <a:rPr lang="en-US" altLang="ko-KR" b="1" dirty="0" smtClean="0">
-                <a:solidFill>
-                  <a:srgbClr val="FF0000"/>
-                </a:solidFill>
-              </a:rPr>
-              <a:t>0</a:t>
-            </a:r>
-            <a:r>
-              <a:rPr lang="ko-KR" altLang="en-US" b="1" dirty="0" smtClean="0">
-                <a:solidFill>
-                  <a:srgbClr val="FF0000"/>
-                </a:solidFill>
-              </a:rPr>
-              <a:t>이고 표준편차가 </a:t>
-            </a:r>
-            <a:r>
-              <a:rPr lang="en-US" altLang="ko-KR" b="1" dirty="0" smtClean="0">
-                <a:solidFill>
-                  <a:srgbClr val="FF0000"/>
-                </a:solidFill>
-              </a:rPr>
-              <a:t>1</a:t>
-            </a:r>
-            <a:r>
-              <a:rPr lang="ko-KR" altLang="en-US" b="1" dirty="0" smtClean="0">
-                <a:solidFill>
-                  <a:srgbClr val="FF0000"/>
-                </a:solidFill>
-              </a:rPr>
-              <a:t>이 되도록 </a:t>
-            </a:r>
-            <a:r>
-              <a:rPr lang="en-US" altLang="ko-KR" b="1" dirty="0" smtClean="0">
-                <a:solidFill>
-                  <a:srgbClr val="FF0000"/>
-                </a:solidFill>
-              </a:rPr>
-              <a:t>normalization</a:t>
-            </a:r>
-            <a:r>
-              <a:rPr lang="ko-KR" altLang="en-US" b="1" dirty="0" smtClean="0">
-                <a:solidFill>
-                  <a:srgbClr val="FF0000"/>
-                </a:solidFill>
-              </a:rPr>
-              <a:t>을 진행하면 학습의 안정도가 매우 커짐 </a:t>
-            </a:r>
-            <a:endParaRPr lang="en-US" altLang="ko-KR" b="1" dirty="0" smtClean="0">
-              <a:solidFill>
-                <a:srgbClr val="FF0000"/>
-              </a:solidFill>
-            </a:endParaRPr>
-          </a:p>
-          <a:p>
-            <a:pPr lvl="1"/>
-            <a:endParaRPr lang="en-US" altLang="ko-KR" dirty="0" smtClean="0"/>
-          </a:p>
-          <a:p>
-            <a:pPr marL="285750" indent="-285750">
-              <a:buFontTx/>
-              <a:buChar char="-"/>
-            </a:pPr>
-            <a:endParaRPr lang="en-US" altLang="ko-KR" dirty="0" smtClean="0"/>
-          </a:p>
-          <a:p>
-            <a:pPr lvl="1"/>
-            <a:endParaRPr lang="en-US" altLang="ko-KR" dirty="0" smtClean="0"/>
-          </a:p>
-        </p:txBody>
-      </p:sp>
       <mc:AlternateContent xmlns:mc="http://schemas.openxmlformats.org/markup-compatibility/2006" xmlns:a14="http://schemas.microsoft.com/office/drawing/2010/main">
         <mc:Choice Requires="a14">
           <p:sp>
@@ -7312,6 +7954,74 @@
           </p:sp>
         </mc:Fallback>
       </mc:AlternateContent>
+      <p:pic>
+        <p:nvPicPr>
+          <p:cNvPr id="3" name="그림 2"/>
+          <p:cNvPicPr>
+            <a:picLocks noChangeAspect="1"/>
+          </p:cNvPicPr>
+          <p:nvPr/>
+        </p:nvPicPr>
+        <p:blipFill>
+          <a:blip r:embed="rId9">
+            <a:extLst>
+              <a:ext uri="{28A0092B-C50C-407E-A947-70E740481C1C}">
+                <a14:useLocalDpi xmlns:a14="http://schemas.microsoft.com/office/drawing/2010/main" val="0"/>
+              </a:ext>
+            </a:extLst>
+          </a:blip>
+          <a:stretch>
+            <a:fillRect/>
+          </a:stretch>
+        </p:blipFill>
+        <p:spPr>
+          <a:xfrm>
+            <a:off x="6853435" y="2145977"/>
+            <a:ext cx="4985639" cy="3561171"/>
+          </a:xfrm>
+          <a:prstGeom prst="rect">
+            <a:avLst/>
+          </a:prstGeom>
+        </p:spPr>
+      </p:pic>
+      <p:sp>
+        <p:nvSpPr>
+          <p:cNvPr id="5" name="TextBox 4"/>
+          <p:cNvSpPr txBox="1"/>
+          <p:nvPr/>
+        </p:nvSpPr>
+        <p:spPr>
+          <a:xfrm>
+            <a:off x="2144684" y="5893724"/>
+            <a:ext cx="8138160" cy="369332"/>
+          </a:xfrm>
+          <a:prstGeom prst="rect">
+            <a:avLst/>
+          </a:prstGeom>
+          <a:noFill/>
+        </p:spPr>
+        <p:txBody>
+          <a:bodyPr wrap="square" rtlCol="0">
+            <a:spAutoFit/>
+          </a:bodyPr>
+          <a:lstStyle/>
+          <a:p>
+            <a:r>
+              <a:rPr lang="ko-KR" altLang="en-US" dirty="0" smtClean="0"/>
+              <a:t>이후에 </a:t>
+            </a:r>
+            <a:r>
+              <a:rPr lang="en-US" altLang="ko-KR" dirty="0" smtClean="0"/>
+              <a:t>normalization</a:t>
+            </a:r>
+            <a:r>
+              <a:rPr lang="ko-KR" altLang="en-US" dirty="0" smtClean="0"/>
+              <a:t>의 중요성 강조함 </a:t>
+            </a:r>
+            <a:endParaRPr lang="ko-KR" altLang="en-US" dirty="0"/>
+          </a:p>
+        </p:txBody>
+      </p:sp>
     </p:spTree>
     <p:extLst>
       <p:ext uri="{BB962C8B-B14F-4D97-AF65-F5344CB8AC3E}">

--- a/실험정리.pptx
+++ b/실험정리.pptx
@@ -19,7 +19,8 @@
     <p:sldId id="286" r:id="rId13"/>
     <p:sldId id="287" r:id="rId14"/>
     <p:sldId id="290" r:id="rId15"/>
-    <p:sldId id="288" r:id="rId16"/>
+    <p:sldId id="291" r:id="rId16"/>
+    <p:sldId id="288" r:id="rId17"/>
   </p:sldIdLst>
   <p:sldSz cx="12192000" cy="6858000"/>
   <p:notesSz cx="6858000" cy="9144000"/>
@@ -4307,8 +4308,8 @@
         </p:nvSpPr>
         <p:spPr>
           <a:xfrm>
-            <a:off x="1345223" y="5376409"/>
-            <a:ext cx="10700239" cy="1477328"/>
+            <a:off x="833236" y="5483516"/>
+            <a:ext cx="10700239" cy="1107996"/>
           </a:xfrm>
           <a:prstGeom prst="rect">
             <a:avLst/>
@@ -4337,21 +4338,6 @@
               </a:rPr>
               <a:t>에 대해서만 부분적으로 </a:t>
             </a:r>
-            <a:r>
-              <a:rPr lang="en-US" altLang="ko-KR" sz="2400" b="1" dirty="0" smtClean="0">
-                <a:solidFill>
-                  <a:srgbClr val="FF0000"/>
-                </a:solidFill>
-              </a:rPr>
-              <a:t/>
-            </a:r>
-            <a:br>
-              <a:rPr lang="en-US" altLang="ko-KR" sz="2400" b="1" dirty="0" smtClean="0">
-                <a:solidFill>
-                  <a:srgbClr val="FF0000"/>
-                </a:solidFill>
-              </a:rPr>
-            </a:br>
             <a:r>
               <a:rPr lang="ko-KR" altLang="en-US" sz="2400" b="1" dirty="0" err="1" smtClean="0">
                 <a:solidFill>
@@ -5426,7 +5412,7 @@
         </p:nvSpPr>
         <p:spPr>
           <a:xfrm>
-            <a:off x="2560388" y="6433049"/>
+            <a:off x="2543763" y="6488668"/>
             <a:ext cx="8607145" cy="369332"/>
           </a:xfrm>
           <a:prstGeom prst="rect">
@@ -5714,19 +5700,35 @@
               <a:t> </a:t>
             </a:r>
             <a:r>
-              <a:rPr lang="en-US" altLang="ko-KR" dirty="0" smtClean="0"/>
+              <a:rPr lang="en-US" altLang="ko-KR" dirty="0" smtClean="0">
+                <a:solidFill>
+                  <a:srgbClr val="FF0000"/>
+                </a:solidFill>
+              </a:rPr>
               <a:t>mean-</a:t>
             </a:r>
             <a:r>
-              <a:rPr lang="en-US" altLang="ko-KR" dirty="0" err="1" smtClean="0"/>
+              <a:rPr lang="en-US" altLang="ko-KR" dirty="0" err="1" smtClean="0">
+                <a:solidFill>
+                  <a:srgbClr val="FF0000"/>
+                </a:solidFill>
+              </a:rPr>
               <a:t>std</a:t>
             </a:r>
             <a:r>
-              <a:rPr lang="en-US" altLang="ko-KR" dirty="0" smtClean="0"/>
+              <a:rPr lang="en-US" altLang="ko-KR" dirty="0" smtClean="0">
+                <a:solidFill>
+                  <a:srgbClr val="FF0000"/>
+                </a:solidFill>
+              </a:rPr>
               <a:t> </a:t>
             </a:r>
             <a:r>
-              <a:rPr lang="en-US" altLang="ko-KR" dirty="0" smtClean="0"/>
+              <a:rPr lang="en-US" altLang="ko-KR" dirty="0" smtClean="0">
+                <a:solidFill>
+                  <a:srgbClr val="FF0000"/>
+                </a:solidFill>
+              </a:rPr>
               <a:t>normalization </a:t>
             </a:r>
             <a:r>
@@ -5832,15 +5834,27 @@
               <a:t> </a:t>
             </a:r>
             <a:r>
-              <a:rPr lang="en-US" altLang="ko-KR" dirty="0"/>
+              <a:rPr lang="en-US" altLang="ko-KR" dirty="0">
+                <a:solidFill>
+                  <a:srgbClr val="FF0000"/>
+                </a:solidFill>
+              </a:rPr>
               <a:t>mean-</a:t>
             </a:r>
             <a:r>
-              <a:rPr lang="en-US" altLang="ko-KR" dirty="0" err="1"/>
+              <a:rPr lang="en-US" altLang="ko-KR" dirty="0" err="1">
+                <a:solidFill>
+                  <a:srgbClr val="FF0000"/>
+                </a:solidFill>
+              </a:rPr>
               <a:t>std</a:t>
             </a:r>
             <a:r>
-              <a:rPr lang="en-US" altLang="ko-KR" dirty="0"/>
+              <a:rPr lang="en-US" altLang="ko-KR" dirty="0">
+                <a:solidFill>
+                  <a:srgbClr val="FF0000"/>
+                </a:solidFill>
+              </a:rPr>
               <a:t> normalization </a:t>
             </a:r>
             <a:r>
@@ -5970,16 +5984,32 @@
               <a:t> </a:t>
             </a:r>
             <a:r>
+              <a:rPr lang="en-US" altLang="ko-KR" dirty="0">
+                <a:solidFill>
+                  <a:srgbClr val="FF0000"/>
+                </a:solidFill>
+              </a:rPr>
+              <a:t>mean-</a:t>
+            </a:r>
+            <a:r>
+              <a:rPr lang="en-US" altLang="ko-KR" dirty="0" err="1">
+                <a:solidFill>
+                  <a:srgbClr val="FF0000"/>
+                </a:solidFill>
+              </a:rPr>
+              <a:t>std</a:t>
+            </a:r>
+            <a:r>
+              <a:rPr lang="en-US" altLang="ko-KR" dirty="0">
+                <a:solidFill>
+                  <a:srgbClr val="FF0000"/>
+                </a:solidFill>
+              </a:rPr>
+              <a:t> normalization</a:t>
+            </a:r>
+            <a:r>
               <a:rPr lang="en-US" altLang="ko-KR" dirty="0"/>
-              <a:t>mean-</a:t>
-            </a:r>
-            <a:r>
-              <a:rPr lang="en-US" altLang="ko-KR" dirty="0" err="1"/>
-              <a:t>std</a:t>
-            </a:r>
-            <a:r>
-              <a:rPr lang="en-US" altLang="ko-KR" dirty="0"/>
-              <a:t> normalization </a:t>
+              <a:t> </a:t>
             </a:r>
             <a:r>
               <a:rPr lang="ko-KR" altLang="en-US" dirty="0" smtClean="0"/>
@@ -6096,15 +6126,27 @@
               <a:t> </a:t>
             </a:r>
             <a:r>
-              <a:rPr lang="en-US" altLang="ko-KR" dirty="0"/>
+              <a:rPr lang="en-US" altLang="ko-KR" dirty="0">
+                <a:solidFill>
+                  <a:srgbClr val="FF0000"/>
+                </a:solidFill>
+              </a:rPr>
               <a:t>mean-</a:t>
             </a:r>
             <a:r>
-              <a:rPr lang="en-US" altLang="ko-KR" dirty="0" err="1"/>
+              <a:rPr lang="en-US" altLang="ko-KR" dirty="0" err="1">
+                <a:solidFill>
+                  <a:srgbClr val="FF0000"/>
+                </a:solidFill>
+              </a:rPr>
               <a:t>std</a:t>
             </a:r>
             <a:r>
-              <a:rPr lang="en-US" altLang="ko-KR" dirty="0"/>
+              <a:rPr lang="en-US" altLang="ko-KR" dirty="0">
+                <a:solidFill>
+                  <a:srgbClr val="FF0000"/>
+                </a:solidFill>
+              </a:rPr>
               <a:t> normalization </a:t>
             </a:r>
             <a:r>
@@ -6202,6 +6244,302 @@
 </file>
 
 <file path=ppt/slides/slide15.xml><?xml version="1.0" encoding="utf-8"?>
+<p:sld xmlns:a="http://schemas.openxmlformats.org/drawingml/2006/main" xmlns:r="http://schemas.openxmlformats.org/officeDocument/2006/relationships" xmlns:p="http://schemas.openxmlformats.org/presentationml/2006/main">
+  <p:cSld>
+    <p:spTree>
+      <p:nvGrpSpPr>
+        <p:cNvPr id="1" name=""/>
+        <p:cNvGrpSpPr/>
+        <p:nvPr/>
+      </p:nvGrpSpPr>
+      <p:grpSpPr>
+        <a:xfrm>
+          <a:off x="0" y="0"/>
+          <a:ext cx="0" cy="0"/>
+          <a:chOff x="0" y="0"/>
+          <a:chExt cx="0" cy="0"/>
+        </a:xfrm>
+      </p:grpSpPr>
+      <p:sp>
+        <p:nvSpPr>
+          <p:cNvPr id="2" name="제목 1"/>
+          <p:cNvSpPr>
+            <a:spLocks noGrp="1"/>
+          </p:cNvSpPr>
+          <p:nvPr>
+            <p:ph type="title"/>
+          </p:nvPr>
+        </p:nvSpPr>
+        <p:spPr/>
+        <p:txBody>
+          <a:bodyPr/>
+          <a:lstStyle/>
+          <a:p>
+            <a:r>
+              <a:rPr lang="en-US" altLang="ko-KR" dirty="0" smtClean="0"/>
+              <a:t>DDPG</a:t>
+            </a:r>
+            <a:r>
+              <a:rPr lang="ko-KR" altLang="en-US" dirty="0" smtClean="0"/>
+              <a:t> </a:t>
+            </a:r>
+            <a:r>
+              <a:rPr lang="en-US" altLang="ko-KR" dirty="0"/>
+              <a:t>7</a:t>
+            </a:r>
+            <a:r>
+              <a:rPr lang="ko-KR" altLang="en-US" dirty="0" smtClean="0"/>
+              <a:t>  </a:t>
+            </a:r>
+            <a:endParaRPr lang="ko-KR" altLang="en-US" dirty="0"/>
+          </a:p>
+        </p:txBody>
+      </p:sp>
+      <p:sp>
+        <p:nvSpPr>
+          <p:cNvPr id="4" name="TextBox 3"/>
+          <p:cNvSpPr txBox="1"/>
+          <p:nvPr/>
+        </p:nvSpPr>
+        <p:spPr>
+          <a:xfrm>
+            <a:off x="838200" y="1484771"/>
+            <a:ext cx="11000874" cy="2308324"/>
+          </a:xfrm>
+          <a:prstGeom prst="rect">
+            <a:avLst/>
+          </a:prstGeom>
+          <a:noFill/>
+        </p:spPr>
+        <p:txBody>
+          <a:bodyPr wrap="square" rtlCol="0">
+            <a:spAutoFit/>
+          </a:bodyPr>
+          <a:lstStyle/>
+          <a:p>
+            <a:pPr marL="285750" indent="-285750">
+              <a:buFontTx/>
+              <a:buChar char="-"/>
+            </a:pPr>
+            <a:r>
+              <a:rPr lang="ko-KR" altLang="en-US" b="1" dirty="0" smtClean="0">
+                <a:solidFill>
+                  <a:srgbClr val="FF0000"/>
+                </a:solidFill>
+              </a:rPr>
+              <a:t>신경망에서 </a:t>
+            </a:r>
+            <a:r>
+              <a:rPr lang="en-US" altLang="ko-KR" b="1" dirty="0" smtClean="0">
+                <a:solidFill>
+                  <a:srgbClr val="FF0000"/>
+                </a:solidFill>
+              </a:rPr>
+              <a:t>Batch normalization</a:t>
+            </a:r>
+            <a:r>
+              <a:rPr lang="ko-KR" altLang="en-US" b="1" dirty="0" smtClean="0">
+                <a:solidFill>
+                  <a:srgbClr val="FF0000"/>
+                </a:solidFill>
+              </a:rPr>
+              <a:t>을 적용함 </a:t>
+            </a:r>
+            <a:endParaRPr lang="en-US" altLang="ko-KR" b="1" dirty="0" smtClean="0">
+              <a:solidFill>
+                <a:srgbClr val="FF0000"/>
+              </a:solidFill>
+            </a:endParaRPr>
+          </a:p>
+          <a:p>
+            <a:pPr marL="285750" indent="-285750">
+              <a:buFontTx/>
+              <a:buChar char="-"/>
+            </a:pPr>
+            <a:endParaRPr lang="en-US" altLang="ko-KR" b="1" dirty="0"/>
+          </a:p>
+          <a:p>
+            <a:pPr marL="285750" indent="-285750">
+              <a:buFontTx/>
+              <a:buChar char="-"/>
+            </a:pPr>
+            <a:r>
+              <a:rPr lang="en-US" altLang="ko-KR" b="1" dirty="0"/>
+              <a:t>Env1 State:</a:t>
+            </a:r>
+          </a:p>
+          <a:p>
+            <a:pPr marL="742950" lvl="1" indent="-285750">
+              <a:buFontTx/>
+              <a:buChar char="-"/>
+            </a:pPr>
+            <a:r>
+              <a:rPr lang="en-US" altLang="ko-KR" dirty="0"/>
+              <a:t>State:   [</a:t>
+            </a:r>
+            <a:r>
+              <a:rPr lang="en-US" altLang="ko-KR" dirty="0" err="1">
+                <a:solidFill>
+                  <a:srgbClr val="FF0000"/>
+                </a:solidFill>
+              </a:rPr>
+              <a:t>power_out</a:t>
+            </a:r>
+            <a:r>
+              <a:rPr lang="en-US" altLang="ko-KR" dirty="0">
+                <a:solidFill>
+                  <a:srgbClr val="FF0000"/>
+                </a:solidFill>
+              </a:rPr>
+              <a:t>/1000</a:t>
+            </a:r>
+            <a:r>
+              <a:rPr lang="en-US" altLang="ko-KR" dirty="0"/>
+              <a:t>, SOC - 0.6, </a:t>
+            </a:r>
+            <a:r>
+              <a:rPr lang="en-US" altLang="ko-KR" dirty="0" err="1"/>
+              <a:t>j_min</a:t>
+            </a:r>
+            <a:r>
+              <a:rPr lang="en-US" altLang="ko-KR" dirty="0"/>
+              <a:t>, </a:t>
+            </a:r>
+            <a:r>
+              <a:rPr lang="en-US" altLang="ko-KR" dirty="0" err="1"/>
+              <a:t>j_max</a:t>
+            </a:r>
+            <a:r>
+              <a:rPr lang="en-US" altLang="ko-KR" dirty="0" smtClean="0"/>
+              <a:t>]</a:t>
+            </a:r>
+          </a:p>
+          <a:p>
+            <a:pPr marL="742950" lvl="1" indent="-285750">
+              <a:buFontTx/>
+              <a:buChar char="-"/>
+            </a:pPr>
+            <a:r>
+              <a:rPr lang="en-US" altLang="ko-KR" dirty="0" smtClean="0"/>
+              <a:t>Actor-Critic</a:t>
+            </a:r>
+            <a:r>
+              <a:rPr lang="ko-KR" altLang="en-US" dirty="0" smtClean="0"/>
+              <a:t>에 </a:t>
+            </a:r>
+            <a:r>
+              <a:rPr lang="en-US" altLang="ko-KR" dirty="0" smtClean="0">
+                <a:solidFill>
+                  <a:srgbClr val="FF0000"/>
+                </a:solidFill>
+              </a:rPr>
+              <a:t>Batch Normalization</a:t>
+            </a:r>
+            <a:r>
+              <a:rPr lang="ko-KR" altLang="en-US" dirty="0" smtClean="0"/>
+              <a:t>을 적용함</a:t>
+            </a:r>
+            <a:endParaRPr lang="en-US" altLang="ko-KR" dirty="0"/>
+          </a:p>
+          <a:p>
+            <a:endParaRPr lang="en-US" altLang="ko-KR" dirty="0"/>
+          </a:p>
+          <a:p>
+            <a:pPr marL="742950" lvl="1" indent="-285750">
+              <a:buFontTx/>
+              <a:buChar char="-"/>
+            </a:pPr>
+            <a:endParaRPr lang="en-US" altLang="ko-KR" dirty="0" smtClean="0"/>
+          </a:p>
+          <a:p>
+            <a:pPr marL="742950" lvl="1" indent="-285750">
+              <a:buFontTx/>
+              <a:buChar char="-"/>
+            </a:pPr>
+            <a:endParaRPr lang="en-US" altLang="ko-KR" dirty="0"/>
+          </a:p>
+        </p:txBody>
+      </p:sp>
+      <p:pic>
+        <p:nvPicPr>
+          <p:cNvPr id="3" name="그림 2"/>
+          <p:cNvPicPr>
+            <a:picLocks noChangeAspect="1"/>
+          </p:cNvPicPr>
+          <p:nvPr/>
+        </p:nvPicPr>
+        <p:blipFill>
+          <a:blip r:embed="rId2"/>
+          <a:stretch>
+            <a:fillRect/>
+          </a:stretch>
+        </p:blipFill>
+        <p:spPr>
+          <a:xfrm>
+            <a:off x="8661862" y="88986"/>
+            <a:ext cx="3325091" cy="2519190"/>
+          </a:xfrm>
+          <a:prstGeom prst="rect">
+            <a:avLst/>
+          </a:prstGeom>
+        </p:spPr>
+      </p:pic>
+      <p:sp>
+        <p:nvSpPr>
+          <p:cNvPr id="5" name="TextBox 4"/>
+          <p:cNvSpPr txBox="1"/>
+          <p:nvPr/>
+        </p:nvSpPr>
+        <p:spPr>
+          <a:xfrm>
+            <a:off x="9576262" y="2684188"/>
+            <a:ext cx="2262812" cy="369332"/>
+          </a:xfrm>
+          <a:prstGeom prst="rect">
+            <a:avLst/>
+          </a:prstGeom>
+          <a:noFill/>
+        </p:spPr>
+        <p:txBody>
+          <a:bodyPr wrap="square" rtlCol="0">
+            <a:spAutoFit/>
+          </a:bodyPr>
+          <a:lstStyle/>
+          <a:p>
+            <a:r>
+              <a:rPr lang="en-US" altLang="ko-KR" dirty="0" smtClean="0"/>
+              <a:t>&lt;</a:t>
+            </a:r>
+            <a:r>
+              <a:rPr lang="ko-KR" altLang="en-US" dirty="0" err="1" smtClean="0"/>
+              <a:t>하이퍼파라미터</a:t>
+            </a:r>
+            <a:r>
+              <a:rPr lang="en-US" altLang="ko-KR" dirty="0" smtClean="0"/>
+              <a:t>&gt;</a:t>
+            </a:r>
+            <a:r>
+              <a:rPr lang="ko-KR" altLang="en-US" dirty="0" smtClean="0"/>
+              <a:t> </a:t>
+            </a:r>
+            <a:endParaRPr lang="ko-KR" altLang="en-US" dirty="0"/>
+          </a:p>
+        </p:txBody>
+      </p:sp>
+    </p:spTree>
+    <p:extLst>
+      <p:ext uri="{BB962C8B-B14F-4D97-AF65-F5344CB8AC3E}">
+        <p14:creationId xmlns:p14="http://schemas.microsoft.com/office/powerpoint/2010/main" val="787282331"/>
+      </p:ext>
+    </p:extLst>
+  </p:cSld>
+  <p:clrMapOvr>
+    <a:masterClrMapping/>
+  </p:clrMapOvr>
+</p:sld>
+</file>
+
+<file path=ppt/slides/slide16.xml><?xml version="1.0" encoding="utf-8"?>
 <p:sld xmlns:a="http://schemas.openxmlformats.org/drawingml/2006/main" xmlns:r="http://schemas.openxmlformats.org/officeDocument/2006/relationships" xmlns:p="http://schemas.openxmlformats.org/presentationml/2006/main">
   <p:cSld>
     <p:spTree>
@@ -8007,18 +8345,34 @@
           <a:lstStyle/>
           <a:p>
             <a:r>
-              <a:rPr lang="ko-KR" altLang="en-US" dirty="0" smtClean="0"/>
+              <a:rPr lang="ko-KR" altLang="en-US" b="1" dirty="0" smtClean="0">
+                <a:solidFill>
+                  <a:srgbClr val="FF0000"/>
+                </a:solidFill>
+              </a:rPr>
               <a:t>이후에 </a:t>
             </a:r>
             <a:r>
-              <a:rPr lang="en-US" altLang="ko-KR" dirty="0" smtClean="0"/>
+              <a:rPr lang="en-US" altLang="ko-KR" b="1" dirty="0" smtClean="0">
+                <a:solidFill>
+                  <a:srgbClr val="FF0000"/>
+                </a:solidFill>
+              </a:rPr>
               <a:t>normalization</a:t>
             </a:r>
             <a:r>
-              <a:rPr lang="ko-KR" altLang="en-US" dirty="0" smtClean="0"/>
+              <a:rPr lang="ko-KR" altLang="en-US" b="1" dirty="0" smtClean="0">
+                <a:solidFill>
+                  <a:srgbClr val="FF0000"/>
+                </a:solidFill>
+              </a:rPr>
               <a:t>의 중요성 강조함 </a:t>
             </a:r>
-            <a:endParaRPr lang="ko-KR" altLang="en-US" dirty="0"/>
+            <a:endParaRPr lang="ko-KR" altLang="en-US" b="1" dirty="0">
+              <a:solidFill>
+                <a:srgbClr val="FF0000"/>
+              </a:solidFill>
+            </a:endParaRPr>
           </a:p>
         </p:txBody>
       </p:sp>

--- a/실험정리.pptx
+++ b/실험정리.pptx
@@ -18,9 +18,10 @@
     <p:sldId id="285" r:id="rId12"/>
     <p:sldId id="286" r:id="rId13"/>
     <p:sldId id="287" r:id="rId14"/>
-    <p:sldId id="290" r:id="rId15"/>
-    <p:sldId id="291" r:id="rId16"/>
-    <p:sldId id="288" r:id="rId17"/>
+    <p:sldId id="292" r:id="rId15"/>
+    <p:sldId id="290" r:id="rId16"/>
+    <p:sldId id="291" r:id="rId17"/>
+    <p:sldId id="288" r:id="rId18"/>
   </p:sldIdLst>
   <p:sldSz cx="12192000" cy="6858000"/>
   <p:notesSz cx="6858000" cy="9144000"/>
@@ -5210,7 +5211,15 @@
             </a:pPr>
             <a:r>
               <a:rPr lang="en-US" altLang="ko-KR" dirty="0" smtClean="0"/>
-              <a:t>[]</a:t>
+              <a:t>[</a:t>
+            </a:r>
+            <a:r>
+              <a:rPr lang="ko-KR" altLang="en-US" dirty="0" smtClean="0"/>
+              <a:t>실패</a:t>
+            </a:r>
+            <a:r>
+              <a:rPr lang="en-US" altLang="ko-KR" dirty="0" smtClean="0"/>
+              <a:t>]</a:t>
             </a:r>
             <a:endParaRPr lang="en-US" altLang="ko-KR" dirty="0" smtClean="0"/>
           </a:p>
@@ -5263,7 +5272,15 @@
                   <a:srgbClr val="FF0000"/>
                 </a:solidFill>
               </a:rPr>
-              <a:t>sp_whl</a:t>
+              <a:t>sp_</a:t>
+            </a:r>
+            <a:r>
+              <a:rPr lang="en-US" altLang="ko-KR" dirty="0" err="1" smtClean="0">
+                <a:solidFill>
+                  <a:srgbClr val="FF0000"/>
+                </a:solidFill>
+              </a:rPr>
+              <a:t>whl</a:t>
             </a:r>
             <a:r>
               <a:rPr lang="en-US" altLang="ko-KR" dirty="0" smtClean="0"/>
@@ -5271,7 +5288,15 @@
             </a:r>
             <a:r>
               <a:rPr lang="en-US" altLang="ko-KR" dirty="0"/>
-              <a:t>SOC - 0.6, </a:t>
+              <a:t>SOC </a:t>
+            </a:r>
+            <a:r>
+              <a:rPr lang="en-US" altLang="ko-KR" dirty="0" smtClean="0"/>
+              <a:t>– </a:t>
+            </a:r>
+            <a:r>
+              <a:rPr lang="en-US" altLang="ko-KR" dirty="0"/>
+              <a:t>0.6, </a:t>
             </a:r>
             <a:r>
               <a:rPr lang="en-US" altLang="ko-KR" dirty="0" err="1"/>
@@ -5332,7 +5357,15 @@
             </a:pPr>
             <a:r>
               <a:rPr lang="en-US" altLang="ko-KR" dirty="0" smtClean="0"/>
-              <a:t>[]</a:t>
+              <a:t>[</a:t>
+            </a:r>
+            <a:r>
+              <a:rPr lang="ko-KR" altLang="en-US" dirty="0" smtClean="0"/>
+              <a:t>실패</a:t>
+            </a:r>
+            <a:r>
+              <a:rPr lang="en-US" altLang="ko-KR" dirty="0" smtClean="0"/>
+              <a:t>]</a:t>
             </a:r>
             <a:endParaRPr lang="en-US" altLang="ko-KR" dirty="0"/>
           </a:p>
@@ -5413,7 +5446,7 @@
         <p:spPr>
           <a:xfrm>
             <a:off x="2543763" y="6488668"/>
-            <a:ext cx="8607145" cy="369332"/>
+            <a:ext cx="8607145" cy="646331"/>
           </a:xfrm>
           <a:prstGeom prst="rect">
             <a:avLst/>
@@ -5432,7 +5465,7 @@
                   <a:srgbClr val="FF0000"/>
                 </a:solidFill>
               </a:rPr>
-              <a:t>Reference </a:t>
+              <a:t>Min-max normalization</a:t>
             </a:r>
             <a:r>
               <a:rPr lang="ko-KR" altLang="en-US" b="1" dirty="0" smtClean="0">
@@ -5440,15 +5473,63 @@
                   <a:srgbClr val="FF0000"/>
                 </a:solidFill>
               </a:rPr>
-              <a:t>모델은 높은 학습률에서도 꽤 견고한 학습을 보이는 것으로 확인 </a:t>
-            </a:r>
-            <a:r>
-              <a:rPr lang="ko-KR" altLang="en-US" b="1" dirty="0" err="1">
-                <a:solidFill>
-                  <a:srgbClr val="FF0000"/>
-                </a:solidFill>
-              </a:rPr>
-              <a:t>됌</a:t>
+              <a:t>은</a:t>
+            </a:r>
+            <a:r>
+              <a:rPr lang="en-US" altLang="ko-KR" b="1" dirty="0" smtClean="0">
+                <a:solidFill>
+                  <a:srgbClr val="FF0000"/>
+                </a:solidFill>
+              </a:rPr>
+              <a:t> feature </a:t>
+            </a:r>
+            <a:r>
+              <a:rPr lang="ko-KR" altLang="en-US" b="1" dirty="0" smtClean="0">
+                <a:solidFill>
+                  <a:srgbClr val="FF0000"/>
+                </a:solidFill>
+              </a:rPr>
+              <a:t>값이 </a:t>
+            </a:r>
+            <a:r>
+              <a:rPr lang="en-US" altLang="ko-KR" b="1" dirty="0" smtClean="0">
+                <a:solidFill>
+                  <a:srgbClr val="FF0000"/>
+                </a:solidFill>
+              </a:rPr>
+              <a:t>[0, 1]</a:t>
+            </a:r>
+            <a:r>
+              <a:rPr lang="ko-KR" altLang="en-US" b="1" dirty="0" smtClean="0">
+                <a:solidFill>
+                  <a:srgbClr val="FF0000"/>
+                </a:solidFill>
+              </a:rPr>
+              <a:t>임</a:t>
+            </a:r>
+            <a:r>
+              <a:rPr lang="en-US" altLang="ko-KR" b="1" dirty="0" smtClean="0">
+                <a:solidFill>
+                  <a:srgbClr val="FF0000"/>
+                </a:solidFill>
+              </a:rPr>
+              <a:t>. Power</a:t>
+            </a:r>
+            <a:r>
+              <a:rPr lang="ko-KR" altLang="en-US" b="1" dirty="0" smtClean="0">
+                <a:solidFill>
+                  <a:srgbClr val="FF0000"/>
+                </a:solidFill>
+              </a:rPr>
+              <a:t>의 부호는 나름의 의미가 있으므로 부호가 표현되어야 함</a:t>
+            </a:r>
+            <a:r>
+              <a:rPr lang="en-US" altLang="ko-KR" b="1" dirty="0" smtClean="0">
+                <a:solidFill>
+                  <a:srgbClr val="FF0000"/>
+                </a:solidFill>
+              </a:rPr>
+              <a:t>. </a:t>
             </a:r>
             <a:r>
               <a:rPr lang="ko-KR" altLang="en-US" b="1" dirty="0" smtClean="0">
@@ -5480,6 +5561,744 @@
 </file>
 
 <file path=ppt/slides/slide14.xml><?xml version="1.0" encoding="utf-8"?>
+<p:sld xmlns:a="http://schemas.openxmlformats.org/drawingml/2006/main" xmlns:r="http://schemas.openxmlformats.org/officeDocument/2006/relationships" xmlns:p="http://schemas.openxmlformats.org/presentationml/2006/main">
+  <p:cSld>
+    <p:spTree>
+      <p:nvGrpSpPr>
+        <p:cNvPr id="1" name=""/>
+        <p:cNvGrpSpPr/>
+        <p:nvPr/>
+      </p:nvGrpSpPr>
+      <p:grpSpPr>
+        <a:xfrm>
+          <a:off x="0" y="0"/>
+          <a:ext cx="0" cy="0"/>
+          <a:chOff x="0" y="0"/>
+          <a:chExt cx="0" cy="0"/>
+        </a:xfrm>
+      </p:grpSpPr>
+      <p:sp>
+        <p:nvSpPr>
+          <p:cNvPr id="2" name="제목 1"/>
+          <p:cNvSpPr>
+            <a:spLocks noGrp="1"/>
+          </p:cNvSpPr>
+          <p:nvPr>
+            <p:ph type="title"/>
+          </p:nvPr>
+        </p:nvSpPr>
+        <p:spPr/>
+        <p:txBody>
+          <a:bodyPr/>
+          <a:lstStyle/>
+          <a:p>
+            <a:r>
+              <a:rPr lang="en-US" altLang="ko-KR" dirty="0" smtClean="0"/>
+              <a:t>DDPG</a:t>
+            </a:r>
+            <a:r>
+              <a:rPr lang="ko-KR" altLang="en-US" dirty="0" smtClean="0"/>
+              <a:t> </a:t>
+            </a:r>
+            <a:r>
+              <a:rPr lang="en-US" altLang="ko-KR" dirty="0" smtClean="0"/>
+              <a:t>5_</a:t>
+            </a:r>
+            <a:r>
+              <a:rPr lang="en-US" altLang="ko-KR" dirty="0" smtClean="0"/>
+              <a:t>ver2 </a:t>
+            </a:r>
+            <a:r>
+              <a:rPr lang="ko-KR" altLang="en-US" dirty="0" smtClean="0"/>
+              <a:t>  </a:t>
+            </a:r>
+            <a:endParaRPr lang="ko-KR" altLang="en-US" dirty="0"/>
+          </a:p>
+        </p:txBody>
+      </p:sp>
+      <p:sp>
+        <p:nvSpPr>
+          <p:cNvPr id="4" name="TextBox 3"/>
+          <p:cNvSpPr txBox="1"/>
+          <p:nvPr/>
+        </p:nvSpPr>
+        <p:spPr>
+          <a:xfrm>
+            <a:off x="838200" y="1484771"/>
+            <a:ext cx="11000874" cy="5078313"/>
+          </a:xfrm>
+          <a:prstGeom prst="rect">
+            <a:avLst/>
+          </a:prstGeom>
+          <a:noFill/>
+        </p:spPr>
+        <p:txBody>
+          <a:bodyPr wrap="square" rtlCol="0">
+            <a:spAutoFit/>
+          </a:bodyPr>
+          <a:lstStyle/>
+          <a:p>
+            <a:pPr marL="285750" indent="-285750">
+              <a:buFontTx/>
+              <a:buChar char="-"/>
+            </a:pPr>
+            <a:r>
+              <a:rPr lang="en-US" altLang="ko-KR" b="1" dirty="0" smtClean="0">
+                <a:solidFill>
+                  <a:srgbClr val="FF0000"/>
+                </a:solidFill>
+              </a:rPr>
+              <a:t>Replay memory</a:t>
+            </a:r>
+            <a:r>
+              <a:rPr lang="ko-KR" altLang="en-US" b="1" dirty="0" smtClean="0">
+                <a:solidFill>
+                  <a:srgbClr val="FF0000"/>
+                </a:solidFill>
+              </a:rPr>
+              <a:t>에서 </a:t>
+            </a:r>
+            <a:r>
+              <a:rPr lang="en-US" altLang="ko-KR" b="1" dirty="0" smtClean="0">
+                <a:solidFill>
+                  <a:srgbClr val="FF0000"/>
+                </a:solidFill>
+              </a:rPr>
+              <a:t>experiments</a:t>
+            </a:r>
+            <a:r>
+              <a:rPr lang="ko-KR" altLang="en-US" b="1" dirty="0" smtClean="0">
+                <a:solidFill>
+                  <a:srgbClr val="FF0000"/>
+                </a:solidFill>
+              </a:rPr>
+              <a:t>를 </a:t>
+            </a:r>
+            <a:r>
+              <a:rPr lang="en-US" altLang="ko-KR" b="1" dirty="0" smtClean="0">
+                <a:solidFill>
+                  <a:srgbClr val="FF0000"/>
+                </a:solidFill>
+              </a:rPr>
+              <a:t>normalization</a:t>
+            </a:r>
+            <a:r>
+              <a:rPr lang="ko-KR" altLang="en-US" b="1" dirty="0" smtClean="0">
+                <a:solidFill>
+                  <a:srgbClr val="FF0000"/>
+                </a:solidFill>
+              </a:rPr>
+              <a:t>하는 방식을 활용하기 </a:t>
+            </a:r>
+            <a:endParaRPr lang="en-US" altLang="ko-KR" b="1" dirty="0" smtClean="0">
+              <a:solidFill>
+                <a:srgbClr val="FF0000"/>
+              </a:solidFill>
+            </a:endParaRPr>
+          </a:p>
+          <a:p>
+            <a:pPr marL="285750" indent="-285750">
+              <a:buFontTx/>
+              <a:buChar char="-"/>
+            </a:pPr>
+            <a:endParaRPr lang="en-US" altLang="ko-KR" b="1" dirty="0"/>
+          </a:p>
+          <a:p>
+            <a:pPr marL="285750" indent="-285750">
+              <a:buFontTx/>
+              <a:buChar char="-"/>
+            </a:pPr>
+            <a:r>
+              <a:rPr lang="en-US" altLang="ko-KR" b="1" dirty="0"/>
+              <a:t>Env1 State:</a:t>
+            </a:r>
+          </a:p>
+          <a:p>
+            <a:pPr marL="742950" lvl="1" indent="-285750">
+              <a:buFontTx/>
+              <a:buChar char="-"/>
+            </a:pPr>
+            <a:r>
+              <a:rPr lang="en-US" altLang="ko-KR" dirty="0"/>
+              <a:t>State:   [</a:t>
+            </a:r>
+            <a:r>
+              <a:rPr lang="en-US" altLang="ko-KR" dirty="0" err="1">
+                <a:solidFill>
+                  <a:srgbClr val="FF0000"/>
+                </a:solidFill>
+              </a:rPr>
+              <a:t>power_out</a:t>
+            </a:r>
+            <a:r>
+              <a:rPr lang="en-US" altLang="ko-KR" dirty="0">
+                <a:solidFill>
+                  <a:srgbClr val="FF0000"/>
+                </a:solidFill>
+              </a:rPr>
+              <a:t>/1000</a:t>
+            </a:r>
+            <a:r>
+              <a:rPr lang="en-US" altLang="ko-KR" dirty="0"/>
+              <a:t>, SOC - 0.6, </a:t>
+            </a:r>
+            <a:r>
+              <a:rPr lang="en-US" altLang="ko-KR" dirty="0" err="1"/>
+              <a:t>j_min</a:t>
+            </a:r>
+            <a:r>
+              <a:rPr lang="en-US" altLang="ko-KR" dirty="0"/>
+              <a:t>, </a:t>
+            </a:r>
+            <a:r>
+              <a:rPr lang="en-US" altLang="ko-KR" dirty="0" err="1"/>
+              <a:t>j_max</a:t>
+            </a:r>
+            <a:r>
+              <a:rPr lang="en-US" altLang="ko-KR" dirty="0" smtClean="0"/>
+              <a:t>]</a:t>
+            </a:r>
+          </a:p>
+          <a:p>
+            <a:pPr marL="742950" lvl="1" indent="-285750">
+              <a:buFontTx/>
+              <a:buChar char="-"/>
+            </a:pPr>
+            <a:r>
+              <a:rPr lang="en-US" altLang="ko-KR" dirty="0" err="1" smtClean="0"/>
+              <a:t>power_out</a:t>
+            </a:r>
+            <a:r>
+              <a:rPr lang="ko-KR" altLang="en-US" dirty="0" smtClean="0"/>
+              <a:t>에 대해</a:t>
+            </a:r>
+            <a:r>
+              <a:rPr lang="en-US" altLang="ko-KR" dirty="0" smtClean="0"/>
+              <a:t> min-max </a:t>
+            </a:r>
+            <a:r>
+              <a:rPr lang="en-US" altLang="ko-KR" dirty="0" smtClean="0"/>
+              <a:t>normalization_ver2 </a:t>
+            </a:r>
+            <a:r>
+              <a:rPr lang="ko-KR" altLang="en-US" dirty="0" smtClean="0"/>
+              <a:t>적용 </a:t>
+            </a:r>
+            <a:endParaRPr lang="en-US" altLang="ko-KR" dirty="0"/>
+          </a:p>
+          <a:p>
+            <a:pPr marL="742950" lvl="1" indent="-285750">
+              <a:buFontTx/>
+              <a:buChar char="-"/>
+            </a:pPr>
+            <a:r>
+              <a:rPr lang="en-US" altLang="ko-KR" dirty="0" smtClean="0"/>
+              <a:t>[]</a:t>
+            </a:r>
+            <a:endParaRPr lang="en-US" altLang="ko-KR" dirty="0"/>
+          </a:p>
+          <a:p>
+            <a:pPr marL="285750" indent="-285750">
+              <a:buFontTx/>
+              <a:buChar char="-"/>
+            </a:pPr>
+            <a:r>
+              <a:rPr lang="en-US" altLang="ko-KR" b="1" dirty="0" smtClean="0"/>
+              <a:t>Env2 </a:t>
+            </a:r>
+            <a:r>
+              <a:rPr lang="en-US" altLang="ko-KR" b="1" dirty="0"/>
+              <a:t>State:</a:t>
+            </a:r>
+          </a:p>
+          <a:p>
+            <a:pPr marL="742950" lvl="1" indent="-285750">
+              <a:buFontTx/>
+              <a:buChar char="-"/>
+            </a:pPr>
+            <a:r>
+              <a:rPr lang="en-US" altLang="ko-KR" dirty="0"/>
+              <a:t>State:   [</a:t>
+            </a:r>
+            <a:r>
+              <a:rPr lang="en-US" altLang="ko-KR" dirty="0" err="1">
+                <a:solidFill>
+                  <a:srgbClr val="FF0000"/>
+                </a:solidFill>
+              </a:rPr>
+              <a:t>power_out</a:t>
+            </a:r>
+            <a:r>
+              <a:rPr lang="en-US" altLang="ko-KR" dirty="0">
+                <a:solidFill>
+                  <a:srgbClr val="FF0000"/>
+                </a:solidFill>
+              </a:rPr>
+              <a:t>/1000</a:t>
+            </a:r>
+            <a:r>
+              <a:rPr lang="en-US" altLang="ko-KR" dirty="0"/>
+              <a:t>, SOC - 0.6, </a:t>
+            </a:r>
+            <a:r>
+              <a:rPr lang="en-US" altLang="ko-KR" dirty="0" err="1"/>
+              <a:t>j_min</a:t>
+            </a:r>
+            <a:r>
+              <a:rPr lang="en-US" altLang="ko-KR" dirty="0"/>
+              <a:t>, </a:t>
+            </a:r>
+            <a:r>
+              <a:rPr lang="en-US" altLang="ko-KR" dirty="0" err="1"/>
+              <a:t>j_max</a:t>
+            </a:r>
+            <a:r>
+              <a:rPr lang="en-US" altLang="ko-KR" dirty="0"/>
+              <a:t>]</a:t>
+            </a:r>
+          </a:p>
+          <a:p>
+            <a:pPr marL="742950" lvl="1" indent="-285750">
+              <a:buFontTx/>
+              <a:buChar char="-"/>
+            </a:pPr>
+            <a:r>
+              <a:rPr lang="ko-KR" altLang="en-US" dirty="0" smtClean="0"/>
+              <a:t>모든 </a:t>
+            </a:r>
+            <a:r>
+              <a:rPr lang="en-US" altLang="ko-KR" dirty="0" smtClean="0"/>
+              <a:t>Feature</a:t>
+            </a:r>
+            <a:r>
+              <a:rPr lang="ko-KR" altLang="en-US" dirty="0" smtClean="0"/>
+              <a:t>에 </a:t>
+            </a:r>
+            <a:r>
+              <a:rPr lang="ko-KR" altLang="en-US" dirty="0"/>
+              <a:t>대해</a:t>
+            </a:r>
+            <a:r>
+              <a:rPr lang="en-US" altLang="ko-KR" dirty="0"/>
+              <a:t> min-max </a:t>
+            </a:r>
+            <a:r>
+              <a:rPr lang="en-US" altLang="ko-KR" dirty="0"/>
+              <a:t>normalization_ver2 </a:t>
+            </a:r>
+            <a:r>
+              <a:rPr lang="ko-KR" altLang="en-US" dirty="0"/>
+              <a:t>적용 </a:t>
+            </a:r>
+            <a:endParaRPr lang="en-US" altLang="ko-KR" dirty="0" smtClean="0"/>
+          </a:p>
+          <a:p>
+            <a:pPr marL="742950" lvl="1" indent="-285750">
+              <a:buFontTx/>
+              <a:buChar char="-"/>
+            </a:pPr>
+            <a:r>
+              <a:rPr lang="en-US" altLang="ko-KR" dirty="0" smtClean="0"/>
+              <a:t>[]</a:t>
+            </a:r>
+            <a:endParaRPr lang="en-US" altLang="ko-KR" dirty="0" smtClean="0"/>
+          </a:p>
+          <a:p>
+            <a:pPr marL="285750" indent="-285750">
+              <a:buFontTx/>
+              <a:buChar char="-"/>
+            </a:pPr>
+            <a:r>
+              <a:rPr lang="en-US" altLang="ko-KR" b="1" dirty="0" smtClean="0"/>
+              <a:t>Env3 </a:t>
+            </a:r>
+            <a:r>
+              <a:rPr lang="en-US" altLang="ko-KR" b="1" dirty="0"/>
+              <a:t>State:</a:t>
+            </a:r>
+          </a:p>
+          <a:p>
+            <a:pPr marL="742950" lvl="1" indent="-285750">
+              <a:buFontTx/>
+              <a:buChar char="-"/>
+            </a:pPr>
+            <a:r>
+              <a:rPr lang="en-US" altLang="ko-KR" dirty="0"/>
+              <a:t>State:   </a:t>
+            </a:r>
+            <a:r>
+              <a:rPr lang="en-US" altLang="ko-KR" dirty="0" smtClean="0"/>
+              <a:t>[</a:t>
+            </a:r>
+            <a:r>
+              <a:rPr lang="en-US" altLang="ko-KR" dirty="0" err="1" smtClean="0">
+                <a:solidFill>
+                  <a:srgbClr val="FF0000"/>
+                </a:solidFill>
+              </a:rPr>
+              <a:t>acc</a:t>
+            </a:r>
+            <a:r>
+              <a:rPr lang="en-US" altLang="ko-KR" dirty="0" smtClean="0">
+                <a:solidFill>
+                  <a:srgbClr val="FF0000"/>
+                </a:solidFill>
+              </a:rPr>
+              <a:t>, </a:t>
+            </a:r>
+            <a:r>
+              <a:rPr lang="en-US" altLang="ko-KR" dirty="0" err="1" smtClean="0">
+                <a:solidFill>
+                  <a:srgbClr val="FF0000"/>
+                </a:solidFill>
+              </a:rPr>
+              <a:t>sp_whl</a:t>
+            </a:r>
+            <a:r>
+              <a:rPr lang="en-US" altLang="ko-KR" dirty="0" smtClean="0"/>
+              <a:t>, </a:t>
+            </a:r>
+            <a:r>
+              <a:rPr lang="en-US" altLang="ko-KR" dirty="0"/>
+              <a:t>SOC - 0.6, </a:t>
+            </a:r>
+            <a:r>
+              <a:rPr lang="en-US" altLang="ko-KR" dirty="0" err="1"/>
+              <a:t>j_min</a:t>
+            </a:r>
+            <a:r>
+              <a:rPr lang="en-US" altLang="ko-KR" dirty="0"/>
+              <a:t>, </a:t>
+            </a:r>
+            <a:r>
+              <a:rPr lang="en-US" altLang="ko-KR" dirty="0" err="1"/>
+              <a:t>j_max</a:t>
+            </a:r>
+            <a:r>
+              <a:rPr lang="en-US" altLang="ko-KR" dirty="0"/>
+              <a:t>]</a:t>
+            </a:r>
+          </a:p>
+          <a:p>
+            <a:pPr marL="742950" lvl="1" indent="-285750">
+              <a:buFontTx/>
+              <a:buChar char="-"/>
+            </a:pPr>
+            <a:r>
+              <a:rPr lang="en-US" altLang="ko-KR" dirty="0" err="1" smtClean="0"/>
+              <a:t>acc</a:t>
+            </a:r>
+            <a:r>
+              <a:rPr lang="en-US" altLang="ko-KR" dirty="0" smtClean="0"/>
+              <a:t>, </a:t>
+            </a:r>
+            <a:r>
+              <a:rPr lang="en-US" altLang="ko-KR" dirty="0" err="1" smtClean="0"/>
+              <a:t>sp_whl</a:t>
+            </a:r>
+            <a:r>
+              <a:rPr lang="ko-KR" altLang="en-US" dirty="0" smtClean="0"/>
+              <a:t>에 </a:t>
+            </a:r>
+            <a:r>
+              <a:rPr lang="ko-KR" altLang="en-US" dirty="0"/>
+              <a:t>대해</a:t>
+            </a:r>
+            <a:r>
+              <a:rPr lang="en-US" altLang="ko-KR" dirty="0"/>
+              <a:t> min-max </a:t>
+            </a:r>
+            <a:r>
+              <a:rPr lang="en-US" altLang="ko-KR" dirty="0" smtClean="0"/>
+              <a:t>normalization_ver2 </a:t>
+            </a:r>
+            <a:r>
+              <a:rPr lang="ko-KR" altLang="en-US" dirty="0"/>
+              <a:t>적용 </a:t>
+            </a:r>
+            <a:endParaRPr lang="en-US" altLang="ko-KR" dirty="0"/>
+          </a:p>
+          <a:p>
+            <a:pPr marL="742950" lvl="1" indent="-285750">
+              <a:buFontTx/>
+              <a:buChar char="-"/>
+            </a:pPr>
+            <a:r>
+              <a:rPr lang="en-US" altLang="ko-KR" dirty="0" smtClean="0"/>
+              <a:t>[]</a:t>
+            </a:r>
+            <a:endParaRPr lang="en-US" altLang="ko-KR" dirty="0" smtClean="0"/>
+          </a:p>
+          <a:p>
+            <a:pPr marL="285750" indent="-285750">
+              <a:buFontTx/>
+              <a:buChar char="-"/>
+            </a:pPr>
+            <a:r>
+              <a:rPr lang="en-US" altLang="ko-KR" b="1" dirty="0" smtClean="0"/>
+              <a:t>Env4 </a:t>
+            </a:r>
+            <a:r>
+              <a:rPr lang="en-US" altLang="ko-KR" b="1" dirty="0"/>
+              <a:t>State:</a:t>
+            </a:r>
+          </a:p>
+          <a:p>
+            <a:pPr marL="742950" lvl="1" indent="-285750">
+              <a:buFontTx/>
+              <a:buChar char="-"/>
+            </a:pPr>
+            <a:r>
+              <a:rPr lang="en-US" altLang="ko-KR" dirty="0"/>
+              <a:t>State:   </a:t>
+            </a:r>
+            <a:r>
+              <a:rPr lang="en-US" altLang="ko-KR" dirty="0" smtClean="0"/>
+              <a:t>[</a:t>
+            </a:r>
+            <a:r>
+              <a:rPr lang="en-US" altLang="ko-KR" dirty="0" err="1" smtClean="0">
+                <a:solidFill>
+                  <a:srgbClr val="FF0000"/>
+                </a:solidFill>
+              </a:rPr>
+              <a:t>acc</a:t>
+            </a:r>
+            <a:r>
+              <a:rPr lang="en-US" altLang="ko-KR" dirty="0" smtClean="0">
+                <a:solidFill>
+                  <a:srgbClr val="FF0000"/>
+                </a:solidFill>
+              </a:rPr>
+              <a:t>, </a:t>
+            </a:r>
+            <a:r>
+              <a:rPr lang="en-US" altLang="ko-KR" dirty="0" err="1" smtClean="0">
+                <a:solidFill>
+                  <a:srgbClr val="FF0000"/>
+                </a:solidFill>
+              </a:rPr>
+              <a:t>sp_</a:t>
+            </a:r>
+            <a:r>
+              <a:rPr lang="en-US" altLang="ko-KR" dirty="0" err="1" smtClean="0">
+                <a:solidFill>
+                  <a:srgbClr val="FF0000"/>
+                </a:solidFill>
+              </a:rPr>
+              <a:t>whl</a:t>
+            </a:r>
+            <a:r>
+              <a:rPr lang="en-US" altLang="ko-KR" dirty="0" smtClean="0"/>
+              <a:t>, </a:t>
+            </a:r>
+            <a:r>
+              <a:rPr lang="en-US" altLang="ko-KR" dirty="0"/>
+              <a:t>SOC </a:t>
+            </a:r>
+            <a:r>
+              <a:rPr lang="en-US" altLang="ko-KR" dirty="0" smtClean="0"/>
+              <a:t>– </a:t>
+            </a:r>
+            <a:r>
+              <a:rPr lang="en-US" altLang="ko-KR" dirty="0"/>
+              <a:t>0.6, </a:t>
+            </a:r>
+            <a:r>
+              <a:rPr lang="en-US" altLang="ko-KR" dirty="0" err="1"/>
+              <a:t>j_min</a:t>
+            </a:r>
+            <a:r>
+              <a:rPr lang="en-US" altLang="ko-KR" dirty="0"/>
+              <a:t>, </a:t>
+            </a:r>
+            <a:r>
+              <a:rPr lang="en-US" altLang="ko-KR" dirty="0" err="1"/>
+              <a:t>j_max</a:t>
+            </a:r>
+            <a:r>
+              <a:rPr lang="en-US" altLang="ko-KR" dirty="0"/>
+              <a:t>]</a:t>
+            </a:r>
+          </a:p>
+          <a:p>
+            <a:pPr marL="742950" lvl="1" indent="-285750">
+              <a:buFontTx/>
+              <a:buChar char="-"/>
+            </a:pPr>
+            <a:r>
+              <a:rPr lang="ko-KR" altLang="en-US" dirty="0" smtClean="0"/>
+              <a:t>모든 </a:t>
+            </a:r>
+            <a:r>
+              <a:rPr lang="en-US" altLang="ko-KR" dirty="0"/>
+              <a:t>Feature</a:t>
+            </a:r>
+            <a:r>
+              <a:rPr lang="ko-KR" altLang="en-US" dirty="0"/>
+              <a:t>에 대해</a:t>
+            </a:r>
+            <a:r>
+              <a:rPr lang="en-US" altLang="ko-KR" dirty="0"/>
+              <a:t> min-max </a:t>
+            </a:r>
+            <a:r>
+              <a:rPr lang="en-US" altLang="ko-KR" dirty="0"/>
+              <a:t>normalization_ver2 </a:t>
+            </a:r>
+            <a:r>
+              <a:rPr lang="ko-KR" altLang="en-US" dirty="0"/>
+              <a:t>적용 </a:t>
+            </a:r>
+            <a:endParaRPr lang="en-US" altLang="ko-KR" dirty="0"/>
+          </a:p>
+          <a:p>
+            <a:pPr marL="742950" lvl="1" indent="-285750">
+              <a:buFontTx/>
+              <a:buChar char="-"/>
+            </a:pPr>
+            <a:r>
+              <a:rPr lang="en-US" altLang="ko-KR" dirty="0" smtClean="0"/>
+              <a:t>[]</a:t>
+            </a:r>
+            <a:endParaRPr lang="en-US" altLang="ko-KR" dirty="0"/>
+          </a:p>
+        </p:txBody>
+      </p:sp>
+      <p:pic>
+        <p:nvPicPr>
+          <p:cNvPr id="3" name="그림 2"/>
+          <p:cNvPicPr>
+            <a:picLocks noChangeAspect="1"/>
+          </p:cNvPicPr>
+          <p:nvPr/>
+        </p:nvPicPr>
+        <p:blipFill>
+          <a:blip r:embed="rId2"/>
+          <a:stretch>
+            <a:fillRect/>
+          </a:stretch>
+        </p:blipFill>
+        <p:spPr>
+          <a:xfrm>
+            <a:off x="9023899" y="1779557"/>
+            <a:ext cx="2947968" cy="2233470"/>
+          </a:xfrm>
+          <a:prstGeom prst="rect">
+            <a:avLst/>
+          </a:prstGeom>
+        </p:spPr>
+      </p:pic>
+      <p:sp>
+        <p:nvSpPr>
+          <p:cNvPr id="5" name="TextBox 4"/>
+          <p:cNvSpPr txBox="1"/>
+          <p:nvPr/>
+        </p:nvSpPr>
+        <p:spPr>
+          <a:xfrm>
+            <a:off x="9376757" y="4122289"/>
+            <a:ext cx="3017520" cy="369332"/>
+          </a:xfrm>
+          <a:prstGeom prst="rect">
+            <a:avLst/>
+          </a:prstGeom>
+          <a:noFill/>
+        </p:spPr>
+        <p:txBody>
+          <a:bodyPr wrap="square" rtlCol="0">
+            <a:spAutoFit/>
+          </a:bodyPr>
+          <a:lstStyle/>
+          <a:p>
+            <a:r>
+              <a:rPr lang="en-US" altLang="ko-KR" dirty="0" smtClean="0"/>
+              <a:t>&lt;</a:t>
+            </a:r>
+            <a:r>
+              <a:rPr lang="ko-KR" altLang="en-US" dirty="0" err="1" smtClean="0"/>
+              <a:t>하이퍼파라미터</a:t>
+            </a:r>
+            <a:r>
+              <a:rPr lang="en-US" altLang="ko-KR" dirty="0" smtClean="0"/>
+              <a:t>&gt;</a:t>
+            </a:r>
+            <a:r>
+              <a:rPr lang="ko-KR" altLang="en-US" dirty="0" smtClean="0"/>
+              <a:t> </a:t>
+            </a:r>
+            <a:endParaRPr lang="ko-KR" altLang="en-US" dirty="0"/>
+          </a:p>
+        </p:txBody>
+      </p:sp>
+      <p:sp>
+        <p:nvSpPr>
+          <p:cNvPr id="6" name="TextBox 5"/>
+          <p:cNvSpPr txBox="1"/>
+          <p:nvPr/>
+        </p:nvSpPr>
+        <p:spPr>
+          <a:xfrm>
+            <a:off x="2543763" y="6488668"/>
+            <a:ext cx="8607145" cy="369332"/>
+          </a:xfrm>
+          <a:prstGeom prst="rect">
+            <a:avLst/>
+          </a:prstGeom>
+          <a:noFill/>
+        </p:spPr>
+        <p:txBody>
+          <a:bodyPr wrap="square" rtlCol="0">
+            <a:spAutoFit/>
+          </a:bodyPr>
+          <a:lstStyle/>
+          <a:p>
+            <a:r>
+              <a:rPr lang="en-US" altLang="ko-KR" b="1" dirty="0" smtClean="0">
+                <a:solidFill>
+                  <a:srgbClr val="FF0000"/>
+                </a:solidFill>
+              </a:rPr>
+              <a:t>Min-max normalization</a:t>
+            </a:r>
+            <a:r>
+              <a:rPr lang="ko-KR" altLang="en-US" b="1" dirty="0" err="1" smtClean="0">
+                <a:solidFill>
+                  <a:srgbClr val="FF0000"/>
+                </a:solidFill>
+              </a:rPr>
+              <a:t>됌</a:t>
+            </a:r>
+            <a:r>
+              <a:rPr lang="ko-KR" altLang="en-US" b="1" dirty="0" smtClean="0">
+                <a:solidFill>
+                  <a:srgbClr val="FF0000"/>
+                </a:solidFill>
+              </a:rPr>
+              <a:t> </a:t>
+            </a:r>
+            <a:endParaRPr lang="en-US" altLang="ko-KR" b="1" dirty="0">
+              <a:solidFill>
+                <a:srgbClr val="FF0000"/>
+              </a:solidFill>
+            </a:endParaRPr>
+          </a:p>
+        </p:txBody>
+      </p:sp>
+    </p:spTree>
+    <p:extLst>
+      <p:ext uri="{BB962C8B-B14F-4D97-AF65-F5344CB8AC3E}">
+        <p14:creationId xmlns:p14="http://schemas.microsoft.com/office/powerpoint/2010/main" val="3691464051"/>
+      </p:ext>
+    </p:extLst>
+  </p:cSld>
+  <p:clrMapOvr>
+    <a:masterClrMapping/>
+  </p:clrMapOvr>
+</p:sld>
+</file>
+
+<file path=ppt/slides/slide15.xml><?xml version="1.0" encoding="utf-8"?>
 <p:sld xmlns:a="http://schemas.openxmlformats.org/drawingml/2006/main" xmlns:r="http://schemas.openxmlformats.org/officeDocument/2006/relationships" xmlns:p="http://schemas.openxmlformats.org/presentationml/2006/main">
   <p:cSld>
     <p:spTree>
@@ -6243,7 +7062,7 @@
 </p:sld>
 </file>
 
-<file path=ppt/slides/slide15.xml><?xml version="1.0" encoding="utf-8"?>
+<file path=ppt/slides/slide16.xml><?xml version="1.0" encoding="utf-8"?>
 <p:sld xmlns:a="http://schemas.openxmlformats.org/drawingml/2006/main" xmlns:r="http://schemas.openxmlformats.org/officeDocument/2006/relationships" xmlns:p="http://schemas.openxmlformats.org/presentationml/2006/main">
   <p:cSld>
     <p:spTree>
@@ -6539,7 +7358,7 @@
 </p:sld>
 </file>
 
-<file path=ppt/slides/slide16.xml><?xml version="1.0" encoding="utf-8"?>
+<file path=ppt/slides/slide17.xml><?xml version="1.0" encoding="utf-8"?>
 <p:sld xmlns:a="http://schemas.openxmlformats.org/drawingml/2006/main" xmlns:r="http://schemas.openxmlformats.org/officeDocument/2006/relationships" xmlns:p="http://schemas.openxmlformats.org/presentationml/2006/main">
   <p:cSld>
     <p:spTree>

--- a/실험정리.pptx
+++ b/실험정리.pptx
@@ -14,17 +14,18 @@
     <p:sldId id="281" r:id="rId8"/>
     <p:sldId id="280" r:id="rId9"/>
     <p:sldId id="284" r:id="rId10"/>
-    <p:sldId id="278" r:id="rId11"/>
-    <p:sldId id="283" r:id="rId12"/>
-    <p:sldId id="285" r:id="rId13"/>
-    <p:sldId id="286" r:id="rId14"/>
-    <p:sldId id="287" r:id="rId15"/>
-    <p:sldId id="292" r:id="rId16"/>
-    <p:sldId id="290" r:id="rId17"/>
-    <p:sldId id="293" r:id="rId18"/>
-    <p:sldId id="294" r:id="rId19"/>
-    <p:sldId id="291" r:id="rId20"/>
-    <p:sldId id="288" r:id="rId21"/>
+    <p:sldId id="296" r:id="rId11"/>
+    <p:sldId id="278" r:id="rId12"/>
+    <p:sldId id="283" r:id="rId13"/>
+    <p:sldId id="285" r:id="rId14"/>
+    <p:sldId id="286" r:id="rId15"/>
+    <p:sldId id="287" r:id="rId16"/>
+    <p:sldId id="292" r:id="rId17"/>
+    <p:sldId id="290" r:id="rId18"/>
+    <p:sldId id="293" r:id="rId19"/>
+    <p:sldId id="294" r:id="rId20"/>
+    <p:sldId id="291" r:id="rId21"/>
+    <p:sldId id="288" r:id="rId22"/>
   </p:sldIdLst>
   <p:sldSz cx="12192000" cy="6858000"/>
   <p:notesSz cx="6858000" cy="9144000"/>
@@ -3058,6 +3059,406 @@
           <a:p>
             <a:r>
               <a:rPr lang="en-US" altLang="ko-KR" dirty="0" smtClean="0"/>
+              <a:t>DDQN</a:t>
+            </a:r>
+            <a:r>
+              <a:rPr lang="ko-KR" altLang="en-US" dirty="0" smtClean="0"/>
+              <a:t> </a:t>
+            </a:r>
+            <a:r>
+              <a:rPr lang="en-US" altLang="ko-KR" dirty="0" smtClean="0"/>
+              <a:t>3_ver2 </a:t>
+            </a:r>
+            <a:r>
+              <a:rPr lang="en-US" altLang="ko-KR" dirty="0" smtClean="0"/>
+              <a:t>– </a:t>
+            </a:r>
+            <a:r>
+              <a:rPr lang="ko-KR" altLang="en-US" dirty="0" smtClean="0"/>
+              <a:t>결과   </a:t>
+            </a:r>
+            <a:endParaRPr lang="ko-KR" altLang="en-US" dirty="0"/>
+          </a:p>
+        </p:txBody>
+      </p:sp>
+      <p:sp>
+        <p:nvSpPr>
+          <p:cNvPr id="4" name="TextBox 3"/>
+          <p:cNvSpPr txBox="1"/>
+          <p:nvPr/>
+        </p:nvSpPr>
+        <p:spPr>
+          <a:xfrm>
+            <a:off x="838200" y="1459832"/>
+            <a:ext cx="11000874" cy="3693319"/>
+          </a:xfrm>
+          <a:prstGeom prst="rect">
+            <a:avLst/>
+          </a:prstGeom>
+          <a:noFill/>
+        </p:spPr>
+        <p:txBody>
+          <a:bodyPr wrap="square" rtlCol="0">
+            <a:spAutoFit/>
+          </a:bodyPr>
+          <a:lstStyle/>
+          <a:p>
+            <a:pPr marL="285750" indent="-285750">
+              <a:buFontTx/>
+              <a:buChar char="-"/>
+            </a:pPr>
+            <a:r>
+              <a:rPr lang="ko-KR" altLang="en-US" b="1" dirty="0" smtClean="0">
+                <a:solidFill>
+                  <a:srgbClr val="FF0000"/>
+                </a:solidFill>
+              </a:rPr>
+              <a:t>다양한 </a:t>
+            </a:r>
+            <a:r>
+              <a:rPr lang="en-US" altLang="ko-KR" b="1" dirty="0" smtClean="0">
+                <a:solidFill>
+                  <a:srgbClr val="FF0000"/>
+                </a:solidFill>
+              </a:rPr>
+              <a:t>State</a:t>
+            </a:r>
+            <a:r>
+              <a:rPr lang="ko-KR" altLang="en-US" b="1" dirty="0" smtClean="0">
+                <a:solidFill>
+                  <a:srgbClr val="FF0000"/>
+                </a:solidFill>
+              </a:rPr>
+              <a:t>에 대한 실험을 진행함</a:t>
+            </a:r>
+            <a:endParaRPr lang="en-US" altLang="ko-KR" b="1" dirty="0" smtClean="0">
+              <a:solidFill>
+                <a:srgbClr val="FF0000"/>
+              </a:solidFill>
+            </a:endParaRPr>
+          </a:p>
+          <a:p>
+            <a:pPr marL="285750" indent="-285750">
+              <a:buFontTx/>
+              <a:buChar char="-"/>
+            </a:pPr>
+            <a:endParaRPr lang="en-US" altLang="ko-KR" b="1" dirty="0"/>
+          </a:p>
+          <a:p>
+            <a:pPr marL="285750" indent="-285750">
+              <a:buFontTx/>
+              <a:buChar char="-"/>
+            </a:pPr>
+            <a:r>
+              <a:rPr lang="en-US" altLang="ko-KR" b="1" dirty="0" smtClean="0"/>
+              <a:t>Env1 State:</a:t>
+            </a:r>
+          </a:p>
+          <a:p>
+            <a:pPr marL="742950" lvl="1" indent="-285750">
+              <a:buFontTx/>
+              <a:buChar char="-"/>
+            </a:pPr>
+            <a:r>
+              <a:rPr lang="en-US" altLang="ko-KR" dirty="0" smtClean="0"/>
+              <a:t>State:   [</a:t>
+            </a:r>
+            <a:r>
+              <a:rPr lang="en-US" altLang="ko-KR" dirty="0" err="1" smtClean="0">
+                <a:solidFill>
+                  <a:srgbClr val="FF0000"/>
+                </a:solidFill>
+              </a:rPr>
+              <a:t>power_out</a:t>
+            </a:r>
+            <a:r>
+              <a:rPr lang="en-US" altLang="ko-KR" dirty="0" smtClean="0">
+                <a:solidFill>
+                  <a:srgbClr val="FF0000"/>
+                </a:solidFill>
+              </a:rPr>
+              <a:t>/1000</a:t>
+            </a:r>
+            <a:r>
+              <a:rPr lang="en-US" altLang="ko-KR" dirty="0" smtClean="0"/>
+              <a:t>, SOC, </a:t>
+            </a:r>
+            <a:r>
+              <a:rPr lang="en-US" altLang="ko-KR" dirty="0" err="1" smtClean="0"/>
+              <a:t>j_min</a:t>
+            </a:r>
+            <a:r>
+              <a:rPr lang="en-US" altLang="ko-KR" dirty="0" smtClean="0"/>
+              <a:t>, </a:t>
+            </a:r>
+            <a:r>
+              <a:rPr lang="en-US" altLang="ko-KR" dirty="0" err="1" smtClean="0"/>
+              <a:t>j_max</a:t>
+            </a:r>
+            <a:r>
+              <a:rPr lang="en-US" altLang="ko-KR" dirty="0" smtClean="0"/>
+              <a:t>]</a:t>
+            </a:r>
+          </a:p>
+          <a:p>
+            <a:pPr marL="742950" lvl="1" indent="-285750">
+              <a:buFontTx/>
+              <a:buChar char="-"/>
+            </a:pPr>
+            <a:endParaRPr lang="en-US" altLang="ko-KR" dirty="0" smtClean="0"/>
+          </a:p>
+          <a:p>
+            <a:pPr marL="285750" indent="-285750">
+              <a:buFontTx/>
+              <a:buChar char="-"/>
+            </a:pPr>
+            <a:r>
+              <a:rPr lang="en-US" altLang="ko-KR" b="1" dirty="0" smtClean="0"/>
+              <a:t>Env2 </a:t>
+            </a:r>
+            <a:r>
+              <a:rPr lang="en-US" altLang="ko-KR" b="1" dirty="0"/>
+              <a:t>State:</a:t>
+            </a:r>
+          </a:p>
+          <a:p>
+            <a:pPr marL="742950" lvl="1" indent="-285750">
+              <a:buFontTx/>
+              <a:buChar char="-"/>
+            </a:pPr>
+            <a:r>
+              <a:rPr lang="en-US" altLang="ko-KR" dirty="0"/>
+              <a:t>State:   </a:t>
+            </a:r>
+            <a:r>
+              <a:rPr lang="en-US" altLang="ko-KR" dirty="0" smtClean="0"/>
+              <a:t>[</a:t>
+            </a:r>
+            <a:r>
+              <a:rPr lang="en-US" altLang="ko-KR" dirty="0" err="1" smtClean="0">
+                <a:solidFill>
+                  <a:srgbClr val="FF0000"/>
+                </a:solidFill>
+              </a:rPr>
+              <a:t>power_out</a:t>
+            </a:r>
+            <a:r>
+              <a:rPr lang="en-US" altLang="ko-KR" dirty="0" smtClean="0"/>
+              <a:t>, </a:t>
+            </a:r>
+            <a:r>
+              <a:rPr lang="en-US" altLang="ko-KR" dirty="0"/>
+              <a:t>SOC, </a:t>
+            </a:r>
+            <a:r>
+              <a:rPr lang="en-US" altLang="ko-KR" dirty="0" err="1"/>
+              <a:t>j_min</a:t>
+            </a:r>
+            <a:r>
+              <a:rPr lang="en-US" altLang="ko-KR" dirty="0"/>
+              <a:t>, </a:t>
+            </a:r>
+            <a:r>
+              <a:rPr lang="en-US" altLang="ko-KR" dirty="0" err="1"/>
+              <a:t>j_max</a:t>
+            </a:r>
+            <a:r>
+              <a:rPr lang="en-US" altLang="ko-KR" dirty="0"/>
+              <a:t>]</a:t>
+            </a:r>
+          </a:p>
+          <a:p>
+            <a:pPr marL="285750" indent="-285750">
+              <a:buFontTx/>
+              <a:buChar char="-"/>
+            </a:pPr>
+            <a:endParaRPr lang="en-US" altLang="ko-KR" dirty="0" smtClean="0"/>
+          </a:p>
+          <a:p>
+            <a:pPr marL="285750" indent="-285750">
+              <a:buFontTx/>
+              <a:buChar char="-"/>
+            </a:pPr>
+            <a:r>
+              <a:rPr lang="en-US" altLang="ko-KR" b="1" dirty="0" smtClean="0"/>
+              <a:t>Env3 </a:t>
+            </a:r>
+            <a:r>
+              <a:rPr lang="en-US" altLang="ko-KR" b="1" dirty="0"/>
+              <a:t>State:</a:t>
+            </a:r>
+          </a:p>
+          <a:p>
+            <a:pPr marL="742950" lvl="1" indent="-285750">
+              <a:buFontTx/>
+              <a:buChar char="-"/>
+            </a:pPr>
+            <a:r>
+              <a:rPr lang="en-US" altLang="ko-KR" dirty="0"/>
+              <a:t>State:   </a:t>
+            </a:r>
+            <a:r>
+              <a:rPr lang="en-US" altLang="ko-KR" dirty="0" smtClean="0"/>
+              <a:t>[</a:t>
+            </a:r>
+            <a:r>
+              <a:rPr lang="en-US" altLang="ko-KR" dirty="0" err="1" smtClean="0">
+                <a:solidFill>
+                  <a:srgbClr val="FF0000"/>
+                </a:solidFill>
+              </a:rPr>
+              <a:t>power_out_norm</a:t>
+            </a:r>
+            <a:r>
+              <a:rPr lang="en-US" altLang="ko-KR" dirty="0" smtClean="0">
+                <a:solidFill>
+                  <a:srgbClr val="FF0000"/>
+                </a:solidFill>
+              </a:rPr>
+              <a:t>, </a:t>
+            </a:r>
+            <a:r>
+              <a:rPr lang="en-US" altLang="ko-KR" dirty="0" err="1">
+                <a:solidFill>
+                  <a:srgbClr val="FF0000"/>
+                </a:solidFill>
+              </a:rPr>
+              <a:t>sp</a:t>
+            </a:r>
+            <a:r>
+              <a:rPr lang="en-US" altLang="ko-KR" dirty="0"/>
+              <a:t>, SOC, </a:t>
+            </a:r>
+            <a:r>
+              <a:rPr lang="en-US" altLang="ko-KR" dirty="0" err="1"/>
+              <a:t>j_min</a:t>
+            </a:r>
+            <a:r>
+              <a:rPr lang="en-US" altLang="ko-KR" dirty="0"/>
+              <a:t>, </a:t>
+            </a:r>
+            <a:r>
+              <a:rPr lang="en-US" altLang="ko-KR" dirty="0" err="1"/>
+              <a:t>j_max</a:t>
+            </a:r>
+            <a:r>
+              <a:rPr lang="en-US" altLang="ko-KR" dirty="0"/>
+              <a:t>]</a:t>
+            </a:r>
+          </a:p>
+          <a:p>
+            <a:pPr marL="285750" indent="-285750">
+              <a:buFontTx/>
+              <a:buChar char="-"/>
+            </a:pPr>
+            <a:endParaRPr lang="en-US" altLang="ko-KR" dirty="0" smtClean="0"/>
+          </a:p>
+          <a:p>
+            <a:pPr marL="285750" indent="-285750">
+              <a:buFontTx/>
+              <a:buChar char="-"/>
+            </a:pPr>
+            <a:endParaRPr lang="en-US" altLang="ko-KR" dirty="0" smtClean="0"/>
+          </a:p>
+          <a:p>
+            <a:pPr lvl="1"/>
+            <a:endParaRPr lang="en-US" altLang="ko-KR" dirty="0" smtClean="0"/>
+          </a:p>
+        </p:txBody>
+      </p:sp>
+      <p:sp>
+        <p:nvSpPr>
+          <p:cNvPr id="6" name="TextBox 5"/>
+          <p:cNvSpPr txBox="1"/>
+          <p:nvPr/>
+        </p:nvSpPr>
+        <p:spPr>
+          <a:xfrm>
+            <a:off x="1484640" y="4883716"/>
+            <a:ext cx="4018386" cy="369332"/>
+          </a:xfrm>
+          <a:prstGeom prst="rect">
+            <a:avLst/>
+          </a:prstGeom>
+          <a:noFill/>
+        </p:spPr>
+        <p:txBody>
+          <a:bodyPr wrap="square" rtlCol="0">
+            <a:spAutoFit/>
+          </a:bodyPr>
+          <a:lstStyle/>
+          <a:p>
+            <a:r>
+              <a:rPr lang="en-US" altLang="ko-KR" b="1" dirty="0" smtClean="0">
+                <a:solidFill>
+                  <a:srgbClr val="FF0000"/>
+                </a:solidFill>
+              </a:rPr>
+              <a:t>Normalization</a:t>
+            </a:r>
+            <a:r>
+              <a:rPr lang="ko-KR" altLang="en-US" b="1" dirty="0" smtClean="0">
+                <a:solidFill>
+                  <a:srgbClr val="FF0000"/>
+                </a:solidFill>
+              </a:rPr>
+              <a:t>이 필수적인 요소임 </a:t>
+            </a:r>
+            <a:endParaRPr lang="ko-KR" altLang="en-US" b="1" dirty="0">
+              <a:solidFill>
+                <a:srgbClr val="FF0000"/>
+              </a:solidFill>
+            </a:endParaRPr>
+          </a:p>
+        </p:txBody>
+      </p:sp>
+    </p:spTree>
+    <p:extLst>
+      <p:ext uri="{BB962C8B-B14F-4D97-AF65-F5344CB8AC3E}">
+        <p14:creationId xmlns:p14="http://schemas.microsoft.com/office/powerpoint/2010/main" val="3236358221"/>
+      </p:ext>
+    </p:extLst>
+  </p:cSld>
+  <p:clrMapOvr>
+    <a:masterClrMapping/>
+  </p:clrMapOvr>
+</p:sld>
+</file>
+
+<file path=ppt/slides/slide11.xml><?xml version="1.0" encoding="utf-8"?>
+<p:sld xmlns:a="http://schemas.openxmlformats.org/drawingml/2006/main" xmlns:r="http://schemas.openxmlformats.org/officeDocument/2006/relationships" xmlns:p="http://schemas.openxmlformats.org/presentationml/2006/main">
+  <p:cSld>
+    <p:spTree>
+      <p:nvGrpSpPr>
+        <p:cNvPr id="1" name=""/>
+        <p:cNvGrpSpPr/>
+        <p:nvPr/>
+      </p:nvGrpSpPr>
+      <p:grpSpPr>
+        <a:xfrm>
+          <a:off x="0" y="0"/>
+          <a:ext cx="0" cy="0"/>
+          <a:chOff x="0" y="0"/>
+          <a:chExt cx="0" cy="0"/>
+        </a:xfrm>
+      </p:grpSpPr>
+      <p:sp>
+        <p:nvSpPr>
+          <p:cNvPr id="2" name="제목 1"/>
+          <p:cNvSpPr>
+            <a:spLocks noGrp="1"/>
+          </p:cNvSpPr>
+          <p:nvPr>
+            <p:ph type="title"/>
+          </p:nvPr>
+        </p:nvSpPr>
+        <p:spPr/>
+        <p:txBody>
+          <a:bodyPr/>
+          <a:lstStyle/>
+          <a:p>
+            <a:r>
+              <a:rPr lang="en-US" altLang="ko-KR" dirty="0" smtClean="0"/>
               <a:t>DDPG</a:t>
             </a:r>
             <a:r>
@@ -3678,7 +4079,7 @@
 </p:sld>
 </file>
 
-<file path=ppt/slides/slide11.xml><?xml version="1.0" encoding="utf-8"?>
+<file path=ppt/slides/slide12.xml><?xml version="1.0" encoding="utf-8"?>
 <p:sld xmlns:a="http://schemas.openxmlformats.org/drawingml/2006/main" xmlns:r="http://schemas.openxmlformats.org/officeDocument/2006/relationships" xmlns:p="http://schemas.openxmlformats.org/presentationml/2006/main">
   <p:cSld>
     <p:spTree>
@@ -4460,7 +4861,7 @@
 </p:sld>
 </file>
 
-<file path=ppt/slides/slide12.xml><?xml version="1.0" encoding="utf-8"?>
+<file path=ppt/slides/slide13.xml><?xml version="1.0" encoding="utf-8"?>
 <p:sld xmlns:a="http://schemas.openxmlformats.org/drawingml/2006/main" xmlns:r="http://schemas.openxmlformats.org/officeDocument/2006/relationships" xmlns:p="http://schemas.openxmlformats.org/presentationml/2006/main">
   <p:cSld>
     <p:spTree>
@@ -5126,7 +5527,7 @@
 </p:sld>
 </file>
 
-<file path=ppt/slides/slide13.xml><?xml version="1.0" encoding="utf-8"?>
+<file path=ppt/slides/slide14.xml><?xml version="1.0" encoding="utf-8"?>
 <p:sld xmlns:a="http://schemas.openxmlformats.org/drawingml/2006/main" xmlns:r="http://schemas.openxmlformats.org/officeDocument/2006/relationships" xmlns:p="http://schemas.openxmlformats.org/presentationml/2006/main">
   <p:cSld>
     <p:spTree>
@@ -5371,7 +5772,7 @@
 </p:sld>
 </file>
 
-<file path=ppt/slides/slide14.xml><?xml version="1.0" encoding="utf-8"?>
+<file path=ppt/slides/slide15.xml><?xml version="1.0" encoding="utf-8"?>
 <p:sld xmlns:a="http://schemas.openxmlformats.org/drawingml/2006/main" xmlns:r="http://schemas.openxmlformats.org/officeDocument/2006/relationships" xmlns:p="http://schemas.openxmlformats.org/presentationml/2006/main">
   <p:cSld>
     <p:spTree>
@@ -6207,7 +6608,7 @@
 </p:sld>
 </file>
 
-<file path=ppt/slides/slide15.xml><?xml version="1.0" encoding="utf-8"?>
+<file path=ppt/slides/slide16.xml><?xml version="1.0" encoding="utf-8"?>
 <p:sld xmlns:a="http://schemas.openxmlformats.org/drawingml/2006/main" xmlns:r="http://schemas.openxmlformats.org/officeDocument/2006/relationships" xmlns:p="http://schemas.openxmlformats.org/presentationml/2006/main">
   <p:cSld>
     <p:spTree>
@@ -6919,810 +7320,6 @@
 </p:sld>
 </file>
 
-<file path=ppt/slides/slide16.xml><?xml version="1.0" encoding="utf-8"?>
-<p:sld xmlns:a="http://schemas.openxmlformats.org/drawingml/2006/main" xmlns:r="http://schemas.openxmlformats.org/officeDocument/2006/relationships" xmlns:p="http://schemas.openxmlformats.org/presentationml/2006/main">
-  <p:cSld>
-    <p:spTree>
-      <p:nvGrpSpPr>
-        <p:cNvPr id="1" name=""/>
-        <p:cNvGrpSpPr/>
-        <p:nvPr/>
-      </p:nvGrpSpPr>
-      <p:grpSpPr>
-        <a:xfrm>
-          <a:off x="0" y="0"/>
-          <a:ext cx="0" cy="0"/>
-          <a:chOff x="0" y="0"/>
-          <a:chExt cx="0" cy="0"/>
-        </a:xfrm>
-      </p:grpSpPr>
-      <p:sp>
-        <p:nvSpPr>
-          <p:cNvPr id="2" name="제목 1"/>
-          <p:cNvSpPr>
-            <a:spLocks noGrp="1"/>
-          </p:cNvSpPr>
-          <p:nvPr>
-            <p:ph type="title"/>
-          </p:nvPr>
-        </p:nvSpPr>
-        <p:spPr/>
-        <p:txBody>
-          <a:bodyPr/>
-          <a:lstStyle/>
-          <a:p>
-            <a:r>
-              <a:rPr lang="en-US" altLang="ko-KR" dirty="0" smtClean="0"/>
-              <a:t>DDPG</a:t>
-            </a:r>
-            <a:r>
-              <a:rPr lang="ko-KR" altLang="en-US" dirty="0" smtClean="0"/>
-              <a:t> </a:t>
-            </a:r>
-            <a:r>
-              <a:rPr lang="en-US" altLang="ko-KR" dirty="0"/>
-              <a:t>6</a:t>
-            </a:r>
-            <a:r>
-              <a:rPr lang="ko-KR" altLang="en-US" dirty="0" smtClean="0"/>
-              <a:t>  </a:t>
-            </a:r>
-            <a:endParaRPr lang="ko-KR" altLang="en-US" dirty="0"/>
-          </a:p>
-        </p:txBody>
-      </p:sp>
-      <p:sp>
-        <p:nvSpPr>
-          <p:cNvPr id="4" name="TextBox 3"/>
-          <p:cNvSpPr txBox="1"/>
-          <p:nvPr/>
-        </p:nvSpPr>
-        <p:spPr>
-          <a:xfrm>
-            <a:off x="838200" y="1484771"/>
-            <a:ext cx="11000874" cy="5078313"/>
-          </a:xfrm>
-          <a:prstGeom prst="rect">
-            <a:avLst/>
-          </a:prstGeom>
-          <a:noFill/>
-        </p:spPr>
-        <p:txBody>
-          <a:bodyPr wrap="square" rtlCol="0">
-            <a:spAutoFit/>
-          </a:bodyPr>
-          <a:lstStyle/>
-          <a:p>
-            <a:pPr marL="285750" indent="-285750">
-              <a:buFontTx/>
-              <a:buChar char="-"/>
-            </a:pPr>
-            <a:r>
-              <a:rPr lang="en-US" altLang="ko-KR" b="1" dirty="0" smtClean="0">
-                <a:solidFill>
-                  <a:srgbClr val="FF0000"/>
-                </a:solidFill>
-              </a:rPr>
-              <a:t>Replay memory</a:t>
-            </a:r>
-            <a:r>
-              <a:rPr lang="ko-KR" altLang="en-US" b="1" dirty="0" smtClean="0">
-                <a:solidFill>
-                  <a:srgbClr val="FF0000"/>
-                </a:solidFill>
-              </a:rPr>
-              <a:t>에서 </a:t>
-            </a:r>
-            <a:r>
-              <a:rPr lang="en-US" altLang="ko-KR" b="1" dirty="0" smtClean="0">
-                <a:solidFill>
-                  <a:srgbClr val="FF0000"/>
-                </a:solidFill>
-              </a:rPr>
-              <a:t>experiments</a:t>
-            </a:r>
-            <a:r>
-              <a:rPr lang="ko-KR" altLang="en-US" b="1" dirty="0" smtClean="0">
-                <a:solidFill>
-                  <a:srgbClr val="FF0000"/>
-                </a:solidFill>
-              </a:rPr>
-              <a:t>를 </a:t>
-            </a:r>
-            <a:r>
-              <a:rPr lang="en-US" altLang="ko-KR" b="1" dirty="0" smtClean="0">
-                <a:solidFill>
-                  <a:srgbClr val="FF0000"/>
-                </a:solidFill>
-              </a:rPr>
-              <a:t>normalization</a:t>
-            </a:r>
-            <a:r>
-              <a:rPr lang="ko-KR" altLang="en-US" b="1" dirty="0" smtClean="0">
-                <a:solidFill>
-                  <a:srgbClr val="FF0000"/>
-                </a:solidFill>
-              </a:rPr>
-              <a:t>하는 방식을 활용하기 </a:t>
-            </a:r>
-            <a:endParaRPr lang="en-US" altLang="ko-KR" b="1" dirty="0" smtClean="0">
-              <a:solidFill>
-                <a:srgbClr val="FF0000"/>
-              </a:solidFill>
-            </a:endParaRPr>
-          </a:p>
-          <a:p>
-            <a:pPr marL="285750" indent="-285750">
-              <a:buFontTx/>
-              <a:buChar char="-"/>
-            </a:pPr>
-            <a:endParaRPr lang="en-US" altLang="ko-KR" b="1" dirty="0"/>
-          </a:p>
-          <a:p>
-            <a:pPr marL="285750" indent="-285750">
-              <a:buFontTx/>
-              <a:buChar char="-"/>
-            </a:pPr>
-            <a:r>
-              <a:rPr lang="en-US" altLang="ko-KR" b="1" dirty="0">
-                <a:solidFill>
-                  <a:srgbClr val="FF0000"/>
-                </a:solidFill>
-              </a:rPr>
-              <a:t>Env1 State:</a:t>
-            </a:r>
-          </a:p>
-          <a:p>
-            <a:pPr marL="742950" lvl="1" indent="-285750">
-              <a:buFontTx/>
-              <a:buChar char="-"/>
-            </a:pPr>
-            <a:r>
-              <a:rPr lang="en-US" altLang="ko-KR" dirty="0"/>
-              <a:t>State:   [</a:t>
-            </a:r>
-            <a:r>
-              <a:rPr lang="en-US" altLang="ko-KR" dirty="0" err="1">
-                <a:solidFill>
-                  <a:srgbClr val="FF0000"/>
-                </a:solidFill>
-              </a:rPr>
-              <a:t>power_out</a:t>
-            </a:r>
-            <a:r>
-              <a:rPr lang="en-US" altLang="ko-KR" dirty="0">
-                <a:solidFill>
-                  <a:srgbClr val="FF0000"/>
-                </a:solidFill>
-              </a:rPr>
-              <a:t>/1000</a:t>
-            </a:r>
-            <a:r>
-              <a:rPr lang="en-US" altLang="ko-KR" dirty="0"/>
-              <a:t>, SOC - 0.6, </a:t>
-            </a:r>
-            <a:r>
-              <a:rPr lang="en-US" altLang="ko-KR" dirty="0" err="1"/>
-              <a:t>j_min</a:t>
-            </a:r>
-            <a:r>
-              <a:rPr lang="en-US" altLang="ko-KR" dirty="0"/>
-              <a:t>, </a:t>
-            </a:r>
-            <a:r>
-              <a:rPr lang="en-US" altLang="ko-KR" dirty="0" err="1"/>
-              <a:t>j_max</a:t>
-            </a:r>
-            <a:r>
-              <a:rPr lang="en-US" altLang="ko-KR" dirty="0" smtClean="0"/>
-              <a:t>]</a:t>
-            </a:r>
-          </a:p>
-          <a:p>
-            <a:pPr marL="742950" lvl="1" indent="-285750">
-              <a:buFontTx/>
-              <a:buChar char="-"/>
-            </a:pPr>
-            <a:r>
-              <a:rPr lang="en-US" altLang="ko-KR" dirty="0" smtClean="0"/>
-              <a:t>Replay memory</a:t>
-            </a:r>
-            <a:r>
-              <a:rPr lang="ko-KR" altLang="en-US" dirty="0" smtClean="0"/>
-              <a:t>에서 </a:t>
-            </a:r>
-            <a:r>
-              <a:rPr lang="en-US" altLang="ko-KR" dirty="0" err="1" smtClean="0"/>
-              <a:t>power_out</a:t>
-            </a:r>
-            <a:r>
-              <a:rPr lang="ko-KR" altLang="en-US" dirty="0" smtClean="0"/>
-              <a:t>에 대해</a:t>
-            </a:r>
-            <a:r>
-              <a:rPr lang="en-US" altLang="ko-KR" dirty="0" smtClean="0"/>
-              <a:t> </a:t>
-            </a:r>
-            <a:r>
-              <a:rPr lang="en-US" altLang="ko-KR" dirty="0" smtClean="0">
-                <a:solidFill>
-                  <a:srgbClr val="FF0000"/>
-                </a:solidFill>
-              </a:rPr>
-              <a:t>mean-</a:t>
-            </a:r>
-            <a:r>
-              <a:rPr lang="en-US" altLang="ko-KR" dirty="0" err="1" smtClean="0">
-                <a:solidFill>
-                  <a:srgbClr val="FF0000"/>
-                </a:solidFill>
-              </a:rPr>
-              <a:t>std</a:t>
-            </a:r>
-            <a:r>
-              <a:rPr lang="en-US" altLang="ko-KR" dirty="0" smtClean="0">
-                <a:solidFill>
-                  <a:srgbClr val="FF0000"/>
-                </a:solidFill>
-              </a:rPr>
-              <a:t> normalization </a:t>
-            </a:r>
-            <a:r>
-              <a:rPr lang="ko-KR" altLang="en-US" dirty="0" smtClean="0"/>
-              <a:t>적용 </a:t>
-            </a:r>
-            <a:endParaRPr lang="en-US" altLang="ko-KR" dirty="0" smtClean="0"/>
-          </a:p>
-          <a:p>
-            <a:pPr marL="742950" lvl="1" indent="-285750">
-              <a:buFontTx/>
-              <a:buChar char="-"/>
-            </a:pPr>
-            <a:r>
-              <a:rPr lang="en-US" altLang="ko-KR" dirty="0" smtClean="0"/>
-              <a:t>[OOX]</a:t>
-            </a:r>
-            <a:endParaRPr lang="en-US" altLang="ko-KR" dirty="0"/>
-          </a:p>
-          <a:p>
-            <a:pPr marL="285750" indent="-285750">
-              <a:buFontTx/>
-              <a:buChar char="-"/>
-            </a:pPr>
-            <a:r>
-              <a:rPr lang="en-US" altLang="ko-KR" b="1" dirty="0" smtClean="0"/>
-              <a:t>Env2 </a:t>
-            </a:r>
-            <a:r>
-              <a:rPr lang="en-US" altLang="ko-KR" b="1" dirty="0"/>
-              <a:t>State:</a:t>
-            </a:r>
-          </a:p>
-          <a:p>
-            <a:pPr marL="742950" lvl="1" indent="-285750">
-              <a:buFontTx/>
-              <a:buChar char="-"/>
-            </a:pPr>
-            <a:r>
-              <a:rPr lang="en-US" altLang="ko-KR" dirty="0"/>
-              <a:t>State:   [</a:t>
-            </a:r>
-            <a:r>
-              <a:rPr lang="en-US" altLang="ko-KR" dirty="0" err="1">
-                <a:solidFill>
-                  <a:srgbClr val="FF0000"/>
-                </a:solidFill>
-              </a:rPr>
-              <a:t>power_out</a:t>
-            </a:r>
-            <a:r>
-              <a:rPr lang="en-US" altLang="ko-KR" dirty="0">
-                <a:solidFill>
-                  <a:srgbClr val="FF0000"/>
-                </a:solidFill>
-              </a:rPr>
-              <a:t>/1000</a:t>
-            </a:r>
-            <a:r>
-              <a:rPr lang="en-US" altLang="ko-KR" dirty="0"/>
-              <a:t>, SOC </a:t>
-            </a:r>
-            <a:r>
-              <a:rPr lang="en-US" altLang="ko-KR" dirty="0" smtClean="0"/>
-              <a:t>– </a:t>
-            </a:r>
-            <a:r>
-              <a:rPr lang="en-US" altLang="ko-KR" dirty="0"/>
-              <a:t>0.6, </a:t>
-            </a:r>
-            <a:r>
-              <a:rPr lang="en-US" altLang="ko-KR" dirty="0" err="1"/>
-              <a:t>j_min</a:t>
-            </a:r>
-            <a:r>
-              <a:rPr lang="en-US" altLang="ko-KR" dirty="0"/>
-              <a:t>, </a:t>
-            </a:r>
-            <a:r>
-              <a:rPr lang="en-US" altLang="ko-KR" dirty="0" err="1"/>
-              <a:t>j_max</a:t>
-            </a:r>
-            <a:r>
-              <a:rPr lang="en-US" altLang="ko-KR" dirty="0"/>
-              <a:t>]</a:t>
-            </a:r>
-          </a:p>
-          <a:p>
-            <a:pPr marL="742950" lvl="1" indent="-285750">
-              <a:buFontTx/>
-              <a:buChar char="-"/>
-            </a:pPr>
-            <a:r>
-              <a:rPr lang="en-US" altLang="ko-KR" dirty="0"/>
-              <a:t>Replay </a:t>
-            </a:r>
-            <a:r>
-              <a:rPr lang="en-US" altLang="ko-KR" dirty="0" smtClean="0"/>
-              <a:t>memory</a:t>
-            </a:r>
-            <a:r>
-              <a:rPr lang="ko-KR" altLang="en-US" dirty="0" smtClean="0"/>
-              <a:t>에서 </a:t>
-            </a:r>
-            <a:r>
-              <a:rPr lang="ko-KR" altLang="en-US" dirty="0" smtClean="0"/>
-              <a:t>모든 </a:t>
-            </a:r>
-            <a:r>
-              <a:rPr lang="en-US" altLang="ko-KR" dirty="0" smtClean="0"/>
-              <a:t>Feature</a:t>
-            </a:r>
-            <a:r>
-              <a:rPr lang="ko-KR" altLang="en-US" dirty="0" smtClean="0"/>
-              <a:t>에 </a:t>
-            </a:r>
-            <a:r>
-              <a:rPr lang="ko-KR" altLang="en-US" dirty="0"/>
-              <a:t>대해</a:t>
-            </a:r>
-            <a:r>
-              <a:rPr lang="en-US" altLang="ko-KR" dirty="0"/>
-              <a:t> </a:t>
-            </a:r>
-            <a:r>
-              <a:rPr lang="en-US" altLang="ko-KR" dirty="0">
-                <a:solidFill>
-                  <a:srgbClr val="FF0000"/>
-                </a:solidFill>
-              </a:rPr>
-              <a:t>mean-</a:t>
-            </a:r>
-            <a:r>
-              <a:rPr lang="en-US" altLang="ko-KR" dirty="0" err="1">
-                <a:solidFill>
-                  <a:srgbClr val="FF0000"/>
-                </a:solidFill>
-              </a:rPr>
-              <a:t>std</a:t>
-            </a:r>
-            <a:r>
-              <a:rPr lang="en-US" altLang="ko-KR" dirty="0">
-                <a:solidFill>
-                  <a:srgbClr val="FF0000"/>
-                </a:solidFill>
-              </a:rPr>
-              <a:t> normalization </a:t>
-            </a:r>
-            <a:r>
-              <a:rPr lang="ko-KR" altLang="en-US" dirty="0"/>
-              <a:t>적용 </a:t>
-            </a:r>
-            <a:endParaRPr lang="en-US" altLang="ko-KR" dirty="0" smtClean="0"/>
-          </a:p>
-          <a:p>
-            <a:pPr marL="742950" lvl="1" indent="-285750">
-              <a:buFontTx/>
-              <a:buChar char="-"/>
-            </a:pPr>
-            <a:r>
-              <a:rPr lang="en-US" altLang="ko-KR" dirty="0" smtClean="0"/>
-              <a:t>[VVV]</a:t>
-            </a:r>
-            <a:endParaRPr lang="en-US" altLang="ko-KR" dirty="0" smtClean="0"/>
-          </a:p>
-          <a:p>
-            <a:pPr marL="285750" indent="-285750">
-              <a:buFontTx/>
-              <a:buChar char="-"/>
-            </a:pPr>
-            <a:r>
-              <a:rPr lang="en-US" altLang="ko-KR" b="1" dirty="0" smtClean="0"/>
-              <a:t>Env3 </a:t>
-            </a:r>
-            <a:r>
-              <a:rPr lang="en-US" altLang="ko-KR" b="1" dirty="0"/>
-              <a:t>State:</a:t>
-            </a:r>
-          </a:p>
-          <a:p>
-            <a:pPr marL="742950" lvl="1" indent="-285750">
-              <a:buFontTx/>
-              <a:buChar char="-"/>
-            </a:pPr>
-            <a:r>
-              <a:rPr lang="en-US" altLang="ko-KR" dirty="0"/>
-              <a:t>State:   </a:t>
-            </a:r>
-            <a:r>
-              <a:rPr lang="en-US" altLang="ko-KR" dirty="0" smtClean="0"/>
-              <a:t>[</a:t>
-            </a:r>
-            <a:r>
-              <a:rPr lang="en-US" altLang="ko-KR" dirty="0" err="1" smtClean="0">
-                <a:solidFill>
-                  <a:srgbClr val="FF0000"/>
-                </a:solidFill>
-              </a:rPr>
-              <a:t>acc</a:t>
-            </a:r>
-            <a:r>
-              <a:rPr lang="en-US" altLang="ko-KR" dirty="0" smtClean="0">
-                <a:solidFill>
-                  <a:srgbClr val="FF0000"/>
-                </a:solidFill>
-              </a:rPr>
-              <a:t>, </a:t>
-            </a:r>
-            <a:r>
-              <a:rPr lang="en-US" altLang="ko-KR" dirty="0" err="1" smtClean="0">
-                <a:solidFill>
-                  <a:srgbClr val="FF0000"/>
-                </a:solidFill>
-              </a:rPr>
-              <a:t>sp_whl</a:t>
-            </a:r>
-            <a:r>
-              <a:rPr lang="en-US" altLang="ko-KR" dirty="0" smtClean="0"/>
-              <a:t>, </a:t>
-            </a:r>
-            <a:r>
-              <a:rPr lang="en-US" altLang="ko-KR" dirty="0"/>
-              <a:t>SOC </a:t>
-            </a:r>
-            <a:r>
-              <a:rPr lang="en-US" altLang="ko-KR" dirty="0" smtClean="0"/>
-              <a:t>– </a:t>
-            </a:r>
-            <a:r>
-              <a:rPr lang="en-US" altLang="ko-KR" dirty="0"/>
-              <a:t>0.6, </a:t>
-            </a:r>
-            <a:r>
-              <a:rPr lang="en-US" altLang="ko-KR" dirty="0" err="1"/>
-              <a:t>j_min</a:t>
-            </a:r>
-            <a:r>
-              <a:rPr lang="en-US" altLang="ko-KR" dirty="0"/>
-              <a:t>, </a:t>
-            </a:r>
-            <a:r>
-              <a:rPr lang="en-US" altLang="ko-KR" dirty="0" err="1"/>
-              <a:t>j_max</a:t>
-            </a:r>
-            <a:r>
-              <a:rPr lang="en-US" altLang="ko-KR" dirty="0"/>
-              <a:t>]</a:t>
-            </a:r>
-          </a:p>
-          <a:p>
-            <a:pPr marL="742950" lvl="1" indent="-285750">
-              <a:buFontTx/>
-              <a:buChar char="-"/>
-            </a:pPr>
-            <a:r>
-              <a:rPr lang="en-US" altLang="ko-KR" dirty="0"/>
-              <a:t>Replay </a:t>
-            </a:r>
-            <a:r>
-              <a:rPr lang="en-US" altLang="ko-KR" dirty="0" smtClean="0"/>
-              <a:t>memory</a:t>
-            </a:r>
-            <a:r>
-              <a:rPr lang="ko-KR" altLang="en-US" dirty="0" smtClean="0"/>
-              <a:t>에서 </a:t>
-            </a:r>
-            <a:r>
-              <a:rPr lang="en-US" altLang="ko-KR" dirty="0" err="1" smtClean="0"/>
-              <a:t>acc</a:t>
-            </a:r>
-            <a:r>
-              <a:rPr lang="en-US" altLang="ko-KR" dirty="0" smtClean="0"/>
-              <a:t>, </a:t>
-            </a:r>
-            <a:r>
-              <a:rPr lang="en-US" altLang="ko-KR" dirty="0" err="1" smtClean="0"/>
-              <a:t>sp_whl</a:t>
-            </a:r>
-            <a:r>
-              <a:rPr lang="ko-KR" altLang="en-US" dirty="0" smtClean="0"/>
-              <a:t>에 </a:t>
-            </a:r>
-            <a:r>
-              <a:rPr lang="ko-KR" altLang="en-US" dirty="0"/>
-              <a:t>대해</a:t>
-            </a:r>
-            <a:r>
-              <a:rPr lang="en-US" altLang="ko-KR" dirty="0"/>
-              <a:t> </a:t>
-            </a:r>
-            <a:r>
-              <a:rPr lang="en-US" altLang="ko-KR" dirty="0">
-                <a:solidFill>
-                  <a:srgbClr val="FF0000"/>
-                </a:solidFill>
-              </a:rPr>
-              <a:t>mean-</a:t>
-            </a:r>
-            <a:r>
-              <a:rPr lang="en-US" altLang="ko-KR" dirty="0" err="1">
-                <a:solidFill>
-                  <a:srgbClr val="FF0000"/>
-                </a:solidFill>
-              </a:rPr>
-              <a:t>std</a:t>
-            </a:r>
-            <a:r>
-              <a:rPr lang="en-US" altLang="ko-KR" dirty="0">
-                <a:solidFill>
-                  <a:srgbClr val="FF0000"/>
-                </a:solidFill>
-              </a:rPr>
-              <a:t> normalization</a:t>
-            </a:r>
-            <a:r>
-              <a:rPr lang="en-US" altLang="ko-KR" dirty="0"/>
-              <a:t> </a:t>
-            </a:r>
-            <a:r>
-              <a:rPr lang="ko-KR" altLang="en-US" dirty="0" smtClean="0"/>
-              <a:t>적용 </a:t>
-            </a:r>
-            <a:endParaRPr lang="en-US" altLang="ko-KR" dirty="0"/>
-          </a:p>
-          <a:p>
-            <a:pPr marL="742950" lvl="1" indent="-285750">
-              <a:buFontTx/>
-              <a:buChar char="-"/>
-            </a:pPr>
-            <a:r>
-              <a:rPr lang="en-US" altLang="ko-KR" dirty="0" smtClean="0"/>
-              <a:t>[VXX]</a:t>
-            </a:r>
-            <a:endParaRPr lang="en-US" altLang="ko-KR" dirty="0" smtClean="0"/>
-          </a:p>
-          <a:p>
-            <a:pPr marL="285750" indent="-285750">
-              <a:buFontTx/>
-              <a:buChar char="-"/>
-            </a:pPr>
-            <a:r>
-              <a:rPr lang="en-US" altLang="ko-KR" b="1" dirty="0" smtClean="0"/>
-              <a:t>Env4 </a:t>
-            </a:r>
-            <a:r>
-              <a:rPr lang="en-US" altLang="ko-KR" b="1" dirty="0"/>
-              <a:t>State:</a:t>
-            </a:r>
-          </a:p>
-          <a:p>
-            <a:pPr marL="742950" lvl="1" indent="-285750">
-              <a:buFontTx/>
-              <a:buChar char="-"/>
-            </a:pPr>
-            <a:r>
-              <a:rPr lang="en-US" altLang="ko-KR" dirty="0"/>
-              <a:t>State:   </a:t>
-            </a:r>
-            <a:r>
-              <a:rPr lang="en-US" altLang="ko-KR" dirty="0" smtClean="0"/>
-              <a:t>[</a:t>
-            </a:r>
-            <a:r>
-              <a:rPr lang="en-US" altLang="ko-KR" dirty="0" err="1" smtClean="0">
-                <a:solidFill>
-                  <a:srgbClr val="FF0000"/>
-                </a:solidFill>
-              </a:rPr>
-              <a:t>acc</a:t>
-            </a:r>
-            <a:r>
-              <a:rPr lang="en-US" altLang="ko-KR" dirty="0" smtClean="0">
-                <a:solidFill>
-                  <a:srgbClr val="FF0000"/>
-                </a:solidFill>
-              </a:rPr>
-              <a:t>, </a:t>
-            </a:r>
-            <a:r>
-              <a:rPr lang="en-US" altLang="ko-KR" dirty="0" err="1" smtClean="0">
-                <a:solidFill>
-                  <a:srgbClr val="FF0000"/>
-                </a:solidFill>
-              </a:rPr>
-              <a:t>sp_whl</a:t>
-            </a:r>
-            <a:r>
-              <a:rPr lang="en-US" altLang="ko-KR" dirty="0" smtClean="0"/>
-              <a:t>, </a:t>
-            </a:r>
-            <a:r>
-              <a:rPr lang="en-US" altLang="ko-KR" dirty="0"/>
-              <a:t>SOC - 0.6, </a:t>
-            </a:r>
-            <a:r>
-              <a:rPr lang="en-US" altLang="ko-KR" dirty="0" err="1"/>
-              <a:t>j_min</a:t>
-            </a:r>
-            <a:r>
-              <a:rPr lang="en-US" altLang="ko-KR" dirty="0"/>
-              <a:t>, </a:t>
-            </a:r>
-            <a:r>
-              <a:rPr lang="en-US" altLang="ko-KR" dirty="0" err="1"/>
-              <a:t>j_max</a:t>
-            </a:r>
-            <a:r>
-              <a:rPr lang="en-US" altLang="ko-KR" dirty="0"/>
-              <a:t>]</a:t>
-            </a:r>
-          </a:p>
-          <a:p>
-            <a:pPr marL="742950" lvl="1" indent="-285750">
-              <a:buFontTx/>
-              <a:buChar char="-"/>
-            </a:pPr>
-            <a:r>
-              <a:rPr lang="en-US" altLang="ko-KR" dirty="0"/>
-              <a:t>Replay memory</a:t>
-            </a:r>
-            <a:r>
-              <a:rPr lang="ko-KR" altLang="en-US" dirty="0"/>
-              <a:t>에서 모든 </a:t>
-            </a:r>
-            <a:r>
-              <a:rPr lang="en-US" altLang="ko-KR" dirty="0"/>
-              <a:t>Feature</a:t>
-            </a:r>
-            <a:r>
-              <a:rPr lang="ko-KR" altLang="en-US" dirty="0"/>
-              <a:t>에 대해</a:t>
-            </a:r>
-            <a:r>
-              <a:rPr lang="en-US" altLang="ko-KR" dirty="0"/>
-              <a:t> </a:t>
-            </a:r>
-            <a:r>
-              <a:rPr lang="en-US" altLang="ko-KR" dirty="0">
-                <a:solidFill>
-                  <a:srgbClr val="FF0000"/>
-                </a:solidFill>
-              </a:rPr>
-              <a:t>mean-</a:t>
-            </a:r>
-            <a:r>
-              <a:rPr lang="en-US" altLang="ko-KR" dirty="0" err="1">
-                <a:solidFill>
-                  <a:srgbClr val="FF0000"/>
-                </a:solidFill>
-              </a:rPr>
-              <a:t>std</a:t>
-            </a:r>
-            <a:r>
-              <a:rPr lang="en-US" altLang="ko-KR" dirty="0">
-                <a:solidFill>
-                  <a:srgbClr val="FF0000"/>
-                </a:solidFill>
-              </a:rPr>
-              <a:t> normalization </a:t>
-            </a:r>
-            <a:r>
-              <a:rPr lang="ko-KR" altLang="en-US" dirty="0" smtClean="0"/>
-              <a:t>적용 </a:t>
-            </a:r>
-            <a:endParaRPr lang="en-US" altLang="ko-KR" dirty="0"/>
-          </a:p>
-          <a:p>
-            <a:pPr marL="742950" lvl="1" indent="-285750">
-              <a:buFontTx/>
-              <a:buChar char="-"/>
-            </a:pPr>
-            <a:r>
-              <a:rPr lang="en-US" altLang="ko-KR" dirty="0" smtClean="0"/>
-              <a:t>[XXX]</a:t>
-            </a:r>
-            <a:endParaRPr lang="en-US" altLang="ko-KR" dirty="0"/>
-          </a:p>
-        </p:txBody>
-      </p:sp>
-      <p:sp>
-        <p:nvSpPr>
-          <p:cNvPr id="5" name="TextBox 4"/>
-          <p:cNvSpPr txBox="1"/>
-          <p:nvPr/>
-        </p:nvSpPr>
-        <p:spPr>
-          <a:xfrm>
-            <a:off x="9576262" y="2684188"/>
-            <a:ext cx="2262812" cy="369332"/>
-          </a:xfrm>
-          <a:prstGeom prst="rect">
-            <a:avLst/>
-          </a:prstGeom>
-          <a:noFill/>
-        </p:spPr>
-        <p:txBody>
-          <a:bodyPr wrap="square" rtlCol="0">
-            <a:spAutoFit/>
-          </a:bodyPr>
-          <a:lstStyle/>
-          <a:p>
-            <a:r>
-              <a:rPr lang="en-US" altLang="ko-KR" dirty="0" smtClean="0"/>
-              <a:t>&lt;</a:t>
-            </a:r>
-            <a:r>
-              <a:rPr lang="ko-KR" altLang="en-US" dirty="0" err="1" smtClean="0"/>
-              <a:t>하이퍼파라미터</a:t>
-            </a:r>
-            <a:r>
-              <a:rPr lang="en-US" altLang="ko-KR" dirty="0" smtClean="0"/>
-              <a:t>&gt;</a:t>
-            </a:r>
-            <a:r>
-              <a:rPr lang="ko-KR" altLang="en-US" dirty="0" smtClean="0"/>
-              <a:t> </a:t>
-            </a:r>
-            <a:endParaRPr lang="ko-KR" altLang="en-US" dirty="0"/>
-          </a:p>
-        </p:txBody>
-      </p:sp>
-      <p:pic>
-        <p:nvPicPr>
-          <p:cNvPr id="6" name="그림 5"/>
-          <p:cNvPicPr>
-            <a:picLocks noChangeAspect="1"/>
-          </p:cNvPicPr>
-          <p:nvPr/>
-        </p:nvPicPr>
-        <p:blipFill>
-          <a:blip r:embed="rId2"/>
-          <a:stretch>
-            <a:fillRect/>
-          </a:stretch>
-        </p:blipFill>
-        <p:spPr>
-          <a:xfrm>
-            <a:off x="9116299" y="1295047"/>
-            <a:ext cx="2995589" cy="3030574"/>
-          </a:xfrm>
-          <a:prstGeom prst="rect">
-            <a:avLst/>
-          </a:prstGeom>
-        </p:spPr>
-      </p:pic>
-    </p:spTree>
-    <p:extLst>
-      <p:ext uri="{BB962C8B-B14F-4D97-AF65-F5344CB8AC3E}">
-        <p14:creationId xmlns:p14="http://schemas.microsoft.com/office/powerpoint/2010/main" val="504876074"/>
-      </p:ext>
-    </p:extLst>
-  </p:cSld>
-  <p:clrMapOvr>
-    <a:masterClrMapping/>
-  </p:clrMapOvr>
-</p:sld>
-</file>
-
 <file path=ppt/slides/slide17.xml><?xml version="1.0" encoding="utf-8"?>
 <p:sld xmlns:a="http://schemas.openxmlformats.org/drawingml/2006/main" xmlns:r="http://schemas.openxmlformats.org/officeDocument/2006/relationships" xmlns:p="http://schemas.openxmlformats.org/presentationml/2006/main">
   <p:cSld>
@@ -7764,8 +7361,8 @@
               <a:t> </a:t>
             </a:r>
             <a:r>
-              <a:rPr lang="en-US" altLang="ko-KR" dirty="0" smtClean="0"/>
-              <a:t>6_ver2</a:t>
+              <a:rPr lang="en-US" altLang="ko-KR" dirty="0"/>
+              <a:t>6</a:t>
             </a:r>
             <a:r>
               <a:rPr lang="ko-KR" altLang="en-US" dirty="0" smtClean="0"/>
@@ -7903,13 +7500,24 @@
             </a:r>
             <a:r>
               <a:rPr lang="en-US" altLang="ko-KR" dirty="0"/>
-              <a:t>, SOC - </a:t>
-            </a:r>
-            <a:r>
-              <a:rPr lang="en-US" altLang="ko-KR" dirty="0" smtClean="0"/>
-              <a:t>0.6]</a:t>
-            </a:r>
-            <a:endParaRPr lang="en-US" altLang="ko-KR" dirty="0" smtClean="0"/>
+              <a:t>, SOC - 0.6, </a:t>
+            </a:r>
+            <a:r>
+              <a:rPr lang="en-US" altLang="ko-KR" dirty="0" err="1"/>
+              <a:t>j_min</a:t>
+            </a:r>
+            <a:r>
+              <a:rPr lang="en-US" altLang="ko-KR" dirty="0"/>
+              <a:t>, </a:t>
+            </a:r>
+            <a:r>
+              <a:rPr lang="en-US" altLang="ko-KR" dirty="0" err="1"/>
+              <a:t>j_max</a:t>
+            </a:r>
+            <a:r>
+              <a:rPr lang="en-US" altLang="ko-KR" dirty="0" smtClean="0"/>
+              <a:t>]</a:t>
+            </a:r>
           </a:p>
           <a:p>
             <a:pPr marL="742950" lvl="1" indent="-285750">
@@ -7973,7 +7581,7 @@
             </a:pPr>
             <a:r>
               <a:rPr lang="en-US" altLang="ko-KR" dirty="0" smtClean="0"/>
-              <a:t>[O]</a:t>
+              <a:t>[OOX]</a:t>
             </a:r>
             <a:endParaRPr lang="en-US" altLang="ko-KR" dirty="0"/>
           </a:p>
@@ -8022,9 +7630,28 @@
             </a:r>
             <a:r>
               <a:rPr lang="en-US" altLang="ko-KR" dirty="0" smtClean="0"/>
-              <a:t>– 0.6]</a:t>
-            </a:r>
-            <a:endParaRPr lang="en-US" altLang="ko-KR" dirty="0"/>
+              <a:t>– </a:t>
+            </a:r>
+            <a:r>
+              <a:rPr lang="en-US" altLang="ko-KR" dirty="0"/>
+              <a:t>0.6, </a:t>
+            </a:r>
+            <a:r>
+              <a:rPr lang="en-US" altLang="ko-KR" dirty="0" err="1"/>
+              <a:t>j_min</a:t>
+            </a:r>
+            <a:r>
+              <a:rPr lang="en-US" altLang="ko-KR" dirty="0"/>
+              <a:t>, </a:t>
+            </a:r>
+            <a:r>
+              <a:rPr lang="en-US" altLang="ko-KR" dirty="0" err="1"/>
+              <a:t>j_max</a:t>
+            </a:r>
+            <a:r>
+              <a:rPr lang="en-US" altLang="ko-KR" dirty="0"/>
+              <a:t>]</a:t>
+            </a:r>
           </a:p>
           <a:p>
             <a:pPr marL="742950" lvl="1" indent="-285750">
@@ -8100,7 +7727,7 @@
             </a:pPr>
             <a:r>
               <a:rPr lang="en-US" altLang="ko-KR" dirty="0" smtClean="0"/>
-              <a:t>[V]</a:t>
+              <a:t>[VVV]</a:t>
             </a:r>
             <a:endParaRPr lang="en-US" altLang="ko-KR" dirty="0" smtClean="0"/>
           </a:p>
@@ -8165,9 +7792,28 @@
             </a:r>
             <a:r>
               <a:rPr lang="en-US" altLang="ko-KR" dirty="0" smtClean="0"/>
-              <a:t>– 0.6]</a:t>
-            </a:r>
-            <a:endParaRPr lang="en-US" altLang="ko-KR" dirty="0"/>
+              <a:t>– </a:t>
+            </a:r>
+            <a:r>
+              <a:rPr lang="en-US" altLang="ko-KR" dirty="0"/>
+              <a:t>0.6, </a:t>
+            </a:r>
+            <a:r>
+              <a:rPr lang="en-US" altLang="ko-KR" dirty="0" err="1"/>
+              <a:t>j_min</a:t>
+            </a:r>
+            <a:r>
+              <a:rPr lang="en-US" altLang="ko-KR" dirty="0"/>
+              <a:t>, </a:t>
+            </a:r>
+            <a:r>
+              <a:rPr lang="en-US" altLang="ko-KR" dirty="0" err="1"/>
+              <a:t>j_max</a:t>
+            </a:r>
+            <a:r>
+              <a:rPr lang="en-US" altLang="ko-KR" dirty="0"/>
+              <a:t>]</a:t>
+            </a:r>
           </a:p>
           <a:p>
             <a:pPr marL="742950" lvl="1" indent="-285750">
@@ -8251,7 +7897,7 @@
             </a:pPr>
             <a:r>
               <a:rPr lang="en-US" altLang="ko-KR" dirty="0" smtClean="0"/>
-              <a:t>[X]</a:t>
+              <a:t>[VXX]</a:t>
             </a:r>
             <a:endParaRPr lang="en-US" altLang="ko-KR" dirty="0" smtClean="0"/>
           </a:p>
@@ -8312,13 +7958,24 @@
             </a:r>
             <a:r>
               <a:rPr lang="en-US" altLang="ko-KR" dirty="0"/>
-              <a:t>SOC - </a:t>
-            </a:r>
-            <a:r>
-              <a:rPr lang="en-US" altLang="ko-KR" dirty="0" smtClean="0"/>
-              <a:t>0.6]</a:t>
-            </a:r>
-            <a:endParaRPr lang="en-US" altLang="ko-KR" dirty="0"/>
+              <a:t>SOC - 0.6, </a:t>
+            </a:r>
+            <a:r>
+              <a:rPr lang="en-US" altLang="ko-KR" dirty="0" err="1"/>
+              <a:t>j_min</a:t>
+            </a:r>
+            <a:r>
+              <a:rPr lang="en-US" altLang="ko-KR" dirty="0"/>
+              <a:t>, </a:t>
+            </a:r>
+            <a:r>
+              <a:rPr lang="en-US" altLang="ko-KR" dirty="0" err="1"/>
+              <a:t>j_max</a:t>
+            </a:r>
+            <a:r>
+              <a:rPr lang="en-US" altLang="ko-KR" dirty="0"/>
+              <a:t>]</a:t>
+            </a:r>
           </a:p>
           <a:p>
             <a:pPr marL="742950" lvl="1" indent="-285750">
@@ -8382,7 +8039,7 @@
             </a:pPr>
             <a:r>
               <a:rPr lang="en-US" altLang="ko-KR" dirty="0" smtClean="0"/>
-              <a:t>[X]</a:t>
+              <a:t>[XXX]</a:t>
             </a:r>
             <a:endParaRPr lang="en-US" altLang="ko-KR" dirty="0"/>
           </a:p>
@@ -8390,14 +8047,14 @@
       </p:sp>
       <p:sp>
         <p:nvSpPr>
-          <p:cNvPr id="6" name="TextBox 5"/>
+          <p:cNvPr id="5" name="TextBox 4"/>
           <p:cNvSpPr txBox="1"/>
           <p:nvPr/>
         </p:nvSpPr>
         <p:spPr>
           <a:xfrm>
-            <a:off x="3699233" y="6454430"/>
-            <a:ext cx="5478018" cy="369332"/>
+            <a:off x="9576262" y="2684188"/>
+            <a:ext cx="2262812" cy="369332"/>
           </a:xfrm>
           <a:prstGeom prst="rect">
             <a:avLst/>
@@ -8411,40 +8068,28 @@
           <a:lstStyle/>
           <a:p>
             <a:r>
-              <a:rPr lang="ko-KR" altLang="en-US" b="1" dirty="0" smtClean="0">
-                <a:solidFill>
-                  <a:srgbClr val="FF0000"/>
-                </a:solidFill>
-              </a:rPr>
-              <a:t>결론은 </a:t>
-            </a:r>
-            <a:r>
-              <a:rPr lang="en-US" altLang="ko-KR" b="1" dirty="0" smtClean="0">
-                <a:solidFill>
-                  <a:srgbClr val="FF0000"/>
-                </a:solidFill>
-              </a:rPr>
-              <a:t>Env1</a:t>
-            </a:r>
-            <a:r>
-              <a:rPr lang="ko-KR" altLang="en-US" b="1" dirty="0" smtClean="0">
-                <a:solidFill>
-                  <a:srgbClr val="FF0000"/>
-                </a:solidFill>
-              </a:rPr>
-              <a:t>이 가장 적합하다는 사실임 </a:t>
-            </a:r>
-            <a:endParaRPr lang="en-US" altLang="ko-KR" b="1" dirty="0">
-              <a:solidFill>
-                <a:srgbClr val="FF0000"/>
-              </a:solidFill>
-            </a:endParaRPr>
+              <a:rPr lang="en-US" altLang="ko-KR" dirty="0" smtClean="0"/>
+              <a:t>&lt;</a:t>
+            </a:r>
+            <a:r>
+              <a:rPr lang="ko-KR" altLang="en-US" dirty="0" err="1" smtClean="0"/>
+              <a:t>하이퍼파라미터</a:t>
+            </a:r>
+            <a:r>
+              <a:rPr lang="en-US" altLang="ko-KR" dirty="0" smtClean="0"/>
+              <a:t>&gt;</a:t>
+            </a:r>
+            <a:r>
+              <a:rPr lang="ko-KR" altLang="en-US" dirty="0" smtClean="0"/>
+              <a:t> </a:t>
+            </a:r>
+            <a:endParaRPr lang="ko-KR" altLang="en-US" dirty="0"/>
           </a:p>
         </p:txBody>
       </p:sp>
       <p:pic>
         <p:nvPicPr>
-          <p:cNvPr id="7" name="그림 6"/>
+          <p:cNvPr id="6" name="그림 5"/>
           <p:cNvPicPr>
             <a:picLocks noChangeAspect="1"/>
           </p:cNvPicPr>
@@ -8458,8 +8103,8 @@
         </p:blipFill>
         <p:spPr>
           <a:xfrm>
-            <a:off x="9109696" y="1027906"/>
-            <a:ext cx="3222004" cy="3307292"/>
+            <a:off x="9116299" y="1295047"/>
+            <a:ext cx="2995589" cy="3030574"/>
           </a:xfrm>
           <a:prstGeom prst="rect">
             <a:avLst/>
@@ -8469,7 +8114,7 @@
     </p:spTree>
     <p:extLst>
       <p:ext uri="{BB962C8B-B14F-4D97-AF65-F5344CB8AC3E}">
-        <p14:creationId xmlns:p14="http://schemas.microsoft.com/office/powerpoint/2010/main" val="3545861553"/>
+        <p14:creationId xmlns:p14="http://schemas.microsoft.com/office/powerpoint/2010/main" val="504876074"/>
       </p:ext>
     </p:extLst>
   </p:cSld>
@@ -8521,7 +8166,7 @@
             </a:r>
             <a:r>
               <a:rPr lang="en-US" altLang="ko-KR" dirty="0" smtClean="0"/>
-              <a:t>7</a:t>
+              <a:t>6_ver2</a:t>
             </a:r>
             <a:r>
               <a:rPr lang="ko-KR" altLang="en-US" dirty="0" smtClean="0"/>
@@ -8540,7 +8185,7 @@
         <p:spPr>
           <a:xfrm>
             <a:off x="838200" y="1484771"/>
-            <a:ext cx="11000874" cy="1477328"/>
+            <a:ext cx="11000874" cy="5078313"/>
           </a:xfrm>
           <a:prstGeom prst="rect">
             <a:avLst/>
@@ -8553,7 +8198,7 @@
           </a:bodyPr>
           <a:lstStyle/>
           <a:p>
-            <a:pPr marL="285750" lvl="1" indent="-285750">
+            <a:pPr marL="285750" indent="-285750">
               <a:buFontTx/>
               <a:buChar char="-"/>
             </a:pPr>
@@ -8563,7 +8208,7 @@
                   <a:srgbClr val="FF0000"/>
                 </a:solidFill>
               </a:rPr>
-              <a:t>State</a:t>
+              <a:t>Replay memory</a:t>
             </a:r>
             <a:r>
               <a:rPr lang="ko-KR" altLang="en-US" b="1" dirty="0" smtClean="0">
@@ -8571,7 +8216,7 @@
                   <a:srgbClr val="FF0000"/>
                 </a:solidFill>
               </a:rPr>
-              <a:t>를 확장함</a:t>
+              <a:t>에서 </a:t>
             </a:r>
             <a:r>
               <a:rPr lang="en-US" altLang="ko-KR" b="1" dirty="0" smtClean="0">
@@ -8579,71 +8224,43 @@
                   <a:srgbClr val="FF0000"/>
                 </a:solidFill>
               </a:rPr>
-              <a:t>: </a:t>
-            </a:r>
-            <a:r>
-              <a:rPr lang="en-US" altLang="ko-KR" dirty="0">
-                <a:solidFill>
-                  <a:srgbClr val="FF0000"/>
-                </a:solidFill>
-              </a:rPr>
-              <a:t>[</a:t>
-            </a:r>
-            <a:r>
-              <a:rPr lang="en-US" altLang="ko-KR" dirty="0" err="1">
-                <a:solidFill>
-                  <a:srgbClr val="FF0000"/>
-                </a:solidFill>
-              </a:rPr>
-              <a:t>power_out</a:t>
-            </a:r>
-            <a:r>
-              <a:rPr lang="en-US" altLang="ko-KR" dirty="0">
-                <a:solidFill>
-                  <a:srgbClr val="FF0000"/>
-                </a:solidFill>
-              </a:rPr>
-              <a:t>/1000, </a:t>
-            </a:r>
-            <a:r>
-              <a:rPr lang="en-US" altLang="ko-KR" dirty="0" err="1" smtClean="0">
-                <a:solidFill>
-                  <a:srgbClr val="FF0000"/>
-                </a:solidFill>
-              </a:rPr>
-              <a:t>action_prev</a:t>
-            </a:r>
-            <a:r>
-              <a:rPr lang="en-US" altLang="ko-KR" dirty="0" smtClean="0">
-                <a:solidFill>
-                  <a:srgbClr val="FF0000"/>
-                </a:solidFill>
-              </a:rPr>
-              <a:t>, SOC </a:t>
-            </a:r>
-            <a:r>
-              <a:rPr lang="en-US" altLang="ko-KR" dirty="0">
-                <a:solidFill>
-                  <a:srgbClr val="FF0000"/>
-                </a:solidFill>
-              </a:rPr>
-              <a:t>- </a:t>
-            </a:r>
-            <a:r>
-              <a:rPr lang="en-US" altLang="ko-KR" dirty="0" smtClean="0">
-                <a:solidFill>
-                  <a:srgbClr val="FF0000"/>
-                </a:solidFill>
-              </a:rPr>
-              <a:t>0.6, SOC]</a:t>
-            </a:r>
-            <a:endParaRPr lang="en-US" altLang="ko-KR" dirty="0">
+              <a:t>experiments</a:t>
+            </a:r>
+            <a:r>
+              <a:rPr lang="ko-KR" altLang="en-US" b="1" dirty="0" smtClean="0">
+                <a:solidFill>
+                  <a:srgbClr val="FF0000"/>
+                </a:solidFill>
+              </a:rPr>
+              <a:t>를 </a:t>
+            </a:r>
+            <a:r>
+              <a:rPr lang="en-US" altLang="ko-KR" b="1" dirty="0" smtClean="0">
+                <a:solidFill>
+                  <a:srgbClr val="FF0000"/>
+                </a:solidFill>
+              </a:rPr>
+              <a:t>normalization</a:t>
+            </a:r>
+            <a:r>
+              <a:rPr lang="ko-KR" altLang="en-US" b="1" dirty="0" smtClean="0">
+                <a:solidFill>
+                  <a:srgbClr val="FF0000"/>
+                </a:solidFill>
+              </a:rPr>
+              <a:t>하는 방식을 활용하기 </a:t>
+            </a:r>
+            <a:endParaRPr lang="en-US" altLang="ko-KR" b="1" dirty="0" smtClean="0">
               <a:solidFill>
                 <a:srgbClr val="FF0000"/>
               </a:solidFill>
             </a:endParaRPr>
           </a:p>
           <a:p>
+            <a:pPr marL="285750" indent="-285750">
+              <a:buFontTx/>
+              <a:buChar char="-"/>
+            </a:pPr>
             <a:endParaRPr lang="en-US" altLang="ko-KR" b="1" dirty="0"/>
           </a:p>
           <a:p>
@@ -8661,17 +8278,21 @@
             </a:r>
           </a:p>
           <a:p>
-            <a:pPr marL="742950" lvl="2" indent="-285750">
+            <a:pPr marL="742950" lvl="1" indent="-285750">
               <a:buFontTx/>
               <a:buChar char="-"/>
             </a:pPr>
             <a:r>
               <a:rPr lang="en-US" altLang="ko-KR" dirty="0"/>
-              <a:t>State</a:t>
-            </a:r>
-            <a:r>
-              <a:rPr lang="en-US" altLang="ko-KR" dirty="0" smtClean="0"/>
-              <a:t>: </a:t>
+              <a:t>State:   [</a:t>
+            </a:r>
+            <a:r>
+              <a:rPr lang="en-US" altLang="ko-KR" dirty="0" err="1">
+                <a:solidFill>
+                  <a:srgbClr val="FF0000"/>
+                </a:solidFill>
+              </a:rPr>
+              <a:t>power_out</a:t>
             </a:r>
             <a:r>
               <a:rPr lang="en-US" altLang="ko-KR" dirty="0">
@@ -8679,40 +8300,17 @@
                   <a:srgbClr val="FF0000"/>
                 </a:solidFill>
               </a:rPr>
-              <a:t>[</a:t>
-            </a:r>
-            <a:r>
-              <a:rPr lang="en-US" altLang="ko-KR" dirty="0" err="1">
-                <a:solidFill>
-                  <a:srgbClr val="FF0000"/>
-                </a:solidFill>
-              </a:rPr>
-              <a:t>power_out</a:t>
-            </a:r>
-            <a:r>
-              <a:rPr lang="en-US" altLang="ko-KR" dirty="0">
-                <a:solidFill>
-                  <a:srgbClr val="FF0000"/>
-                </a:solidFill>
-              </a:rPr>
-              <a:t>/1000, </a:t>
-            </a:r>
-            <a:r>
-              <a:rPr lang="en-US" altLang="ko-KR" dirty="0" err="1">
-                <a:solidFill>
-                  <a:srgbClr val="FF0000"/>
-                </a:solidFill>
-              </a:rPr>
-              <a:t>action_prev</a:t>
-            </a:r>
-            <a:r>
-              <a:rPr lang="en-US" altLang="ko-KR" dirty="0">
-                <a:solidFill>
-                  <a:srgbClr val="FF0000"/>
-                </a:solidFill>
-              </a:rPr>
-              <a:t>, SOC - 0.6, SOC]</a:t>
-            </a:r>
+              <a:t>/1000</a:t>
+            </a:r>
+            <a:r>
+              <a:rPr lang="en-US" altLang="ko-KR" dirty="0"/>
+              <a:t>, SOC - </a:t>
+            </a:r>
+            <a:r>
+              <a:rPr lang="en-US" altLang="ko-KR" dirty="0" smtClean="0"/>
+              <a:t>0.6]</a:t>
+            </a:r>
+            <a:endParaRPr lang="en-US" altLang="ko-KR" dirty="0" smtClean="0"/>
           </a:p>
           <a:p>
             <a:pPr marL="742950" lvl="1" indent="-285750">
@@ -8721,11 +8319,7 @@
             </a:pPr>
             <a:r>
               <a:rPr lang="en-US" altLang="ko-KR" dirty="0" smtClean="0"/>
-              <a:t>Replay </a:t>
-            </a:r>
-            <a:r>
-              <a:rPr lang="en-US" altLang="ko-KR" dirty="0" smtClean="0"/>
-              <a:t>memory</a:t>
+              <a:t>Replay memory</a:t>
             </a:r>
             <a:r>
               <a:rPr lang="ko-KR" altLang="en-US" dirty="0" smtClean="0"/>
@@ -8772,19 +8366,439 @@
               <a:t>적용 </a:t>
             </a:r>
             <a:endParaRPr lang="en-US" altLang="ko-KR" dirty="0" smtClean="0"/>
+          </a:p>
+          <a:p>
+            <a:pPr marL="742950" lvl="1" indent="-285750">
+              <a:buFontTx/>
+              <a:buChar char="-"/>
+            </a:pPr>
+            <a:r>
+              <a:rPr lang="en-US" altLang="ko-KR" dirty="0" smtClean="0"/>
+              <a:t>[O]</a:t>
+            </a:r>
+            <a:endParaRPr lang="en-US" altLang="ko-KR" dirty="0"/>
+          </a:p>
+          <a:p>
+            <a:pPr marL="285750" indent="-285750">
+              <a:buFontTx/>
+              <a:buChar char="-"/>
+            </a:pPr>
+            <a:r>
+              <a:rPr lang="en-US" altLang="ko-KR" b="1" dirty="0" smtClean="0"/>
+              <a:t>Env2 </a:t>
+            </a:r>
+            <a:r>
+              <a:rPr lang="en-US" altLang="ko-KR" b="1" dirty="0"/>
+              <a:t>State:</a:t>
+            </a:r>
+          </a:p>
+          <a:p>
+            <a:pPr marL="742950" lvl="1" indent="-285750">
+              <a:buFontTx/>
+              <a:buChar char="-"/>
+            </a:pPr>
+            <a:r>
+              <a:rPr lang="en-US" altLang="ko-KR" dirty="0"/>
+              <a:t>State:   [</a:t>
+            </a:r>
+            <a:r>
+              <a:rPr lang="en-US" altLang="ko-KR" dirty="0" err="1">
+                <a:solidFill>
+                  <a:srgbClr val="FF0000"/>
+                </a:solidFill>
+              </a:rPr>
+              <a:t>power_out</a:t>
+            </a:r>
+            <a:r>
+              <a:rPr lang="en-US" altLang="ko-KR" dirty="0">
+                <a:solidFill>
+                  <a:srgbClr val="FF0000"/>
+                </a:solidFill>
+              </a:rPr>
+              <a:t>/1000</a:t>
+            </a:r>
+            <a:r>
+              <a:rPr lang="en-US" altLang="ko-KR" dirty="0"/>
+              <a:t>, SOC </a:t>
+            </a:r>
+            <a:r>
+              <a:rPr lang="en-US" altLang="ko-KR" dirty="0" smtClean="0"/>
+              <a:t>– 0.6]</a:t>
+            </a:r>
+            <a:endParaRPr lang="en-US" altLang="ko-KR" dirty="0"/>
+          </a:p>
+          <a:p>
+            <a:pPr marL="742950" lvl="1" indent="-285750">
+              <a:buFontTx/>
+              <a:buChar char="-"/>
+            </a:pPr>
+            <a:r>
+              <a:rPr lang="en-US" altLang="ko-KR" dirty="0"/>
+              <a:t>Replay </a:t>
+            </a:r>
+            <a:r>
+              <a:rPr lang="en-US" altLang="ko-KR" dirty="0" smtClean="0"/>
+              <a:t>memory</a:t>
+            </a:r>
+            <a:r>
+              <a:rPr lang="ko-KR" altLang="en-US" dirty="0" smtClean="0"/>
+              <a:t>에서 </a:t>
+            </a:r>
+            <a:r>
+              <a:rPr lang="ko-KR" altLang="en-US" dirty="0" smtClean="0"/>
+              <a:t>모든 </a:t>
+            </a:r>
+            <a:r>
+              <a:rPr lang="en-US" altLang="ko-KR" dirty="0" smtClean="0"/>
+              <a:t>Feature</a:t>
+            </a:r>
+            <a:r>
+              <a:rPr lang="ko-KR" altLang="en-US" dirty="0" smtClean="0"/>
+              <a:t>에 </a:t>
+            </a:r>
+            <a:r>
+              <a:rPr lang="ko-KR" altLang="en-US" dirty="0"/>
+              <a:t>대해</a:t>
+            </a:r>
+            <a:r>
+              <a:rPr lang="en-US" altLang="ko-KR" dirty="0"/>
+              <a:t> </a:t>
+            </a:r>
+            <a:r>
+              <a:rPr lang="en-US" altLang="ko-KR" dirty="0">
+                <a:solidFill>
+                  <a:srgbClr val="FF0000"/>
+                </a:solidFill>
+              </a:rPr>
+              <a:t>mean-</a:t>
+            </a:r>
+            <a:r>
+              <a:rPr lang="en-US" altLang="ko-KR" dirty="0" err="1">
+                <a:solidFill>
+                  <a:srgbClr val="FF0000"/>
+                </a:solidFill>
+              </a:rPr>
+              <a:t>std</a:t>
+            </a:r>
+            <a:r>
+              <a:rPr lang="en-US" altLang="ko-KR" dirty="0">
+                <a:solidFill>
+                  <a:srgbClr val="FF0000"/>
+                </a:solidFill>
+              </a:rPr>
+              <a:t> normalization </a:t>
+            </a:r>
+            <a:r>
+              <a:rPr lang="ko-KR" altLang="en-US" dirty="0"/>
+              <a:t>적용 </a:t>
+            </a:r>
+            <a:endParaRPr lang="en-US" altLang="ko-KR" dirty="0" smtClean="0"/>
+          </a:p>
+          <a:p>
+            <a:pPr marL="742950" lvl="1" indent="-285750">
+              <a:buFontTx/>
+              <a:buChar char="-"/>
+            </a:pPr>
+            <a:r>
+              <a:rPr lang="en-US" altLang="ko-KR" dirty="0" smtClean="0"/>
+              <a:t>[V]</a:t>
+            </a:r>
+            <a:endParaRPr lang="en-US" altLang="ko-KR" dirty="0" smtClean="0"/>
+          </a:p>
+          <a:p>
+            <a:pPr marL="285750" indent="-285750">
+              <a:buFontTx/>
+              <a:buChar char="-"/>
+            </a:pPr>
+            <a:r>
+              <a:rPr lang="en-US" altLang="ko-KR" b="1" dirty="0" smtClean="0"/>
+              <a:t>Env3 </a:t>
+            </a:r>
+            <a:r>
+              <a:rPr lang="en-US" altLang="ko-KR" b="1" dirty="0"/>
+              <a:t>State:</a:t>
+            </a:r>
+          </a:p>
+          <a:p>
+            <a:pPr marL="742950" lvl="1" indent="-285750">
+              <a:buFontTx/>
+              <a:buChar char="-"/>
+            </a:pPr>
+            <a:r>
+              <a:rPr lang="en-US" altLang="ko-KR" dirty="0"/>
+              <a:t>State:   </a:t>
+            </a:r>
+            <a:r>
+              <a:rPr lang="en-US" altLang="ko-KR" dirty="0" smtClean="0"/>
+              <a:t>[</a:t>
+            </a:r>
+            <a:r>
+              <a:rPr lang="en-US" altLang="ko-KR" dirty="0" err="1" smtClean="0">
+                <a:solidFill>
+                  <a:srgbClr val="FF0000"/>
+                </a:solidFill>
+              </a:rPr>
+              <a:t>acc</a:t>
+            </a:r>
+            <a:r>
+              <a:rPr lang="en-US" altLang="ko-KR" dirty="0" smtClean="0">
+                <a:solidFill>
+                  <a:srgbClr val="FF0000"/>
+                </a:solidFill>
+              </a:rPr>
+              <a:t>, </a:t>
+            </a:r>
+            <a:r>
+              <a:rPr lang="en-US" altLang="ko-KR" dirty="0" err="1" smtClean="0">
+                <a:solidFill>
+                  <a:srgbClr val="FF0000"/>
+                </a:solidFill>
+              </a:rPr>
+              <a:t>sp_whl</a:t>
+            </a:r>
+            <a:r>
+              <a:rPr lang="en-US" altLang="ko-KR" dirty="0" smtClean="0"/>
+              <a:t>, </a:t>
+            </a:r>
+            <a:r>
+              <a:rPr lang="en-US" altLang="ko-KR" dirty="0"/>
+              <a:t>SOC </a:t>
+            </a:r>
+            <a:r>
+              <a:rPr lang="en-US" altLang="ko-KR" dirty="0" smtClean="0"/>
+              <a:t>– 0.6]</a:t>
+            </a:r>
+            <a:endParaRPr lang="en-US" altLang="ko-KR" dirty="0"/>
+          </a:p>
+          <a:p>
+            <a:pPr marL="742950" lvl="1" indent="-285750">
+              <a:buFontTx/>
+              <a:buChar char="-"/>
+            </a:pPr>
+            <a:r>
+              <a:rPr lang="en-US" altLang="ko-KR" dirty="0"/>
+              <a:t>Replay </a:t>
+            </a:r>
+            <a:r>
+              <a:rPr lang="en-US" altLang="ko-KR" dirty="0" smtClean="0"/>
+              <a:t>memory</a:t>
+            </a:r>
+            <a:r>
+              <a:rPr lang="ko-KR" altLang="en-US" dirty="0" smtClean="0"/>
+              <a:t>에서 </a:t>
+            </a:r>
+            <a:r>
+              <a:rPr lang="en-US" altLang="ko-KR" dirty="0" err="1" smtClean="0"/>
+              <a:t>acc</a:t>
+            </a:r>
+            <a:r>
+              <a:rPr lang="en-US" altLang="ko-KR" dirty="0" smtClean="0"/>
+              <a:t>, </a:t>
+            </a:r>
+            <a:r>
+              <a:rPr lang="en-US" altLang="ko-KR" dirty="0" err="1" smtClean="0"/>
+              <a:t>sp_whl</a:t>
+            </a:r>
+            <a:r>
+              <a:rPr lang="ko-KR" altLang="en-US" dirty="0" smtClean="0"/>
+              <a:t>에 </a:t>
+            </a:r>
+            <a:r>
+              <a:rPr lang="ko-KR" altLang="en-US" dirty="0"/>
+              <a:t>대해</a:t>
+            </a:r>
+            <a:r>
+              <a:rPr lang="en-US" altLang="ko-KR" dirty="0"/>
+              <a:t> </a:t>
+            </a:r>
+            <a:r>
+              <a:rPr lang="en-US" altLang="ko-KR" dirty="0">
+                <a:solidFill>
+                  <a:srgbClr val="FF0000"/>
+                </a:solidFill>
+              </a:rPr>
+              <a:t>mean-</a:t>
+            </a:r>
+            <a:r>
+              <a:rPr lang="en-US" altLang="ko-KR" dirty="0" err="1">
+                <a:solidFill>
+                  <a:srgbClr val="FF0000"/>
+                </a:solidFill>
+              </a:rPr>
+              <a:t>std</a:t>
+            </a:r>
+            <a:r>
+              <a:rPr lang="en-US" altLang="ko-KR" dirty="0">
+                <a:solidFill>
+                  <a:srgbClr val="FF0000"/>
+                </a:solidFill>
+              </a:rPr>
+              <a:t> normalization</a:t>
+            </a:r>
+            <a:r>
+              <a:rPr lang="en-US" altLang="ko-KR" dirty="0"/>
+              <a:t> </a:t>
+            </a:r>
+            <a:r>
+              <a:rPr lang="ko-KR" altLang="en-US" dirty="0" smtClean="0"/>
+              <a:t>적용 </a:t>
+            </a:r>
+            <a:endParaRPr lang="en-US" altLang="ko-KR" dirty="0"/>
+          </a:p>
+          <a:p>
+            <a:pPr marL="742950" lvl="1" indent="-285750">
+              <a:buFontTx/>
+              <a:buChar char="-"/>
+            </a:pPr>
+            <a:r>
+              <a:rPr lang="en-US" altLang="ko-KR" dirty="0" smtClean="0"/>
+              <a:t>[X]</a:t>
+            </a:r>
+            <a:endParaRPr lang="en-US" altLang="ko-KR" dirty="0" smtClean="0"/>
+          </a:p>
+          <a:p>
+            <a:pPr marL="285750" indent="-285750">
+              <a:buFontTx/>
+              <a:buChar char="-"/>
+            </a:pPr>
+            <a:r>
+              <a:rPr lang="en-US" altLang="ko-KR" b="1" dirty="0" smtClean="0"/>
+              <a:t>Env4 </a:t>
+            </a:r>
+            <a:r>
+              <a:rPr lang="en-US" altLang="ko-KR" b="1" dirty="0"/>
+              <a:t>State:</a:t>
+            </a:r>
+          </a:p>
+          <a:p>
+            <a:pPr marL="742950" lvl="1" indent="-285750">
+              <a:buFontTx/>
+              <a:buChar char="-"/>
+            </a:pPr>
+            <a:r>
+              <a:rPr lang="en-US" altLang="ko-KR" dirty="0"/>
+              <a:t>State:   </a:t>
+            </a:r>
+            <a:r>
+              <a:rPr lang="en-US" altLang="ko-KR" dirty="0" smtClean="0"/>
+              <a:t>[</a:t>
+            </a:r>
+            <a:r>
+              <a:rPr lang="en-US" altLang="ko-KR" dirty="0" err="1" smtClean="0">
+                <a:solidFill>
+                  <a:srgbClr val="FF0000"/>
+                </a:solidFill>
+              </a:rPr>
+              <a:t>acc</a:t>
+            </a:r>
+            <a:r>
+              <a:rPr lang="en-US" altLang="ko-KR" dirty="0" smtClean="0">
+                <a:solidFill>
+                  <a:srgbClr val="FF0000"/>
+                </a:solidFill>
+              </a:rPr>
+              <a:t>, </a:t>
+            </a:r>
+            <a:r>
+              <a:rPr lang="en-US" altLang="ko-KR" dirty="0" err="1" smtClean="0">
+                <a:solidFill>
+                  <a:srgbClr val="FF0000"/>
+                </a:solidFill>
+              </a:rPr>
+              <a:t>sp_whl</a:t>
+            </a:r>
+            <a:r>
+              <a:rPr lang="en-US" altLang="ko-KR" dirty="0" smtClean="0"/>
+              <a:t>, </a:t>
+            </a:r>
+            <a:r>
+              <a:rPr lang="en-US" altLang="ko-KR" dirty="0"/>
+              <a:t>SOC - </a:t>
+            </a:r>
+            <a:r>
+              <a:rPr lang="en-US" altLang="ko-KR" dirty="0" smtClean="0"/>
+              <a:t>0.6]</a:t>
+            </a:r>
+            <a:endParaRPr lang="en-US" altLang="ko-KR" dirty="0"/>
+          </a:p>
+          <a:p>
+            <a:pPr marL="742950" lvl="1" indent="-285750">
+              <a:buFontTx/>
+              <a:buChar char="-"/>
+            </a:pPr>
+            <a:r>
+              <a:rPr lang="en-US" altLang="ko-KR" dirty="0"/>
+              <a:t>Replay memory</a:t>
+            </a:r>
+            <a:r>
+              <a:rPr lang="ko-KR" altLang="en-US" dirty="0"/>
+              <a:t>에서 모든 </a:t>
+            </a:r>
+            <a:r>
+              <a:rPr lang="en-US" altLang="ko-KR" dirty="0"/>
+              <a:t>Feature</a:t>
+            </a:r>
+            <a:r>
+              <a:rPr lang="ko-KR" altLang="en-US" dirty="0"/>
+              <a:t>에 대해</a:t>
+            </a:r>
+            <a:r>
+              <a:rPr lang="en-US" altLang="ko-KR" dirty="0"/>
+              <a:t> </a:t>
+            </a:r>
+            <a:r>
+              <a:rPr lang="en-US" altLang="ko-KR" dirty="0">
+                <a:solidFill>
+                  <a:srgbClr val="FF0000"/>
+                </a:solidFill>
+              </a:rPr>
+              <a:t>mean-</a:t>
+            </a:r>
+            <a:r>
+              <a:rPr lang="en-US" altLang="ko-KR" dirty="0" err="1">
+                <a:solidFill>
+                  <a:srgbClr val="FF0000"/>
+                </a:solidFill>
+              </a:rPr>
+              <a:t>std</a:t>
+            </a:r>
+            <a:r>
+              <a:rPr lang="en-US" altLang="ko-KR" dirty="0">
+                <a:solidFill>
+                  <a:srgbClr val="FF0000"/>
+                </a:solidFill>
+              </a:rPr>
+              <a:t> normalization </a:t>
+            </a:r>
+            <a:r>
+              <a:rPr lang="ko-KR" altLang="en-US" dirty="0" smtClean="0"/>
+              <a:t>적용 </a:t>
+            </a:r>
+            <a:endParaRPr lang="en-US" altLang="ko-KR" dirty="0"/>
+          </a:p>
+          <a:p>
+            <a:pPr marL="742950" lvl="1" indent="-285750">
+              <a:buFontTx/>
+              <a:buChar char="-"/>
+            </a:pPr>
+            <a:r>
+              <a:rPr lang="en-US" altLang="ko-KR" dirty="0" smtClean="0"/>
+              <a:t>[X]</a:t>
+            </a:r>
+            <a:endParaRPr lang="en-US" altLang="ko-KR" dirty="0"/>
           </a:p>
         </p:txBody>
       </p:sp>
       <p:sp>
         <p:nvSpPr>
-          <p:cNvPr id="5" name="TextBox 4"/>
+          <p:cNvPr id="6" name="TextBox 5"/>
           <p:cNvSpPr txBox="1"/>
           <p:nvPr/>
         </p:nvSpPr>
         <p:spPr>
           <a:xfrm>
-            <a:off x="9576262" y="4910921"/>
-            <a:ext cx="2262812" cy="369332"/>
+            <a:off x="3699233" y="6454430"/>
+            <a:ext cx="5478018" cy="369332"/>
           </a:xfrm>
           <a:prstGeom prst="rect">
             <a:avLst/>
@@ -8798,29 +8812,65 @@
           <a:lstStyle/>
           <a:p>
             <a:r>
-              <a:rPr lang="en-US" altLang="ko-KR" dirty="0" smtClean="0"/>
-              <a:t>&lt;</a:t>
-            </a:r>
-            <a:r>
-              <a:rPr lang="ko-KR" altLang="en-US" dirty="0" err="1" smtClean="0"/>
-              <a:t>하이퍼파라미터</a:t>
-            </a:r>
-            <a:r>
-              <a:rPr lang="en-US" altLang="ko-KR" dirty="0" smtClean="0"/>
-              <a:t>&gt;</a:t>
-            </a:r>
-            <a:r>
-              <a:rPr lang="ko-KR" altLang="en-US" dirty="0" smtClean="0"/>
-              <a:t> </a:t>
-            </a:r>
-            <a:endParaRPr lang="ko-KR" altLang="en-US" dirty="0"/>
+              <a:rPr lang="ko-KR" altLang="en-US" b="1" dirty="0" smtClean="0">
+                <a:solidFill>
+                  <a:srgbClr val="FF0000"/>
+                </a:solidFill>
+              </a:rPr>
+              <a:t>결론은 </a:t>
+            </a:r>
+            <a:r>
+              <a:rPr lang="en-US" altLang="ko-KR" b="1" dirty="0" smtClean="0">
+                <a:solidFill>
+                  <a:srgbClr val="FF0000"/>
+                </a:solidFill>
+              </a:rPr>
+              <a:t>Env1</a:t>
+            </a:r>
+            <a:r>
+              <a:rPr lang="ko-KR" altLang="en-US" b="1" dirty="0" smtClean="0">
+                <a:solidFill>
+                  <a:srgbClr val="FF0000"/>
+                </a:solidFill>
+              </a:rPr>
+              <a:t>이 가장 적합하다는 사실임 </a:t>
+            </a:r>
+            <a:endParaRPr lang="en-US" altLang="ko-KR" b="1" dirty="0">
+              <a:solidFill>
+                <a:srgbClr val="FF0000"/>
+              </a:solidFill>
+            </a:endParaRPr>
           </a:p>
         </p:txBody>
       </p:sp>
+      <p:pic>
+        <p:nvPicPr>
+          <p:cNvPr id="7" name="그림 6"/>
+          <p:cNvPicPr>
+            <a:picLocks noChangeAspect="1"/>
+          </p:cNvPicPr>
+          <p:nvPr/>
+        </p:nvPicPr>
+        <p:blipFill>
+          <a:blip r:embed="rId2"/>
+          <a:stretch>
+            <a:fillRect/>
+          </a:stretch>
+        </p:blipFill>
+        <p:spPr>
+          <a:xfrm>
+            <a:off x="9109696" y="1027906"/>
+            <a:ext cx="3222004" cy="3307292"/>
+          </a:xfrm>
+          <a:prstGeom prst="rect">
+            <a:avLst/>
+          </a:prstGeom>
+        </p:spPr>
+      </p:pic>
     </p:spTree>
     <p:extLst>
       <p:ext uri="{BB962C8B-B14F-4D97-AF65-F5344CB8AC3E}">
-        <p14:creationId xmlns:p14="http://schemas.microsoft.com/office/powerpoint/2010/main" val="4065416930"/>
+        <p14:creationId xmlns:p14="http://schemas.microsoft.com/office/powerpoint/2010/main" val="3545861553"/>
       </p:ext>
     </p:extLst>
   </p:cSld>
@@ -8871,8 +8921,8 @@
               <a:t> </a:t>
             </a:r>
             <a:r>
-              <a:rPr lang="en-US" altLang="ko-KR" dirty="0"/>
-              <a:t>8</a:t>
+              <a:rPr lang="en-US" altLang="ko-KR" dirty="0" smtClean="0"/>
+              <a:t>7</a:t>
             </a:r>
             <a:r>
               <a:rPr lang="ko-KR" altLang="en-US" dirty="0" smtClean="0"/>
@@ -8891,7 +8941,7 @@
         <p:spPr>
           <a:xfrm>
             <a:off x="838200" y="1484771"/>
-            <a:ext cx="11000874" cy="2308324"/>
+            <a:ext cx="11000874" cy="1477328"/>
           </a:xfrm>
           <a:prstGeom prst="rect">
             <a:avLst/>
@@ -8904,17 +8954,25 @@
           </a:bodyPr>
           <a:lstStyle/>
           <a:p>
-            <a:pPr marL="285750" indent="-285750">
-              <a:buFontTx/>
-              <a:buChar char="-"/>
-            </a:pPr>
+            <a:pPr marL="285750" lvl="1" indent="-285750">
+              <a:buFontTx/>
+              <a:buChar char="-"/>
+            </a:pPr>
+            <a:r>
+              <a:rPr lang="en-US" altLang="ko-KR" b="1" dirty="0" smtClean="0">
+                <a:solidFill>
+                  <a:srgbClr val="FF0000"/>
+                </a:solidFill>
+              </a:rPr>
+              <a:t>State</a:t>
+            </a:r>
             <a:r>
               <a:rPr lang="ko-KR" altLang="en-US" b="1" dirty="0" smtClean="0">
                 <a:solidFill>
                   <a:srgbClr val="FF0000"/>
                 </a:solidFill>
               </a:rPr>
-              <a:t>신경망에서 </a:t>
+              <a:t>를 확장함</a:t>
             </a:r>
             <a:r>
               <a:rPr lang="en-US" altLang="ko-KR" b="1" dirty="0" smtClean="0">
@@ -8922,97 +8980,169 @@
                   <a:srgbClr val="FF0000"/>
                 </a:solidFill>
               </a:rPr>
-              <a:t>Batch normalization</a:t>
-            </a:r>
-            <a:r>
-              <a:rPr lang="ko-KR" altLang="en-US" b="1" dirty="0" smtClean="0">
-                <a:solidFill>
-                  <a:srgbClr val="FF0000"/>
-                </a:solidFill>
-              </a:rPr>
-              <a:t>을 적용함 </a:t>
-            </a:r>
-            <a:endParaRPr lang="en-US" altLang="ko-KR" b="1" dirty="0" smtClean="0">
+              <a:t>: </a:t>
+            </a:r>
+            <a:r>
+              <a:rPr lang="en-US" altLang="ko-KR" dirty="0">
+                <a:solidFill>
+                  <a:srgbClr val="FF0000"/>
+                </a:solidFill>
+              </a:rPr>
+              <a:t>[</a:t>
+            </a:r>
+            <a:r>
+              <a:rPr lang="en-US" altLang="ko-KR" dirty="0" err="1">
+                <a:solidFill>
+                  <a:srgbClr val="FF0000"/>
+                </a:solidFill>
+              </a:rPr>
+              <a:t>power_out</a:t>
+            </a:r>
+            <a:r>
+              <a:rPr lang="en-US" altLang="ko-KR" dirty="0">
+                <a:solidFill>
+                  <a:srgbClr val="FF0000"/>
+                </a:solidFill>
+              </a:rPr>
+              <a:t>/1000, </a:t>
+            </a:r>
+            <a:r>
+              <a:rPr lang="en-US" altLang="ko-KR" dirty="0" err="1" smtClean="0">
+                <a:solidFill>
+                  <a:srgbClr val="FF0000"/>
+                </a:solidFill>
+              </a:rPr>
+              <a:t>action_prev</a:t>
+            </a:r>
+            <a:r>
+              <a:rPr lang="en-US" altLang="ko-KR" dirty="0" smtClean="0">
+                <a:solidFill>
+                  <a:srgbClr val="FF0000"/>
+                </a:solidFill>
+              </a:rPr>
+              <a:t>, SOC </a:t>
+            </a:r>
+            <a:r>
+              <a:rPr lang="en-US" altLang="ko-KR" dirty="0">
+                <a:solidFill>
+                  <a:srgbClr val="FF0000"/>
+                </a:solidFill>
+              </a:rPr>
+              <a:t>- </a:t>
+            </a:r>
+            <a:r>
+              <a:rPr lang="en-US" altLang="ko-KR" dirty="0" smtClean="0">
+                <a:solidFill>
+                  <a:srgbClr val="FF0000"/>
+                </a:solidFill>
+              </a:rPr>
+              <a:t>0.6, SOC]</a:t>
+            </a:r>
+            <a:endParaRPr lang="en-US" altLang="ko-KR" dirty="0">
               <a:solidFill>
                 <a:srgbClr val="FF0000"/>
               </a:solidFill>
             </a:endParaRPr>
           </a:p>
           <a:p>
+            <a:endParaRPr lang="en-US" altLang="ko-KR" b="1" dirty="0"/>
+          </a:p>
+          <a:p>
             <a:pPr marL="285750" indent="-285750">
               <a:buFontTx/>
               <a:buChar char="-"/>
             </a:pPr>
-            <a:endParaRPr lang="en-US" altLang="ko-KR" b="1" dirty="0"/>
-          </a:p>
-          <a:p>
-            <a:pPr marL="285750" indent="-285750">
-              <a:buFontTx/>
-              <a:buChar char="-"/>
-            </a:pPr>
-            <a:r>
-              <a:rPr lang="en-US" altLang="ko-KR" b="1" dirty="0"/>
+            <a:r>
+              <a:rPr lang="en-US" altLang="ko-KR" b="1" dirty="0">
+                <a:solidFill>
+                  <a:srgbClr val="FF0000"/>
+                </a:solidFill>
+              </a:rPr>
               <a:t>Env1 State:</a:t>
             </a:r>
           </a:p>
           <a:p>
+            <a:pPr marL="742950" lvl="2" indent="-285750">
+              <a:buFontTx/>
+              <a:buChar char="-"/>
+            </a:pPr>
+            <a:r>
+              <a:rPr lang="en-US" altLang="ko-KR" dirty="0"/>
+              <a:t>State</a:t>
+            </a:r>
+            <a:r>
+              <a:rPr lang="en-US" altLang="ko-KR" dirty="0" smtClean="0"/>
+              <a:t>: </a:t>
+            </a:r>
+            <a:r>
+              <a:rPr lang="en-US" altLang="ko-KR" dirty="0">
+                <a:solidFill>
+                  <a:srgbClr val="FF0000"/>
+                </a:solidFill>
+              </a:rPr>
+              <a:t>[</a:t>
+            </a:r>
+            <a:r>
+              <a:rPr lang="en-US" altLang="ko-KR" dirty="0" err="1">
+                <a:solidFill>
+                  <a:srgbClr val="FF0000"/>
+                </a:solidFill>
+              </a:rPr>
+              <a:t>power_out</a:t>
+            </a:r>
+            <a:r>
+              <a:rPr lang="en-US" altLang="ko-KR" dirty="0">
+                <a:solidFill>
+                  <a:srgbClr val="FF0000"/>
+                </a:solidFill>
+              </a:rPr>
+              <a:t>/1000, </a:t>
+            </a:r>
+            <a:r>
+              <a:rPr lang="en-US" altLang="ko-KR" dirty="0" err="1">
+                <a:solidFill>
+                  <a:srgbClr val="FF0000"/>
+                </a:solidFill>
+              </a:rPr>
+              <a:t>action_prev</a:t>
+            </a:r>
+            <a:r>
+              <a:rPr lang="en-US" altLang="ko-KR" dirty="0">
+                <a:solidFill>
+                  <a:srgbClr val="FF0000"/>
+                </a:solidFill>
+              </a:rPr>
+              <a:t>, SOC - 0.6, SOC]</a:t>
+            </a:r>
+          </a:p>
+          <a:p>
             <a:pPr marL="742950" lvl="1" indent="-285750">
               <a:buFontTx/>
               <a:buChar char="-"/>
             </a:pPr>
             <a:r>
-              <a:rPr lang="en-US" altLang="ko-KR" dirty="0"/>
-              <a:t>State:   [</a:t>
-            </a:r>
-            <a:r>
-              <a:rPr lang="en-US" altLang="ko-KR" dirty="0" err="1">
-                <a:solidFill>
-                  <a:srgbClr val="FF0000"/>
-                </a:solidFill>
-              </a:rPr>
+              <a:rPr lang="en-US" altLang="ko-KR" dirty="0" smtClean="0"/>
+              <a:t>Replay </a:t>
+            </a:r>
+            <a:r>
+              <a:rPr lang="en-US" altLang="ko-KR" dirty="0" smtClean="0"/>
+              <a:t>memory</a:t>
+            </a:r>
+            <a:r>
+              <a:rPr lang="ko-KR" altLang="en-US" dirty="0" smtClean="0"/>
+              <a:t>에서 </a:t>
+            </a:r>
+            <a:r>
+              <a:rPr lang="en-US" altLang="ko-KR" dirty="0" err="1" smtClean="0"/>
               <a:t>power_out</a:t>
             </a:r>
             <a:r>
-              <a:rPr lang="en-US" altLang="ko-KR" dirty="0">
-                <a:solidFill>
-                  <a:srgbClr val="FF0000"/>
-                </a:solidFill>
-              </a:rPr>
-              <a:t>/1000</a:t>
-            </a:r>
-            <a:r>
-              <a:rPr lang="en-US" altLang="ko-KR" dirty="0"/>
-              <a:t>, SOC - 0.6, </a:t>
-            </a:r>
-            <a:r>
-              <a:rPr lang="en-US" altLang="ko-KR" dirty="0" err="1"/>
-              <a:t>j_min</a:t>
-            </a:r>
-            <a:r>
-              <a:rPr lang="en-US" altLang="ko-KR" dirty="0"/>
-              <a:t>, </a:t>
-            </a:r>
-            <a:r>
-              <a:rPr lang="en-US" altLang="ko-KR" dirty="0" err="1"/>
-              <a:t>j_max</a:t>
-            </a:r>
-            <a:r>
-              <a:rPr lang="en-US" altLang="ko-KR" dirty="0" smtClean="0"/>
-              <a:t>]</a:t>
-            </a:r>
-          </a:p>
-          <a:p>
-            <a:pPr marL="742950" lvl="1" indent="-285750">
-              <a:buFontTx/>
-              <a:buChar char="-"/>
-            </a:pPr>
-            <a:r>
-              <a:rPr lang="en-US" altLang="ko-KR" dirty="0" smtClean="0"/>
-              <a:t>Actor-Critic</a:t>
-            </a:r>
-            <a:r>
               <a:rPr lang="ko-KR" altLang="en-US" dirty="0" smtClean="0"/>
-              <a:t>에 </a:t>
+              <a:t>에 대해</a:t>
+            </a:r>
+            <a:r>
+              <a:rPr lang="en-US" altLang="ko-KR" dirty="0" smtClean="0"/>
+              <a:t> </a:t>
             </a:r>
             <a:r>
               <a:rPr lang="en-US" altLang="ko-KR" dirty="0" smtClean="0">
@@ -9020,57 +9150,32 @@
                   <a:srgbClr val="FF0000"/>
                 </a:solidFill>
               </a:rPr>
-              <a:t>Batch Normalization</a:t>
+              <a:t>mean-</a:t>
+            </a:r>
+            <a:r>
+              <a:rPr lang="en-US" altLang="ko-KR" dirty="0" err="1" smtClean="0">
+                <a:solidFill>
+                  <a:srgbClr val="FF0000"/>
+                </a:solidFill>
+              </a:rPr>
+              <a:t>std</a:t>
+            </a:r>
+            <a:r>
+              <a:rPr lang="en-US" altLang="ko-KR" dirty="0" smtClean="0">
+                <a:solidFill>
+                  <a:srgbClr val="FF0000"/>
+                </a:solidFill>
+              </a:rPr>
+              <a:t> normalization </a:t>
             </a:r>
             <a:r>
               <a:rPr lang="ko-KR" altLang="en-US" dirty="0" smtClean="0"/>
-              <a:t>을 적용함</a:t>
-            </a:r>
-            <a:endParaRPr lang="en-US" altLang="ko-KR" dirty="0"/>
-          </a:p>
-          <a:p>
-            <a:endParaRPr lang="en-US" altLang="ko-KR" dirty="0"/>
-          </a:p>
-          <a:p>
-            <a:pPr marL="742950" lvl="1" indent="-285750">
-              <a:buFontTx/>
-              <a:buChar char="-"/>
-            </a:pPr>
+              <a:t>적용 </a:t>
+            </a:r>
             <a:endParaRPr lang="en-US" altLang="ko-KR" dirty="0" smtClean="0"/>
-          </a:p>
-          <a:p>
-            <a:pPr marL="742950" lvl="1" indent="-285750">
-              <a:buFontTx/>
-              <a:buChar char="-"/>
-            </a:pPr>
-            <a:endParaRPr lang="en-US" altLang="ko-KR" dirty="0"/>
           </a:p>
         </p:txBody>
       </p:sp>
-      <p:pic>
-        <p:nvPicPr>
-          <p:cNvPr id="3" name="그림 2"/>
-          <p:cNvPicPr>
-            <a:picLocks noChangeAspect="1"/>
-          </p:cNvPicPr>
-          <p:nvPr/>
-        </p:nvPicPr>
-        <p:blipFill>
-          <a:blip r:embed="rId2"/>
-          <a:stretch>
-            <a:fillRect/>
-          </a:stretch>
-        </p:blipFill>
-        <p:spPr>
-          <a:xfrm>
-            <a:off x="8661862" y="88986"/>
-            <a:ext cx="3325091" cy="2519190"/>
-          </a:xfrm>
-          <a:prstGeom prst="rect">
-            <a:avLst/>
-          </a:prstGeom>
-        </p:spPr>
-      </p:pic>
       <p:sp>
         <p:nvSpPr>
           <p:cNvPr id="5" name="TextBox 4"/>
@@ -9079,7 +9184,7 @@
         </p:nvSpPr>
         <p:spPr>
           <a:xfrm>
-            <a:off x="9576262" y="2684188"/>
+            <a:off x="9576262" y="4910921"/>
             <a:ext cx="2262812" cy="369332"/>
           </a:xfrm>
           <a:prstGeom prst="rect">
@@ -9116,7 +9221,7 @@
     </p:spTree>
     <p:extLst>
       <p:ext uri="{BB962C8B-B14F-4D97-AF65-F5344CB8AC3E}">
-        <p14:creationId xmlns:p14="http://schemas.microsoft.com/office/powerpoint/2010/main" val="787282331"/>
+        <p14:creationId xmlns:p14="http://schemas.microsoft.com/office/powerpoint/2010/main" val="4065416930"/>
       </p:ext>
     </p:extLst>
   </p:cSld>
@@ -9757,6 +9862,302 @@
 </file>
 
 <file path=ppt/slides/slide20.xml><?xml version="1.0" encoding="utf-8"?>
+<p:sld xmlns:a="http://schemas.openxmlformats.org/drawingml/2006/main" xmlns:r="http://schemas.openxmlformats.org/officeDocument/2006/relationships" xmlns:p="http://schemas.openxmlformats.org/presentationml/2006/main">
+  <p:cSld>
+    <p:spTree>
+      <p:nvGrpSpPr>
+        <p:cNvPr id="1" name=""/>
+        <p:cNvGrpSpPr/>
+        <p:nvPr/>
+      </p:nvGrpSpPr>
+      <p:grpSpPr>
+        <a:xfrm>
+          <a:off x="0" y="0"/>
+          <a:ext cx="0" cy="0"/>
+          <a:chOff x="0" y="0"/>
+          <a:chExt cx="0" cy="0"/>
+        </a:xfrm>
+      </p:grpSpPr>
+      <p:sp>
+        <p:nvSpPr>
+          <p:cNvPr id="2" name="제목 1"/>
+          <p:cNvSpPr>
+            <a:spLocks noGrp="1"/>
+          </p:cNvSpPr>
+          <p:nvPr>
+            <p:ph type="title"/>
+          </p:nvPr>
+        </p:nvSpPr>
+        <p:spPr/>
+        <p:txBody>
+          <a:bodyPr/>
+          <a:lstStyle/>
+          <a:p>
+            <a:r>
+              <a:rPr lang="en-US" altLang="ko-KR" dirty="0" smtClean="0"/>
+              <a:t>DDPG</a:t>
+            </a:r>
+            <a:r>
+              <a:rPr lang="ko-KR" altLang="en-US" dirty="0" smtClean="0"/>
+              <a:t> </a:t>
+            </a:r>
+            <a:r>
+              <a:rPr lang="en-US" altLang="ko-KR" dirty="0"/>
+              <a:t>8</a:t>
+            </a:r>
+            <a:r>
+              <a:rPr lang="ko-KR" altLang="en-US" dirty="0" smtClean="0"/>
+              <a:t>  </a:t>
+            </a:r>
+            <a:endParaRPr lang="ko-KR" altLang="en-US" dirty="0"/>
+          </a:p>
+        </p:txBody>
+      </p:sp>
+      <p:sp>
+        <p:nvSpPr>
+          <p:cNvPr id="4" name="TextBox 3"/>
+          <p:cNvSpPr txBox="1"/>
+          <p:nvPr/>
+        </p:nvSpPr>
+        <p:spPr>
+          <a:xfrm>
+            <a:off x="838200" y="1484771"/>
+            <a:ext cx="11000874" cy="2308324"/>
+          </a:xfrm>
+          <a:prstGeom prst="rect">
+            <a:avLst/>
+          </a:prstGeom>
+          <a:noFill/>
+        </p:spPr>
+        <p:txBody>
+          <a:bodyPr wrap="square" rtlCol="0">
+            <a:spAutoFit/>
+          </a:bodyPr>
+          <a:lstStyle/>
+          <a:p>
+            <a:pPr marL="285750" indent="-285750">
+              <a:buFontTx/>
+              <a:buChar char="-"/>
+            </a:pPr>
+            <a:r>
+              <a:rPr lang="ko-KR" altLang="en-US" b="1" dirty="0" smtClean="0">
+                <a:solidFill>
+                  <a:srgbClr val="FF0000"/>
+                </a:solidFill>
+              </a:rPr>
+              <a:t>신경망에서 </a:t>
+            </a:r>
+            <a:r>
+              <a:rPr lang="en-US" altLang="ko-KR" b="1" dirty="0" smtClean="0">
+                <a:solidFill>
+                  <a:srgbClr val="FF0000"/>
+                </a:solidFill>
+              </a:rPr>
+              <a:t>Batch normalization</a:t>
+            </a:r>
+            <a:r>
+              <a:rPr lang="ko-KR" altLang="en-US" b="1" dirty="0" smtClean="0">
+                <a:solidFill>
+                  <a:srgbClr val="FF0000"/>
+                </a:solidFill>
+              </a:rPr>
+              <a:t>을 적용함 </a:t>
+            </a:r>
+            <a:endParaRPr lang="en-US" altLang="ko-KR" b="1" dirty="0" smtClean="0">
+              <a:solidFill>
+                <a:srgbClr val="FF0000"/>
+              </a:solidFill>
+            </a:endParaRPr>
+          </a:p>
+          <a:p>
+            <a:pPr marL="285750" indent="-285750">
+              <a:buFontTx/>
+              <a:buChar char="-"/>
+            </a:pPr>
+            <a:endParaRPr lang="en-US" altLang="ko-KR" b="1" dirty="0"/>
+          </a:p>
+          <a:p>
+            <a:pPr marL="285750" indent="-285750">
+              <a:buFontTx/>
+              <a:buChar char="-"/>
+            </a:pPr>
+            <a:r>
+              <a:rPr lang="en-US" altLang="ko-KR" b="1" dirty="0"/>
+              <a:t>Env1 State:</a:t>
+            </a:r>
+          </a:p>
+          <a:p>
+            <a:pPr marL="742950" lvl="1" indent="-285750">
+              <a:buFontTx/>
+              <a:buChar char="-"/>
+            </a:pPr>
+            <a:r>
+              <a:rPr lang="en-US" altLang="ko-KR" dirty="0"/>
+              <a:t>State:   [</a:t>
+            </a:r>
+            <a:r>
+              <a:rPr lang="en-US" altLang="ko-KR" dirty="0" err="1">
+                <a:solidFill>
+                  <a:srgbClr val="FF0000"/>
+                </a:solidFill>
+              </a:rPr>
+              <a:t>power_out</a:t>
+            </a:r>
+            <a:r>
+              <a:rPr lang="en-US" altLang="ko-KR" dirty="0">
+                <a:solidFill>
+                  <a:srgbClr val="FF0000"/>
+                </a:solidFill>
+              </a:rPr>
+              <a:t>/1000</a:t>
+            </a:r>
+            <a:r>
+              <a:rPr lang="en-US" altLang="ko-KR" dirty="0"/>
+              <a:t>, SOC - 0.6, </a:t>
+            </a:r>
+            <a:r>
+              <a:rPr lang="en-US" altLang="ko-KR" dirty="0" err="1"/>
+              <a:t>j_min</a:t>
+            </a:r>
+            <a:r>
+              <a:rPr lang="en-US" altLang="ko-KR" dirty="0"/>
+              <a:t>, </a:t>
+            </a:r>
+            <a:r>
+              <a:rPr lang="en-US" altLang="ko-KR" dirty="0" err="1"/>
+              <a:t>j_max</a:t>
+            </a:r>
+            <a:r>
+              <a:rPr lang="en-US" altLang="ko-KR" dirty="0" smtClean="0"/>
+              <a:t>]</a:t>
+            </a:r>
+          </a:p>
+          <a:p>
+            <a:pPr marL="742950" lvl="1" indent="-285750">
+              <a:buFontTx/>
+              <a:buChar char="-"/>
+            </a:pPr>
+            <a:r>
+              <a:rPr lang="en-US" altLang="ko-KR" dirty="0" smtClean="0"/>
+              <a:t>Actor-Critic</a:t>
+            </a:r>
+            <a:r>
+              <a:rPr lang="ko-KR" altLang="en-US" dirty="0" smtClean="0"/>
+              <a:t>에 </a:t>
+            </a:r>
+            <a:r>
+              <a:rPr lang="en-US" altLang="ko-KR" dirty="0" smtClean="0">
+                <a:solidFill>
+                  <a:srgbClr val="FF0000"/>
+                </a:solidFill>
+              </a:rPr>
+              <a:t>Batch Normalization</a:t>
+            </a:r>
+            <a:r>
+              <a:rPr lang="ko-KR" altLang="en-US" dirty="0" smtClean="0"/>
+              <a:t>을 적용함</a:t>
+            </a:r>
+            <a:endParaRPr lang="en-US" altLang="ko-KR" dirty="0"/>
+          </a:p>
+          <a:p>
+            <a:endParaRPr lang="en-US" altLang="ko-KR" dirty="0"/>
+          </a:p>
+          <a:p>
+            <a:pPr marL="742950" lvl="1" indent="-285750">
+              <a:buFontTx/>
+              <a:buChar char="-"/>
+            </a:pPr>
+            <a:endParaRPr lang="en-US" altLang="ko-KR" dirty="0" smtClean="0"/>
+          </a:p>
+          <a:p>
+            <a:pPr marL="742950" lvl="1" indent="-285750">
+              <a:buFontTx/>
+              <a:buChar char="-"/>
+            </a:pPr>
+            <a:endParaRPr lang="en-US" altLang="ko-KR" dirty="0"/>
+          </a:p>
+        </p:txBody>
+      </p:sp>
+      <p:pic>
+        <p:nvPicPr>
+          <p:cNvPr id="3" name="그림 2"/>
+          <p:cNvPicPr>
+            <a:picLocks noChangeAspect="1"/>
+          </p:cNvPicPr>
+          <p:nvPr/>
+        </p:nvPicPr>
+        <p:blipFill>
+          <a:blip r:embed="rId2"/>
+          <a:stretch>
+            <a:fillRect/>
+          </a:stretch>
+        </p:blipFill>
+        <p:spPr>
+          <a:xfrm>
+            <a:off x="8661862" y="88986"/>
+            <a:ext cx="3325091" cy="2519190"/>
+          </a:xfrm>
+          <a:prstGeom prst="rect">
+            <a:avLst/>
+          </a:prstGeom>
+        </p:spPr>
+      </p:pic>
+      <p:sp>
+        <p:nvSpPr>
+          <p:cNvPr id="5" name="TextBox 4"/>
+          <p:cNvSpPr txBox="1"/>
+          <p:nvPr/>
+        </p:nvSpPr>
+        <p:spPr>
+          <a:xfrm>
+            <a:off x="9576262" y="2684188"/>
+            <a:ext cx="2262812" cy="369332"/>
+          </a:xfrm>
+          <a:prstGeom prst="rect">
+            <a:avLst/>
+          </a:prstGeom>
+          <a:noFill/>
+        </p:spPr>
+        <p:txBody>
+          <a:bodyPr wrap="square" rtlCol="0">
+            <a:spAutoFit/>
+          </a:bodyPr>
+          <a:lstStyle/>
+          <a:p>
+            <a:r>
+              <a:rPr lang="en-US" altLang="ko-KR" dirty="0" smtClean="0"/>
+              <a:t>&lt;</a:t>
+            </a:r>
+            <a:r>
+              <a:rPr lang="ko-KR" altLang="en-US" dirty="0" err="1" smtClean="0"/>
+              <a:t>하이퍼파라미터</a:t>
+            </a:r>
+            <a:r>
+              <a:rPr lang="en-US" altLang="ko-KR" dirty="0" smtClean="0"/>
+              <a:t>&gt;</a:t>
+            </a:r>
+            <a:r>
+              <a:rPr lang="ko-KR" altLang="en-US" dirty="0" smtClean="0"/>
+              <a:t> </a:t>
+            </a:r>
+            <a:endParaRPr lang="ko-KR" altLang="en-US" dirty="0"/>
+          </a:p>
+        </p:txBody>
+      </p:sp>
+    </p:spTree>
+    <p:extLst>
+      <p:ext uri="{BB962C8B-B14F-4D97-AF65-F5344CB8AC3E}">
+        <p14:creationId xmlns:p14="http://schemas.microsoft.com/office/powerpoint/2010/main" val="787282331"/>
+      </p:ext>
+    </p:extLst>
+  </p:cSld>
+  <p:clrMapOvr>
+    <a:masterClrMapping/>
+  </p:clrMapOvr>
+</p:sld>
+</file>
+
+<file path=ppt/slides/slide21.xml><?xml version="1.0" encoding="utf-8"?>
 <p:sld xmlns:a="http://schemas.openxmlformats.org/drawingml/2006/main" xmlns:r="http://schemas.openxmlformats.org/officeDocument/2006/relationships" xmlns:p="http://schemas.openxmlformats.org/presentationml/2006/main">
   <p:cSld>
     <p:spTree>

--- a/실험정리.pptx
+++ b/실험정리.pptx
@@ -7353,22 +7353,42 @@
           <a:lstStyle/>
           <a:p>
             <a:r>
-              <a:rPr lang="en-US" altLang="ko-KR" dirty="0" smtClean="0"/>
+              <a:rPr lang="en-US" altLang="ko-KR" dirty="0" smtClean="0">
+                <a:solidFill>
+                  <a:srgbClr val="FF0000"/>
+                </a:solidFill>
+              </a:rPr>
               <a:t>DDPG</a:t>
             </a:r>
             <a:r>
-              <a:rPr lang="ko-KR" altLang="en-US" dirty="0" smtClean="0"/>
+              <a:rPr lang="ko-KR" altLang="en-US" dirty="0" smtClean="0">
+                <a:solidFill>
+                  <a:srgbClr val="FF0000"/>
+                </a:solidFill>
+              </a:rPr>
               <a:t> </a:t>
             </a:r>
             <a:r>
-              <a:rPr lang="en-US" altLang="ko-KR" dirty="0"/>
+              <a:rPr lang="en-US" altLang="ko-KR" dirty="0">
+                <a:solidFill>
+                  <a:srgbClr val="FF0000"/>
+                </a:solidFill>
+              </a:rPr>
               <a:t>6</a:t>
             </a:r>
             <a:r>
-              <a:rPr lang="ko-KR" altLang="en-US" dirty="0" smtClean="0"/>
+              <a:rPr lang="ko-KR" altLang="en-US" dirty="0" smtClean="0">
+                <a:solidFill>
+                  <a:srgbClr val="FF0000"/>
+                </a:solidFill>
+              </a:rPr>
               <a:t>  </a:t>
             </a:r>
-            <a:endParaRPr lang="ko-KR" altLang="en-US" dirty="0"/>
+            <a:endParaRPr lang="ko-KR" altLang="en-US" dirty="0">
+              <a:solidFill>
+                <a:srgbClr val="FF0000"/>
+              </a:solidFill>
+            </a:endParaRPr>
           </a:p>
         </p:txBody>
       </p:sp>
@@ -8157,22 +8177,42 @@
           <a:lstStyle/>
           <a:p>
             <a:r>
-              <a:rPr lang="en-US" altLang="ko-KR" dirty="0" smtClean="0"/>
+              <a:rPr lang="en-US" altLang="ko-KR" dirty="0" smtClean="0">
+                <a:solidFill>
+                  <a:srgbClr val="FF0000"/>
+                </a:solidFill>
+              </a:rPr>
               <a:t>DDPG</a:t>
             </a:r>
             <a:r>
-              <a:rPr lang="ko-KR" altLang="en-US" dirty="0" smtClean="0"/>
+              <a:rPr lang="ko-KR" altLang="en-US" dirty="0" smtClean="0">
+                <a:solidFill>
+                  <a:srgbClr val="FF0000"/>
+                </a:solidFill>
+              </a:rPr>
               <a:t> </a:t>
             </a:r>
             <a:r>
-              <a:rPr lang="en-US" altLang="ko-KR" dirty="0" smtClean="0"/>
+              <a:rPr lang="en-US" altLang="ko-KR" dirty="0" smtClean="0">
+                <a:solidFill>
+                  <a:srgbClr val="FF0000"/>
+                </a:solidFill>
+              </a:rPr>
               <a:t>6_ver2</a:t>
             </a:r>
             <a:r>
-              <a:rPr lang="ko-KR" altLang="en-US" dirty="0" smtClean="0"/>
+              <a:rPr lang="ko-KR" altLang="en-US" dirty="0" smtClean="0">
+                <a:solidFill>
+                  <a:srgbClr val="FF0000"/>
+                </a:solidFill>
+              </a:rPr>
               <a:t>  </a:t>
             </a:r>
-            <a:endParaRPr lang="ko-KR" altLang="en-US" dirty="0"/>
+            <a:endParaRPr lang="ko-KR" altLang="en-US" dirty="0">
+              <a:solidFill>
+                <a:srgbClr val="FF0000"/>
+              </a:solidFill>
+            </a:endParaRPr>
           </a:p>
         </p:txBody>
       </p:sp>

--- a/실험정리.pptx
+++ b/실험정리.pptx
@@ -8,24 +8,27 @@
     <p:sldId id="256" r:id="rId2"/>
     <p:sldId id="282" r:id="rId3"/>
     <p:sldId id="289" r:id="rId4"/>
-    <p:sldId id="295" r:id="rId5"/>
-    <p:sldId id="272" r:id="rId6"/>
-    <p:sldId id="279" r:id="rId7"/>
-    <p:sldId id="281" r:id="rId8"/>
-    <p:sldId id="280" r:id="rId9"/>
-    <p:sldId id="284" r:id="rId10"/>
-    <p:sldId id="296" r:id="rId11"/>
-    <p:sldId id="278" r:id="rId12"/>
-    <p:sldId id="283" r:id="rId13"/>
-    <p:sldId id="285" r:id="rId14"/>
-    <p:sldId id="286" r:id="rId15"/>
-    <p:sldId id="287" r:id="rId16"/>
-    <p:sldId id="292" r:id="rId17"/>
-    <p:sldId id="290" r:id="rId18"/>
-    <p:sldId id="293" r:id="rId19"/>
-    <p:sldId id="294" r:id="rId20"/>
-    <p:sldId id="291" r:id="rId21"/>
-    <p:sldId id="288" r:id="rId22"/>
+    <p:sldId id="297" r:id="rId5"/>
+    <p:sldId id="298" r:id="rId6"/>
+    <p:sldId id="295" r:id="rId7"/>
+    <p:sldId id="272" r:id="rId8"/>
+    <p:sldId id="279" r:id="rId9"/>
+    <p:sldId id="281" r:id="rId10"/>
+    <p:sldId id="280" r:id="rId11"/>
+    <p:sldId id="284" r:id="rId12"/>
+    <p:sldId id="296" r:id="rId13"/>
+    <p:sldId id="278" r:id="rId14"/>
+    <p:sldId id="283" r:id="rId15"/>
+    <p:sldId id="285" r:id="rId16"/>
+    <p:sldId id="286" r:id="rId17"/>
+    <p:sldId id="287" r:id="rId18"/>
+    <p:sldId id="292" r:id="rId19"/>
+    <p:sldId id="290" r:id="rId20"/>
+    <p:sldId id="293" r:id="rId21"/>
+    <p:sldId id="299" r:id="rId22"/>
+    <p:sldId id="294" r:id="rId23"/>
+    <p:sldId id="291" r:id="rId24"/>
+    <p:sldId id="288" r:id="rId25"/>
   </p:sldIdLst>
   <p:sldSz cx="12192000" cy="6858000"/>
   <p:notesSz cx="6858000" cy="9144000"/>
@@ -3066,6 +3069,1190 @@
               <a:t> </a:t>
             </a:r>
             <a:r>
+              <a:rPr lang="en-US" altLang="ko-KR" dirty="0"/>
+              <a:t>3</a:t>
+            </a:r>
+            <a:r>
+              <a:rPr lang="ko-KR" altLang="en-US" dirty="0" smtClean="0"/>
+              <a:t>  </a:t>
+            </a:r>
+            <a:endParaRPr lang="ko-KR" altLang="en-US" dirty="0"/>
+          </a:p>
+        </p:txBody>
+      </p:sp>
+      <p:sp>
+        <p:nvSpPr>
+          <p:cNvPr id="4" name="TextBox 3"/>
+          <p:cNvSpPr txBox="1"/>
+          <p:nvPr/>
+        </p:nvSpPr>
+        <p:spPr>
+          <a:xfrm>
+            <a:off x="838200" y="1459832"/>
+            <a:ext cx="11000874" cy="4247317"/>
+          </a:xfrm>
+          <a:prstGeom prst="rect">
+            <a:avLst/>
+          </a:prstGeom>
+          <a:noFill/>
+        </p:spPr>
+        <p:txBody>
+          <a:bodyPr wrap="square" rtlCol="0">
+            <a:spAutoFit/>
+          </a:bodyPr>
+          <a:lstStyle/>
+          <a:p>
+            <a:pPr marL="285750" indent="-285750">
+              <a:buFontTx/>
+              <a:buChar char="-"/>
+            </a:pPr>
+            <a:r>
+              <a:rPr lang="ko-KR" altLang="en-US" b="1" dirty="0" smtClean="0">
+                <a:solidFill>
+                  <a:srgbClr val="FF0000"/>
+                </a:solidFill>
+              </a:rPr>
+              <a:t>다양한 </a:t>
+            </a:r>
+            <a:r>
+              <a:rPr lang="en-US" altLang="ko-KR" b="1" dirty="0" smtClean="0">
+                <a:solidFill>
+                  <a:srgbClr val="FF0000"/>
+                </a:solidFill>
+              </a:rPr>
+              <a:t>State</a:t>
+            </a:r>
+            <a:r>
+              <a:rPr lang="ko-KR" altLang="en-US" b="1" dirty="0" smtClean="0">
+                <a:solidFill>
+                  <a:srgbClr val="FF0000"/>
+                </a:solidFill>
+              </a:rPr>
+              <a:t>에 대한 실험을 진행함</a:t>
+            </a:r>
+            <a:endParaRPr lang="en-US" altLang="ko-KR" b="1" dirty="0" smtClean="0">
+              <a:solidFill>
+                <a:srgbClr val="FF0000"/>
+              </a:solidFill>
+            </a:endParaRPr>
+          </a:p>
+          <a:p>
+            <a:pPr marL="285750" indent="-285750">
+              <a:buFontTx/>
+              <a:buChar char="-"/>
+            </a:pPr>
+            <a:endParaRPr lang="en-US" altLang="ko-KR" b="1" dirty="0"/>
+          </a:p>
+          <a:p>
+            <a:pPr marL="285750" indent="-285750">
+              <a:buFontTx/>
+              <a:buChar char="-"/>
+            </a:pPr>
+            <a:r>
+              <a:rPr lang="en-US" altLang="ko-KR" b="1" dirty="0" smtClean="0"/>
+              <a:t>Env1 State:</a:t>
+            </a:r>
+          </a:p>
+          <a:p>
+            <a:pPr marL="742950" lvl="1" indent="-285750">
+              <a:buFontTx/>
+              <a:buChar char="-"/>
+            </a:pPr>
+            <a:r>
+              <a:rPr lang="en-US" altLang="ko-KR" dirty="0" smtClean="0"/>
+              <a:t>State:   [</a:t>
+            </a:r>
+            <a:r>
+              <a:rPr lang="en-US" altLang="ko-KR" dirty="0" err="1" smtClean="0">
+                <a:solidFill>
+                  <a:srgbClr val="FF0000"/>
+                </a:solidFill>
+              </a:rPr>
+              <a:t>power_out</a:t>
+            </a:r>
+            <a:r>
+              <a:rPr lang="en-US" altLang="ko-KR" dirty="0" smtClean="0">
+                <a:solidFill>
+                  <a:srgbClr val="FF0000"/>
+                </a:solidFill>
+              </a:rPr>
+              <a:t>/1000</a:t>
+            </a:r>
+            <a:r>
+              <a:rPr lang="en-US" altLang="ko-KR" dirty="0" smtClean="0"/>
+              <a:t>, SOC, </a:t>
+            </a:r>
+            <a:r>
+              <a:rPr lang="en-US" altLang="ko-KR" dirty="0" err="1" smtClean="0"/>
+              <a:t>j_min</a:t>
+            </a:r>
+            <a:r>
+              <a:rPr lang="en-US" altLang="ko-KR" dirty="0" smtClean="0"/>
+              <a:t>, </a:t>
+            </a:r>
+            <a:r>
+              <a:rPr lang="en-US" altLang="ko-KR" dirty="0" err="1" smtClean="0"/>
+              <a:t>j_max</a:t>
+            </a:r>
+            <a:r>
+              <a:rPr lang="en-US" altLang="ko-KR" dirty="0" smtClean="0"/>
+              <a:t>]</a:t>
+            </a:r>
+          </a:p>
+          <a:p>
+            <a:pPr marL="742950" lvl="1" indent="-285750">
+              <a:buFontTx/>
+              <a:buChar char="-"/>
+            </a:pPr>
+            <a:endParaRPr lang="en-US" altLang="ko-KR" dirty="0" smtClean="0"/>
+          </a:p>
+          <a:p>
+            <a:pPr marL="285750" indent="-285750">
+              <a:buFontTx/>
+              <a:buChar char="-"/>
+            </a:pPr>
+            <a:r>
+              <a:rPr lang="en-US" altLang="ko-KR" b="1" dirty="0" smtClean="0"/>
+              <a:t>Env2 </a:t>
+            </a:r>
+            <a:r>
+              <a:rPr lang="en-US" altLang="ko-KR" b="1" dirty="0"/>
+              <a:t>State:</a:t>
+            </a:r>
+          </a:p>
+          <a:p>
+            <a:pPr marL="742950" lvl="1" indent="-285750">
+              <a:buFontTx/>
+              <a:buChar char="-"/>
+            </a:pPr>
+            <a:r>
+              <a:rPr lang="en-US" altLang="ko-KR" dirty="0"/>
+              <a:t>State:   </a:t>
+            </a:r>
+            <a:r>
+              <a:rPr lang="en-US" altLang="ko-KR" dirty="0" smtClean="0"/>
+              <a:t>[</a:t>
+            </a:r>
+            <a:r>
+              <a:rPr lang="en-US" altLang="ko-KR" dirty="0" err="1" smtClean="0">
+                <a:solidFill>
+                  <a:srgbClr val="FF0000"/>
+                </a:solidFill>
+              </a:rPr>
+              <a:t>tq</a:t>
+            </a:r>
+            <a:r>
+              <a:rPr lang="en-US" altLang="ko-KR" dirty="0" smtClean="0">
+                <a:solidFill>
+                  <a:srgbClr val="FF0000"/>
+                </a:solidFill>
+              </a:rPr>
+              <a:t>, </a:t>
+            </a:r>
+            <a:r>
+              <a:rPr lang="en-US" altLang="ko-KR" dirty="0" err="1" smtClean="0">
+                <a:solidFill>
+                  <a:srgbClr val="FF0000"/>
+                </a:solidFill>
+              </a:rPr>
+              <a:t>sp</a:t>
+            </a:r>
+            <a:r>
+              <a:rPr lang="en-US" altLang="ko-KR" dirty="0" smtClean="0"/>
+              <a:t>, </a:t>
+            </a:r>
+            <a:r>
+              <a:rPr lang="en-US" altLang="ko-KR" dirty="0"/>
+              <a:t>SOC, </a:t>
+            </a:r>
+            <a:r>
+              <a:rPr lang="en-US" altLang="ko-KR" dirty="0" err="1"/>
+              <a:t>j_min</a:t>
+            </a:r>
+            <a:r>
+              <a:rPr lang="en-US" altLang="ko-KR" dirty="0"/>
+              <a:t>, </a:t>
+            </a:r>
+            <a:r>
+              <a:rPr lang="en-US" altLang="ko-KR" dirty="0" err="1"/>
+              <a:t>j_max</a:t>
+            </a:r>
+            <a:r>
+              <a:rPr lang="en-US" altLang="ko-KR" dirty="0"/>
+              <a:t>]</a:t>
+            </a:r>
+          </a:p>
+          <a:p>
+            <a:pPr marL="285750" indent="-285750">
+              <a:buFontTx/>
+              <a:buChar char="-"/>
+            </a:pPr>
+            <a:endParaRPr lang="en-US" altLang="ko-KR" dirty="0" smtClean="0"/>
+          </a:p>
+          <a:p>
+            <a:pPr marL="285750" indent="-285750">
+              <a:buFontTx/>
+              <a:buChar char="-"/>
+            </a:pPr>
+            <a:r>
+              <a:rPr lang="en-US" altLang="ko-KR" b="1" dirty="0" smtClean="0"/>
+              <a:t>Env3 </a:t>
+            </a:r>
+            <a:r>
+              <a:rPr lang="en-US" altLang="ko-KR" b="1" dirty="0"/>
+              <a:t>State:</a:t>
+            </a:r>
+          </a:p>
+          <a:p>
+            <a:pPr marL="742950" lvl="1" indent="-285750">
+              <a:buFontTx/>
+              <a:buChar char="-"/>
+            </a:pPr>
+            <a:r>
+              <a:rPr lang="en-US" altLang="ko-KR" dirty="0"/>
+              <a:t>State:   </a:t>
+            </a:r>
+            <a:r>
+              <a:rPr lang="en-US" altLang="ko-KR" dirty="0" smtClean="0"/>
+              <a:t>[</a:t>
+            </a:r>
+            <a:r>
+              <a:rPr lang="en-US" altLang="ko-KR" dirty="0" err="1" smtClean="0">
+                <a:solidFill>
+                  <a:srgbClr val="FF0000"/>
+                </a:solidFill>
+              </a:rPr>
+              <a:t>acc</a:t>
+            </a:r>
+            <a:r>
+              <a:rPr lang="en-US" altLang="ko-KR" dirty="0" smtClean="0">
+                <a:solidFill>
+                  <a:srgbClr val="FF0000"/>
+                </a:solidFill>
+              </a:rPr>
+              <a:t>, </a:t>
+            </a:r>
+            <a:r>
+              <a:rPr lang="en-US" altLang="ko-KR" dirty="0" err="1">
+                <a:solidFill>
+                  <a:srgbClr val="FF0000"/>
+                </a:solidFill>
+              </a:rPr>
+              <a:t>sp</a:t>
+            </a:r>
+            <a:r>
+              <a:rPr lang="en-US" altLang="ko-KR" dirty="0"/>
+              <a:t>, SOC, </a:t>
+            </a:r>
+            <a:r>
+              <a:rPr lang="en-US" altLang="ko-KR" dirty="0" err="1"/>
+              <a:t>j_min</a:t>
+            </a:r>
+            <a:r>
+              <a:rPr lang="en-US" altLang="ko-KR" dirty="0"/>
+              <a:t>, </a:t>
+            </a:r>
+            <a:r>
+              <a:rPr lang="en-US" altLang="ko-KR" dirty="0" err="1"/>
+              <a:t>j_max</a:t>
+            </a:r>
+            <a:r>
+              <a:rPr lang="en-US" altLang="ko-KR" dirty="0"/>
+              <a:t>]</a:t>
+            </a:r>
+          </a:p>
+          <a:p>
+            <a:pPr marL="285750" indent="-285750">
+              <a:buFontTx/>
+              <a:buChar char="-"/>
+            </a:pPr>
+            <a:endParaRPr lang="en-US" altLang="ko-KR" dirty="0" smtClean="0"/>
+          </a:p>
+          <a:p>
+            <a:pPr marL="285750" indent="-285750">
+              <a:buFontTx/>
+              <a:buChar char="-"/>
+            </a:pPr>
+            <a:r>
+              <a:rPr lang="en-US" altLang="ko-KR" b="1" dirty="0" smtClean="0"/>
+              <a:t>Env4 </a:t>
+            </a:r>
+            <a:r>
+              <a:rPr lang="en-US" altLang="ko-KR" b="1" dirty="0"/>
+              <a:t>State:</a:t>
+            </a:r>
+          </a:p>
+          <a:p>
+            <a:pPr marL="742950" lvl="1" indent="-285750">
+              <a:buFontTx/>
+              <a:buChar char="-"/>
+            </a:pPr>
+            <a:r>
+              <a:rPr lang="en-US" altLang="ko-KR" dirty="0"/>
+              <a:t>State:   </a:t>
+            </a:r>
+            <a:r>
+              <a:rPr lang="en-US" altLang="ko-KR" dirty="0" smtClean="0"/>
+              <a:t>[</a:t>
+            </a:r>
+            <a:r>
+              <a:rPr lang="en-US" altLang="ko-KR" dirty="0" err="1" smtClean="0">
+                <a:solidFill>
+                  <a:srgbClr val="FF0000"/>
+                </a:solidFill>
+              </a:rPr>
+              <a:t>acc</a:t>
+            </a:r>
+            <a:r>
+              <a:rPr lang="en-US" altLang="ko-KR" dirty="0" smtClean="0">
+                <a:solidFill>
+                  <a:srgbClr val="FF0000"/>
+                </a:solidFill>
+              </a:rPr>
+              <a:t>, </a:t>
+            </a:r>
+            <a:r>
+              <a:rPr lang="en-US" altLang="ko-KR" dirty="0" err="1">
+                <a:solidFill>
+                  <a:srgbClr val="FF0000"/>
+                </a:solidFill>
+              </a:rPr>
+              <a:t>sp</a:t>
+            </a:r>
+            <a:r>
+              <a:rPr lang="en-US" altLang="ko-KR" dirty="0"/>
+              <a:t>, </a:t>
+            </a:r>
+            <a:r>
+              <a:rPr lang="en-US" altLang="ko-KR" dirty="0" smtClean="0"/>
+              <a:t>SOC – 0.6, </a:t>
+            </a:r>
+            <a:r>
+              <a:rPr lang="en-US" altLang="ko-KR" dirty="0" err="1"/>
+              <a:t>j_min</a:t>
+            </a:r>
+            <a:r>
+              <a:rPr lang="en-US" altLang="ko-KR" dirty="0"/>
+              <a:t>, </a:t>
+            </a:r>
+            <a:r>
+              <a:rPr lang="en-US" altLang="ko-KR" dirty="0" err="1"/>
+              <a:t>j_max</a:t>
+            </a:r>
+            <a:r>
+              <a:rPr lang="en-US" altLang="ko-KR" dirty="0" smtClean="0"/>
+              <a:t>]</a:t>
+            </a:r>
+          </a:p>
+          <a:p>
+            <a:pPr marL="285750" indent="-285750">
+              <a:buFontTx/>
+              <a:buChar char="-"/>
+            </a:pPr>
+            <a:endParaRPr lang="en-US" altLang="ko-KR" dirty="0" smtClean="0"/>
+          </a:p>
+          <a:p>
+            <a:pPr lvl="1"/>
+            <a:endParaRPr lang="en-US" altLang="ko-KR" dirty="0" smtClean="0"/>
+          </a:p>
+        </p:txBody>
+      </p:sp>
+      <p:pic>
+        <p:nvPicPr>
+          <p:cNvPr id="3" name="그림 2"/>
+          <p:cNvPicPr>
+            <a:picLocks noChangeAspect="1"/>
+          </p:cNvPicPr>
+          <p:nvPr/>
+        </p:nvPicPr>
+        <p:blipFill>
+          <a:blip r:embed="rId2"/>
+          <a:stretch>
+            <a:fillRect/>
+          </a:stretch>
+        </p:blipFill>
+        <p:spPr>
+          <a:xfrm>
+            <a:off x="7946967" y="1797422"/>
+            <a:ext cx="3586508" cy="2717247"/>
+          </a:xfrm>
+          <a:prstGeom prst="rect">
+            <a:avLst/>
+          </a:prstGeom>
+        </p:spPr>
+      </p:pic>
+      <p:sp>
+        <p:nvSpPr>
+          <p:cNvPr id="5" name="TextBox 4"/>
+          <p:cNvSpPr txBox="1"/>
+          <p:nvPr/>
+        </p:nvSpPr>
+        <p:spPr>
+          <a:xfrm>
+            <a:off x="8711738" y="4621403"/>
+            <a:ext cx="3017520" cy="369332"/>
+          </a:xfrm>
+          <a:prstGeom prst="rect">
+            <a:avLst/>
+          </a:prstGeom>
+          <a:noFill/>
+        </p:spPr>
+        <p:txBody>
+          <a:bodyPr wrap="square" rtlCol="0">
+            <a:spAutoFit/>
+          </a:bodyPr>
+          <a:lstStyle/>
+          <a:p>
+            <a:r>
+              <a:rPr lang="en-US" altLang="ko-KR" dirty="0" smtClean="0"/>
+              <a:t>&lt;</a:t>
+            </a:r>
+            <a:r>
+              <a:rPr lang="ko-KR" altLang="en-US" dirty="0" err="1" smtClean="0"/>
+              <a:t>하이퍼파라미터</a:t>
+            </a:r>
+            <a:r>
+              <a:rPr lang="en-US" altLang="ko-KR" dirty="0" smtClean="0"/>
+              <a:t>&gt;</a:t>
+            </a:r>
+            <a:r>
+              <a:rPr lang="ko-KR" altLang="en-US" dirty="0" smtClean="0"/>
+              <a:t> </a:t>
+            </a:r>
+            <a:endParaRPr lang="ko-KR" altLang="en-US" dirty="0"/>
+          </a:p>
+        </p:txBody>
+      </p:sp>
+      <p:sp>
+        <p:nvSpPr>
+          <p:cNvPr id="6" name="TextBox 5"/>
+          <p:cNvSpPr txBox="1"/>
+          <p:nvPr/>
+        </p:nvSpPr>
+        <p:spPr>
+          <a:xfrm>
+            <a:off x="5971594" y="5376409"/>
+            <a:ext cx="1897501" cy="461665"/>
+          </a:xfrm>
+          <a:prstGeom prst="rect">
+            <a:avLst/>
+          </a:prstGeom>
+          <a:noFill/>
+        </p:spPr>
+        <p:txBody>
+          <a:bodyPr wrap="square" rtlCol="0">
+            <a:spAutoFit/>
+          </a:bodyPr>
+          <a:lstStyle/>
+          <a:p>
+            <a:r>
+              <a:rPr lang="ko-KR" altLang="en-US" sz="2400" b="1" dirty="0" err="1" smtClean="0">
+                <a:solidFill>
+                  <a:srgbClr val="FF0000"/>
+                </a:solidFill>
+              </a:rPr>
+              <a:t>성공적임</a:t>
+            </a:r>
+            <a:r>
+              <a:rPr lang="ko-KR" altLang="en-US" dirty="0" smtClean="0"/>
+              <a:t> </a:t>
+            </a:r>
+            <a:endParaRPr lang="ko-KR" altLang="en-US" dirty="0"/>
+          </a:p>
+        </p:txBody>
+      </p:sp>
+    </p:spTree>
+    <p:extLst>
+      <p:ext uri="{BB962C8B-B14F-4D97-AF65-F5344CB8AC3E}">
+        <p14:creationId xmlns:p14="http://schemas.microsoft.com/office/powerpoint/2010/main" val="968694079"/>
+      </p:ext>
+    </p:extLst>
+  </p:cSld>
+  <p:clrMapOvr>
+    <a:masterClrMapping/>
+  </p:clrMapOvr>
+</p:sld>
+</file>
+
+<file path=ppt/slides/slide11.xml><?xml version="1.0" encoding="utf-8"?>
+<p:sld xmlns:a="http://schemas.openxmlformats.org/drawingml/2006/main" xmlns:r="http://schemas.openxmlformats.org/officeDocument/2006/relationships" xmlns:p="http://schemas.openxmlformats.org/presentationml/2006/main">
+  <p:cSld>
+    <p:spTree>
+      <p:nvGrpSpPr>
+        <p:cNvPr id="1" name=""/>
+        <p:cNvGrpSpPr/>
+        <p:nvPr/>
+      </p:nvGrpSpPr>
+      <p:grpSpPr>
+        <a:xfrm>
+          <a:off x="0" y="0"/>
+          <a:ext cx="0" cy="0"/>
+          <a:chOff x="0" y="0"/>
+          <a:chExt cx="0" cy="0"/>
+        </a:xfrm>
+      </p:grpSpPr>
+      <p:sp>
+        <p:nvSpPr>
+          <p:cNvPr id="2" name="제목 1"/>
+          <p:cNvSpPr>
+            <a:spLocks noGrp="1"/>
+          </p:cNvSpPr>
+          <p:nvPr>
+            <p:ph type="title"/>
+          </p:nvPr>
+        </p:nvSpPr>
+        <p:spPr/>
+        <p:txBody>
+          <a:bodyPr/>
+          <a:lstStyle/>
+          <a:p>
+            <a:r>
+              <a:rPr lang="en-US" altLang="ko-KR" dirty="0" smtClean="0"/>
+              <a:t>DDQN</a:t>
+            </a:r>
+            <a:r>
+              <a:rPr lang="ko-KR" altLang="en-US" dirty="0" smtClean="0"/>
+              <a:t> </a:t>
+            </a:r>
+            <a:r>
+              <a:rPr lang="en-US" altLang="ko-KR" dirty="0" smtClean="0"/>
+              <a:t>3 – </a:t>
+            </a:r>
+            <a:r>
+              <a:rPr lang="ko-KR" altLang="en-US" dirty="0" smtClean="0"/>
+              <a:t>결과   </a:t>
+            </a:r>
+            <a:endParaRPr lang="ko-KR" altLang="en-US" dirty="0"/>
+          </a:p>
+        </p:txBody>
+      </p:sp>
+      <p:sp>
+        <p:nvSpPr>
+          <p:cNvPr id="4" name="TextBox 3"/>
+          <p:cNvSpPr txBox="1"/>
+          <p:nvPr/>
+        </p:nvSpPr>
+        <p:spPr>
+          <a:xfrm>
+            <a:off x="838200" y="1459832"/>
+            <a:ext cx="11000874" cy="4247317"/>
+          </a:xfrm>
+          <a:prstGeom prst="rect">
+            <a:avLst/>
+          </a:prstGeom>
+          <a:noFill/>
+        </p:spPr>
+        <p:txBody>
+          <a:bodyPr wrap="square" rtlCol="0">
+            <a:spAutoFit/>
+          </a:bodyPr>
+          <a:lstStyle/>
+          <a:p>
+            <a:pPr marL="285750" indent="-285750">
+              <a:buFontTx/>
+              <a:buChar char="-"/>
+            </a:pPr>
+            <a:r>
+              <a:rPr lang="ko-KR" altLang="en-US" b="1" dirty="0" smtClean="0">
+                <a:solidFill>
+                  <a:srgbClr val="FF0000"/>
+                </a:solidFill>
+              </a:rPr>
+              <a:t>다양한 </a:t>
+            </a:r>
+            <a:r>
+              <a:rPr lang="en-US" altLang="ko-KR" b="1" dirty="0" smtClean="0">
+                <a:solidFill>
+                  <a:srgbClr val="FF0000"/>
+                </a:solidFill>
+              </a:rPr>
+              <a:t>State</a:t>
+            </a:r>
+            <a:r>
+              <a:rPr lang="ko-KR" altLang="en-US" b="1" dirty="0" smtClean="0">
+                <a:solidFill>
+                  <a:srgbClr val="FF0000"/>
+                </a:solidFill>
+              </a:rPr>
+              <a:t>에 대한 실험을 진행함</a:t>
+            </a:r>
+            <a:endParaRPr lang="en-US" altLang="ko-KR" b="1" dirty="0" smtClean="0">
+              <a:solidFill>
+                <a:srgbClr val="FF0000"/>
+              </a:solidFill>
+            </a:endParaRPr>
+          </a:p>
+          <a:p>
+            <a:pPr marL="285750" indent="-285750">
+              <a:buFontTx/>
+              <a:buChar char="-"/>
+            </a:pPr>
+            <a:endParaRPr lang="en-US" altLang="ko-KR" b="1" dirty="0"/>
+          </a:p>
+          <a:p>
+            <a:pPr marL="285750" indent="-285750">
+              <a:buFontTx/>
+              <a:buChar char="-"/>
+            </a:pPr>
+            <a:r>
+              <a:rPr lang="en-US" altLang="ko-KR" b="1" dirty="0" smtClean="0"/>
+              <a:t>Env1 State:</a:t>
+            </a:r>
+          </a:p>
+          <a:p>
+            <a:pPr marL="742950" lvl="1" indent="-285750">
+              <a:buFontTx/>
+              <a:buChar char="-"/>
+            </a:pPr>
+            <a:r>
+              <a:rPr lang="en-US" altLang="ko-KR" dirty="0" smtClean="0"/>
+              <a:t>State:   [</a:t>
+            </a:r>
+            <a:r>
+              <a:rPr lang="en-US" altLang="ko-KR" dirty="0" err="1" smtClean="0">
+                <a:solidFill>
+                  <a:srgbClr val="FF0000"/>
+                </a:solidFill>
+              </a:rPr>
+              <a:t>power_out</a:t>
+            </a:r>
+            <a:r>
+              <a:rPr lang="en-US" altLang="ko-KR" dirty="0" smtClean="0">
+                <a:solidFill>
+                  <a:srgbClr val="FF0000"/>
+                </a:solidFill>
+              </a:rPr>
+              <a:t>/1000</a:t>
+            </a:r>
+            <a:r>
+              <a:rPr lang="en-US" altLang="ko-KR" dirty="0" smtClean="0"/>
+              <a:t>, SOC, </a:t>
+            </a:r>
+            <a:r>
+              <a:rPr lang="en-US" altLang="ko-KR" dirty="0" err="1" smtClean="0"/>
+              <a:t>j_min</a:t>
+            </a:r>
+            <a:r>
+              <a:rPr lang="en-US" altLang="ko-KR" dirty="0" smtClean="0"/>
+              <a:t>, </a:t>
+            </a:r>
+            <a:r>
+              <a:rPr lang="en-US" altLang="ko-KR" dirty="0" err="1" smtClean="0"/>
+              <a:t>j_max</a:t>
+            </a:r>
+            <a:r>
+              <a:rPr lang="en-US" altLang="ko-KR" dirty="0" smtClean="0"/>
+              <a:t>]</a:t>
+            </a:r>
+          </a:p>
+          <a:p>
+            <a:pPr marL="742950" lvl="1" indent="-285750">
+              <a:buFontTx/>
+              <a:buChar char="-"/>
+            </a:pPr>
+            <a:endParaRPr lang="en-US" altLang="ko-KR" dirty="0" smtClean="0"/>
+          </a:p>
+          <a:p>
+            <a:pPr marL="285750" indent="-285750">
+              <a:buFontTx/>
+              <a:buChar char="-"/>
+            </a:pPr>
+            <a:r>
+              <a:rPr lang="en-US" altLang="ko-KR" b="1" dirty="0" smtClean="0"/>
+              <a:t>Env2 </a:t>
+            </a:r>
+            <a:r>
+              <a:rPr lang="en-US" altLang="ko-KR" b="1" dirty="0"/>
+              <a:t>State:</a:t>
+            </a:r>
+          </a:p>
+          <a:p>
+            <a:pPr marL="742950" lvl="1" indent="-285750">
+              <a:buFontTx/>
+              <a:buChar char="-"/>
+            </a:pPr>
+            <a:r>
+              <a:rPr lang="en-US" altLang="ko-KR" dirty="0"/>
+              <a:t>State:   </a:t>
+            </a:r>
+            <a:r>
+              <a:rPr lang="en-US" altLang="ko-KR" dirty="0" smtClean="0"/>
+              <a:t>[</a:t>
+            </a:r>
+            <a:r>
+              <a:rPr lang="en-US" altLang="ko-KR" dirty="0" err="1" smtClean="0">
+                <a:solidFill>
+                  <a:srgbClr val="FF0000"/>
+                </a:solidFill>
+              </a:rPr>
+              <a:t>tq</a:t>
+            </a:r>
+            <a:r>
+              <a:rPr lang="en-US" altLang="ko-KR" dirty="0" smtClean="0">
+                <a:solidFill>
+                  <a:srgbClr val="FF0000"/>
+                </a:solidFill>
+              </a:rPr>
+              <a:t>, </a:t>
+            </a:r>
+            <a:r>
+              <a:rPr lang="en-US" altLang="ko-KR" dirty="0" err="1" smtClean="0">
+                <a:solidFill>
+                  <a:srgbClr val="FF0000"/>
+                </a:solidFill>
+              </a:rPr>
+              <a:t>sp</a:t>
+            </a:r>
+            <a:r>
+              <a:rPr lang="en-US" altLang="ko-KR" dirty="0" smtClean="0"/>
+              <a:t>, </a:t>
+            </a:r>
+            <a:r>
+              <a:rPr lang="en-US" altLang="ko-KR" dirty="0"/>
+              <a:t>SOC, </a:t>
+            </a:r>
+            <a:r>
+              <a:rPr lang="en-US" altLang="ko-KR" dirty="0" err="1"/>
+              <a:t>j_min</a:t>
+            </a:r>
+            <a:r>
+              <a:rPr lang="en-US" altLang="ko-KR" dirty="0"/>
+              <a:t>, </a:t>
+            </a:r>
+            <a:r>
+              <a:rPr lang="en-US" altLang="ko-KR" dirty="0" err="1"/>
+              <a:t>j_max</a:t>
+            </a:r>
+            <a:r>
+              <a:rPr lang="en-US" altLang="ko-KR" dirty="0"/>
+              <a:t>]</a:t>
+            </a:r>
+          </a:p>
+          <a:p>
+            <a:pPr marL="285750" indent="-285750">
+              <a:buFontTx/>
+              <a:buChar char="-"/>
+            </a:pPr>
+            <a:endParaRPr lang="en-US" altLang="ko-KR" dirty="0" smtClean="0"/>
+          </a:p>
+          <a:p>
+            <a:pPr marL="285750" indent="-285750">
+              <a:buFontTx/>
+              <a:buChar char="-"/>
+            </a:pPr>
+            <a:r>
+              <a:rPr lang="en-US" altLang="ko-KR" b="1" dirty="0" smtClean="0"/>
+              <a:t>Env3 </a:t>
+            </a:r>
+            <a:r>
+              <a:rPr lang="en-US" altLang="ko-KR" b="1" dirty="0"/>
+              <a:t>State:</a:t>
+            </a:r>
+          </a:p>
+          <a:p>
+            <a:pPr marL="742950" lvl="1" indent="-285750">
+              <a:buFontTx/>
+              <a:buChar char="-"/>
+            </a:pPr>
+            <a:r>
+              <a:rPr lang="en-US" altLang="ko-KR" dirty="0"/>
+              <a:t>State:   </a:t>
+            </a:r>
+            <a:r>
+              <a:rPr lang="en-US" altLang="ko-KR" dirty="0" smtClean="0"/>
+              <a:t>[</a:t>
+            </a:r>
+            <a:r>
+              <a:rPr lang="en-US" altLang="ko-KR" dirty="0" err="1" smtClean="0">
+                <a:solidFill>
+                  <a:srgbClr val="FF0000"/>
+                </a:solidFill>
+              </a:rPr>
+              <a:t>acc</a:t>
+            </a:r>
+            <a:r>
+              <a:rPr lang="en-US" altLang="ko-KR" dirty="0" smtClean="0">
+                <a:solidFill>
+                  <a:srgbClr val="FF0000"/>
+                </a:solidFill>
+              </a:rPr>
+              <a:t>, </a:t>
+            </a:r>
+            <a:r>
+              <a:rPr lang="en-US" altLang="ko-KR" dirty="0" err="1">
+                <a:solidFill>
+                  <a:srgbClr val="FF0000"/>
+                </a:solidFill>
+              </a:rPr>
+              <a:t>sp</a:t>
+            </a:r>
+            <a:r>
+              <a:rPr lang="en-US" altLang="ko-KR" dirty="0"/>
+              <a:t>, SOC, </a:t>
+            </a:r>
+            <a:r>
+              <a:rPr lang="en-US" altLang="ko-KR" dirty="0" err="1"/>
+              <a:t>j_min</a:t>
+            </a:r>
+            <a:r>
+              <a:rPr lang="en-US" altLang="ko-KR" dirty="0"/>
+              <a:t>, </a:t>
+            </a:r>
+            <a:r>
+              <a:rPr lang="en-US" altLang="ko-KR" dirty="0" err="1"/>
+              <a:t>j_max</a:t>
+            </a:r>
+            <a:r>
+              <a:rPr lang="en-US" altLang="ko-KR" dirty="0"/>
+              <a:t>]</a:t>
+            </a:r>
+          </a:p>
+          <a:p>
+            <a:pPr marL="285750" indent="-285750">
+              <a:buFontTx/>
+              <a:buChar char="-"/>
+            </a:pPr>
+            <a:endParaRPr lang="en-US" altLang="ko-KR" dirty="0" smtClean="0"/>
+          </a:p>
+          <a:p>
+            <a:pPr marL="285750" indent="-285750">
+              <a:buFontTx/>
+              <a:buChar char="-"/>
+            </a:pPr>
+            <a:r>
+              <a:rPr lang="en-US" altLang="ko-KR" b="1" dirty="0" smtClean="0"/>
+              <a:t>Env4 </a:t>
+            </a:r>
+            <a:r>
+              <a:rPr lang="en-US" altLang="ko-KR" b="1" dirty="0"/>
+              <a:t>State:</a:t>
+            </a:r>
+          </a:p>
+          <a:p>
+            <a:pPr marL="742950" lvl="1" indent="-285750">
+              <a:buFontTx/>
+              <a:buChar char="-"/>
+            </a:pPr>
+            <a:r>
+              <a:rPr lang="en-US" altLang="ko-KR" dirty="0"/>
+              <a:t>State:   </a:t>
+            </a:r>
+            <a:r>
+              <a:rPr lang="en-US" altLang="ko-KR" dirty="0" smtClean="0"/>
+              <a:t>[</a:t>
+            </a:r>
+            <a:r>
+              <a:rPr lang="en-US" altLang="ko-KR" dirty="0" err="1" smtClean="0">
+                <a:solidFill>
+                  <a:srgbClr val="FF0000"/>
+                </a:solidFill>
+              </a:rPr>
+              <a:t>acc</a:t>
+            </a:r>
+            <a:r>
+              <a:rPr lang="en-US" altLang="ko-KR" dirty="0" smtClean="0">
+                <a:solidFill>
+                  <a:srgbClr val="FF0000"/>
+                </a:solidFill>
+              </a:rPr>
+              <a:t>, </a:t>
+            </a:r>
+            <a:r>
+              <a:rPr lang="en-US" altLang="ko-KR" dirty="0" err="1">
+                <a:solidFill>
+                  <a:srgbClr val="FF0000"/>
+                </a:solidFill>
+              </a:rPr>
+              <a:t>sp</a:t>
+            </a:r>
+            <a:r>
+              <a:rPr lang="en-US" altLang="ko-KR" dirty="0"/>
+              <a:t>, </a:t>
+            </a:r>
+            <a:r>
+              <a:rPr lang="en-US" altLang="ko-KR" dirty="0" smtClean="0"/>
+              <a:t>SOC – 0.6, </a:t>
+            </a:r>
+            <a:r>
+              <a:rPr lang="en-US" altLang="ko-KR" dirty="0" err="1"/>
+              <a:t>j_min</a:t>
+            </a:r>
+            <a:r>
+              <a:rPr lang="en-US" altLang="ko-KR" dirty="0"/>
+              <a:t>, </a:t>
+            </a:r>
+            <a:r>
+              <a:rPr lang="en-US" altLang="ko-KR" dirty="0" err="1"/>
+              <a:t>j_max</a:t>
+            </a:r>
+            <a:r>
+              <a:rPr lang="en-US" altLang="ko-KR" dirty="0" smtClean="0"/>
+              <a:t>]</a:t>
+            </a:r>
+          </a:p>
+          <a:p>
+            <a:pPr marL="285750" indent="-285750">
+              <a:buFontTx/>
+              <a:buChar char="-"/>
+            </a:pPr>
+            <a:endParaRPr lang="en-US" altLang="ko-KR" dirty="0" smtClean="0"/>
+          </a:p>
+          <a:p>
+            <a:pPr lvl="1"/>
+            <a:endParaRPr lang="en-US" altLang="ko-KR" dirty="0" smtClean="0"/>
+          </a:p>
+        </p:txBody>
+      </p:sp>
+      <p:sp>
+        <p:nvSpPr>
+          <p:cNvPr id="6" name="TextBox 5"/>
+          <p:cNvSpPr txBox="1"/>
+          <p:nvPr/>
+        </p:nvSpPr>
+        <p:spPr>
+          <a:xfrm>
+            <a:off x="1891963" y="5548734"/>
+            <a:ext cx="8463422" cy="646331"/>
+          </a:xfrm>
+          <a:prstGeom prst="rect">
+            <a:avLst/>
+          </a:prstGeom>
+          <a:noFill/>
+        </p:spPr>
+        <p:txBody>
+          <a:bodyPr wrap="square" rtlCol="0">
+            <a:spAutoFit/>
+          </a:bodyPr>
+          <a:lstStyle/>
+          <a:p>
+            <a:r>
+              <a:rPr lang="en-US" altLang="ko-KR" dirty="0" err="1" smtClean="0">
+                <a:solidFill>
+                  <a:srgbClr val="FF0000"/>
+                </a:solidFill>
+              </a:rPr>
+              <a:t>Tq</a:t>
+            </a:r>
+            <a:r>
+              <a:rPr lang="en-US" altLang="ko-KR" dirty="0" smtClean="0">
+                <a:solidFill>
+                  <a:srgbClr val="FF0000"/>
+                </a:solidFill>
+              </a:rPr>
+              <a:t>, </a:t>
+            </a:r>
+            <a:r>
+              <a:rPr lang="en-US" altLang="ko-KR" dirty="0" err="1" smtClean="0">
+                <a:solidFill>
+                  <a:srgbClr val="FF0000"/>
+                </a:solidFill>
+              </a:rPr>
+              <a:t>sp</a:t>
+            </a:r>
+            <a:r>
+              <a:rPr lang="ko-KR" altLang="en-US" dirty="0" smtClean="0">
+                <a:solidFill>
+                  <a:srgbClr val="FF0000"/>
+                </a:solidFill>
+              </a:rPr>
+              <a:t>를 사용하는 것 아니면 모두 유효할 것으로 보임</a:t>
+            </a:r>
+            <a:r>
+              <a:rPr lang="en-US" altLang="ko-KR" dirty="0" smtClean="0">
+                <a:solidFill>
+                  <a:srgbClr val="FF0000"/>
+                </a:solidFill>
+              </a:rPr>
+              <a:t>. </a:t>
+            </a:r>
+          </a:p>
+          <a:p>
+            <a:r>
+              <a:rPr lang="en-US" altLang="ko-KR" b="1" dirty="0" smtClean="0">
+                <a:solidFill>
+                  <a:srgbClr val="FF0000"/>
+                </a:solidFill>
+              </a:rPr>
+              <a:t>SOC</a:t>
+            </a:r>
+            <a:r>
+              <a:rPr lang="ko-KR" altLang="en-US" b="1" dirty="0" smtClean="0">
+                <a:solidFill>
+                  <a:srgbClr val="FF0000"/>
+                </a:solidFill>
+              </a:rPr>
+              <a:t>는 </a:t>
+            </a:r>
+            <a:r>
+              <a:rPr lang="en-US" altLang="ko-KR" b="1" dirty="0" smtClean="0">
+                <a:solidFill>
+                  <a:srgbClr val="FF0000"/>
+                </a:solidFill>
+              </a:rPr>
+              <a:t>SOC </a:t>
+            </a:r>
+            <a:r>
+              <a:rPr lang="ko-KR" altLang="en-US" b="1" dirty="0" smtClean="0">
+                <a:solidFill>
+                  <a:srgbClr val="FF0000"/>
+                </a:solidFill>
+              </a:rPr>
+              <a:t>절대값을 사용하는 것 보단 </a:t>
+            </a:r>
+            <a:r>
+              <a:rPr lang="en-US" altLang="ko-KR" b="1" dirty="0" smtClean="0">
+                <a:solidFill>
+                  <a:srgbClr val="FF0000"/>
+                </a:solidFill>
+              </a:rPr>
+              <a:t>SOC-0.6</a:t>
+            </a:r>
+            <a:r>
+              <a:rPr lang="ko-KR" altLang="en-US" b="1" dirty="0" smtClean="0">
+                <a:solidFill>
+                  <a:srgbClr val="FF0000"/>
+                </a:solidFill>
+              </a:rPr>
+              <a:t>을 사용하는 것이 좋은 듯 </a:t>
+            </a:r>
+            <a:r>
+              <a:rPr lang="en-US" altLang="ko-KR" b="1" dirty="0" smtClean="0">
+                <a:solidFill>
+                  <a:srgbClr val="FF0000"/>
+                </a:solidFill>
+              </a:rPr>
+              <a:t>… </a:t>
+            </a:r>
+            <a:r>
+              <a:rPr lang="ko-KR" altLang="en-US" b="1" dirty="0" smtClean="0">
+                <a:solidFill>
+                  <a:srgbClr val="FF0000"/>
+                </a:solidFill>
+              </a:rPr>
+              <a:t>   </a:t>
+            </a:r>
+            <a:endParaRPr lang="ko-KR" altLang="en-US" b="1" dirty="0">
+              <a:solidFill>
+                <a:srgbClr val="FF0000"/>
+              </a:solidFill>
+            </a:endParaRPr>
+          </a:p>
+        </p:txBody>
+      </p:sp>
+      <p:pic>
+        <p:nvPicPr>
+          <p:cNvPr id="7" name="그림 6"/>
+          <p:cNvPicPr>
+            <a:picLocks noChangeAspect="1"/>
+          </p:cNvPicPr>
+          <p:nvPr/>
+        </p:nvPicPr>
+        <p:blipFill>
+          <a:blip r:embed="rId2">
+            <a:extLst>
+              <a:ext uri="{28A0092B-C50C-407E-A947-70E740481C1C}">
+                <a14:useLocalDpi xmlns:a14="http://schemas.microsoft.com/office/drawing/2010/main" val="0"/>
+              </a:ext>
+            </a:extLst>
+          </a:blip>
+          <a:stretch>
+            <a:fillRect/>
+          </a:stretch>
+        </p:blipFill>
+        <p:spPr>
+          <a:xfrm>
+            <a:off x="7784123" y="203200"/>
+            <a:ext cx="3709232" cy="2472821"/>
+          </a:xfrm>
+          <a:prstGeom prst="rect">
+            <a:avLst/>
+          </a:prstGeom>
+        </p:spPr>
+      </p:pic>
+      <p:pic>
+        <p:nvPicPr>
+          <p:cNvPr id="3" name="그림 2"/>
+          <p:cNvPicPr>
+            <a:picLocks noChangeAspect="1"/>
+          </p:cNvPicPr>
+          <p:nvPr/>
+        </p:nvPicPr>
+        <p:blipFill>
+          <a:blip r:embed="rId3">
+            <a:extLst>
+              <a:ext uri="{28A0092B-C50C-407E-A947-70E740481C1C}">
+                <a14:useLocalDpi xmlns:a14="http://schemas.microsoft.com/office/drawing/2010/main" val="0"/>
+              </a:ext>
+            </a:extLst>
+          </a:blip>
+          <a:stretch>
+            <a:fillRect/>
+          </a:stretch>
+        </p:blipFill>
+        <p:spPr>
+          <a:xfrm>
+            <a:off x="7784123" y="2528559"/>
+            <a:ext cx="3709232" cy="2472821"/>
+          </a:xfrm>
+          <a:prstGeom prst="rect">
+            <a:avLst/>
+          </a:prstGeom>
+        </p:spPr>
+      </p:pic>
+    </p:spTree>
+    <p:extLst>
+      <p:ext uri="{BB962C8B-B14F-4D97-AF65-F5344CB8AC3E}">
+        <p14:creationId xmlns:p14="http://schemas.microsoft.com/office/powerpoint/2010/main" val="244251831"/>
+      </p:ext>
+    </p:extLst>
+  </p:cSld>
+  <p:clrMapOvr>
+    <a:masterClrMapping/>
+  </p:clrMapOvr>
+</p:sld>
+</file>
+
+<file path=ppt/slides/slide12.xml><?xml version="1.0" encoding="utf-8"?>
+<p:sld xmlns:a="http://schemas.openxmlformats.org/drawingml/2006/main" xmlns:r="http://schemas.openxmlformats.org/officeDocument/2006/relationships" xmlns:p="http://schemas.openxmlformats.org/presentationml/2006/main">
+  <p:cSld>
+    <p:spTree>
+      <p:nvGrpSpPr>
+        <p:cNvPr id="1" name=""/>
+        <p:cNvGrpSpPr/>
+        <p:nvPr/>
+      </p:nvGrpSpPr>
+      <p:grpSpPr>
+        <a:xfrm>
+          <a:off x="0" y="0"/>
+          <a:ext cx="0" cy="0"/>
+          <a:chOff x="0" y="0"/>
+          <a:chExt cx="0" cy="0"/>
+        </a:xfrm>
+      </p:grpSpPr>
+      <p:sp>
+        <p:nvSpPr>
+          <p:cNvPr id="2" name="제목 1"/>
+          <p:cNvSpPr>
+            <a:spLocks noGrp="1"/>
+          </p:cNvSpPr>
+          <p:nvPr>
+            <p:ph type="title"/>
+          </p:nvPr>
+        </p:nvSpPr>
+        <p:spPr/>
+        <p:txBody>
+          <a:bodyPr/>
+          <a:lstStyle/>
+          <a:p>
+            <a:r>
+              <a:rPr lang="en-US" altLang="ko-KR" dirty="0" smtClean="0"/>
+              <a:t>DDQN</a:t>
+            </a:r>
+            <a:r>
+              <a:rPr lang="ko-KR" altLang="en-US" dirty="0" smtClean="0"/>
+              <a:t> </a:t>
+            </a:r>
+            <a:r>
               <a:rPr lang="en-US" altLang="ko-KR" dirty="0" smtClean="0"/>
               <a:t>3_ver2 </a:t>
             </a:r>
@@ -3374,8 +4561,8 @@
         </p:nvSpPr>
         <p:spPr>
           <a:xfrm>
-            <a:off x="1484640" y="4883716"/>
-            <a:ext cx="4018386" cy="369332"/>
+            <a:off x="1484639" y="4883716"/>
+            <a:ext cx="5657565" cy="369332"/>
           </a:xfrm>
           <a:prstGeom prst="rect">
             <a:avLst/>
@@ -3402,7 +4589,7 @@
                   <a:srgbClr val="FF0000"/>
                 </a:solidFill>
               </a:rPr>
-              <a:t>이 필수적인 요소임 </a:t>
+              <a:t>이 필수적인 요소임으로 결론을 내자  </a:t>
             </a:r>
             <a:endParaRPr lang="ko-KR" altLang="en-US" b="1" dirty="0">
               <a:solidFill>
@@ -3425,7 +4612,7 @@
 </p:sld>
 </file>
 
-<file path=ppt/slides/slide11.xml><?xml version="1.0" encoding="utf-8"?>
+<file path=ppt/slides/slide13.xml><?xml version="1.0" encoding="utf-8"?>
 <p:sld xmlns:a="http://schemas.openxmlformats.org/drawingml/2006/main" xmlns:r="http://schemas.openxmlformats.org/officeDocument/2006/relationships" xmlns:p="http://schemas.openxmlformats.org/presentationml/2006/main">
   <p:cSld>
     <p:spTree>
@@ -4079,7 +5266,7 @@
 </p:sld>
 </file>
 
-<file path=ppt/slides/slide12.xml><?xml version="1.0" encoding="utf-8"?>
+<file path=ppt/slides/slide14.xml><?xml version="1.0" encoding="utf-8"?>
 <p:sld xmlns:a="http://schemas.openxmlformats.org/drawingml/2006/main" xmlns:r="http://schemas.openxmlformats.org/officeDocument/2006/relationships" xmlns:p="http://schemas.openxmlformats.org/presentationml/2006/main">
   <p:cSld>
     <p:spTree>
@@ -4861,7 +6048,7 @@
 </p:sld>
 </file>
 
-<file path=ppt/slides/slide13.xml><?xml version="1.0" encoding="utf-8"?>
+<file path=ppt/slides/slide15.xml><?xml version="1.0" encoding="utf-8"?>
 <p:sld xmlns:a="http://schemas.openxmlformats.org/drawingml/2006/main" xmlns:r="http://schemas.openxmlformats.org/officeDocument/2006/relationships" xmlns:p="http://schemas.openxmlformats.org/presentationml/2006/main">
   <p:cSld>
     <p:spTree>
@@ -5527,7 +6714,7 @@
 </p:sld>
 </file>
 
-<file path=ppt/slides/slide14.xml><?xml version="1.0" encoding="utf-8"?>
+<file path=ppt/slides/slide16.xml><?xml version="1.0" encoding="utf-8"?>
 <p:sld xmlns:a="http://schemas.openxmlformats.org/drawingml/2006/main" xmlns:r="http://schemas.openxmlformats.org/officeDocument/2006/relationships" xmlns:p="http://schemas.openxmlformats.org/presentationml/2006/main">
   <p:cSld>
     <p:spTree>
@@ -5772,7 +6959,7 @@
 </p:sld>
 </file>
 
-<file path=ppt/slides/slide15.xml><?xml version="1.0" encoding="utf-8"?>
+<file path=ppt/slides/slide17.xml><?xml version="1.0" encoding="utf-8"?>
 <p:sld xmlns:a="http://schemas.openxmlformats.org/drawingml/2006/main" xmlns:r="http://schemas.openxmlformats.org/officeDocument/2006/relationships" xmlns:p="http://schemas.openxmlformats.org/presentationml/2006/main">
   <p:cSld>
     <p:spTree>
@@ -6608,1542 +7795,6 @@
 </p:sld>
 </file>
 
-<file path=ppt/slides/slide16.xml><?xml version="1.0" encoding="utf-8"?>
-<p:sld xmlns:a="http://schemas.openxmlformats.org/drawingml/2006/main" xmlns:r="http://schemas.openxmlformats.org/officeDocument/2006/relationships" xmlns:p="http://schemas.openxmlformats.org/presentationml/2006/main">
-  <p:cSld>
-    <p:spTree>
-      <p:nvGrpSpPr>
-        <p:cNvPr id="1" name=""/>
-        <p:cNvGrpSpPr/>
-        <p:nvPr/>
-      </p:nvGrpSpPr>
-      <p:grpSpPr>
-        <a:xfrm>
-          <a:off x="0" y="0"/>
-          <a:ext cx="0" cy="0"/>
-          <a:chOff x="0" y="0"/>
-          <a:chExt cx="0" cy="0"/>
-        </a:xfrm>
-      </p:grpSpPr>
-      <p:sp>
-        <p:nvSpPr>
-          <p:cNvPr id="2" name="제목 1"/>
-          <p:cNvSpPr>
-            <a:spLocks noGrp="1"/>
-          </p:cNvSpPr>
-          <p:nvPr>
-            <p:ph type="title"/>
-          </p:nvPr>
-        </p:nvSpPr>
-        <p:spPr/>
-        <p:txBody>
-          <a:bodyPr/>
-          <a:lstStyle/>
-          <a:p>
-            <a:r>
-              <a:rPr lang="en-US" altLang="ko-KR" dirty="0" smtClean="0"/>
-              <a:t>DDPG</a:t>
-            </a:r>
-            <a:r>
-              <a:rPr lang="ko-KR" altLang="en-US" dirty="0" smtClean="0"/>
-              <a:t> </a:t>
-            </a:r>
-            <a:r>
-              <a:rPr lang="en-US" altLang="ko-KR" dirty="0" smtClean="0"/>
-              <a:t>5_ver2 </a:t>
-            </a:r>
-            <a:r>
-              <a:rPr lang="ko-KR" altLang="en-US" dirty="0" smtClean="0"/>
-              <a:t>  </a:t>
-            </a:r>
-            <a:endParaRPr lang="ko-KR" altLang="en-US" dirty="0"/>
-          </a:p>
-        </p:txBody>
-      </p:sp>
-      <p:sp>
-        <p:nvSpPr>
-          <p:cNvPr id="4" name="TextBox 3"/>
-          <p:cNvSpPr txBox="1"/>
-          <p:nvPr/>
-        </p:nvSpPr>
-        <p:spPr>
-          <a:xfrm>
-            <a:off x="838200" y="1484771"/>
-            <a:ext cx="11000874" cy="5078313"/>
-          </a:xfrm>
-          <a:prstGeom prst="rect">
-            <a:avLst/>
-          </a:prstGeom>
-          <a:noFill/>
-        </p:spPr>
-        <p:txBody>
-          <a:bodyPr wrap="square" rtlCol="0">
-            <a:spAutoFit/>
-          </a:bodyPr>
-          <a:lstStyle/>
-          <a:p>
-            <a:pPr marL="285750" indent="-285750">
-              <a:buFontTx/>
-              <a:buChar char="-"/>
-            </a:pPr>
-            <a:r>
-              <a:rPr lang="en-US" altLang="ko-KR" b="1" dirty="0" smtClean="0">
-                <a:solidFill>
-                  <a:srgbClr val="FF0000"/>
-                </a:solidFill>
-              </a:rPr>
-              <a:t>Replay memory</a:t>
-            </a:r>
-            <a:r>
-              <a:rPr lang="ko-KR" altLang="en-US" b="1" dirty="0" smtClean="0">
-                <a:solidFill>
-                  <a:srgbClr val="FF0000"/>
-                </a:solidFill>
-              </a:rPr>
-              <a:t>에서 </a:t>
-            </a:r>
-            <a:r>
-              <a:rPr lang="en-US" altLang="ko-KR" b="1" dirty="0" smtClean="0">
-                <a:solidFill>
-                  <a:srgbClr val="FF0000"/>
-                </a:solidFill>
-              </a:rPr>
-              <a:t>experiments</a:t>
-            </a:r>
-            <a:r>
-              <a:rPr lang="ko-KR" altLang="en-US" b="1" dirty="0" smtClean="0">
-                <a:solidFill>
-                  <a:srgbClr val="FF0000"/>
-                </a:solidFill>
-              </a:rPr>
-              <a:t>를 </a:t>
-            </a:r>
-            <a:r>
-              <a:rPr lang="en-US" altLang="ko-KR" b="1" dirty="0" smtClean="0">
-                <a:solidFill>
-                  <a:srgbClr val="FF0000"/>
-                </a:solidFill>
-              </a:rPr>
-              <a:t>normalization</a:t>
-            </a:r>
-            <a:r>
-              <a:rPr lang="ko-KR" altLang="en-US" b="1" dirty="0" smtClean="0">
-                <a:solidFill>
-                  <a:srgbClr val="FF0000"/>
-                </a:solidFill>
-              </a:rPr>
-              <a:t>하는 방식을 활용하기 </a:t>
-            </a:r>
-            <a:endParaRPr lang="en-US" altLang="ko-KR" b="1" dirty="0" smtClean="0">
-              <a:solidFill>
-                <a:srgbClr val="FF0000"/>
-              </a:solidFill>
-            </a:endParaRPr>
-          </a:p>
-          <a:p>
-            <a:pPr marL="285750" indent="-285750">
-              <a:buFontTx/>
-              <a:buChar char="-"/>
-            </a:pPr>
-            <a:endParaRPr lang="en-US" altLang="ko-KR" b="1" dirty="0"/>
-          </a:p>
-          <a:p>
-            <a:pPr marL="285750" indent="-285750">
-              <a:buFontTx/>
-              <a:buChar char="-"/>
-            </a:pPr>
-            <a:r>
-              <a:rPr lang="en-US" altLang="ko-KR" b="1" dirty="0"/>
-              <a:t>Env1 State:</a:t>
-            </a:r>
-          </a:p>
-          <a:p>
-            <a:pPr marL="742950" lvl="1" indent="-285750">
-              <a:buFontTx/>
-              <a:buChar char="-"/>
-            </a:pPr>
-            <a:r>
-              <a:rPr lang="en-US" altLang="ko-KR" dirty="0"/>
-              <a:t>State:   [</a:t>
-            </a:r>
-            <a:r>
-              <a:rPr lang="en-US" altLang="ko-KR" dirty="0" err="1">
-                <a:solidFill>
-                  <a:srgbClr val="FF0000"/>
-                </a:solidFill>
-              </a:rPr>
-              <a:t>power_out</a:t>
-            </a:r>
-            <a:r>
-              <a:rPr lang="en-US" altLang="ko-KR" dirty="0">
-                <a:solidFill>
-                  <a:srgbClr val="FF0000"/>
-                </a:solidFill>
-              </a:rPr>
-              <a:t>/1000</a:t>
-            </a:r>
-            <a:r>
-              <a:rPr lang="en-US" altLang="ko-KR" dirty="0"/>
-              <a:t>, SOC - 0.6, </a:t>
-            </a:r>
-            <a:r>
-              <a:rPr lang="en-US" altLang="ko-KR" dirty="0" err="1"/>
-              <a:t>j_min</a:t>
-            </a:r>
-            <a:r>
-              <a:rPr lang="en-US" altLang="ko-KR" dirty="0"/>
-              <a:t>, </a:t>
-            </a:r>
-            <a:r>
-              <a:rPr lang="en-US" altLang="ko-KR" dirty="0" err="1"/>
-              <a:t>j_max</a:t>
-            </a:r>
-            <a:r>
-              <a:rPr lang="en-US" altLang="ko-KR" dirty="0" smtClean="0"/>
-              <a:t>]</a:t>
-            </a:r>
-          </a:p>
-          <a:p>
-            <a:pPr marL="742950" lvl="1" indent="-285750">
-              <a:buFontTx/>
-              <a:buChar char="-"/>
-            </a:pPr>
-            <a:r>
-              <a:rPr lang="en-US" altLang="ko-KR" dirty="0" err="1" smtClean="0"/>
-              <a:t>power_out</a:t>
-            </a:r>
-            <a:r>
-              <a:rPr lang="ko-KR" altLang="en-US" dirty="0" smtClean="0"/>
-              <a:t>에 대해</a:t>
-            </a:r>
-            <a:r>
-              <a:rPr lang="en-US" altLang="ko-KR" dirty="0" smtClean="0"/>
-              <a:t> min-max normalization_ver2 </a:t>
-            </a:r>
-            <a:r>
-              <a:rPr lang="ko-KR" altLang="en-US" dirty="0" smtClean="0"/>
-              <a:t>적용 </a:t>
-            </a:r>
-            <a:endParaRPr lang="en-US" altLang="ko-KR" dirty="0"/>
-          </a:p>
-          <a:p>
-            <a:pPr marL="742950" lvl="1" indent="-285750">
-              <a:buFontTx/>
-              <a:buChar char="-"/>
-            </a:pPr>
-            <a:r>
-              <a:rPr lang="en-US" altLang="ko-KR" dirty="0" smtClean="0"/>
-              <a:t>[]</a:t>
-            </a:r>
-            <a:endParaRPr lang="en-US" altLang="ko-KR" dirty="0"/>
-          </a:p>
-          <a:p>
-            <a:pPr marL="285750" indent="-285750">
-              <a:buFontTx/>
-              <a:buChar char="-"/>
-            </a:pPr>
-            <a:r>
-              <a:rPr lang="en-US" altLang="ko-KR" b="1" dirty="0" smtClean="0"/>
-              <a:t>Env2 </a:t>
-            </a:r>
-            <a:r>
-              <a:rPr lang="en-US" altLang="ko-KR" b="1" dirty="0"/>
-              <a:t>State:</a:t>
-            </a:r>
-          </a:p>
-          <a:p>
-            <a:pPr marL="742950" lvl="1" indent="-285750">
-              <a:buFontTx/>
-              <a:buChar char="-"/>
-            </a:pPr>
-            <a:r>
-              <a:rPr lang="en-US" altLang="ko-KR" dirty="0"/>
-              <a:t>State:   [</a:t>
-            </a:r>
-            <a:r>
-              <a:rPr lang="en-US" altLang="ko-KR" dirty="0" err="1">
-                <a:solidFill>
-                  <a:srgbClr val="FF0000"/>
-                </a:solidFill>
-              </a:rPr>
-              <a:t>power_out</a:t>
-            </a:r>
-            <a:r>
-              <a:rPr lang="en-US" altLang="ko-KR" dirty="0">
-                <a:solidFill>
-                  <a:srgbClr val="FF0000"/>
-                </a:solidFill>
-              </a:rPr>
-              <a:t>/1000</a:t>
-            </a:r>
-            <a:r>
-              <a:rPr lang="en-US" altLang="ko-KR" dirty="0"/>
-              <a:t>, SOC - 0.6, </a:t>
-            </a:r>
-            <a:r>
-              <a:rPr lang="en-US" altLang="ko-KR" dirty="0" err="1"/>
-              <a:t>j_min</a:t>
-            </a:r>
-            <a:r>
-              <a:rPr lang="en-US" altLang="ko-KR" dirty="0"/>
-              <a:t>, </a:t>
-            </a:r>
-            <a:r>
-              <a:rPr lang="en-US" altLang="ko-KR" dirty="0" err="1"/>
-              <a:t>j_max</a:t>
-            </a:r>
-            <a:r>
-              <a:rPr lang="en-US" altLang="ko-KR" dirty="0"/>
-              <a:t>]</a:t>
-            </a:r>
-          </a:p>
-          <a:p>
-            <a:pPr marL="742950" lvl="1" indent="-285750">
-              <a:buFontTx/>
-              <a:buChar char="-"/>
-            </a:pPr>
-            <a:r>
-              <a:rPr lang="ko-KR" altLang="en-US" dirty="0" smtClean="0"/>
-              <a:t>모든 </a:t>
-            </a:r>
-            <a:r>
-              <a:rPr lang="en-US" altLang="ko-KR" dirty="0" smtClean="0"/>
-              <a:t>Feature</a:t>
-            </a:r>
-            <a:r>
-              <a:rPr lang="ko-KR" altLang="en-US" dirty="0" smtClean="0"/>
-              <a:t>에 </a:t>
-            </a:r>
-            <a:r>
-              <a:rPr lang="ko-KR" altLang="en-US" dirty="0"/>
-              <a:t>대해</a:t>
-            </a:r>
-            <a:r>
-              <a:rPr lang="en-US" altLang="ko-KR" dirty="0"/>
-              <a:t> min-max normalization_ver2 </a:t>
-            </a:r>
-            <a:r>
-              <a:rPr lang="ko-KR" altLang="en-US" dirty="0"/>
-              <a:t>적용 </a:t>
-            </a:r>
-            <a:endParaRPr lang="en-US" altLang="ko-KR" dirty="0" smtClean="0"/>
-          </a:p>
-          <a:p>
-            <a:pPr marL="742950" lvl="1" indent="-285750">
-              <a:buFontTx/>
-              <a:buChar char="-"/>
-            </a:pPr>
-            <a:r>
-              <a:rPr lang="en-US" altLang="ko-KR" dirty="0" smtClean="0"/>
-              <a:t>[]</a:t>
-            </a:r>
-          </a:p>
-          <a:p>
-            <a:pPr marL="285750" indent="-285750">
-              <a:buFontTx/>
-              <a:buChar char="-"/>
-            </a:pPr>
-            <a:r>
-              <a:rPr lang="en-US" altLang="ko-KR" b="1" dirty="0" smtClean="0"/>
-              <a:t>Env3 </a:t>
-            </a:r>
-            <a:r>
-              <a:rPr lang="en-US" altLang="ko-KR" b="1" dirty="0"/>
-              <a:t>State:</a:t>
-            </a:r>
-          </a:p>
-          <a:p>
-            <a:pPr marL="742950" lvl="1" indent="-285750">
-              <a:buFontTx/>
-              <a:buChar char="-"/>
-            </a:pPr>
-            <a:r>
-              <a:rPr lang="en-US" altLang="ko-KR" dirty="0"/>
-              <a:t>State:   </a:t>
-            </a:r>
-            <a:r>
-              <a:rPr lang="en-US" altLang="ko-KR" dirty="0" smtClean="0"/>
-              <a:t>[</a:t>
-            </a:r>
-            <a:r>
-              <a:rPr lang="en-US" altLang="ko-KR" dirty="0" err="1" smtClean="0">
-                <a:solidFill>
-                  <a:srgbClr val="FF0000"/>
-                </a:solidFill>
-              </a:rPr>
-              <a:t>acc</a:t>
-            </a:r>
-            <a:r>
-              <a:rPr lang="en-US" altLang="ko-KR" dirty="0" smtClean="0">
-                <a:solidFill>
-                  <a:srgbClr val="FF0000"/>
-                </a:solidFill>
-              </a:rPr>
-              <a:t>, </a:t>
-            </a:r>
-            <a:r>
-              <a:rPr lang="en-US" altLang="ko-KR" dirty="0" err="1" smtClean="0">
-                <a:solidFill>
-                  <a:srgbClr val="FF0000"/>
-                </a:solidFill>
-              </a:rPr>
-              <a:t>sp_whl</a:t>
-            </a:r>
-            <a:r>
-              <a:rPr lang="en-US" altLang="ko-KR" dirty="0" smtClean="0"/>
-              <a:t>, </a:t>
-            </a:r>
-            <a:r>
-              <a:rPr lang="en-US" altLang="ko-KR" dirty="0"/>
-              <a:t>SOC - 0.6, </a:t>
-            </a:r>
-            <a:r>
-              <a:rPr lang="en-US" altLang="ko-KR" dirty="0" err="1"/>
-              <a:t>j_min</a:t>
-            </a:r>
-            <a:r>
-              <a:rPr lang="en-US" altLang="ko-KR" dirty="0"/>
-              <a:t>, </a:t>
-            </a:r>
-            <a:r>
-              <a:rPr lang="en-US" altLang="ko-KR" dirty="0" err="1"/>
-              <a:t>j_max</a:t>
-            </a:r>
-            <a:r>
-              <a:rPr lang="en-US" altLang="ko-KR" dirty="0"/>
-              <a:t>]</a:t>
-            </a:r>
-          </a:p>
-          <a:p>
-            <a:pPr marL="742950" lvl="1" indent="-285750">
-              <a:buFontTx/>
-              <a:buChar char="-"/>
-            </a:pPr>
-            <a:r>
-              <a:rPr lang="en-US" altLang="ko-KR" dirty="0" err="1" smtClean="0"/>
-              <a:t>acc</a:t>
-            </a:r>
-            <a:r>
-              <a:rPr lang="en-US" altLang="ko-KR" dirty="0" smtClean="0"/>
-              <a:t>, </a:t>
-            </a:r>
-            <a:r>
-              <a:rPr lang="en-US" altLang="ko-KR" dirty="0" err="1" smtClean="0"/>
-              <a:t>sp_whl</a:t>
-            </a:r>
-            <a:r>
-              <a:rPr lang="ko-KR" altLang="en-US" dirty="0" smtClean="0"/>
-              <a:t>에 </a:t>
-            </a:r>
-            <a:r>
-              <a:rPr lang="ko-KR" altLang="en-US" dirty="0"/>
-              <a:t>대해</a:t>
-            </a:r>
-            <a:r>
-              <a:rPr lang="en-US" altLang="ko-KR" dirty="0"/>
-              <a:t> min-max </a:t>
-            </a:r>
-            <a:r>
-              <a:rPr lang="en-US" altLang="ko-KR" dirty="0" smtClean="0"/>
-              <a:t>normalization_ver2 </a:t>
-            </a:r>
-            <a:r>
-              <a:rPr lang="ko-KR" altLang="en-US" dirty="0"/>
-              <a:t>적용 </a:t>
-            </a:r>
-            <a:endParaRPr lang="en-US" altLang="ko-KR" dirty="0"/>
-          </a:p>
-          <a:p>
-            <a:pPr marL="742950" lvl="1" indent="-285750">
-              <a:buFontTx/>
-              <a:buChar char="-"/>
-            </a:pPr>
-            <a:r>
-              <a:rPr lang="en-US" altLang="ko-KR" dirty="0" smtClean="0"/>
-              <a:t>[]</a:t>
-            </a:r>
-          </a:p>
-          <a:p>
-            <a:pPr marL="285750" indent="-285750">
-              <a:buFontTx/>
-              <a:buChar char="-"/>
-            </a:pPr>
-            <a:r>
-              <a:rPr lang="en-US" altLang="ko-KR" b="1" dirty="0" smtClean="0"/>
-              <a:t>Env4 </a:t>
-            </a:r>
-            <a:r>
-              <a:rPr lang="en-US" altLang="ko-KR" b="1" dirty="0"/>
-              <a:t>State:</a:t>
-            </a:r>
-          </a:p>
-          <a:p>
-            <a:pPr marL="742950" lvl="1" indent="-285750">
-              <a:buFontTx/>
-              <a:buChar char="-"/>
-            </a:pPr>
-            <a:r>
-              <a:rPr lang="en-US" altLang="ko-KR" dirty="0"/>
-              <a:t>State:   </a:t>
-            </a:r>
-            <a:r>
-              <a:rPr lang="en-US" altLang="ko-KR" dirty="0" smtClean="0"/>
-              <a:t>[</a:t>
-            </a:r>
-            <a:r>
-              <a:rPr lang="en-US" altLang="ko-KR" dirty="0" err="1" smtClean="0">
-                <a:solidFill>
-                  <a:srgbClr val="FF0000"/>
-                </a:solidFill>
-              </a:rPr>
-              <a:t>acc</a:t>
-            </a:r>
-            <a:r>
-              <a:rPr lang="en-US" altLang="ko-KR" dirty="0" smtClean="0">
-                <a:solidFill>
-                  <a:srgbClr val="FF0000"/>
-                </a:solidFill>
-              </a:rPr>
-              <a:t>, </a:t>
-            </a:r>
-            <a:r>
-              <a:rPr lang="en-US" altLang="ko-KR" dirty="0" err="1" smtClean="0">
-                <a:solidFill>
-                  <a:srgbClr val="FF0000"/>
-                </a:solidFill>
-              </a:rPr>
-              <a:t>sp_whl</a:t>
-            </a:r>
-            <a:r>
-              <a:rPr lang="en-US" altLang="ko-KR" dirty="0" smtClean="0"/>
-              <a:t>, </a:t>
-            </a:r>
-            <a:r>
-              <a:rPr lang="en-US" altLang="ko-KR" dirty="0"/>
-              <a:t>SOC </a:t>
-            </a:r>
-            <a:r>
-              <a:rPr lang="en-US" altLang="ko-KR" dirty="0" smtClean="0"/>
-              <a:t>– </a:t>
-            </a:r>
-            <a:r>
-              <a:rPr lang="en-US" altLang="ko-KR" dirty="0"/>
-              <a:t>0.6, </a:t>
-            </a:r>
-            <a:r>
-              <a:rPr lang="en-US" altLang="ko-KR" dirty="0" err="1"/>
-              <a:t>j_min</a:t>
-            </a:r>
-            <a:r>
-              <a:rPr lang="en-US" altLang="ko-KR" dirty="0"/>
-              <a:t>, </a:t>
-            </a:r>
-            <a:r>
-              <a:rPr lang="en-US" altLang="ko-KR" dirty="0" err="1"/>
-              <a:t>j_max</a:t>
-            </a:r>
-            <a:r>
-              <a:rPr lang="en-US" altLang="ko-KR" dirty="0"/>
-              <a:t>]</a:t>
-            </a:r>
-          </a:p>
-          <a:p>
-            <a:pPr marL="742950" lvl="1" indent="-285750">
-              <a:buFontTx/>
-              <a:buChar char="-"/>
-            </a:pPr>
-            <a:r>
-              <a:rPr lang="ko-KR" altLang="en-US" dirty="0" smtClean="0"/>
-              <a:t>모든 </a:t>
-            </a:r>
-            <a:r>
-              <a:rPr lang="en-US" altLang="ko-KR" dirty="0"/>
-              <a:t>Feature</a:t>
-            </a:r>
-            <a:r>
-              <a:rPr lang="ko-KR" altLang="en-US" dirty="0"/>
-              <a:t>에 대해</a:t>
-            </a:r>
-            <a:r>
-              <a:rPr lang="en-US" altLang="ko-KR" dirty="0"/>
-              <a:t> min-max normalization_ver2 </a:t>
-            </a:r>
-            <a:r>
-              <a:rPr lang="ko-KR" altLang="en-US" dirty="0"/>
-              <a:t>적용 </a:t>
-            </a:r>
-            <a:endParaRPr lang="en-US" altLang="ko-KR" dirty="0"/>
-          </a:p>
-          <a:p>
-            <a:pPr marL="742950" lvl="1" indent="-285750">
-              <a:buFontTx/>
-              <a:buChar char="-"/>
-            </a:pPr>
-            <a:r>
-              <a:rPr lang="en-US" altLang="ko-KR" dirty="0" smtClean="0"/>
-              <a:t>[]</a:t>
-            </a:r>
-            <a:endParaRPr lang="en-US" altLang="ko-KR" dirty="0"/>
-          </a:p>
-        </p:txBody>
-      </p:sp>
-      <p:pic>
-        <p:nvPicPr>
-          <p:cNvPr id="3" name="그림 2"/>
-          <p:cNvPicPr>
-            <a:picLocks noChangeAspect="1"/>
-          </p:cNvPicPr>
-          <p:nvPr/>
-        </p:nvPicPr>
-        <p:blipFill>
-          <a:blip r:embed="rId2"/>
-          <a:stretch>
-            <a:fillRect/>
-          </a:stretch>
-        </p:blipFill>
-        <p:spPr>
-          <a:xfrm>
-            <a:off x="9023899" y="1779557"/>
-            <a:ext cx="2947968" cy="2233470"/>
-          </a:xfrm>
-          <a:prstGeom prst="rect">
-            <a:avLst/>
-          </a:prstGeom>
-        </p:spPr>
-      </p:pic>
-      <p:sp>
-        <p:nvSpPr>
-          <p:cNvPr id="5" name="TextBox 4"/>
-          <p:cNvSpPr txBox="1"/>
-          <p:nvPr/>
-        </p:nvSpPr>
-        <p:spPr>
-          <a:xfrm>
-            <a:off x="9376757" y="4122289"/>
-            <a:ext cx="3017520" cy="369332"/>
-          </a:xfrm>
-          <a:prstGeom prst="rect">
-            <a:avLst/>
-          </a:prstGeom>
-          <a:noFill/>
-        </p:spPr>
-        <p:txBody>
-          <a:bodyPr wrap="square" rtlCol="0">
-            <a:spAutoFit/>
-          </a:bodyPr>
-          <a:lstStyle/>
-          <a:p>
-            <a:r>
-              <a:rPr lang="en-US" altLang="ko-KR" dirty="0" smtClean="0"/>
-              <a:t>&lt;</a:t>
-            </a:r>
-            <a:r>
-              <a:rPr lang="ko-KR" altLang="en-US" dirty="0" err="1" smtClean="0"/>
-              <a:t>하이퍼파라미터</a:t>
-            </a:r>
-            <a:r>
-              <a:rPr lang="en-US" altLang="ko-KR" dirty="0" smtClean="0"/>
-              <a:t>&gt;</a:t>
-            </a:r>
-            <a:r>
-              <a:rPr lang="ko-KR" altLang="en-US" dirty="0" smtClean="0"/>
-              <a:t> </a:t>
-            </a:r>
-            <a:endParaRPr lang="ko-KR" altLang="en-US" dirty="0"/>
-          </a:p>
-        </p:txBody>
-      </p:sp>
-      <p:sp>
-        <p:nvSpPr>
-          <p:cNvPr id="6" name="TextBox 5"/>
-          <p:cNvSpPr txBox="1"/>
-          <p:nvPr/>
-        </p:nvSpPr>
-        <p:spPr>
-          <a:xfrm>
-            <a:off x="2543763" y="6488668"/>
-            <a:ext cx="8607145" cy="369332"/>
-          </a:xfrm>
-          <a:prstGeom prst="rect">
-            <a:avLst/>
-          </a:prstGeom>
-          <a:noFill/>
-        </p:spPr>
-        <p:txBody>
-          <a:bodyPr wrap="square" rtlCol="0">
-            <a:spAutoFit/>
-          </a:bodyPr>
-          <a:lstStyle/>
-          <a:p>
-            <a:r>
-              <a:rPr lang="en-US" altLang="ko-KR" b="1" dirty="0" smtClean="0">
-                <a:solidFill>
-                  <a:srgbClr val="FF0000"/>
-                </a:solidFill>
-              </a:rPr>
-              <a:t>Min-max normalization</a:t>
-            </a:r>
-            <a:r>
-              <a:rPr lang="ko-KR" altLang="en-US" b="1" dirty="0" err="1" smtClean="0">
-                <a:solidFill>
-                  <a:srgbClr val="FF0000"/>
-                </a:solidFill>
-              </a:rPr>
-              <a:t>됌</a:t>
-            </a:r>
-            <a:r>
-              <a:rPr lang="ko-KR" altLang="en-US" b="1" dirty="0" smtClean="0">
-                <a:solidFill>
-                  <a:srgbClr val="FF0000"/>
-                </a:solidFill>
-              </a:rPr>
-              <a:t> </a:t>
-            </a:r>
-            <a:endParaRPr lang="en-US" altLang="ko-KR" b="1" dirty="0">
-              <a:solidFill>
-                <a:srgbClr val="FF0000"/>
-              </a:solidFill>
-            </a:endParaRPr>
-          </a:p>
-        </p:txBody>
-      </p:sp>
-    </p:spTree>
-    <p:extLst>
-      <p:ext uri="{BB962C8B-B14F-4D97-AF65-F5344CB8AC3E}">
-        <p14:creationId xmlns:p14="http://schemas.microsoft.com/office/powerpoint/2010/main" val="3691464051"/>
-      </p:ext>
-    </p:extLst>
-  </p:cSld>
-  <p:clrMapOvr>
-    <a:masterClrMapping/>
-  </p:clrMapOvr>
-</p:sld>
-</file>
-
-<file path=ppt/slides/slide17.xml><?xml version="1.0" encoding="utf-8"?>
-<p:sld xmlns:a="http://schemas.openxmlformats.org/drawingml/2006/main" xmlns:r="http://schemas.openxmlformats.org/officeDocument/2006/relationships" xmlns:p="http://schemas.openxmlformats.org/presentationml/2006/main">
-  <p:cSld>
-    <p:spTree>
-      <p:nvGrpSpPr>
-        <p:cNvPr id="1" name=""/>
-        <p:cNvGrpSpPr/>
-        <p:nvPr/>
-      </p:nvGrpSpPr>
-      <p:grpSpPr>
-        <a:xfrm>
-          <a:off x="0" y="0"/>
-          <a:ext cx="0" cy="0"/>
-          <a:chOff x="0" y="0"/>
-          <a:chExt cx="0" cy="0"/>
-        </a:xfrm>
-      </p:grpSpPr>
-      <p:sp>
-        <p:nvSpPr>
-          <p:cNvPr id="2" name="제목 1"/>
-          <p:cNvSpPr>
-            <a:spLocks noGrp="1"/>
-          </p:cNvSpPr>
-          <p:nvPr>
-            <p:ph type="title"/>
-          </p:nvPr>
-        </p:nvSpPr>
-        <p:spPr/>
-        <p:txBody>
-          <a:bodyPr/>
-          <a:lstStyle/>
-          <a:p>
-            <a:r>
-              <a:rPr lang="en-US" altLang="ko-KR" dirty="0" smtClean="0">
-                <a:solidFill>
-                  <a:srgbClr val="FF0000"/>
-                </a:solidFill>
-              </a:rPr>
-              <a:t>DDPG</a:t>
-            </a:r>
-            <a:r>
-              <a:rPr lang="ko-KR" altLang="en-US" dirty="0" smtClean="0">
-                <a:solidFill>
-                  <a:srgbClr val="FF0000"/>
-                </a:solidFill>
-              </a:rPr>
-              <a:t> </a:t>
-            </a:r>
-            <a:r>
-              <a:rPr lang="en-US" altLang="ko-KR" dirty="0">
-                <a:solidFill>
-                  <a:srgbClr val="FF0000"/>
-                </a:solidFill>
-              </a:rPr>
-              <a:t>6</a:t>
-            </a:r>
-            <a:r>
-              <a:rPr lang="ko-KR" altLang="en-US" dirty="0" smtClean="0">
-                <a:solidFill>
-                  <a:srgbClr val="FF0000"/>
-                </a:solidFill>
-              </a:rPr>
-              <a:t>  </a:t>
-            </a:r>
-            <a:endParaRPr lang="ko-KR" altLang="en-US" dirty="0">
-              <a:solidFill>
-                <a:srgbClr val="FF0000"/>
-              </a:solidFill>
-            </a:endParaRPr>
-          </a:p>
-        </p:txBody>
-      </p:sp>
-      <p:sp>
-        <p:nvSpPr>
-          <p:cNvPr id="4" name="TextBox 3"/>
-          <p:cNvSpPr txBox="1"/>
-          <p:nvPr/>
-        </p:nvSpPr>
-        <p:spPr>
-          <a:xfrm>
-            <a:off x="838200" y="1484771"/>
-            <a:ext cx="11000874" cy="5078313"/>
-          </a:xfrm>
-          <a:prstGeom prst="rect">
-            <a:avLst/>
-          </a:prstGeom>
-          <a:noFill/>
-        </p:spPr>
-        <p:txBody>
-          <a:bodyPr wrap="square" rtlCol="0">
-            <a:spAutoFit/>
-          </a:bodyPr>
-          <a:lstStyle/>
-          <a:p>
-            <a:pPr marL="285750" indent="-285750">
-              <a:buFontTx/>
-              <a:buChar char="-"/>
-            </a:pPr>
-            <a:r>
-              <a:rPr lang="en-US" altLang="ko-KR" b="1" dirty="0" smtClean="0">
-                <a:solidFill>
-                  <a:srgbClr val="FF0000"/>
-                </a:solidFill>
-              </a:rPr>
-              <a:t>Replay memory</a:t>
-            </a:r>
-            <a:r>
-              <a:rPr lang="ko-KR" altLang="en-US" b="1" dirty="0" smtClean="0">
-                <a:solidFill>
-                  <a:srgbClr val="FF0000"/>
-                </a:solidFill>
-              </a:rPr>
-              <a:t>에서 </a:t>
-            </a:r>
-            <a:r>
-              <a:rPr lang="en-US" altLang="ko-KR" b="1" dirty="0" smtClean="0">
-                <a:solidFill>
-                  <a:srgbClr val="FF0000"/>
-                </a:solidFill>
-              </a:rPr>
-              <a:t>experiments</a:t>
-            </a:r>
-            <a:r>
-              <a:rPr lang="ko-KR" altLang="en-US" b="1" dirty="0" smtClean="0">
-                <a:solidFill>
-                  <a:srgbClr val="FF0000"/>
-                </a:solidFill>
-              </a:rPr>
-              <a:t>를 </a:t>
-            </a:r>
-            <a:r>
-              <a:rPr lang="en-US" altLang="ko-KR" b="1" dirty="0" smtClean="0">
-                <a:solidFill>
-                  <a:srgbClr val="FF0000"/>
-                </a:solidFill>
-              </a:rPr>
-              <a:t>normalization</a:t>
-            </a:r>
-            <a:r>
-              <a:rPr lang="ko-KR" altLang="en-US" b="1" dirty="0" smtClean="0">
-                <a:solidFill>
-                  <a:srgbClr val="FF0000"/>
-                </a:solidFill>
-              </a:rPr>
-              <a:t>하는 방식을 활용하기 </a:t>
-            </a:r>
-            <a:endParaRPr lang="en-US" altLang="ko-KR" b="1" dirty="0" smtClean="0">
-              <a:solidFill>
-                <a:srgbClr val="FF0000"/>
-              </a:solidFill>
-            </a:endParaRPr>
-          </a:p>
-          <a:p>
-            <a:pPr marL="285750" indent="-285750">
-              <a:buFontTx/>
-              <a:buChar char="-"/>
-            </a:pPr>
-            <a:endParaRPr lang="en-US" altLang="ko-KR" b="1" dirty="0"/>
-          </a:p>
-          <a:p>
-            <a:pPr marL="285750" indent="-285750">
-              <a:buFontTx/>
-              <a:buChar char="-"/>
-            </a:pPr>
-            <a:r>
-              <a:rPr lang="en-US" altLang="ko-KR" b="1" dirty="0">
-                <a:solidFill>
-                  <a:srgbClr val="FF0000"/>
-                </a:solidFill>
-              </a:rPr>
-              <a:t>Env1 State:</a:t>
-            </a:r>
-          </a:p>
-          <a:p>
-            <a:pPr marL="742950" lvl="1" indent="-285750">
-              <a:buFontTx/>
-              <a:buChar char="-"/>
-            </a:pPr>
-            <a:r>
-              <a:rPr lang="en-US" altLang="ko-KR" dirty="0"/>
-              <a:t>State:   [</a:t>
-            </a:r>
-            <a:r>
-              <a:rPr lang="en-US" altLang="ko-KR" dirty="0" err="1">
-                <a:solidFill>
-                  <a:srgbClr val="FF0000"/>
-                </a:solidFill>
-              </a:rPr>
-              <a:t>power_out</a:t>
-            </a:r>
-            <a:r>
-              <a:rPr lang="en-US" altLang="ko-KR" dirty="0">
-                <a:solidFill>
-                  <a:srgbClr val="FF0000"/>
-                </a:solidFill>
-              </a:rPr>
-              <a:t>/1000</a:t>
-            </a:r>
-            <a:r>
-              <a:rPr lang="en-US" altLang="ko-KR" dirty="0"/>
-              <a:t>, SOC - 0.6, </a:t>
-            </a:r>
-            <a:r>
-              <a:rPr lang="en-US" altLang="ko-KR" dirty="0" err="1"/>
-              <a:t>j_min</a:t>
-            </a:r>
-            <a:r>
-              <a:rPr lang="en-US" altLang="ko-KR" dirty="0"/>
-              <a:t>, </a:t>
-            </a:r>
-            <a:r>
-              <a:rPr lang="en-US" altLang="ko-KR" dirty="0" err="1"/>
-              <a:t>j_max</a:t>
-            </a:r>
-            <a:r>
-              <a:rPr lang="en-US" altLang="ko-KR" dirty="0" smtClean="0"/>
-              <a:t>]</a:t>
-            </a:r>
-          </a:p>
-          <a:p>
-            <a:pPr marL="742950" lvl="1" indent="-285750">
-              <a:buFontTx/>
-              <a:buChar char="-"/>
-            </a:pPr>
-            <a:r>
-              <a:rPr lang="en-US" altLang="ko-KR" dirty="0" smtClean="0"/>
-              <a:t>Replay memory</a:t>
-            </a:r>
-            <a:r>
-              <a:rPr lang="ko-KR" altLang="en-US" dirty="0" smtClean="0"/>
-              <a:t>에서 </a:t>
-            </a:r>
-            <a:r>
-              <a:rPr lang="en-US" altLang="ko-KR" dirty="0" err="1" smtClean="0"/>
-              <a:t>power_out</a:t>
-            </a:r>
-            <a:r>
-              <a:rPr lang="ko-KR" altLang="en-US" dirty="0" smtClean="0"/>
-              <a:t>에 대해</a:t>
-            </a:r>
-            <a:r>
-              <a:rPr lang="en-US" altLang="ko-KR" dirty="0" smtClean="0"/>
-              <a:t> </a:t>
-            </a:r>
-            <a:r>
-              <a:rPr lang="en-US" altLang="ko-KR" dirty="0" smtClean="0">
-                <a:solidFill>
-                  <a:srgbClr val="FF0000"/>
-                </a:solidFill>
-              </a:rPr>
-              <a:t>mean-</a:t>
-            </a:r>
-            <a:r>
-              <a:rPr lang="en-US" altLang="ko-KR" dirty="0" err="1" smtClean="0">
-                <a:solidFill>
-                  <a:srgbClr val="FF0000"/>
-                </a:solidFill>
-              </a:rPr>
-              <a:t>std</a:t>
-            </a:r>
-            <a:r>
-              <a:rPr lang="en-US" altLang="ko-KR" dirty="0" smtClean="0">
-                <a:solidFill>
-                  <a:srgbClr val="FF0000"/>
-                </a:solidFill>
-              </a:rPr>
-              <a:t> normalization </a:t>
-            </a:r>
-            <a:r>
-              <a:rPr lang="ko-KR" altLang="en-US" dirty="0" smtClean="0"/>
-              <a:t>적용 </a:t>
-            </a:r>
-            <a:endParaRPr lang="en-US" altLang="ko-KR" dirty="0" smtClean="0"/>
-          </a:p>
-          <a:p>
-            <a:pPr marL="742950" lvl="1" indent="-285750">
-              <a:buFontTx/>
-              <a:buChar char="-"/>
-            </a:pPr>
-            <a:r>
-              <a:rPr lang="en-US" altLang="ko-KR" dirty="0" smtClean="0"/>
-              <a:t>[OOX]</a:t>
-            </a:r>
-            <a:endParaRPr lang="en-US" altLang="ko-KR" dirty="0"/>
-          </a:p>
-          <a:p>
-            <a:pPr marL="285750" indent="-285750">
-              <a:buFontTx/>
-              <a:buChar char="-"/>
-            </a:pPr>
-            <a:r>
-              <a:rPr lang="en-US" altLang="ko-KR" b="1" dirty="0" smtClean="0"/>
-              <a:t>Env2 </a:t>
-            </a:r>
-            <a:r>
-              <a:rPr lang="en-US" altLang="ko-KR" b="1" dirty="0"/>
-              <a:t>State:</a:t>
-            </a:r>
-          </a:p>
-          <a:p>
-            <a:pPr marL="742950" lvl="1" indent="-285750">
-              <a:buFontTx/>
-              <a:buChar char="-"/>
-            </a:pPr>
-            <a:r>
-              <a:rPr lang="en-US" altLang="ko-KR" dirty="0"/>
-              <a:t>State:   [</a:t>
-            </a:r>
-            <a:r>
-              <a:rPr lang="en-US" altLang="ko-KR" dirty="0" err="1">
-                <a:solidFill>
-                  <a:srgbClr val="FF0000"/>
-                </a:solidFill>
-              </a:rPr>
-              <a:t>power_out</a:t>
-            </a:r>
-            <a:r>
-              <a:rPr lang="en-US" altLang="ko-KR" dirty="0">
-                <a:solidFill>
-                  <a:srgbClr val="FF0000"/>
-                </a:solidFill>
-              </a:rPr>
-              <a:t>/1000</a:t>
-            </a:r>
-            <a:r>
-              <a:rPr lang="en-US" altLang="ko-KR" dirty="0"/>
-              <a:t>, SOC </a:t>
-            </a:r>
-            <a:r>
-              <a:rPr lang="en-US" altLang="ko-KR" dirty="0" smtClean="0"/>
-              <a:t>– </a:t>
-            </a:r>
-            <a:r>
-              <a:rPr lang="en-US" altLang="ko-KR" dirty="0"/>
-              <a:t>0.6, </a:t>
-            </a:r>
-            <a:r>
-              <a:rPr lang="en-US" altLang="ko-KR" dirty="0" err="1"/>
-              <a:t>j_min</a:t>
-            </a:r>
-            <a:r>
-              <a:rPr lang="en-US" altLang="ko-KR" dirty="0"/>
-              <a:t>, </a:t>
-            </a:r>
-            <a:r>
-              <a:rPr lang="en-US" altLang="ko-KR" dirty="0" err="1"/>
-              <a:t>j_max</a:t>
-            </a:r>
-            <a:r>
-              <a:rPr lang="en-US" altLang="ko-KR" dirty="0"/>
-              <a:t>]</a:t>
-            </a:r>
-          </a:p>
-          <a:p>
-            <a:pPr marL="742950" lvl="1" indent="-285750">
-              <a:buFontTx/>
-              <a:buChar char="-"/>
-            </a:pPr>
-            <a:r>
-              <a:rPr lang="en-US" altLang="ko-KR" dirty="0"/>
-              <a:t>Replay </a:t>
-            </a:r>
-            <a:r>
-              <a:rPr lang="en-US" altLang="ko-KR" dirty="0" smtClean="0"/>
-              <a:t>memory</a:t>
-            </a:r>
-            <a:r>
-              <a:rPr lang="ko-KR" altLang="en-US" dirty="0" smtClean="0"/>
-              <a:t>에서 </a:t>
-            </a:r>
-            <a:r>
-              <a:rPr lang="ko-KR" altLang="en-US" dirty="0" smtClean="0"/>
-              <a:t>모든 </a:t>
-            </a:r>
-            <a:r>
-              <a:rPr lang="en-US" altLang="ko-KR" dirty="0" smtClean="0"/>
-              <a:t>Feature</a:t>
-            </a:r>
-            <a:r>
-              <a:rPr lang="ko-KR" altLang="en-US" dirty="0" smtClean="0"/>
-              <a:t>에 </a:t>
-            </a:r>
-            <a:r>
-              <a:rPr lang="ko-KR" altLang="en-US" dirty="0"/>
-              <a:t>대해</a:t>
-            </a:r>
-            <a:r>
-              <a:rPr lang="en-US" altLang="ko-KR" dirty="0"/>
-              <a:t> </a:t>
-            </a:r>
-            <a:r>
-              <a:rPr lang="en-US" altLang="ko-KR" dirty="0">
-                <a:solidFill>
-                  <a:srgbClr val="FF0000"/>
-                </a:solidFill>
-              </a:rPr>
-              <a:t>mean-</a:t>
-            </a:r>
-            <a:r>
-              <a:rPr lang="en-US" altLang="ko-KR" dirty="0" err="1">
-                <a:solidFill>
-                  <a:srgbClr val="FF0000"/>
-                </a:solidFill>
-              </a:rPr>
-              <a:t>std</a:t>
-            </a:r>
-            <a:r>
-              <a:rPr lang="en-US" altLang="ko-KR" dirty="0">
-                <a:solidFill>
-                  <a:srgbClr val="FF0000"/>
-                </a:solidFill>
-              </a:rPr>
-              <a:t> normalization </a:t>
-            </a:r>
-            <a:r>
-              <a:rPr lang="ko-KR" altLang="en-US" dirty="0"/>
-              <a:t>적용 </a:t>
-            </a:r>
-            <a:endParaRPr lang="en-US" altLang="ko-KR" dirty="0" smtClean="0"/>
-          </a:p>
-          <a:p>
-            <a:pPr marL="742950" lvl="1" indent="-285750">
-              <a:buFontTx/>
-              <a:buChar char="-"/>
-            </a:pPr>
-            <a:r>
-              <a:rPr lang="en-US" altLang="ko-KR" dirty="0" smtClean="0"/>
-              <a:t>[VVV]</a:t>
-            </a:r>
-            <a:endParaRPr lang="en-US" altLang="ko-KR" dirty="0" smtClean="0"/>
-          </a:p>
-          <a:p>
-            <a:pPr marL="285750" indent="-285750">
-              <a:buFontTx/>
-              <a:buChar char="-"/>
-            </a:pPr>
-            <a:r>
-              <a:rPr lang="en-US" altLang="ko-KR" b="1" dirty="0" smtClean="0"/>
-              <a:t>Env3 </a:t>
-            </a:r>
-            <a:r>
-              <a:rPr lang="en-US" altLang="ko-KR" b="1" dirty="0"/>
-              <a:t>State:</a:t>
-            </a:r>
-          </a:p>
-          <a:p>
-            <a:pPr marL="742950" lvl="1" indent="-285750">
-              <a:buFontTx/>
-              <a:buChar char="-"/>
-            </a:pPr>
-            <a:r>
-              <a:rPr lang="en-US" altLang="ko-KR" dirty="0"/>
-              <a:t>State:   </a:t>
-            </a:r>
-            <a:r>
-              <a:rPr lang="en-US" altLang="ko-KR" dirty="0" smtClean="0"/>
-              <a:t>[</a:t>
-            </a:r>
-            <a:r>
-              <a:rPr lang="en-US" altLang="ko-KR" dirty="0" err="1" smtClean="0">
-                <a:solidFill>
-                  <a:srgbClr val="FF0000"/>
-                </a:solidFill>
-              </a:rPr>
-              <a:t>acc</a:t>
-            </a:r>
-            <a:r>
-              <a:rPr lang="en-US" altLang="ko-KR" dirty="0" smtClean="0">
-                <a:solidFill>
-                  <a:srgbClr val="FF0000"/>
-                </a:solidFill>
-              </a:rPr>
-              <a:t>, </a:t>
-            </a:r>
-            <a:r>
-              <a:rPr lang="en-US" altLang="ko-KR" dirty="0" err="1" smtClean="0">
-                <a:solidFill>
-                  <a:srgbClr val="FF0000"/>
-                </a:solidFill>
-              </a:rPr>
-              <a:t>sp_whl</a:t>
-            </a:r>
-            <a:r>
-              <a:rPr lang="en-US" altLang="ko-KR" dirty="0" smtClean="0"/>
-              <a:t>, </a:t>
-            </a:r>
-            <a:r>
-              <a:rPr lang="en-US" altLang="ko-KR" dirty="0"/>
-              <a:t>SOC </a:t>
-            </a:r>
-            <a:r>
-              <a:rPr lang="en-US" altLang="ko-KR" dirty="0" smtClean="0"/>
-              <a:t>– </a:t>
-            </a:r>
-            <a:r>
-              <a:rPr lang="en-US" altLang="ko-KR" dirty="0"/>
-              <a:t>0.6, </a:t>
-            </a:r>
-            <a:r>
-              <a:rPr lang="en-US" altLang="ko-KR" dirty="0" err="1"/>
-              <a:t>j_min</a:t>
-            </a:r>
-            <a:r>
-              <a:rPr lang="en-US" altLang="ko-KR" dirty="0"/>
-              <a:t>, </a:t>
-            </a:r>
-            <a:r>
-              <a:rPr lang="en-US" altLang="ko-KR" dirty="0" err="1"/>
-              <a:t>j_max</a:t>
-            </a:r>
-            <a:r>
-              <a:rPr lang="en-US" altLang="ko-KR" dirty="0"/>
-              <a:t>]</a:t>
-            </a:r>
-          </a:p>
-          <a:p>
-            <a:pPr marL="742950" lvl="1" indent="-285750">
-              <a:buFontTx/>
-              <a:buChar char="-"/>
-            </a:pPr>
-            <a:r>
-              <a:rPr lang="en-US" altLang="ko-KR" dirty="0"/>
-              <a:t>Replay </a:t>
-            </a:r>
-            <a:r>
-              <a:rPr lang="en-US" altLang="ko-KR" dirty="0" smtClean="0"/>
-              <a:t>memory</a:t>
-            </a:r>
-            <a:r>
-              <a:rPr lang="ko-KR" altLang="en-US" dirty="0" smtClean="0"/>
-              <a:t>에서 </a:t>
-            </a:r>
-            <a:r>
-              <a:rPr lang="en-US" altLang="ko-KR" dirty="0" err="1" smtClean="0"/>
-              <a:t>acc</a:t>
-            </a:r>
-            <a:r>
-              <a:rPr lang="en-US" altLang="ko-KR" dirty="0" smtClean="0"/>
-              <a:t>, </a:t>
-            </a:r>
-            <a:r>
-              <a:rPr lang="en-US" altLang="ko-KR" dirty="0" err="1" smtClean="0"/>
-              <a:t>sp_whl</a:t>
-            </a:r>
-            <a:r>
-              <a:rPr lang="ko-KR" altLang="en-US" dirty="0" smtClean="0"/>
-              <a:t>에 </a:t>
-            </a:r>
-            <a:r>
-              <a:rPr lang="ko-KR" altLang="en-US" dirty="0"/>
-              <a:t>대해</a:t>
-            </a:r>
-            <a:r>
-              <a:rPr lang="en-US" altLang="ko-KR" dirty="0"/>
-              <a:t> </a:t>
-            </a:r>
-            <a:r>
-              <a:rPr lang="en-US" altLang="ko-KR" dirty="0">
-                <a:solidFill>
-                  <a:srgbClr val="FF0000"/>
-                </a:solidFill>
-              </a:rPr>
-              <a:t>mean-</a:t>
-            </a:r>
-            <a:r>
-              <a:rPr lang="en-US" altLang="ko-KR" dirty="0" err="1">
-                <a:solidFill>
-                  <a:srgbClr val="FF0000"/>
-                </a:solidFill>
-              </a:rPr>
-              <a:t>std</a:t>
-            </a:r>
-            <a:r>
-              <a:rPr lang="en-US" altLang="ko-KR" dirty="0">
-                <a:solidFill>
-                  <a:srgbClr val="FF0000"/>
-                </a:solidFill>
-              </a:rPr>
-              <a:t> normalization</a:t>
-            </a:r>
-            <a:r>
-              <a:rPr lang="en-US" altLang="ko-KR" dirty="0"/>
-              <a:t> </a:t>
-            </a:r>
-            <a:r>
-              <a:rPr lang="ko-KR" altLang="en-US" dirty="0" smtClean="0"/>
-              <a:t>적용 </a:t>
-            </a:r>
-            <a:endParaRPr lang="en-US" altLang="ko-KR" dirty="0"/>
-          </a:p>
-          <a:p>
-            <a:pPr marL="742950" lvl="1" indent="-285750">
-              <a:buFontTx/>
-              <a:buChar char="-"/>
-            </a:pPr>
-            <a:r>
-              <a:rPr lang="en-US" altLang="ko-KR" dirty="0" smtClean="0"/>
-              <a:t>[VXX]</a:t>
-            </a:r>
-            <a:endParaRPr lang="en-US" altLang="ko-KR" dirty="0" smtClean="0"/>
-          </a:p>
-          <a:p>
-            <a:pPr marL="285750" indent="-285750">
-              <a:buFontTx/>
-              <a:buChar char="-"/>
-            </a:pPr>
-            <a:r>
-              <a:rPr lang="en-US" altLang="ko-KR" b="1" dirty="0" smtClean="0"/>
-              <a:t>Env4 </a:t>
-            </a:r>
-            <a:r>
-              <a:rPr lang="en-US" altLang="ko-KR" b="1" dirty="0"/>
-              <a:t>State:</a:t>
-            </a:r>
-          </a:p>
-          <a:p>
-            <a:pPr marL="742950" lvl="1" indent="-285750">
-              <a:buFontTx/>
-              <a:buChar char="-"/>
-            </a:pPr>
-            <a:r>
-              <a:rPr lang="en-US" altLang="ko-KR" dirty="0"/>
-              <a:t>State:   </a:t>
-            </a:r>
-            <a:r>
-              <a:rPr lang="en-US" altLang="ko-KR" dirty="0" smtClean="0"/>
-              <a:t>[</a:t>
-            </a:r>
-            <a:r>
-              <a:rPr lang="en-US" altLang="ko-KR" dirty="0" err="1" smtClean="0">
-                <a:solidFill>
-                  <a:srgbClr val="FF0000"/>
-                </a:solidFill>
-              </a:rPr>
-              <a:t>acc</a:t>
-            </a:r>
-            <a:r>
-              <a:rPr lang="en-US" altLang="ko-KR" dirty="0" smtClean="0">
-                <a:solidFill>
-                  <a:srgbClr val="FF0000"/>
-                </a:solidFill>
-              </a:rPr>
-              <a:t>, </a:t>
-            </a:r>
-            <a:r>
-              <a:rPr lang="en-US" altLang="ko-KR" dirty="0" err="1" smtClean="0">
-                <a:solidFill>
-                  <a:srgbClr val="FF0000"/>
-                </a:solidFill>
-              </a:rPr>
-              <a:t>sp_whl</a:t>
-            </a:r>
-            <a:r>
-              <a:rPr lang="en-US" altLang="ko-KR" dirty="0" smtClean="0"/>
-              <a:t>, </a:t>
-            </a:r>
-            <a:r>
-              <a:rPr lang="en-US" altLang="ko-KR" dirty="0"/>
-              <a:t>SOC - 0.6, </a:t>
-            </a:r>
-            <a:r>
-              <a:rPr lang="en-US" altLang="ko-KR" dirty="0" err="1"/>
-              <a:t>j_min</a:t>
-            </a:r>
-            <a:r>
-              <a:rPr lang="en-US" altLang="ko-KR" dirty="0"/>
-              <a:t>, </a:t>
-            </a:r>
-            <a:r>
-              <a:rPr lang="en-US" altLang="ko-KR" dirty="0" err="1"/>
-              <a:t>j_max</a:t>
-            </a:r>
-            <a:r>
-              <a:rPr lang="en-US" altLang="ko-KR" dirty="0"/>
-              <a:t>]</a:t>
-            </a:r>
-          </a:p>
-          <a:p>
-            <a:pPr marL="742950" lvl="1" indent="-285750">
-              <a:buFontTx/>
-              <a:buChar char="-"/>
-            </a:pPr>
-            <a:r>
-              <a:rPr lang="en-US" altLang="ko-KR" dirty="0"/>
-              <a:t>Replay memory</a:t>
-            </a:r>
-            <a:r>
-              <a:rPr lang="ko-KR" altLang="en-US" dirty="0"/>
-              <a:t>에서 모든 </a:t>
-            </a:r>
-            <a:r>
-              <a:rPr lang="en-US" altLang="ko-KR" dirty="0"/>
-              <a:t>Feature</a:t>
-            </a:r>
-            <a:r>
-              <a:rPr lang="ko-KR" altLang="en-US" dirty="0"/>
-              <a:t>에 대해</a:t>
-            </a:r>
-            <a:r>
-              <a:rPr lang="en-US" altLang="ko-KR" dirty="0"/>
-              <a:t> </a:t>
-            </a:r>
-            <a:r>
-              <a:rPr lang="en-US" altLang="ko-KR" dirty="0">
-                <a:solidFill>
-                  <a:srgbClr val="FF0000"/>
-                </a:solidFill>
-              </a:rPr>
-              <a:t>mean-</a:t>
-            </a:r>
-            <a:r>
-              <a:rPr lang="en-US" altLang="ko-KR" dirty="0" err="1">
-                <a:solidFill>
-                  <a:srgbClr val="FF0000"/>
-                </a:solidFill>
-              </a:rPr>
-              <a:t>std</a:t>
-            </a:r>
-            <a:r>
-              <a:rPr lang="en-US" altLang="ko-KR" dirty="0">
-                <a:solidFill>
-                  <a:srgbClr val="FF0000"/>
-                </a:solidFill>
-              </a:rPr>
-              <a:t> normalization </a:t>
-            </a:r>
-            <a:r>
-              <a:rPr lang="ko-KR" altLang="en-US" dirty="0" smtClean="0"/>
-              <a:t>적용 </a:t>
-            </a:r>
-            <a:endParaRPr lang="en-US" altLang="ko-KR" dirty="0"/>
-          </a:p>
-          <a:p>
-            <a:pPr marL="742950" lvl="1" indent="-285750">
-              <a:buFontTx/>
-              <a:buChar char="-"/>
-            </a:pPr>
-            <a:r>
-              <a:rPr lang="en-US" altLang="ko-KR" dirty="0" smtClean="0"/>
-              <a:t>[XXX]</a:t>
-            </a:r>
-            <a:endParaRPr lang="en-US" altLang="ko-KR" dirty="0"/>
-          </a:p>
-        </p:txBody>
-      </p:sp>
-      <p:sp>
-        <p:nvSpPr>
-          <p:cNvPr id="5" name="TextBox 4"/>
-          <p:cNvSpPr txBox="1"/>
-          <p:nvPr/>
-        </p:nvSpPr>
-        <p:spPr>
-          <a:xfrm>
-            <a:off x="9576262" y="2684188"/>
-            <a:ext cx="2262812" cy="369332"/>
-          </a:xfrm>
-          <a:prstGeom prst="rect">
-            <a:avLst/>
-          </a:prstGeom>
-          <a:noFill/>
-        </p:spPr>
-        <p:txBody>
-          <a:bodyPr wrap="square" rtlCol="0">
-            <a:spAutoFit/>
-          </a:bodyPr>
-          <a:lstStyle/>
-          <a:p>
-            <a:r>
-              <a:rPr lang="en-US" altLang="ko-KR" dirty="0" smtClean="0"/>
-              <a:t>&lt;</a:t>
-            </a:r>
-            <a:r>
-              <a:rPr lang="ko-KR" altLang="en-US" dirty="0" err="1" smtClean="0"/>
-              <a:t>하이퍼파라미터</a:t>
-            </a:r>
-            <a:r>
-              <a:rPr lang="en-US" altLang="ko-KR" dirty="0" smtClean="0"/>
-              <a:t>&gt;</a:t>
-            </a:r>
-            <a:r>
-              <a:rPr lang="ko-KR" altLang="en-US" dirty="0" smtClean="0"/>
-              <a:t> </a:t>
-            </a:r>
-            <a:endParaRPr lang="ko-KR" altLang="en-US" dirty="0"/>
-          </a:p>
-        </p:txBody>
-      </p:sp>
-      <p:pic>
-        <p:nvPicPr>
-          <p:cNvPr id="6" name="그림 5"/>
-          <p:cNvPicPr>
-            <a:picLocks noChangeAspect="1"/>
-          </p:cNvPicPr>
-          <p:nvPr/>
-        </p:nvPicPr>
-        <p:blipFill>
-          <a:blip r:embed="rId2"/>
-          <a:stretch>
-            <a:fillRect/>
-          </a:stretch>
-        </p:blipFill>
-        <p:spPr>
-          <a:xfrm>
-            <a:off x="9116299" y="1295047"/>
-            <a:ext cx="2995589" cy="3030574"/>
-          </a:xfrm>
-          <a:prstGeom prst="rect">
-            <a:avLst/>
-          </a:prstGeom>
-        </p:spPr>
-      </p:pic>
-    </p:spTree>
-    <p:extLst>
-      <p:ext uri="{BB962C8B-B14F-4D97-AF65-F5344CB8AC3E}">
-        <p14:creationId xmlns:p14="http://schemas.microsoft.com/office/powerpoint/2010/main" val="504876074"/>
-      </p:ext>
-    </p:extLst>
-  </p:cSld>
-  <p:clrMapOvr>
-    <a:masterClrMapping/>
-  </p:clrMapOvr>
-</p:sld>
-</file>
-
 <file path=ppt/slides/slide18.xml><?xml version="1.0" encoding="utf-8"?>
 <p:sld xmlns:a="http://schemas.openxmlformats.org/drawingml/2006/main" xmlns:r="http://schemas.openxmlformats.org/officeDocument/2006/relationships" xmlns:p="http://schemas.openxmlformats.org/presentationml/2006/main">
   <p:cSld>
@@ -8177,42 +7828,22 @@
           <a:lstStyle/>
           <a:p>
             <a:r>
-              <a:rPr lang="en-US" altLang="ko-KR" dirty="0" smtClean="0">
-                <a:solidFill>
-                  <a:srgbClr val="FF0000"/>
-                </a:solidFill>
-              </a:rPr>
+              <a:rPr lang="en-US" altLang="ko-KR" dirty="0" smtClean="0"/>
               <a:t>DDPG</a:t>
             </a:r>
             <a:r>
-              <a:rPr lang="ko-KR" altLang="en-US" dirty="0" smtClean="0">
-                <a:solidFill>
-                  <a:srgbClr val="FF0000"/>
-                </a:solidFill>
-              </a:rPr>
+              <a:rPr lang="ko-KR" altLang="en-US" dirty="0" smtClean="0"/>
               <a:t> </a:t>
             </a:r>
             <a:r>
-              <a:rPr lang="en-US" altLang="ko-KR" dirty="0" smtClean="0">
-                <a:solidFill>
-                  <a:srgbClr val="FF0000"/>
-                </a:solidFill>
-              </a:rPr>
-              <a:t>6_ver2</a:t>
-            </a:r>
-            <a:r>
-              <a:rPr lang="ko-KR" altLang="en-US" dirty="0" smtClean="0">
-                <a:solidFill>
-                  <a:srgbClr val="FF0000"/>
-                </a:solidFill>
-              </a:rPr>
+              <a:rPr lang="en-US" altLang="ko-KR" dirty="0" smtClean="0"/>
+              <a:t>5_ver2 </a:t>
+            </a:r>
+            <a:r>
+              <a:rPr lang="ko-KR" altLang="en-US" dirty="0" smtClean="0"/>
               <a:t>  </a:t>
             </a:r>
-            <a:endParaRPr lang="ko-KR" altLang="en-US" dirty="0">
-              <a:solidFill>
-                <a:srgbClr val="FF0000"/>
-              </a:solidFill>
-            </a:endParaRPr>
+            <a:endParaRPr lang="ko-KR" altLang="en-US" dirty="0"/>
           </a:p>
         </p:txBody>
       </p:sp>
@@ -8225,7 +7856,7 @@
         <p:spPr>
           <a:xfrm>
             <a:off x="838200" y="1484771"/>
-            <a:ext cx="11000874" cy="5078313"/>
+            <a:ext cx="11000874" cy="1754326"/>
           </a:xfrm>
           <a:prstGeom prst="rect">
             <a:avLst/>
@@ -8309,11 +7940,7 @@
               <a:buChar char="-"/>
             </a:pPr>
             <a:r>
-              <a:rPr lang="en-US" altLang="ko-KR" b="1" dirty="0">
-                <a:solidFill>
-                  <a:srgbClr val="FF0000"/>
-                </a:solidFill>
-              </a:rPr>
+              <a:rPr lang="en-US" altLang="ko-KR" b="1" dirty="0"/>
               <a:t>Env1 State:</a:t>
             </a:r>
           </a:p>
@@ -8344,27 +7971,30 @@
             </a:r>
             <a:r>
               <a:rPr lang="en-US" altLang="ko-KR" dirty="0"/>
-              <a:t>, SOC - </a:t>
-            </a:r>
-            <a:r>
-              <a:rPr lang="en-US" altLang="ko-KR" dirty="0" smtClean="0"/>
-              <a:t>0.6]</a:t>
-            </a:r>
-            <a:endParaRPr lang="en-US" altLang="ko-KR" dirty="0" smtClean="0"/>
+              <a:t>, SOC - 0.6, </a:t>
+            </a:r>
+            <a:r>
+              <a:rPr lang="en-US" altLang="ko-KR" dirty="0" err="1"/>
+              <a:t>j_min</a:t>
+            </a:r>
+            <a:r>
+              <a:rPr lang="en-US" altLang="ko-KR" dirty="0"/>
+              <a:t>, </a:t>
+            </a:r>
+            <a:r>
+              <a:rPr lang="en-US" altLang="ko-KR" dirty="0" err="1"/>
+              <a:t>j_max</a:t>
+            </a:r>
+            <a:r>
+              <a:rPr lang="en-US" altLang="ko-KR" dirty="0" smtClean="0"/>
+              <a:t>]</a:t>
+            </a:r>
           </a:p>
           <a:p>
             <a:pPr marL="742950" lvl="1" indent="-285750">
               <a:buFontTx/>
               <a:buChar char="-"/>
             </a:pPr>
-            <a:r>
-              <a:rPr lang="en-US" altLang="ko-KR" dirty="0" smtClean="0"/>
-              <a:t>Replay memory</a:t>
-            </a:r>
-            <a:r>
-              <a:rPr lang="ko-KR" altLang="en-US" dirty="0" smtClean="0"/>
-              <a:t>에서 </a:t>
-            </a:r>
             <a:r>
               <a:rPr lang="en-US" altLang="ko-KR" dirty="0" err="1" smtClean="0"/>
               <a:t>power_out</a:t>
@@ -8375,37 +8005,13 @@
             </a:r>
             <a:r>
               <a:rPr lang="en-US" altLang="ko-KR" dirty="0" smtClean="0"/>
-              <a:t> </a:t>
-            </a:r>
-            <a:r>
-              <a:rPr lang="en-US" altLang="ko-KR" dirty="0" smtClean="0">
-                <a:solidFill>
-                  <a:srgbClr val="FF0000"/>
-                </a:solidFill>
-              </a:rPr>
-              <a:t>mean-</a:t>
-            </a:r>
-            <a:r>
-              <a:rPr lang="en-US" altLang="ko-KR" dirty="0" err="1" smtClean="0">
-                <a:solidFill>
-                  <a:srgbClr val="FF0000"/>
-                </a:solidFill>
-              </a:rPr>
-              <a:t>std</a:t>
-            </a:r>
-            <a:r>
-              <a:rPr lang="en-US" altLang="ko-KR" dirty="0" smtClean="0">
-                <a:solidFill>
-                  <a:srgbClr val="FF0000"/>
-                </a:solidFill>
-              </a:rPr>
-              <a:t> normalization </a:t>
+              <a:t> min-max normalization_ver2 </a:t>
             </a:r>
             <a:r>
               <a:rPr lang="ko-KR" altLang="en-US" dirty="0" smtClean="0"/>
               <a:t>적용 </a:t>
             </a:r>
-            <a:endParaRPr lang="en-US" altLang="ko-KR" dirty="0" smtClean="0"/>
+            <a:endParaRPr lang="en-US" altLang="ko-KR" dirty="0"/>
           </a:p>
           <a:p>
             <a:pPr marL="742950" lvl="1" indent="-285750">
@@ -8414,416 +8020,7 @@
             </a:pPr>
             <a:r>
               <a:rPr lang="en-US" altLang="ko-KR" dirty="0" smtClean="0"/>
-              <a:t>[O]</a:t>
-            </a:r>
-            <a:endParaRPr lang="en-US" altLang="ko-KR" dirty="0"/>
-          </a:p>
-          <a:p>
-            <a:pPr marL="285750" indent="-285750">
-              <a:buFontTx/>
-              <a:buChar char="-"/>
-            </a:pPr>
-            <a:r>
-              <a:rPr lang="en-US" altLang="ko-KR" b="1" dirty="0" smtClean="0"/>
-              <a:t>Env2 </a:t>
-            </a:r>
-            <a:r>
-              <a:rPr lang="en-US" altLang="ko-KR" b="1" dirty="0"/>
-              <a:t>State:</a:t>
-            </a:r>
-          </a:p>
-          <a:p>
-            <a:pPr marL="742950" lvl="1" indent="-285750">
-              <a:buFontTx/>
-              <a:buChar char="-"/>
-            </a:pPr>
-            <a:r>
-              <a:rPr lang="en-US" altLang="ko-KR" dirty="0"/>
-              <a:t>State:   [</a:t>
-            </a:r>
-            <a:r>
-              <a:rPr lang="en-US" altLang="ko-KR" dirty="0" err="1">
-                <a:solidFill>
-                  <a:srgbClr val="FF0000"/>
-                </a:solidFill>
-              </a:rPr>
-              <a:t>power_out</a:t>
-            </a:r>
-            <a:r>
-              <a:rPr lang="en-US" altLang="ko-KR" dirty="0">
-                <a:solidFill>
-                  <a:srgbClr val="FF0000"/>
-                </a:solidFill>
-              </a:rPr>
-              <a:t>/1000</a:t>
-            </a:r>
-            <a:r>
-              <a:rPr lang="en-US" altLang="ko-KR" dirty="0"/>
-              <a:t>, SOC </a:t>
-            </a:r>
-            <a:r>
-              <a:rPr lang="en-US" altLang="ko-KR" dirty="0" smtClean="0"/>
-              <a:t>– 0.6]</a:t>
-            </a:r>
-            <a:endParaRPr lang="en-US" altLang="ko-KR" dirty="0"/>
-          </a:p>
-          <a:p>
-            <a:pPr marL="742950" lvl="1" indent="-285750">
-              <a:buFontTx/>
-              <a:buChar char="-"/>
-            </a:pPr>
-            <a:r>
-              <a:rPr lang="en-US" altLang="ko-KR" dirty="0"/>
-              <a:t>Replay </a:t>
-            </a:r>
-            <a:r>
-              <a:rPr lang="en-US" altLang="ko-KR" dirty="0" smtClean="0"/>
-              <a:t>memory</a:t>
-            </a:r>
-            <a:r>
-              <a:rPr lang="ko-KR" altLang="en-US" dirty="0" smtClean="0"/>
-              <a:t>에서 </a:t>
-            </a:r>
-            <a:r>
-              <a:rPr lang="ko-KR" altLang="en-US" dirty="0" smtClean="0"/>
-              <a:t>모든 </a:t>
-            </a:r>
-            <a:r>
-              <a:rPr lang="en-US" altLang="ko-KR" dirty="0" smtClean="0"/>
-              <a:t>Feature</a:t>
-            </a:r>
-            <a:r>
-              <a:rPr lang="ko-KR" altLang="en-US" dirty="0" smtClean="0"/>
-              <a:t>에 </a:t>
-            </a:r>
-            <a:r>
-              <a:rPr lang="ko-KR" altLang="en-US" dirty="0"/>
-              <a:t>대해</a:t>
-            </a:r>
-            <a:r>
-              <a:rPr lang="en-US" altLang="ko-KR" dirty="0"/>
-              <a:t> </a:t>
-            </a:r>
-            <a:r>
-              <a:rPr lang="en-US" altLang="ko-KR" dirty="0">
-                <a:solidFill>
-                  <a:srgbClr val="FF0000"/>
-                </a:solidFill>
-              </a:rPr>
-              <a:t>mean-</a:t>
-            </a:r>
-            <a:r>
-              <a:rPr lang="en-US" altLang="ko-KR" dirty="0" err="1">
-                <a:solidFill>
-                  <a:srgbClr val="FF0000"/>
-                </a:solidFill>
-              </a:rPr>
-              <a:t>std</a:t>
-            </a:r>
-            <a:r>
-              <a:rPr lang="en-US" altLang="ko-KR" dirty="0">
-                <a:solidFill>
-                  <a:srgbClr val="FF0000"/>
-                </a:solidFill>
-              </a:rPr>
-              <a:t> normalization </a:t>
-            </a:r>
-            <a:r>
-              <a:rPr lang="ko-KR" altLang="en-US" dirty="0"/>
-              <a:t>적용 </a:t>
-            </a:r>
-            <a:endParaRPr lang="en-US" altLang="ko-KR" dirty="0" smtClean="0"/>
-          </a:p>
-          <a:p>
-            <a:pPr marL="742950" lvl="1" indent="-285750">
-              <a:buFontTx/>
-              <a:buChar char="-"/>
-            </a:pPr>
-            <a:r>
-              <a:rPr lang="en-US" altLang="ko-KR" dirty="0" smtClean="0"/>
               <a:t>[V]</a:t>
-            </a:r>
-            <a:endParaRPr lang="en-US" altLang="ko-KR" dirty="0" smtClean="0"/>
-          </a:p>
-          <a:p>
-            <a:pPr marL="285750" indent="-285750">
-              <a:buFontTx/>
-              <a:buChar char="-"/>
-            </a:pPr>
-            <a:r>
-              <a:rPr lang="en-US" altLang="ko-KR" b="1" dirty="0" smtClean="0"/>
-              <a:t>Env3 </a:t>
-            </a:r>
-            <a:r>
-              <a:rPr lang="en-US" altLang="ko-KR" b="1" dirty="0"/>
-              <a:t>State:</a:t>
-            </a:r>
-          </a:p>
-          <a:p>
-            <a:pPr marL="742950" lvl="1" indent="-285750">
-              <a:buFontTx/>
-              <a:buChar char="-"/>
-            </a:pPr>
-            <a:r>
-              <a:rPr lang="en-US" altLang="ko-KR" dirty="0"/>
-              <a:t>State:   </a:t>
-            </a:r>
-            <a:r>
-              <a:rPr lang="en-US" altLang="ko-KR" dirty="0" smtClean="0"/>
-              <a:t>[</a:t>
-            </a:r>
-            <a:r>
-              <a:rPr lang="en-US" altLang="ko-KR" dirty="0" err="1" smtClean="0">
-                <a:solidFill>
-                  <a:srgbClr val="FF0000"/>
-                </a:solidFill>
-              </a:rPr>
-              <a:t>acc</a:t>
-            </a:r>
-            <a:r>
-              <a:rPr lang="en-US" altLang="ko-KR" dirty="0" smtClean="0">
-                <a:solidFill>
-                  <a:srgbClr val="FF0000"/>
-                </a:solidFill>
-              </a:rPr>
-              <a:t>, </a:t>
-            </a:r>
-            <a:r>
-              <a:rPr lang="en-US" altLang="ko-KR" dirty="0" err="1" smtClean="0">
-                <a:solidFill>
-                  <a:srgbClr val="FF0000"/>
-                </a:solidFill>
-              </a:rPr>
-              <a:t>sp_whl</a:t>
-            </a:r>
-            <a:r>
-              <a:rPr lang="en-US" altLang="ko-KR" dirty="0" smtClean="0"/>
-              <a:t>, </a:t>
-            </a:r>
-            <a:r>
-              <a:rPr lang="en-US" altLang="ko-KR" dirty="0"/>
-              <a:t>SOC </a:t>
-            </a:r>
-            <a:r>
-              <a:rPr lang="en-US" altLang="ko-KR" dirty="0" smtClean="0"/>
-              <a:t>– 0.6]</a:t>
-            </a:r>
-            <a:endParaRPr lang="en-US" altLang="ko-KR" dirty="0"/>
-          </a:p>
-          <a:p>
-            <a:pPr marL="742950" lvl="1" indent="-285750">
-              <a:buFontTx/>
-              <a:buChar char="-"/>
-            </a:pPr>
-            <a:r>
-              <a:rPr lang="en-US" altLang="ko-KR" dirty="0"/>
-              <a:t>Replay </a:t>
-            </a:r>
-            <a:r>
-              <a:rPr lang="en-US" altLang="ko-KR" dirty="0" smtClean="0"/>
-              <a:t>memory</a:t>
-            </a:r>
-            <a:r>
-              <a:rPr lang="ko-KR" altLang="en-US" dirty="0" smtClean="0"/>
-              <a:t>에서 </a:t>
-            </a:r>
-            <a:r>
-              <a:rPr lang="en-US" altLang="ko-KR" dirty="0" err="1" smtClean="0"/>
-              <a:t>acc</a:t>
-            </a:r>
-            <a:r>
-              <a:rPr lang="en-US" altLang="ko-KR" dirty="0" smtClean="0"/>
-              <a:t>, </a:t>
-            </a:r>
-            <a:r>
-              <a:rPr lang="en-US" altLang="ko-KR" dirty="0" err="1" smtClean="0"/>
-              <a:t>sp_whl</a:t>
-            </a:r>
-            <a:r>
-              <a:rPr lang="ko-KR" altLang="en-US" dirty="0" smtClean="0"/>
-              <a:t>에 </a:t>
-            </a:r>
-            <a:r>
-              <a:rPr lang="ko-KR" altLang="en-US" dirty="0"/>
-              <a:t>대해</a:t>
-            </a:r>
-            <a:r>
-              <a:rPr lang="en-US" altLang="ko-KR" dirty="0"/>
-              <a:t> </a:t>
-            </a:r>
-            <a:r>
-              <a:rPr lang="en-US" altLang="ko-KR" dirty="0">
-                <a:solidFill>
-                  <a:srgbClr val="FF0000"/>
-                </a:solidFill>
-              </a:rPr>
-              <a:t>mean-</a:t>
-            </a:r>
-            <a:r>
-              <a:rPr lang="en-US" altLang="ko-KR" dirty="0" err="1">
-                <a:solidFill>
-                  <a:srgbClr val="FF0000"/>
-                </a:solidFill>
-              </a:rPr>
-              <a:t>std</a:t>
-            </a:r>
-            <a:r>
-              <a:rPr lang="en-US" altLang="ko-KR" dirty="0">
-                <a:solidFill>
-                  <a:srgbClr val="FF0000"/>
-                </a:solidFill>
-              </a:rPr>
-              <a:t> normalization</a:t>
-            </a:r>
-            <a:r>
-              <a:rPr lang="en-US" altLang="ko-KR" dirty="0"/>
-              <a:t> </a:t>
-            </a:r>
-            <a:r>
-              <a:rPr lang="ko-KR" altLang="en-US" dirty="0" smtClean="0"/>
-              <a:t>적용 </a:t>
-            </a:r>
-            <a:endParaRPr lang="en-US" altLang="ko-KR" dirty="0"/>
-          </a:p>
-          <a:p>
-            <a:pPr marL="742950" lvl="1" indent="-285750">
-              <a:buFontTx/>
-              <a:buChar char="-"/>
-            </a:pPr>
-            <a:r>
-              <a:rPr lang="en-US" altLang="ko-KR" dirty="0" smtClean="0"/>
-              <a:t>[X]</a:t>
-            </a:r>
-            <a:endParaRPr lang="en-US" altLang="ko-KR" dirty="0" smtClean="0"/>
-          </a:p>
-          <a:p>
-            <a:pPr marL="285750" indent="-285750">
-              <a:buFontTx/>
-              <a:buChar char="-"/>
-            </a:pPr>
-            <a:r>
-              <a:rPr lang="en-US" altLang="ko-KR" b="1" dirty="0" smtClean="0"/>
-              <a:t>Env4 </a:t>
-            </a:r>
-            <a:r>
-              <a:rPr lang="en-US" altLang="ko-KR" b="1" dirty="0"/>
-              <a:t>State:</a:t>
-            </a:r>
-          </a:p>
-          <a:p>
-            <a:pPr marL="742950" lvl="1" indent="-285750">
-              <a:buFontTx/>
-              <a:buChar char="-"/>
-            </a:pPr>
-            <a:r>
-              <a:rPr lang="en-US" altLang="ko-KR" dirty="0"/>
-              <a:t>State:   </a:t>
-            </a:r>
-            <a:r>
-              <a:rPr lang="en-US" altLang="ko-KR" dirty="0" smtClean="0"/>
-              <a:t>[</a:t>
-            </a:r>
-            <a:r>
-              <a:rPr lang="en-US" altLang="ko-KR" dirty="0" err="1" smtClean="0">
-                <a:solidFill>
-                  <a:srgbClr val="FF0000"/>
-                </a:solidFill>
-              </a:rPr>
-              <a:t>acc</a:t>
-            </a:r>
-            <a:r>
-              <a:rPr lang="en-US" altLang="ko-KR" dirty="0" smtClean="0">
-                <a:solidFill>
-                  <a:srgbClr val="FF0000"/>
-                </a:solidFill>
-              </a:rPr>
-              <a:t>, </a:t>
-            </a:r>
-            <a:r>
-              <a:rPr lang="en-US" altLang="ko-KR" dirty="0" err="1" smtClean="0">
-                <a:solidFill>
-                  <a:srgbClr val="FF0000"/>
-                </a:solidFill>
-              </a:rPr>
-              <a:t>sp_whl</a:t>
-            </a:r>
-            <a:r>
-              <a:rPr lang="en-US" altLang="ko-KR" dirty="0" smtClean="0"/>
-              <a:t>, </a:t>
-            </a:r>
-            <a:r>
-              <a:rPr lang="en-US" altLang="ko-KR" dirty="0"/>
-              <a:t>SOC - </a:t>
-            </a:r>
-            <a:r>
-              <a:rPr lang="en-US" altLang="ko-KR" dirty="0" smtClean="0"/>
-              <a:t>0.6]</a:t>
-            </a:r>
-            <a:endParaRPr lang="en-US" altLang="ko-KR" dirty="0"/>
-          </a:p>
-          <a:p>
-            <a:pPr marL="742950" lvl="1" indent="-285750">
-              <a:buFontTx/>
-              <a:buChar char="-"/>
-            </a:pPr>
-            <a:r>
-              <a:rPr lang="en-US" altLang="ko-KR" dirty="0"/>
-              <a:t>Replay memory</a:t>
-            </a:r>
-            <a:r>
-              <a:rPr lang="ko-KR" altLang="en-US" dirty="0"/>
-              <a:t>에서 모든 </a:t>
-            </a:r>
-            <a:r>
-              <a:rPr lang="en-US" altLang="ko-KR" dirty="0"/>
-              <a:t>Feature</a:t>
-            </a:r>
-            <a:r>
-              <a:rPr lang="ko-KR" altLang="en-US" dirty="0"/>
-              <a:t>에 대해</a:t>
-            </a:r>
-            <a:r>
-              <a:rPr lang="en-US" altLang="ko-KR" dirty="0"/>
-              <a:t> </a:t>
-            </a:r>
-            <a:r>
-              <a:rPr lang="en-US" altLang="ko-KR" dirty="0">
-                <a:solidFill>
-                  <a:srgbClr val="FF0000"/>
-                </a:solidFill>
-              </a:rPr>
-              <a:t>mean-</a:t>
-            </a:r>
-            <a:r>
-              <a:rPr lang="en-US" altLang="ko-KR" dirty="0" err="1">
-                <a:solidFill>
-                  <a:srgbClr val="FF0000"/>
-                </a:solidFill>
-              </a:rPr>
-              <a:t>std</a:t>
-            </a:r>
-            <a:r>
-              <a:rPr lang="en-US" altLang="ko-KR" dirty="0">
-                <a:solidFill>
-                  <a:srgbClr val="FF0000"/>
-                </a:solidFill>
-              </a:rPr>
-              <a:t> normalization </a:t>
-            </a:r>
-            <a:r>
-              <a:rPr lang="ko-KR" altLang="en-US" dirty="0" smtClean="0"/>
-              <a:t>적용 </a:t>
-            </a:r>
-            <a:endParaRPr lang="en-US" altLang="ko-KR" dirty="0"/>
-          </a:p>
-          <a:p>
-            <a:pPr marL="742950" lvl="1" indent="-285750">
-              <a:buFontTx/>
-              <a:buChar char="-"/>
-            </a:pPr>
-            <a:r>
-              <a:rPr lang="en-US" altLang="ko-KR" dirty="0" smtClean="0"/>
-              <a:t>[X]</a:t>
             </a:r>
             <a:endParaRPr lang="en-US" altLang="ko-KR" dirty="0"/>
           </a:p>
@@ -8831,14 +8028,14 @@
       </p:sp>
       <p:sp>
         <p:nvSpPr>
-          <p:cNvPr id="6" name="TextBox 5"/>
+          <p:cNvPr id="5" name="TextBox 4"/>
           <p:cNvSpPr txBox="1"/>
           <p:nvPr/>
         </p:nvSpPr>
         <p:spPr>
           <a:xfrm>
-            <a:off x="3699233" y="6454430"/>
-            <a:ext cx="5478018" cy="369332"/>
+            <a:off x="9376757" y="4122289"/>
+            <a:ext cx="3017520" cy="369332"/>
           </a:xfrm>
           <a:prstGeom prst="rect">
             <a:avLst/>
@@ -8852,28 +8049,70 @@
           <a:lstStyle/>
           <a:p>
             <a:r>
+              <a:rPr lang="en-US" altLang="ko-KR" dirty="0" smtClean="0"/>
+              <a:t>&lt;</a:t>
+            </a:r>
+            <a:r>
+              <a:rPr lang="ko-KR" altLang="en-US" dirty="0" err="1" smtClean="0"/>
+              <a:t>하이퍼파라미터</a:t>
+            </a:r>
+            <a:r>
+              <a:rPr lang="en-US" altLang="ko-KR" dirty="0" smtClean="0"/>
+              <a:t>&gt;</a:t>
+            </a:r>
+            <a:r>
+              <a:rPr lang="ko-KR" altLang="en-US" dirty="0" smtClean="0"/>
+              <a:t> </a:t>
+            </a:r>
+            <a:endParaRPr lang="ko-KR" altLang="en-US" dirty="0"/>
+          </a:p>
+        </p:txBody>
+      </p:sp>
+      <p:sp>
+        <p:nvSpPr>
+          <p:cNvPr id="6" name="TextBox 5"/>
+          <p:cNvSpPr txBox="1"/>
+          <p:nvPr/>
+        </p:nvSpPr>
+        <p:spPr>
+          <a:xfrm>
+            <a:off x="1566247" y="4701198"/>
+            <a:ext cx="8607145" cy="369332"/>
+          </a:xfrm>
+          <a:prstGeom prst="rect">
+            <a:avLst/>
+          </a:prstGeom>
+          <a:noFill/>
+        </p:spPr>
+        <p:txBody>
+          <a:bodyPr wrap="square" rtlCol="0">
+            <a:spAutoFit/>
+          </a:bodyPr>
+          <a:lstStyle/>
+          <a:p>
+            <a:r>
+              <a:rPr lang="en-US" altLang="ko-KR" b="1" dirty="0" smtClean="0">
+                <a:solidFill>
+                  <a:srgbClr val="FF0000"/>
+                </a:solidFill>
+              </a:rPr>
+              <a:t>Mean-Standard deviation </a:t>
+            </a:r>
+            <a:r>
+              <a:rPr lang="en-US" altLang="ko-KR" b="1" dirty="0" smtClean="0">
+                <a:solidFill>
+                  <a:srgbClr val="FF0000"/>
+                </a:solidFill>
+              </a:rPr>
+              <a:t>normalization</a:t>
+            </a:r>
+            <a:r>
               <a:rPr lang="ko-KR" altLang="en-US" b="1" dirty="0" smtClean="0">
                 <a:solidFill>
                   <a:srgbClr val="FF0000"/>
                 </a:solidFill>
               </a:rPr>
-              <a:t>결론은 </a:t>
-            </a:r>
-            <a:r>
-              <a:rPr lang="en-US" altLang="ko-KR" b="1" dirty="0" smtClean="0">
-                <a:solidFill>
-                  <a:srgbClr val="FF0000"/>
-                </a:solidFill>
-              </a:rPr>
-              <a:t>Env1</a:t>
-            </a:r>
-            <a:r>
-              <a:rPr lang="ko-KR" altLang="en-US" b="1" dirty="0" smtClean="0">
-                <a:solidFill>
-                  <a:srgbClr val="FF0000"/>
-                </a:solidFill>
-              </a:rPr>
-              <a:t>이 가장 적합하다는 사실임 </a:t>
+              <a:t>보다 효과가 떨어지는 것으로 보임 </a:t>
             </a:r>
             <a:endParaRPr lang="en-US" altLang="ko-KR" b="1" dirty="0">
               <a:solidFill>
@@ -8899,8 +8138,8 @@
         </p:blipFill>
         <p:spPr>
           <a:xfrm>
-            <a:off x="9109696" y="1027906"/>
-            <a:ext cx="3222004" cy="3307292"/>
+            <a:off x="9027957" y="929353"/>
+            <a:ext cx="3075374" cy="3071079"/>
           </a:xfrm>
           <a:prstGeom prst="rect">
             <a:avLst/>
@@ -8910,7 +8149,7 @@
     </p:spTree>
     <p:extLst>
       <p:ext uri="{BB962C8B-B14F-4D97-AF65-F5344CB8AC3E}">
-        <p14:creationId xmlns:p14="http://schemas.microsoft.com/office/powerpoint/2010/main" val="3545861553"/>
+        <p14:creationId xmlns:p14="http://schemas.microsoft.com/office/powerpoint/2010/main" val="3691464051"/>
       </p:ext>
     </p:extLst>
   </p:cSld>
@@ -8953,22 +8192,42 @@
           <a:lstStyle/>
           <a:p>
             <a:r>
-              <a:rPr lang="en-US" altLang="ko-KR" dirty="0" smtClean="0"/>
+              <a:rPr lang="en-US" altLang="ko-KR" dirty="0" smtClean="0">
+                <a:solidFill>
+                  <a:srgbClr val="FF0000"/>
+                </a:solidFill>
+              </a:rPr>
               <a:t>DDPG</a:t>
             </a:r>
             <a:r>
-              <a:rPr lang="ko-KR" altLang="en-US" dirty="0" smtClean="0"/>
+              <a:rPr lang="ko-KR" altLang="en-US" dirty="0" smtClean="0">
+                <a:solidFill>
+                  <a:srgbClr val="FF0000"/>
+                </a:solidFill>
+              </a:rPr>
               <a:t> </a:t>
             </a:r>
             <a:r>
-              <a:rPr lang="en-US" altLang="ko-KR" dirty="0" smtClean="0"/>
-              <a:t>7</a:t>
-            </a:r>
-            <a:r>
-              <a:rPr lang="ko-KR" altLang="en-US" dirty="0" smtClean="0"/>
+              <a:rPr lang="en-US" altLang="ko-KR" dirty="0">
+                <a:solidFill>
+                  <a:srgbClr val="FF0000"/>
+                </a:solidFill>
+              </a:rPr>
+              <a:t>6</a:t>
+            </a:r>
+            <a:r>
+              <a:rPr lang="ko-KR" altLang="en-US" dirty="0" smtClean="0">
+                <a:solidFill>
+                  <a:srgbClr val="FF0000"/>
+                </a:solidFill>
+              </a:rPr>
               <a:t>  </a:t>
             </a:r>
-            <a:endParaRPr lang="ko-KR" altLang="en-US" dirty="0"/>
+            <a:endParaRPr lang="ko-KR" altLang="en-US" dirty="0">
+              <a:solidFill>
+                <a:srgbClr val="FF0000"/>
+              </a:solidFill>
+            </a:endParaRPr>
           </a:p>
         </p:txBody>
       </p:sp>
@@ -8981,7 +8240,7 @@
         <p:spPr>
           <a:xfrm>
             <a:off x="838200" y="1484771"/>
-            <a:ext cx="11000874" cy="1477328"/>
+            <a:ext cx="11000874" cy="5078313"/>
           </a:xfrm>
           <a:prstGeom prst="rect">
             <a:avLst/>
@@ -8994,7 +8253,7 @@
           </a:bodyPr>
           <a:lstStyle/>
           <a:p>
-            <a:pPr marL="285750" lvl="1" indent="-285750">
+            <a:pPr marL="285750" indent="-285750">
               <a:buFontTx/>
               <a:buChar char="-"/>
             </a:pPr>
@@ -9004,7 +8263,7 @@
                   <a:srgbClr val="FF0000"/>
                 </a:solidFill>
               </a:rPr>
-              <a:t>State</a:t>
+              <a:t>Replay memory</a:t>
             </a:r>
             <a:r>
               <a:rPr lang="ko-KR" altLang="en-US" b="1" dirty="0" smtClean="0">
@@ -9012,7 +8271,7 @@
                   <a:srgbClr val="FF0000"/>
                 </a:solidFill>
               </a:rPr>
-              <a:t>를 확장함</a:t>
+              <a:t>에서 </a:t>
             </a:r>
             <a:r>
               <a:rPr lang="en-US" altLang="ko-KR" b="1" dirty="0" smtClean="0">
@@ -9020,71 +8279,43 @@
                   <a:srgbClr val="FF0000"/>
                 </a:solidFill>
               </a:rPr>
-              <a:t>: </a:t>
-            </a:r>
-            <a:r>
-              <a:rPr lang="en-US" altLang="ko-KR" dirty="0">
-                <a:solidFill>
-                  <a:srgbClr val="FF0000"/>
-                </a:solidFill>
-              </a:rPr>
-              <a:t>[</a:t>
-            </a:r>
-            <a:r>
-              <a:rPr lang="en-US" altLang="ko-KR" dirty="0" err="1">
-                <a:solidFill>
-                  <a:srgbClr val="FF0000"/>
-                </a:solidFill>
-              </a:rPr>
-              <a:t>power_out</a:t>
-            </a:r>
-            <a:r>
-              <a:rPr lang="en-US" altLang="ko-KR" dirty="0">
-                <a:solidFill>
-                  <a:srgbClr val="FF0000"/>
-                </a:solidFill>
-              </a:rPr>
-              <a:t>/1000, </a:t>
-            </a:r>
-            <a:r>
-              <a:rPr lang="en-US" altLang="ko-KR" dirty="0" err="1" smtClean="0">
-                <a:solidFill>
-                  <a:srgbClr val="FF0000"/>
-                </a:solidFill>
-              </a:rPr>
-              <a:t>action_prev</a:t>
-            </a:r>
-            <a:r>
-              <a:rPr lang="en-US" altLang="ko-KR" dirty="0" smtClean="0">
-                <a:solidFill>
-                  <a:srgbClr val="FF0000"/>
-                </a:solidFill>
-              </a:rPr>
-              <a:t>, SOC </a:t>
-            </a:r>
-            <a:r>
-              <a:rPr lang="en-US" altLang="ko-KR" dirty="0">
-                <a:solidFill>
-                  <a:srgbClr val="FF0000"/>
-                </a:solidFill>
-              </a:rPr>
-              <a:t>- </a:t>
-            </a:r>
-            <a:r>
-              <a:rPr lang="en-US" altLang="ko-KR" dirty="0" smtClean="0">
-                <a:solidFill>
-                  <a:srgbClr val="FF0000"/>
-                </a:solidFill>
-              </a:rPr>
-              <a:t>0.6, SOC]</a:t>
-            </a:r>
-            <a:endParaRPr lang="en-US" altLang="ko-KR" dirty="0">
+              <a:t>experiments</a:t>
+            </a:r>
+            <a:r>
+              <a:rPr lang="ko-KR" altLang="en-US" b="1" dirty="0" smtClean="0">
+                <a:solidFill>
+                  <a:srgbClr val="FF0000"/>
+                </a:solidFill>
+              </a:rPr>
+              <a:t>를 </a:t>
+            </a:r>
+            <a:r>
+              <a:rPr lang="en-US" altLang="ko-KR" b="1" dirty="0" smtClean="0">
+                <a:solidFill>
+                  <a:srgbClr val="FF0000"/>
+                </a:solidFill>
+              </a:rPr>
+              <a:t>normalization</a:t>
+            </a:r>
+            <a:r>
+              <a:rPr lang="ko-KR" altLang="en-US" b="1" dirty="0" smtClean="0">
+                <a:solidFill>
+                  <a:srgbClr val="FF0000"/>
+                </a:solidFill>
+              </a:rPr>
+              <a:t>하는 방식을 활용하기 </a:t>
+            </a:r>
+            <a:endParaRPr lang="en-US" altLang="ko-KR" b="1" dirty="0" smtClean="0">
               <a:solidFill>
                 <a:srgbClr val="FF0000"/>
               </a:solidFill>
             </a:endParaRPr>
           </a:p>
           <a:p>
+            <a:pPr marL="285750" indent="-285750">
+              <a:buFontTx/>
+              <a:buChar char="-"/>
+            </a:pPr>
             <a:endParaRPr lang="en-US" altLang="ko-KR" b="1" dirty="0"/>
           </a:p>
           <a:p>
@@ -9102,17 +8333,21 @@
             </a:r>
           </a:p>
           <a:p>
-            <a:pPr marL="742950" lvl="2" indent="-285750">
+            <a:pPr marL="742950" lvl="1" indent="-285750">
               <a:buFontTx/>
               <a:buChar char="-"/>
             </a:pPr>
             <a:r>
               <a:rPr lang="en-US" altLang="ko-KR" dirty="0"/>
-              <a:t>State</a:t>
-            </a:r>
-            <a:r>
-              <a:rPr lang="en-US" altLang="ko-KR" dirty="0" smtClean="0"/>
-              <a:t>: </a:t>
+              <a:t>State:   [</a:t>
+            </a:r>
+            <a:r>
+              <a:rPr lang="en-US" altLang="ko-KR" dirty="0" err="1">
+                <a:solidFill>
+                  <a:srgbClr val="FF0000"/>
+                </a:solidFill>
+              </a:rPr>
+              <a:t>power_out</a:t>
             </a:r>
             <a:r>
               <a:rPr lang="en-US" altLang="ko-KR" dirty="0">
@@ -9120,39 +8355,27 @@
                   <a:srgbClr val="FF0000"/>
                 </a:solidFill>
               </a:rPr>
-              <a:t>[</a:t>
-            </a:r>
-            <a:r>
-              <a:rPr lang="en-US" altLang="ko-KR" dirty="0" err="1">
-                <a:solidFill>
-                  <a:srgbClr val="FF0000"/>
-                </a:solidFill>
-              </a:rPr>
-              <a:t>power_out</a:t>
-            </a:r>
-            <a:r>
-              <a:rPr lang="en-US" altLang="ko-KR" dirty="0">
-                <a:solidFill>
-                  <a:srgbClr val="FF0000"/>
-                </a:solidFill>
-              </a:rPr>
-              <a:t>/1000, </a:t>
-            </a:r>
-            <a:r>
-              <a:rPr lang="en-US" altLang="ko-KR" dirty="0" err="1">
-                <a:solidFill>
-                  <a:srgbClr val="FF0000"/>
-                </a:solidFill>
-              </a:rPr>
-              <a:t>action_prev</a:t>
-            </a:r>
-            <a:r>
-              <a:rPr lang="en-US" altLang="ko-KR" dirty="0">
-                <a:solidFill>
-                  <a:srgbClr val="FF0000"/>
-                </a:solidFill>
-              </a:rPr>
-              <a:t>, SOC - 0.6, SOC]</a:t>
+              <a:t>/1000</a:t>
+            </a:r>
+            <a:r>
+              <a:rPr lang="en-US" altLang="ko-KR" dirty="0"/>
+              <a:t>, SOC - 0.6, </a:t>
+            </a:r>
+            <a:r>
+              <a:rPr lang="en-US" altLang="ko-KR" dirty="0" err="1"/>
+              <a:t>j_min</a:t>
+            </a:r>
+            <a:r>
+              <a:rPr lang="en-US" altLang="ko-KR" dirty="0"/>
+              <a:t>, </a:t>
+            </a:r>
+            <a:r>
+              <a:rPr lang="en-US" altLang="ko-KR" dirty="0" err="1"/>
+              <a:t>j_max</a:t>
+            </a:r>
+            <a:r>
+              <a:rPr lang="en-US" altLang="ko-KR" dirty="0" smtClean="0"/>
+              <a:t>]</a:t>
             </a:r>
           </a:p>
           <a:p>
@@ -9162,11 +8385,7 @@
             </a:pPr>
             <a:r>
               <a:rPr lang="en-US" altLang="ko-KR" dirty="0" smtClean="0"/>
-              <a:t>Replay </a:t>
-            </a:r>
-            <a:r>
-              <a:rPr lang="en-US" altLang="ko-KR" dirty="0" smtClean="0"/>
-              <a:t>memory</a:t>
+              <a:t>Replay memory</a:t>
             </a:r>
             <a:r>
               <a:rPr lang="ko-KR" altLang="en-US" dirty="0" smtClean="0"/>
@@ -9213,6 +8432,475 @@
               <a:t>적용 </a:t>
             </a:r>
             <a:endParaRPr lang="en-US" altLang="ko-KR" dirty="0" smtClean="0"/>
+          </a:p>
+          <a:p>
+            <a:pPr marL="742950" lvl="1" indent="-285750">
+              <a:buFontTx/>
+              <a:buChar char="-"/>
+            </a:pPr>
+            <a:r>
+              <a:rPr lang="en-US" altLang="ko-KR" dirty="0" smtClean="0"/>
+              <a:t>[OOX]</a:t>
+            </a:r>
+            <a:endParaRPr lang="en-US" altLang="ko-KR" dirty="0"/>
+          </a:p>
+          <a:p>
+            <a:pPr marL="285750" indent="-285750">
+              <a:buFontTx/>
+              <a:buChar char="-"/>
+            </a:pPr>
+            <a:r>
+              <a:rPr lang="en-US" altLang="ko-KR" b="1" dirty="0" smtClean="0"/>
+              <a:t>Env2 </a:t>
+            </a:r>
+            <a:r>
+              <a:rPr lang="en-US" altLang="ko-KR" b="1" dirty="0"/>
+              <a:t>State:</a:t>
+            </a:r>
+          </a:p>
+          <a:p>
+            <a:pPr marL="742950" lvl="1" indent="-285750">
+              <a:buFontTx/>
+              <a:buChar char="-"/>
+            </a:pPr>
+            <a:r>
+              <a:rPr lang="en-US" altLang="ko-KR" dirty="0"/>
+              <a:t>State:   [</a:t>
+            </a:r>
+            <a:r>
+              <a:rPr lang="en-US" altLang="ko-KR" dirty="0" err="1">
+                <a:solidFill>
+                  <a:srgbClr val="FF0000"/>
+                </a:solidFill>
+              </a:rPr>
+              <a:t>power_out</a:t>
+            </a:r>
+            <a:r>
+              <a:rPr lang="en-US" altLang="ko-KR" dirty="0">
+                <a:solidFill>
+                  <a:srgbClr val="FF0000"/>
+                </a:solidFill>
+              </a:rPr>
+              <a:t>/1000</a:t>
+            </a:r>
+            <a:r>
+              <a:rPr lang="en-US" altLang="ko-KR" dirty="0"/>
+              <a:t>, SOC </a:t>
+            </a:r>
+            <a:r>
+              <a:rPr lang="en-US" altLang="ko-KR" dirty="0" smtClean="0"/>
+              <a:t>– </a:t>
+            </a:r>
+            <a:r>
+              <a:rPr lang="en-US" altLang="ko-KR" dirty="0"/>
+              <a:t>0.6, </a:t>
+            </a:r>
+            <a:r>
+              <a:rPr lang="en-US" altLang="ko-KR" dirty="0" err="1"/>
+              <a:t>j_min</a:t>
+            </a:r>
+            <a:r>
+              <a:rPr lang="en-US" altLang="ko-KR" dirty="0"/>
+              <a:t>, </a:t>
+            </a:r>
+            <a:r>
+              <a:rPr lang="en-US" altLang="ko-KR" dirty="0" err="1"/>
+              <a:t>j_max</a:t>
+            </a:r>
+            <a:r>
+              <a:rPr lang="en-US" altLang="ko-KR" dirty="0"/>
+              <a:t>]</a:t>
+            </a:r>
+          </a:p>
+          <a:p>
+            <a:pPr marL="742950" lvl="1" indent="-285750">
+              <a:buFontTx/>
+              <a:buChar char="-"/>
+            </a:pPr>
+            <a:r>
+              <a:rPr lang="en-US" altLang="ko-KR" dirty="0"/>
+              <a:t>Replay </a:t>
+            </a:r>
+            <a:r>
+              <a:rPr lang="en-US" altLang="ko-KR" dirty="0" smtClean="0"/>
+              <a:t>memory</a:t>
+            </a:r>
+            <a:r>
+              <a:rPr lang="ko-KR" altLang="en-US" dirty="0" smtClean="0"/>
+              <a:t>에서 </a:t>
+            </a:r>
+            <a:r>
+              <a:rPr lang="ko-KR" altLang="en-US" dirty="0" smtClean="0"/>
+              <a:t>모든 </a:t>
+            </a:r>
+            <a:r>
+              <a:rPr lang="en-US" altLang="ko-KR" dirty="0" smtClean="0"/>
+              <a:t>Feature</a:t>
+            </a:r>
+            <a:r>
+              <a:rPr lang="ko-KR" altLang="en-US" dirty="0" smtClean="0"/>
+              <a:t>에 </a:t>
+            </a:r>
+            <a:r>
+              <a:rPr lang="ko-KR" altLang="en-US" dirty="0"/>
+              <a:t>대해</a:t>
+            </a:r>
+            <a:r>
+              <a:rPr lang="en-US" altLang="ko-KR" dirty="0"/>
+              <a:t> </a:t>
+            </a:r>
+            <a:r>
+              <a:rPr lang="en-US" altLang="ko-KR" dirty="0">
+                <a:solidFill>
+                  <a:srgbClr val="FF0000"/>
+                </a:solidFill>
+              </a:rPr>
+              <a:t>mean-</a:t>
+            </a:r>
+            <a:r>
+              <a:rPr lang="en-US" altLang="ko-KR" dirty="0" err="1">
+                <a:solidFill>
+                  <a:srgbClr val="FF0000"/>
+                </a:solidFill>
+              </a:rPr>
+              <a:t>std</a:t>
+            </a:r>
+            <a:r>
+              <a:rPr lang="en-US" altLang="ko-KR" dirty="0">
+                <a:solidFill>
+                  <a:srgbClr val="FF0000"/>
+                </a:solidFill>
+              </a:rPr>
+              <a:t> normalization </a:t>
+            </a:r>
+            <a:r>
+              <a:rPr lang="ko-KR" altLang="en-US" dirty="0"/>
+              <a:t>적용 </a:t>
+            </a:r>
+            <a:endParaRPr lang="en-US" altLang="ko-KR" dirty="0" smtClean="0"/>
+          </a:p>
+          <a:p>
+            <a:pPr marL="742950" lvl="1" indent="-285750">
+              <a:buFontTx/>
+              <a:buChar char="-"/>
+            </a:pPr>
+            <a:r>
+              <a:rPr lang="en-US" altLang="ko-KR" dirty="0" smtClean="0"/>
+              <a:t>[VVV]</a:t>
+            </a:r>
+            <a:endParaRPr lang="en-US" altLang="ko-KR" dirty="0" smtClean="0"/>
+          </a:p>
+          <a:p>
+            <a:pPr marL="285750" indent="-285750">
+              <a:buFontTx/>
+              <a:buChar char="-"/>
+            </a:pPr>
+            <a:r>
+              <a:rPr lang="en-US" altLang="ko-KR" b="1" dirty="0" smtClean="0"/>
+              <a:t>Env3 </a:t>
+            </a:r>
+            <a:r>
+              <a:rPr lang="en-US" altLang="ko-KR" b="1" dirty="0"/>
+              <a:t>State:</a:t>
+            </a:r>
+          </a:p>
+          <a:p>
+            <a:pPr marL="742950" lvl="1" indent="-285750">
+              <a:buFontTx/>
+              <a:buChar char="-"/>
+            </a:pPr>
+            <a:r>
+              <a:rPr lang="en-US" altLang="ko-KR" dirty="0"/>
+              <a:t>State:   </a:t>
+            </a:r>
+            <a:r>
+              <a:rPr lang="en-US" altLang="ko-KR" dirty="0" smtClean="0"/>
+              <a:t>[</a:t>
+            </a:r>
+            <a:r>
+              <a:rPr lang="en-US" altLang="ko-KR" dirty="0" err="1" smtClean="0">
+                <a:solidFill>
+                  <a:srgbClr val="FF0000"/>
+                </a:solidFill>
+              </a:rPr>
+              <a:t>acc</a:t>
+            </a:r>
+            <a:r>
+              <a:rPr lang="en-US" altLang="ko-KR" dirty="0" smtClean="0">
+                <a:solidFill>
+                  <a:srgbClr val="FF0000"/>
+                </a:solidFill>
+              </a:rPr>
+              <a:t>, </a:t>
+            </a:r>
+            <a:r>
+              <a:rPr lang="en-US" altLang="ko-KR" dirty="0" err="1" smtClean="0">
+                <a:solidFill>
+                  <a:srgbClr val="FF0000"/>
+                </a:solidFill>
+              </a:rPr>
+              <a:t>sp_whl</a:t>
+            </a:r>
+            <a:r>
+              <a:rPr lang="en-US" altLang="ko-KR" dirty="0" smtClean="0"/>
+              <a:t>, </a:t>
+            </a:r>
+            <a:r>
+              <a:rPr lang="en-US" altLang="ko-KR" dirty="0"/>
+              <a:t>SOC </a:t>
+            </a:r>
+            <a:r>
+              <a:rPr lang="en-US" altLang="ko-KR" dirty="0" smtClean="0"/>
+              <a:t>– </a:t>
+            </a:r>
+            <a:r>
+              <a:rPr lang="en-US" altLang="ko-KR" dirty="0"/>
+              <a:t>0.6, </a:t>
+            </a:r>
+            <a:r>
+              <a:rPr lang="en-US" altLang="ko-KR" dirty="0" err="1"/>
+              <a:t>j_min</a:t>
+            </a:r>
+            <a:r>
+              <a:rPr lang="en-US" altLang="ko-KR" dirty="0"/>
+              <a:t>, </a:t>
+            </a:r>
+            <a:r>
+              <a:rPr lang="en-US" altLang="ko-KR" dirty="0" err="1"/>
+              <a:t>j_max</a:t>
+            </a:r>
+            <a:r>
+              <a:rPr lang="en-US" altLang="ko-KR" dirty="0"/>
+              <a:t>]</a:t>
+            </a:r>
+          </a:p>
+          <a:p>
+            <a:pPr marL="742950" lvl="1" indent="-285750">
+              <a:buFontTx/>
+              <a:buChar char="-"/>
+            </a:pPr>
+            <a:r>
+              <a:rPr lang="en-US" altLang="ko-KR" dirty="0"/>
+              <a:t>Replay </a:t>
+            </a:r>
+            <a:r>
+              <a:rPr lang="en-US" altLang="ko-KR" dirty="0" smtClean="0"/>
+              <a:t>memory</a:t>
+            </a:r>
+            <a:r>
+              <a:rPr lang="ko-KR" altLang="en-US" dirty="0" smtClean="0"/>
+              <a:t>에서 </a:t>
+            </a:r>
+            <a:r>
+              <a:rPr lang="en-US" altLang="ko-KR" dirty="0" err="1" smtClean="0"/>
+              <a:t>acc</a:t>
+            </a:r>
+            <a:r>
+              <a:rPr lang="en-US" altLang="ko-KR" dirty="0" smtClean="0"/>
+              <a:t>, </a:t>
+            </a:r>
+            <a:r>
+              <a:rPr lang="en-US" altLang="ko-KR" dirty="0" err="1" smtClean="0"/>
+              <a:t>sp_whl</a:t>
+            </a:r>
+            <a:r>
+              <a:rPr lang="ko-KR" altLang="en-US" dirty="0" smtClean="0"/>
+              <a:t>에 </a:t>
+            </a:r>
+            <a:r>
+              <a:rPr lang="ko-KR" altLang="en-US" dirty="0"/>
+              <a:t>대해</a:t>
+            </a:r>
+            <a:r>
+              <a:rPr lang="en-US" altLang="ko-KR" dirty="0"/>
+              <a:t> </a:t>
+            </a:r>
+            <a:r>
+              <a:rPr lang="en-US" altLang="ko-KR" dirty="0">
+                <a:solidFill>
+                  <a:srgbClr val="FF0000"/>
+                </a:solidFill>
+              </a:rPr>
+              <a:t>mean-</a:t>
+            </a:r>
+            <a:r>
+              <a:rPr lang="en-US" altLang="ko-KR" dirty="0" err="1">
+                <a:solidFill>
+                  <a:srgbClr val="FF0000"/>
+                </a:solidFill>
+              </a:rPr>
+              <a:t>std</a:t>
+            </a:r>
+            <a:r>
+              <a:rPr lang="en-US" altLang="ko-KR" dirty="0">
+                <a:solidFill>
+                  <a:srgbClr val="FF0000"/>
+                </a:solidFill>
+              </a:rPr>
+              <a:t> normalization</a:t>
+            </a:r>
+            <a:r>
+              <a:rPr lang="en-US" altLang="ko-KR" dirty="0"/>
+              <a:t> </a:t>
+            </a:r>
+            <a:r>
+              <a:rPr lang="ko-KR" altLang="en-US" dirty="0" smtClean="0"/>
+              <a:t>적용 </a:t>
+            </a:r>
+            <a:endParaRPr lang="en-US" altLang="ko-KR" dirty="0"/>
+          </a:p>
+          <a:p>
+            <a:pPr marL="742950" lvl="1" indent="-285750">
+              <a:buFontTx/>
+              <a:buChar char="-"/>
+            </a:pPr>
+            <a:r>
+              <a:rPr lang="en-US" altLang="ko-KR" dirty="0" smtClean="0"/>
+              <a:t>[VXX]</a:t>
+            </a:r>
+            <a:endParaRPr lang="en-US" altLang="ko-KR" dirty="0" smtClean="0"/>
+          </a:p>
+          <a:p>
+            <a:pPr marL="285750" indent="-285750">
+              <a:buFontTx/>
+              <a:buChar char="-"/>
+            </a:pPr>
+            <a:r>
+              <a:rPr lang="en-US" altLang="ko-KR" b="1" dirty="0" smtClean="0"/>
+              <a:t>Env4 </a:t>
+            </a:r>
+            <a:r>
+              <a:rPr lang="en-US" altLang="ko-KR" b="1" dirty="0"/>
+              <a:t>State:</a:t>
+            </a:r>
+          </a:p>
+          <a:p>
+            <a:pPr marL="742950" lvl="1" indent="-285750">
+              <a:buFontTx/>
+              <a:buChar char="-"/>
+            </a:pPr>
+            <a:r>
+              <a:rPr lang="en-US" altLang="ko-KR" dirty="0"/>
+              <a:t>State:   </a:t>
+            </a:r>
+            <a:r>
+              <a:rPr lang="en-US" altLang="ko-KR" dirty="0" smtClean="0"/>
+              <a:t>[</a:t>
+            </a:r>
+            <a:r>
+              <a:rPr lang="en-US" altLang="ko-KR" dirty="0" err="1" smtClean="0">
+                <a:solidFill>
+                  <a:srgbClr val="FF0000"/>
+                </a:solidFill>
+              </a:rPr>
+              <a:t>acc</a:t>
+            </a:r>
+            <a:r>
+              <a:rPr lang="en-US" altLang="ko-KR" dirty="0" smtClean="0">
+                <a:solidFill>
+                  <a:srgbClr val="FF0000"/>
+                </a:solidFill>
+              </a:rPr>
+              <a:t>, </a:t>
+            </a:r>
+            <a:r>
+              <a:rPr lang="en-US" altLang="ko-KR" dirty="0" err="1" smtClean="0">
+                <a:solidFill>
+                  <a:srgbClr val="FF0000"/>
+                </a:solidFill>
+              </a:rPr>
+              <a:t>sp_whl</a:t>
+            </a:r>
+            <a:r>
+              <a:rPr lang="en-US" altLang="ko-KR" dirty="0" smtClean="0"/>
+              <a:t>, </a:t>
+            </a:r>
+            <a:r>
+              <a:rPr lang="en-US" altLang="ko-KR" dirty="0"/>
+              <a:t>SOC - 0.6, </a:t>
+            </a:r>
+            <a:r>
+              <a:rPr lang="en-US" altLang="ko-KR" dirty="0" err="1"/>
+              <a:t>j_min</a:t>
+            </a:r>
+            <a:r>
+              <a:rPr lang="en-US" altLang="ko-KR" dirty="0"/>
+              <a:t>, </a:t>
+            </a:r>
+            <a:r>
+              <a:rPr lang="en-US" altLang="ko-KR" dirty="0" err="1"/>
+              <a:t>j_max</a:t>
+            </a:r>
+            <a:r>
+              <a:rPr lang="en-US" altLang="ko-KR" dirty="0"/>
+              <a:t>]</a:t>
+            </a:r>
+          </a:p>
+          <a:p>
+            <a:pPr marL="742950" lvl="1" indent="-285750">
+              <a:buFontTx/>
+              <a:buChar char="-"/>
+            </a:pPr>
+            <a:r>
+              <a:rPr lang="en-US" altLang="ko-KR" dirty="0"/>
+              <a:t>Replay memory</a:t>
+            </a:r>
+            <a:r>
+              <a:rPr lang="ko-KR" altLang="en-US" dirty="0"/>
+              <a:t>에서 모든 </a:t>
+            </a:r>
+            <a:r>
+              <a:rPr lang="en-US" altLang="ko-KR" dirty="0"/>
+              <a:t>Feature</a:t>
+            </a:r>
+            <a:r>
+              <a:rPr lang="ko-KR" altLang="en-US" dirty="0"/>
+              <a:t>에 대해</a:t>
+            </a:r>
+            <a:r>
+              <a:rPr lang="en-US" altLang="ko-KR" dirty="0"/>
+              <a:t> </a:t>
+            </a:r>
+            <a:r>
+              <a:rPr lang="en-US" altLang="ko-KR" dirty="0">
+                <a:solidFill>
+                  <a:srgbClr val="FF0000"/>
+                </a:solidFill>
+              </a:rPr>
+              <a:t>mean-</a:t>
+            </a:r>
+            <a:r>
+              <a:rPr lang="en-US" altLang="ko-KR" dirty="0" err="1">
+                <a:solidFill>
+                  <a:srgbClr val="FF0000"/>
+                </a:solidFill>
+              </a:rPr>
+              <a:t>std</a:t>
+            </a:r>
+            <a:r>
+              <a:rPr lang="en-US" altLang="ko-KR" dirty="0">
+                <a:solidFill>
+                  <a:srgbClr val="FF0000"/>
+                </a:solidFill>
+              </a:rPr>
+              <a:t> normalization </a:t>
+            </a:r>
+            <a:r>
+              <a:rPr lang="ko-KR" altLang="en-US" dirty="0" smtClean="0"/>
+              <a:t>적용 </a:t>
+            </a:r>
+            <a:endParaRPr lang="en-US" altLang="ko-KR" dirty="0"/>
+          </a:p>
+          <a:p>
+            <a:pPr marL="742950" lvl="1" indent="-285750">
+              <a:buFontTx/>
+              <a:buChar char="-"/>
+            </a:pPr>
+            <a:r>
+              <a:rPr lang="en-US" altLang="ko-KR" dirty="0" smtClean="0"/>
+              <a:t>[XXX]</a:t>
+            </a:r>
+            <a:endParaRPr lang="en-US" altLang="ko-KR" dirty="0"/>
           </a:p>
         </p:txBody>
       </p:sp>
@@ -9224,7 +8912,7 @@
         </p:nvSpPr>
         <p:spPr>
           <a:xfrm>
-            <a:off x="9576262" y="4910921"/>
+            <a:off x="9576262" y="2684188"/>
             <a:ext cx="2262812" cy="369332"/>
           </a:xfrm>
           <a:prstGeom prst="rect">
@@ -9258,10 +8946,34 @@
           </a:p>
         </p:txBody>
       </p:sp>
+      <p:pic>
+        <p:nvPicPr>
+          <p:cNvPr id="6" name="그림 5"/>
+          <p:cNvPicPr>
+            <a:picLocks noChangeAspect="1"/>
+          </p:cNvPicPr>
+          <p:nvPr/>
+        </p:nvPicPr>
+        <p:blipFill>
+          <a:blip r:embed="rId2"/>
+          <a:stretch>
+            <a:fillRect/>
+          </a:stretch>
+        </p:blipFill>
+        <p:spPr>
+          <a:xfrm>
+            <a:off x="9116299" y="1295047"/>
+            <a:ext cx="2995589" cy="3030574"/>
+          </a:xfrm>
+          <a:prstGeom prst="rect">
+            <a:avLst/>
+          </a:prstGeom>
+        </p:spPr>
+      </p:pic>
     </p:spTree>
     <p:extLst>
       <p:ext uri="{BB962C8B-B14F-4D97-AF65-F5344CB8AC3E}">
-        <p14:creationId xmlns:p14="http://schemas.microsoft.com/office/powerpoint/2010/main" val="4065416930"/>
+        <p14:creationId xmlns:p14="http://schemas.microsoft.com/office/powerpoint/2010/main" val="504876074"/>
       </p:ext>
     </p:extLst>
   </p:cSld>
@@ -9934,6 +9646,1615 @@
           <a:lstStyle/>
           <a:p>
             <a:r>
+              <a:rPr lang="en-US" altLang="ko-KR" dirty="0" smtClean="0">
+                <a:solidFill>
+                  <a:srgbClr val="FF0000"/>
+                </a:solidFill>
+              </a:rPr>
+              <a:t>DDPG</a:t>
+            </a:r>
+            <a:r>
+              <a:rPr lang="ko-KR" altLang="en-US" dirty="0" smtClean="0">
+                <a:solidFill>
+                  <a:srgbClr val="FF0000"/>
+                </a:solidFill>
+              </a:rPr>
+              <a:t> </a:t>
+            </a:r>
+            <a:r>
+              <a:rPr lang="en-US" altLang="ko-KR" dirty="0" smtClean="0">
+                <a:solidFill>
+                  <a:srgbClr val="FF0000"/>
+                </a:solidFill>
+              </a:rPr>
+              <a:t>6_ver2</a:t>
+            </a:r>
+            <a:r>
+              <a:rPr lang="ko-KR" altLang="en-US" dirty="0" smtClean="0">
+                <a:solidFill>
+                  <a:srgbClr val="FF0000"/>
+                </a:solidFill>
+              </a:rPr>
+              <a:t>  </a:t>
+            </a:r>
+            <a:endParaRPr lang="ko-KR" altLang="en-US" dirty="0">
+              <a:solidFill>
+                <a:srgbClr val="FF0000"/>
+              </a:solidFill>
+            </a:endParaRPr>
+          </a:p>
+        </p:txBody>
+      </p:sp>
+      <p:sp>
+        <p:nvSpPr>
+          <p:cNvPr id="4" name="TextBox 3"/>
+          <p:cNvSpPr txBox="1"/>
+          <p:nvPr/>
+        </p:nvSpPr>
+        <p:spPr>
+          <a:xfrm>
+            <a:off x="838200" y="1484771"/>
+            <a:ext cx="11000874" cy="5078313"/>
+          </a:xfrm>
+          <a:prstGeom prst="rect">
+            <a:avLst/>
+          </a:prstGeom>
+          <a:noFill/>
+        </p:spPr>
+        <p:txBody>
+          <a:bodyPr wrap="square" rtlCol="0">
+            <a:spAutoFit/>
+          </a:bodyPr>
+          <a:lstStyle/>
+          <a:p>
+            <a:pPr marL="285750" indent="-285750">
+              <a:buFontTx/>
+              <a:buChar char="-"/>
+            </a:pPr>
+            <a:r>
+              <a:rPr lang="en-US" altLang="ko-KR" b="1" dirty="0" smtClean="0">
+                <a:solidFill>
+                  <a:srgbClr val="FF0000"/>
+                </a:solidFill>
+              </a:rPr>
+              <a:t>Replay memory</a:t>
+            </a:r>
+            <a:r>
+              <a:rPr lang="ko-KR" altLang="en-US" b="1" dirty="0" smtClean="0">
+                <a:solidFill>
+                  <a:srgbClr val="FF0000"/>
+                </a:solidFill>
+              </a:rPr>
+              <a:t>에서 </a:t>
+            </a:r>
+            <a:r>
+              <a:rPr lang="en-US" altLang="ko-KR" b="1" dirty="0" smtClean="0">
+                <a:solidFill>
+                  <a:srgbClr val="FF0000"/>
+                </a:solidFill>
+              </a:rPr>
+              <a:t>experiments</a:t>
+            </a:r>
+            <a:r>
+              <a:rPr lang="ko-KR" altLang="en-US" b="1" dirty="0" smtClean="0">
+                <a:solidFill>
+                  <a:srgbClr val="FF0000"/>
+                </a:solidFill>
+              </a:rPr>
+              <a:t>를 </a:t>
+            </a:r>
+            <a:r>
+              <a:rPr lang="en-US" altLang="ko-KR" b="1" dirty="0" smtClean="0">
+                <a:solidFill>
+                  <a:srgbClr val="FF0000"/>
+                </a:solidFill>
+              </a:rPr>
+              <a:t>normalization</a:t>
+            </a:r>
+            <a:r>
+              <a:rPr lang="ko-KR" altLang="en-US" b="1" dirty="0" smtClean="0">
+                <a:solidFill>
+                  <a:srgbClr val="FF0000"/>
+                </a:solidFill>
+              </a:rPr>
+              <a:t>하는 방식을 활용하기 </a:t>
+            </a:r>
+            <a:endParaRPr lang="en-US" altLang="ko-KR" b="1" dirty="0" smtClean="0">
+              <a:solidFill>
+                <a:srgbClr val="FF0000"/>
+              </a:solidFill>
+            </a:endParaRPr>
+          </a:p>
+          <a:p>
+            <a:pPr marL="285750" indent="-285750">
+              <a:buFontTx/>
+              <a:buChar char="-"/>
+            </a:pPr>
+            <a:endParaRPr lang="en-US" altLang="ko-KR" b="1" dirty="0"/>
+          </a:p>
+          <a:p>
+            <a:pPr marL="285750" indent="-285750">
+              <a:buFontTx/>
+              <a:buChar char="-"/>
+            </a:pPr>
+            <a:r>
+              <a:rPr lang="en-US" altLang="ko-KR" b="1" dirty="0">
+                <a:solidFill>
+                  <a:srgbClr val="FF0000"/>
+                </a:solidFill>
+              </a:rPr>
+              <a:t>Env1 State:</a:t>
+            </a:r>
+          </a:p>
+          <a:p>
+            <a:pPr marL="742950" lvl="1" indent="-285750">
+              <a:buFontTx/>
+              <a:buChar char="-"/>
+            </a:pPr>
+            <a:r>
+              <a:rPr lang="en-US" altLang="ko-KR" dirty="0"/>
+              <a:t>State:   [</a:t>
+            </a:r>
+            <a:r>
+              <a:rPr lang="en-US" altLang="ko-KR" dirty="0" err="1">
+                <a:solidFill>
+                  <a:srgbClr val="FF0000"/>
+                </a:solidFill>
+              </a:rPr>
+              <a:t>power_out</a:t>
+            </a:r>
+            <a:r>
+              <a:rPr lang="en-US" altLang="ko-KR" dirty="0">
+                <a:solidFill>
+                  <a:srgbClr val="FF0000"/>
+                </a:solidFill>
+              </a:rPr>
+              <a:t>/1000</a:t>
+            </a:r>
+            <a:r>
+              <a:rPr lang="en-US" altLang="ko-KR" dirty="0"/>
+              <a:t>, SOC - </a:t>
+            </a:r>
+            <a:r>
+              <a:rPr lang="en-US" altLang="ko-KR" dirty="0" smtClean="0"/>
+              <a:t>0.6]</a:t>
+            </a:r>
+            <a:endParaRPr lang="en-US" altLang="ko-KR" dirty="0" smtClean="0"/>
+          </a:p>
+          <a:p>
+            <a:pPr marL="742950" lvl="1" indent="-285750">
+              <a:buFontTx/>
+              <a:buChar char="-"/>
+            </a:pPr>
+            <a:r>
+              <a:rPr lang="en-US" altLang="ko-KR" dirty="0" smtClean="0"/>
+              <a:t>Replay memory</a:t>
+            </a:r>
+            <a:r>
+              <a:rPr lang="ko-KR" altLang="en-US" dirty="0" smtClean="0"/>
+              <a:t>에서 </a:t>
+            </a:r>
+            <a:r>
+              <a:rPr lang="en-US" altLang="ko-KR" dirty="0" err="1" smtClean="0"/>
+              <a:t>power_out</a:t>
+            </a:r>
+            <a:r>
+              <a:rPr lang="ko-KR" altLang="en-US" dirty="0" smtClean="0"/>
+              <a:t>에 대해</a:t>
+            </a:r>
+            <a:r>
+              <a:rPr lang="en-US" altLang="ko-KR" dirty="0" smtClean="0"/>
+              <a:t> </a:t>
+            </a:r>
+            <a:r>
+              <a:rPr lang="en-US" altLang="ko-KR" dirty="0" smtClean="0">
+                <a:solidFill>
+                  <a:srgbClr val="FF0000"/>
+                </a:solidFill>
+              </a:rPr>
+              <a:t>mean-</a:t>
+            </a:r>
+            <a:r>
+              <a:rPr lang="en-US" altLang="ko-KR" dirty="0" err="1" smtClean="0">
+                <a:solidFill>
+                  <a:srgbClr val="FF0000"/>
+                </a:solidFill>
+              </a:rPr>
+              <a:t>std</a:t>
+            </a:r>
+            <a:r>
+              <a:rPr lang="en-US" altLang="ko-KR" dirty="0" smtClean="0">
+                <a:solidFill>
+                  <a:srgbClr val="FF0000"/>
+                </a:solidFill>
+              </a:rPr>
+              <a:t> normalization </a:t>
+            </a:r>
+            <a:r>
+              <a:rPr lang="ko-KR" altLang="en-US" dirty="0" smtClean="0"/>
+              <a:t>적용 </a:t>
+            </a:r>
+            <a:endParaRPr lang="en-US" altLang="ko-KR" dirty="0" smtClean="0"/>
+          </a:p>
+          <a:p>
+            <a:pPr marL="742950" lvl="1" indent="-285750">
+              <a:buFontTx/>
+              <a:buChar char="-"/>
+            </a:pPr>
+            <a:r>
+              <a:rPr lang="en-US" altLang="ko-KR" dirty="0" smtClean="0"/>
+              <a:t>[O]</a:t>
+            </a:r>
+            <a:endParaRPr lang="en-US" altLang="ko-KR" dirty="0"/>
+          </a:p>
+          <a:p>
+            <a:pPr marL="285750" indent="-285750">
+              <a:buFontTx/>
+              <a:buChar char="-"/>
+            </a:pPr>
+            <a:r>
+              <a:rPr lang="en-US" altLang="ko-KR" b="1" dirty="0" smtClean="0"/>
+              <a:t>Env2 </a:t>
+            </a:r>
+            <a:r>
+              <a:rPr lang="en-US" altLang="ko-KR" b="1" dirty="0"/>
+              <a:t>State:</a:t>
+            </a:r>
+          </a:p>
+          <a:p>
+            <a:pPr marL="742950" lvl="1" indent="-285750">
+              <a:buFontTx/>
+              <a:buChar char="-"/>
+            </a:pPr>
+            <a:r>
+              <a:rPr lang="en-US" altLang="ko-KR" dirty="0"/>
+              <a:t>State:   [</a:t>
+            </a:r>
+            <a:r>
+              <a:rPr lang="en-US" altLang="ko-KR" dirty="0" err="1">
+                <a:solidFill>
+                  <a:srgbClr val="FF0000"/>
+                </a:solidFill>
+              </a:rPr>
+              <a:t>power_out</a:t>
+            </a:r>
+            <a:r>
+              <a:rPr lang="en-US" altLang="ko-KR" dirty="0">
+                <a:solidFill>
+                  <a:srgbClr val="FF0000"/>
+                </a:solidFill>
+              </a:rPr>
+              <a:t>/1000</a:t>
+            </a:r>
+            <a:r>
+              <a:rPr lang="en-US" altLang="ko-KR" dirty="0"/>
+              <a:t>, SOC </a:t>
+            </a:r>
+            <a:r>
+              <a:rPr lang="en-US" altLang="ko-KR" dirty="0" smtClean="0"/>
+              <a:t>– 0.6]</a:t>
+            </a:r>
+            <a:endParaRPr lang="en-US" altLang="ko-KR" dirty="0"/>
+          </a:p>
+          <a:p>
+            <a:pPr marL="742950" lvl="1" indent="-285750">
+              <a:buFontTx/>
+              <a:buChar char="-"/>
+            </a:pPr>
+            <a:r>
+              <a:rPr lang="en-US" altLang="ko-KR" dirty="0"/>
+              <a:t>Replay </a:t>
+            </a:r>
+            <a:r>
+              <a:rPr lang="en-US" altLang="ko-KR" dirty="0" smtClean="0"/>
+              <a:t>memory</a:t>
+            </a:r>
+            <a:r>
+              <a:rPr lang="ko-KR" altLang="en-US" dirty="0" smtClean="0"/>
+              <a:t>에서 </a:t>
+            </a:r>
+            <a:r>
+              <a:rPr lang="ko-KR" altLang="en-US" dirty="0" smtClean="0"/>
+              <a:t>모든 </a:t>
+            </a:r>
+            <a:r>
+              <a:rPr lang="en-US" altLang="ko-KR" dirty="0" smtClean="0"/>
+              <a:t>Feature</a:t>
+            </a:r>
+            <a:r>
+              <a:rPr lang="ko-KR" altLang="en-US" dirty="0" smtClean="0"/>
+              <a:t>에 </a:t>
+            </a:r>
+            <a:r>
+              <a:rPr lang="ko-KR" altLang="en-US" dirty="0"/>
+              <a:t>대해</a:t>
+            </a:r>
+            <a:r>
+              <a:rPr lang="en-US" altLang="ko-KR" dirty="0"/>
+              <a:t> </a:t>
+            </a:r>
+            <a:r>
+              <a:rPr lang="en-US" altLang="ko-KR" dirty="0">
+                <a:solidFill>
+                  <a:srgbClr val="FF0000"/>
+                </a:solidFill>
+              </a:rPr>
+              <a:t>mean-</a:t>
+            </a:r>
+            <a:r>
+              <a:rPr lang="en-US" altLang="ko-KR" dirty="0" err="1">
+                <a:solidFill>
+                  <a:srgbClr val="FF0000"/>
+                </a:solidFill>
+              </a:rPr>
+              <a:t>std</a:t>
+            </a:r>
+            <a:r>
+              <a:rPr lang="en-US" altLang="ko-KR" dirty="0">
+                <a:solidFill>
+                  <a:srgbClr val="FF0000"/>
+                </a:solidFill>
+              </a:rPr>
+              <a:t> normalization </a:t>
+            </a:r>
+            <a:r>
+              <a:rPr lang="ko-KR" altLang="en-US" dirty="0"/>
+              <a:t>적용 </a:t>
+            </a:r>
+            <a:endParaRPr lang="en-US" altLang="ko-KR" dirty="0" smtClean="0"/>
+          </a:p>
+          <a:p>
+            <a:pPr marL="742950" lvl="1" indent="-285750">
+              <a:buFontTx/>
+              <a:buChar char="-"/>
+            </a:pPr>
+            <a:r>
+              <a:rPr lang="en-US" altLang="ko-KR" dirty="0" smtClean="0"/>
+              <a:t>[V]</a:t>
+            </a:r>
+            <a:endParaRPr lang="en-US" altLang="ko-KR" dirty="0" smtClean="0"/>
+          </a:p>
+          <a:p>
+            <a:pPr marL="285750" indent="-285750">
+              <a:buFontTx/>
+              <a:buChar char="-"/>
+            </a:pPr>
+            <a:r>
+              <a:rPr lang="en-US" altLang="ko-KR" b="1" dirty="0" smtClean="0"/>
+              <a:t>Env3 </a:t>
+            </a:r>
+            <a:r>
+              <a:rPr lang="en-US" altLang="ko-KR" b="1" dirty="0"/>
+              <a:t>State:</a:t>
+            </a:r>
+          </a:p>
+          <a:p>
+            <a:pPr marL="742950" lvl="1" indent="-285750">
+              <a:buFontTx/>
+              <a:buChar char="-"/>
+            </a:pPr>
+            <a:r>
+              <a:rPr lang="en-US" altLang="ko-KR" dirty="0"/>
+              <a:t>State:   </a:t>
+            </a:r>
+            <a:r>
+              <a:rPr lang="en-US" altLang="ko-KR" dirty="0" smtClean="0"/>
+              <a:t>[</a:t>
+            </a:r>
+            <a:r>
+              <a:rPr lang="en-US" altLang="ko-KR" dirty="0" err="1" smtClean="0">
+                <a:solidFill>
+                  <a:srgbClr val="FF0000"/>
+                </a:solidFill>
+              </a:rPr>
+              <a:t>acc</a:t>
+            </a:r>
+            <a:r>
+              <a:rPr lang="en-US" altLang="ko-KR" dirty="0" smtClean="0">
+                <a:solidFill>
+                  <a:srgbClr val="FF0000"/>
+                </a:solidFill>
+              </a:rPr>
+              <a:t>, </a:t>
+            </a:r>
+            <a:r>
+              <a:rPr lang="en-US" altLang="ko-KR" dirty="0" err="1" smtClean="0">
+                <a:solidFill>
+                  <a:srgbClr val="FF0000"/>
+                </a:solidFill>
+              </a:rPr>
+              <a:t>sp_whl</a:t>
+            </a:r>
+            <a:r>
+              <a:rPr lang="en-US" altLang="ko-KR" dirty="0" smtClean="0"/>
+              <a:t>, </a:t>
+            </a:r>
+            <a:r>
+              <a:rPr lang="en-US" altLang="ko-KR" dirty="0"/>
+              <a:t>SOC </a:t>
+            </a:r>
+            <a:r>
+              <a:rPr lang="en-US" altLang="ko-KR" dirty="0" smtClean="0"/>
+              <a:t>– 0.6]</a:t>
+            </a:r>
+            <a:endParaRPr lang="en-US" altLang="ko-KR" dirty="0"/>
+          </a:p>
+          <a:p>
+            <a:pPr marL="742950" lvl="1" indent="-285750">
+              <a:buFontTx/>
+              <a:buChar char="-"/>
+            </a:pPr>
+            <a:r>
+              <a:rPr lang="en-US" altLang="ko-KR" dirty="0"/>
+              <a:t>Replay </a:t>
+            </a:r>
+            <a:r>
+              <a:rPr lang="en-US" altLang="ko-KR" dirty="0" smtClean="0"/>
+              <a:t>memory</a:t>
+            </a:r>
+            <a:r>
+              <a:rPr lang="ko-KR" altLang="en-US" dirty="0" smtClean="0"/>
+              <a:t>에서 </a:t>
+            </a:r>
+            <a:r>
+              <a:rPr lang="en-US" altLang="ko-KR" dirty="0" err="1" smtClean="0"/>
+              <a:t>acc</a:t>
+            </a:r>
+            <a:r>
+              <a:rPr lang="en-US" altLang="ko-KR" dirty="0" smtClean="0"/>
+              <a:t>, </a:t>
+            </a:r>
+            <a:r>
+              <a:rPr lang="en-US" altLang="ko-KR" dirty="0" err="1" smtClean="0"/>
+              <a:t>sp_whl</a:t>
+            </a:r>
+            <a:r>
+              <a:rPr lang="ko-KR" altLang="en-US" dirty="0" smtClean="0"/>
+              <a:t>에 </a:t>
+            </a:r>
+            <a:r>
+              <a:rPr lang="ko-KR" altLang="en-US" dirty="0"/>
+              <a:t>대해</a:t>
+            </a:r>
+            <a:r>
+              <a:rPr lang="en-US" altLang="ko-KR" dirty="0"/>
+              <a:t> </a:t>
+            </a:r>
+            <a:r>
+              <a:rPr lang="en-US" altLang="ko-KR" dirty="0">
+                <a:solidFill>
+                  <a:srgbClr val="FF0000"/>
+                </a:solidFill>
+              </a:rPr>
+              <a:t>mean-</a:t>
+            </a:r>
+            <a:r>
+              <a:rPr lang="en-US" altLang="ko-KR" dirty="0" err="1">
+                <a:solidFill>
+                  <a:srgbClr val="FF0000"/>
+                </a:solidFill>
+              </a:rPr>
+              <a:t>std</a:t>
+            </a:r>
+            <a:r>
+              <a:rPr lang="en-US" altLang="ko-KR" dirty="0">
+                <a:solidFill>
+                  <a:srgbClr val="FF0000"/>
+                </a:solidFill>
+              </a:rPr>
+              <a:t> normalization</a:t>
+            </a:r>
+            <a:r>
+              <a:rPr lang="en-US" altLang="ko-KR" dirty="0"/>
+              <a:t> </a:t>
+            </a:r>
+            <a:r>
+              <a:rPr lang="ko-KR" altLang="en-US" dirty="0" smtClean="0"/>
+              <a:t>적용 </a:t>
+            </a:r>
+            <a:endParaRPr lang="en-US" altLang="ko-KR" dirty="0"/>
+          </a:p>
+          <a:p>
+            <a:pPr marL="742950" lvl="1" indent="-285750">
+              <a:buFontTx/>
+              <a:buChar char="-"/>
+            </a:pPr>
+            <a:r>
+              <a:rPr lang="en-US" altLang="ko-KR" dirty="0" smtClean="0"/>
+              <a:t>[X]</a:t>
+            </a:r>
+            <a:endParaRPr lang="en-US" altLang="ko-KR" dirty="0" smtClean="0"/>
+          </a:p>
+          <a:p>
+            <a:pPr marL="285750" indent="-285750">
+              <a:buFontTx/>
+              <a:buChar char="-"/>
+            </a:pPr>
+            <a:r>
+              <a:rPr lang="en-US" altLang="ko-KR" b="1" dirty="0" smtClean="0"/>
+              <a:t>Env4 </a:t>
+            </a:r>
+            <a:r>
+              <a:rPr lang="en-US" altLang="ko-KR" b="1" dirty="0"/>
+              <a:t>State:</a:t>
+            </a:r>
+          </a:p>
+          <a:p>
+            <a:pPr marL="742950" lvl="1" indent="-285750">
+              <a:buFontTx/>
+              <a:buChar char="-"/>
+            </a:pPr>
+            <a:r>
+              <a:rPr lang="en-US" altLang="ko-KR" dirty="0"/>
+              <a:t>State:   </a:t>
+            </a:r>
+            <a:r>
+              <a:rPr lang="en-US" altLang="ko-KR" dirty="0" smtClean="0"/>
+              <a:t>[</a:t>
+            </a:r>
+            <a:r>
+              <a:rPr lang="en-US" altLang="ko-KR" dirty="0" err="1" smtClean="0">
+                <a:solidFill>
+                  <a:srgbClr val="FF0000"/>
+                </a:solidFill>
+              </a:rPr>
+              <a:t>acc</a:t>
+            </a:r>
+            <a:r>
+              <a:rPr lang="en-US" altLang="ko-KR" dirty="0" smtClean="0">
+                <a:solidFill>
+                  <a:srgbClr val="FF0000"/>
+                </a:solidFill>
+              </a:rPr>
+              <a:t>, </a:t>
+            </a:r>
+            <a:r>
+              <a:rPr lang="en-US" altLang="ko-KR" dirty="0" err="1" smtClean="0">
+                <a:solidFill>
+                  <a:srgbClr val="FF0000"/>
+                </a:solidFill>
+              </a:rPr>
+              <a:t>sp_whl</a:t>
+            </a:r>
+            <a:r>
+              <a:rPr lang="en-US" altLang="ko-KR" dirty="0" smtClean="0"/>
+              <a:t>, </a:t>
+            </a:r>
+            <a:r>
+              <a:rPr lang="en-US" altLang="ko-KR" dirty="0"/>
+              <a:t>SOC - </a:t>
+            </a:r>
+            <a:r>
+              <a:rPr lang="en-US" altLang="ko-KR" dirty="0" smtClean="0"/>
+              <a:t>0.6]</a:t>
+            </a:r>
+            <a:endParaRPr lang="en-US" altLang="ko-KR" dirty="0"/>
+          </a:p>
+          <a:p>
+            <a:pPr marL="742950" lvl="1" indent="-285750">
+              <a:buFontTx/>
+              <a:buChar char="-"/>
+            </a:pPr>
+            <a:r>
+              <a:rPr lang="en-US" altLang="ko-KR" dirty="0"/>
+              <a:t>Replay memory</a:t>
+            </a:r>
+            <a:r>
+              <a:rPr lang="ko-KR" altLang="en-US" dirty="0"/>
+              <a:t>에서 모든 </a:t>
+            </a:r>
+            <a:r>
+              <a:rPr lang="en-US" altLang="ko-KR" dirty="0"/>
+              <a:t>Feature</a:t>
+            </a:r>
+            <a:r>
+              <a:rPr lang="ko-KR" altLang="en-US" dirty="0"/>
+              <a:t>에 대해</a:t>
+            </a:r>
+            <a:r>
+              <a:rPr lang="en-US" altLang="ko-KR" dirty="0"/>
+              <a:t> </a:t>
+            </a:r>
+            <a:r>
+              <a:rPr lang="en-US" altLang="ko-KR" dirty="0">
+                <a:solidFill>
+                  <a:srgbClr val="FF0000"/>
+                </a:solidFill>
+              </a:rPr>
+              <a:t>mean-</a:t>
+            </a:r>
+            <a:r>
+              <a:rPr lang="en-US" altLang="ko-KR" dirty="0" err="1">
+                <a:solidFill>
+                  <a:srgbClr val="FF0000"/>
+                </a:solidFill>
+              </a:rPr>
+              <a:t>std</a:t>
+            </a:r>
+            <a:r>
+              <a:rPr lang="en-US" altLang="ko-KR" dirty="0">
+                <a:solidFill>
+                  <a:srgbClr val="FF0000"/>
+                </a:solidFill>
+              </a:rPr>
+              <a:t> normalization </a:t>
+            </a:r>
+            <a:r>
+              <a:rPr lang="ko-KR" altLang="en-US" dirty="0" smtClean="0"/>
+              <a:t>적용 </a:t>
+            </a:r>
+            <a:endParaRPr lang="en-US" altLang="ko-KR" dirty="0"/>
+          </a:p>
+          <a:p>
+            <a:pPr marL="742950" lvl="1" indent="-285750">
+              <a:buFontTx/>
+              <a:buChar char="-"/>
+            </a:pPr>
+            <a:r>
+              <a:rPr lang="en-US" altLang="ko-KR" dirty="0" smtClean="0"/>
+              <a:t>[X]</a:t>
+            </a:r>
+            <a:endParaRPr lang="en-US" altLang="ko-KR" dirty="0"/>
+          </a:p>
+        </p:txBody>
+      </p:sp>
+      <p:sp>
+        <p:nvSpPr>
+          <p:cNvPr id="6" name="TextBox 5"/>
+          <p:cNvSpPr txBox="1"/>
+          <p:nvPr/>
+        </p:nvSpPr>
+        <p:spPr>
+          <a:xfrm>
+            <a:off x="3699233" y="6454430"/>
+            <a:ext cx="5478018" cy="369332"/>
+          </a:xfrm>
+          <a:prstGeom prst="rect">
+            <a:avLst/>
+          </a:prstGeom>
+          <a:noFill/>
+        </p:spPr>
+        <p:txBody>
+          <a:bodyPr wrap="square" rtlCol="0">
+            <a:spAutoFit/>
+          </a:bodyPr>
+          <a:lstStyle/>
+          <a:p>
+            <a:r>
+              <a:rPr lang="ko-KR" altLang="en-US" b="1" dirty="0" smtClean="0">
+                <a:solidFill>
+                  <a:srgbClr val="FF0000"/>
+                </a:solidFill>
+              </a:rPr>
+              <a:t>결론은 </a:t>
+            </a:r>
+            <a:r>
+              <a:rPr lang="en-US" altLang="ko-KR" b="1" dirty="0" smtClean="0">
+                <a:solidFill>
+                  <a:srgbClr val="FF0000"/>
+                </a:solidFill>
+              </a:rPr>
+              <a:t>Env1</a:t>
+            </a:r>
+            <a:r>
+              <a:rPr lang="ko-KR" altLang="en-US" b="1" dirty="0" smtClean="0">
+                <a:solidFill>
+                  <a:srgbClr val="FF0000"/>
+                </a:solidFill>
+              </a:rPr>
+              <a:t>이 가장 적합하다는 사실임 </a:t>
+            </a:r>
+            <a:endParaRPr lang="en-US" altLang="ko-KR" b="1" dirty="0">
+              <a:solidFill>
+                <a:srgbClr val="FF0000"/>
+              </a:solidFill>
+            </a:endParaRPr>
+          </a:p>
+        </p:txBody>
+      </p:sp>
+      <p:pic>
+        <p:nvPicPr>
+          <p:cNvPr id="7" name="그림 6"/>
+          <p:cNvPicPr>
+            <a:picLocks noChangeAspect="1"/>
+          </p:cNvPicPr>
+          <p:nvPr/>
+        </p:nvPicPr>
+        <p:blipFill>
+          <a:blip r:embed="rId2"/>
+          <a:stretch>
+            <a:fillRect/>
+          </a:stretch>
+        </p:blipFill>
+        <p:spPr>
+          <a:xfrm>
+            <a:off x="9109696" y="1027906"/>
+            <a:ext cx="3222004" cy="3307292"/>
+          </a:xfrm>
+          <a:prstGeom prst="rect">
+            <a:avLst/>
+          </a:prstGeom>
+        </p:spPr>
+      </p:pic>
+    </p:spTree>
+    <p:extLst>
+      <p:ext uri="{BB962C8B-B14F-4D97-AF65-F5344CB8AC3E}">
+        <p14:creationId xmlns:p14="http://schemas.microsoft.com/office/powerpoint/2010/main" val="3545861553"/>
+      </p:ext>
+    </p:extLst>
+  </p:cSld>
+  <p:clrMapOvr>
+    <a:masterClrMapping/>
+  </p:clrMapOvr>
+</p:sld>
+</file>
+
+<file path=ppt/slides/slide21.xml><?xml version="1.0" encoding="utf-8"?>
+<p:sld xmlns:a="http://schemas.openxmlformats.org/drawingml/2006/main" xmlns:r="http://schemas.openxmlformats.org/officeDocument/2006/relationships" xmlns:p="http://schemas.openxmlformats.org/presentationml/2006/main">
+  <p:cSld>
+    <p:spTree>
+      <p:nvGrpSpPr>
+        <p:cNvPr id="1" name=""/>
+        <p:cNvGrpSpPr/>
+        <p:nvPr/>
+      </p:nvGrpSpPr>
+      <p:grpSpPr>
+        <a:xfrm>
+          <a:off x="0" y="0"/>
+          <a:ext cx="0" cy="0"/>
+          <a:chOff x="0" y="0"/>
+          <a:chExt cx="0" cy="0"/>
+        </a:xfrm>
+      </p:grpSpPr>
+      <p:sp>
+        <p:nvSpPr>
+          <p:cNvPr id="2" name="제목 1"/>
+          <p:cNvSpPr>
+            <a:spLocks noGrp="1"/>
+          </p:cNvSpPr>
+          <p:nvPr>
+            <p:ph type="title"/>
+          </p:nvPr>
+        </p:nvSpPr>
+        <p:spPr/>
+        <p:txBody>
+          <a:bodyPr/>
+          <a:lstStyle/>
+          <a:p>
+            <a:r>
+              <a:rPr lang="en-US" altLang="ko-KR" dirty="0" smtClean="0">
+                <a:solidFill>
+                  <a:srgbClr val="FF0000"/>
+                </a:solidFill>
+              </a:rPr>
+              <a:t>DDPG</a:t>
+            </a:r>
+            <a:r>
+              <a:rPr lang="ko-KR" altLang="en-US" dirty="0" smtClean="0">
+                <a:solidFill>
+                  <a:srgbClr val="FF0000"/>
+                </a:solidFill>
+              </a:rPr>
+              <a:t> </a:t>
+            </a:r>
+            <a:r>
+              <a:rPr lang="en-US" altLang="ko-KR" dirty="0" smtClean="0">
+                <a:solidFill>
+                  <a:srgbClr val="FF0000"/>
+                </a:solidFill>
+              </a:rPr>
+              <a:t>6_ver3</a:t>
+            </a:r>
+            <a:r>
+              <a:rPr lang="ko-KR" altLang="en-US" dirty="0" smtClean="0">
+                <a:solidFill>
+                  <a:srgbClr val="FF0000"/>
+                </a:solidFill>
+              </a:rPr>
+              <a:t>  </a:t>
+            </a:r>
+            <a:endParaRPr lang="ko-KR" altLang="en-US" dirty="0">
+              <a:solidFill>
+                <a:srgbClr val="FF0000"/>
+              </a:solidFill>
+            </a:endParaRPr>
+          </a:p>
+        </p:txBody>
+      </p:sp>
+      <p:sp>
+        <p:nvSpPr>
+          <p:cNvPr id="4" name="TextBox 3"/>
+          <p:cNvSpPr txBox="1"/>
+          <p:nvPr/>
+        </p:nvSpPr>
+        <p:spPr>
+          <a:xfrm>
+            <a:off x="838200" y="1484771"/>
+            <a:ext cx="11000874" cy="3139321"/>
+          </a:xfrm>
+          <a:prstGeom prst="rect">
+            <a:avLst/>
+          </a:prstGeom>
+          <a:noFill/>
+        </p:spPr>
+        <p:txBody>
+          <a:bodyPr wrap="square" rtlCol="0">
+            <a:spAutoFit/>
+          </a:bodyPr>
+          <a:lstStyle/>
+          <a:p>
+            <a:pPr marL="285750" indent="-285750">
+              <a:buFontTx/>
+              <a:buChar char="-"/>
+            </a:pPr>
+            <a:r>
+              <a:rPr lang="en-US" altLang="ko-KR" b="1" dirty="0" smtClean="0">
+                <a:solidFill>
+                  <a:srgbClr val="FF0000"/>
+                </a:solidFill>
+              </a:rPr>
+              <a:t>State </a:t>
+            </a:r>
+            <a:r>
+              <a:rPr lang="ko-KR" altLang="en-US" b="1" dirty="0" smtClean="0">
+                <a:solidFill>
+                  <a:srgbClr val="FF0000"/>
+                </a:solidFill>
+              </a:rPr>
+              <a:t>차이에 따른 학습 안정도를 확인함 </a:t>
+            </a:r>
+            <a:endParaRPr lang="en-US" altLang="ko-KR" b="1" dirty="0" smtClean="0">
+              <a:solidFill>
+                <a:srgbClr val="FF0000"/>
+              </a:solidFill>
+            </a:endParaRPr>
+          </a:p>
+          <a:p>
+            <a:pPr marL="285750" indent="-285750">
+              <a:buFontTx/>
+              <a:buChar char="-"/>
+            </a:pPr>
+            <a:endParaRPr lang="en-US" altLang="ko-KR" b="1" dirty="0" smtClean="0"/>
+          </a:p>
+          <a:p>
+            <a:pPr marL="285750" indent="-285750">
+              <a:buFontTx/>
+              <a:buChar char="-"/>
+            </a:pPr>
+            <a:r>
+              <a:rPr lang="ko-KR" altLang="en-US" b="1" dirty="0" smtClean="0">
+                <a:solidFill>
+                  <a:srgbClr val="FF0000"/>
+                </a:solidFill>
+              </a:rPr>
+              <a:t>다수의 시험을 진행함 </a:t>
+            </a:r>
+            <a:endParaRPr lang="en-US" altLang="ko-KR" b="1" dirty="0">
+              <a:solidFill>
+                <a:srgbClr val="FF0000"/>
+              </a:solidFill>
+            </a:endParaRPr>
+          </a:p>
+          <a:p>
+            <a:pPr marL="285750" indent="-285750">
+              <a:buFontTx/>
+              <a:buChar char="-"/>
+            </a:pPr>
+            <a:endParaRPr lang="en-US" altLang="ko-KR" b="1" dirty="0"/>
+          </a:p>
+          <a:p>
+            <a:pPr marL="285750" indent="-285750">
+              <a:buFontTx/>
+              <a:buChar char="-"/>
+            </a:pPr>
+            <a:r>
+              <a:rPr lang="en-US" altLang="ko-KR" b="1" dirty="0">
+                <a:solidFill>
+                  <a:srgbClr val="FF0000"/>
+                </a:solidFill>
+              </a:rPr>
+              <a:t>Env1 State:</a:t>
+            </a:r>
+          </a:p>
+          <a:p>
+            <a:pPr marL="742950" lvl="1" indent="-285750">
+              <a:buFontTx/>
+              <a:buChar char="-"/>
+            </a:pPr>
+            <a:r>
+              <a:rPr lang="en-US" altLang="ko-KR" dirty="0"/>
+              <a:t>State:   </a:t>
+            </a:r>
+            <a:r>
+              <a:rPr lang="en-US" altLang="ko-KR" dirty="0" smtClean="0"/>
+              <a:t>[</a:t>
+            </a:r>
+            <a:r>
+              <a:rPr lang="en-US" altLang="ko-KR" dirty="0" smtClean="0">
+                <a:solidFill>
+                  <a:srgbClr val="FF0000"/>
+                </a:solidFill>
+              </a:rPr>
+              <a:t>norm(</a:t>
+            </a:r>
+            <a:r>
+              <a:rPr lang="en-US" altLang="ko-KR" dirty="0" err="1" smtClean="0">
+                <a:solidFill>
+                  <a:srgbClr val="FF0000"/>
+                </a:solidFill>
+              </a:rPr>
+              <a:t>power_out</a:t>
+            </a:r>
+            <a:r>
+              <a:rPr lang="en-US" altLang="ko-KR" dirty="0" smtClean="0">
+                <a:solidFill>
+                  <a:srgbClr val="FF0000"/>
+                </a:solidFill>
+              </a:rPr>
+              <a:t>)</a:t>
+            </a:r>
+            <a:r>
+              <a:rPr lang="en-US" altLang="ko-KR" dirty="0" smtClean="0"/>
+              <a:t>, </a:t>
+            </a:r>
+            <a:r>
+              <a:rPr lang="en-US" altLang="ko-KR" dirty="0"/>
+              <a:t>SOC - </a:t>
+            </a:r>
+            <a:r>
+              <a:rPr lang="en-US" altLang="ko-KR" dirty="0" smtClean="0"/>
+              <a:t>0.6, </a:t>
+            </a:r>
+            <a:r>
+              <a:rPr lang="en-US" altLang="ko-KR" dirty="0" err="1" smtClean="0"/>
+              <a:t>j_min</a:t>
+            </a:r>
+            <a:r>
+              <a:rPr lang="en-US" altLang="ko-KR" dirty="0" smtClean="0"/>
+              <a:t>, </a:t>
+            </a:r>
+            <a:r>
+              <a:rPr lang="en-US" altLang="ko-KR" dirty="0" err="1" smtClean="0"/>
+              <a:t>j_max</a:t>
+            </a:r>
+            <a:r>
+              <a:rPr lang="en-US" altLang="ko-KR" dirty="0" smtClean="0"/>
+              <a:t>]</a:t>
+            </a:r>
+            <a:endParaRPr lang="en-US" altLang="ko-KR" dirty="0" smtClean="0"/>
+          </a:p>
+          <a:p>
+            <a:pPr marL="742950" lvl="1" indent="-285750">
+              <a:buFontTx/>
+              <a:buChar char="-"/>
+            </a:pPr>
+            <a:r>
+              <a:rPr lang="en-US" altLang="ko-KR" dirty="0" smtClean="0"/>
+              <a:t>[ ]</a:t>
+            </a:r>
+          </a:p>
+          <a:p>
+            <a:pPr marL="742950" lvl="1" indent="-285750">
+              <a:buFontTx/>
+              <a:buChar char="-"/>
+            </a:pPr>
+            <a:endParaRPr lang="en-US" altLang="ko-KR" dirty="0"/>
+          </a:p>
+          <a:p>
+            <a:pPr marL="285750" indent="-285750">
+              <a:buFontTx/>
+              <a:buChar char="-"/>
+            </a:pPr>
+            <a:r>
+              <a:rPr lang="en-US" altLang="ko-KR" b="1" dirty="0" smtClean="0"/>
+              <a:t>Env2 </a:t>
+            </a:r>
+            <a:r>
+              <a:rPr lang="en-US" altLang="ko-KR" b="1" dirty="0"/>
+              <a:t>State:</a:t>
+            </a:r>
+          </a:p>
+          <a:p>
+            <a:pPr marL="742950" lvl="1" indent="-285750">
+              <a:buFontTx/>
+              <a:buChar char="-"/>
+            </a:pPr>
+            <a:r>
+              <a:rPr lang="en-US" altLang="ko-KR" dirty="0"/>
+              <a:t>State:   </a:t>
+            </a:r>
+            <a:r>
+              <a:rPr lang="en-US" altLang="ko-KR" dirty="0" smtClean="0"/>
+              <a:t>[</a:t>
+            </a:r>
+            <a:r>
+              <a:rPr lang="en-US" altLang="ko-KR" dirty="0" smtClean="0">
+                <a:solidFill>
+                  <a:srgbClr val="FF0000"/>
+                </a:solidFill>
+              </a:rPr>
+              <a:t>norm(</a:t>
+            </a:r>
+            <a:r>
+              <a:rPr lang="en-US" altLang="ko-KR" dirty="0" err="1" smtClean="0">
+                <a:solidFill>
+                  <a:srgbClr val="FF0000"/>
+                </a:solidFill>
+              </a:rPr>
+              <a:t>power_out</a:t>
+            </a:r>
+            <a:r>
+              <a:rPr lang="en-US" altLang="ko-KR" dirty="0" smtClean="0">
+                <a:solidFill>
+                  <a:srgbClr val="FF0000"/>
+                </a:solidFill>
+              </a:rPr>
+              <a:t>)</a:t>
+            </a:r>
+            <a:r>
+              <a:rPr lang="en-US" altLang="ko-KR" dirty="0" smtClean="0"/>
+              <a:t>, </a:t>
+            </a:r>
+            <a:r>
+              <a:rPr lang="en-US" altLang="ko-KR" dirty="0"/>
+              <a:t>SOC </a:t>
+            </a:r>
+            <a:r>
+              <a:rPr lang="en-US" altLang="ko-KR" dirty="0" smtClean="0"/>
+              <a:t>– 0.6]</a:t>
+            </a:r>
+            <a:endParaRPr lang="en-US" altLang="ko-KR" dirty="0"/>
+          </a:p>
+          <a:p>
+            <a:pPr marL="742950" lvl="1" indent="-285750">
+              <a:buFontTx/>
+              <a:buChar char="-"/>
+            </a:pPr>
+            <a:r>
+              <a:rPr lang="en-US" altLang="ko-KR" dirty="0" smtClean="0"/>
+              <a:t>[ ]</a:t>
+            </a:r>
+            <a:endParaRPr lang="en-US" altLang="ko-KR" dirty="0" smtClean="0"/>
+          </a:p>
+        </p:txBody>
+      </p:sp>
+      <p:sp>
+        <p:nvSpPr>
+          <p:cNvPr id="6" name="TextBox 5"/>
+          <p:cNvSpPr txBox="1"/>
+          <p:nvPr/>
+        </p:nvSpPr>
+        <p:spPr>
+          <a:xfrm>
+            <a:off x="3740796" y="5722910"/>
+            <a:ext cx="5478018" cy="369332"/>
+          </a:xfrm>
+          <a:prstGeom prst="rect">
+            <a:avLst/>
+          </a:prstGeom>
+          <a:noFill/>
+        </p:spPr>
+        <p:txBody>
+          <a:bodyPr wrap="square" rtlCol="0">
+            <a:spAutoFit/>
+          </a:bodyPr>
+          <a:lstStyle/>
+          <a:p>
+            <a:r>
+              <a:rPr lang="ko-KR" altLang="en-US" b="1" dirty="0" smtClean="0">
+                <a:solidFill>
+                  <a:srgbClr val="FF0000"/>
+                </a:solidFill>
+              </a:rPr>
+              <a:t>결론은 </a:t>
+            </a:r>
+            <a:r>
+              <a:rPr lang="en-US" altLang="ko-KR" b="1" dirty="0" smtClean="0">
+                <a:solidFill>
+                  <a:srgbClr val="FF0000"/>
+                </a:solidFill>
+              </a:rPr>
+              <a:t>Env1</a:t>
+            </a:r>
+            <a:r>
+              <a:rPr lang="ko-KR" altLang="en-US" b="1" dirty="0" smtClean="0">
+                <a:solidFill>
+                  <a:srgbClr val="FF0000"/>
+                </a:solidFill>
+              </a:rPr>
+              <a:t>이 가장 적합하다는 사실임 </a:t>
+            </a:r>
+            <a:endParaRPr lang="en-US" altLang="ko-KR" b="1" dirty="0">
+              <a:solidFill>
+                <a:srgbClr val="FF0000"/>
+              </a:solidFill>
+            </a:endParaRPr>
+          </a:p>
+        </p:txBody>
+      </p:sp>
+      <p:pic>
+        <p:nvPicPr>
+          <p:cNvPr id="7" name="그림 6"/>
+          <p:cNvPicPr>
+            <a:picLocks noChangeAspect="1"/>
+          </p:cNvPicPr>
+          <p:nvPr/>
+        </p:nvPicPr>
+        <p:blipFill>
+          <a:blip r:embed="rId2"/>
+          <a:stretch>
+            <a:fillRect/>
+          </a:stretch>
+        </p:blipFill>
+        <p:spPr>
+          <a:xfrm>
+            <a:off x="8893565" y="624807"/>
+            <a:ext cx="3222004" cy="3307292"/>
+          </a:xfrm>
+          <a:prstGeom prst="rect">
+            <a:avLst/>
+          </a:prstGeom>
+        </p:spPr>
+      </p:pic>
+    </p:spTree>
+    <p:extLst>
+      <p:ext uri="{BB962C8B-B14F-4D97-AF65-F5344CB8AC3E}">
+        <p14:creationId xmlns:p14="http://schemas.microsoft.com/office/powerpoint/2010/main" val="1663111500"/>
+      </p:ext>
+    </p:extLst>
+  </p:cSld>
+  <p:clrMapOvr>
+    <a:masterClrMapping/>
+  </p:clrMapOvr>
+</p:sld>
+</file>
+
+<file path=ppt/slides/slide22.xml><?xml version="1.0" encoding="utf-8"?>
+<p:sld xmlns:a="http://schemas.openxmlformats.org/drawingml/2006/main" xmlns:r="http://schemas.openxmlformats.org/officeDocument/2006/relationships" xmlns:p="http://schemas.openxmlformats.org/presentationml/2006/main">
+  <p:cSld>
+    <p:spTree>
+      <p:nvGrpSpPr>
+        <p:cNvPr id="1" name=""/>
+        <p:cNvGrpSpPr/>
+        <p:nvPr/>
+      </p:nvGrpSpPr>
+      <p:grpSpPr>
+        <a:xfrm>
+          <a:off x="0" y="0"/>
+          <a:ext cx="0" cy="0"/>
+          <a:chOff x="0" y="0"/>
+          <a:chExt cx="0" cy="0"/>
+        </a:xfrm>
+      </p:grpSpPr>
+      <p:sp>
+        <p:nvSpPr>
+          <p:cNvPr id="2" name="제목 1"/>
+          <p:cNvSpPr>
+            <a:spLocks noGrp="1"/>
+          </p:cNvSpPr>
+          <p:nvPr>
+            <p:ph type="title"/>
+          </p:nvPr>
+        </p:nvSpPr>
+        <p:spPr/>
+        <p:txBody>
+          <a:bodyPr/>
+          <a:lstStyle/>
+          <a:p>
+            <a:r>
+              <a:rPr lang="en-US" altLang="ko-KR" dirty="0" smtClean="0"/>
+              <a:t>DDPG</a:t>
+            </a:r>
+            <a:r>
+              <a:rPr lang="ko-KR" altLang="en-US" dirty="0" smtClean="0"/>
+              <a:t> </a:t>
+            </a:r>
+            <a:r>
+              <a:rPr lang="en-US" altLang="ko-KR" dirty="0" smtClean="0"/>
+              <a:t>7</a:t>
+            </a:r>
+            <a:r>
+              <a:rPr lang="ko-KR" altLang="en-US" dirty="0" smtClean="0"/>
+              <a:t>  </a:t>
+            </a:r>
+            <a:endParaRPr lang="ko-KR" altLang="en-US" dirty="0"/>
+          </a:p>
+        </p:txBody>
+      </p:sp>
+      <p:sp>
+        <p:nvSpPr>
+          <p:cNvPr id="4" name="TextBox 3"/>
+          <p:cNvSpPr txBox="1"/>
+          <p:nvPr/>
+        </p:nvSpPr>
+        <p:spPr>
+          <a:xfrm>
+            <a:off x="838200" y="1484771"/>
+            <a:ext cx="11000874" cy="1477328"/>
+          </a:xfrm>
+          <a:prstGeom prst="rect">
+            <a:avLst/>
+          </a:prstGeom>
+          <a:noFill/>
+        </p:spPr>
+        <p:txBody>
+          <a:bodyPr wrap="square" rtlCol="0">
+            <a:spAutoFit/>
+          </a:bodyPr>
+          <a:lstStyle/>
+          <a:p>
+            <a:pPr marL="285750" lvl="1" indent="-285750">
+              <a:buFontTx/>
+              <a:buChar char="-"/>
+            </a:pPr>
+            <a:r>
+              <a:rPr lang="en-US" altLang="ko-KR" b="1" dirty="0" smtClean="0">
+                <a:solidFill>
+                  <a:srgbClr val="FF0000"/>
+                </a:solidFill>
+              </a:rPr>
+              <a:t>State</a:t>
+            </a:r>
+            <a:r>
+              <a:rPr lang="ko-KR" altLang="en-US" b="1" dirty="0" smtClean="0">
+                <a:solidFill>
+                  <a:srgbClr val="FF0000"/>
+                </a:solidFill>
+              </a:rPr>
+              <a:t>를 확장함</a:t>
+            </a:r>
+            <a:r>
+              <a:rPr lang="en-US" altLang="ko-KR" b="1" dirty="0" smtClean="0">
+                <a:solidFill>
+                  <a:srgbClr val="FF0000"/>
+                </a:solidFill>
+              </a:rPr>
+              <a:t>: </a:t>
+            </a:r>
+            <a:r>
+              <a:rPr lang="en-US" altLang="ko-KR" dirty="0">
+                <a:solidFill>
+                  <a:srgbClr val="FF0000"/>
+                </a:solidFill>
+              </a:rPr>
+              <a:t>[</a:t>
+            </a:r>
+            <a:r>
+              <a:rPr lang="en-US" altLang="ko-KR" dirty="0" err="1">
+                <a:solidFill>
+                  <a:srgbClr val="FF0000"/>
+                </a:solidFill>
+              </a:rPr>
+              <a:t>power_out</a:t>
+            </a:r>
+            <a:r>
+              <a:rPr lang="en-US" altLang="ko-KR" dirty="0">
+                <a:solidFill>
+                  <a:srgbClr val="FF0000"/>
+                </a:solidFill>
+              </a:rPr>
+              <a:t>/1000, </a:t>
+            </a:r>
+            <a:r>
+              <a:rPr lang="en-US" altLang="ko-KR" dirty="0" err="1" smtClean="0">
+                <a:solidFill>
+                  <a:srgbClr val="FF0000"/>
+                </a:solidFill>
+              </a:rPr>
+              <a:t>action_prev</a:t>
+            </a:r>
+            <a:r>
+              <a:rPr lang="en-US" altLang="ko-KR" dirty="0" smtClean="0">
+                <a:solidFill>
+                  <a:srgbClr val="FF0000"/>
+                </a:solidFill>
+              </a:rPr>
+              <a:t>, SOC </a:t>
+            </a:r>
+            <a:r>
+              <a:rPr lang="en-US" altLang="ko-KR" dirty="0">
+                <a:solidFill>
+                  <a:srgbClr val="FF0000"/>
+                </a:solidFill>
+              </a:rPr>
+              <a:t>- </a:t>
+            </a:r>
+            <a:r>
+              <a:rPr lang="en-US" altLang="ko-KR" dirty="0" smtClean="0">
+                <a:solidFill>
+                  <a:srgbClr val="FF0000"/>
+                </a:solidFill>
+              </a:rPr>
+              <a:t>0.6, SOC]</a:t>
+            </a:r>
+            <a:endParaRPr lang="en-US" altLang="ko-KR" dirty="0">
+              <a:solidFill>
+                <a:srgbClr val="FF0000"/>
+              </a:solidFill>
+            </a:endParaRPr>
+          </a:p>
+          <a:p>
+            <a:endParaRPr lang="en-US" altLang="ko-KR" b="1" dirty="0"/>
+          </a:p>
+          <a:p>
+            <a:pPr marL="285750" indent="-285750">
+              <a:buFontTx/>
+              <a:buChar char="-"/>
+            </a:pPr>
+            <a:r>
+              <a:rPr lang="en-US" altLang="ko-KR" b="1" dirty="0">
+                <a:solidFill>
+                  <a:srgbClr val="FF0000"/>
+                </a:solidFill>
+              </a:rPr>
+              <a:t>Env1 State:</a:t>
+            </a:r>
+          </a:p>
+          <a:p>
+            <a:pPr marL="742950" lvl="2" indent="-285750">
+              <a:buFontTx/>
+              <a:buChar char="-"/>
+            </a:pPr>
+            <a:r>
+              <a:rPr lang="en-US" altLang="ko-KR" dirty="0"/>
+              <a:t>State</a:t>
+            </a:r>
+            <a:r>
+              <a:rPr lang="en-US" altLang="ko-KR" dirty="0" smtClean="0"/>
+              <a:t>: </a:t>
+            </a:r>
+            <a:r>
+              <a:rPr lang="en-US" altLang="ko-KR" dirty="0">
+                <a:solidFill>
+                  <a:srgbClr val="FF0000"/>
+                </a:solidFill>
+              </a:rPr>
+              <a:t>[</a:t>
+            </a:r>
+            <a:r>
+              <a:rPr lang="en-US" altLang="ko-KR" dirty="0" err="1">
+                <a:solidFill>
+                  <a:srgbClr val="FF0000"/>
+                </a:solidFill>
+              </a:rPr>
+              <a:t>power_out</a:t>
+            </a:r>
+            <a:r>
+              <a:rPr lang="en-US" altLang="ko-KR" dirty="0">
+                <a:solidFill>
+                  <a:srgbClr val="FF0000"/>
+                </a:solidFill>
+              </a:rPr>
+              <a:t>/1000, </a:t>
+            </a:r>
+            <a:r>
+              <a:rPr lang="en-US" altLang="ko-KR" dirty="0" err="1">
+                <a:solidFill>
+                  <a:srgbClr val="FF0000"/>
+                </a:solidFill>
+              </a:rPr>
+              <a:t>action_prev</a:t>
+            </a:r>
+            <a:r>
+              <a:rPr lang="en-US" altLang="ko-KR" dirty="0">
+                <a:solidFill>
+                  <a:srgbClr val="FF0000"/>
+                </a:solidFill>
+              </a:rPr>
+              <a:t>, SOC - 0.6, SOC]</a:t>
+            </a:r>
+          </a:p>
+          <a:p>
+            <a:pPr marL="742950" lvl="1" indent="-285750">
+              <a:buFontTx/>
+              <a:buChar char="-"/>
+            </a:pPr>
+            <a:r>
+              <a:rPr lang="en-US" altLang="ko-KR" dirty="0" smtClean="0"/>
+              <a:t>Replay </a:t>
+            </a:r>
+            <a:r>
+              <a:rPr lang="en-US" altLang="ko-KR" dirty="0" smtClean="0"/>
+              <a:t>memory</a:t>
+            </a:r>
+            <a:r>
+              <a:rPr lang="ko-KR" altLang="en-US" dirty="0" smtClean="0"/>
+              <a:t>에서 </a:t>
+            </a:r>
+            <a:r>
+              <a:rPr lang="en-US" altLang="ko-KR" dirty="0" err="1" smtClean="0"/>
+              <a:t>power_out</a:t>
+            </a:r>
+            <a:r>
+              <a:rPr lang="ko-KR" altLang="en-US" dirty="0" smtClean="0"/>
+              <a:t>에 대해</a:t>
+            </a:r>
+            <a:r>
+              <a:rPr lang="en-US" altLang="ko-KR" dirty="0" smtClean="0"/>
+              <a:t> </a:t>
+            </a:r>
+            <a:r>
+              <a:rPr lang="en-US" altLang="ko-KR" dirty="0" smtClean="0">
+                <a:solidFill>
+                  <a:srgbClr val="FF0000"/>
+                </a:solidFill>
+              </a:rPr>
+              <a:t>mean-</a:t>
+            </a:r>
+            <a:r>
+              <a:rPr lang="en-US" altLang="ko-KR" dirty="0" err="1" smtClean="0">
+                <a:solidFill>
+                  <a:srgbClr val="FF0000"/>
+                </a:solidFill>
+              </a:rPr>
+              <a:t>std</a:t>
+            </a:r>
+            <a:r>
+              <a:rPr lang="en-US" altLang="ko-KR" dirty="0" smtClean="0">
+                <a:solidFill>
+                  <a:srgbClr val="FF0000"/>
+                </a:solidFill>
+              </a:rPr>
+              <a:t> normalization </a:t>
+            </a:r>
+            <a:r>
+              <a:rPr lang="ko-KR" altLang="en-US" dirty="0" smtClean="0"/>
+              <a:t>적용 </a:t>
+            </a:r>
+            <a:endParaRPr lang="en-US" altLang="ko-KR" dirty="0" smtClean="0"/>
+          </a:p>
+        </p:txBody>
+      </p:sp>
+      <p:sp>
+        <p:nvSpPr>
+          <p:cNvPr id="5" name="TextBox 4"/>
+          <p:cNvSpPr txBox="1"/>
+          <p:nvPr/>
+        </p:nvSpPr>
+        <p:spPr>
+          <a:xfrm>
+            <a:off x="9576262" y="4910921"/>
+            <a:ext cx="2262812" cy="369332"/>
+          </a:xfrm>
+          <a:prstGeom prst="rect">
+            <a:avLst/>
+          </a:prstGeom>
+          <a:noFill/>
+        </p:spPr>
+        <p:txBody>
+          <a:bodyPr wrap="square" rtlCol="0">
+            <a:spAutoFit/>
+          </a:bodyPr>
+          <a:lstStyle/>
+          <a:p>
+            <a:r>
+              <a:rPr lang="en-US" altLang="ko-KR" dirty="0" smtClean="0"/>
+              <a:t>&lt;</a:t>
+            </a:r>
+            <a:r>
+              <a:rPr lang="ko-KR" altLang="en-US" dirty="0" err="1" smtClean="0"/>
+              <a:t>하이퍼파라미터</a:t>
+            </a:r>
+            <a:r>
+              <a:rPr lang="en-US" altLang="ko-KR" dirty="0" smtClean="0"/>
+              <a:t>&gt;</a:t>
+            </a:r>
+            <a:r>
+              <a:rPr lang="ko-KR" altLang="en-US" dirty="0" smtClean="0"/>
+              <a:t> </a:t>
+            </a:r>
+            <a:endParaRPr lang="ko-KR" altLang="en-US" dirty="0"/>
+          </a:p>
+        </p:txBody>
+      </p:sp>
+      <p:pic>
+        <p:nvPicPr>
+          <p:cNvPr id="7" name="그림 6"/>
+          <p:cNvPicPr>
+            <a:picLocks noChangeAspect="1"/>
+          </p:cNvPicPr>
+          <p:nvPr/>
+        </p:nvPicPr>
+        <p:blipFill>
+          <a:blip r:embed="rId2"/>
+          <a:stretch>
+            <a:fillRect/>
+          </a:stretch>
+        </p:blipFill>
+        <p:spPr>
+          <a:xfrm>
+            <a:off x="9096666" y="1484771"/>
+            <a:ext cx="3222004" cy="3307292"/>
+          </a:xfrm>
+          <a:prstGeom prst="rect">
+            <a:avLst/>
+          </a:prstGeom>
+        </p:spPr>
+      </p:pic>
+      <p:sp>
+        <p:nvSpPr>
+          <p:cNvPr id="8" name="TextBox 7"/>
+          <p:cNvSpPr txBox="1"/>
+          <p:nvPr/>
+        </p:nvSpPr>
+        <p:spPr>
+          <a:xfrm>
+            <a:off x="3356991" y="5095587"/>
+            <a:ext cx="5478018" cy="369332"/>
+          </a:xfrm>
+          <a:prstGeom prst="rect">
+            <a:avLst/>
+          </a:prstGeom>
+          <a:noFill/>
+        </p:spPr>
+        <p:txBody>
+          <a:bodyPr wrap="square" rtlCol="0">
+            <a:spAutoFit/>
+          </a:bodyPr>
+          <a:lstStyle/>
+          <a:p>
+            <a:r>
+              <a:rPr lang="ko-KR" altLang="en-US" b="1" dirty="0" smtClean="0">
+                <a:solidFill>
+                  <a:srgbClr val="FF0000"/>
+                </a:solidFill>
+              </a:rPr>
+              <a:t>효과가 별로 없는 것으로 보임  </a:t>
+            </a:r>
+            <a:endParaRPr lang="en-US" altLang="ko-KR" b="1" dirty="0">
+              <a:solidFill>
+                <a:srgbClr val="FF0000"/>
+              </a:solidFill>
+            </a:endParaRPr>
+          </a:p>
+        </p:txBody>
+      </p:sp>
+    </p:spTree>
+    <p:extLst>
+      <p:ext uri="{BB962C8B-B14F-4D97-AF65-F5344CB8AC3E}">
+        <p14:creationId xmlns:p14="http://schemas.microsoft.com/office/powerpoint/2010/main" val="4065416930"/>
+      </p:ext>
+    </p:extLst>
+  </p:cSld>
+  <p:clrMapOvr>
+    <a:masterClrMapping/>
+  </p:clrMapOvr>
+</p:sld>
+</file>
+
+<file path=ppt/slides/slide23.xml><?xml version="1.0" encoding="utf-8"?>
+<p:sld xmlns:a="http://schemas.openxmlformats.org/drawingml/2006/main" xmlns:r="http://schemas.openxmlformats.org/officeDocument/2006/relationships" xmlns:p="http://schemas.openxmlformats.org/presentationml/2006/main">
+  <p:cSld>
+    <p:spTree>
+      <p:nvGrpSpPr>
+        <p:cNvPr id="1" name=""/>
+        <p:cNvGrpSpPr/>
+        <p:nvPr/>
+      </p:nvGrpSpPr>
+      <p:grpSpPr>
+        <a:xfrm>
+          <a:off x="0" y="0"/>
+          <a:ext cx="0" cy="0"/>
+          <a:chOff x="0" y="0"/>
+          <a:chExt cx="0" cy="0"/>
+        </a:xfrm>
+      </p:grpSpPr>
+      <p:sp>
+        <p:nvSpPr>
+          <p:cNvPr id="2" name="제목 1"/>
+          <p:cNvSpPr>
+            <a:spLocks noGrp="1"/>
+          </p:cNvSpPr>
+          <p:nvPr>
+            <p:ph type="title"/>
+          </p:nvPr>
+        </p:nvSpPr>
+        <p:spPr/>
+        <p:txBody>
+          <a:bodyPr/>
+          <a:lstStyle/>
+          <a:p>
+            <a:r>
               <a:rPr lang="en-US" altLang="ko-KR" dirty="0" smtClean="0"/>
               <a:t>DDPG</a:t>
             </a:r>
@@ -10197,7 +11518,7 @@
 </p:sld>
 </file>
 
-<file path=ppt/slides/slide21.xml><?xml version="1.0" encoding="utf-8"?>
+<file path=ppt/slides/slide24.xml><?xml version="1.0" encoding="utf-8"?>
 <p:sld xmlns:a="http://schemas.openxmlformats.org/drawingml/2006/main" xmlns:r="http://schemas.openxmlformats.org/officeDocument/2006/relationships" xmlns:p="http://schemas.openxmlformats.org/presentationml/2006/main">
   <p:cSld>
     <p:spTree>
@@ -11418,6 +12739,1044 @@
 </file>
 
 <file path=ppt/slides/slide4.xml><?xml version="1.0" encoding="utf-8"?>
+<p:sld xmlns:a="http://schemas.openxmlformats.org/drawingml/2006/main" xmlns:r="http://schemas.openxmlformats.org/officeDocument/2006/relationships" xmlns:p="http://schemas.openxmlformats.org/presentationml/2006/main">
+  <p:cSld>
+    <p:spTree>
+      <p:nvGrpSpPr>
+        <p:cNvPr id="1" name=""/>
+        <p:cNvGrpSpPr/>
+        <p:nvPr/>
+      </p:nvGrpSpPr>
+      <p:grpSpPr>
+        <a:xfrm>
+          <a:off x="0" y="0"/>
+          <a:ext cx="0" cy="0"/>
+          <a:chOff x="0" y="0"/>
+          <a:chExt cx="0" cy="0"/>
+        </a:xfrm>
+      </p:grpSpPr>
+      <p:sp>
+        <p:nvSpPr>
+          <p:cNvPr id="2" name="제목 1"/>
+          <p:cNvSpPr>
+            <a:spLocks noGrp="1"/>
+          </p:cNvSpPr>
+          <p:nvPr>
+            <p:ph type="title"/>
+          </p:nvPr>
+        </p:nvSpPr>
+        <p:spPr/>
+        <p:txBody>
+          <a:bodyPr/>
+          <a:lstStyle/>
+          <a:p>
+            <a:r>
+              <a:rPr lang="en-US" altLang="ko-KR" dirty="0" smtClean="0"/>
+              <a:t>DDQN</a:t>
+            </a:r>
+            <a:r>
+              <a:rPr lang="ko-KR" altLang="en-US" dirty="0" smtClean="0"/>
+              <a:t> </a:t>
+            </a:r>
+            <a:r>
+              <a:rPr lang="en-US" altLang="ko-KR" dirty="0" smtClean="0"/>
+              <a:t>3 – </a:t>
+            </a:r>
+            <a:r>
+              <a:rPr lang="ko-KR" altLang="en-US" dirty="0" smtClean="0"/>
+              <a:t>결과   </a:t>
+            </a:r>
+            <a:endParaRPr lang="ko-KR" altLang="en-US" dirty="0"/>
+          </a:p>
+        </p:txBody>
+      </p:sp>
+      <p:sp>
+        <p:nvSpPr>
+          <p:cNvPr id="4" name="TextBox 3"/>
+          <p:cNvSpPr txBox="1"/>
+          <p:nvPr/>
+        </p:nvSpPr>
+        <p:spPr>
+          <a:xfrm>
+            <a:off x="838200" y="1459832"/>
+            <a:ext cx="11000874" cy="4247317"/>
+          </a:xfrm>
+          <a:prstGeom prst="rect">
+            <a:avLst/>
+          </a:prstGeom>
+          <a:noFill/>
+        </p:spPr>
+        <p:txBody>
+          <a:bodyPr wrap="square" rtlCol="0">
+            <a:spAutoFit/>
+          </a:bodyPr>
+          <a:lstStyle/>
+          <a:p>
+            <a:pPr marL="285750" indent="-285750">
+              <a:buFontTx/>
+              <a:buChar char="-"/>
+            </a:pPr>
+            <a:r>
+              <a:rPr lang="ko-KR" altLang="en-US" b="1" dirty="0" smtClean="0">
+                <a:solidFill>
+                  <a:srgbClr val="FF0000"/>
+                </a:solidFill>
+              </a:rPr>
+              <a:t>다양한 </a:t>
+            </a:r>
+            <a:r>
+              <a:rPr lang="en-US" altLang="ko-KR" b="1" dirty="0" smtClean="0">
+                <a:solidFill>
+                  <a:srgbClr val="FF0000"/>
+                </a:solidFill>
+              </a:rPr>
+              <a:t>State</a:t>
+            </a:r>
+            <a:r>
+              <a:rPr lang="ko-KR" altLang="en-US" b="1" dirty="0" smtClean="0">
+                <a:solidFill>
+                  <a:srgbClr val="FF0000"/>
+                </a:solidFill>
+              </a:rPr>
+              <a:t>에 대한 실험을 진행함</a:t>
+            </a:r>
+            <a:endParaRPr lang="en-US" altLang="ko-KR" b="1" dirty="0" smtClean="0">
+              <a:solidFill>
+                <a:srgbClr val="FF0000"/>
+              </a:solidFill>
+            </a:endParaRPr>
+          </a:p>
+          <a:p>
+            <a:pPr marL="285750" indent="-285750">
+              <a:buFontTx/>
+              <a:buChar char="-"/>
+            </a:pPr>
+            <a:endParaRPr lang="en-US" altLang="ko-KR" b="1" dirty="0"/>
+          </a:p>
+          <a:p>
+            <a:pPr marL="285750" indent="-285750">
+              <a:buFontTx/>
+              <a:buChar char="-"/>
+            </a:pPr>
+            <a:r>
+              <a:rPr lang="en-US" altLang="ko-KR" b="1" dirty="0" smtClean="0"/>
+              <a:t>Env1 State:</a:t>
+            </a:r>
+          </a:p>
+          <a:p>
+            <a:pPr marL="742950" lvl="1" indent="-285750">
+              <a:buFontTx/>
+              <a:buChar char="-"/>
+            </a:pPr>
+            <a:r>
+              <a:rPr lang="en-US" altLang="ko-KR" dirty="0" smtClean="0"/>
+              <a:t>State:   [</a:t>
+            </a:r>
+            <a:r>
+              <a:rPr lang="en-US" altLang="ko-KR" dirty="0" err="1" smtClean="0">
+                <a:solidFill>
+                  <a:srgbClr val="FF0000"/>
+                </a:solidFill>
+              </a:rPr>
+              <a:t>power_out</a:t>
+            </a:r>
+            <a:r>
+              <a:rPr lang="en-US" altLang="ko-KR" dirty="0" smtClean="0">
+                <a:solidFill>
+                  <a:srgbClr val="FF0000"/>
+                </a:solidFill>
+              </a:rPr>
+              <a:t>/1000</a:t>
+            </a:r>
+            <a:r>
+              <a:rPr lang="en-US" altLang="ko-KR" dirty="0" smtClean="0"/>
+              <a:t>, SOC, </a:t>
+            </a:r>
+            <a:r>
+              <a:rPr lang="en-US" altLang="ko-KR" dirty="0" err="1" smtClean="0"/>
+              <a:t>j_min</a:t>
+            </a:r>
+            <a:r>
+              <a:rPr lang="en-US" altLang="ko-KR" dirty="0" smtClean="0"/>
+              <a:t>, </a:t>
+            </a:r>
+            <a:r>
+              <a:rPr lang="en-US" altLang="ko-KR" dirty="0" err="1" smtClean="0"/>
+              <a:t>j_max</a:t>
+            </a:r>
+            <a:r>
+              <a:rPr lang="en-US" altLang="ko-KR" dirty="0" smtClean="0"/>
+              <a:t>]</a:t>
+            </a:r>
+          </a:p>
+          <a:p>
+            <a:pPr marL="742950" lvl="1" indent="-285750">
+              <a:buFontTx/>
+              <a:buChar char="-"/>
+            </a:pPr>
+            <a:endParaRPr lang="en-US" altLang="ko-KR" dirty="0" smtClean="0"/>
+          </a:p>
+          <a:p>
+            <a:pPr marL="285750" indent="-285750">
+              <a:buFontTx/>
+              <a:buChar char="-"/>
+            </a:pPr>
+            <a:r>
+              <a:rPr lang="en-US" altLang="ko-KR" b="1" dirty="0" smtClean="0"/>
+              <a:t>Env2 </a:t>
+            </a:r>
+            <a:r>
+              <a:rPr lang="en-US" altLang="ko-KR" b="1" dirty="0"/>
+              <a:t>State:</a:t>
+            </a:r>
+          </a:p>
+          <a:p>
+            <a:pPr marL="742950" lvl="1" indent="-285750">
+              <a:buFontTx/>
+              <a:buChar char="-"/>
+            </a:pPr>
+            <a:r>
+              <a:rPr lang="en-US" altLang="ko-KR" dirty="0"/>
+              <a:t>State:   </a:t>
+            </a:r>
+            <a:r>
+              <a:rPr lang="en-US" altLang="ko-KR" dirty="0" smtClean="0"/>
+              <a:t>[</a:t>
+            </a:r>
+            <a:r>
+              <a:rPr lang="en-US" altLang="ko-KR" dirty="0" err="1" smtClean="0">
+                <a:solidFill>
+                  <a:srgbClr val="FF0000"/>
+                </a:solidFill>
+              </a:rPr>
+              <a:t>tq</a:t>
+            </a:r>
+            <a:r>
+              <a:rPr lang="en-US" altLang="ko-KR" dirty="0" smtClean="0">
+                <a:solidFill>
+                  <a:srgbClr val="FF0000"/>
+                </a:solidFill>
+              </a:rPr>
+              <a:t>, </a:t>
+            </a:r>
+            <a:r>
+              <a:rPr lang="en-US" altLang="ko-KR" dirty="0" err="1" smtClean="0">
+                <a:solidFill>
+                  <a:srgbClr val="FF0000"/>
+                </a:solidFill>
+              </a:rPr>
+              <a:t>sp</a:t>
+            </a:r>
+            <a:r>
+              <a:rPr lang="en-US" altLang="ko-KR" dirty="0" smtClean="0"/>
+              <a:t>, </a:t>
+            </a:r>
+            <a:r>
+              <a:rPr lang="en-US" altLang="ko-KR" dirty="0"/>
+              <a:t>SOC, </a:t>
+            </a:r>
+            <a:r>
+              <a:rPr lang="en-US" altLang="ko-KR" dirty="0" err="1"/>
+              <a:t>j_min</a:t>
+            </a:r>
+            <a:r>
+              <a:rPr lang="en-US" altLang="ko-KR" dirty="0"/>
+              <a:t>, </a:t>
+            </a:r>
+            <a:r>
+              <a:rPr lang="en-US" altLang="ko-KR" dirty="0" err="1"/>
+              <a:t>j_max</a:t>
+            </a:r>
+            <a:r>
+              <a:rPr lang="en-US" altLang="ko-KR" dirty="0"/>
+              <a:t>]</a:t>
+            </a:r>
+          </a:p>
+          <a:p>
+            <a:pPr marL="285750" indent="-285750">
+              <a:buFontTx/>
+              <a:buChar char="-"/>
+            </a:pPr>
+            <a:endParaRPr lang="en-US" altLang="ko-KR" dirty="0" smtClean="0"/>
+          </a:p>
+          <a:p>
+            <a:pPr marL="285750" indent="-285750">
+              <a:buFontTx/>
+              <a:buChar char="-"/>
+            </a:pPr>
+            <a:r>
+              <a:rPr lang="en-US" altLang="ko-KR" b="1" dirty="0" smtClean="0"/>
+              <a:t>Env3 </a:t>
+            </a:r>
+            <a:r>
+              <a:rPr lang="en-US" altLang="ko-KR" b="1" dirty="0"/>
+              <a:t>State:</a:t>
+            </a:r>
+          </a:p>
+          <a:p>
+            <a:pPr marL="742950" lvl="1" indent="-285750">
+              <a:buFontTx/>
+              <a:buChar char="-"/>
+            </a:pPr>
+            <a:r>
+              <a:rPr lang="en-US" altLang="ko-KR" dirty="0"/>
+              <a:t>State:   </a:t>
+            </a:r>
+            <a:r>
+              <a:rPr lang="en-US" altLang="ko-KR" dirty="0" smtClean="0"/>
+              <a:t>[</a:t>
+            </a:r>
+            <a:r>
+              <a:rPr lang="en-US" altLang="ko-KR" dirty="0" err="1" smtClean="0">
+                <a:solidFill>
+                  <a:srgbClr val="FF0000"/>
+                </a:solidFill>
+              </a:rPr>
+              <a:t>acc</a:t>
+            </a:r>
+            <a:r>
+              <a:rPr lang="en-US" altLang="ko-KR" dirty="0" smtClean="0">
+                <a:solidFill>
+                  <a:srgbClr val="FF0000"/>
+                </a:solidFill>
+              </a:rPr>
+              <a:t>, </a:t>
+            </a:r>
+            <a:r>
+              <a:rPr lang="en-US" altLang="ko-KR" dirty="0" err="1">
+                <a:solidFill>
+                  <a:srgbClr val="FF0000"/>
+                </a:solidFill>
+              </a:rPr>
+              <a:t>sp</a:t>
+            </a:r>
+            <a:r>
+              <a:rPr lang="en-US" altLang="ko-KR" dirty="0"/>
+              <a:t>, SOC, </a:t>
+            </a:r>
+            <a:r>
+              <a:rPr lang="en-US" altLang="ko-KR" dirty="0" err="1"/>
+              <a:t>j_min</a:t>
+            </a:r>
+            <a:r>
+              <a:rPr lang="en-US" altLang="ko-KR" dirty="0"/>
+              <a:t>, </a:t>
+            </a:r>
+            <a:r>
+              <a:rPr lang="en-US" altLang="ko-KR" dirty="0" err="1"/>
+              <a:t>j_max</a:t>
+            </a:r>
+            <a:r>
+              <a:rPr lang="en-US" altLang="ko-KR" dirty="0"/>
+              <a:t>]</a:t>
+            </a:r>
+          </a:p>
+          <a:p>
+            <a:pPr marL="285750" indent="-285750">
+              <a:buFontTx/>
+              <a:buChar char="-"/>
+            </a:pPr>
+            <a:endParaRPr lang="en-US" altLang="ko-KR" dirty="0" smtClean="0"/>
+          </a:p>
+          <a:p>
+            <a:pPr marL="285750" indent="-285750">
+              <a:buFontTx/>
+              <a:buChar char="-"/>
+            </a:pPr>
+            <a:r>
+              <a:rPr lang="en-US" altLang="ko-KR" b="1" dirty="0" smtClean="0"/>
+              <a:t>Env4 </a:t>
+            </a:r>
+            <a:r>
+              <a:rPr lang="en-US" altLang="ko-KR" b="1" dirty="0"/>
+              <a:t>State:</a:t>
+            </a:r>
+          </a:p>
+          <a:p>
+            <a:pPr marL="742950" lvl="1" indent="-285750">
+              <a:buFontTx/>
+              <a:buChar char="-"/>
+            </a:pPr>
+            <a:r>
+              <a:rPr lang="en-US" altLang="ko-KR" dirty="0"/>
+              <a:t>State:   </a:t>
+            </a:r>
+            <a:r>
+              <a:rPr lang="en-US" altLang="ko-KR" dirty="0" smtClean="0"/>
+              <a:t>[</a:t>
+            </a:r>
+            <a:r>
+              <a:rPr lang="en-US" altLang="ko-KR" dirty="0" err="1" smtClean="0">
+                <a:solidFill>
+                  <a:srgbClr val="FF0000"/>
+                </a:solidFill>
+              </a:rPr>
+              <a:t>acc</a:t>
+            </a:r>
+            <a:r>
+              <a:rPr lang="en-US" altLang="ko-KR" dirty="0" smtClean="0">
+                <a:solidFill>
+                  <a:srgbClr val="FF0000"/>
+                </a:solidFill>
+              </a:rPr>
+              <a:t>, </a:t>
+            </a:r>
+            <a:r>
+              <a:rPr lang="en-US" altLang="ko-KR" dirty="0" err="1">
+                <a:solidFill>
+                  <a:srgbClr val="FF0000"/>
+                </a:solidFill>
+              </a:rPr>
+              <a:t>sp</a:t>
+            </a:r>
+            <a:r>
+              <a:rPr lang="en-US" altLang="ko-KR" dirty="0"/>
+              <a:t>, </a:t>
+            </a:r>
+            <a:r>
+              <a:rPr lang="en-US" altLang="ko-KR" dirty="0" smtClean="0"/>
+              <a:t>SOC – 0.6, </a:t>
+            </a:r>
+            <a:r>
+              <a:rPr lang="en-US" altLang="ko-KR" dirty="0" err="1"/>
+              <a:t>j_min</a:t>
+            </a:r>
+            <a:r>
+              <a:rPr lang="en-US" altLang="ko-KR" dirty="0"/>
+              <a:t>, </a:t>
+            </a:r>
+            <a:r>
+              <a:rPr lang="en-US" altLang="ko-KR" dirty="0" err="1"/>
+              <a:t>j_max</a:t>
+            </a:r>
+            <a:r>
+              <a:rPr lang="en-US" altLang="ko-KR" dirty="0" smtClean="0"/>
+              <a:t>]</a:t>
+            </a:r>
+          </a:p>
+          <a:p>
+            <a:pPr marL="285750" indent="-285750">
+              <a:buFontTx/>
+              <a:buChar char="-"/>
+            </a:pPr>
+            <a:endParaRPr lang="en-US" altLang="ko-KR" dirty="0" smtClean="0"/>
+          </a:p>
+          <a:p>
+            <a:pPr lvl="1"/>
+            <a:endParaRPr lang="en-US" altLang="ko-KR" dirty="0" smtClean="0"/>
+          </a:p>
+        </p:txBody>
+      </p:sp>
+      <p:sp>
+        <p:nvSpPr>
+          <p:cNvPr id="6" name="TextBox 5"/>
+          <p:cNvSpPr txBox="1"/>
+          <p:nvPr/>
+        </p:nvSpPr>
+        <p:spPr>
+          <a:xfrm>
+            <a:off x="1891963" y="5548734"/>
+            <a:ext cx="8463422" cy="646331"/>
+          </a:xfrm>
+          <a:prstGeom prst="rect">
+            <a:avLst/>
+          </a:prstGeom>
+          <a:noFill/>
+        </p:spPr>
+        <p:txBody>
+          <a:bodyPr wrap="square" rtlCol="0">
+            <a:spAutoFit/>
+          </a:bodyPr>
+          <a:lstStyle/>
+          <a:p>
+            <a:r>
+              <a:rPr lang="en-US" altLang="ko-KR" dirty="0" err="1" smtClean="0">
+                <a:solidFill>
+                  <a:srgbClr val="FF0000"/>
+                </a:solidFill>
+              </a:rPr>
+              <a:t>Tq</a:t>
+            </a:r>
+            <a:r>
+              <a:rPr lang="en-US" altLang="ko-KR" dirty="0" smtClean="0">
+                <a:solidFill>
+                  <a:srgbClr val="FF0000"/>
+                </a:solidFill>
+              </a:rPr>
+              <a:t>, </a:t>
+            </a:r>
+            <a:r>
+              <a:rPr lang="en-US" altLang="ko-KR" dirty="0" err="1" smtClean="0">
+                <a:solidFill>
+                  <a:srgbClr val="FF0000"/>
+                </a:solidFill>
+              </a:rPr>
+              <a:t>sp</a:t>
+            </a:r>
+            <a:r>
+              <a:rPr lang="ko-KR" altLang="en-US" dirty="0" smtClean="0">
+                <a:solidFill>
+                  <a:srgbClr val="FF0000"/>
+                </a:solidFill>
+              </a:rPr>
+              <a:t>를 사용하는 것 아니면 모두 유효할 것으로 보임</a:t>
+            </a:r>
+            <a:r>
+              <a:rPr lang="en-US" altLang="ko-KR" dirty="0" smtClean="0">
+                <a:solidFill>
+                  <a:srgbClr val="FF0000"/>
+                </a:solidFill>
+              </a:rPr>
+              <a:t>. </a:t>
+            </a:r>
+          </a:p>
+          <a:p>
+            <a:r>
+              <a:rPr lang="en-US" altLang="ko-KR" b="1" dirty="0" smtClean="0">
+                <a:solidFill>
+                  <a:srgbClr val="FF0000"/>
+                </a:solidFill>
+              </a:rPr>
+              <a:t>SOC</a:t>
+            </a:r>
+            <a:r>
+              <a:rPr lang="ko-KR" altLang="en-US" b="1" dirty="0" smtClean="0">
+                <a:solidFill>
+                  <a:srgbClr val="FF0000"/>
+                </a:solidFill>
+              </a:rPr>
+              <a:t>는 </a:t>
+            </a:r>
+            <a:r>
+              <a:rPr lang="en-US" altLang="ko-KR" b="1" dirty="0" smtClean="0">
+                <a:solidFill>
+                  <a:srgbClr val="FF0000"/>
+                </a:solidFill>
+              </a:rPr>
+              <a:t>SOC </a:t>
+            </a:r>
+            <a:r>
+              <a:rPr lang="ko-KR" altLang="en-US" b="1" dirty="0" smtClean="0">
+                <a:solidFill>
+                  <a:srgbClr val="FF0000"/>
+                </a:solidFill>
+              </a:rPr>
+              <a:t>절대값을 사용하는 것 보단 </a:t>
+            </a:r>
+            <a:r>
+              <a:rPr lang="en-US" altLang="ko-KR" b="1" dirty="0" smtClean="0">
+                <a:solidFill>
+                  <a:srgbClr val="FF0000"/>
+                </a:solidFill>
+              </a:rPr>
+              <a:t>SOC-0.6</a:t>
+            </a:r>
+            <a:r>
+              <a:rPr lang="ko-KR" altLang="en-US" b="1" dirty="0" smtClean="0">
+                <a:solidFill>
+                  <a:srgbClr val="FF0000"/>
+                </a:solidFill>
+              </a:rPr>
+              <a:t>을 사용하는 것이 좋은 듯 </a:t>
+            </a:r>
+            <a:r>
+              <a:rPr lang="en-US" altLang="ko-KR" b="1" dirty="0" smtClean="0">
+                <a:solidFill>
+                  <a:srgbClr val="FF0000"/>
+                </a:solidFill>
+              </a:rPr>
+              <a:t>… </a:t>
+            </a:r>
+            <a:r>
+              <a:rPr lang="ko-KR" altLang="en-US" b="1" dirty="0" smtClean="0">
+                <a:solidFill>
+                  <a:srgbClr val="FF0000"/>
+                </a:solidFill>
+              </a:rPr>
+              <a:t>   </a:t>
+            </a:r>
+            <a:endParaRPr lang="ko-KR" altLang="en-US" b="1" dirty="0">
+              <a:solidFill>
+                <a:srgbClr val="FF0000"/>
+              </a:solidFill>
+            </a:endParaRPr>
+          </a:p>
+        </p:txBody>
+      </p:sp>
+      <p:pic>
+        <p:nvPicPr>
+          <p:cNvPr id="7" name="그림 6"/>
+          <p:cNvPicPr>
+            <a:picLocks noChangeAspect="1"/>
+          </p:cNvPicPr>
+          <p:nvPr/>
+        </p:nvPicPr>
+        <p:blipFill>
+          <a:blip r:embed="rId2">
+            <a:extLst>
+              <a:ext uri="{28A0092B-C50C-407E-A947-70E740481C1C}">
+                <a14:useLocalDpi xmlns:a14="http://schemas.microsoft.com/office/drawing/2010/main" val="0"/>
+              </a:ext>
+            </a:extLst>
+          </a:blip>
+          <a:stretch>
+            <a:fillRect/>
+          </a:stretch>
+        </p:blipFill>
+        <p:spPr>
+          <a:xfrm>
+            <a:off x="7784123" y="203200"/>
+            <a:ext cx="3709232" cy="2472821"/>
+          </a:xfrm>
+          <a:prstGeom prst="rect">
+            <a:avLst/>
+          </a:prstGeom>
+        </p:spPr>
+      </p:pic>
+      <p:pic>
+        <p:nvPicPr>
+          <p:cNvPr id="3" name="그림 2"/>
+          <p:cNvPicPr>
+            <a:picLocks noChangeAspect="1"/>
+          </p:cNvPicPr>
+          <p:nvPr/>
+        </p:nvPicPr>
+        <p:blipFill>
+          <a:blip r:embed="rId3">
+            <a:extLst>
+              <a:ext uri="{28A0092B-C50C-407E-A947-70E740481C1C}">
+                <a14:useLocalDpi xmlns:a14="http://schemas.microsoft.com/office/drawing/2010/main" val="0"/>
+              </a:ext>
+            </a:extLst>
+          </a:blip>
+          <a:stretch>
+            <a:fillRect/>
+          </a:stretch>
+        </p:blipFill>
+        <p:spPr>
+          <a:xfrm>
+            <a:off x="7784123" y="2528559"/>
+            <a:ext cx="3709232" cy="2472821"/>
+          </a:xfrm>
+          <a:prstGeom prst="rect">
+            <a:avLst/>
+          </a:prstGeom>
+        </p:spPr>
+      </p:pic>
+    </p:spTree>
+    <p:extLst>
+      <p:ext uri="{BB962C8B-B14F-4D97-AF65-F5344CB8AC3E}">
+        <p14:creationId xmlns:p14="http://schemas.microsoft.com/office/powerpoint/2010/main" val="4030385803"/>
+      </p:ext>
+    </p:extLst>
+  </p:cSld>
+  <p:clrMapOvr>
+    <a:masterClrMapping/>
+  </p:clrMapOvr>
+</p:sld>
+</file>
+
+<file path=ppt/slides/slide5.xml><?xml version="1.0" encoding="utf-8"?>
+<p:sld xmlns:a="http://schemas.openxmlformats.org/drawingml/2006/main" xmlns:r="http://schemas.openxmlformats.org/officeDocument/2006/relationships" xmlns:p="http://schemas.openxmlformats.org/presentationml/2006/main">
+  <p:cSld>
+    <p:spTree>
+      <p:nvGrpSpPr>
+        <p:cNvPr id="1" name=""/>
+        <p:cNvGrpSpPr/>
+        <p:nvPr/>
+      </p:nvGrpSpPr>
+      <p:grpSpPr>
+        <a:xfrm>
+          <a:off x="0" y="0"/>
+          <a:ext cx="0" cy="0"/>
+          <a:chOff x="0" y="0"/>
+          <a:chExt cx="0" cy="0"/>
+        </a:xfrm>
+      </p:grpSpPr>
+      <p:sp>
+        <p:nvSpPr>
+          <p:cNvPr id="2" name="제목 1"/>
+          <p:cNvSpPr>
+            <a:spLocks noGrp="1"/>
+          </p:cNvSpPr>
+          <p:nvPr>
+            <p:ph type="title"/>
+          </p:nvPr>
+        </p:nvSpPr>
+        <p:spPr/>
+        <p:txBody>
+          <a:bodyPr/>
+          <a:lstStyle/>
+          <a:p>
+            <a:r>
+              <a:rPr lang="en-US" altLang="ko-KR" dirty="0" smtClean="0"/>
+              <a:t>DDQN</a:t>
+            </a:r>
+            <a:r>
+              <a:rPr lang="ko-KR" altLang="en-US" dirty="0" smtClean="0"/>
+              <a:t> </a:t>
+            </a:r>
+            <a:r>
+              <a:rPr lang="en-US" altLang="ko-KR" dirty="0" smtClean="0"/>
+              <a:t>3_ver2 </a:t>
+            </a:r>
+            <a:r>
+              <a:rPr lang="en-US" altLang="ko-KR" dirty="0" smtClean="0"/>
+              <a:t>– </a:t>
+            </a:r>
+            <a:r>
+              <a:rPr lang="ko-KR" altLang="en-US" dirty="0" smtClean="0"/>
+              <a:t>결과   </a:t>
+            </a:r>
+            <a:endParaRPr lang="ko-KR" altLang="en-US" dirty="0"/>
+          </a:p>
+        </p:txBody>
+      </p:sp>
+      <p:sp>
+        <p:nvSpPr>
+          <p:cNvPr id="4" name="TextBox 3"/>
+          <p:cNvSpPr txBox="1"/>
+          <p:nvPr/>
+        </p:nvSpPr>
+        <p:spPr>
+          <a:xfrm>
+            <a:off x="838200" y="1459832"/>
+            <a:ext cx="11000874" cy="3693319"/>
+          </a:xfrm>
+          <a:prstGeom prst="rect">
+            <a:avLst/>
+          </a:prstGeom>
+          <a:noFill/>
+        </p:spPr>
+        <p:txBody>
+          <a:bodyPr wrap="square" rtlCol="0">
+            <a:spAutoFit/>
+          </a:bodyPr>
+          <a:lstStyle/>
+          <a:p>
+            <a:pPr marL="285750" indent="-285750">
+              <a:buFontTx/>
+              <a:buChar char="-"/>
+            </a:pPr>
+            <a:r>
+              <a:rPr lang="ko-KR" altLang="en-US" b="1" dirty="0" smtClean="0">
+                <a:solidFill>
+                  <a:srgbClr val="FF0000"/>
+                </a:solidFill>
+              </a:rPr>
+              <a:t>다양한 </a:t>
+            </a:r>
+            <a:r>
+              <a:rPr lang="en-US" altLang="ko-KR" b="1" dirty="0" smtClean="0">
+                <a:solidFill>
+                  <a:srgbClr val="FF0000"/>
+                </a:solidFill>
+              </a:rPr>
+              <a:t>State</a:t>
+            </a:r>
+            <a:r>
+              <a:rPr lang="ko-KR" altLang="en-US" b="1" dirty="0" smtClean="0">
+                <a:solidFill>
+                  <a:srgbClr val="FF0000"/>
+                </a:solidFill>
+              </a:rPr>
+              <a:t>에 대한 실험을 진행함</a:t>
+            </a:r>
+            <a:endParaRPr lang="en-US" altLang="ko-KR" b="1" dirty="0" smtClean="0">
+              <a:solidFill>
+                <a:srgbClr val="FF0000"/>
+              </a:solidFill>
+            </a:endParaRPr>
+          </a:p>
+          <a:p>
+            <a:pPr marL="285750" indent="-285750">
+              <a:buFontTx/>
+              <a:buChar char="-"/>
+            </a:pPr>
+            <a:endParaRPr lang="en-US" altLang="ko-KR" b="1" dirty="0"/>
+          </a:p>
+          <a:p>
+            <a:pPr marL="285750" indent="-285750">
+              <a:buFontTx/>
+              <a:buChar char="-"/>
+            </a:pPr>
+            <a:r>
+              <a:rPr lang="en-US" altLang="ko-KR" b="1" dirty="0" smtClean="0"/>
+              <a:t>Env1 State:</a:t>
+            </a:r>
+          </a:p>
+          <a:p>
+            <a:pPr marL="742950" lvl="1" indent="-285750">
+              <a:buFontTx/>
+              <a:buChar char="-"/>
+            </a:pPr>
+            <a:r>
+              <a:rPr lang="en-US" altLang="ko-KR" dirty="0" smtClean="0"/>
+              <a:t>State:   [</a:t>
+            </a:r>
+            <a:r>
+              <a:rPr lang="en-US" altLang="ko-KR" dirty="0" err="1" smtClean="0">
+                <a:solidFill>
+                  <a:srgbClr val="FF0000"/>
+                </a:solidFill>
+              </a:rPr>
+              <a:t>power_out</a:t>
+            </a:r>
+            <a:r>
+              <a:rPr lang="en-US" altLang="ko-KR" dirty="0" smtClean="0">
+                <a:solidFill>
+                  <a:srgbClr val="FF0000"/>
+                </a:solidFill>
+              </a:rPr>
+              <a:t>/1000</a:t>
+            </a:r>
+            <a:r>
+              <a:rPr lang="en-US" altLang="ko-KR" dirty="0" smtClean="0"/>
+              <a:t>, SOC, </a:t>
+            </a:r>
+            <a:r>
+              <a:rPr lang="en-US" altLang="ko-KR" dirty="0" err="1" smtClean="0"/>
+              <a:t>j_min</a:t>
+            </a:r>
+            <a:r>
+              <a:rPr lang="en-US" altLang="ko-KR" dirty="0" smtClean="0"/>
+              <a:t>, </a:t>
+            </a:r>
+            <a:r>
+              <a:rPr lang="en-US" altLang="ko-KR" dirty="0" err="1" smtClean="0"/>
+              <a:t>j_max</a:t>
+            </a:r>
+            <a:r>
+              <a:rPr lang="en-US" altLang="ko-KR" dirty="0" smtClean="0"/>
+              <a:t>]</a:t>
+            </a:r>
+          </a:p>
+          <a:p>
+            <a:pPr marL="742950" lvl="1" indent="-285750">
+              <a:buFontTx/>
+              <a:buChar char="-"/>
+            </a:pPr>
+            <a:endParaRPr lang="en-US" altLang="ko-KR" dirty="0" smtClean="0"/>
+          </a:p>
+          <a:p>
+            <a:pPr marL="285750" indent="-285750">
+              <a:buFontTx/>
+              <a:buChar char="-"/>
+            </a:pPr>
+            <a:r>
+              <a:rPr lang="en-US" altLang="ko-KR" b="1" dirty="0" smtClean="0"/>
+              <a:t>Env2 </a:t>
+            </a:r>
+            <a:r>
+              <a:rPr lang="en-US" altLang="ko-KR" b="1" dirty="0"/>
+              <a:t>State:</a:t>
+            </a:r>
+          </a:p>
+          <a:p>
+            <a:pPr marL="742950" lvl="1" indent="-285750">
+              <a:buFontTx/>
+              <a:buChar char="-"/>
+            </a:pPr>
+            <a:r>
+              <a:rPr lang="en-US" altLang="ko-KR" dirty="0"/>
+              <a:t>State:   </a:t>
+            </a:r>
+            <a:r>
+              <a:rPr lang="en-US" altLang="ko-KR" dirty="0" smtClean="0"/>
+              <a:t>[</a:t>
+            </a:r>
+            <a:r>
+              <a:rPr lang="en-US" altLang="ko-KR" dirty="0" err="1" smtClean="0">
+                <a:solidFill>
+                  <a:srgbClr val="FF0000"/>
+                </a:solidFill>
+              </a:rPr>
+              <a:t>power_out</a:t>
+            </a:r>
+            <a:r>
+              <a:rPr lang="en-US" altLang="ko-KR" dirty="0" smtClean="0"/>
+              <a:t>, </a:t>
+            </a:r>
+            <a:r>
+              <a:rPr lang="en-US" altLang="ko-KR" dirty="0"/>
+              <a:t>SOC, </a:t>
+            </a:r>
+            <a:r>
+              <a:rPr lang="en-US" altLang="ko-KR" dirty="0" err="1"/>
+              <a:t>j_min</a:t>
+            </a:r>
+            <a:r>
+              <a:rPr lang="en-US" altLang="ko-KR" dirty="0"/>
+              <a:t>, </a:t>
+            </a:r>
+            <a:r>
+              <a:rPr lang="en-US" altLang="ko-KR" dirty="0" err="1"/>
+              <a:t>j_max</a:t>
+            </a:r>
+            <a:r>
+              <a:rPr lang="en-US" altLang="ko-KR" dirty="0"/>
+              <a:t>]</a:t>
+            </a:r>
+          </a:p>
+          <a:p>
+            <a:pPr marL="285750" indent="-285750">
+              <a:buFontTx/>
+              <a:buChar char="-"/>
+            </a:pPr>
+            <a:endParaRPr lang="en-US" altLang="ko-KR" dirty="0" smtClean="0"/>
+          </a:p>
+          <a:p>
+            <a:pPr marL="285750" indent="-285750">
+              <a:buFontTx/>
+              <a:buChar char="-"/>
+            </a:pPr>
+            <a:r>
+              <a:rPr lang="en-US" altLang="ko-KR" b="1" dirty="0" smtClean="0"/>
+              <a:t>Env3 </a:t>
+            </a:r>
+            <a:r>
+              <a:rPr lang="en-US" altLang="ko-KR" b="1" dirty="0"/>
+              <a:t>State:</a:t>
+            </a:r>
+          </a:p>
+          <a:p>
+            <a:pPr marL="742950" lvl="1" indent="-285750">
+              <a:buFontTx/>
+              <a:buChar char="-"/>
+            </a:pPr>
+            <a:r>
+              <a:rPr lang="en-US" altLang="ko-KR" dirty="0"/>
+              <a:t>State:   </a:t>
+            </a:r>
+            <a:r>
+              <a:rPr lang="en-US" altLang="ko-KR" dirty="0" smtClean="0"/>
+              <a:t>[</a:t>
+            </a:r>
+            <a:r>
+              <a:rPr lang="en-US" altLang="ko-KR" dirty="0" err="1" smtClean="0">
+                <a:solidFill>
+                  <a:srgbClr val="FF0000"/>
+                </a:solidFill>
+              </a:rPr>
+              <a:t>power_out_norm</a:t>
+            </a:r>
+            <a:r>
+              <a:rPr lang="en-US" altLang="ko-KR" dirty="0" smtClean="0">
+                <a:solidFill>
+                  <a:srgbClr val="FF0000"/>
+                </a:solidFill>
+              </a:rPr>
+              <a:t>, </a:t>
+            </a:r>
+            <a:r>
+              <a:rPr lang="en-US" altLang="ko-KR" dirty="0" err="1">
+                <a:solidFill>
+                  <a:srgbClr val="FF0000"/>
+                </a:solidFill>
+              </a:rPr>
+              <a:t>sp</a:t>
+            </a:r>
+            <a:r>
+              <a:rPr lang="en-US" altLang="ko-KR" dirty="0"/>
+              <a:t>, SOC, </a:t>
+            </a:r>
+            <a:r>
+              <a:rPr lang="en-US" altLang="ko-KR" dirty="0" err="1"/>
+              <a:t>j_min</a:t>
+            </a:r>
+            <a:r>
+              <a:rPr lang="en-US" altLang="ko-KR" dirty="0"/>
+              <a:t>, </a:t>
+            </a:r>
+            <a:r>
+              <a:rPr lang="en-US" altLang="ko-KR" dirty="0" err="1"/>
+              <a:t>j_max</a:t>
+            </a:r>
+            <a:r>
+              <a:rPr lang="en-US" altLang="ko-KR" dirty="0"/>
+              <a:t>]</a:t>
+            </a:r>
+          </a:p>
+          <a:p>
+            <a:pPr marL="285750" indent="-285750">
+              <a:buFontTx/>
+              <a:buChar char="-"/>
+            </a:pPr>
+            <a:endParaRPr lang="en-US" altLang="ko-KR" dirty="0" smtClean="0"/>
+          </a:p>
+          <a:p>
+            <a:pPr marL="285750" indent="-285750">
+              <a:buFontTx/>
+              <a:buChar char="-"/>
+            </a:pPr>
+            <a:endParaRPr lang="en-US" altLang="ko-KR" dirty="0" smtClean="0"/>
+          </a:p>
+          <a:p>
+            <a:pPr lvl="1"/>
+            <a:endParaRPr lang="en-US" altLang="ko-KR" dirty="0" smtClean="0"/>
+          </a:p>
+        </p:txBody>
+      </p:sp>
+      <p:sp>
+        <p:nvSpPr>
+          <p:cNvPr id="6" name="TextBox 5"/>
+          <p:cNvSpPr txBox="1"/>
+          <p:nvPr/>
+        </p:nvSpPr>
+        <p:spPr>
+          <a:xfrm>
+            <a:off x="1484639" y="4883716"/>
+            <a:ext cx="5657565" cy="369332"/>
+          </a:xfrm>
+          <a:prstGeom prst="rect">
+            <a:avLst/>
+          </a:prstGeom>
+          <a:noFill/>
+        </p:spPr>
+        <p:txBody>
+          <a:bodyPr wrap="square" rtlCol="0">
+            <a:spAutoFit/>
+          </a:bodyPr>
+          <a:lstStyle/>
+          <a:p>
+            <a:r>
+              <a:rPr lang="en-US" altLang="ko-KR" b="1" dirty="0" smtClean="0">
+                <a:solidFill>
+                  <a:srgbClr val="FF0000"/>
+                </a:solidFill>
+              </a:rPr>
+              <a:t>Normalization</a:t>
+            </a:r>
+            <a:r>
+              <a:rPr lang="ko-KR" altLang="en-US" b="1" dirty="0" smtClean="0">
+                <a:solidFill>
+                  <a:srgbClr val="FF0000"/>
+                </a:solidFill>
+              </a:rPr>
+              <a:t>이 필수적인 요소임으로 결론을 내자  </a:t>
+            </a:r>
+            <a:endParaRPr lang="ko-KR" altLang="en-US" b="1" dirty="0">
+              <a:solidFill>
+                <a:srgbClr val="FF0000"/>
+              </a:solidFill>
+            </a:endParaRPr>
+          </a:p>
+        </p:txBody>
+      </p:sp>
+    </p:spTree>
+    <p:extLst>
+      <p:ext uri="{BB962C8B-B14F-4D97-AF65-F5344CB8AC3E}">
+        <p14:creationId xmlns:p14="http://schemas.microsoft.com/office/powerpoint/2010/main" val="631151213"/>
+      </p:ext>
+    </p:extLst>
+  </p:cSld>
+  <p:clrMapOvr>
+    <a:masterClrMapping/>
+  </p:clrMapOvr>
+</p:sld>
+</file>
+
+<file path=ppt/slides/slide6.xml><?xml version="1.0" encoding="utf-8"?>
 <p:sld xmlns:a="http://schemas.openxmlformats.org/drawingml/2006/main" xmlns:r="http://schemas.openxmlformats.org/officeDocument/2006/relationships" xmlns:p="http://schemas.openxmlformats.org/presentationml/2006/main">
   <p:cSld>
     <p:spTree>
@@ -11507,8 +13866,8 @@
         </p:nvSpPr>
         <p:spPr>
           <a:xfrm>
-            <a:off x="838200" y="1459832"/>
-            <a:ext cx="11000874" cy="4801314"/>
+            <a:off x="123151" y="1502688"/>
+            <a:ext cx="11000874" cy="5355312"/>
           </a:xfrm>
           <a:prstGeom prst="rect">
             <a:avLst/>
@@ -11532,6 +13891,36 @@
             <a:r>
               <a:rPr lang="ko-KR" altLang="en-US" b="1" dirty="0" smtClean="0"/>
               <a:t>에 따라 학습의 안정성은 큰 차이를 보임</a:t>
+            </a:r>
+            <a:endParaRPr lang="en-US" altLang="ko-KR" b="1" dirty="0" smtClean="0"/>
+          </a:p>
+          <a:p>
+            <a:pPr marL="285750" indent="-285750">
+              <a:buFontTx/>
+              <a:buChar char="-"/>
+            </a:pPr>
+            <a:endParaRPr lang="en-US" altLang="ko-KR" b="1" dirty="0"/>
+          </a:p>
+          <a:p>
+            <a:pPr marL="285750" indent="-285750">
+              <a:buFontTx/>
+              <a:buChar char="-"/>
+            </a:pPr>
+            <a:r>
+              <a:rPr lang="en-US" altLang="ko-KR" b="1" dirty="0" smtClean="0"/>
+              <a:t>Normalization</a:t>
+            </a:r>
+            <a:r>
+              <a:rPr lang="ko-KR" altLang="en-US" b="1" dirty="0" smtClean="0"/>
+              <a:t>은 </a:t>
+            </a:r>
+            <a:r>
+              <a:rPr lang="en-US" altLang="ko-KR" b="1" dirty="0" smtClean="0"/>
+              <a:t>running normalization</a:t>
+            </a:r>
+            <a:r>
+              <a:rPr lang="ko-KR" altLang="en-US" b="1" dirty="0" smtClean="0"/>
+              <a:t>임 </a:t>
             </a:r>
             <a:endParaRPr lang="en-US" altLang="ko-KR" b="1" dirty="0" smtClean="0"/>
           </a:p>
@@ -11820,7 +14209,7 @@
 </p:sld>
 </file>
 
-<file path=ppt/slides/slide5.xml><?xml version="1.0" encoding="utf-8"?>
+<file path=ppt/slides/slide7.xml><?xml version="1.0" encoding="utf-8"?>
 <p:sld xmlns:a="http://schemas.openxmlformats.org/drawingml/2006/main" xmlns:r="http://schemas.openxmlformats.org/officeDocument/2006/relationships" xmlns:p="http://schemas.openxmlformats.org/presentationml/2006/main">
   <p:cSld>
     <p:spTree>
@@ -12313,7 +14702,7 @@
 </p:sld>
 </file>
 
-<file path=ppt/slides/slide6.xml><?xml version="1.0" encoding="utf-8"?>
+<file path=ppt/slides/slide8.xml><?xml version="1.0" encoding="utf-8"?>
 <p:sld xmlns:a="http://schemas.openxmlformats.org/drawingml/2006/main" xmlns:r="http://schemas.openxmlformats.org/officeDocument/2006/relationships" xmlns:p="http://schemas.openxmlformats.org/presentationml/2006/main">
   <p:cSld>
     <p:spTree>
@@ -12888,7 +15277,7 @@
 </p:sld>
 </file>
 
-<file path=ppt/slides/slide7.xml><?xml version="1.0" encoding="utf-8"?>
+<file path=ppt/slides/slide9.xml><?xml version="1.0" encoding="utf-8"?>
 <p:sld xmlns:a="http://schemas.openxmlformats.org/drawingml/2006/main" xmlns:r="http://schemas.openxmlformats.org/officeDocument/2006/relationships" xmlns:p="http://schemas.openxmlformats.org/presentationml/2006/main">
   <p:cSld>
     <p:spTree>
@@ -13078,1190 +15467,6 @@
     <p:extLst>
       <p:ext uri="{BB962C8B-B14F-4D97-AF65-F5344CB8AC3E}">
         <p14:creationId xmlns:p14="http://schemas.microsoft.com/office/powerpoint/2010/main" val="1543216389"/>
-      </p:ext>
-    </p:extLst>
-  </p:cSld>
-  <p:clrMapOvr>
-    <a:masterClrMapping/>
-  </p:clrMapOvr>
-</p:sld>
-</file>
-
-<file path=ppt/slides/slide8.xml><?xml version="1.0" encoding="utf-8"?>
-<p:sld xmlns:a="http://schemas.openxmlformats.org/drawingml/2006/main" xmlns:r="http://schemas.openxmlformats.org/officeDocument/2006/relationships" xmlns:p="http://schemas.openxmlformats.org/presentationml/2006/main">
-  <p:cSld>
-    <p:spTree>
-      <p:nvGrpSpPr>
-        <p:cNvPr id="1" name=""/>
-        <p:cNvGrpSpPr/>
-        <p:nvPr/>
-      </p:nvGrpSpPr>
-      <p:grpSpPr>
-        <a:xfrm>
-          <a:off x="0" y="0"/>
-          <a:ext cx="0" cy="0"/>
-          <a:chOff x="0" y="0"/>
-          <a:chExt cx="0" cy="0"/>
-        </a:xfrm>
-      </p:grpSpPr>
-      <p:sp>
-        <p:nvSpPr>
-          <p:cNvPr id="2" name="제목 1"/>
-          <p:cNvSpPr>
-            <a:spLocks noGrp="1"/>
-          </p:cNvSpPr>
-          <p:nvPr>
-            <p:ph type="title"/>
-          </p:nvPr>
-        </p:nvSpPr>
-        <p:spPr/>
-        <p:txBody>
-          <a:bodyPr/>
-          <a:lstStyle/>
-          <a:p>
-            <a:r>
-              <a:rPr lang="en-US" altLang="ko-KR" dirty="0" smtClean="0"/>
-              <a:t>DDQN</a:t>
-            </a:r>
-            <a:r>
-              <a:rPr lang="ko-KR" altLang="en-US" dirty="0" smtClean="0"/>
-              <a:t> </a:t>
-            </a:r>
-            <a:r>
-              <a:rPr lang="en-US" altLang="ko-KR" dirty="0"/>
-              <a:t>3</a:t>
-            </a:r>
-            <a:r>
-              <a:rPr lang="ko-KR" altLang="en-US" dirty="0" smtClean="0"/>
-              <a:t>  </a:t>
-            </a:r>
-            <a:endParaRPr lang="ko-KR" altLang="en-US" dirty="0"/>
-          </a:p>
-        </p:txBody>
-      </p:sp>
-      <p:sp>
-        <p:nvSpPr>
-          <p:cNvPr id="4" name="TextBox 3"/>
-          <p:cNvSpPr txBox="1"/>
-          <p:nvPr/>
-        </p:nvSpPr>
-        <p:spPr>
-          <a:xfrm>
-            <a:off x="838200" y="1459832"/>
-            <a:ext cx="11000874" cy="4247317"/>
-          </a:xfrm>
-          <a:prstGeom prst="rect">
-            <a:avLst/>
-          </a:prstGeom>
-          <a:noFill/>
-        </p:spPr>
-        <p:txBody>
-          <a:bodyPr wrap="square" rtlCol="0">
-            <a:spAutoFit/>
-          </a:bodyPr>
-          <a:lstStyle/>
-          <a:p>
-            <a:pPr marL="285750" indent="-285750">
-              <a:buFontTx/>
-              <a:buChar char="-"/>
-            </a:pPr>
-            <a:r>
-              <a:rPr lang="ko-KR" altLang="en-US" b="1" dirty="0" smtClean="0">
-                <a:solidFill>
-                  <a:srgbClr val="FF0000"/>
-                </a:solidFill>
-              </a:rPr>
-              <a:t>다양한 </a:t>
-            </a:r>
-            <a:r>
-              <a:rPr lang="en-US" altLang="ko-KR" b="1" dirty="0" smtClean="0">
-                <a:solidFill>
-                  <a:srgbClr val="FF0000"/>
-                </a:solidFill>
-              </a:rPr>
-              <a:t>State</a:t>
-            </a:r>
-            <a:r>
-              <a:rPr lang="ko-KR" altLang="en-US" b="1" dirty="0" smtClean="0">
-                <a:solidFill>
-                  <a:srgbClr val="FF0000"/>
-                </a:solidFill>
-              </a:rPr>
-              <a:t>에 대한 실험을 진행함</a:t>
-            </a:r>
-            <a:endParaRPr lang="en-US" altLang="ko-KR" b="1" dirty="0" smtClean="0">
-              <a:solidFill>
-                <a:srgbClr val="FF0000"/>
-              </a:solidFill>
-            </a:endParaRPr>
-          </a:p>
-          <a:p>
-            <a:pPr marL="285750" indent="-285750">
-              <a:buFontTx/>
-              <a:buChar char="-"/>
-            </a:pPr>
-            <a:endParaRPr lang="en-US" altLang="ko-KR" b="1" dirty="0"/>
-          </a:p>
-          <a:p>
-            <a:pPr marL="285750" indent="-285750">
-              <a:buFontTx/>
-              <a:buChar char="-"/>
-            </a:pPr>
-            <a:r>
-              <a:rPr lang="en-US" altLang="ko-KR" b="1" dirty="0" smtClean="0"/>
-              <a:t>Env1 State:</a:t>
-            </a:r>
-          </a:p>
-          <a:p>
-            <a:pPr marL="742950" lvl="1" indent="-285750">
-              <a:buFontTx/>
-              <a:buChar char="-"/>
-            </a:pPr>
-            <a:r>
-              <a:rPr lang="en-US" altLang="ko-KR" dirty="0" smtClean="0"/>
-              <a:t>State:   [</a:t>
-            </a:r>
-            <a:r>
-              <a:rPr lang="en-US" altLang="ko-KR" dirty="0" err="1" smtClean="0">
-                <a:solidFill>
-                  <a:srgbClr val="FF0000"/>
-                </a:solidFill>
-              </a:rPr>
-              <a:t>power_out</a:t>
-            </a:r>
-            <a:r>
-              <a:rPr lang="en-US" altLang="ko-KR" dirty="0" smtClean="0">
-                <a:solidFill>
-                  <a:srgbClr val="FF0000"/>
-                </a:solidFill>
-              </a:rPr>
-              <a:t>/1000</a:t>
-            </a:r>
-            <a:r>
-              <a:rPr lang="en-US" altLang="ko-KR" dirty="0" smtClean="0"/>
-              <a:t>, SOC, </a:t>
-            </a:r>
-            <a:r>
-              <a:rPr lang="en-US" altLang="ko-KR" dirty="0" err="1" smtClean="0"/>
-              <a:t>j_min</a:t>
-            </a:r>
-            <a:r>
-              <a:rPr lang="en-US" altLang="ko-KR" dirty="0" smtClean="0"/>
-              <a:t>, </a:t>
-            </a:r>
-            <a:r>
-              <a:rPr lang="en-US" altLang="ko-KR" dirty="0" err="1" smtClean="0"/>
-              <a:t>j_max</a:t>
-            </a:r>
-            <a:r>
-              <a:rPr lang="en-US" altLang="ko-KR" dirty="0" smtClean="0"/>
-              <a:t>]</a:t>
-            </a:r>
-          </a:p>
-          <a:p>
-            <a:pPr marL="742950" lvl="1" indent="-285750">
-              <a:buFontTx/>
-              <a:buChar char="-"/>
-            </a:pPr>
-            <a:endParaRPr lang="en-US" altLang="ko-KR" dirty="0" smtClean="0"/>
-          </a:p>
-          <a:p>
-            <a:pPr marL="285750" indent="-285750">
-              <a:buFontTx/>
-              <a:buChar char="-"/>
-            </a:pPr>
-            <a:r>
-              <a:rPr lang="en-US" altLang="ko-KR" b="1" dirty="0" smtClean="0"/>
-              <a:t>Env2 </a:t>
-            </a:r>
-            <a:r>
-              <a:rPr lang="en-US" altLang="ko-KR" b="1" dirty="0"/>
-              <a:t>State:</a:t>
-            </a:r>
-          </a:p>
-          <a:p>
-            <a:pPr marL="742950" lvl="1" indent="-285750">
-              <a:buFontTx/>
-              <a:buChar char="-"/>
-            </a:pPr>
-            <a:r>
-              <a:rPr lang="en-US" altLang="ko-KR" dirty="0"/>
-              <a:t>State:   </a:t>
-            </a:r>
-            <a:r>
-              <a:rPr lang="en-US" altLang="ko-KR" dirty="0" smtClean="0"/>
-              <a:t>[</a:t>
-            </a:r>
-            <a:r>
-              <a:rPr lang="en-US" altLang="ko-KR" dirty="0" err="1" smtClean="0">
-                <a:solidFill>
-                  <a:srgbClr val="FF0000"/>
-                </a:solidFill>
-              </a:rPr>
-              <a:t>tq</a:t>
-            </a:r>
-            <a:r>
-              <a:rPr lang="en-US" altLang="ko-KR" dirty="0" smtClean="0">
-                <a:solidFill>
-                  <a:srgbClr val="FF0000"/>
-                </a:solidFill>
-              </a:rPr>
-              <a:t>, </a:t>
-            </a:r>
-            <a:r>
-              <a:rPr lang="en-US" altLang="ko-KR" dirty="0" err="1" smtClean="0">
-                <a:solidFill>
-                  <a:srgbClr val="FF0000"/>
-                </a:solidFill>
-              </a:rPr>
-              <a:t>sp</a:t>
-            </a:r>
-            <a:r>
-              <a:rPr lang="en-US" altLang="ko-KR" dirty="0" smtClean="0"/>
-              <a:t>, </a:t>
-            </a:r>
-            <a:r>
-              <a:rPr lang="en-US" altLang="ko-KR" dirty="0"/>
-              <a:t>SOC, </a:t>
-            </a:r>
-            <a:r>
-              <a:rPr lang="en-US" altLang="ko-KR" dirty="0" err="1"/>
-              <a:t>j_min</a:t>
-            </a:r>
-            <a:r>
-              <a:rPr lang="en-US" altLang="ko-KR" dirty="0"/>
-              <a:t>, </a:t>
-            </a:r>
-            <a:r>
-              <a:rPr lang="en-US" altLang="ko-KR" dirty="0" err="1"/>
-              <a:t>j_max</a:t>
-            </a:r>
-            <a:r>
-              <a:rPr lang="en-US" altLang="ko-KR" dirty="0"/>
-              <a:t>]</a:t>
-            </a:r>
-          </a:p>
-          <a:p>
-            <a:pPr marL="285750" indent="-285750">
-              <a:buFontTx/>
-              <a:buChar char="-"/>
-            </a:pPr>
-            <a:endParaRPr lang="en-US" altLang="ko-KR" dirty="0" smtClean="0"/>
-          </a:p>
-          <a:p>
-            <a:pPr marL="285750" indent="-285750">
-              <a:buFontTx/>
-              <a:buChar char="-"/>
-            </a:pPr>
-            <a:r>
-              <a:rPr lang="en-US" altLang="ko-KR" b="1" dirty="0" smtClean="0"/>
-              <a:t>Env3 </a:t>
-            </a:r>
-            <a:r>
-              <a:rPr lang="en-US" altLang="ko-KR" b="1" dirty="0"/>
-              <a:t>State:</a:t>
-            </a:r>
-          </a:p>
-          <a:p>
-            <a:pPr marL="742950" lvl="1" indent="-285750">
-              <a:buFontTx/>
-              <a:buChar char="-"/>
-            </a:pPr>
-            <a:r>
-              <a:rPr lang="en-US" altLang="ko-KR" dirty="0"/>
-              <a:t>State:   </a:t>
-            </a:r>
-            <a:r>
-              <a:rPr lang="en-US" altLang="ko-KR" dirty="0" smtClean="0"/>
-              <a:t>[</a:t>
-            </a:r>
-            <a:r>
-              <a:rPr lang="en-US" altLang="ko-KR" dirty="0" err="1" smtClean="0">
-                <a:solidFill>
-                  <a:srgbClr val="FF0000"/>
-                </a:solidFill>
-              </a:rPr>
-              <a:t>acc</a:t>
-            </a:r>
-            <a:r>
-              <a:rPr lang="en-US" altLang="ko-KR" dirty="0" smtClean="0">
-                <a:solidFill>
-                  <a:srgbClr val="FF0000"/>
-                </a:solidFill>
-              </a:rPr>
-              <a:t>, </a:t>
-            </a:r>
-            <a:r>
-              <a:rPr lang="en-US" altLang="ko-KR" dirty="0" err="1">
-                <a:solidFill>
-                  <a:srgbClr val="FF0000"/>
-                </a:solidFill>
-              </a:rPr>
-              <a:t>sp</a:t>
-            </a:r>
-            <a:r>
-              <a:rPr lang="en-US" altLang="ko-KR" dirty="0"/>
-              <a:t>, SOC, </a:t>
-            </a:r>
-            <a:r>
-              <a:rPr lang="en-US" altLang="ko-KR" dirty="0" err="1"/>
-              <a:t>j_min</a:t>
-            </a:r>
-            <a:r>
-              <a:rPr lang="en-US" altLang="ko-KR" dirty="0"/>
-              <a:t>, </a:t>
-            </a:r>
-            <a:r>
-              <a:rPr lang="en-US" altLang="ko-KR" dirty="0" err="1"/>
-              <a:t>j_max</a:t>
-            </a:r>
-            <a:r>
-              <a:rPr lang="en-US" altLang="ko-KR" dirty="0"/>
-              <a:t>]</a:t>
-            </a:r>
-          </a:p>
-          <a:p>
-            <a:pPr marL="285750" indent="-285750">
-              <a:buFontTx/>
-              <a:buChar char="-"/>
-            </a:pPr>
-            <a:endParaRPr lang="en-US" altLang="ko-KR" dirty="0" smtClean="0"/>
-          </a:p>
-          <a:p>
-            <a:pPr marL="285750" indent="-285750">
-              <a:buFontTx/>
-              <a:buChar char="-"/>
-            </a:pPr>
-            <a:r>
-              <a:rPr lang="en-US" altLang="ko-KR" b="1" dirty="0" smtClean="0"/>
-              <a:t>Env4 </a:t>
-            </a:r>
-            <a:r>
-              <a:rPr lang="en-US" altLang="ko-KR" b="1" dirty="0"/>
-              <a:t>State:</a:t>
-            </a:r>
-          </a:p>
-          <a:p>
-            <a:pPr marL="742950" lvl="1" indent="-285750">
-              <a:buFontTx/>
-              <a:buChar char="-"/>
-            </a:pPr>
-            <a:r>
-              <a:rPr lang="en-US" altLang="ko-KR" dirty="0"/>
-              <a:t>State:   </a:t>
-            </a:r>
-            <a:r>
-              <a:rPr lang="en-US" altLang="ko-KR" dirty="0" smtClean="0"/>
-              <a:t>[</a:t>
-            </a:r>
-            <a:r>
-              <a:rPr lang="en-US" altLang="ko-KR" dirty="0" err="1" smtClean="0">
-                <a:solidFill>
-                  <a:srgbClr val="FF0000"/>
-                </a:solidFill>
-              </a:rPr>
-              <a:t>acc</a:t>
-            </a:r>
-            <a:r>
-              <a:rPr lang="en-US" altLang="ko-KR" dirty="0" smtClean="0">
-                <a:solidFill>
-                  <a:srgbClr val="FF0000"/>
-                </a:solidFill>
-              </a:rPr>
-              <a:t>, </a:t>
-            </a:r>
-            <a:r>
-              <a:rPr lang="en-US" altLang="ko-KR" dirty="0" err="1">
-                <a:solidFill>
-                  <a:srgbClr val="FF0000"/>
-                </a:solidFill>
-              </a:rPr>
-              <a:t>sp</a:t>
-            </a:r>
-            <a:r>
-              <a:rPr lang="en-US" altLang="ko-KR" dirty="0"/>
-              <a:t>, </a:t>
-            </a:r>
-            <a:r>
-              <a:rPr lang="en-US" altLang="ko-KR" dirty="0" smtClean="0"/>
-              <a:t>SOC – 0.6, </a:t>
-            </a:r>
-            <a:r>
-              <a:rPr lang="en-US" altLang="ko-KR" dirty="0" err="1"/>
-              <a:t>j_min</a:t>
-            </a:r>
-            <a:r>
-              <a:rPr lang="en-US" altLang="ko-KR" dirty="0"/>
-              <a:t>, </a:t>
-            </a:r>
-            <a:r>
-              <a:rPr lang="en-US" altLang="ko-KR" dirty="0" err="1"/>
-              <a:t>j_max</a:t>
-            </a:r>
-            <a:r>
-              <a:rPr lang="en-US" altLang="ko-KR" dirty="0" smtClean="0"/>
-              <a:t>]</a:t>
-            </a:r>
-          </a:p>
-          <a:p>
-            <a:pPr marL="285750" indent="-285750">
-              <a:buFontTx/>
-              <a:buChar char="-"/>
-            </a:pPr>
-            <a:endParaRPr lang="en-US" altLang="ko-KR" dirty="0" smtClean="0"/>
-          </a:p>
-          <a:p>
-            <a:pPr lvl="1"/>
-            <a:endParaRPr lang="en-US" altLang="ko-KR" dirty="0" smtClean="0"/>
-          </a:p>
-        </p:txBody>
-      </p:sp>
-      <p:pic>
-        <p:nvPicPr>
-          <p:cNvPr id="3" name="그림 2"/>
-          <p:cNvPicPr>
-            <a:picLocks noChangeAspect="1"/>
-          </p:cNvPicPr>
-          <p:nvPr/>
-        </p:nvPicPr>
-        <p:blipFill>
-          <a:blip r:embed="rId2"/>
-          <a:stretch>
-            <a:fillRect/>
-          </a:stretch>
-        </p:blipFill>
-        <p:spPr>
-          <a:xfrm>
-            <a:off x="7946967" y="1797422"/>
-            <a:ext cx="3586508" cy="2717247"/>
-          </a:xfrm>
-          <a:prstGeom prst="rect">
-            <a:avLst/>
-          </a:prstGeom>
-        </p:spPr>
-      </p:pic>
-      <p:sp>
-        <p:nvSpPr>
-          <p:cNvPr id="5" name="TextBox 4"/>
-          <p:cNvSpPr txBox="1"/>
-          <p:nvPr/>
-        </p:nvSpPr>
-        <p:spPr>
-          <a:xfrm>
-            <a:off x="8711738" y="4621403"/>
-            <a:ext cx="3017520" cy="369332"/>
-          </a:xfrm>
-          <a:prstGeom prst="rect">
-            <a:avLst/>
-          </a:prstGeom>
-          <a:noFill/>
-        </p:spPr>
-        <p:txBody>
-          <a:bodyPr wrap="square" rtlCol="0">
-            <a:spAutoFit/>
-          </a:bodyPr>
-          <a:lstStyle/>
-          <a:p>
-            <a:r>
-              <a:rPr lang="en-US" altLang="ko-KR" dirty="0" smtClean="0"/>
-              <a:t>&lt;</a:t>
-            </a:r>
-            <a:r>
-              <a:rPr lang="ko-KR" altLang="en-US" dirty="0" err="1" smtClean="0"/>
-              <a:t>하이퍼파라미터</a:t>
-            </a:r>
-            <a:r>
-              <a:rPr lang="en-US" altLang="ko-KR" dirty="0" smtClean="0"/>
-              <a:t>&gt;</a:t>
-            </a:r>
-            <a:r>
-              <a:rPr lang="ko-KR" altLang="en-US" dirty="0" smtClean="0"/>
-              <a:t> </a:t>
-            </a:r>
-            <a:endParaRPr lang="ko-KR" altLang="en-US" dirty="0"/>
-          </a:p>
-        </p:txBody>
-      </p:sp>
-      <p:sp>
-        <p:nvSpPr>
-          <p:cNvPr id="6" name="TextBox 5"/>
-          <p:cNvSpPr txBox="1"/>
-          <p:nvPr/>
-        </p:nvSpPr>
-        <p:spPr>
-          <a:xfrm>
-            <a:off x="5971594" y="5376409"/>
-            <a:ext cx="1897501" cy="461665"/>
-          </a:xfrm>
-          <a:prstGeom prst="rect">
-            <a:avLst/>
-          </a:prstGeom>
-          <a:noFill/>
-        </p:spPr>
-        <p:txBody>
-          <a:bodyPr wrap="square" rtlCol="0">
-            <a:spAutoFit/>
-          </a:bodyPr>
-          <a:lstStyle/>
-          <a:p>
-            <a:r>
-              <a:rPr lang="ko-KR" altLang="en-US" sz="2400" b="1" dirty="0" err="1" smtClean="0">
-                <a:solidFill>
-                  <a:srgbClr val="FF0000"/>
-                </a:solidFill>
-              </a:rPr>
-              <a:t>성공적임</a:t>
-            </a:r>
-            <a:r>
-              <a:rPr lang="ko-KR" altLang="en-US" dirty="0" smtClean="0"/>
-              <a:t> </a:t>
-            </a:r>
-            <a:endParaRPr lang="ko-KR" altLang="en-US" dirty="0"/>
-          </a:p>
-        </p:txBody>
-      </p:sp>
-    </p:spTree>
-    <p:extLst>
-      <p:ext uri="{BB962C8B-B14F-4D97-AF65-F5344CB8AC3E}">
-        <p14:creationId xmlns:p14="http://schemas.microsoft.com/office/powerpoint/2010/main" val="968694079"/>
-      </p:ext>
-    </p:extLst>
-  </p:cSld>
-  <p:clrMapOvr>
-    <a:masterClrMapping/>
-  </p:clrMapOvr>
-</p:sld>
-</file>
-
-<file path=ppt/slides/slide9.xml><?xml version="1.0" encoding="utf-8"?>
-<p:sld xmlns:a="http://schemas.openxmlformats.org/drawingml/2006/main" xmlns:r="http://schemas.openxmlformats.org/officeDocument/2006/relationships" xmlns:p="http://schemas.openxmlformats.org/presentationml/2006/main">
-  <p:cSld>
-    <p:spTree>
-      <p:nvGrpSpPr>
-        <p:cNvPr id="1" name=""/>
-        <p:cNvGrpSpPr/>
-        <p:nvPr/>
-      </p:nvGrpSpPr>
-      <p:grpSpPr>
-        <a:xfrm>
-          <a:off x="0" y="0"/>
-          <a:ext cx="0" cy="0"/>
-          <a:chOff x="0" y="0"/>
-          <a:chExt cx="0" cy="0"/>
-        </a:xfrm>
-      </p:grpSpPr>
-      <p:sp>
-        <p:nvSpPr>
-          <p:cNvPr id="2" name="제목 1"/>
-          <p:cNvSpPr>
-            <a:spLocks noGrp="1"/>
-          </p:cNvSpPr>
-          <p:nvPr>
-            <p:ph type="title"/>
-          </p:nvPr>
-        </p:nvSpPr>
-        <p:spPr/>
-        <p:txBody>
-          <a:bodyPr/>
-          <a:lstStyle/>
-          <a:p>
-            <a:r>
-              <a:rPr lang="en-US" altLang="ko-KR" dirty="0" smtClean="0"/>
-              <a:t>DDQN</a:t>
-            </a:r>
-            <a:r>
-              <a:rPr lang="ko-KR" altLang="en-US" dirty="0" smtClean="0"/>
-              <a:t> </a:t>
-            </a:r>
-            <a:r>
-              <a:rPr lang="en-US" altLang="ko-KR" dirty="0" smtClean="0"/>
-              <a:t>3 – </a:t>
-            </a:r>
-            <a:r>
-              <a:rPr lang="ko-KR" altLang="en-US" dirty="0" smtClean="0"/>
-              <a:t>결과   </a:t>
-            </a:r>
-            <a:endParaRPr lang="ko-KR" altLang="en-US" dirty="0"/>
-          </a:p>
-        </p:txBody>
-      </p:sp>
-      <p:sp>
-        <p:nvSpPr>
-          <p:cNvPr id="4" name="TextBox 3"/>
-          <p:cNvSpPr txBox="1"/>
-          <p:nvPr/>
-        </p:nvSpPr>
-        <p:spPr>
-          <a:xfrm>
-            <a:off x="838200" y="1459832"/>
-            <a:ext cx="11000874" cy="4247317"/>
-          </a:xfrm>
-          <a:prstGeom prst="rect">
-            <a:avLst/>
-          </a:prstGeom>
-          <a:noFill/>
-        </p:spPr>
-        <p:txBody>
-          <a:bodyPr wrap="square" rtlCol="0">
-            <a:spAutoFit/>
-          </a:bodyPr>
-          <a:lstStyle/>
-          <a:p>
-            <a:pPr marL="285750" indent="-285750">
-              <a:buFontTx/>
-              <a:buChar char="-"/>
-            </a:pPr>
-            <a:r>
-              <a:rPr lang="ko-KR" altLang="en-US" b="1" dirty="0" smtClean="0">
-                <a:solidFill>
-                  <a:srgbClr val="FF0000"/>
-                </a:solidFill>
-              </a:rPr>
-              <a:t>다양한 </a:t>
-            </a:r>
-            <a:r>
-              <a:rPr lang="en-US" altLang="ko-KR" b="1" dirty="0" smtClean="0">
-                <a:solidFill>
-                  <a:srgbClr val="FF0000"/>
-                </a:solidFill>
-              </a:rPr>
-              <a:t>State</a:t>
-            </a:r>
-            <a:r>
-              <a:rPr lang="ko-KR" altLang="en-US" b="1" dirty="0" smtClean="0">
-                <a:solidFill>
-                  <a:srgbClr val="FF0000"/>
-                </a:solidFill>
-              </a:rPr>
-              <a:t>에 대한 실험을 진행함</a:t>
-            </a:r>
-            <a:endParaRPr lang="en-US" altLang="ko-KR" b="1" dirty="0" smtClean="0">
-              <a:solidFill>
-                <a:srgbClr val="FF0000"/>
-              </a:solidFill>
-            </a:endParaRPr>
-          </a:p>
-          <a:p>
-            <a:pPr marL="285750" indent="-285750">
-              <a:buFontTx/>
-              <a:buChar char="-"/>
-            </a:pPr>
-            <a:endParaRPr lang="en-US" altLang="ko-KR" b="1" dirty="0"/>
-          </a:p>
-          <a:p>
-            <a:pPr marL="285750" indent="-285750">
-              <a:buFontTx/>
-              <a:buChar char="-"/>
-            </a:pPr>
-            <a:r>
-              <a:rPr lang="en-US" altLang="ko-KR" b="1" dirty="0" smtClean="0"/>
-              <a:t>Env1 State:</a:t>
-            </a:r>
-          </a:p>
-          <a:p>
-            <a:pPr marL="742950" lvl="1" indent="-285750">
-              <a:buFontTx/>
-              <a:buChar char="-"/>
-            </a:pPr>
-            <a:r>
-              <a:rPr lang="en-US" altLang="ko-KR" dirty="0" smtClean="0"/>
-              <a:t>State:   [</a:t>
-            </a:r>
-            <a:r>
-              <a:rPr lang="en-US" altLang="ko-KR" dirty="0" err="1" smtClean="0">
-                <a:solidFill>
-                  <a:srgbClr val="FF0000"/>
-                </a:solidFill>
-              </a:rPr>
-              <a:t>power_out</a:t>
-            </a:r>
-            <a:r>
-              <a:rPr lang="en-US" altLang="ko-KR" dirty="0" smtClean="0">
-                <a:solidFill>
-                  <a:srgbClr val="FF0000"/>
-                </a:solidFill>
-              </a:rPr>
-              <a:t>/1000</a:t>
-            </a:r>
-            <a:r>
-              <a:rPr lang="en-US" altLang="ko-KR" dirty="0" smtClean="0"/>
-              <a:t>, SOC, </a:t>
-            </a:r>
-            <a:r>
-              <a:rPr lang="en-US" altLang="ko-KR" dirty="0" err="1" smtClean="0"/>
-              <a:t>j_min</a:t>
-            </a:r>
-            <a:r>
-              <a:rPr lang="en-US" altLang="ko-KR" dirty="0" smtClean="0"/>
-              <a:t>, </a:t>
-            </a:r>
-            <a:r>
-              <a:rPr lang="en-US" altLang="ko-KR" dirty="0" err="1" smtClean="0"/>
-              <a:t>j_max</a:t>
-            </a:r>
-            <a:r>
-              <a:rPr lang="en-US" altLang="ko-KR" dirty="0" smtClean="0"/>
-              <a:t>]</a:t>
-            </a:r>
-          </a:p>
-          <a:p>
-            <a:pPr marL="742950" lvl="1" indent="-285750">
-              <a:buFontTx/>
-              <a:buChar char="-"/>
-            </a:pPr>
-            <a:endParaRPr lang="en-US" altLang="ko-KR" dirty="0" smtClean="0"/>
-          </a:p>
-          <a:p>
-            <a:pPr marL="285750" indent="-285750">
-              <a:buFontTx/>
-              <a:buChar char="-"/>
-            </a:pPr>
-            <a:r>
-              <a:rPr lang="en-US" altLang="ko-KR" b="1" dirty="0" smtClean="0"/>
-              <a:t>Env2 </a:t>
-            </a:r>
-            <a:r>
-              <a:rPr lang="en-US" altLang="ko-KR" b="1" dirty="0"/>
-              <a:t>State:</a:t>
-            </a:r>
-          </a:p>
-          <a:p>
-            <a:pPr marL="742950" lvl="1" indent="-285750">
-              <a:buFontTx/>
-              <a:buChar char="-"/>
-            </a:pPr>
-            <a:r>
-              <a:rPr lang="en-US" altLang="ko-KR" dirty="0"/>
-              <a:t>State:   </a:t>
-            </a:r>
-            <a:r>
-              <a:rPr lang="en-US" altLang="ko-KR" dirty="0" smtClean="0"/>
-              <a:t>[</a:t>
-            </a:r>
-            <a:r>
-              <a:rPr lang="en-US" altLang="ko-KR" dirty="0" err="1" smtClean="0">
-                <a:solidFill>
-                  <a:srgbClr val="FF0000"/>
-                </a:solidFill>
-              </a:rPr>
-              <a:t>tq</a:t>
-            </a:r>
-            <a:r>
-              <a:rPr lang="en-US" altLang="ko-KR" dirty="0" smtClean="0">
-                <a:solidFill>
-                  <a:srgbClr val="FF0000"/>
-                </a:solidFill>
-              </a:rPr>
-              <a:t>, </a:t>
-            </a:r>
-            <a:r>
-              <a:rPr lang="en-US" altLang="ko-KR" dirty="0" err="1" smtClean="0">
-                <a:solidFill>
-                  <a:srgbClr val="FF0000"/>
-                </a:solidFill>
-              </a:rPr>
-              <a:t>sp</a:t>
-            </a:r>
-            <a:r>
-              <a:rPr lang="en-US" altLang="ko-KR" dirty="0" smtClean="0"/>
-              <a:t>, </a:t>
-            </a:r>
-            <a:r>
-              <a:rPr lang="en-US" altLang="ko-KR" dirty="0"/>
-              <a:t>SOC, </a:t>
-            </a:r>
-            <a:r>
-              <a:rPr lang="en-US" altLang="ko-KR" dirty="0" err="1"/>
-              <a:t>j_min</a:t>
-            </a:r>
-            <a:r>
-              <a:rPr lang="en-US" altLang="ko-KR" dirty="0"/>
-              <a:t>, </a:t>
-            </a:r>
-            <a:r>
-              <a:rPr lang="en-US" altLang="ko-KR" dirty="0" err="1"/>
-              <a:t>j_max</a:t>
-            </a:r>
-            <a:r>
-              <a:rPr lang="en-US" altLang="ko-KR" dirty="0"/>
-              <a:t>]</a:t>
-            </a:r>
-          </a:p>
-          <a:p>
-            <a:pPr marL="285750" indent="-285750">
-              <a:buFontTx/>
-              <a:buChar char="-"/>
-            </a:pPr>
-            <a:endParaRPr lang="en-US" altLang="ko-KR" dirty="0" smtClean="0"/>
-          </a:p>
-          <a:p>
-            <a:pPr marL="285750" indent="-285750">
-              <a:buFontTx/>
-              <a:buChar char="-"/>
-            </a:pPr>
-            <a:r>
-              <a:rPr lang="en-US" altLang="ko-KR" b="1" dirty="0" smtClean="0"/>
-              <a:t>Env3 </a:t>
-            </a:r>
-            <a:r>
-              <a:rPr lang="en-US" altLang="ko-KR" b="1" dirty="0"/>
-              <a:t>State:</a:t>
-            </a:r>
-          </a:p>
-          <a:p>
-            <a:pPr marL="742950" lvl="1" indent="-285750">
-              <a:buFontTx/>
-              <a:buChar char="-"/>
-            </a:pPr>
-            <a:r>
-              <a:rPr lang="en-US" altLang="ko-KR" dirty="0"/>
-              <a:t>State:   </a:t>
-            </a:r>
-            <a:r>
-              <a:rPr lang="en-US" altLang="ko-KR" dirty="0" smtClean="0"/>
-              <a:t>[</a:t>
-            </a:r>
-            <a:r>
-              <a:rPr lang="en-US" altLang="ko-KR" dirty="0" err="1" smtClean="0">
-                <a:solidFill>
-                  <a:srgbClr val="FF0000"/>
-                </a:solidFill>
-              </a:rPr>
-              <a:t>acc</a:t>
-            </a:r>
-            <a:r>
-              <a:rPr lang="en-US" altLang="ko-KR" dirty="0" smtClean="0">
-                <a:solidFill>
-                  <a:srgbClr val="FF0000"/>
-                </a:solidFill>
-              </a:rPr>
-              <a:t>, </a:t>
-            </a:r>
-            <a:r>
-              <a:rPr lang="en-US" altLang="ko-KR" dirty="0" err="1">
-                <a:solidFill>
-                  <a:srgbClr val="FF0000"/>
-                </a:solidFill>
-              </a:rPr>
-              <a:t>sp</a:t>
-            </a:r>
-            <a:r>
-              <a:rPr lang="en-US" altLang="ko-KR" dirty="0"/>
-              <a:t>, SOC, </a:t>
-            </a:r>
-            <a:r>
-              <a:rPr lang="en-US" altLang="ko-KR" dirty="0" err="1"/>
-              <a:t>j_min</a:t>
-            </a:r>
-            <a:r>
-              <a:rPr lang="en-US" altLang="ko-KR" dirty="0"/>
-              <a:t>, </a:t>
-            </a:r>
-            <a:r>
-              <a:rPr lang="en-US" altLang="ko-KR" dirty="0" err="1"/>
-              <a:t>j_max</a:t>
-            </a:r>
-            <a:r>
-              <a:rPr lang="en-US" altLang="ko-KR" dirty="0"/>
-              <a:t>]</a:t>
-            </a:r>
-          </a:p>
-          <a:p>
-            <a:pPr marL="285750" indent="-285750">
-              <a:buFontTx/>
-              <a:buChar char="-"/>
-            </a:pPr>
-            <a:endParaRPr lang="en-US" altLang="ko-KR" dirty="0" smtClean="0"/>
-          </a:p>
-          <a:p>
-            <a:pPr marL="285750" indent="-285750">
-              <a:buFontTx/>
-              <a:buChar char="-"/>
-            </a:pPr>
-            <a:r>
-              <a:rPr lang="en-US" altLang="ko-KR" b="1" dirty="0" smtClean="0"/>
-              <a:t>Env4 </a:t>
-            </a:r>
-            <a:r>
-              <a:rPr lang="en-US" altLang="ko-KR" b="1" dirty="0"/>
-              <a:t>State:</a:t>
-            </a:r>
-          </a:p>
-          <a:p>
-            <a:pPr marL="742950" lvl="1" indent="-285750">
-              <a:buFontTx/>
-              <a:buChar char="-"/>
-            </a:pPr>
-            <a:r>
-              <a:rPr lang="en-US" altLang="ko-KR" dirty="0"/>
-              <a:t>State:   </a:t>
-            </a:r>
-            <a:r>
-              <a:rPr lang="en-US" altLang="ko-KR" dirty="0" smtClean="0"/>
-              <a:t>[</a:t>
-            </a:r>
-            <a:r>
-              <a:rPr lang="en-US" altLang="ko-KR" dirty="0" err="1" smtClean="0">
-                <a:solidFill>
-                  <a:srgbClr val="FF0000"/>
-                </a:solidFill>
-              </a:rPr>
-              <a:t>acc</a:t>
-            </a:r>
-            <a:r>
-              <a:rPr lang="en-US" altLang="ko-KR" dirty="0" smtClean="0">
-                <a:solidFill>
-                  <a:srgbClr val="FF0000"/>
-                </a:solidFill>
-              </a:rPr>
-              <a:t>, </a:t>
-            </a:r>
-            <a:r>
-              <a:rPr lang="en-US" altLang="ko-KR" dirty="0" err="1">
-                <a:solidFill>
-                  <a:srgbClr val="FF0000"/>
-                </a:solidFill>
-              </a:rPr>
-              <a:t>sp</a:t>
-            </a:r>
-            <a:r>
-              <a:rPr lang="en-US" altLang="ko-KR" dirty="0"/>
-              <a:t>, </a:t>
-            </a:r>
-            <a:r>
-              <a:rPr lang="en-US" altLang="ko-KR" dirty="0" smtClean="0"/>
-              <a:t>SOC – 0.6, </a:t>
-            </a:r>
-            <a:r>
-              <a:rPr lang="en-US" altLang="ko-KR" dirty="0" err="1"/>
-              <a:t>j_min</a:t>
-            </a:r>
-            <a:r>
-              <a:rPr lang="en-US" altLang="ko-KR" dirty="0"/>
-              <a:t>, </a:t>
-            </a:r>
-            <a:r>
-              <a:rPr lang="en-US" altLang="ko-KR" dirty="0" err="1"/>
-              <a:t>j_max</a:t>
-            </a:r>
-            <a:r>
-              <a:rPr lang="en-US" altLang="ko-KR" dirty="0" smtClean="0"/>
-              <a:t>]</a:t>
-            </a:r>
-          </a:p>
-          <a:p>
-            <a:pPr marL="285750" indent="-285750">
-              <a:buFontTx/>
-              <a:buChar char="-"/>
-            </a:pPr>
-            <a:endParaRPr lang="en-US" altLang="ko-KR" dirty="0" smtClean="0"/>
-          </a:p>
-          <a:p>
-            <a:pPr lvl="1"/>
-            <a:endParaRPr lang="en-US" altLang="ko-KR" dirty="0" smtClean="0"/>
-          </a:p>
-        </p:txBody>
-      </p:sp>
-      <p:sp>
-        <p:nvSpPr>
-          <p:cNvPr id="6" name="TextBox 5"/>
-          <p:cNvSpPr txBox="1"/>
-          <p:nvPr/>
-        </p:nvSpPr>
-        <p:spPr>
-          <a:xfrm>
-            <a:off x="1891963" y="5548734"/>
-            <a:ext cx="8463422" cy="646331"/>
-          </a:xfrm>
-          <a:prstGeom prst="rect">
-            <a:avLst/>
-          </a:prstGeom>
-          <a:noFill/>
-        </p:spPr>
-        <p:txBody>
-          <a:bodyPr wrap="square" rtlCol="0">
-            <a:spAutoFit/>
-          </a:bodyPr>
-          <a:lstStyle/>
-          <a:p>
-            <a:r>
-              <a:rPr lang="en-US" altLang="ko-KR" dirty="0" err="1" smtClean="0">
-                <a:solidFill>
-                  <a:srgbClr val="FF0000"/>
-                </a:solidFill>
-              </a:rPr>
-              <a:t>Tq</a:t>
-            </a:r>
-            <a:r>
-              <a:rPr lang="en-US" altLang="ko-KR" dirty="0" smtClean="0">
-                <a:solidFill>
-                  <a:srgbClr val="FF0000"/>
-                </a:solidFill>
-              </a:rPr>
-              <a:t>, </a:t>
-            </a:r>
-            <a:r>
-              <a:rPr lang="en-US" altLang="ko-KR" dirty="0" err="1" smtClean="0">
-                <a:solidFill>
-                  <a:srgbClr val="FF0000"/>
-                </a:solidFill>
-              </a:rPr>
-              <a:t>sp</a:t>
-            </a:r>
-            <a:r>
-              <a:rPr lang="ko-KR" altLang="en-US" dirty="0" smtClean="0">
-                <a:solidFill>
-                  <a:srgbClr val="FF0000"/>
-                </a:solidFill>
-              </a:rPr>
-              <a:t>를 사용하는 것 아니면 모두 유효할 것으로 보임</a:t>
-            </a:r>
-            <a:r>
-              <a:rPr lang="en-US" altLang="ko-KR" dirty="0" smtClean="0">
-                <a:solidFill>
-                  <a:srgbClr val="FF0000"/>
-                </a:solidFill>
-              </a:rPr>
-              <a:t>. </a:t>
-            </a:r>
-          </a:p>
-          <a:p>
-            <a:r>
-              <a:rPr lang="en-US" altLang="ko-KR" b="1" dirty="0" smtClean="0">
-                <a:solidFill>
-                  <a:srgbClr val="FF0000"/>
-                </a:solidFill>
-              </a:rPr>
-              <a:t>SOC</a:t>
-            </a:r>
-            <a:r>
-              <a:rPr lang="ko-KR" altLang="en-US" b="1" dirty="0" smtClean="0">
-                <a:solidFill>
-                  <a:srgbClr val="FF0000"/>
-                </a:solidFill>
-              </a:rPr>
-              <a:t>는 </a:t>
-            </a:r>
-            <a:r>
-              <a:rPr lang="en-US" altLang="ko-KR" b="1" dirty="0" smtClean="0">
-                <a:solidFill>
-                  <a:srgbClr val="FF0000"/>
-                </a:solidFill>
-              </a:rPr>
-              <a:t>SOC </a:t>
-            </a:r>
-            <a:r>
-              <a:rPr lang="ko-KR" altLang="en-US" b="1" dirty="0" smtClean="0">
-                <a:solidFill>
-                  <a:srgbClr val="FF0000"/>
-                </a:solidFill>
-              </a:rPr>
-              <a:t>절대값을 사용하는 것 보단 </a:t>
-            </a:r>
-            <a:r>
-              <a:rPr lang="en-US" altLang="ko-KR" b="1" dirty="0" smtClean="0">
-                <a:solidFill>
-                  <a:srgbClr val="FF0000"/>
-                </a:solidFill>
-              </a:rPr>
-              <a:t>SOC-0.6</a:t>
-            </a:r>
-            <a:r>
-              <a:rPr lang="ko-KR" altLang="en-US" b="1" dirty="0" smtClean="0">
-                <a:solidFill>
-                  <a:srgbClr val="FF0000"/>
-                </a:solidFill>
-              </a:rPr>
-              <a:t>을 사용하는 것이 좋은 듯 </a:t>
-            </a:r>
-            <a:r>
-              <a:rPr lang="en-US" altLang="ko-KR" b="1" dirty="0" smtClean="0">
-                <a:solidFill>
-                  <a:srgbClr val="FF0000"/>
-                </a:solidFill>
-              </a:rPr>
-              <a:t>… </a:t>
-            </a:r>
-            <a:r>
-              <a:rPr lang="ko-KR" altLang="en-US" b="1" dirty="0" smtClean="0">
-                <a:solidFill>
-                  <a:srgbClr val="FF0000"/>
-                </a:solidFill>
-              </a:rPr>
-              <a:t>   </a:t>
-            </a:r>
-            <a:endParaRPr lang="ko-KR" altLang="en-US" b="1" dirty="0">
-              <a:solidFill>
-                <a:srgbClr val="FF0000"/>
-              </a:solidFill>
-            </a:endParaRPr>
-          </a:p>
-        </p:txBody>
-      </p:sp>
-      <p:pic>
-        <p:nvPicPr>
-          <p:cNvPr id="7" name="그림 6"/>
-          <p:cNvPicPr>
-            <a:picLocks noChangeAspect="1"/>
-          </p:cNvPicPr>
-          <p:nvPr/>
-        </p:nvPicPr>
-        <p:blipFill>
-          <a:blip r:embed="rId2">
-            <a:extLst>
-              <a:ext uri="{28A0092B-C50C-407E-A947-70E740481C1C}">
-                <a14:useLocalDpi xmlns:a14="http://schemas.microsoft.com/office/drawing/2010/main" val="0"/>
-              </a:ext>
-            </a:extLst>
-          </a:blip>
-          <a:stretch>
-            <a:fillRect/>
-          </a:stretch>
-        </p:blipFill>
-        <p:spPr>
-          <a:xfrm>
-            <a:off x="7784123" y="203200"/>
-            <a:ext cx="3709232" cy="2472821"/>
-          </a:xfrm>
-          <a:prstGeom prst="rect">
-            <a:avLst/>
-          </a:prstGeom>
-        </p:spPr>
-      </p:pic>
-      <p:pic>
-        <p:nvPicPr>
-          <p:cNvPr id="3" name="그림 2"/>
-          <p:cNvPicPr>
-            <a:picLocks noChangeAspect="1"/>
-          </p:cNvPicPr>
-          <p:nvPr/>
-        </p:nvPicPr>
-        <p:blipFill>
-          <a:blip r:embed="rId3">
-            <a:extLst>
-              <a:ext uri="{28A0092B-C50C-407E-A947-70E740481C1C}">
-                <a14:useLocalDpi xmlns:a14="http://schemas.microsoft.com/office/drawing/2010/main" val="0"/>
-              </a:ext>
-            </a:extLst>
-          </a:blip>
-          <a:stretch>
-            <a:fillRect/>
-          </a:stretch>
-        </p:blipFill>
-        <p:spPr>
-          <a:xfrm>
-            <a:off x="7784123" y="2528559"/>
-            <a:ext cx="3709232" cy="2472821"/>
-          </a:xfrm>
-          <a:prstGeom prst="rect">
-            <a:avLst/>
-          </a:prstGeom>
-        </p:spPr>
-      </p:pic>
-    </p:spTree>
-    <p:extLst>
-      <p:ext uri="{BB962C8B-B14F-4D97-AF65-F5344CB8AC3E}">
-        <p14:creationId xmlns:p14="http://schemas.microsoft.com/office/powerpoint/2010/main" val="244251831"/>
       </p:ext>
     </p:extLst>
   </p:cSld>

--- a/실험정리.pptx
+++ b/실험정리.pptx
@@ -11,24 +11,25 @@
     <p:sldId id="297" r:id="rId5"/>
     <p:sldId id="298" r:id="rId6"/>
     <p:sldId id="295" r:id="rId7"/>
-    <p:sldId id="272" r:id="rId8"/>
-    <p:sldId id="279" r:id="rId9"/>
-    <p:sldId id="281" r:id="rId10"/>
-    <p:sldId id="280" r:id="rId11"/>
-    <p:sldId id="284" r:id="rId12"/>
-    <p:sldId id="296" r:id="rId13"/>
-    <p:sldId id="278" r:id="rId14"/>
-    <p:sldId id="283" r:id="rId15"/>
-    <p:sldId id="285" r:id="rId16"/>
-    <p:sldId id="286" r:id="rId17"/>
-    <p:sldId id="287" r:id="rId18"/>
-    <p:sldId id="292" r:id="rId19"/>
-    <p:sldId id="290" r:id="rId20"/>
-    <p:sldId id="293" r:id="rId21"/>
-    <p:sldId id="299" r:id="rId22"/>
-    <p:sldId id="294" r:id="rId23"/>
-    <p:sldId id="291" r:id="rId24"/>
-    <p:sldId id="288" r:id="rId25"/>
+    <p:sldId id="301" r:id="rId8"/>
+    <p:sldId id="272" r:id="rId9"/>
+    <p:sldId id="279" r:id="rId10"/>
+    <p:sldId id="281" r:id="rId11"/>
+    <p:sldId id="280" r:id="rId12"/>
+    <p:sldId id="284" r:id="rId13"/>
+    <p:sldId id="296" r:id="rId14"/>
+    <p:sldId id="278" r:id="rId15"/>
+    <p:sldId id="283" r:id="rId16"/>
+    <p:sldId id="285" r:id="rId17"/>
+    <p:sldId id="286" r:id="rId18"/>
+    <p:sldId id="287" r:id="rId19"/>
+    <p:sldId id="292" r:id="rId20"/>
+    <p:sldId id="290" r:id="rId21"/>
+    <p:sldId id="293" r:id="rId22"/>
+    <p:sldId id="299" r:id="rId23"/>
+    <p:sldId id="294" r:id="rId24"/>
+    <p:sldId id="291" r:id="rId25"/>
+    <p:sldId id="288" r:id="rId26"/>
   </p:sldIdLst>
   <p:sldSz cx="12192000" cy="6858000"/>
   <p:notesSz cx="6858000" cy="9144000"/>
@@ -3069,6 +3070,205 @@
               <a:t> </a:t>
             </a:r>
             <a:r>
+              <a:rPr lang="en-US" altLang="ko-KR" dirty="0" smtClean="0"/>
+              <a:t>2 – </a:t>
+            </a:r>
+            <a:r>
+              <a:rPr lang="ko-KR" altLang="en-US" dirty="0" smtClean="0"/>
+              <a:t>결과   </a:t>
+            </a:r>
+            <a:endParaRPr lang="ko-KR" altLang="en-US" dirty="0"/>
+          </a:p>
+        </p:txBody>
+      </p:sp>
+      <p:sp>
+        <p:nvSpPr>
+          <p:cNvPr id="4" name="TextBox 3"/>
+          <p:cNvSpPr txBox="1"/>
+          <p:nvPr/>
+        </p:nvSpPr>
+        <p:spPr>
+          <a:xfrm>
+            <a:off x="838200" y="1459832"/>
+            <a:ext cx="11000874" cy="923330"/>
+          </a:xfrm>
+          <a:prstGeom prst="rect">
+            <a:avLst/>
+          </a:prstGeom>
+          <a:noFill/>
+        </p:spPr>
+        <p:txBody>
+          <a:bodyPr wrap="square" rtlCol="0">
+            <a:spAutoFit/>
+          </a:bodyPr>
+          <a:lstStyle/>
+          <a:p>
+            <a:pPr marL="285750" indent="-285750">
+              <a:buFontTx/>
+              <a:buChar char="-"/>
+            </a:pPr>
+            <a:r>
+              <a:rPr lang="en-US" altLang="ko-KR" b="1" dirty="0" smtClean="0">
+                <a:solidFill>
+                  <a:srgbClr val="FF0000"/>
+                </a:solidFill>
+              </a:rPr>
+              <a:t>Power</a:t>
+            </a:r>
+            <a:r>
+              <a:rPr lang="ko-KR" altLang="en-US" b="1" dirty="0" smtClean="0">
+                <a:solidFill>
+                  <a:srgbClr val="FF0000"/>
+                </a:solidFill>
+              </a:rPr>
+              <a:t>를 </a:t>
+            </a:r>
+            <a:r>
+              <a:rPr lang="en-US" altLang="ko-KR" b="1" dirty="0" smtClean="0">
+                <a:solidFill>
+                  <a:srgbClr val="FF0000"/>
+                </a:solidFill>
+              </a:rPr>
+              <a:t>kW </a:t>
+            </a:r>
+            <a:r>
+              <a:rPr lang="ko-KR" altLang="en-US" b="1" dirty="0" smtClean="0">
+                <a:solidFill>
+                  <a:srgbClr val="FF0000"/>
+                </a:solidFill>
+              </a:rPr>
+              <a:t>단위로 환산하여 </a:t>
+            </a:r>
+            <a:r>
+              <a:rPr lang="en-US" altLang="ko-KR" b="1" dirty="0" smtClean="0">
+                <a:solidFill>
+                  <a:srgbClr val="FF0000"/>
+                </a:solidFill>
+              </a:rPr>
+              <a:t>Feature scaling </a:t>
+            </a:r>
+            <a:r>
+              <a:rPr lang="ko-KR" altLang="en-US" b="1" dirty="0" smtClean="0">
+                <a:solidFill>
+                  <a:srgbClr val="FF0000"/>
+                </a:solidFill>
+              </a:rPr>
+              <a:t>수행 </a:t>
+            </a:r>
+            <a:endParaRPr lang="en-US" altLang="ko-KR" b="1" dirty="0" smtClean="0">
+              <a:solidFill>
+                <a:srgbClr val="FF0000"/>
+              </a:solidFill>
+            </a:endParaRPr>
+          </a:p>
+          <a:p>
+            <a:pPr marL="285750" indent="-285750">
+              <a:buFontTx/>
+              <a:buChar char="-"/>
+            </a:pPr>
+            <a:endParaRPr lang="en-US" altLang="ko-KR" b="1" dirty="0"/>
+          </a:p>
+          <a:p>
+            <a:pPr marL="285750" indent="-285750">
+              <a:buFontTx/>
+              <a:buChar char="-"/>
+            </a:pPr>
+            <a:r>
+              <a:rPr lang="en-US" altLang="ko-KR" b="1" dirty="0" smtClean="0"/>
+              <a:t>Feature scaling</a:t>
+            </a:r>
+            <a:r>
+              <a:rPr lang="ko-KR" altLang="en-US" b="1" dirty="0" smtClean="0"/>
+              <a:t>을 통해 학습 안정도를 크게 향상시킬 수 있음을 확인함</a:t>
+            </a:r>
+            <a:endParaRPr lang="en-US" altLang="ko-KR" dirty="0" smtClean="0"/>
+          </a:p>
+        </p:txBody>
+      </p:sp>
+      <p:pic>
+        <p:nvPicPr>
+          <p:cNvPr id="7" name="그림 6"/>
+          <p:cNvPicPr>
+            <a:picLocks noChangeAspect="1"/>
+          </p:cNvPicPr>
+          <p:nvPr/>
+        </p:nvPicPr>
+        <p:blipFill>
+          <a:blip r:embed="rId2">
+            <a:extLst>
+              <a:ext uri="{28A0092B-C50C-407E-A947-70E740481C1C}">
+                <a14:useLocalDpi xmlns:a14="http://schemas.microsoft.com/office/drawing/2010/main" val="0"/>
+              </a:ext>
+            </a:extLst>
+          </a:blip>
+          <a:stretch>
+            <a:fillRect/>
+          </a:stretch>
+        </p:blipFill>
+        <p:spPr>
+          <a:xfrm>
+            <a:off x="3674226" y="2383162"/>
+            <a:ext cx="6467302" cy="4311535"/>
+          </a:xfrm>
+          <a:prstGeom prst="rect">
+            <a:avLst/>
+          </a:prstGeom>
+        </p:spPr>
+      </p:pic>
+    </p:spTree>
+    <p:extLst>
+      <p:ext uri="{BB962C8B-B14F-4D97-AF65-F5344CB8AC3E}">
+        <p14:creationId xmlns:p14="http://schemas.microsoft.com/office/powerpoint/2010/main" val="1543216389"/>
+      </p:ext>
+    </p:extLst>
+  </p:cSld>
+  <p:clrMapOvr>
+    <a:masterClrMapping/>
+  </p:clrMapOvr>
+</p:sld>
+</file>
+
+<file path=ppt/slides/slide11.xml><?xml version="1.0" encoding="utf-8"?>
+<p:sld xmlns:a="http://schemas.openxmlformats.org/drawingml/2006/main" xmlns:r="http://schemas.openxmlformats.org/officeDocument/2006/relationships" xmlns:p="http://schemas.openxmlformats.org/presentationml/2006/main">
+  <p:cSld>
+    <p:spTree>
+      <p:nvGrpSpPr>
+        <p:cNvPr id="1" name=""/>
+        <p:cNvGrpSpPr/>
+        <p:nvPr/>
+      </p:nvGrpSpPr>
+      <p:grpSpPr>
+        <a:xfrm>
+          <a:off x="0" y="0"/>
+          <a:ext cx="0" cy="0"/>
+          <a:chOff x="0" y="0"/>
+          <a:chExt cx="0" cy="0"/>
+        </a:xfrm>
+      </p:grpSpPr>
+      <p:sp>
+        <p:nvSpPr>
+          <p:cNvPr id="2" name="제목 1"/>
+          <p:cNvSpPr>
+            <a:spLocks noGrp="1"/>
+          </p:cNvSpPr>
+          <p:nvPr>
+            <p:ph type="title"/>
+          </p:nvPr>
+        </p:nvSpPr>
+        <p:spPr/>
+        <p:txBody>
+          <a:bodyPr/>
+          <a:lstStyle/>
+          <a:p>
+            <a:r>
+              <a:rPr lang="en-US" altLang="ko-KR" dirty="0" smtClean="0"/>
+              <a:t>DDQN</a:t>
+            </a:r>
+            <a:r>
+              <a:rPr lang="ko-KR" altLang="en-US" dirty="0" smtClean="0"/>
+              <a:t> </a:t>
+            </a:r>
+            <a:r>
               <a:rPr lang="en-US" altLang="ko-KR" dirty="0"/>
               <a:t>3</a:t>
             </a:r>
@@ -3574,7 +3774,7 @@
 </p:sld>
 </file>
 
-<file path=ppt/slides/slide11.xml><?xml version="1.0" encoding="utf-8"?>
+<file path=ppt/slides/slide12.xml><?xml version="1.0" encoding="utf-8"?>
 <p:sld xmlns:a="http://schemas.openxmlformats.org/drawingml/2006/main" xmlns:r="http://schemas.openxmlformats.org/officeDocument/2006/relationships" xmlns:p="http://schemas.openxmlformats.org/presentationml/2006/main">
   <p:cSld>
     <p:spTree>
@@ -4212,7 +4412,7 @@
 </p:sld>
 </file>
 
-<file path=ppt/slides/slide12.xml><?xml version="1.0" encoding="utf-8"?>
+<file path=ppt/slides/slide13.xml><?xml version="1.0" encoding="utf-8"?>
 <p:sld xmlns:a="http://schemas.openxmlformats.org/drawingml/2006/main" xmlns:r="http://schemas.openxmlformats.org/officeDocument/2006/relationships" xmlns:p="http://schemas.openxmlformats.org/presentationml/2006/main">
   <p:cSld>
     <p:spTree>
@@ -4612,7 +4812,7 @@
 </p:sld>
 </file>
 
-<file path=ppt/slides/slide13.xml><?xml version="1.0" encoding="utf-8"?>
+<file path=ppt/slides/slide14.xml><?xml version="1.0" encoding="utf-8"?>
 <p:sld xmlns:a="http://schemas.openxmlformats.org/drawingml/2006/main" xmlns:r="http://schemas.openxmlformats.org/officeDocument/2006/relationships" xmlns:p="http://schemas.openxmlformats.org/presentationml/2006/main">
   <p:cSld>
     <p:spTree>
@@ -5266,7 +5466,7 @@
 </p:sld>
 </file>
 
-<file path=ppt/slides/slide14.xml><?xml version="1.0" encoding="utf-8"?>
+<file path=ppt/slides/slide15.xml><?xml version="1.0" encoding="utf-8"?>
 <p:sld xmlns:a="http://schemas.openxmlformats.org/drawingml/2006/main" xmlns:r="http://schemas.openxmlformats.org/officeDocument/2006/relationships" xmlns:p="http://schemas.openxmlformats.org/presentationml/2006/main">
   <p:cSld>
     <p:spTree>
@@ -6048,7 +6248,7 @@
 </p:sld>
 </file>
 
-<file path=ppt/slides/slide15.xml><?xml version="1.0" encoding="utf-8"?>
+<file path=ppt/slides/slide16.xml><?xml version="1.0" encoding="utf-8"?>
 <p:sld xmlns:a="http://schemas.openxmlformats.org/drawingml/2006/main" xmlns:r="http://schemas.openxmlformats.org/officeDocument/2006/relationships" xmlns:p="http://schemas.openxmlformats.org/presentationml/2006/main">
   <p:cSld>
     <p:spTree>
@@ -6714,7 +6914,7 @@
 </p:sld>
 </file>
 
-<file path=ppt/slides/slide16.xml><?xml version="1.0" encoding="utf-8"?>
+<file path=ppt/slides/slide17.xml><?xml version="1.0" encoding="utf-8"?>
 <p:sld xmlns:a="http://schemas.openxmlformats.org/drawingml/2006/main" xmlns:r="http://schemas.openxmlformats.org/officeDocument/2006/relationships" xmlns:p="http://schemas.openxmlformats.org/presentationml/2006/main">
   <p:cSld>
     <p:spTree>
@@ -6959,7 +7159,7 @@
 </p:sld>
 </file>
 
-<file path=ppt/slides/slide17.xml><?xml version="1.0" encoding="utf-8"?>
+<file path=ppt/slides/slide18.xml><?xml version="1.0" encoding="utf-8"?>
 <p:sld xmlns:a="http://schemas.openxmlformats.org/drawingml/2006/main" xmlns:r="http://schemas.openxmlformats.org/officeDocument/2006/relationships" xmlns:p="http://schemas.openxmlformats.org/presentationml/2006/main">
   <p:cSld>
     <p:spTree>
@@ -7795,370 +7995,6 @@
 </p:sld>
 </file>
 
-<file path=ppt/slides/slide18.xml><?xml version="1.0" encoding="utf-8"?>
-<p:sld xmlns:a="http://schemas.openxmlformats.org/drawingml/2006/main" xmlns:r="http://schemas.openxmlformats.org/officeDocument/2006/relationships" xmlns:p="http://schemas.openxmlformats.org/presentationml/2006/main">
-  <p:cSld>
-    <p:spTree>
-      <p:nvGrpSpPr>
-        <p:cNvPr id="1" name=""/>
-        <p:cNvGrpSpPr/>
-        <p:nvPr/>
-      </p:nvGrpSpPr>
-      <p:grpSpPr>
-        <a:xfrm>
-          <a:off x="0" y="0"/>
-          <a:ext cx="0" cy="0"/>
-          <a:chOff x="0" y="0"/>
-          <a:chExt cx="0" cy="0"/>
-        </a:xfrm>
-      </p:grpSpPr>
-      <p:sp>
-        <p:nvSpPr>
-          <p:cNvPr id="2" name="제목 1"/>
-          <p:cNvSpPr>
-            <a:spLocks noGrp="1"/>
-          </p:cNvSpPr>
-          <p:nvPr>
-            <p:ph type="title"/>
-          </p:nvPr>
-        </p:nvSpPr>
-        <p:spPr/>
-        <p:txBody>
-          <a:bodyPr/>
-          <a:lstStyle/>
-          <a:p>
-            <a:r>
-              <a:rPr lang="en-US" altLang="ko-KR" dirty="0" smtClean="0"/>
-              <a:t>DDPG</a:t>
-            </a:r>
-            <a:r>
-              <a:rPr lang="ko-KR" altLang="en-US" dirty="0" smtClean="0"/>
-              <a:t> </a:t>
-            </a:r>
-            <a:r>
-              <a:rPr lang="en-US" altLang="ko-KR" dirty="0" smtClean="0"/>
-              <a:t>5_ver2 </a:t>
-            </a:r>
-            <a:r>
-              <a:rPr lang="ko-KR" altLang="en-US" dirty="0" smtClean="0"/>
-              <a:t>  </a:t>
-            </a:r>
-            <a:endParaRPr lang="ko-KR" altLang="en-US" dirty="0"/>
-          </a:p>
-        </p:txBody>
-      </p:sp>
-      <p:sp>
-        <p:nvSpPr>
-          <p:cNvPr id="4" name="TextBox 3"/>
-          <p:cNvSpPr txBox="1"/>
-          <p:nvPr/>
-        </p:nvSpPr>
-        <p:spPr>
-          <a:xfrm>
-            <a:off x="838200" y="1484771"/>
-            <a:ext cx="11000874" cy="1754326"/>
-          </a:xfrm>
-          <a:prstGeom prst="rect">
-            <a:avLst/>
-          </a:prstGeom>
-          <a:noFill/>
-        </p:spPr>
-        <p:txBody>
-          <a:bodyPr wrap="square" rtlCol="0">
-            <a:spAutoFit/>
-          </a:bodyPr>
-          <a:lstStyle/>
-          <a:p>
-            <a:pPr marL="285750" indent="-285750">
-              <a:buFontTx/>
-              <a:buChar char="-"/>
-            </a:pPr>
-            <a:r>
-              <a:rPr lang="en-US" altLang="ko-KR" b="1" dirty="0" smtClean="0">
-                <a:solidFill>
-                  <a:srgbClr val="FF0000"/>
-                </a:solidFill>
-              </a:rPr>
-              <a:t>Replay memory</a:t>
-            </a:r>
-            <a:r>
-              <a:rPr lang="ko-KR" altLang="en-US" b="1" dirty="0" smtClean="0">
-                <a:solidFill>
-                  <a:srgbClr val="FF0000"/>
-                </a:solidFill>
-              </a:rPr>
-              <a:t>에서 </a:t>
-            </a:r>
-            <a:r>
-              <a:rPr lang="en-US" altLang="ko-KR" b="1" dirty="0" smtClean="0">
-                <a:solidFill>
-                  <a:srgbClr val="FF0000"/>
-                </a:solidFill>
-              </a:rPr>
-              <a:t>experiments</a:t>
-            </a:r>
-            <a:r>
-              <a:rPr lang="ko-KR" altLang="en-US" b="1" dirty="0" smtClean="0">
-                <a:solidFill>
-                  <a:srgbClr val="FF0000"/>
-                </a:solidFill>
-              </a:rPr>
-              <a:t>를 </a:t>
-            </a:r>
-            <a:r>
-              <a:rPr lang="en-US" altLang="ko-KR" b="1" dirty="0" smtClean="0">
-                <a:solidFill>
-                  <a:srgbClr val="FF0000"/>
-                </a:solidFill>
-              </a:rPr>
-              <a:t>normalization</a:t>
-            </a:r>
-            <a:r>
-              <a:rPr lang="ko-KR" altLang="en-US" b="1" dirty="0" smtClean="0">
-                <a:solidFill>
-                  <a:srgbClr val="FF0000"/>
-                </a:solidFill>
-              </a:rPr>
-              <a:t>하는 방식을 활용하기 </a:t>
-            </a:r>
-            <a:endParaRPr lang="en-US" altLang="ko-KR" b="1" dirty="0" smtClean="0">
-              <a:solidFill>
-                <a:srgbClr val="FF0000"/>
-              </a:solidFill>
-            </a:endParaRPr>
-          </a:p>
-          <a:p>
-            <a:pPr marL="285750" indent="-285750">
-              <a:buFontTx/>
-              <a:buChar char="-"/>
-            </a:pPr>
-            <a:endParaRPr lang="en-US" altLang="ko-KR" b="1" dirty="0"/>
-          </a:p>
-          <a:p>
-            <a:pPr marL="285750" indent="-285750">
-              <a:buFontTx/>
-              <a:buChar char="-"/>
-            </a:pPr>
-            <a:r>
-              <a:rPr lang="en-US" altLang="ko-KR" b="1" dirty="0"/>
-              <a:t>Env1 State:</a:t>
-            </a:r>
-          </a:p>
-          <a:p>
-            <a:pPr marL="742950" lvl="1" indent="-285750">
-              <a:buFontTx/>
-              <a:buChar char="-"/>
-            </a:pPr>
-            <a:r>
-              <a:rPr lang="en-US" altLang="ko-KR" dirty="0"/>
-              <a:t>State:   [</a:t>
-            </a:r>
-            <a:r>
-              <a:rPr lang="en-US" altLang="ko-KR" dirty="0" err="1">
-                <a:solidFill>
-                  <a:srgbClr val="FF0000"/>
-                </a:solidFill>
-              </a:rPr>
-              <a:t>power_out</a:t>
-            </a:r>
-            <a:r>
-              <a:rPr lang="en-US" altLang="ko-KR" dirty="0">
-                <a:solidFill>
-                  <a:srgbClr val="FF0000"/>
-                </a:solidFill>
-              </a:rPr>
-              <a:t>/1000</a:t>
-            </a:r>
-            <a:r>
-              <a:rPr lang="en-US" altLang="ko-KR" dirty="0"/>
-              <a:t>, SOC - 0.6, </a:t>
-            </a:r>
-            <a:r>
-              <a:rPr lang="en-US" altLang="ko-KR" dirty="0" err="1"/>
-              <a:t>j_min</a:t>
-            </a:r>
-            <a:r>
-              <a:rPr lang="en-US" altLang="ko-KR" dirty="0"/>
-              <a:t>, </a:t>
-            </a:r>
-            <a:r>
-              <a:rPr lang="en-US" altLang="ko-KR" dirty="0" err="1"/>
-              <a:t>j_max</a:t>
-            </a:r>
-            <a:r>
-              <a:rPr lang="en-US" altLang="ko-KR" dirty="0" smtClean="0"/>
-              <a:t>]</a:t>
-            </a:r>
-          </a:p>
-          <a:p>
-            <a:pPr marL="742950" lvl="1" indent="-285750">
-              <a:buFontTx/>
-              <a:buChar char="-"/>
-            </a:pPr>
-            <a:r>
-              <a:rPr lang="en-US" altLang="ko-KR" dirty="0" err="1" smtClean="0"/>
-              <a:t>power_out</a:t>
-            </a:r>
-            <a:r>
-              <a:rPr lang="ko-KR" altLang="en-US" dirty="0" smtClean="0"/>
-              <a:t>에 대해</a:t>
-            </a:r>
-            <a:r>
-              <a:rPr lang="en-US" altLang="ko-KR" dirty="0" smtClean="0"/>
-              <a:t> min-max normalization_ver2 </a:t>
-            </a:r>
-            <a:r>
-              <a:rPr lang="ko-KR" altLang="en-US" dirty="0" smtClean="0"/>
-              <a:t>적용 </a:t>
-            </a:r>
-            <a:endParaRPr lang="en-US" altLang="ko-KR" dirty="0"/>
-          </a:p>
-          <a:p>
-            <a:pPr marL="742950" lvl="1" indent="-285750">
-              <a:buFontTx/>
-              <a:buChar char="-"/>
-            </a:pPr>
-            <a:r>
-              <a:rPr lang="en-US" altLang="ko-KR" dirty="0" smtClean="0"/>
-              <a:t>[V]</a:t>
-            </a:r>
-            <a:endParaRPr lang="en-US" altLang="ko-KR" dirty="0"/>
-          </a:p>
-        </p:txBody>
-      </p:sp>
-      <p:sp>
-        <p:nvSpPr>
-          <p:cNvPr id="5" name="TextBox 4"/>
-          <p:cNvSpPr txBox="1"/>
-          <p:nvPr/>
-        </p:nvSpPr>
-        <p:spPr>
-          <a:xfrm>
-            <a:off x="9376757" y="4122289"/>
-            <a:ext cx="3017520" cy="369332"/>
-          </a:xfrm>
-          <a:prstGeom prst="rect">
-            <a:avLst/>
-          </a:prstGeom>
-          <a:noFill/>
-        </p:spPr>
-        <p:txBody>
-          <a:bodyPr wrap="square" rtlCol="0">
-            <a:spAutoFit/>
-          </a:bodyPr>
-          <a:lstStyle/>
-          <a:p>
-            <a:r>
-              <a:rPr lang="en-US" altLang="ko-KR" dirty="0" smtClean="0"/>
-              <a:t>&lt;</a:t>
-            </a:r>
-            <a:r>
-              <a:rPr lang="ko-KR" altLang="en-US" dirty="0" err="1" smtClean="0"/>
-              <a:t>하이퍼파라미터</a:t>
-            </a:r>
-            <a:r>
-              <a:rPr lang="en-US" altLang="ko-KR" dirty="0" smtClean="0"/>
-              <a:t>&gt;</a:t>
-            </a:r>
-            <a:r>
-              <a:rPr lang="ko-KR" altLang="en-US" dirty="0" smtClean="0"/>
-              <a:t> </a:t>
-            </a:r>
-            <a:endParaRPr lang="ko-KR" altLang="en-US" dirty="0"/>
-          </a:p>
-        </p:txBody>
-      </p:sp>
-      <p:sp>
-        <p:nvSpPr>
-          <p:cNvPr id="6" name="TextBox 5"/>
-          <p:cNvSpPr txBox="1"/>
-          <p:nvPr/>
-        </p:nvSpPr>
-        <p:spPr>
-          <a:xfrm>
-            <a:off x="1566247" y="4701198"/>
-            <a:ext cx="8607145" cy="369332"/>
-          </a:xfrm>
-          <a:prstGeom prst="rect">
-            <a:avLst/>
-          </a:prstGeom>
-          <a:noFill/>
-        </p:spPr>
-        <p:txBody>
-          <a:bodyPr wrap="square" rtlCol="0">
-            <a:spAutoFit/>
-          </a:bodyPr>
-          <a:lstStyle/>
-          <a:p>
-            <a:r>
-              <a:rPr lang="en-US" altLang="ko-KR" b="1" dirty="0" smtClean="0">
-                <a:solidFill>
-                  <a:srgbClr val="FF0000"/>
-                </a:solidFill>
-              </a:rPr>
-              <a:t>Mean-Standard deviation </a:t>
-            </a:r>
-            <a:r>
-              <a:rPr lang="en-US" altLang="ko-KR" b="1" dirty="0" smtClean="0">
-                <a:solidFill>
-                  <a:srgbClr val="FF0000"/>
-                </a:solidFill>
-              </a:rPr>
-              <a:t>normalization</a:t>
-            </a:r>
-            <a:r>
-              <a:rPr lang="ko-KR" altLang="en-US" b="1" dirty="0" smtClean="0">
-                <a:solidFill>
-                  <a:srgbClr val="FF0000"/>
-                </a:solidFill>
-              </a:rPr>
-              <a:t>보다 효과가 떨어지는 것으로 보임 </a:t>
-            </a:r>
-            <a:endParaRPr lang="en-US" altLang="ko-KR" b="1" dirty="0">
-              <a:solidFill>
-                <a:srgbClr val="FF0000"/>
-              </a:solidFill>
-            </a:endParaRPr>
-          </a:p>
-        </p:txBody>
-      </p:sp>
-      <p:pic>
-        <p:nvPicPr>
-          <p:cNvPr id="7" name="그림 6"/>
-          <p:cNvPicPr>
-            <a:picLocks noChangeAspect="1"/>
-          </p:cNvPicPr>
-          <p:nvPr/>
-        </p:nvPicPr>
-        <p:blipFill>
-          <a:blip r:embed="rId2"/>
-          <a:stretch>
-            <a:fillRect/>
-          </a:stretch>
-        </p:blipFill>
-        <p:spPr>
-          <a:xfrm>
-            <a:off x="9027957" y="929353"/>
-            <a:ext cx="3075374" cy="3071079"/>
-          </a:xfrm>
-          <a:prstGeom prst="rect">
-            <a:avLst/>
-          </a:prstGeom>
-        </p:spPr>
-      </p:pic>
-    </p:spTree>
-    <p:extLst>
-      <p:ext uri="{BB962C8B-B14F-4D97-AF65-F5344CB8AC3E}">
-        <p14:creationId xmlns:p14="http://schemas.microsoft.com/office/powerpoint/2010/main" val="3691464051"/>
-      </p:ext>
-    </p:extLst>
-  </p:cSld>
-  <p:clrMapOvr>
-    <a:masterClrMapping/>
-  </p:clrMapOvr>
-</p:sld>
-</file>
-
 <file path=ppt/slides/slide19.xml><?xml version="1.0" encoding="utf-8"?>
 <p:sld xmlns:a="http://schemas.openxmlformats.org/drawingml/2006/main" xmlns:r="http://schemas.openxmlformats.org/officeDocument/2006/relationships" xmlns:p="http://schemas.openxmlformats.org/presentationml/2006/main">
   <p:cSld>
@@ -8192,42 +8028,22 @@
           <a:lstStyle/>
           <a:p>
             <a:r>
-              <a:rPr lang="en-US" altLang="ko-KR" dirty="0" smtClean="0">
-                <a:solidFill>
-                  <a:srgbClr val="FF0000"/>
-                </a:solidFill>
-              </a:rPr>
+              <a:rPr lang="en-US" altLang="ko-KR" dirty="0" smtClean="0"/>
               <a:t>DDPG</a:t>
             </a:r>
             <a:r>
-              <a:rPr lang="ko-KR" altLang="en-US" dirty="0" smtClean="0">
-                <a:solidFill>
-                  <a:srgbClr val="FF0000"/>
-                </a:solidFill>
-              </a:rPr>
+              <a:rPr lang="ko-KR" altLang="en-US" dirty="0" smtClean="0"/>
               <a:t> </a:t>
             </a:r>
             <a:r>
-              <a:rPr lang="en-US" altLang="ko-KR" dirty="0">
-                <a:solidFill>
-                  <a:srgbClr val="FF0000"/>
-                </a:solidFill>
-              </a:rPr>
-              <a:t>6</a:t>
-            </a:r>
-            <a:r>
-              <a:rPr lang="ko-KR" altLang="en-US" dirty="0" smtClean="0">
-                <a:solidFill>
-                  <a:srgbClr val="FF0000"/>
-                </a:solidFill>
-              </a:rPr>
+              <a:rPr lang="en-US" altLang="ko-KR" dirty="0" smtClean="0"/>
+              <a:t>5_ver2 </a:t>
+            </a:r>
+            <a:r>
+              <a:rPr lang="ko-KR" altLang="en-US" dirty="0" smtClean="0"/>
               <a:t>  </a:t>
             </a:r>
-            <a:endParaRPr lang="ko-KR" altLang="en-US" dirty="0">
-              <a:solidFill>
-                <a:srgbClr val="FF0000"/>
-              </a:solidFill>
-            </a:endParaRPr>
+            <a:endParaRPr lang="ko-KR" altLang="en-US" dirty="0"/>
           </a:p>
         </p:txBody>
       </p:sp>
@@ -8240,7 +8056,7 @@
         <p:spPr>
           <a:xfrm>
             <a:off x="838200" y="1484771"/>
-            <a:ext cx="11000874" cy="5078313"/>
+            <a:ext cx="11000874" cy="1754326"/>
           </a:xfrm>
           <a:prstGeom prst="rect">
             <a:avLst/>
@@ -8324,11 +8140,7 @@
               <a:buChar char="-"/>
             </a:pPr>
             <a:r>
-              <a:rPr lang="en-US" altLang="ko-KR" b="1" dirty="0">
-                <a:solidFill>
-                  <a:srgbClr val="FF0000"/>
-                </a:solidFill>
-              </a:rPr>
+              <a:rPr lang="en-US" altLang="ko-KR" b="1" dirty="0"/>
               <a:t>Env1 State:</a:t>
             </a:r>
           </a:p>
@@ -8384,14 +8196,6 @@
               <a:buChar char="-"/>
             </a:pPr>
             <a:r>
-              <a:rPr lang="en-US" altLang="ko-KR" dirty="0" smtClean="0"/>
-              <a:t>Replay memory</a:t>
-            </a:r>
-            <a:r>
-              <a:rPr lang="ko-KR" altLang="en-US" dirty="0" smtClean="0"/>
-              <a:t>에서 </a:t>
-            </a:r>
-            <a:r>
               <a:rPr lang="en-US" altLang="ko-KR" dirty="0" err="1" smtClean="0"/>
               <a:t>power_out</a:t>
             </a:r>
@@ -8401,37 +8205,13 @@
             </a:r>
             <a:r>
               <a:rPr lang="en-US" altLang="ko-KR" dirty="0" smtClean="0"/>
-              <a:t> </a:t>
-            </a:r>
-            <a:r>
-              <a:rPr lang="en-US" altLang="ko-KR" dirty="0" smtClean="0">
-                <a:solidFill>
-                  <a:srgbClr val="FF0000"/>
-                </a:solidFill>
-              </a:rPr>
-              <a:t>mean-</a:t>
-            </a:r>
-            <a:r>
-              <a:rPr lang="en-US" altLang="ko-KR" dirty="0" err="1" smtClean="0">
-                <a:solidFill>
-                  <a:srgbClr val="FF0000"/>
-                </a:solidFill>
-              </a:rPr>
-              <a:t>std</a:t>
-            </a:r>
-            <a:r>
-              <a:rPr lang="en-US" altLang="ko-KR" dirty="0" smtClean="0">
-                <a:solidFill>
-                  <a:srgbClr val="FF0000"/>
-                </a:solidFill>
-              </a:rPr>
-              <a:t> normalization </a:t>
+              <a:t> min-max normalization_ver2 </a:t>
             </a:r>
             <a:r>
               <a:rPr lang="ko-KR" altLang="en-US" dirty="0" smtClean="0"/>
               <a:t>적용 </a:t>
             </a:r>
-            <a:endParaRPr lang="en-US" altLang="ko-KR" dirty="0" smtClean="0"/>
+            <a:endParaRPr lang="en-US" altLang="ko-KR" dirty="0"/>
           </a:p>
           <a:p>
             <a:pPr marL="742950" lvl="1" indent="-285750">
@@ -8440,465 +8220,7 @@
             </a:pPr>
             <a:r>
               <a:rPr lang="en-US" altLang="ko-KR" dirty="0" smtClean="0"/>
-              <a:t>[OOX]</a:t>
-            </a:r>
-            <a:endParaRPr lang="en-US" altLang="ko-KR" dirty="0"/>
-          </a:p>
-          <a:p>
-            <a:pPr marL="285750" indent="-285750">
-              <a:buFontTx/>
-              <a:buChar char="-"/>
-            </a:pPr>
-            <a:r>
-              <a:rPr lang="en-US" altLang="ko-KR" b="1" dirty="0" smtClean="0"/>
-              <a:t>Env2 </a:t>
-            </a:r>
-            <a:r>
-              <a:rPr lang="en-US" altLang="ko-KR" b="1" dirty="0"/>
-              <a:t>State:</a:t>
-            </a:r>
-          </a:p>
-          <a:p>
-            <a:pPr marL="742950" lvl="1" indent="-285750">
-              <a:buFontTx/>
-              <a:buChar char="-"/>
-            </a:pPr>
-            <a:r>
-              <a:rPr lang="en-US" altLang="ko-KR" dirty="0"/>
-              <a:t>State:   [</a:t>
-            </a:r>
-            <a:r>
-              <a:rPr lang="en-US" altLang="ko-KR" dirty="0" err="1">
-                <a:solidFill>
-                  <a:srgbClr val="FF0000"/>
-                </a:solidFill>
-              </a:rPr>
-              <a:t>power_out</a:t>
-            </a:r>
-            <a:r>
-              <a:rPr lang="en-US" altLang="ko-KR" dirty="0">
-                <a:solidFill>
-                  <a:srgbClr val="FF0000"/>
-                </a:solidFill>
-              </a:rPr>
-              <a:t>/1000</a:t>
-            </a:r>
-            <a:r>
-              <a:rPr lang="en-US" altLang="ko-KR" dirty="0"/>
-              <a:t>, SOC </a:t>
-            </a:r>
-            <a:r>
-              <a:rPr lang="en-US" altLang="ko-KR" dirty="0" smtClean="0"/>
-              <a:t>– </a:t>
-            </a:r>
-            <a:r>
-              <a:rPr lang="en-US" altLang="ko-KR" dirty="0"/>
-              <a:t>0.6, </a:t>
-            </a:r>
-            <a:r>
-              <a:rPr lang="en-US" altLang="ko-KR" dirty="0" err="1"/>
-              <a:t>j_min</a:t>
-            </a:r>
-            <a:r>
-              <a:rPr lang="en-US" altLang="ko-KR" dirty="0"/>
-              <a:t>, </a:t>
-            </a:r>
-            <a:r>
-              <a:rPr lang="en-US" altLang="ko-KR" dirty="0" err="1"/>
-              <a:t>j_max</a:t>
-            </a:r>
-            <a:r>
-              <a:rPr lang="en-US" altLang="ko-KR" dirty="0"/>
-              <a:t>]</a:t>
-            </a:r>
-          </a:p>
-          <a:p>
-            <a:pPr marL="742950" lvl="1" indent="-285750">
-              <a:buFontTx/>
-              <a:buChar char="-"/>
-            </a:pPr>
-            <a:r>
-              <a:rPr lang="en-US" altLang="ko-KR" dirty="0"/>
-              <a:t>Replay </a:t>
-            </a:r>
-            <a:r>
-              <a:rPr lang="en-US" altLang="ko-KR" dirty="0" smtClean="0"/>
-              <a:t>memory</a:t>
-            </a:r>
-            <a:r>
-              <a:rPr lang="ko-KR" altLang="en-US" dirty="0" smtClean="0"/>
-              <a:t>에서 </a:t>
-            </a:r>
-            <a:r>
-              <a:rPr lang="ko-KR" altLang="en-US" dirty="0" smtClean="0"/>
-              <a:t>모든 </a:t>
-            </a:r>
-            <a:r>
-              <a:rPr lang="en-US" altLang="ko-KR" dirty="0" smtClean="0"/>
-              <a:t>Feature</a:t>
-            </a:r>
-            <a:r>
-              <a:rPr lang="ko-KR" altLang="en-US" dirty="0" smtClean="0"/>
-              <a:t>에 </a:t>
-            </a:r>
-            <a:r>
-              <a:rPr lang="ko-KR" altLang="en-US" dirty="0"/>
-              <a:t>대해</a:t>
-            </a:r>
-            <a:r>
-              <a:rPr lang="en-US" altLang="ko-KR" dirty="0"/>
-              <a:t> </a:t>
-            </a:r>
-            <a:r>
-              <a:rPr lang="en-US" altLang="ko-KR" dirty="0">
-                <a:solidFill>
-                  <a:srgbClr val="FF0000"/>
-                </a:solidFill>
-              </a:rPr>
-              <a:t>mean-</a:t>
-            </a:r>
-            <a:r>
-              <a:rPr lang="en-US" altLang="ko-KR" dirty="0" err="1">
-                <a:solidFill>
-                  <a:srgbClr val="FF0000"/>
-                </a:solidFill>
-              </a:rPr>
-              <a:t>std</a:t>
-            </a:r>
-            <a:r>
-              <a:rPr lang="en-US" altLang="ko-KR" dirty="0">
-                <a:solidFill>
-                  <a:srgbClr val="FF0000"/>
-                </a:solidFill>
-              </a:rPr>
-              <a:t> normalization </a:t>
-            </a:r>
-            <a:r>
-              <a:rPr lang="ko-KR" altLang="en-US" dirty="0"/>
-              <a:t>적용 </a:t>
-            </a:r>
-            <a:endParaRPr lang="en-US" altLang="ko-KR" dirty="0" smtClean="0"/>
-          </a:p>
-          <a:p>
-            <a:pPr marL="742950" lvl="1" indent="-285750">
-              <a:buFontTx/>
-              <a:buChar char="-"/>
-            </a:pPr>
-            <a:r>
-              <a:rPr lang="en-US" altLang="ko-KR" dirty="0" smtClean="0"/>
-              <a:t>[VVV]</a:t>
-            </a:r>
-            <a:endParaRPr lang="en-US" altLang="ko-KR" dirty="0" smtClean="0"/>
-          </a:p>
-          <a:p>
-            <a:pPr marL="285750" indent="-285750">
-              <a:buFontTx/>
-              <a:buChar char="-"/>
-            </a:pPr>
-            <a:r>
-              <a:rPr lang="en-US" altLang="ko-KR" b="1" dirty="0" smtClean="0"/>
-              <a:t>Env3 </a:t>
-            </a:r>
-            <a:r>
-              <a:rPr lang="en-US" altLang="ko-KR" b="1" dirty="0"/>
-              <a:t>State:</a:t>
-            </a:r>
-          </a:p>
-          <a:p>
-            <a:pPr marL="742950" lvl="1" indent="-285750">
-              <a:buFontTx/>
-              <a:buChar char="-"/>
-            </a:pPr>
-            <a:r>
-              <a:rPr lang="en-US" altLang="ko-KR" dirty="0"/>
-              <a:t>State:   </a:t>
-            </a:r>
-            <a:r>
-              <a:rPr lang="en-US" altLang="ko-KR" dirty="0" smtClean="0"/>
-              <a:t>[</a:t>
-            </a:r>
-            <a:r>
-              <a:rPr lang="en-US" altLang="ko-KR" dirty="0" err="1" smtClean="0">
-                <a:solidFill>
-                  <a:srgbClr val="FF0000"/>
-                </a:solidFill>
-              </a:rPr>
-              <a:t>acc</a:t>
-            </a:r>
-            <a:r>
-              <a:rPr lang="en-US" altLang="ko-KR" dirty="0" smtClean="0">
-                <a:solidFill>
-                  <a:srgbClr val="FF0000"/>
-                </a:solidFill>
-              </a:rPr>
-              <a:t>, </a:t>
-            </a:r>
-            <a:r>
-              <a:rPr lang="en-US" altLang="ko-KR" dirty="0" err="1" smtClean="0">
-                <a:solidFill>
-                  <a:srgbClr val="FF0000"/>
-                </a:solidFill>
-              </a:rPr>
-              <a:t>sp_whl</a:t>
-            </a:r>
-            <a:r>
-              <a:rPr lang="en-US" altLang="ko-KR" dirty="0" smtClean="0"/>
-              <a:t>, </a:t>
-            </a:r>
-            <a:r>
-              <a:rPr lang="en-US" altLang="ko-KR" dirty="0"/>
-              <a:t>SOC </a:t>
-            </a:r>
-            <a:r>
-              <a:rPr lang="en-US" altLang="ko-KR" dirty="0" smtClean="0"/>
-              <a:t>– </a:t>
-            </a:r>
-            <a:r>
-              <a:rPr lang="en-US" altLang="ko-KR" dirty="0"/>
-              <a:t>0.6, </a:t>
-            </a:r>
-            <a:r>
-              <a:rPr lang="en-US" altLang="ko-KR" dirty="0" err="1"/>
-              <a:t>j_min</a:t>
-            </a:r>
-            <a:r>
-              <a:rPr lang="en-US" altLang="ko-KR" dirty="0"/>
-              <a:t>, </a:t>
-            </a:r>
-            <a:r>
-              <a:rPr lang="en-US" altLang="ko-KR" dirty="0" err="1"/>
-              <a:t>j_max</a:t>
-            </a:r>
-            <a:r>
-              <a:rPr lang="en-US" altLang="ko-KR" dirty="0"/>
-              <a:t>]</a:t>
-            </a:r>
-          </a:p>
-          <a:p>
-            <a:pPr marL="742950" lvl="1" indent="-285750">
-              <a:buFontTx/>
-              <a:buChar char="-"/>
-            </a:pPr>
-            <a:r>
-              <a:rPr lang="en-US" altLang="ko-KR" dirty="0"/>
-              <a:t>Replay </a:t>
-            </a:r>
-            <a:r>
-              <a:rPr lang="en-US" altLang="ko-KR" dirty="0" smtClean="0"/>
-              <a:t>memory</a:t>
-            </a:r>
-            <a:r>
-              <a:rPr lang="ko-KR" altLang="en-US" dirty="0" smtClean="0"/>
-              <a:t>에서 </a:t>
-            </a:r>
-            <a:r>
-              <a:rPr lang="en-US" altLang="ko-KR" dirty="0" err="1" smtClean="0"/>
-              <a:t>acc</a:t>
-            </a:r>
-            <a:r>
-              <a:rPr lang="en-US" altLang="ko-KR" dirty="0" smtClean="0"/>
-              <a:t>, </a:t>
-            </a:r>
-            <a:r>
-              <a:rPr lang="en-US" altLang="ko-KR" dirty="0" err="1" smtClean="0"/>
-              <a:t>sp_whl</a:t>
-            </a:r>
-            <a:r>
-              <a:rPr lang="ko-KR" altLang="en-US" dirty="0" smtClean="0"/>
-              <a:t>에 </a:t>
-            </a:r>
-            <a:r>
-              <a:rPr lang="ko-KR" altLang="en-US" dirty="0"/>
-              <a:t>대해</a:t>
-            </a:r>
-            <a:r>
-              <a:rPr lang="en-US" altLang="ko-KR" dirty="0"/>
-              <a:t> </a:t>
-            </a:r>
-            <a:r>
-              <a:rPr lang="en-US" altLang="ko-KR" dirty="0">
-                <a:solidFill>
-                  <a:srgbClr val="FF0000"/>
-                </a:solidFill>
-              </a:rPr>
-              <a:t>mean-</a:t>
-            </a:r>
-            <a:r>
-              <a:rPr lang="en-US" altLang="ko-KR" dirty="0" err="1">
-                <a:solidFill>
-                  <a:srgbClr val="FF0000"/>
-                </a:solidFill>
-              </a:rPr>
-              <a:t>std</a:t>
-            </a:r>
-            <a:r>
-              <a:rPr lang="en-US" altLang="ko-KR" dirty="0">
-                <a:solidFill>
-                  <a:srgbClr val="FF0000"/>
-                </a:solidFill>
-              </a:rPr>
-              <a:t> normalization</a:t>
-            </a:r>
-            <a:r>
-              <a:rPr lang="en-US" altLang="ko-KR" dirty="0"/>
-              <a:t> </a:t>
-            </a:r>
-            <a:r>
-              <a:rPr lang="ko-KR" altLang="en-US" dirty="0" smtClean="0"/>
-              <a:t>적용 </a:t>
-            </a:r>
-            <a:endParaRPr lang="en-US" altLang="ko-KR" dirty="0"/>
-          </a:p>
-          <a:p>
-            <a:pPr marL="742950" lvl="1" indent="-285750">
-              <a:buFontTx/>
-              <a:buChar char="-"/>
-            </a:pPr>
-            <a:r>
-              <a:rPr lang="en-US" altLang="ko-KR" dirty="0" smtClean="0"/>
-              <a:t>[VXX]</a:t>
-            </a:r>
-            <a:endParaRPr lang="en-US" altLang="ko-KR" dirty="0" smtClean="0"/>
-          </a:p>
-          <a:p>
-            <a:pPr marL="285750" indent="-285750">
-              <a:buFontTx/>
-              <a:buChar char="-"/>
-            </a:pPr>
-            <a:r>
-              <a:rPr lang="en-US" altLang="ko-KR" b="1" dirty="0" smtClean="0"/>
-              <a:t>Env4 </a:t>
-            </a:r>
-            <a:r>
-              <a:rPr lang="en-US" altLang="ko-KR" b="1" dirty="0"/>
-              <a:t>State:</a:t>
-            </a:r>
-          </a:p>
-          <a:p>
-            <a:pPr marL="742950" lvl="1" indent="-285750">
-              <a:buFontTx/>
-              <a:buChar char="-"/>
-            </a:pPr>
-            <a:r>
-              <a:rPr lang="en-US" altLang="ko-KR" dirty="0"/>
-              <a:t>State:   </a:t>
-            </a:r>
-            <a:r>
-              <a:rPr lang="en-US" altLang="ko-KR" dirty="0" smtClean="0"/>
-              <a:t>[</a:t>
-            </a:r>
-            <a:r>
-              <a:rPr lang="en-US" altLang="ko-KR" dirty="0" err="1" smtClean="0">
-                <a:solidFill>
-                  <a:srgbClr val="FF0000"/>
-                </a:solidFill>
-              </a:rPr>
-              <a:t>acc</a:t>
-            </a:r>
-            <a:r>
-              <a:rPr lang="en-US" altLang="ko-KR" dirty="0" smtClean="0">
-                <a:solidFill>
-                  <a:srgbClr val="FF0000"/>
-                </a:solidFill>
-              </a:rPr>
-              <a:t>, </a:t>
-            </a:r>
-            <a:r>
-              <a:rPr lang="en-US" altLang="ko-KR" dirty="0" err="1" smtClean="0">
-                <a:solidFill>
-                  <a:srgbClr val="FF0000"/>
-                </a:solidFill>
-              </a:rPr>
-              <a:t>sp_whl</a:t>
-            </a:r>
-            <a:r>
-              <a:rPr lang="en-US" altLang="ko-KR" dirty="0" smtClean="0"/>
-              <a:t>, </a:t>
-            </a:r>
-            <a:r>
-              <a:rPr lang="en-US" altLang="ko-KR" dirty="0"/>
-              <a:t>SOC - 0.6, </a:t>
-            </a:r>
-            <a:r>
-              <a:rPr lang="en-US" altLang="ko-KR" dirty="0" err="1"/>
-              <a:t>j_min</a:t>
-            </a:r>
-            <a:r>
-              <a:rPr lang="en-US" altLang="ko-KR" dirty="0"/>
-              <a:t>, </a:t>
-            </a:r>
-            <a:r>
-              <a:rPr lang="en-US" altLang="ko-KR" dirty="0" err="1"/>
-              <a:t>j_max</a:t>
-            </a:r>
-            <a:r>
-              <a:rPr lang="en-US" altLang="ko-KR" dirty="0"/>
-              <a:t>]</a:t>
-            </a:r>
-          </a:p>
-          <a:p>
-            <a:pPr marL="742950" lvl="1" indent="-285750">
-              <a:buFontTx/>
-              <a:buChar char="-"/>
-            </a:pPr>
-            <a:r>
-              <a:rPr lang="en-US" altLang="ko-KR" dirty="0"/>
-              <a:t>Replay memory</a:t>
-            </a:r>
-            <a:r>
-              <a:rPr lang="ko-KR" altLang="en-US" dirty="0"/>
-              <a:t>에서 모든 </a:t>
-            </a:r>
-            <a:r>
-              <a:rPr lang="en-US" altLang="ko-KR" dirty="0"/>
-              <a:t>Feature</a:t>
-            </a:r>
-            <a:r>
-              <a:rPr lang="ko-KR" altLang="en-US" dirty="0"/>
-              <a:t>에 대해</a:t>
-            </a:r>
-            <a:r>
-              <a:rPr lang="en-US" altLang="ko-KR" dirty="0"/>
-              <a:t> </a:t>
-            </a:r>
-            <a:r>
-              <a:rPr lang="en-US" altLang="ko-KR" dirty="0">
-                <a:solidFill>
-                  <a:srgbClr val="FF0000"/>
-                </a:solidFill>
-              </a:rPr>
-              <a:t>mean-</a:t>
-            </a:r>
-            <a:r>
-              <a:rPr lang="en-US" altLang="ko-KR" dirty="0" err="1">
-                <a:solidFill>
-                  <a:srgbClr val="FF0000"/>
-                </a:solidFill>
-              </a:rPr>
-              <a:t>std</a:t>
-            </a:r>
-            <a:r>
-              <a:rPr lang="en-US" altLang="ko-KR" dirty="0">
-                <a:solidFill>
-                  <a:srgbClr val="FF0000"/>
-                </a:solidFill>
-              </a:rPr>
-              <a:t> normalization </a:t>
-            </a:r>
-            <a:r>
-              <a:rPr lang="ko-KR" altLang="en-US" dirty="0" smtClean="0"/>
-              <a:t>적용 </a:t>
-            </a:r>
-            <a:endParaRPr lang="en-US" altLang="ko-KR" dirty="0"/>
-          </a:p>
-          <a:p>
-            <a:pPr marL="742950" lvl="1" indent="-285750">
-              <a:buFontTx/>
-              <a:buChar char="-"/>
-            </a:pPr>
-            <a:r>
-              <a:rPr lang="en-US" altLang="ko-KR" dirty="0" smtClean="0"/>
-              <a:t>[XXX]</a:t>
+              <a:t>[V]</a:t>
             </a:r>
             <a:endParaRPr lang="en-US" altLang="ko-KR" dirty="0"/>
           </a:p>
@@ -8912,8 +8234,8 @@
         </p:nvSpPr>
         <p:spPr>
           <a:xfrm>
-            <a:off x="9576262" y="2684188"/>
-            <a:ext cx="2262812" cy="369332"/>
+            <a:off x="9376757" y="4122289"/>
+            <a:ext cx="3017520" cy="369332"/>
           </a:xfrm>
           <a:prstGeom prst="rect">
             <a:avLst/>
@@ -8946,9 +8268,63 @@
           </a:p>
         </p:txBody>
       </p:sp>
+      <p:sp>
+        <p:nvSpPr>
+          <p:cNvPr id="6" name="TextBox 5"/>
+          <p:cNvSpPr txBox="1"/>
+          <p:nvPr/>
+        </p:nvSpPr>
+        <p:spPr>
+          <a:xfrm>
+            <a:off x="1566247" y="4701198"/>
+            <a:ext cx="8607145" cy="369332"/>
+          </a:xfrm>
+          <a:prstGeom prst="rect">
+            <a:avLst/>
+          </a:prstGeom>
+          <a:noFill/>
+        </p:spPr>
+        <p:txBody>
+          <a:bodyPr wrap="square" rtlCol="0">
+            <a:spAutoFit/>
+          </a:bodyPr>
+          <a:lstStyle/>
+          <a:p>
+            <a:r>
+              <a:rPr lang="en-US" altLang="ko-KR" b="1" dirty="0" smtClean="0">
+                <a:solidFill>
+                  <a:srgbClr val="FF0000"/>
+                </a:solidFill>
+              </a:rPr>
+              <a:t>Mean-Standard deviation </a:t>
+            </a:r>
+            <a:r>
+              <a:rPr lang="en-US" altLang="ko-KR" b="1" dirty="0" smtClean="0">
+                <a:solidFill>
+                  <a:srgbClr val="FF0000"/>
+                </a:solidFill>
+              </a:rPr>
+              <a:t>normalization</a:t>
+            </a:r>
+            <a:r>
+              <a:rPr lang="ko-KR" altLang="en-US" b="1" dirty="0" smtClean="0">
+                <a:solidFill>
+                  <a:srgbClr val="FF0000"/>
+                </a:solidFill>
+              </a:rPr>
+              <a:t>보다 효과가 떨어지는 것으로 보임 </a:t>
+            </a:r>
+            <a:endParaRPr lang="en-US" altLang="ko-KR" b="1" dirty="0">
+              <a:solidFill>
+                <a:srgbClr val="FF0000"/>
+              </a:solidFill>
+            </a:endParaRPr>
+          </a:p>
+        </p:txBody>
+      </p:sp>
       <p:pic>
         <p:nvPicPr>
-          <p:cNvPr id="6" name="그림 5"/>
+          <p:cNvPr id="7" name="그림 6"/>
           <p:cNvPicPr>
             <a:picLocks noChangeAspect="1"/>
           </p:cNvPicPr>
@@ -8962,8 +8338,8 @@
         </p:blipFill>
         <p:spPr>
           <a:xfrm>
-            <a:off x="9116299" y="1295047"/>
-            <a:ext cx="2995589" cy="3030574"/>
+            <a:off x="9027957" y="929353"/>
+            <a:ext cx="3075374" cy="3071079"/>
           </a:xfrm>
           <a:prstGeom prst="rect">
             <a:avLst/>
@@ -8973,7 +8349,7 @@
     </p:spTree>
     <p:extLst>
       <p:ext uri="{BB962C8B-B14F-4D97-AF65-F5344CB8AC3E}">
-        <p14:creationId xmlns:p14="http://schemas.microsoft.com/office/powerpoint/2010/main" val="504876074"/>
+        <p14:creationId xmlns:p14="http://schemas.microsoft.com/office/powerpoint/2010/main" val="3691464051"/>
       </p:ext>
     </p:extLst>
   </p:cSld>
@@ -9662,12 +9038,12 @@
               <a:t> </a:t>
             </a:r>
             <a:r>
-              <a:rPr lang="en-US" altLang="ko-KR" dirty="0" smtClean="0">
-                <a:solidFill>
-                  <a:srgbClr val="FF0000"/>
-                </a:solidFill>
-              </a:rPr>
-              <a:t>6_ver2</a:t>
+              <a:rPr lang="en-US" altLang="ko-KR" dirty="0">
+                <a:solidFill>
+                  <a:srgbClr val="FF0000"/>
+                </a:solidFill>
+              </a:rPr>
+              <a:t>6</a:t>
             </a:r>
             <a:r>
               <a:rPr lang="ko-KR" altLang="en-US" dirty="0" smtClean="0">
@@ -9813,13 +9189,24 @@
             </a:r>
             <a:r>
               <a:rPr lang="en-US" altLang="ko-KR" dirty="0"/>
-              <a:t>, SOC - </a:t>
-            </a:r>
-            <a:r>
-              <a:rPr lang="en-US" altLang="ko-KR" dirty="0" smtClean="0"/>
-              <a:t>0.6]</a:t>
-            </a:r>
-            <a:endParaRPr lang="en-US" altLang="ko-KR" dirty="0" smtClean="0"/>
+              <a:t>, SOC - 0.6, </a:t>
+            </a:r>
+            <a:r>
+              <a:rPr lang="en-US" altLang="ko-KR" dirty="0" err="1"/>
+              <a:t>j_min</a:t>
+            </a:r>
+            <a:r>
+              <a:rPr lang="en-US" altLang="ko-KR" dirty="0"/>
+              <a:t>, </a:t>
+            </a:r>
+            <a:r>
+              <a:rPr lang="en-US" altLang="ko-KR" dirty="0" err="1"/>
+              <a:t>j_max</a:t>
+            </a:r>
+            <a:r>
+              <a:rPr lang="en-US" altLang="ko-KR" dirty="0" smtClean="0"/>
+              <a:t>]</a:t>
+            </a:r>
           </a:p>
           <a:p>
             <a:pPr marL="742950" lvl="1" indent="-285750">
@@ -9883,7 +9270,7 @@
             </a:pPr>
             <a:r>
               <a:rPr lang="en-US" altLang="ko-KR" dirty="0" smtClean="0"/>
-              <a:t>[O]</a:t>
+              <a:t>[OOX]</a:t>
             </a:r>
             <a:endParaRPr lang="en-US" altLang="ko-KR" dirty="0"/>
           </a:p>
@@ -9932,9 +9319,28 @@
             </a:r>
             <a:r>
               <a:rPr lang="en-US" altLang="ko-KR" dirty="0" smtClean="0"/>
-              <a:t>– 0.6]</a:t>
-            </a:r>
-            <a:endParaRPr lang="en-US" altLang="ko-KR" dirty="0"/>
+              <a:t>– </a:t>
+            </a:r>
+            <a:r>
+              <a:rPr lang="en-US" altLang="ko-KR" dirty="0"/>
+              <a:t>0.6, </a:t>
+            </a:r>
+            <a:r>
+              <a:rPr lang="en-US" altLang="ko-KR" dirty="0" err="1"/>
+              <a:t>j_min</a:t>
+            </a:r>
+            <a:r>
+              <a:rPr lang="en-US" altLang="ko-KR" dirty="0"/>
+              <a:t>, </a:t>
+            </a:r>
+            <a:r>
+              <a:rPr lang="en-US" altLang="ko-KR" dirty="0" err="1"/>
+              <a:t>j_max</a:t>
+            </a:r>
+            <a:r>
+              <a:rPr lang="en-US" altLang="ko-KR" dirty="0"/>
+              <a:t>]</a:t>
+            </a:r>
           </a:p>
           <a:p>
             <a:pPr marL="742950" lvl="1" indent="-285750">
@@ -10010,7 +9416,7 @@
             </a:pPr>
             <a:r>
               <a:rPr lang="en-US" altLang="ko-KR" dirty="0" smtClean="0"/>
-              <a:t>[V]</a:t>
+              <a:t>[VVV]</a:t>
             </a:r>
             <a:endParaRPr lang="en-US" altLang="ko-KR" dirty="0" smtClean="0"/>
           </a:p>
@@ -10075,9 +9481,28 @@
             </a:r>
             <a:r>
               <a:rPr lang="en-US" altLang="ko-KR" dirty="0" smtClean="0"/>
-              <a:t>– 0.6]</a:t>
-            </a:r>
-            <a:endParaRPr lang="en-US" altLang="ko-KR" dirty="0"/>
+              <a:t>– </a:t>
+            </a:r>
+            <a:r>
+              <a:rPr lang="en-US" altLang="ko-KR" dirty="0"/>
+              <a:t>0.6, </a:t>
+            </a:r>
+            <a:r>
+              <a:rPr lang="en-US" altLang="ko-KR" dirty="0" err="1"/>
+              <a:t>j_min</a:t>
+            </a:r>
+            <a:r>
+              <a:rPr lang="en-US" altLang="ko-KR" dirty="0"/>
+              <a:t>, </a:t>
+            </a:r>
+            <a:r>
+              <a:rPr lang="en-US" altLang="ko-KR" dirty="0" err="1"/>
+              <a:t>j_max</a:t>
+            </a:r>
+            <a:r>
+              <a:rPr lang="en-US" altLang="ko-KR" dirty="0"/>
+              <a:t>]</a:t>
+            </a:r>
           </a:p>
           <a:p>
             <a:pPr marL="742950" lvl="1" indent="-285750">
@@ -10161,7 +9586,7 @@
             </a:pPr>
             <a:r>
               <a:rPr lang="en-US" altLang="ko-KR" dirty="0" smtClean="0"/>
-              <a:t>[X]</a:t>
+              <a:t>[VXX]</a:t>
             </a:r>
             <a:endParaRPr lang="en-US" altLang="ko-KR" dirty="0" smtClean="0"/>
           </a:p>
@@ -10222,13 +9647,24 @@
             </a:r>
             <a:r>
               <a:rPr lang="en-US" altLang="ko-KR" dirty="0"/>
-              <a:t>SOC - </a:t>
-            </a:r>
-            <a:r>
-              <a:rPr lang="en-US" altLang="ko-KR" dirty="0" smtClean="0"/>
-              <a:t>0.6]</a:t>
-            </a:r>
-            <a:endParaRPr lang="en-US" altLang="ko-KR" dirty="0"/>
+              <a:t>SOC - 0.6, </a:t>
+            </a:r>
+            <a:r>
+              <a:rPr lang="en-US" altLang="ko-KR" dirty="0" err="1"/>
+              <a:t>j_min</a:t>
+            </a:r>
+            <a:r>
+              <a:rPr lang="en-US" altLang="ko-KR" dirty="0"/>
+              <a:t>, </a:t>
+            </a:r>
+            <a:r>
+              <a:rPr lang="en-US" altLang="ko-KR" dirty="0" err="1"/>
+              <a:t>j_max</a:t>
+            </a:r>
+            <a:r>
+              <a:rPr lang="en-US" altLang="ko-KR" dirty="0"/>
+              <a:t>]</a:t>
+            </a:r>
           </a:p>
           <a:p>
             <a:pPr marL="742950" lvl="1" indent="-285750">
@@ -10292,7 +9728,7 @@
             </a:pPr>
             <a:r>
               <a:rPr lang="en-US" altLang="ko-KR" dirty="0" smtClean="0"/>
-              <a:t>[X]</a:t>
+              <a:t>[XXX]</a:t>
             </a:r>
             <a:endParaRPr lang="en-US" altLang="ko-KR" dirty="0"/>
           </a:p>
@@ -10300,14 +9736,14 @@
       </p:sp>
       <p:sp>
         <p:nvSpPr>
-          <p:cNvPr id="6" name="TextBox 5"/>
+          <p:cNvPr id="5" name="TextBox 4"/>
           <p:cNvSpPr txBox="1"/>
           <p:nvPr/>
         </p:nvSpPr>
         <p:spPr>
           <a:xfrm>
-            <a:off x="3699233" y="6454430"/>
-            <a:ext cx="5478018" cy="369332"/>
+            <a:off x="9576262" y="2684188"/>
+            <a:ext cx="2262812" cy="369332"/>
           </a:xfrm>
           <a:prstGeom prst="rect">
             <a:avLst/>
@@ -10321,40 +9757,28 @@
           <a:lstStyle/>
           <a:p>
             <a:r>
-              <a:rPr lang="ko-KR" altLang="en-US" b="1" dirty="0" smtClean="0">
-                <a:solidFill>
-                  <a:srgbClr val="FF0000"/>
-                </a:solidFill>
-              </a:rPr>
-              <a:t>결론은 </a:t>
-            </a:r>
-            <a:r>
-              <a:rPr lang="en-US" altLang="ko-KR" b="1" dirty="0" smtClean="0">
-                <a:solidFill>
-                  <a:srgbClr val="FF0000"/>
-                </a:solidFill>
-              </a:rPr>
-              <a:t>Env1</a:t>
-            </a:r>
-            <a:r>
-              <a:rPr lang="ko-KR" altLang="en-US" b="1" dirty="0" smtClean="0">
-                <a:solidFill>
-                  <a:srgbClr val="FF0000"/>
-                </a:solidFill>
-              </a:rPr>
-              <a:t>이 가장 적합하다는 사실임 </a:t>
-            </a:r>
-            <a:endParaRPr lang="en-US" altLang="ko-KR" b="1" dirty="0">
-              <a:solidFill>
-                <a:srgbClr val="FF0000"/>
-              </a:solidFill>
-            </a:endParaRPr>
+              <a:rPr lang="en-US" altLang="ko-KR" dirty="0" smtClean="0"/>
+              <a:t>&lt;</a:t>
+            </a:r>
+            <a:r>
+              <a:rPr lang="ko-KR" altLang="en-US" dirty="0" err="1" smtClean="0"/>
+              <a:t>하이퍼파라미터</a:t>
+            </a:r>
+            <a:r>
+              <a:rPr lang="en-US" altLang="ko-KR" dirty="0" smtClean="0"/>
+              <a:t>&gt;</a:t>
+            </a:r>
+            <a:r>
+              <a:rPr lang="ko-KR" altLang="en-US" dirty="0" smtClean="0"/>
+              <a:t> </a:t>
+            </a:r>
+            <a:endParaRPr lang="ko-KR" altLang="en-US" dirty="0"/>
           </a:p>
         </p:txBody>
       </p:sp>
       <p:pic>
         <p:nvPicPr>
-          <p:cNvPr id="7" name="그림 6"/>
+          <p:cNvPr id="6" name="그림 5"/>
           <p:cNvPicPr>
             <a:picLocks noChangeAspect="1"/>
           </p:cNvPicPr>
@@ -10368,8 +9792,8 @@
         </p:blipFill>
         <p:spPr>
           <a:xfrm>
-            <a:off x="9109696" y="1027906"/>
-            <a:ext cx="3222004" cy="3307292"/>
+            <a:off x="9116299" y="1295047"/>
+            <a:ext cx="2995589" cy="3030574"/>
           </a:xfrm>
           <a:prstGeom prst="rect">
             <a:avLst/>
@@ -10379,7 +9803,7 @@
     </p:spTree>
     <p:extLst>
       <p:ext uri="{BB962C8B-B14F-4D97-AF65-F5344CB8AC3E}">
-        <p14:creationId xmlns:p14="http://schemas.microsoft.com/office/powerpoint/2010/main" val="3545861553"/>
+        <p14:creationId xmlns:p14="http://schemas.microsoft.com/office/powerpoint/2010/main" val="504876074"/>
       </p:ext>
     </p:extLst>
   </p:cSld>
@@ -10443,6 +9867,782 @@
                   <a:srgbClr val="FF0000"/>
                 </a:solidFill>
               </a:rPr>
+              <a:t>6_ver2</a:t>
+            </a:r>
+            <a:r>
+              <a:rPr lang="ko-KR" altLang="en-US" dirty="0" smtClean="0">
+                <a:solidFill>
+                  <a:srgbClr val="FF0000"/>
+                </a:solidFill>
+              </a:rPr>
+              <a:t>  </a:t>
+            </a:r>
+            <a:endParaRPr lang="ko-KR" altLang="en-US" dirty="0">
+              <a:solidFill>
+                <a:srgbClr val="FF0000"/>
+              </a:solidFill>
+            </a:endParaRPr>
+          </a:p>
+        </p:txBody>
+      </p:sp>
+      <p:sp>
+        <p:nvSpPr>
+          <p:cNvPr id="4" name="TextBox 3"/>
+          <p:cNvSpPr txBox="1"/>
+          <p:nvPr/>
+        </p:nvSpPr>
+        <p:spPr>
+          <a:xfrm>
+            <a:off x="838200" y="1484771"/>
+            <a:ext cx="11000874" cy="5078313"/>
+          </a:xfrm>
+          <a:prstGeom prst="rect">
+            <a:avLst/>
+          </a:prstGeom>
+          <a:noFill/>
+        </p:spPr>
+        <p:txBody>
+          <a:bodyPr wrap="square" rtlCol="0">
+            <a:spAutoFit/>
+          </a:bodyPr>
+          <a:lstStyle/>
+          <a:p>
+            <a:pPr marL="285750" indent="-285750">
+              <a:buFontTx/>
+              <a:buChar char="-"/>
+            </a:pPr>
+            <a:r>
+              <a:rPr lang="en-US" altLang="ko-KR" b="1" dirty="0" smtClean="0">
+                <a:solidFill>
+                  <a:srgbClr val="FF0000"/>
+                </a:solidFill>
+              </a:rPr>
+              <a:t>Replay memory</a:t>
+            </a:r>
+            <a:r>
+              <a:rPr lang="ko-KR" altLang="en-US" b="1" dirty="0" smtClean="0">
+                <a:solidFill>
+                  <a:srgbClr val="FF0000"/>
+                </a:solidFill>
+              </a:rPr>
+              <a:t>에서 </a:t>
+            </a:r>
+            <a:r>
+              <a:rPr lang="en-US" altLang="ko-KR" b="1" dirty="0" smtClean="0">
+                <a:solidFill>
+                  <a:srgbClr val="FF0000"/>
+                </a:solidFill>
+              </a:rPr>
+              <a:t>experiments</a:t>
+            </a:r>
+            <a:r>
+              <a:rPr lang="ko-KR" altLang="en-US" b="1" dirty="0" smtClean="0">
+                <a:solidFill>
+                  <a:srgbClr val="FF0000"/>
+                </a:solidFill>
+              </a:rPr>
+              <a:t>를 </a:t>
+            </a:r>
+            <a:r>
+              <a:rPr lang="en-US" altLang="ko-KR" b="1" dirty="0" smtClean="0">
+                <a:solidFill>
+                  <a:srgbClr val="FF0000"/>
+                </a:solidFill>
+              </a:rPr>
+              <a:t>normalization</a:t>
+            </a:r>
+            <a:r>
+              <a:rPr lang="ko-KR" altLang="en-US" b="1" dirty="0" smtClean="0">
+                <a:solidFill>
+                  <a:srgbClr val="FF0000"/>
+                </a:solidFill>
+              </a:rPr>
+              <a:t>하는 방식을 활용하기 </a:t>
+            </a:r>
+            <a:endParaRPr lang="en-US" altLang="ko-KR" b="1" dirty="0" smtClean="0">
+              <a:solidFill>
+                <a:srgbClr val="FF0000"/>
+              </a:solidFill>
+            </a:endParaRPr>
+          </a:p>
+          <a:p>
+            <a:pPr marL="285750" indent="-285750">
+              <a:buFontTx/>
+              <a:buChar char="-"/>
+            </a:pPr>
+            <a:endParaRPr lang="en-US" altLang="ko-KR" b="1" dirty="0"/>
+          </a:p>
+          <a:p>
+            <a:pPr marL="285750" indent="-285750">
+              <a:buFontTx/>
+              <a:buChar char="-"/>
+            </a:pPr>
+            <a:r>
+              <a:rPr lang="en-US" altLang="ko-KR" b="1" dirty="0">
+                <a:solidFill>
+                  <a:srgbClr val="FF0000"/>
+                </a:solidFill>
+              </a:rPr>
+              <a:t>Env1 State:</a:t>
+            </a:r>
+          </a:p>
+          <a:p>
+            <a:pPr marL="742950" lvl="1" indent="-285750">
+              <a:buFontTx/>
+              <a:buChar char="-"/>
+            </a:pPr>
+            <a:r>
+              <a:rPr lang="en-US" altLang="ko-KR" dirty="0"/>
+              <a:t>State:   [</a:t>
+            </a:r>
+            <a:r>
+              <a:rPr lang="en-US" altLang="ko-KR" dirty="0" err="1">
+                <a:solidFill>
+                  <a:srgbClr val="FF0000"/>
+                </a:solidFill>
+              </a:rPr>
+              <a:t>power_out</a:t>
+            </a:r>
+            <a:r>
+              <a:rPr lang="en-US" altLang="ko-KR" dirty="0">
+                <a:solidFill>
+                  <a:srgbClr val="FF0000"/>
+                </a:solidFill>
+              </a:rPr>
+              <a:t>/1000</a:t>
+            </a:r>
+            <a:r>
+              <a:rPr lang="en-US" altLang="ko-KR" dirty="0"/>
+              <a:t>, SOC - </a:t>
+            </a:r>
+            <a:r>
+              <a:rPr lang="en-US" altLang="ko-KR" dirty="0" smtClean="0"/>
+              <a:t>0.6]</a:t>
+            </a:r>
+            <a:endParaRPr lang="en-US" altLang="ko-KR" dirty="0" smtClean="0"/>
+          </a:p>
+          <a:p>
+            <a:pPr marL="742950" lvl="1" indent="-285750">
+              <a:buFontTx/>
+              <a:buChar char="-"/>
+            </a:pPr>
+            <a:r>
+              <a:rPr lang="en-US" altLang="ko-KR" dirty="0" smtClean="0"/>
+              <a:t>Replay memory</a:t>
+            </a:r>
+            <a:r>
+              <a:rPr lang="ko-KR" altLang="en-US" dirty="0" smtClean="0"/>
+              <a:t>에서 </a:t>
+            </a:r>
+            <a:r>
+              <a:rPr lang="en-US" altLang="ko-KR" dirty="0" err="1" smtClean="0"/>
+              <a:t>power_out</a:t>
+            </a:r>
+            <a:r>
+              <a:rPr lang="ko-KR" altLang="en-US" dirty="0" smtClean="0"/>
+              <a:t>에 대해</a:t>
+            </a:r>
+            <a:r>
+              <a:rPr lang="en-US" altLang="ko-KR" dirty="0" smtClean="0"/>
+              <a:t> </a:t>
+            </a:r>
+            <a:r>
+              <a:rPr lang="en-US" altLang="ko-KR" dirty="0" smtClean="0">
+                <a:solidFill>
+                  <a:srgbClr val="FF0000"/>
+                </a:solidFill>
+              </a:rPr>
+              <a:t>mean-</a:t>
+            </a:r>
+            <a:r>
+              <a:rPr lang="en-US" altLang="ko-KR" dirty="0" err="1" smtClean="0">
+                <a:solidFill>
+                  <a:srgbClr val="FF0000"/>
+                </a:solidFill>
+              </a:rPr>
+              <a:t>std</a:t>
+            </a:r>
+            <a:r>
+              <a:rPr lang="en-US" altLang="ko-KR" dirty="0" smtClean="0">
+                <a:solidFill>
+                  <a:srgbClr val="FF0000"/>
+                </a:solidFill>
+              </a:rPr>
+              <a:t> normalization </a:t>
+            </a:r>
+            <a:r>
+              <a:rPr lang="ko-KR" altLang="en-US" dirty="0" smtClean="0"/>
+              <a:t>적용 </a:t>
+            </a:r>
+            <a:endParaRPr lang="en-US" altLang="ko-KR" dirty="0" smtClean="0"/>
+          </a:p>
+          <a:p>
+            <a:pPr marL="742950" lvl="1" indent="-285750">
+              <a:buFontTx/>
+              <a:buChar char="-"/>
+            </a:pPr>
+            <a:r>
+              <a:rPr lang="en-US" altLang="ko-KR" dirty="0" smtClean="0"/>
+              <a:t>[O]</a:t>
+            </a:r>
+            <a:endParaRPr lang="en-US" altLang="ko-KR" dirty="0"/>
+          </a:p>
+          <a:p>
+            <a:pPr marL="285750" indent="-285750">
+              <a:buFontTx/>
+              <a:buChar char="-"/>
+            </a:pPr>
+            <a:r>
+              <a:rPr lang="en-US" altLang="ko-KR" b="1" dirty="0" smtClean="0"/>
+              <a:t>Env2 </a:t>
+            </a:r>
+            <a:r>
+              <a:rPr lang="en-US" altLang="ko-KR" b="1" dirty="0"/>
+              <a:t>State:</a:t>
+            </a:r>
+          </a:p>
+          <a:p>
+            <a:pPr marL="742950" lvl="1" indent="-285750">
+              <a:buFontTx/>
+              <a:buChar char="-"/>
+            </a:pPr>
+            <a:r>
+              <a:rPr lang="en-US" altLang="ko-KR" dirty="0"/>
+              <a:t>State:   [</a:t>
+            </a:r>
+            <a:r>
+              <a:rPr lang="en-US" altLang="ko-KR" dirty="0" err="1">
+                <a:solidFill>
+                  <a:srgbClr val="FF0000"/>
+                </a:solidFill>
+              </a:rPr>
+              <a:t>power_out</a:t>
+            </a:r>
+            <a:r>
+              <a:rPr lang="en-US" altLang="ko-KR" dirty="0">
+                <a:solidFill>
+                  <a:srgbClr val="FF0000"/>
+                </a:solidFill>
+              </a:rPr>
+              <a:t>/1000</a:t>
+            </a:r>
+            <a:r>
+              <a:rPr lang="en-US" altLang="ko-KR" dirty="0"/>
+              <a:t>, SOC </a:t>
+            </a:r>
+            <a:r>
+              <a:rPr lang="en-US" altLang="ko-KR" dirty="0" smtClean="0"/>
+              <a:t>– 0.6]</a:t>
+            </a:r>
+            <a:endParaRPr lang="en-US" altLang="ko-KR" dirty="0"/>
+          </a:p>
+          <a:p>
+            <a:pPr marL="742950" lvl="1" indent="-285750">
+              <a:buFontTx/>
+              <a:buChar char="-"/>
+            </a:pPr>
+            <a:r>
+              <a:rPr lang="en-US" altLang="ko-KR" dirty="0"/>
+              <a:t>Replay </a:t>
+            </a:r>
+            <a:r>
+              <a:rPr lang="en-US" altLang="ko-KR" dirty="0" smtClean="0"/>
+              <a:t>memory</a:t>
+            </a:r>
+            <a:r>
+              <a:rPr lang="ko-KR" altLang="en-US" dirty="0" smtClean="0"/>
+              <a:t>에서 </a:t>
+            </a:r>
+            <a:r>
+              <a:rPr lang="ko-KR" altLang="en-US" dirty="0" smtClean="0"/>
+              <a:t>모든 </a:t>
+            </a:r>
+            <a:r>
+              <a:rPr lang="en-US" altLang="ko-KR" dirty="0" smtClean="0"/>
+              <a:t>Feature</a:t>
+            </a:r>
+            <a:r>
+              <a:rPr lang="ko-KR" altLang="en-US" dirty="0" smtClean="0"/>
+              <a:t>에 </a:t>
+            </a:r>
+            <a:r>
+              <a:rPr lang="ko-KR" altLang="en-US" dirty="0"/>
+              <a:t>대해</a:t>
+            </a:r>
+            <a:r>
+              <a:rPr lang="en-US" altLang="ko-KR" dirty="0"/>
+              <a:t> </a:t>
+            </a:r>
+            <a:r>
+              <a:rPr lang="en-US" altLang="ko-KR" dirty="0">
+                <a:solidFill>
+                  <a:srgbClr val="FF0000"/>
+                </a:solidFill>
+              </a:rPr>
+              <a:t>mean-</a:t>
+            </a:r>
+            <a:r>
+              <a:rPr lang="en-US" altLang="ko-KR" dirty="0" err="1">
+                <a:solidFill>
+                  <a:srgbClr val="FF0000"/>
+                </a:solidFill>
+              </a:rPr>
+              <a:t>std</a:t>
+            </a:r>
+            <a:r>
+              <a:rPr lang="en-US" altLang="ko-KR" dirty="0">
+                <a:solidFill>
+                  <a:srgbClr val="FF0000"/>
+                </a:solidFill>
+              </a:rPr>
+              <a:t> normalization </a:t>
+            </a:r>
+            <a:r>
+              <a:rPr lang="ko-KR" altLang="en-US" dirty="0"/>
+              <a:t>적용 </a:t>
+            </a:r>
+            <a:endParaRPr lang="en-US" altLang="ko-KR" dirty="0" smtClean="0"/>
+          </a:p>
+          <a:p>
+            <a:pPr marL="742950" lvl="1" indent="-285750">
+              <a:buFontTx/>
+              <a:buChar char="-"/>
+            </a:pPr>
+            <a:r>
+              <a:rPr lang="en-US" altLang="ko-KR" dirty="0" smtClean="0"/>
+              <a:t>[V]</a:t>
+            </a:r>
+            <a:endParaRPr lang="en-US" altLang="ko-KR" dirty="0" smtClean="0"/>
+          </a:p>
+          <a:p>
+            <a:pPr marL="285750" indent="-285750">
+              <a:buFontTx/>
+              <a:buChar char="-"/>
+            </a:pPr>
+            <a:r>
+              <a:rPr lang="en-US" altLang="ko-KR" b="1" dirty="0" smtClean="0"/>
+              <a:t>Env3 </a:t>
+            </a:r>
+            <a:r>
+              <a:rPr lang="en-US" altLang="ko-KR" b="1" dirty="0"/>
+              <a:t>State:</a:t>
+            </a:r>
+          </a:p>
+          <a:p>
+            <a:pPr marL="742950" lvl="1" indent="-285750">
+              <a:buFontTx/>
+              <a:buChar char="-"/>
+            </a:pPr>
+            <a:r>
+              <a:rPr lang="en-US" altLang="ko-KR" dirty="0"/>
+              <a:t>State:   </a:t>
+            </a:r>
+            <a:r>
+              <a:rPr lang="en-US" altLang="ko-KR" dirty="0" smtClean="0"/>
+              <a:t>[</a:t>
+            </a:r>
+            <a:r>
+              <a:rPr lang="en-US" altLang="ko-KR" dirty="0" err="1" smtClean="0">
+                <a:solidFill>
+                  <a:srgbClr val="FF0000"/>
+                </a:solidFill>
+              </a:rPr>
+              <a:t>acc</a:t>
+            </a:r>
+            <a:r>
+              <a:rPr lang="en-US" altLang="ko-KR" dirty="0" smtClean="0">
+                <a:solidFill>
+                  <a:srgbClr val="FF0000"/>
+                </a:solidFill>
+              </a:rPr>
+              <a:t>, </a:t>
+            </a:r>
+            <a:r>
+              <a:rPr lang="en-US" altLang="ko-KR" dirty="0" err="1" smtClean="0">
+                <a:solidFill>
+                  <a:srgbClr val="FF0000"/>
+                </a:solidFill>
+              </a:rPr>
+              <a:t>sp_whl</a:t>
+            </a:r>
+            <a:r>
+              <a:rPr lang="en-US" altLang="ko-KR" dirty="0" smtClean="0"/>
+              <a:t>, </a:t>
+            </a:r>
+            <a:r>
+              <a:rPr lang="en-US" altLang="ko-KR" dirty="0"/>
+              <a:t>SOC </a:t>
+            </a:r>
+            <a:r>
+              <a:rPr lang="en-US" altLang="ko-KR" dirty="0" smtClean="0"/>
+              <a:t>– 0.6]</a:t>
+            </a:r>
+            <a:endParaRPr lang="en-US" altLang="ko-KR" dirty="0"/>
+          </a:p>
+          <a:p>
+            <a:pPr marL="742950" lvl="1" indent="-285750">
+              <a:buFontTx/>
+              <a:buChar char="-"/>
+            </a:pPr>
+            <a:r>
+              <a:rPr lang="en-US" altLang="ko-KR" dirty="0"/>
+              <a:t>Replay </a:t>
+            </a:r>
+            <a:r>
+              <a:rPr lang="en-US" altLang="ko-KR" dirty="0" smtClean="0"/>
+              <a:t>memory</a:t>
+            </a:r>
+            <a:r>
+              <a:rPr lang="ko-KR" altLang="en-US" dirty="0" smtClean="0"/>
+              <a:t>에서 </a:t>
+            </a:r>
+            <a:r>
+              <a:rPr lang="en-US" altLang="ko-KR" dirty="0" err="1" smtClean="0"/>
+              <a:t>acc</a:t>
+            </a:r>
+            <a:r>
+              <a:rPr lang="en-US" altLang="ko-KR" dirty="0" smtClean="0"/>
+              <a:t>, </a:t>
+            </a:r>
+            <a:r>
+              <a:rPr lang="en-US" altLang="ko-KR" dirty="0" err="1" smtClean="0"/>
+              <a:t>sp_whl</a:t>
+            </a:r>
+            <a:r>
+              <a:rPr lang="ko-KR" altLang="en-US" dirty="0" smtClean="0"/>
+              <a:t>에 </a:t>
+            </a:r>
+            <a:r>
+              <a:rPr lang="ko-KR" altLang="en-US" dirty="0"/>
+              <a:t>대해</a:t>
+            </a:r>
+            <a:r>
+              <a:rPr lang="en-US" altLang="ko-KR" dirty="0"/>
+              <a:t> </a:t>
+            </a:r>
+            <a:r>
+              <a:rPr lang="en-US" altLang="ko-KR" dirty="0">
+                <a:solidFill>
+                  <a:srgbClr val="FF0000"/>
+                </a:solidFill>
+              </a:rPr>
+              <a:t>mean-</a:t>
+            </a:r>
+            <a:r>
+              <a:rPr lang="en-US" altLang="ko-KR" dirty="0" err="1">
+                <a:solidFill>
+                  <a:srgbClr val="FF0000"/>
+                </a:solidFill>
+              </a:rPr>
+              <a:t>std</a:t>
+            </a:r>
+            <a:r>
+              <a:rPr lang="en-US" altLang="ko-KR" dirty="0">
+                <a:solidFill>
+                  <a:srgbClr val="FF0000"/>
+                </a:solidFill>
+              </a:rPr>
+              <a:t> normalization</a:t>
+            </a:r>
+            <a:r>
+              <a:rPr lang="en-US" altLang="ko-KR" dirty="0"/>
+              <a:t> </a:t>
+            </a:r>
+            <a:r>
+              <a:rPr lang="ko-KR" altLang="en-US" dirty="0" smtClean="0"/>
+              <a:t>적용 </a:t>
+            </a:r>
+            <a:endParaRPr lang="en-US" altLang="ko-KR" dirty="0"/>
+          </a:p>
+          <a:p>
+            <a:pPr marL="742950" lvl="1" indent="-285750">
+              <a:buFontTx/>
+              <a:buChar char="-"/>
+            </a:pPr>
+            <a:r>
+              <a:rPr lang="en-US" altLang="ko-KR" dirty="0" smtClean="0"/>
+              <a:t>[X]</a:t>
+            </a:r>
+            <a:endParaRPr lang="en-US" altLang="ko-KR" dirty="0" smtClean="0"/>
+          </a:p>
+          <a:p>
+            <a:pPr marL="285750" indent="-285750">
+              <a:buFontTx/>
+              <a:buChar char="-"/>
+            </a:pPr>
+            <a:r>
+              <a:rPr lang="en-US" altLang="ko-KR" b="1" dirty="0" smtClean="0"/>
+              <a:t>Env4 </a:t>
+            </a:r>
+            <a:r>
+              <a:rPr lang="en-US" altLang="ko-KR" b="1" dirty="0"/>
+              <a:t>State:</a:t>
+            </a:r>
+          </a:p>
+          <a:p>
+            <a:pPr marL="742950" lvl="1" indent="-285750">
+              <a:buFontTx/>
+              <a:buChar char="-"/>
+            </a:pPr>
+            <a:r>
+              <a:rPr lang="en-US" altLang="ko-KR" dirty="0"/>
+              <a:t>State:   </a:t>
+            </a:r>
+            <a:r>
+              <a:rPr lang="en-US" altLang="ko-KR" dirty="0" smtClean="0"/>
+              <a:t>[</a:t>
+            </a:r>
+            <a:r>
+              <a:rPr lang="en-US" altLang="ko-KR" dirty="0" err="1" smtClean="0">
+                <a:solidFill>
+                  <a:srgbClr val="FF0000"/>
+                </a:solidFill>
+              </a:rPr>
+              <a:t>acc</a:t>
+            </a:r>
+            <a:r>
+              <a:rPr lang="en-US" altLang="ko-KR" dirty="0" smtClean="0">
+                <a:solidFill>
+                  <a:srgbClr val="FF0000"/>
+                </a:solidFill>
+              </a:rPr>
+              <a:t>, </a:t>
+            </a:r>
+            <a:r>
+              <a:rPr lang="en-US" altLang="ko-KR" dirty="0" err="1" smtClean="0">
+                <a:solidFill>
+                  <a:srgbClr val="FF0000"/>
+                </a:solidFill>
+              </a:rPr>
+              <a:t>sp_whl</a:t>
+            </a:r>
+            <a:r>
+              <a:rPr lang="en-US" altLang="ko-KR" dirty="0" smtClean="0"/>
+              <a:t>, </a:t>
+            </a:r>
+            <a:r>
+              <a:rPr lang="en-US" altLang="ko-KR" dirty="0"/>
+              <a:t>SOC - </a:t>
+            </a:r>
+            <a:r>
+              <a:rPr lang="en-US" altLang="ko-KR" dirty="0" smtClean="0"/>
+              <a:t>0.6]</a:t>
+            </a:r>
+            <a:endParaRPr lang="en-US" altLang="ko-KR" dirty="0"/>
+          </a:p>
+          <a:p>
+            <a:pPr marL="742950" lvl="1" indent="-285750">
+              <a:buFontTx/>
+              <a:buChar char="-"/>
+            </a:pPr>
+            <a:r>
+              <a:rPr lang="en-US" altLang="ko-KR" dirty="0"/>
+              <a:t>Replay memory</a:t>
+            </a:r>
+            <a:r>
+              <a:rPr lang="ko-KR" altLang="en-US" dirty="0"/>
+              <a:t>에서 모든 </a:t>
+            </a:r>
+            <a:r>
+              <a:rPr lang="en-US" altLang="ko-KR" dirty="0"/>
+              <a:t>Feature</a:t>
+            </a:r>
+            <a:r>
+              <a:rPr lang="ko-KR" altLang="en-US" dirty="0"/>
+              <a:t>에 대해</a:t>
+            </a:r>
+            <a:r>
+              <a:rPr lang="en-US" altLang="ko-KR" dirty="0"/>
+              <a:t> </a:t>
+            </a:r>
+            <a:r>
+              <a:rPr lang="en-US" altLang="ko-KR" dirty="0">
+                <a:solidFill>
+                  <a:srgbClr val="FF0000"/>
+                </a:solidFill>
+              </a:rPr>
+              <a:t>mean-</a:t>
+            </a:r>
+            <a:r>
+              <a:rPr lang="en-US" altLang="ko-KR" dirty="0" err="1">
+                <a:solidFill>
+                  <a:srgbClr val="FF0000"/>
+                </a:solidFill>
+              </a:rPr>
+              <a:t>std</a:t>
+            </a:r>
+            <a:r>
+              <a:rPr lang="en-US" altLang="ko-KR" dirty="0">
+                <a:solidFill>
+                  <a:srgbClr val="FF0000"/>
+                </a:solidFill>
+              </a:rPr>
+              <a:t> normalization </a:t>
+            </a:r>
+            <a:r>
+              <a:rPr lang="ko-KR" altLang="en-US" dirty="0" smtClean="0"/>
+              <a:t>적용 </a:t>
+            </a:r>
+            <a:endParaRPr lang="en-US" altLang="ko-KR" dirty="0"/>
+          </a:p>
+          <a:p>
+            <a:pPr marL="742950" lvl="1" indent="-285750">
+              <a:buFontTx/>
+              <a:buChar char="-"/>
+            </a:pPr>
+            <a:r>
+              <a:rPr lang="en-US" altLang="ko-KR" dirty="0" smtClean="0"/>
+              <a:t>[X]</a:t>
+            </a:r>
+            <a:endParaRPr lang="en-US" altLang="ko-KR" dirty="0"/>
+          </a:p>
+        </p:txBody>
+      </p:sp>
+      <p:sp>
+        <p:nvSpPr>
+          <p:cNvPr id="6" name="TextBox 5"/>
+          <p:cNvSpPr txBox="1"/>
+          <p:nvPr/>
+        </p:nvSpPr>
+        <p:spPr>
+          <a:xfrm>
+            <a:off x="3699233" y="6454430"/>
+            <a:ext cx="5478018" cy="369332"/>
+          </a:xfrm>
+          <a:prstGeom prst="rect">
+            <a:avLst/>
+          </a:prstGeom>
+          <a:noFill/>
+        </p:spPr>
+        <p:txBody>
+          <a:bodyPr wrap="square" rtlCol="0">
+            <a:spAutoFit/>
+          </a:bodyPr>
+          <a:lstStyle/>
+          <a:p>
+            <a:r>
+              <a:rPr lang="ko-KR" altLang="en-US" b="1" dirty="0" smtClean="0">
+                <a:solidFill>
+                  <a:srgbClr val="FF0000"/>
+                </a:solidFill>
+              </a:rPr>
+              <a:t>결론은 </a:t>
+            </a:r>
+            <a:r>
+              <a:rPr lang="en-US" altLang="ko-KR" b="1" dirty="0" smtClean="0">
+                <a:solidFill>
+                  <a:srgbClr val="FF0000"/>
+                </a:solidFill>
+              </a:rPr>
+              <a:t>Env1</a:t>
+            </a:r>
+            <a:r>
+              <a:rPr lang="ko-KR" altLang="en-US" b="1" dirty="0" smtClean="0">
+                <a:solidFill>
+                  <a:srgbClr val="FF0000"/>
+                </a:solidFill>
+              </a:rPr>
+              <a:t>이 가장 적합하다는 사실임 </a:t>
+            </a:r>
+            <a:endParaRPr lang="en-US" altLang="ko-KR" b="1" dirty="0">
+              <a:solidFill>
+                <a:srgbClr val="FF0000"/>
+              </a:solidFill>
+            </a:endParaRPr>
+          </a:p>
+        </p:txBody>
+      </p:sp>
+      <p:pic>
+        <p:nvPicPr>
+          <p:cNvPr id="7" name="그림 6"/>
+          <p:cNvPicPr>
+            <a:picLocks noChangeAspect="1"/>
+          </p:cNvPicPr>
+          <p:nvPr/>
+        </p:nvPicPr>
+        <p:blipFill>
+          <a:blip r:embed="rId2"/>
+          <a:stretch>
+            <a:fillRect/>
+          </a:stretch>
+        </p:blipFill>
+        <p:spPr>
+          <a:xfrm>
+            <a:off x="9109696" y="1027906"/>
+            <a:ext cx="3222004" cy="3307292"/>
+          </a:xfrm>
+          <a:prstGeom prst="rect">
+            <a:avLst/>
+          </a:prstGeom>
+        </p:spPr>
+      </p:pic>
+    </p:spTree>
+    <p:extLst>
+      <p:ext uri="{BB962C8B-B14F-4D97-AF65-F5344CB8AC3E}">
+        <p14:creationId xmlns:p14="http://schemas.microsoft.com/office/powerpoint/2010/main" val="3545861553"/>
+      </p:ext>
+    </p:extLst>
+  </p:cSld>
+  <p:clrMapOvr>
+    <a:masterClrMapping/>
+  </p:clrMapOvr>
+</p:sld>
+</file>
+
+<file path=ppt/slides/slide22.xml><?xml version="1.0" encoding="utf-8"?>
+<p:sld xmlns:a="http://schemas.openxmlformats.org/drawingml/2006/main" xmlns:r="http://schemas.openxmlformats.org/officeDocument/2006/relationships" xmlns:p="http://schemas.openxmlformats.org/presentationml/2006/main">
+  <p:cSld>
+    <p:spTree>
+      <p:nvGrpSpPr>
+        <p:cNvPr id="1" name=""/>
+        <p:cNvGrpSpPr/>
+        <p:nvPr/>
+      </p:nvGrpSpPr>
+      <p:grpSpPr>
+        <a:xfrm>
+          <a:off x="0" y="0"/>
+          <a:ext cx="0" cy="0"/>
+          <a:chOff x="0" y="0"/>
+          <a:chExt cx="0" cy="0"/>
+        </a:xfrm>
+      </p:grpSpPr>
+      <p:sp>
+        <p:nvSpPr>
+          <p:cNvPr id="2" name="제목 1"/>
+          <p:cNvSpPr>
+            <a:spLocks noGrp="1"/>
+          </p:cNvSpPr>
+          <p:nvPr>
+            <p:ph type="title"/>
+          </p:nvPr>
+        </p:nvSpPr>
+        <p:spPr/>
+        <p:txBody>
+          <a:bodyPr/>
+          <a:lstStyle/>
+          <a:p>
+            <a:r>
+              <a:rPr lang="en-US" altLang="ko-KR" dirty="0" smtClean="0">
+                <a:solidFill>
+                  <a:srgbClr val="FF0000"/>
+                </a:solidFill>
+              </a:rPr>
+              <a:t>DDPG</a:t>
+            </a:r>
+            <a:r>
+              <a:rPr lang="ko-KR" altLang="en-US" dirty="0" smtClean="0">
+                <a:solidFill>
+                  <a:srgbClr val="FF0000"/>
+                </a:solidFill>
+              </a:rPr>
+              <a:t> </a:t>
+            </a:r>
+            <a:r>
+              <a:rPr lang="en-US" altLang="ko-KR" dirty="0" smtClean="0">
+                <a:solidFill>
+                  <a:srgbClr val="FF0000"/>
+                </a:solidFill>
+              </a:rPr>
               <a:t>6_ver3</a:t>
             </a:r>
             <a:r>
@@ -10809,7 +11009,7 @@
 </p:sld>
 </file>
 
-<file path=ppt/slides/slide22.xml><?xml version="1.0" encoding="utf-8"?>
+<file path=ppt/slides/slide23.xml><?xml version="1.0" encoding="utf-8"?>
 <p:sld xmlns:a="http://schemas.openxmlformats.org/drawingml/2006/main" xmlns:r="http://schemas.openxmlformats.org/officeDocument/2006/relationships" xmlns:p="http://schemas.openxmlformats.org/presentationml/2006/main">
   <p:cSld>
     <p:spTree>
@@ -11222,7 +11422,7 @@
 </p:sld>
 </file>
 
-<file path=ppt/slides/slide23.xml><?xml version="1.0" encoding="utf-8"?>
+<file path=ppt/slides/slide24.xml><?xml version="1.0" encoding="utf-8"?>
 <p:sld xmlns:a="http://schemas.openxmlformats.org/drawingml/2006/main" xmlns:r="http://schemas.openxmlformats.org/officeDocument/2006/relationships" xmlns:p="http://schemas.openxmlformats.org/presentationml/2006/main">
   <p:cSld>
     <p:spTree>
@@ -11518,7 +11718,7 @@
 </p:sld>
 </file>
 
-<file path=ppt/slides/slide24.xml><?xml version="1.0" encoding="utf-8"?>
+<file path=ppt/slides/slide25.xml><?xml version="1.0" encoding="utf-8"?>
 <p:sld xmlns:a="http://schemas.openxmlformats.org/drawingml/2006/main" xmlns:r="http://schemas.openxmlformats.org/officeDocument/2006/relationships" xmlns:p="http://schemas.openxmlformats.org/presentationml/2006/main">
   <p:cSld>
     <p:spTree>
@@ -14210,6 +14410,488 @@
 </file>
 
 <file path=ppt/slides/slide7.xml><?xml version="1.0" encoding="utf-8"?>
+<p:sld xmlns:a="http://schemas.openxmlformats.org/drawingml/2006/main" xmlns:r="http://schemas.openxmlformats.org/officeDocument/2006/relationships" xmlns:p="http://schemas.openxmlformats.org/presentationml/2006/main">
+  <p:cSld>
+    <p:spTree>
+      <p:nvGrpSpPr>
+        <p:cNvPr id="1" name=""/>
+        <p:cNvGrpSpPr/>
+        <p:nvPr/>
+      </p:nvGrpSpPr>
+      <p:grpSpPr>
+        <a:xfrm>
+          <a:off x="0" y="0"/>
+          <a:ext cx="0" cy="0"/>
+          <a:chOff x="0" y="0"/>
+          <a:chExt cx="0" cy="0"/>
+        </a:xfrm>
+      </p:grpSpPr>
+      <p:sp>
+        <p:nvSpPr>
+          <p:cNvPr id="2" name="제목 1"/>
+          <p:cNvSpPr>
+            <a:spLocks noGrp="1"/>
+          </p:cNvSpPr>
+          <p:nvPr>
+            <p:ph type="title"/>
+          </p:nvPr>
+        </p:nvSpPr>
+        <p:spPr/>
+        <p:txBody>
+          <a:bodyPr/>
+          <a:lstStyle/>
+          <a:p>
+            <a:r>
+              <a:rPr lang="en-US" altLang="ko-KR" dirty="0" smtClean="0"/>
+              <a:t>DDQN</a:t>
+            </a:r>
+            <a:r>
+              <a:rPr lang="ko-KR" altLang="en-US" dirty="0" smtClean="0"/>
+              <a:t>과 </a:t>
+            </a:r>
+            <a:r>
+              <a:rPr lang="en-US" altLang="ko-KR" dirty="0" smtClean="0"/>
+              <a:t>DDPG</a:t>
+            </a:r>
+            <a:r>
+              <a:rPr lang="ko-KR" altLang="en-US" dirty="0" smtClean="0"/>
+              <a:t>의 비교</a:t>
+            </a:r>
+            <a:endParaRPr lang="ko-KR" altLang="en-US" dirty="0"/>
+          </a:p>
+        </p:txBody>
+      </p:sp>
+      <p:sp>
+        <p:nvSpPr>
+          <p:cNvPr id="4" name="TextBox 3"/>
+          <p:cNvSpPr txBox="1"/>
+          <p:nvPr/>
+        </p:nvSpPr>
+        <p:spPr>
+          <a:xfrm>
+            <a:off x="838200" y="1459832"/>
+            <a:ext cx="11000874" cy="4524315"/>
+          </a:xfrm>
+          <a:prstGeom prst="rect">
+            <a:avLst/>
+          </a:prstGeom>
+          <a:noFill/>
+        </p:spPr>
+        <p:txBody>
+          <a:bodyPr wrap="square" rtlCol="0">
+            <a:spAutoFit/>
+          </a:bodyPr>
+          <a:lstStyle/>
+          <a:p>
+            <a:pPr marL="285750" indent="-285750">
+              <a:buFontTx/>
+              <a:buChar char="-"/>
+            </a:pPr>
+            <a:r>
+              <a:rPr lang="en-US" altLang="ko-KR" b="1" dirty="0" smtClean="0">
+                <a:solidFill>
+                  <a:srgbClr val="FF0000"/>
+                </a:solidFill>
+              </a:rPr>
+              <a:t>DDQN</a:t>
+            </a:r>
+            <a:r>
+              <a:rPr lang="ko-KR" altLang="en-US" b="1" dirty="0" smtClean="0">
+                <a:solidFill>
+                  <a:srgbClr val="FF0000"/>
+                </a:solidFill>
+              </a:rPr>
+              <a:t>과 </a:t>
+            </a:r>
+            <a:r>
+              <a:rPr lang="en-US" altLang="ko-KR" b="1" dirty="0" smtClean="0">
+                <a:solidFill>
+                  <a:srgbClr val="FF0000"/>
+                </a:solidFill>
+              </a:rPr>
+              <a:t>DDPG </a:t>
+            </a:r>
+            <a:r>
+              <a:rPr lang="ko-KR" altLang="en-US" b="1" dirty="0" smtClean="0">
+                <a:solidFill>
+                  <a:srgbClr val="FF0000"/>
+                </a:solidFill>
+              </a:rPr>
+              <a:t>알고리즘의 학습 과정을 비교함</a:t>
+            </a:r>
+            <a:endParaRPr lang="en-US" altLang="ko-KR" b="1" dirty="0" smtClean="0">
+              <a:solidFill>
+                <a:srgbClr val="FF0000"/>
+              </a:solidFill>
+            </a:endParaRPr>
+          </a:p>
+          <a:p>
+            <a:pPr marL="285750" indent="-285750">
+              <a:buFontTx/>
+              <a:buChar char="-"/>
+            </a:pPr>
+            <a:endParaRPr lang="en-US" altLang="ko-KR" b="1" dirty="0"/>
+          </a:p>
+          <a:p>
+            <a:pPr marL="285750" indent="-285750">
+              <a:buFontTx/>
+              <a:buChar char="-"/>
+            </a:pPr>
+            <a:r>
+              <a:rPr lang="en-US" altLang="ko-KR" b="1" dirty="0" smtClean="0"/>
+              <a:t>DDQN </a:t>
+            </a:r>
+            <a:r>
+              <a:rPr lang="en-US" altLang="ko-KR" b="1" dirty="0" smtClean="0"/>
+              <a:t>State:</a:t>
+            </a:r>
+          </a:p>
+          <a:p>
+            <a:pPr marL="742950" lvl="1" indent="-285750">
+              <a:buFontTx/>
+              <a:buChar char="-"/>
+            </a:pPr>
+            <a:r>
+              <a:rPr lang="en-US" altLang="ko-KR" dirty="0" smtClean="0"/>
+              <a:t>State:   [</a:t>
+            </a:r>
+            <a:r>
+              <a:rPr lang="en-US" altLang="ko-KR" dirty="0" err="1" smtClean="0">
+                <a:solidFill>
+                  <a:srgbClr val="FF0000"/>
+                </a:solidFill>
+              </a:rPr>
+              <a:t>power_out</a:t>
+            </a:r>
+            <a:r>
+              <a:rPr lang="en-US" altLang="ko-KR" dirty="0" smtClean="0">
+                <a:solidFill>
+                  <a:srgbClr val="FF0000"/>
+                </a:solidFill>
+              </a:rPr>
+              <a:t> / 1000</a:t>
+            </a:r>
+            <a:r>
+              <a:rPr lang="en-US" altLang="ko-KR" dirty="0" smtClean="0"/>
+              <a:t>, SOC, </a:t>
+            </a:r>
+            <a:r>
+              <a:rPr lang="en-US" altLang="ko-KR" dirty="0" err="1" smtClean="0"/>
+              <a:t>j_min</a:t>
+            </a:r>
+            <a:r>
+              <a:rPr lang="en-US" altLang="ko-KR" dirty="0" smtClean="0"/>
+              <a:t>, </a:t>
+            </a:r>
+            <a:r>
+              <a:rPr lang="en-US" altLang="ko-KR" dirty="0" err="1" smtClean="0"/>
+              <a:t>j_max</a:t>
+            </a:r>
+            <a:r>
+              <a:rPr lang="en-US" altLang="ko-KR" dirty="0" smtClean="0"/>
+              <a:t>]</a:t>
+            </a:r>
+          </a:p>
+          <a:p>
+            <a:pPr marL="742950" lvl="1" indent="-285750">
+              <a:buFontTx/>
+              <a:buChar char="-"/>
+            </a:pPr>
+            <a:r>
+              <a:rPr lang="en-US" altLang="ko-KR" dirty="0" smtClean="0"/>
+              <a:t>Replay memory</a:t>
+            </a:r>
+            <a:r>
+              <a:rPr lang="ko-KR" altLang="en-US" dirty="0" smtClean="0"/>
+              <a:t>에서 </a:t>
+            </a:r>
+            <a:r>
+              <a:rPr lang="en-US" altLang="ko-KR" dirty="0" smtClean="0"/>
+              <a:t>running mean</a:t>
+            </a:r>
+            <a:r>
+              <a:rPr lang="ko-KR" altLang="en-US" dirty="0" smtClean="0"/>
+              <a:t>과 </a:t>
+            </a:r>
+            <a:r>
+              <a:rPr lang="en-US" altLang="ko-KR" dirty="0" err="1" smtClean="0"/>
+              <a:t>std</a:t>
+            </a:r>
+            <a:r>
+              <a:rPr lang="ko-KR" altLang="en-US" dirty="0" smtClean="0"/>
+              <a:t>를 통한 정규화 진행 </a:t>
+            </a:r>
+            <a:r>
+              <a:rPr lang="en-US" altLang="ko-KR" dirty="0" smtClean="0"/>
+              <a:t> </a:t>
+            </a:r>
+          </a:p>
+          <a:p>
+            <a:pPr marL="742950" lvl="1" indent="-285750">
+              <a:buFontTx/>
+              <a:buChar char="-"/>
+            </a:pPr>
+            <a:endParaRPr lang="en-US" altLang="ko-KR" dirty="0" smtClean="0"/>
+          </a:p>
+          <a:p>
+            <a:pPr marL="742950" lvl="1" indent="-285750">
+              <a:buFontTx/>
+              <a:buChar char="-"/>
+            </a:pPr>
+            <a:endParaRPr lang="en-US" altLang="ko-KR" dirty="0"/>
+          </a:p>
+          <a:p>
+            <a:pPr marL="742950" lvl="1" indent="-285750">
+              <a:buFontTx/>
+              <a:buChar char="-"/>
+            </a:pPr>
+            <a:endParaRPr lang="en-US" altLang="ko-KR" dirty="0" smtClean="0"/>
+          </a:p>
+          <a:p>
+            <a:pPr marL="742950" lvl="1" indent="-285750">
+              <a:buFontTx/>
+              <a:buChar char="-"/>
+            </a:pPr>
+            <a:endParaRPr lang="en-US" altLang="ko-KR" dirty="0" smtClean="0"/>
+          </a:p>
+          <a:p>
+            <a:pPr marL="285750" indent="-285750">
+              <a:buFontTx/>
+              <a:buChar char="-"/>
+            </a:pPr>
+            <a:r>
+              <a:rPr lang="en-US" altLang="ko-KR" b="1" dirty="0" smtClean="0"/>
+              <a:t>DDPG</a:t>
+            </a:r>
+            <a:r>
+              <a:rPr lang="en-US" altLang="ko-KR" b="1" dirty="0" smtClean="0"/>
+              <a:t> </a:t>
+            </a:r>
+            <a:r>
+              <a:rPr lang="en-US" altLang="ko-KR" b="1" dirty="0"/>
+              <a:t>State:</a:t>
+            </a:r>
+          </a:p>
+          <a:p>
+            <a:pPr marL="742950" lvl="1" indent="-285750">
+              <a:buFontTx/>
+              <a:buChar char="-"/>
+            </a:pPr>
+            <a:r>
+              <a:rPr lang="en-US" altLang="ko-KR" dirty="0"/>
+              <a:t>State:   </a:t>
+            </a:r>
+            <a:r>
+              <a:rPr lang="en-US" altLang="ko-KR" dirty="0" smtClean="0"/>
+              <a:t>[</a:t>
+            </a:r>
+            <a:r>
+              <a:rPr lang="en-US" altLang="ko-KR" dirty="0" err="1" smtClean="0">
+                <a:solidFill>
+                  <a:srgbClr val="FF0000"/>
+                </a:solidFill>
+              </a:rPr>
+              <a:t>power_out</a:t>
+            </a:r>
+            <a:r>
+              <a:rPr lang="en-US" altLang="ko-KR" dirty="0" smtClean="0">
+                <a:solidFill>
+                  <a:srgbClr val="FF0000"/>
+                </a:solidFill>
+              </a:rPr>
+              <a:t> / 1000</a:t>
+            </a:r>
+            <a:r>
+              <a:rPr lang="en-US" altLang="ko-KR" dirty="0" smtClean="0"/>
+              <a:t>, </a:t>
+            </a:r>
+            <a:r>
+              <a:rPr lang="en-US" altLang="ko-KR" dirty="0"/>
+              <a:t>SOC, </a:t>
+            </a:r>
+            <a:r>
+              <a:rPr lang="en-US" altLang="ko-KR" dirty="0" err="1"/>
+              <a:t>j_min</a:t>
+            </a:r>
+            <a:r>
+              <a:rPr lang="en-US" altLang="ko-KR" dirty="0"/>
+              <a:t>, </a:t>
+            </a:r>
+            <a:r>
+              <a:rPr lang="en-US" altLang="ko-KR" dirty="0" err="1"/>
+              <a:t>j_max</a:t>
+            </a:r>
+            <a:r>
+              <a:rPr lang="en-US" altLang="ko-KR" dirty="0"/>
+              <a:t>]</a:t>
+            </a:r>
+          </a:p>
+          <a:p>
+            <a:pPr marL="742950" lvl="1" indent="-285750">
+              <a:buFontTx/>
+              <a:buChar char="-"/>
+            </a:pPr>
+            <a:r>
+              <a:rPr lang="en-US" altLang="ko-KR" dirty="0"/>
+              <a:t>Replay memory</a:t>
+            </a:r>
+            <a:r>
+              <a:rPr lang="ko-KR" altLang="en-US" dirty="0"/>
+              <a:t>에서 </a:t>
+            </a:r>
+            <a:r>
+              <a:rPr lang="en-US" altLang="ko-KR" dirty="0"/>
+              <a:t>running mean</a:t>
+            </a:r>
+            <a:r>
+              <a:rPr lang="ko-KR" altLang="en-US" dirty="0"/>
+              <a:t>과 </a:t>
+            </a:r>
+            <a:r>
+              <a:rPr lang="en-US" altLang="ko-KR" dirty="0" err="1"/>
+              <a:t>std</a:t>
+            </a:r>
+            <a:r>
+              <a:rPr lang="ko-KR" altLang="en-US" dirty="0"/>
+              <a:t>를 통한 정규화 진행 </a:t>
+            </a:r>
+            <a:r>
+              <a:rPr lang="en-US" altLang="ko-KR" dirty="0"/>
+              <a:t> </a:t>
+            </a:r>
+          </a:p>
+          <a:p>
+            <a:pPr lvl="1"/>
+            <a:endParaRPr lang="en-US" altLang="ko-KR" dirty="0" smtClean="0"/>
+          </a:p>
+          <a:p>
+            <a:pPr marL="285750" indent="-285750">
+              <a:buFontTx/>
+              <a:buChar char="-"/>
+            </a:pPr>
+            <a:endParaRPr lang="en-US" altLang="ko-KR" dirty="0" smtClean="0"/>
+          </a:p>
+          <a:p>
+            <a:pPr marL="285750" indent="-285750">
+              <a:buFontTx/>
+              <a:buChar char="-"/>
+            </a:pPr>
+            <a:endParaRPr lang="en-US" altLang="ko-KR" dirty="0" smtClean="0"/>
+          </a:p>
+          <a:p>
+            <a:pPr lvl="1"/>
+            <a:endParaRPr lang="en-US" altLang="ko-KR" dirty="0" smtClean="0"/>
+          </a:p>
+        </p:txBody>
+      </p:sp>
+      <p:sp>
+        <p:nvSpPr>
+          <p:cNvPr id="6" name="TextBox 5"/>
+          <p:cNvSpPr txBox="1"/>
+          <p:nvPr/>
+        </p:nvSpPr>
+        <p:spPr>
+          <a:xfrm>
+            <a:off x="1476326" y="5707149"/>
+            <a:ext cx="5657565" cy="369332"/>
+          </a:xfrm>
+          <a:prstGeom prst="rect">
+            <a:avLst/>
+          </a:prstGeom>
+          <a:noFill/>
+        </p:spPr>
+        <p:txBody>
+          <a:bodyPr wrap="square" rtlCol="0">
+            <a:spAutoFit/>
+          </a:bodyPr>
+          <a:lstStyle/>
+          <a:p>
+            <a:r>
+              <a:rPr lang="en-US" altLang="ko-KR" b="1" dirty="0" smtClean="0">
+                <a:solidFill>
+                  <a:srgbClr val="FF0000"/>
+                </a:solidFill>
+              </a:rPr>
+              <a:t>DDPG</a:t>
+            </a:r>
+            <a:r>
+              <a:rPr lang="ko-KR" altLang="en-US" b="1" dirty="0" smtClean="0">
+                <a:solidFill>
+                  <a:srgbClr val="FF0000"/>
+                </a:solidFill>
+              </a:rPr>
+              <a:t>의 우수성을 강조함</a:t>
+            </a:r>
+            <a:endParaRPr lang="ko-KR" altLang="en-US" b="1" dirty="0">
+              <a:solidFill>
+                <a:srgbClr val="FF0000"/>
+              </a:solidFill>
+            </a:endParaRPr>
+          </a:p>
+        </p:txBody>
+      </p:sp>
+      <p:pic>
+        <p:nvPicPr>
+          <p:cNvPr id="5" name="그림 4"/>
+          <p:cNvPicPr>
+            <a:picLocks noChangeAspect="1"/>
+          </p:cNvPicPr>
+          <p:nvPr/>
+        </p:nvPicPr>
+        <p:blipFill>
+          <a:blip r:embed="rId2"/>
+          <a:stretch>
+            <a:fillRect/>
+          </a:stretch>
+        </p:blipFill>
+        <p:spPr>
+          <a:xfrm>
+            <a:off x="8171412" y="370234"/>
+            <a:ext cx="3737315" cy="3213826"/>
+          </a:xfrm>
+          <a:prstGeom prst="rect">
+            <a:avLst/>
+          </a:prstGeom>
+        </p:spPr>
+      </p:pic>
+      <p:pic>
+        <p:nvPicPr>
+          <p:cNvPr id="7" name="그림 6"/>
+          <p:cNvPicPr>
+            <a:picLocks noChangeAspect="1"/>
+          </p:cNvPicPr>
+          <p:nvPr/>
+        </p:nvPicPr>
+        <p:blipFill>
+          <a:blip r:embed="rId3"/>
+          <a:stretch>
+            <a:fillRect/>
+          </a:stretch>
+        </p:blipFill>
+        <p:spPr>
+          <a:xfrm>
+            <a:off x="8167635" y="3647174"/>
+            <a:ext cx="3741092" cy="3136011"/>
+          </a:xfrm>
+          <a:prstGeom prst="rect">
+            <a:avLst/>
+          </a:prstGeom>
+        </p:spPr>
+      </p:pic>
+    </p:spTree>
+    <p:extLst>
+      <p:ext uri="{BB962C8B-B14F-4D97-AF65-F5344CB8AC3E}">
+        <p14:creationId xmlns:p14="http://schemas.microsoft.com/office/powerpoint/2010/main" val="1756425825"/>
+      </p:ext>
+    </p:extLst>
+  </p:cSld>
+  <p:clrMapOvr>
+    <a:masterClrMapping/>
+  </p:clrMapOvr>
+</p:sld>
+</file>
+
+<file path=ppt/slides/slide8.xml><?xml version="1.0" encoding="utf-8"?>
 <p:sld xmlns:a="http://schemas.openxmlformats.org/drawingml/2006/main" xmlns:r="http://schemas.openxmlformats.org/officeDocument/2006/relationships" xmlns:p="http://schemas.openxmlformats.org/presentationml/2006/main">
   <p:cSld>
     <p:spTree>
@@ -14702,7 +15384,7 @@
 </p:sld>
 </file>
 
-<file path=ppt/slides/slide8.xml><?xml version="1.0" encoding="utf-8"?>
+<file path=ppt/slides/slide9.xml><?xml version="1.0" encoding="utf-8"?>
 <p:sld xmlns:a="http://schemas.openxmlformats.org/drawingml/2006/main" xmlns:r="http://schemas.openxmlformats.org/officeDocument/2006/relationships" xmlns:p="http://schemas.openxmlformats.org/presentationml/2006/main">
   <p:cSld>
     <p:spTree>
@@ -15268,205 +15950,6 @@
     <p:extLst>
       <p:ext uri="{BB962C8B-B14F-4D97-AF65-F5344CB8AC3E}">
         <p14:creationId xmlns:p14="http://schemas.microsoft.com/office/powerpoint/2010/main" val="2443828431"/>
-      </p:ext>
-    </p:extLst>
-  </p:cSld>
-  <p:clrMapOvr>
-    <a:masterClrMapping/>
-  </p:clrMapOvr>
-</p:sld>
-</file>
-
-<file path=ppt/slides/slide9.xml><?xml version="1.0" encoding="utf-8"?>
-<p:sld xmlns:a="http://schemas.openxmlformats.org/drawingml/2006/main" xmlns:r="http://schemas.openxmlformats.org/officeDocument/2006/relationships" xmlns:p="http://schemas.openxmlformats.org/presentationml/2006/main">
-  <p:cSld>
-    <p:spTree>
-      <p:nvGrpSpPr>
-        <p:cNvPr id="1" name=""/>
-        <p:cNvGrpSpPr/>
-        <p:nvPr/>
-      </p:nvGrpSpPr>
-      <p:grpSpPr>
-        <a:xfrm>
-          <a:off x="0" y="0"/>
-          <a:ext cx="0" cy="0"/>
-          <a:chOff x="0" y="0"/>
-          <a:chExt cx="0" cy="0"/>
-        </a:xfrm>
-      </p:grpSpPr>
-      <p:sp>
-        <p:nvSpPr>
-          <p:cNvPr id="2" name="제목 1"/>
-          <p:cNvSpPr>
-            <a:spLocks noGrp="1"/>
-          </p:cNvSpPr>
-          <p:nvPr>
-            <p:ph type="title"/>
-          </p:nvPr>
-        </p:nvSpPr>
-        <p:spPr/>
-        <p:txBody>
-          <a:bodyPr/>
-          <a:lstStyle/>
-          <a:p>
-            <a:r>
-              <a:rPr lang="en-US" altLang="ko-KR" dirty="0" smtClean="0"/>
-              <a:t>DDQN</a:t>
-            </a:r>
-            <a:r>
-              <a:rPr lang="ko-KR" altLang="en-US" dirty="0" smtClean="0"/>
-              <a:t> </a:t>
-            </a:r>
-            <a:r>
-              <a:rPr lang="en-US" altLang="ko-KR" dirty="0" smtClean="0"/>
-              <a:t>2 – </a:t>
-            </a:r>
-            <a:r>
-              <a:rPr lang="ko-KR" altLang="en-US" dirty="0" smtClean="0"/>
-              <a:t>결과   </a:t>
-            </a:r>
-            <a:endParaRPr lang="ko-KR" altLang="en-US" dirty="0"/>
-          </a:p>
-        </p:txBody>
-      </p:sp>
-      <p:sp>
-        <p:nvSpPr>
-          <p:cNvPr id="4" name="TextBox 3"/>
-          <p:cNvSpPr txBox="1"/>
-          <p:nvPr/>
-        </p:nvSpPr>
-        <p:spPr>
-          <a:xfrm>
-            <a:off x="838200" y="1459832"/>
-            <a:ext cx="11000874" cy="923330"/>
-          </a:xfrm>
-          <a:prstGeom prst="rect">
-            <a:avLst/>
-          </a:prstGeom>
-          <a:noFill/>
-        </p:spPr>
-        <p:txBody>
-          <a:bodyPr wrap="square" rtlCol="0">
-            <a:spAutoFit/>
-          </a:bodyPr>
-          <a:lstStyle/>
-          <a:p>
-            <a:pPr marL="285750" indent="-285750">
-              <a:buFontTx/>
-              <a:buChar char="-"/>
-            </a:pPr>
-            <a:r>
-              <a:rPr lang="en-US" altLang="ko-KR" b="1" dirty="0" smtClean="0">
-                <a:solidFill>
-                  <a:srgbClr val="FF0000"/>
-                </a:solidFill>
-              </a:rPr>
-              <a:t>Power</a:t>
-            </a:r>
-            <a:r>
-              <a:rPr lang="ko-KR" altLang="en-US" b="1" dirty="0" smtClean="0">
-                <a:solidFill>
-                  <a:srgbClr val="FF0000"/>
-                </a:solidFill>
-              </a:rPr>
-              <a:t>를 </a:t>
-            </a:r>
-            <a:r>
-              <a:rPr lang="en-US" altLang="ko-KR" b="1" dirty="0" smtClean="0">
-                <a:solidFill>
-                  <a:srgbClr val="FF0000"/>
-                </a:solidFill>
-              </a:rPr>
-              <a:t>kW </a:t>
-            </a:r>
-            <a:r>
-              <a:rPr lang="ko-KR" altLang="en-US" b="1" dirty="0" smtClean="0">
-                <a:solidFill>
-                  <a:srgbClr val="FF0000"/>
-                </a:solidFill>
-              </a:rPr>
-              <a:t>단위로 환산하여 </a:t>
-            </a:r>
-            <a:r>
-              <a:rPr lang="en-US" altLang="ko-KR" b="1" dirty="0" smtClean="0">
-                <a:solidFill>
-                  <a:srgbClr val="FF0000"/>
-                </a:solidFill>
-              </a:rPr>
-              <a:t>Feature scaling </a:t>
-            </a:r>
-            <a:r>
-              <a:rPr lang="ko-KR" altLang="en-US" b="1" dirty="0" smtClean="0">
-                <a:solidFill>
-                  <a:srgbClr val="FF0000"/>
-                </a:solidFill>
-              </a:rPr>
-              <a:t>수행 </a:t>
-            </a:r>
-            <a:endParaRPr lang="en-US" altLang="ko-KR" b="1" dirty="0" smtClean="0">
-              <a:solidFill>
-                <a:srgbClr val="FF0000"/>
-              </a:solidFill>
-            </a:endParaRPr>
-          </a:p>
-          <a:p>
-            <a:pPr marL="285750" indent="-285750">
-              <a:buFontTx/>
-              <a:buChar char="-"/>
-            </a:pPr>
-            <a:endParaRPr lang="en-US" altLang="ko-KR" b="1" dirty="0"/>
-          </a:p>
-          <a:p>
-            <a:pPr marL="285750" indent="-285750">
-              <a:buFontTx/>
-              <a:buChar char="-"/>
-            </a:pPr>
-            <a:r>
-              <a:rPr lang="en-US" altLang="ko-KR" b="1" dirty="0" smtClean="0"/>
-              <a:t>Feature scaling</a:t>
-            </a:r>
-            <a:r>
-              <a:rPr lang="ko-KR" altLang="en-US" b="1" dirty="0" smtClean="0"/>
-              <a:t>을 통해 학습 안정도를 크게 향상시킬 수 있음을 확인함</a:t>
-            </a:r>
-            <a:endParaRPr lang="en-US" altLang="ko-KR" dirty="0" smtClean="0"/>
-          </a:p>
-        </p:txBody>
-      </p:sp>
-      <p:pic>
-        <p:nvPicPr>
-          <p:cNvPr id="7" name="그림 6"/>
-          <p:cNvPicPr>
-            <a:picLocks noChangeAspect="1"/>
-          </p:cNvPicPr>
-          <p:nvPr/>
-        </p:nvPicPr>
-        <p:blipFill>
-          <a:blip r:embed="rId2">
-            <a:extLst>
-              <a:ext uri="{28A0092B-C50C-407E-A947-70E740481C1C}">
-                <a14:useLocalDpi xmlns:a14="http://schemas.microsoft.com/office/drawing/2010/main" val="0"/>
-              </a:ext>
-            </a:extLst>
-          </a:blip>
-          <a:stretch>
-            <a:fillRect/>
-          </a:stretch>
-        </p:blipFill>
-        <p:spPr>
-          <a:xfrm>
-            <a:off x="3674226" y="2383162"/>
-            <a:ext cx="6467302" cy="4311535"/>
-          </a:xfrm>
-          <a:prstGeom prst="rect">
-            <a:avLst/>
-          </a:prstGeom>
-        </p:spPr>
-      </p:pic>
-    </p:spTree>
-    <p:extLst>
-      <p:ext uri="{BB962C8B-B14F-4D97-AF65-F5344CB8AC3E}">
-        <p14:creationId xmlns:p14="http://schemas.microsoft.com/office/powerpoint/2010/main" val="1543216389"/>
       </p:ext>
     </p:extLst>
   </p:cSld>

--- a/실험정리.pptx
+++ b/실험정리.pptx
@@ -28,8 +28,9 @@
     <p:sldId id="293" r:id="rId22"/>
     <p:sldId id="299" r:id="rId23"/>
     <p:sldId id="294" r:id="rId24"/>
-    <p:sldId id="291" r:id="rId25"/>
-    <p:sldId id="288" r:id="rId26"/>
+    <p:sldId id="302" r:id="rId25"/>
+    <p:sldId id="291" r:id="rId26"/>
+    <p:sldId id="288" r:id="rId27"/>
   </p:sldIdLst>
   <p:sldSz cx="12192000" cy="6858000"/>
   <p:notesSz cx="6858000" cy="9144000"/>
@@ -6281,22 +6282,42 @@
           <a:lstStyle/>
           <a:p>
             <a:r>
-              <a:rPr lang="en-US" altLang="ko-KR" dirty="0" smtClean="0"/>
+              <a:rPr lang="en-US" altLang="ko-KR" dirty="0" smtClean="0">
+                <a:solidFill>
+                  <a:srgbClr val="FF0000"/>
+                </a:solidFill>
+              </a:rPr>
               <a:t>DDPG</a:t>
             </a:r>
             <a:r>
-              <a:rPr lang="ko-KR" altLang="en-US" dirty="0" smtClean="0"/>
+              <a:rPr lang="ko-KR" altLang="en-US" dirty="0" smtClean="0">
+                <a:solidFill>
+                  <a:srgbClr val="FF0000"/>
+                </a:solidFill>
+              </a:rPr>
               <a:t> </a:t>
             </a:r>
             <a:r>
-              <a:rPr lang="en-US" altLang="ko-KR" dirty="0"/>
+              <a:rPr lang="en-US" altLang="ko-KR" dirty="0">
+                <a:solidFill>
+                  <a:srgbClr val="FF0000"/>
+                </a:solidFill>
+              </a:rPr>
               <a:t>3</a:t>
             </a:r>
             <a:r>
-              <a:rPr lang="ko-KR" altLang="en-US" dirty="0" smtClean="0"/>
+              <a:rPr lang="ko-KR" altLang="en-US" dirty="0" smtClean="0">
+                <a:solidFill>
+                  <a:srgbClr val="FF0000"/>
+                </a:solidFill>
+              </a:rPr>
               <a:t>  </a:t>
             </a:r>
-            <a:endParaRPr lang="ko-KR" altLang="en-US" dirty="0"/>
+            <a:endParaRPr lang="ko-KR" altLang="en-US" dirty="0">
+              <a:solidFill>
+                <a:srgbClr val="FF0000"/>
+              </a:solidFill>
+            </a:endParaRPr>
           </a:p>
         </p:txBody>
       </p:sp>
@@ -11483,6 +11504,401 @@
         <p:spPr>
           <a:xfrm>
             <a:off x="838200" y="1484771"/>
+            <a:ext cx="11000874" cy="3139321"/>
+          </a:xfrm>
+          <a:prstGeom prst="rect">
+            <a:avLst/>
+          </a:prstGeom>
+          <a:noFill/>
+        </p:spPr>
+        <p:txBody>
+          <a:bodyPr wrap="square" rtlCol="0">
+            <a:spAutoFit/>
+          </a:bodyPr>
+          <a:lstStyle/>
+          <a:p>
+            <a:pPr marL="285750" lvl="1" indent="-285750">
+              <a:buFontTx/>
+              <a:buChar char="-"/>
+            </a:pPr>
+            <a:r>
+              <a:rPr lang="en-US" altLang="ko-KR" b="1" dirty="0" smtClean="0">
+                <a:solidFill>
+                  <a:srgbClr val="FF0000"/>
+                </a:solidFill>
+              </a:rPr>
+              <a:t>Done</a:t>
+            </a:r>
+            <a:r>
+              <a:rPr lang="ko-KR" altLang="en-US" b="1" dirty="0" smtClean="0">
+                <a:solidFill>
+                  <a:srgbClr val="FF0000"/>
+                </a:solidFill>
+              </a:rPr>
+              <a:t>을 고려한 네트워크 업데이트 알고리즘 추가 </a:t>
+            </a:r>
+            <a:endParaRPr lang="en-US" altLang="ko-KR" b="1" dirty="0" smtClean="0">
+              <a:solidFill>
+                <a:srgbClr val="FF0000"/>
+              </a:solidFill>
+            </a:endParaRPr>
+          </a:p>
+          <a:p>
+            <a:pPr marL="285750" lvl="1" indent="-285750">
+              <a:buFontTx/>
+              <a:buChar char="-"/>
+            </a:pPr>
+            <a:endParaRPr lang="en-US" altLang="ko-KR" b="1" dirty="0" smtClean="0"/>
+          </a:p>
+          <a:p>
+            <a:pPr marL="285750" lvl="1" indent="-285750">
+              <a:buFontTx/>
+              <a:buChar char="-"/>
+            </a:pPr>
+            <a:endParaRPr lang="en-US" altLang="ko-KR" b="1" dirty="0"/>
+          </a:p>
+          <a:p>
+            <a:pPr marL="285750" lvl="1" indent="-285750">
+              <a:buFontTx/>
+              <a:buChar char="-"/>
+            </a:pPr>
+            <a:endParaRPr lang="en-US" altLang="ko-KR" b="1" dirty="0" smtClean="0"/>
+          </a:p>
+          <a:p>
+            <a:pPr marL="285750" lvl="1" indent="-285750">
+              <a:buFontTx/>
+              <a:buChar char="-"/>
+            </a:pPr>
+            <a:endParaRPr lang="en-US" altLang="ko-KR" b="1" dirty="0"/>
+          </a:p>
+          <a:p>
+            <a:pPr marL="285750" lvl="1" indent="-285750">
+              <a:buFontTx/>
+              <a:buChar char="-"/>
+            </a:pPr>
+            <a:endParaRPr lang="en-US" altLang="ko-KR" b="1" dirty="0" smtClean="0"/>
+          </a:p>
+          <a:p>
+            <a:pPr marL="285750" lvl="1" indent="-285750">
+              <a:buFontTx/>
+              <a:buChar char="-"/>
+            </a:pPr>
+            <a:endParaRPr lang="en-US" altLang="ko-KR" b="1" dirty="0"/>
+          </a:p>
+          <a:p>
+            <a:pPr marL="285750" lvl="1" indent="-285750">
+              <a:buFontTx/>
+              <a:buChar char="-"/>
+            </a:pPr>
+            <a:endParaRPr lang="en-US" altLang="ko-KR" b="1" dirty="0"/>
+          </a:p>
+          <a:p>
+            <a:pPr marL="285750" indent="-285750">
+              <a:buFontTx/>
+              <a:buChar char="-"/>
+            </a:pPr>
+            <a:r>
+              <a:rPr lang="en-US" altLang="ko-KR" b="1" dirty="0">
+                <a:solidFill>
+                  <a:srgbClr val="FF0000"/>
+                </a:solidFill>
+              </a:rPr>
+              <a:t>Env1 State:</a:t>
+            </a:r>
+          </a:p>
+          <a:p>
+            <a:pPr marL="742950" lvl="2" indent="-285750">
+              <a:buFontTx/>
+              <a:buChar char="-"/>
+            </a:pPr>
+            <a:r>
+              <a:rPr lang="en-US" altLang="ko-KR" dirty="0"/>
+              <a:t>State</a:t>
+            </a:r>
+            <a:r>
+              <a:rPr lang="en-US" altLang="ko-KR" dirty="0" smtClean="0"/>
+              <a:t>: </a:t>
+            </a:r>
+            <a:r>
+              <a:rPr lang="en-US" altLang="ko-KR" dirty="0">
+                <a:solidFill>
+                  <a:srgbClr val="FF0000"/>
+                </a:solidFill>
+              </a:rPr>
+              <a:t>[</a:t>
+            </a:r>
+            <a:r>
+              <a:rPr lang="en-US" altLang="ko-KR" dirty="0" err="1">
+                <a:solidFill>
+                  <a:srgbClr val="FF0000"/>
+                </a:solidFill>
+              </a:rPr>
+              <a:t>power_out</a:t>
+            </a:r>
+            <a:r>
+              <a:rPr lang="en-US" altLang="ko-KR" dirty="0">
+                <a:solidFill>
+                  <a:srgbClr val="FF0000"/>
+                </a:solidFill>
+              </a:rPr>
+              <a:t>/1000, </a:t>
+            </a:r>
+            <a:r>
+              <a:rPr lang="en-US" altLang="ko-KR" dirty="0" err="1">
+                <a:solidFill>
+                  <a:srgbClr val="FF0000"/>
+                </a:solidFill>
+              </a:rPr>
+              <a:t>action_prev</a:t>
+            </a:r>
+            <a:r>
+              <a:rPr lang="en-US" altLang="ko-KR" dirty="0">
+                <a:solidFill>
+                  <a:srgbClr val="FF0000"/>
+                </a:solidFill>
+              </a:rPr>
+              <a:t>, SOC - 0.6, SOC]</a:t>
+            </a:r>
+          </a:p>
+          <a:p>
+            <a:pPr marL="742950" lvl="1" indent="-285750">
+              <a:buFontTx/>
+              <a:buChar char="-"/>
+            </a:pPr>
+            <a:r>
+              <a:rPr lang="en-US" altLang="ko-KR" dirty="0" smtClean="0"/>
+              <a:t>Replay </a:t>
+            </a:r>
+            <a:r>
+              <a:rPr lang="en-US" altLang="ko-KR" dirty="0" smtClean="0"/>
+              <a:t>memory</a:t>
+            </a:r>
+            <a:r>
+              <a:rPr lang="ko-KR" altLang="en-US" dirty="0" smtClean="0"/>
+              <a:t>에서 </a:t>
+            </a:r>
+            <a:r>
+              <a:rPr lang="en-US" altLang="ko-KR" dirty="0" err="1" smtClean="0"/>
+              <a:t>power_out</a:t>
+            </a:r>
+            <a:r>
+              <a:rPr lang="ko-KR" altLang="en-US" dirty="0" smtClean="0"/>
+              <a:t>에 대해</a:t>
+            </a:r>
+            <a:r>
+              <a:rPr lang="en-US" altLang="ko-KR" dirty="0" smtClean="0"/>
+              <a:t> </a:t>
+            </a:r>
+            <a:r>
+              <a:rPr lang="en-US" altLang="ko-KR" dirty="0" smtClean="0">
+                <a:solidFill>
+                  <a:srgbClr val="FF0000"/>
+                </a:solidFill>
+              </a:rPr>
+              <a:t>mean-</a:t>
+            </a:r>
+            <a:r>
+              <a:rPr lang="en-US" altLang="ko-KR" dirty="0" err="1" smtClean="0">
+                <a:solidFill>
+                  <a:srgbClr val="FF0000"/>
+                </a:solidFill>
+              </a:rPr>
+              <a:t>std</a:t>
+            </a:r>
+            <a:r>
+              <a:rPr lang="en-US" altLang="ko-KR" dirty="0" smtClean="0">
+                <a:solidFill>
+                  <a:srgbClr val="FF0000"/>
+                </a:solidFill>
+              </a:rPr>
+              <a:t> normalization </a:t>
+            </a:r>
+            <a:r>
+              <a:rPr lang="ko-KR" altLang="en-US" dirty="0" smtClean="0"/>
+              <a:t>적용 </a:t>
+            </a:r>
+            <a:endParaRPr lang="en-US" altLang="ko-KR" dirty="0" smtClean="0"/>
+          </a:p>
+        </p:txBody>
+      </p:sp>
+      <p:sp>
+        <p:nvSpPr>
+          <p:cNvPr id="5" name="TextBox 4"/>
+          <p:cNvSpPr txBox="1"/>
+          <p:nvPr/>
+        </p:nvSpPr>
+        <p:spPr>
+          <a:xfrm>
+            <a:off x="9576262" y="4910921"/>
+            <a:ext cx="2262812" cy="369332"/>
+          </a:xfrm>
+          <a:prstGeom prst="rect">
+            <a:avLst/>
+          </a:prstGeom>
+          <a:noFill/>
+        </p:spPr>
+        <p:txBody>
+          <a:bodyPr wrap="square" rtlCol="0">
+            <a:spAutoFit/>
+          </a:bodyPr>
+          <a:lstStyle/>
+          <a:p>
+            <a:r>
+              <a:rPr lang="en-US" altLang="ko-KR" dirty="0" smtClean="0"/>
+              <a:t>&lt;</a:t>
+            </a:r>
+            <a:r>
+              <a:rPr lang="ko-KR" altLang="en-US" dirty="0" err="1" smtClean="0"/>
+              <a:t>하이퍼파라미터</a:t>
+            </a:r>
+            <a:r>
+              <a:rPr lang="en-US" altLang="ko-KR" dirty="0" smtClean="0"/>
+              <a:t>&gt;</a:t>
+            </a:r>
+            <a:r>
+              <a:rPr lang="ko-KR" altLang="en-US" dirty="0" smtClean="0"/>
+              <a:t> </a:t>
+            </a:r>
+            <a:endParaRPr lang="ko-KR" altLang="en-US" dirty="0"/>
+          </a:p>
+        </p:txBody>
+      </p:sp>
+      <p:pic>
+        <p:nvPicPr>
+          <p:cNvPr id="7" name="그림 6"/>
+          <p:cNvPicPr>
+            <a:picLocks noChangeAspect="1"/>
+          </p:cNvPicPr>
+          <p:nvPr/>
+        </p:nvPicPr>
+        <p:blipFill>
+          <a:blip r:embed="rId2"/>
+          <a:stretch>
+            <a:fillRect/>
+          </a:stretch>
+        </p:blipFill>
+        <p:spPr>
+          <a:xfrm>
+            <a:off x="9096666" y="1484771"/>
+            <a:ext cx="3222004" cy="3307292"/>
+          </a:xfrm>
+          <a:prstGeom prst="rect">
+            <a:avLst/>
+          </a:prstGeom>
+        </p:spPr>
+      </p:pic>
+      <p:sp>
+        <p:nvSpPr>
+          <p:cNvPr id="8" name="TextBox 7"/>
+          <p:cNvSpPr txBox="1"/>
+          <p:nvPr/>
+        </p:nvSpPr>
+        <p:spPr>
+          <a:xfrm>
+            <a:off x="3356991" y="5095587"/>
+            <a:ext cx="5478018" cy="369332"/>
+          </a:xfrm>
+          <a:prstGeom prst="rect">
+            <a:avLst/>
+          </a:prstGeom>
+          <a:noFill/>
+        </p:spPr>
+        <p:txBody>
+          <a:bodyPr wrap="square" rtlCol="0">
+            <a:spAutoFit/>
+          </a:bodyPr>
+          <a:lstStyle/>
+          <a:p>
+            <a:r>
+              <a:rPr lang="ko-KR" altLang="en-US" b="1" dirty="0" smtClean="0">
+                <a:solidFill>
+                  <a:srgbClr val="FF0000"/>
+                </a:solidFill>
+              </a:rPr>
+              <a:t>효과가 별로 없는 것으로 보임  </a:t>
+            </a:r>
+            <a:endParaRPr lang="en-US" altLang="ko-KR" b="1" dirty="0">
+              <a:solidFill>
+                <a:srgbClr val="FF0000"/>
+              </a:solidFill>
+            </a:endParaRPr>
+          </a:p>
+        </p:txBody>
+      </p:sp>
+    </p:spTree>
+    <p:extLst>
+      <p:ext uri="{BB962C8B-B14F-4D97-AF65-F5344CB8AC3E}">
+        <p14:creationId xmlns:p14="http://schemas.microsoft.com/office/powerpoint/2010/main" val="4257356289"/>
+      </p:ext>
+    </p:extLst>
+  </p:cSld>
+  <p:clrMapOvr>
+    <a:masterClrMapping/>
+  </p:clrMapOvr>
+</p:sld>
+</file>
+
+<file path=ppt/slides/slide25.xml><?xml version="1.0" encoding="utf-8"?>
+<p:sld xmlns:a="http://schemas.openxmlformats.org/drawingml/2006/main" xmlns:r="http://schemas.openxmlformats.org/officeDocument/2006/relationships" xmlns:p="http://schemas.openxmlformats.org/presentationml/2006/main">
+  <p:cSld>
+    <p:spTree>
+      <p:nvGrpSpPr>
+        <p:cNvPr id="1" name=""/>
+        <p:cNvGrpSpPr/>
+        <p:nvPr/>
+      </p:nvGrpSpPr>
+      <p:grpSpPr>
+        <a:xfrm>
+          <a:off x="0" y="0"/>
+          <a:ext cx="0" cy="0"/>
+          <a:chOff x="0" y="0"/>
+          <a:chExt cx="0" cy="0"/>
+        </a:xfrm>
+      </p:grpSpPr>
+      <p:sp>
+        <p:nvSpPr>
+          <p:cNvPr id="2" name="제목 1"/>
+          <p:cNvSpPr>
+            <a:spLocks noGrp="1"/>
+          </p:cNvSpPr>
+          <p:nvPr>
+            <p:ph type="title"/>
+          </p:nvPr>
+        </p:nvSpPr>
+        <p:spPr/>
+        <p:txBody>
+          <a:bodyPr/>
+          <a:lstStyle/>
+          <a:p>
+            <a:r>
+              <a:rPr lang="en-US" altLang="ko-KR" dirty="0" smtClean="0"/>
+              <a:t>DDPG</a:t>
+            </a:r>
+            <a:r>
+              <a:rPr lang="ko-KR" altLang="en-US" dirty="0" smtClean="0"/>
+              <a:t> </a:t>
+            </a:r>
+            <a:r>
+              <a:rPr lang="en-US" altLang="ko-KR" dirty="0" smtClean="0"/>
+              <a:t>9</a:t>
+            </a:r>
+            <a:r>
+              <a:rPr lang="ko-KR" altLang="en-US" dirty="0" smtClean="0"/>
+              <a:t>  </a:t>
+            </a:r>
+            <a:endParaRPr lang="ko-KR" altLang="en-US" dirty="0"/>
+          </a:p>
+        </p:txBody>
+      </p:sp>
+      <p:sp>
+        <p:nvSpPr>
+          <p:cNvPr id="4" name="TextBox 3"/>
+          <p:cNvSpPr txBox="1"/>
+          <p:nvPr/>
+        </p:nvSpPr>
+        <p:spPr>
+          <a:xfrm>
+            <a:off x="838200" y="1484771"/>
             <a:ext cx="11000874" cy="2308324"/>
           </a:xfrm>
           <a:prstGeom prst="rect">
@@ -11718,7 +12134,7 @@
 </p:sld>
 </file>
 
-<file path=ppt/slides/slide25.xml><?xml version="1.0" encoding="utf-8"?>
+<file path=ppt/slides/slide26.xml><?xml version="1.0" encoding="utf-8"?>
 <p:sld xmlns:a="http://schemas.openxmlformats.org/drawingml/2006/main" xmlns:r="http://schemas.openxmlformats.org/officeDocument/2006/relationships" xmlns:p="http://schemas.openxmlformats.org/presentationml/2006/main">
   <p:cSld>
     <p:spTree>

--- a/실험정리.pptx
+++ b/실험정리.pptx
@@ -4478,7 +4478,7 @@
         <p:spPr>
           <a:xfrm>
             <a:off x="838200" y="1459832"/>
-            <a:ext cx="11000874" cy="3693319"/>
+            <a:ext cx="11000874" cy="4247317"/>
           </a:xfrm>
           <a:prstGeom prst="rect">
             <a:avLst/>
@@ -4706,16 +4706,12 @@
               <a:t>, </a:t>
             </a:r>
             <a:r>
-              <a:rPr lang="en-US" altLang="ko-KR" dirty="0" err="1">
-                <a:solidFill>
-                  <a:srgbClr val="FF0000"/>
-                </a:solidFill>
-              </a:rPr>
-              <a:t>sp</a:t>
+              <a:rPr lang="en-US" altLang="ko-KR" dirty="0" smtClean="0"/>
+              <a:t>SOC</a:t>
             </a:r>
             <a:r>
               <a:rPr lang="en-US" altLang="ko-KR" dirty="0"/>
-              <a:t>, SOC, </a:t>
+              <a:t>, </a:t>
             </a:r>
             <a:r>
               <a:rPr lang="en-US" altLang="ko-KR" dirty="0" err="1"/>
@@ -4730,9 +4726,130 @@
               <a:t>j_max</a:t>
             </a:r>
             <a:r>
-              <a:rPr lang="en-US" altLang="ko-KR" dirty="0"/>
+              <a:rPr lang="en-US" altLang="ko-KR" dirty="0" smtClean="0"/>
               <a:t>]</a:t>
             </a:r>
+          </a:p>
+          <a:p>
+            <a:pPr marL="742950" lvl="1" indent="-285750">
+              <a:buFontTx/>
+              <a:buChar char="-"/>
+            </a:pPr>
+            <a:r>
+              <a:rPr lang="en-US" altLang="ko-KR" dirty="0" smtClean="0">
+                <a:solidFill>
+                  <a:srgbClr val="FF0000"/>
+                </a:solidFill>
+              </a:rPr>
+              <a:t>Normalization</a:t>
+            </a:r>
+            <a:r>
+              <a:rPr lang="ko-KR" altLang="en-US" dirty="0" smtClean="0">
+                <a:solidFill>
+                  <a:srgbClr val="FF0000"/>
+                </a:solidFill>
+              </a:rPr>
+              <a:t>을 적용할 경우</a:t>
+            </a:r>
+            <a:r>
+              <a:rPr lang="en-US" altLang="ko-KR" dirty="0" smtClean="0">
+                <a:solidFill>
+                  <a:srgbClr val="FF0000"/>
+                </a:solidFill>
+              </a:rPr>
+              <a:t>, </a:t>
+            </a:r>
+            <a:r>
+              <a:rPr lang="ko-KR" altLang="en-US" dirty="0" smtClean="0">
+                <a:solidFill>
+                  <a:srgbClr val="FF0000"/>
+                </a:solidFill>
+              </a:rPr>
+              <a:t>학습이 </a:t>
+            </a:r>
+            <a:r>
+              <a:rPr lang="ko-KR" altLang="en-US" dirty="0" err="1" smtClean="0">
+                <a:solidFill>
+                  <a:srgbClr val="FF0000"/>
+                </a:solidFill>
+              </a:rPr>
+              <a:t>불안정해짐</a:t>
+            </a:r>
+            <a:r>
+              <a:rPr lang="ko-KR" altLang="en-US" dirty="0" smtClean="0">
+                <a:solidFill>
+                  <a:srgbClr val="FF0000"/>
+                </a:solidFill>
+              </a:rPr>
+              <a:t> </a:t>
+            </a:r>
+            <a:r>
+              <a:rPr lang="en-US" altLang="ko-KR" dirty="0" smtClean="0">
+                <a:solidFill>
+                  <a:srgbClr val="FF0000"/>
+                </a:solidFill>
+              </a:rPr>
+              <a:t>… </a:t>
+            </a:r>
+          </a:p>
+          <a:p>
+            <a:pPr marL="742950" lvl="1" indent="-285750">
+              <a:buFontTx/>
+              <a:buChar char="-"/>
+            </a:pPr>
+            <a:r>
+              <a:rPr lang="ko-KR" altLang="en-US" dirty="0" smtClean="0">
+                <a:solidFill>
+                  <a:srgbClr val="FF0000"/>
+                </a:solidFill>
+              </a:rPr>
+              <a:t>원인을 파악할 필요가 있음 </a:t>
+            </a:r>
+            <a:r>
+              <a:rPr lang="en-US" altLang="ko-KR" dirty="0" smtClean="0">
+                <a:solidFill>
+                  <a:srgbClr val="FF0000"/>
+                </a:solidFill>
+              </a:rPr>
+              <a:t>(</a:t>
+            </a:r>
+            <a:r>
+              <a:rPr lang="en-US" altLang="ko-KR" dirty="0" smtClean="0">
+                <a:solidFill>
+                  <a:srgbClr val="FF0000"/>
+                </a:solidFill>
+              </a:rPr>
+              <a:t>reference model</a:t>
+            </a:r>
+            <a:r>
+              <a:rPr lang="ko-KR" altLang="en-US" dirty="0" smtClean="0">
+                <a:solidFill>
+                  <a:srgbClr val="FF0000"/>
+                </a:solidFill>
+              </a:rPr>
+              <a:t>은 </a:t>
+            </a:r>
+            <a:r>
+              <a:rPr lang="ko-KR" altLang="en-US" dirty="0" err="1" smtClean="0">
+                <a:solidFill>
+                  <a:srgbClr val="FF0000"/>
+                </a:solidFill>
+              </a:rPr>
+              <a:t>안정적임</a:t>
+            </a:r>
+            <a:r>
+              <a:rPr lang="en-US" altLang="ko-KR" dirty="0" smtClean="0">
+                <a:solidFill>
+                  <a:srgbClr val="FF0000"/>
+                </a:solidFill>
+              </a:rPr>
+              <a:t>)</a:t>
+            </a:r>
+            <a:endParaRPr lang="en-US" altLang="ko-KR" dirty="0">
+              <a:solidFill>
+                <a:srgbClr val="FF0000"/>
+              </a:solidFill>
+            </a:endParaRPr>
           </a:p>
           <a:p>
             <a:pPr marL="285750" indent="-285750">
@@ -4762,7 +4879,7 @@
         </p:nvSpPr>
         <p:spPr>
           <a:xfrm>
-            <a:off x="1484639" y="4883716"/>
+            <a:off x="1526203" y="5324290"/>
             <a:ext cx="5657565" cy="369332"/>
           </a:xfrm>
           <a:prstGeom prst="rect">
@@ -14057,7 +14174,7 @@
         <p:spPr>
           <a:xfrm>
             <a:off x="838200" y="1459832"/>
-            <a:ext cx="11000874" cy="3693319"/>
+            <a:ext cx="11000874" cy="4247317"/>
           </a:xfrm>
           <a:prstGeom prst="rect">
             <a:avLst/>
@@ -14314,7 +14431,115 @@
             </a:r>
           </a:p>
           <a:p>
-            <a:pPr marL="285750" indent="-285750">
+            <a:pPr marL="742950" lvl="1" indent="-285750">
+              <a:buFontTx/>
+              <a:buChar char="-"/>
+            </a:pPr>
+            <a:r>
+              <a:rPr lang="en-US" altLang="ko-KR" dirty="0">
+                <a:solidFill>
+                  <a:srgbClr val="FF0000"/>
+                </a:solidFill>
+              </a:rPr>
+              <a:t>Normalization</a:t>
+            </a:r>
+            <a:r>
+              <a:rPr lang="ko-KR" altLang="en-US" dirty="0">
+                <a:solidFill>
+                  <a:srgbClr val="FF0000"/>
+                </a:solidFill>
+              </a:rPr>
+              <a:t>을 적용할 경우</a:t>
+            </a:r>
+            <a:r>
+              <a:rPr lang="en-US" altLang="ko-KR" dirty="0">
+                <a:solidFill>
+                  <a:srgbClr val="FF0000"/>
+                </a:solidFill>
+              </a:rPr>
+              <a:t>, </a:t>
+            </a:r>
+            <a:r>
+              <a:rPr lang="ko-KR" altLang="en-US" dirty="0">
+                <a:solidFill>
+                  <a:srgbClr val="FF0000"/>
+                </a:solidFill>
+              </a:rPr>
+              <a:t>학습이 </a:t>
+            </a:r>
+            <a:r>
+              <a:rPr lang="ko-KR" altLang="en-US" dirty="0" err="1">
+                <a:solidFill>
+                  <a:srgbClr val="FF0000"/>
+                </a:solidFill>
+              </a:rPr>
+              <a:t>불안정해짐</a:t>
+            </a:r>
+            <a:r>
+              <a:rPr lang="ko-KR" altLang="en-US" dirty="0">
+                <a:solidFill>
+                  <a:srgbClr val="FF0000"/>
+                </a:solidFill>
+              </a:rPr>
+              <a:t> </a:t>
+            </a:r>
+            <a:r>
+              <a:rPr lang="en-US" altLang="ko-KR" dirty="0">
+                <a:solidFill>
+                  <a:srgbClr val="FF0000"/>
+                </a:solidFill>
+              </a:rPr>
+              <a:t>… </a:t>
+            </a:r>
+          </a:p>
+          <a:p>
+            <a:pPr marL="742950" lvl="1" indent="-285750">
+              <a:buFontTx/>
+              <a:buChar char="-"/>
+            </a:pPr>
+            <a:r>
+              <a:rPr lang="ko-KR" altLang="en-US" dirty="0">
+                <a:solidFill>
+                  <a:srgbClr val="FF0000"/>
+                </a:solidFill>
+              </a:rPr>
+              <a:t>원인을 파악할 필요가 있음 </a:t>
+            </a:r>
+            <a:r>
+              <a:rPr lang="en-US" altLang="ko-KR" dirty="0">
+                <a:solidFill>
+                  <a:srgbClr val="FF0000"/>
+                </a:solidFill>
+              </a:rPr>
+              <a:t>(reference model</a:t>
+            </a:r>
+            <a:r>
+              <a:rPr lang="ko-KR" altLang="en-US" dirty="0">
+                <a:solidFill>
+                  <a:srgbClr val="FF0000"/>
+                </a:solidFill>
+              </a:rPr>
+              <a:t>은 </a:t>
+            </a:r>
+            <a:r>
+              <a:rPr lang="ko-KR" altLang="en-US" dirty="0" err="1">
+                <a:solidFill>
+                  <a:srgbClr val="FF0000"/>
+                </a:solidFill>
+              </a:rPr>
+              <a:t>안정적임</a:t>
+            </a:r>
+            <a:r>
+              <a:rPr lang="en-US" altLang="ko-KR" dirty="0">
+                <a:solidFill>
+                  <a:srgbClr val="FF0000"/>
+                </a:solidFill>
+              </a:rPr>
+              <a:t>)</a:t>
+            </a:r>
+          </a:p>
+          <a:p>
+            <a:pPr marL="742950" lvl="1" indent="-285750">
               <a:buFontTx/>
               <a:buChar char="-"/>
             </a:pPr>
@@ -14969,7 +15194,19 @@
             </a:pPr>
             <a:r>
               <a:rPr lang="en-US" altLang="ko-KR" dirty="0" smtClean="0"/>
-              <a:t>State:   [</a:t>
+              <a:t>State:   </a:t>
+            </a:r>
+            <a:r>
+              <a:rPr lang="en-US" altLang="ko-KR" dirty="0" smtClean="0"/>
+              <a:t>[</a:t>
+            </a:r>
+            <a:r>
+              <a:rPr lang="en-US" altLang="ko-KR" dirty="0" smtClean="0">
+                <a:solidFill>
+                  <a:srgbClr val="FF0000"/>
+                </a:solidFill>
+              </a:rPr>
+              <a:t>norm(</a:t>
             </a:r>
             <a:r>
               <a:rPr lang="en-US" altLang="ko-KR" dirty="0" err="1" smtClean="0">
@@ -14985,11 +15222,15 @@
                   <a:srgbClr val="FF0000"/>
                 </a:solidFill>
               </a:rPr>
-              <a:t> / 1000</a:t>
-            </a:r>
-            <a:r>
-              <a:rPr lang="en-US" altLang="ko-KR" dirty="0" smtClean="0"/>
-              <a:t>, SOC, </a:t>
+              <a:t>)</a:t>
+            </a:r>
+            <a:r>
+              <a:rPr lang="en-US" altLang="ko-KR" dirty="0" smtClean="0"/>
+              <a:t>, </a:t>
+            </a:r>
+            <a:r>
+              <a:rPr lang="en-US" altLang="ko-KR" dirty="0" smtClean="0"/>
+              <a:t>SOC, </a:t>
             </a:r>
             <a:r>
               <a:rPr lang="en-US" altLang="ko-KR" dirty="0" err="1" smtClean="0"/>
@@ -15102,6 +15343,14 @@
               <a:t>[</a:t>
             </a:r>
             <a:r>
+              <a:rPr lang="en-US" altLang="ko-KR" dirty="0" smtClean="0">
+                <a:solidFill>
+                  <a:srgbClr val="FF0000"/>
+                </a:solidFill>
+              </a:rPr>
+              <a:t>norm(</a:t>
+            </a:r>
+            <a:r>
               <a:rPr lang="en-US" altLang="ko-KR" dirty="0" err="1" smtClean="0">
                 <a:solidFill>
                   <a:srgbClr val="FF0000"/>
@@ -15115,7 +15364,7 @@
                   <a:srgbClr val="FF0000"/>
                 </a:solidFill>
               </a:rPr>
-              <a:t> / 1000</a:t>
+              <a:t>)</a:t>
             </a:r>
             <a:r>
               <a:rPr lang="en-US" altLang="ko-KR" dirty="0" smtClean="0"/>

--- a/실험정리.pptx
+++ b/실험정리.pptx
@@ -12,25 +12,27 @@
     <p:sldId id="298" r:id="rId6"/>
     <p:sldId id="295" r:id="rId7"/>
     <p:sldId id="301" r:id="rId8"/>
-    <p:sldId id="272" r:id="rId9"/>
-    <p:sldId id="279" r:id="rId10"/>
-    <p:sldId id="281" r:id="rId11"/>
-    <p:sldId id="280" r:id="rId12"/>
-    <p:sldId id="284" r:id="rId13"/>
-    <p:sldId id="296" r:id="rId14"/>
-    <p:sldId id="278" r:id="rId15"/>
-    <p:sldId id="283" r:id="rId16"/>
-    <p:sldId id="285" r:id="rId17"/>
-    <p:sldId id="286" r:id="rId18"/>
-    <p:sldId id="287" r:id="rId19"/>
-    <p:sldId id="292" r:id="rId20"/>
-    <p:sldId id="290" r:id="rId21"/>
-    <p:sldId id="293" r:id="rId22"/>
-    <p:sldId id="299" r:id="rId23"/>
-    <p:sldId id="294" r:id="rId24"/>
-    <p:sldId id="302" r:id="rId25"/>
-    <p:sldId id="291" r:id="rId26"/>
-    <p:sldId id="288" r:id="rId27"/>
+    <p:sldId id="304" r:id="rId9"/>
+    <p:sldId id="303" r:id="rId10"/>
+    <p:sldId id="272" r:id="rId11"/>
+    <p:sldId id="279" r:id="rId12"/>
+    <p:sldId id="281" r:id="rId13"/>
+    <p:sldId id="280" r:id="rId14"/>
+    <p:sldId id="284" r:id="rId15"/>
+    <p:sldId id="296" r:id="rId16"/>
+    <p:sldId id="278" r:id="rId17"/>
+    <p:sldId id="283" r:id="rId18"/>
+    <p:sldId id="285" r:id="rId19"/>
+    <p:sldId id="286" r:id="rId20"/>
+    <p:sldId id="287" r:id="rId21"/>
+    <p:sldId id="292" r:id="rId22"/>
+    <p:sldId id="290" r:id="rId23"/>
+    <p:sldId id="293" r:id="rId24"/>
+    <p:sldId id="299" r:id="rId25"/>
+    <p:sldId id="294" r:id="rId26"/>
+    <p:sldId id="302" r:id="rId27"/>
+    <p:sldId id="291" r:id="rId28"/>
+    <p:sldId id="288" r:id="rId29"/>
   </p:sldIdLst>
   <p:sldSz cx="12192000" cy="6858000"/>
   <p:notesSz cx="6858000" cy="9144000"/>
@@ -3072,6 +3074,1074 @@
             </a:r>
             <a:r>
               <a:rPr lang="en-US" altLang="ko-KR" dirty="0" smtClean="0"/>
+              <a:t>1</a:t>
+            </a:r>
+            <a:endParaRPr lang="ko-KR" altLang="en-US" dirty="0"/>
+          </a:p>
+        </p:txBody>
+      </p:sp>
+      <mc:AlternateContent xmlns:mc="http://schemas.openxmlformats.org/markup-compatibility/2006" xmlns:a14="http://schemas.microsoft.com/office/drawing/2010/main">
+        <mc:Choice Requires="a14">
+          <p:sp>
+            <p:nvSpPr>
+              <p:cNvPr id="4" name="TextBox 3"/>
+              <p:cNvSpPr txBox="1"/>
+              <p:nvPr/>
+            </p:nvSpPr>
+            <p:spPr>
+              <a:xfrm>
+                <a:off x="838200" y="1459832"/>
+                <a:ext cx="11000874" cy="3438570"/>
+              </a:xfrm>
+              <a:prstGeom prst="rect">
+                <a:avLst/>
+              </a:prstGeom>
+              <a:noFill/>
+            </p:spPr>
+            <p:txBody>
+              <a:bodyPr wrap="square" rtlCol="0">
+                <a:spAutoFit/>
+              </a:bodyPr>
+              <a:lstStyle/>
+              <a:p>
+                <a:pPr marL="285750" indent="-285750">
+                  <a:buFontTx/>
+                  <a:buChar char="-"/>
+                </a:pPr>
+                <a:r>
+                  <a:rPr lang="en-US" altLang="ko-KR" b="1" dirty="0" smtClean="0"/>
+                  <a:t>State, Action, Reward </a:t>
+                </a:r>
+              </a:p>
+              <a:p>
+                <a:pPr marL="742950" lvl="1" indent="-285750">
+                  <a:buFontTx/>
+                  <a:buChar char="-"/>
+                </a:pPr>
+                <a:r>
+                  <a:rPr lang="en-US" altLang="ko-KR" dirty="0" smtClean="0"/>
+                  <a:t>State:   [</a:t>
+                </a:r>
+                <a:r>
+                  <a:rPr lang="en-US" altLang="ko-KR" dirty="0" err="1" smtClean="0"/>
+                  <a:t>power_out_norm</a:t>
+                </a:r>
+                <a:r>
+                  <a:rPr lang="en-US" altLang="ko-KR" dirty="0" smtClean="0"/>
+                  <a:t>, SOC – 0.6, </a:t>
+                </a:r>
+                <a:r>
+                  <a:rPr lang="en-US" altLang="ko-KR" dirty="0" err="1" smtClean="0"/>
+                  <a:t>j_min</a:t>
+                </a:r>
+                <a:r>
+                  <a:rPr lang="en-US" altLang="ko-KR" dirty="0" smtClean="0"/>
+                  <a:t>, </a:t>
+                </a:r>
+                <a:r>
+                  <a:rPr lang="en-US" altLang="ko-KR" dirty="0" err="1" smtClean="0"/>
+                  <a:t>j_max</a:t>
+                </a:r>
+                <a:r>
+                  <a:rPr lang="en-US" altLang="ko-KR" dirty="0" smtClean="0"/>
+                  <a:t>]</a:t>
+                </a:r>
+              </a:p>
+              <a:p>
+                <a:pPr marL="742950" lvl="1" indent="-285750">
+                  <a:buFontTx/>
+                  <a:buChar char="-"/>
+                </a:pPr>
+                <a:r>
+                  <a:rPr lang="en-US" altLang="ko-KR" dirty="0" smtClean="0"/>
+                  <a:t>Action:  </a:t>
+                </a:r>
+                <a:r>
+                  <a:rPr lang="ko-KR" altLang="en-US" dirty="0" smtClean="0"/>
+                  <a:t>크기 </a:t>
+                </a:r>
+                <a:r>
+                  <a:rPr lang="en-US" altLang="ko-KR" dirty="0" smtClean="0"/>
+                  <a:t>20</a:t>
+                </a:r>
+                <a:r>
+                  <a:rPr lang="ko-KR" altLang="en-US" dirty="0" smtClean="0"/>
+                  <a:t>의 이산화 된 액션 </a:t>
+                </a:r>
+                <a:endParaRPr lang="en-US" altLang="ko-KR" dirty="0" smtClean="0"/>
+              </a:p>
+              <a:p>
+                <a:pPr marL="742950" lvl="1" indent="-285750">
+                  <a:buFontTx/>
+                  <a:buChar char="-"/>
+                </a:pPr>
+                <a:r>
+                  <a:rPr lang="en-US" altLang="ko-KR" dirty="0" smtClean="0"/>
+                  <a:t>Reward: </a:t>
+                </a:r>
+                <a14:m>
+                  <m:oMath xmlns:m="http://schemas.openxmlformats.org/officeDocument/2006/math">
+                    <m:r>
+                      <a:rPr lang="en-US" altLang="ko-KR" b="0" i="0" smtClean="0">
+                        <a:latin typeface="Cambria Math" panose="02040503050406030204" pitchFamily="18" charset="0"/>
+                      </a:rPr>
+                      <m:t>− </m:t>
+                    </m:r>
+                    <m:acc>
+                      <m:accPr>
+                        <m:chr m:val="̇"/>
+                        <m:ctrlPr>
+                          <a:rPr lang="en-US" altLang="ko-KR" i="1" smtClean="0">
+                            <a:latin typeface="Cambria Math" panose="02040503050406030204" pitchFamily="18" charset="0"/>
+                          </a:rPr>
+                        </m:ctrlPr>
+                      </m:accPr>
+                      <m:e>
+                        <m:sSub>
+                          <m:sSubPr>
+                            <m:ctrlPr>
+                              <a:rPr lang="en-US" altLang="ko-KR" b="0" i="1" smtClean="0">
+                                <a:latin typeface="Cambria Math" panose="02040503050406030204" pitchFamily="18" charset="0"/>
+                              </a:rPr>
+                            </m:ctrlPr>
+                          </m:sSubPr>
+                          <m:e>
+                            <m:r>
+                              <a:rPr lang="en-US" altLang="ko-KR" b="0" i="1" smtClean="0">
+                                <a:latin typeface="Cambria Math" panose="02040503050406030204" pitchFamily="18" charset="0"/>
+                              </a:rPr>
+                              <m:t>𝑚</m:t>
+                            </m:r>
+                          </m:e>
+                          <m:sub>
+                            <m:r>
+                              <a:rPr lang="en-US" altLang="ko-KR" b="0" i="1" smtClean="0">
+                                <a:latin typeface="Cambria Math" panose="02040503050406030204" pitchFamily="18" charset="0"/>
+                              </a:rPr>
+                              <m:t>𝑓𝑐</m:t>
+                            </m:r>
+                          </m:sub>
+                        </m:sSub>
+                      </m:e>
+                    </m:acc>
+                    <m:r>
+                      <a:rPr lang="en-US" altLang="ko-KR" b="0" i="1" smtClean="0">
+                        <a:latin typeface="Cambria Math" panose="02040503050406030204" pitchFamily="18" charset="0"/>
+                      </a:rPr>
+                      <m:t> −10</m:t>
+                    </m:r>
+                    <m:r>
+                      <a:rPr lang="en-US" altLang="ko-KR" b="0" i="1" smtClean="0">
+                        <a:latin typeface="Cambria Math" panose="02040503050406030204" pitchFamily="18" charset="0"/>
+                        <a:ea typeface="Cambria Math" panose="02040503050406030204" pitchFamily="18" charset="0"/>
+                      </a:rPr>
+                      <m:t>×</m:t>
+                    </m:r>
+                    <m:d>
+                      <m:dPr>
+                        <m:begChr m:val="|"/>
+                        <m:endChr m:val="|"/>
+                        <m:ctrlPr>
+                          <a:rPr lang="en-US" altLang="ko-KR" b="0" i="1" smtClean="0">
+                            <a:latin typeface="Cambria Math" panose="02040503050406030204" pitchFamily="18" charset="0"/>
+                            <a:ea typeface="Cambria Math" panose="02040503050406030204" pitchFamily="18" charset="0"/>
+                          </a:rPr>
+                        </m:ctrlPr>
+                      </m:dPr>
+                      <m:e>
+                        <m:r>
+                          <a:rPr lang="en-US" altLang="ko-KR" b="0" i="1" smtClean="0">
+                            <a:latin typeface="Cambria Math" panose="02040503050406030204" pitchFamily="18" charset="0"/>
+                            <a:ea typeface="Cambria Math" panose="02040503050406030204" pitchFamily="18" charset="0"/>
+                          </a:rPr>
+                          <m:t>𝑆𝑂𝐶</m:t>
+                        </m:r>
+                        <m:r>
+                          <a:rPr lang="en-US" altLang="ko-KR" b="0" i="1" smtClean="0">
+                            <a:latin typeface="Cambria Math" panose="02040503050406030204" pitchFamily="18" charset="0"/>
+                            <a:ea typeface="Cambria Math" panose="02040503050406030204" pitchFamily="18" charset="0"/>
+                          </a:rPr>
+                          <m:t>−0.6</m:t>
+                        </m:r>
+                      </m:e>
+                    </m:d>
+                    <m:r>
+                      <a:rPr lang="en-US" altLang="ko-KR" b="0" i="1" smtClean="0">
+                        <a:latin typeface="Cambria Math" panose="02040503050406030204" pitchFamily="18" charset="0"/>
+                      </a:rPr>
+                      <m:t> </m:t>
+                    </m:r>
+                  </m:oMath>
+                </a14:m>
+                <a:endParaRPr lang="en-US" altLang="ko-KR" dirty="0" smtClean="0"/>
+              </a:p>
+              <a:p>
+                <a:pPr marL="285750" indent="-285750">
+                  <a:buFontTx/>
+                  <a:buChar char="-"/>
+                </a:pPr>
+                <a:endParaRPr lang="en-US" altLang="ko-KR" dirty="0" smtClean="0"/>
+              </a:p>
+              <a:p>
+                <a:pPr marL="285750" indent="-285750">
+                  <a:buFontTx/>
+                  <a:buChar char="-"/>
+                </a:pPr>
+                <a:r>
+                  <a:rPr lang="ko-KR" altLang="en-US" b="1" dirty="0" smtClean="0"/>
+                  <a:t>네트워크 구조</a:t>
+                </a:r>
+                <a:r>
+                  <a:rPr lang="en-US" altLang="ko-KR" b="1" dirty="0" smtClean="0"/>
+                  <a:t>: </a:t>
+                </a:r>
+              </a:p>
+              <a:p>
+                <a:pPr marL="742950" lvl="1" indent="-285750">
+                  <a:buFontTx/>
+                  <a:buChar char="-"/>
+                </a:pPr>
+                <a:r>
+                  <a:rPr lang="en-US" altLang="ko-KR" b="1" dirty="0" smtClean="0"/>
+                  <a:t>Main, Target: </a:t>
+                </a:r>
+              </a:p>
+              <a:p>
+                <a:pPr marL="1200150" lvl="2" indent="-285750">
+                  <a:buFontTx/>
+                  <a:buChar char="-"/>
+                </a:pPr>
+                <a:r>
+                  <a:rPr lang="en-US" altLang="ko-KR" dirty="0" smtClean="0"/>
+                  <a:t>Input(4) </a:t>
+                </a:r>
+              </a:p>
+              <a:p>
+                <a:pPr marL="1200150" lvl="2" indent="-285750">
+                  <a:buFontTx/>
+                  <a:buChar char="-"/>
+                </a:pPr>
+                <a:r>
+                  <a:rPr lang="en-US" altLang="ko-KR" dirty="0" smtClean="0"/>
+                  <a:t>Dense(30, activation=“</a:t>
+                </a:r>
+                <a:r>
+                  <a:rPr lang="en-US" altLang="ko-KR" dirty="0" err="1" smtClean="0"/>
+                  <a:t>relu</a:t>
+                </a:r>
+                <a:r>
+                  <a:rPr lang="en-US" altLang="ko-KR" dirty="0" smtClean="0"/>
+                  <a:t>”)</a:t>
+                </a:r>
+              </a:p>
+              <a:p>
+                <a:pPr marL="1200150" lvl="2" indent="-285750">
+                  <a:buFontTx/>
+                  <a:buChar char="-"/>
+                </a:pPr>
+                <a:r>
+                  <a:rPr lang="en-US" altLang="ko-KR" dirty="0" smtClean="0"/>
+                  <a:t>Dense(30, activation=“</a:t>
+                </a:r>
+                <a:r>
+                  <a:rPr lang="en-US" altLang="ko-KR" dirty="0" err="1" smtClean="0"/>
+                  <a:t>relu</a:t>
+                </a:r>
+                <a:r>
+                  <a:rPr lang="en-US" altLang="ko-KR" dirty="0" smtClean="0"/>
+                  <a:t>”)</a:t>
+                </a:r>
+              </a:p>
+              <a:p>
+                <a:pPr marL="1200150" lvl="2" indent="-285750">
+                  <a:buFontTx/>
+                  <a:buChar char="-"/>
+                </a:pPr>
+                <a:r>
+                  <a:rPr lang="en-US" altLang="ko-KR" dirty="0" smtClean="0"/>
+                  <a:t>Output(20)</a:t>
+                </a:r>
+              </a:p>
+              <a:p>
+                <a:pPr lvl="1"/>
+                <a:endParaRPr lang="en-US" altLang="ko-KR" dirty="0" smtClean="0"/>
+              </a:p>
+            </p:txBody>
+          </p:sp>
+        </mc:Choice>
+        <mc:Fallback xmlns="">
+          <p:sp>
+            <p:nvSpPr>
+              <p:cNvPr id="4" name="TextBox 3"/>
+              <p:cNvSpPr txBox="1">
+                <a:spLocks noRot="1" noChangeAspect="1" noMove="1" noResize="1" noEditPoints="1" noAdjustHandles="1" noChangeArrowheads="1" noChangeShapeType="1" noTextEdit="1"/>
+              </p:cNvSpPr>
+              <p:nvPr/>
+            </p:nvSpPr>
+            <p:spPr>
+              <a:xfrm>
+                <a:off x="838200" y="1459832"/>
+                <a:ext cx="11000874" cy="3438570"/>
+              </a:xfrm>
+              <a:prstGeom prst="rect">
+                <a:avLst/>
+              </a:prstGeom>
+              <a:blipFill>
+                <a:blip r:embed="rId2"/>
+                <a:stretch>
+                  <a:fillRect l="-610" t="-1593"/>
+                </a:stretch>
+              </a:blipFill>
+            </p:spPr>
+            <p:txBody>
+              <a:bodyPr/>
+              <a:lstStyle/>
+              <a:p>
+                <a:r>
+                  <a:rPr lang="ko-KR" altLang="en-US">
+                    <a:noFill/>
+                  </a:rPr>
+                  <a:t> </a:t>
+                </a:r>
+              </a:p>
+            </p:txBody>
+          </p:sp>
+        </mc:Fallback>
+      </mc:AlternateContent>
+      <p:pic>
+        <p:nvPicPr>
+          <p:cNvPr id="3" name="그림 2"/>
+          <p:cNvPicPr>
+            <a:picLocks noChangeAspect="1"/>
+          </p:cNvPicPr>
+          <p:nvPr/>
+        </p:nvPicPr>
+        <p:blipFill>
+          <a:blip r:embed="rId3"/>
+          <a:stretch>
+            <a:fillRect/>
+          </a:stretch>
+        </p:blipFill>
+        <p:spPr>
+          <a:xfrm>
+            <a:off x="7946967" y="1797422"/>
+            <a:ext cx="3586508" cy="2717247"/>
+          </a:xfrm>
+          <a:prstGeom prst="rect">
+            <a:avLst/>
+          </a:prstGeom>
+        </p:spPr>
+      </p:pic>
+      <p:sp>
+        <p:nvSpPr>
+          <p:cNvPr id="5" name="TextBox 4"/>
+          <p:cNvSpPr txBox="1"/>
+          <p:nvPr/>
+        </p:nvSpPr>
+        <p:spPr>
+          <a:xfrm>
+            <a:off x="8711738" y="4621403"/>
+            <a:ext cx="3017520" cy="369332"/>
+          </a:xfrm>
+          <a:prstGeom prst="rect">
+            <a:avLst/>
+          </a:prstGeom>
+          <a:noFill/>
+        </p:spPr>
+        <p:txBody>
+          <a:bodyPr wrap="square" rtlCol="0">
+            <a:spAutoFit/>
+          </a:bodyPr>
+          <a:lstStyle/>
+          <a:p>
+            <a:r>
+              <a:rPr lang="en-US" altLang="ko-KR" dirty="0" smtClean="0"/>
+              <a:t>&lt;</a:t>
+            </a:r>
+            <a:r>
+              <a:rPr lang="ko-KR" altLang="en-US" dirty="0" err="1" smtClean="0"/>
+              <a:t>하이퍼파라미터</a:t>
+            </a:r>
+            <a:r>
+              <a:rPr lang="en-US" altLang="ko-KR" dirty="0" smtClean="0"/>
+              <a:t>&gt;</a:t>
+            </a:r>
+            <a:r>
+              <a:rPr lang="ko-KR" altLang="en-US" dirty="0" smtClean="0"/>
+              <a:t> </a:t>
+            </a:r>
+            <a:endParaRPr lang="ko-KR" altLang="en-US" dirty="0"/>
+          </a:p>
+        </p:txBody>
+      </p:sp>
+      <p:sp>
+        <p:nvSpPr>
+          <p:cNvPr id="6" name="TextBox 5"/>
+          <p:cNvSpPr txBox="1"/>
+          <p:nvPr/>
+        </p:nvSpPr>
+        <p:spPr>
+          <a:xfrm>
+            <a:off x="5971594" y="5376409"/>
+            <a:ext cx="1897501" cy="461665"/>
+          </a:xfrm>
+          <a:prstGeom prst="rect">
+            <a:avLst/>
+          </a:prstGeom>
+          <a:noFill/>
+        </p:spPr>
+        <p:txBody>
+          <a:bodyPr wrap="square" rtlCol="0">
+            <a:spAutoFit/>
+          </a:bodyPr>
+          <a:lstStyle/>
+          <a:p>
+            <a:r>
+              <a:rPr lang="ko-KR" altLang="en-US" sz="2400" b="1" dirty="0" err="1" smtClean="0">
+                <a:solidFill>
+                  <a:srgbClr val="FF0000"/>
+                </a:solidFill>
+              </a:rPr>
+              <a:t>성공적임</a:t>
+            </a:r>
+            <a:r>
+              <a:rPr lang="ko-KR" altLang="en-US" dirty="0" smtClean="0"/>
+              <a:t> </a:t>
+            </a:r>
+            <a:endParaRPr lang="ko-KR" altLang="en-US" dirty="0"/>
+          </a:p>
+        </p:txBody>
+      </p:sp>
+    </p:spTree>
+    <p:extLst>
+      <p:ext uri="{BB962C8B-B14F-4D97-AF65-F5344CB8AC3E}">
+        <p14:creationId xmlns:p14="http://schemas.microsoft.com/office/powerpoint/2010/main" val="1540073512"/>
+      </p:ext>
+    </p:extLst>
+  </p:cSld>
+  <p:clrMapOvr>
+    <a:masterClrMapping/>
+  </p:clrMapOvr>
+</p:sld>
+</file>
+
+<file path=ppt/slides/slide11.xml><?xml version="1.0" encoding="utf-8"?>
+<p:sld xmlns:a="http://schemas.openxmlformats.org/drawingml/2006/main" xmlns:r="http://schemas.openxmlformats.org/officeDocument/2006/relationships" xmlns:p="http://schemas.openxmlformats.org/presentationml/2006/main">
+  <p:cSld>
+    <p:spTree>
+      <p:nvGrpSpPr>
+        <p:cNvPr id="1" name=""/>
+        <p:cNvGrpSpPr/>
+        <p:nvPr/>
+      </p:nvGrpSpPr>
+      <p:grpSpPr>
+        <a:xfrm>
+          <a:off x="0" y="0"/>
+          <a:ext cx="0" cy="0"/>
+          <a:chOff x="0" y="0"/>
+          <a:chExt cx="0" cy="0"/>
+        </a:xfrm>
+      </p:grpSpPr>
+      <p:sp>
+        <p:nvSpPr>
+          <p:cNvPr id="2" name="제목 1"/>
+          <p:cNvSpPr>
+            <a:spLocks noGrp="1"/>
+          </p:cNvSpPr>
+          <p:nvPr>
+            <p:ph type="title"/>
+          </p:nvPr>
+        </p:nvSpPr>
+        <p:spPr/>
+        <p:txBody>
+          <a:bodyPr/>
+          <a:lstStyle/>
+          <a:p>
+            <a:r>
+              <a:rPr lang="en-US" altLang="ko-KR" dirty="0" smtClean="0"/>
+              <a:t>DDQN</a:t>
+            </a:r>
+            <a:r>
+              <a:rPr lang="ko-KR" altLang="en-US" dirty="0" smtClean="0"/>
+              <a:t> </a:t>
+            </a:r>
+            <a:r>
+              <a:rPr lang="en-US" altLang="ko-KR" dirty="0" smtClean="0"/>
+              <a:t>2</a:t>
+            </a:r>
+            <a:r>
+              <a:rPr lang="ko-KR" altLang="en-US" dirty="0" smtClean="0"/>
+              <a:t>  </a:t>
+            </a:r>
+            <a:endParaRPr lang="ko-KR" altLang="en-US" dirty="0"/>
+          </a:p>
+        </p:txBody>
+      </p:sp>
+      <mc:AlternateContent xmlns:mc="http://schemas.openxmlformats.org/markup-compatibility/2006" xmlns:a14="http://schemas.microsoft.com/office/drawing/2010/main">
+        <mc:Choice Requires="a14">
+          <p:sp>
+            <p:nvSpPr>
+              <p:cNvPr id="4" name="TextBox 3"/>
+              <p:cNvSpPr txBox="1"/>
+              <p:nvPr/>
+            </p:nvSpPr>
+            <p:spPr>
+              <a:xfrm>
+                <a:off x="838200" y="1459832"/>
+                <a:ext cx="11000874" cy="3992568"/>
+              </a:xfrm>
+              <a:prstGeom prst="rect">
+                <a:avLst/>
+              </a:prstGeom>
+              <a:noFill/>
+            </p:spPr>
+            <p:txBody>
+              <a:bodyPr wrap="square" rtlCol="0">
+                <a:spAutoFit/>
+              </a:bodyPr>
+              <a:lstStyle/>
+              <a:p>
+                <a:pPr marL="285750" indent="-285750">
+                  <a:buFontTx/>
+                  <a:buChar char="-"/>
+                </a:pPr>
+                <a:r>
+                  <a:rPr lang="en-US" altLang="ko-KR" b="1" dirty="0" smtClean="0">
+                    <a:solidFill>
+                      <a:srgbClr val="FF0000"/>
+                    </a:solidFill>
+                  </a:rPr>
+                  <a:t>Power</a:t>
+                </a:r>
+                <a:r>
+                  <a:rPr lang="ko-KR" altLang="en-US" b="1" dirty="0" smtClean="0">
+                    <a:solidFill>
+                      <a:srgbClr val="FF0000"/>
+                    </a:solidFill>
+                  </a:rPr>
+                  <a:t>를 </a:t>
+                </a:r>
+                <a:r>
+                  <a:rPr lang="en-US" altLang="ko-KR" b="1" dirty="0" smtClean="0">
+                    <a:solidFill>
+                      <a:srgbClr val="FF0000"/>
+                    </a:solidFill>
+                  </a:rPr>
+                  <a:t>kW </a:t>
+                </a:r>
+                <a:r>
+                  <a:rPr lang="ko-KR" altLang="en-US" b="1" dirty="0" smtClean="0">
+                    <a:solidFill>
+                      <a:srgbClr val="FF0000"/>
+                    </a:solidFill>
+                  </a:rPr>
+                  <a:t>단위로 환산하여 </a:t>
+                </a:r>
+                <a:r>
+                  <a:rPr lang="en-US" altLang="ko-KR" b="1" dirty="0" smtClean="0">
+                    <a:solidFill>
+                      <a:srgbClr val="FF0000"/>
+                    </a:solidFill>
+                  </a:rPr>
+                  <a:t>Feature scaling </a:t>
+                </a:r>
+                <a:r>
+                  <a:rPr lang="ko-KR" altLang="en-US" b="1" dirty="0" smtClean="0">
+                    <a:solidFill>
+                      <a:srgbClr val="FF0000"/>
+                    </a:solidFill>
+                  </a:rPr>
+                  <a:t>수행 </a:t>
+                </a:r>
+                <a:endParaRPr lang="en-US" altLang="ko-KR" b="1" dirty="0" smtClean="0">
+                  <a:solidFill>
+                    <a:srgbClr val="FF0000"/>
+                  </a:solidFill>
+                </a:endParaRPr>
+              </a:p>
+              <a:p>
+                <a:pPr marL="285750" indent="-285750">
+                  <a:buFontTx/>
+                  <a:buChar char="-"/>
+                </a:pPr>
+                <a:endParaRPr lang="en-US" altLang="ko-KR" b="1" dirty="0"/>
+              </a:p>
+              <a:p>
+                <a:pPr marL="285750" indent="-285750">
+                  <a:buFontTx/>
+                  <a:buChar char="-"/>
+                </a:pPr>
+                <a:r>
+                  <a:rPr lang="en-US" altLang="ko-KR" b="1" dirty="0" smtClean="0"/>
+                  <a:t>State, Action, Reward </a:t>
+                </a:r>
+              </a:p>
+              <a:p>
+                <a:pPr marL="742950" lvl="1" indent="-285750">
+                  <a:buFontTx/>
+                  <a:buChar char="-"/>
+                </a:pPr>
+                <a:r>
+                  <a:rPr lang="en-US" altLang="ko-KR" dirty="0" smtClean="0"/>
+                  <a:t>State:   [</a:t>
+                </a:r>
+                <a:r>
+                  <a:rPr lang="en-US" altLang="ko-KR" dirty="0" err="1" smtClean="0">
+                    <a:solidFill>
+                      <a:srgbClr val="FF0000"/>
+                    </a:solidFill>
+                  </a:rPr>
+                  <a:t>power_out</a:t>
+                </a:r>
+                <a:r>
+                  <a:rPr lang="en-US" altLang="ko-KR" dirty="0" smtClean="0">
+                    <a:solidFill>
+                      <a:srgbClr val="FF0000"/>
+                    </a:solidFill>
+                  </a:rPr>
+                  <a:t>/1000</a:t>
+                </a:r>
+                <a:r>
+                  <a:rPr lang="en-US" altLang="ko-KR" dirty="0" smtClean="0"/>
+                  <a:t>, SOC – 0.6, </a:t>
+                </a:r>
+                <a:r>
+                  <a:rPr lang="en-US" altLang="ko-KR" dirty="0" err="1" smtClean="0"/>
+                  <a:t>j_min</a:t>
+                </a:r>
+                <a:r>
+                  <a:rPr lang="en-US" altLang="ko-KR" dirty="0" smtClean="0"/>
+                  <a:t>, </a:t>
+                </a:r>
+                <a:r>
+                  <a:rPr lang="en-US" altLang="ko-KR" dirty="0" err="1" smtClean="0"/>
+                  <a:t>j_max</a:t>
+                </a:r>
+                <a:r>
+                  <a:rPr lang="en-US" altLang="ko-KR" dirty="0" smtClean="0"/>
+                  <a:t>]</a:t>
+                </a:r>
+              </a:p>
+              <a:p>
+                <a:pPr marL="742950" lvl="1" indent="-285750">
+                  <a:buFontTx/>
+                  <a:buChar char="-"/>
+                </a:pPr>
+                <a:r>
+                  <a:rPr lang="en-US" altLang="ko-KR" dirty="0" smtClean="0"/>
+                  <a:t>Action:  </a:t>
+                </a:r>
+                <a:r>
+                  <a:rPr lang="ko-KR" altLang="en-US" dirty="0" smtClean="0"/>
+                  <a:t>크기 </a:t>
+                </a:r>
+                <a:r>
+                  <a:rPr lang="en-US" altLang="ko-KR" dirty="0" smtClean="0"/>
+                  <a:t>20</a:t>
+                </a:r>
+                <a:r>
+                  <a:rPr lang="ko-KR" altLang="en-US" dirty="0" smtClean="0"/>
+                  <a:t>의 이산화 된 액션 </a:t>
+                </a:r>
+                <a:endParaRPr lang="en-US" altLang="ko-KR" dirty="0" smtClean="0"/>
+              </a:p>
+              <a:p>
+                <a:pPr marL="742950" lvl="1" indent="-285750">
+                  <a:buFontTx/>
+                  <a:buChar char="-"/>
+                </a:pPr>
+                <a:r>
+                  <a:rPr lang="en-US" altLang="ko-KR" dirty="0" smtClean="0"/>
+                  <a:t>Reward: </a:t>
+                </a:r>
+                <a14:m>
+                  <m:oMath xmlns:m="http://schemas.openxmlformats.org/officeDocument/2006/math">
+                    <m:r>
+                      <a:rPr lang="en-US" altLang="ko-KR" b="0" i="0" smtClean="0">
+                        <a:latin typeface="Cambria Math" panose="02040503050406030204" pitchFamily="18" charset="0"/>
+                      </a:rPr>
+                      <m:t>− </m:t>
+                    </m:r>
+                    <m:acc>
+                      <m:accPr>
+                        <m:chr m:val="̇"/>
+                        <m:ctrlPr>
+                          <a:rPr lang="en-US" altLang="ko-KR" i="1" smtClean="0">
+                            <a:latin typeface="Cambria Math" panose="02040503050406030204" pitchFamily="18" charset="0"/>
+                          </a:rPr>
+                        </m:ctrlPr>
+                      </m:accPr>
+                      <m:e>
+                        <m:sSub>
+                          <m:sSubPr>
+                            <m:ctrlPr>
+                              <a:rPr lang="en-US" altLang="ko-KR" b="0" i="1" smtClean="0">
+                                <a:latin typeface="Cambria Math" panose="02040503050406030204" pitchFamily="18" charset="0"/>
+                              </a:rPr>
+                            </m:ctrlPr>
+                          </m:sSubPr>
+                          <m:e>
+                            <m:r>
+                              <a:rPr lang="en-US" altLang="ko-KR" b="0" i="1" smtClean="0">
+                                <a:latin typeface="Cambria Math" panose="02040503050406030204" pitchFamily="18" charset="0"/>
+                              </a:rPr>
+                              <m:t>𝑚</m:t>
+                            </m:r>
+                          </m:e>
+                          <m:sub>
+                            <m:r>
+                              <a:rPr lang="en-US" altLang="ko-KR" b="0" i="1" smtClean="0">
+                                <a:latin typeface="Cambria Math" panose="02040503050406030204" pitchFamily="18" charset="0"/>
+                              </a:rPr>
+                              <m:t>𝑓𝑐</m:t>
+                            </m:r>
+                          </m:sub>
+                        </m:sSub>
+                      </m:e>
+                    </m:acc>
+                    <m:r>
+                      <a:rPr lang="en-US" altLang="ko-KR" b="0" i="1" smtClean="0">
+                        <a:latin typeface="Cambria Math" panose="02040503050406030204" pitchFamily="18" charset="0"/>
+                      </a:rPr>
+                      <m:t> −10</m:t>
+                    </m:r>
+                    <m:r>
+                      <a:rPr lang="en-US" altLang="ko-KR" b="0" i="1" smtClean="0">
+                        <a:latin typeface="Cambria Math" panose="02040503050406030204" pitchFamily="18" charset="0"/>
+                        <a:ea typeface="Cambria Math" panose="02040503050406030204" pitchFamily="18" charset="0"/>
+                      </a:rPr>
+                      <m:t>×</m:t>
+                    </m:r>
+                    <m:d>
+                      <m:dPr>
+                        <m:begChr m:val="|"/>
+                        <m:endChr m:val="|"/>
+                        <m:ctrlPr>
+                          <a:rPr lang="en-US" altLang="ko-KR" b="0" i="1" smtClean="0">
+                            <a:latin typeface="Cambria Math" panose="02040503050406030204" pitchFamily="18" charset="0"/>
+                            <a:ea typeface="Cambria Math" panose="02040503050406030204" pitchFamily="18" charset="0"/>
+                          </a:rPr>
+                        </m:ctrlPr>
+                      </m:dPr>
+                      <m:e>
+                        <m:r>
+                          <a:rPr lang="en-US" altLang="ko-KR" b="0" i="1" smtClean="0">
+                            <a:latin typeface="Cambria Math" panose="02040503050406030204" pitchFamily="18" charset="0"/>
+                            <a:ea typeface="Cambria Math" panose="02040503050406030204" pitchFamily="18" charset="0"/>
+                          </a:rPr>
+                          <m:t>𝑆𝑂𝐶</m:t>
+                        </m:r>
+                        <m:r>
+                          <a:rPr lang="en-US" altLang="ko-KR" b="0" i="1" smtClean="0">
+                            <a:latin typeface="Cambria Math" panose="02040503050406030204" pitchFamily="18" charset="0"/>
+                            <a:ea typeface="Cambria Math" panose="02040503050406030204" pitchFamily="18" charset="0"/>
+                          </a:rPr>
+                          <m:t>−0.6</m:t>
+                        </m:r>
+                      </m:e>
+                    </m:d>
+                    <m:r>
+                      <a:rPr lang="en-US" altLang="ko-KR" b="0" i="1" smtClean="0">
+                        <a:latin typeface="Cambria Math" panose="02040503050406030204" pitchFamily="18" charset="0"/>
+                      </a:rPr>
+                      <m:t> </m:t>
+                    </m:r>
+                  </m:oMath>
+                </a14:m>
+                <a:endParaRPr lang="en-US" altLang="ko-KR" dirty="0" smtClean="0"/>
+              </a:p>
+              <a:p>
+                <a:pPr marL="285750" indent="-285750">
+                  <a:buFontTx/>
+                  <a:buChar char="-"/>
+                </a:pPr>
+                <a:endParaRPr lang="en-US" altLang="ko-KR" dirty="0" smtClean="0"/>
+              </a:p>
+              <a:p>
+                <a:pPr marL="285750" indent="-285750">
+                  <a:buFontTx/>
+                  <a:buChar char="-"/>
+                </a:pPr>
+                <a:r>
+                  <a:rPr lang="ko-KR" altLang="en-US" b="1" dirty="0" smtClean="0"/>
+                  <a:t>네트워크 구조</a:t>
+                </a:r>
+                <a:r>
+                  <a:rPr lang="en-US" altLang="ko-KR" b="1" dirty="0" smtClean="0"/>
+                  <a:t>: </a:t>
+                </a:r>
+              </a:p>
+              <a:p>
+                <a:pPr marL="742950" lvl="1" indent="-285750">
+                  <a:buFontTx/>
+                  <a:buChar char="-"/>
+                </a:pPr>
+                <a:r>
+                  <a:rPr lang="en-US" altLang="ko-KR" b="1" dirty="0" smtClean="0"/>
+                  <a:t>Main, Target: </a:t>
+                </a:r>
+              </a:p>
+              <a:p>
+                <a:pPr marL="1200150" lvl="2" indent="-285750">
+                  <a:buFontTx/>
+                  <a:buChar char="-"/>
+                </a:pPr>
+                <a:r>
+                  <a:rPr lang="en-US" altLang="ko-KR" dirty="0" smtClean="0"/>
+                  <a:t>Input(4) </a:t>
+                </a:r>
+              </a:p>
+              <a:p>
+                <a:pPr marL="1200150" lvl="2" indent="-285750">
+                  <a:buFontTx/>
+                  <a:buChar char="-"/>
+                </a:pPr>
+                <a:r>
+                  <a:rPr lang="en-US" altLang="ko-KR" dirty="0" smtClean="0"/>
+                  <a:t>Dense(30, activation=“</a:t>
+                </a:r>
+                <a:r>
+                  <a:rPr lang="en-US" altLang="ko-KR" dirty="0" err="1" smtClean="0"/>
+                  <a:t>relu</a:t>
+                </a:r>
+                <a:r>
+                  <a:rPr lang="en-US" altLang="ko-KR" dirty="0" smtClean="0"/>
+                  <a:t>”)</a:t>
+                </a:r>
+              </a:p>
+              <a:p>
+                <a:pPr marL="1200150" lvl="2" indent="-285750">
+                  <a:buFontTx/>
+                  <a:buChar char="-"/>
+                </a:pPr>
+                <a:r>
+                  <a:rPr lang="en-US" altLang="ko-KR" dirty="0" smtClean="0"/>
+                  <a:t>Dense(30, activation=“</a:t>
+                </a:r>
+                <a:r>
+                  <a:rPr lang="en-US" altLang="ko-KR" dirty="0" err="1" smtClean="0"/>
+                  <a:t>relu</a:t>
+                </a:r>
+                <a:r>
+                  <a:rPr lang="en-US" altLang="ko-KR" dirty="0" smtClean="0"/>
+                  <a:t>”)</a:t>
+                </a:r>
+              </a:p>
+              <a:p>
+                <a:pPr marL="1200150" lvl="2" indent="-285750">
+                  <a:buFontTx/>
+                  <a:buChar char="-"/>
+                </a:pPr>
+                <a:r>
+                  <a:rPr lang="en-US" altLang="ko-KR" dirty="0" smtClean="0"/>
+                  <a:t>Output(20)</a:t>
+                </a:r>
+              </a:p>
+              <a:p>
+                <a:pPr lvl="1"/>
+                <a:endParaRPr lang="en-US" altLang="ko-KR" dirty="0" smtClean="0"/>
+              </a:p>
+            </p:txBody>
+          </p:sp>
+        </mc:Choice>
+        <mc:Fallback xmlns="">
+          <p:sp>
+            <p:nvSpPr>
+              <p:cNvPr id="4" name="TextBox 3"/>
+              <p:cNvSpPr txBox="1">
+                <a:spLocks noRot="1" noChangeAspect="1" noMove="1" noResize="1" noEditPoints="1" noAdjustHandles="1" noChangeArrowheads="1" noChangeShapeType="1" noTextEdit="1"/>
+              </p:cNvSpPr>
+              <p:nvPr/>
+            </p:nvSpPr>
+            <p:spPr>
+              <a:xfrm>
+                <a:off x="838200" y="1459832"/>
+                <a:ext cx="11000874" cy="3992568"/>
+              </a:xfrm>
+              <a:prstGeom prst="rect">
+                <a:avLst/>
+              </a:prstGeom>
+              <a:blipFill>
+                <a:blip r:embed="rId2"/>
+                <a:stretch>
+                  <a:fillRect l="-610" t="-1374"/>
+                </a:stretch>
+              </a:blipFill>
+            </p:spPr>
+            <p:txBody>
+              <a:bodyPr/>
+              <a:lstStyle/>
+              <a:p>
+                <a:r>
+                  <a:rPr lang="ko-KR" altLang="en-US">
+                    <a:noFill/>
+                  </a:rPr>
+                  <a:t> </a:t>
+                </a:r>
+              </a:p>
+            </p:txBody>
+          </p:sp>
+        </mc:Fallback>
+      </mc:AlternateContent>
+      <p:pic>
+        <p:nvPicPr>
+          <p:cNvPr id="3" name="그림 2"/>
+          <p:cNvPicPr>
+            <a:picLocks noChangeAspect="1"/>
+          </p:cNvPicPr>
+          <p:nvPr/>
+        </p:nvPicPr>
+        <p:blipFill>
+          <a:blip r:embed="rId3"/>
+          <a:stretch>
+            <a:fillRect/>
+          </a:stretch>
+        </p:blipFill>
+        <p:spPr>
+          <a:xfrm>
+            <a:off x="7946967" y="1797422"/>
+            <a:ext cx="3586508" cy="2717247"/>
+          </a:xfrm>
+          <a:prstGeom prst="rect">
+            <a:avLst/>
+          </a:prstGeom>
+        </p:spPr>
+      </p:pic>
+      <p:sp>
+        <p:nvSpPr>
+          <p:cNvPr id="5" name="TextBox 4"/>
+          <p:cNvSpPr txBox="1"/>
+          <p:nvPr/>
+        </p:nvSpPr>
+        <p:spPr>
+          <a:xfrm>
+            <a:off x="8711738" y="4621403"/>
+            <a:ext cx="3017520" cy="369332"/>
+          </a:xfrm>
+          <a:prstGeom prst="rect">
+            <a:avLst/>
+          </a:prstGeom>
+          <a:noFill/>
+        </p:spPr>
+        <p:txBody>
+          <a:bodyPr wrap="square" rtlCol="0">
+            <a:spAutoFit/>
+          </a:bodyPr>
+          <a:lstStyle/>
+          <a:p>
+            <a:r>
+              <a:rPr lang="en-US" altLang="ko-KR" dirty="0" smtClean="0"/>
+              <a:t>&lt;</a:t>
+            </a:r>
+            <a:r>
+              <a:rPr lang="ko-KR" altLang="en-US" dirty="0" err="1" smtClean="0"/>
+              <a:t>하이퍼파라미터</a:t>
+            </a:r>
+            <a:r>
+              <a:rPr lang="en-US" altLang="ko-KR" dirty="0" smtClean="0"/>
+              <a:t>&gt;</a:t>
+            </a:r>
+            <a:r>
+              <a:rPr lang="ko-KR" altLang="en-US" dirty="0" smtClean="0"/>
+              <a:t> </a:t>
+            </a:r>
+            <a:endParaRPr lang="ko-KR" altLang="en-US" dirty="0"/>
+          </a:p>
+        </p:txBody>
+      </p:sp>
+      <p:sp>
+        <p:nvSpPr>
+          <p:cNvPr id="6" name="TextBox 5"/>
+          <p:cNvSpPr txBox="1"/>
+          <p:nvPr/>
+        </p:nvSpPr>
+        <p:spPr>
+          <a:xfrm>
+            <a:off x="5971594" y="5376409"/>
+            <a:ext cx="1897501" cy="461665"/>
+          </a:xfrm>
+          <a:prstGeom prst="rect">
+            <a:avLst/>
+          </a:prstGeom>
+          <a:noFill/>
+        </p:spPr>
+        <p:txBody>
+          <a:bodyPr wrap="square" rtlCol="0">
+            <a:spAutoFit/>
+          </a:bodyPr>
+          <a:lstStyle/>
+          <a:p>
+            <a:r>
+              <a:rPr lang="ko-KR" altLang="en-US" sz="2400" b="1" dirty="0" err="1" smtClean="0">
+                <a:solidFill>
+                  <a:srgbClr val="FF0000"/>
+                </a:solidFill>
+              </a:rPr>
+              <a:t>성공적임</a:t>
+            </a:r>
+            <a:r>
+              <a:rPr lang="ko-KR" altLang="en-US" dirty="0" smtClean="0"/>
+              <a:t> </a:t>
+            </a:r>
+            <a:endParaRPr lang="ko-KR" altLang="en-US" dirty="0"/>
+          </a:p>
+        </p:txBody>
+      </p:sp>
+    </p:spTree>
+    <p:extLst>
+      <p:ext uri="{BB962C8B-B14F-4D97-AF65-F5344CB8AC3E}">
+        <p14:creationId xmlns:p14="http://schemas.microsoft.com/office/powerpoint/2010/main" val="2443828431"/>
+      </p:ext>
+    </p:extLst>
+  </p:cSld>
+  <p:clrMapOvr>
+    <a:masterClrMapping/>
+  </p:clrMapOvr>
+</p:sld>
+</file>
+
+<file path=ppt/slides/slide12.xml><?xml version="1.0" encoding="utf-8"?>
+<p:sld xmlns:a="http://schemas.openxmlformats.org/drawingml/2006/main" xmlns:r="http://schemas.openxmlformats.org/officeDocument/2006/relationships" xmlns:p="http://schemas.openxmlformats.org/presentationml/2006/main">
+  <p:cSld>
+    <p:spTree>
+      <p:nvGrpSpPr>
+        <p:cNvPr id="1" name=""/>
+        <p:cNvGrpSpPr/>
+        <p:nvPr/>
+      </p:nvGrpSpPr>
+      <p:grpSpPr>
+        <a:xfrm>
+          <a:off x="0" y="0"/>
+          <a:ext cx="0" cy="0"/>
+          <a:chOff x="0" y="0"/>
+          <a:chExt cx="0" cy="0"/>
+        </a:xfrm>
+      </p:grpSpPr>
+      <p:sp>
+        <p:nvSpPr>
+          <p:cNvPr id="2" name="제목 1"/>
+          <p:cNvSpPr>
+            <a:spLocks noGrp="1"/>
+          </p:cNvSpPr>
+          <p:nvPr>
+            <p:ph type="title"/>
+          </p:nvPr>
+        </p:nvSpPr>
+        <p:spPr/>
+        <p:txBody>
+          <a:bodyPr/>
+          <a:lstStyle/>
+          <a:p>
+            <a:r>
+              <a:rPr lang="en-US" altLang="ko-KR" dirty="0" smtClean="0"/>
+              <a:t>DDQN</a:t>
+            </a:r>
+            <a:r>
+              <a:rPr lang="ko-KR" altLang="en-US" dirty="0" smtClean="0"/>
+              <a:t> </a:t>
+            </a:r>
+            <a:r>
+              <a:rPr lang="en-US" altLang="ko-KR" dirty="0" smtClean="0"/>
               <a:t>2 – </a:t>
             </a:r>
             <a:r>
@@ -3229,7 +4299,7 @@
 </p:sld>
 </file>
 
-<file path=ppt/slides/slide11.xml><?xml version="1.0" encoding="utf-8"?>
+<file path=ppt/slides/slide13.xml><?xml version="1.0" encoding="utf-8"?>
 <p:sld xmlns:a="http://schemas.openxmlformats.org/drawingml/2006/main" xmlns:r="http://schemas.openxmlformats.org/officeDocument/2006/relationships" xmlns:p="http://schemas.openxmlformats.org/presentationml/2006/main">
   <p:cSld>
     <p:spTree>
@@ -3775,7 +4845,7 @@
 </p:sld>
 </file>
 
-<file path=ppt/slides/slide12.xml><?xml version="1.0" encoding="utf-8"?>
+<file path=ppt/slides/slide14.xml><?xml version="1.0" encoding="utf-8"?>
 <p:sld xmlns:a="http://schemas.openxmlformats.org/drawingml/2006/main" xmlns:r="http://schemas.openxmlformats.org/officeDocument/2006/relationships" xmlns:p="http://schemas.openxmlformats.org/presentationml/2006/main">
   <p:cSld>
     <p:spTree>
@@ -4413,7 +5483,7 @@
 </p:sld>
 </file>
 
-<file path=ppt/slides/slide13.xml><?xml version="1.0" encoding="utf-8"?>
+<file path=ppt/slides/slide15.xml><?xml version="1.0" encoding="utf-8"?>
 <p:sld xmlns:a="http://schemas.openxmlformats.org/drawingml/2006/main" xmlns:r="http://schemas.openxmlformats.org/officeDocument/2006/relationships" xmlns:p="http://schemas.openxmlformats.org/presentationml/2006/main">
   <p:cSld>
     <p:spTree>
@@ -4930,7 +6000,7 @@
 </p:sld>
 </file>
 
-<file path=ppt/slides/slide14.xml><?xml version="1.0" encoding="utf-8"?>
+<file path=ppt/slides/slide16.xml><?xml version="1.0" encoding="utf-8"?>
 <p:sld xmlns:a="http://schemas.openxmlformats.org/drawingml/2006/main" xmlns:r="http://schemas.openxmlformats.org/officeDocument/2006/relationships" xmlns:p="http://schemas.openxmlformats.org/presentationml/2006/main">
   <p:cSld>
     <p:spTree>
@@ -5584,7 +6654,7 @@
 </p:sld>
 </file>
 
-<file path=ppt/slides/slide15.xml><?xml version="1.0" encoding="utf-8"?>
+<file path=ppt/slides/slide17.xml><?xml version="1.0" encoding="utf-8"?>
 <p:sld xmlns:a="http://schemas.openxmlformats.org/drawingml/2006/main" xmlns:r="http://schemas.openxmlformats.org/officeDocument/2006/relationships" xmlns:p="http://schemas.openxmlformats.org/presentationml/2006/main">
   <p:cSld>
     <p:spTree>
@@ -6366,7 +7436,7 @@
 </p:sld>
 </file>
 
-<file path=ppt/slides/slide16.xml><?xml version="1.0" encoding="utf-8"?>
+<file path=ppt/slides/slide18.xml><?xml version="1.0" encoding="utf-8"?>
 <p:sld xmlns:a="http://schemas.openxmlformats.org/drawingml/2006/main" xmlns:r="http://schemas.openxmlformats.org/officeDocument/2006/relationships" xmlns:p="http://schemas.openxmlformats.org/presentationml/2006/main">
   <p:cSld>
     <p:spTree>
@@ -7052,7 +8122,7 @@
 </p:sld>
 </file>
 
-<file path=ppt/slides/slide17.xml><?xml version="1.0" encoding="utf-8"?>
+<file path=ppt/slides/slide19.xml><?xml version="1.0" encoding="utf-8"?>
 <p:sld xmlns:a="http://schemas.openxmlformats.org/drawingml/2006/main" xmlns:r="http://schemas.openxmlformats.org/officeDocument/2006/relationships" xmlns:p="http://schemas.openxmlformats.org/presentationml/2006/main">
   <p:cSld>
     <p:spTree>
@@ -7297,1206 +8367,6 @@
 </p:sld>
 </file>
 
-<file path=ppt/slides/slide18.xml><?xml version="1.0" encoding="utf-8"?>
-<p:sld xmlns:a="http://schemas.openxmlformats.org/drawingml/2006/main" xmlns:r="http://schemas.openxmlformats.org/officeDocument/2006/relationships" xmlns:p="http://schemas.openxmlformats.org/presentationml/2006/main">
-  <p:cSld>
-    <p:spTree>
-      <p:nvGrpSpPr>
-        <p:cNvPr id="1" name=""/>
-        <p:cNvGrpSpPr/>
-        <p:nvPr/>
-      </p:nvGrpSpPr>
-      <p:grpSpPr>
-        <a:xfrm>
-          <a:off x="0" y="0"/>
-          <a:ext cx="0" cy="0"/>
-          <a:chOff x="0" y="0"/>
-          <a:chExt cx="0" cy="0"/>
-        </a:xfrm>
-      </p:grpSpPr>
-      <p:sp>
-        <p:nvSpPr>
-          <p:cNvPr id="2" name="제목 1"/>
-          <p:cNvSpPr>
-            <a:spLocks noGrp="1"/>
-          </p:cNvSpPr>
-          <p:nvPr>
-            <p:ph type="title"/>
-          </p:nvPr>
-        </p:nvSpPr>
-        <p:spPr/>
-        <p:txBody>
-          <a:bodyPr/>
-          <a:lstStyle/>
-          <a:p>
-            <a:r>
-              <a:rPr lang="en-US" altLang="ko-KR" dirty="0" smtClean="0"/>
-              <a:t>DDPG</a:t>
-            </a:r>
-            <a:r>
-              <a:rPr lang="ko-KR" altLang="en-US" dirty="0" smtClean="0"/>
-              <a:t> </a:t>
-            </a:r>
-            <a:r>
-              <a:rPr lang="en-US" altLang="ko-KR" dirty="0"/>
-              <a:t>5</a:t>
-            </a:r>
-            <a:r>
-              <a:rPr lang="ko-KR" altLang="en-US" dirty="0" smtClean="0"/>
-              <a:t>  </a:t>
-            </a:r>
-            <a:endParaRPr lang="ko-KR" altLang="en-US" dirty="0"/>
-          </a:p>
-        </p:txBody>
-      </p:sp>
-      <p:sp>
-        <p:nvSpPr>
-          <p:cNvPr id="4" name="TextBox 3"/>
-          <p:cNvSpPr txBox="1"/>
-          <p:nvPr/>
-        </p:nvSpPr>
-        <p:spPr>
-          <a:xfrm>
-            <a:off x="838200" y="1484771"/>
-            <a:ext cx="11000874" cy="5078313"/>
-          </a:xfrm>
-          <a:prstGeom prst="rect">
-            <a:avLst/>
-          </a:prstGeom>
-          <a:noFill/>
-        </p:spPr>
-        <p:txBody>
-          <a:bodyPr wrap="square" rtlCol="0">
-            <a:spAutoFit/>
-          </a:bodyPr>
-          <a:lstStyle/>
-          <a:p>
-            <a:pPr marL="285750" indent="-285750">
-              <a:buFontTx/>
-              <a:buChar char="-"/>
-            </a:pPr>
-            <a:r>
-              <a:rPr lang="en-US" altLang="ko-KR" b="1" dirty="0" smtClean="0">
-                <a:solidFill>
-                  <a:srgbClr val="FF0000"/>
-                </a:solidFill>
-              </a:rPr>
-              <a:t>Replay memory</a:t>
-            </a:r>
-            <a:r>
-              <a:rPr lang="ko-KR" altLang="en-US" b="1" dirty="0" smtClean="0">
-                <a:solidFill>
-                  <a:srgbClr val="FF0000"/>
-                </a:solidFill>
-              </a:rPr>
-              <a:t>에서 </a:t>
-            </a:r>
-            <a:r>
-              <a:rPr lang="en-US" altLang="ko-KR" b="1" dirty="0" smtClean="0">
-                <a:solidFill>
-                  <a:srgbClr val="FF0000"/>
-                </a:solidFill>
-              </a:rPr>
-              <a:t>experiments</a:t>
-            </a:r>
-            <a:r>
-              <a:rPr lang="ko-KR" altLang="en-US" b="1" dirty="0" smtClean="0">
-                <a:solidFill>
-                  <a:srgbClr val="FF0000"/>
-                </a:solidFill>
-              </a:rPr>
-              <a:t>를 </a:t>
-            </a:r>
-            <a:r>
-              <a:rPr lang="en-US" altLang="ko-KR" b="1" dirty="0" smtClean="0">
-                <a:solidFill>
-                  <a:srgbClr val="FF0000"/>
-                </a:solidFill>
-              </a:rPr>
-              <a:t>normalization</a:t>
-            </a:r>
-            <a:r>
-              <a:rPr lang="ko-KR" altLang="en-US" b="1" dirty="0" smtClean="0">
-                <a:solidFill>
-                  <a:srgbClr val="FF0000"/>
-                </a:solidFill>
-              </a:rPr>
-              <a:t>하는 방식을 활용하기 </a:t>
-            </a:r>
-            <a:endParaRPr lang="en-US" altLang="ko-KR" b="1" dirty="0" smtClean="0">
-              <a:solidFill>
-                <a:srgbClr val="FF0000"/>
-              </a:solidFill>
-            </a:endParaRPr>
-          </a:p>
-          <a:p>
-            <a:pPr marL="285750" indent="-285750">
-              <a:buFontTx/>
-              <a:buChar char="-"/>
-            </a:pPr>
-            <a:endParaRPr lang="en-US" altLang="ko-KR" b="1" dirty="0"/>
-          </a:p>
-          <a:p>
-            <a:pPr marL="285750" indent="-285750">
-              <a:buFontTx/>
-              <a:buChar char="-"/>
-            </a:pPr>
-            <a:r>
-              <a:rPr lang="en-US" altLang="ko-KR" b="1" dirty="0"/>
-              <a:t>Env1 State:</a:t>
-            </a:r>
-          </a:p>
-          <a:p>
-            <a:pPr marL="742950" lvl="1" indent="-285750">
-              <a:buFontTx/>
-              <a:buChar char="-"/>
-            </a:pPr>
-            <a:r>
-              <a:rPr lang="en-US" altLang="ko-KR" dirty="0"/>
-              <a:t>State:   [</a:t>
-            </a:r>
-            <a:r>
-              <a:rPr lang="en-US" altLang="ko-KR" dirty="0" err="1">
-                <a:solidFill>
-                  <a:srgbClr val="FF0000"/>
-                </a:solidFill>
-              </a:rPr>
-              <a:t>power_out</a:t>
-            </a:r>
-            <a:r>
-              <a:rPr lang="en-US" altLang="ko-KR" dirty="0">
-                <a:solidFill>
-                  <a:srgbClr val="FF0000"/>
-                </a:solidFill>
-              </a:rPr>
-              <a:t>/1000</a:t>
-            </a:r>
-            <a:r>
-              <a:rPr lang="en-US" altLang="ko-KR" dirty="0"/>
-              <a:t>, SOC - 0.6, </a:t>
-            </a:r>
-            <a:r>
-              <a:rPr lang="en-US" altLang="ko-KR" dirty="0" err="1"/>
-              <a:t>j_min</a:t>
-            </a:r>
-            <a:r>
-              <a:rPr lang="en-US" altLang="ko-KR" dirty="0"/>
-              <a:t>, </a:t>
-            </a:r>
-            <a:r>
-              <a:rPr lang="en-US" altLang="ko-KR" dirty="0" err="1"/>
-              <a:t>j_max</a:t>
-            </a:r>
-            <a:r>
-              <a:rPr lang="en-US" altLang="ko-KR" dirty="0" smtClean="0"/>
-              <a:t>]</a:t>
-            </a:r>
-          </a:p>
-          <a:p>
-            <a:pPr marL="742950" lvl="1" indent="-285750">
-              <a:buFontTx/>
-              <a:buChar char="-"/>
-            </a:pPr>
-            <a:r>
-              <a:rPr lang="en-US" altLang="ko-KR" dirty="0" smtClean="0"/>
-              <a:t>Replay memory</a:t>
-            </a:r>
-            <a:r>
-              <a:rPr lang="ko-KR" altLang="en-US" dirty="0" smtClean="0"/>
-              <a:t>에서 </a:t>
-            </a:r>
-            <a:r>
-              <a:rPr lang="en-US" altLang="ko-KR" dirty="0" err="1" smtClean="0"/>
-              <a:t>power_out</a:t>
-            </a:r>
-            <a:r>
-              <a:rPr lang="ko-KR" altLang="en-US" dirty="0" smtClean="0"/>
-              <a:t>에 대해</a:t>
-            </a:r>
-            <a:r>
-              <a:rPr lang="en-US" altLang="ko-KR" dirty="0" smtClean="0"/>
-              <a:t> min-max normalization </a:t>
-            </a:r>
-            <a:r>
-              <a:rPr lang="ko-KR" altLang="en-US" dirty="0" smtClean="0"/>
-              <a:t>적용 </a:t>
-            </a:r>
-            <a:endParaRPr lang="en-US" altLang="ko-KR" dirty="0"/>
-          </a:p>
-          <a:p>
-            <a:pPr marL="742950" lvl="1" indent="-285750">
-              <a:buFontTx/>
-              <a:buChar char="-"/>
-            </a:pPr>
-            <a:r>
-              <a:rPr lang="en-US" altLang="ko-KR" dirty="0" smtClean="0"/>
-              <a:t>[</a:t>
-            </a:r>
-            <a:r>
-              <a:rPr lang="ko-KR" altLang="en-US" dirty="0" smtClean="0"/>
-              <a:t>실패</a:t>
-            </a:r>
-            <a:r>
-              <a:rPr lang="en-US" altLang="ko-KR" dirty="0" smtClean="0"/>
-              <a:t>]</a:t>
-            </a:r>
-            <a:endParaRPr lang="en-US" altLang="ko-KR" dirty="0"/>
-          </a:p>
-          <a:p>
-            <a:pPr marL="285750" indent="-285750">
-              <a:buFontTx/>
-              <a:buChar char="-"/>
-            </a:pPr>
-            <a:r>
-              <a:rPr lang="en-US" altLang="ko-KR" b="1" dirty="0" smtClean="0"/>
-              <a:t>Env2 </a:t>
-            </a:r>
-            <a:r>
-              <a:rPr lang="en-US" altLang="ko-KR" b="1" dirty="0"/>
-              <a:t>State:</a:t>
-            </a:r>
-          </a:p>
-          <a:p>
-            <a:pPr marL="742950" lvl="1" indent="-285750">
-              <a:buFontTx/>
-              <a:buChar char="-"/>
-            </a:pPr>
-            <a:r>
-              <a:rPr lang="en-US" altLang="ko-KR" dirty="0"/>
-              <a:t>State:   [</a:t>
-            </a:r>
-            <a:r>
-              <a:rPr lang="en-US" altLang="ko-KR" dirty="0" err="1">
-                <a:solidFill>
-                  <a:srgbClr val="FF0000"/>
-                </a:solidFill>
-              </a:rPr>
-              <a:t>power_out</a:t>
-            </a:r>
-            <a:r>
-              <a:rPr lang="en-US" altLang="ko-KR" dirty="0">
-                <a:solidFill>
-                  <a:srgbClr val="FF0000"/>
-                </a:solidFill>
-              </a:rPr>
-              <a:t>/1000</a:t>
-            </a:r>
-            <a:r>
-              <a:rPr lang="en-US" altLang="ko-KR" dirty="0"/>
-              <a:t>, SOC - 0.6, </a:t>
-            </a:r>
-            <a:r>
-              <a:rPr lang="en-US" altLang="ko-KR" dirty="0" err="1"/>
-              <a:t>j_min</a:t>
-            </a:r>
-            <a:r>
-              <a:rPr lang="en-US" altLang="ko-KR" dirty="0"/>
-              <a:t>, </a:t>
-            </a:r>
-            <a:r>
-              <a:rPr lang="en-US" altLang="ko-KR" dirty="0" err="1"/>
-              <a:t>j_max</a:t>
-            </a:r>
-            <a:r>
-              <a:rPr lang="en-US" altLang="ko-KR" dirty="0"/>
-              <a:t>]</a:t>
-            </a:r>
-          </a:p>
-          <a:p>
-            <a:pPr marL="742950" lvl="1" indent="-285750">
-              <a:buFontTx/>
-              <a:buChar char="-"/>
-            </a:pPr>
-            <a:r>
-              <a:rPr lang="en-US" altLang="ko-KR" dirty="0"/>
-              <a:t>Replay memory</a:t>
-            </a:r>
-            <a:r>
-              <a:rPr lang="ko-KR" altLang="en-US" dirty="0"/>
-              <a:t>에서 </a:t>
-            </a:r>
-            <a:r>
-              <a:rPr lang="ko-KR" altLang="en-US" dirty="0" smtClean="0"/>
-              <a:t>모든 </a:t>
-            </a:r>
-            <a:r>
-              <a:rPr lang="en-US" altLang="ko-KR" dirty="0" smtClean="0"/>
-              <a:t>Feature</a:t>
-            </a:r>
-            <a:r>
-              <a:rPr lang="ko-KR" altLang="en-US" dirty="0" smtClean="0"/>
-              <a:t>에 </a:t>
-            </a:r>
-            <a:r>
-              <a:rPr lang="ko-KR" altLang="en-US" dirty="0"/>
-              <a:t>대해</a:t>
-            </a:r>
-            <a:r>
-              <a:rPr lang="en-US" altLang="ko-KR" dirty="0"/>
-              <a:t> min-max </a:t>
-            </a:r>
-            <a:r>
-              <a:rPr lang="en-US" altLang="ko-KR" dirty="0" smtClean="0"/>
-              <a:t>normalization </a:t>
-            </a:r>
-            <a:r>
-              <a:rPr lang="ko-KR" altLang="en-US" dirty="0"/>
-              <a:t>적용 </a:t>
-            </a:r>
-            <a:endParaRPr lang="en-US" altLang="ko-KR" dirty="0" smtClean="0"/>
-          </a:p>
-          <a:p>
-            <a:pPr marL="742950" lvl="1" indent="-285750">
-              <a:buFontTx/>
-              <a:buChar char="-"/>
-            </a:pPr>
-            <a:r>
-              <a:rPr lang="en-US" altLang="ko-KR" dirty="0" smtClean="0"/>
-              <a:t>[</a:t>
-            </a:r>
-            <a:r>
-              <a:rPr lang="ko-KR" altLang="en-US" dirty="0" smtClean="0"/>
-              <a:t>실패</a:t>
-            </a:r>
-            <a:r>
-              <a:rPr lang="en-US" altLang="ko-KR" dirty="0" smtClean="0"/>
-              <a:t>]</a:t>
-            </a:r>
-          </a:p>
-          <a:p>
-            <a:pPr marL="285750" indent="-285750">
-              <a:buFontTx/>
-              <a:buChar char="-"/>
-            </a:pPr>
-            <a:r>
-              <a:rPr lang="en-US" altLang="ko-KR" b="1" dirty="0" smtClean="0"/>
-              <a:t>Env3 </a:t>
-            </a:r>
-            <a:r>
-              <a:rPr lang="en-US" altLang="ko-KR" b="1" dirty="0"/>
-              <a:t>State:</a:t>
-            </a:r>
-          </a:p>
-          <a:p>
-            <a:pPr marL="742950" lvl="1" indent="-285750">
-              <a:buFontTx/>
-              <a:buChar char="-"/>
-            </a:pPr>
-            <a:r>
-              <a:rPr lang="en-US" altLang="ko-KR" dirty="0"/>
-              <a:t>State:   </a:t>
-            </a:r>
-            <a:r>
-              <a:rPr lang="en-US" altLang="ko-KR" dirty="0" smtClean="0"/>
-              <a:t>[</a:t>
-            </a:r>
-            <a:r>
-              <a:rPr lang="en-US" altLang="ko-KR" dirty="0" err="1" smtClean="0">
-                <a:solidFill>
-                  <a:srgbClr val="FF0000"/>
-                </a:solidFill>
-              </a:rPr>
-              <a:t>acc</a:t>
-            </a:r>
-            <a:r>
-              <a:rPr lang="en-US" altLang="ko-KR" dirty="0" smtClean="0">
-                <a:solidFill>
-                  <a:srgbClr val="FF0000"/>
-                </a:solidFill>
-              </a:rPr>
-              <a:t>, </a:t>
-            </a:r>
-            <a:r>
-              <a:rPr lang="en-US" altLang="ko-KR" dirty="0" err="1" smtClean="0">
-                <a:solidFill>
-                  <a:srgbClr val="FF0000"/>
-                </a:solidFill>
-              </a:rPr>
-              <a:t>sp_whl</a:t>
-            </a:r>
-            <a:r>
-              <a:rPr lang="en-US" altLang="ko-KR" dirty="0" smtClean="0"/>
-              <a:t>, </a:t>
-            </a:r>
-            <a:r>
-              <a:rPr lang="en-US" altLang="ko-KR" dirty="0"/>
-              <a:t>SOC - 0.6, </a:t>
-            </a:r>
-            <a:r>
-              <a:rPr lang="en-US" altLang="ko-KR" dirty="0" err="1"/>
-              <a:t>j_min</a:t>
-            </a:r>
-            <a:r>
-              <a:rPr lang="en-US" altLang="ko-KR" dirty="0"/>
-              <a:t>, </a:t>
-            </a:r>
-            <a:r>
-              <a:rPr lang="en-US" altLang="ko-KR" dirty="0" err="1"/>
-              <a:t>j_max</a:t>
-            </a:r>
-            <a:r>
-              <a:rPr lang="en-US" altLang="ko-KR" dirty="0"/>
-              <a:t>]</a:t>
-            </a:r>
-          </a:p>
-          <a:p>
-            <a:pPr marL="742950" lvl="1" indent="-285750">
-              <a:buFontTx/>
-              <a:buChar char="-"/>
-            </a:pPr>
-            <a:r>
-              <a:rPr lang="en-US" altLang="ko-KR" dirty="0"/>
-              <a:t>Replay memory</a:t>
-            </a:r>
-            <a:r>
-              <a:rPr lang="ko-KR" altLang="en-US" dirty="0"/>
-              <a:t>에서 </a:t>
-            </a:r>
-            <a:r>
-              <a:rPr lang="en-US" altLang="ko-KR" dirty="0" err="1" smtClean="0"/>
-              <a:t>acc</a:t>
-            </a:r>
-            <a:r>
-              <a:rPr lang="en-US" altLang="ko-KR" dirty="0" smtClean="0"/>
-              <a:t>, </a:t>
-            </a:r>
-            <a:r>
-              <a:rPr lang="en-US" altLang="ko-KR" dirty="0" err="1" smtClean="0"/>
-              <a:t>sp_whl</a:t>
-            </a:r>
-            <a:r>
-              <a:rPr lang="ko-KR" altLang="en-US" dirty="0" smtClean="0"/>
-              <a:t>에 </a:t>
-            </a:r>
-            <a:r>
-              <a:rPr lang="ko-KR" altLang="en-US" dirty="0"/>
-              <a:t>대해</a:t>
-            </a:r>
-            <a:r>
-              <a:rPr lang="en-US" altLang="ko-KR" dirty="0"/>
-              <a:t> min-max </a:t>
-            </a:r>
-            <a:r>
-              <a:rPr lang="en-US" altLang="ko-KR" dirty="0" smtClean="0"/>
-              <a:t>normalization </a:t>
-            </a:r>
-            <a:r>
-              <a:rPr lang="ko-KR" altLang="en-US" dirty="0"/>
-              <a:t>적용 </a:t>
-            </a:r>
-            <a:endParaRPr lang="en-US" altLang="ko-KR" dirty="0"/>
-          </a:p>
-          <a:p>
-            <a:pPr marL="742950" lvl="1" indent="-285750">
-              <a:buFontTx/>
-              <a:buChar char="-"/>
-            </a:pPr>
-            <a:r>
-              <a:rPr lang="en-US" altLang="ko-KR" dirty="0" smtClean="0"/>
-              <a:t>[</a:t>
-            </a:r>
-            <a:r>
-              <a:rPr lang="ko-KR" altLang="en-US" dirty="0" smtClean="0"/>
-              <a:t>실패</a:t>
-            </a:r>
-            <a:r>
-              <a:rPr lang="en-US" altLang="ko-KR" dirty="0" smtClean="0"/>
-              <a:t>]</a:t>
-            </a:r>
-          </a:p>
-          <a:p>
-            <a:pPr marL="285750" indent="-285750">
-              <a:buFontTx/>
-              <a:buChar char="-"/>
-            </a:pPr>
-            <a:r>
-              <a:rPr lang="en-US" altLang="ko-KR" b="1" dirty="0" smtClean="0"/>
-              <a:t>Env4 </a:t>
-            </a:r>
-            <a:r>
-              <a:rPr lang="en-US" altLang="ko-KR" b="1" dirty="0"/>
-              <a:t>State:</a:t>
-            </a:r>
-          </a:p>
-          <a:p>
-            <a:pPr marL="742950" lvl="1" indent="-285750">
-              <a:buFontTx/>
-              <a:buChar char="-"/>
-            </a:pPr>
-            <a:r>
-              <a:rPr lang="en-US" altLang="ko-KR" dirty="0"/>
-              <a:t>State:   </a:t>
-            </a:r>
-            <a:r>
-              <a:rPr lang="en-US" altLang="ko-KR" dirty="0" smtClean="0"/>
-              <a:t>[</a:t>
-            </a:r>
-            <a:r>
-              <a:rPr lang="en-US" altLang="ko-KR" dirty="0" err="1" smtClean="0">
-                <a:solidFill>
-                  <a:srgbClr val="FF0000"/>
-                </a:solidFill>
-              </a:rPr>
-              <a:t>acc</a:t>
-            </a:r>
-            <a:r>
-              <a:rPr lang="en-US" altLang="ko-KR" dirty="0" smtClean="0">
-                <a:solidFill>
-                  <a:srgbClr val="FF0000"/>
-                </a:solidFill>
-              </a:rPr>
-              <a:t>, </a:t>
-            </a:r>
-            <a:r>
-              <a:rPr lang="en-US" altLang="ko-KR" dirty="0" err="1" smtClean="0">
-                <a:solidFill>
-                  <a:srgbClr val="FF0000"/>
-                </a:solidFill>
-              </a:rPr>
-              <a:t>sp_whl</a:t>
-            </a:r>
-            <a:r>
-              <a:rPr lang="en-US" altLang="ko-KR" dirty="0" smtClean="0"/>
-              <a:t>, </a:t>
-            </a:r>
-            <a:r>
-              <a:rPr lang="en-US" altLang="ko-KR" dirty="0"/>
-              <a:t>SOC </a:t>
-            </a:r>
-            <a:r>
-              <a:rPr lang="en-US" altLang="ko-KR" dirty="0" smtClean="0"/>
-              <a:t>– </a:t>
-            </a:r>
-            <a:r>
-              <a:rPr lang="en-US" altLang="ko-KR" dirty="0"/>
-              <a:t>0.6, </a:t>
-            </a:r>
-            <a:r>
-              <a:rPr lang="en-US" altLang="ko-KR" dirty="0" err="1"/>
-              <a:t>j_min</a:t>
-            </a:r>
-            <a:r>
-              <a:rPr lang="en-US" altLang="ko-KR" dirty="0"/>
-              <a:t>, </a:t>
-            </a:r>
-            <a:r>
-              <a:rPr lang="en-US" altLang="ko-KR" dirty="0" err="1"/>
-              <a:t>j_max</a:t>
-            </a:r>
-            <a:r>
-              <a:rPr lang="en-US" altLang="ko-KR" dirty="0"/>
-              <a:t>]</a:t>
-            </a:r>
-          </a:p>
-          <a:p>
-            <a:pPr marL="742950" lvl="1" indent="-285750">
-              <a:buFontTx/>
-              <a:buChar char="-"/>
-            </a:pPr>
-            <a:r>
-              <a:rPr lang="en-US" altLang="ko-KR" dirty="0"/>
-              <a:t>Replay memory</a:t>
-            </a:r>
-            <a:r>
-              <a:rPr lang="ko-KR" altLang="en-US" dirty="0"/>
-              <a:t>에서 모든 </a:t>
-            </a:r>
-            <a:r>
-              <a:rPr lang="en-US" altLang="ko-KR" dirty="0"/>
-              <a:t>Feature</a:t>
-            </a:r>
-            <a:r>
-              <a:rPr lang="ko-KR" altLang="en-US" dirty="0"/>
-              <a:t>에 대해</a:t>
-            </a:r>
-            <a:r>
-              <a:rPr lang="en-US" altLang="ko-KR" dirty="0"/>
-              <a:t> min-max </a:t>
-            </a:r>
-            <a:r>
-              <a:rPr lang="en-US" altLang="ko-KR" dirty="0" smtClean="0"/>
-              <a:t>normalization </a:t>
-            </a:r>
-            <a:r>
-              <a:rPr lang="ko-KR" altLang="en-US" dirty="0"/>
-              <a:t>적용 </a:t>
-            </a:r>
-            <a:endParaRPr lang="en-US" altLang="ko-KR" dirty="0"/>
-          </a:p>
-          <a:p>
-            <a:pPr marL="742950" lvl="1" indent="-285750">
-              <a:buFontTx/>
-              <a:buChar char="-"/>
-            </a:pPr>
-            <a:r>
-              <a:rPr lang="en-US" altLang="ko-KR" dirty="0" smtClean="0"/>
-              <a:t>[</a:t>
-            </a:r>
-            <a:r>
-              <a:rPr lang="ko-KR" altLang="en-US" dirty="0" smtClean="0"/>
-              <a:t>실패</a:t>
-            </a:r>
-            <a:r>
-              <a:rPr lang="en-US" altLang="ko-KR" dirty="0" smtClean="0"/>
-              <a:t>]</a:t>
-            </a:r>
-            <a:endParaRPr lang="en-US" altLang="ko-KR" dirty="0"/>
-          </a:p>
-        </p:txBody>
-      </p:sp>
-      <p:pic>
-        <p:nvPicPr>
-          <p:cNvPr id="3" name="그림 2"/>
-          <p:cNvPicPr>
-            <a:picLocks noChangeAspect="1"/>
-          </p:cNvPicPr>
-          <p:nvPr/>
-        </p:nvPicPr>
-        <p:blipFill>
-          <a:blip r:embed="rId2"/>
-          <a:stretch>
-            <a:fillRect/>
-          </a:stretch>
-        </p:blipFill>
-        <p:spPr>
-          <a:xfrm>
-            <a:off x="9023899" y="1779557"/>
-            <a:ext cx="2947968" cy="2233470"/>
-          </a:xfrm>
-          <a:prstGeom prst="rect">
-            <a:avLst/>
-          </a:prstGeom>
-        </p:spPr>
-      </p:pic>
-      <p:sp>
-        <p:nvSpPr>
-          <p:cNvPr id="5" name="TextBox 4"/>
-          <p:cNvSpPr txBox="1"/>
-          <p:nvPr/>
-        </p:nvSpPr>
-        <p:spPr>
-          <a:xfrm>
-            <a:off x="9376757" y="4122289"/>
-            <a:ext cx="3017520" cy="369332"/>
-          </a:xfrm>
-          <a:prstGeom prst="rect">
-            <a:avLst/>
-          </a:prstGeom>
-          <a:noFill/>
-        </p:spPr>
-        <p:txBody>
-          <a:bodyPr wrap="square" rtlCol="0">
-            <a:spAutoFit/>
-          </a:bodyPr>
-          <a:lstStyle/>
-          <a:p>
-            <a:r>
-              <a:rPr lang="en-US" altLang="ko-KR" dirty="0" smtClean="0"/>
-              <a:t>&lt;</a:t>
-            </a:r>
-            <a:r>
-              <a:rPr lang="ko-KR" altLang="en-US" dirty="0" err="1" smtClean="0"/>
-              <a:t>하이퍼파라미터</a:t>
-            </a:r>
-            <a:r>
-              <a:rPr lang="en-US" altLang="ko-KR" dirty="0" smtClean="0"/>
-              <a:t>&gt;</a:t>
-            </a:r>
-            <a:r>
-              <a:rPr lang="ko-KR" altLang="en-US" dirty="0" smtClean="0"/>
-              <a:t> </a:t>
-            </a:r>
-            <a:endParaRPr lang="ko-KR" altLang="en-US" dirty="0"/>
-          </a:p>
-        </p:txBody>
-      </p:sp>
-      <p:sp>
-        <p:nvSpPr>
-          <p:cNvPr id="6" name="TextBox 5"/>
-          <p:cNvSpPr txBox="1"/>
-          <p:nvPr/>
-        </p:nvSpPr>
-        <p:spPr>
-          <a:xfrm>
-            <a:off x="2543763" y="6488668"/>
-            <a:ext cx="8607145" cy="646331"/>
-          </a:xfrm>
-          <a:prstGeom prst="rect">
-            <a:avLst/>
-          </a:prstGeom>
-          <a:noFill/>
-        </p:spPr>
-        <p:txBody>
-          <a:bodyPr wrap="square" rtlCol="0">
-            <a:spAutoFit/>
-          </a:bodyPr>
-          <a:lstStyle/>
-          <a:p>
-            <a:r>
-              <a:rPr lang="en-US" altLang="ko-KR" b="1" dirty="0" smtClean="0">
-                <a:solidFill>
-                  <a:srgbClr val="FF0000"/>
-                </a:solidFill>
-              </a:rPr>
-              <a:t>Min-max normalization</a:t>
-            </a:r>
-            <a:r>
-              <a:rPr lang="ko-KR" altLang="en-US" b="1" dirty="0" smtClean="0">
-                <a:solidFill>
-                  <a:srgbClr val="FF0000"/>
-                </a:solidFill>
-              </a:rPr>
-              <a:t>은</a:t>
-            </a:r>
-            <a:r>
-              <a:rPr lang="en-US" altLang="ko-KR" b="1" dirty="0" smtClean="0">
-                <a:solidFill>
-                  <a:srgbClr val="FF0000"/>
-                </a:solidFill>
-              </a:rPr>
-              <a:t> feature </a:t>
-            </a:r>
-            <a:r>
-              <a:rPr lang="ko-KR" altLang="en-US" b="1" dirty="0" smtClean="0">
-                <a:solidFill>
-                  <a:srgbClr val="FF0000"/>
-                </a:solidFill>
-              </a:rPr>
-              <a:t>값이 </a:t>
-            </a:r>
-            <a:r>
-              <a:rPr lang="en-US" altLang="ko-KR" b="1" dirty="0" smtClean="0">
-                <a:solidFill>
-                  <a:srgbClr val="FF0000"/>
-                </a:solidFill>
-              </a:rPr>
-              <a:t>[0, 1]</a:t>
-            </a:r>
-            <a:r>
-              <a:rPr lang="ko-KR" altLang="en-US" b="1" dirty="0" smtClean="0">
-                <a:solidFill>
-                  <a:srgbClr val="FF0000"/>
-                </a:solidFill>
-              </a:rPr>
-              <a:t>임</a:t>
-            </a:r>
-            <a:r>
-              <a:rPr lang="en-US" altLang="ko-KR" b="1" dirty="0" smtClean="0">
-                <a:solidFill>
-                  <a:srgbClr val="FF0000"/>
-                </a:solidFill>
-              </a:rPr>
-              <a:t>. Power</a:t>
-            </a:r>
-            <a:r>
-              <a:rPr lang="ko-KR" altLang="en-US" b="1" dirty="0" smtClean="0">
-                <a:solidFill>
-                  <a:srgbClr val="FF0000"/>
-                </a:solidFill>
-              </a:rPr>
-              <a:t>의 부호는 나름의 의미가 있으므로 부호가 표현되어야 함</a:t>
-            </a:r>
-            <a:r>
-              <a:rPr lang="en-US" altLang="ko-KR" b="1" dirty="0" smtClean="0">
-                <a:solidFill>
-                  <a:srgbClr val="FF0000"/>
-                </a:solidFill>
-              </a:rPr>
-              <a:t>. </a:t>
-            </a:r>
-            <a:r>
-              <a:rPr lang="ko-KR" altLang="en-US" b="1" dirty="0" smtClean="0">
-                <a:solidFill>
-                  <a:srgbClr val="FF0000"/>
-                </a:solidFill>
-              </a:rPr>
-              <a:t> </a:t>
-            </a:r>
-            <a:endParaRPr lang="en-US" altLang="ko-KR" b="1" dirty="0">
-              <a:solidFill>
-                <a:srgbClr val="FF0000"/>
-              </a:solidFill>
-            </a:endParaRPr>
-          </a:p>
-        </p:txBody>
-      </p:sp>
-    </p:spTree>
-    <p:extLst>
-      <p:ext uri="{BB962C8B-B14F-4D97-AF65-F5344CB8AC3E}">
-        <p14:creationId xmlns:p14="http://schemas.microsoft.com/office/powerpoint/2010/main" val="884086792"/>
-      </p:ext>
-    </p:extLst>
-  </p:cSld>
-  <p:clrMapOvr>
-    <a:masterClrMapping/>
-  </p:clrMapOvr>
-</p:sld>
-</file>
-
-<file path=ppt/slides/slide19.xml><?xml version="1.0" encoding="utf-8"?>
-<p:sld xmlns:a="http://schemas.openxmlformats.org/drawingml/2006/main" xmlns:r="http://schemas.openxmlformats.org/officeDocument/2006/relationships" xmlns:p="http://schemas.openxmlformats.org/presentationml/2006/main">
-  <p:cSld>
-    <p:spTree>
-      <p:nvGrpSpPr>
-        <p:cNvPr id="1" name=""/>
-        <p:cNvGrpSpPr/>
-        <p:nvPr/>
-      </p:nvGrpSpPr>
-      <p:grpSpPr>
-        <a:xfrm>
-          <a:off x="0" y="0"/>
-          <a:ext cx="0" cy="0"/>
-          <a:chOff x="0" y="0"/>
-          <a:chExt cx="0" cy="0"/>
-        </a:xfrm>
-      </p:grpSpPr>
-      <p:sp>
-        <p:nvSpPr>
-          <p:cNvPr id="2" name="제목 1"/>
-          <p:cNvSpPr>
-            <a:spLocks noGrp="1"/>
-          </p:cNvSpPr>
-          <p:nvPr>
-            <p:ph type="title"/>
-          </p:nvPr>
-        </p:nvSpPr>
-        <p:spPr/>
-        <p:txBody>
-          <a:bodyPr/>
-          <a:lstStyle/>
-          <a:p>
-            <a:r>
-              <a:rPr lang="en-US" altLang="ko-KR" dirty="0" smtClean="0"/>
-              <a:t>DDPG</a:t>
-            </a:r>
-            <a:r>
-              <a:rPr lang="ko-KR" altLang="en-US" dirty="0" smtClean="0"/>
-              <a:t> </a:t>
-            </a:r>
-            <a:r>
-              <a:rPr lang="en-US" altLang="ko-KR" dirty="0" smtClean="0"/>
-              <a:t>5_ver2 </a:t>
-            </a:r>
-            <a:r>
-              <a:rPr lang="ko-KR" altLang="en-US" dirty="0" smtClean="0"/>
-              <a:t>  </a:t>
-            </a:r>
-            <a:endParaRPr lang="ko-KR" altLang="en-US" dirty="0"/>
-          </a:p>
-        </p:txBody>
-      </p:sp>
-      <p:sp>
-        <p:nvSpPr>
-          <p:cNvPr id="4" name="TextBox 3"/>
-          <p:cNvSpPr txBox="1"/>
-          <p:nvPr/>
-        </p:nvSpPr>
-        <p:spPr>
-          <a:xfrm>
-            <a:off x="838200" y="1484771"/>
-            <a:ext cx="11000874" cy="1754326"/>
-          </a:xfrm>
-          <a:prstGeom prst="rect">
-            <a:avLst/>
-          </a:prstGeom>
-          <a:noFill/>
-        </p:spPr>
-        <p:txBody>
-          <a:bodyPr wrap="square" rtlCol="0">
-            <a:spAutoFit/>
-          </a:bodyPr>
-          <a:lstStyle/>
-          <a:p>
-            <a:pPr marL="285750" indent="-285750">
-              <a:buFontTx/>
-              <a:buChar char="-"/>
-            </a:pPr>
-            <a:r>
-              <a:rPr lang="en-US" altLang="ko-KR" b="1" dirty="0" smtClean="0">
-                <a:solidFill>
-                  <a:srgbClr val="FF0000"/>
-                </a:solidFill>
-              </a:rPr>
-              <a:t>Replay memory</a:t>
-            </a:r>
-            <a:r>
-              <a:rPr lang="ko-KR" altLang="en-US" b="1" dirty="0" smtClean="0">
-                <a:solidFill>
-                  <a:srgbClr val="FF0000"/>
-                </a:solidFill>
-              </a:rPr>
-              <a:t>에서 </a:t>
-            </a:r>
-            <a:r>
-              <a:rPr lang="en-US" altLang="ko-KR" b="1" dirty="0" smtClean="0">
-                <a:solidFill>
-                  <a:srgbClr val="FF0000"/>
-                </a:solidFill>
-              </a:rPr>
-              <a:t>experiments</a:t>
-            </a:r>
-            <a:r>
-              <a:rPr lang="ko-KR" altLang="en-US" b="1" dirty="0" smtClean="0">
-                <a:solidFill>
-                  <a:srgbClr val="FF0000"/>
-                </a:solidFill>
-              </a:rPr>
-              <a:t>를 </a:t>
-            </a:r>
-            <a:r>
-              <a:rPr lang="en-US" altLang="ko-KR" b="1" dirty="0" smtClean="0">
-                <a:solidFill>
-                  <a:srgbClr val="FF0000"/>
-                </a:solidFill>
-              </a:rPr>
-              <a:t>normalization</a:t>
-            </a:r>
-            <a:r>
-              <a:rPr lang="ko-KR" altLang="en-US" b="1" dirty="0" smtClean="0">
-                <a:solidFill>
-                  <a:srgbClr val="FF0000"/>
-                </a:solidFill>
-              </a:rPr>
-              <a:t>하는 방식을 활용하기 </a:t>
-            </a:r>
-            <a:endParaRPr lang="en-US" altLang="ko-KR" b="1" dirty="0" smtClean="0">
-              <a:solidFill>
-                <a:srgbClr val="FF0000"/>
-              </a:solidFill>
-            </a:endParaRPr>
-          </a:p>
-          <a:p>
-            <a:pPr marL="285750" indent="-285750">
-              <a:buFontTx/>
-              <a:buChar char="-"/>
-            </a:pPr>
-            <a:endParaRPr lang="en-US" altLang="ko-KR" b="1" dirty="0"/>
-          </a:p>
-          <a:p>
-            <a:pPr marL="285750" indent="-285750">
-              <a:buFontTx/>
-              <a:buChar char="-"/>
-            </a:pPr>
-            <a:r>
-              <a:rPr lang="en-US" altLang="ko-KR" b="1" dirty="0"/>
-              <a:t>Env1 State:</a:t>
-            </a:r>
-          </a:p>
-          <a:p>
-            <a:pPr marL="742950" lvl="1" indent="-285750">
-              <a:buFontTx/>
-              <a:buChar char="-"/>
-            </a:pPr>
-            <a:r>
-              <a:rPr lang="en-US" altLang="ko-KR" dirty="0"/>
-              <a:t>State:   [</a:t>
-            </a:r>
-            <a:r>
-              <a:rPr lang="en-US" altLang="ko-KR" dirty="0" err="1">
-                <a:solidFill>
-                  <a:srgbClr val="FF0000"/>
-                </a:solidFill>
-              </a:rPr>
-              <a:t>power_out</a:t>
-            </a:r>
-            <a:r>
-              <a:rPr lang="en-US" altLang="ko-KR" dirty="0">
-                <a:solidFill>
-                  <a:srgbClr val="FF0000"/>
-                </a:solidFill>
-              </a:rPr>
-              <a:t>/1000</a:t>
-            </a:r>
-            <a:r>
-              <a:rPr lang="en-US" altLang="ko-KR" dirty="0"/>
-              <a:t>, SOC - 0.6, </a:t>
-            </a:r>
-            <a:r>
-              <a:rPr lang="en-US" altLang="ko-KR" dirty="0" err="1"/>
-              <a:t>j_min</a:t>
-            </a:r>
-            <a:r>
-              <a:rPr lang="en-US" altLang="ko-KR" dirty="0"/>
-              <a:t>, </a:t>
-            </a:r>
-            <a:r>
-              <a:rPr lang="en-US" altLang="ko-KR" dirty="0" err="1"/>
-              <a:t>j_max</a:t>
-            </a:r>
-            <a:r>
-              <a:rPr lang="en-US" altLang="ko-KR" dirty="0" smtClean="0"/>
-              <a:t>]</a:t>
-            </a:r>
-          </a:p>
-          <a:p>
-            <a:pPr marL="742950" lvl="1" indent="-285750">
-              <a:buFontTx/>
-              <a:buChar char="-"/>
-            </a:pPr>
-            <a:r>
-              <a:rPr lang="en-US" altLang="ko-KR" dirty="0" err="1" smtClean="0"/>
-              <a:t>power_out</a:t>
-            </a:r>
-            <a:r>
-              <a:rPr lang="ko-KR" altLang="en-US" dirty="0" smtClean="0"/>
-              <a:t>에 대해</a:t>
-            </a:r>
-            <a:r>
-              <a:rPr lang="en-US" altLang="ko-KR" dirty="0" smtClean="0"/>
-              <a:t> min-max normalization_ver2 </a:t>
-            </a:r>
-            <a:r>
-              <a:rPr lang="ko-KR" altLang="en-US" dirty="0" smtClean="0"/>
-              <a:t>적용 </a:t>
-            </a:r>
-            <a:endParaRPr lang="en-US" altLang="ko-KR" dirty="0"/>
-          </a:p>
-          <a:p>
-            <a:pPr marL="742950" lvl="1" indent="-285750">
-              <a:buFontTx/>
-              <a:buChar char="-"/>
-            </a:pPr>
-            <a:r>
-              <a:rPr lang="en-US" altLang="ko-KR" dirty="0" smtClean="0"/>
-              <a:t>[V]</a:t>
-            </a:r>
-            <a:endParaRPr lang="en-US" altLang="ko-KR" dirty="0"/>
-          </a:p>
-        </p:txBody>
-      </p:sp>
-      <p:sp>
-        <p:nvSpPr>
-          <p:cNvPr id="5" name="TextBox 4"/>
-          <p:cNvSpPr txBox="1"/>
-          <p:nvPr/>
-        </p:nvSpPr>
-        <p:spPr>
-          <a:xfrm>
-            <a:off x="9376757" y="4122289"/>
-            <a:ext cx="3017520" cy="369332"/>
-          </a:xfrm>
-          <a:prstGeom prst="rect">
-            <a:avLst/>
-          </a:prstGeom>
-          <a:noFill/>
-        </p:spPr>
-        <p:txBody>
-          <a:bodyPr wrap="square" rtlCol="0">
-            <a:spAutoFit/>
-          </a:bodyPr>
-          <a:lstStyle/>
-          <a:p>
-            <a:r>
-              <a:rPr lang="en-US" altLang="ko-KR" dirty="0" smtClean="0"/>
-              <a:t>&lt;</a:t>
-            </a:r>
-            <a:r>
-              <a:rPr lang="ko-KR" altLang="en-US" dirty="0" err="1" smtClean="0"/>
-              <a:t>하이퍼파라미터</a:t>
-            </a:r>
-            <a:r>
-              <a:rPr lang="en-US" altLang="ko-KR" dirty="0" smtClean="0"/>
-              <a:t>&gt;</a:t>
-            </a:r>
-            <a:r>
-              <a:rPr lang="ko-KR" altLang="en-US" dirty="0" smtClean="0"/>
-              <a:t> </a:t>
-            </a:r>
-            <a:endParaRPr lang="ko-KR" altLang="en-US" dirty="0"/>
-          </a:p>
-        </p:txBody>
-      </p:sp>
-      <p:sp>
-        <p:nvSpPr>
-          <p:cNvPr id="6" name="TextBox 5"/>
-          <p:cNvSpPr txBox="1"/>
-          <p:nvPr/>
-        </p:nvSpPr>
-        <p:spPr>
-          <a:xfrm>
-            <a:off x="1566247" y="4701198"/>
-            <a:ext cx="8607145" cy="369332"/>
-          </a:xfrm>
-          <a:prstGeom prst="rect">
-            <a:avLst/>
-          </a:prstGeom>
-          <a:noFill/>
-        </p:spPr>
-        <p:txBody>
-          <a:bodyPr wrap="square" rtlCol="0">
-            <a:spAutoFit/>
-          </a:bodyPr>
-          <a:lstStyle/>
-          <a:p>
-            <a:r>
-              <a:rPr lang="en-US" altLang="ko-KR" b="1" dirty="0" smtClean="0">
-                <a:solidFill>
-                  <a:srgbClr val="FF0000"/>
-                </a:solidFill>
-              </a:rPr>
-              <a:t>Mean-Standard deviation </a:t>
-            </a:r>
-            <a:r>
-              <a:rPr lang="en-US" altLang="ko-KR" b="1" dirty="0" smtClean="0">
-                <a:solidFill>
-                  <a:srgbClr val="FF0000"/>
-                </a:solidFill>
-              </a:rPr>
-              <a:t>normalization</a:t>
-            </a:r>
-            <a:r>
-              <a:rPr lang="ko-KR" altLang="en-US" b="1" dirty="0" smtClean="0">
-                <a:solidFill>
-                  <a:srgbClr val="FF0000"/>
-                </a:solidFill>
-              </a:rPr>
-              <a:t>보다 효과가 떨어지는 것으로 보임 </a:t>
-            </a:r>
-            <a:endParaRPr lang="en-US" altLang="ko-KR" b="1" dirty="0">
-              <a:solidFill>
-                <a:srgbClr val="FF0000"/>
-              </a:solidFill>
-            </a:endParaRPr>
-          </a:p>
-        </p:txBody>
-      </p:sp>
-      <p:pic>
-        <p:nvPicPr>
-          <p:cNvPr id="7" name="그림 6"/>
-          <p:cNvPicPr>
-            <a:picLocks noChangeAspect="1"/>
-          </p:cNvPicPr>
-          <p:nvPr/>
-        </p:nvPicPr>
-        <p:blipFill>
-          <a:blip r:embed="rId2"/>
-          <a:stretch>
-            <a:fillRect/>
-          </a:stretch>
-        </p:blipFill>
-        <p:spPr>
-          <a:xfrm>
-            <a:off x="9027957" y="929353"/>
-            <a:ext cx="3075374" cy="3071079"/>
-          </a:xfrm>
-          <a:prstGeom prst="rect">
-            <a:avLst/>
-          </a:prstGeom>
-        </p:spPr>
-      </p:pic>
-    </p:spTree>
-    <p:extLst>
-      <p:ext uri="{BB962C8B-B14F-4D97-AF65-F5344CB8AC3E}">
-        <p14:creationId xmlns:p14="http://schemas.microsoft.com/office/powerpoint/2010/main" val="3691464051"/>
-      </p:ext>
-    </p:extLst>
-  </p:cSld>
-  <p:clrMapOvr>
-    <a:masterClrMapping/>
-  </p:clrMapOvr>
-</p:sld>
-</file>
-
 <file path=ppt/slides/slide2.xml><?xml version="1.0" encoding="utf-8"?>
 <p:sld xmlns:a="http://schemas.openxmlformats.org/drawingml/2006/main" xmlns:r="http://schemas.openxmlformats.org/officeDocument/2006/relationships" xmlns:p="http://schemas.openxmlformats.org/presentationml/2006/main">
   <p:cSld>
@@ -8530,14 +8400,26 @@
           <a:lstStyle/>
           <a:p>
             <a:r>
-              <a:rPr lang="en-US" altLang="ko-KR" dirty="0" smtClean="0"/>
+              <a:rPr lang="en-US" altLang="ko-KR" dirty="0" smtClean="0">
+                <a:solidFill>
+                  <a:srgbClr val="FF0000"/>
+                </a:solidFill>
+              </a:rPr>
               <a:t>Feature Scaling</a:t>
             </a:r>
             <a:r>
-              <a:rPr lang="ko-KR" altLang="en-US" dirty="0" smtClean="0"/>
+              <a:rPr lang="ko-KR" altLang="en-US" dirty="0" smtClean="0">
+                <a:solidFill>
+                  <a:srgbClr val="FF0000"/>
+                </a:solidFill>
+              </a:rPr>
               <a:t>의 중요성 </a:t>
             </a:r>
-            <a:endParaRPr lang="ko-KR" altLang="en-US" dirty="0"/>
+            <a:endParaRPr lang="ko-KR" altLang="en-US" dirty="0">
+              <a:solidFill>
+                <a:srgbClr val="FF0000"/>
+              </a:solidFill>
+            </a:endParaRPr>
           </a:p>
         </p:txBody>
       </p:sp>
@@ -9160,42 +9042,22 @@
           <a:lstStyle/>
           <a:p>
             <a:r>
-              <a:rPr lang="en-US" altLang="ko-KR" dirty="0" smtClean="0">
-                <a:solidFill>
-                  <a:srgbClr val="FF0000"/>
-                </a:solidFill>
-              </a:rPr>
+              <a:rPr lang="en-US" altLang="ko-KR" dirty="0" smtClean="0"/>
               <a:t>DDPG</a:t>
             </a:r>
             <a:r>
-              <a:rPr lang="ko-KR" altLang="en-US" dirty="0" smtClean="0">
-                <a:solidFill>
-                  <a:srgbClr val="FF0000"/>
-                </a:solidFill>
-              </a:rPr>
+              <a:rPr lang="ko-KR" altLang="en-US" dirty="0" smtClean="0"/>
               <a:t> </a:t>
             </a:r>
             <a:r>
-              <a:rPr lang="en-US" altLang="ko-KR" dirty="0">
-                <a:solidFill>
-                  <a:srgbClr val="FF0000"/>
-                </a:solidFill>
-              </a:rPr>
-              <a:t>6</a:t>
-            </a:r>
-            <a:r>
-              <a:rPr lang="ko-KR" altLang="en-US" dirty="0" smtClean="0">
-                <a:solidFill>
-                  <a:srgbClr val="FF0000"/>
-                </a:solidFill>
-              </a:rPr>
+              <a:rPr lang="en-US" altLang="ko-KR" dirty="0"/>
+              <a:t>5</a:t>
+            </a:r>
+            <a:r>
+              <a:rPr lang="ko-KR" altLang="en-US" dirty="0" smtClean="0"/>
               <a:t>  </a:t>
             </a:r>
-            <a:endParaRPr lang="ko-KR" altLang="en-US" dirty="0">
-              <a:solidFill>
-                <a:srgbClr val="FF0000"/>
-              </a:solidFill>
-            </a:endParaRPr>
+            <a:endParaRPr lang="ko-KR" altLang="en-US" dirty="0"/>
           </a:p>
         </p:txBody>
       </p:sp>
@@ -9292,11 +9154,7 @@
               <a:buChar char="-"/>
             </a:pPr>
             <a:r>
-              <a:rPr lang="en-US" altLang="ko-KR" b="1" dirty="0">
-                <a:solidFill>
-                  <a:srgbClr val="FF0000"/>
-                </a:solidFill>
-              </a:rPr>
+              <a:rPr lang="en-US" altLang="ko-KR" b="1" dirty="0"/>
               <a:t>Env1 State:</a:t>
             </a:r>
           </a:p>
@@ -9369,37 +9227,13 @@
             </a:r>
             <a:r>
               <a:rPr lang="en-US" altLang="ko-KR" dirty="0" smtClean="0"/>
-              <a:t> </a:t>
-            </a:r>
-            <a:r>
-              <a:rPr lang="en-US" altLang="ko-KR" dirty="0" smtClean="0">
-                <a:solidFill>
-                  <a:srgbClr val="FF0000"/>
-                </a:solidFill>
-              </a:rPr>
-              <a:t>mean-</a:t>
-            </a:r>
-            <a:r>
-              <a:rPr lang="en-US" altLang="ko-KR" dirty="0" err="1" smtClean="0">
-                <a:solidFill>
-                  <a:srgbClr val="FF0000"/>
-                </a:solidFill>
-              </a:rPr>
-              <a:t>std</a:t>
-            </a:r>
-            <a:r>
-              <a:rPr lang="en-US" altLang="ko-KR" dirty="0" smtClean="0">
-                <a:solidFill>
-                  <a:srgbClr val="FF0000"/>
-                </a:solidFill>
-              </a:rPr>
-              <a:t> normalization </a:t>
+              <a:t> min-max normalization </a:t>
             </a:r>
             <a:r>
               <a:rPr lang="ko-KR" altLang="en-US" dirty="0" smtClean="0"/>
               <a:t>적용 </a:t>
             </a:r>
-            <a:endParaRPr lang="en-US" altLang="ko-KR" dirty="0" smtClean="0"/>
+            <a:endParaRPr lang="en-US" altLang="ko-KR" dirty="0"/>
           </a:p>
           <a:p>
             <a:pPr marL="742950" lvl="1" indent="-285750">
@@ -9408,7 +9242,15 @@
             </a:pPr>
             <a:r>
               <a:rPr lang="en-US" altLang="ko-KR" dirty="0" smtClean="0"/>
-              <a:t>[OOX]</a:t>
+              <a:t>[</a:t>
+            </a:r>
+            <a:r>
+              <a:rPr lang="ko-KR" altLang="en-US" dirty="0" smtClean="0"/>
+              <a:t>실패</a:t>
+            </a:r>
+            <a:r>
+              <a:rPr lang="en-US" altLang="ko-KR" dirty="0" smtClean="0"/>
+              <a:t>]</a:t>
             </a:r>
             <a:endParaRPr lang="en-US" altLang="ko-KR" dirty="0"/>
           </a:p>
@@ -9453,7 +9295,285 @@
             </a:r>
             <a:r>
               <a:rPr lang="en-US" altLang="ko-KR" dirty="0"/>
-              <a:t>, SOC </a:t>
+              <a:t>, SOC - 0.6, </a:t>
+            </a:r>
+            <a:r>
+              <a:rPr lang="en-US" altLang="ko-KR" dirty="0" err="1"/>
+              <a:t>j_min</a:t>
+            </a:r>
+            <a:r>
+              <a:rPr lang="en-US" altLang="ko-KR" dirty="0"/>
+              <a:t>, </a:t>
+            </a:r>
+            <a:r>
+              <a:rPr lang="en-US" altLang="ko-KR" dirty="0" err="1"/>
+              <a:t>j_max</a:t>
+            </a:r>
+            <a:r>
+              <a:rPr lang="en-US" altLang="ko-KR" dirty="0"/>
+              <a:t>]</a:t>
+            </a:r>
+          </a:p>
+          <a:p>
+            <a:pPr marL="742950" lvl="1" indent="-285750">
+              <a:buFontTx/>
+              <a:buChar char="-"/>
+            </a:pPr>
+            <a:r>
+              <a:rPr lang="en-US" altLang="ko-KR" dirty="0"/>
+              <a:t>Replay memory</a:t>
+            </a:r>
+            <a:r>
+              <a:rPr lang="ko-KR" altLang="en-US" dirty="0"/>
+              <a:t>에서 </a:t>
+            </a:r>
+            <a:r>
+              <a:rPr lang="ko-KR" altLang="en-US" dirty="0" smtClean="0"/>
+              <a:t>모든 </a:t>
+            </a:r>
+            <a:r>
+              <a:rPr lang="en-US" altLang="ko-KR" dirty="0" smtClean="0"/>
+              <a:t>Feature</a:t>
+            </a:r>
+            <a:r>
+              <a:rPr lang="ko-KR" altLang="en-US" dirty="0" smtClean="0"/>
+              <a:t>에 </a:t>
+            </a:r>
+            <a:r>
+              <a:rPr lang="ko-KR" altLang="en-US" dirty="0"/>
+              <a:t>대해</a:t>
+            </a:r>
+            <a:r>
+              <a:rPr lang="en-US" altLang="ko-KR" dirty="0"/>
+              <a:t> min-max </a:t>
+            </a:r>
+            <a:r>
+              <a:rPr lang="en-US" altLang="ko-KR" dirty="0" smtClean="0"/>
+              <a:t>normalization </a:t>
+            </a:r>
+            <a:r>
+              <a:rPr lang="ko-KR" altLang="en-US" dirty="0"/>
+              <a:t>적용 </a:t>
+            </a:r>
+            <a:endParaRPr lang="en-US" altLang="ko-KR" dirty="0" smtClean="0"/>
+          </a:p>
+          <a:p>
+            <a:pPr marL="742950" lvl="1" indent="-285750">
+              <a:buFontTx/>
+              <a:buChar char="-"/>
+            </a:pPr>
+            <a:r>
+              <a:rPr lang="en-US" altLang="ko-KR" dirty="0" smtClean="0"/>
+              <a:t>[</a:t>
+            </a:r>
+            <a:r>
+              <a:rPr lang="ko-KR" altLang="en-US" dirty="0" smtClean="0"/>
+              <a:t>실패</a:t>
+            </a:r>
+            <a:r>
+              <a:rPr lang="en-US" altLang="ko-KR" dirty="0" smtClean="0"/>
+              <a:t>]</a:t>
+            </a:r>
+          </a:p>
+          <a:p>
+            <a:pPr marL="285750" indent="-285750">
+              <a:buFontTx/>
+              <a:buChar char="-"/>
+            </a:pPr>
+            <a:r>
+              <a:rPr lang="en-US" altLang="ko-KR" b="1" dirty="0" smtClean="0"/>
+              <a:t>Env3 </a:t>
+            </a:r>
+            <a:r>
+              <a:rPr lang="en-US" altLang="ko-KR" b="1" dirty="0"/>
+              <a:t>State:</a:t>
+            </a:r>
+          </a:p>
+          <a:p>
+            <a:pPr marL="742950" lvl="1" indent="-285750">
+              <a:buFontTx/>
+              <a:buChar char="-"/>
+            </a:pPr>
+            <a:r>
+              <a:rPr lang="en-US" altLang="ko-KR" dirty="0"/>
+              <a:t>State:   </a:t>
+            </a:r>
+            <a:r>
+              <a:rPr lang="en-US" altLang="ko-KR" dirty="0" smtClean="0"/>
+              <a:t>[</a:t>
+            </a:r>
+            <a:r>
+              <a:rPr lang="en-US" altLang="ko-KR" dirty="0" err="1" smtClean="0">
+                <a:solidFill>
+                  <a:srgbClr val="FF0000"/>
+                </a:solidFill>
+              </a:rPr>
+              <a:t>acc</a:t>
+            </a:r>
+            <a:r>
+              <a:rPr lang="en-US" altLang="ko-KR" dirty="0" smtClean="0">
+                <a:solidFill>
+                  <a:srgbClr val="FF0000"/>
+                </a:solidFill>
+              </a:rPr>
+              <a:t>, </a:t>
+            </a:r>
+            <a:r>
+              <a:rPr lang="en-US" altLang="ko-KR" dirty="0" err="1" smtClean="0">
+                <a:solidFill>
+                  <a:srgbClr val="FF0000"/>
+                </a:solidFill>
+              </a:rPr>
+              <a:t>sp_whl</a:t>
+            </a:r>
+            <a:r>
+              <a:rPr lang="en-US" altLang="ko-KR" dirty="0" smtClean="0"/>
+              <a:t>, </a:t>
+            </a:r>
+            <a:r>
+              <a:rPr lang="en-US" altLang="ko-KR" dirty="0"/>
+              <a:t>SOC - 0.6, </a:t>
+            </a:r>
+            <a:r>
+              <a:rPr lang="en-US" altLang="ko-KR" dirty="0" err="1"/>
+              <a:t>j_min</a:t>
+            </a:r>
+            <a:r>
+              <a:rPr lang="en-US" altLang="ko-KR" dirty="0"/>
+              <a:t>, </a:t>
+            </a:r>
+            <a:r>
+              <a:rPr lang="en-US" altLang="ko-KR" dirty="0" err="1"/>
+              <a:t>j_max</a:t>
+            </a:r>
+            <a:r>
+              <a:rPr lang="en-US" altLang="ko-KR" dirty="0"/>
+              <a:t>]</a:t>
+            </a:r>
+          </a:p>
+          <a:p>
+            <a:pPr marL="742950" lvl="1" indent="-285750">
+              <a:buFontTx/>
+              <a:buChar char="-"/>
+            </a:pPr>
+            <a:r>
+              <a:rPr lang="en-US" altLang="ko-KR" dirty="0"/>
+              <a:t>Replay memory</a:t>
+            </a:r>
+            <a:r>
+              <a:rPr lang="ko-KR" altLang="en-US" dirty="0"/>
+              <a:t>에서 </a:t>
+            </a:r>
+            <a:r>
+              <a:rPr lang="en-US" altLang="ko-KR" dirty="0" err="1" smtClean="0"/>
+              <a:t>acc</a:t>
+            </a:r>
+            <a:r>
+              <a:rPr lang="en-US" altLang="ko-KR" dirty="0" smtClean="0"/>
+              <a:t>, </a:t>
+            </a:r>
+            <a:r>
+              <a:rPr lang="en-US" altLang="ko-KR" dirty="0" err="1" smtClean="0"/>
+              <a:t>sp_whl</a:t>
+            </a:r>
+            <a:r>
+              <a:rPr lang="ko-KR" altLang="en-US" dirty="0" smtClean="0"/>
+              <a:t>에 </a:t>
+            </a:r>
+            <a:r>
+              <a:rPr lang="ko-KR" altLang="en-US" dirty="0"/>
+              <a:t>대해</a:t>
+            </a:r>
+            <a:r>
+              <a:rPr lang="en-US" altLang="ko-KR" dirty="0"/>
+              <a:t> min-max </a:t>
+            </a:r>
+            <a:r>
+              <a:rPr lang="en-US" altLang="ko-KR" dirty="0" smtClean="0"/>
+              <a:t>normalization </a:t>
+            </a:r>
+            <a:r>
+              <a:rPr lang="ko-KR" altLang="en-US" dirty="0"/>
+              <a:t>적용 </a:t>
+            </a:r>
+            <a:endParaRPr lang="en-US" altLang="ko-KR" dirty="0"/>
+          </a:p>
+          <a:p>
+            <a:pPr marL="742950" lvl="1" indent="-285750">
+              <a:buFontTx/>
+              <a:buChar char="-"/>
+            </a:pPr>
+            <a:r>
+              <a:rPr lang="en-US" altLang="ko-KR" dirty="0" smtClean="0"/>
+              <a:t>[</a:t>
+            </a:r>
+            <a:r>
+              <a:rPr lang="ko-KR" altLang="en-US" dirty="0" smtClean="0"/>
+              <a:t>실패</a:t>
+            </a:r>
+            <a:r>
+              <a:rPr lang="en-US" altLang="ko-KR" dirty="0" smtClean="0"/>
+              <a:t>]</a:t>
+            </a:r>
+          </a:p>
+          <a:p>
+            <a:pPr marL="285750" indent="-285750">
+              <a:buFontTx/>
+              <a:buChar char="-"/>
+            </a:pPr>
+            <a:r>
+              <a:rPr lang="en-US" altLang="ko-KR" b="1" dirty="0" smtClean="0"/>
+              <a:t>Env4 </a:t>
+            </a:r>
+            <a:r>
+              <a:rPr lang="en-US" altLang="ko-KR" b="1" dirty="0"/>
+              <a:t>State:</a:t>
+            </a:r>
+          </a:p>
+          <a:p>
+            <a:pPr marL="742950" lvl="1" indent="-285750">
+              <a:buFontTx/>
+              <a:buChar char="-"/>
+            </a:pPr>
+            <a:r>
+              <a:rPr lang="en-US" altLang="ko-KR" dirty="0"/>
+              <a:t>State:   </a:t>
+            </a:r>
+            <a:r>
+              <a:rPr lang="en-US" altLang="ko-KR" dirty="0" smtClean="0"/>
+              <a:t>[</a:t>
+            </a:r>
+            <a:r>
+              <a:rPr lang="en-US" altLang="ko-KR" dirty="0" err="1" smtClean="0">
+                <a:solidFill>
+                  <a:srgbClr val="FF0000"/>
+                </a:solidFill>
+              </a:rPr>
+              <a:t>acc</a:t>
+            </a:r>
+            <a:r>
+              <a:rPr lang="en-US" altLang="ko-KR" dirty="0" smtClean="0">
+                <a:solidFill>
+                  <a:srgbClr val="FF0000"/>
+                </a:solidFill>
+              </a:rPr>
+              <a:t>, </a:t>
+            </a:r>
+            <a:r>
+              <a:rPr lang="en-US" altLang="ko-KR" dirty="0" err="1" smtClean="0">
+                <a:solidFill>
+                  <a:srgbClr val="FF0000"/>
+                </a:solidFill>
+              </a:rPr>
+              <a:t>sp_whl</a:t>
+            </a:r>
+            <a:r>
+              <a:rPr lang="en-US" altLang="ko-KR" dirty="0" smtClean="0"/>
+              <a:t>, </a:t>
+            </a:r>
+            <a:r>
+              <a:rPr lang="en-US" altLang="ko-KR" dirty="0"/>
+              <a:t>SOC </a:t>
             </a:r>
             <a:r>
               <a:rPr lang="en-US" altLang="ko-KR" dirty="0" smtClean="0"/>
@@ -9487,65 +9607,33 @@
             </a:pPr>
             <a:r>
               <a:rPr lang="en-US" altLang="ko-KR" dirty="0"/>
-              <a:t>Replay </a:t>
-            </a:r>
-            <a:r>
-              <a:rPr lang="en-US" altLang="ko-KR" dirty="0" smtClean="0"/>
-              <a:t>memory</a:t>
-            </a:r>
-            <a:r>
-              <a:rPr lang="ko-KR" altLang="en-US" dirty="0" smtClean="0"/>
-              <a:t>에서 </a:t>
-            </a:r>
-            <a:r>
-              <a:rPr lang="ko-KR" altLang="en-US" dirty="0" smtClean="0"/>
-              <a:t>모든 </a:t>
-            </a:r>
-            <a:r>
-              <a:rPr lang="en-US" altLang="ko-KR" dirty="0" smtClean="0"/>
+              <a:t>Replay memory</a:t>
+            </a:r>
+            <a:r>
+              <a:rPr lang="ko-KR" altLang="en-US" dirty="0"/>
+              <a:t>에서 모든 </a:t>
+            </a:r>
+            <a:r>
+              <a:rPr lang="en-US" altLang="ko-KR" dirty="0"/>
               <a:t>Feature</a:t>
             </a:r>
             <a:r>
-              <a:rPr lang="ko-KR" altLang="en-US" dirty="0" smtClean="0"/>
-              <a:t>에 </a:t>
-            </a:r>
-            <a:r>
               <a:rPr lang="ko-KR" altLang="en-US" dirty="0"/>
-              <a:t>대해</a:t>
+              <a:t>에 대해</a:t>
             </a:r>
             <a:r>
               <a:rPr lang="en-US" altLang="ko-KR" dirty="0"/>
-              <a:t> </a:t>
-            </a:r>
-            <a:r>
-              <a:rPr lang="en-US" altLang="ko-KR" dirty="0">
-                <a:solidFill>
-                  <a:srgbClr val="FF0000"/>
-                </a:solidFill>
-              </a:rPr>
-              <a:t>mean-</a:t>
-            </a:r>
-            <a:r>
-              <a:rPr lang="en-US" altLang="ko-KR" dirty="0" err="1">
-                <a:solidFill>
-                  <a:srgbClr val="FF0000"/>
-                </a:solidFill>
-              </a:rPr>
-              <a:t>std</a:t>
-            </a:r>
-            <a:r>
-              <a:rPr lang="en-US" altLang="ko-KR" dirty="0">
-                <a:solidFill>
-                  <a:srgbClr val="FF0000"/>
-                </a:solidFill>
-              </a:rPr>
-              <a:t> normalization </a:t>
+              <a:t> min-max </a:t>
+            </a:r>
+            <a:r>
+              <a:rPr lang="en-US" altLang="ko-KR" dirty="0" smtClean="0"/>
+              <a:t>normalization </a:t>
             </a:r>
             <a:r>
               <a:rPr lang="ko-KR" altLang="en-US" dirty="0"/>
               <a:t>적용 </a:t>
             </a:r>
-            <a:endParaRPr lang="en-US" altLang="ko-KR" dirty="0" smtClean="0"/>
+            <a:endParaRPr lang="en-US" altLang="ko-KR" dirty="0"/>
           </a:p>
           <a:p>
             <a:pPr marL="742950" lvl="1" indent="-285750">
@@ -9554,369 +9642,23 @@
             </a:pPr>
             <a:r>
               <a:rPr lang="en-US" altLang="ko-KR" dirty="0" smtClean="0"/>
-              <a:t>[VVV]</a:t>
-            </a:r>
-            <a:endParaRPr lang="en-US" altLang="ko-KR" dirty="0" smtClean="0"/>
-          </a:p>
-          <a:p>
-            <a:pPr marL="285750" indent="-285750">
-              <a:buFontTx/>
-              <a:buChar char="-"/>
-            </a:pPr>
-            <a:r>
-              <a:rPr lang="en-US" altLang="ko-KR" b="1" dirty="0" smtClean="0"/>
-              <a:t>Env3 </a:t>
-            </a:r>
-            <a:r>
-              <a:rPr lang="en-US" altLang="ko-KR" b="1" dirty="0"/>
-              <a:t>State:</a:t>
-            </a:r>
-          </a:p>
-          <a:p>
-            <a:pPr marL="742950" lvl="1" indent="-285750">
-              <a:buFontTx/>
-              <a:buChar char="-"/>
-            </a:pPr>
-            <a:r>
-              <a:rPr lang="en-US" altLang="ko-KR" dirty="0"/>
-              <a:t>State:   </a:t>
-            </a:r>
-            <a:r>
-              <a:rPr lang="en-US" altLang="ko-KR" dirty="0" smtClean="0"/>
               <a:t>[</a:t>
             </a:r>
             <a:r>
-              <a:rPr lang="en-US" altLang="ko-KR" dirty="0" err="1" smtClean="0">
-                <a:solidFill>
-                  <a:srgbClr val="FF0000"/>
-                </a:solidFill>
-              </a:rPr>
-              <a:t>acc</a:t>
-            </a:r>
-            <a:r>
-              <a:rPr lang="en-US" altLang="ko-KR" dirty="0" smtClean="0">
-                <a:solidFill>
-                  <a:srgbClr val="FF0000"/>
-                </a:solidFill>
-              </a:rPr>
-              <a:t>, </a:t>
-            </a:r>
-            <a:r>
-              <a:rPr lang="en-US" altLang="ko-KR" dirty="0" err="1" smtClean="0">
-                <a:solidFill>
-                  <a:srgbClr val="FF0000"/>
-                </a:solidFill>
-              </a:rPr>
-              <a:t>sp_whl</a:t>
-            </a:r>
-            <a:r>
-              <a:rPr lang="en-US" altLang="ko-KR" dirty="0" smtClean="0"/>
-              <a:t>, </a:t>
-            </a:r>
-            <a:r>
-              <a:rPr lang="en-US" altLang="ko-KR" dirty="0"/>
-              <a:t>SOC </a:t>
-            </a:r>
-            <a:r>
-              <a:rPr lang="en-US" altLang="ko-KR" dirty="0" smtClean="0"/>
-              <a:t>– </a:t>
-            </a:r>
-            <a:r>
-              <a:rPr lang="en-US" altLang="ko-KR" dirty="0"/>
-              <a:t>0.6, </a:t>
-            </a:r>
-            <a:r>
-              <a:rPr lang="en-US" altLang="ko-KR" dirty="0" err="1"/>
-              <a:t>j_min</a:t>
-            </a:r>
-            <a:r>
-              <a:rPr lang="en-US" altLang="ko-KR" dirty="0"/>
-              <a:t>, </a:t>
-            </a:r>
-            <a:r>
-              <a:rPr lang="en-US" altLang="ko-KR" dirty="0" err="1"/>
-              <a:t>j_max</a:t>
-            </a:r>
-            <a:r>
-              <a:rPr lang="en-US" altLang="ko-KR" dirty="0"/>
+              <a:rPr lang="ko-KR" altLang="en-US" dirty="0" smtClean="0"/>
+              <a:t>실패</a:t>
+            </a:r>
+            <a:r>
+              <a:rPr lang="en-US" altLang="ko-KR" dirty="0" smtClean="0"/>
               <a:t>]</a:t>
             </a:r>
-          </a:p>
-          <a:p>
-            <a:pPr marL="742950" lvl="1" indent="-285750">
-              <a:buFontTx/>
-              <a:buChar char="-"/>
-            </a:pPr>
-            <a:r>
-              <a:rPr lang="en-US" altLang="ko-KR" dirty="0"/>
-              <a:t>Replay </a:t>
-            </a:r>
-            <a:r>
-              <a:rPr lang="en-US" altLang="ko-KR" dirty="0" smtClean="0"/>
-              <a:t>memory</a:t>
-            </a:r>
-            <a:r>
-              <a:rPr lang="ko-KR" altLang="en-US" dirty="0" smtClean="0"/>
-              <a:t>에서 </a:t>
-            </a:r>
-            <a:r>
-              <a:rPr lang="en-US" altLang="ko-KR" dirty="0" err="1" smtClean="0"/>
-              <a:t>acc</a:t>
-            </a:r>
-            <a:r>
-              <a:rPr lang="en-US" altLang="ko-KR" dirty="0" smtClean="0"/>
-              <a:t>, </a:t>
-            </a:r>
-            <a:r>
-              <a:rPr lang="en-US" altLang="ko-KR" dirty="0" err="1" smtClean="0"/>
-              <a:t>sp_whl</a:t>
-            </a:r>
-            <a:r>
-              <a:rPr lang="ko-KR" altLang="en-US" dirty="0" smtClean="0"/>
-              <a:t>에 </a:t>
-            </a:r>
-            <a:r>
-              <a:rPr lang="ko-KR" altLang="en-US" dirty="0"/>
-              <a:t>대해</a:t>
-            </a:r>
-            <a:r>
-              <a:rPr lang="en-US" altLang="ko-KR" dirty="0"/>
-              <a:t> </a:t>
-            </a:r>
-            <a:r>
-              <a:rPr lang="en-US" altLang="ko-KR" dirty="0">
-                <a:solidFill>
-                  <a:srgbClr val="FF0000"/>
-                </a:solidFill>
-              </a:rPr>
-              <a:t>mean-</a:t>
-            </a:r>
-            <a:r>
-              <a:rPr lang="en-US" altLang="ko-KR" dirty="0" err="1">
-                <a:solidFill>
-                  <a:srgbClr val="FF0000"/>
-                </a:solidFill>
-              </a:rPr>
-              <a:t>std</a:t>
-            </a:r>
-            <a:r>
-              <a:rPr lang="en-US" altLang="ko-KR" dirty="0">
-                <a:solidFill>
-                  <a:srgbClr val="FF0000"/>
-                </a:solidFill>
-              </a:rPr>
-              <a:t> normalization</a:t>
-            </a:r>
-            <a:r>
-              <a:rPr lang="en-US" altLang="ko-KR" dirty="0"/>
-              <a:t> </a:t>
-            </a:r>
-            <a:r>
-              <a:rPr lang="ko-KR" altLang="en-US" dirty="0" smtClean="0"/>
-              <a:t>적용 </a:t>
-            </a:r>
             <a:endParaRPr lang="en-US" altLang="ko-KR" dirty="0"/>
-          </a:p>
-          <a:p>
-            <a:pPr marL="742950" lvl="1" indent="-285750">
-              <a:buFontTx/>
-              <a:buChar char="-"/>
-            </a:pPr>
-            <a:r>
-              <a:rPr lang="en-US" altLang="ko-KR" dirty="0" smtClean="0"/>
-              <a:t>[VXX]</a:t>
-            </a:r>
-            <a:endParaRPr lang="en-US" altLang="ko-KR" dirty="0" smtClean="0"/>
-          </a:p>
-          <a:p>
-            <a:pPr marL="285750" indent="-285750">
-              <a:buFontTx/>
-              <a:buChar char="-"/>
-            </a:pPr>
-            <a:r>
-              <a:rPr lang="en-US" altLang="ko-KR" b="1" dirty="0" smtClean="0"/>
-              <a:t>Env4 </a:t>
-            </a:r>
-            <a:r>
-              <a:rPr lang="en-US" altLang="ko-KR" b="1" dirty="0"/>
-              <a:t>State:</a:t>
-            </a:r>
-          </a:p>
-          <a:p>
-            <a:pPr marL="742950" lvl="1" indent="-285750">
-              <a:buFontTx/>
-              <a:buChar char="-"/>
-            </a:pPr>
-            <a:r>
-              <a:rPr lang="en-US" altLang="ko-KR" dirty="0"/>
-              <a:t>State:   </a:t>
-            </a:r>
-            <a:r>
-              <a:rPr lang="en-US" altLang="ko-KR" dirty="0" smtClean="0"/>
-              <a:t>[</a:t>
-            </a:r>
-            <a:r>
-              <a:rPr lang="en-US" altLang="ko-KR" dirty="0" err="1" smtClean="0">
-                <a:solidFill>
-                  <a:srgbClr val="FF0000"/>
-                </a:solidFill>
-              </a:rPr>
-              <a:t>acc</a:t>
-            </a:r>
-            <a:r>
-              <a:rPr lang="en-US" altLang="ko-KR" dirty="0" smtClean="0">
-                <a:solidFill>
-                  <a:srgbClr val="FF0000"/>
-                </a:solidFill>
-              </a:rPr>
-              <a:t>, </a:t>
-            </a:r>
-            <a:r>
-              <a:rPr lang="en-US" altLang="ko-KR" dirty="0" err="1" smtClean="0">
-                <a:solidFill>
-                  <a:srgbClr val="FF0000"/>
-                </a:solidFill>
-              </a:rPr>
-              <a:t>sp_whl</a:t>
-            </a:r>
-            <a:r>
-              <a:rPr lang="en-US" altLang="ko-KR" dirty="0" smtClean="0"/>
-              <a:t>, </a:t>
-            </a:r>
-            <a:r>
-              <a:rPr lang="en-US" altLang="ko-KR" dirty="0"/>
-              <a:t>SOC - 0.6, </a:t>
-            </a:r>
-            <a:r>
-              <a:rPr lang="en-US" altLang="ko-KR" dirty="0" err="1"/>
-              <a:t>j_min</a:t>
-            </a:r>
-            <a:r>
-              <a:rPr lang="en-US" altLang="ko-KR" dirty="0"/>
-              <a:t>, </a:t>
-            </a:r>
-            <a:r>
-              <a:rPr lang="en-US" altLang="ko-KR" dirty="0" err="1"/>
-              <a:t>j_max</a:t>
-            </a:r>
-            <a:r>
-              <a:rPr lang="en-US" altLang="ko-KR" dirty="0"/>
-              <a:t>]</a:t>
-            </a:r>
-          </a:p>
-          <a:p>
-            <a:pPr marL="742950" lvl="1" indent="-285750">
-              <a:buFontTx/>
-              <a:buChar char="-"/>
-            </a:pPr>
-            <a:r>
-              <a:rPr lang="en-US" altLang="ko-KR" dirty="0"/>
-              <a:t>Replay memory</a:t>
-            </a:r>
-            <a:r>
-              <a:rPr lang="ko-KR" altLang="en-US" dirty="0"/>
-              <a:t>에서 모든 </a:t>
-            </a:r>
-            <a:r>
-              <a:rPr lang="en-US" altLang="ko-KR" dirty="0"/>
-              <a:t>Feature</a:t>
-            </a:r>
-            <a:r>
-              <a:rPr lang="ko-KR" altLang="en-US" dirty="0"/>
-              <a:t>에 대해</a:t>
-            </a:r>
-            <a:r>
-              <a:rPr lang="en-US" altLang="ko-KR" dirty="0"/>
-              <a:t> </a:t>
-            </a:r>
-            <a:r>
-              <a:rPr lang="en-US" altLang="ko-KR" dirty="0">
-                <a:solidFill>
-                  <a:srgbClr val="FF0000"/>
-                </a:solidFill>
-              </a:rPr>
-              <a:t>mean-</a:t>
-            </a:r>
-            <a:r>
-              <a:rPr lang="en-US" altLang="ko-KR" dirty="0" err="1">
-                <a:solidFill>
-                  <a:srgbClr val="FF0000"/>
-                </a:solidFill>
-              </a:rPr>
-              <a:t>std</a:t>
-            </a:r>
-            <a:r>
-              <a:rPr lang="en-US" altLang="ko-KR" dirty="0">
-                <a:solidFill>
-                  <a:srgbClr val="FF0000"/>
-                </a:solidFill>
-              </a:rPr>
-              <a:t> normalization </a:t>
-            </a:r>
-            <a:r>
-              <a:rPr lang="ko-KR" altLang="en-US" dirty="0" smtClean="0"/>
-              <a:t>적용 </a:t>
-            </a:r>
-            <a:endParaRPr lang="en-US" altLang="ko-KR" dirty="0"/>
-          </a:p>
-          <a:p>
-            <a:pPr marL="742950" lvl="1" indent="-285750">
-              <a:buFontTx/>
-              <a:buChar char="-"/>
-            </a:pPr>
-            <a:r>
-              <a:rPr lang="en-US" altLang="ko-KR" dirty="0" smtClean="0"/>
-              <a:t>[XXX]</a:t>
-            </a:r>
-            <a:endParaRPr lang="en-US" altLang="ko-KR" dirty="0"/>
-          </a:p>
-        </p:txBody>
-      </p:sp>
-      <p:sp>
-        <p:nvSpPr>
-          <p:cNvPr id="5" name="TextBox 4"/>
-          <p:cNvSpPr txBox="1"/>
-          <p:nvPr/>
-        </p:nvSpPr>
-        <p:spPr>
-          <a:xfrm>
-            <a:off x="9576262" y="2684188"/>
-            <a:ext cx="2262812" cy="369332"/>
-          </a:xfrm>
-          <a:prstGeom prst="rect">
-            <a:avLst/>
-          </a:prstGeom>
-          <a:noFill/>
-        </p:spPr>
-        <p:txBody>
-          <a:bodyPr wrap="square" rtlCol="0">
-            <a:spAutoFit/>
-          </a:bodyPr>
-          <a:lstStyle/>
-          <a:p>
-            <a:r>
-              <a:rPr lang="en-US" altLang="ko-KR" dirty="0" smtClean="0"/>
-              <a:t>&lt;</a:t>
-            </a:r>
-            <a:r>
-              <a:rPr lang="ko-KR" altLang="en-US" dirty="0" err="1" smtClean="0"/>
-              <a:t>하이퍼파라미터</a:t>
-            </a:r>
-            <a:r>
-              <a:rPr lang="en-US" altLang="ko-KR" dirty="0" smtClean="0"/>
-              <a:t>&gt;</a:t>
-            </a:r>
-            <a:r>
-              <a:rPr lang="ko-KR" altLang="en-US" dirty="0" smtClean="0"/>
-              <a:t> </a:t>
-            </a:r>
-            <a:endParaRPr lang="ko-KR" altLang="en-US" dirty="0"/>
           </a:p>
         </p:txBody>
       </p:sp>
       <p:pic>
         <p:nvPicPr>
-          <p:cNvPr id="6" name="그림 5"/>
+          <p:cNvPr id="3" name="그림 2"/>
           <p:cNvPicPr>
             <a:picLocks noChangeAspect="1"/>
           </p:cNvPicPr>
@@ -9930,18 +9672,170 @@
         </p:blipFill>
         <p:spPr>
           <a:xfrm>
-            <a:off x="9116299" y="1295047"/>
-            <a:ext cx="2995589" cy="3030574"/>
+            <a:off x="9023899" y="1779557"/>
+            <a:ext cx="2947968" cy="2233470"/>
           </a:xfrm>
           <a:prstGeom prst="rect">
             <a:avLst/>
           </a:prstGeom>
         </p:spPr>
       </p:pic>
+      <p:sp>
+        <p:nvSpPr>
+          <p:cNvPr id="5" name="TextBox 4"/>
+          <p:cNvSpPr txBox="1"/>
+          <p:nvPr/>
+        </p:nvSpPr>
+        <p:spPr>
+          <a:xfrm>
+            <a:off x="9376757" y="4122289"/>
+            <a:ext cx="3017520" cy="369332"/>
+          </a:xfrm>
+          <a:prstGeom prst="rect">
+            <a:avLst/>
+          </a:prstGeom>
+          <a:noFill/>
+        </p:spPr>
+        <p:txBody>
+          <a:bodyPr wrap="square" rtlCol="0">
+            <a:spAutoFit/>
+          </a:bodyPr>
+          <a:lstStyle/>
+          <a:p>
+            <a:r>
+              <a:rPr lang="en-US" altLang="ko-KR" dirty="0" smtClean="0"/>
+              <a:t>&lt;</a:t>
+            </a:r>
+            <a:r>
+              <a:rPr lang="ko-KR" altLang="en-US" dirty="0" err="1" smtClean="0"/>
+              <a:t>하이퍼파라미터</a:t>
+            </a:r>
+            <a:r>
+              <a:rPr lang="en-US" altLang="ko-KR" dirty="0" smtClean="0"/>
+              <a:t>&gt;</a:t>
+            </a:r>
+            <a:r>
+              <a:rPr lang="ko-KR" altLang="en-US" dirty="0" smtClean="0"/>
+              <a:t> </a:t>
+            </a:r>
+            <a:endParaRPr lang="ko-KR" altLang="en-US" dirty="0"/>
+          </a:p>
+        </p:txBody>
+      </p:sp>
+      <p:sp>
+        <p:nvSpPr>
+          <p:cNvPr id="6" name="TextBox 5"/>
+          <p:cNvSpPr txBox="1"/>
+          <p:nvPr/>
+        </p:nvSpPr>
+        <p:spPr>
+          <a:xfrm>
+            <a:off x="2543763" y="6488668"/>
+            <a:ext cx="8607145" cy="646331"/>
+          </a:xfrm>
+          <a:prstGeom prst="rect">
+            <a:avLst/>
+          </a:prstGeom>
+          <a:noFill/>
+        </p:spPr>
+        <p:txBody>
+          <a:bodyPr wrap="square" rtlCol="0">
+            <a:spAutoFit/>
+          </a:bodyPr>
+          <a:lstStyle/>
+          <a:p>
+            <a:r>
+              <a:rPr lang="en-US" altLang="ko-KR" b="1" dirty="0" smtClean="0">
+                <a:solidFill>
+                  <a:srgbClr val="FF0000"/>
+                </a:solidFill>
+              </a:rPr>
+              <a:t>Min-max normalization</a:t>
+            </a:r>
+            <a:r>
+              <a:rPr lang="ko-KR" altLang="en-US" b="1" dirty="0" smtClean="0">
+                <a:solidFill>
+                  <a:srgbClr val="FF0000"/>
+                </a:solidFill>
+              </a:rPr>
+              <a:t>은</a:t>
+            </a:r>
+            <a:r>
+              <a:rPr lang="en-US" altLang="ko-KR" b="1" dirty="0" smtClean="0">
+                <a:solidFill>
+                  <a:srgbClr val="FF0000"/>
+                </a:solidFill>
+              </a:rPr>
+              <a:t> feature </a:t>
+            </a:r>
+            <a:r>
+              <a:rPr lang="ko-KR" altLang="en-US" b="1" dirty="0" smtClean="0">
+                <a:solidFill>
+                  <a:srgbClr val="FF0000"/>
+                </a:solidFill>
+              </a:rPr>
+              <a:t>값이 </a:t>
+            </a:r>
+            <a:r>
+              <a:rPr lang="en-US" altLang="ko-KR" b="1" dirty="0" smtClean="0">
+                <a:solidFill>
+                  <a:srgbClr val="FF0000"/>
+                </a:solidFill>
+              </a:rPr>
+              <a:t>[0, 1]</a:t>
+            </a:r>
+            <a:r>
+              <a:rPr lang="ko-KR" altLang="en-US" b="1" dirty="0" smtClean="0">
+                <a:solidFill>
+                  <a:srgbClr val="FF0000"/>
+                </a:solidFill>
+              </a:rPr>
+              <a:t>임</a:t>
+            </a:r>
+            <a:r>
+              <a:rPr lang="en-US" altLang="ko-KR" b="1" dirty="0" smtClean="0">
+                <a:solidFill>
+                  <a:srgbClr val="FF0000"/>
+                </a:solidFill>
+              </a:rPr>
+              <a:t>. Power</a:t>
+            </a:r>
+            <a:r>
+              <a:rPr lang="ko-KR" altLang="en-US" b="1" dirty="0" smtClean="0">
+                <a:solidFill>
+                  <a:srgbClr val="FF0000"/>
+                </a:solidFill>
+              </a:rPr>
+              <a:t>의 부호는 나름의 의미가 있으므로 부호가 표현되어야 함</a:t>
+            </a:r>
+            <a:r>
+              <a:rPr lang="en-US" altLang="ko-KR" b="1" dirty="0" smtClean="0">
+                <a:solidFill>
+                  <a:srgbClr val="FF0000"/>
+                </a:solidFill>
+              </a:rPr>
+              <a:t>. </a:t>
+            </a:r>
+            <a:r>
+              <a:rPr lang="ko-KR" altLang="en-US" b="1" dirty="0" smtClean="0">
+                <a:solidFill>
+                  <a:srgbClr val="FF0000"/>
+                </a:solidFill>
+              </a:rPr>
+              <a:t> </a:t>
+            </a:r>
+            <a:endParaRPr lang="en-US" altLang="ko-KR" b="1" dirty="0">
+              <a:solidFill>
+                <a:srgbClr val="FF0000"/>
+              </a:solidFill>
+            </a:endParaRPr>
+          </a:p>
+        </p:txBody>
+      </p:sp>
     </p:spTree>
     <p:extLst>
       <p:ext uri="{BB962C8B-B14F-4D97-AF65-F5344CB8AC3E}">
-        <p14:creationId xmlns:p14="http://schemas.microsoft.com/office/powerpoint/2010/main" val="504876074"/>
+        <p14:creationId xmlns:p14="http://schemas.microsoft.com/office/powerpoint/2010/main" val="884086792"/>
       </p:ext>
     </p:extLst>
   </p:cSld>
@@ -9984,42 +9878,22 @@
           <a:lstStyle/>
           <a:p>
             <a:r>
-              <a:rPr lang="en-US" altLang="ko-KR" dirty="0" smtClean="0">
-                <a:solidFill>
-                  <a:srgbClr val="FF0000"/>
-                </a:solidFill>
-              </a:rPr>
+              <a:rPr lang="en-US" altLang="ko-KR" dirty="0" smtClean="0"/>
               <a:t>DDPG</a:t>
             </a:r>
             <a:r>
-              <a:rPr lang="ko-KR" altLang="en-US" dirty="0" smtClean="0">
-                <a:solidFill>
-                  <a:srgbClr val="FF0000"/>
-                </a:solidFill>
-              </a:rPr>
+              <a:rPr lang="ko-KR" altLang="en-US" dirty="0" smtClean="0"/>
               <a:t> </a:t>
             </a:r>
             <a:r>
-              <a:rPr lang="en-US" altLang="ko-KR" dirty="0" smtClean="0">
-                <a:solidFill>
-                  <a:srgbClr val="FF0000"/>
-                </a:solidFill>
-              </a:rPr>
-              <a:t>6_ver2</a:t>
-            </a:r>
-            <a:r>
-              <a:rPr lang="ko-KR" altLang="en-US" dirty="0" smtClean="0">
-                <a:solidFill>
-                  <a:srgbClr val="FF0000"/>
-                </a:solidFill>
-              </a:rPr>
+              <a:rPr lang="en-US" altLang="ko-KR" dirty="0" smtClean="0"/>
+              <a:t>5_ver2 </a:t>
+            </a:r>
+            <a:r>
+              <a:rPr lang="ko-KR" altLang="en-US" dirty="0" smtClean="0"/>
               <a:t>  </a:t>
             </a:r>
-            <a:endParaRPr lang="ko-KR" altLang="en-US" dirty="0">
-              <a:solidFill>
-                <a:srgbClr val="FF0000"/>
-              </a:solidFill>
-            </a:endParaRPr>
+            <a:endParaRPr lang="ko-KR" altLang="en-US" dirty="0"/>
           </a:p>
         </p:txBody>
       </p:sp>
@@ -10032,7 +9906,7 @@
         <p:spPr>
           <a:xfrm>
             <a:off x="838200" y="1484771"/>
-            <a:ext cx="11000874" cy="5078313"/>
+            <a:ext cx="11000874" cy="1754326"/>
           </a:xfrm>
           <a:prstGeom prst="rect">
             <a:avLst/>
@@ -10116,11 +9990,7 @@
               <a:buChar char="-"/>
             </a:pPr>
             <a:r>
-              <a:rPr lang="en-US" altLang="ko-KR" b="1" dirty="0">
-                <a:solidFill>
-                  <a:srgbClr val="FF0000"/>
-                </a:solidFill>
-              </a:rPr>
+              <a:rPr lang="en-US" altLang="ko-KR" b="1" dirty="0"/>
               <a:t>Env1 State:</a:t>
             </a:r>
           </a:p>
@@ -10151,27 +10021,30 @@
             </a:r>
             <a:r>
               <a:rPr lang="en-US" altLang="ko-KR" dirty="0"/>
-              <a:t>, SOC - </a:t>
-            </a:r>
-            <a:r>
-              <a:rPr lang="en-US" altLang="ko-KR" dirty="0" smtClean="0"/>
-              <a:t>0.6]</a:t>
-            </a:r>
-            <a:endParaRPr lang="en-US" altLang="ko-KR" dirty="0" smtClean="0"/>
+              <a:t>, SOC - 0.6, </a:t>
+            </a:r>
+            <a:r>
+              <a:rPr lang="en-US" altLang="ko-KR" dirty="0" err="1"/>
+              <a:t>j_min</a:t>
+            </a:r>
+            <a:r>
+              <a:rPr lang="en-US" altLang="ko-KR" dirty="0"/>
+              <a:t>, </a:t>
+            </a:r>
+            <a:r>
+              <a:rPr lang="en-US" altLang="ko-KR" dirty="0" err="1"/>
+              <a:t>j_max</a:t>
+            </a:r>
+            <a:r>
+              <a:rPr lang="en-US" altLang="ko-KR" dirty="0" smtClean="0"/>
+              <a:t>]</a:t>
+            </a:r>
           </a:p>
           <a:p>
             <a:pPr marL="742950" lvl="1" indent="-285750">
               <a:buFontTx/>
               <a:buChar char="-"/>
             </a:pPr>
-            <a:r>
-              <a:rPr lang="en-US" altLang="ko-KR" dirty="0" smtClean="0"/>
-              <a:t>Replay memory</a:t>
-            </a:r>
-            <a:r>
-              <a:rPr lang="ko-KR" altLang="en-US" dirty="0" smtClean="0"/>
-              <a:t>에서 </a:t>
-            </a:r>
             <a:r>
               <a:rPr lang="en-US" altLang="ko-KR" dirty="0" err="1" smtClean="0"/>
               <a:t>power_out</a:t>
@@ -10182,37 +10055,13 @@
             </a:r>
             <a:r>
               <a:rPr lang="en-US" altLang="ko-KR" dirty="0" smtClean="0"/>
-              <a:t> </a:t>
-            </a:r>
-            <a:r>
-              <a:rPr lang="en-US" altLang="ko-KR" dirty="0" smtClean="0">
-                <a:solidFill>
-                  <a:srgbClr val="FF0000"/>
-                </a:solidFill>
-              </a:rPr>
-              <a:t>mean-</a:t>
-            </a:r>
-            <a:r>
-              <a:rPr lang="en-US" altLang="ko-KR" dirty="0" err="1" smtClean="0">
-                <a:solidFill>
-                  <a:srgbClr val="FF0000"/>
-                </a:solidFill>
-              </a:rPr>
-              <a:t>std</a:t>
-            </a:r>
-            <a:r>
-              <a:rPr lang="en-US" altLang="ko-KR" dirty="0" smtClean="0">
-                <a:solidFill>
-                  <a:srgbClr val="FF0000"/>
-                </a:solidFill>
-              </a:rPr>
-              <a:t> normalization </a:t>
+              <a:t> min-max normalization_ver2 </a:t>
             </a:r>
             <a:r>
               <a:rPr lang="ko-KR" altLang="en-US" dirty="0" smtClean="0"/>
               <a:t>적용 </a:t>
             </a:r>
-            <a:endParaRPr lang="en-US" altLang="ko-KR" dirty="0" smtClean="0"/>
+            <a:endParaRPr lang="en-US" altLang="ko-KR" dirty="0"/>
           </a:p>
           <a:p>
             <a:pPr marL="742950" lvl="1" indent="-285750">
@@ -10221,416 +10070,7 @@
             </a:pPr>
             <a:r>
               <a:rPr lang="en-US" altLang="ko-KR" dirty="0" smtClean="0"/>
-              <a:t>[O]</a:t>
-            </a:r>
-            <a:endParaRPr lang="en-US" altLang="ko-KR" dirty="0"/>
-          </a:p>
-          <a:p>
-            <a:pPr marL="285750" indent="-285750">
-              <a:buFontTx/>
-              <a:buChar char="-"/>
-            </a:pPr>
-            <a:r>
-              <a:rPr lang="en-US" altLang="ko-KR" b="1" dirty="0" smtClean="0"/>
-              <a:t>Env2 </a:t>
-            </a:r>
-            <a:r>
-              <a:rPr lang="en-US" altLang="ko-KR" b="1" dirty="0"/>
-              <a:t>State:</a:t>
-            </a:r>
-          </a:p>
-          <a:p>
-            <a:pPr marL="742950" lvl="1" indent="-285750">
-              <a:buFontTx/>
-              <a:buChar char="-"/>
-            </a:pPr>
-            <a:r>
-              <a:rPr lang="en-US" altLang="ko-KR" dirty="0"/>
-              <a:t>State:   [</a:t>
-            </a:r>
-            <a:r>
-              <a:rPr lang="en-US" altLang="ko-KR" dirty="0" err="1">
-                <a:solidFill>
-                  <a:srgbClr val="FF0000"/>
-                </a:solidFill>
-              </a:rPr>
-              <a:t>power_out</a:t>
-            </a:r>
-            <a:r>
-              <a:rPr lang="en-US" altLang="ko-KR" dirty="0">
-                <a:solidFill>
-                  <a:srgbClr val="FF0000"/>
-                </a:solidFill>
-              </a:rPr>
-              <a:t>/1000</a:t>
-            </a:r>
-            <a:r>
-              <a:rPr lang="en-US" altLang="ko-KR" dirty="0"/>
-              <a:t>, SOC </a:t>
-            </a:r>
-            <a:r>
-              <a:rPr lang="en-US" altLang="ko-KR" dirty="0" smtClean="0"/>
-              <a:t>– 0.6]</a:t>
-            </a:r>
-            <a:endParaRPr lang="en-US" altLang="ko-KR" dirty="0"/>
-          </a:p>
-          <a:p>
-            <a:pPr marL="742950" lvl="1" indent="-285750">
-              <a:buFontTx/>
-              <a:buChar char="-"/>
-            </a:pPr>
-            <a:r>
-              <a:rPr lang="en-US" altLang="ko-KR" dirty="0"/>
-              <a:t>Replay </a:t>
-            </a:r>
-            <a:r>
-              <a:rPr lang="en-US" altLang="ko-KR" dirty="0" smtClean="0"/>
-              <a:t>memory</a:t>
-            </a:r>
-            <a:r>
-              <a:rPr lang="ko-KR" altLang="en-US" dirty="0" smtClean="0"/>
-              <a:t>에서 </a:t>
-            </a:r>
-            <a:r>
-              <a:rPr lang="ko-KR" altLang="en-US" dirty="0" smtClean="0"/>
-              <a:t>모든 </a:t>
-            </a:r>
-            <a:r>
-              <a:rPr lang="en-US" altLang="ko-KR" dirty="0" smtClean="0"/>
-              <a:t>Feature</a:t>
-            </a:r>
-            <a:r>
-              <a:rPr lang="ko-KR" altLang="en-US" dirty="0" smtClean="0"/>
-              <a:t>에 </a:t>
-            </a:r>
-            <a:r>
-              <a:rPr lang="ko-KR" altLang="en-US" dirty="0"/>
-              <a:t>대해</a:t>
-            </a:r>
-            <a:r>
-              <a:rPr lang="en-US" altLang="ko-KR" dirty="0"/>
-              <a:t> </a:t>
-            </a:r>
-            <a:r>
-              <a:rPr lang="en-US" altLang="ko-KR" dirty="0">
-                <a:solidFill>
-                  <a:srgbClr val="FF0000"/>
-                </a:solidFill>
-              </a:rPr>
-              <a:t>mean-</a:t>
-            </a:r>
-            <a:r>
-              <a:rPr lang="en-US" altLang="ko-KR" dirty="0" err="1">
-                <a:solidFill>
-                  <a:srgbClr val="FF0000"/>
-                </a:solidFill>
-              </a:rPr>
-              <a:t>std</a:t>
-            </a:r>
-            <a:r>
-              <a:rPr lang="en-US" altLang="ko-KR" dirty="0">
-                <a:solidFill>
-                  <a:srgbClr val="FF0000"/>
-                </a:solidFill>
-              </a:rPr>
-              <a:t> normalization </a:t>
-            </a:r>
-            <a:r>
-              <a:rPr lang="ko-KR" altLang="en-US" dirty="0"/>
-              <a:t>적용 </a:t>
-            </a:r>
-            <a:endParaRPr lang="en-US" altLang="ko-KR" dirty="0" smtClean="0"/>
-          </a:p>
-          <a:p>
-            <a:pPr marL="742950" lvl="1" indent="-285750">
-              <a:buFontTx/>
-              <a:buChar char="-"/>
-            </a:pPr>
-            <a:r>
-              <a:rPr lang="en-US" altLang="ko-KR" dirty="0" smtClean="0"/>
               <a:t>[V]</a:t>
-            </a:r>
-            <a:endParaRPr lang="en-US" altLang="ko-KR" dirty="0" smtClean="0"/>
-          </a:p>
-          <a:p>
-            <a:pPr marL="285750" indent="-285750">
-              <a:buFontTx/>
-              <a:buChar char="-"/>
-            </a:pPr>
-            <a:r>
-              <a:rPr lang="en-US" altLang="ko-KR" b="1" dirty="0" smtClean="0"/>
-              <a:t>Env3 </a:t>
-            </a:r>
-            <a:r>
-              <a:rPr lang="en-US" altLang="ko-KR" b="1" dirty="0"/>
-              <a:t>State:</a:t>
-            </a:r>
-          </a:p>
-          <a:p>
-            <a:pPr marL="742950" lvl="1" indent="-285750">
-              <a:buFontTx/>
-              <a:buChar char="-"/>
-            </a:pPr>
-            <a:r>
-              <a:rPr lang="en-US" altLang="ko-KR" dirty="0"/>
-              <a:t>State:   </a:t>
-            </a:r>
-            <a:r>
-              <a:rPr lang="en-US" altLang="ko-KR" dirty="0" smtClean="0"/>
-              <a:t>[</a:t>
-            </a:r>
-            <a:r>
-              <a:rPr lang="en-US" altLang="ko-KR" dirty="0" err="1" smtClean="0">
-                <a:solidFill>
-                  <a:srgbClr val="FF0000"/>
-                </a:solidFill>
-              </a:rPr>
-              <a:t>acc</a:t>
-            </a:r>
-            <a:r>
-              <a:rPr lang="en-US" altLang="ko-KR" dirty="0" smtClean="0">
-                <a:solidFill>
-                  <a:srgbClr val="FF0000"/>
-                </a:solidFill>
-              </a:rPr>
-              <a:t>, </a:t>
-            </a:r>
-            <a:r>
-              <a:rPr lang="en-US" altLang="ko-KR" dirty="0" err="1" smtClean="0">
-                <a:solidFill>
-                  <a:srgbClr val="FF0000"/>
-                </a:solidFill>
-              </a:rPr>
-              <a:t>sp_whl</a:t>
-            </a:r>
-            <a:r>
-              <a:rPr lang="en-US" altLang="ko-KR" dirty="0" smtClean="0"/>
-              <a:t>, </a:t>
-            </a:r>
-            <a:r>
-              <a:rPr lang="en-US" altLang="ko-KR" dirty="0"/>
-              <a:t>SOC </a:t>
-            </a:r>
-            <a:r>
-              <a:rPr lang="en-US" altLang="ko-KR" dirty="0" smtClean="0"/>
-              <a:t>– 0.6]</a:t>
-            </a:r>
-            <a:endParaRPr lang="en-US" altLang="ko-KR" dirty="0"/>
-          </a:p>
-          <a:p>
-            <a:pPr marL="742950" lvl="1" indent="-285750">
-              <a:buFontTx/>
-              <a:buChar char="-"/>
-            </a:pPr>
-            <a:r>
-              <a:rPr lang="en-US" altLang="ko-KR" dirty="0"/>
-              <a:t>Replay </a:t>
-            </a:r>
-            <a:r>
-              <a:rPr lang="en-US" altLang="ko-KR" dirty="0" smtClean="0"/>
-              <a:t>memory</a:t>
-            </a:r>
-            <a:r>
-              <a:rPr lang="ko-KR" altLang="en-US" dirty="0" smtClean="0"/>
-              <a:t>에서 </a:t>
-            </a:r>
-            <a:r>
-              <a:rPr lang="en-US" altLang="ko-KR" dirty="0" err="1" smtClean="0"/>
-              <a:t>acc</a:t>
-            </a:r>
-            <a:r>
-              <a:rPr lang="en-US" altLang="ko-KR" dirty="0" smtClean="0"/>
-              <a:t>, </a:t>
-            </a:r>
-            <a:r>
-              <a:rPr lang="en-US" altLang="ko-KR" dirty="0" err="1" smtClean="0"/>
-              <a:t>sp_whl</a:t>
-            </a:r>
-            <a:r>
-              <a:rPr lang="ko-KR" altLang="en-US" dirty="0" smtClean="0"/>
-              <a:t>에 </a:t>
-            </a:r>
-            <a:r>
-              <a:rPr lang="ko-KR" altLang="en-US" dirty="0"/>
-              <a:t>대해</a:t>
-            </a:r>
-            <a:r>
-              <a:rPr lang="en-US" altLang="ko-KR" dirty="0"/>
-              <a:t> </a:t>
-            </a:r>
-            <a:r>
-              <a:rPr lang="en-US" altLang="ko-KR" dirty="0">
-                <a:solidFill>
-                  <a:srgbClr val="FF0000"/>
-                </a:solidFill>
-              </a:rPr>
-              <a:t>mean-</a:t>
-            </a:r>
-            <a:r>
-              <a:rPr lang="en-US" altLang="ko-KR" dirty="0" err="1">
-                <a:solidFill>
-                  <a:srgbClr val="FF0000"/>
-                </a:solidFill>
-              </a:rPr>
-              <a:t>std</a:t>
-            </a:r>
-            <a:r>
-              <a:rPr lang="en-US" altLang="ko-KR" dirty="0">
-                <a:solidFill>
-                  <a:srgbClr val="FF0000"/>
-                </a:solidFill>
-              </a:rPr>
-              <a:t> normalization</a:t>
-            </a:r>
-            <a:r>
-              <a:rPr lang="en-US" altLang="ko-KR" dirty="0"/>
-              <a:t> </a:t>
-            </a:r>
-            <a:r>
-              <a:rPr lang="ko-KR" altLang="en-US" dirty="0" smtClean="0"/>
-              <a:t>적용 </a:t>
-            </a:r>
-            <a:endParaRPr lang="en-US" altLang="ko-KR" dirty="0"/>
-          </a:p>
-          <a:p>
-            <a:pPr marL="742950" lvl="1" indent="-285750">
-              <a:buFontTx/>
-              <a:buChar char="-"/>
-            </a:pPr>
-            <a:r>
-              <a:rPr lang="en-US" altLang="ko-KR" dirty="0" smtClean="0"/>
-              <a:t>[X]</a:t>
-            </a:r>
-            <a:endParaRPr lang="en-US" altLang="ko-KR" dirty="0" smtClean="0"/>
-          </a:p>
-          <a:p>
-            <a:pPr marL="285750" indent="-285750">
-              <a:buFontTx/>
-              <a:buChar char="-"/>
-            </a:pPr>
-            <a:r>
-              <a:rPr lang="en-US" altLang="ko-KR" b="1" dirty="0" smtClean="0"/>
-              <a:t>Env4 </a:t>
-            </a:r>
-            <a:r>
-              <a:rPr lang="en-US" altLang="ko-KR" b="1" dirty="0"/>
-              <a:t>State:</a:t>
-            </a:r>
-          </a:p>
-          <a:p>
-            <a:pPr marL="742950" lvl="1" indent="-285750">
-              <a:buFontTx/>
-              <a:buChar char="-"/>
-            </a:pPr>
-            <a:r>
-              <a:rPr lang="en-US" altLang="ko-KR" dirty="0"/>
-              <a:t>State:   </a:t>
-            </a:r>
-            <a:r>
-              <a:rPr lang="en-US" altLang="ko-KR" dirty="0" smtClean="0"/>
-              <a:t>[</a:t>
-            </a:r>
-            <a:r>
-              <a:rPr lang="en-US" altLang="ko-KR" dirty="0" err="1" smtClean="0">
-                <a:solidFill>
-                  <a:srgbClr val="FF0000"/>
-                </a:solidFill>
-              </a:rPr>
-              <a:t>acc</a:t>
-            </a:r>
-            <a:r>
-              <a:rPr lang="en-US" altLang="ko-KR" dirty="0" smtClean="0">
-                <a:solidFill>
-                  <a:srgbClr val="FF0000"/>
-                </a:solidFill>
-              </a:rPr>
-              <a:t>, </a:t>
-            </a:r>
-            <a:r>
-              <a:rPr lang="en-US" altLang="ko-KR" dirty="0" err="1" smtClean="0">
-                <a:solidFill>
-                  <a:srgbClr val="FF0000"/>
-                </a:solidFill>
-              </a:rPr>
-              <a:t>sp_whl</a:t>
-            </a:r>
-            <a:r>
-              <a:rPr lang="en-US" altLang="ko-KR" dirty="0" smtClean="0"/>
-              <a:t>, </a:t>
-            </a:r>
-            <a:r>
-              <a:rPr lang="en-US" altLang="ko-KR" dirty="0"/>
-              <a:t>SOC - </a:t>
-            </a:r>
-            <a:r>
-              <a:rPr lang="en-US" altLang="ko-KR" dirty="0" smtClean="0"/>
-              <a:t>0.6]</a:t>
-            </a:r>
-            <a:endParaRPr lang="en-US" altLang="ko-KR" dirty="0"/>
-          </a:p>
-          <a:p>
-            <a:pPr marL="742950" lvl="1" indent="-285750">
-              <a:buFontTx/>
-              <a:buChar char="-"/>
-            </a:pPr>
-            <a:r>
-              <a:rPr lang="en-US" altLang="ko-KR" dirty="0"/>
-              <a:t>Replay memory</a:t>
-            </a:r>
-            <a:r>
-              <a:rPr lang="ko-KR" altLang="en-US" dirty="0"/>
-              <a:t>에서 모든 </a:t>
-            </a:r>
-            <a:r>
-              <a:rPr lang="en-US" altLang="ko-KR" dirty="0"/>
-              <a:t>Feature</a:t>
-            </a:r>
-            <a:r>
-              <a:rPr lang="ko-KR" altLang="en-US" dirty="0"/>
-              <a:t>에 대해</a:t>
-            </a:r>
-            <a:r>
-              <a:rPr lang="en-US" altLang="ko-KR" dirty="0"/>
-              <a:t> </a:t>
-            </a:r>
-            <a:r>
-              <a:rPr lang="en-US" altLang="ko-KR" dirty="0">
-                <a:solidFill>
-                  <a:srgbClr val="FF0000"/>
-                </a:solidFill>
-              </a:rPr>
-              <a:t>mean-</a:t>
-            </a:r>
-            <a:r>
-              <a:rPr lang="en-US" altLang="ko-KR" dirty="0" err="1">
-                <a:solidFill>
-                  <a:srgbClr val="FF0000"/>
-                </a:solidFill>
-              </a:rPr>
-              <a:t>std</a:t>
-            </a:r>
-            <a:r>
-              <a:rPr lang="en-US" altLang="ko-KR" dirty="0">
-                <a:solidFill>
-                  <a:srgbClr val="FF0000"/>
-                </a:solidFill>
-              </a:rPr>
-              <a:t> normalization </a:t>
-            </a:r>
-            <a:r>
-              <a:rPr lang="ko-KR" altLang="en-US" dirty="0" smtClean="0"/>
-              <a:t>적용 </a:t>
-            </a:r>
-            <a:endParaRPr lang="en-US" altLang="ko-KR" dirty="0"/>
-          </a:p>
-          <a:p>
-            <a:pPr marL="742950" lvl="1" indent="-285750">
-              <a:buFontTx/>
-              <a:buChar char="-"/>
-            </a:pPr>
-            <a:r>
-              <a:rPr lang="en-US" altLang="ko-KR" dirty="0" smtClean="0"/>
-              <a:t>[X]</a:t>
             </a:r>
             <a:endParaRPr lang="en-US" altLang="ko-KR" dirty="0"/>
           </a:p>
@@ -10638,14 +10078,14 @@
       </p:sp>
       <p:sp>
         <p:nvSpPr>
-          <p:cNvPr id="6" name="TextBox 5"/>
+          <p:cNvPr id="5" name="TextBox 4"/>
           <p:cNvSpPr txBox="1"/>
           <p:nvPr/>
         </p:nvSpPr>
         <p:spPr>
           <a:xfrm>
-            <a:off x="3699233" y="6454430"/>
-            <a:ext cx="5478018" cy="369332"/>
+            <a:off x="9376757" y="4122289"/>
+            <a:ext cx="3017520" cy="369332"/>
           </a:xfrm>
           <a:prstGeom prst="rect">
             <a:avLst/>
@@ -10659,28 +10099,70 @@
           <a:lstStyle/>
           <a:p>
             <a:r>
+              <a:rPr lang="en-US" altLang="ko-KR" dirty="0" smtClean="0"/>
+              <a:t>&lt;</a:t>
+            </a:r>
+            <a:r>
+              <a:rPr lang="ko-KR" altLang="en-US" dirty="0" err="1" smtClean="0"/>
+              <a:t>하이퍼파라미터</a:t>
+            </a:r>
+            <a:r>
+              <a:rPr lang="en-US" altLang="ko-KR" dirty="0" smtClean="0"/>
+              <a:t>&gt;</a:t>
+            </a:r>
+            <a:r>
+              <a:rPr lang="ko-KR" altLang="en-US" dirty="0" smtClean="0"/>
+              <a:t> </a:t>
+            </a:r>
+            <a:endParaRPr lang="ko-KR" altLang="en-US" dirty="0"/>
+          </a:p>
+        </p:txBody>
+      </p:sp>
+      <p:sp>
+        <p:nvSpPr>
+          <p:cNvPr id="6" name="TextBox 5"/>
+          <p:cNvSpPr txBox="1"/>
+          <p:nvPr/>
+        </p:nvSpPr>
+        <p:spPr>
+          <a:xfrm>
+            <a:off x="1566247" y="4701198"/>
+            <a:ext cx="8607145" cy="369332"/>
+          </a:xfrm>
+          <a:prstGeom prst="rect">
+            <a:avLst/>
+          </a:prstGeom>
+          <a:noFill/>
+        </p:spPr>
+        <p:txBody>
+          <a:bodyPr wrap="square" rtlCol="0">
+            <a:spAutoFit/>
+          </a:bodyPr>
+          <a:lstStyle/>
+          <a:p>
+            <a:r>
+              <a:rPr lang="en-US" altLang="ko-KR" b="1" dirty="0" smtClean="0">
+                <a:solidFill>
+                  <a:srgbClr val="FF0000"/>
+                </a:solidFill>
+              </a:rPr>
+              <a:t>Mean-Standard deviation </a:t>
+            </a:r>
+            <a:r>
+              <a:rPr lang="en-US" altLang="ko-KR" b="1" dirty="0" smtClean="0">
+                <a:solidFill>
+                  <a:srgbClr val="FF0000"/>
+                </a:solidFill>
+              </a:rPr>
+              <a:t>normalization</a:t>
+            </a:r>
+            <a:r>
               <a:rPr lang="ko-KR" altLang="en-US" b="1" dirty="0" smtClean="0">
                 <a:solidFill>
                   <a:srgbClr val="FF0000"/>
                 </a:solidFill>
               </a:rPr>
-              <a:t>결론은 </a:t>
-            </a:r>
-            <a:r>
-              <a:rPr lang="en-US" altLang="ko-KR" b="1" dirty="0" smtClean="0">
-                <a:solidFill>
-                  <a:srgbClr val="FF0000"/>
-                </a:solidFill>
-              </a:rPr>
-              <a:t>Env1</a:t>
-            </a:r>
-            <a:r>
-              <a:rPr lang="ko-KR" altLang="en-US" b="1" dirty="0" smtClean="0">
-                <a:solidFill>
-                  <a:srgbClr val="FF0000"/>
-                </a:solidFill>
-              </a:rPr>
-              <a:t>이 가장 적합하다는 사실임 </a:t>
+              <a:t>보다 효과가 떨어지는 것으로 보임 </a:t>
             </a:r>
             <a:endParaRPr lang="en-US" altLang="ko-KR" b="1" dirty="0">
               <a:solidFill>
@@ -10706,8 +10188,8 @@
         </p:blipFill>
         <p:spPr>
           <a:xfrm>
-            <a:off x="9109696" y="1027906"/>
-            <a:ext cx="3222004" cy="3307292"/>
+            <a:off x="9027957" y="929353"/>
+            <a:ext cx="3075374" cy="3071079"/>
           </a:xfrm>
           <a:prstGeom prst="rect">
             <a:avLst/>
@@ -10717,7 +10199,7 @@
     </p:spTree>
     <p:extLst>
       <p:ext uri="{BB962C8B-B14F-4D97-AF65-F5344CB8AC3E}">
-        <p14:creationId xmlns:p14="http://schemas.microsoft.com/office/powerpoint/2010/main" val="3545861553"/>
+        <p14:creationId xmlns:p14="http://schemas.microsoft.com/office/powerpoint/2010/main" val="3691464051"/>
       </p:ext>
     </p:extLst>
   </p:cSld>
@@ -10776,6 +10258,1606 @@
               <a:t> </a:t>
             </a:r>
             <a:r>
+              <a:rPr lang="en-US" altLang="ko-KR" dirty="0">
+                <a:solidFill>
+                  <a:srgbClr val="FF0000"/>
+                </a:solidFill>
+              </a:rPr>
+              <a:t>6</a:t>
+            </a:r>
+            <a:r>
+              <a:rPr lang="ko-KR" altLang="en-US" dirty="0" smtClean="0">
+                <a:solidFill>
+                  <a:srgbClr val="FF0000"/>
+                </a:solidFill>
+              </a:rPr>
+              <a:t>  </a:t>
+            </a:r>
+            <a:endParaRPr lang="ko-KR" altLang="en-US" dirty="0">
+              <a:solidFill>
+                <a:srgbClr val="FF0000"/>
+              </a:solidFill>
+            </a:endParaRPr>
+          </a:p>
+        </p:txBody>
+      </p:sp>
+      <p:sp>
+        <p:nvSpPr>
+          <p:cNvPr id="4" name="TextBox 3"/>
+          <p:cNvSpPr txBox="1"/>
+          <p:nvPr/>
+        </p:nvSpPr>
+        <p:spPr>
+          <a:xfrm>
+            <a:off x="838200" y="1484771"/>
+            <a:ext cx="11000874" cy="5078313"/>
+          </a:xfrm>
+          <a:prstGeom prst="rect">
+            <a:avLst/>
+          </a:prstGeom>
+          <a:noFill/>
+        </p:spPr>
+        <p:txBody>
+          <a:bodyPr wrap="square" rtlCol="0">
+            <a:spAutoFit/>
+          </a:bodyPr>
+          <a:lstStyle/>
+          <a:p>
+            <a:pPr marL="285750" indent="-285750">
+              <a:buFontTx/>
+              <a:buChar char="-"/>
+            </a:pPr>
+            <a:r>
+              <a:rPr lang="en-US" altLang="ko-KR" b="1" dirty="0" smtClean="0">
+                <a:solidFill>
+                  <a:srgbClr val="FF0000"/>
+                </a:solidFill>
+              </a:rPr>
+              <a:t>Replay memory</a:t>
+            </a:r>
+            <a:r>
+              <a:rPr lang="ko-KR" altLang="en-US" b="1" dirty="0" smtClean="0">
+                <a:solidFill>
+                  <a:srgbClr val="FF0000"/>
+                </a:solidFill>
+              </a:rPr>
+              <a:t>에서 </a:t>
+            </a:r>
+            <a:r>
+              <a:rPr lang="en-US" altLang="ko-KR" b="1" dirty="0" smtClean="0">
+                <a:solidFill>
+                  <a:srgbClr val="FF0000"/>
+                </a:solidFill>
+              </a:rPr>
+              <a:t>experiments</a:t>
+            </a:r>
+            <a:r>
+              <a:rPr lang="ko-KR" altLang="en-US" b="1" dirty="0" smtClean="0">
+                <a:solidFill>
+                  <a:srgbClr val="FF0000"/>
+                </a:solidFill>
+              </a:rPr>
+              <a:t>를 </a:t>
+            </a:r>
+            <a:r>
+              <a:rPr lang="en-US" altLang="ko-KR" b="1" dirty="0" smtClean="0">
+                <a:solidFill>
+                  <a:srgbClr val="FF0000"/>
+                </a:solidFill>
+              </a:rPr>
+              <a:t>normalization</a:t>
+            </a:r>
+            <a:r>
+              <a:rPr lang="ko-KR" altLang="en-US" b="1" dirty="0" smtClean="0">
+                <a:solidFill>
+                  <a:srgbClr val="FF0000"/>
+                </a:solidFill>
+              </a:rPr>
+              <a:t>하는 방식을 활용하기 </a:t>
+            </a:r>
+            <a:endParaRPr lang="en-US" altLang="ko-KR" b="1" dirty="0" smtClean="0">
+              <a:solidFill>
+                <a:srgbClr val="FF0000"/>
+              </a:solidFill>
+            </a:endParaRPr>
+          </a:p>
+          <a:p>
+            <a:pPr marL="285750" indent="-285750">
+              <a:buFontTx/>
+              <a:buChar char="-"/>
+            </a:pPr>
+            <a:endParaRPr lang="en-US" altLang="ko-KR" b="1" dirty="0"/>
+          </a:p>
+          <a:p>
+            <a:pPr marL="285750" indent="-285750">
+              <a:buFontTx/>
+              <a:buChar char="-"/>
+            </a:pPr>
+            <a:r>
+              <a:rPr lang="en-US" altLang="ko-KR" b="1" dirty="0">
+                <a:solidFill>
+                  <a:srgbClr val="FF0000"/>
+                </a:solidFill>
+              </a:rPr>
+              <a:t>Env1 State:</a:t>
+            </a:r>
+          </a:p>
+          <a:p>
+            <a:pPr marL="742950" lvl="1" indent="-285750">
+              <a:buFontTx/>
+              <a:buChar char="-"/>
+            </a:pPr>
+            <a:r>
+              <a:rPr lang="en-US" altLang="ko-KR" dirty="0"/>
+              <a:t>State:   [</a:t>
+            </a:r>
+            <a:r>
+              <a:rPr lang="en-US" altLang="ko-KR" dirty="0" err="1">
+                <a:solidFill>
+                  <a:srgbClr val="FF0000"/>
+                </a:solidFill>
+              </a:rPr>
+              <a:t>power_out</a:t>
+            </a:r>
+            <a:r>
+              <a:rPr lang="en-US" altLang="ko-KR" dirty="0">
+                <a:solidFill>
+                  <a:srgbClr val="FF0000"/>
+                </a:solidFill>
+              </a:rPr>
+              <a:t>/1000</a:t>
+            </a:r>
+            <a:r>
+              <a:rPr lang="en-US" altLang="ko-KR" dirty="0"/>
+              <a:t>, SOC - 0.6, </a:t>
+            </a:r>
+            <a:r>
+              <a:rPr lang="en-US" altLang="ko-KR" dirty="0" err="1"/>
+              <a:t>j_min</a:t>
+            </a:r>
+            <a:r>
+              <a:rPr lang="en-US" altLang="ko-KR" dirty="0"/>
+              <a:t>, </a:t>
+            </a:r>
+            <a:r>
+              <a:rPr lang="en-US" altLang="ko-KR" dirty="0" err="1"/>
+              <a:t>j_max</a:t>
+            </a:r>
+            <a:r>
+              <a:rPr lang="en-US" altLang="ko-KR" dirty="0" smtClean="0"/>
+              <a:t>]</a:t>
+            </a:r>
+          </a:p>
+          <a:p>
+            <a:pPr marL="742950" lvl="1" indent="-285750">
+              <a:buFontTx/>
+              <a:buChar char="-"/>
+            </a:pPr>
+            <a:r>
+              <a:rPr lang="en-US" altLang="ko-KR" dirty="0" smtClean="0"/>
+              <a:t>Replay memory</a:t>
+            </a:r>
+            <a:r>
+              <a:rPr lang="ko-KR" altLang="en-US" dirty="0" smtClean="0"/>
+              <a:t>에서 </a:t>
+            </a:r>
+            <a:r>
+              <a:rPr lang="en-US" altLang="ko-KR" dirty="0" err="1" smtClean="0"/>
+              <a:t>power_out</a:t>
+            </a:r>
+            <a:r>
+              <a:rPr lang="ko-KR" altLang="en-US" dirty="0" smtClean="0"/>
+              <a:t>에 대해</a:t>
+            </a:r>
+            <a:r>
+              <a:rPr lang="en-US" altLang="ko-KR" dirty="0" smtClean="0"/>
+              <a:t> </a:t>
+            </a:r>
+            <a:r>
+              <a:rPr lang="en-US" altLang="ko-KR" dirty="0" smtClean="0">
+                <a:solidFill>
+                  <a:srgbClr val="FF0000"/>
+                </a:solidFill>
+              </a:rPr>
+              <a:t>mean-</a:t>
+            </a:r>
+            <a:r>
+              <a:rPr lang="en-US" altLang="ko-KR" dirty="0" err="1" smtClean="0">
+                <a:solidFill>
+                  <a:srgbClr val="FF0000"/>
+                </a:solidFill>
+              </a:rPr>
+              <a:t>std</a:t>
+            </a:r>
+            <a:r>
+              <a:rPr lang="en-US" altLang="ko-KR" dirty="0" smtClean="0">
+                <a:solidFill>
+                  <a:srgbClr val="FF0000"/>
+                </a:solidFill>
+              </a:rPr>
+              <a:t> normalization </a:t>
+            </a:r>
+            <a:r>
+              <a:rPr lang="ko-KR" altLang="en-US" dirty="0" smtClean="0"/>
+              <a:t>적용 </a:t>
+            </a:r>
+            <a:endParaRPr lang="en-US" altLang="ko-KR" dirty="0" smtClean="0"/>
+          </a:p>
+          <a:p>
+            <a:pPr marL="742950" lvl="1" indent="-285750">
+              <a:buFontTx/>
+              <a:buChar char="-"/>
+            </a:pPr>
+            <a:r>
+              <a:rPr lang="en-US" altLang="ko-KR" dirty="0" smtClean="0"/>
+              <a:t>[OOX]</a:t>
+            </a:r>
+            <a:endParaRPr lang="en-US" altLang="ko-KR" dirty="0"/>
+          </a:p>
+          <a:p>
+            <a:pPr marL="285750" indent="-285750">
+              <a:buFontTx/>
+              <a:buChar char="-"/>
+            </a:pPr>
+            <a:r>
+              <a:rPr lang="en-US" altLang="ko-KR" b="1" dirty="0" smtClean="0"/>
+              <a:t>Env2 </a:t>
+            </a:r>
+            <a:r>
+              <a:rPr lang="en-US" altLang="ko-KR" b="1" dirty="0"/>
+              <a:t>State:</a:t>
+            </a:r>
+          </a:p>
+          <a:p>
+            <a:pPr marL="742950" lvl="1" indent="-285750">
+              <a:buFontTx/>
+              <a:buChar char="-"/>
+            </a:pPr>
+            <a:r>
+              <a:rPr lang="en-US" altLang="ko-KR" dirty="0"/>
+              <a:t>State:   [</a:t>
+            </a:r>
+            <a:r>
+              <a:rPr lang="en-US" altLang="ko-KR" dirty="0" err="1">
+                <a:solidFill>
+                  <a:srgbClr val="FF0000"/>
+                </a:solidFill>
+              </a:rPr>
+              <a:t>power_out</a:t>
+            </a:r>
+            <a:r>
+              <a:rPr lang="en-US" altLang="ko-KR" dirty="0">
+                <a:solidFill>
+                  <a:srgbClr val="FF0000"/>
+                </a:solidFill>
+              </a:rPr>
+              <a:t>/1000</a:t>
+            </a:r>
+            <a:r>
+              <a:rPr lang="en-US" altLang="ko-KR" dirty="0"/>
+              <a:t>, SOC </a:t>
+            </a:r>
+            <a:r>
+              <a:rPr lang="en-US" altLang="ko-KR" dirty="0" smtClean="0"/>
+              <a:t>– </a:t>
+            </a:r>
+            <a:r>
+              <a:rPr lang="en-US" altLang="ko-KR" dirty="0"/>
+              <a:t>0.6, </a:t>
+            </a:r>
+            <a:r>
+              <a:rPr lang="en-US" altLang="ko-KR" dirty="0" err="1"/>
+              <a:t>j_min</a:t>
+            </a:r>
+            <a:r>
+              <a:rPr lang="en-US" altLang="ko-KR" dirty="0"/>
+              <a:t>, </a:t>
+            </a:r>
+            <a:r>
+              <a:rPr lang="en-US" altLang="ko-KR" dirty="0" err="1"/>
+              <a:t>j_max</a:t>
+            </a:r>
+            <a:r>
+              <a:rPr lang="en-US" altLang="ko-KR" dirty="0"/>
+              <a:t>]</a:t>
+            </a:r>
+          </a:p>
+          <a:p>
+            <a:pPr marL="742950" lvl="1" indent="-285750">
+              <a:buFontTx/>
+              <a:buChar char="-"/>
+            </a:pPr>
+            <a:r>
+              <a:rPr lang="en-US" altLang="ko-KR" dirty="0"/>
+              <a:t>Replay </a:t>
+            </a:r>
+            <a:r>
+              <a:rPr lang="en-US" altLang="ko-KR" dirty="0" smtClean="0"/>
+              <a:t>memory</a:t>
+            </a:r>
+            <a:r>
+              <a:rPr lang="ko-KR" altLang="en-US" dirty="0" smtClean="0"/>
+              <a:t>에서 </a:t>
+            </a:r>
+            <a:r>
+              <a:rPr lang="ko-KR" altLang="en-US" dirty="0" smtClean="0"/>
+              <a:t>모든 </a:t>
+            </a:r>
+            <a:r>
+              <a:rPr lang="en-US" altLang="ko-KR" dirty="0" smtClean="0"/>
+              <a:t>Feature</a:t>
+            </a:r>
+            <a:r>
+              <a:rPr lang="ko-KR" altLang="en-US" dirty="0" smtClean="0"/>
+              <a:t>에 </a:t>
+            </a:r>
+            <a:r>
+              <a:rPr lang="ko-KR" altLang="en-US" dirty="0"/>
+              <a:t>대해</a:t>
+            </a:r>
+            <a:r>
+              <a:rPr lang="en-US" altLang="ko-KR" dirty="0"/>
+              <a:t> </a:t>
+            </a:r>
+            <a:r>
+              <a:rPr lang="en-US" altLang="ko-KR" dirty="0">
+                <a:solidFill>
+                  <a:srgbClr val="FF0000"/>
+                </a:solidFill>
+              </a:rPr>
+              <a:t>mean-</a:t>
+            </a:r>
+            <a:r>
+              <a:rPr lang="en-US" altLang="ko-KR" dirty="0" err="1">
+                <a:solidFill>
+                  <a:srgbClr val="FF0000"/>
+                </a:solidFill>
+              </a:rPr>
+              <a:t>std</a:t>
+            </a:r>
+            <a:r>
+              <a:rPr lang="en-US" altLang="ko-KR" dirty="0">
+                <a:solidFill>
+                  <a:srgbClr val="FF0000"/>
+                </a:solidFill>
+              </a:rPr>
+              <a:t> normalization </a:t>
+            </a:r>
+            <a:r>
+              <a:rPr lang="ko-KR" altLang="en-US" dirty="0"/>
+              <a:t>적용 </a:t>
+            </a:r>
+            <a:endParaRPr lang="en-US" altLang="ko-KR" dirty="0" smtClean="0"/>
+          </a:p>
+          <a:p>
+            <a:pPr marL="742950" lvl="1" indent="-285750">
+              <a:buFontTx/>
+              <a:buChar char="-"/>
+            </a:pPr>
+            <a:r>
+              <a:rPr lang="en-US" altLang="ko-KR" dirty="0" smtClean="0"/>
+              <a:t>[VVV]</a:t>
+            </a:r>
+            <a:endParaRPr lang="en-US" altLang="ko-KR" dirty="0" smtClean="0"/>
+          </a:p>
+          <a:p>
+            <a:pPr marL="285750" indent="-285750">
+              <a:buFontTx/>
+              <a:buChar char="-"/>
+            </a:pPr>
+            <a:r>
+              <a:rPr lang="en-US" altLang="ko-KR" b="1" dirty="0" smtClean="0"/>
+              <a:t>Env3 </a:t>
+            </a:r>
+            <a:r>
+              <a:rPr lang="en-US" altLang="ko-KR" b="1" dirty="0"/>
+              <a:t>State:</a:t>
+            </a:r>
+          </a:p>
+          <a:p>
+            <a:pPr marL="742950" lvl="1" indent="-285750">
+              <a:buFontTx/>
+              <a:buChar char="-"/>
+            </a:pPr>
+            <a:r>
+              <a:rPr lang="en-US" altLang="ko-KR" dirty="0"/>
+              <a:t>State:   </a:t>
+            </a:r>
+            <a:r>
+              <a:rPr lang="en-US" altLang="ko-KR" dirty="0" smtClean="0"/>
+              <a:t>[</a:t>
+            </a:r>
+            <a:r>
+              <a:rPr lang="en-US" altLang="ko-KR" dirty="0" err="1" smtClean="0">
+                <a:solidFill>
+                  <a:srgbClr val="FF0000"/>
+                </a:solidFill>
+              </a:rPr>
+              <a:t>acc</a:t>
+            </a:r>
+            <a:r>
+              <a:rPr lang="en-US" altLang="ko-KR" dirty="0" smtClean="0">
+                <a:solidFill>
+                  <a:srgbClr val="FF0000"/>
+                </a:solidFill>
+              </a:rPr>
+              <a:t>, </a:t>
+            </a:r>
+            <a:r>
+              <a:rPr lang="en-US" altLang="ko-KR" dirty="0" err="1" smtClean="0">
+                <a:solidFill>
+                  <a:srgbClr val="FF0000"/>
+                </a:solidFill>
+              </a:rPr>
+              <a:t>sp_whl</a:t>
+            </a:r>
+            <a:r>
+              <a:rPr lang="en-US" altLang="ko-KR" dirty="0" smtClean="0"/>
+              <a:t>, </a:t>
+            </a:r>
+            <a:r>
+              <a:rPr lang="en-US" altLang="ko-KR" dirty="0"/>
+              <a:t>SOC </a:t>
+            </a:r>
+            <a:r>
+              <a:rPr lang="en-US" altLang="ko-KR" dirty="0" smtClean="0"/>
+              <a:t>– </a:t>
+            </a:r>
+            <a:r>
+              <a:rPr lang="en-US" altLang="ko-KR" dirty="0"/>
+              <a:t>0.6, </a:t>
+            </a:r>
+            <a:r>
+              <a:rPr lang="en-US" altLang="ko-KR" dirty="0" err="1"/>
+              <a:t>j_min</a:t>
+            </a:r>
+            <a:r>
+              <a:rPr lang="en-US" altLang="ko-KR" dirty="0"/>
+              <a:t>, </a:t>
+            </a:r>
+            <a:r>
+              <a:rPr lang="en-US" altLang="ko-KR" dirty="0" err="1"/>
+              <a:t>j_max</a:t>
+            </a:r>
+            <a:r>
+              <a:rPr lang="en-US" altLang="ko-KR" dirty="0"/>
+              <a:t>]</a:t>
+            </a:r>
+          </a:p>
+          <a:p>
+            <a:pPr marL="742950" lvl="1" indent="-285750">
+              <a:buFontTx/>
+              <a:buChar char="-"/>
+            </a:pPr>
+            <a:r>
+              <a:rPr lang="en-US" altLang="ko-KR" dirty="0"/>
+              <a:t>Replay </a:t>
+            </a:r>
+            <a:r>
+              <a:rPr lang="en-US" altLang="ko-KR" dirty="0" smtClean="0"/>
+              <a:t>memory</a:t>
+            </a:r>
+            <a:r>
+              <a:rPr lang="ko-KR" altLang="en-US" dirty="0" smtClean="0"/>
+              <a:t>에서 </a:t>
+            </a:r>
+            <a:r>
+              <a:rPr lang="en-US" altLang="ko-KR" dirty="0" err="1" smtClean="0"/>
+              <a:t>acc</a:t>
+            </a:r>
+            <a:r>
+              <a:rPr lang="en-US" altLang="ko-KR" dirty="0" smtClean="0"/>
+              <a:t>, </a:t>
+            </a:r>
+            <a:r>
+              <a:rPr lang="en-US" altLang="ko-KR" dirty="0" err="1" smtClean="0"/>
+              <a:t>sp_whl</a:t>
+            </a:r>
+            <a:r>
+              <a:rPr lang="ko-KR" altLang="en-US" dirty="0" smtClean="0"/>
+              <a:t>에 </a:t>
+            </a:r>
+            <a:r>
+              <a:rPr lang="ko-KR" altLang="en-US" dirty="0"/>
+              <a:t>대해</a:t>
+            </a:r>
+            <a:r>
+              <a:rPr lang="en-US" altLang="ko-KR" dirty="0"/>
+              <a:t> </a:t>
+            </a:r>
+            <a:r>
+              <a:rPr lang="en-US" altLang="ko-KR" dirty="0">
+                <a:solidFill>
+                  <a:srgbClr val="FF0000"/>
+                </a:solidFill>
+              </a:rPr>
+              <a:t>mean-</a:t>
+            </a:r>
+            <a:r>
+              <a:rPr lang="en-US" altLang="ko-KR" dirty="0" err="1">
+                <a:solidFill>
+                  <a:srgbClr val="FF0000"/>
+                </a:solidFill>
+              </a:rPr>
+              <a:t>std</a:t>
+            </a:r>
+            <a:r>
+              <a:rPr lang="en-US" altLang="ko-KR" dirty="0">
+                <a:solidFill>
+                  <a:srgbClr val="FF0000"/>
+                </a:solidFill>
+              </a:rPr>
+              <a:t> normalization</a:t>
+            </a:r>
+            <a:r>
+              <a:rPr lang="en-US" altLang="ko-KR" dirty="0"/>
+              <a:t> </a:t>
+            </a:r>
+            <a:r>
+              <a:rPr lang="ko-KR" altLang="en-US" dirty="0" smtClean="0"/>
+              <a:t>적용 </a:t>
+            </a:r>
+            <a:endParaRPr lang="en-US" altLang="ko-KR" dirty="0"/>
+          </a:p>
+          <a:p>
+            <a:pPr marL="742950" lvl="1" indent="-285750">
+              <a:buFontTx/>
+              <a:buChar char="-"/>
+            </a:pPr>
+            <a:r>
+              <a:rPr lang="en-US" altLang="ko-KR" dirty="0" smtClean="0"/>
+              <a:t>[VXX]</a:t>
+            </a:r>
+            <a:endParaRPr lang="en-US" altLang="ko-KR" dirty="0" smtClean="0"/>
+          </a:p>
+          <a:p>
+            <a:pPr marL="285750" indent="-285750">
+              <a:buFontTx/>
+              <a:buChar char="-"/>
+            </a:pPr>
+            <a:r>
+              <a:rPr lang="en-US" altLang="ko-KR" b="1" dirty="0" smtClean="0"/>
+              <a:t>Env4 </a:t>
+            </a:r>
+            <a:r>
+              <a:rPr lang="en-US" altLang="ko-KR" b="1" dirty="0"/>
+              <a:t>State:</a:t>
+            </a:r>
+          </a:p>
+          <a:p>
+            <a:pPr marL="742950" lvl="1" indent="-285750">
+              <a:buFontTx/>
+              <a:buChar char="-"/>
+            </a:pPr>
+            <a:r>
+              <a:rPr lang="en-US" altLang="ko-KR" dirty="0"/>
+              <a:t>State:   </a:t>
+            </a:r>
+            <a:r>
+              <a:rPr lang="en-US" altLang="ko-KR" dirty="0" smtClean="0"/>
+              <a:t>[</a:t>
+            </a:r>
+            <a:r>
+              <a:rPr lang="en-US" altLang="ko-KR" dirty="0" err="1" smtClean="0">
+                <a:solidFill>
+                  <a:srgbClr val="FF0000"/>
+                </a:solidFill>
+              </a:rPr>
+              <a:t>acc</a:t>
+            </a:r>
+            <a:r>
+              <a:rPr lang="en-US" altLang="ko-KR" dirty="0" smtClean="0">
+                <a:solidFill>
+                  <a:srgbClr val="FF0000"/>
+                </a:solidFill>
+              </a:rPr>
+              <a:t>, </a:t>
+            </a:r>
+            <a:r>
+              <a:rPr lang="en-US" altLang="ko-KR" dirty="0" err="1" smtClean="0">
+                <a:solidFill>
+                  <a:srgbClr val="FF0000"/>
+                </a:solidFill>
+              </a:rPr>
+              <a:t>sp_whl</a:t>
+            </a:r>
+            <a:r>
+              <a:rPr lang="en-US" altLang="ko-KR" dirty="0" smtClean="0"/>
+              <a:t>, </a:t>
+            </a:r>
+            <a:r>
+              <a:rPr lang="en-US" altLang="ko-KR" dirty="0"/>
+              <a:t>SOC - 0.6, </a:t>
+            </a:r>
+            <a:r>
+              <a:rPr lang="en-US" altLang="ko-KR" dirty="0" err="1"/>
+              <a:t>j_min</a:t>
+            </a:r>
+            <a:r>
+              <a:rPr lang="en-US" altLang="ko-KR" dirty="0"/>
+              <a:t>, </a:t>
+            </a:r>
+            <a:r>
+              <a:rPr lang="en-US" altLang="ko-KR" dirty="0" err="1"/>
+              <a:t>j_max</a:t>
+            </a:r>
+            <a:r>
+              <a:rPr lang="en-US" altLang="ko-KR" dirty="0"/>
+              <a:t>]</a:t>
+            </a:r>
+          </a:p>
+          <a:p>
+            <a:pPr marL="742950" lvl="1" indent="-285750">
+              <a:buFontTx/>
+              <a:buChar char="-"/>
+            </a:pPr>
+            <a:r>
+              <a:rPr lang="en-US" altLang="ko-KR" dirty="0"/>
+              <a:t>Replay memory</a:t>
+            </a:r>
+            <a:r>
+              <a:rPr lang="ko-KR" altLang="en-US" dirty="0"/>
+              <a:t>에서 모든 </a:t>
+            </a:r>
+            <a:r>
+              <a:rPr lang="en-US" altLang="ko-KR" dirty="0"/>
+              <a:t>Feature</a:t>
+            </a:r>
+            <a:r>
+              <a:rPr lang="ko-KR" altLang="en-US" dirty="0"/>
+              <a:t>에 대해</a:t>
+            </a:r>
+            <a:r>
+              <a:rPr lang="en-US" altLang="ko-KR" dirty="0"/>
+              <a:t> </a:t>
+            </a:r>
+            <a:r>
+              <a:rPr lang="en-US" altLang="ko-KR" dirty="0">
+                <a:solidFill>
+                  <a:srgbClr val="FF0000"/>
+                </a:solidFill>
+              </a:rPr>
+              <a:t>mean-</a:t>
+            </a:r>
+            <a:r>
+              <a:rPr lang="en-US" altLang="ko-KR" dirty="0" err="1">
+                <a:solidFill>
+                  <a:srgbClr val="FF0000"/>
+                </a:solidFill>
+              </a:rPr>
+              <a:t>std</a:t>
+            </a:r>
+            <a:r>
+              <a:rPr lang="en-US" altLang="ko-KR" dirty="0">
+                <a:solidFill>
+                  <a:srgbClr val="FF0000"/>
+                </a:solidFill>
+              </a:rPr>
+              <a:t> normalization </a:t>
+            </a:r>
+            <a:r>
+              <a:rPr lang="ko-KR" altLang="en-US" dirty="0" smtClean="0"/>
+              <a:t>적용 </a:t>
+            </a:r>
+            <a:endParaRPr lang="en-US" altLang="ko-KR" dirty="0"/>
+          </a:p>
+          <a:p>
+            <a:pPr marL="742950" lvl="1" indent="-285750">
+              <a:buFontTx/>
+              <a:buChar char="-"/>
+            </a:pPr>
+            <a:r>
+              <a:rPr lang="en-US" altLang="ko-KR" dirty="0" smtClean="0"/>
+              <a:t>[XXX]</a:t>
+            </a:r>
+            <a:endParaRPr lang="en-US" altLang="ko-KR" dirty="0"/>
+          </a:p>
+        </p:txBody>
+      </p:sp>
+      <p:sp>
+        <p:nvSpPr>
+          <p:cNvPr id="5" name="TextBox 4"/>
+          <p:cNvSpPr txBox="1"/>
+          <p:nvPr/>
+        </p:nvSpPr>
+        <p:spPr>
+          <a:xfrm>
+            <a:off x="9576262" y="2684188"/>
+            <a:ext cx="2262812" cy="369332"/>
+          </a:xfrm>
+          <a:prstGeom prst="rect">
+            <a:avLst/>
+          </a:prstGeom>
+          <a:noFill/>
+        </p:spPr>
+        <p:txBody>
+          <a:bodyPr wrap="square" rtlCol="0">
+            <a:spAutoFit/>
+          </a:bodyPr>
+          <a:lstStyle/>
+          <a:p>
+            <a:r>
+              <a:rPr lang="en-US" altLang="ko-KR" dirty="0" smtClean="0"/>
+              <a:t>&lt;</a:t>
+            </a:r>
+            <a:r>
+              <a:rPr lang="ko-KR" altLang="en-US" dirty="0" err="1" smtClean="0"/>
+              <a:t>하이퍼파라미터</a:t>
+            </a:r>
+            <a:r>
+              <a:rPr lang="en-US" altLang="ko-KR" dirty="0" smtClean="0"/>
+              <a:t>&gt;</a:t>
+            </a:r>
+            <a:r>
+              <a:rPr lang="ko-KR" altLang="en-US" dirty="0" smtClean="0"/>
+              <a:t> </a:t>
+            </a:r>
+            <a:endParaRPr lang="ko-KR" altLang="en-US" dirty="0"/>
+          </a:p>
+        </p:txBody>
+      </p:sp>
+      <p:pic>
+        <p:nvPicPr>
+          <p:cNvPr id="6" name="그림 5"/>
+          <p:cNvPicPr>
+            <a:picLocks noChangeAspect="1"/>
+          </p:cNvPicPr>
+          <p:nvPr/>
+        </p:nvPicPr>
+        <p:blipFill>
+          <a:blip r:embed="rId2"/>
+          <a:stretch>
+            <a:fillRect/>
+          </a:stretch>
+        </p:blipFill>
+        <p:spPr>
+          <a:xfrm>
+            <a:off x="9116299" y="1295047"/>
+            <a:ext cx="2995589" cy="3030574"/>
+          </a:xfrm>
+          <a:prstGeom prst="rect">
+            <a:avLst/>
+          </a:prstGeom>
+        </p:spPr>
+      </p:pic>
+    </p:spTree>
+    <p:extLst>
+      <p:ext uri="{BB962C8B-B14F-4D97-AF65-F5344CB8AC3E}">
+        <p14:creationId xmlns:p14="http://schemas.microsoft.com/office/powerpoint/2010/main" val="504876074"/>
+      </p:ext>
+    </p:extLst>
+  </p:cSld>
+  <p:clrMapOvr>
+    <a:masterClrMapping/>
+  </p:clrMapOvr>
+</p:sld>
+</file>
+
+<file path=ppt/slides/slide23.xml><?xml version="1.0" encoding="utf-8"?>
+<p:sld xmlns:a="http://schemas.openxmlformats.org/drawingml/2006/main" xmlns:r="http://schemas.openxmlformats.org/officeDocument/2006/relationships" xmlns:p="http://schemas.openxmlformats.org/presentationml/2006/main">
+  <p:cSld>
+    <p:spTree>
+      <p:nvGrpSpPr>
+        <p:cNvPr id="1" name=""/>
+        <p:cNvGrpSpPr/>
+        <p:nvPr/>
+      </p:nvGrpSpPr>
+      <p:grpSpPr>
+        <a:xfrm>
+          <a:off x="0" y="0"/>
+          <a:ext cx="0" cy="0"/>
+          <a:chOff x="0" y="0"/>
+          <a:chExt cx="0" cy="0"/>
+        </a:xfrm>
+      </p:grpSpPr>
+      <p:sp>
+        <p:nvSpPr>
+          <p:cNvPr id="2" name="제목 1"/>
+          <p:cNvSpPr>
+            <a:spLocks noGrp="1"/>
+          </p:cNvSpPr>
+          <p:nvPr>
+            <p:ph type="title"/>
+          </p:nvPr>
+        </p:nvSpPr>
+        <p:spPr/>
+        <p:txBody>
+          <a:bodyPr/>
+          <a:lstStyle/>
+          <a:p>
+            <a:r>
+              <a:rPr lang="en-US" altLang="ko-KR" dirty="0" smtClean="0">
+                <a:solidFill>
+                  <a:srgbClr val="FF0000"/>
+                </a:solidFill>
+              </a:rPr>
+              <a:t>DDPG</a:t>
+            </a:r>
+            <a:r>
+              <a:rPr lang="ko-KR" altLang="en-US" dirty="0" smtClean="0">
+                <a:solidFill>
+                  <a:srgbClr val="FF0000"/>
+                </a:solidFill>
+              </a:rPr>
+              <a:t> </a:t>
+            </a:r>
+            <a:r>
+              <a:rPr lang="en-US" altLang="ko-KR" dirty="0" smtClean="0">
+                <a:solidFill>
+                  <a:srgbClr val="FF0000"/>
+                </a:solidFill>
+              </a:rPr>
+              <a:t>6_ver2</a:t>
+            </a:r>
+            <a:r>
+              <a:rPr lang="ko-KR" altLang="en-US" dirty="0" smtClean="0">
+                <a:solidFill>
+                  <a:srgbClr val="FF0000"/>
+                </a:solidFill>
+              </a:rPr>
+              <a:t>  </a:t>
+            </a:r>
+            <a:endParaRPr lang="ko-KR" altLang="en-US" dirty="0">
+              <a:solidFill>
+                <a:srgbClr val="FF0000"/>
+              </a:solidFill>
+            </a:endParaRPr>
+          </a:p>
+        </p:txBody>
+      </p:sp>
+      <p:sp>
+        <p:nvSpPr>
+          <p:cNvPr id="4" name="TextBox 3"/>
+          <p:cNvSpPr txBox="1"/>
+          <p:nvPr/>
+        </p:nvSpPr>
+        <p:spPr>
+          <a:xfrm>
+            <a:off x="838200" y="1484771"/>
+            <a:ext cx="11000874" cy="5078313"/>
+          </a:xfrm>
+          <a:prstGeom prst="rect">
+            <a:avLst/>
+          </a:prstGeom>
+          <a:noFill/>
+        </p:spPr>
+        <p:txBody>
+          <a:bodyPr wrap="square" rtlCol="0">
+            <a:spAutoFit/>
+          </a:bodyPr>
+          <a:lstStyle/>
+          <a:p>
+            <a:pPr marL="285750" indent="-285750">
+              <a:buFontTx/>
+              <a:buChar char="-"/>
+            </a:pPr>
+            <a:r>
+              <a:rPr lang="en-US" altLang="ko-KR" b="1" dirty="0" smtClean="0">
+                <a:solidFill>
+                  <a:srgbClr val="FF0000"/>
+                </a:solidFill>
+              </a:rPr>
+              <a:t>Replay memory</a:t>
+            </a:r>
+            <a:r>
+              <a:rPr lang="ko-KR" altLang="en-US" b="1" dirty="0" smtClean="0">
+                <a:solidFill>
+                  <a:srgbClr val="FF0000"/>
+                </a:solidFill>
+              </a:rPr>
+              <a:t>에서 </a:t>
+            </a:r>
+            <a:r>
+              <a:rPr lang="en-US" altLang="ko-KR" b="1" dirty="0" smtClean="0">
+                <a:solidFill>
+                  <a:srgbClr val="FF0000"/>
+                </a:solidFill>
+              </a:rPr>
+              <a:t>experiments</a:t>
+            </a:r>
+            <a:r>
+              <a:rPr lang="ko-KR" altLang="en-US" b="1" dirty="0" smtClean="0">
+                <a:solidFill>
+                  <a:srgbClr val="FF0000"/>
+                </a:solidFill>
+              </a:rPr>
+              <a:t>를 </a:t>
+            </a:r>
+            <a:r>
+              <a:rPr lang="en-US" altLang="ko-KR" b="1" dirty="0" smtClean="0">
+                <a:solidFill>
+                  <a:srgbClr val="FF0000"/>
+                </a:solidFill>
+              </a:rPr>
+              <a:t>normalization</a:t>
+            </a:r>
+            <a:r>
+              <a:rPr lang="ko-KR" altLang="en-US" b="1" dirty="0" smtClean="0">
+                <a:solidFill>
+                  <a:srgbClr val="FF0000"/>
+                </a:solidFill>
+              </a:rPr>
+              <a:t>하는 방식을 활용하기 </a:t>
+            </a:r>
+            <a:endParaRPr lang="en-US" altLang="ko-KR" b="1" dirty="0" smtClean="0">
+              <a:solidFill>
+                <a:srgbClr val="FF0000"/>
+              </a:solidFill>
+            </a:endParaRPr>
+          </a:p>
+          <a:p>
+            <a:pPr marL="285750" indent="-285750">
+              <a:buFontTx/>
+              <a:buChar char="-"/>
+            </a:pPr>
+            <a:endParaRPr lang="en-US" altLang="ko-KR" b="1" dirty="0"/>
+          </a:p>
+          <a:p>
+            <a:pPr marL="285750" indent="-285750">
+              <a:buFontTx/>
+              <a:buChar char="-"/>
+            </a:pPr>
+            <a:r>
+              <a:rPr lang="en-US" altLang="ko-KR" b="1" dirty="0">
+                <a:solidFill>
+                  <a:srgbClr val="FF0000"/>
+                </a:solidFill>
+              </a:rPr>
+              <a:t>Env1 State:</a:t>
+            </a:r>
+          </a:p>
+          <a:p>
+            <a:pPr marL="742950" lvl="1" indent="-285750">
+              <a:buFontTx/>
+              <a:buChar char="-"/>
+            </a:pPr>
+            <a:r>
+              <a:rPr lang="en-US" altLang="ko-KR" dirty="0"/>
+              <a:t>State:   [</a:t>
+            </a:r>
+            <a:r>
+              <a:rPr lang="en-US" altLang="ko-KR" dirty="0" err="1">
+                <a:solidFill>
+                  <a:srgbClr val="FF0000"/>
+                </a:solidFill>
+              </a:rPr>
+              <a:t>power_out</a:t>
+            </a:r>
+            <a:r>
+              <a:rPr lang="en-US" altLang="ko-KR" dirty="0">
+                <a:solidFill>
+                  <a:srgbClr val="FF0000"/>
+                </a:solidFill>
+              </a:rPr>
+              <a:t>/1000</a:t>
+            </a:r>
+            <a:r>
+              <a:rPr lang="en-US" altLang="ko-KR" dirty="0"/>
+              <a:t>, SOC - </a:t>
+            </a:r>
+            <a:r>
+              <a:rPr lang="en-US" altLang="ko-KR" dirty="0" smtClean="0"/>
+              <a:t>0.6]</a:t>
+            </a:r>
+            <a:endParaRPr lang="en-US" altLang="ko-KR" dirty="0" smtClean="0"/>
+          </a:p>
+          <a:p>
+            <a:pPr marL="742950" lvl="1" indent="-285750">
+              <a:buFontTx/>
+              <a:buChar char="-"/>
+            </a:pPr>
+            <a:r>
+              <a:rPr lang="en-US" altLang="ko-KR" dirty="0" smtClean="0"/>
+              <a:t>Replay memory</a:t>
+            </a:r>
+            <a:r>
+              <a:rPr lang="ko-KR" altLang="en-US" dirty="0" smtClean="0"/>
+              <a:t>에서 </a:t>
+            </a:r>
+            <a:r>
+              <a:rPr lang="en-US" altLang="ko-KR" dirty="0" err="1" smtClean="0"/>
+              <a:t>power_out</a:t>
+            </a:r>
+            <a:r>
+              <a:rPr lang="ko-KR" altLang="en-US" dirty="0" smtClean="0"/>
+              <a:t>에 대해</a:t>
+            </a:r>
+            <a:r>
+              <a:rPr lang="en-US" altLang="ko-KR" dirty="0" smtClean="0"/>
+              <a:t> </a:t>
+            </a:r>
+            <a:r>
+              <a:rPr lang="en-US" altLang="ko-KR" dirty="0" smtClean="0">
+                <a:solidFill>
+                  <a:srgbClr val="FF0000"/>
+                </a:solidFill>
+              </a:rPr>
+              <a:t>mean-</a:t>
+            </a:r>
+            <a:r>
+              <a:rPr lang="en-US" altLang="ko-KR" dirty="0" err="1" smtClean="0">
+                <a:solidFill>
+                  <a:srgbClr val="FF0000"/>
+                </a:solidFill>
+              </a:rPr>
+              <a:t>std</a:t>
+            </a:r>
+            <a:r>
+              <a:rPr lang="en-US" altLang="ko-KR" dirty="0" smtClean="0">
+                <a:solidFill>
+                  <a:srgbClr val="FF0000"/>
+                </a:solidFill>
+              </a:rPr>
+              <a:t> normalization </a:t>
+            </a:r>
+            <a:r>
+              <a:rPr lang="ko-KR" altLang="en-US" dirty="0" smtClean="0"/>
+              <a:t>적용 </a:t>
+            </a:r>
+            <a:endParaRPr lang="en-US" altLang="ko-KR" dirty="0" smtClean="0"/>
+          </a:p>
+          <a:p>
+            <a:pPr marL="742950" lvl="1" indent="-285750">
+              <a:buFontTx/>
+              <a:buChar char="-"/>
+            </a:pPr>
+            <a:r>
+              <a:rPr lang="en-US" altLang="ko-KR" dirty="0" smtClean="0"/>
+              <a:t>[O]</a:t>
+            </a:r>
+            <a:endParaRPr lang="en-US" altLang="ko-KR" dirty="0"/>
+          </a:p>
+          <a:p>
+            <a:pPr marL="285750" indent="-285750">
+              <a:buFontTx/>
+              <a:buChar char="-"/>
+            </a:pPr>
+            <a:r>
+              <a:rPr lang="en-US" altLang="ko-KR" b="1" dirty="0" smtClean="0"/>
+              <a:t>Env2 </a:t>
+            </a:r>
+            <a:r>
+              <a:rPr lang="en-US" altLang="ko-KR" b="1" dirty="0"/>
+              <a:t>State:</a:t>
+            </a:r>
+          </a:p>
+          <a:p>
+            <a:pPr marL="742950" lvl="1" indent="-285750">
+              <a:buFontTx/>
+              <a:buChar char="-"/>
+            </a:pPr>
+            <a:r>
+              <a:rPr lang="en-US" altLang="ko-KR" dirty="0"/>
+              <a:t>State:   [</a:t>
+            </a:r>
+            <a:r>
+              <a:rPr lang="en-US" altLang="ko-KR" dirty="0" err="1">
+                <a:solidFill>
+                  <a:srgbClr val="FF0000"/>
+                </a:solidFill>
+              </a:rPr>
+              <a:t>power_out</a:t>
+            </a:r>
+            <a:r>
+              <a:rPr lang="en-US" altLang="ko-KR" dirty="0">
+                <a:solidFill>
+                  <a:srgbClr val="FF0000"/>
+                </a:solidFill>
+              </a:rPr>
+              <a:t>/1000</a:t>
+            </a:r>
+            <a:r>
+              <a:rPr lang="en-US" altLang="ko-KR" dirty="0"/>
+              <a:t>, SOC </a:t>
+            </a:r>
+            <a:r>
+              <a:rPr lang="en-US" altLang="ko-KR" dirty="0" smtClean="0"/>
+              <a:t>– 0.6]</a:t>
+            </a:r>
+            <a:endParaRPr lang="en-US" altLang="ko-KR" dirty="0"/>
+          </a:p>
+          <a:p>
+            <a:pPr marL="742950" lvl="1" indent="-285750">
+              <a:buFontTx/>
+              <a:buChar char="-"/>
+            </a:pPr>
+            <a:r>
+              <a:rPr lang="en-US" altLang="ko-KR" dirty="0"/>
+              <a:t>Replay </a:t>
+            </a:r>
+            <a:r>
+              <a:rPr lang="en-US" altLang="ko-KR" dirty="0" smtClean="0"/>
+              <a:t>memory</a:t>
+            </a:r>
+            <a:r>
+              <a:rPr lang="ko-KR" altLang="en-US" dirty="0" smtClean="0"/>
+              <a:t>에서 </a:t>
+            </a:r>
+            <a:r>
+              <a:rPr lang="ko-KR" altLang="en-US" dirty="0" smtClean="0"/>
+              <a:t>모든 </a:t>
+            </a:r>
+            <a:r>
+              <a:rPr lang="en-US" altLang="ko-KR" dirty="0" smtClean="0"/>
+              <a:t>Feature</a:t>
+            </a:r>
+            <a:r>
+              <a:rPr lang="ko-KR" altLang="en-US" dirty="0" smtClean="0"/>
+              <a:t>에 </a:t>
+            </a:r>
+            <a:r>
+              <a:rPr lang="ko-KR" altLang="en-US" dirty="0"/>
+              <a:t>대해</a:t>
+            </a:r>
+            <a:r>
+              <a:rPr lang="en-US" altLang="ko-KR" dirty="0"/>
+              <a:t> </a:t>
+            </a:r>
+            <a:r>
+              <a:rPr lang="en-US" altLang="ko-KR" dirty="0">
+                <a:solidFill>
+                  <a:srgbClr val="FF0000"/>
+                </a:solidFill>
+              </a:rPr>
+              <a:t>mean-</a:t>
+            </a:r>
+            <a:r>
+              <a:rPr lang="en-US" altLang="ko-KR" dirty="0" err="1">
+                <a:solidFill>
+                  <a:srgbClr val="FF0000"/>
+                </a:solidFill>
+              </a:rPr>
+              <a:t>std</a:t>
+            </a:r>
+            <a:r>
+              <a:rPr lang="en-US" altLang="ko-KR" dirty="0">
+                <a:solidFill>
+                  <a:srgbClr val="FF0000"/>
+                </a:solidFill>
+              </a:rPr>
+              <a:t> normalization </a:t>
+            </a:r>
+            <a:r>
+              <a:rPr lang="ko-KR" altLang="en-US" dirty="0"/>
+              <a:t>적용 </a:t>
+            </a:r>
+            <a:endParaRPr lang="en-US" altLang="ko-KR" dirty="0" smtClean="0"/>
+          </a:p>
+          <a:p>
+            <a:pPr marL="742950" lvl="1" indent="-285750">
+              <a:buFontTx/>
+              <a:buChar char="-"/>
+            </a:pPr>
+            <a:r>
+              <a:rPr lang="en-US" altLang="ko-KR" dirty="0" smtClean="0"/>
+              <a:t>[V]</a:t>
+            </a:r>
+            <a:endParaRPr lang="en-US" altLang="ko-KR" dirty="0" smtClean="0"/>
+          </a:p>
+          <a:p>
+            <a:pPr marL="285750" indent="-285750">
+              <a:buFontTx/>
+              <a:buChar char="-"/>
+            </a:pPr>
+            <a:r>
+              <a:rPr lang="en-US" altLang="ko-KR" b="1" dirty="0" smtClean="0"/>
+              <a:t>Env3 </a:t>
+            </a:r>
+            <a:r>
+              <a:rPr lang="en-US" altLang="ko-KR" b="1" dirty="0"/>
+              <a:t>State:</a:t>
+            </a:r>
+          </a:p>
+          <a:p>
+            <a:pPr marL="742950" lvl="1" indent="-285750">
+              <a:buFontTx/>
+              <a:buChar char="-"/>
+            </a:pPr>
+            <a:r>
+              <a:rPr lang="en-US" altLang="ko-KR" dirty="0"/>
+              <a:t>State:   </a:t>
+            </a:r>
+            <a:r>
+              <a:rPr lang="en-US" altLang="ko-KR" dirty="0" smtClean="0"/>
+              <a:t>[</a:t>
+            </a:r>
+            <a:r>
+              <a:rPr lang="en-US" altLang="ko-KR" dirty="0" err="1" smtClean="0">
+                <a:solidFill>
+                  <a:srgbClr val="FF0000"/>
+                </a:solidFill>
+              </a:rPr>
+              <a:t>acc</a:t>
+            </a:r>
+            <a:r>
+              <a:rPr lang="en-US" altLang="ko-KR" dirty="0" smtClean="0">
+                <a:solidFill>
+                  <a:srgbClr val="FF0000"/>
+                </a:solidFill>
+              </a:rPr>
+              <a:t>, </a:t>
+            </a:r>
+            <a:r>
+              <a:rPr lang="en-US" altLang="ko-KR" dirty="0" err="1" smtClean="0">
+                <a:solidFill>
+                  <a:srgbClr val="FF0000"/>
+                </a:solidFill>
+              </a:rPr>
+              <a:t>sp_whl</a:t>
+            </a:r>
+            <a:r>
+              <a:rPr lang="en-US" altLang="ko-KR" dirty="0" smtClean="0"/>
+              <a:t>, </a:t>
+            </a:r>
+            <a:r>
+              <a:rPr lang="en-US" altLang="ko-KR" dirty="0"/>
+              <a:t>SOC </a:t>
+            </a:r>
+            <a:r>
+              <a:rPr lang="en-US" altLang="ko-KR" dirty="0" smtClean="0"/>
+              <a:t>– 0.6]</a:t>
+            </a:r>
+            <a:endParaRPr lang="en-US" altLang="ko-KR" dirty="0"/>
+          </a:p>
+          <a:p>
+            <a:pPr marL="742950" lvl="1" indent="-285750">
+              <a:buFontTx/>
+              <a:buChar char="-"/>
+            </a:pPr>
+            <a:r>
+              <a:rPr lang="en-US" altLang="ko-KR" dirty="0"/>
+              <a:t>Replay </a:t>
+            </a:r>
+            <a:r>
+              <a:rPr lang="en-US" altLang="ko-KR" dirty="0" smtClean="0"/>
+              <a:t>memory</a:t>
+            </a:r>
+            <a:r>
+              <a:rPr lang="ko-KR" altLang="en-US" dirty="0" smtClean="0"/>
+              <a:t>에서 </a:t>
+            </a:r>
+            <a:r>
+              <a:rPr lang="en-US" altLang="ko-KR" dirty="0" err="1" smtClean="0"/>
+              <a:t>acc</a:t>
+            </a:r>
+            <a:r>
+              <a:rPr lang="en-US" altLang="ko-KR" dirty="0" smtClean="0"/>
+              <a:t>, </a:t>
+            </a:r>
+            <a:r>
+              <a:rPr lang="en-US" altLang="ko-KR" dirty="0" err="1" smtClean="0"/>
+              <a:t>sp_whl</a:t>
+            </a:r>
+            <a:r>
+              <a:rPr lang="ko-KR" altLang="en-US" dirty="0" smtClean="0"/>
+              <a:t>에 </a:t>
+            </a:r>
+            <a:r>
+              <a:rPr lang="ko-KR" altLang="en-US" dirty="0"/>
+              <a:t>대해</a:t>
+            </a:r>
+            <a:r>
+              <a:rPr lang="en-US" altLang="ko-KR" dirty="0"/>
+              <a:t> </a:t>
+            </a:r>
+            <a:r>
+              <a:rPr lang="en-US" altLang="ko-KR" dirty="0">
+                <a:solidFill>
+                  <a:srgbClr val="FF0000"/>
+                </a:solidFill>
+              </a:rPr>
+              <a:t>mean-</a:t>
+            </a:r>
+            <a:r>
+              <a:rPr lang="en-US" altLang="ko-KR" dirty="0" err="1">
+                <a:solidFill>
+                  <a:srgbClr val="FF0000"/>
+                </a:solidFill>
+              </a:rPr>
+              <a:t>std</a:t>
+            </a:r>
+            <a:r>
+              <a:rPr lang="en-US" altLang="ko-KR" dirty="0">
+                <a:solidFill>
+                  <a:srgbClr val="FF0000"/>
+                </a:solidFill>
+              </a:rPr>
+              <a:t> normalization</a:t>
+            </a:r>
+            <a:r>
+              <a:rPr lang="en-US" altLang="ko-KR" dirty="0"/>
+              <a:t> </a:t>
+            </a:r>
+            <a:r>
+              <a:rPr lang="ko-KR" altLang="en-US" dirty="0" smtClean="0"/>
+              <a:t>적용 </a:t>
+            </a:r>
+            <a:endParaRPr lang="en-US" altLang="ko-KR" dirty="0"/>
+          </a:p>
+          <a:p>
+            <a:pPr marL="742950" lvl="1" indent="-285750">
+              <a:buFontTx/>
+              <a:buChar char="-"/>
+            </a:pPr>
+            <a:r>
+              <a:rPr lang="en-US" altLang="ko-KR" dirty="0" smtClean="0"/>
+              <a:t>[X]</a:t>
+            </a:r>
+            <a:endParaRPr lang="en-US" altLang="ko-KR" dirty="0" smtClean="0"/>
+          </a:p>
+          <a:p>
+            <a:pPr marL="285750" indent="-285750">
+              <a:buFontTx/>
+              <a:buChar char="-"/>
+            </a:pPr>
+            <a:r>
+              <a:rPr lang="en-US" altLang="ko-KR" b="1" dirty="0" smtClean="0"/>
+              <a:t>Env4 </a:t>
+            </a:r>
+            <a:r>
+              <a:rPr lang="en-US" altLang="ko-KR" b="1" dirty="0"/>
+              <a:t>State:</a:t>
+            </a:r>
+          </a:p>
+          <a:p>
+            <a:pPr marL="742950" lvl="1" indent="-285750">
+              <a:buFontTx/>
+              <a:buChar char="-"/>
+            </a:pPr>
+            <a:r>
+              <a:rPr lang="en-US" altLang="ko-KR" dirty="0"/>
+              <a:t>State:   </a:t>
+            </a:r>
+            <a:r>
+              <a:rPr lang="en-US" altLang="ko-KR" dirty="0" smtClean="0"/>
+              <a:t>[</a:t>
+            </a:r>
+            <a:r>
+              <a:rPr lang="en-US" altLang="ko-KR" dirty="0" err="1" smtClean="0">
+                <a:solidFill>
+                  <a:srgbClr val="FF0000"/>
+                </a:solidFill>
+              </a:rPr>
+              <a:t>acc</a:t>
+            </a:r>
+            <a:r>
+              <a:rPr lang="en-US" altLang="ko-KR" dirty="0" smtClean="0">
+                <a:solidFill>
+                  <a:srgbClr val="FF0000"/>
+                </a:solidFill>
+              </a:rPr>
+              <a:t>, </a:t>
+            </a:r>
+            <a:r>
+              <a:rPr lang="en-US" altLang="ko-KR" dirty="0" err="1" smtClean="0">
+                <a:solidFill>
+                  <a:srgbClr val="FF0000"/>
+                </a:solidFill>
+              </a:rPr>
+              <a:t>sp_whl</a:t>
+            </a:r>
+            <a:r>
+              <a:rPr lang="en-US" altLang="ko-KR" dirty="0" smtClean="0"/>
+              <a:t>, </a:t>
+            </a:r>
+            <a:r>
+              <a:rPr lang="en-US" altLang="ko-KR" dirty="0"/>
+              <a:t>SOC - </a:t>
+            </a:r>
+            <a:r>
+              <a:rPr lang="en-US" altLang="ko-KR" dirty="0" smtClean="0"/>
+              <a:t>0.6]</a:t>
+            </a:r>
+            <a:endParaRPr lang="en-US" altLang="ko-KR" dirty="0"/>
+          </a:p>
+          <a:p>
+            <a:pPr marL="742950" lvl="1" indent="-285750">
+              <a:buFontTx/>
+              <a:buChar char="-"/>
+            </a:pPr>
+            <a:r>
+              <a:rPr lang="en-US" altLang="ko-KR" dirty="0"/>
+              <a:t>Replay memory</a:t>
+            </a:r>
+            <a:r>
+              <a:rPr lang="ko-KR" altLang="en-US" dirty="0"/>
+              <a:t>에서 모든 </a:t>
+            </a:r>
+            <a:r>
+              <a:rPr lang="en-US" altLang="ko-KR" dirty="0"/>
+              <a:t>Feature</a:t>
+            </a:r>
+            <a:r>
+              <a:rPr lang="ko-KR" altLang="en-US" dirty="0"/>
+              <a:t>에 대해</a:t>
+            </a:r>
+            <a:r>
+              <a:rPr lang="en-US" altLang="ko-KR" dirty="0"/>
+              <a:t> </a:t>
+            </a:r>
+            <a:r>
+              <a:rPr lang="en-US" altLang="ko-KR" dirty="0">
+                <a:solidFill>
+                  <a:srgbClr val="FF0000"/>
+                </a:solidFill>
+              </a:rPr>
+              <a:t>mean-</a:t>
+            </a:r>
+            <a:r>
+              <a:rPr lang="en-US" altLang="ko-KR" dirty="0" err="1">
+                <a:solidFill>
+                  <a:srgbClr val="FF0000"/>
+                </a:solidFill>
+              </a:rPr>
+              <a:t>std</a:t>
+            </a:r>
+            <a:r>
+              <a:rPr lang="en-US" altLang="ko-KR" dirty="0">
+                <a:solidFill>
+                  <a:srgbClr val="FF0000"/>
+                </a:solidFill>
+              </a:rPr>
+              <a:t> normalization </a:t>
+            </a:r>
+            <a:r>
+              <a:rPr lang="ko-KR" altLang="en-US" dirty="0" smtClean="0"/>
+              <a:t>적용 </a:t>
+            </a:r>
+            <a:endParaRPr lang="en-US" altLang="ko-KR" dirty="0"/>
+          </a:p>
+          <a:p>
+            <a:pPr marL="742950" lvl="1" indent="-285750">
+              <a:buFontTx/>
+              <a:buChar char="-"/>
+            </a:pPr>
+            <a:r>
+              <a:rPr lang="en-US" altLang="ko-KR" dirty="0" smtClean="0"/>
+              <a:t>[X]</a:t>
+            </a:r>
+            <a:endParaRPr lang="en-US" altLang="ko-KR" dirty="0"/>
+          </a:p>
+        </p:txBody>
+      </p:sp>
+      <p:sp>
+        <p:nvSpPr>
+          <p:cNvPr id="6" name="TextBox 5"/>
+          <p:cNvSpPr txBox="1"/>
+          <p:nvPr/>
+        </p:nvSpPr>
+        <p:spPr>
+          <a:xfrm>
+            <a:off x="3699233" y="6454430"/>
+            <a:ext cx="5478018" cy="369332"/>
+          </a:xfrm>
+          <a:prstGeom prst="rect">
+            <a:avLst/>
+          </a:prstGeom>
+          <a:noFill/>
+        </p:spPr>
+        <p:txBody>
+          <a:bodyPr wrap="square" rtlCol="0">
+            <a:spAutoFit/>
+          </a:bodyPr>
+          <a:lstStyle/>
+          <a:p>
+            <a:r>
+              <a:rPr lang="ko-KR" altLang="en-US" b="1" dirty="0" smtClean="0">
+                <a:solidFill>
+                  <a:srgbClr val="FF0000"/>
+                </a:solidFill>
+              </a:rPr>
+              <a:t>결론은 </a:t>
+            </a:r>
+            <a:r>
+              <a:rPr lang="en-US" altLang="ko-KR" b="1" dirty="0" smtClean="0">
+                <a:solidFill>
+                  <a:srgbClr val="FF0000"/>
+                </a:solidFill>
+              </a:rPr>
+              <a:t>Env1</a:t>
+            </a:r>
+            <a:r>
+              <a:rPr lang="ko-KR" altLang="en-US" b="1" dirty="0" smtClean="0">
+                <a:solidFill>
+                  <a:srgbClr val="FF0000"/>
+                </a:solidFill>
+              </a:rPr>
+              <a:t>이 가장 적합하다는 사실임 </a:t>
+            </a:r>
+            <a:endParaRPr lang="en-US" altLang="ko-KR" b="1" dirty="0">
+              <a:solidFill>
+                <a:srgbClr val="FF0000"/>
+              </a:solidFill>
+            </a:endParaRPr>
+          </a:p>
+        </p:txBody>
+      </p:sp>
+      <p:pic>
+        <p:nvPicPr>
+          <p:cNvPr id="7" name="그림 6"/>
+          <p:cNvPicPr>
+            <a:picLocks noChangeAspect="1"/>
+          </p:cNvPicPr>
+          <p:nvPr/>
+        </p:nvPicPr>
+        <p:blipFill>
+          <a:blip r:embed="rId2"/>
+          <a:stretch>
+            <a:fillRect/>
+          </a:stretch>
+        </p:blipFill>
+        <p:spPr>
+          <a:xfrm>
+            <a:off x="9109696" y="1027906"/>
+            <a:ext cx="3222004" cy="3307292"/>
+          </a:xfrm>
+          <a:prstGeom prst="rect">
+            <a:avLst/>
+          </a:prstGeom>
+        </p:spPr>
+      </p:pic>
+    </p:spTree>
+    <p:extLst>
+      <p:ext uri="{BB962C8B-B14F-4D97-AF65-F5344CB8AC3E}">
+        <p14:creationId xmlns:p14="http://schemas.microsoft.com/office/powerpoint/2010/main" val="3545861553"/>
+      </p:ext>
+    </p:extLst>
+  </p:cSld>
+  <p:clrMapOvr>
+    <a:masterClrMapping/>
+  </p:clrMapOvr>
+</p:sld>
+</file>
+
+<file path=ppt/slides/slide24.xml><?xml version="1.0" encoding="utf-8"?>
+<p:sld xmlns:a="http://schemas.openxmlformats.org/drawingml/2006/main" xmlns:r="http://schemas.openxmlformats.org/officeDocument/2006/relationships" xmlns:p="http://schemas.openxmlformats.org/presentationml/2006/main">
+  <p:cSld>
+    <p:spTree>
+      <p:nvGrpSpPr>
+        <p:cNvPr id="1" name=""/>
+        <p:cNvGrpSpPr/>
+        <p:nvPr/>
+      </p:nvGrpSpPr>
+      <p:grpSpPr>
+        <a:xfrm>
+          <a:off x="0" y="0"/>
+          <a:ext cx="0" cy="0"/>
+          <a:chOff x="0" y="0"/>
+          <a:chExt cx="0" cy="0"/>
+        </a:xfrm>
+      </p:grpSpPr>
+      <p:sp>
+        <p:nvSpPr>
+          <p:cNvPr id="2" name="제목 1"/>
+          <p:cNvSpPr>
+            <a:spLocks noGrp="1"/>
+          </p:cNvSpPr>
+          <p:nvPr>
+            <p:ph type="title"/>
+          </p:nvPr>
+        </p:nvSpPr>
+        <p:spPr/>
+        <p:txBody>
+          <a:bodyPr/>
+          <a:lstStyle/>
+          <a:p>
+            <a:r>
+              <a:rPr lang="en-US" altLang="ko-KR" dirty="0" smtClean="0">
+                <a:solidFill>
+                  <a:srgbClr val="FF0000"/>
+                </a:solidFill>
+              </a:rPr>
+              <a:t>DDPG</a:t>
+            </a:r>
+            <a:r>
+              <a:rPr lang="ko-KR" altLang="en-US" dirty="0" smtClean="0">
+                <a:solidFill>
+                  <a:srgbClr val="FF0000"/>
+                </a:solidFill>
+              </a:rPr>
+              <a:t> </a:t>
+            </a:r>
+            <a:r>
               <a:rPr lang="en-US" altLang="ko-KR" dirty="0" smtClean="0">
                 <a:solidFill>
                   <a:srgbClr val="FF0000"/>
@@ -11056,63 +12138,9 @@
           </a:p>
         </p:txBody>
       </p:sp>
-      <p:sp>
-        <p:nvSpPr>
-          <p:cNvPr id="6" name="TextBox 5"/>
-          <p:cNvSpPr txBox="1"/>
-          <p:nvPr/>
-        </p:nvSpPr>
-        <p:spPr>
-          <a:xfrm>
-            <a:off x="3740796" y="5722910"/>
-            <a:ext cx="5478018" cy="369332"/>
-          </a:xfrm>
-          <a:prstGeom prst="rect">
-            <a:avLst/>
-          </a:prstGeom>
-          <a:noFill/>
-        </p:spPr>
-        <p:txBody>
-          <a:bodyPr wrap="square" rtlCol="0">
-            <a:spAutoFit/>
-          </a:bodyPr>
-          <a:lstStyle/>
-          <a:p>
-            <a:r>
-              <a:rPr lang="ko-KR" altLang="en-US" b="1" dirty="0" smtClean="0">
-                <a:solidFill>
-                  <a:srgbClr val="FF0000"/>
-                </a:solidFill>
-              </a:rPr>
-              <a:t>결론은 </a:t>
-            </a:r>
-            <a:r>
-              <a:rPr lang="en-US" altLang="ko-KR" b="1" dirty="0" smtClean="0">
-                <a:solidFill>
-                  <a:srgbClr val="FF0000"/>
-                </a:solidFill>
-              </a:rPr>
-              <a:t>Env1</a:t>
-            </a:r>
-            <a:r>
-              <a:rPr lang="ko-KR" altLang="en-US" b="1" dirty="0" smtClean="0">
-                <a:solidFill>
-                  <a:srgbClr val="FF0000"/>
-                </a:solidFill>
-              </a:rPr>
-              <a:t>이 가장 적합하다는 사실임 </a:t>
-            </a:r>
-            <a:endParaRPr lang="en-US" altLang="ko-KR" b="1" dirty="0">
-              <a:solidFill>
-                <a:srgbClr val="FF0000"/>
-              </a:solidFill>
-            </a:endParaRPr>
-          </a:p>
-        </p:txBody>
-      </p:sp>
       <p:pic>
         <p:nvPicPr>
-          <p:cNvPr id="7" name="그림 6"/>
+          <p:cNvPr id="3" name="그림 2"/>
           <p:cNvPicPr>
             <a:picLocks noChangeAspect="1"/>
           </p:cNvPicPr>
@@ -11126,8 +12154,8 @@
         </p:blipFill>
         <p:spPr>
           <a:xfrm>
-            <a:off x="8893565" y="624807"/>
-            <a:ext cx="3222004" cy="3307292"/>
+            <a:off x="7592263" y="1027906"/>
+            <a:ext cx="4508297" cy="3244948"/>
           </a:xfrm>
           <a:prstGeom prst="rect">
             <a:avLst/>
@@ -11147,7 +12175,7 @@
 </p:sld>
 </file>
 
-<file path=ppt/slides/slide23.xml><?xml version="1.0" encoding="utf-8"?>
+<file path=ppt/slides/slide25.xml><?xml version="1.0" encoding="utf-8"?>
 <p:sld xmlns:a="http://schemas.openxmlformats.org/drawingml/2006/main" xmlns:r="http://schemas.openxmlformats.org/officeDocument/2006/relationships" xmlns:p="http://schemas.openxmlformats.org/presentationml/2006/main">
   <p:cSld>
     <p:spTree>
@@ -11560,7 +12588,7 @@
 </p:sld>
 </file>
 
-<file path=ppt/slides/slide24.xml><?xml version="1.0" encoding="utf-8"?>
+<file path=ppt/slides/slide26.xml><?xml version="1.0" encoding="utf-8"?>
 <p:sld xmlns:a="http://schemas.openxmlformats.org/drawingml/2006/main" xmlns:r="http://schemas.openxmlformats.org/officeDocument/2006/relationships" xmlns:p="http://schemas.openxmlformats.org/presentationml/2006/main">
   <p:cSld>
     <p:spTree>
@@ -11621,7 +12649,7 @@
         <p:spPr>
           <a:xfrm>
             <a:off x="838200" y="1484771"/>
-            <a:ext cx="11000874" cy="3139321"/>
+            <a:ext cx="11000874" cy="2862322"/>
           </a:xfrm>
           <a:prstGeom prst="rect">
             <a:avLst/>
@@ -11644,7 +12672,7 @@
                   <a:srgbClr val="FF0000"/>
                 </a:solidFill>
               </a:rPr>
-              <a:t>Done</a:t>
+              <a:t>Terminal state</a:t>
             </a:r>
             <a:r>
               <a:rPr lang="ko-KR" altLang="en-US" b="1" dirty="0" smtClean="0">
@@ -11652,7 +12680,7 @@
                   <a:srgbClr val="FF0000"/>
                 </a:solidFill>
               </a:rPr>
-              <a:t>을 고려한 네트워크 업데이트 알고리즘 추가 </a:t>
+              <a:t>를 고려한 네트워크 업데이트 알고리즘 추가 </a:t>
             </a:r>
             <a:endParaRPr lang="en-US" altLang="ko-KR" b="1" dirty="0" smtClean="0">
               <a:solidFill>
@@ -11672,6 +12700,178 @@
               <a:buFontTx/>
               <a:buChar char="-"/>
             </a:pPr>
+            <a:r>
+              <a:rPr lang="en-US" altLang="ko-KR" b="1" dirty="0" smtClean="0">
+                <a:solidFill>
+                  <a:srgbClr val="FF0000"/>
+                </a:solidFill>
+              </a:rPr>
+              <a:t>State</a:t>
+            </a:r>
+            <a:r>
+              <a:rPr lang="ko-KR" altLang="en-US" b="1" dirty="0" smtClean="0">
+                <a:solidFill>
+                  <a:srgbClr val="FF0000"/>
+                </a:solidFill>
+              </a:rPr>
+              <a:t>의 정의 </a:t>
+            </a:r>
+            <a:endParaRPr lang="en-US" altLang="ko-KR" b="1" dirty="0">
+              <a:solidFill>
+                <a:srgbClr val="FF0000"/>
+              </a:solidFill>
+            </a:endParaRPr>
+          </a:p>
+          <a:p>
+            <a:pPr marL="742950" lvl="2" indent="-285750">
+              <a:buFontTx/>
+              <a:buChar char="-"/>
+            </a:pPr>
+            <a:r>
+              <a:rPr lang="en-US" altLang="ko-KR" dirty="0"/>
+              <a:t>State: </a:t>
+            </a:r>
+            <a:r>
+              <a:rPr lang="en-US" altLang="ko-KR" dirty="0" smtClean="0">
+                <a:solidFill>
+                  <a:srgbClr val="FF0000"/>
+                </a:solidFill>
+              </a:rPr>
+              <a:t>[norm(</a:t>
+            </a:r>
+            <a:r>
+              <a:rPr lang="en-US" altLang="ko-KR" dirty="0" err="1" smtClean="0">
+                <a:solidFill>
+                  <a:srgbClr val="FF0000"/>
+                </a:solidFill>
+              </a:rPr>
+              <a:t>power_out</a:t>
+            </a:r>
+            <a:r>
+              <a:rPr lang="en-US" altLang="ko-KR" dirty="0" smtClean="0">
+                <a:solidFill>
+                  <a:srgbClr val="FF0000"/>
+                </a:solidFill>
+              </a:rPr>
+              <a:t>), SOC </a:t>
+            </a:r>
+            <a:r>
+              <a:rPr lang="en-US" altLang="ko-KR" dirty="0">
+                <a:solidFill>
+                  <a:srgbClr val="FF0000"/>
+                </a:solidFill>
+              </a:rPr>
+              <a:t>- 0.6, </a:t>
+            </a:r>
+            <a:r>
+              <a:rPr lang="en-US" altLang="ko-KR" dirty="0" err="1" smtClean="0">
+                <a:solidFill>
+                  <a:srgbClr val="FF0000"/>
+                </a:solidFill>
+              </a:rPr>
+              <a:t>J_min</a:t>
+            </a:r>
+            <a:r>
+              <a:rPr lang="en-US" altLang="ko-KR" dirty="0" smtClean="0">
+                <a:solidFill>
+                  <a:srgbClr val="FF0000"/>
+                </a:solidFill>
+              </a:rPr>
+              <a:t>, </a:t>
+            </a:r>
+            <a:r>
+              <a:rPr lang="en-US" altLang="ko-KR" dirty="0" err="1" smtClean="0">
+                <a:solidFill>
+                  <a:srgbClr val="FF0000"/>
+                </a:solidFill>
+              </a:rPr>
+              <a:t>J_max</a:t>
+            </a:r>
+            <a:r>
+              <a:rPr lang="en-US" altLang="ko-KR" dirty="0" smtClean="0">
+                <a:solidFill>
+                  <a:srgbClr val="FF0000"/>
+                </a:solidFill>
+              </a:rPr>
+              <a:t>]</a:t>
+            </a:r>
+            <a:endParaRPr lang="en-US" altLang="ko-KR" dirty="0">
+              <a:solidFill>
+                <a:srgbClr val="FF0000"/>
+              </a:solidFill>
+            </a:endParaRPr>
+          </a:p>
+          <a:p>
+            <a:pPr marL="742950" lvl="1" indent="-285750">
+              <a:buFontTx/>
+              <a:buChar char="-"/>
+            </a:pPr>
+            <a:r>
+              <a:rPr lang="en-US" altLang="ko-KR" dirty="0"/>
+              <a:t>Replay memory</a:t>
+            </a:r>
+            <a:r>
+              <a:rPr lang="ko-KR" altLang="en-US" dirty="0"/>
+              <a:t>에서 </a:t>
+            </a:r>
+            <a:r>
+              <a:rPr lang="en-US" altLang="ko-KR" dirty="0" err="1"/>
+              <a:t>power_out</a:t>
+            </a:r>
+            <a:r>
+              <a:rPr lang="ko-KR" altLang="en-US" dirty="0"/>
+              <a:t>에 대해</a:t>
+            </a:r>
+            <a:r>
+              <a:rPr lang="en-US" altLang="ko-KR" dirty="0"/>
+              <a:t> </a:t>
+            </a:r>
+            <a:r>
+              <a:rPr lang="en-US" altLang="ko-KR" dirty="0">
+                <a:solidFill>
+                  <a:srgbClr val="FF0000"/>
+                </a:solidFill>
+              </a:rPr>
+              <a:t>mean-</a:t>
+            </a:r>
+            <a:r>
+              <a:rPr lang="en-US" altLang="ko-KR" dirty="0" err="1">
+                <a:solidFill>
+                  <a:srgbClr val="FF0000"/>
+                </a:solidFill>
+              </a:rPr>
+              <a:t>std</a:t>
+            </a:r>
+            <a:r>
+              <a:rPr lang="en-US" altLang="ko-KR" dirty="0">
+                <a:solidFill>
+                  <a:srgbClr val="FF0000"/>
+                </a:solidFill>
+              </a:rPr>
+              <a:t> normalization </a:t>
+            </a:r>
+            <a:r>
+              <a:rPr lang="ko-KR" altLang="en-US" dirty="0"/>
+              <a:t>적용 </a:t>
+            </a:r>
+            <a:endParaRPr lang="en-US" altLang="ko-KR" dirty="0"/>
+          </a:p>
+          <a:p>
+            <a:pPr marL="0" lvl="1"/>
+            <a:endParaRPr lang="en-US" altLang="ko-KR" b="1" dirty="0" smtClean="0"/>
+          </a:p>
+          <a:p>
+            <a:pPr marL="285750" lvl="1" indent="-285750">
+              <a:buFontTx/>
+              <a:buChar char="-"/>
+            </a:pPr>
+            <a:endParaRPr lang="en-US" altLang="ko-KR" b="1" dirty="0" smtClean="0"/>
+          </a:p>
+          <a:p>
+            <a:pPr marL="285750" lvl="1" indent="-285750">
+              <a:buFontTx/>
+              <a:buChar char="-"/>
+            </a:pPr>
             <a:endParaRPr lang="en-US" altLang="ko-KR" b="1" dirty="0"/>
           </a:p>
           <a:p>
@@ -11687,154 +12887,6 @@
               <a:buChar char="-"/>
             </a:pPr>
             <a:endParaRPr lang="en-US" altLang="ko-KR" b="1" dirty="0"/>
-          </a:p>
-          <a:p>
-            <a:pPr marL="285750" lvl="1" indent="-285750">
-              <a:buFontTx/>
-              <a:buChar char="-"/>
-            </a:pPr>
-            <a:endParaRPr lang="en-US" altLang="ko-KR" b="1" dirty="0" smtClean="0"/>
-          </a:p>
-          <a:p>
-            <a:pPr marL="285750" lvl="1" indent="-285750">
-              <a:buFontTx/>
-              <a:buChar char="-"/>
-            </a:pPr>
-            <a:endParaRPr lang="en-US" altLang="ko-KR" b="1" dirty="0"/>
-          </a:p>
-          <a:p>
-            <a:pPr marL="285750" lvl="1" indent="-285750">
-              <a:buFontTx/>
-              <a:buChar char="-"/>
-            </a:pPr>
-            <a:endParaRPr lang="en-US" altLang="ko-KR" b="1" dirty="0"/>
-          </a:p>
-          <a:p>
-            <a:pPr marL="285750" indent="-285750">
-              <a:buFontTx/>
-              <a:buChar char="-"/>
-            </a:pPr>
-            <a:r>
-              <a:rPr lang="en-US" altLang="ko-KR" b="1" dirty="0">
-                <a:solidFill>
-                  <a:srgbClr val="FF0000"/>
-                </a:solidFill>
-              </a:rPr>
-              <a:t>Env1 State:</a:t>
-            </a:r>
-          </a:p>
-          <a:p>
-            <a:pPr marL="742950" lvl="2" indent="-285750">
-              <a:buFontTx/>
-              <a:buChar char="-"/>
-            </a:pPr>
-            <a:r>
-              <a:rPr lang="en-US" altLang="ko-KR" dirty="0"/>
-              <a:t>State</a:t>
-            </a:r>
-            <a:r>
-              <a:rPr lang="en-US" altLang="ko-KR" dirty="0" smtClean="0"/>
-              <a:t>: </a:t>
-            </a:r>
-            <a:r>
-              <a:rPr lang="en-US" altLang="ko-KR" dirty="0">
-                <a:solidFill>
-                  <a:srgbClr val="FF0000"/>
-                </a:solidFill>
-              </a:rPr>
-              <a:t>[</a:t>
-            </a:r>
-            <a:r>
-              <a:rPr lang="en-US" altLang="ko-KR" dirty="0" err="1">
-                <a:solidFill>
-                  <a:srgbClr val="FF0000"/>
-                </a:solidFill>
-              </a:rPr>
-              <a:t>power_out</a:t>
-            </a:r>
-            <a:r>
-              <a:rPr lang="en-US" altLang="ko-KR" dirty="0">
-                <a:solidFill>
-                  <a:srgbClr val="FF0000"/>
-                </a:solidFill>
-              </a:rPr>
-              <a:t>/1000, </a:t>
-            </a:r>
-            <a:r>
-              <a:rPr lang="en-US" altLang="ko-KR" dirty="0" err="1">
-                <a:solidFill>
-                  <a:srgbClr val="FF0000"/>
-                </a:solidFill>
-              </a:rPr>
-              <a:t>action_prev</a:t>
-            </a:r>
-            <a:r>
-              <a:rPr lang="en-US" altLang="ko-KR" dirty="0">
-                <a:solidFill>
-                  <a:srgbClr val="FF0000"/>
-                </a:solidFill>
-              </a:rPr>
-              <a:t>, SOC - 0.6, SOC]</a:t>
-            </a:r>
-          </a:p>
-          <a:p>
-            <a:pPr marL="742950" lvl="1" indent="-285750">
-              <a:buFontTx/>
-              <a:buChar char="-"/>
-            </a:pPr>
-            <a:r>
-              <a:rPr lang="en-US" altLang="ko-KR" dirty="0" smtClean="0"/>
-              <a:t>Replay </a:t>
-            </a:r>
-            <a:r>
-              <a:rPr lang="en-US" altLang="ko-KR" dirty="0" smtClean="0"/>
-              <a:t>memory</a:t>
-            </a:r>
-            <a:r>
-              <a:rPr lang="ko-KR" altLang="en-US" dirty="0" smtClean="0"/>
-              <a:t>에서 </a:t>
-            </a:r>
-            <a:r>
-              <a:rPr lang="en-US" altLang="ko-KR" dirty="0" err="1" smtClean="0"/>
-              <a:t>power_out</a:t>
-            </a:r>
-            <a:r>
-              <a:rPr lang="ko-KR" altLang="en-US" dirty="0" smtClean="0"/>
-              <a:t>에 대해</a:t>
-            </a:r>
-            <a:r>
-              <a:rPr lang="en-US" altLang="ko-KR" dirty="0" smtClean="0"/>
-              <a:t> </a:t>
-            </a:r>
-            <a:r>
-              <a:rPr lang="en-US" altLang="ko-KR" dirty="0" smtClean="0">
-                <a:solidFill>
-                  <a:srgbClr val="FF0000"/>
-                </a:solidFill>
-              </a:rPr>
-              <a:t>mean-</a:t>
-            </a:r>
-            <a:r>
-              <a:rPr lang="en-US" altLang="ko-KR" dirty="0" err="1" smtClean="0">
-                <a:solidFill>
-                  <a:srgbClr val="FF0000"/>
-                </a:solidFill>
-              </a:rPr>
-              <a:t>std</a:t>
-            </a:r>
-            <a:r>
-              <a:rPr lang="en-US" altLang="ko-KR" dirty="0" smtClean="0">
-                <a:solidFill>
-                  <a:srgbClr val="FF0000"/>
-                </a:solidFill>
-              </a:rPr>
-              <a:t> normalization </a:t>
-            </a:r>
-            <a:r>
-              <a:rPr lang="ko-KR" altLang="en-US" dirty="0" smtClean="0"/>
-              <a:t>적용 </a:t>
-            </a:r>
-            <a:endParaRPr lang="en-US" altLang="ko-KR" dirty="0" smtClean="0"/>
           </a:p>
         </p:txBody>
       </p:sp>
@@ -11906,7 +12958,7 @@
       </p:pic>
       <p:sp>
         <p:nvSpPr>
-          <p:cNvPr id="8" name="TextBox 7"/>
+          <p:cNvPr id="9" name="TextBox 8"/>
           <p:cNvSpPr txBox="1"/>
           <p:nvPr/>
         </p:nvSpPr>
@@ -11955,7 +13007,7 @@
 </p:sld>
 </file>
 
-<file path=ppt/slides/slide25.xml><?xml version="1.0" encoding="utf-8"?>
+<file path=ppt/slides/slide27.xml><?xml version="1.0" encoding="utf-8"?>
 <p:sld xmlns:a="http://schemas.openxmlformats.org/drawingml/2006/main" xmlns:r="http://schemas.openxmlformats.org/officeDocument/2006/relationships" xmlns:p="http://schemas.openxmlformats.org/presentationml/2006/main">
   <p:cSld>
     <p:spTree>
@@ -12251,7 +13303,7 @@
 </p:sld>
 </file>
 
-<file path=ppt/slides/slide26.xml><?xml version="1.0" encoding="utf-8"?>
+<file path=ppt/slides/slide28.xml><?xml version="1.0" encoding="utf-8"?>
 <p:sld xmlns:a="http://schemas.openxmlformats.org/drawingml/2006/main" xmlns:r="http://schemas.openxmlformats.org/officeDocument/2006/relationships" xmlns:p="http://schemas.openxmlformats.org/presentationml/2006/main">
   <p:cSld>
     <p:spTree>
@@ -12487,18 +13539,34 @@
           <a:lstStyle/>
           <a:p>
             <a:r>
-              <a:rPr lang="en-US" altLang="ko-KR" dirty="0" smtClean="0"/>
+              <a:rPr lang="en-US" altLang="ko-KR" dirty="0" smtClean="0">
+                <a:solidFill>
+                  <a:srgbClr val="FF0000"/>
+                </a:solidFill>
+              </a:rPr>
               <a:t>Feature Scaling</a:t>
             </a:r>
             <a:r>
-              <a:rPr lang="ko-KR" altLang="en-US" dirty="0" smtClean="0"/>
+              <a:rPr lang="ko-KR" altLang="en-US" dirty="0" smtClean="0">
+                <a:solidFill>
+                  <a:srgbClr val="FF0000"/>
+                </a:solidFill>
+              </a:rPr>
               <a:t>의 중요성 </a:t>
             </a:r>
             <a:r>
-              <a:rPr lang="en-US" altLang="ko-KR" dirty="0"/>
+              <a:rPr lang="en-US" altLang="ko-KR" dirty="0">
+                <a:solidFill>
+                  <a:srgbClr val="FF0000"/>
+                </a:solidFill>
+              </a:rPr>
               <a:t>2</a:t>
             </a:r>
-            <a:endParaRPr lang="ko-KR" altLang="en-US" dirty="0"/>
+            <a:endParaRPr lang="ko-KR" altLang="en-US" dirty="0">
+              <a:solidFill>
+                <a:srgbClr val="FF0000"/>
+              </a:solidFill>
+            </a:endParaRPr>
           </a:p>
         </p:txBody>
       </p:sp>
@@ -13504,22 +14572,42 @@
           <a:lstStyle/>
           <a:p>
             <a:r>
-              <a:rPr lang="en-US" altLang="ko-KR" dirty="0" smtClean="0"/>
+              <a:rPr lang="en-US" altLang="ko-KR" dirty="0" smtClean="0">
+                <a:solidFill>
+                  <a:srgbClr val="FF0000"/>
+                </a:solidFill>
+              </a:rPr>
               <a:t>DDQN</a:t>
             </a:r>
             <a:r>
-              <a:rPr lang="ko-KR" altLang="en-US" dirty="0" smtClean="0"/>
+              <a:rPr lang="ko-KR" altLang="en-US" dirty="0" smtClean="0">
+                <a:solidFill>
+                  <a:srgbClr val="FF0000"/>
+                </a:solidFill>
+              </a:rPr>
               <a:t> </a:t>
             </a:r>
             <a:r>
-              <a:rPr lang="en-US" altLang="ko-KR" dirty="0" smtClean="0"/>
+              <a:rPr lang="en-US" altLang="ko-KR" dirty="0" smtClean="0">
+                <a:solidFill>
+                  <a:srgbClr val="FF0000"/>
+                </a:solidFill>
+              </a:rPr>
               <a:t>3 – </a:t>
             </a:r>
             <a:r>
-              <a:rPr lang="ko-KR" altLang="en-US" dirty="0" smtClean="0"/>
+              <a:rPr lang="ko-KR" altLang="en-US" dirty="0" smtClean="0">
+                <a:solidFill>
+                  <a:srgbClr val="FF0000"/>
+                </a:solidFill>
+              </a:rPr>
               <a:t>결과   </a:t>
             </a:r>
-            <a:endParaRPr lang="ko-KR" altLang="en-US" dirty="0"/>
+            <a:endParaRPr lang="ko-KR" altLang="en-US" dirty="0">
+              <a:solidFill>
+                <a:srgbClr val="FF0000"/>
+              </a:solidFill>
+            </a:endParaRPr>
           </a:p>
         </p:txBody>
       </p:sp>
@@ -14680,22 +15768,42 @@
           <a:lstStyle/>
           <a:p>
             <a:r>
-              <a:rPr lang="en-US" altLang="ko-KR" dirty="0" smtClean="0"/>
+              <a:rPr lang="en-US" altLang="ko-KR" dirty="0" smtClean="0">
+                <a:solidFill>
+                  <a:srgbClr val="FF0000"/>
+                </a:solidFill>
+              </a:rPr>
               <a:t>DDPG</a:t>
             </a:r>
             <a:r>
-              <a:rPr lang="ko-KR" altLang="en-US" dirty="0" smtClean="0"/>
+              <a:rPr lang="ko-KR" altLang="en-US" dirty="0" smtClean="0">
+                <a:solidFill>
+                  <a:srgbClr val="FF0000"/>
+                </a:solidFill>
+              </a:rPr>
               <a:t>의 </a:t>
             </a:r>
             <a:r>
-              <a:rPr lang="en-US" altLang="ko-KR" dirty="0" smtClean="0"/>
+              <a:rPr lang="en-US" altLang="ko-KR" dirty="0" smtClean="0">
+                <a:solidFill>
+                  <a:srgbClr val="FF0000"/>
+                </a:solidFill>
+              </a:rPr>
               <a:t>State</a:t>
             </a:r>
             <a:r>
-              <a:rPr lang="ko-KR" altLang="en-US" dirty="0" smtClean="0"/>
+              <a:rPr lang="ko-KR" altLang="en-US" dirty="0" smtClean="0">
+                <a:solidFill>
+                  <a:srgbClr val="FF0000"/>
+                </a:solidFill>
+              </a:rPr>
               <a:t>의 중요성 </a:t>
             </a:r>
-            <a:endParaRPr lang="ko-KR" altLang="en-US" dirty="0"/>
+            <a:endParaRPr lang="ko-KR" altLang="en-US" dirty="0">
+              <a:solidFill>
+                <a:srgbClr val="FF0000"/>
+              </a:solidFill>
+            </a:endParaRPr>
           </a:p>
         </p:txBody>
       </p:sp>
@@ -15083,22 +16191,42 @@
           <a:lstStyle/>
           <a:p>
             <a:r>
-              <a:rPr lang="en-US" altLang="ko-KR" dirty="0" smtClean="0"/>
+              <a:rPr lang="en-US" altLang="ko-KR" dirty="0" smtClean="0">
+                <a:solidFill>
+                  <a:srgbClr val="FF0000"/>
+                </a:solidFill>
+              </a:rPr>
               <a:t>DDQN</a:t>
             </a:r>
             <a:r>
-              <a:rPr lang="ko-KR" altLang="en-US" dirty="0" smtClean="0"/>
+              <a:rPr lang="ko-KR" altLang="en-US" dirty="0" smtClean="0">
+                <a:solidFill>
+                  <a:srgbClr val="FF0000"/>
+                </a:solidFill>
+              </a:rPr>
               <a:t>과 </a:t>
             </a:r>
             <a:r>
-              <a:rPr lang="en-US" altLang="ko-KR" dirty="0" smtClean="0"/>
+              <a:rPr lang="en-US" altLang="ko-KR" dirty="0" smtClean="0">
+                <a:solidFill>
+                  <a:srgbClr val="FF0000"/>
+                </a:solidFill>
+              </a:rPr>
               <a:t>DDPG</a:t>
             </a:r>
             <a:r>
-              <a:rPr lang="ko-KR" altLang="en-US" dirty="0" smtClean="0"/>
+              <a:rPr lang="ko-KR" altLang="en-US" dirty="0" smtClean="0">
+                <a:solidFill>
+                  <a:srgbClr val="FF0000"/>
+                </a:solidFill>
+              </a:rPr>
               <a:t>의 비교</a:t>
             </a:r>
-            <a:endParaRPr lang="ko-KR" altLang="en-US" dirty="0"/>
+            <a:endParaRPr lang="ko-KR" altLang="en-US" dirty="0">
+              <a:solidFill>
+                <a:srgbClr val="FF0000"/>
+              </a:solidFill>
+            </a:endParaRPr>
           </a:p>
         </p:txBody>
       </p:sp>
@@ -15589,352 +16717,473 @@
           <a:lstStyle/>
           <a:p>
             <a:r>
-              <a:rPr lang="en-US" altLang="ko-KR" dirty="0" smtClean="0"/>
+              <a:rPr lang="en-US" altLang="ko-KR" dirty="0" smtClean="0">
+                <a:solidFill>
+                  <a:srgbClr val="FF0000"/>
+                </a:solidFill>
+              </a:rPr>
               <a:t>DDQN</a:t>
             </a:r>
             <a:r>
-              <a:rPr lang="ko-KR" altLang="en-US" dirty="0" smtClean="0"/>
-              <a:t> </a:t>
-            </a:r>
-            <a:r>
-              <a:rPr lang="en-US" altLang="ko-KR" dirty="0" smtClean="0"/>
-              <a:t>1</a:t>
-            </a:r>
-            <a:endParaRPr lang="ko-KR" altLang="en-US" dirty="0"/>
+              <a:rPr lang="ko-KR" altLang="en-US" dirty="0" smtClean="0">
+                <a:solidFill>
+                  <a:srgbClr val="FF0000"/>
+                </a:solidFill>
+              </a:rPr>
+              <a:t>과 </a:t>
+            </a:r>
+            <a:r>
+              <a:rPr lang="en-US" altLang="ko-KR" dirty="0" smtClean="0">
+                <a:solidFill>
+                  <a:srgbClr val="FF0000"/>
+                </a:solidFill>
+              </a:rPr>
+              <a:t>DDPG</a:t>
+            </a:r>
+            <a:r>
+              <a:rPr lang="ko-KR" altLang="en-US" dirty="0" smtClean="0">
+                <a:solidFill>
+                  <a:srgbClr val="FF0000"/>
+                </a:solidFill>
+              </a:rPr>
+              <a:t>의 비교</a:t>
+            </a:r>
+            <a:r>
+              <a:rPr lang="en-US" altLang="ko-KR" dirty="0" smtClean="0">
+                <a:solidFill>
+                  <a:srgbClr val="FF0000"/>
+                </a:solidFill>
+              </a:rPr>
+              <a:t>2</a:t>
+            </a:r>
+            <a:endParaRPr lang="ko-KR" altLang="en-US" dirty="0">
+              <a:solidFill>
+                <a:srgbClr val="FF0000"/>
+              </a:solidFill>
+            </a:endParaRPr>
           </a:p>
         </p:txBody>
       </p:sp>
-      <mc:AlternateContent xmlns:mc="http://schemas.openxmlformats.org/markup-compatibility/2006" xmlns:a14="http://schemas.microsoft.com/office/drawing/2010/main">
-        <mc:Choice Requires="a14">
-          <p:sp>
-            <p:nvSpPr>
-              <p:cNvPr id="4" name="TextBox 3"/>
-              <p:cNvSpPr txBox="1"/>
-              <p:nvPr/>
-            </p:nvSpPr>
-            <p:spPr>
-              <a:xfrm>
-                <a:off x="838200" y="1459832"/>
-                <a:ext cx="11000874" cy="3438570"/>
-              </a:xfrm>
-              <a:prstGeom prst="rect">
-                <a:avLst/>
-              </a:prstGeom>
-              <a:noFill/>
-            </p:spPr>
-            <p:txBody>
-              <a:bodyPr wrap="square" rtlCol="0">
-                <a:spAutoFit/>
-              </a:bodyPr>
-              <a:lstStyle/>
-              <a:p>
-                <a:pPr marL="285750" indent="-285750">
-                  <a:buFontTx/>
-                  <a:buChar char="-"/>
-                </a:pPr>
-                <a:r>
-                  <a:rPr lang="en-US" altLang="ko-KR" b="1" dirty="0" smtClean="0"/>
-                  <a:t>State, Action, Reward </a:t>
-                </a:r>
-              </a:p>
-              <a:p>
-                <a:pPr marL="742950" lvl="1" indent="-285750">
-                  <a:buFontTx/>
-                  <a:buChar char="-"/>
-                </a:pPr>
-                <a:r>
-                  <a:rPr lang="en-US" altLang="ko-KR" dirty="0" smtClean="0"/>
-                  <a:t>State:   [</a:t>
-                </a:r>
-                <a:r>
-                  <a:rPr lang="en-US" altLang="ko-KR" dirty="0" err="1" smtClean="0"/>
-                  <a:t>power_out_norm</a:t>
-                </a:r>
-                <a:r>
-                  <a:rPr lang="en-US" altLang="ko-KR" dirty="0" smtClean="0"/>
-                  <a:t>, SOC – 0.6, </a:t>
-                </a:r>
-                <a:r>
-                  <a:rPr lang="en-US" altLang="ko-KR" dirty="0" err="1" smtClean="0"/>
-                  <a:t>j_min</a:t>
-                </a:r>
-                <a:r>
-                  <a:rPr lang="en-US" altLang="ko-KR" dirty="0" smtClean="0"/>
-                  <a:t>, </a:t>
-                </a:r>
-                <a:r>
-                  <a:rPr lang="en-US" altLang="ko-KR" dirty="0" err="1" smtClean="0"/>
-                  <a:t>j_max</a:t>
-                </a:r>
-                <a:r>
-                  <a:rPr lang="en-US" altLang="ko-KR" dirty="0" smtClean="0"/>
-                  <a:t>]</a:t>
-                </a:r>
-              </a:p>
-              <a:p>
-                <a:pPr marL="742950" lvl="1" indent="-285750">
-                  <a:buFontTx/>
-                  <a:buChar char="-"/>
-                </a:pPr>
-                <a:r>
-                  <a:rPr lang="en-US" altLang="ko-KR" dirty="0" smtClean="0"/>
-                  <a:t>Action:  </a:t>
-                </a:r>
-                <a:r>
-                  <a:rPr lang="ko-KR" altLang="en-US" dirty="0" smtClean="0"/>
-                  <a:t>크기 </a:t>
-                </a:r>
-                <a:r>
-                  <a:rPr lang="en-US" altLang="ko-KR" dirty="0" smtClean="0"/>
-                  <a:t>20</a:t>
-                </a:r>
-                <a:r>
-                  <a:rPr lang="ko-KR" altLang="en-US" dirty="0" smtClean="0"/>
-                  <a:t>의 이산화 된 액션 </a:t>
-                </a:r>
-                <a:endParaRPr lang="en-US" altLang="ko-KR" dirty="0" smtClean="0"/>
-              </a:p>
-              <a:p>
-                <a:pPr marL="742950" lvl="1" indent="-285750">
-                  <a:buFontTx/>
-                  <a:buChar char="-"/>
-                </a:pPr>
-                <a:r>
-                  <a:rPr lang="en-US" altLang="ko-KR" dirty="0" smtClean="0"/>
-                  <a:t>Reward: </a:t>
-                </a:r>
-                <a14:m>
-                  <m:oMath xmlns:m="http://schemas.openxmlformats.org/officeDocument/2006/math">
-                    <m:r>
-                      <a:rPr lang="en-US" altLang="ko-KR" b="0" i="0" smtClean="0">
-                        <a:latin typeface="Cambria Math" panose="02040503050406030204" pitchFamily="18" charset="0"/>
-                      </a:rPr>
-                      <m:t>− </m:t>
-                    </m:r>
-                    <m:acc>
-                      <m:accPr>
-                        <m:chr m:val="̇"/>
-                        <m:ctrlPr>
-                          <a:rPr lang="en-US" altLang="ko-KR" i="1" smtClean="0">
-                            <a:latin typeface="Cambria Math" panose="02040503050406030204" pitchFamily="18" charset="0"/>
-                          </a:rPr>
-                        </m:ctrlPr>
-                      </m:accPr>
-                      <m:e>
-                        <m:sSub>
-                          <m:sSubPr>
-                            <m:ctrlPr>
-                              <a:rPr lang="en-US" altLang="ko-KR" b="0" i="1" smtClean="0">
-                                <a:latin typeface="Cambria Math" panose="02040503050406030204" pitchFamily="18" charset="0"/>
-                              </a:rPr>
-                            </m:ctrlPr>
-                          </m:sSubPr>
-                          <m:e>
-                            <m:r>
-                              <a:rPr lang="en-US" altLang="ko-KR" b="0" i="1" smtClean="0">
-                                <a:latin typeface="Cambria Math" panose="02040503050406030204" pitchFamily="18" charset="0"/>
-                              </a:rPr>
-                              <m:t>𝑚</m:t>
-                            </m:r>
-                          </m:e>
-                          <m:sub>
-                            <m:r>
-                              <a:rPr lang="en-US" altLang="ko-KR" b="0" i="1" smtClean="0">
-                                <a:latin typeface="Cambria Math" panose="02040503050406030204" pitchFamily="18" charset="0"/>
-                              </a:rPr>
-                              <m:t>𝑓𝑐</m:t>
-                            </m:r>
-                          </m:sub>
-                        </m:sSub>
-                      </m:e>
-                    </m:acc>
-                    <m:r>
-                      <a:rPr lang="en-US" altLang="ko-KR" b="0" i="1" smtClean="0">
-                        <a:latin typeface="Cambria Math" panose="02040503050406030204" pitchFamily="18" charset="0"/>
-                      </a:rPr>
-                      <m:t> −10</m:t>
-                    </m:r>
-                    <m:r>
-                      <a:rPr lang="en-US" altLang="ko-KR" b="0" i="1" smtClean="0">
-                        <a:latin typeface="Cambria Math" panose="02040503050406030204" pitchFamily="18" charset="0"/>
-                        <a:ea typeface="Cambria Math" panose="02040503050406030204" pitchFamily="18" charset="0"/>
-                      </a:rPr>
-                      <m:t>×</m:t>
-                    </m:r>
-                    <m:d>
-                      <m:dPr>
-                        <m:begChr m:val="|"/>
-                        <m:endChr m:val="|"/>
-                        <m:ctrlPr>
-                          <a:rPr lang="en-US" altLang="ko-KR" b="0" i="1" smtClean="0">
-                            <a:latin typeface="Cambria Math" panose="02040503050406030204" pitchFamily="18" charset="0"/>
-                            <a:ea typeface="Cambria Math" panose="02040503050406030204" pitchFamily="18" charset="0"/>
-                          </a:rPr>
-                        </m:ctrlPr>
-                      </m:dPr>
-                      <m:e>
-                        <m:r>
-                          <a:rPr lang="en-US" altLang="ko-KR" b="0" i="1" smtClean="0">
-                            <a:latin typeface="Cambria Math" panose="02040503050406030204" pitchFamily="18" charset="0"/>
-                            <a:ea typeface="Cambria Math" panose="02040503050406030204" pitchFamily="18" charset="0"/>
-                          </a:rPr>
-                          <m:t>𝑆𝑂𝐶</m:t>
-                        </m:r>
-                        <m:r>
-                          <a:rPr lang="en-US" altLang="ko-KR" b="0" i="1" smtClean="0">
-                            <a:latin typeface="Cambria Math" panose="02040503050406030204" pitchFamily="18" charset="0"/>
-                            <a:ea typeface="Cambria Math" panose="02040503050406030204" pitchFamily="18" charset="0"/>
-                          </a:rPr>
-                          <m:t>−0.6</m:t>
-                        </m:r>
-                      </m:e>
-                    </m:d>
-                    <m:r>
-                      <a:rPr lang="en-US" altLang="ko-KR" b="0" i="1" smtClean="0">
-                        <a:latin typeface="Cambria Math" panose="02040503050406030204" pitchFamily="18" charset="0"/>
-                      </a:rPr>
-                      <m:t> </m:t>
-                    </m:r>
-                  </m:oMath>
-                </a14:m>
-                <a:endParaRPr lang="en-US" altLang="ko-KR" dirty="0" smtClean="0"/>
-              </a:p>
-              <a:p>
-                <a:pPr marL="285750" indent="-285750">
-                  <a:buFontTx/>
-                  <a:buChar char="-"/>
-                </a:pPr>
-                <a:endParaRPr lang="en-US" altLang="ko-KR" dirty="0" smtClean="0"/>
-              </a:p>
-              <a:p>
-                <a:pPr marL="285750" indent="-285750">
-                  <a:buFontTx/>
-                  <a:buChar char="-"/>
-                </a:pPr>
-                <a:r>
-                  <a:rPr lang="ko-KR" altLang="en-US" b="1" dirty="0" smtClean="0"/>
-                  <a:t>네트워크 구조</a:t>
-                </a:r>
-                <a:r>
-                  <a:rPr lang="en-US" altLang="ko-KR" b="1" dirty="0" smtClean="0"/>
-                  <a:t>: </a:t>
-                </a:r>
-              </a:p>
-              <a:p>
-                <a:pPr marL="742950" lvl="1" indent="-285750">
-                  <a:buFontTx/>
-                  <a:buChar char="-"/>
-                </a:pPr>
-                <a:r>
-                  <a:rPr lang="en-US" altLang="ko-KR" b="1" dirty="0" smtClean="0"/>
-                  <a:t>Main, Target: </a:t>
-                </a:r>
-              </a:p>
-              <a:p>
-                <a:pPr marL="1200150" lvl="2" indent="-285750">
-                  <a:buFontTx/>
-                  <a:buChar char="-"/>
-                </a:pPr>
-                <a:r>
-                  <a:rPr lang="en-US" altLang="ko-KR" dirty="0" smtClean="0"/>
-                  <a:t>Input(4) </a:t>
-                </a:r>
-              </a:p>
-              <a:p>
-                <a:pPr marL="1200150" lvl="2" indent="-285750">
-                  <a:buFontTx/>
-                  <a:buChar char="-"/>
-                </a:pPr>
-                <a:r>
-                  <a:rPr lang="en-US" altLang="ko-KR" dirty="0" smtClean="0"/>
-                  <a:t>Dense(30, activation=“</a:t>
-                </a:r>
-                <a:r>
-                  <a:rPr lang="en-US" altLang="ko-KR" dirty="0" err="1" smtClean="0"/>
-                  <a:t>relu</a:t>
-                </a:r>
-                <a:r>
-                  <a:rPr lang="en-US" altLang="ko-KR" dirty="0" smtClean="0"/>
-                  <a:t>”)</a:t>
-                </a:r>
-              </a:p>
-              <a:p>
-                <a:pPr marL="1200150" lvl="2" indent="-285750">
-                  <a:buFontTx/>
-                  <a:buChar char="-"/>
-                </a:pPr>
-                <a:r>
-                  <a:rPr lang="en-US" altLang="ko-KR" dirty="0" smtClean="0"/>
-                  <a:t>Dense(30, activation=“</a:t>
-                </a:r>
-                <a:r>
-                  <a:rPr lang="en-US" altLang="ko-KR" dirty="0" err="1" smtClean="0"/>
-                  <a:t>relu</a:t>
-                </a:r>
-                <a:r>
-                  <a:rPr lang="en-US" altLang="ko-KR" dirty="0" smtClean="0"/>
-                  <a:t>”)</a:t>
-                </a:r>
-              </a:p>
-              <a:p>
-                <a:pPr marL="1200150" lvl="2" indent="-285750">
-                  <a:buFontTx/>
-                  <a:buChar char="-"/>
-                </a:pPr>
-                <a:r>
-                  <a:rPr lang="en-US" altLang="ko-KR" dirty="0" smtClean="0"/>
-                  <a:t>Output(20)</a:t>
-                </a:r>
-              </a:p>
-              <a:p>
-                <a:pPr lvl="1"/>
-                <a:endParaRPr lang="en-US" altLang="ko-KR" dirty="0" smtClean="0"/>
-              </a:p>
-            </p:txBody>
-          </p:sp>
-        </mc:Choice>
-        <mc:Fallback xmlns="">
-          <p:sp>
-            <p:nvSpPr>
-              <p:cNvPr id="4" name="TextBox 3"/>
-              <p:cNvSpPr txBox="1">
-                <a:spLocks noRot="1" noChangeAspect="1" noMove="1" noResize="1" noEditPoints="1" noAdjustHandles="1" noChangeArrowheads="1" noChangeShapeType="1" noTextEdit="1"/>
-              </p:cNvSpPr>
-              <p:nvPr/>
-            </p:nvSpPr>
-            <p:spPr>
-              <a:xfrm>
-                <a:off x="838200" y="1459832"/>
-                <a:ext cx="11000874" cy="3438570"/>
-              </a:xfrm>
-              <a:prstGeom prst="rect">
-                <a:avLst/>
-              </a:prstGeom>
-              <a:blipFill>
-                <a:blip r:embed="rId2"/>
-                <a:stretch>
-                  <a:fillRect l="-610" t="-1593"/>
-                </a:stretch>
-              </a:blipFill>
-            </p:spPr>
-            <p:txBody>
-              <a:bodyPr/>
-              <a:lstStyle/>
-              <a:p>
-                <a:r>
-                  <a:rPr lang="ko-KR" altLang="en-US">
-                    <a:noFill/>
-                  </a:rPr>
-                  <a:t> </a:t>
-                </a:r>
-              </a:p>
-            </p:txBody>
-          </p:sp>
-        </mc:Fallback>
-      </mc:AlternateContent>
+      <p:sp>
+        <p:nvSpPr>
+          <p:cNvPr id="4" name="TextBox 3"/>
+          <p:cNvSpPr txBox="1"/>
+          <p:nvPr/>
+        </p:nvSpPr>
+        <p:spPr>
+          <a:xfrm>
+            <a:off x="838200" y="1459832"/>
+            <a:ext cx="11000874" cy="4524315"/>
+          </a:xfrm>
+          <a:prstGeom prst="rect">
+            <a:avLst/>
+          </a:prstGeom>
+          <a:noFill/>
+        </p:spPr>
+        <p:txBody>
+          <a:bodyPr wrap="square" rtlCol="0">
+            <a:spAutoFit/>
+          </a:bodyPr>
+          <a:lstStyle/>
+          <a:p>
+            <a:pPr marL="285750" indent="-285750">
+              <a:buFontTx/>
+              <a:buChar char="-"/>
+            </a:pPr>
+            <a:r>
+              <a:rPr lang="en-US" altLang="ko-KR" b="1" dirty="0" smtClean="0">
+                <a:solidFill>
+                  <a:srgbClr val="FF0000"/>
+                </a:solidFill>
+              </a:rPr>
+              <a:t>DDQN</a:t>
+            </a:r>
+            <a:r>
+              <a:rPr lang="ko-KR" altLang="en-US" b="1" dirty="0" smtClean="0">
+                <a:solidFill>
+                  <a:srgbClr val="FF0000"/>
+                </a:solidFill>
+              </a:rPr>
+              <a:t>과 </a:t>
+            </a:r>
+            <a:r>
+              <a:rPr lang="en-US" altLang="ko-KR" b="1" dirty="0" smtClean="0">
+                <a:solidFill>
+                  <a:srgbClr val="FF0000"/>
+                </a:solidFill>
+              </a:rPr>
+              <a:t>DDPG </a:t>
+            </a:r>
+            <a:r>
+              <a:rPr lang="ko-KR" altLang="en-US" b="1" dirty="0" smtClean="0">
+                <a:solidFill>
+                  <a:srgbClr val="FF0000"/>
+                </a:solidFill>
+              </a:rPr>
+              <a:t>알고리즘의 학습 과정을 비교함</a:t>
+            </a:r>
+            <a:endParaRPr lang="en-US" altLang="ko-KR" b="1" dirty="0" smtClean="0">
+              <a:solidFill>
+                <a:srgbClr val="FF0000"/>
+              </a:solidFill>
+            </a:endParaRPr>
+          </a:p>
+          <a:p>
+            <a:pPr marL="285750" indent="-285750">
+              <a:buFontTx/>
+              <a:buChar char="-"/>
+            </a:pPr>
+            <a:endParaRPr lang="en-US" altLang="ko-KR" b="1" dirty="0"/>
+          </a:p>
+          <a:p>
+            <a:pPr marL="285750" indent="-285750">
+              <a:buFontTx/>
+              <a:buChar char="-"/>
+            </a:pPr>
+            <a:r>
+              <a:rPr lang="en-US" altLang="ko-KR" b="1" dirty="0" smtClean="0"/>
+              <a:t>DDQN </a:t>
+            </a:r>
+            <a:r>
+              <a:rPr lang="en-US" altLang="ko-KR" b="1" dirty="0" smtClean="0"/>
+              <a:t>State:</a:t>
+            </a:r>
+          </a:p>
+          <a:p>
+            <a:pPr marL="742950" lvl="1" indent="-285750">
+              <a:buFontTx/>
+              <a:buChar char="-"/>
+            </a:pPr>
+            <a:r>
+              <a:rPr lang="en-US" altLang="ko-KR" dirty="0" smtClean="0"/>
+              <a:t>State:   </a:t>
+            </a:r>
+            <a:r>
+              <a:rPr lang="en-US" altLang="ko-KR" dirty="0" smtClean="0"/>
+              <a:t>[</a:t>
+            </a:r>
+            <a:r>
+              <a:rPr lang="en-US" altLang="ko-KR" dirty="0" smtClean="0">
+                <a:solidFill>
+                  <a:srgbClr val="FF0000"/>
+                </a:solidFill>
+              </a:rPr>
+              <a:t>norm(</a:t>
+            </a:r>
+            <a:r>
+              <a:rPr lang="en-US" altLang="ko-KR" dirty="0" err="1" smtClean="0">
+                <a:solidFill>
+                  <a:srgbClr val="FF0000"/>
+                </a:solidFill>
+              </a:rPr>
+              <a:t>power_out</a:t>
+            </a:r>
+            <a:r>
+              <a:rPr lang="en-US" altLang="ko-KR" dirty="0" smtClean="0">
+                <a:solidFill>
+                  <a:srgbClr val="FF0000"/>
+                </a:solidFill>
+              </a:rPr>
+              <a:t>)</a:t>
+            </a:r>
+            <a:r>
+              <a:rPr lang="en-US" altLang="ko-KR" dirty="0" smtClean="0"/>
+              <a:t>, </a:t>
+            </a:r>
+            <a:r>
+              <a:rPr lang="en-US" altLang="ko-KR" dirty="0" smtClean="0"/>
+              <a:t>SOC, </a:t>
+            </a:r>
+            <a:r>
+              <a:rPr lang="en-US" altLang="ko-KR" dirty="0" err="1" smtClean="0"/>
+              <a:t>j_min</a:t>
+            </a:r>
+            <a:r>
+              <a:rPr lang="en-US" altLang="ko-KR" dirty="0" smtClean="0"/>
+              <a:t>, </a:t>
+            </a:r>
+            <a:r>
+              <a:rPr lang="en-US" altLang="ko-KR" dirty="0" err="1" smtClean="0"/>
+              <a:t>j_max</a:t>
+            </a:r>
+            <a:r>
+              <a:rPr lang="en-US" altLang="ko-KR" dirty="0" smtClean="0"/>
+              <a:t>]</a:t>
+            </a:r>
+          </a:p>
+          <a:p>
+            <a:pPr marL="742950" lvl="1" indent="-285750">
+              <a:buFontTx/>
+              <a:buChar char="-"/>
+            </a:pPr>
+            <a:r>
+              <a:rPr lang="en-US" altLang="ko-KR" dirty="0" smtClean="0"/>
+              <a:t>Replay memory</a:t>
+            </a:r>
+            <a:r>
+              <a:rPr lang="ko-KR" altLang="en-US" dirty="0" smtClean="0"/>
+              <a:t>에서 </a:t>
+            </a:r>
+            <a:r>
+              <a:rPr lang="en-US" altLang="ko-KR" dirty="0" smtClean="0"/>
+              <a:t>running mean</a:t>
+            </a:r>
+            <a:r>
+              <a:rPr lang="ko-KR" altLang="en-US" dirty="0" smtClean="0"/>
+              <a:t>과 </a:t>
+            </a:r>
+            <a:r>
+              <a:rPr lang="en-US" altLang="ko-KR" dirty="0" err="1" smtClean="0"/>
+              <a:t>std</a:t>
+            </a:r>
+            <a:r>
+              <a:rPr lang="ko-KR" altLang="en-US" dirty="0" smtClean="0"/>
+              <a:t>를 통한 정규화 진행 </a:t>
+            </a:r>
+            <a:r>
+              <a:rPr lang="en-US" altLang="ko-KR" dirty="0" smtClean="0"/>
+              <a:t> </a:t>
+            </a:r>
+          </a:p>
+          <a:p>
+            <a:pPr marL="742950" lvl="1" indent="-285750">
+              <a:buFontTx/>
+              <a:buChar char="-"/>
+            </a:pPr>
+            <a:endParaRPr lang="en-US" altLang="ko-KR" dirty="0" smtClean="0"/>
+          </a:p>
+          <a:p>
+            <a:pPr marL="742950" lvl="1" indent="-285750">
+              <a:buFontTx/>
+              <a:buChar char="-"/>
+            </a:pPr>
+            <a:endParaRPr lang="en-US" altLang="ko-KR" dirty="0"/>
+          </a:p>
+          <a:p>
+            <a:pPr marL="742950" lvl="1" indent="-285750">
+              <a:buFontTx/>
+              <a:buChar char="-"/>
+            </a:pPr>
+            <a:endParaRPr lang="en-US" altLang="ko-KR" dirty="0" smtClean="0"/>
+          </a:p>
+          <a:p>
+            <a:pPr marL="742950" lvl="1" indent="-285750">
+              <a:buFontTx/>
+              <a:buChar char="-"/>
+            </a:pPr>
+            <a:endParaRPr lang="en-US" altLang="ko-KR" dirty="0" smtClean="0"/>
+          </a:p>
+          <a:p>
+            <a:pPr marL="285750" indent="-285750">
+              <a:buFontTx/>
+              <a:buChar char="-"/>
+            </a:pPr>
+            <a:r>
+              <a:rPr lang="en-US" altLang="ko-KR" b="1" dirty="0" smtClean="0"/>
+              <a:t>DDPG</a:t>
+            </a:r>
+            <a:r>
+              <a:rPr lang="en-US" altLang="ko-KR" b="1" dirty="0" smtClean="0"/>
+              <a:t> </a:t>
+            </a:r>
+            <a:r>
+              <a:rPr lang="en-US" altLang="ko-KR" b="1" dirty="0"/>
+              <a:t>State:</a:t>
+            </a:r>
+          </a:p>
+          <a:p>
+            <a:pPr marL="742950" lvl="1" indent="-285750">
+              <a:buFontTx/>
+              <a:buChar char="-"/>
+            </a:pPr>
+            <a:r>
+              <a:rPr lang="en-US" altLang="ko-KR" dirty="0"/>
+              <a:t>State:   </a:t>
+            </a:r>
+            <a:r>
+              <a:rPr lang="en-US" altLang="ko-KR" dirty="0" smtClean="0"/>
+              <a:t>[</a:t>
+            </a:r>
+            <a:r>
+              <a:rPr lang="en-US" altLang="ko-KR" dirty="0" smtClean="0">
+                <a:solidFill>
+                  <a:srgbClr val="FF0000"/>
+                </a:solidFill>
+              </a:rPr>
+              <a:t>norm(</a:t>
+            </a:r>
+            <a:r>
+              <a:rPr lang="en-US" altLang="ko-KR" dirty="0" err="1" smtClean="0">
+                <a:solidFill>
+                  <a:srgbClr val="FF0000"/>
+                </a:solidFill>
+              </a:rPr>
+              <a:t>power_out</a:t>
+            </a:r>
+            <a:r>
+              <a:rPr lang="en-US" altLang="ko-KR" dirty="0" smtClean="0">
+                <a:solidFill>
+                  <a:srgbClr val="FF0000"/>
+                </a:solidFill>
+              </a:rPr>
+              <a:t>)</a:t>
+            </a:r>
+            <a:r>
+              <a:rPr lang="en-US" altLang="ko-KR" dirty="0" smtClean="0"/>
+              <a:t>, </a:t>
+            </a:r>
+            <a:r>
+              <a:rPr lang="en-US" altLang="ko-KR" dirty="0"/>
+              <a:t>SOC, </a:t>
+            </a:r>
+            <a:r>
+              <a:rPr lang="en-US" altLang="ko-KR" dirty="0" err="1"/>
+              <a:t>j_min</a:t>
+            </a:r>
+            <a:r>
+              <a:rPr lang="en-US" altLang="ko-KR" dirty="0"/>
+              <a:t>, </a:t>
+            </a:r>
+            <a:r>
+              <a:rPr lang="en-US" altLang="ko-KR" dirty="0" err="1"/>
+              <a:t>j_max</a:t>
+            </a:r>
+            <a:r>
+              <a:rPr lang="en-US" altLang="ko-KR" dirty="0"/>
+              <a:t>]</a:t>
+            </a:r>
+          </a:p>
+          <a:p>
+            <a:pPr marL="742950" lvl="1" indent="-285750">
+              <a:buFontTx/>
+              <a:buChar char="-"/>
+            </a:pPr>
+            <a:r>
+              <a:rPr lang="en-US" altLang="ko-KR" dirty="0"/>
+              <a:t>Replay memory</a:t>
+            </a:r>
+            <a:r>
+              <a:rPr lang="ko-KR" altLang="en-US" dirty="0"/>
+              <a:t>에서 </a:t>
+            </a:r>
+            <a:r>
+              <a:rPr lang="en-US" altLang="ko-KR" dirty="0"/>
+              <a:t>running mean</a:t>
+            </a:r>
+            <a:r>
+              <a:rPr lang="ko-KR" altLang="en-US" dirty="0"/>
+              <a:t>과 </a:t>
+            </a:r>
+            <a:r>
+              <a:rPr lang="en-US" altLang="ko-KR" dirty="0" err="1"/>
+              <a:t>std</a:t>
+            </a:r>
+            <a:r>
+              <a:rPr lang="ko-KR" altLang="en-US" dirty="0"/>
+              <a:t>를 통한 정규화 진행 </a:t>
+            </a:r>
+            <a:r>
+              <a:rPr lang="en-US" altLang="ko-KR" dirty="0"/>
+              <a:t> </a:t>
+            </a:r>
+          </a:p>
+          <a:p>
+            <a:pPr lvl="1"/>
+            <a:endParaRPr lang="en-US" altLang="ko-KR" dirty="0" smtClean="0"/>
+          </a:p>
+          <a:p>
+            <a:pPr marL="285750" indent="-285750">
+              <a:buFontTx/>
+              <a:buChar char="-"/>
+            </a:pPr>
+            <a:endParaRPr lang="en-US" altLang="ko-KR" dirty="0" smtClean="0"/>
+          </a:p>
+          <a:p>
+            <a:pPr marL="285750" indent="-285750">
+              <a:buFontTx/>
+              <a:buChar char="-"/>
+            </a:pPr>
+            <a:endParaRPr lang="en-US" altLang="ko-KR" dirty="0" smtClean="0"/>
+          </a:p>
+          <a:p>
+            <a:pPr lvl="1"/>
+            <a:endParaRPr lang="en-US" altLang="ko-KR" dirty="0" smtClean="0"/>
+          </a:p>
+        </p:txBody>
+      </p:sp>
+      <p:sp>
+        <p:nvSpPr>
+          <p:cNvPr id="6" name="TextBox 5"/>
+          <p:cNvSpPr txBox="1"/>
+          <p:nvPr/>
+        </p:nvSpPr>
+        <p:spPr>
+          <a:xfrm>
+            <a:off x="1476326" y="5707149"/>
+            <a:ext cx="5657565" cy="369332"/>
+          </a:xfrm>
+          <a:prstGeom prst="rect">
+            <a:avLst/>
+          </a:prstGeom>
+          <a:noFill/>
+        </p:spPr>
+        <p:txBody>
+          <a:bodyPr wrap="square" rtlCol="0">
+            <a:spAutoFit/>
+          </a:bodyPr>
+          <a:lstStyle/>
+          <a:p>
+            <a:r>
+              <a:rPr lang="en-US" altLang="ko-KR" b="1" dirty="0" smtClean="0">
+                <a:solidFill>
+                  <a:srgbClr val="FF0000"/>
+                </a:solidFill>
+              </a:rPr>
+              <a:t>DDPG</a:t>
+            </a:r>
+            <a:r>
+              <a:rPr lang="ko-KR" altLang="en-US" b="1" dirty="0" smtClean="0">
+                <a:solidFill>
+                  <a:srgbClr val="FF0000"/>
+                </a:solidFill>
+              </a:rPr>
+              <a:t>의 우수성을 강조함</a:t>
+            </a:r>
+            <a:endParaRPr lang="ko-KR" altLang="en-US" b="1" dirty="0">
+              <a:solidFill>
+                <a:srgbClr val="FF0000"/>
+              </a:solidFill>
+            </a:endParaRPr>
+          </a:p>
+        </p:txBody>
+      </p:sp>
       <p:pic>
         <p:nvPicPr>
-          <p:cNvPr id="3" name="그림 2"/>
+          <p:cNvPr id="5" name="그림 4"/>
+          <p:cNvPicPr>
+            <a:picLocks noChangeAspect="1"/>
+          </p:cNvPicPr>
+          <p:nvPr/>
+        </p:nvPicPr>
+        <p:blipFill>
+          <a:blip r:embed="rId2"/>
+          <a:stretch>
+            <a:fillRect/>
+          </a:stretch>
+        </p:blipFill>
+        <p:spPr>
+          <a:xfrm>
+            <a:off x="8171412" y="370234"/>
+            <a:ext cx="3737315" cy="3213826"/>
+          </a:xfrm>
+          <a:prstGeom prst="rect">
+            <a:avLst/>
+          </a:prstGeom>
+        </p:spPr>
+      </p:pic>
+      <p:pic>
+        <p:nvPicPr>
+          <p:cNvPr id="7" name="그림 6"/>
           <p:cNvPicPr>
             <a:picLocks noChangeAspect="1"/>
           </p:cNvPicPr>
@@ -15948,98 +17197,18 @@
         </p:blipFill>
         <p:spPr>
           <a:xfrm>
-            <a:off x="7946967" y="1797422"/>
-            <a:ext cx="3586508" cy="2717247"/>
+            <a:off x="8167635" y="3647174"/>
+            <a:ext cx="3741092" cy="3136011"/>
           </a:xfrm>
           <a:prstGeom prst="rect">
             <a:avLst/>
           </a:prstGeom>
         </p:spPr>
       </p:pic>
-      <p:sp>
-        <p:nvSpPr>
-          <p:cNvPr id="5" name="TextBox 4"/>
-          <p:cNvSpPr txBox="1"/>
-          <p:nvPr/>
-        </p:nvSpPr>
-        <p:spPr>
-          <a:xfrm>
-            <a:off x="8711738" y="4621403"/>
-            <a:ext cx="3017520" cy="369332"/>
-          </a:xfrm>
-          <a:prstGeom prst="rect">
-            <a:avLst/>
-          </a:prstGeom>
-          <a:noFill/>
-        </p:spPr>
-        <p:txBody>
-          <a:bodyPr wrap="square" rtlCol="0">
-            <a:spAutoFit/>
-          </a:bodyPr>
-          <a:lstStyle/>
-          <a:p>
-            <a:r>
-              <a:rPr lang="en-US" altLang="ko-KR" dirty="0" smtClean="0"/>
-              <a:t>&lt;</a:t>
-            </a:r>
-            <a:r>
-              <a:rPr lang="ko-KR" altLang="en-US" dirty="0" err="1" smtClean="0"/>
-              <a:t>하이퍼파라미터</a:t>
-            </a:r>
-            <a:r>
-              <a:rPr lang="en-US" altLang="ko-KR" dirty="0" smtClean="0"/>
-              <a:t>&gt;</a:t>
-            </a:r>
-            <a:r>
-              <a:rPr lang="ko-KR" altLang="en-US" dirty="0" smtClean="0"/>
-              <a:t> </a:t>
-            </a:r>
-            <a:endParaRPr lang="ko-KR" altLang="en-US" dirty="0"/>
-          </a:p>
-        </p:txBody>
-      </p:sp>
-      <p:sp>
-        <p:nvSpPr>
-          <p:cNvPr id="6" name="TextBox 5"/>
-          <p:cNvSpPr txBox="1"/>
-          <p:nvPr/>
-        </p:nvSpPr>
-        <p:spPr>
-          <a:xfrm>
-            <a:off x="5971594" y="5376409"/>
-            <a:ext cx="1897501" cy="461665"/>
-          </a:xfrm>
-          <a:prstGeom prst="rect">
-            <a:avLst/>
-          </a:prstGeom>
-          <a:noFill/>
-        </p:spPr>
-        <p:txBody>
-          <a:bodyPr wrap="square" rtlCol="0">
-            <a:spAutoFit/>
-          </a:bodyPr>
-          <a:lstStyle/>
-          <a:p>
-            <a:r>
-              <a:rPr lang="ko-KR" altLang="en-US" sz="2400" b="1" dirty="0" err="1" smtClean="0">
-                <a:solidFill>
-                  <a:srgbClr val="FF0000"/>
-                </a:solidFill>
-              </a:rPr>
-              <a:t>성공적임</a:t>
-            </a:r>
-            <a:r>
-              <a:rPr lang="ko-KR" altLang="en-US" dirty="0" smtClean="0"/>
-              <a:t> </a:t>
-            </a:r>
-            <a:endParaRPr lang="ko-KR" altLang="en-US" dirty="0"/>
-          </a:p>
-        </p:txBody>
-      </p:sp>
     </p:spTree>
     <p:extLst>
       <p:ext uri="{BB962C8B-B14F-4D97-AF65-F5344CB8AC3E}">
-        <p14:creationId xmlns:p14="http://schemas.microsoft.com/office/powerpoint/2010/main" val="1540073512"/>
+        <p14:creationId xmlns:p14="http://schemas.microsoft.com/office/powerpoint/2010/main" val="3935902542"/>
       </p:ext>
     </p:extLst>
   </p:cSld>
@@ -16082,27 +17251,23 @@
           <a:lstStyle/>
           <a:p>
             <a:r>
-              <a:rPr lang="en-US" altLang="ko-KR" dirty="0" smtClean="0"/>
-              <a:t>DDQN</a:t>
-            </a:r>
-            <a:r>
-              <a:rPr lang="ko-KR" altLang="en-US" dirty="0" smtClean="0"/>
-              <a:t> </a:t>
-            </a:r>
-            <a:r>
-              <a:rPr lang="en-US" altLang="ko-KR" dirty="0" smtClean="0"/>
-              <a:t>2</a:t>
-            </a:r>
-            <a:r>
-              <a:rPr lang="ko-KR" altLang="en-US" dirty="0" smtClean="0"/>
-              <a:t>  </a:t>
-            </a:r>
-            <a:endParaRPr lang="ko-KR" altLang="en-US" dirty="0"/>
+              <a:rPr lang="en-US" altLang="ko-KR" dirty="0" err="1" smtClean="0">
+                <a:solidFill>
+                  <a:srgbClr val="FF0000"/>
+                </a:solidFill>
+              </a:rPr>
+              <a:t>DDPG_rewardFactor_comparison</a:t>
+            </a:r>
+            <a:endParaRPr lang="ko-KR" altLang="en-US" dirty="0">
+              <a:solidFill>
+                <a:srgbClr val="FF0000"/>
+              </a:solidFill>
+            </a:endParaRPr>
           </a:p>
         </p:txBody>
       </p:sp>
-      <mc:AlternateContent xmlns:mc="http://schemas.openxmlformats.org/markup-compatibility/2006" xmlns:a14="http://schemas.microsoft.com/office/drawing/2010/main">
-        <mc:Choice Requires="a14">
+      <mc:AlternateContent xmlns:mc="http://schemas.openxmlformats.org/markup-compatibility/2006">
+        <mc:Choice xmlns:a14="http://schemas.microsoft.com/office/drawing/2010/main" Requires="a14">
           <p:sp>
             <p:nvSpPr>
               <p:cNvPr id="4" name="TextBox 3"/>
@@ -16112,7 +17277,7 @@
             <p:spPr>
               <a:xfrm>
                 <a:off x="838200" y="1459832"/>
-                <a:ext cx="11000874" cy="3992568"/>
+                <a:ext cx="11000874" cy="2607573"/>
               </a:xfrm>
               <a:prstGeom prst="rect">
                 <a:avLst/>
@@ -16135,7 +17300,7 @@
                       <a:srgbClr val="FF0000"/>
                     </a:solidFill>
                   </a:rPr>
-                  <a:t>Power</a:t>
+                  <a:t>DDPG </a:t>
                 </a:r>
                 <a:r>
                   <a:rPr lang="ko-KR" altLang="en-US" b="1" dirty="0" smtClean="0">
@@ -16143,7 +17308,7 @@
                       <a:srgbClr val="FF0000"/>
                     </a:solidFill>
                   </a:rPr>
-                  <a:t>를 </a:t>
+                  <a:t>알고리즘의 </a:t>
                 </a:r>
                 <a:r>
                   <a:rPr lang="en-US" altLang="ko-KR" b="1" dirty="0" smtClean="0">
@@ -16151,7 +17316,7 @@
                       <a:srgbClr val="FF0000"/>
                     </a:solidFill>
                   </a:rPr>
-                  <a:t>kW </a:t>
+                  <a:t>reward factor</a:t>
                 </a:r>
                 <a:r>
                   <a:rPr lang="ko-KR" altLang="en-US" b="1" dirty="0" smtClean="0">
@@ -16159,23 +17324,7 @@
                       <a:srgbClr val="FF0000"/>
                     </a:solidFill>
                   </a:rPr>
-                  <a:t>단위로 환산하여 </a:t>
-                </a:r>
-                <a:r>
-                  <a:rPr lang="en-US" altLang="ko-KR" b="1" dirty="0" smtClean="0">
-                    <a:solidFill>
-                      <a:srgbClr val="FF0000"/>
-                    </a:solidFill>
-                  </a:rPr>
-                  <a:t>Feature scaling </a:t>
-                </a:r>
-                <a:r>
-                  <a:rPr lang="ko-KR" altLang="en-US" b="1" dirty="0" smtClean="0">
-                    <a:solidFill>
-                      <a:srgbClr val="FF0000"/>
-                    </a:solidFill>
-                  </a:rPr>
-                  <a:t>수행 </a:t>
+                  <a:t>에 따른 결과를 비교함</a:t>
                 </a:r>
                 <a:endParaRPr lang="en-US" altLang="ko-KR" b="1" dirty="0" smtClean="0">
                   <a:solidFill>
@@ -16184,11 +17333,8 @@
                 </a:endParaRPr>
               </a:p>
               <a:p>
-                <a:pPr marL="285750" indent="-285750">
-                  <a:buFontTx/>
-                  <a:buChar char="-"/>
-                </a:pPr>
-                <a:endParaRPr lang="en-US" altLang="ko-KR" b="1" dirty="0"/>
+                <a:pPr lvl="1"/>
+                <a:endParaRPr lang="en-US" altLang="ko-KR" dirty="0" smtClean="0"/>
               </a:p>
               <a:p>
                 <a:pPr marL="285750" indent="-285750">
@@ -16197,8 +17343,13 @@
                 </a:pPr>
                 <a:r>
                   <a:rPr lang="en-US" altLang="ko-KR" b="1" dirty="0" smtClean="0"/>
-                  <a:t>State, Action, Reward </a:t>
-                </a:r>
+                  <a:t>DDPG</a:t>
+                </a:r>
+                <a:r>
+                  <a:rPr lang="en-US" altLang="ko-KR" b="1" dirty="0" smtClean="0"/>
+                  <a:t> State &amp; Reward:</a:t>
+                </a:r>
+                <a:endParaRPr lang="en-US" altLang="ko-KR" b="1" dirty="0"/>
               </a:p>
               <a:p>
                 <a:pPr marL="742950" lvl="1" indent="-285750">
@@ -16206,8 +17357,20 @@
                   <a:buChar char="-"/>
                 </a:pPr>
                 <a:r>
+                  <a:rPr lang="en-US" altLang="ko-KR" dirty="0"/>
+                  <a:t>State:   </a:t>
+                </a:r>
+                <a:r>
                   <a:rPr lang="en-US" altLang="ko-KR" dirty="0" smtClean="0"/>
-                  <a:t>State:   [</a:t>
+                  <a:t>[</a:t>
+                </a:r>
+                <a:r>
+                  <a:rPr lang="en-US" altLang="ko-KR" dirty="0" smtClean="0">
+                    <a:solidFill>
+                      <a:srgbClr val="FF0000"/>
+                    </a:solidFill>
+                  </a:rPr>
+                  <a:t>norm(</a:t>
                 </a:r>
                 <a:r>
                   <a:rPr lang="en-US" altLang="ko-KR" dirty="0" err="1" smtClean="0">
@@ -16223,26 +17386,30 @@
                       <a:srgbClr val="FF0000"/>
                     </a:solidFill>
                   </a:rPr>
-                  <a:t>/1000</a:t>
-                </a:r>
-                <a:r>
-                  <a:rPr lang="en-US" altLang="ko-KR" dirty="0" smtClean="0"/>
-                  <a:t>, SOC – 0.6, </a:t>
-                </a:r>
-                <a:r>
-                  <a:rPr lang="en-US" altLang="ko-KR" dirty="0" err="1" smtClean="0"/>
-                  <a:t>j_min</a:t>
+                  <a:t>)</a:t>
                 </a:r>
                 <a:r>
                   <a:rPr lang="en-US" altLang="ko-KR" dirty="0" smtClean="0"/>
                   <a:t>, </a:t>
                 </a:r>
                 <a:r>
-                  <a:rPr lang="en-US" altLang="ko-KR" dirty="0" err="1" smtClean="0"/>
+                  <a:rPr lang="en-US" altLang="ko-KR" dirty="0"/>
+                  <a:t>SOC, </a:t>
+                </a:r>
+                <a:r>
+                  <a:rPr lang="en-US" altLang="ko-KR" dirty="0" err="1"/>
+                  <a:t>j_min</a:t>
+                </a:r>
+                <a:r>
+                  <a:rPr lang="en-US" altLang="ko-KR" dirty="0"/>
+                  <a:t>, </a:t>
+                </a:r>
+                <a:r>
+                  <a:rPr lang="en-US" altLang="ko-KR" dirty="0" err="1"/>
                   <a:t>j_max</a:t>
                 </a:r>
                 <a:r>
-                  <a:rPr lang="en-US" altLang="ko-KR" dirty="0" smtClean="0"/>
+                  <a:rPr lang="en-US" altLang="ko-KR" dirty="0"/>
                   <a:t>]</a:t>
                 </a:r>
               </a:p>
@@ -16252,20 +17419,32 @@
                   <a:buChar char="-"/>
                 </a:pPr>
                 <a:r>
-                  <a:rPr lang="en-US" altLang="ko-KR" dirty="0" smtClean="0"/>
-                  <a:t>Action:  </a:t>
-                </a:r>
-                <a:r>
-                  <a:rPr lang="ko-KR" altLang="en-US" dirty="0" smtClean="0"/>
-                  <a:t>크기 </a:t>
-                </a:r>
-                <a:r>
-                  <a:rPr lang="en-US" altLang="ko-KR" dirty="0" smtClean="0"/>
-                  <a:t>20</a:t>
-                </a:r>
-                <a:r>
-                  <a:rPr lang="ko-KR" altLang="en-US" dirty="0" smtClean="0"/>
-                  <a:t>의 이산화 된 액션 </a:t>
+                  <a:rPr lang="en-US" altLang="ko-KR" dirty="0"/>
+                  <a:t>Replay memory</a:t>
+                </a:r>
+                <a:r>
+                  <a:rPr lang="ko-KR" altLang="en-US" dirty="0"/>
+                  <a:t>에서 </a:t>
+                </a:r>
+                <a:r>
+                  <a:rPr lang="en-US" altLang="ko-KR" dirty="0"/>
+                  <a:t>running mean</a:t>
+                </a:r>
+                <a:r>
+                  <a:rPr lang="ko-KR" altLang="en-US" dirty="0"/>
+                  <a:t>과 </a:t>
+                </a:r>
+                <a:r>
+                  <a:rPr lang="en-US" altLang="ko-KR" dirty="0" err="1"/>
+                  <a:t>std</a:t>
+                </a:r>
+                <a:r>
+                  <a:rPr lang="ko-KR" altLang="en-US" dirty="0"/>
+                  <a:t>를 통한 정규화 진행 </a:t>
+                </a:r>
+                <a:r>
+                  <a:rPr lang="en-US" altLang="ko-KR" dirty="0"/>
+                  <a:t> </a:t>
                 </a:r>
                 <a:endParaRPr lang="en-US" altLang="ko-KR" dirty="0" smtClean="0"/>
               </a:p>
@@ -16274,23 +17453,25 @@
                   <a:buFontTx/>
                   <a:buChar char="-"/>
                 </a:pPr>
-                <a:r>
-                  <a:rPr lang="en-US" altLang="ko-KR" dirty="0" smtClean="0"/>
-                  <a:t>Reward: </a:t>
-                </a:r>
                 <a14:m>
                   <m:oMath xmlns:m="http://schemas.openxmlformats.org/officeDocument/2006/math">
                     <m:r>
-                      <a:rPr lang="en-US" altLang="ko-KR" b="0" i="0" smtClean="0">
+                      <a:rPr lang="en-US" altLang="ko-KR" b="0" i="1" smtClean="0">
                         <a:latin typeface="Cambria Math" panose="02040503050406030204" pitchFamily="18" charset="0"/>
                       </a:rPr>
-                      <m:t>− </m:t>
+                      <m:t>𝑟</m:t>
+                    </m:r>
+                    <m:r>
+                      <a:rPr lang="en-US" altLang="ko-KR" b="0" i="1" smtClean="0">
+                        <a:latin typeface="Cambria Math" panose="02040503050406030204" pitchFamily="18" charset="0"/>
+                      </a:rPr>
+                      <m:t>=</m:t>
                     </m:r>
                     <m:acc>
                       <m:accPr>
                         <m:chr m:val="̇"/>
                         <m:ctrlPr>
-                          <a:rPr lang="en-US" altLang="ko-KR" i="1" smtClean="0">
+                          <a:rPr lang="en-US" altLang="ko-KR" b="0" i="1" smtClean="0">
                             <a:latin typeface="Cambria Math" panose="02040503050406030204" pitchFamily="18" charset="0"/>
                           </a:rPr>
                         </m:ctrlPr>
@@ -16305,6 +17486,12 @@
                             </m:ctrlPr>
                           </m:sSubPr>
                           <m:e>
+                            <m:r>
+                              <a:rPr lang="en-US" altLang="ko-KR" b="0" i="1" smtClean="0">
+                                <a:latin typeface="Cambria Math" panose="02040503050406030204" pitchFamily="18" charset="0"/>
+                              </a:rPr>
+                              <m:t>−</m:t>
+                            </m:r>
                             <m:r>
                               <a:rPr lang="en-US" altLang="ko-KR" b="0" i="1" smtClean="0">
                                 <a:latin typeface="Cambria Math" panose="02040503050406030204" pitchFamily="18" charset="0"/>
@@ -16327,14 +17514,19 @@
                       <a:rPr lang="en-US" altLang="ko-KR" b="0" i="1" smtClean="0">
                         <a:latin typeface="Cambria Math" panose="02040503050406030204" pitchFamily="18" charset="0"/>
                       </a:rPr>
-                      <m:t> −10</m:t>
+                      <m:t>−</m:t>
                     </m:r>
                     <m:r>
-                      <a:rPr lang="en-US" altLang="ko-KR" b="0" i="1" smtClean="0">
+                      <a:rPr lang="ko-KR" altLang="en-US" b="0" i="1" smtClean="0">
                         <a:latin typeface="Cambria Math" panose="02040503050406030204" pitchFamily="18" charset="0"/>
-                        <a:ea typeface="Cambria Math" panose="02040503050406030204" pitchFamily="18" charset="0"/>
                       </a:rPr>
-                      <m:t>×</m:t>
+                      <m:t>𝛾</m:t>
+                    </m:r>
+                    <m:r>
+                      <a:rPr lang="ko-KR" altLang="en-US" b="0" i="1" smtClean="0">
+                        <a:latin typeface="Cambria Math" panose="02040503050406030204" pitchFamily="18" charset="0"/>
+                      </a:rPr>
+                      <m:t>∙</m:t>
                     </m:r>
                     <m:d>
                       <m:dPr>
@@ -16343,22 +17535,19 @@
                         <m:ctrlPr>
                           <a:rPr lang="en-US" altLang="ko-KR" b="0" i="1" smtClean="0">
                             <a:latin typeface="Cambria Math" panose="02040503050406030204" pitchFamily="18" charset="0"/>
-                            <a:ea typeface="Cambria Math" panose="02040503050406030204" pitchFamily="18" charset="0"/>
                           </a:rPr>
                         </m:ctrlPr>
                       </m:dPr>
                       <m:e>
                         <m:r>
-                          <a:rPr lang="en-US" altLang="ko-KR" b="0" i="1" smtClean="0">
+                          <a:rPr lang="en-US" altLang="ko-KR" i="1">
                             <a:latin typeface="Cambria Math" panose="02040503050406030204" pitchFamily="18" charset="0"/>
-                            <a:ea typeface="Cambria Math" panose="02040503050406030204" pitchFamily="18" charset="0"/>
                           </a:rPr>
                           <m:t>𝑆𝑂𝐶</m:t>
                         </m:r>
                         <m:r>
-                          <a:rPr lang="en-US" altLang="ko-KR" b="0" i="1" smtClean="0">
+                          <a:rPr lang="en-US" altLang="ko-KR" i="1">
                             <a:latin typeface="Cambria Math" panose="02040503050406030204" pitchFamily="18" charset="0"/>
-                            <a:ea typeface="Cambria Math" panose="02040503050406030204" pitchFamily="18" charset="0"/>
                           </a:rPr>
                           <m:t>−0.6</m:t>
                         </m:r>
@@ -16368,10 +17557,41 @@
                       <a:rPr lang="en-US" altLang="ko-KR" b="0" i="1" smtClean="0">
                         <a:latin typeface="Cambria Math" panose="02040503050406030204" pitchFamily="18" charset="0"/>
                       </a:rPr>
+                      <m:t>       </m:t>
+                    </m:r>
+                    <m:r>
+                      <a:rPr lang="en-US" altLang="ko-KR" b="0" i="1" smtClean="0">
+                        <a:latin typeface="Cambria Math" panose="02040503050406030204" pitchFamily="18" charset="0"/>
+                        <a:ea typeface="Cambria Math" panose="02040503050406030204" pitchFamily="18" charset="0"/>
+                      </a:rPr>
+                      <m:t>∵ </m:t>
+                    </m:r>
+                    <m:r>
+                      <a:rPr lang="ko-KR" altLang="en-US" b="0" i="1" smtClean="0">
+                        <a:latin typeface="Cambria Math" panose="02040503050406030204" pitchFamily="18" charset="0"/>
+                        <a:ea typeface="Cambria Math" panose="02040503050406030204" pitchFamily="18" charset="0"/>
+                      </a:rPr>
+                      <m:t>𝛾</m:t>
+                    </m:r>
+                    <m:r>
+                      <a:rPr lang="en-US" altLang="ko-KR" b="0" i="1" smtClean="0">
+                        <a:latin typeface="Cambria Math" panose="02040503050406030204" pitchFamily="18" charset="0"/>
+                        <a:ea typeface="Cambria Math" panose="02040503050406030204" pitchFamily="18" charset="0"/>
+                      </a:rPr>
+                      <m:t>=[0.5,  1,  3,  5,  10,  100]</m:t>
+                    </m:r>
+                    <m:r>
+                      <a:rPr lang="en-US" altLang="ko-KR" b="0" i="1" smtClean="0">
+                        <a:latin typeface="Cambria Math" panose="02040503050406030204" pitchFamily="18" charset="0"/>
+                      </a:rPr>
                       <m:t> </m:t>
                     </m:r>
                   </m:oMath>
                 </a14:m>
+                <a:r>
+                  <a:rPr lang="en-US" altLang="ko-KR" dirty="0" smtClean="0"/>
+                  <a:t>   </a:t>
+                </a:r>
                 <a:endParaRPr lang="en-US" altLang="ko-KR" dirty="0" smtClean="0"/>
               </a:p>
               <a:p>
@@ -16386,80 +17606,7 @@
                   <a:buFontTx/>
                   <a:buChar char="-"/>
                 </a:pPr>
-                <a:r>
-                  <a:rPr lang="ko-KR" altLang="en-US" b="1" dirty="0" smtClean="0"/>
-                  <a:t>네트워크 구조</a:t>
-                </a:r>
-                <a:r>
-                  <a:rPr lang="en-US" altLang="ko-KR" b="1" dirty="0" smtClean="0"/>
-                  <a:t>: </a:t>
-                </a:r>
-              </a:p>
-              <a:p>
-                <a:pPr marL="742950" lvl="1" indent="-285750">
-                  <a:buFontTx/>
-                  <a:buChar char="-"/>
-                </a:pPr>
-                <a:r>
-                  <a:rPr lang="en-US" altLang="ko-KR" b="1" dirty="0" smtClean="0"/>
-                  <a:t>Main, Target: </a:t>
-                </a:r>
-              </a:p>
-              <a:p>
-                <a:pPr marL="1200150" lvl="2" indent="-285750">
-                  <a:buFontTx/>
-                  <a:buChar char="-"/>
-                </a:pPr>
-                <a:r>
-                  <a:rPr lang="en-US" altLang="ko-KR" dirty="0" smtClean="0"/>
-                  <a:t>Input(4) </a:t>
-                </a:r>
-              </a:p>
-              <a:p>
-                <a:pPr marL="1200150" lvl="2" indent="-285750">
-                  <a:buFontTx/>
-                  <a:buChar char="-"/>
-                </a:pPr>
-                <a:r>
-                  <a:rPr lang="en-US" altLang="ko-KR" dirty="0" smtClean="0"/>
-                  <a:t>Dense(30, activation=“</a:t>
-                </a:r>
-                <a:r>
-                  <a:rPr lang="en-US" altLang="ko-KR" dirty="0" err="1" smtClean="0"/>
-                  <a:t>relu</a:t>
-                </a:r>
-                <a:r>
-                  <a:rPr lang="en-US" altLang="ko-KR" dirty="0" smtClean="0"/>
-                  <a:t>”)</a:t>
-                </a:r>
-              </a:p>
-              <a:p>
-                <a:pPr marL="1200150" lvl="2" indent="-285750">
-                  <a:buFontTx/>
-                  <a:buChar char="-"/>
-                </a:pPr>
-                <a:r>
-                  <a:rPr lang="en-US" altLang="ko-KR" dirty="0" smtClean="0"/>
-                  <a:t>Dense(30, activation=“</a:t>
-                </a:r>
-                <a:r>
-                  <a:rPr lang="en-US" altLang="ko-KR" dirty="0" err="1" smtClean="0"/>
-                  <a:t>relu</a:t>
-                </a:r>
-                <a:r>
-                  <a:rPr lang="en-US" altLang="ko-KR" dirty="0" smtClean="0"/>
-                  <a:t>”)</a:t>
-                </a:r>
-              </a:p>
-              <a:p>
-                <a:pPr marL="1200150" lvl="2" indent="-285750">
-                  <a:buFontTx/>
-                  <a:buChar char="-"/>
-                </a:pPr>
-                <a:r>
-                  <a:rPr lang="en-US" altLang="ko-KR" dirty="0" smtClean="0"/>
-                  <a:t>Output(20)</a:t>
-                </a:r>
+                <a:endParaRPr lang="en-US" altLang="ko-KR" dirty="0" smtClean="0"/>
               </a:p>
               <a:p>
                 <a:pPr lvl="1"/>
@@ -16468,7 +17615,7 @@
             </p:txBody>
           </p:sp>
         </mc:Choice>
-        <mc:Fallback xmlns="">
+        <mc:Fallback>
           <p:sp>
             <p:nvSpPr>
               <p:cNvPr id="4" name="TextBox 3"/>
@@ -16480,7 +17627,7 @@
             <p:spPr>
               <a:xfrm>
                 <a:off x="838200" y="1459832"/>
-                <a:ext cx="11000874" cy="3992568"/>
+                <a:ext cx="11000874" cy="2607573"/>
               </a:xfrm>
               <a:prstGeom prst="rect">
                 <a:avLst/>
@@ -16488,7 +17635,7 @@
               <a:blipFill>
                 <a:blip r:embed="rId2"/>
                 <a:stretch>
-                  <a:fillRect l="-610" t="-1374"/>
+                  <a:fillRect l="-610" t="-2103"/>
                 </a:stretch>
               </a:blipFill>
             </p:spPr>
@@ -16509,7 +17656,7 @@
       </mc:AlternateContent>
       <p:pic>
         <p:nvPicPr>
-          <p:cNvPr id="3" name="그림 2"/>
+          <p:cNvPr id="7" name="그림 6"/>
           <p:cNvPicPr>
             <a:picLocks noChangeAspect="1"/>
           </p:cNvPicPr>
@@ -16523,98 +17670,18 @@
         </p:blipFill>
         <p:spPr>
           <a:xfrm>
-            <a:off x="7946967" y="1797422"/>
-            <a:ext cx="3586508" cy="2717247"/>
+            <a:off x="8670174" y="3911986"/>
+            <a:ext cx="3440496" cy="2884032"/>
           </a:xfrm>
           <a:prstGeom prst="rect">
             <a:avLst/>
           </a:prstGeom>
         </p:spPr>
       </p:pic>
-      <p:sp>
-        <p:nvSpPr>
-          <p:cNvPr id="5" name="TextBox 4"/>
-          <p:cNvSpPr txBox="1"/>
-          <p:nvPr/>
-        </p:nvSpPr>
-        <p:spPr>
-          <a:xfrm>
-            <a:off x="8711738" y="4621403"/>
-            <a:ext cx="3017520" cy="369332"/>
-          </a:xfrm>
-          <a:prstGeom prst="rect">
-            <a:avLst/>
-          </a:prstGeom>
-          <a:noFill/>
-        </p:spPr>
-        <p:txBody>
-          <a:bodyPr wrap="square" rtlCol="0">
-            <a:spAutoFit/>
-          </a:bodyPr>
-          <a:lstStyle/>
-          <a:p>
-            <a:r>
-              <a:rPr lang="en-US" altLang="ko-KR" dirty="0" smtClean="0"/>
-              <a:t>&lt;</a:t>
-            </a:r>
-            <a:r>
-              <a:rPr lang="ko-KR" altLang="en-US" dirty="0" err="1" smtClean="0"/>
-              <a:t>하이퍼파라미터</a:t>
-            </a:r>
-            <a:r>
-              <a:rPr lang="en-US" altLang="ko-KR" dirty="0" smtClean="0"/>
-              <a:t>&gt;</a:t>
-            </a:r>
-            <a:r>
-              <a:rPr lang="ko-KR" altLang="en-US" dirty="0" smtClean="0"/>
-              <a:t> </a:t>
-            </a:r>
-            <a:endParaRPr lang="ko-KR" altLang="en-US" dirty="0"/>
-          </a:p>
-        </p:txBody>
-      </p:sp>
-      <p:sp>
-        <p:nvSpPr>
-          <p:cNvPr id="6" name="TextBox 5"/>
-          <p:cNvSpPr txBox="1"/>
-          <p:nvPr/>
-        </p:nvSpPr>
-        <p:spPr>
-          <a:xfrm>
-            <a:off x="5971594" y="5376409"/>
-            <a:ext cx="1897501" cy="461665"/>
-          </a:xfrm>
-          <a:prstGeom prst="rect">
-            <a:avLst/>
-          </a:prstGeom>
-          <a:noFill/>
-        </p:spPr>
-        <p:txBody>
-          <a:bodyPr wrap="square" rtlCol="0">
-            <a:spAutoFit/>
-          </a:bodyPr>
-          <a:lstStyle/>
-          <a:p>
-            <a:r>
-              <a:rPr lang="ko-KR" altLang="en-US" sz="2400" b="1" dirty="0" err="1" smtClean="0">
-                <a:solidFill>
-                  <a:srgbClr val="FF0000"/>
-                </a:solidFill>
-              </a:rPr>
-              <a:t>성공적임</a:t>
-            </a:r>
-            <a:r>
-              <a:rPr lang="ko-KR" altLang="en-US" dirty="0" smtClean="0"/>
-              <a:t> </a:t>
-            </a:r>
-            <a:endParaRPr lang="ko-KR" altLang="en-US" dirty="0"/>
-          </a:p>
-        </p:txBody>
-      </p:sp>
     </p:spTree>
     <p:extLst>
       <p:ext uri="{BB962C8B-B14F-4D97-AF65-F5344CB8AC3E}">
-        <p14:creationId xmlns:p14="http://schemas.microsoft.com/office/powerpoint/2010/main" val="2443828431"/>
+        <p14:creationId xmlns:p14="http://schemas.microsoft.com/office/powerpoint/2010/main" val="3434061330"/>
       </p:ext>
     </p:extLst>
   </p:cSld>

--- a/실험정리.pptx
+++ b/실험정리.pptx
@@ -14,25 +14,27 @@
     <p:sldId id="301" r:id="rId8"/>
     <p:sldId id="304" r:id="rId9"/>
     <p:sldId id="303" r:id="rId10"/>
-    <p:sldId id="272" r:id="rId11"/>
-    <p:sldId id="279" r:id="rId12"/>
-    <p:sldId id="281" r:id="rId13"/>
-    <p:sldId id="280" r:id="rId14"/>
-    <p:sldId id="284" r:id="rId15"/>
-    <p:sldId id="296" r:id="rId16"/>
-    <p:sldId id="278" r:id="rId17"/>
-    <p:sldId id="283" r:id="rId18"/>
-    <p:sldId id="285" r:id="rId19"/>
-    <p:sldId id="286" r:id="rId20"/>
-    <p:sldId id="287" r:id="rId21"/>
-    <p:sldId id="292" r:id="rId22"/>
-    <p:sldId id="290" r:id="rId23"/>
-    <p:sldId id="293" r:id="rId24"/>
-    <p:sldId id="299" r:id="rId25"/>
-    <p:sldId id="294" r:id="rId26"/>
-    <p:sldId id="302" r:id="rId27"/>
-    <p:sldId id="291" r:id="rId28"/>
-    <p:sldId id="288" r:id="rId29"/>
+    <p:sldId id="306" r:id="rId11"/>
+    <p:sldId id="272" r:id="rId12"/>
+    <p:sldId id="279" r:id="rId13"/>
+    <p:sldId id="281" r:id="rId14"/>
+    <p:sldId id="280" r:id="rId15"/>
+    <p:sldId id="284" r:id="rId16"/>
+    <p:sldId id="296" r:id="rId17"/>
+    <p:sldId id="278" r:id="rId18"/>
+    <p:sldId id="283" r:id="rId19"/>
+    <p:sldId id="285" r:id="rId20"/>
+    <p:sldId id="286" r:id="rId21"/>
+    <p:sldId id="287" r:id="rId22"/>
+    <p:sldId id="292" r:id="rId23"/>
+    <p:sldId id="290" r:id="rId24"/>
+    <p:sldId id="293" r:id="rId25"/>
+    <p:sldId id="299" r:id="rId26"/>
+    <p:sldId id="305" r:id="rId27"/>
+    <p:sldId id="294" r:id="rId28"/>
+    <p:sldId id="302" r:id="rId29"/>
+    <p:sldId id="291" r:id="rId30"/>
+    <p:sldId id="288" r:id="rId31"/>
   </p:sldIdLst>
   <p:sldSz cx="12192000" cy="6858000"/>
   <p:notesSz cx="6858000" cy="9144000"/>
@@ -3065,6 +3067,479 @@
           <a:lstStyle/>
           <a:p>
             <a:r>
+              <a:rPr lang="en-US" altLang="ko-KR" dirty="0" smtClean="0">
+                <a:solidFill>
+                  <a:srgbClr val="FF0000"/>
+                </a:solidFill>
+              </a:rPr>
+              <a:t>DDPG_rewardFactor_comparison_ver2</a:t>
+            </a:r>
+            <a:endParaRPr lang="ko-KR" altLang="en-US" dirty="0">
+              <a:solidFill>
+                <a:srgbClr val="FF0000"/>
+              </a:solidFill>
+            </a:endParaRPr>
+          </a:p>
+        </p:txBody>
+      </p:sp>
+      <mc:AlternateContent xmlns:mc="http://schemas.openxmlformats.org/markup-compatibility/2006">
+        <mc:Choice xmlns:a14="http://schemas.microsoft.com/office/drawing/2010/main" Requires="a14">
+          <p:sp>
+            <p:nvSpPr>
+              <p:cNvPr id="4" name="TextBox 3"/>
+              <p:cNvSpPr txBox="1"/>
+              <p:nvPr/>
+            </p:nvSpPr>
+            <p:spPr>
+              <a:xfrm>
+                <a:off x="838200" y="1459832"/>
+                <a:ext cx="11000874" cy="2607573"/>
+              </a:xfrm>
+              <a:prstGeom prst="rect">
+                <a:avLst/>
+              </a:prstGeom>
+              <a:noFill/>
+            </p:spPr>
+            <p:txBody>
+              <a:bodyPr wrap="square" rtlCol="0">
+                <a:spAutoFit/>
+              </a:bodyPr>
+              <a:lstStyle/>
+              <a:p>
+                <a:pPr marL="285750" indent="-285750">
+                  <a:buFontTx/>
+                  <a:buChar char="-"/>
+                </a:pPr>
+                <a:r>
+                  <a:rPr lang="en-US" altLang="ko-KR" b="1" dirty="0" smtClean="0">
+                    <a:solidFill>
+                      <a:srgbClr val="FF0000"/>
+                    </a:solidFill>
+                  </a:rPr>
+                  <a:t>DDPG </a:t>
+                </a:r>
+                <a:r>
+                  <a:rPr lang="ko-KR" altLang="en-US" b="1" dirty="0" smtClean="0">
+                    <a:solidFill>
+                      <a:srgbClr val="FF0000"/>
+                    </a:solidFill>
+                  </a:rPr>
+                  <a:t>알고리즘의 </a:t>
+                </a:r>
+                <a:r>
+                  <a:rPr lang="en-US" altLang="ko-KR" b="1" dirty="0" smtClean="0">
+                    <a:solidFill>
+                      <a:srgbClr val="FF0000"/>
+                    </a:solidFill>
+                  </a:rPr>
+                  <a:t>reward factor</a:t>
+                </a:r>
+                <a:r>
+                  <a:rPr lang="ko-KR" altLang="en-US" b="1" dirty="0" smtClean="0">
+                    <a:solidFill>
+                      <a:srgbClr val="FF0000"/>
+                    </a:solidFill>
+                  </a:rPr>
+                  <a:t>에 따른 결과를 비교함</a:t>
+                </a:r>
+                <a:endParaRPr lang="en-US" altLang="ko-KR" b="1" dirty="0" smtClean="0">
+                  <a:solidFill>
+                    <a:srgbClr val="FF0000"/>
+                  </a:solidFill>
+                </a:endParaRPr>
+              </a:p>
+              <a:p>
+                <a:pPr lvl="1"/>
+                <a:endParaRPr lang="en-US" altLang="ko-KR" dirty="0" smtClean="0"/>
+              </a:p>
+              <a:p>
+                <a:pPr marL="285750" indent="-285750">
+                  <a:buFontTx/>
+                  <a:buChar char="-"/>
+                </a:pPr>
+                <a:r>
+                  <a:rPr lang="en-US" altLang="ko-KR" b="1" dirty="0" smtClean="0"/>
+                  <a:t>DDPG</a:t>
+                </a:r>
+                <a:r>
+                  <a:rPr lang="en-US" altLang="ko-KR" b="1" dirty="0" smtClean="0"/>
+                  <a:t> State &amp; Reward:</a:t>
+                </a:r>
+                <a:endParaRPr lang="en-US" altLang="ko-KR" b="1" dirty="0"/>
+              </a:p>
+              <a:p>
+                <a:pPr marL="742950" lvl="1" indent="-285750">
+                  <a:buFontTx/>
+                  <a:buChar char="-"/>
+                </a:pPr>
+                <a:r>
+                  <a:rPr lang="en-US" altLang="ko-KR" dirty="0"/>
+                  <a:t>State:   </a:t>
+                </a:r>
+                <a:r>
+                  <a:rPr lang="en-US" altLang="ko-KR" dirty="0" smtClean="0"/>
+                  <a:t>[</a:t>
+                </a:r>
+                <a:r>
+                  <a:rPr lang="en-US" altLang="ko-KR" dirty="0" smtClean="0">
+                    <a:solidFill>
+                      <a:srgbClr val="FF0000"/>
+                    </a:solidFill>
+                  </a:rPr>
+                  <a:t>norm(</a:t>
+                </a:r>
+                <a:r>
+                  <a:rPr lang="en-US" altLang="ko-KR" dirty="0" err="1" smtClean="0">
+                    <a:solidFill>
+                      <a:srgbClr val="FF0000"/>
+                    </a:solidFill>
+                  </a:rPr>
+                  <a:t>power_out</a:t>
+                </a:r>
+                <a:r>
+                  <a:rPr lang="en-US" altLang="ko-KR" dirty="0" smtClean="0">
+                    <a:solidFill>
+                      <a:srgbClr val="FF0000"/>
+                    </a:solidFill>
+                  </a:rPr>
+                  <a:t>)</a:t>
+                </a:r>
+                <a:r>
+                  <a:rPr lang="en-US" altLang="ko-KR" dirty="0" smtClean="0"/>
+                  <a:t>, </a:t>
+                </a:r>
+                <a:r>
+                  <a:rPr lang="en-US" altLang="ko-KR" dirty="0"/>
+                  <a:t>SOC, </a:t>
+                </a:r>
+                <a:r>
+                  <a:rPr lang="en-US" altLang="ko-KR" dirty="0" err="1"/>
+                  <a:t>j_min</a:t>
+                </a:r>
+                <a:r>
+                  <a:rPr lang="en-US" altLang="ko-KR" dirty="0"/>
+                  <a:t>, </a:t>
+                </a:r>
+                <a:r>
+                  <a:rPr lang="en-US" altLang="ko-KR" dirty="0" err="1"/>
+                  <a:t>j_max</a:t>
+                </a:r>
+                <a:r>
+                  <a:rPr lang="en-US" altLang="ko-KR" dirty="0"/>
+                  <a:t>]</a:t>
+                </a:r>
+              </a:p>
+              <a:p>
+                <a:pPr marL="742950" lvl="1" indent="-285750">
+                  <a:buFontTx/>
+                  <a:buChar char="-"/>
+                </a:pPr>
+                <a:r>
+                  <a:rPr lang="en-US" altLang="ko-KR" dirty="0"/>
+                  <a:t>Replay memory</a:t>
+                </a:r>
+                <a:r>
+                  <a:rPr lang="ko-KR" altLang="en-US" dirty="0"/>
+                  <a:t>에서 </a:t>
+                </a:r>
+                <a:r>
+                  <a:rPr lang="en-US" altLang="ko-KR" dirty="0"/>
+                  <a:t>running mean</a:t>
+                </a:r>
+                <a:r>
+                  <a:rPr lang="ko-KR" altLang="en-US" dirty="0"/>
+                  <a:t>과 </a:t>
+                </a:r>
+                <a:r>
+                  <a:rPr lang="en-US" altLang="ko-KR" dirty="0" err="1"/>
+                  <a:t>std</a:t>
+                </a:r>
+                <a:r>
+                  <a:rPr lang="ko-KR" altLang="en-US" dirty="0"/>
+                  <a:t>를 통한 정규화 진행 </a:t>
+                </a:r>
+                <a:r>
+                  <a:rPr lang="en-US" altLang="ko-KR" dirty="0"/>
+                  <a:t> </a:t>
+                </a:r>
+                <a:endParaRPr lang="en-US" altLang="ko-KR" dirty="0" smtClean="0"/>
+              </a:p>
+              <a:p>
+                <a:pPr marL="742950" lvl="1" indent="-285750">
+                  <a:buFontTx/>
+                  <a:buChar char="-"/>
+                </a:pPr>
+                <a14:m>
+                  <m:oMath xmlns:m="http://schemas.openxmlformats.org/officeDocument/2006/math">
+                    <m:r>
+                      <a:rPr lang="en-US" altLang="ko-KR" b="0" i="1" smtClean="0">
+                        <a:latin typeface="Cambria Math" panose="02040503050406030204" pitchFamily="18" charset="0"/>
+                      </a:rPr>
+                      <m:t>𝑟</m:t>
+                    </m:r>
+                    <m:r>
+                      <a:rPr lang="en-US" altLang="ko-KR" b="0" i="1" smtClean="0">
+                        <a:latin typeface="Cambria Math" panose="02040503050406030204" pitchFamily="18" charset="0"/>
+                      </a:rPr>
+                      <m:t>=</m:t>
+                    </m:r>
+                    <m:acc>
+                      <m:accPr>
+                        <m:chr m:val="̇"/>
+                        <m:ctrlPr>
+                          <a:rPr lang="en-US" altLang="ko-KR" b="0" i="1" smtClean="0">
+                            <a:latin typeface="Cambria Math" panose="02040503050406030204" pitchFamily="18" charset="0"/>
+                          </a:rPr>
+                        </m:ctrlPr>
+                      </m:accPr>
+                      <m:e>
+                        <m:sSub>
+                          <m:sSubPr>
+                            <m:ctrlPr>
+                              <a:rPr lang="en-US" altLang="ko-KR" b="0" i="1" smtClean="0">
+                                <a:latin typeface="Cambria Math" panose="02040503050406030204" pitchFamily="18" charset="0"/>
+                              </a:rPr>
+                            </m:ctrlPr>
+                          </m:sSubPr>
+                          <m:e>
+                            <m:r>
+                              <a:rPr lang="en-US" altLang="ko-KR" b="0" i="1" smtClean="0">
+                                <a:latin typeface="Cambria Math" panose="02040503050406030204" pitchFamily="18" charset="0"/>
+                              </a:rPr>
+                              <m:t>−</m:t>
+                            </m:r>
+                            <m:r>
+                              <a:rPr lang="en-US" altLang="ko-KR" b="0" i="1" smtClean="0">
+                                <a:latin typeface="Cambria Math" panose="02040503050406030204" pitchFamily="18" charset="0"/>
+                              </a:rPr>
+                              <m:t>𝑚</m:t>
+                            </m:r>
+                          </m:e>
+                          <m:sub>
+                            <m:r>
+                              <a:rPr lang="en-US" altLang="ko-KR" b="0" i="1" smtClean="0">
+                                <a:latin typeface="Cambria Math" panose="02040503050406030204" pitchFamily="18" charset="0"/>
+                              </a:rPr>
+                              <m:t>𝑓𝑐</m:t>
+                            </m:r>
+                          </m:sub>
+                        </m:sSub>
+                      </m:e>
+                    </m:acc>
+                    <m:r>
+                      <a:rPr lang="en-US" altLang="ko-KR" b="0" i="1" smtClean="0">
+                        <a:latin typeface="Cambria Math" panose="02040503050406030204" pitchFamily="18" charset="0"/>
+                      </a:rPr>
+                      <m:t>−</m:t>
+                    </m:r>
+                    <m:r>
+                      <a:rPr lang="ko-KR" altLang="en-US" b="0" i="1" smtClean="0">
+                        <a:latin typeface="Cambria Math" panose="02040503050406030204" pitchFamily="18" charset="0"/>
+                      </a:rPr>
+                      <m:t>𝛾</m:t>
+                    </m:r>
+                    <m:r>
+                      <a:rPr lang="ko-KR" altLang="en-US" b="0" i="1" smtClean="0">
+                        <a:latin typeface="Cambria Math" panose="02040503050406030204" pitchFamily="18" charset="0"/>
+                      </a:rPr>
+                      <m:t>∙</m:t>
+                    </m:r>
+                    <m:d>
+                      <m:dPr>
+                        <m:begChr m:val="|"/>
+                        <m:endChr m:val="|"/>
+                        <m:ctrlPr>
+                          <a:rPr lang="en-US" altLang="ko-KR" b="0" i="1" smtClean="0">
+                            <a:latin typeface="Cambria Math" panose="02040503050406030204" pitchFamily="18" charset="0"/>
+                          </a:rPr>
+                        </m:ctrlPr>
+                      </m:dPr>
+                      <m:e>
+                        <m:r>
+                          <a:rPr lang="en-US" altLang="ko-KR" i="1">
+                            <a:latin typeface="Cambria Math" panose="02040503050406030204" pitchFamily="18" charset="0"/>
+                          </a:rPr>
+                          <m:t>𝑆𝑂𝐶</m:t>
+                        </m:r>
+                        <m:r>
+                          <a:rPr lang="en-US" altLang="ko-KR" i="1">
+                            <a:latin typeface="Cambria Math" panose="02040503050406030204" pitchFamily="18" charset="0"/>
+                          </a:rPr>
+                          <m:t>−0.6</m:t>
+                        </m:r>
+                      </m:e>
+                    </m:d>
+                    <m:r>
+                      <a:rPr lang="en-US" altLang="ko-KR" b="0" i="1" smtClean="0">
+                        <a:latin typeface="Cambria Math" panose="02040503050406030204" pitchFamily="18" charset="0"/>
+                      </a:rPr>
+                      <m:t>       </m:t>
+                    </m:r>
+                    <m:r>
+                      <a:rPr lang="en-US" altLang="ko-KR" b="0" i="1" smtClean="0">
+                        <a:latin typeface="Cambria Math" panose="02040503050406030204" pitchFamily="18" charset="0"/>
+                        <a:ea typeface="Cambria Math" panose="02040503050406030204" pitchFamily="18" charset="0"/>
+                      </a:rPr>
+                      <m:t>∵ </m:t>
+                    </m:r>
+                    <m:r>
+                      <a:rPr lang="ko-KR" altLang="en-US" b="0" i="1" smtClean="0">
+                        <a:latin typeface="Cambria Math" panose="02040503050406030204" pitchFamily="18" charset="0"/>
+                        <a:ea typeface="Cambria Math" panose="02040503050406030204" pitchFamily="18" charset="0"/>
+                      </a:rPr>
+                      <m:t>𝛾</m:t>
+                    </m:r>
+                    <m:r>
+                      <a:rPr lang="en-US" altLang="ko-KR" b="0" i="1" smtClean="0">
+                        <a:latin typeface="Cambria Math" panose="02040503050406030204" pitchFamily="18" charset="0"/>
+                        <a:ea typeface="Cambria Math" panose="02040503050406030204" pitchFamily="18" charset="0"/>
+                      </a:rPr>
+                      <m:t>=[0.5,  1,  3,  5,  10,  100]</m:t>
+                    </m:r>
+                    <m:r>
+                      <a:rPr lang="en-US" altLang="ko-KR" b="0" i="1" smtClean="0">
+                        <a:latin typeface="Cambria Math" panose="02040503050406030204" pitchFamily="18" charset="0"/>
+                      </a:rPr>
+                      <m:t> </m:t>
+                    </m:r>
+                  </m:oMath>
+                </a14:m>
+                <a:r>
+                  <a:rPr lang="en-US" altLang="ko-KR" dirty="0" smtClean="0"/>
+                  <a:t>   </a:t>
+                </a:r>
+                <a:endParaRPr lang="en-US" altLang="ko-KR" dirty="0" smtClean="0"/>
+              </a:p>
+              <a:p>
+                <a:pPr marL="285750" indent="-285750">
+                  <a:buFontTx/>
+                  <a:buChar char="-"/>
+                </a:pPr>
+                <a:endParaRPr lang="en-US" altLang="ko-KR" dirty="0" smtClean="0"/>
+              </a:p>
+              <a:p>
+                <a:pPr marL="285750" indent="-285750">
+                  <a:buFontTx/>
+                  <a:buChar char="-"/>
+                </a:pPr>
+                <a:endParaRPr lang="en-US" altLang="ko-KR" dirty="0" smtClean="0"/>
+              </a:p>
+              <a:p>
+                <a:pPr lvl="1"/>
+                <a:endParaRPr lang="en-US" altLang="ko-KR" dirty="0" smtClean="0"/>
+              </a:p>
+            </p:txBody>
+          </p:sp>
+        </mc:Choice>
+        <mc:Fallback>
+          <p:sp>
+            <p:nvSpPr>
+              <p:cNvPr id="4" name="TextBox 3"/>
+              <p:cNvSpPr txBox="1">
+                <a:spLocks noRot="1" noChangeAspect="1" noMove="1" noResize="1" noEditPoints="1" noAdjustHandles="1" noChangeArrowheads="1" noChangeShapeType="1" noTextEdit="1"/>
+              </p:cNvSpPr>
+              <p:nvPr/>
+            </p:nvSpPr>
+            <p:spPr>
+              <a:xfrm>
+                <a:off x="838200" y="1459832"/>
+                <a:ext cx="11000874" cy="2607573"/>
+              </a:xfrm>
+              <a:prstGeom prst="rect">
+                <a:avLst/>
+              </a:prstGeom>
+              <a:blipFill>
+                <a:blip r:embed="rId2"/>
+                <a:stretch>
+                  <a:fillRect l="-610" t="-2103"/>
+                </a:stretch>
+              </a:blipFill>
+            </p:spPr>
+            <p:txBody>
+              <a:bodyPr/>
+              <a:lstStyle/>
+              <a:p>
+                <a:r>
+                  <a:rPr lang="ko-KR" altLang="en-US">
+                    <a:noFill/>
+                  </a:rPr>
+                  <a:t> </a:t>
+                </a:r>
+              </a:p>
+            </p:txBody>
+          </p:sp>
+        </mc:Fallback>
+      </mc:AlternateContent>
+      <p:pic>
+        <p:nvPicPr>
+          <p:cNvPr id="7" name="그림 6"/>
+          <p:cNvPicPr>
+            <a:picLocks noChangeAspect="1"/>
+          </p:cNvPicPr>
+          <p:nvPr/>
+        </p:nvPicPr>
+        <p:blipFill>
+          <a:blip r:embed="rId3"/>
+          <a:stretch>
+            <a:fillRect/>
+          </a:stretch>
+        </p:blipFill>
+        <p:spPr>
+          <a:xfrm>
+            <a:off x="8670174" y="3911986"/>
+            <a:ext cx="3440496" cy="2884032"/>
+          </a:xfrm>
+          <a:prstGeom prst="rect">
+            <a:avLst/>
+          </a:prstGeom>
+        </p:spPr>
+      </p:pic>
+    </p:spTree>
+    <p:extLst>
+      <p:ext uri="{BB962C8B-B14F-4D97-AF65-F5344CB8AC3E}">
+        <p14:creationId xmlns:p14="http://schemas.microsoft.com/office/powerpoint/2010/main" val="402862059"/>
+      </p:ext>
+    </p:extLst>
+  </p:cSld>
+  <p:clrMapOvr>
+    <a:masterClrMapping/>
+  </p:clrMapOvr>
+</p:sld>
+</file>
+
+<file path=ppt/slides/slide11.xml><?xml version="1.0" encoding="utf-8"?>
+<p:sld xmlns:a="http://schemas.openxmlformats.org/drawingml/2006/main" xmlns:r="http://schemas.openxmlformats.org/officeDocument/2006/relationships" xmlns:p="http://schemas.openxmlformats.org/presentationml/2006/main">
+  <p:cSld>
+    <p:spTree>
+      <p:nvGrpSpPr>
+        <p:cNvPr id="1" name=""/>
+        <p:cNvGrpSpPr/>
+        <p:nvPr/>
+      </p:nvGrpSpPr>
+      <p:grpSpPr>
+        <a:xfrm>
+          <a:off x="0" y="0"/>
+          <a:ext cx="0" cy="0"/>
+          <a:chOff x="0" y="0"/>
+          <a:chExt cx="0" cy="0"/>
+        </a:xfrm>
+      </p:grpSpPr>
+      <p:sp>
+        <p:nvSpPr>
+          <p:cNvPr id="2" name="제목 1"/>
+          <p:cNvSpPr>
+            <a:spLocks noGrp="1"/>
+          </p:cNvSpPr>
+          <p:nvPr>
+            <p:ph type="title"/>
+          </p:nvPr>
+        </p:nvSpPr>
+        <p:spPr/>
+        <p:txBody>
+          <a:bodyPr/>
+          <a:lstStyle/>
+          <a:p>
+            <a:r>
               <a:rPr lang="en-US" altLang="ko-KR" dirty="0" smtClean="0"/>
               <a:t>DDQN</a:t>
             </a:r>
@@ -3525,7 +4000,7 @@
 </p:sld>
 </file>
 
-<file path=ppt/slides/slide11.xml><?xml version="1.0" encoding="utf-8"?>
+<file path=ppt/slides/slide12.xml><?xml version="1.0" encoding="utf-8"?>
 <p:sld xmlns:a="http://schemas.openxmlformats.org/drawingml/2006/main" xmlns:r="http://schemas.openxmlformats.org/officeDocument/2006/relationships" xmlns:p="http://schemas.openxmlformats.org/presentationml/2006/main">
   <p:cSld>
     <p:spTree>
@@ -4100,7 +4575,7 @@
 </p:sld>
 </file>
 
-<file path=ppt/slides/slide12.xml><?xml version="1.0" encoding="utf-8"?>
+<file path=ppt/slides/slide13.xml><?xml version="1.0" encoding="utf-8"?>
 <p:sld xmlns:a="http://schemas.openxmlformats.org/drawingml/2006/main" xmlns:r="http://schemas.openxmlformats.org/officeDocument/2006/relationships" xmlns:p="http://schemas.openxmlformats.org/presentationml/2006/main">
   <p:cSld>
     <p:spTree>
@@ -4299,7 +4774,7 @@
 </p:sld>
 </file>
 
-<file path=ppt/slides/slide13.xml><?xml version="1.0" encoding="utf-8"?>
+<file path=ppt/slides/slide14.xml><?xml version="1.0" encoding="utf-8"?>
 <p:sld xmlns:a="http://schemas.openxmlformats.org/drawingml/2006/main" xmlns:r="http://schemas.openxmlformats.org/officeDocument/2006/relationships" xmlns:p="http://schemas.openxmlformats.org/presentationml/2006/main">
   <p:cSld>
     <p:spTree>
@@ -4845,7 +5320,7 @@
 </p:sld>
 </file>
 
-<file path=ppt/slides/slide14.xml><?xml version="1.0" encoding="utf-8"?>
+<file path=ppt/slides/slide15.xml><?xml version="1.0" encoding="utf-8"?>
 <p:sld xmlns:a="http://schemas.openxmlformats.org/drawingml/2006/main" xmlns:r="http://schemas.openxmlformats.org/officeDocument/2006/relationships" xmlns:p="http://schemas.openxmlformats.org/presentationml/2006/main">
   <p:cSld>
     <p:spTree>
@@ -5483,7 +5958,7 @@
 </p:sld>
 </file>
 
-<file path=ppt/slides/slide15.xml><?xml version="1.0" encoding="utf-8"?>
+<file path=ppt/slides/slide16.xml><?xml version="1.0" encoding="utf-8"?>
 <p:sld xmlns:a="http://schemas.openxmlformats.org/drawingml/2006/main" xmlns:r="http://schemas.openxmlformats.org/officeDocument/2006/relationships" xmlns:p="http://schemas.openxmlformats.org/presentationml/2006/main">
   <p:cSld>
     <p:spTree>
@@ -6000,7 +6475,7 @@
 </p:sld>
 </file>
 
-<file path=ppt/slides/slide16.xml><?xml version="1.0" encoding="utf-8"?>
+<file path=ppt/slides/slide17.xml><?xml version="1.0" encoding="utf-8"?>
 <p:sld xmlns:a="http://schemas.openxmlformats.org/drawingml/2006/main" xmlns:r="http://schemas.openxmlformats.org/officeDocument/2006/relationships" xmlns:p="http://schemas.openxmlformats.org/presentationml/2006/main">
   <p:cSld>
     <p:spTree>
@@ -6654,7 +7129,7 @@
 </p:sld>
 </file>
 
-<file path=ppt/slides/slide17.xml><?xml version="1.0" encoding="utf-8"?>
+<file path=ppt/slides/slide18.xml><?xml version="1.0" encoding="utf-8"?>
 <p:sld xmlns:a="http://schemas.openxmlformats.org/drawingml/2006/main" xmlns:r="http://schemas.openxmlformats.org/officeDocument/2006/relationships" xmlns:p="http://schemas.openxmlformats.org/presentationml/2006/main">
   <p:cSld>
     <p:spTree>
@@ -7436,7 +7911,7 @@
 </p:sld>
 </file>
 
-<file path=ppt/slides/slide18.xml><?xml version="1.0" encoding="utf-8"?>
+<file path=ppt/slides/slide19.xml><?xml version="1.0" encoding="utf-8"?>
 <p:sld xmlns:a="http://schemas.openxmlformats.org/drawingml/2006/main" xmlns:r="http://schemas.openxmlformats.org/officeDocument/2006/relationships" xmlns:p="http://schemas.openxmlformats.org/presentationml/2006/main">
   <p:cSld>
     <p:spTree>
@@ -8113,251 +8588,6 @@
     <p:extLst>
       <p:ext uri="{BB962C8B-B14F-4D97-AF65-F5344CB8AC3E}">
         <p14:creationId xmlns:p14="http://schemas.microsoft.com/office/powerpoint/2010/main" val="28906980"/>
-      </p:ext>
-    </p:extLst>
-  </p:cSld>
-  <p:clrMapOvr>
-    <a:masterClrMapping/>
-  </p:clrMapOvr>
-</p:sld>
-</file>
-
-<file path=ppt/slides/slide19.xml><?xml version="1.0" encoding="utf-8"?>
-<p:sld xmlns:a="http://schemas.openxmlformats.org/drawingml/2006/main" xmlns:r="http://schemas.openxmlformats.org/officeDocument/2006/relationships" xmlns:p="http://schemas.openxmlformats.org/presentationml/2006/main">
-  <p:cSld>
-    <p:spTree>
-      <p:nvGrpSpPr>
-        <p:cNvPr id="1" name=""/>
-        <p:cNvGrpSpPr/>
-        <p:nvPr/>
-      </p:nvGrpSpPr>
-      <p:grpSpPr>
-        <a:xfrm>
-          <a:off x="0" y="0"/>
-          <a:ext cx="0" cy="0"/>
-          <a:chOff x="0" y="0"/>
-          <a:chExt cx="0" cy="0"/>
-        </a:xfrm>
-      </p:grpSpPr>
-      <p:sp>
-        <p:nvSpPr>
-          <p:cNvPr id="2" name="제목 1"/>
-          <p:cNvSpPr>
-            <a:spLocks noGrp="1"/>
-          </p:cNvSpPr>
-          <p:nvPr>
-            <p:ph type="title"/>
-          </p:nvPr>
-        </p:nvSpPr>
-        <p:spPr/>
-        <p:txBody>
-          <a:bodyPr/>
-          <a:lstStyle/>
-          <a:p>
-            <a:r>
-              <a:rPr lang="en-US" altLang="ko-KR" dirty="0" smtClean="0"/>
-              <a:t>DDPG</a:t>
-            </a:r>
-            <a:r>
-              <a:rPr lang="ko-KR" altLang="en-US" dirty="0" smtClean="0"/>
-              <a:t> </a:t>
-            </a:r>
-            <a:r>
-              <a:rPr lang="en-US" altLang="ko-KR" dirty="0"/>
-              <a:t>4</a:t>
-            </a:r>
-            <a:r>
-              <a:rPr lang="ko-KR" altLang="en-US" dirty="0" smtClean="0"/>
-              <a:t>  </a:t>
-            </a:r>
-            <a:endParaRPr lang="ko-KR" altLang="en-US" dirty="0"/>
-          </a:p>
-        </p:txBody>
-      </p:sp>
-      <p:sp>
-        <p:nvSpPr>
-          <p:cNvPr id="4" name="TextBox 3"/>
-          <p:cNvSpPr txBox="1"/>
-          <p:nvPr/>
-        </p:nvSpPr>
-        <p:spPr>
-          <a:xfrm>
-            <a:off x="838200" y="1459832"/>
-            <a:ext cx="11000874" cy="923330"/>
-          </a:xfrm>
-          <a:prstGeom prst="rect">
-            <a:avLst/>
-          </a:prstGeom>
-          <a:noFill/>
-        </p:spPr>
-        <p:txBody>
-          <a:bodyPr wrap="square" rtlCol="0">
-            <a:spAutoFit/>
-          </a:bodyPr>
-          <a:lstStyle/>
-          <a:p>
-            <a:pPr marL="285750" indent="-285750">
-              <a:buFontTx/>
-              <a:buChar char="-"/>
-            </a:pPr>
-            <a:r>
-              <a:rPr lang="en-US" altLang="ko-KR" b="1" dirty="0" smtClean="0">
-                <a:solidFill>
-                  <a:srgbClr val="FF0000"/>
-                </a:solidFill>
-              </a:rPr>
-              <a:t>Decay Rate</a:t>
-            </a:r>
-            <a:r>
-              <a:rPr lang="ko-KR" altLang="en-US" b="1" dirty="0" smtClean="0">
-                <a:solidFill>
-                  <a:srgbClr val="FF0000"/>
-                </a:solidFill>
-              </a:rPr>
-              <a:t>에 따른 학습 안정도를 확인함 </a:t>
-            </a:r>
-            <a:endParaRPr lang="en-US" altLang="ko-KR" b="1" dirty="0" smtClean="0">
-              <a:solidFill>
-                <a:srgbClr val="FF0000"/>
-              </a:solidFill>
-            </a:endParaRPr>
-          </a:p>
-          <a:p>
-            <a:pPr marL="285750" indent="-285750">
-              <a:buFontTx/>
-              <a:buChar char="-"/>
-            </a:pPr>
-            <a:endParaRPr lang="en-US" altLang="ko-KR" b="1" dirty="0"/>
-          </a:p>
-          <a:p>
-            <a:pPr marL="285750" indent="-285750">
-              <a:buFontTx/>
-              <a:buChar char="-"/>
-            </a:pPr>
-            <a:r>
-              <a:rPr lang="en-US" altLang="ko-KR" b="1" dirty="0" smtClean="0"/>
-              <a:t>Decay Rate</a:t>
-            </a:r>
-            <a:r>
-              <a:rPr lang="en-US" altLang="ko-KR" b="1" dirty="0"/>
-              <a:t>: [0.0001, 0.00004, 0.00002, 0.00001, 0.000005] </a:t>
-            </a:r>
-            <a:endParaRPr lang="en-US" altLang="ko-KR" dirty="0" smtClean="0"/>
-          </a:p>
-        </p:txBody>
-      </p:sp>
-      <p:pic>
-        <p:nvPicPr>
-          <p:cNvPr id="3" name="그림 2"/>
-          <p:cNvPicPr>
-            <a:picLocks noChangeAspect="1"/>
-          </p:cNvPicPr>
-          <p:nvPr/>
-        </p:nvPicPr>
-        <p:blipFill>
-          <a:blip r:embed="rId2"/>
-          <a:stretch>
-            <a:fillRect/>
-          </a:stretch>
-        </p:blipFill>
-        <p:spPr>
-          <a:xfrm>
-            <a:off x="7946967" y="1797422"/>
-            <a:ext cx="3586508" cy="2717247"/>
-          </a:xfrm>
-          <a:prstGeom prst="rect">
-            <a:avLst/>
-          </a:prstGeom>
-        </p:spPr>
-      </p:pic>
-      <p:sp>
-        <p:nvSpPr>
-          <p:cNvPr id="5" name="TextBox 4"/>
-          <p:cNvSpPr txBox="1"/>
-          <p:nvPr/>
-        </p:nvSpPr>
-        <p:spPr>
-          <a:xfrm>
-            <a:off x="8711738" y="4621403"/>
-            <a:ext cx="3017520" cy="369332"/>
-          </a:xfrm>
-          <a:prstGeom prst="rect">
-            <a:avLst/>
-          </a:prstGeom>
-          <a:noFill/>
-        </p:spPr>
-        <p:txBody>
-          <a:bodyPr wrap="square" rtlCol="0">
-            <a:spAutoFit/>
-          </a:bodyPr>
-          <a:lstStyle/>
-          <a:p>
-            <a:r>
-              <a:rPr lang="en-US" altLang="ko-KR" dirty="0" smtClean="0"/>
-              <a:t>&lt;</a:t>
-            </a:r>
-            <a:r>
-              <a:rPr lang="ko-KR" altLang="en-US" dirty="0" err="1" smtClean="0"/>
-              <a:t>하이퍼파라미터</a:t>
-            </a:r>
-            <a:r>
-              <a:rPr lang="en-US" altLang="ko-KR" dirty="0" smtClean="0"/>
-              <a:t>&gt;</a:t>
-            </a:r>
-            <a:r>
-              <a:rPr lang="ko-KR" altLang="en-US" dirty="0" smtClean="0"/>
-              <a:t> </a:t>
-            </a:r>
-            <a:endParaRPr lang="ko-KR" altLang="en-US" dirty="0"/>
-          </a:p>
-        </p:txBody>
-      </p:sp>
-      <p:sp>
-        <p:nvSpPr>
-          <p:cNvPr id="6" name="TextBox 5"/>
-          <p:cNvSpPr txBox="1"/>
-          <p:nvPr/>
-        </p:nvSpPr>
-        <p:spPr>
-          <a:xfrm>
-            <a:off x="949037" y="5506400"/>
-            <a:ext cx="11000874" cy="369332"/>
-          </a:xfrm>
-          <a:prstGeom prst="rect">
-            <a:avLst/>
-          </a:prstGeom>
-          <a:noFill/>
-        </p:spPr>
-        <p:txBody>
-          <a:bodyPr wrap="square" rtlCol="0">
-            <a:spAutoFit/>
-          </a:bodyPr>
-          <a:lstStyle/>
-          <a:p>
-            <a:r>
-              <a:rPr lang="en-US" altLang="ko-KR" b="1" dirty="0" smtClean="0">
-                <a:solidFill>
-                  <a:srgbClr val="FF0000"/>
-                </a:solidFill>
-              </a:rPr>
-              <a:t>Decay Rate</a:t>
-            </a:r>
-            <a:r>
-              <a:rPr lang="ko-KR" altLang="en-US" b="1" dirty="0" smtClean="0">
-                <a:solidFill>
-                  <a:srgbClr val="FF0000"/>
-                </a:solidFill>
-              </a:rPr>
-              <a:t>는 학습의 안정도에 큰 영향을 미치지 못하는 것으로 보임</a:t>
-            </a:r>
-            <a:endParaRPr lang="en-US" altLang="ko-KR" b="1" dirty="0"/>
-          </a:p>
-        </p:txBody>
-      </p:sp>
-    </p:spTree>
-    <p:extLst>
-      <p:ext uri="{BB962C8B-B14F-4D97-AF65-F5344CB8AC3E}">
-        <p14:creationId xmlns:p14="http://schemas.microsoft.com/office/powerpoint/2010/main" val="3573721589"/>
       </p:ext>
     </p:extLst>
   </p:cSld>
@@ -9051,6 +9281,251 @@
             </a:r>
             <a:r>
               <a:rPr lang="en-US" altLang="ko-KR" dirty="0"/>
+              <a:t>4</a:t>
+            </a:r>
+            <a:r>
+              <a:rPr lang="ko-KR" altLang="en-US" dirty="0" smtClean="0"/>
+              <a:t>  </a:t>
+            </a:r>
+            <a:endParaRPr lang="ko-KR" altLang="en-US" dirty="0"/>
+          </a:p>
+        </p:txBody>
+      </p:sp>
+      <p:sp>
+        <p:nvSpPr>
+          <p:cNvPr id="4" name="TextBox 3"/>
+          <p:cNvSpPr txBox="1"/>
+          <p:nvPr/>
+        </p:nvSpPr>
+        <p:spPr>
+          <a:xfrm>
+            <a:off x="838200" y="1459832"/>
+            <a:ext cx="11000874" cy="923330"/>
+          </a:xfrm>
+          <a:prstGeom prst="rect">
+            <a:avLst/>
+          </a:prstGeom>
+          <a:noFill/>
+        </p:spPr>
+        <p:txBody>
+          <a:bodyPr wrap="square" rtlCol="0">
+            <a:spAutoFit/>
+          </a:bodyPr>
+          <a:lstStyle/>
+          <a:p>
+            <a:pPr marL="285750" indent="-285750">
+              <a:buFontTx/>
+              <a:buChar char="-"/>
+            </a:pPr>
+            <a:r>
+              <a:rPr lang="en-US" altLang="ko-KR" b="1" dirty="0" smtClean="0">
+                <a:solidFill>
+                  <a:srgbClr val="FF0000"/>
+                </a:solidFill>
+              </a:rPr>
+              <a:t>Decay Rate</a:t>
+            </a:r>
+            <a:r>
+              <a:rPr lang="ko-KR" altLang="en-US" b="1" dirty="0" smtClean="0">
+                <a:solidFill>
+                  <a:srgbClr val="FF0000"/>
+                </a:solidFill>
+              </a:rPr>
+              <a:t>에 따른 학습 안정도를 확인함 </a:t>
+            </a:r>
+            <a:endParaRPr lang="en-US" altLang="ko-KR" b="1" dirty="0" smtClean="0">
+              <a:solidFill>
+                <a:srgbClr val="FF0000"/>
+              </a:solidFill>
+            </a:endParaRPr>
+          </a:p>
+          <a:p>
+            <a:pPr marL="285750" indent="-285750">
+              <a:buFontTx/>
+              <a:buChar char="-"/>
+            </a:pPr>
+            <a:endParaRPr lang="en-US" altLang="ko-KR" b="1" dirty="0"/>
+          </a:p>
+          <a:p>
+            <a:pPr marL="285750" indent="-285750">
+              <a:buFontTx/>
+              <a:buChar char="-"/>
+            </a:pPr>
+            <a:r>
+              <a:rPr lang="en-US" altLang="ko-KR" b="1" dirty="0" smtClean="0"/>
+              <a:t>Decay Rate</a:t>
+            </a:r>
+            <a:r>
+              <a:rPr lang="en-US" altLang="ko-KR" b="1" dirty="0"/>
+              <a:t>: [0.0001, 0.00004, 0.00002, 0.00001, 0.000005] </a:t>
+            </a:r>
+            <a:endParaRPr lang="en-US" altLang="ko-KR" dirty="0" smtClean="0"/>
+          </a:p>
+        </p:txBody>
+      </p:sp>
+      <p:pic>
+        <p:nvPicPr>
+          <p:cNvPr id="3" name="그림 2"/>
+          <p:cNvPicPr>
+            <a:picLocks noChangeAspect="1"/>
+          </p:cNvPicPr>
+          <p:nvPr/>
+        </p:nvPicPr>
+        <p:blipFill>
+          <a:blip r:embed="rId2"/>
+          <a:stretch>
+            <a:fillRect/>
+          </a:stretch>
+        </p:blipFill>
+        <p:spPr>
+          <a:xfrm>
+            <a:off x="7946967" y="1797422"/>
+            <a:ext cx="3586508" cy="2717247"/>
+          </a:xfrm>
+          <a:prstGeom prst="rect">
+            <a:avLst/>
+          </a:prstGeom>
+        </p:spPr>
+      </p:pic>
+      <p:sp>
+        <p:nvSpPr>
+          <p:cNvPr id="5" name="TextBox 4"/>
+          <p:cNvSpPr txBox="1"/>
+          <p:nvPr/>
+        </p:nvSpPr>
+        <p:spPr>
+          <a:xfrm>
+            <a:off x="8711738" y="4621403"/>
+            <a:ext cx="3017520" cy="369332"/>
+          </a:xfrm>
+          <a:prstGeom prst="rect">
+            <a:avLst/>
+          </a:prstGeom>
+          <a:noFill/>
+        </p:spPr>
+        <p:txBody>
+          <a:bodyPr wrap="square" rtlCol="0">
+            <a:spAutoFit/>
+          </a:bodyPr>
+          <a:lstStyle/>
+          <a:p>
+            <a:r>
+              <a:rPr lang="en-US" altLang="ko-KR" dirty="0" smtClean="0"/>
+              <a:t>&lt;</a:t>
+            </a:r>
+            <a:r>
+              <a:rPr lang="ko-KR" altLang="en-US" dirty="0" err="1" smtClean="0"/>
+              <a:t>하이퍼파라미터</a:t>
+            </a:r>
+            <a:r>
+              <a:rPr lang="en-US" altLang="ko-KR" dirty="0" smtClean="0"/>
+              <a:t>&gt;</a:t>
+            </a:r>
+            <a:r>
+              <a:rPr lang="ko-KR" altLang="en-US" dirty="0" smtClean="0"/>
+              <a:t> </a:t>
+            </a:r>
+            <a:endParaRPr lang="ko-KR" altLang="en-US" dirty="0"/>
+          </a:p>
+        </p:txBody>
+      </p:sp>
+      <p:sp>
+        <p:nvSpPr>
+          <p:cNvPr id="6" name="TextBox 5"/>
+          <p:cNvSpPr txBox="1"/>
+          <p:nvPr/>
+        </p:nvSpPr>
+        <p:spPr>
+          <a:xfrm>
+            <a:off x="949037" y="5506400"/>
+            <a:ext cx="11000874" cy="369332"/>
+          </a:xfrm>
+          <a:prstGeom prst="rect">
+            <a:avLst/>
+          </a:prstGeom>
+          <a:noFill/>
+        </p:spPr>
+        <p:txBody>
+          <a:bodyPr wrap="square" rtlCol="0">
+            <a:spAutoFit/>
+          </a:bodyPr>
+          <a:lstStyle/>
+          <a:p>
+            <a:r>
+              <a:rPr lang="en-US" altLang="ko-KR" b="1" dirty="0" smtClean="0">
+                <a:solidFill>
+                  <a:srgbClr val="FF0000"/>
+                </a:solidFill>
+              </a:rPr>
+              <a:t>Decay Rate</a:t>
+            </a:r>
+            <a:r>
+              <a:rPr lang="ko-KR" altLang="en-US" b="1" dirty="0" smtClean="0">
+                <a:solidFill>
+                  <a:srgbClr val="FF0000"/>
+                </a:solidFill>
+              </a:rPr>
+              <a:t>는 학습의 안정도에 큰 영향을 미치지 못하는 것으로 보임</a:t>
+            </a:r>
+            <a:endParaRPr lang="en-US" altLang="ko-KR" b="1" dirty="0"/>
+          </a:p>
+        </p:txBody>
+      </p:sp>
+    </p:spTree>
+    <p:extLst>
+      <p:ext uri="{BB962C8B-B14F-4D97-AF65-F5344CB8AC3E}">
+        <p14:creationId xmlns:p14="http://schemas.microsoft.com/office/powerpoint/2010/main" val="3573721589"/>
+      </p:ext>
+    </p:extLst>
+  </p:cSld>
+  <p:clrMapOvr>
+    <a:masterClrMapping/>
+  </p:clrMapOvr>
+</p:sld>
+</file>
+
+<file path=ppt/slides/slide21.xml><?xml version="1.0" encoding="utf-8"?>
+<p:sld xmlns:a="http://schemas.openxmlformats.org/drawingml/2006/main" xmlns:r="http://schemas.openxmlformats.org/officeDocument/2006/relationships" xmlns:p="http://schemas.openxmlformats.org/presentationml/2006/main">
+  <p:cSld>
+    <p:spTree>
+      <p:nvGrpSpPr>
+        <p:cNvPr id="1" name=""/>
+        <p:cNvGrpSpPr/>
+        <p:nvPr/>
+      </p:nvGrpSpPr>
+      <p:grpSpPr>
+        <a:xfrm>
+          <a:off x="0" y="0"/>
+          <a:ext cx="0" cy="0"/>
+          <a:chOff x="0" y="0"/>
+          <a:chExt cx="0" cy="0"/>
+        </a:xfrm>
+      </p:grpSpPr>
+      <p:sp>
+        <p:nvSpPr>
+          <p:cNvPr id="2" name="제목 1"/>
+          <p:cNvSpPr>
+            <a:spLocks noGrp="1"/>
+          </p:cNvSpPr>
+          <p:nvPr>
+            <p:ph type="title"/>
+          </p:nvPr>
+        </p:nvSpPr>
+        <p:spPr/>
+        <p:txBody>
+          <a:bodyPr/>
+          <a:lstStyle/>
+          <a:p>
+            <a:r>
+              <a:rPr lang="en-US" altLang="ko-KR" dirty="0" smtClean="0"/>
+              <a:t>DDPG</a:t>
+            </a:r>
+            <a:r>
+              <a:rPr lang="ko-KR" altLang="en-US" dirty="0" smtClean="0"/>
+              <a:t> </a:t>
+            </a:r>
+            <a:r>
+              <a:rPr lang="en-US" altLang="ko-KR" dirty="0"/>
               <a:t>5</a:t>
             </a:r>
             <a:r>
@@ -9845,370 +10320,6 @@
 </p:sld>
 </file>
 
-<file path=ppt/slides/slide21.xml><?xml version="1.0" encoding="utf-8"?>
-<p:sld xmlns:a="http://schemas.openxmlformats.org/drawingml/2006/main" xmlns:r="http://schemas.openxmlformats.org/officeDocument/2006/relationships" xmlns:p="http://schemas.openxmlformats.org/presentationml/2006/main">
-  <p:cSld>
-    <p:spTree>
-      <p:nvGrpSpPr>
-        <p:cNvPr id="1" name=""/>
-        <p:cNvGrpSpPr/>
-        <p:nvPr/>
-      </p:nvGrpSpPr>
-      <p:grpSpPr>
-        <a:xfrm>
-          <a:off x="0" y="0"/>
-          <a:ext cx="0" cy="0"/>
-          <a:chOff x="0" y="0"/>
-          <a:chExt cx="0" cy="0"/>
-        </a:xfrm>
-      </p:grpSpPr>
-      <p:sp>
-        <p:nvSpPr>
-          <p:cNvPr id="2" name="제목 1"/>
-          <p:cNvSpPr>
-            <a:spLocks noGrp="1"/>
-          </p:cNvSpPr>
-          <p:nvPr>
-            <p:ph type="title"/>
-          </p:nvPr>
-        </p:nvSpPr>
-        <p:spPr/>
-        <p:txBody>
-          <a:bodyPr/>
-          <a:lstStyle/>
-          <a:p>
-            <a:r>
-              <a:rPr lang="en-US" altLang="ko-KR" dirty="0" smtClean="0"/>
-              <a:t>DDPG</a:t>
-            </a:r>
-            <a:r>
-              <a:rPr lang="ko-KR" altLang="en-US" dirty="0" smtClean="0"/>
-              <a:t> </a:t>
-            </a:r>
-            <a:r>
-              <a:rPr lang="en-US" altLang="ko-KR" dirty="0" smtClean="0"/>
-              <a:t>5_ver2 </a:t>
-            </a:r>
-            <a:r>
-              <a:rPr lang="ko-KR" altLang="en-US" dirty="0" smtClean="0"/>
-              <a:t>  </a:t>
-            </a:r>
-            <a:endParaRPr lang="ko-KR" altLang="en-US" dirty="0"/>
-          </a:p>
-        </p:txBody>
-      </p:sp>
-      <p:sp>
-        <p:nvSpPr>
-          <p:cNvPr id="4" name="TextBox 3"/>
-          <p:cNvSpPr txBox="1"/>
-          <p:nvPr/>
-        </p:nvSpPr>
-        <p:spPr>
-          <a:xfrm>
-            <a:off x="838200" y="1484771"/>
-            <a:ext cx="11000874" cy="1754326"/>
-          </a:xfrm>
-          <a:prstGeom prst="rect">
-            <a:avLst/>
-          </a:prstGeom>
-          <a:noFill/>
-        </p:spPr>
-        <p:txBody>
-          <a:bodyPr wrap="square" rtlCol="0">
-            <a:spAutoFit/>
-          </a:bodyPr>
-          <a:lstStyle/>
-          <a:p>
-            <a:pPr marL="285750" indent="-285750">
-              <a:buFontTx/>
-              <a:buChar char="-"/>
-            </a:pPr>
-            <a:r>
-              <a:rPr lang="en-US" altLang="ko-KR" b="1" dirty="0" smtClean="0">
-                <a:solidFill>
-                  <a:srgbClr val="FF0000"/>
-                </a:solidFill>
-              </a:rPr>
-              <a:t>Replay memory</a:t>
-            </a:r>
-            <a:r>
-              <a:rPr lang="ko-KR" altLang="en-US" b="1" dirty="0" smtClean="0">
-                <a:solidFill>
-                  <a:srgbClr val="FF0000"/>
-                </a:solidFill>
-              </a:rPr>
-              <a:t>에서 </a:t>
-            </a:r>
-            <a:r>
-              <a:rPr lang="en-US" altLang="ko-KR" b="1" dirty="0" smtClean="0">
-                <a:solidFill>
-                  <a:srgbClr val="FF0000"/>
-                </a:solidFill>
-              </a:rPr>
-              <a:t>experiments</a:t>
-            </a:r>
-            <a:r>
-              <a:rPr lang="ko-KR" altLang="en-US" b="1" dirty="0" smtClean="0">
-                <a:solidFill>
-                  <a:srgbClr val="FF0000"/>
-                </a:solidFill>
-              </a:rPr>
-              <a:t>를 </a:t>
-            </a:r>
-            <a:r>
-              <a:rPr lang="en-US" altLang="ko-KR" b="1" dirty="0" smtClean="0">
-                <a:solidFill>
-                  <a:srgbClr val="FF0000"/>
-                </a:solidFill>
-              </a:rPr>
-              <a:t>normalization</a:t>
-            </a:r>
-            <a:r>
-              <a:rPr lang="ko-KR" altLang="en-US" b="1" dirty="0" smtClean="0">
-                <a:solidFill>
-                  <a:srgbClr val="FF0000"/>
-                </a:solidFill>
-              </a:rPr>
-              <a:t>하는 방식을 활용하기 </a:t>
-            </a:r>
-            <a:endParaRPr lang="en-US" altLang="ko-KR" b="1" dirty="0" smtClean="0">
-              <a:solidFill>
-                <a:srgbClr val="FF0000"/>
-              </a:solidFill>
-            </a:endParaRPr>
-          </a:p>
-          <a:p>
-            <a:pPr marL="285750" indent="-285750">
-              <a:buFontTx/>
-              <a:buChar char="-"/>
-            </a:pPr>
-            <a:endParaRPr lang="en-US" altLang="ko-KR" b="1" dirty="0"/>
-          </a:p>
-          <a:p>
-            <a:pPr marL="285750" indent="-285750">
-              <a:buFontTx/>
-              <a:buChar char="-"/>
-            </a:pPr>
-            <a:r>
-              <a:rPr lang="en-US" altLang="ko-KR" b="1" dirty="0"/>
-              <a:t>Env1 State:</a:t>
-            </a:r>
-          </a:p>
-          <a:p>
-            <a:pPr marL="742950" lvl="1" indent="-285750">
-              <a:buFontTx/>
-              <a:buChar char="-"/>
-            </a:pPr>
-            <a:r>
-              <a:rPr lang="en-US" altLang="ko-KR" dirty="0"/>
-              <a:t>State:   [</a:t>
-            </a:r>
-            <a:r>
-              <a:rPr lang="en-US" altLang="ko-KR" dirty="0" err="1">
-                <a:solidFill>
-                  <a:srgbClr val="FF0000"/>
-                </a:solidFill>
-              </a:rPr>
-              <a:t>power_out</a:t>
-            </a:r>
-            <a:r>
-              <a:rPr lang="en-US" altLang="ko-KR" dirty="0">
-                <a:solidFill>
-                  <a:srgbClr val="FF0000"/>
-                </a:solidFill>
-              </a:rPr>
-              <a:t>/1000</a:t>
-            </a:r>
-            <a:r>
-              <a:rPr lang="en-US" altLang="ko-KR" dirty="0"/>
-              <a:t>, SOC - 0.6, </a:t>
-            </a:r>
-            <a:r>
-              <a:rPr lang="en-US" altLang="ko-KR" dirty="0" err="1"/>
-              <a:t>j_min</a:t>
-            </a:r>
-            <a:r>
-              <a:rPr lang="en-US" altLang="ko-KR" dirty="0"/>
-              <a:t>, </a:t>
-            </a:r>
-            <a:r>
-              <a:rPr lang="en-US" altLang="ko-KR" dirty="0" err="1"/>
-              <a:t>j_max</a:t>
-            </a:r>
-            <a:r>
-              <a:rPr lang="en-US" altLang="ko-KR" dirty="0" smtClean="0"/>
-              <a:t>]</a:t>
-            </a:r>
-          </a:p>
-          <a:p>
-            <a:pPr marL="742950" lvl="1" indent="-285750">
-              <a:buFontTx/>
-              <a:buChar char="-"/>
-            </a:pPr>
-            <a:r>
-              <a:rPr lang="en-US" altLang="ko-KR" dirty="0" err="1" smtClean="0"/>
-              <a:t>power_out</a:t>
-            </a:r>
-            <a:r>
-              <a:rPr lang="ko-KR" altLang="en-US" dirty="0" smtClean="0"/>
-              <a:t>에 대해</a:t>
-            </a:r>
-            <a:r>
-              <a:rPr lang="en-US" altLang="ko-KR" dirty="0" smtClean="0"/>
-              <a:t> min-max normalization_ver2 </a:t>
-            </a:r>
-            <a:r>
-              <a:rPr lang="ko-KR" altLang="en-US" dirty="0" smtClean="0"/>
-              <a:t>적용 </a:t>
-            </a:r>
-            <a:endParaRPr lang="en-US" altLang="ko-KR" dirty="0"/>
-          </a:p>
-          <a:p>
-            <a:pPr marL="742950" lvl="1" indent="-285750">
-              <a:buFontTx/>
-              <a:buChar char="-"/>
-            </a:pPr>
-            <a:r>
-              <a:rPr lang="en-US" altLang="ko-KR" dirty="0" smtClean="0"/>
-              <a:t>[V]</a:t>
-            </a:r>
-            <a:endParaRPr lang="en-US" altLang="ko-KR" dirty="0"/>
-          </a:p>
-        </p:txBody>
-      </p:sp>
-      <p:sp>
-        <p:nvSpPr>
-          <p:cNvPr id="5" name="TextBox 4"/>
-          <p:cNvSpPr txBox="1"/>
-          <p:nvPr/>
-        </p:nvSpPr>
-        <p:spPr>
-          <a:xfrm>
-            <a:off x="9376757" y="4122289"/>
-            <a:ext cx="3017520" cy="369332"/>
-          </a:xfrm>
-          <a:prstGeom prst="rect">
-            <a:avLst/>
-          </a:prstGeom>
-          <a:noFill/>
-        </p:spPr>
-        <p:txBody>
-          <a:bodyPr wrap="square" rtlCol="0">
-            <a:spAutoFit/>
-          </a:bodyPr>
-          <a:lstStyle/>
-          <a:p>
-            <a:r>
-              <a:rPr lang="en-US" altLang="ko-KR" dirty="0" smtClean="0"/>
-              <a:t>&lt;</a:t>
-            </a:r>
-            <a:r>
-              <a:rPr lang="ko-KR" altLang="en-US" dirty="0" err="1" smtClean="0"/>
-              <a:t>하이퍼파라미터</a:t>
-            </a:r>
-            <a:r>
-              <a:rPr lang="en-US" altLang="ko-KR" dirty="0" smtClean="0"/>
-              <a:t>&gt;</a:t>
-            </a:r>
-            <a:r>
-              <a:rPr lang="ko-KR" altLang="en-US" dirty="0" smtClean="0"/>
-              <a:t> </a:t>
-            </a:r>
-            <a:endParaRPr lang="ko-KR" altLang="en-US" dirty="0"/>
-          </a:p>
-        </p:txBody>
-      </p:sp>
-      <p:sp>
-        <p:nvSpPr>
-          <p:cNvPr id="6" name="TextBox 5"/>
-          <p:cNvSpPr txBox="1"/>
-          <p:nvPr/>
-        </p:nvSpPr>
-        <p:spPr>
-          <a:xfrm>
-            <a:off x="1566247" y="4701198"/>
-            <a:ext cx="8607145" cy="369332"/>
-          </a:xfrm>
-          <a:prstGeom prst="rect">
-            <a:avLst/>
-          </a:prstGeom>
-          <a:noFill/>
-        </p:spPr>
-        <p:txBody>
-          <a:bodyPr wrap="square" rtlCol="0">
-            <a:spAutoFit/>
-          </a:bodyPr>
-          <a:lstStyle/>
-          <a:p>
-            <a:r>
-              <a:rPr lang="en-US" altLang="ko-KR" b="1" dirty="0" smtClean="0">
-                <a:solidFill>
-                  <a:srgbClr val="FF0000"/>
-                </a:solidFill>
-              </a:rPr>
-              <a:t>Mean-Standard deviation </a:t>
-            </a:r>
-            <a:r>
-              <a:rPr lang="en-US" altLang="ko-KR" b="1" dirty="0" smtClean="0">
-                <a:solidFill>
-                  <a:srgbClr val="FF0000"/>
-                </a:solidFill>
-              </a:rPr>
-              <a:t>normalization</a:t>
-            </a:r>
-            <a:r>
-              <a:rPr lang="ko-KR" altLang="en-US" b="1" dirty="0" smtClean="0">
-                <a:solidFill>
-                  <a:srgbClr val="FF0000"/>
-                </a:solidFill>
-              </a:rPr>
-              <a:t>보다 효과가 떨어지는 것으로 보임 </a:t>
-            </a:r>
-            <a:endParaRPr lang="en-US" altLang="ko-KR" b="1" dirty="0">
-              <a:solidFill>
-                <a:srgbClr val="FF0000"/>
-              </a:solidFill>
-            </a:endParaRPr>
-          </a:p>
-        </p:txBody>
-      </p:sp>
-      <p:pic>
-        <p:nvPicPr>
-          <p:cNvPr id="7" name="그림 6"/>
-          <p:cNvPicPr>
-            <a:picLocks noChangeAspect="1"/>
-          </p:cNvPicPr>
-          <p:nvPr/>
-        </p:nvPicPr>
-        <p:blipFill>
-          <a:blip r:embed="rId2"/>
-          <a:stretch>
-            <a:fillRect/>
-          </a:stretch>
-        </p:blipFill>
-        <p:spPr>
-          <a:xfrm>
-            <a:off x="9027957" y="929353"/>
-            <a:ext cx="3075374" cy="3071079"/>
-          </a:xfrm>
-          <a:prstGeom prst="rect">
-            <a:avLst/>
-          </a:prstGeom>
-        </p:spPr>
-      </p:pic>
-    </p:spTree>
-    <p:extLst>
-      <p:ext uri="{BB962C8B-B14F-4D97-AF65-F5344CB8AC3E}">
-        <p14:creationId xmlns:p14="http://schemas.microsoft.com/office/powerpoint/2010/main" val="3691464051"/>
-      </p:ext>
-    </p:extLst>
-  </p:cSld>
-  <p:clrMapOvr>
-    <a:masterClrMapping/>
-  </p:clrMapOvr>
-</p:sld>
-</file>
-
 <file path=ppt/slides/slide22.xml><?xml version="1.0" encoding="utf-8"?>
 <p:sld xmlns:a="http://schemas.openxmlformats.org/drawingml/2006/main" xmlns:r="http://schemas.openxmlformats.org/officeDocument/2006/relationships" xmlns:p="http://schemas.openxmlformats.org/presentationml/2006/main">
   <p:cSld>
@@ -10242,42 +10353,22 @@
           <a:lstStyle/>
           <a:p>
             <a:r>
-              <a:rPr lang="en-US" altLang="ko-KR" dirty="0" smtClean="0">
-                <a:solidFill>
-                  <a:srgbClr val="FF0000"/>
-                </a:solidFill>
-              </a:rPr>
+              <a:rPr lang="en-US" altLang="ko-KR" dirty="0" smtClean="0"/>
               <a:t>DDPG</a:t>
             </a:r>
             <a:r>
-              <a:rPr lang="ko-KR" altLang="en-US" dirty="0" smtClean="0">
-                <a:solidFill>
-                  <a:srgbClr val="FF0000"/>
-                </a:solidFill>
-              </a:rPr>
+              <a:rPr lang="ko-KR" altLang="en-US" dirty="0" smtClean="0"/>
               <a:t> </a:t>
             </a:r>
             <a:r>
-              <a:rPr lang="en-US" altLang="ko-KR" dirty="0">
-                <a:solidFill>
-                  <a:srgbClr val="FF0000"/>
-                </a:solidFill>
-              </a:rPr>
-              <a:t>6</a:t>
-            </a:r>
-            <a:r>
-              <a:rPr lang="ko-KR" altLang="en-US" dirty="0" smtClean="0">
-                <a:solidFill>
-                  <a:srgbClr val="FF0000"/>
-                </a:solidFill>
-              </a:rPr>
+              <a:rPr lang="en-US" altLang="ko-KR" dirty="0" smtClean="0"/>
+              <a:t>5_ver2 </a:t>
+            </a:r>
+            <a:r>
+              <a:rPr lang="ko-KR" altLang="en-US" dirty="0" smtClean="0"/>
               <a:t>  </a:t>
             </a:r>
-            <a:endParaRPr lang="ko-KR" altLang="en-US" dirty="0">
-              <a:solidFill>
-                <a:srgbClr val="FF0000"/>
-              </a:solidFill>
-            </a:endParaRPr>
+            <a:endParaRPr lang="ko-KR" altLang="en-US" dirty="0"/>
           </a:p>
         </p:txBody>
       </p:sp>
@@ -10290,7 +10381,7 @@
         <p:spPr>
           <a:xfrm>
             <a:off x="838200" y="1484771"/>
-            <a:ext cx="11000874" cy="5078313"/>
+            <a:ext cx="11000874" cy="1754326"/>
           </a:xfrm>
           <a:prstGeom prst="rect">
             <a:avLst/>
@@ -10374,11 +10465,7 @@
               <a:buChar char="-"/>
             </a:pPr>
             <a:r>
-              <a:rPr lang="en-US" altLang="ko-KR" b="1" dirty="0">
-                <a:solidFill>
-                  <a:srgbClr val="FF0000"/>
-                </a:solidFill>
-              </a:rPr>
+              <a:rPr lang="en-US" altLang="ko-KR" b="1" dirty="0"/>
               <a:t>Env1 State:</a:t>
             </a:r>
           </a:p>
@@ -10434,14 +10521,6 @@
               <a:buChar char="-"/>
             </a:pPr>
             <a:r>
-              <a:rPr lang="en-US" altLang="ko-KR" dirty="0" smtClean="0"/>
-              <a:t>Replay memory</a:t>
-            </a:r>
-            <a:r>
-              <a:rPr lang="ko-KR" altLang="en-US" dirty="0" smtClean="0"/>
-              <a:t>에서 </a:t>
-            </a:r>
-            <a:r>
               <a:rPr lang="en-US" altLang="ko-KR" dirty="0" err="1" smtClean="0"/>
               <a:t>power_out</a:t>
             </a:r>
@@ -10451,37 +10530,13 @@
             </a:r>
             <a:r>
               <a:rPr lang="en-US" altLang="ko-KR" dirty="0" smtClean="0"/>
-              <a:t> </a:t>
-            </a:r>
-            <a:r>
-              <a:rPr lang="en-US" altLang="ko-KR" dirty="0" smtClean="0">
-                <a:solidFill>
-                  <a:srgbClr val="FF0000"/>
-                </a:solidFill>
-              </a:rPr>
-              <a:t>mean-</a:t>
-            </a:r>
-            <a:r>
-              <a:rPr lang="en-US" altLang="ko-KR" dirty="0" err="1" smtClean="0">
-                <a:solidFill>
-                  <a:srgbClr val="FF0000"/>
-                </a:solidFill>
-              </a:rPr>
-              <a:t>std</a:t>
-            </a:r>
-            <a:r>
-              <a:rPr lang="en-US" altLang="ko-KR" dirty="0" smtClean="0">
-                <a:solidFill>
-                  <a:srgbClr val="FF0000"/>
-                </a:solidFill>
-              </a:rPr>
-              <a:t> normalization </a:t>
+              <a:t> min-max normalization_ver2 </a:t>
             </a:r>
             <a:r>
               <a:rPr lang="ko-KR" altLang="en-US" dirty="0" smtClean="0"/>
               <a:t>적용 </a:t>
             </a:r>
-            <a:endParaRPr lang="en-US" altLang="ko-KR" dirty="0" smtClean="0"/>
+            <a:endParaRPr lang="en-US" altLang="ko-KR" dirty="0"/>
           </a:p>
           <a:p>
             <a:pPr marL="742950" lvl="1" indent="-285750">
@@ -10490,465 +10545,7 @@
             </a:pPr>
             <a:r>
               <a:rPr lang="en-US" altLang="ko-KR" dirty="0" smtClean="0"/>
-              <a:t>[OOX]</a:t>
-            </a:r>
-            <a:endParaRPr lang="en-US" altLang="ko-KR" dirty="0"/>
-          </a:p>
-          <a:p>
-            <a:pPr marL="285750" indent="-285750">
-              <a:buFontTx/>
-              <a:buChar char="-"/>
-            </a:pPr>
-            <a:r>
-              <a:rPr lang="en-US" altLang="ko-KR" b="1" dirty="0" smtClean="0"/>
-              <a:t>Env2 </a:t>
-            </a:r>
-            <a:r>
-              <a:rPr lang="en-US" altLang="ko-KR" b="1" dirty="0"/>
-              <a:t>State:</a:t>
-            </a:r>
-          </a:p>
-          <a:p>
-            <a:pPr marL="742950" lvl="1" indent="-285750">
-              <a:buFontTx/>
-              <a:buChar char="-"/>
-            </a:pPr>
-            <a:r>
-              <a:rPr lang="en-US" altLang="ko-KR" dirty="0"/>
-              <a:t>State:   [</a:t>
-            </a:r>
-            <a:r>
-              <a:rPr lang="en-US" altLang="ko-KR" dirty="0" err="1">
-                <a:solidFill>
-                  <a:srgbClr val="FF0000"/>
-                </a:solidFill>
-              </a:rPr>
-              <a:t>power_out</a:t>
-            </a:r>
-            <a:r>
-              <a:rPr lang="en-US" altLang="ko-KR" dirty="0">
-                <a:solidFill>
-                  <a:srgbClr val="FF0000"/>
-                </a:solidFill>
-              </a:rPr>
-              <a:t>/1000</a:t>
-            </a:r>
-            <a:r>
-              <a:rPr lang="en-US" altLang="ko-KR" dirty="0"/>
-              <a:t>, SOC </a:t>
-            </a:r>
-            <a:r>
-              <a:rPr lang="en-US" altLang="ko-KR" dirty="0" smtClean="0"/>
-              <a:t>– </a:t>
-            </a:r>
-            <a:r>
-              <a:rPr lang="en-US" altLang="ko-KR" dirty="0"/>
-              <a:t>0.6, </a:t>
-            </a:r>
-            <a:r>
-              <a:rPr lang="en-US" altLang="ko-KR" dirty="0" err="1"/>
-              <a:t>j_min</a:t>
-            </a:r>
-            <a:r>
-              <a:rPr lang="en-US" altLang="ko-KR" dirty="0"/>
-              <a:t>, </a:t>
-            </a:r>
-            <a:r>
-              <a:rPr lang="en-US" altLang="ko-KR" dirty="0" err="1"/>
-              <a:t>j_max</a:t>
-            </a:r>
-            <a:r>
-              <a:rPr lang="en-US" altLang="ko-KR" dirty="0"/>
-              <a:t>]</a:t>
-            </a:r>
-          </a:p>
-          <a:p>
-            <a:pPr marL="742950" lvl="1" indent="-285750">
-              <a:buFontTx/>
-              <a:buChar char="-"/>
-            </a:pPr>
-            <a:r>
-              <a:rPr lang="en-US" altLang="ko-KR" dirty="0"/>
-              <a:t>Replay </a:t>
-            </a:r>
-            <a:r>
-              <a:rPr lang="en-US" altLang="ko-KR" dirty="0" smtClean="0"/>
-              <a:t>memory</a:t>
-            </a:r>
-            <a:r>
-              <a:rPr lang="ko-KR" altLang="en-US" dirty="0" smtClean="0"/>
-              <a:t>에서 </a:t>
-            </a:r>
-            <a:r>
-              <a:rPr lang="ko-KR" altLang="en-US" dirty="0" smtClean="0"/>
-              <a:t>모든 </a:t>
-            </a:r>
-            <a:r>
-              <a:rPr lang="en-US" altLang="ko-KR" dirty="0" smtClean="0"/>
-              <a:t>Feature</a:t>
-            </a:r>
-            <a:r>
-              <a:rPr lang="ko-KR" altLang="en-US" dirty="0" smtClean="0"/>
-              <a:t>에 </a:t>
-            </a:r>
-            <a:r>
-              <a:rPr lang="ko-KR" altLang="en-US" dirty="0"/>
-              <a:t>대해</a:t>
-            </a:r>
-            <a:r>
-              <a:rPr lang="en-US" altLang="ko-KR" dirty="0"/>
-              <a:t> </a:t>
-            </a:r>
-            <a:r>
-              <a:rPr lang="en-US" altLang="ko-KR" dirty="0">
-                <a:solidFill>
-                  <a:srgbClr val="FF0000"/>
-                </a:solidFill>
-              </a:rPr>
-              <a:t>mean-</a:t>
-            </a:r>
-            <a:r>
-              <a:rPr lang="en-US" altLang="ko-KR" dirty="0" err="1">
-                <a:solidFill>
-                  <a:srgbClr val="FF0000"/>
-                </a:solidFill>
-              </a:rPr>
-              <a:t>std</a:t>
-            </a:r>
-            <a:r>
-              <a:rPr lang="en-US" altLang="ko-KR" dirty="0">
-                <a:solidFill>
-                  <a:srgbClr val="FF0000"/>
-                </a:solidFill>
-              </a:rPr>
-              <a:t> normalization </a:t>
-            </a:r>
-            <a:r>
-              <a:rPr lang="ko-KR" altLang="en-US" dirty="0"/>
-              <a:t>적용 </a:t>
-            </a:r>
-            <a:endParaRPr lang="en-US" altLang="ko-KR" dirty="0" smtClean="0"/>
-          </a:p>
-          <a:p>
-            <a:pPr marL="742950" lvl="1" indent="-285750">
-              <a:buFontTx/>
-              <a:buChar char="-"/>
-            </a:pPr>
-            <a:r>
-              <a:rPr lang="en-US" altLang="ko-KR" dirty="0" smtClean="0"/>
-              <a:t>[VVV]</a:t>
-            </a:r>
-            <a:endParaRPr lang="en-US" altLang="ko-KR" dirty="0" smtClean="0"/>
-          </a:p>
-          <a:p>
-            <a:pPr marL="285750" indent="-285750">
-              <a:buFontTx/>
-              <a:buChar char="-"/>
-            </a:pPr>
-            <a:r>
-              <a:rPr lang="en-US" altLang="ko-KR" b="1" dirty="0" smtClean="0"/>
-              <a:t>Env3 </a:t>
-            </a:r>
-            <a:r>
-              <a:rPr lang="en-US" altLang="ko-KR" b="1" dirty="0"/>
-              <a:t>State:</a:t>
-            </a:r>
-          </a:p>
-          <a:p>
-            <a:pPr marL="742950" lvl="1" indent="-285750">
-              <a:buFontTx/>
-              <a:buChar char="-"/>
-            </a:pPr>
-            <a:r>
-              <a:rPr lang="en-US" altLang="ko-KR" dirty="0"/>
-              <a:t>State:   </a:t>
-            </a:r>
-            <a:r>
-              <a:rPr lang="en-US" altLang="ko-KR" dirty="0" smtClean="0"/>
-              <a:t>[</a:t>
-            </a:r>
-            <a:r>
-              <a:rPr lang="en-US" altLang="ko-KR" dirty="0" err="1" smtClean="0">
-                <a:solidFill>
-                  <a:srgbClr val="FF0000"/>
-                </a:solidFill>
-              </a:rPr>
-              <a:t>acc</a:t>
-            </a:r>
-            <a:r>
-              <a:rPr lang="en-US" altLang="ko-KR" dirty="0" smtClean="0">
-                <a:solidFill>
-                  <a:srgbClr val="FF0000"/>
-                </a:solidFill>
-              </a:rPr>
-              <a:t>, </a:t>
-            </a:r>
-            <a:r>
-              <a:rPr lang="en-US" altLang="ko-KR" dirty="0" err="1" smtClean="0">
-                <a:solidFill>
-                  <a:srgbClr val="FF0000"/>
-                </a:solidFill>
-              </a:rPr>
-              <a:t>sp_whl</a:t>
-            </a:r>
-            <a:r>
-              <a:rPr lang="en-US" altLang="ko-KR" dirty="0" smtClean="0"/>
-              <a:t>, </a:t>
-            </a:r>
-            <a:r>
-              <a:rPr lang="en-US" altLang="ko-KR" dirty="0"/>
-              <a:t>SOC </a:t>
-            </a:r>
-            <a:r>
-              <a:rPr lang="en-US" altLang="ko-KR" dirty="0" smtClean="0"/>
-              <a:t>– </a:t>
-            </a:r>
-            <a:r>
-              <a:rPr lang="en-US" altLang="ko-KR" dirty="0"/>
-              <a:t>0.6, </a:t>
-            </a:r>
-            <a:r>
-              <a:rPr lang="en-US" altLang="ko-KR" dirty="0" err="1"/>
-              <a:t>j_min</a:t>
-            </a:r>
-            <a:r>
-              <a:rPr lang="en-US" altLang="ko-KR" dirty="0"/>
-              <a:t>, </a:t>
-            </a:r>
-            <a:r>
-              <a:rPr lang="en-US" altLang="ko-KR" dirty="0" err="1"/>
-              <a:t>j_max</a:t>
-            </a:r>
-            <a:r>
-              <a:rPr lang="en-US" altLang="ko-KR" dirty="0"/>
-              <a:t>]</a:t>
-            </a:r>
-          </a:p>
-          <a:p>
-            <a:pPr marL="742950" lvl="1" indent="-285750">
-              <a:buFontTx/>
-              <a:buChar char="-"/>
-            </a:pPr>
-            <a:r>
-              <a:rPr lang="en-US" altLang="ko-KR" dirty="0"/>
-              <a:t>Replay </a:t>
-            </a:r>
-            <a:r>
-              <a:rPr lang="en-US" altLang="ko-KR" dirty="0" smtClean="0"/>
-              <a:t>memory</a:t>
-            </a:r>
-            <a:r>
-              <a:rPr lang="ko-KR" altLang="en-US" dirty="0" smtClean="0"/>
-              <a:t>에서 </a:t>
-            </a:r>
-            <a:r>
-              <a:rPr lang="en-US" altLang="ko-KR" dirty="0" err="1" smtClean="0"/>
-              <a:t>acc</a:t>
-            </a:r>
-            <a:r>
-              <a:rPr lang="en-US" altLang="ko-KR" dirty="0" smtClean="0"/>
-              <a:t>, </a:t>
-            </a:r>
-            <a:r>
-              <a:rPr lang="en-US" altLang="ko-KR" dirty="0" err="1" smtClean="0"/>
-              <a:t>sp_whl</a:t>
-            </a:r>
-            <a:r>
-              <a:rPr lang="ko-KR" altLang="en-US" dirty="0" smtClean="0"/>
-              <a:t>에 </a:t>
-            </a:r>
-            <a:r>
-              <a:rPr lang="ko-KR" altLang="en-US" dirty="0"/>
-              <a:t>대해</a:t>
-            </a:r>
-            <a:r>
-              <a:rPr lang="en-US" altLang="ko-KR" dirty="0"/>
-              <a:t> </a:t>
-            </a:r>
-            <a:r>
-              <a:rPr lang="en-US" altLang="ko-KR" dirty="0">
-                <a:solidFill>
-                  <a:srgbClr val="FF0000"/>
-                </a:solidFill>
-              </a:rPr>
-              <a:t>mean-</a:t>
-            </a:r>
-            <a:r>
-              <a:rPr lang="en-US" altLang="ko-KR" dirty="0" err="1">
-                <a:solidFill>
-                  <a:srgbClr val="FF0000"/>
-                </a:solidFill>
-              </a:rPr>
-              <a:t>std</a:t>
-            </a:r>
-            <a:r>
-              <a:rPr lang="en-US" altLang="ko-KR" dirty="0">
-                <a:solidFill>
-                  <a:srgbClr val="FF0000"/>
-                </a:solidFill>
-              </a:rPr>
-              <a:t> normalization</a:t>
-            </a:r>
-            <a:r>
-              <a:rPr lang="en-US" altLang="ko-KR" dirty="0"/>
-              <a:t> </a:t>
-            </a:r>
-            <a:r>
-              <a:rPr lang="ko-KR" altLang="en-US" dirty="0" smtClean="0"/>
-              <a:t>적용 </a:t>
-            </a:r>
-            <a:endParaRPr lang="en-US" altLang="ko-KR" dirty="0"/>
-          </a:p>
-          <a:p>
-            <a:pPr marL="742950" lvl="1" indent="-285750">
-              <a:buFontTx/>
-              <a:buChar char="-"/>
-            </a:pPr>
-            <a:r>
-              <a:rPr lang="en-US" altLang="ko-KR" dirty="0" smtClean="0"/>
-              <a:t>[VXX]</a:t>
-            </a:r>
-            <a:endParaRPr lang="en-US" altLang="ko-KR" dirty="0" smtClean="0"/>
-          </a:p>
-          <a:p>
-            <a:pPr marL="285750" indent="-285750">
-              <a:buFontTx/>
-              <a:buChar char="-"/>
-            </a:pPr>
-            <a:r>
-              <a:rPr lang="en-US" altLang="ko-KR" b="1" dirty="0" smtClean="0"/>
-              <a:t>Env4 </a:t>
-            </a:r>
-            <a:r>
-              <a:rPr lang="en-US" altLang="ko-KR" b="1" dirty="0"/>
-              <a:t>State:</a:t>
-            </a:r>
-          </a:p>
-          <a:p>
-            <a:pPr marL="742950" lvl="1" indent="-285750">
-              <a:buFontTx/>
-              <a:buChar char="-"/>
-            </a:pPr>
-            <a:r>
-              <a:rPr lang="en-US" altLang="ko-KR" dirty="0"/>
-              <a:t>State:   </a:t>
-            </a:r>
-            <a:r>
-              <a:rPr lang="en-US" altLang="ko-KR" dirty="0" smtClean="0"/>
-              <a:t>[</a:t>
-            </a:r>
-            <a:r>
-              <a:rPr lang="en-US" altLang="ko-KR" dirty="0" err="1" smtClean="0">
-                <a:solidFill>
-                  <a:srgbClr val="FF0000"/>
-                </a:solidFill>
-              </a:rPr>
-              <a:t>acc</a:t>
-            </a:r>
-            <a:r>
-              <a:rPr lang="en-US" altLang="ko-KR" dirty="0" smtClean="0">
-                <a:solidFill>
-                  <a:srgbClr val="FF0000"/>
-                </a:solidFill>
-              </a:rPr>
-              <a:t>, </a:t>
-            </a:r>
-            <a:r>
-              <a:rPr lang="en-US" altLang="ko-KR" dirty="0" err="1" smtClean="0">
-                <a:solidFill>
-                  <a:srgbClr val="FF0000"/>
-                </a:solidFill>
-              </a:rPr>
-              <a:t>sp_whl</a:t>
-            </a:r>
-            <a:r>
-              <a:rPr lang="en-US" altLang="ko-KR" dirty="0" smtClean="0"/>
-              <a:t>, </a:t>
-            </a:r>
-            <a:r>
-              <a:rPr lang="en-US" altLang="ko-KR" dirty="0"/>
-              <a:t>SOC - 0.6, </a:t>
-            </a:r>
-            <a:r>
-              <a:rPr lang="en-US" altLang="ko-KR" dirty="0" err="1"/>
-              <a:t>j_min</a:t>
-            </a:r>
-            <a:r>
-              <a:rPr lang="en-US" altLang="ko-KR" dirty="0"/>
-              <a:t>, </a:t>
-            </a:r>
-            <a:r>
-              <a:rPr lang="en-US" altLang="ko-KR" dirty="0" err="1"/>
-              <a:t>j_max</a:t>
-            </a:r>
-            <a:r>
-              <a:rPr lang="en-US" altLang="ko-KR" dirty="0"/>
-              <a:t>]</a:t>
-            </a:r>
-          </a:p>
-          <a:p>
-            <a:pPr marL="742950" lvl="1" indent="-285750">
-              <a:buFontTx/>
-              <a:buChar char="-"/>
-            </a:pPr>
-            <a:r>
-              <a:rPr lang="en-US" altLang="ko-KR" dirty="0"/>
-              <a:t>Replay memory</a:t>
-            </a:r>
-            <a:r>
-              <a:rPr lang="ko-KR" altLang="en-US" dirty="0"/>
-              <a:t>에서 모든 </a:t>
-            </a:r>
-            <a:r>
-              <a:rPr lang="en-US" altLang="ko-KR" dirty="0"/>
-              <a:t>Feature</a:t>
-            </a:r>
-            <a:r>
-              <a:rPr lang="ko-KR" altLang="en-US" dirty="0"/>
-              <a:t>에 대해</a:t>
-            </a:r>
-            <a:r>
-              <a:rPr lang="en-US" altLang="ko-KR" dirty="0"/>
-              <a:t> </a:t>
-            </a:r>
-            <a:r>
-              <a:rPr lang="en-US" altLang="ko-KR" dirty="0">
-                <a:solidFill>
-                  <a:srgbClr val="FF0000"/>
-                </a:solidFill>
-              </a:rPr>
-              <a:t>mean-</a:t>
-            </a:r>
-            <a:r>
-              <a:rPr lang="en-US" altLang="ko-KR" dirty="0" err="1">
-                <a:solidFill>
-                  <a:srgbClr val="FF0000"/>
-                </a:solidFill>
-              </a:rPr>
-              <a:t>std</a:t>
-            </a:r>
-            <a:r>
-              <a:rPr lang="en-US" altLang="ko-KR" dirty="0">
-                <a:solidFill>
-                  <a:srgbClr val="FF0000"/>
-                </a:solidFill>
-              </a:rPr>
-              <a:t> normalization </a:t>
-            </a:r>
-            <a:r>
-              <a:rPr lang="ko-KR" altLang="en-US" dirty="0" smtClean="0"/>
-              <a:t>적용 </a:t>
-            </a:r>
-            <a:endParaRPr lang="en-US" altLang="ko-KR" dirty="0"/>
-          </a:p>
-          <a:p>
-            <a:pPr marL="742950" lvl="1" indent="-285750">
-              <a:buFontTx/>
-              <a:buChar char="-"/>
-            </a:pPr>
-            <a:r>
-              <a:rPr lang="en-US" altLang="ko-KR" dirty="0" smtClean="0"/>
-              <a:t>[XXX]</a:t>
+              <a:t>[V]</a:t>
             </a:r>
             <a:endParaRPr lang="en-US" altLang="ko-KR" dirty="0"/>
           </a:p>
@@ -10962,8 +10559,8 @@
         </p:nvSpPr>
         <p:spPr>
           <a:xfrm>
-            <a:off x="9576262" y="2684188"/>
-            <a:ext cx="2262812" cy="369332"/>
+            <a:off x="9376757" y="4122289"/>
+            <a:ext cx="3017520" cy="369332"/>
           </a:xfrm>
           <a:prstGeom prst="rect">
             <a:avLst/>
@@ -10996,9 +10593,63 @@
           </a:p>
         </p:txBody>
       </p:sp>
+      <p:sp>
+        <p:nvSpPr>
+          <p:cNvPr id="6" name="TextBox 5"/>
+          <p:cNvSpPr txBox="1"/>
+          <p:nvPr/>
+        </p:nvSpPr>
+        <p:spPr>
+          <a:xfrm>
+            <a:off x="1566247" y="4701198"/>
+            <a:ext cx="8607145" cy="369332"/>
+          </a:xfrm>
+          <a:prstGeom prst="rect">
+            <a:avLst/>
+          </a:prstGeom>
+          <a:noFill/>
+        </p:spPr>
+        <p:txBody>
+          <a:bodyPr wrap="square" rtlCol="0">
+            <a:spAutoFit/>
+          </a:bodyPr>
+          <a:lstStyle/>
+          <a:p>
+            <a:r>
+              <a:rPr lang="en-US" altLang="ko-KR" b="1" dirty="0" smtClean="0">
+                <a:solidFill>
+                  <a:srgbClr val="FF0000"/>
+                </a:solidFill>
+              </a:rPr>
+              <a:t>Mean-Standard deviation </a:t>
+            </a:r>
+            <a:r>
+              <a:rPr lang="en-US" altLang="ko-KR" b="1" dirty="0" smtClean="0">
+                <a:solidFill>
+                  <a:srgbClr val="FF0000"/>
+                </a:solidFill>
+              </a:rPr>
+              <a:t>normalization</a:t>
+            </a:r>
+            <a:r>
+              <a:rPr lang="ko-KR" altLang="en-US" b="1" dirty="0" smtClean="0">
+                <a:solidFill>
+                  <a:srgbClr val="FF0000"/>
+                </a:solidFill>
+              </a:rPr>
+              <a:t>보다 효과가 떨어지는 것으로 보임 </a:t>
+            </a:r>
+            <a:endParaRPr lang="en-US" altLang="ko-KR" b="1" dirty="0">
+              <a:solidFill>
+                <a:srgbClr val="FF0000"/>
+              </a:solidFill>
+            </a:endParaRPr>
+          </a:p>
+        </p:txBody>
+      </p:sp>
       <p:pic>
         <p:nvPicPr>
-          <p:cNvPr id="6" name="그림 5"/>
+          <p:cNvPr id="7" name="그림 6"/>
           <p:cNvPicPr>
             <a:picLocks noChangeAspect="1"/>
           </p:cNvPicPr>
@@ -11012,8 +10663,8 @@
         </p:blipFill>
         <p:spPr>
           <a:xfrm>
-            <a:off x="9116299" y="1295047"/>
-            <a:ext cx="2995589" cy="3030574"/>
+            <a:off x="9027957" y="929353"/>
+            <a:ext cx="3075374" cy="3071079"/>
           </a:xfrm>
           <a:prstGeom prst="rect">
             <a:avLst/>
@@ -11023,7 +10674,7 @@
     </p:spTree>
     <p:extLst>
       <p:ext uri="{BB962C8B-B14F-4D97-AF65-F5344CB8AC3E}">
-        <p14:creationId xmlns:p14="http://schemas.microsoft.com/office/powerpoint/2010/main" val="504876074"/>
+        <p14:creationId xmlns:p14="http://schemas.microsoft.com/office/powerpoint/2010/main" val="3691464051"/>
       </p:ext>
     </p:extLst>
   </p:cSld>
@@ -11082,12 +10733,12 @@
               <a:t> </a:t>
             </a:r>
             <a:r>
-              <a:rPr lang="en-US" altLang="ko-KR" dirty="0" smtClean="0">
-                <a:solidFill>
-                  <a:srgbClr val="FF0000"/>
-                </a:solidFill>
-              </a:rPr>
-              <a:t>6_ver2</a:t>
+              <a:rPr lang="en-US" altLang="ko-KR" dirty="0">
+                <a:solidFill>
+                  <a:srgbClr val="FF0000"/>
+                </a:solidFill>
+              </a:rPr>
+              <a:t>6</a:t>
             </a:r>
             <a:r>
               <a:rPr lang="ko-KR" altLang="en-US" dirty="0" smtClean="0">
@@ -11233,13 +10884,24 @@
             </a:r>
             <a:r>
               <a:rPr lang="en-US" altLang="ko-KR" dirty="0"/>
-              <a:t>, SOC - </a:t>
-            </a:r>
-            <a:r>
-              <a:rPr lang="en-US" altLang="ko-KR" dirty="0" smtClean="0"/>
-              <a:t>0.6]</a:t>
-            </a:r>
-            <a:endParaRPr lang="en-US" altLang="ko-KR" dirty="0" smtClean="0"/>
+              <a:t>, SOC - 0.6, </a:t>
+            </a:r>
+            <a:r>
+              <a:rPr lang="en-US" altLang="ko-KR" dirty="0" err="1"/>
+              <a:t>j_min</a:t>
+            </a:r>
+            <a:r>
+              <a:rPr lang="en-US" altLang="ko-KR" dirty="0"/>
+              <a:t>, </a:t>
+            </a:r>
+            <a:r>
+              <a:rPr lang="en-US" altLang="ko-KR" dirty="0" err="1"/>
+              <a:t>j_max</a:t>
+            </a:r>
+            <a:r>
+              <a:rPr lang="en-US" altLang="ko-KR" dirty="0" smtClean="0"/>
+              <a:t>]</a:t>
+            </a:r>
           </a:p>
           <a:p>
             <a:pPr marL="742950" lvl="1" indent="-285750">
@@ -11303,7 +10965,7 @@
             </a:pPr>
             <a:r>
               <a:rPr lang="en-US" altLang="ko-KR" dirty="0" smtClean="0"/>
-              <a:t>[O]</a:t>
+              <a:t>[OOX]</a:t>
             </a:r>
             <a:endParaRPr lang="en-US" altLang="ko-KR" dirty="0"/>
           </a:p>
@@ -11352,9 +11014,28 @@
             </a:r>
             <a:r>
               <a:rPr lang="en-US" altLang="ko-KR" dirty="0" smtClean="0"/>
-              <a:t>– 0.6]</a:t>
-            </a:r>
-            <a:endParaRPr lang="en-US" altLang="ko-KR" dirty="0"/>
+              <a:t>– </a:t>
+            </a:r>
+            <a:r>
+              <a:rPr lang="en-US" altLang="ko-KR" dirty="0"/>
+              <a:t>0.6, </a:t>
+            </a:r>
+            <a:r>
+              <a:rPr lang="en-US" altLang="ko-KR" dirty="0" err="1"/>
+              <a:t>j_min</a:t>
+            </a:r>
+            <a:r>
+              <a:rPr lang="en-US" altLang="ko-KR" dirty="0"/>
+              <a:t>, </a:t>
+            </a:r>
+            <a:r>
+              <a:rPr lang="en-US" altLang="ko-KR" dirty="0" err="1"/>
+              <a:t>j_max</a:t>
+            </a:r>
+            <a:r>
+              <a:rPr lang="en-US" altLang="ko-KR" dirty="0"/>
+              <a:t>]</a:t>
+            </a:r>
           </a:p>
           <a:p>
             <a:pPr marL="742950" lvl="1" indent="-285750">
@@ -11430,7 +11111,7 @@
             </a:pPr>
             <a:r>
               <a:rPr lang="en-US" altLang="ko-KR" dirty="0" smtClean="0"/>
-              <a:t>[V]</a:t>
+              <a:t>[VVV]</a:t>
             </a:r>
             <a:endParaRPr lang="en-US" altLang="ko-KR" dirty="0" smtClean="0"/>
           </a:p>
@@ -11495,9 +11176,28 @@
             </a:r>
             <a:r>
               <a:rPr lang="en-US" altLang="ko-KR" dirty="0" smtClean="0"/>
-              <a:t>– 0.6]</a:t>
-            </a:r>
-            <a:endParaRPr lang="en-US" altLang="ko-KR" dirty="0"/>
+              <a:t>– </a:t>
+            </a:r>
+            <a:r>
+              <a:rPr lang="en-US" altLang="ko-KR" dirty="0"/>
+              <a:t>0.6, </a:t>
+            </a:r>
+            <a:r>
+              <a:rPr lang="en-US" altLang="ko-KR" dirty="0" err="1"/>
+              <a:t>j_min</a:t>
+            </a:r>
+            <a:r>
+              <a:rPr lang="en-US" altLang="ko-KR" dirty="0"/>
+              <a:t>, </a:t>
+            </a:r>
+            <a:r>
+              <a:rPr lang="en-US" altLang="ko-KR" dirty="0" err="1"/>
+              <a:t>j_max</a:t>
+            </a:r>
+            <a:r>
+              <a:rPr lang="en-US" altLang="ko-KR" dirty="0"/>
+              <a:t>]</a:t>
+            </a:r>
           </a:p>
           <a:p>
             <a:pPr marL="742950" lvl="1" indent="-285750">
@@ -11581,7 +11281,7 @@
             </a:pPr>
             <a:r>
               <a:rPr lang="en-US" altLang="ko-KR" dirty="0" smtClean="0"/>
-              <a:t>[X]</a:t>
+              <a:t>[VXX]</a:t>
             </a:r>
             <a:endParaRPr lang="en-US" altLang="ko-KR" dirty="0" smtClean="0"/>
           </a:p>
@@ -11642,13 +11342,24 @@
             </a:r>
             <a:r>
               <a:rPr lang="en-US" altLang="ko-KR" dirty="0"/>
-              <a:t>SOC - </a:t>
-            </a:r>
-            <a:r>
-              <a:rPr lang="en-US" altLang="ko-KR" dirty="0" smtClean="0"/>
-              <a:t>0.6]</a:t>
-            </a:r>
-            <a:endParaRPr lang="en-US" altLang="ko-KR" dirty="0"/>
+              <a:t>SOC - 0.6, </a:t>
+            </a:r>
+            <a:r>
+              <a:rPr lang="en-US" altLang="ko-KR" dirty="0" err="1"/>
+              <a:t>j_min</a:t>
+            </a:r>
+            <a:r>
+              <a:rPr lang="en-US" altLang="ko-KR" dirty="0"/>
+              <a:t>, </a:t>
+            </a:r>
+            <a:r>
+              <a:rPr lang="en-US" altLang="ko-KR" dirty="0" err="1"/>
+              <a:t>j_max</a:t>
+            </a:r>
+            <a:r>
+              <a:rPr lang="en-US" altLang="ko-KR" dirty="0"/>
+              <a:t>]</a:t>
+            </a:r>
           </a:p>
           <a:p>
             <a:pPr marL="742950" lvl="1" indent="-285750">
@@ -11712,7 +11423,7 @@
             </a:pPr>
             <a:r>
               <a:rPr lang="en-US" altLang="ko-KR" dirty="0" smtClean="0"/>
-              <a:t>[X]</a:t>
+              <a:t>[XXX]</a:t>
             </a:r>
             <a:endParaRPr lang="en-US" altLang="ko-KR" dirty="0"/>
           </a:p>
@@ -11720,14 +11431,14 @@
       </p:sp>
       <p:sp>
         <p:nvSpPr>
-          <p:cNvPr id="6" name="TextBox 5"/>
+          <p:cNvPr id="5" name="TextBox 4"/>
           <p:cNvSpPr txBox="1"/>
           <p:nvPr/>
         </p:nvSpPr>
         <p:spPr>
           <a:xfrm>
-            <a:off x="3699233" y="6454430"/>
-            <a:ext cx="5478018" cy="369332"/>
+            <a:off x="9576262" y="2684188"/>
+            <a:ext cx="2262812" cy="369332"/>
           </a:xfrm>
           <a:prstGeom prst="rect">
             <a:avLst/>
@@ -11741,40 +11452,28 @@
           <a:lstStyle/>
           <a:p>
             <a:r>
-              <a:rPr lang="ko-KR" altLang="en-US" b="1" dirty="0" smtClean="0">
-                <a:solidFill>
-                  <a:srgbClr val="FF0000"/>
-                </a:solidFill>
-              </a:rPr>
-              <a:t>결론은 </a:t>
-            </a:r>
-            <a:r>
-              <a:rPr lang="en-US" altLang="ko-KR" b="1" dirty="0" smtClean="0">
-                <a:solidFill>
-                  <a:srgbClr val="FF0000"/>
-                </a:solidFill>
-              </a:rPr>
-              <a:t>Env1</a:t>
-            </a:r>
-            <a:r>
-              <a:rPr lang="ko-KR" altLang="en-US" b="1" dirty="0" smtClean="0">
-                <a:solidFill>
-                  <a:srgbClr val="FF0000"/>
-                </a:solidFill>
-              </a:rPr>
-              <a:t>이 가장 적합하다는 사실임 </a:t>
-            </a:r>
-            <a:endParaRPr lang="en-US" altLang="ko-KR" b="1" dirty="0">
-              <a:solidFill>
-                <a:srgbClr val="FF0000"/>
-              </a:solidFill>
-            </a:endParaRPr>
+              <a:rPr lang="en-US" altLang="ko-KR" dirty="0" smtClean="0"/>
+              <a:t>&lt;</a:t>
+            </a:r>
+            <a:r>
+              <a:rPr lang="ko-KR" altLang="en-US" dirty="0" err="1" smtClean="0"/>
+              <a:t>하이퍼파라미터</a:t>
+            </a:r>
+            <a:r>
+              <a:rPr lang="en-US" altLang="ko-KR" dirty="0" smtClean="0"/>
+              <a:t>&gt;</a:t>
+            </a:r>
+            <a:r>
+              <a:rPr lang="ko-KR" altLang="en-US" dirty="0" smtClean="0"/>
+              <a:t> </a:t>
+            </a:r>
+            <a:endParaRPr lang="ko-KR" altLang="en-US" dirty="0"/>
           </a:p>
         </p:txBody>
       </p:sp>
       <p:pic>
         <p:nvPicPr>
-          <p:cNvPr id="7" name="그림 6"/>
+          <p:cNvPr id="6" name="그림 5"/>
           <p:cNvPicPr>
             <a:picLocks noChangeAspect="1"/>
           </p:cNvPicPr>
@@ -11788,8 +11487,8 @@
         </p:blipFill>
         <p:spPr>
           <a:xfrm>
-            <a:off x="9109696" y="1027906"/>
-            <a:ext cx="3222004" cy="3307292"/>
+            <a:off x="9116299" y="1295047"/>
+            <a:ext cx="2995589" cy="3030574"/>
           </a:xfrm>
           <a:prstGeom prst="rect">
             <a:avLst/>
@@ -11799,7 +11498,7 @@
     </p:spTree>
     <p:extLst>
       <p:ext uri="{BB962C8B-B14F-4D97-AF65-F5344CB8AC3E}">
-        <p14:creationId xmlns:p14="http://schemas.microsoft.com/office/powerpoint/2010/main" val="3545861553"/>
+        <p14:creationId xmlns:p14="http://schemas.microsoft.com/office/powerpoint/2010/main" val="504876074"/>
       </p:ext>
     </p:extLst>
   </p:cSld>
@@ -11863,6 +11562,782 @@
                   <a:srgbClr val="FF0000"/>
                 </a:solidFill>
               </a:rPr>
+              <a:t>6_ver2</a:t>
+            </a:r>
+            <a:r>
+              <a:rPr lang="ko-KR" altLang="en-US" dirty="0" smtClean="0">
+                <a:solidFill>
+                  <a:srgbClr val="FF0000"/>
+                </a:solidFill>
+              </a:rPr>
+              <a:t>  </a:t>
+            </a:r>
+            <a:endParaRPr lang="ko-KR" altLang="en-US" dirty="0">
+              <a:solidFill>
+                <a:srgbClr val="FF0000"/>
+              </a:solidFill>
+            </a:endParaRPr>
+          </a:p>
+        </p:txBody>
+      </p:sp>
+      <p:sp>
+        <p:nvSpPr>
+          <p:cNvPr id="4" name="TextBox 3"/>
+          <p:cNvSpPr txBox="1"/>
+          <p:nvPr/>
+        </p:nvSpPr>
+        <p:spPr>
+          <a:xfrm>
+            <a:off x="838200" y="1484771"/>
+            <a:ext cx="11000874" cy="5078313"/>
+          </a:xfrm>
+          <a:prstGeom prst="rect">
+            <a:avLst/>
+          </a:prstGeom>
+          <a:noFill/>
+        </p:spPr>
+        <p:txBody>
+          <a:bodyPr wrap="square" rtlCol="0">
+            <a:spAutoFit/>
+          </a:bodyPr>
+          <a:lstStyle/>
+          <a:p>
+            <a:pPr marL="285750" indent="-285750">
+              <a:buFontTx/>
+              <a:buChar char="-"/>
+            </a:pPr>
+            <a:r>
+              <a:rPr lang="en-US" altLang="ko-KR" b="1" dirty="0" smtClean="0">
+                <a:solidFill>
+                  <a:srgbClr val="FF0000"/>
+                </a:solidFill>
+              </a:rPr>
+              <a:t>Replay memory</a:t>
+            </a:r>
+            <a:r>
+              <a:rPr lang="ko-KR" altLang="en-US" b="1" dirty="0" smtClean="0">
+                <a:solidFill>
+                  <a:srgbClr val="FF0000"/>
+                </a:solidFill>
+              </a:rPr>
+              <a:t>에서 </a:t>
+            </a:r>
+            <a:r>
+              <a:rPr lang="en-US" altLang="ko-KR" b="1" dirty="0" smtClean="0">
+                <a:solidFill>
+                  <a:srgbClr val="FF0000"/>
+                </a:solidFill>
+              </a:rPr>
+              <a:t>experiments</a:t>
+            </a:r>
+            <a:r>
+              <a:rPr lang="ko-KR" altLang="en-US" b="1" dirty="0" smtClean="0">
+                <a:solidFill>
+                  <a:srgbClr val="FF0000"/>
+                </a:solidFill>
+              </a:rPr>
+              <a:t>를 </a:t>
+            </a:r>
+            <a:r>
+              <a:rPr lang="en-US" altLang="ko-KR" b="1" dirty="0" smtClean="0">
+                <a:solidFill>
+                  <a:srgbClr val="FF0000"/>
+                </a:solidFill>
+              </a:rPr>
+              <a:t>normalization</a:t>
+            </a:r>
+            <a:r>
+              <a:rPr lang="ko-KR" altLang="en-US" b="1" dirty="0" smtClean="0">
+                <a:solidFill>
+                  <a:srgbClr val="FF0000"/>
+                </a:solidFill>
+              </a:rPr>
+              <a:t>하는 방식을 활용하기 </a:t>
+            </a:r>
+            <a:endParaRPr lang="en-US" altLang="ko-KR" b="1" dirty="0" smtClean="0">
+              <a:solidFill>
+                <a:srgbClr val="FF0000"/>
+              </a:solidFill>
+            </a:endParaRPr>
+          </a:p>
+          <a:p>
+            <a:pPr marL="285750" indent="-285750">
+              <a:buFontTx/>
+              <a:buChar char="-"/>
+            </a:pPr>
+            <a:endParaRPr lang="en-US" altLang="ko-KR" b="1" dirty="0"/>
+          </a:p>
+          <a:p>
+            <a:pPr marL="285750" indent="-285750">
+              <a:buFontTx/>
+              <a:buChar char="-"/>
+            </a:pPr>
+            <a:r>
+              <a:rPr lang="en-US" altLang="ko-KR" b="1" dirty="0">
+                <a:solidFill>
+                  <a:srgbClr val="FF0000"/>
+                </a:solidFill>
+              </a:rPr>
+              <a:t>Env1 State:</a:t>
+            </a:r>
+          </a:p>
+          <a:p>
+            <a:pPr marL="742950" lvl="1" indent="-285750">
+              <a:buFontTx/>
+              <a:buChar char="-"/>
+            </a:pPr>
+            <a:r>
+              <a:rPr lang="en-US" altLang="ko-KR" dirty="0"/>
+              <a:t>State:   [</a:t>
+            </a:r>
+            <a:r>
+              <a:rPr lang="en-US" altLang="ko-KR" dirty="0" err="1">
+                <a:solidFill>
+                  <a:srgbClr val="FF0000"/>
+                </a:solidFill>
+              </a:rPr>
+              <a:t>power_out</a:t>
+            </a:r>
+            <a:r>
+              <a:rPr lang="en-US" altLang="ko-KR" dirty="0">
+                <a:solidFill>
+                  <a:srgbClr val="FF0000"/>
+                </a:solidFill>
+              </a:rPr>
+              <a:t>/1000</a:t>
+            </a:r>
+            <a:r>
+              <a:rPr lang="en-US" altLang="ko-KR" dirty="0"/>
+              <a:t>, SOC - </a:t>
+            </a:r>
+            <a:r>
+              <a:rPr lang="en-US" altLang="ko-KR" dirty="0" smtClean="0"/>
+              <a:t>0.6]</a:t>
+            </a:r>
+            <a:endParaRPr lang="en-US" altLang="ko-KR" dirty="0" smtClean="0"/>
+          </a:p>
+          <a:p>
+            <a:pPr marL="742950" lvl="1" indent="-285750">
+              <a:buFontTx/>
+              <a:buChar char="-"/>
+            </a:pPr>
+            <a:r>
+              <a:rPr lang="en-US" altLang="ko-KR" dirty="0" smtClean="0"/>
+              <a:t>Replay memory</a:t>
+            </a:r>
+            <a:r>
+              <a:rPr lang="ko-KR" altLang="en-US" dirty="0" smtClean="0"/>
+              <a:t>에서 </a:t>
+            </a:r>
+            <a:r>
+              <a:rPr lang="en-US" altLang="ko-KR" dirty="0" err="1" smtClean="0"/>
+              <a:t>power_out</a:t>
+            </a:r>
+            <a:r>
+              <a:rPr lang="ko-KR" altLang="en-US" dirty="0" smtClean="0"/>
+              <a:t>에 대해</a:t>
+            </a:r>
+            <a:r>
+              <a:rPr lang="en-US" altLang="ko-KR" dirty="0" smtClean="0"/>
+              <a:t> </a:t>
+            </a:r>
+            <a:r>
+              <a:rPr lang="en-US" altLang="ko-KR" dirty="0" smtClean="0">
+                <a:solidFill>
+                  <a:srgbClr val="FF0000"/>
+                </a:solidFill>
+              </a:rPr>
+              <a:t>mean-</a:t>
+            </a:r>
+            <a:r>
+              <a:rPr lang="en-US" altLang="ko-KR" dirty="0" err="1" smtClean="0">
+                <a:solidFill>
+                  <a:srgbClr val="FF0000"/>
+                </a:solidFill>
+              </a:rPr>
+              <a:t>std</a:t>
+            </a:r>
+            <a:r>
+              <a:rPr lang="en-US" altLang="ko-KR" dirty="0" smtClean="0">
+                <a:solidFill>
+                  <a:srgbClr val="FF0000"/>
+                </a:solidFill>
+              </a:rPr>
+              <a:t> normalization </a:t>
+            </a:r>
+            <a:r>
+              <a:rPr lang="ko-KR" altLang="en-US" dirty="0" smtClean="0"/>
+              <a:t>적용 </a:t>
+            </a:r>
+            <a:endParaRPr lang="en-US" altLang="ko-KR" dirty="0" smtClean="0"/>
+          </a:p>
+          <a:p>
+            <a:pPr marL="742950" lvl="1" indent="-285750">
+              <a:buFontTx/>
+              <a:buChar char="-"/>
+            </a:pPr>
+            <a:r>
+              <a:rPr lang="en-US" altLang="ko-KR" dirty="0" smtClean="0"/>
+              <a:t>[O]</a:t>
+            </a:r>
+            <a:endParaRPr lang="en-US" altLang="ko-KR" dirty="0"/>
+          </a:p>
+          <a:p>
+            <a:pPr marL="285750" indent="-285750">
+              <a:buFontTx/>
+              <a:buChar char="-"/>
+            </a:pPr>
+            <a:r>
+              <a:rPr lang="en-US" altLang="ko-KR" b="1" dirty="0" smtClean="0"/>
+              <a:t>Env2 </a:t>
+            </a:r>
+            <a:r>
+              <a:rPr lang="en-US" altLang="ko-KR" b="1" dirty="0"/>
+              <a:t>State:</a:t>
+            </a:r>
+          </a:p>
+          <a:p>
+            <a:pPr marL="742950" lvl="1" indent="-285750">
+              <a:buFontTx/>
+              <a:buChar char="-"/>
+            </a:pPr>
+            <a:r>
+              <a:rPr lang="en-US" altLang="ko-KR" dirty="0"/>
+              <a:t>State:   [</a:t>
+            </a:r>
+            <a:r>
+              <a:rPr lang="en-US" altLang="ko-KR" dirty="0" err="1">
+                <a:solidFill>
+                  <a:srgbClr val="FF0000"/>
+                </a:solidFill>
+              </a:rPr>
+              <a:t>power_out</a:t>
+            </a:r>
+            <a:r>
+              <a:rPr lang="en-US" altLang="ko-KR" dirty="0">
+                <a:solidFill>
+                  <a:srgbClr val="FF0000"/>
+                </a:solidFill>
+              </a:rPr>
+              <a:t>/1000</a:t>
+            </a:r>
+            <a:r>
+              <a:rPr lang="en-US" altLang="ko-KR" dirty="0"/>
+              <a:t>, SOC </a:t>
+            </a:r>
+            <a:r>
+              <a:rPr lang="en-US" altLang="ko-KR" dirty="0" smtClean="0"/>
+              <a:t>– 0.6]</a:t>
+            </a:r>
+            <a:endParaRPr lang="en-US" altLang="ko-KR" dirty="0"/>
+          </a:p>
+          <a:p>
+            <a:pPr marL="742950" lvl="1" indent="-285750">
+              <a:buFontTx/>
+              <a:buChar char="-"/>
+            </a:pPr>
+            <a:r>
+              <a:rPr lang="en-US" altLang="ko-KR" dirty="0"/>
+              <a:t>Replay </a:t>
+            </a:r>
+            <a:r>
+              <a:rPr lang="en-US" altLang="ko-KR" dirty="0" smtClean="0"/>
+              <a:t>memory</a:t>
+            </a:r>
+            <a:r>
+              <a:rPr lang="ko-KR" altLang="en-US" dirty="0" smtClean="0"/>
+              <a:t>에서 </a:t>
+            </a:r>
+            <a:r>
+              <a:rPr lang="ko-KR" altLang="en-US" dirty="0" smtClean="0"/>
+              <a:t>모든 </a:t>
+            </a:r>
+            <a:r>
+              <a:rPr lang="en-US" altLang="ko-KR" dirty="0" smtClean="0"/>
+              <a:t>Feature</a:t>
+            </a:r>
+            <a:r>
+              <a:rPr lang="ko-KR" altLang="en-US" dirty="0" smtClean="0"/>
+              <a:t>에 </a:t>
+            </a:r>
+            <a:r>
+              <a:rPr lang="ko-KR" altLang="en-US" dirty="0"/>
+              <a:t>대해</a:t>
+            </a:r>
+            <a:r>
+              <a:rPr lang="en-US" altLang="ko-KR" dirty="0"/>
+              <a:t> </a:t>
+            </a:r>
+            <a:r>
+              <a:rPr lang="en-US" altLang="ko-KR" dirty="0">
+                <a:solidFill>
+                  <a:srgbClr val="FF0000"/>
+                </a:solidFill>
+              </a:rPr>
+              <a:t>mean-</a:t>
+            </a:r>
+            <a:r>
+              <a:rPr lang="en-US" altLang="ko-KR" dirty="0" err="1">
+                <a:solidFill>
+                  <a:srgbClr val="FF0000"/>
+                </a:solidFill>
+              </a:rPr>
+              <a:t>std</a:t>
+            </a:r>
+            <a:r>
+              <a:rPr lang="en-US" altLang="ko-KR" dirty="0">
+                <a:solidFill>
+                  <a:srgbClr val="FF0000"/>
+                </a:solidFill>
+              </a:rPr>
+              <a:t> normalization </a:t>
+            </a:r>
+            <a:r>
+              <a:rPr lang="ko-KR" altLang="en-US" dirty="0"/>
+              <a:t>적용 </a:t>
+            </a:r>
+            <a:endParaRPr lang="en-US" altLang="ko-KR" dirty="0" smtClean="0"/>
+          </a:p>
+          <a:p>
+            <a:pPr marL="742950" lvl="1" indent="-285750">
+              <a:buFontTx/>
+              <a:buChar char="-"/>
+            </a:pPr>
+            <a:r>
+              <a:rPr lang="en-US" altLang="ko-KR" dirty="0" smtClean="0"/>
+              <a:t>[V]</a:t>
+            </a:r>
+            <a:endParaRPr lang="en-US" altLang="ko-KR" dirty="0" smtClean="0"/>
+          </a:p>
+          <a:p>
+            <a:pPr marL="285750" indent="-285750">
+              <a:buFontTx/>
+              <a:buChar char="-"/>
+            </a:pPr>
+            <a:r>
+              <a:rPr lang="en-US" altLang="ko-KR" b="1" dirty="0" smtClean="0"/>
+              <a:t>Env3 </a:t>
+            </a:r>
+            <a:r>
+              <a:rPr lang="en-US" altLang="ko-KR" b="1" dirty="0"/>
+              <a:t>State:</a:t>
+            </a:r>
+          </a:p>
+          <a:p>
+            <a:pPr marL="742950" lvl="1" indent="-285750">
+              <a:buFontTx/>
+              <a:buChar char="-"/>
+            </a:pPr>
+            <a:r>
+              <a:rPr lang="en-US" altLang="ko-KR" dirty="0"/>
+              <a:t>State:   </a:t>
+            </a:r>
+            <a:r>
+              <a:rPr lang="en-US" altLang="ko-KR" dirty="0" smtClean="0"/>
+              <a:t>[</a:t>
+            </a:r>
+            <a:r>
+              <a:rPr lang="en-US" altLang="ko-KR" dirty="0" err="1" smtClean="0">
+                <a:solidFill>
+                  <a:srgbClr val="FF0000"/>
+                </a:solidFill>
+              </a:rPr>
+              <a:t>acc</a:t>
+            </a:r>
+            <a:r>
+              <a:rPr lang="en-US" altLang="ko-KR" dirty="0" smtClean="0">
+                <a:solidFill>
+                  <a:srgbClr val="FF0000"/>
+                </a:solidFill>
+              </a:rPr>
+              <a:t>, </a:t>
+            </a:r>
+            <a:r>
+              <a:rPr lang="en-US" altLang="ko-KR" dirty="0" err="1" smtClean="0">
+                <a:solidFill>
+                  <a:srgbClr val="FF0000"/>
+                </a:solidFill>
+              </a:rPr>
+              <a:t>sp_whl</a:t>
+            </a:r>
+            <a:r>
+              <a:rPr lang="en-US" altLang="ko-KR" dirty="0" smtClean="0"/>
+              <a:t>, </a:t>
+            </a:r>
+            <a:r>
+              <a:rPr lang="en-US" altLang="ko-KR" dirty="0"/>
+              <a:t>SOC </a:t>
+            </a:r>
+            <a:r>
+              <a:rPr lang="en-US" altLang="ko-KR" dirty="0" smtClean="0"/>
+              <a:t>– 0.6]</a:t>
+            </a:r>
+            <a:endParaRPr lang="en-US" altLang="ko-KR" dirty="0"/>
+          </a:p>
+          <a:p>
+            <a:pPr marL="742950" lvl="1" indent="-285750">
+              <a:buFontTx/>
+              <a:buChar char="-"/>
+            </a:pPr>
+            <a:r>
+              <a:rPr lang="en-US" altLang="ko-KR" dirty="0"/>
+              <a:t>Replay </a:t>
+            </a:r>
+            <a:r>
+              <a:rPr lang="en-US" altLang="ko-KR" dirty="0" smtClean="0"/>
+              <a:t>memory</a:t>
+            </a:r>
+            <a:r>
+              <a:rPr lang="ko-KR" altLang="en-US" dirty="0" smtClean="0"/>
+              <a:t>에서 </a:t>
+            </a:r>
+            <a:r>
+              <a:rPr lang="en-US" altLang="ko-KR" dirty="0" err="1" smtClean="0"/>
+              <a:t>acc</a:t>
+            </a:r>
+            <a:r>
+              <a:rPr lang="en-US" altLang="ko-KR" dirty="0" smtClean="0"/>
+              <a:t>, </a:t>
+            </a:r>
+            <a:r>
+              <a:rPr lang="en-US" altLang="ko-KR" dirty="0" err="1" smtClean="0"/>
+              <a:t>sp_whl</a:t>
+            </a:r>
+            <a:r>
+              <a:rPr lang="ko-KR" altLang="en-US" dirty="0" smtClean="0"/>
+              <a:t>에 </a:t>
+            </a:r>
+            <a:r>
+              <a:rPr lang="ko-KR" altLang="en-US" dirty="0"/>
+              <a:t>대해</a:t>
+            </a:r>
+            <a:r>
+              <a:rPr lang="en-US" altLang="ko-KR" dirty="0"/>
+              <a:t> </a:t>
+            </a:r>
+            <a:r>
+              <a:rPr lang="en-US" altLang="ko-KR" dirty="0">
+                <a:solidFill>
+                  <a:srgbClr val="FF0000"/>
+                </a:solidFill>
+              </a:rPr>
+              <a:t>mean-</a:t>
+            </a:r>
+            <a:r>
+              <a:rPr lang="en-US" altLang="ko-KR" dirty="0" err="1">
+                <a:solidFill>
+                  <a:srgbClr val="FF0000"/>
+                </a:solidFill>
+              </a:rPr>
+              <a:t>std</a:t>
+            </a:r>
+            <a:r>
+              <a:rPr lang="en-US" altLang="ko-KR" dirty="0">
+                <a:solidFill>
+                  <a:srgbClr val="FF0000"/>
+                </a:solidFill>
+              </a:rPr>
+              <a:t> normalization</a:t>
+            </a:r>
+            <a:r>
+              <a:rPr lang="en-US" altLang="ko-KR" dirty="0"/>
+              <a:t> </a:t>
+            </a:r>
+            <a:r>
+              <a:rPr lang="ko-KR" altLang="en-US" dirty="0" smtClean="0"/>
+              <a:t>적용 </a:t>
+            </a:r>
+            <a:endParaRPr lang="en-US" altLang="ko-KR" dirty="0"/>
+          </a:p>
+          <a:p>
+            <a:pPr marL="742950" lvl="1" indent="-285750">
+              <a:buFontTx/>
+              <a:buChar char="-"/>
+            </a:pPr>
+            <a:r>
+              <a:rPr lang="en-US" altLang="ko-KR" dirty="0" smtClean="0"/>
+              <a:t>[X]</a:t>
+            </a:r>
+            <a:endParaRPr lang="en-US" altLang="ko-KR" dirty="0" smtClean="0"/>
+          </a:p>
+          <a:p>
+            <a:pPr marL="285750" indent="-285750">
+              <a:buFontTx/>
+              <a:buChar char="-"/>
+            </a:pPr>
+            <a:r>
+              <a:rPr lang="en-US" altLang="ko-KR" b="1" dirty="0" smtClean="0"/>
+              <a:t>Env4 </a:t>
+            </a:r>
+            <a:r>
+              <a:rPr lang="en-US" altLang="ko-KR" b="1" dirty="0"/>
+              <a:t>State:</a:t>
+            </a:r>
+          </a:p>
+          <a:p>
+            <a:pPr marL="742950" lvl="1" indent="-285750">
+              <a:buFontTx/>
+              <a:buChar char="-"/>
+            </a:pPr>
+            <a:r>
+              <a:rPr lang="en-US" altLang="ko-KR" dirty="0"/>
+              <a:t>State:   </a:t>
+            </a:r>
+            <a:r>
+              <a:rPr lang="en-US" altLang="ko-KR" dirty="0" smtClean="0"/>
+              <a:t>[</a:t>
+            </a:r>
+            <a:r>
+              <a:rPr lang="en-US" altLang="ko-KR" dirty="0" err="1" smtClean="0">
+                <a:solidFill>
+                  <a:srgbClr val="FF0000"/>
+                </a:solidFill>
+              </a:rPr>
+              <a:t>acc</a:t>
+            </a:r>
+            <a:r>
+              <a:rPr lang="en-US" altLang="ko-KR" dirty="0" smtClean="0">
+                <a:solidFill>
+                  <a:srgbClr val="FF0000"/>
+                </a:solidFill>
+              </a:rPr>
+              <a:t>, </a:t>
+            </a:r>
+            <a:r>
+              <a:rPr lang="en-US" altLang="ko-KR" dirty="0" err="1" smtClean="0">
+                <a:solidFill>
+                  <a:srgbClr val="FF0000"/>
+                </a:solidFill>
+              </a:rPr>
+              <a:t>sp_whl</a:t>
+            </a:r>
+            <a:r>
+              <a:rPr lang="en-US" altLang="ko-KR" dirty="0" smtClean="0"/>
+              <a:t>, </a:t>
+            </a:r>
+            <a:r>
+              <a:rPr lang="en-US" altLang="ko-KR" dirty="0"/>
+              <a:t>SOC - </a:t>
+            </a:r>
+            <a:r>
+              <a:rPr lang="en-US" altLang="ko-KR" dirty="0" smtClean="0"/>
+              <a:t>0.6]</a:t>
+            </a:r>
+            <a:endParaRPr lang="en-US" altLang="ko-KR" dirty="0"/>
+          </a:p>
+          <a:p>
+            <a:pPr marL="742950" lvl="1" indent="-285750">
+              <a:buFontTx/>
+              <a:buChar char="-"/>
+            </a:pPr>
+            <a:r>
+              <a:rPr lang="en-US" altLang="ko-KR" dirty="0"/>
+              <a:t>Replay memory</a:t>
+            </a:r>
+            <a:r>
+              <a:rPr lang="ko-KR" altLang="en-US" dirty="0"/>
+              <a:t>에서 모든 </a:t>
+            </a:r>
+            <a:r>
+              <a:rPr lang="en-US" altLang="ko-KR" dirty="0"/>
+              <a:t>Feature</a:t>
+            </a:r>
+            <a:r>
+              <a:rPr lang="ko-KR" altLang="en-US" dirty="0"/>
+              <a:t>에 대해</a:t>
+            </a:r>
+            <a:r>
+              <a:rPr lang="en-US" altLang="ko-KR" dirty="0"/>
+              <a:t> </a:t>
+            </a:r>
+            <a:r>
+              <a:rPr lang="en-US" altLang="ko-KR" dirty="0">
+                <a:solidFill>
+                  <a:srgbClr val="FF0000"/>
+                </a:solidFill>
+              </a:rPr>
+              <a:t>mean-</a:t>
+            </a:r>
+            <a:r>
+              <a:rPr lang="en-US" altLang="ko-KR" dirty="0" err="1">
+                <a:solidFill>
+                  <a:srgbClr val="FF0000"/>
+                </a:solidFill>
+              </a:rPr>
+              <a:t>std</a:t>
+            </a:r>
+            <a:r>
+              <a:rPr lang="en-US" altLang="ko-KR" dirty="0">
+                <a:solidFill>
+                  <a:srgbClr val="FF0000"/>
+                </a:solidFill>
+              </a:rPr>
+              <a:t> normalization </a:t>
+            </a:r>
+            <a:r>
+              <a:rPr lang="ko-KR" altLang="en-US" dirty="0" smtClean="0"/>
+              <a:t>적용 </a:t>
+            </a:r>
+            <a:endParaRPr lang="en-US" altLang="ko-KR" dirty="0"/>
+          </a:p>
+          <a:p>
+            <a:pPr marL="742950" lvl="1" indent="-285750">
+              <a:buFontTx/>
+              <a:buChar char="-"/>
+            </a:pPr>
+            <a:r>
+              <a:rPr lang="en-US" altLang="ko-KR" dirty="0" smtClean="0"/>
+              <a:t>[X]</a:t>
+            </a:r>
+            <a:endParaRPr lang="en-US" altLang="ko-KR" dirty="0"/>
+          </a:p>
+        </p:txBody>
+      </p:sp>
+      <p:sp>
+        <p:nvSpPr>
+          <p:cNvPr id="6" name="TextBox 5"/>
+          <p:cNvSpPr txBox="1"/>
+          <p:nvPr/>
+        </p:nvSpPr>
+        <p:spPr>
+          <a:xfrm>
+            <a:off x="3699233" y="6454430"/>
+            <a:ext cx="5478018" cy="369332"/>
+          </a:xfrm>
+          <a:prstGeom prst="rect">
+            <a:avLst/>
+          </a:prstGeom>
+          <a:noFill/>
+        </p:spPr>
+        <p:txBody>
+          <a:bodyPr wrap="square" rtlCol="0">
+            <a:spAutoFit/>
+          </a:bodyPr>
+          <a:lstStyle/>
+          <a:p>
+            <a:r>
+              <a:rPr lang="ko-KR" altLang="en-US" b="1" dirty="0" smtClean="0">
+                <a:solidFill>
+                  <a:srgbClr val="FF0000"/>
+                </a:solidFill>
+              </a:rPr>
+              <a:t>결론은 </a:t>
+            </a:r>
+            <a:r>
+              <a:rPr lang="en-US" altLang="ko-KR" b="1" dirty="0" smtClean="0">
+                <a:solidFill>
+                  <a:srgbClr val="FF0000"/>
+                </a:solidFill>
+              </a:rPr>
+              <a:t>Env1</a:t>
+            </a:r>
+            <a:r>
+              <a:rPr lang="ko-KR" altLang="en-US" b="1" dirty="0" smtClean="0">
+                <a:solidFill>
+                  <a:srgbClr val="FF0000"/>
+                </a:solidFill>
+              </a:rPr>
+              <a:t>이 가장 적합하다는 사실임 </a:t>
+            </a:r>
+            <a:endParaRPr lang="en-US" altLang="ko-KR" b="1" dirty="0">
+              <a:solidFill>
+                <a:srgbClr val="FF0000"/>
+              </a:solidFill>
+            </a:endParaRPr>
+          </a:p>
+        </p:txBody>
+      </p:sp>
+      <p:pic>
+        <p:nvPicPr>
+          <p:cNvPr id="7" name="그림 6"/>
+          <p:cNvPicPr>
+            <a:picLocks noChangeAspect="1"/>
+          </p:cNvPicPr>
+          <p:nvPr/>
+        </p:nvPicPr>
+        <p:blipFill>
+          <a:blip r:embed="rId2"/>
+          <a:stretch>
+            <a:fillRect/>
+          </a:stretch>
+        </p:blipFill>
+        <p:spPr>
+          <a:xfrm>
+            <a:off x="9109696" y="1027906"/>
+            <a:ext cx="3222004" cy="3307292"/>
+          </a:xfrm>
+          <a:prstGeom prst="rect">
+            <a:avLst/>
+          </a:prstGeom>
+        </p:spPr>
+      </p:pic>
+    </p:spTree>
+    <p:extLst>
+      <p:ext uri="{BB962C8B-B14F-4D97-AF65-F5344CB8AC3E}">
+        <p14:creationId xmlns:p14="http://schemas.microsoft.com/office/powerpoint/2010/main" val="3545861553"/>
+      </p:ext>
+    </p:extLst>
+  </p:cSld>
+  <p:clrMapOvr>
+    <a:masterClrMapping/>
+  </p:clrMapOvr>
+</p:sld>
+</file>
+
+<file path=ppt/slides/slide25.xml><?xml version="1.0" encoding="utf-8"?>
+<p:sld xmlns:a="http://schemas.openxmlformats.org/drawingml/2006/main" xmlns:r="http://schemas.openxmlformats.org/officeDocument/2006/relationships" xmlns:p="http://schemas.openxmlformats.org/presentationml/2006/main">
+  <p:cSld>
+    <p:spTree>
+      <p:nvGrpSpPr>
+        <p:cNvPr id="1" name=""/>
+        <p:cNvGrpSpPr/>
+        <p:nvPr/>
+      </p:nvGrpSpPr>
+      <p:grpSpPr>
+        <a:xfrm>
+          <a:off x="0" y="0"/>
+          <a:ext cx="0" cy="0"/>
+          <a:chOff x="0" y="0"/>
+          <a:chExt cx="0" cy="0"/>
+        </a:xfrm>
+      </p:grpSpPr>
+      <p:sp>
+        <p:nvSpPr>
+          <p:cNvPr id="2" name="제목 1"/>
+          <p:cNvSpPr>
+            <a:spLocks noGrp="1"/>
+          </p:cNvSpPr>
+          <p:nvPr>
+            <p:ph type="title"/>
+          </p:nvPr>
+        </p:nvSpPr>
+        <p:spPr/>
+        <p:txBody>
+          <a:bodyPr/>
+          <a:lstStyle/>
+          <a:p>
+            <a:r>
+              <a:rPr lang="en-US" altLang="ko-KR" dirty="0" smtClean="0">
+                <a:solidFill>
+                  <a:srgbClr val="FF0000"/>
+                </a:solidFill>
+              </a:rPr>
+              <a:t>DDPG</a:t>
+            </a:r>
+            <a:r>
+              <a:rPr lang="ko-KR" altLang="en-US" dirty="0" smtClean="0">
+                <a:solidFill>
+                  <a:srgbClr val="FF0000"/>
+                </a:solidFill>
+              </a:rPr>
+              <a:t> </a:t>
+            </a:r>
+            <a:r>
+              <a:rPr lang="en-US" altLang="ko-KR" dirty="0" smtClean="0">
+                <a:solidFill>
+                  <a:srgbClr val="FF0000"/>
+                </a:solidFill>
+              </a:rPr>
               <a:t>6_ver3</a:t>
             </a:r>
             <a:r>
@@ -12154,8 +12629,8 @@
         </p:blipFill>
         <p:spPr>
           <a:xfrm>
-            <a:off x="7592263" y="1027906"/>
-            <a:ext cx="4508297" cy="3244948"/>
+            <a:off x="7929781" y="3574472"/>
+            <a:ext cx="4204030" cy="3025945"/>
           </a:xfrm>
           <a:prstGeom prst="rect">
             <a:avLst/>
@@ -12175,7 +12650,411 @@
 </p:sld>
 </file>
 
-<file path=ppt/slides/slide25.xml><?xml version="1.0" encoding="utf-8"?>
+<file path=ppt/slides/slide26.xml><?xml version="1.0" encoding="utf-8"?>
+<p:sld xmlns:a="http://schemas.openxmlformats.org/drawingml/2006/main" xmlns:r="http://schemas.openxmlformats.org/officeDocument/2006/relationships" xmlns:p="http://schemas.openxmlformats.org/presentationml/2006/main">
+  <p:cSld>
+    <p:spTree>
+      <p:nvGrpSpPr>
+        <p:cNvPr id="1" name=""/>
+        <p:cNvGrpSpPr/>
+        <p:nvPr/>
+      </p:nvGrpSpPr>
+      <p:grpSpPr>
+        <a:xfrm>
+          <a:off x="0" y="0"/>
+          <a:ext cx="0" cy="0"/>
+          <a:chOff x="0" y="0"/>
+          <a:chExt cx="0" cy="0"/>
+        </a:xfrm>
+      </p:grpSpPr>
+      <p:sp>
+        <p:nvSpPr>
+          <p:cNvPr id="2" name="제목 1"/>
+          <p:cNvSpPr>
+            <a:spLocks noGrp="1"/>
+          </p:cNvSpPr>
+          <p:nvPr>
+            <p:ph type="title"/>
+          </p:nvPr>
+        </p:nvSpPr>
+        <p:spPr/>
+        <p:txBody>
+          <a:bodyPr/>
+          <a:lstStyle/>
+          <a:p>
+            <a:r>
+              <a:rPr lang="en-US" altLang="ko-KR" dirty="0" smtClean="0">
+                <a:solidFill>
+                  <a:srgbClr val="FF0000"/>
+                </a:solidFill>
+              </a:rPr>
+              <a:t>DDPG</a:t>
+            </a:r>
+            <a:r>
+              <a:rPr lang="ko-KR" altLang="en-US" dirty="0" smtClean="0">
+                <a:solidFill>
+                  <a:srgbClr val="FF0000"/>
+                </a:solidFill>
+              </a:rPr>
+              <a:t> </a:t>
+            </a:r>
+            <a:r>
+              <a:rPr lang="en-US" altLang="ko-KR" dirty="0" smtClean="0">
+                <a:solidFill>
+                  <a:srgbClr val="FF0000"/>
+                </a:solidFill>
+              </a:rPr>
+              <a:t>6_ver4</a:t>
+            </a:r>
+            <a:r>
+              <a:rPr lang="ko-KR" altLang="en-US" dirty="0" smtClean="0">
+                <a:solidFill>
+                  <a:srgbClr val="FF0000"/>
+                </a:solidFill>
+              </a:rPr>
+              <a:t>  </a:t>
+            </a:r>
+            <a:endParaRPr lang="ko-KR" altLang="en-US" dirty="0">
+              <a:solidFill>
+                <a:srgbClr val="FF0000"/>
+              </a:solidFill>
+            </a:endParaRPr>
+          </a:p>
+        </p:txBody>
+      </p:sp>
+      <p:sp>
+        <p:nvSpPr>
+          <p:cNvPr id="4" name="TextBox 3"/>
+          <p:cNvSpPr txBox="1"/>
+          <p:nvPr/>
+        </p:nvSpPr>
+        <p:spPr>
+          <a:xfrm>
+            <a:off x="838200" y="1484771"/>
+            <a:ext cx="11000874" cy="3693319"/>
+          </a:xfrm>
+          <a:prstGeom prst="rect">
+            <a:avLst/>
+          </a:prstGeom>
+          <a:noFill/>
+        </p:spPr>
+        <p:txBody>
+          <a:bodyPr wrap="square" rtlCol="0">
+            <a:spAutoFit/>
+          </a:bodyPr>
+          <a:lstStyle/>
+          <a:p>
+            <a:pPr marL="285750" indent="-285750">
+              <a:buFontTx/>
+              <a:buChar char="-"/>
+            </a:pPr>
+            <a:r>
+              <a:rPr lang="en-US" altLang="ko-KR" b="1" dirty="0" smtClean="0">
+                <a:solidFill>
+                  <a:srgbClr val="FF0000"/>
+                </a:solidFill>
+              </a:rPr>
+              <a:t>Terminal</a:t>
+            </a:r>
+            <a:r>
+              <a:rPr lang="ko-KR" altLang="en-US" b="1" dirty="0" smtClean="0">
+                <a:solidFill>
+                  <a:srgbClr val="FF0000"/>
+                </a:solidFill>
+              </a:rPr>
+              <a:t>를 고려한 알고리즘 구성 </a:t>
+            </a:r>
+            <a:endParaRPr lang="en-US" altLang="ko-KR" b="1" dirty="0" smtClean="0">
+              <a:solidFill>
+                <a:srgbClr val="FF0000"/>
+              </a:solidFill>
+            </a:endParaRPr>
+          </a:p>
+          <a:p>
+            <a:pPr marL="285750" indent="-285750">
+              <a:buFontTx/>
+              <a:buChar char="-"/>
+            </a:pPr>
+            <a:endParaRPr lang="en-US" altLang="ko-KR" b="1" dirty="0">
+              <a:solidFill>
+                <a:srgbClr val="FF0000"/>
+              </a:solidFill>
+            </a:endParaRPr>
+          </a:p>
+          <a:p>
+            <a:pPr marL="285750" indent="-285750">
+              <a:buFontTx/>
+              <a:buChar char="-"/>
+            </a:pPr>
+            <a:r>
+              <a:rPr lang="ko-KR" altLang="en-US" b="1" dirty="0" err="1" smtClean="0">
+                <a:solidFill>
+                  <a:srgbClr val="FF0000"/>
+                </a:solidFill>
+              </a:rPr>
+              <a:t>인공신경망</a:t>
+            </a:r>
+            <a:r>
+              <a:rPr lang="ko-KR" altLang="en-US" b="1" dirty="0" smtClean="0">
+                <a:solidFill>
+                  <a:srgbClr val="FF0000"/>
+                </a:solidFill>
+              </a:rPr>
+              <a:t> 간소화하기  </a:t>
+            </a:r>
+            <a:endParaRPr lang="en-US" altLang="ko-KR" b="1" dirty="0" smtClean="0">
+              <a:solidFill>
+                <a:srgbClr val="FF0000"/>
+              </a:solidFill>
+            </a:endParaRPr>
+          </a:p>
+          <a:p>
+            <a:pPr marL="285750" indent="-285750">
+              <a:buFontTx/>
+              <a:buChar char="-"/>
+            </a:pPr>
+            <a:endParaRPr lang="en-US" altLang="ko-KR" b="1" dirty="0" smtClean="0"/>
+          </a:p>
+          <a:p>
+            <a:pPr marL="285750" indent="-285750">
+              <a:buFontTx/>
+              <a:buChar char="-"/>
+            </a:pPr>
+            <a:r>
+              <a:rPr lang="ko-KR" altLang="en-US" b="1" dirty="0" smtClean="0">
+                <a:solidFill>
+                  <a:srgbClr val="FF0000"/>
+                </a:solidFill>
+              </a:rPr>
+              <a:t>다수의 시험을 진행함 </a:t>
+            </a:r>
+            <a:endParaRPr lang="en-US" altLang="ko-KR" b="1" dirty="0">
+              <a:solidFill>
+                <a:srgbClr val="FF0000"/>
+              </a:solidFill>
+            </a:endParaRPr>
+          </a:p>
+          <a:p>
+            <a:pPr marL="285750" indent="-285750">
+              <a:buFontTx/>
+              <a:buChar char="-"/>
+            </a:pPr>
+            <a:endParaRPr lang="en-US" altLang="ko-KR" b="1" dirty="0"/>
+          </a:p>
+          <a:p>
+            <a:pPr marL="285750" indent="-285750">
+              <a:buFontTx/>
+              <a:buChar char="-"/>
+            </a:pPr>
+            <a:r>
+              <a:rPr lang="en-US" altLang="ko-KR" b="1" dirty="0">
+                <a:solidFill>
+                  <a:srgbClr val="FF0000"/>
+                </a:solidFill>
+              </a:rPr>
+              <a:t>Env1 State:</a:t>
+            </a:r>
+          </a:p>
+          <a:p>
+            <a:pPr marL="742950" lvl="1" indent="-285750">
+              <a:buFontTx/>
+              <a:buChar char="-"/>
+            </a:pPr>
+            <a:r>
+              <a:rPr lang="en-US" altLang="ko-KR" dirty="0"/>
+              <a:t>State:   </a:t>
+            </a:r>
+            <a:r>
+              <a:rPr lang="en-US" altLang="ko-KR" dirty="0" smtClean="0"/>
+              <a:t>[</a:t>
+            </a:r>
+            <a:r>
+              <a:rPr lang="en-US" altLang="ko-KR" dirty="0" smtClean="0">
+                <a:solidFill>
+                  <a:srgbClr val="FF0000"/>
+                </a:solidFill>
+              </a:rPr>
+              <a:t>norm(</a:t>
+            </a:r>
+            <a:r>
+              <a:rPr lang="en-US" altLang="ko-KR" dirty="0" err="1" smtClean="0">
+                <a:solidFill>
+                  <a:srgbClr val="FF0000"/>
+                </a:solidFill>
+              </a:rPr>
+              <a:t>power_out</a:t>
+            </a:r>
+            <a:r>
+              <a:rPr lang="en-US" altLang="ko-KR" dirty="0" smtClean="0">
+                <a:solidFill>
+                  <a:srgbClr val="FF0000"/>
+                </a:solidFill>
+              </a:rPr>
+              <a:t>)</a:t>
+            </a:r>
+            <a:r>
+              <a:rPr lang="en-US" altLang="ko-KR" dirty="0" smtClean="0"/>
+              <a:t>, </a:t>
+            </a:r>
+            <a:r>
+              <a:rPr lang="en-US" altLang="ko-KR" dirty="0"/>
+              <a:t>SOC - </a:t>
+            </a:r>
+            <a:r>
+              <a:rPr lang="en-US" altLang="ko-KR" dirty="0" smtClean="0"/>
+              <a:t>0.6, </a:t>
+            </a:r>
+            <a:r>
+              <a:rPr lang="en-US" altLang="ko-KR" dirty="0" err="1" smtClean="0"/>
+              <a:t>j_min</a:t>
+            </a:r>
+            <a:r>
+              <a:rPr lang="en-US" altLang="ko-KR" dirty="0" smtClean="0"/>
+              <a:t>, </a:t>
+            </a:r>
+            <a:r>
+              <a:rPr lang="en-US" altLang="ko-KR" dirty="0" err="1" smtClean="0"/>
+              <a:t>j_max</a:t>
+            </a:r>
+            <a:r>
+              <a:rPr lang="en-US" altLang="ko-KR" dirty="0" smtClean="0"/>
+              <a:t>]</a:t>
+            </a:r>
+            <a:endParaRPr lang="en-US" altLang="ko-KR" dirty="0" smtClean="0"/>
+          </a:p>
+          <a:p>
+            <a:pPr marL="742950" lvl="1" indent="-285750">
+              <a:buFontTx/>
+              <a:buChar char="-"/>
+            </a:pPr>
+            <a:r>
+              <a:rPr lang="en-US" altLang="ko-KR" dirty="0" smtClean="0"/>
+              <a:t>[ ]</a:t>
+            </a:r>
+          </a:p>
+          <a:p>
+            <a:pPr marL="742950" lvl="1" indent="-285750">
+              <a:buFontTx/>
+              <a:buChar char="-"/>
+            </a:pPr>
+            <a:endParaRPr lang="en-US" altLang="ko-KR" dirty="0"/>
+          </a:p>
+          <a:p>
+            <a:pPr marL="285750" indent="-285750">
+              <a:buFontTx/>
+              <a:buChar char="-"/>
+            </a:pPr>
+            <a:r>
+              <a:rPr lang="en-US" altLang="ko-KR" b="1" dirty="0" smtClean="0"/>
+              <a:t>Env2 </a:t>
+            </a:r>
+            <a:r>
+              <a:rPr lang="en-US" altLang="ko-KR" b="1" dirty="0"/>
+              <a:t>State:</a:t>
+            </a:r>
+          </a:p>
+          <a:p>
+            <a:pPr marL="742950" lvl="1" indent="-285750">
+              <a:buFontTx/>
+              <a:buChar char="-"/>
+            </a:pPr>
+            <a:r>
+              <a:rPr lang="en-US" altLang="ko-KR" dirty="0"/>
+              <a:t>State:   </a:t>
+            </a:r>
+            <a:r>
+              <a:rPr lang="en-US" altLang="ko-KR" dirty="0" smtClean="0"/>
+              <a:t>[</a:t>
+            </a:r>
+            <a:r>
+              <a:rPr lang="en-US" altLang="ko-KR" dirty="0" smtClean="0">
+                <a:solidFill>
+                  <a:srgbClr val="FF0000"/>
+                </a:solidFill>
+              </a:rPr>
+              <a:t>norm(</a:t>
+            </a:r>
+            <a:r>
+              <a:rPr lang="en-US" altLang="ko-KR" dirty="0" err="1" smtClean="0">
+                <a:solidFill>
+                  <a:srgbClr val="FF0000"/>
+                </a:solidFill>
+              </a:rPr>
+              <a:t>power_out</a:t>
+            </a:r>
+            <a:r>
+              <a:rPr lang="en-US" altLang="ko-KR" dirty="0" smtClean="0">
+                <a:solidFill>
+                  <a:srgbClr val="FF0000"/>
+                </a:solidFill>
+              </a:rPr>
+              <a:t>)</a:t>
+            </a:r>
+            <a:r>
+              <a:rPr lang="en-US" altLang="ko-KR" dirty="0" smtClean="0"/>
+              <a:t>, </a:t>
+            </a:r>
+            <a:r>
+              <a:rPr lang="en-US" altLang="ko-KR" dirty="0"/>
+              <a:t>SOC </a:t>
+            </a:r>
+            <a:r>
+              <a:rPr lang="en-US" altLang="ko-KR" dirty="0" smtClean="0"/>
+              <a:t>– 0.6]</a:t>
+            </a:r>
+            <a:endParaRPr lang="en-US" altLang="ko-KR" dirty="0"/>
+          </a:p>
+          <a:p>
+            <a:pPr marL="742950" lvl="1" indent="-285750">
+              <a:buFontTx/>
+              <a:buChar char="-"/>
+            </a:pPr>
+            <a:r>
+              <a:rPr lang="en-US" altLang="ko-KR" dirty="0" smtClean="0"/>
+              <a:t>[ ]</a:t>
+            </a:r>
+            <a:endParaRPr lang="en-US" altLang="ko-KR" dirty="0" smtClean="0"/>
+          </a:p>
+        </p:txBody>
+      </p:sp>
+      <p:pic>
+        <p:nvPicPr>
+          <p:cNvPr id="3" name="그림 2"/>
+          <p:cNvPicPr>
+            <a:picLocks noChangeAspect="1"/>
+          </p:cNvPicPr>
+          <p:nvPr/>
+        </p:nvPicPr>
+        <p:blipFill>
+          <a:blip r:embed="rId2"/>
+          <a:stretch>
+            <a:fillRect/>
+          </a:stretch>
+        </p:blipFill>
+        <p:spPr>
+          <a:xfrm>
+            <a:off x="8005156" y="3397845"/>
+            <a:ext cx="4028902" cy="2899892"/>
+          </a:xfrm>
+          <a:prstGeom prst="rect">
+            <a:avLst/>
+          </a:prstGeom>
+        </p:spPr>
+      </p:pic>
+    </p:spTree>
+    <p:extLst>
+      <p:ext uri="{BB962C8B-B14F-4D97-AF65-F5344CB8AC3E}">
+        <p14:creationId xmlns:p14="http://schemas.microsoft.com/office/powerpoint/2010/main" val="3344555285"/>
+      </p:ext>
+    </p:extLst>
+  </p:cSld>
+  <p:clrMapOvr>
+    <a:masterClrMapping/>
+  </p:clrMapOvr>
+</p:sld>
+</file>
+
+<file path=ppt/slides/slide27.xml><?xml version="1.0" encoding="utf-8"?>
 <p:sld xmlns:a="http://schemas.openxmlformats.org/drawingml/2006/main" xmlns:r="http://schemas.openxmlformats.org/officeDocument/2006/relationships" xmlns:p="http://schemas.openxmlformats.org/presentationml/2006/main">
   <p:cSld>
     <p:spTree>
@@ -12588,7 +13467,7 @@
 </p:sld>
 </file>
 
-<file path=ppt/slides/slide26.xml><?xml version="1.0" encoding="utf-8"?>
+<file path=ppt/slides/slide28.xml><?xml version="1.0" encoding="utf-8"?>
 <p:sld xmlns:a="http://schemas.openxmlformats.org/drawingml/2006/main" xmlns:r="http://schemas.openxmlformats.org/officeDocument/2006/relationships" xmlns:p="http://schemas.openxmlformats.org/presentationml/2006/main">
   <p:cSld>
     <p:spTree>
@@ -12948,8 +13827,8 @@
         </p:blipFill>
         <p:spPr>
           <a:xfrm>
-            <a:off x="9096666" y="1484771"/>
-            <a:ext cx="3222004" cy="3307292"/>
+            <a:off x="9096666" y="1690687"/>
+            <a:ext cx="3021397" cy="3101375"/>
           </a:xfrm>
           <a:prstGeom prst="rect">
             <a:avLst/>
@@ -12984,7 +13863,15 @@
                   <a:srgbClr val="FF0000"/>
                 </a:solidFill>
               </a:rPr>
-              <a:t>효과가 별로 없는 것으로 보임  </a:t>
+              <a:t>더 효과를 확인할 필요가 있음</a:t>
+            </a:r>
+            <a:r>
+              <a:rPr lang="en-US" altLang="ko-KR" b="1" dirty="0" smtClean="0">
+                <a:solidFill>
+                  <a:srgbClr val="FF0000"/>
+                </a:solidFill>
+              </a:rPr>
+              <a:t>. </a:t>
             </a:r>
             <a:endParaRPr lang="en-US" altLang="ko-KR" b="1" dirty="0">
               <a:solidFill>
@@ -13007,7 +13894,7 @@
 </p:sld>
 </file>
 
-<file path=ppt/slides/slide27.xml><?xml version="1.0" encoding="utf-8"?>
+<file path=ppt/slides/slide29.xml><?xml version="1.0" encoding="utf-8"?>
 <p:sld xmlns:a="http://schemas.openxmlformats.org/drawingml/2006/main" xmlns:r="http://schemas.openxmlformats.org/officeDocument/2006/relationships" xmlns:p="http://schemas.openxmlformats.org/presentationml/2006/main">
   <p:cSld>
     <p:spTree>
@@ -13294,209 +14181,6 @@
     <p:extLst>
       <p:ext uri="{BB962C8B-B14F-4D97-AF65-F5344CB8AC3E}">
         <p14:creationId xmlns:p14="http://schemas.microsoft.com/office/powerpoint/2010/main" val="787282331"/>
-      </p:ext>
-    </p:extLst>
-  </p:cSld>
-  <p:clrMapOvr>
-    <a:masterClrMapping/>
-  </p:clrMapOvr>
-</p:sld>
-</file>
-
-<file path=ppt/slides/slide28.xml><?xml version="1.0" encoding="utf-8"?>
-<p:sld xmlns:a="http://schemas.openxmlformats.org/drawingml/2006/main" xmlns:r="http://schemas.openxmlformats.org/officeDocument/2006/relationships" xmlns:p="http://schemas.openxmlformats.org/presentationml/2006/main">
-  <p:cSld>
-    <p:spTree>
-      <p:nvGrpSpPr>
-        <p:cNvPr id="1" name=""/>
-        <p:cNvGrpSpPr/>
-        <p:nvPr/>
-      </p:nvGrpSpPr>
-      <p:grpSpPr>
-        <a:xfrm>
-          <a:off x="0" y="0"/>
-          <a:ext cx="0" cy="0"/>
-          <a:chOff x="0" y="0"/>
-          <a:chExt cx="0" cy="0"/>
-        </a:xfrm>
-      </p:grpSpPr>
-      <p:sp>
-        <p:nvSpPr>
-          <p:cNvPr id="2" name="제목 1"/>
-          <p:cNvSpPr>
-            <a:spLocks noGrp="1"/>
-          </p:cNvSpPr>
-          <p:nvPr>
-            <p:ph type="title"/>
-          </p:nvPr>
-        </p:nvSpPr>
-        <p:spPr/>
-        <p:txBody>
-          <a:bodyPr/>
-          <a:lstStyle/>
-          <a:p>
-            <a:r>
-              <a:rPr lang="en-US" altLang="ko-KR" dirty="0" smtClean="0"/>
-              <a:t>DDPG</a:t>
-            </a:r>
-            <a:r>
-              <a:rPr lang="ko-KR" altLang="en-US" dirty="0" smtClean="0"/>
-              <a:t> </a:t>
-            </a:r>
-            <a:r>
-              <a:rPr lang="en-US" altLang="ko-KR" dirty="0"/>
-              <a:t>5</a:t>
-            </a:r>
-            <a:r>
-              <a:rPr lang="ko-KR" altLang="en-US" dirty="0" smtClean="0"/>
-              <a:t>  </a:t>
-            </a:r>
-            <a:endParaRPr lang="ko-KR" altLang="en-US" dirty="0"/>
-          </a:p>
-        </p:txBody>
-      </p:sp>
-      <p:sp>
-        <p:nvSpPr>
-          <p:cNvPr id="4" name="TextBox 3"/>
-          <p:cNvSpPr txBox="1"/>
-          <p:nvPr/>
-        </p:nvSpPr>
-        <p:spPr>
-          <a:xfrm>
-            <a:off x="838200" y="1459832"/>
-            <a:ext cx="11000874" cy="923330"/>
-          </a:xfrm>
-          <a:prstGeom prst="rect">
-            <a:avLst/>
-          </a:prstGeom>
-          <a:noFill/>
-        </p:spPr>
-        <p:txBody>
-          <a:bodyPr wrap="square" rtlCol="0">
-            <a:spAutoFit/>
-          </a:bodyPr>
-          <a:lstStyle/>
-          <a:p>
-            <a:pPr marL="285750" indent="-285750">
-              <a:buFontTx/>
-              <a:buChar char="-"/>
-            </a:pPr>
-            <a:r>
-              <a:rPr lang="en-US" altLang="ko-KR" b="1" dirty="0" smtClean="0">
-                <a:solidFill>
-                  <a:srgbClr val="FF0000"/>
-                </a:solidFill>
-              </a:rPr>
-              <a:t>Discount rate</a:t>
-            </a:r>
-            <a:r>
-              <a:rPr lang="ko-KR" altLang="en-US" b="1" dirty="0" smtClean="0">
-                <a:solidFill>
-                  <a:srgbClr val="FF0000"/>
-                </a:solidFill>
-              </a:rPr>
-              <a:t>에 따른 학습 안정도를 확인함 </a:t>
-            </a:r>
-            <a:endParaRPr lang="en-US" altLang="ko-KR" b="1" dirty="0" smtClean="0">
-              <a:solidFill>
-                <a:srgbClr val="FF0000"/>
-              </a:solidFill>
-            </a:endParaRPr>
-          </a:p>
-          <a:p>
-            <a:pPr marL="285750" indent="-285750">
-              <a:buFontTx/>
-              <a:buChar char="-"/>
-            </a:pPr>
-            <a:endParaRPr lang="en-US" altLang="ko-KR" b="1" dirty="0"/>
-          </a:p>
-          <a:p>
-            <a:pPr marL="285750" indent="-285750">
-              <a:buFontTx/>
-              <a:buChar char="-"/>
-            </a:pPr>
-            <a:r>
-              <a:rPr lang="en-US" altLang="ko-KR" b="1" dirty="0" smtClean="0"/>
-              <a:t>Discount Rate</a:t>
-            </a:r>
-            <a:r>
-              <a:rPr lang="en-US" altLang="ko-KR" b="1" dirty="0"/>
-              <a:t>: [0.0001, 0.00004, 0.00002, 0.00001, 0.000005] </a:t>
-            </a:r>
-            <a:endParaRPr lang="en-US" altLang="ko-KR" dirty="0" smtClean="0"/>
-          </a:p>
-        </p:txBody>
-      </p:sp>
-      <p:pic>
-        <p:nvPicPr>
-          <p:cNvPr id="3" name="그림 2"/>
-          <p:cNvPicPr>
-            <a:picLocks noChangeAspect="1"/>
-          </p:cNvPicPr>
-          <p:nvPr/>
-        </p:nvPicPr>
-        <p:blipFill>
-          <a:blip r:embed="rId2"/>
-          <a:stretch>
-            <a:fillRect/>
-          </a:stretch>
-        </p:blipFill>
-        <p:spPr>
-          <a:xfrm>
-            <a:off x="7946967" y="2659067"/>
-            <a:ext cx="3586508" cy="2717247"/>
-          </a:xfrm>
-          <a:prstGeom prst="rect">
-            <a:avLst/>
-          </a:prstGeom>
-        </p:spPr>
-      </p:pic>
-      <p:sp>
-        <p:nvSpPr>
-          <p:cNvPr id="5" name="TextBox 4"/>
-          <p:cNvSpPr txBox="1"/>
-          <p:nvPr/>
-        </p:nvSpPr>
-        <p:spPr>
-          <a:xfrm>
-            <a:off x="8711738" y="5483048"/>
-            <a:ext cx="3017520" cy="369332"/>
-          </a:xfrm>
-          <a:prstGeom prst="rect">
-            <a:avLst/>
-          </a:prstGeom>
-          <a:noFill/>
-        </p:spPr>
-        <p:txBody>
-          <a:bodyPr wrap="square" rtlCol="0">
-            <a:spAutoFit/>
-          </a:bodyPr>
-          <a:lstStyle/>
-          <a:p>
-            <a:r>
-              <a:rPr lang="en-US" altLang="ko-KR" dirty="0" smtClean="0"/>
-              <a:t>&lt;</a:t>
-            </a:r>
-            <a:r>
-              <a:rPr lang="ko-KR" altLang="en-US" dirty="0" err="1" smtClean="0"/>
-              <a:t>하이퍼파라미터</a:t>
-            </a:r>
-            <a:r>
-              <a:rPr lang="en-US" altLang="ko-KR" dirty="0" smtClean="0"/>
-              <a:t>&gt;</a:t>
-            </a:r>
-            <a:r>
-              <a:rPr lang="ko-KR" altLang="en-US" dirty="0" smtClean="0"/>
-              <a:t> </a:t>
-            </a:r>
-            <a:endParaRPr lang="ko-KR" altLang="en-US" dirty="0"/>
-          </a:p>
-        </p:txBody>
-      </p:sp>
-    </p:spTree>
-    <p:extLst>
-      <p:ext uri="{BB962C8B-B14F-4D97-AF65-F5344CB8AC3E}">
-        <p14:creationId xmlns:p14="http://schemas.microsoft.com/office/powerpoint/2010/main" val="3144553774"/>
       </p:ext>
     </p:extLst>
   </p:cSld>
@@ -14530,6 +15214,209 @@
     <p:extLst>
       <p:ext uri="{BB962C8B-B14F-4D97-AF65-F5344CB8AC3E}">
         <p14:creationId xmlns:p14="http://schemas.microsoft.com/office/powerpoint/2010/main" val="3867241201"/>
+      </p:ext>
+    </p:extLst>
+  </p:cSld>
+  <p:clrMapOvr>
+    <a:masterClrMapping/>
+  </p:clrMapOvr>
+</p:sld>
+</file>
+
+<file path=ppt/slides/slide30.xml><?xml version="1.0" encoding="utf-8"?>
+<p:sld xmlns:a="http://schemas.openxmlformats.org/drawingml/2006/main" xmlns:r="http://schemas.openxmlformats.org/officeDocument/2006/relationships" xmlns:p="http://schemas.openxmlformats.org/presentationml/2006/main">
+  <p:cSld>
+    <p:spTree>
+      <p:nvGrpSpPr>
+        <p:cNvPr id="1" name=""/>
+        <p:cNvGrpSpPr/>
+        <p:nvPr/>
+      </p:nvGrpSpPr>
+      <p:grpSpPr>
+        <a:xfrm>
+          <a:off x="0" y="0"/>
+          <a:ext cx="0" cy="0"/>
+          <a:chOff x="0" y="0"/>
+          <a:chExt cx="0" cy="0"/>
+        </a:xfrm>
+      </p:grpSpPr>
+      <p:sp>
+        <p:nvSpPr>
+          <p:cNvPr id="2" name="제목 1"/>
+          <p:cNvSpPr>
+            <a:spLocks noGrp="1"/>
+          </p:cNvSpPr>
+          <p:nvPr>
+            <p:ph type="title"/>
+          </p:nvPr>
+        </p:nvSpPr>
+        <p:spPr/>
+        <p:txBody>
+          <a:bodyPr/>
+          <a:lstStyle/>
+          <a:p>
+            <a:r>
+              <a:rPr lang="en-US" altLang="ko-KR" dirty="0" smtClean="0"/>
+              <a:t>DDPG</a:t>
+            </a:r>
+            <a:r>
+              <a:rPr lang="ko-KR" altLang="en-US" dirty="0" smtClean="0"/>
+              <a:t> </a:t>
+            </a:r>
+            <a:r>
+              <a:rPr lang="en-US" altLang="ko-KR" dirty="0"/>
+              <a:t>5</a:t>
+            </a:r>
+            <a:r>
+              <a:rPr lang="ko-KR" altLang="en-US" dirty="0" smtClean="0"/>
+              <a:t>  </a:t>
+            </a:r>
+            <a:endParaRPr lang="ko-KR" altLang="en-US" dirty="0"/>
+          </a:p>
+        </p:txBody>
+      </p:sp>
+      <p:sp>
+        <p:nvSpPr>
+          <p:cNvPr id="4" name="TextBox 3"/>
+          <p:cNvSpPr txBox="1"/>
+          <p:nvPr/>
+        </p:nvSpPr>
+        <p:spPr>
+          <a:xfrm>
+            <a:off x="838200" y="1459832"/>
+            <a:ext cx="11000874" cy="923330"/>
+          </a:xfrm>
+          <a:prstGeom prst="rect">
+            <a:avLst/>
+          </a:prstGeom>
+          <a:noFill/>
+        </p:spPr>
+        <p:txBody>
+          <a:bodyPr wrap="square" rtlCol="0">
+            <a:spAutoFit/>
+          </a:bodyPr>
+          <a:lstStyle/>
+          <a:p>
+            <a:pPr marL="285750" indent="-285750">
+              <a:buFontTx/>
+              <a:buChar char="-"/>
+            </a:pPr>
+            <a:r>
+              <a:rPr lang="en-US" altLang="ko-KR" b="1" dirty="0" smtClean="0">
+                <a:solidFill>
+                  <a:srgbClr val="FF0000"/>
+                </a:solidFill>
+              </a:rPr>
+              <a:t>Discount rate</a:t>
+            </a:r>
+            <a:r>
+              <a:rPr lang="ko-KR" altLang="en-US" b="1" dirty="0" smtClean="0">
+                <a:solidFill>
+                  <a:srgbClr val="FF0000"/>
+                </a:solidFill>
+              </a:rPr>
+              <a:t>에 따른 학습 안정도를 확인함 </a:t>
+            </a:r>
+            <a:endParaRPr lang="en-US" altLang="ko-KR" b="1" dirty="0" smtClean="0">
+              <a:solidFill>
+                <a:srgbClr val="FF0000"/>
+              </a:solidFill>
+            </a:endParaRPr>
+          </a:p>
+          <a:p>
+            <a:pPr marL="285750" indent="-285750">
+              <a:buFontTx/>
+              <a:buChar char="-"/>
+            </a:pPr>
+            <a:endParaRPr lang="en-US" altLang="ko-KR" b="1" dirty="0"/>
+          </a:p>
+          <a:p>
+            <a:pPr marL="285750" indent="-285750">
+              <a:buFontTx/>
+              <a:buChar char="-"/>
+            </a:pPr>
+            <a:r>
+              <a:rPr lang="en-US" altLang="ko-KR" b="1" dirty="0" smtClean="0"/>
+              <a:t>Discount Rate</a:t>
+            </a:r>
+            <a:r>
+              <a:rPr lang="en-US" altLang="ko-KR" b="1" dirty="0"/>
+              <a:t>: [0.0001, 0.00004, 0.00002, 0.00001, 0.000005] </a:t>
+            </a:r>
+            <a:endParaRPr lang="en-US" altLang="ko-KR" dirty="0" smtClean="0"/>
+          </a:p>
+        </p:txBody>
+      </p:sp>
+      <p:pic>
+        <p:nvPicPr>
+          <p:cNvPr id="3" name="그림 2"/>
+          <p:cNvPicPr>
+            <a:picLocks noChangeAspect="1"/>
+          </p:cNvPicPr>
+          <p:nvPr/>
+        </p:nvPicPr>
+        <p:blipFill>
+          <a:blip r:embed="rId2"/>
+          <a:stretch>
+            <a:fillRect/>
+          </a:stretch>
+        </p:blipFill>
+        <p:spPr>
+          <a:xfrm>
+            <a:off x="7946967" y="2659067"/>
+            <a:ext cx="3586508" cy="2717247"/>
+          </a:xfrm>
+          <a:prstGeom prst="rect">
+            <a:avLst/>
+          </a:prstGeom>
+        </p:spPr>
+      </p:pic>
+      <p:sp>
+        <p:nvSpPr>
+          <p:cNvPr id="5" name="TextBox 4"/>
+          <p:cNvSpPr txBox="1"/>
+          <p:nvPr/>
+        </p:nvSpPr>
+        <p:spPr>
+          <a:xfrm>
+            <a:off x="8711738" y="5483048"/>
+            <a:ext cx="3017520" cy="369332"/>
+          </a:xfrm>
+          <a:prstGeom prst="rect">
+            <a:avLst/>
+          </a:prstGeom>
+          <a:noFill/>
+        </p:spPr>
+        <p:txBody>
+          <a:bodyPr wrap="square" rtlCol="0">
+            <a:spAutoFit/>
+          </a:bodyPr>
+          <a:lstStyle/>
+          <a:p>
+            <a:r>
+              <a:rPr lang="en-US" altLang="ko-KR" dirty="0" smtClean="0"/>
+              <a:t>&lt;</a:t>
+            </a:r>
+            <a:r>
+              <a:rPr lang="ko-KR" altLang="en-US" dirty="0" err="1" smtClean="0"/>
+              <a:t>하이퍼파라미터</a:t>
+            </a:r>
+            <a:r>
+              <a:rPr lang="en-US" altLang="ko-KR" dirty="0" smtClean="0"/>
+              <a:t>&gt;</a:t>
+            </a:r>
+            <a:r>
+              <a:rPr lang="ko-KR" altLang="en-US" dirty="0" smtClean="0"/>
+              <a:t> </a:t>
+            </a:r>
+            <a:endParaRPr lang="ko-KR" altLang="en-US" dirty="0"/>
+          </a:p>
+        </p:txBody>
+      </p:sp>
+    </p:spTree>
+    <p:extLst>
+      <p:ext uri="{BB962C8B-B14F-4D97-AF65-F5344CB8AC3E}">
+        <p14:creationId xmlns:p14="http://schemas.microsoft.com/office/powerpoint/2010/main" val="3144553774"/>
       </p:ext>
     </p:extLst>
   </p:cSld>
@@ -16773,7 +17660,7 @@
         <p:spPr>
           <a:xfrm>
             <a:off x="838200" y="1459832"/>
-            <a:ext cx="11000874" cy="4524315"/>
+            <a:ext cx="11000874" cy="2031325"/>
           </a:xfrm>
           <a:prstGeom prst="rect">
             <a:avLst/>
@@ -16842,108 +17729,35 @@
             </a:pPr>
             <a:r>
               <a:rPr lang="en-US" altLang="ko-KR" b="1" dirty="0" smtClean="0"/>
+              <a:t>DDPG</a:t>
+            </a:r>
+            <a:r>
+              <a:rPr lang="ko-KR" altLang="en-US" b="1" dirty="0" smtClean="0"/>
+              <a:t>가 </a:t>
+            </a:r>
+            <a:r>
+              <a:rPr lang="en-US" altLang="ko-KR" b="1" dirty="0" smtClean="0"/>
               <a:t>DDQN </a:t>
             </a:r>
             <a:r>
-              <a:rPr lang="en-US" altLang="ko-KR" b="1" dirty="0" smtClean="0"/>
-              <a:t>State:</a:t>
-            </a:r>
+              <a:rPr lang="ko-KR" altLang="en-US" b="1" dirty="0" smtClean="0"/>
+              <a:t>모델에 비해 학습속도가 빠르고 안정적으로 학습이 이루어짐을 볼 수 있음</a:t>
+            </a:r>
+            <a:endParaRPr lang="en-US" altLang="ko-KR" dirty="0" smtClean="0"/>
           </a:p>
           <a:p>
             <a:pPr marL="742950" lvl="1" indent="-285750">
               <a:buFontTx/>
               <a:buChar char="-"/>
             </a:pPr>
-            <a:r>
-              <a:rPr lang="en-US" altLang="ko-KR" dirty="0" smtClean="0"/>
-              <a:t>State:   </a:t>
-            </a:r>
-            <a:r>
-              <a:rPr lang="en-US" altLang="ko-KR" dirty="0" smtClean="0"/>
-              <a:t>[</a:t>
-            </a:r>
-            <a:r>
-              <a:rPr lang="en-US" altLang="ko-KR" dirty="0" smtClean="0">
-                <a:solidFill>
-                  <a:srgbClr val="FF0000"/>
-                </a:solidFill>
-              </a:rPr>
-              <a:t>norm(</a:t>
-            </a:r>
-            <a:r>
-              <a:rPr lang="en-US" altLang="ko-KR" dirty="0" err="1" smtClean="0">
-                <a:solidFill>
-                  <a:srgbClr val="FF0000"/>
-                </a:solidFill>
-              </a:rPr>
-              <a:t>power_out</a:t>
-            </a:r>
-            <a:r>
-              <a:rPr lang="en-US" altLang="ko-KR" dirty="0" smtClean="0">
-                <a:solidFill>
-                  <a:srgbClr val="FF0000"/>
-                </a:solidFill>
-              </a:rPr>
-              <a:t>)</a:t>
-            </a:r>
-            <a:r>
-              <a:rPr lang="en-US" altLang="ko-KR" dirty="0" smtClean="0"/>
-              <a:t>, </a:t>
-            </a:r>
-            <a:r>
-              <a:rPr lang="en-US" altLang="ko-KR" dirty="0" smtClean="0"/>
-              <a:t>SOC, </a:t>
-            </a:r>
-            <a:r>
-              <a:rPr lang="en-US" altLang="ko-KR" dirty="0" err="1" smtClean="0"/>
-              <a:t>j_min</a:t>
-            </a:r>
-            <a:r>
-              <a:rPr lang="en-US" altLang="ko-KR" dirty="0" smtClean="0"/>
-              <a:t>, </a:t>
-            </a:r>
-            <a:r>
-              <a:rPr lang="en-US" altLang="ko-KR" dirty="0" err="1" smtClean="0"/>
-              <a:t>j_max</a:t>
-            </a:r>
-            <a:r>
-              <a:rPr lang="en-US" altLang="ko-KR" dirty="0" smtClean="0"/>
-              <a:t>]</a:t>
-            </a:r>
+            <a:endParaRPr lang="en-US" altLang="ko-KR" dirty="0"/>
           </a:p>
           <a:p>
             <a:pPr marL="742950" lvl="1" indent="-285750">
               <a:buFontTx/>
               <a:buChar char="-"/>
             </a:pPr>
-            <a:r>
-              <a:rPr lang="en-US" altLang="ko-KR" dirty="0" smtClean="0"/>
-              <a:t>Replay memory</a:t>
-            </a:r>
-            <a:r>
-              <a:rPr lang="ko-KR" altLang="en-US" dirty="0" smtClean="0"/>
-              <a:t>에서 </a:t>
-            </a:r>
-            <a:r>
-              <a:rPr lang="en-US" altLang="ko-KR" dirty="0" smtClean="0"/>
-              <a:t>running mean</a:t>
-            </a:r>
-            <a:r>
-              <a:rPr lang="ko-KR" altLang="en-US" dirty="0" smtClean="0"/>
-              <a:t>과 </a:t>
-            </a:r>
-            <a:r>
-              <a:rPr lang="en-US" altLang="ko-KR" dirty="0" err="1" smtClean="0"/>
-              <a:t>std</a:t>
-            </a:r>
-            <a:r>
-              <a:rPr lang="ko-KR" altLang="en-US" dirty="0" smtClean="0"/>
-              <a:t>를 통한 정규화 진행 </a:t>
-            </a:r>
-            <a:r>
-              <a:rPr lang="en-US" altLang="ko-KR" dirty="0" smtClean="0"/>
-              <a:t> </a:t>
-            </a:r>
+            <a:endParaRPr lang="en-US" altLang="ko-KR" dirty="0" smtClean="0"/>
           </a:p>
           <a:p>
             <a:pPr marL="742950" lvl="1" indent="-285750">
@@ -16951,254 +17765,37 @@
               <a:buChar char="-"/>
             </a:pPr>
             <a:endParaRPr lang="en-US" altLang="ko-KR" dirty="0" smtClean="0"/>
-          </a:p>
-          <a:p>
-            <a:pPr marL="742950" lvl="1" indent="-285750">
-              <a:buFontTx/>
-              <a:buChar char="-"/>
-            </a:pPr>
-            <a:endParaRPr lang="en-US" altLang="ko-KR" dirty="0"/>
-          </a:p>
-          <a:p>
-            <a:pPr marL="742950" lvl="1" indent="-285750">
-              <a:buFontTx/>
-              <a:buChar char="-"/>
-            </a:pPr>
-            <a:endParaRPr lang="en-US" altLang="ko-KR" dirty="0" smtClean="0"/>
-          </a:p>
-          <a:p>
-            <a:pPr marL="742950" lvl="1" indent="-285750">
-              <a:buFontTx/>
-              <a:buChar char="-"/>
-            </a:pPr>
-            <a:endParaRPr lang="en-US" altLang="ko-KR" dirty="0" smtClean="0"/>
-          </a:p>
-          <a:p>
-            <a:pPr marL="285750" indent="-285750">
-              <a:buFontTx/>
-              <a:buChar char="-"/>
-            </a:pPr>
-            <a:r>
-              <a:rPr lang="en-US" altLang="ko-KR" b="1" dirty="0" smtClean="0"/>
-              <a:t>DDPG</a:t>
-            </a:r>
-            <a:r>
-              <a:rPr lang="en-US" altLang="ko-KR" b="1" dirty="0" smtClean="0"/>
-              <a:t> </a:t>
-            </a:r>
-            <a:r>
-              <a:rPr lang="en-US" altLang="ko-KR" b="1" dirty="0"/>
-              <a:t>State:</a:t>
-            </a:r>
-          </a:p>
-          <a:p>
-            <a:pPr marL="742950" lvl="1" indent="-285750">
-              <a:buFontTx/>
-              <a:buChar char="-"/>
-            </a:pPr>
-            <a:r>
-              <a:rPr lang="en-US" altLang="ko-KR" dirty="0"/>
-              <a:t>State:   </a:t>
-            </a:r>
-            <a:r>
-              <a:rPr lang="en-US" altLang="ko-KR" dirty="0" smtClean="0"/>
-              <a:t>[</a:t>
-            </a:r>
-            <a:r>
-              <a:rPr lang="en-US" altLang="ko-KR" dirty="0" smtClean="0">
-                <a:solidFill>
-                  <a:srgbClr val="FF0000"/>
-                </a:solidFill>
-              </a:rPr>
-              <a:t>norm(</a:t>
-            </a:r>
-            <a:r>
-              <a:rPr lang="en-US" altLang="ko-KR" dirty="0" err="1" smtClean="0">
-                <a:solidFill>
-                  <a:srgbClr val="FF0000"/>
-                </a:solidFill>
-              </a:rPr>
-              <a:t>power_out</a:t>
-            </a:r>
-            <a:r>
-              <a:rPr lang="en-US" altLang="ko-KR" dirty="0" smtClean="0">
-                <a:solidFill>
-                  <a:srgbClr val="FF0000"/>
-                </a:solidFill>
-              </a:rPr>
-              <a:t>)</a:t>
-            </a:r>
-            <a:r>
-              <a:rPr lang="en-US" altLang="ko-KR" dirty="0" smtClean="0"/>
-              <a:t>, </a:t>
-            </a:r>
-            <a:r>
-              <a:rPr lang="en-US" altLang="ko-KR" dirty="0"/>
-              <a:t>SOC, </a:t>
-            </a:r>
-            <a:r>
-              <a:rPr lang="en-US" altLang="ko-KR" dirty="0" err="1"/>
-              <a:t>j_min</a:t>
-            </a:r>
-            <a:r>
-              <a:rPr lang="en-US" altLang="ko-KR" dirty="0"/>
-              <a:t>, </a:t>
-            </a:r>
-            <a:r>
-              <a:rPr lang="en-US" altLang="ko-KR" dirty="0" err="1"/>
-              <a:t>j_max</a:t>
-            </a:r>
-            <a:r>
-              <a:rPr lang="en-US" altLang="ko-KR" dirty="0"/>
-              <a:t>]</a:t>
-            </a:r>
-          </a:p>
-          <a:p>
-            <a:pPr marL="742950" lvl="1" indent="-285750">
-              <a:buFontTx/>
-              <a:buChar char="-"/>
-            </a:pPr>
-            <a:r>
-              <a:rPr lang="en-US" altLang="ko-KR" dirty="0"/>
-              <a:t>Replay memory</a:t>
-            </a:r>
-            <a:r>
-              <a:rPr lang="ko-KR" altLang="en-US" dirty="0"/>
-              <a:t>에서 </a:t>
-            </a:r>
-            <a:r>
-              <a:rPr lang="en-US" altLang="ko-KR" dirty="0"/>
-              <a:t>running mean</a:t>
-            </a:r>
-            <a:r>
-              <a:rPr lang="ko-KR" altLang="en-US" dirty="0"/>
-              <a:t>과 </a:t>
-            </a:r>
-            <a:r>
-              <a:rPr lang="en-US" altLang="ko-KR" dirty="0" err="1"/>
-              <a:t>std</a:t>
-            </a:r>
-            <a:r>
-              <a:rPr lang="ko-KR" altLang="en-US" dirty="0"/>
-              <a:t>를 통한 정규화 진행 </a:t>
-            </a:r>
-            <a:r>
-              <a:rPr lang="en-US" altLang="ko-KR" dirty="0"/>
-              <a:t> </a:t>
-            </a:r>
           </a:p>
           <a:p>
             <a:pPr lvl="1"/>
             <a:endParaRPr lang="en-US" altLang="ko-KR" dirty="0" smtClean="0"/>
-          </a:p>
-          <a:p>
-            <a:pPr marL="285750" indent="-285750">
-              <a:buFontTx/>
-              <a:buChar char="-"/>
-            </a:pPr>
-            <a:endParaRPr lang="en-US" altLang="ko-KR" dirty="0" smtClean="0"/>
-          </a:p>
-          <a:p>
-            <a:pPr marL="285750" indent="-285750">
-              <a:buFontTx/>
-              <a:buChar char="-"/>
-            </a:pPr>
-            <a:endParaRPr lang="en-US" altLang="ko-KR" dirty="0" smtClean="0"/>
-          </a:p>
-          <a:p>
-            <a:pPr lvl="1"/>
-            <a:endParaRPr lang="en-US" altLang="ko-KR" dirty="0" smtClean="0"/>
-          </a:p>
-        </p:txBody>
-      </p:sp>
-      <p:sp>
-        <p:nvSpPr>
-          <p:cNvPr id="6" name="TextBox 5"/>
-          <p:cNvSpPr txBox="1"/>
-          <p:nvPr/>
-        </p:nvSpPr>
-        <p:spPr>
-          <a:xfrm>
-            <a:off x="1476326" y="5707149"/>
-            <a:ext cx="5657565" cy="369332"/>
-          </a:xfrm>
-          <a:prstGeom prst="rect">
-            <a:avLst/>
-          </a:prstGeom>
-          <a:noFill/>
-        </p:spPr>
-        <p:txBody>
-          <a:bodyPr wrap="square" rtlCol="0">
-            <a:spAutoFit/>
-          </a:bodyPr>
-          <a:lstStyle/>
-          <a:p>
-            <a:r>
-              <a:rPr lang="en-US" altLang="ko-KR" b="1" dirty="0" smtClean="0">
-                <a:solidFill>
-                  <a:srgbClr val="FF0000"/>
-                </a:solidFill>
-              </a:rPr>
-              <a:t>DDPG</a:t>
-            </a:r>
-            <a:r>
-              <a:rPr lang="ko-KR" altLang="en-US" b="1" dirty="0" smtClean="0">
-                <a:solidFill>
-                  <a:srgbClr val="FF0000"/>
-                </a:solidFill>
-              </a:rPr>
-              <a:t>의 우수성을 강조함</a:t>
-            </a:r>
-            <a:endParaRPr lang="ko-KR" altLang="en-US" b="1" dirty="0">
-              <a:solidFill>
-                <a:srgbClr val="FF0000"/>
-              </a:solidFill>
-            </a:endParaRPr>
           </a:p>
         </p:txBody>
       </p:sp>
       <p:pic>
         <p:nvPicPr>
-          <p:cNvPr id="5" name="그림 4"/>
+          <p:cNvPr id="3" name="그림 2"/>
           <p:cNvPicPr>
             <a:picLocks noChangeAspect="1"/>
           </p:cNvPicPr>
           <p:nvPr/>
         </p:nvPicPr>
         <p:blipFill>
-          <a:blip r:embed="rId2"/>
+          <a:blip r:embed="rId2">
+            <a:extLst>
+              <a:ext uri="{28A0092B-C50C-407E-A947-70E740481C1C}">
+                <a14:useLocalDpi xmlns:a14="http://schemas.microsoft.com/office/drawing/2010/main" val="0"/>
+              </a:ext>
+            </a:extLst>
+          </a:blip>
           <a:stretch>
             <a:fillRect/>
           </a:stretch>
         </p:blipFill>
         <p:spPr>
           <a:xfrm>
-            <a:off x="8171412" y="370234"/>
-            <a:ext cx="3737315" cy="3213826"/>
-          </a:xfrm>
-          <a:prstGeom prst="rect">
-            <a:avLst/>
-          </a:prstGeom>
-        </p:spPr>
-      </p:pic>
-      <p:pic>
-        <p:nvPicPr>
-          <p:cNvPr id="7" name="그림 6"/>
-          <p:cNvPicPr>
-            <a:picLocks noChangeAspect="1"/>
-          </p:cNvPicPr>
-          <p:nvPr/>
-        </p:nvPicPr>
-        <p:blipFill>
-          <a:blip r:embed="rId3"/>
-          <a:stretch>
-            <a:fillRect/>
-          </a:stretch>
-        </p:blipFill>
-        <p:spPr>
-          <a:xfrm>
-            <a:off x="8167635" y="3647174"/>
-            <a:ext cx="3741092" cy="3136011"/>
+            <a:off x="5834737" y="2397269"/>
+            <a:ext cx="6004337" cy="4203036"/>
           </a:xfrm>
           <a:prstGeom prst="rect">
             <a:avLst/>

--- a/실험정리.pptx
+++ b/실험정리.pptx
@@ -33,8 +33,10 @@
     <p:sldId id="305" r:id="rId27"/>
     <p:sldId id="294" r:id="rId28"/>
     <p:sldId id="302" r:id="rId29"/>
-    <p:sldId id="291" r:id="rId30"/>
-    <p:sldId id="288" r:id="rId31"/>
+    <p:sldId id="307" r:id="rId30"/>
+    <p:sldId id="308" r:id="rId31"/>
+    <p:sldId id="291" r:id="rId32"/>
+    <p:sldId id="288" r:id="rId33"/>
   </p:sldIdLst>
   <p:sldSz cx="12192000" cy="6858000"/>
   <p:notesSz cx="6858000" cy="9144000"/>
@@ -6462,6 +6464,36 @@
           </a:p>
         </p:txBody>
       </p:sp>
+      <p:pic>
+        <p:nvPicPr>
+          <p:cNvPr id="5" name="그림 4"/>
+          <p:cNvPicPr>
+            <a:picLocks noChangeAspect="1"/>
+          </p:cNvPicPr>
+          <p:nvPr/>
+        </p:nvPicPr>
+        <p:blipFill>
+          <a:blip r:embed="rId2">
+            <a:extLst>
+              <a:ext uri="{28A0092B-C50C-407E-A947-70E740481C1C}">
+                <a14:useLocalDpi xmlns:a14="http://schemas.microsoft.com/office/drawing/2010/main" val="0"/>
+              </a:ext>
+            </a:extLst>
+          </a:blip>
+          <a:stretch>
+            <a:fillRect/>
+          </a:stretch>
+        </p:blipFill>
+        <p:spPr>
+          <a:xfrm>
+            <a:off x="7116222" y="430875"/>
+            <a:ext cx="4906243" cy="3924994"/>
+          </a:xfrm>
+          <a:prstGeom prst="rect">
+            <a:avLst/>
+          </a:prstGeom>
+        </p:spPr>
+      </p:pic>
     </p:spTree>
     <p:extLst>
       <p:ext uri="{BB962C8B-B14F-4D97-AF65-F5344CB8AC3E}">
@@ -7444,7 +7476,28 @@
                             <a:latin typeface="Cambria Math" panose="02040503050406030204" pitchFamily="18" charset="0"/>
                             <a:ea typeface="Cambria Math" panose="02040503050406030204" pitchFamily="18" charset="0"/>
                           </a:rPr>
-                          <m:t>−0.6</m:t>
+                          <m:t>−</m:t>
+                        </m:r>
+                        <m:r>
+                          <a:rPr lang="en-US" altLang="ko-KR" i="1">
+                            <a:latin typeface="Cambria Math" panose="02040503050406030204" pitchFamily="18" charset="0"/>
+                            <a:ea typeface="Cambria Math" panose="02040503050406030204" pitchFamily="18" charset="0"/>
+                          </a:rPr>
+                          <m:t>0</m:t>
+                        </m:r>
+                        <m:r>
+                          <a:rPr lang="en-US" altLang="ko-KR" i="1">
+                            <a:latin typeface="Cambria Math" panose="02040503050406030204" pitchFamily="18" charset="0"/>
+                            <a:ea typeface="Cambria Math" panose="02040503050406030204" pitchFamily="18" charset="0"/>
+                          </a:rPr>
+                          <m:t>.</m:t>
+                        </m:r>
+                        <m:r>
+                          <a:rPr lang="en-US" altLang="ko-KR" i="1">
+                            <a:latin typeface="Cambria Math" panose="02040503050406030204" pitchFamily="18" charset="0"/>
+                            <a:ea typeface="Cambria Math" panose="02040503050406030204" pitchFamily="18" charset="0"/>
+                          </a:rPr>
+                          <m:t>6</m:t>
                         </m:r>
                       </m:e>
                     </m:d>
@@ -12525,7 +12578,7 @@
             </a:pPr>
             <a:r>
               <a:rPr lang="en-US" altLang="ko-KR" dirty="0" smtClean="0"/>
-              <a:t>[ ]</a:t>
+              <a:t>[O, O, O, O, O, O, O, O, O, X]</a:t>
             </a:r>
           </a:p>
           <a:p>
@@ -12606,10 +12659,25 @@
               <a:buChar char="-"/>
             </a:pPr>
             <a:r>
-              <a:rPr lang="en-US" altLang="ko-KR" dirty="0" smtClean="0"/>
-              <a:t>[ ]</a:t>
-            </a:r>
-            <a:endParaRPr lang="en-US" altLang="ko-KR" dirty="0" smtClean="0"/>
+              <a:rPr lang="en-US" altLang="ko-KR" dirty="0"/>
+              <a:t>[O, </a:t>
+            </a:r>
+            <a:r>
+              <a:rPr lang="en-US" altLang="ko-KR" dirty="0" smtClean="0"/>
+              <a:t>V, V, V, </a:t>
+            </a:r>
+            <a:r>
+              <a:rPr lang="en-US" altLang="ko-KR" dirty="0"/>
+              <a:t>O, O, V</a:t>
+            </a:r>
+            <a:r>
+              <a:rPr lang="en-US" altLang="ko-KR" dirty="0" smtClean="0"/>
+              <a:t>, </a:t>
+            </a:r>
+            <a:r>
+              <a:rPr lang="en-US" altLang="ko-KR" dirty="0"/>
+              <a:t>O, O, O]</a:t>
+            </a:r>
           </a:p>
         </p:txBody>
       </p:sp>
@@ -12629,14 +12697,76 @@
         </p:blipFill>
         <p:spPr>
           <a:xfrm>
-            <a:off x="7929781" y="3574472"/>
-            <a:ext cx="4204030" cy="3025945"/>
+            <a:off x="7514143" y="1141394"/>
+            <a:ext cx="4223429" cy="3039908"/>
           </a:xfrm>
           <a:prstGeom prst="rect">
             <a:avLst/>
           </a:prstGeom>
         </p:spPr>
       </p:pic>
+      <p:sp>
+        <p:nvSpPr>
+          <p:cNvPr id="9" name="TextBox 8"/>
+          <p:cNvSpPr txBox="1"/>
+          <p:nvPr/>
+        </p:nvSpPr>
+        <p:spPr>
+          <a:xfrm>
+            <a:off x="2934462" y="5116282"/>
+            <a:ext cx="6941058" cy="369332"/>
+          </a:xfrm>
+          <a:prstGeom prst="rect">
+            <a:avLst/>
+          </a:prstGeom>
+          <a:noFill/>
+        </p:spPr>
+        <p:txBody>
+          <a:bodyPr wrap="square" rtlCol="0">
+            <a:spAutoFit/>
+          </a:bodyPr>
+          <a:lstStyle/>
+          <a:p>
+            <a:r>
+              <a:rPr lang="ko-KR" altLang="en-US" b="1" dirty="0" smtClean="0">
+                <a:solidFill>
+                  <a:srgbClr val="FF0000"/>
+                </a:solidFill>
+              </a:rPr>
+              <a:t>전체적으로는 </a:t>
+            </a:r>
+            <a:r>
+              <a:rPr lang="en-US" altLang="ko-KR" b="1" dirty="0" smtClean="0">
+                <a:solidFill>
+                  <a:srgbClr val="FF0000"/>
+                </a:solidFill>
+              </a:rPr>
+              <a:t>Env1 </a:t>
+            </a:r>
+            <a:r>
+              <a:rPr lang="en-US" altLang="ko-KR" b="1" dirty="0" smtClean="0">
+                <a:solidFill>
+                  <a:srgbClr val="FF0000"/>
+                </a:solidFill>
+              </a:rPr>
+              <a:t>state</a:t>
+            </a:r>
+            <a:r>
+              <a:rPr lang="ko-KR" altLang="en-US" b="1" dirty="0" smtClean="0">
+                <a:solidFill>
+                  <a:srgbClr val="FF0000"/>
+                </a:solidFill>
+              </a:rPr>
+              <a:t>가 좋은 성능을 보이는 것으로 보임 </a:t>
+            </a:r>
+            <a:endParaRPr lang="en-US" altLang="ko-KR" b="1" dirty="0">
+              <a:solidFill>
+                <a:srgbClr val="FF0000"/>
+              </a:solidFill>
+            </a:endParaRPr>
+          </a:p>
+        </p:txBody>
+      </p:sp>
     </p:spTree>
     <p:extLst>
       <p:ext uri="{BB962C8B-B14F-4D97-AF65-F5344CB8AC3E}">
@@ -13033,14 +13163,138 @@
         </p:blipFill>
         <p:spPr>
           <a:xfrm>
-            <a:off x="8005156" y="3397845"/>
-            <a:ext cx="4028902" cy="2899892"/>
+            <a:off x="7431019" y="9886"/>
+            <a:ext cx="3059646" cy="2202248"/>
           </a:xfrm>
           <a:prstGeom prst="rect">
             <a:avLst/>
           </a:prstGeom>
         </p:spPr>
       </p:pic>
+      <p:pic>
+        <p:nvPicPr>
+          <p:cNvPr id="5" name="그림 4"/>
+          <p:cNvPicPr>
+            <a:picLocks noChangeAspect="1"/>
+          </p:cNvPicPr>
+          <p:nvPr/>
+        </p:nvPicPr>
+        <p:blipFill>
+          <a:blip r:embed="rId3"/>
+          <a:stretch>
+            <a:fillRect/>
+          </a:stretch>
+        </p:blipFill>
+        <p:spPr>
+          <a:xfrm>
+            <a:off x="7431019" y="2312836"/>
+            <a:ext cx="3923124" cy="1796811"/>
+          </a:xfrm>
+          <a:prstGeom prst="rect">
+            <a:avLst/>
+          </a:prstGeom>
+        </p:spPr>
+      </p:pic>
+      <p:pic>
+        <p:nvPicPr>
+          <p:cNvPr id="6" name="그림 5"/>
+          <p:cNvPicPr>
+            <a:picLocks noChangeAspect="1"/>
+          </p:cNvPicPr>
+          <p:nvPr/>
+        </p:nvPicPr>
+        <p:blipFill>
+          <a:blip r:embed="rId4"/>
+          <a:stretch>
+            <a:fillRect/>
+          </a:stretch>
+        </p:blipFill>
+        <p:spPr>
+          <a:xfrm>
+            <a:off x="7431019" y="4173436"/>
+            <a:ext cx="3145146" cy="2659625"/>
+          </a:xfrm>
+          <a:prstGeom prst="rect">
+            <a:avLst/>
+          </a:prstGeom>
+        </p:spPr>
+      </p:pic>
+      <p:sp>
+        <p:nvSpPr>
+          <p:cNvPr id="7" name="TextBox 6"/>
+          <p:cNvSpPr txBox="1"/>
+          <p:nvPr/>
+        </p:nvSpPr>
+        <p:spPr>
+          <a:xfrm>
+            <a:off x="838200" y="5682410"/>
+            <a:ext cx="6941058" cy="923330"/>
+          </a:xfrm>
+          <a:prstGeom prst="rect">
+            <a:avLst/>
+          </a:prstGeom>
+          <a:noFill/>
+        </p:spPr>
+        <p:txBody>
+          <a:bodyPr wrap="square" rtlCol="0">
+            <a:spAutoFit/>
+          </a:bodyPr>
+          <a:lstStyle/>
+          <a:p>
+            <a:r>
+              <a:rPr lang="ko-KR" altLang="en-US" b="1" dirty="0" smtClean="0">
+                <a:solidFill>
+                  <a:srgbClr val="FF0000"/>
+                </a:solidFill>
+              </a:rPr>
+              <a:t>학습의 안정성이 떨어지는 결과를 초래함 </a:t>
+            </a:r>
+            <a:endParaRPr lang="en-US" altLang="ko-KR" b="1" dirty="0" smtClean="0">
+              <a:solidFill>
+                <a:srgbClr val="FF0000"/>
+              </a:solidFill>
+            </a:endParaRPr>
+          </a:p>
+          <a:p>
+            <a:endParaRPr lang="en-US" altLang="ko-KR" b="1" dirty="0" smtClean="0">
+              <a:solidFill>
+                <a:srgbClr val="FF0000"/>
+              </a:solidFill>
+            </a:endParaRPr>
+          </a:p>
+          <a:p>
+            <a:r>
+              <a:rPr lang="ko-KR" altLang="en-US" b="1" dirty="0" smtClean="0">
+                <a:solidFill>
+                  <a:srgbClr val="FF0000"/>
+                </a:solidFill>
+              </a:rPr>
+              <a:t>인공신경망의 간소화가 영향을 </a:t>
+            </a:r>
+            <a:r>
+              <a:rPr lang="ko-KR" altLang="en-US" b="1" dirty="0" err="1" smtClean="0">
+                <a:solidFill>
+                  <a:srgbClr val="FF0000"/>
+                </a:solidFill>
+              </a:rPr>
+              <a:t>미친건지</a:t>
+            </a:r>
+            <a:r>
+              <a:rPr lang="ko-KR" altLang="en-US" b="1" dirty="0" smtClean="0">
+                <a:solidFill>
+                  <a:srgbClr val="FF0000"/>
+                </a:solidFill>
+              </a:rPr>
+              <a:t> 여부를 확인해야함 </a:t>
+            </a:r>
+            <a:endParaRPr lang="en-US" altLang="ko-KR" b="1" dirty="0">
+              <a:solidFill>
+                <a:srgbClr val="FF0000"/>
+              </a:solidFill>
+            </a:endParaRPr>
+          </a:p>
+        </p:txBody>
+      </p:sp>
     </p:spTree>
     <p:extLst>
       <p:ext uri="{BB962C8B-B14F-4D97-AF65-F5344CB8AC3E}">
@@ -13955,7 +14209,7 @@
         <p:spPr>
           <a:xfrm>
             <a:off x="838200" y="1484771"/>
-            <a:ext cx="11000874" cy="2308324"/>
+            <a:ext cx="11000874" cy="3693319"/>
           </a:xfrm>
           <a:prstGeom prst="rect">
             <a:avLst/>
@@ -13968,17 +14222,25 @@
           </a:bodyPr>
           <a:lstStyle/>
           <a:p>
-            <a:pPr marL="285750" indent="-285750">
-              <a:buFontTx/>
-              <a:buChar char="-"/>
-            </a:pPr>
+            <a:pPr marL="285750" lvl="1" indent="-285750">
+              <a:buFontTx/>
+              <a:buChar char="-"/>
+            </a:pPr>
+            <a:r>
+              <a:rPr lang="en-US" altLang="ko-KR" b="1" dirty="0" smtClean="0">
+                <a:solidFill>
+                  <a:srgbClr val="FF0000"/>
+                </a:solidFill>
+              </a:rPr>
+              <a:t>Terminal state</a:t>
+            </a:r>
             <a:r>
               <a:rPr lang="ko-KR" altLang="en-US" b="1" dirty="0" smtClean="0">
                 <a:solidFill>
                   <a:srgbClr val="FF0000"/>
                 </a:solidFill>
               </a:rPr>
-              <a:t>신경망에서 </a:t>
+              <a:t>와 </a:t>
             </a:r>
             <a:r>
               <a:rPr lang="en-US" altLang="ko-KR" b="1" dirty="0" smtClean="0">
@@ -13986,7 +14248,7 @@
                   <a:srgbClr val="FF0000"/>
                 </a:solidFill>
               </a:rPr>
-              <a:t>Batch normalization</a:t>
+              <a:t>POMDP</a:t>
             </a:r>
             <a:r>
               <a:rPr lang="ko-KR" altLang="en-US" b="1" dirty="0" smtClean="0">
@@ -13994,126 +14256,321 @@
                   <a:srgbClr val="FF0000"/>
                 </a:solidFill>
               </a:rPr>
-              <a:t>을 적용함 </a:t>
-            </a:r>
-            <a:endParaRPr lang="en-US" altLang="ko-KR" b="1" dirty="0" smtClean="0">
+              <a:t>를 고려한 </a:t>
+            </a:r>
+            <a:r>
+              <a:rPr lang="en-US" altLang="ko-KR" b="1" dirty="0" smtClean="0">
+                <a:solidFill>
+                  <a:srgbClr val="FF0000"/>
+                </a:solidFill>
+              </a:rPr>
+              <a:t>DDPG</a:t>
+            </a:r>
+          </a:p>
+          <a:p>
+            <a:pPr marL="285750" lvl="1" indent="-285750">
+              <a:buFontTx/>
+              <a:buChar char="-"/>
+            </a:pPr>
+            <a:endParaRPr lang="en-US" altLang="ko-KR" b="1" dirty="0" smtClean="0"/>
+          </a:p>
+          <a:p>
+            <a:pPr marL="285750" lvl="1" indent="-285750">
+              <a:buFontTx/>
+              <a:buChar char="-"/>
+            </a:pPr>
+            <a:r>
+              <a:rPr lang="en-US" altLang="ko-KR" b="1" dirty="0" smtClean="0">
+                <a:solidFill>
+                  <a:srgbClr val="FF0000"/>
+                </a:solidFill>
+              </a:rPr>
+              <a:t>State</a:t>
+            </a:r>
+            <a:r>
+              <a:rPr lang="ko-KR" altLang="en-US" b="1" dirty="0" smtClean="0">
+                <a:solidFill>
+                  <a:srgbClr val="FF0000"/>
+                </a:solidFill>
+              </a:rPr>
+              <a:t>의 정의 </a:t>
+            </a:r>
+            <a:endParaRPr lang="en-US" altLang="ko-KR" b="1" dirty="0">
               <a:solidFill>
                 <a:srgbClr val="FF0000"/>
               </a:solidFill>
             </a:endParaRPr>
           </a:p>
           <a:p>
-            <a:pPr marL="285750" indent="-285750">
+            <a:pPr marL="742950" lvl="2" indent="-285750">
+              <a:buFontTx/>
+              <a:buChar char="-"/>
+            </a:pPr>
+            <a:r>
+              <a:rPr lang="en-US" altLang="ko-KR" dirty="0"/>
+              <a:t>State: </a:t>
+            </a:r>
+            <a:r>
+              <a:rPr lang="en-US" altLang="ko-KR" dirty="0" smtClean="0">
+                <a:solidFill>
+                  <a:srgbClr val="FF0000"/>
+                </a:solidFill>
+              </a:rPr>
+              <a:t>[norm(</a:t>
+            </a:r>
+            <a:r>
+              <a:rPr lang="en-US" altLang="ko-KR" dirty="0" err="1" smtClean="0">
+                <a:solidFill>
+                  <a:srgbClr val="FF0000"/>
+                </a:solidFill>
+              </a:rPr>
+              <a:t>power_out</a:t>
+            </a:r>
+            <a:r>
+              <a:rPr lang="en-US" altLang="ko-KR" dirty="0" smtClean="0">
+                <a:solidFill>
+                  <a:srgbClr val="FF0000"/>
+                </a:solidFill>
+              </a:rPr>
+              <a:t>), SOC </a:t>
+            </a:r>
+            <a:r>
+              <a:rPr lang="en-US" altLang="ko-KR" dirty="0">
+                <a:solidFill>
+                  <a:srgbClr val="FF0000"/>
+                </a:solidFill>
+              </a:rPr>
+              <a:t>- 0.6, </a:t>
+            </a:r>
+            <a:r>
+              <a:rPr lang="en-US" altLang="ko-KR" dirty="0" err="1" smtClean="0">
+                <a:solidFill>
+                  <a:srgbClr val="FF0000"/>
+                </a:solidFill>
+              </a:rPr>
+              <a:t>J_min</a:t>
+            </a:r>
+            <a:r>
+              <a:rPr lang="en-US" altLang="ko-KR" dirty="0" smtClean="0">
+                <a:solidFill>
+                  <a:srgbClr val="FF0000"/>
+                </a:solidFill>
+              </a:rPr>
+              <a:t>, </a:t>
+            </a:r>
+            <a:r>
+              <a:rPr lang="en-US" altLang="ko-KR" dirty="0" err="1" smtClean="0">
+                <a:solidFill>
+                  <a:srgbClr val="FF0000"/>
+                </a:solidFill>
+              </a:rPr>
+              <a:t>J_max</a:t>
+            </a:r>
+            <a:r>
+              <a:rPr lang="en-US" altLang="ko-KR" dirty="0" smtClean="0">
+                <a:solidFill>
+                  <a:srgbClr val="FF0000"/>
+                </a:solidFill>
+              </a:rPr>
+              <a:t>]</a:t>
+            </a:r>
+            <a:endParaRPr lang="en-US" altLang="ko-KR" dirty="0">
+              <a:solidFill>
+                <a:srgbClr val="FF0000"/>
+              </a:solidFill>
+            </a:endParaRPr>
+          </a:p>
+          <a:p>
+            <a:pPr marL="742950" lvl="1" indent="-285750">
+              <a:buFontTx/>
+              <a:buChar char="-"/>
+            </a:pPr>
+            <a:r>
+              <a:rPr lang="en-US" altLang="ko-KR" dirty="0"/>
+              <a:t>Replay memory</a:t>
+            </a:r>
+            <a:r>
+              <a:rPr lang="ko-KR" altLang="en-US" dirty="0"/>
+              <a:t>에서 </a:t>
+            </a:r>
+            <a:r>
+              <a:rPr lang="en-US" altLang="ko-KR" dirty="0" err="1"/>
+              <a:t>power_out</a:t>
+            </a:r>
+            <a:r>
+              <a:rPr lang="ko-KR" altLang="en-US" dirty="0"/>
+              <a:t>에 대해</a:t>
+            </a:r>
+            <a:r>
+              <a:rPr lang="en-US" altLang="ko-KR" dirty="0"/>
+              <a:t> </a:t>
+            </a:r>
+            <a:r>
+              <a:rPr lang="en-US" altLang="ko-KR" dirty="0">
+                <a:solidFill>
+                  <a:srgbClr val="FF0000"/>
+                </a:solidFill>
+              </a:rPr>
+              <a:t>mean-</a:t>
+            </a:r>
+            <a:r>
+              <a:rPr lang="en-US" altLang="ko-KR" dirty="0" err="1">
+                <a:solidFill>
+                  <a:srgbClr val="FF0000"/>
+                </a:solidFill>
+              </a:rPr>
+              <a:t>std</a:t>
+            </a:r>
+            <a:r>
+              <a:rPr lang="en-US" altLang="ko-KR" dirty="0">
+                <a:solidFill>
+                  <a:srgbClr val="FF0000"/>
+                </a:solidFill>
+              </a:rPr>
+              <a:t> normalization </a:t>
+            </a:r>
+            <a:r>
+              <a:rPr lang="ko-KR" altLang="en-US" dirty="0" smtClean="0"/>
+              <a:t>적용</a:t>
+            </a:r>
+            <a:endParaRPr lang="en-US" altLang="ko-KR" dirty="0" smtClean="0"/>
+          </a:p>
+          <a:p>
+            <a:pPr marL="742950" lvl="1" indent="-285750">
+              <a:buFontTx/>
+              <a:buChar char="-"/>
+            </a:pPr>
+            <a:r>
+              <a:rPr lang="en-US" altLang="ko-KR" dirty="0" smtClean="0"/>
+              <a:t>Terminal</a:t>
+            </a:r>
+            <a:r>
+              <a:rPr lang="ko-KR" altLang="en-US" dirty="0" smtClean="0"/>
+              <a:t>을</a:t>
+            </a:r>
+            <a:r>
+              <a:rPr lang="en-US" altLang="ko-KR" dirty="0" smtClean="0"/>
+              <a:t> </a:t>
+            </a:r>
+            <a:r>
+              <a:rPr lang="ko-KR" altLang="en-US" dirty="0" smtClean="0"/>
+              <a:t>고려함 </a:t>
+            </a:r>
+            <a:endParaRPr lang="en-US" altLang="ko-KR" dirty="0" smtClean="0"/>
+          </a:p>
+          <a:p>
+            <a:pPr marL="742950" lvl="1" indent="-285750">
+              <a:buFontTx/>
+              <a:buChar char="-"/>
+            </a:pPr>
+            <a:r>
+              <a:rPr lang="en-US" altLang="ko-KR" dirty="0" smtClean="0"/>
+              <a:t>State Stack</a:t>
+            </a:r>
+            <a:r>
+              <a:rPr lang="ko-KR" altLang="en-US" dirty="0" smtClean="0"/>
+              <a:t>을 통해 </a:t>
+            </a:r>
+            <a:r>
+              <a:rPr lang="en-US" altLang="ko-KR" dirty="0" smtClean="0"/>
+              <a:t>POMDP </a:t>
+            </a:r>
+            <a:r>
+              <a:rPr lang="ko-KR" altLang="en-US" dirty="0" smtClean="0"/>
+              <a:t>문제를 해결</a:t>
+            </a:r>
+            <a:endParaRPr lang="en-US" altLang="ko-KR" dirty="0" smtClean="0"/>
+          </a:p>
+          <a:p>
+            <a:pPr marL="742950" lvl="1" indent="-285750">
+              <a:buFontTx/>
+              <a:buChar char="-"/>
+            </a:pPr>
+            <a:r>
+              <a:rPr lang="ko-KR" altLang="en-US" dirty="0" smtClean="0"/>
+              <a:t>간소화 된 네트워크   </a:t>
+            </a:r>
+            <a:endParaRPr lang="en-US" altLang="ko-KR" dirty="0"/>
+          </a:p>
+          <a:p>
+            <a:pPr marL="0" lvl="1"/>
+            <a:endParaRPr lang="en-US" altLang="ko-KR" b="1" dirty="0" smtClean="0"/>
+          </a:p>
+          <a:p>
+            <a:pPr marL="285750" lvl="1" indent="-285750">
+              <a:buFontTx/>
+              <a:buChar char="-"/>
+            </a:pPr>
+            <a:endParaRPr lang="en-US" altLang="ko-KR" b="1" dirty="0" smtClean="0"/>
+          </a:p>
+          <a:p>
+            <a:pPr marL="285750" lvl="1" indent="-285750">
               <a:buFontTx/>
               <a:buChar char="-"/>
             </a:pPr>
             <a:endParaRPr lang="en-US" altLang="ko-KR" b="1" dirty="0"/>
           </a:p>
           <a:p>
-            <a:pPr marL="285750" indent="-285750">
-              <a:buFontTx/>
-              <a:buChar char="-"/>
-            </a:pPr>
-            <a:r>
-              <a:rPr lang="en-US" altLang="ko-KR" b="1" dirty="0"/>
-              <a:t>Env1 State:</a:t>
-            </a:r>
-          </a:p>
-          <a:p>
-            <a:pPr marL="742950" lvl="1" indent="-285750">
-              <a:buFontTx/>
-              <a:buChar char="-"/>
-            </a:pPr>
-            <a:r>
-              <a:rPr lang="en-US" altLang="ko-KR" dirty="0"/>
-              <a:t>State:   [</a:t>
-            </a:r>
-            <a:r>
-              <a:rPr lang="en-US" altLang="ko-KR" dirty="0" err="1">
-                <a:solidFill>
-                  <a:srgbClr val="FF0000"/>
-                </a:solidFill>
-              </a:rPr>
-              <a:t>power_out</a:t>
-            </a:r>
-            <a:r>
-              <a:rPr lang="en-US" altLang="ko-KR" dirty="0">
-                <a:solidFill>
-                  <a:srgbClr val="FF0000"/>
-                </a:solidFill>
-              </a:rPr>
-              <a:t>/1000</a:t>
-            </a:r>
-            <a:r>
-              <a:rPr lang="en-US" altLang="ko-KR" dirty="0"/>
-              <a:t>, SOC - 0.6, </a:t>
-            </a:r>
-            <a:r>
-              <a:rPr lang="en-US" altLang="ko-KR" dirty="0" err="1"/>
-              <a:t>j_min</a:t>
-            </a:r>
-            <a:r>
-              <a:rPr lang="en-US" altLang="ko-KR" dirty="0"/>
-              <a:t>, </a:t>
-            </a:r>
-            <a:r>
-              <a:rPr lang="en-US" altLang="ko-KR" dirty="0" err="1"/>
-              <a:t>j_max</a:t>
-            </a:r>
-            <a:r>
-              <a:rPr lang="en-US" altLang="ko-KR" dirty="0" smtClean="0"/>
-              <a:t>]</a:t>
-            </a:r>
-          </a:p>
-          <a:p>
-            <a:pPr marL="742950" lvl="1" indent="-285750">
-              <a:buFontTx/>
-              <a:buChar char="-"/>
-            </a:pPr>
-            <a:r>
-              <a:rPr lang="en-US" altLang="ko-KR" dirty="0" smtClean="0"/>
-              <a:t>Actor-Critic</a:t>
+            <a:pPr marL="285750" lvl="1" indent="-285750">
+              <a:buFontTx/>
+              <a:buChar char="-"/>
+            </a:pPr>
+            <a:endParaRPr lang="en-US" altLang="ko-KR" b="1" dirty="0" smtClean="0"/>
+          </a:p>
+          <a:p>
+            <a:pPr marL="285750" lvl="1" indent="-285750">
+              <a:buFontTx/>
+              <a:buChar char="-"/>
+            </a:pPr>
+            <a:endParaRPr lang="en-US" altLang="ko-KR" b="1" dirty="0"/>
+          </a:p>
+        </p:txBody>
+      </p:sp>
+      <p:sp>
+        <p:nvSpPr>
+          <p:cNvPr id="5" name="TextBox 4"/>
+          <p:cNvSpPr txBox="1"/>
+          <p:nvPr/>
+        </p:nvSpPr>
+        <p:spPr>
+          <a:xfrm>
+            <a:off x="9576262" y="4910921"/>
+            <a:ext cx="2262812" cy="369332"/>
+          </a:xfrm>
+          <a:prstGeom prst="rect">
+            <a:avLst/>
+          </a:prstGeom>
+          <a:noFill/>
+        </p:spPr>
+        <p:txBody>
+          <a:bodyPr wrap="square" rtlCol="0">
+            <a:spAutoFit/>
+          </a:bodyPr>
+          <a:lstStyle/>
+          <a:p>
+            <a:r>
+              <a:rPr lang="en-US" altLang="ko-KR" dirty="0" smtClean="0"/>
+              <a:t>&lt;</a:t>
+            </a:r>
+            <a:r>
+              <a:rPr lang="ko-KR" altLang="en-US" dirty="0" err="1" smtClean="0"/>
+              <a:t>하이퍼파라미터</a:t>
+            </a:r>
+            <a:r>
+              <a:rPr lang="en-US" altLang="ko-KR" dirty="0" smtClean="0"/>
+              <a:t>&gt;</a:t>
             </a:r>
             <a:r>
               <a:rPr lang="ko-KR" altLang="en-US" dirty="0" smtClean="0"/>
-              <a:t>에 </a:t>
-            </a:r>
-            <a:r>
-              <a:rPr lang="en-US" altLang="ko-KR" dirty="0" smtClean="0">
-                <a:solidFill>
-                  <a:srgbClr val="FF0000"/>
-                </a:solidFill>
-              </a:rPr>
-              <a:t>Batch Normalization</a:t>
-            </a:r>
-            <a:r>
-              <a:rPr lang="ko-KR" altLang="en-US" dirty="0" smtClean="0"/>
-              <a:t>을 적용함</a:t>
-            </a:r>
-            <a:endParaRPr lang="en-US" altLang="ko-KR" dirty="0"/>
-          </a:p>
-          <a:p>
-            <a:endParaRPr lang="en-US" altLang="ko-KR" dirty="0"/>
-          </a:p>
-          <a:p>
-            <a:pPr marL="742950" lvl="1" indent="-285750">
-              <a:buFontTx/>
-              <a:buChar char="-"/>
-            </a:pPr>
-            <a:endParaRPr lang="en-US" altLang="ko-KR" dirty="0" smtClean="0"/>
-          </a:p>
-          <a:p>
-            <a:pPr marL="742950" lvl="1" indent="-285750">
-              <a:buFontTx/>
-              <a:buChar char="-"/>
-            </a:pPr>
-            <a:endParaRPr lang="en-US" altLang="ko-KR" dirty="0"/>
+              <a:t> </a:t>
+            </a:r>
+            <a:endParaRPr lang="ko-KR" altLang="en-US" dirty="0"/>
           </a:p>
         </p:txBody>
       </p:sp>
       <p:pic>
         <p:nvPicPr>
-          <p:cNvPr id="3" name="그림 2"/>
+          <p:cNvPr id="7" name="그림 6"/>
           <p:cNvPicPr>
             <a:picLocks noChangeAspect="1"/>
           </p:cNvPicPr>
@@ -14127,60 +14584,18 @@
         </p:blipFill>
         <p:spPr>
           <a:xfrm>
-            <a:off x="8661862" y="88986"/>
-            <a:ext cx="3325091" cy="2519190"/>
+            <a:off x="9096666" y="1690687"/>
+            <a:ext cx="3021397" cy="3101375"/>
           </a:xfrm>
           <a:prstGeom prst="rect">
             <a:avLst/>
           </a:prstGeom>
         </p:spPr>
       </p:pic>
-      <p:sp>
-        <p:nvSpPr>
-          <p:cNvPr id="5" name="TextBox 4"/>
-          <p:cNvSpPr txBox="1"/>
-          <p:nvPr/>
-        </p:nvSpPr>
-        <p:spPr>
-          <a:xfrm>
-            <a:off x="9576262" y="2684188"/>
-            <a:ext cx="2262812" cy="369332"/>
-          </a:xfrm>
-          <a:prstGeom prst="rect">
-            <a:avLst/>
-          </a:prstGeom>
-          <a:noFill/>
-        </p:spPr>
-        <p:txBody>
-          <a:bodyPr wrap="square" rtlCol="0">
-            <a:spAutoFit/>
-          </a:bodyPr>
-          <a:lstStyle/>
-          <a:p>
-            <a:r>
-              <a:rPr lang="en-US" altLang="ko-KR" dirty="0" smtClean="0"/>
-              <a:t>&lt;</a:t>
-            </a:r>
-            <a:r>
-              <a:rPr lang="ko-KR" altLang="en-US" dirty="0" err="1" smtClean="0"/>
-              <a:t>하이퍼파라미터</a:t>
-            </a:r>
-            <a:r>
-              <a:rPr lang="en-US" altLang="ko-KR" dirty="0" smtClean="0"/>
-              <a:t>&gt;</a:t>
-            </a:r>
-            <a:r>
-              <a:rPr lang="ko-KR" altLang="en-US" dirty="0" smtClean="0"/>
-              <a:t> </a:t>
-            </a:r>
-            <a:endParaRPr lang="ko-KR" altLang="en-US" dirty="0"/>
-          </a:p>
-        </p:txBody>
-      </p:sp>
     </p:spTree>
     <p:extLst>
       <p:ext uri="{BB962C8B-B14F-4D97-AF65-F5344CB8AC3E}">
-        <p14:creationId xmlns:p14="http://schemas.microsoft.com/office/powerpoint/2010/main" val="787282331"/>
+        <p14:creationId xmlns:p14="http://schemas.microsoft.com/office/powerpoint/2010/main" val="1758552620"/>
       </p:ext>
     </p:extLst>
   </p:cSld>
@@ -15224,6 +15639,995 @@
 </file>
 
 <file path=ppt/slides/slide30.xml><?xml version="1.0" encoding="utf-8"?>
+<p:sld xmlns:a="http://schemas.openxmlformats.org/drawingml/2006/main" xmlns:r="http://schemas.openxmlformats.org/officeDocument/2006/relationships" xmlns:p="http://schemas.openxmlformats.org/presentationml/2006/main">
+  <p:cSld>
+    <p:spTree>
+      <p:nvGrpSpPr>
+        <p:cNvPr id="1" name=""/>
+        <p:cNvGrpSpPr/>
+        <p:nvPr/>
+      </p:nvGrpSpPr>
+      <p:grpSpPr>
+        <a:xfrm>
+          <a:off x="0" y="0"/>
+          <a:ext cx="0" cy="0"/>
+          <a:chOff x="0" y="0"/>
+          <a:chExt cx="0" cy="0"/>
+        </a:xfrm>
+      </p:grpSpPr>
+      <p:sp>
+        <p:nvSpPr>
+          <p:cNvPr id="2" name="제목 1"/>
+          <p:cNvSpPr>
+            <a:spLocks noGrp="1"/>
+          </p:cNvSpPr>
+          <p:nvPr>
+            <p:ph type="title"/>
+          </p:nvPr>
+        </p:nvSpPr>
+        <p:spPr/>
+        <p:txBody>
+          <a:bodyPr/>
+          <a:lstStyle/>
+          <a:p>
+            <a:r>
+              <a:rPr lang="en-US" altLang="ko-KR" dirty="0" smtClean="0"/>
+              <a:t>DDPG</a:t>
+            </a:r>
+            <a:r>
+              <a:rPr lang="ko-KR" altLang="en-US" dirty="0" smtClean="0"/>
+              <a:t> </a:t>
+            </a:r>
+            <a:r>
+              <a:rPr lang="en-US" altLang="ko-KR" dirty="0" smtClean="0"/>
+              <a:t>10</a:t>
+            </a:r>
+            <a:r>
+              <a:rPr lang="ko-KR" altLang="en-US" dirty="0" smtClean="0"/>
+              <a:t>  </a:t>
+            </a:r>
+            <a:endParaRPr lang="ko-KR" altLang="en-US" dirty="0"/>
+          </a:p>
+        </p:txBody>
+      </p:sp>
+      <mc:AlternateContent xmlns:mc="http://schemas.openxmlformats.org/markup-compatibility/2006">
+        <mc:Choice xmlns:a14="http://schemas.microsoft.com/office/drawing/2010/main" Requires="a14">
+          <p:sp>
+            <p:nvSpPr>
+              <p:cNvPr id="4" name="TextBox 3"/>
+              <p:cNvSpPr txBox="1"/>
+              <p:nvPr/>
+            </p:nvSpPr>
+            <p:spPr>
+              <a:xfrm>
+                <a:off x="838200" y="1484771"/>
+                <a:ext cx="11000874" cy="4247317"/>
+              </a:xfrm>
+              <a:prstGeom prst="rect">
+                <a:avLst/>
+              </a:prstGeom>
+              <a:noFill/>
+            </p:spPr>
+            <p:txBody>
+              <a:bodyPr wrap="square" rtlCol="0">
+                <a:spAutoFit/>
+              </a:bodyPr>
+              <a:lstStyle/>
+              <a:p>
+                <a:pPr marL="285750" lvl="1" indent="-285750">
+                  <a:buFontTx/>
+                  <a:buChar char="-"/>
+                </a:pPr>
+                <a:r>
+                  <a:rPr lang="ko-KR" altLang="en-US" b="1" dirty="0" smtClean="0">
+                    <a:solidFill>
+                      <a:srgbClr val="FF0000"/>
+                    </a:solidFill>
+                  </a:rPr>
+                  <a:t>변동성 있는 </a:t>
+                </a:r>
+                <a:r>
+                  <a:rPr lang="en-US" altLang="ko-KR" b="1" dirty="0" smtClean="0">
+                    <a:solidFill>
+                      <a:srgbClr val="FF0000"/>
+                    </a:solidFill>
+                  </a:rPr>
+                  <a:t>reward factor </a:t>
+                </a:r>
+                <a:r>
+                  <a:rPr lang="ko-KR" altLang="en-US" b="1" dirty="0" smtClean="0">
+                    <a:solidFill>
+                      <a:srgbClr val="FF0000"/>
+                    </a:solidFill>
+                  </a:rPr>
+                  <a:t>적용 </a:t>
+                </a:r>
+                <a:endParaRPr lang="en-US" altLang="ko-KR" b="1" dirty="0" smtClean="0">
+                  <a:solidFill>
+                    <a:srgbClr val="FF0000"/>
+                  </a:solidFill>
+                </a:endParaRPr>
+              </a:p>
+              <a:p>
+                <a:pPr marL="742950" lvl="2" indent="-285750">
+                  <a:buFontTx/>
+                  <a:buChar char="-"/>
+                </a:pPr>
+                <a:endParaRPr lang="en-US" altLang="ko-KR" b="1" dirty="0">
+                  <a:solidFill>
+                    <a:srgbClr val="FF0000"/>
+                  </a:solidFill>
+                </a:endParaRPr>
+              </a:p>
+              <a:p>
+                <a:pPr marL="742950" lvl="2" indent="-285750">
+                  <a:buFontTx/>
+                  <a:buChar char="-"/>
+                </a:pPr>
+                <a14:m>
+                  <m:oMath xmlns:m="http://schemas.openxmlformats.org/officeDocument/2006/math">
+                    <m:r>
+                      <a:rPr lang="en-US" altLang="ko-KR" b="1" i="1" smtClean="0">
+                        <a:solidFill>
+                          <a:srgbClr val="FF0000"/>
+                        </a:solidFill>
+                        <a:latin typeface="Cambria Math" panose="02040503050406030204" pitchFamily="18" charset="0"/>
+                      </a:rPr>
+                      <m:t>𝒓</m:t>
+                    </m:r>
+                    <m:r>
+                      <a:rPr lang="en-US" altLang="ko-KR" b="1" i="1" smtClean="0">
+                        <a:solidFill>
+                          <a:srgbClr val="FF0000"/>
+                        </a:solidFill>
+                        <a:latin typeface="Cambria Math" panose="02040503050406030204" pitchFamily="18" charset="0"/>
+                      </a:rPr>
+                      <m:t>=  −</m:t>
+                    </m:r>
+                    <m:acc>
+                      <m:accPr>
+                        <m:chr m:val="̇"/>
+                        <m:ctrlPr>
+                          <a:rPr lang="en-US" altLang="ko-KR" b="1" i="1" smtClean="0">
+                            <a:solidFill>
+                              <a:srgbClr val="FF0000"/>
+                            </a:solidFill>
+                            <a:latin typeface="Cambria Math" panose="02040503050406030204" pitchFamily="18" charset="0"/>
+                          </a:rPr>
+                        </m:ctrlPr>
+                      </m:accPr>
+                      <m:e>
+                        <m:sSub>
+                          <m:sSubPr>
+                            <m:ctrlPr>
+                              <a:rPr lang="en-US" altLang="ko-KR" b="1" i="1" smtClean="0">
+                                <a:solidFill>
+                                  <a:srgbClr val="FF0000"/>
+                                </a:solidFill>
+                                <a:latin typeface="Cambria Math" panose="02040503050406030204" pitchFamily="18" charset="0"/>
+                              </a:rPr>
+                            </m:ctrlPr>
+                          </m:sSubPr>
+                          <m:e>
+                            <m:r>
+                              <a:rPr lang="en-US" altLang="ko-KR" b="1" i="1" smtClean="0">
+                                <a:solidFill>
+                                  <a:srgbClr val="FF0000"/>
+                                </a:solidFill>
+                                <a:latin typeface="Cambria Math" panose="02040503050406030204" pitchFamily="18" charset="0"/>
+                              </a:rPr>
+                              <m:t>𝒎</m:t>
+                            </m:r>
+                          </m:e>
+                          <m:sub>
+                            <m:r>
+                              <a:rPr lang="en-US" altLang="ko-KR" b="1" i="1" smtClean="0">
+                                <a:solidFill>
+                                  <a:srgbClr val="FF0000"/>
+                                </a:solidFill>
+                                <a:latin typeface="Cambria Math" panose="02040503050406030204" pitchFamily="18" charset="0"/>
+                              </a:rPr>
+                              <m:t>𝒇𝒄</m:t>
+                            </m:r>
+                          </m:sub>
+                        </m:sSub>
+                      </m:e>
+                    </m:acc>
+                    <m:r>
+                      <a:rPr lang="en-US" altLang="ko-KR" b="1" i="1" smtClean="0">
+                        <a:solidFill>
+                          <a:srgbClr val="FF0000"/>
+                        </a:solidFill>
+                        <a:latin typeface="Cambria Math" panose="02040503050406030204" pitchFamily="18" charset="0"/>
+                      </a:rPr>
+                      <m:t>−</m:t>
+                    </m:r>
+                    <m:r>
+                      <a:rPr lang="ko-KR" altLang="en-US" b="1" i="1" smtClean="0">
+                        <a:solidFill>
+                          <a:srgbClr val="FF0000"/>
+                        </a:solidFill>
+                        <a:latin typeface="Cambria Math" panose="02040503050406030204" pitchFamily="18" charset="0"/>
+                      </a:rPr>
+                      <m:t>𝜸</m:t>
+                    </m:r>
+                    <m:r>
+                      <a:rPr lang="en-US" altLang="ko-KR" b="1" i="1" smtClean="0">
+                        <a:solidFill>
+                          <a:srgbClr val="FF0000"/>
+                        </a:solidFill>
+                        <a:latin typeface="Cambria Math" panose="02040503050406030204" pitchFamily="18" charset="0"/>
+                      </a:rPr>
+                      <m:t>(</m:t>
+                    </m:r>
+                    <m:r>
+                      <a:rPr lang="en-US" altLang="ko-KR" b="1" i="1" smtClean="0">
+                        <a:solidFill>
+                          <a:srgbClr val="FF0000"/>
+                        </a:solidFill>
+                        <a:latin typeface="Cambria Math" panose="02040503050406030204" pitchFamily="18" charset="0"/>
+                      </a:rPr>
+                      <m:t>𝑺𝑶𝑪</m:t>
+                    </m:r>
+                    <m:r>
+                      <a:rPr lang="en-US" altLang="ko-KR" b="1" i="1" smtClean="0">
+                        <a:solidFill>
+                          <a:srgbClr val="FF0000"/>
+                        </a:solidFill>
+                        <a:latin typeface="Cambria Math" panose="02040503050406030204" pitchFamily="18" charset="0"/>
+                      </a:rPr>
+                      <m:t>)∙</m:t>
+                    </m:r>
+                    <m:d>
+                      <m:dPr>
+                        <m:begChr m:val="|"/>
+                        <m:endChr m:val="|"/>
+                        <m:ctrlPr>
+                          <a:rPr lang="en-US" altLang="ko-KR" b="1" i="1" smtClean="0">
+                            <a:solidFill>
+                              <a:srgbClr val="FF0000"/>
+                            </a:solidFill>
+                            <a:latin typeface="Cambria Math" panose="02040503050406030204" pitchFamily="18" charset="0"/>
+                            <a:ea typeface="Cambria Math" panose="02040503050406030204" pitchFamily="18" charset="0"/>
+                          </a:rPr>
+                        </m:ctrlPr>
+                      </m:dPr>
+                      <m:e>
+                        <m:r>
+                          <a:rPr lang="en-US" altLang="ko-KR" b="1" i="1" smtClean="0">
+                            <a:solidFill>
+                              <a:srgbClr val="FF0000"/>
+                            </a:solidFill>
+                            <a:latin typeface="Cambria Math" panose="02040503050406030204" pitchFamily="18" charset="0"/>
+                            <a:ea typeface="Cambria Math" panose="02040503050406030204" pitchFamily="18" charset="0"/>
+                          </a:rPr>
+                          <m:t>𝑺𝑶𝑪</m:t>
+                        </m:r>
+                        <m:r>
+                          <a:rPr lang="en-US" altLang="ko-KR" b="1" i="1" smtClean="0">
+                            <a:solidFill>
+                              <a:srgbClr val="FF0000"/>
+                            </a:solidFill>
+                            <a:latin typeface="Cambria Math" panose="02040503050406030204" pitchFamily="18" charset="0"/>
+                            <a:ea typeface="Cambria Math" panose="02040503050406030204" pitchFamily="18" charset="0"/>
+                          </a:rPr>
+                          <m:t>−</m:t>
+                        </m:r>
+                        <m:r>
+                          <a:rPr lang="en-US" altLang="ko-KR" b="1" i="1" smtClean="0">
+                            <a:solidFill>
+                              <a:srgbClr val="FF0000"/>
+                            </a:solidFill>
+                            <a:latin typeface="Cambria Math" panose="02040503050406030204" pitchFamily="18" charset="0"/>
+                            <a:ea typeface="Cambria Math" panose="02040503050406030204" pitchFamily="18" charset="0"/>
+                          </a:rPr>
+                          <m:t>𝟎</m:t>
+                        </m:r>
+                        <m:r>
+                          <a:rPr lang="en-US" altLang="ko-KR" b="1" i="1" smtClean="0">
+                            <a:solidFill>
+                              <a:srgbClr val="FF0000"/>
+                            </a:solidFill>
+                            <a:latin typeface="Cambria Math" panose="02040503050406030204" pitchFamily="18" charset="0"/>
+                            <a:ea typeface="Cambria Math" panose="02040503050406030204" pitchFamily="18" charset="0"/>
+                          </a:rPr>
+                          <m:t>.</m:t>
+                        </m:r>
+                        <m:r>
+                          <a:rPr lang="en-US" altLang="ko-KR" b="1" i="1" smtClean="0">
+                            <a:solidFill>
+                              <a:srgbClr val="FF0000"/>
+                            </a:solidFill>
+                            <a:latin typeface="Cambria Math" panose="02040503050406030204" pitchFamily="18" charset="0"/>
+                            <a:ea typeface="Cambria Math" panose="02040503050406030204" pitchFamily="18" charset="0"/>
+                          </a:rPr>
+                          <m:t>𝟔</m:t>
+                        </m:r>
+                      </m:e>
+                    </m:d>
+                  </m:oMath>
+                </a14:m>
+                <a:endParaRPr lang="en-US" altLang="ko-KR" b="1" dirty="0" smtClean="0">
+                  <a:solidFill>
+                    <a:srgbClr val="FF0000"/>
+                  </a:solidFill>
+                </a:endParaRPr>
+              </a:p>
+              <a:p>
+                <a:pPr marL="285750" lvl="1" indent="-285750">
+                  <a:buFontTx/>
+                  <a:buChar char="-"/>
+                </a:pPr>
+                <a:endParaRPr lang="en-US" altLang="ko-KR" b="1" dirty="0" smtClean="0"/>
+              </a:p>
+              <a:p>
+                <a:pPr marL="285750" lvl="1" indent="-285750">
+                  <a:buFontTx/>
+                  <a:buChar char="-"/>
+                </a:pPr>
+                <a:r>
+                  <a:rPr lang="en-US" altLang="ko-KR" b="1" dirty="0" smtClean="0">
+                    <a:solidFill>
+                      <a:srgbClr val="FF0000"/>
+                    </a:solidFill>
+                  </a:rPr>
+                  <a:t>State</a:t>
+                </a:r>
+                <a:r>
+                  <a:rPr lang="ko-KR" altLang="en-US" b="1" dirty="0" smtClean="0">
+                    <a:solidFill>
+                      <a:srgbClr val="FF0000"/>
+                    </a:solidFill>
+                  </a:rPr>
+                  <a:t>의 정의 </a:t>
+                </a:r>
+                <a:endParaRPr lang="en-US" altLang="ko-KR" b="1" dirty="0">
+                  <a:solidFill>
+                    <a:srgbClr val="FF0000"/>
+                  </a:solidFill>
+                </a:endParaRPr>
+              </a:p>
+              <a:p>
+                <a:pPr marL="742950" lvl="2" indent="-285750">
+                  <a:buFontTx/>
+                  <a:buChar char="-"/>
+                </a:pPr>
+                <a:r>
+                  <a:rPr lang="en-US" altLang="ko-KR" dirty="0"/>
+                  <a:t>State: </a:t>
+                </a:r>
+                <a:r>
+                  <a:rPr lang="en-US" altLang="ko-KR" dirty="0" smtClean="0">
+                    <a:solidFill>
+                      <a:srgbClr val="FF0000"/>
+                    </a:solidFill>
+                  </a:rPr>
+                  <a:t>[norm(</a:t>
+                </a:r>
+                <a:r>
+                  <a:rPr lang="en-US" altLang="ko-KR" dirty="0" err="1" smtClean="0">
+                    <a:solidFill>
+                      <a:srgbClr val="FF0000"/>
+                    </a:solidFill>
+                  </a:rPr>
+                  <a:t>power_out</a:t>
+                </a:r>
+                <a:r>
+                  <a:rPr lang="en-US" altLang="ko-KR" dirty="0" smtClean="0">
+                    <a:solidFill>
+                      <a:srgbClr val="FF0000"/>
+                    </a:solidFill>
+                  </a:rPr>
+                  <a:t>), SOC </a:t>
+                </a:r>
+                <a:r>
+                  <a:rPr lang="en-US" altLang="ko-KR" dirty="0">
+                    <a:solidFill>
+                      <a:srgbClr val="FF0000"/>
+                    </a:solidFill>
+                  </a:rPr>
+                  <a:t>- 0.6, </a:t>
+                </a:r>
+                <a:r>
+                  <a:rPr lang="en-US" altLang="ko-KR" dirty="0" err="1" smtClean="0">
+                    <a:solidFill>
+                      <a:srgbClr val="FF0000"/>
+                    </a:solidFill>
+                  </a:rPr>
+                  <a:t>J_min</a:t>
+                </a:r>
+                <a:r>
+                  <a:rPr lang="en-US" altLang="ko-KR" dirty="0" smtClean="0">
+                    <a:solidFill>
+                      <a:srgbClr val="FF0000"/>
+                    </a:solidFill>
+                  </a:rPr>
+                  <a:t>, </a:t>
+                </a:r>
+                <a:r>
+                  <a:rPr lang="en-US" altLang="ko-KR" dirty="0" err="1" smtClean="0">
+                    <a:solidFill>
+                      <a:srgbClr val="FF0000"/>
+                    </a:solidFill>
+                  </a:rPr>
+                  <a:t>J_max</a:t>
+                </a:r>
+                <a:r>
+                  <a:rPr lang="en-US" altLang="ko-KR" dirty="0" smtClean="0">
+                    <a:solidFill>
+                      <a:srgbClr val="FF0000"/>
+                    </a:solidFill>
+                  </a:rPr>
+                  <a:t>]</a:t>
+                </a:r>
+                <a:endParaRPr lang="en-US" altLang="ko-KR" dirty="0">
+                  <a:solidFill>
+                    <a:srgbClr val="FF0000"/>
+                  </a:solidFill>
+                </a:endParaRPr>
+              </a:p>
+              <a:p>
+                <a:pPr marL="742950" lvl="1" indent="-285750">
+                  <a:buFontTx/>
+                  <a:buChar char="-"/>
+                </a:pPr>
+                <a:r>
+                  <a:rPr lang="en-US" altLang="ko-KR" dirty="0"/>
+                  <a:t>Replay memory</a:t>
+                </a:r>
+                <a:r>
+                  <a:rPr lang="ko-KR" altLang="en-US" dirty="0"/>
+                  <a:t>에서 </a:t>
+                </a:r>
+                <a:r>
+                  <a:rPr lang="en-US" altLang="ko-KR" dirty="0" err="1"/>
+                  <a:t>power_out</a:t>
+                </a:r>
+                <a:r>
+                  <a:rPr lang="ko-KR" altLang="en-US" dirty="0"/>
+                  <a:t>에 대해</a:t>
+                </a:r>
+                <a:r>
+                  <a:rPr lang="en-US" altLang="ko-KR" dirty="0"/>
+                  <a:t> </a:t>
+                </a:r>
+                <a:r>
+                  <a:rPr lang="en-US" altLang="ko-KR" dirty="0">
+                    <a:solidFill>
+                      <a:srgbClr val="FF0000"/>
+                    </a:solidFill>
+                  </a:rPr>
+                  <a:t>mean-</a:t>
+                </a:r>
+                <a:r>
+                  <a:rPr lang="en-US" altLang="ko-KR" dirty="0" err="1">
+                    <a:solidFill>
+                      <a:srgbClr val="FF0000"/>
+                    </a:solidFill>
+                  </a:rPr>
+                  <a:t>std</a:t>
+                </a:r>
+                <a:r>
+                  <a:rPr lang="en-US" altLang="ko-KR" dirty="0">
+                    <a:solidFill>
+                      <a:srgbClr val="FF0000"/>
+                    </a:solidFill>
+                  </a:rPr>
+                  <a:t> normalization </a:t>
+                </a:r>
+                <a:r>
+                  <a:rPr lang="ko-KR" altLang="en-US" dirty="0" smtClean="0"/>
+                  <a:t>적용</a:t>
+                </a:r>
+                <a:endParaRPr lang="en-US" altLang="ko-KR" dirty="0" smtClean="0"/>
+              </a:p>
+              <a:p>
+                <a:pPr marL="742950" lvl="1" indent="-285750">
+                  <a:buFontTx/>
+                  <a:buChar char="-"/>
+                </a:pPr>
+                <a:r>
+                  <a:rPr lang="en-US" altLang="ko-KR" dirty="0" smtClean="0"/>
+                  <a:t>Terminal</a:t>
+                </a:r>
+                <a:r>
+                  <a:rPr lang="ko-KR" altLang="en-US" dirty="0" smtClean="0"/>
+                  <a:t>을</a:t>
+                </a:r>
+                <a:r>
+                  <a:rPr lang="en-US" altLang="ko-KR" dirty="0" smtClean="0"/>
+                  <a:t> </a:t>
+                </a:r>
+                <a:r>
+                  <a:rPr lang="ko-KR" altLang="en-US" dirty="0" smtClean="0"/>
+                  <a:t>고려함 </a:t>
+                </a:r>
+                <a:endParaRPr lang="en-US" altLang="ko-KR" dirty="0" smtClean="0"/>
+              </a:p>
+              <a:p>
+                <a:pPr marL="742950" lvl="1" indent="-285750">
+                  <a:buFontTx/>
+                  <a:buChar char="-"/>
+                </a:pPr>
+                <a:r>
+                  <a:rPr lang="en-US" altLang="ko-KR" dirty="0" smtClean="0"/>
+                  <a:t>State Stack</a:t>
+                </a:r>
+                <a:r>
+                  <a:rPr lang="ko-KR" altLang="en-US" dirty="0" smtClean="0"/>
+                  <a:t>을 통해 </a:t>
+                </a:r>
+                <a:r>
+                  <a:rPr lang="en-US" altLang="ko-KR" dirty="0" smtClean="0"/>
+                  <a:t>POMDP </a:t>
+                </a:r>
+                <a:r>
+                  <a:rPr lang="ko-KR" altLang="en-US" dirty="0" smtClean="0"/>
+                  <a:t>문제를 해결</a:t>
+                </a:r>
+                <a:endParaRPr lang="en-US" altLang="ko-KR" dirty="0" smtClean="0"/>
+              </a:p>
+              <a:p>
+                <a:pPr marL="742950" lvl="1" indent="-285750">
+                  <a:buFontTx/>
+                  <a:buChar char="-"/>
+                </a:pPr>
+                <a:r>
+                  <a:rPr lang="ko-KR" altLang="en-US" dirty="0" smtClean="0"/>
+                  <a:t>간소화 된 네트워크   </a:t>
+                </a:r>
+                <a:endParaRPr lang="en-US" altLang="ko-KR" dirty="0"/>
+              </a:p>
+              <a:p>
+                <a:pPr marL="0" lvl="1"/>
+                <a:endParaRPr lang="en-US" altLang="ko-KR" b="1" dirty="0" smtClean="0"/>
+              </a:p>
+              <a:p>
+                <a:pPr marL="285750" lvl="1" indent="-285750">
+                  <a:buFontTx/>
+                  <a:buChar char="-"/>
+                </a:pPr>
+                <a:endParaRPr lang="en-US" altLang="ko-KR" b="1" dirty="0" smtClean="0"/>
+              </a:p>
+              <a:p>
+                <a:pPr marL="285750" lvl="1" indent="-285750">
+                  <a:buFontTx/>
+                  <a:buChar char="-"/>
+                </a:pPr>
+                <a:endParaRPr lang="en-US" altLang="ko-KR" b="1" dirty="0"/>
+              </a:p>
+              <a:p>
+                <a:pPr marL="285750" lvl="1" indent="-285750">
+                  <a:buFontTx/>
+                  <a:buChar char="-"/>
+                </a:pPr>
+                <a:endParaRPr lang="en-US" altLang="ko-KR" b="1" dirty="0" smtClean="0"/>
+              </a:p>
+              <a:p>
+                <a:pPr marL="285750" lvl="1" indent="-285750">
+                  <a:buFontTx/>
+                  <a:buChar char="-"/>
+                </a:pPr>
+                <a:endParaRPr lang="en-US" altLang="ko-KR" b="1" dirty="0"/>
+              </a:p>
+            </p:txBody>
+          </p:sp>
+        </mc:Choice>
+        <mc:Fallback>
+          <p:sp>
+            <p:nvSpPr>
+              <p:cNvPr id="4" name="TextBox 3"/>
+              <p:cNvSpPr txBox="1">
+                <a:spLocks noRot="1" noChangeAspect="1" noMove="1" noResize="1" noEditPoints="1" noAdjustHandles="1" noChangeArrowheads="1" noChangeShapeType="1" noTextEdit="1"/>
+              </p:cNvSpPr>
+              <p:nvPr/>
+            </p:nvSpPr>
+            <p:spPr>
+              <a:xfrm>
+                <a:off x="838200" y="1484771"/>
+                <a:ext cx="11000874" cy="4247317"/>
+              </a:xfrm>
+              <a:prstGeom prst="rect">
+                <a:avLst/>
+              </a:prstGeom>
+              <a:blipFill>
+                <a:blip r:embed="rId2"/>
+                <a:stretch>
+                  <a:fillRect l="-610" t="-1437"/>
+                </a:stretch>
+              </a:blipFill>
+            </p:spPr>
+            <p:txBody>
+              <a:bodyPr/>
+              <a:lstStyle/>
+              <a:p>
+                <a:r>
+                  <a:rPr lang="ko-KR" altLang="en-US">
+                    <a:noFill/>
+                  </a:rPr>
+                  <a:t> </a:t>
+                </a:r>
+              </a:p>
+            </p:txBody>
+          </p:sp>
+        </mc:Fallback>
+      </mc:AlternateContent>
+      <p:sp>
+        <p:nvSpPr>
+          <p:cNvPr id="5" name="TextBox 4"/>
+          <p:cNvSpPr txBox="1"/>
+          <p:nvPr/>
+        </p:nvSpPr>
+        <p:spPr>
+          <a:xfrm>
+            <a:off x="9576262" y="4910921"/>
+            <a:ext cx="2262812" cy="369332"/>
+          </a:xfrm>
+          <a:prstGeom prst="rect">
+            <a:avLst/>
+          </a:prstGeom>
+          <a:noFill/>
+        </p:spPr>
+        <p:txBody>
+          <a:bodyPr wrap="square" rtlCol="0">
+            <a:spAutoFit/>
+          </a:bodyPr>
+          <a:lstStyle/>
+          <a:p>
+            <a:r>
+              <a:rPr lang="en-US" altLang="ko-KR" dirty="0" smtClean="0"/>
+              <a:t>&lt;</a:t>
+            </a:r>
+            <a:r>
+              <a:rPr lang="ko-KR" altLang="en-US" dirty="0" err="1" smtClean="0"/>
+              <a:t>하이퍼파라미터</a:t>
+            </a:r>
+            <a:r>
+              <a:rPr lang="en-US" altLang="ko-KR" dirty="0" smtClean="0"/>
+              <a:t>&gt;</a:t>
+            </a:r>
+            <a:r>
+              <a:rPr lang="ko-KR" altLang="en-US" dirty="0" smtClean="0"/>
+              <a:t> </a:t>
+            </a:r>
+            <a:endParaRPr lang="ko-KR" altLang="en-US" dirty="0"/>
+          </a:p>
+        </p:txBody>
+      </p:sp>
+      <p:pic>
+        <p:nvPicPr>
+          <p:cNvPr id="7" name="그림 6"/>
+          <p:cNvPicPr>
+            <a:picLocks noChangeAspect="1"/>
+          </p:cNvPicPr>
+          <p:nvPr/>
+        </p:nvPicPr>
+        <p:blipFill>
+          <a:blip r:embed="rId3"/>
+          <a:stretch>
+            <a:fillRect/>
+          </a:stretch>
+        </p:blipFill>
+        <p:spPr>
+          <a:xfrm>
+            <a:off x="9096666" y="1690687"/>
+            <a:ext cx="3021397" cy="3101375"/>
+          </a:xfrm>
+          <a:prstGeom prst="rect">
+            <a:avLst/>
+          </a:prstGeom>
+        </p:spPr>
+      </p:pic>
+    </p:spTree>
+    <p:extLst>
+      <p:ext uri="{BB962C8B-B14F-4D97-AF65-F5344CB8AC3E}">
+        <p14:creationId xmlns:p14="http://schemas.microsoft.com/office/powerpoint/2010/main" val="32982794"/>
+      </p:ext>
+    </p:extLst>
+  </p:cSld>
+  <p:clrMapOvr>
+    <a:masterClrMapping/>
+  </p:clrMapOvr>
+</p:sld>
+</file>
+
+<file path=ppt/slides/slide31.xml><?xml version="1.0" encoding="utf-8"?>
+<p:sld xmlns:a="http://schemas.openxmlformats.org/drawingml/2006/main" xmlns:r="http://schemas.openxmlformats.org/officeDocument/2006/relationships" xmlns:p="http://schemas.openxmlformats.org/presentationml/2006/main">
+  <p:cSld>
+    <p:spTree>
+      <p:nvGrpSpPr>
+        <p:cNvPr id="1" name=""/>
+        <p:cNvGrpSpPr/>
+        <p:nvPr/>
+      </p:nvGrpSpPr>
+      <p:grpSpPr>
+        <a:xfrm>
+          <a:off x="0" y="0"/>
+          <a:ext cx="0" cy="0"/>
+          <a:chOff x="0" y="0"/>
+          <a:chExt cx="0" cy="0"/>
+        </a:xfrm>
+      </p:grpSpPr>
+      <p:sp>
+        <p:nvSpPr>
+          <p:cNvPr id="2" name="제목 1"/>
+          <p:cNvSpPr>
+            <a:spLocks noGrp="1"/>
+          </p:cNvSpPr>
+          <p:nvPr>
+            <p:ph type="title"/>
+          </p:nvPr>
+        </p:nvSpPr>
+        <p:spPr/>
+        <p:txBody>
+          <a:bodyPr/>
+          <a:lstStyle/>
+          <a:p>
+            <a:r>
+              <a:rPr lang="en-US" altLang="ko-KR" dirty="0" smtClean="0"/>
+              <a:t>DDPG</a:t>
+            </a:r>
+            <a:r>
+              <a:rPr lang="ko-KR" altLang="en-US" dirty="0" smtClean="0"/>
+              <a:t> </a:t>
+            </a:r>
+            <a:r>
+              <a:rPr lang="en-US" altLang="ko-KR" dirty="0" smtClean="0"/>
+              <a:t>10</a:t>
+            </a:r>
+            <a:r>
+              <a:rPr lang="ko-KR" altLang="en-US" dirty="0" smtClean="0"/>
+              <a:t>  </a:t>
+            </a:r>
+            <a:endParaRPr lang="ko-KR" altLang="en-US" dirty="0"/>
+          </a:p>
+        </p:txBody>
+      </p:sp>
+      <p:sp>
+        <p:nvSpPr>
+          <p:cNvPr id="4" name="TextBox 3"/>
+          <p:cNvSpPr txBox="1"/>
+          <p:nvPr/>
+        </p:nvSpPr>
+        <p:spPr>
+          <a:xfrm>
+            <a:off x="838200" y="1484771"/>
+            <a:ext cx="11000874" cy="2308324"/>
+          </a:xfrm>
+          <a:prstGeom prst="rect">
+            <a:avLst/>
+          </a:prstGeom>
+          <a:noFill/>
+        </p:spPr>
+        <p:txBody>
+          <a:bodyPr wrap="square" rtlCol="0">
+            <a:spAutoFit/>
+          </a:bodyPr>
+          <a:lstStyle/>
+          <a:p>
+            <a:pPr marL="285750" indent="-285750">
+              <a:buFontTx/>
+              <a:buChar char="-"/>
+            </a:pPr>
+            <a:r>
+              <a:rPr lang="ko-KR" altLang="en-US" b="1" dirty="0" smtClean="0">
+                <a:solidFill>
+                  <a:srgbClr val="FF0000"/>
+                </a:solidFill>
+              </a:rPr>
+              <a:t>신경망에서 </a:t>
+            </a:r>
+            <a:r>
+              <a:rPr lang="en-US" altLang="ko-KR" b="1" dirty="0" smtClean="0">
+                <a:solidFill>
+                  <a:srgbClr val="FF0000"/>
+                </a:solidFill>
+              </a:rPr>
+              <a:t>Batch normalization</a:t>
+            </a:r>
+            <a:r>
+              <a:rPr lang="ko-KR" altLang="en-US" b="1" dirty="0" smtClean="0">
+                <a:solidFill>
+                  <a:srgbClr val="FF0000"/>
+                </a:solidFill>
+              </a:rPr>
+              <a:t>을 적용함 </a:t>
+            </a:r>
+            <a:endParaRPr lang="en-US" altLang="ko-KR" b="1" dirty="0" smtClean="0">
+              <a:solidFill>
+                <a:srgbClr val="FF0000"/>
+              </a:solidFill>
+            </a:endParaRPr>
+          </a:p>
+          <a:p>
+            <a:pPr marL="285750" indent="-285750">
+              <a:buFontTx/>
+              <a:buChar char="-"/>
+            </a:pPr>
+            <a:endParaRPr lang="en-US" altLang="ko-KR" b="1" dirty="0"/>
+          </a:p>
+          <a:p>
+            <a:pPr marL="285750" indent="-285750">
+              <a:buFontTx/>
+              <a:buChar char="-"/>
+            </a:pPr>
+            <a:r>
+              <a:rPr lang="en-US" altLang="ko-KR" b="1" dirty="0"/>
+              <a:t>Env1 State:</a:t>
+            </a:r>
+          </a:p>
+          <a:p>
+            <a:pPr marL="742950" lvl="1" indent="-285750">
+              <a:buFontTx/>
+              <a:buChar char="-"/>
+            </a:pPr>
+            <a:r>
+              <a:rPr lang="en-US" altLang="ko-KR" dirty="0"/>
+              <a:t>State:   [</a:t>
+            </a:r>
+            <a:r>
+              <a:rPr lang="en-US" altLang="ko-KR" dirty="0" err="1">
+                <a:solidFill>
+                  <a:srgbClr val="FF0000"/>
+                </a:solidFill>
+              </a:rPr>
+              <a:t>power_out</a:t>
+            </a:r>
+            <a:r>
+              <a:rPr lang="en-US" altLang="ko-KR" dirty="0">
+                <a:solidFill>
+                  <a:srgbClr val="FF0000"/>
+                </a:solidFill>
+              </a:rPr>
+              <a:t>/1000</a:t>
+            </a:r>
+            <a:r>
+              <a:rPr lang="en-US" altLang="ko-KR" dirty="0"/>
+              <a:t>, SOC - 0.6, </a:t>
+            </a:r>
+            <a:r>
+              <a:rPr lang="en-US" altLang="ko-KR" dirty="0" err="1"/>
+              <a:t>j_min</a:t>
+            </a:r>
+            <a:r>
+              <a:rPr lang="en-US" altLang="ko-KR" dirty="0"/>
+              <a:t>, </a:t>
+            </a:r>
+            <a:r>
+              <a:rPr lang="en-US" altLang="ko-KR" dirty="0" err="1"/>
+              <a:t>j_max</a:t>
+            </a:r>
+            <a:r>
+              <a:rPr lang="en-US" altLang="ko-KR" dirty="0" smtClean="0"/>
+              <a:t>]</a:t>
+            </a:r>
+          </a:p>
+          <a:p>
+            <a:pPr marL="742950" lvl="1" indent="-285750">
+              <a:buFontTx/>
+              <a:buChar char="-"/>
+            </a:pPr>
+            <a:r>
+              <a:rPr lang="en-US" altLang="ko-KR" dirty="0" smtClean="0"/>
+              <a:t>Actor-Critic</a:t>
+            </a:r>
+            <a:r>
+              <a:rPr lang="ko-KR" altLang="en-US" dirty="0" smtClean="0"/>
+              <a:t>에 </a:t>
+            </a:r>
+            <a:r>
+              <a:rPr lang="en-US" altLang="ko-KR" dirty="0" smtClean="0">
+                <a:solidFill>
+                  <a:srgbClr val="FF0000"/>
+                </a:solidFill>
+              </a:rPr>
+              <a:t>Batch Normalization</a:t>
+            </a:r>
+            <a:r>
+              <a:rPr lang="ko-KR" altLang="en-US" dirty="0" smtClean="0"/>
+              <a:t>을 적용함</a:t>
+            </a:r>
+            <a:endParaRPr lang="en-US" altLang="ko-KR" dirty="0"/>
+          </a:p>
+          <a:p>
+            <a:endParaRPr lang="en-US" altLang="ko-KR" dirty="0"/>
+          </a:p>
+          <a:p>
+            <a:pPr marL="742950" lvl="1" indent="-285750">
+              <a:buFontTx/>
+              <a:buChar char="-"/>
+            </a:pPr>
+            <a:endParaRPr lang="en-US" altLang="ko-KR" dirty="0" smtClean="0"/>
+          </a:p>
+          <a:p>
+            <a:pPr marL="742950" lvl="1" indent="-285750">
+              <a:buFontTx/>
+              <a:buChar char="-"/>
+            </a:pPr>
+            <a:endParaRPr lang="en-US" altLang="ko-KR" dirty="0"/>
+          </a:p>
+        </p:txBody>
+      </p:sp>
+      <p:pic>
+        <p:nvPicPr>
+          <p:cNvPr id="3" name="그림 2"/>
+          <p:cNvPicPr>
+            <a:picLocks noChangeAspect="1"/>
+          </p:cNvPicPr>
+          <p:nvPr/>
+        </p:nvPicPr>
+        <p:blipFill>
+          <a:blip r:embed="rId2"/>
+          <a:stretch>
+            <a:fillRect/>
+          </a:stretch>
+        </p:blipFill>
+        <p:spPr>
+          <a:xfrm>
+            <a:off x="8661862" y="88986"/>
+            <a:ext cx="3325091" cy="2519190"/>
+          </a:xfrm>
+          <a:prstGeom prst="rect">
+            <a:avLst/>
+          </a:prstGeom>
+        </p:spPr>
+      </p:pic>
+      <p:sp>
+        <p:nvSpPr>
+          <p:cNvPr id="5" name="TextBox 4"/>
+          <p:cNvSpPr txBox="1"/>
+          <p:nvPr/>
+        </p:nvSpPr>
+        <p:spPr>
+          <a:xfrm>
+            <a:off x="9576262" y="2684188"/>
+            <a:ext cx="2262812" cy="369332"/>
+          </a:xfrm>
+          <a:prstGeom prst="rect">
+            <a:avLst/>
+          </a:prstGeom>
+          <a:noFill/>
+        </p:spPr>
+        <p:txBody>
+          <a:bodyPr wrap="square" rtlCol="0">
+            <a:spAutoFit/>
+          </a:bodyPr>
+          <a:lstStyle/>
+          <a:p>
+            <a:r>
+              <a:rPr lang="en-US" altLang="ko-KR" dirty="0" smtClean="0"/>
+              <a:t>&lt;</a:t>
+            </a:r>
+            <a:r>
+              <a:rPr lang="ko-KR" altLang="en-US" dirty="0" err="1" smtClean="0"/>
+              <a:t>하이퍼파라미터</a:t>
+            </a:r>
+            <a:r>
+              <a:rPr lang="en-US" altLang="ko-KR" dirty="0" smtClean="0"/>
+              <a:t>&gt;</a:t>
+            </a:r>
+            <a:r>
+              <a:rPr lang="ko-KR" altLang="en-US" dirty="0" smtClean="0"/>
+              <a:t> </a:t>
+            </a:r>
+            <a:endParaRPr lang="ko-KR" altLang="en-US" dirty="0"/>
+          </a:p>
+        </p:txBody>
+      </p:sp>
+    </p:spTree>
+    <p:extLst>
+      <p:ext uri="{BB962C8B-B14F-4D97-AF65-F5344CB8AC3E}">
+        <p14:creationId xmlns:p14="http://schemas.microsoft.com/office/powerpoint/2010/main" val="787282331"/>
+      </p:ext>
+    </p:extLst>
+  </p:cSld>
+  <p:clrMapOvr>
+    <a:masterClrMapping/>
+  </p:clrMapOvr>
+</p:sld>
+</file>
+
+<file path=ppt/slides/slide32.xml><?xml version="1.0" encoding="utf-8"?>
 <p:sld xmlns:a="http://schemas.openxmlformats.org/drawingml/2006/main" xmlns:r="http://schemas.openxmlformats.org/officeDocument/2006/relationships" xmlns:p="http://schemas.openxmlformats.org/presentationml/2006/main">
   <p:cSld>
     <p:spTree>
@@ -16541,8 +17945,8 @@
         </p:nvSpPr>
         <p:spPr>
           <a:xfrm>
-            <a:off x="1484639" y="4883716"/>
-            <a:ext cx="5657565" cy="369332"/>
+            <a:off x="1458657" y="5522483"/>
+            <a:ext cx="6213990" cy="923330"/>
           </a:xfrm>
           <a:prstGeom prst="rect">
             <a:avLst/>
@@ -16569,7 +17973,61 @@
                   <a:srgbClr val="FF0000"/>
                 </a:solidFill>
               </a:rPr>
-              <a:t>이 필수적인 요소임으로 결론을 내자  </a:t>
+              <a:t>이 필수적인 요소임으로 결론을 내자</a:t>
+            </a:r>
+            <a:endParaRPr lang="en-US" altLang="ko-KR" b="1" dirty="0" smtClean="0">
+              <a:solidFill>
+                <a:srgbClr val="FF0000"/>
+              </a:solidFill>
+            </a:endParaRPr>
+          </a:p>
+          <a:p>
+            <a:endParaRPr lang="en-US" altLang="ko-KR" b="1" dirty="0">
+              <a:solidFill>
+                <a:srgbClr val="FF0000"/>
+              </a:solidFill>
+            </a:endParaRPr>
+          </a:p>
+          <a:p>
+            <a:r>
+              <a:rPr lang="en-US" altLang="ko-KR" b="1" dirty="0" smtClean="0">
+                <a:solidFill>
+                  <a:srgbClr val="FF0000"/>
+                </a:solidFill>
+              </a:rPr>
+              <a:t>DDQN</a:t>
+            </a:r>
+            <a:r>
+              <a:rPr lang="ko-KR" altLang="en-US" b="1" dirty="0" smtClean="0">
+                <a:solidFill>
+                  <a:srgbClr val="FF0000"/>
+                </a:solidFill>
+              </a:rPr>
+              <a:t>은 </a:t>
+            </a:r>
+            <a:r>
+              <a:rPr lang="en-US" altLang="ko-KR" b="1" dirty="0" smtClean="0">
+                <a:solidFill>
+                  <a:srgbClr val="FF0000"/>
+                </a:solidFill>
+              </a:rPr>
+              <a:t>normalization</a:t>
+            </a:r>
+            <a:r>
+              <a:rPr lang="ko-KR" altLang="en-US" b="1" dirty="0" smtClean="0">
+                <a:solidFill>
+                  <a:srgbClr val="FF0000"/>
+                </a:solidFill>
+              </a:rPr>
+              <a:t>이 큰 효과를 보기 힘든 거 같음 </a:t>
+            </a:r>
+            <a:r>
+              <a:rPr lang="ko-KR" altLang="en-US" b="1" dirty="0" smtClean="0">
+                <a:solidFill>
+                  <a:srgbClr val="FF0000"/>
+                </a:solidFill>
+              </a:rPr>
+              <a:t>  </a:t>
             </a:r>
             <a:endParaRPr lang="ko-KR" altLang="en-US" b="1" dirty="0">
               <a:solidFill>
@@ -16579,6 +18037,36 @@
           </a:p>
         </p:txBody>
       </p:sp>
+      <p:pic>
+        <p:nvPicPr>
+          <p:cNvPr id="5" name="그림 4"/>
+          <p:cNvPicPr>
+            <a:picLocks noChangeAspect="1"/>
+          </p:cNvPicPr>
+          <p:nvPr/>
+        </p:nvPicPr>
+        <p:blipFill>
+          <a:blip r:embed="rId2">
+            <a:extLst>
+              <a:ext uri="{28A0092B-C50C-407E-A947-70E740481C1C}">
+                <a14:useLocalDpi xmlns:a14="http://schemas.microsoft.com/office/drawing/2010/main" val="0"/>
+              </a:ext>
+            </a:extLst>
+          </a:blip>
+          <a:stretch>
+            <a:fillRect/>
+          </a:stretch>
+        </p:blipFill>
+        <p:spPr>
+          <a:xfrm>
+            <a:off x="7116222" y="430875"/>
+            <a:ext cx="4906243" cy="3924994"/>
+          </a:xfrm>
+          <a:prstGeom prst="rect">
+            <a:avLst/>
+          </a:prstGeom>
+        </p:spPr>
+      </p:pic>
     </p:spTree>
     <p:extLst>
       <p:ext uri="{BB962C8B-B14F-4D97-AF65-F5344CB8AC3E}">

--- a/실험정리.pptx
+++ b/실험정리.pptx
@@ -7476,28 +7476,7 @@
                             <a:latin typeface="Cambria Math" panose="02040503050406030204" pitchFamily="18" charset="0"/>
                             <a:ea typeface="Cambria Math" panose="02040503050406030204" pitchFamily="18" charset="0"/>
                           </a:rPr>
-                          <m:t>−</m:t>
-                        </m:r>
-                        <m:r>
-                          <a:rPr lang="en-US" altLang="ko-KR" i="1">
-                            <a:latin typeface="Cambria Math" panose="02040503050406030204" pitchFamily="18" charset="0"/>
-                            <a:ea typeface="Cambria Math" panose="02040503050406030204" pitchFamily="18" charset="0"/>
-                          </a:rPr>
-                          <m:t>0</m:t>
-                        </m:r>
-                        <m:r>
-                          <a:rPr lang="en-US" altLang="ko-KR" i="1">
-                            <a:latin typeface="Cambria Math" panose="02040503050406030204" pitchFamily="18" charset="0"/>
-                            <a:ea typeface="Cambria Math" panose="02040503050406030204" pitchFamily="18" charset="0"/>
-                          </a:rPr>
-                          <m:t>.</m:t>
-                        </m:r>
-                        <m:r>
-                          <a:rPr lang="en-US" altLang="ko-KR" i="1">
-                            <a:latin typeface="Cambria Math" panose="02040503050406030204" pitchFamily="18" charset="0"/>
-                            <a:ea typeface="Cambria Math" panose="02040503050406030204" pitchFamily="18" charset="0"/>
-                          </a:rPr>
-                          <m:t>6</m:t>
+                          <m:t>−0.6</m:t>
                         </m:r>
                       </m:e>
                     </m:d>
@@ -13227,8 +13206,8 @@
         </p:nvSpPr>
         <p:spPr>
           <a:xfrm>
-            <a:off x="838200" y="5682410"/>
-            <a:ext cx="6941058" cy="923330"/>
+            <a:off x="838200" y="5241879"/>
+            <a:ext cx="6941058" cy="1200329"/>
           </a:xfrm>
           <a:prstGeom prst="rect">
             <a:avLst/>
@@ -13264,20 +13243,35 @@
           </a:p>
           <a:p>
             <a:r>
+              <a:rPr lang="ko-KR" altLang="en-US" b="1" dirty="0" err="1" smtClean="0">
+                <a:solidFill>
+                  <a:srgbClr val="FF0000"/>
+                </a:solidFill>
+              </a:rPr>
+              <a:t>인공신경망</a:t>
+            </a:r>
+            <a:r>
               <a:rPr lang="ko-KR" altLang="en-US" b="1" dirty="0" smtClean="0">
                 <a:solidFill>
                   <a:srgbClr val="FF0000"/>
                 </a:solidFill>
               </a:rPr>
-              <a:t>인공신경망의 간소화가 영향을 </a:t>
-            </a:r>
-            <a:r>
-              <a:rPr lang="ko-KR" altLang="en-US" b="1" dirty="0" err="1" smtClean="0">
-                <a:solidFill>
-                  <a:srgbClr val="FF0000"/>
-                </a:solidFill>
-              </a:rPr>
-              <a:t>미친건지</a:t>
+              <a:t> 구조가 결과에 많은 영향을 끼치는 것으로 보임 </a:t>
+            </a:r>
+            <a:endParaRPr lang="en-US" altLang="ko-KR" b="1" dirty="0" smtClean="0">
+              <a:solidFill>
+                <a:srgbClr val="FF0000"/>
+              </a:solidFill>
+            </a:endParaRPr>
+          </a:p>
+          <a:p>
+            <a:r>
+              <a:rPr lang="en-US" altLang="ko-KR" b="1" dirty="0" smtClean="0">
+                <a:solidFill>
+                  <a:srgbClr val="FF0000"/>
+                </a:solidFill>
+              </a:rPr>
+              <a:t>(</a:t>
             </a:r>
             <a:r>
               <a:rPr lang="ko-KR" altLang="en-US" b="1" dirty="0" smtClean="0">
@@ -13285,7 +13279,15 @@
                   <a:srgbClr val="FF0000"/>
                 </a:solidFill>
               </a:rPr>
-              <a:t> 여부를 확인해야함 </a:t>
+              <a:t>확인이 필요한 부분임</a:t>
+            </a:r>
+            <a:r>
+              <a:rPr lang="en-US" altLang="ko-KR" b="1" dirty="0" smtClean="0">
+                <a:solidFill>
+                  <a:srgbClr val="FF0000"/>
+                </a:solidFill>
+              </a:rPr>
+              <a:t>)</a:t>
             </a:r>
             <a:endParaRPr lang="en-US" altLang="ko-KR" b="1" dirty="0">
               <a:solidFill>
@@ -14208,8 +14210,8 @@
         </p:nvSpPr>
         <p:spPr>
           <a:xfrm>
-            <a:off x="838200" y="1484771"/>
-            <a:ext cx="11000874" cy="3693319"/>
+            <a:off x="838200" y="1493084"/>
+            <a:ext cx="11000874" cy="5909310"/>
           </a:xfrm>
           <a:prstGeom prst="rect">
             <a:avLst/>
@@ -14285,7 +14287,7 @@
                   <a:srgbClr val="FF0000"/>
                 </a:solidFill>
               </a:rPr>
-              <a:t>State</a:t>
+              <a:t>DDPG 1: </a:t>
             </a:r>
             <a:r>
               <a:rPr lang="ko-KR" altLang="en-US" b="1" dirty="0" smtClean="0">
@@ -14293,7 +14295,7 @@
                   <a:srgbClr val="FF0000"/>
                 </a:solidFill>
               </a:rPr>
-              <a:t>의 정의 </a:t>
+              <a:t> </a:t>
             </a:r>
             <a:endParaRPr lang="en-US" altLang="ko-KR" b="1" dirty="0">
               <a:solidFill>
@@ -14374,6 +14376,28 @@
               </a:rPr>
               <a:t>]</a:t>
             </a:r>
+          </a:p>
+          <a:p>
+            <a:pPr marL="742950" lvl="2" indent="-285750">
+              <a:buFontTx/>
+              <a:buChar char="-"/>
+            </a:pPr>
+            <a:r>
+              <a:rPr lang="en-US" altLang="ko-KR" dirty="0" err="1" smtClean="0">
+                <a:solidFill>
+                  <a:srgbClr val="FF0000"/>
+                </a:solidFill>
+              </a:rPr>
+              <a:t>Stack_size</a:t>
+            </a:r>
+            <a:r>
+              <a:rPr lang="en-US" altLang="ko-KR" dirty="0" smtClean="0">
+                <a:solidFill>
+                  <a:srgbClr val="FF0000"/>
+                </a:solidFill>
+              </a:rPr>
+              <a:t>: 1 </a:t>
+            </a:r>
             <a:endParaRPr lang="en-US" altLang="ko-KR" dirty="0">
               <a:solidFill>
                 <a:srgbClr val="FF0000"/>
@@ -14381,120 +14405,422 @@
             </a:endParaRPr>
           </a:p>
           <a:p>
-            <a:pPr marL="742950" lvl="1" indent="-285750">
-              <a:buFontTx/>
-              <a:buChar char="-"/>
-            </a:pPr>
-            <a:r>
-              <a:rPr lang="en-US" altLang="ko-KR" dirty="0"/>
-              <a:t>Replay memory</a:t>
-            </a:r>
-            <a:r>
-              <a:rPr lang="ko-KR" altLang="en-US" dirty="0"/>
-              <a:t>에서 </a:t>
-            </a:r>
-            <a:r>
-              <a:rPr lang="en-US" altLang="ko-KR" dirty="0" err="1"/>
-              <a:t>power_out</a:t>
-            </a:r>
-            <a:r>
-              <a:rPr lang="ko-KR" altLang="en-US" dirty="0"/>
-              <a:t>에 대해</a:t>
-            </a:r>
-            <a:r>
-              <a:rPr lang="en-US" altLang="ko-KR" dirty="0"/>
-              <a:t> </a:t>
-            </a:r>
-            <a:r>
-              <a:rPr lang="en-US" altLang="ko-KR" dirty="0">
-                <a:solidFill>
-                  <a:srgbClr val="FF0000"/>
-                </a:solidFill>
-              </a:rPr>
-              <a:t>mean-</a:t>
-            </a:r>
-            <a:r>
-              <a:rPr lang="en-US" altLang="ko-KR" dirty="0" err="1">
-                <a:solidFill>
-                  <a:srgbClr val="FF0000"/>
-                </a:solidFill>
-              </a:rPr>
-              <a:t>std</a:t>
-            </a:r>
-            <a:r>
-              <a:rPr lang="en-US" altLang="ko-KR" dirty="0">
-                <a:solidFill>
-                  <a:srgbClr val="FF0000"/>
-                </a:solidFill>
-              </a:rPr>
-              <a:t> normalization </a:t>
-            </a:r>
-            <a:r>
-              <a:rPr lang="ko-KR" altLang="en-US" dirty="0" smtClean="0"/>
-              <a:t>적용</a:t>
-            </a:r>
-            <a:endParaRPr lang="en-US" altLang="ko-KR" dirty="0" smtClean="0"/>
-          </a:p>
-          <a:p>
-            <a:pPr marL="742950" lvl="1" indent="-285750">
-              <a:buFontTx/>
-              <a:buChar char="-"/>
-            </a:pPr>
-            <a:r>
-              <a:rPr lang="en-US" altLang="ko-KR" dirty="0" smtClean="0"/>
-              <a:t>Terminal</a:t>
-            </a:r>
-            <a:r>
-              <a:rPr lang="ko-KR" altLang="en-US" dirty="0" smtClean="0"/>
-              <a:t>을</a:t>
-            </a:r>
-            <a:r>
-              <a:rPr lang="en-US" altLang="ko-KR" dirty="0" smtClean="0"/>
-              <a:t> </a:t>
-            </a:r>
-            <a:r>
-              <a:rPr lang="ko-KR" altLang="en-US" dirty="0" smtClean="0"/>
-              <a:t>고려함 </a:t>
-            </a:r>
-            <a:endParaRPr lang="en-US" altLang="ko-KR" dirty="0" smtClean="0"/>
-          </a:p>
-          <a:p>
-            <a:pPr marL="742950" lvl="1" indent="-285750">
-              <a:buFontTx/>
-              <a:buChar char="-"/>
-            </a:pPr>
-            <a:r>
-              <a:rPr lang="en-US" altLang="ko-KR" dirty="0" smtClean="0"/>
-              <a:t>State Stack</a:t>
-            </a:r>
-            <a:r>
-              <a:rPr lang="ko-KR" altLang="en-US" dirty="0" smtClean="0"/>
-              <a:t>을 통해 </a:t>
-            </a:r>
-            <a:r>
-              <a:rPr lang="en-US" altLang="ko-KR" dirty="0" smtClean="0"/>
-              <a:t>POMDP </a:t>
-            </a:r>
-            <a:r>
-              <a:rPr lang="ko-KR" altLang="en-US" dirty="0" smtClean="0"/>
-              <a:t>문제를 해결</a:t>
-            </a:r>
-            <a:endParaRPr lang="en-US" altLang="ko-KR" dirty="0" smtClean="0"/>
-          </a:p>
-          <a:p>
-            <a:pPr marL="742950" lvl="1" indent="-285750">
-              <a:buFontTx/>
-              <a:buChar char="-"/>
-            </a:pPr>
-            <a:r>
-              <a:rPr lang="ko-KR" altLang="en-US" dirty="0" smtClean="0"/>
-              <a:t>간소화 된 네트워크   </a:t>
-            </a:r>
-            <a:endParaRPr lang="en-US" altLang="ko-KR" dirty="0"/>
-          </a:p>
-          <a:p>
             <a:pPr marL="0" lvl="1"/>
             <a:endParaRPr lang="en-US" altLang="ko-KR" b="1" dirty="0" smtClean="0"/>
+          </a:p>
+          <a:p>
+            <a:pPr marL="285750" lvl="1" indent="-285750">
+              <a:buFontTx/>
+              <a:buChar char="-"/>
+            </a:pPr>
+            <a:r>
+              <a:rPr lang="en-US" altLang="ko-KR" b="1" dirty="0">
+                <a:solidFill>
+                  <a:srgbClr val="FF0000"/>
+                </a:solidFill>
+              </a:rPr>
+              <a:t>DDPG </a:t>
+            </a:r>
+            <a:r>
+              <a:rPr lang="en-US" altLang="ko-KR" b="1" dirty="0" smtClean="0">
+                <a:solidFill>
+                  <a:srgbClr val="FF0000"/>
+                </a:solidFill>
+              </a:rPr>
+              <a:t>2: </a:t>
+            </a:r>
+            <a:r>
+              <a:rPr lang="ko-KR" altLang="en-US" b="1" dirty="0" smtClean="0">
+                <a:solidFill>
+                  <a:srgbClr val="FF0000"/>
+                </a:solidFill>
+              </a:rPr>
+              <a:t> </a:t>
+            </a:r>
+            <a:endParaRPr lang="en-US" altLang="ko-KR" b="1" dirty="0">
+              <a:solidFill>
+                <a:srgbClr val="FF0000"/>
+              </a:solidFill>
+            </a:endParaRPr>
+          </a:p>
+          <a:p>
+            <a:pPr marL="742950" lvl="2" indent="-285750">
+              <a:buFontTx/>
+              <a:buChar char="-"/>
+            </a:pPr>
+            <a:r>
+              <a:rPr lang="en-US" altLang="ko-KR" dirty="0"/>
+              <a:t>State: </a:t>
+            </a:r>
+            <a:r>
+              <a:rPr lang="en-US" altLang="ko-KR" dirty="0">
+                <a:solidFill>
+                  <a:srgbClr val="FF0000"/>
+                </a:solidFill>
+              </a:rPr>
+              <a:t>[norm(</a:t>
+            </a:r>
+            <a:r>
+              <a:rPr lang="en-US" altLang="ko-KR" dirty="0" err="1">
+                <a:solidFill>
+                  <a:srgbClr val="FF0000"/>
+                </a:solidFill>
+              </a:rPr>
+              <a:t>power_out</a:t>
+            </a:r>
+            <a:r>
+              <a:rPr lang="en-US" altLang="ko-KR" dirty="0">
+                <a:solidFill>
+                  <a:srgbClr val="FF0000"/>
+                </a:solidFill>
+              </a:rPr>
+              <a:t>), SOC - 0.6, </a:t>
+            </a:r>
+            <a:r>
+              <a:rPr lang="en-US" altLang="ko-KR" dirty="0" err="1">
+                <a:solidFill>
+                  <a:srgbClr val="FF0000"/>
+                </a:solidFill>
+              </a:rPr>
+              <a:t>J_min</a:t>
+            </a:r>
+            <a:r>
+              <a:rPr lang="en-US" altLang="ko-KR" dirty="0">
+                <a:solidFill>
+                  <a:srgbClr val="FF0000"/>
+                </a:solidFill>
+              </a:rPr>
+              <a:t>, </a:t>
+            </a:r>
+            <a:r>
+              <a:rPr lang="en-US" altLang="ko-KR" dirty="0" err="1">
+                <a:solidFill>
+                  <a:srgbClr val="FF0000"/>
+                </a:solidFill>
+              </a:rPr>
+              <a:t>J_max</a:t>
+            </a:r>
+            <a:r>
+              <a:rPr lang="en-US" altLang="ko-KR" dirty="0">
+                <a:solidFill>
+                  <a:srgbClr val="FF0000"/>
+                </a:solidFill>
+              </a:rPr>
+              <a:t>]</a:t>
+            </a:r>
+          </a:p>
+          <a:p>
+            <a:pPr marL="742950" lvl="2" indent="-285750">
+              <a:buFontTx/>
+              <a:buChar char="-"/>
+            </a:pPr>
+            <a:r>
+              <a:rPr lang="en-US" altLang="ko-KR" dirty="0" err="1" smtClean="0">
+                <a:solidFill>
+                  <a:srgbClr val="FF0000"/>
+                </a:solidFill>
+              </a:rPr>
+              <a:t>Stack_size</a:t>
+            </a:r>
+            <a:r>
+              <a:rPr lang="en-US" altLang="ko-KR" dirty="0" smtClean="0">
+                <a:solidFill>
+                  <a:srgbClr val="FF0000"/>
+                </a:solidFill>
+              </a:rPr>
+              <a:t>: 4 </a:t>
+            </a:r>
+            <a:endParaRPr lang="en-US" altLang="ko-KR" dirty="0">
+              <a:solidFill>
+                <a:srgbClr val="FF0000"/>
+              </a:solidFill>
+            </a:endParaRPr>
+          </a:p>
+          <a:p>
+            <a:pPr marL="285750" lvl="1" indent="-285750">
+              <a:buFontTx/>
+              <a:buChar char="-"/>
+            </a:pPr>
+            <a:endParaRPr lang="en-US" altLang="ko-KR" b="1" dirty="0" smtClean="0"/>
+          </a:p>
+          <a:p>
+            <a:pPr marL="285750" lvl="1" indent="-285750">
+              <a:buFontTx/>
+              <a:buChar char="-"/>
+            </a:pPr>
+            <a:r>
+              <a:rPr lang="en-US" altLang="ko-KR" b="1" dirty="0">
+                <a:solidFill>
+                  <a:srgbClr val="FF0000"/>
+                </a:solidFill>
+              </a:rPr>
+              <a:t>DDPG </a:t>
+            </a:r>
+            <a:r>
+              <a:rPr lang="en-US" altLang="ko-KR" b="1" dirty="0" smtClean="0">
+                <a:solidFill>
+                  <a:srgbClr val="FF0000"/>
+                </a:solidFill>
+              </a:rPr>
+              <a:t>3: </a:t>
+            </a:r>
+            <a:r>
+              <a:rPr lang="ko-KR" altLang="en-US" b="1" dirty="0" smtClean="0">
+                <a:solidFill>
+                  <a:srgbClr val="FF0000"/>
+                </a:solidFill>
+              </a:rPr>
+              <a:t> </a:t>
+            </a:r>
+            <a:endParaRPr lang="en-US" altLang="ko-KR" b="1" dirty="0">
+              <a:solidFill>
+                <a:srgbClr val="FF0000"/>
+              </a:solidFill>
+            </a:endParaRPr>
+          </a:p>
+          <a:p>
+            <a:pPr marL="742950" lvl="2" indent="-285750">
+              <a:buFontTx/>
+              <a:buChar char="-"/>
+            </a:pPr>
+            <a:r>
+              <a:rPr lang="en-US" altLang="ko-KR" dirty="0"/>
+              <a:t>State: </a:t>
+            </a:r>
+            <a:r>
+              <a:rPr lang="en-US" altLang="ko-KR" dirty="0">
+                <a:solidFill>
+                  <a:srgbClr val="FF0000"/>
+                </a:solidFill>
+              </a:rPr>
+              <a:t>[norm(</a:t>
+            </a:r>
+            <a:r>
+              <a:rPr lang="en-US" altLang="ko-KR" dirty="0" err="1">
+                <a:solidFill>
+                  <a:srgbClr val="FF0000"/>
+                </a:solidFill>
+              </a:rPr>
+              <a:t>power_out</a:t>
+            </a:r>
+            <a:r>
+              <a:rPr lang="en-US" altLang="ko-KR" dirty="0">
+                <a:solidFill>
+                  <a:srgbClr val="FF0000"/>
+                </a:solidFill>
+              </a:rPr>
+              <a:t>), SOC - 0.6, </a:t>
+            </a:r>
+            <a:r>
+              <a:rPr lang="en-US" altLang="ko-KR" dirty="0" err="1">
+                <a:solidFill>
+                  <a:srgbClr val="FF0000"/>
+                </a:solidFill>
+              </a:rPr>
+              <a:t>J_min</a:t>
+            </a:r>
+            <a:r>
+              <a:rPr lang="en-US" altLang="ko-KR" dirty="0">
+                <a:solidFill>
+                  <a:srgbClr val="FF0000"/>
+                </a:solidFill>
+              </a:rPr>
+              <a:t>, </a:t>
+            </a:r>
+            <a:r>
+              <a:rPr lang="en-US" altLang="ko-KR" dirty="0" err="1">
+                <a:solidFill>
+                  <a:srgbClr val="FF0000"/>
+                </a:solidFill>
+              </a:rPr>
+              <a:t>J_max</a:t>
+            </a:r>
+            <a:r>
+              <a:rPr lang="en-US" altLang="ko-KR" dirty="0">
+                <a:solidFill>
+                  <a:srgbClr val="FF0000"/>
+                </a:solidFill>
+              </a:rPr>
+              <a:t>]</a:t>
+            </a:r>
+          </a:p>
+          <a:p>
+            <a:pPr marL="742950" lvl="2" indent="-285750">
+              <a:buFontTx/>
+              <a:buChar char="-"/>
+            </a:pPr>
+            <a:r>
+              <a:rPr lang="en-US" altLang="ko-KR" dirty="0" err="1">
+                <a:solidFill>
+                  <a:srgbClr val="FF0000"/>
+                </a:solidFill>
+              </a:rPr>
+              <a:t>Stack_size</a:t>
+            </a:r>
+            <a:r>
+              <a:rPr lang="en-US" altLang="ko-KR" dirty="0">
+                <a:solidFill>
+                  <a:srgbClr val="FF0000"/>
+                </a:solidFill>
+              </a:rPr>
+              <a:t>: </a:t>
+            </a:r>
+            <a:r>
+              <a:rPr lang="en-US" altLang="ko-KR" dirty="0" smtClean="0">
+                <a:solidFill>
+                  <a:srgbClr val="FF0000"/>
+                </a:solidFill>
+              </a:rPr>
+              <a:t>8 </a:t>
+            </a:r>
+            <a:endParaRPr lang="en-US" altLang="ko-KR" dirty="0">
+              <a:solidFill>
+                <a:srgbClr val="FF0000"/>
+              </a:solidFill>
+            </a:endParaRPr>
+          </a:p>
+          <a:p>
+            <a:pPr marL="285750" lvl="1" indent="-285750">
+              <a:buFontTx/>
+              <a:buChar char="-"/>
+            </a:pPr>
+            <a:endParaRPr lang="en-US" altLang="ko-KR" b="1" dirty="0" smtClean="0"/>
+          </a:p>
+          <a:p>
+            <a:pPr marL="285750" lvl="1" indent="-285750">
+              <a:buFontTx/>
+              <a:buChar char="-"/>
+            </a:pPr>
+            <a:r>
+              <a:rPr lang="en-US" altLang="ko-KR" b="1" dirty="0">
+                <a:solidFill>
+                  <a:srgbClr val="FF0000"/>
+                </a:solidFill>
+              </a:rPr>
+              <a:t>DDPG </a:t>
+            </a:r>
+            <a:r>
+              <a:rPr lang="en-US" altLang="ko-KR" b="1" dirty="0" smtClean="0">
+                <a:solidFill>
+                  <a:srgbClr val="FF0000"/>
+                </a:solidFill>
+              </a:rPr>
+              <a:t>4: </a:t>
+            </a:r>
+            <a:r>
+              <a:rPr lang="ko-KR" altLang="en-US" b="1" dirty="0" smtClean="0">
+                <a:solidFill>
+                  <a:srgbClr val="FF0000"/>
+                </a:solidFill>
+              </a:rPr>
+              <a:t> </a:t>
+            </a:r>
+            <a:endParaRPr lang="en-US" altLang="ko-KR" b="1" dirty="0">
+              <a:solidFill>
+                <a:srgbClr val="FF0000"/>
+              </a:solidFill>
+            </a:endParaRPr>
+          </a:p>
+          <a:p>
+            <a:pPr marL="742950" lvl="2" indent="-285750">
+              <a:buFontTx/>
+              <a:buChar char="-"/>
+            </a:pPr>
+            <a:r>
+              <a:rPr lang="en-US" altLang="ko-KR" dirty="0"/>
+              <a:t>State: </a:t>
+            </a:r>
+            <a:r>
+              <a:rPr lang="en-US" altLang="ko-KR" dirty="0">
+                <a:solidFill>
+                  <a:srgbClr val="FF0000"/>
+                </a:solidFill>
+              </a:rPr>
+              <a:t>[norm(</a:t>
+            </a:r>
+            <a:r>
+              <a:rPr lang="en-US" altLang="ko-KR" dirty="0" err="1">
+                <a:solidFill>
+                  <a:srgbClr val="FF0000"/>
+                </a:solidFill>
+              </a:rPr>
+              <a:t>power_out</a:t>
+            </a:r>
+            <a:r>
+              <a:rPr lang="en-US" altLang="ko-KR" dirty="0">
+                <a:solidFill>
+                  <a:srgbClr val="FF0000"/>
+                </a:solidFill>
+              </a:rPr>
+              <a:t>), SOC - 0.6, </a:t>
+            </a:r>
+            <a:r>
+              <a:rPr lang="en-US" altLang="ko-KR" dirty="0" err="1">
+                <a:solidFill>
+                  <a:srgbClr val="FF0000"/>
+                </a:solidFill>
+              </a:rPr>
+              <a:t>J_min</a:t>
+            </a:r>
+            <a:r>
+              <a:rPr lang="en-US" altLang="ko-KR" dirty="0">
+                <a:solidFill>
+                  <a:srgbClr val="FF0000"/>
+                </a:solidFill>
+              </a:rPr>
+              <a:t>, </a:t>
+            </a:r>
+            <a:r>
+              <a:rPr lang="en-US" altLang="ko-KR" dirty="0" err="1">
+                <a:solidFill>
+                  <a:srgbClr val="FF0000"/>
+                </a:solidFill>
+              </a:rPr>
+              <a:t>J_max</a:t>
+            </a:r>
+            <a:r>
+              <a:rPr lang="en-US" altLang="ko-KR" dirty="0">
+                <a:solidFill>
+                  <a:srgbClr val="FF0000"/>
+                </a:solidFill>
+              </a:rPr>
+              <a:t>]</a:t>
+            </a:r>
+          </a:p>
+          <a:p>
+            <a:pPr marL="742950" lvl="2" indent="-285750">
+              <a:buFontTx/>
+              <a:buChar char="-"/>
+            </a:pPr>
+            <a:r>
+              <a:rPr lang="en-US" altLang="ko-KR" dirty="0" err="1">
+                <a:solidFill>
+                  <a:srgbClr val="FF0000"/>
+                </a:solidFill>
+              </a:rPr>
+              <a:t>Stack_size</a:t>
+            </a:r>
+            <a:r>
+              <a:rPr lang="en-US" altLang="ko-KR" dirty="0">
+                <a:solidFill>
+                  <a:srgbClr val="FF0000"/>
+                </a:solidFill>
+              </a:rPr>
+              <a:t>: </a:t>
+            </a:r>
+            <a:r>
+              <a:rPr lang="en-US" altLang="ko-KR" dirty="0" smtClean="0">
+                <a:solidFill>
+                  <a:srgbClr val="FF0000"/>
+                </a:solidFill>
+              </a:rPr>
+              <a:t>16 </a:t>
+            </a:r>
+            <a:endParaRPr lang="en-US" altLang="ko-KR" dirty="0">
+              <a:solidFill>
+                <a:srgbClr val="FF0000"/>
+              </a:solidFill>
+            </a:endParaRPr>
           </a:p>
           <a:p>
             <a:pPr marL="285750" lvl="1" indent="-285750">

--- a/실험정리.pptx
+++ b/실험정리.pptx
@@ -34,9 +34,13 @@
     <p:sldId id="294" r:id="rId28"/>
     <p:sldId id="302" r:id="rId29"/>
     <p:sldId id="307" r:id="rId30"/>
-    <p:sldId id="308" r:id="rId31"/>
-    <p:sldId id="291" r:id="rId32"/>
-    <p:sldId id="288" r:id="rId33"/>
+    <p:sldId id="310" r:id="rId31"/>
+    <p:sldId id="309" r:id="rId32"/>
+    <p:sldId id="308" r:id="rId33"/>
+    <p:sldId id="312" r:id="rId34"/>
+    <p:sldId id="311" r:id="rId35"/>
+    <p:sldId id="291" r:id="rId36"/>
+    <p:sldId id="288" r:id="rId37"/>
   </p:sldIdLst>
   <p:sldSz cx="12192000" cy="6858000"/>
   <p:notesSz cx="6858000" cy="9144000"/>
@@ -14183,22 +14187,42 @@
           <a:lstStyle/>
           <a:p>
             <a:r>
-              <a:rPr lang="en-US" altLang="ko-KR" dirty="0" smtClean="0"/>
+              <a:rPr lang="en-US" altLang="ko-KR" dirty="0" smtClean="0">
+                <a:solidFill>
+                  <a:srgbClr val="FF0000"/>
+                </a:solidFill>
+              </a:rPr>
               <a:t>DDPG</a:t>
             </a:r>
             <a:r>
-              <a:rPr lang="ko-KR" altLang="en-US" dirty="0" smtClean="0"/>
+              <a:rPr lang="ko-KR" altLang="en-US" dirty="0" smtClean="0">
+                <a:solidFill>
+                  <a:srgbClr val="FF0000"/>
+                </a:solidFill>
+              </a:rPr>
               <a:t> </a:t>
             </a:r>
             <a:r>
-              <a:rPr lang="en-US" altLang="ko-KR" dirty="0" smtClean="0"/>
+              <a:rPr lang="en-US" altLang="ko-KR" dirty="0" smtClean="0">
+                <a:solidFill>
+                  <a:srgbClr val="FF0000"/>
+                </a:solidFill>
+              </a:rPr>
               <a:t>9</a:t>
             </a:r>
             <a:r>
-              <a:rPr lang="ko-KR" altLang="en-US" dirty="0" smtClean="0"/>
+              <a:rPr lang="ko-KR" altLang="en-US" dirty="0" smtClean="0">
+                <a:solidFill>
+                  <a:srgbClr val="FF0000"/>
+                </a:solidFill>
+              </a:rPr>
               <a:t>  </a:t>
             </a:r>
-            <a:endParaRPr lang="ko-KR" altLang="en-US" dirty="0"/>
+            <a:endParaRPr lang="ko-KR" altLang="en-US" dirty="0">
+              <a:solidFill>
+                <a:srgbClr val="FF0000"/>
+              </a:solidFill>
+            </a:endParaRPr>
           </a:p>
         </p:txBody>
       </p:sp>
@@ -14228,22 +14252,6 @@
               <a:buFontTx/>
               <a:buChar char="-"/>
             </a:pPr>
-            <a:r>
-              <a:rPr lang="en-US" altLang="ko-KR" b="1" dirty="0" smtClean="0">
-                <a:solidFill>
-                  <a:srgbClr val="FF0000"/>
-                </a:solidFill>
-              </a:rPr>
-              <a:t>Terminal state</a:t>
-            </a:r>
-            <a:r>
-              <a:rPr lang="ko-KR" altLang="en-US" b="1" dirty="0" smtClean="0">
-                <a:solidFill>
-                  <a:srgbClr val="FF0000"/>
-                </a:solidFill>
-              </a:rPr>
-              <a:t>와 </a:t>
-            </a:r>
             <a:r>
               <a:rPr lang="en-US" altLang="ko-KR" b="1" dirty="0" smtClean="0">
                 <a:solidFill>
@@ -14918,6 +14926,44 @@
           </a:prstGeom>
         </p:spPr>
       </p:pic>
+      <p:sp>
+        <p:nvSpPr>
+          <p:cNvPr id="8" name="TextBox 7"/>
+          <p:cNvSpPr txBox="1"/>
+          <p:nvPr/>
+        </p:nvSpPr>
+        <p:spPr>
+          <a:xfrm>
+            <a:off x="4678714" y="6223546"/>
+            <a:ext cx="5478018" cy="369332"/>
+          </a:xfrm>
+          <a:prstGeom prst="rect">
+            <a:avLst/>
+          </a:prstGeom>
+          <a:noFill/>
+        </p:spPr>
+        <p:txBody>
+          <a:bodyPr wrap="square" rtlCol="0">
+            <a:spAutoFit/>
+          </a:bodyPr>
+          <a:lstStyle/>
+          <a:p>
+            <a:r>
+              <a:rPr lang="ko-KR" altLang="en-US" b="1" dirty="0" smtClean="0">
+                <a:solidFill>
+                  <a:srgbClr val="FF0000"/>
+                </a:solidFill>
+              </a:rPr>
+              <a:t>오히려 스택 모델은 성능 악화를 일으킴 </a:t>
+            </a:r>
+            <a:endParaRPr lang="en-US" altLang="ko-KR" b="1" dirty="0">
+              <a:solidFill>
+                <a:srgbClr val="FF0000"/>
+              </a:solidFill>
+            </a:endParaRPr>
+          </a:p>
+        </p:txBody>
+      </p:sp>
     </p:spTree>
     <p:extLst>
       <p:ext uri="{BB962C8B-B14F-4D97-AF65-F5344CB8AC3E}">
@@ -15997,22 +16043,1513 @@
           <a:lstStyle/>
           <a:p>
             <a:r>
-              <a:rPr lang="en-US" altLang="ko-KR" dirty="0" smtClean="0"/>
+              <a:rPr lang="en-US" altLang="ko-KR" dirty="0" smtClean="0">
+                <a:solidFill>
+                  <a:srgbClr val="FF0000"/>
+                </a:solidFill>
+              </a:rPr>
               <a:t>DDPG</a:t>
+            </a:r>
+            <a:r>
+              <a:rPr lang="ko-KR" altLang="en-US" dirty="0" smtClean="0">
+                <a:solidFill>
+                  <a:srgbClr val="FF0000"/>
+                </a:solidFill>
+              </a:rPr>
+              <a:t> </a:t>
+            </a:r>
+            <a:r>
+              <a:rPr lang="en-US" altLang="ko-KR" dirty="0" smtClean="0">
+                <a:solidFill>
+                  <a:srgbClr val="FF0000"/>
+                </a:solidFill>
+              </a:rPr>
+              <a:t>9_ver2</a:t>
+            </a:r>
+            <a:r>
+              <a:rPr lang="ko-KR" altLang="en-US" dirty="0" smtClean="0">
+                <a:solidFill>
+                  <a:srgbClr val="FF0000"/>
+                </a:solidFill>
+              </a:rPr>
+              <a:t>  </a:t>
+            </a:r>
+            <a:endParaRPr lang="ko-KR" altLang="en-US" dirty="0">
+              <a:solidFill>
+                <a:srgbClr val="FF0000"/>
+              </a:solidFill>
+            </a:endParaRPr>
+          </a:p>
+        </p:txBody>
+      </p:sp>
+      <p:sp>
+        <p:nvSpPr>
+          <p:cNvPr id="4" name="TextBox 3"/>
+          <p:cNvSpPr txBox="1"/>
+          <p:nvPr/>
+        </p:nvSpPr>
+        <p:spPr>
+          <a:xfrm>
+            <a:off x="838200" y="1493084"/>
+            <a:ext cx="11000874" cy="5909310"/>
+          </a:xfrm>
+          <a:prstGeom prst="rect">
+            <a:avLst/>
+          </a:prstGeom>
+          <a:noFill/>
+        </p:spPr>
+        <p:txBody>
+          <a:bodyPr wrap="square" rtlCol="0">
+            <a:spAutoFit/>
+          </a:bodyPr>
+          <a:lstStyle/>
+          <a:p>
+            <a:pPr marL="285750" lvl="1" indent="-285750">
+              <a:buFontTx/>
+              <a:buChar char="-"/>
+            </a:pPr>
+            <a:r>
+              <a:rPr lang="en-US" altLang="ko-KR" b="1" dirty="0" smtClean="0">
+                <a:solidFill>
+                  <a:srgbClr val="FF0000"/>
+                </a:solidFill>
+              </a:rPr>
+              <a:t>Discount factor</a:t>
+            </a:r>
+            <a:r>
+              <a:rPr lang="ko-KR" altLang="en-US" b="1" dirty="0" smtClean="0">
+                <a:solidFill>
+                  <a:srgbClr val="FF0000"/>
+                </a:solidFill>
+              </a:rPr>
+              <a:t>에</a:t>
+            </a:r>
+            <a:r>
+              <a:rPr lang="en-US" altLang="ko-KR" b="1" dirty="0" smtClean="0">
+                <a:solidFill>
+                  <a:srgbClr val="FF0000"/>
+                </a:solidFill>
+              </a:rPr>
+              <a:t> </a:t>
+            </a:r>
+            <a:r>
+              <a:rPr lang="ko-KR" altLang="en-US" b="1" dirty="0" smtClean="0">
+                <a:solidFill>
+                  <a:srgbClr val="FF0000"/>
+                </a:solidFill>
+              </a:rPr>
+              <a:t>따른 </a:t>
+            </a:r>
+            <a:r>
+              <a:rPr lang="ko-KR" altLang="en-US" b="1" dirty="0" err="1" smtClean="0">
+                <a:solidFill>
+                  <a:srgbClr val="FF0000"/>
+                </a:solidFill>
+              </a:rPr>
+              <a:t>영향도를</a:t>
+            </a:r>
+            <a:r>
+              <a:rPr lang="ko-KR" altLang="en-US" b="1" dirty="0" smtClean="0">
+                <a:solidFill>
+                  <a:srgbClr val="FF0000"/>
+                </a:solidFill>
+              </a:rPr>
+              <a:t> 비교하는 실험</a:t>
+            </a:r>
+            <a:endParaRPr lang="en-US" altLang="ko-KR" b="1" dirty="0" smtClean="0">
+              <a:solidFill>
+                <a:srgbClr val="FF0000"/>
+              </a:solidFill>
+            </a:endParaRPr>
+          </a:p>
+          <a:p>
+            <a:pPr marL="285750" lvl="1" indent="-285750">
+              <a:buFontTx/>
+              <a:buChar char="-"/>
+            </a:pPr>
+            <a:endParaRPr lang="en-US" altLang="ko-KR" b="1" dirty="0" smtClean="0"/>
+          </a:p>
+          <a:p>
+            <a:pPr marL="285750" lvl="1" indent="-285750">
+              <a:buFontTx/>
+              <a:buChar char="-"/>
+            </a:pPr>
+            <a:r>
+              <a:rPr lang="en-US" altLang="ko-KR" b="1" dirty="0" smtClean="0">
+                <a:solidFill>
+                  <a:srgbClr val="FF0000"/>
+                </a:solidFill>
+              </a:rPr>
+              <a:t>DDPG 1: </a:t>
+            </a:r>
+            <a:r>
+              <a:rPr lang="ko-KR" altLang="en-US" b="1" dirty="0" smtClean="0">
+                <a:solidFill>
+                  <a:srgbClr val="FF0000"/>
+                </a:solidFill>
+              </a:rPr>
+              <a:t> </a:t>
+            </a:r>
+            <a:endParaRPr lang="en-US" altLang="ko-KR" b="1" dirty="0">
+              <a:solidFill>
+                <a:srgbClr val="FF0000"/>
+              </a:solidFill>
+            </a:endParaRPr>
+          </a:p>
+          <a:p>
+            <a:pPr marL="742950" lvl="2" indent="-285750">
+              <a:buFontTx/>
+              <a:buChar char="-"/>
+            </a:pPr>
+            <a:r>
+              <a:rPr lang="en-US" altLang="ko-KR" dirty="0"/>
+              <a:t>State: </a:t>
+            </a:r>
+            <a:r>
+              <a:rPr lang="en-US" altLang="ko-KR" dirty="0" smtClean="0">
+                <a:solidFill>
+                  <a:srgbClr val="FF0000"/>
+                </a:solidFill>
+              </a:rPr>
+              <a:t>[norm(</a:t>
+            </a:r>
+            <a:r>
+              <a:rPr lang="en-US" altLang="ko-KR" dirty="0" err="1" smtClean="0">
+                <a:solidFill>
+                  <a:srgbClr val="FF0000"/>
+                </a:solidFill>
+              </a:rPr>
+              <a:t>power_out</a:t>
+            </a:r>
+            <a:r>
+              <a:rPr lang="en-US" altLang="ko-KR" dirty="0" smtClean="0">
+                <a:solidFill>
+                  <a:srgbClr val="FF0000"/>
+                </a:solidFill>
+              </a:rPr>
+              <a:t>), SOC </a:t>
+            </a:r>
+            <a:r>
+              <a:rPr lang="en-US" altLang="ko-KR" dirty="0">
+                <a:solidFill>
+                  <a:srgbClr val="FF0000"/>
+                </a:solidFill>
+              </a:rPr>
+              <a:t>- 0.6, </a:t>
+            </a:r>
+            <a:r>
+              <a:rPr lang="en-US" altLang="ko-KR" dirty="0" err="1" smtClean="0">
+                <a:solidFill>
+                  <a:srgbClr val="FF0000"/>
+                </a:solidFill>
+              </a:rPr>
+              <a:t>J_min</a:t>
+            </a:r>
+            <a:r>
+              <a:rPr lang="en-US" altLang="ko-KR" dirty="0" smtClean="0">
+                <a:solidFill>
+                  <a:srgbClr val="FF0000"/>
+                </a:solidFill>
+              </a:rPr>
+              <a:t>, </a:t>
+            </a:r>
+            <a:r>
+              <a:rPr lang="en-US" altLang="ko-KR" dirty="0" err="1" smtClean="0">
+                <a:solidFill>
+                  <a:srgbClr val="FF0000"/>
+                </a:solidFill>
+              </a:rPr>
+              <a:t>J_max</a:t>
+            </a:r>
+            <a:r>
+              <a:rPr lang="en-US" altLang="ko-KR" dirty="0" smtClean="0">
+                <a:solidFill>
+                  <a:srgbClr val="FF0000"/>
+                </a:solidFill>
+              </a:rPr>
+              <a:t>]</a:t>
+            </a:r>
+          </a:p>
+          <a:p>
+            <a:pPr marL="742950" lvl="2" indent="-285750">
+              <a:buFontTx/>
+              <a:buChar char="-"/>
+            </a:pPr>
+            <a:r>
+              <a:rPr lang="en-US" altLang="ko-KR" dirty="0" smtClean="0">
+                <a:solidFill>
+                  <a:srgbClr val="FF0000"/>
+                </a:solidFill>
+              </a:rPr>
+              <a:t>Discount factor: 0.0 </a:t>
+            </a:r>
+            <a:endParaRPr lang="en-US" altLang="ko-KR" dirty="0">
+              <a:solidFill>
+                <a:srgbClr val="FF0000"/>
+              </a:solidFill>
+            </a:endParaRPr>
+          </a:p>
+          <a:p>
+            <a:pPr marL="0" lvl="1"/>
+            <a:endParaRPr lang="en-US" altLang="ko-KR" b="1" dirty="0" smtClean="0"/>
+          </a:p>
+          <a:p>
+            <a:pPr marL="285750" lvl="1" indent="-285750">
+              <a:buFontTx/>
+              <a:buChar char="-"/>
+            </a:pPr>
+            <a:r>
+              <a:rPr lang="en-US" altLang="ko-KR" b="1" dirty="0">
+                <a:solidFill>
+                  <a:srgbClr val="FF0000"/>
+                </a:solidFill>
+              </a:rPr>
+              <a:t>DDPG </a:t>
+            </a:r>
+            <a:r>
+              <a:rPr lang="en-US" altLang="ko-KR" b="1" dirty="0" smtClean="0">
+                <a:solidFill>
+                  <a:srgbClr val="FF0000"/>
+                </a:solidFill>
+              </a:rPr>
+              <a:t>2: </a:t>
+            </a:r>
+            <a:r>
+              <a:rPr lang="ko-KR" altLang="en-US" b="1" dirty="0" smtClean="0">
+                <a:solidFill>
+                  <a:srgbClr val="FF0000"/>
+                </a:solidFill>
+              </a:rPr>
+              <a:t> </a:t>
+            </a:r>
+            <a:endParaRPr lang="en-US" altLang="ko-KR" b="1" dirty="0">
+              <a:solidFill>
+                <a:srgbClr val="FF0000"/>
+              </a:solidFill>
+            </a:endParaRPr>
+          </a:p>
+          <a:p>
+            <a:pPr marL="742950" lvl="2" indent="-285750">
+              <a:buFontTx/>
+              <a:buChar char="-"/>
+            </a:pPr>
+            <a:r>
+              <a:rPr lang="en-US" altLang="ko-KR" dirty="0"/>
+              <a:t>State: </a:t>
+            </a:r>
+            <a:r>
+              <a:rPr lang="en-US" altLang="ko-KR" dirty="0">
+                <a:solidFill>
+                  <a:srgbClr val="FF0000"/>
+                </a:solidFill>
+              </a:rPr>
+              <a:t>[norm(</a:t>
+            </a:r>
+            <a:r>
+              <a:rPr lang="en-US" altLang="ko-KR" dirty="0" err="1">
+                <a:solidFill>
+                  <a:srgbClr val="FF0000"/>
+                </a:solidFill>
+              </a:rPr>
+              <a:t>power_out</a:t>
+            </a:r>
+            <a:r>
+              <a:rPr lang="en-US" altLang="ko-KR" dirty="0">
+                <a:solidFill>
+                  <a:srgbClr val="FF0000"/>
+                </a:solidFill>
+              </a:rPr>
+              <a:t>), SOC - 0.6, </a:t>
+            </a:r>
+            <a:r>
+              <a:rPr lang="en-US" altLang="ko-KR" dirty="0" err="1">
+                <a:solidFill>
+                  <a:srgbClr val="FF0000"/>
+                </a:solidFill>
+              </a:rPr>
+              <a:t>J_min</a:t>
+            </a:r>
+            <a:r>
+              <a:rPr lang="en-US" altLang="ko-KR" dirty="0">
+                <a:solidFill>
+                  <a:srgbClr val="FF0000"/>
+                </a:solidFill>
+              </a:rPr>
+              <a:t>, </a:t>
+            </a:r>
+            <a:r>
+              <a:rPr lang="en-US" altLang="ko-KR" dirty="0" err="1">
+                <a:solidFill>
+                  <a:srgbClr val="FF0000"/>
+                </a:solidFill>
+              </a:rPr>
+              <a:t>J_max</a:t>
+            </a:r>
+            <a:r>
+              <a:rPr lang="en-US" altLang="ko-KR" dirty="0">
+                <a:solidFill>
+                  <a:srgbClr val="FF0000"/>
+                </a:solidFill>
+              </a:rPr>
+              <a:t>]</a:t>
+            </a:r>
+          </a:p>
+          <a:p>
+            <a:pPr marL="742950" lvl="2" indent="-285750">
+              <a:buFontTx/>
+              <a:buChar char="-"/>
+            </a:pPr>
+            <a:r>
+              <a:rPr lang="en-US" altLang="ko-KR" dirty="0">
+                <a:solidFill>
+                  <a:srgbClr val="FF0000"/>
+                </a:solidFill>
+              </a:rPr>
+              <a:t>Discount factor: </a:t>
+            </a:r>
+            <a:r>
+              <a:rPr lang="en-US" altLang="ko-KR" dirty="0" smtClean="0">
+                <a:solidFill>
+                  <a:srgbClr val="FF0000"/>
+                </a:solidFill>
+              </a:rPr>
+              <a:t>0.3</a:t>
+            </a:r>
+            <a:endParaRPr lang="en-US" altLang="ko-KR" dirty="0">
+              <a:solidFill>
+                <a:srgbClr val="FF0000"/>
+              </a:solidFill>
+            </a:endParaRPr>
+          </a:p>
+          <a:p>
+            <a:pPr marL="285750" lvl="1" indent="-285750">
+              <a:buFontTx/>
+              <a:buChar char="-"/>
+            </a:pPr>
+            <a:endParaRPr lang="en-US" altLang="ko-KR" b="1" dirty="0" smtClean="0"/>
+          </a:p>
+          <a:p>
+            <a:pPr marL="285750" lvl="1" indent="-285750">
+              <a:buFontTx/>
+              <a:buChar char="-"/>
+            </a:pPr>
+            <a:r>
+              <a:rPr lang="en-US" altLang="ko-KR" b="1" dirty="0">
+                <a:solidFill>
+                  <a:srgbClr val="FF0000"/>
+                </a:solidFill>
+              </a:rPr>
+              <a:t>DDPG </a:t>
+            </a:r>
+            <a:r>
+              <a:rPr lang="en-US" altLang="ko-KR" b="1" dirty="0" smtClean="0">
+                <a:solidFill>
+                  <a:srgbClr val="FF0000"/>
+                </a:solidFill>
+              </a:rPr>
+              <a:t>3: </a:t>
+            </a:r>
+            <a:r>
+              <a:rPr lang="ko-KR" altLang="en-US" b="1" dirty="0" smtClean="0">
+                <a:solidFill>
+                  <a:srgbClr val="FF0000"/>
+                </a:solidFill>
+              </a:rPr>
+              <a:t> </a:t>
+            </a:r>
+            <a:endParaRPr lang="en-US" altLang="ko-KR" b="1" dirty="0">
+              <a:solidFill>
+                <a:srgbClr val="FF0000"/>
+              </a:solidFill>
+            </a:endParaRPr>
+          </a:p>
+          <a:p>
+            <a:pPr marL="742950" lvl="2" indent="-285750">
+              <a:buFontTx/>
+              <a:buChar char="-"/>
+            </a:pPr>
+            <a:r>
+              <a:rPr lang="en-US" altLang="ko-KR" dirty="0"/>
+              <a:t>State: </a:t>
+            </a:r>
+            <a:r>
+              <a:rPr lang="en-US" altLang="ko-KR" dirty="0">
+                <a:solidFill>
+                  <a:srgbClr val="FF0000"/>
+                </a:solidFill>
+              </a:rPr>
+              <a:t>[norm(</a:t>
+            </a:r>
+            <a:r>
+              <a:rPr lang="en-US" altLang="ko-KR" dirty="0" err="1">
+                <a:solidFill>
+                  <a:srgbClr val="FF0000"/>
+                </a:solidFill>
+              </a:rPr>
+              <a:t>power_out</a:t>
+            </a:r>
+            <a:r>
+              <a:rPr lang="en-US" altLang="ko-KR" dirty="0">
+                <a:solidFill>
+                  <a:srgbClr val="FF0000"/>
+                </a:solidFill>
+              </a:rPr>
+              <a:t>), SOC - 0.6, </a:t>
+            </a:r>
+            <a:r>
+              <a:rPr lang="en-US" altLang="ko-KR" dirty="0" err="1">
+                <a:solidFill>
+                  <a:srgbClr val="FF0000"/>
+                </a:solidFill>
+              </a:rPr>
+              <a:t>J_min</a:t>
+            </a:r>
+            <a:r>
+              <a:rPr lang="en-US" altLang="ko-KR" dirty="0">
+                <a:solidFill>
+                  <a:srgbClr val="FF0000"/>
+                </a:solidFill>
+              </a:rPr>
+              <a:t>, </a:t>
+            </a:r>
+            <a:r>
+              <a:rPr lang="en-US" altLang="ko-KR" dirty="0" err="1">
+                <a:solidFill>
+                  <a:srgbClr val="FF0000"/>
+                </a:solidFill>
+              </a:rPr>
+              <a:t>J_max</a:t>
+            </a:r>
+            <a:r>
+              <a:rPr lang="en-US" altLang="ko-KR" dirty="0">
+                <a:solidFill>
+                  <a:srgbClr val="FF0000"/>
+                </a:solidFill>
+              </a:rPr>
+              <a:t>]</a:t>
+            </a:r>
+          </a:p>
+          <a:p>
+            <a:pPr marL="742950" lvl="2" indent="-285750">
+              <a:buFontTx/>
+              <a:buChar char="-"/>
+            </a:pPr>
+            <a:r>
+              <a:rPr lang="en-US" altLang="ko-KR" dirty="0">
+                <a:solidFill>
+                  <a:srgbClr val="FF0000"/>
+                </a:solidFill>
+              </a:rPr>
+              <a:t>Discount factor: </a:t>
+            </a:r>
+            <a:r>
+              <a:rPr lang="en-US" altLang="ko-KR" dirty="0" smtClean="0">
+                <a:solidFill>
+                  <a:srgbClr val="FF0000"/>
+                </a:solidFill>
+              </a:rPr>
+              <a:t>0.6</a:t>
+            </a:r>
+            <a:endParaRPr lang="en-US" altLang="ko-KR" dirty="0">
+              <a:solidFill>
+                <a:srgbClr val="FF0000"/>
+              </a:solidFill>
+            </a:endParaRPr>
+          </a:p>
+          <a:p>
+            <a:pPr marL="285750" lvl="1" indent="-285750">
+              <a:buFontTx/>
+              <a:buChar char="-"/>
+            </a:pPr>
+            <a:endParaRPr lang="en-US" altLang="ko-KR" b="1" dirty="0" smtClean="0"/>
+          </a:p>
+          <a:p>
+            <a:pPr marL="285750" lvl="1" indent="-285750">
+              <a:buFontTx/>
+              <a:buChar char="-"/>
+            </a:pPr>
+            <a:r>
+              <a:rPr lang="en-US" altLang="ko-KR" b="1" dirty="0">
+                <a:solidFill>
+                  <a:srgbClr val="FF0000"/>
+                </a:solidFill>
+              </a:rPr>
+              <a:t>DDPG </a:t>
+            </a:r>
+            <a:r>
+              <a:rPr lang="en-US" altLang="ko-KR" b="1" dirty="0" smtClean="0">
+                <a:solidFill>
+                  <a:srgbClr val="FF0000"/>
+                </a:solidFill>
+              </a:rPr>
+              <a:t>4: </a:t>
+            </a:r>
+            <a:r>
+              <a:rPr lang="ko-KR" altLang="en-US" b="1" dirty="0" smtClean="0">
+                <a:solidFill>
+                  <a:srgbClr val="FF0000"/>
+                </a:solidFill>
+              </a:rPr>
+              <a:t> </a:t>
+            </a:r>
+            <a:endParaRPr lang="en-US" altLang="ko-KR" b="1" dirty="0">
+              <a:solidFill>
+                <a:srgbClr val="FF0000"/>
+              </a:solidFill>
+            </a:endParaRPr>
+          </a:p>
+          <a:p>
+            <a:pPr marL="742950" lvl="2" indent="-285750">
+              <a:buFontTx/>
+              <a:buChar char="-"/>
+            </a:pPr>
+            <a:r>
+              <a:rPr lang="en-US" altLang="ko-KR" dirty="0"/>
+              <a:t>State: </a:t>
+            </a:r>
+            <a:r>
+              <a:rPr lang="en-US" altLang="ko-KR" dirty="0">
+                <a:solidFill>
+                  <a:srgbClr val="FF0000"/>
+                </a:solidFill>
+              </a:rPr>
+              <a:t>[norm(</a:t>
+            </a:r>
+            <a:r>
+              <a:rPr lang="en-US" altLang="ko-KR" dirty="0" err="1">
+                <a:solidFill>
+                  <a:srgbClr val="FF0000"/>
+                </a:solidFill>
+              </a:rPr>
+              <a:t>power_out</a:t>
+            </a:r>
+            <a:r>
+              <a:rPr lang="en-US" altLang="ko-KR" dirty="0">
+                <a:solidFill>
+                  <a:srgbClr val="FF0000"/>
+                </a:solidFill>
+              </a:rPr>
+              <a:t>), SOC - 0.6, </a:t>
+            </a:r>
+            <a:r>
+              <a:rPr lang="en-US" altLang="ko-KR" dirty="0" err="1">
+                <a:solidFill>
+                  <a:srgbClr val="FF0000"/>
+                </a:solidFill>
+              </a:rPr>
+              <a:t>J_min</a:t>
+            </a:r>
+            <a:r>
+              <a:rPr lang="en-US" altLang="ko-KR" dirty="0">
+                <a:solidFill>
+                  <a:srgbClr val="FF0000"/>
+                </a:solidFill>
+              </a:rPr>
+              <a:t>, </a:t>
+            </a:r>
+            <a:r>
+              <a:rPr lang="en-US" altLang="ko-KR" dirty="0" err="1">
+                <a:solidFill>
+                  <a:srgbClr val="FF0000"/>
+                </a:solidFill>
+              </a:rPr>
+              <a:t>J_max</a:t>
+            </a:r>
+            <a:r>
+              <a:rPr lang="en-US" altLang="ko-KR" dirty="0">
+                <a:solidFill>
+                  <a:srgbClr val="FF0000"/>
+                </a:solidFill>
+              </a:rPr>
+              <a:t>]</a:t>
+            </a:r>
+          </a:p>
+          <a:p>
+            <a:pPr marL="742950" lvl="2" indent="-285750">
+              <a:buFontTx/>
+              <a:buChar char="-"/>
+            </a:pPr>
+            <a:r>
+              <a:rPr lang="en-US" altLang="ko-KR" dirty="0">
+                <a:solidFill>
+                  <a:srgbClr val="FF0000"/>
+                </a:solidFill>
+              </a:rPr>
+              <a:t>Discount factor: </a:t>
+            </a:r>
+            <a:r>
+              <a:rPr lang="en-US" altLang="ko-KR" dirty="0" smtClean="0">
+                <a:solidFill>
+                  <a:srgbClr val="FF0000"/>
+                </a:solidFill>
+              </a:rPr>
+              <a:t>0.95</a:t>
+            </a:r>
+            <a:endParaRPr lang="en-US" altLang="ko-KR" dirty="0">
+              <a:solidFill>
+                <a:srgbClr val="FF0000"/>
+              </a:solidFill>
+            </a:endParaRPr>
+          </a:p>
+          <a:p>
+            <a:pPr marL="285750" lvl="1" indent="-285750">
+              <a:buFontTx/>
+              <a:buChar char="-"/>
+            </a:pPr>
+            <a:endParaRPr lang="en-US" altLang="ko-KR" b="1" dirty="0" smtClean="0"/>
+          </a:p>
+          <a:p>
+            <a:pPr marL="285750" lvl="1" indent="-285750">
+              <a:buFontTx/>
+              <a:buChar char="-"/>
+            </a:pPr>
+            <a:endParaRPr lang="en-US" altLang="ko-KR" b="1" dirty="0"/>
+          </a:p>
+          <a:p>
+            <a:pPr marL="285750" lvl="1" indent="-285750">
+              <a:buFontTx/>
+              <a:buChar char="-"/>
+            </a:pPr>
+            <a:endParaRPr lang="en-US" altLang="ko-KR" b="1" dirty="0" smtClean="0"/>
+          </a:p>
+          <a:p>
+            <a:pPr marL="285750" lvl="1" indent="-285750">
+              <a:buFontTx/>
+              <a:buChar char="-"/>
+            </a:pPr>
+            <a:endParaRPr lang="en-US" altLang="ko-KR" b="1" dirty="0"/>
+          </a:p>
+        </p:txBody>
+      </p:sp>
+      <p:sp>
+        <p:nvSpPr>
+          <p:cNvPr id="5" name="TextBox 4"/>
+          <p:cNvSpPr txBox="1"/>
+          <p:nvPr/>
+        </p:nvSpPr>
+        <p:spPr>
+          <a:xfrm>
+            <a:off x="8444855" y="4409793"/>
+            <a:ext cx="2262812" cy="369332"/>
+          </a:xfrm>
+          <a:prstGeom prst="rect">
+            <a:avLst/>
+          </a:prstGeom>
+          <a:noFill/>
+        </p:spPr>
+        <p:txBody>
+          <a:bodyPr wrap="square" rtlCol="0">
+            <a:spAutoFit/>
+          </a:bodyPr>
+          <a:lstStyle/>
+          <a:p>
+            <a:r>
+              <a:rPr lang="en-US" altLang="ko-KR" dirty="0" smtClean="0"/>
+              <a:t>&lt;</a:t>
+            </a:r>
+            <a:r>
+              <a:rPr lang="ko-KR" altLang="en-US" dirty="0" err="1" smtClean="0"/>
+              <a:t>하이퍼파라미터</a:t>
+            </a:r>
+            <a:r>
+              <a:rPr lang="en-US" altLang="ko-KR" dirty="0" smtClean="0"/>
+              <a:t>&gt;</a:t>
             </a:r>
             <a:r>
               <a:rPr lang="ko-KR" altLang="en-US" dirty="0" smtClean="0"/>
               <a:t> </a:t>
             </a:r>
-            <a:r>
-              <a:rPr lang="en-US" altLang="ko-KR" dirty="0" smtClean="0"/>
-              <a:t>10</a:t>
+            <a:endParaRPr lang="ko-KR" altLang="en-US" dirty="0"/>
+          </a:p>
+        </p:txBody>
+      </p:sp>
+      <p:pic>
+        <p:nvPicPr>
+          <p:cNvPr id="7" name="그림 6"/>
+          <p:cNvPicPr>
+            <a:picLocks noChangeAspect="1"/>
+          </p:cNvPicPr>
+          <p:nvPr/>
+        </p:nvPicPr>
+        <p:blipFill>
+          <a:blip r:embed="rId2"/>
+          <a:stretch>
+            <a:fillRect/>
+          </a:stretch>
+        </p:blipFill>
+        <p:spPr>
+          <a:xfrm>
+            <a:off x="8065563" y="1201071"/>
+            <a:ext cx="3021397" cy="3101375"/>
+          </a:xfrm>
+          <a:prstGeom prst="rect">
+            <a:avLst/>
+          </a:prstGeom>
+        </p:spPr>
+      </p:pic>
+      <p:sp>
+        <p:nvSpPr>
+          <p:cNvPr id="8" name="TextBox 7"/>
+          <p:cNvSpPr txBox="1"/>
+          <p:nvPr/>
+        </p:nvSpPr>
+        <p:spPr>
+          <a:xfrm>
+            <a:off x="6096000" y="6156657"/>
+            <a:ext cx="6096000" cy="646331"/>
+          </a:xfrm>
+          <a:prstGeom prst="rect">
+            <a:avLst/>
+          </a:prstGeom>
+          <a:noFill/>
+        </p:spPr>
+        <p:txBody>
+          <a:bodyPr wrap="square" rtlCol="0">
+            <a:spAutoFit/>
+          </a:bodyPr>
+          <a:lstStyle/>
+          <a:p>
+            <a:r>
+              <a:rPr lang="ko-KR" altLang="en-US" b="1" dirty="0" smtClean="0">
+                <a:solidFill>
+                  <a:srgbClr val="FF0000"/>
+                </a:solidFill>
+              </a:rPr>
+              <a:t>작은 </a:t>
+            </a:r>
+            <a:r>
+              <a:rPr lang="en-US" altLang="ko-KR" b="1" dirty="0" smtClean="0">
+                <a:solidFill>
+                  <a:srgbClr val="FF0000"/>
+                </a:solidFill>
+              </a:rPr>
+              <a:t>Discount factor</a:t>
+            </a:r>
+            <a:r>
+              <a:rPr lang="ko-KR" altLang="en-US" b="1" dirty="0" smtClean="0">
+                <a:solidFill>
+                  <a:srgbClr val="FF0000"/>
+                </a:solidFill>
+              </a:rPr>
+              <a:t>는 학습의 불안정성을 키움</a:t>
+            </a:r>
+            <a:endParaRPr lang="en-US" altLang="ko-KR" b="1" dirty="0" smtClean="0">
+              <a:solidFill>
+                <a:srgbClr val="FF0000"/>
+              </a:solidFill>
+            </a:endParaRPr>
+          </a:p>
+          <a:p>
+            <a:r>
+              <a:rPr lang="en-US" altLang="ko-KR" b="1" dirty="0" smtClean="0">
+                <a:solidFill>
+                  <a:srgbClr val="FF0000"/>
+                </a:solidFill>
+              </a:rPr>
+              <a:t>0.95 </a:t>
+            </a:r>
+            <a:r>
+              <a:rPr lang="ko-KR" altLang="en-US" b="1" dirty="0" smtClean="0">
+                <a:solidFill>
+                  <a:srgbClr val="FF0000"/>
+                </a:solidFill>
+              </a:rPr>
+              <a:t>이상의 </a:t>
+            </a:r>
+            <a:r>
+              <a:rPr lang="en-US" altLang="ko-KR" b="1" dirty="0" smtClean="0">
+                <a:solidFill>
+                  <a:srgbClr val="FF0000"/>
+                </a:solidFill>
+              </a:rPr>
+              <a:t>Discount factor</a:t>
+            </a:r>
+            <a:r>
+              <a:rPr lang="ko-KR" altLang="en-US" b="1" dirty="0" smtClean="0">
+                <a:solidFill>
+                  <a:srgbClr val="FF0000"/>
+                </a:solidFill>
+              </a:rPr>
+              <a:t>을 설정하는 것이 </a:t>
+            </a:r>
+            <a:r>
+              <a:rPr lang="ko-KR" altLang="en-US" b="1" dirty="0" err="1" smtClean="0">
+                <a:solidFill>
+                  <a:srgbClr val="FF0000"/>
+                </a:solidFill>
+              </a:rPr>
+              <a:t>중요한듯</a:t>
+            </a:r>
+            <a:r>
+              <a:rPr lang="ko-KR" altLang="en-US" b="1" dirty="0" smtClean="0">
+                <a:solidFill>
+                  <a:srgbClr val="FF0000"/>
+                </a:solidFill>
+              </a:rPr>
+              <a:t>  </a:t>
+            </a:r>
+            <a:endParaRPr lang="en-US" altLang="ko-KR" b="1" dirty="0">
+              <a:solidFill>
+                <a:srgbClr val="FF0000"/>
+              </a:solidFill>
+            </a:endParaRPr>
+          </a:p>
+        </p:txBody>
+      </p:sp>
+    </p:spTree>
+    <p:extLst>
+      <p:ext uri="{BB962C8B-B14F-4D97-AF65-F5344CB8AC3E}">
+        <p14:creationId xmlns:p14="http://schemas.microsoft.com/office/powerpoint/2010/main" val="1537562813"/>
+      </p:ext>
+    </p:extLst>
+  </p:cSld>
+  <p:clrMapOvr>
+    <a:masterClrMapping/>
+  </p:clrMapOvr>
+</p:sld>
+</file>
+
+<file path=ppt/slides/slide31.xml><?xml version="1.0" encoding="utf-8"?>
+<p:sld xmlns:a="http://schemas.openxmlformats.org/drawingml/2006/main" xmlns:r="http://schemas.openxmlformats.org/officeDocument/2006/relationships" xmlns:p="http://schemas.openxmlformats.org/presentationml/2006/main">
+  <p:cSld>
+    <p:spTree>
+      <p:nvGrpSpPr>
+        <p:cNvPr id="1" name=""/>
+        <p:cNvGrpSpPr/>
+        <p:nvPr/>
+      </p:nvGrpSpPr>
+      <p:grpSpPr>
+        <a:xfrm>
+          <a:off x="0" y="0"/>
+          <a:ext cx="0" cy="0"/>
+          <a:chOff x="0" y="0"/>
+          <a:chExt cx="0" cy="0"/>
+        </a:xfrm>
+      </p:grpSpPr>
+      <p:sp>
+        <p:nvSpPr>
+          <p:cNvPr id="2" name="제목 1"/>
+          <p:cNvSpPr>
+            <a:spLocks noGrp="1"/>
+          </p:cNvSpPr>
+          <p:nvPr>
+            <p:ph type="title"/>
+          </p:nvPr>
+        </p:nvSpPr>
+        <p:spPr/>
+        <p:txBody>
+          <a:bodyPr/>
+          <a:lstStyle/>
+          <a:p>
+            <a:r>
+              <a:rPr lang="en-US" altLang="ko-KR" dirty="0" smtClean="0"/>
+              <a:t>DDPG</a:t>
+            </a:r>
+            <a:r>
+              <a:rPr lang="ko-KR" altLang="en-US" dirty="0" smtClean="0"/>
+              <a:t> </a:t>
+            </a:r>
+            <a:r>
+              <a:rPr lang="en-US" altLang="ko-KR" dirty="0" smtClean="0"/>
+              <a:t>9_</a:t>
+            </a:r>
+            <a:r>
+              <a:rPr lang="en-US" altLang="ko-KR" dirty="0" smtClean="0"/>
+              <a:t>ver3</a:t>
             </a:r>
             <a:r>
               <a:rPr lang="ko-KR" altLang="en-US" dirty="0" smtClean="0"/>
               <a:t>  </a:t>
             </a:r>
             <a:endParaRPr lang="ko-KR" altLang="en-US" dirty="0"/>
+          </a:p>
+        </p:txBody>
+      </p:sp>
+      <p:sp>
+        <p:nvSpPr>
+          <p:cNvPr id="4" name="TextBox 3"/>
+          <p:cNvSpPr txBox="1"/>
+          <p:nvPr/>
+        </p:nvSpPr>
+        <p:spPr>
+          <a:xfrm>
+            <a:off x="838200" y="1493084"/>
+            <a:ext cx="11000874" cy="3970318"/>
+          </a:xfrm>
+          <a:prstGeom prst="rect">
+            <a:avLst/>
+          </a:prstGeom>
+          <a:noFill/>
+        </p:spPr>
+        <p:txBody>
+          <a:bodyPr wrap="square" rtlCol="0">
+            <a:spAutoFit/>
+          </a:bodyPr>
+          <a:lstStyle/>
+          <a:p>
+            <a:pPr marL="285750" lvl="1" indent="-285750">
+              <a:buFontTx/>
+              <a:buChar char="-"/>
+            </a:pPr>
+            <a:r>
+              <a:rPr lang="en-US" altLang="ko-KR" b="1" dirty="0" smtClean="0">
+                <a:solidFill>
+                  <a:srgbClr val="FF0000"/>
+                </a:solidFill>
+              </a:rPr>
+              <a:t>Terminal state</a:t>
+            </a:r>
+            <a:r>
+              <a:rPr lang="ko-KR" altLang="en-US" b="1" dirty="0" smtClean="0">
+                <a:solidFill>
+                  <a:srgbClr val="FF0000"/>
+                </a:solidFill>
+              </a:rPr>
+              <a:t>와 </a:t>
+            </a:r>
+            <a:r>
+              <a:rPr lang="en-US" altLang="ko-KR" b="1" dirty="0" smtClean="0">
+                <a:solidFill>
+                  <a:srgbClr val="FF0000"/>
+                </a:solidFill>
+              </a:rPr>
+              <a:t>POMDP</a:t>
+            </a:r>
+            <a:r>
+              <a:rPr lang="ko-KR" altLang="en-US" b="1" dirty="0" smtClean="0">
+                <a:solidFill>
+                  <a:srgbClr val="FF0000"/>
+                </a:solidFill>
+              </a:rPr>
+              <a:t>를 고려한 </a:t>
+            </a:r>
+            <a:r>
+              <a:rPr lang="en-US" altLang="ko-KR" b="1" dirty="0" smtClean="0">
+                <a:solidFill>
+                  <a:srgbClr val="FF0000"/>
+                </a:solidFill>
+              </a:rPr>
+              <a:t>DDPG</a:t>
+            </a:r>
+          </a:p>
+          <a:p>
+            <a:pPr marL="285750" lvl="1" indent="-285750">
+              <a:buFontTx/>
+              <a:buChar char="-"/>
+            </a:pPr>
+            <a:endParaRPr lang="en-US" altLang="ko-KR" b="1" dirty="0" smtClean="0"/>
+          </a:p>
+          <a:p>
+            <a:pPr marL="285750" lvl="1" indent="-285750">
+              <a:buFontTx/>
+              <a:buChar char="-"/>
+            </a:pPr>
+            <a:r>
+              <a:rPr lang="en-US" altLang="ko-KR" b="1" dirty="0" smtClean="0">
+                <a:solidFill>
+                  <a:srgbClr val="FF0000"/>
+                </a:solidFill>
+              </a:rPr>
+              <a:t>DDPG 1: </a:t>
+            </a:r>
+            <a:r>
+              <a:rPr lang="ko-KR" altLang="en-US" b="1" dirty="0" smtClean="0">
+                <a:solidFill>
+                  <a:srgbClr val="FF0000"/>
+                </a:solidFill>
+              </a:rPr>
+              <a:t> </a:t>
+            </a:r>
+            <a:endParaRPr lang="en-US" altLang="ko-KR" b="1" dirty="0">
+              <a:solidFill>
+                <a:srgbClr val="FF0000"/>
+              </a:solidFill>
+            </a:endParaRPr>
+          </a:p>
+          <a:p>
+            <a:pPr marL="742950" lvl="2" indent="-285750">
+              <a:buFontTx/>
+              <a:buChar char="-"/>
+            </a:pPr>
+            <a:r>
+              <a:rPr lang="en-US" altLang="ko-KR" dirty="0"/>
+              <a:t>State: </a:t>
+            </a:r>
+            <a:r>
+              <a:rPr lang="en-US" altLang="ko-KR" dirty="0" smtClean="0">
+                <a:solidFill>
+                  <a:srgbClr val="FF0000"/>
+                </a:solidFill>
+              </a:rPr>
+              <a:t>[norm(</a:t>
+            </a:r>
+            <a:r>
+              <a:rPr lang="en-US" altLang="ko-KR" dirty="0" err="1" smtClean="0">
+                <a:solidFill>
+                  <a:srgbClr val="FF0000"/>
+                </a:solidFill>
+              </a:rPr>
+              <a:t>power_out</a:t>
+            </a:r>
+            <a:r>
+              <a:rPr lang="en-US" altLang="ko-KR" dirty="0" smtClean="0">
+                <a:solidFill>
+                  <a:srgbClr val="FF0000"/>
+                </a:solidFill>
+              </a:rPr>
+              <a:t>), SOC </a:t>
+            </a:r>
+            <a:r>
+              <a:rPr lang="en-US" altLang="ko-KR" dirty="0">
+                <a:solidFill>
+                  <a:srgbClr val="FF0000"/>
+                </a:solidFill>
+              </a:rPr>
+              <a:t>- 0.6, </a:t>
+            </a:r>
+            <a:r>
+              <a:rPr lang="en-US" altLang="ko-KR" dirty="0" err="1" smtClean="0">
+                <a:solidFill>
+                  <a:srgbClr val="FF0000"/>
+                </a:solidFill>
+              </a:rPr>
+              <a:t>J_min</a:t>
+            </a:r>
+            <a:r>
+              <a:rPr lang="en-US" altLang="ko-KR" dirty="0" smtClean="0">
+                <a:solidFill>
+                  <a:srgbClr val="FF0000"/>
+                </a:solidFill>
+              </a:rPr>
+              <a:t>, </a:t>
+            </a:r>
+            <a:r>
+              <a:rPr lang="en-US" altLang="ko-KR" dirty="0" err="1" smtClean="0">
+                <a:solidFill>
+                  <a:srgbClr val="FF0000"/>
+                </a:solidFill>
+              </a:rPr>
+              <a:t>J_max</a:t>
+            </a:r>
+            <a:r>
+              <a:rPr lang="en-US" altLang="ko-KR" dirty="0" smtClean="0">
+                <a:solidFill>
+                  <a:srgbClr val="FF0000"/>
+                </a:solidFill>
+              </a:rPr>
+              <a:t>]</a:t>
+            </a:r>
+          </a:p>
+          <a:p>
+            <a:pPr marL="742950" lvl="2" indent="-285750">
+              <a:buFontTx/>
+              <a:buChar char="-"/>
+            </a:pPr>
+            <a:r>
+              <a:rPr lang="en-US" altLang="ko-KR" dirty="0" err="1" smtClean="0">
+                <a:solidFill>
+                  <a:srgbClr val="FF0000"/>
+                </a:solidFill>
+              </a:rPr>
+              <a:t>Stack_size</a:t>
+            </a:r>
+            <a:r>
+              <a:rPr lang="en-US" altLang="ko-KR" dirty="0" smtClean="0">
+                <a:solidFill>
+                  <a:srgbClr val="FF0000"/>
+                </a:solidFill>
+              </a:rPr>
+              <a:t>: 1 </a:t>
+            </a:r>
+            <a:endParaRPr lang="en-US" altLang="ko-KR" dirty="0">
+              <a:solidFill>
+                <a:srgbClr val="FF0000"/>
+              </a:solidFill>
+            </a:endParaRPr>
+          </a:p>
+          <a:p>
+            <a:pPr marL="0" lvl="1"/>
+            <a:endParaRPr lang="en-US" altLang="ko-KR" b="1" dirty="0" smtClean="0"/>
+          </a:p>
+          <a:p>
+            <a:pPr marL="285750" lvl="1" indent="-285750">
+              <a:buFontTx/>
+              <a:buChar char="-"/>
+            </a:pPr>
+            <a:r>
+              <a:rPr lang="en-US" altLang="ko-KR" b="1" dirty="0">
+                <a:solidFill>
+                  <a:srgbClr val="FF0000"/>
+                </a:solidFill>
+              </a:rPr>
+              <a:t>DDPG </a:t>
+            </a:r>
+            <a:r>
+              <a:rPr lang="en-US" altLang="ko-KR" b="1" dirty="0" smtClean="0">
+                <a:solidFill>
+                  <a:srgbClr val="FF0000"/>
+                </a:solidFill>
+              </a:rPr>
+              <a:t>2: </a:t>
+            </a:r>
+            <a:r>
+              <a:rPr lang="ko-KR" altLang="en-US" b="1" dirty="0" smtClean="0">
+                <a:solidFill>
+                  <a:srgbClr val="FF0000"/>
+                </a:solidFill>
+              </a:rPr>
+              <a:t> </a:t>
+            </a:r>
+            <a:endParaRPr lang="en-US" altLang="ko-KR" b="1" dirty="0">
+              <a:solidFill>
+                <a:srgbClr val="FF0000"/>
+              </a:solidFill>
+            </a:endParaRPr>
+          </a:p>
+          <a:p>
+            <a:pPr marL="742950" lvl="2" indent="-285750">
+              <a:buFontTx/>
+              <a:buChar char="-"/>
+            </a:pPr>
+            <a:r>
+              <a:rPr lang="en-US" altLang="ko-KR" dirty="0"/>
+              <a:t>State: </a:t>
+            </a:r>
+            <a:r>
+              <a:rPr lang="en-US" altLang="ko-KR" dirty="0">
+                <a:solidFill>
+                  <a:srgbClr val="FF0000"/>
+                </a:solidFill>
+              </a:rPr>
+              <a:t>[norm(</a:t>
+            </a:r>
+            <a:r>
+              <a:rPr lang="en-US" altLang="ko-KR" dirty="0" err="1">
+                <a:solidFill>
+                  <a:srgbClr val="FF0000"/>
+                </a:solidFill>
+              </a:rPr>
+              <a:t>power_out</a:t>
+            </a:r>
+            <a:r>
+              <a:rPr lang="en-US" altLang="ko-KR" dirty="0">
+                <a:solidFill>
+                  <a:srgbClr val="FF0000"/>
+                </a:solidFill>
+              </a:rPr>
+              <a:t>), SOC - 0.6, </a:t>
+            </a:r>
+            <a:r>
+              <a:rPr lang="en-US" altLang="ko-KR" dirty="0" err="1">
+                <a:solidFill>
+                  <a:srgbClr val="FF0000"/>
+                </a:solidFill>
+              </a:rPr>
+              <a:t>J_min</a:t>
+            </a:r>
+            <a:r>
+              <a:rPr lang="en-US" altLang="ko-KR" dirty="0">
+                <a:solidFill>
+                  <a:srgbClr val="FF0000"/>
+                </a:solidFill>
+              </a:rPr>
+              <a:t>, </a:t>
+            </a:r>
+            <a:r>
+              <a:rPr lang="en-US" altLang="ko-KR" dirty="0" err="1">
+                <a:solidFill>
+                  <a:srgbClr val="FF0000"/>
+                </a:solidFill>
+              </a:rPr>
+              <a:t>J_max</a:t>
+            </a:r>
+            <a:r>
+              <a:rPr lang="en-US" altLang="ko-KR" dirty="0" smtClean="0">
+                <a:solidFill>
+                  <a:srgbClr val="FF0000"/>
+                </a:solidFill>
+              </a:rPr>
+              <a:t>]</a:t>
+            </a:r>
+          </a:p>
+          <a:p>
+            <a:pPr marL="742950" lvl="2" indent="-285750">
+              <a:buFontTx/>
+              <a:buChar char="-"/>
+            </a:pPr>
+            <a:r>
+              <a:rPr lang="en-US" altLang="ko-KR" dirty="0" smtClean="0">
+                <a:solidFill>
+                  <a:srgbClr val="FF0000"/>
+                </a:solidFill>
+              </a:rPr>
+              <a:t>RNN </a:t>
+            </a:r>
+            <a:r>
+              <a:rPr lang="ko-KR" altLang="en-US" dirty="0" smtClean="0">
+                <a:solidFill>
+                  <a:srgbClr val="FF0000"/>
+                </a:solidFill>
+              </a:rPr>
+              <a:t>네트워크 </a:t>
+            </a:r>
+            <a:endParaRPr lang="en-US" altLang="ko-KR" dirty="0">
+              <a:solidFill>
+                <a:srgbClr val="FF0000"/>
+              </a:solidFill>
+            </a:endParaRPr>
+          </a:p>
+          <a:p>
+            <a:pPr marL="742950" lvl="2" indent="-285750">
+              <a:buFontTx/>
+              <a:buChar char="-"/>
+            </a:pPr>
+            <a:r>
+              <a:rPr lang="en-US" altLang="ko-KR" dirty="0" err="1" smtClean="0">
+                <a:solidFill>
+                  <a:srgbClr val="FF0000"/>
+                </a:solidFill>
+              </a:rPr>
+              <a:t>Stack_size</a:t>
+            </a:r>
+            <a:r>
+              <a:rPr lang="en-US" altLang="ko-KR" dirty="0" smtClean="0">
+                <a:solidFill>
+                  <a:srgbClr val="FF0000"/>
+                </a:solidFill>
+              </a:rPr>
+              <a:t>: 4 </a:t>
+            </a:r>
+            <a:endParaRPr lang="en-US" altLang="ko-KR" dirty="0">
+              <a:solidFill>
+                <a:srgbClr val="FF0000"/>
+              </a:solidFill>
+            </a:endParaRPr>
+          </a:p>
+          <a:p>
+            <a:pPr marL="285750" lvl="1" indent="-285750">
+              <a:buFontTx/>
+              <a:buChar char="-"/>
+            </a:pPr>
+            <a:endParaRPr lang="en-US" altLang="ko-KR" b="1" dirty="0" smtClean="0"/>
+          </a:p>
+          <a:p>
+            <a:pPr marL="285750" lvl="1" indent="-285750">
+              <a:buFontTx/>
+              <a:buChar char="-"/>
+            </a:pPr>
+            <a:endParaRPr lang="en-US" altLang="ko-KR" b="1" dirty="0"/>
+          </a:p>
+          <a:p>
+            <a:pPr marL="285750" lvl="1" indent="-285750">
+              <a:buFontTx/>
+              <a:buChar char="-"/>
+            </a:pPr>
+            <a:endParaRPr lang="en-US" altLang="ko-KR" b="1" dirty="0" smtClean="0"/>
+          </a:p>
+          <a:p>
+            <a:pPr marL="285750" lvl="1" indent="-285750">
+              <a:buFontTx/>
+              <a:buChar char="-"/>
+            </a:pPr>
+            <a:endParaRPr lang="en-US" altLang="ko-KR" b="1" dirty="0"/>
+          </a:p>
+        </p:txBody>
+      </p:sp>
+      <p:sp>
+        <p:nvSpPr>
+          <p:cNvPr id="5" name="TextBox 4"/>
+          <p:cNvSpPr txBox="1"/>
+          <p:nvPr/>
+        </p:nvSpPr>
+        <p:spPr>
+          <a:xfrm>
+            <a:off x="9576262" y="4910921"/>
+            <a:ext cx="2262812" cy="369332"/>
+          </a:xfrm>
+          <a:prstGeom prst="rect">
+            <a:avLst/>
+          </a:prstGeom>
+          <a:noFill/>
+        </p:spPr>
+        <p:txBody>
+          <a:bodyPr wrap="square" rtlCol="0">
+            <a:spAutoFit/>
+          </a:bodyPr>
+          <a:lstStyle/>
+          <a:p>
+            <a:r>
+              <a:rPr lang="en-US" altLang="ko-KR" dirty="0" smtClean="0"/>
+              <a:t>&lt;</a:t>
+            </a:r>
+            <a:r>
+              <a:rPr lang="ko-KR" altLang="en-US" dirty="0" err="1" smtClean="0"/>
+              <a:t>하이퍼파라미터</a:t>
+            </a:r>
+            <a:r>
+              <a:rPr lang="en-US" altLang="ko-KR" dirty="0" smtClean="0"/>
+              <a:t>&gt;</a:t>
+            </a:r>
+            <a:r>
+              <a:rPr lang="ko-KR" altLang="en-US" dirty="0" smtClean="0"/>
+              <a:t> </a:t>
+            </a:r>
+            <a:endParaRPr lang="ko-KR" altLang="en-US" dirty="0"/>
+          </a:p>
+        </p:txBody>
+      </p:sp>
+      <p:pic>
+        <p:nvPicPr>
+          <p:cNvPr id="7" name="그림 6"/>
+          <p:cNvPicPr>
+            <a:picLocks noChangeAspect="1"/>
+          </p:cNvPicPr>
+          <p:nvPr/>
+        </p:nvPicPr>
+        <p:blipFill>
+          <a:blip r:embed="rId2"/>
+          <a:stretch>
+            <a:fillRect/>
+          </a:stretch>
+        </p:blipFill>
+        <p:spPr>
+          <a:xfrm>
+            <a:off x="8345978" y="920129"/>
+            <a:ext cx="3772085" cy="3871934"/>
+          </a:xfrm>
+          <a:prstGeom prst="rect">
+            <a:avLst/>
+          </a:prstGeom>
+        </p:spPr>
+      </p:pic>
+      <p:sp>
+        <p:nvSpPr>
+          <p:cNvPr id="8" name="TextBox 7"/>
+          <p:cNvSpPr txBox="1"/>
+          <p:nvPr/>
+        </p:nvSpPr>
+        <p:spPr>
+          <a:xfrm>
+            <a:off x="3491563" y="5463402"/>
+            <a:ext cx="5478018" cy="369332"/>
+          </a:xfrm>
+          <a:prstGeom prst="rect">
+            <a:avLst/>
+          </a:prstGeom>
+          <a:noFill/>
+        </p:spPr>
+        <p:txBody>
+          <a:bodyPr wrap="square" rtlCol="0">
+            <a:spAutoFit/>
+          </a:bodyPr>
+          <a:lstStyle/>
+          <a:p>
+            <a:r>
+              <a:rPr lang="ko-KR" altLang="en-US" b="1" dirty="0" err="1" smtClean="0">
+                <a:solidFill>
+                  <a:srgbClr val="FF0000"/>
+                </a:solidFill>
+              </a:rPr>
+              <a:t>만들어야함</a:t>
+            </a:r>
+            <a:r>
+              <a:rPr lang="ko-KR" altLang="en-US" b="1" dirty="0" smtClean="0">
+                <a:solidFill>
+                  <a:srgbClr val="FF0000"/>
+                </a:solidFill>
+              </a:rPr>
+              <a:t> </a:t>
+            </a:r>
+            <a:endParaRPr lang="en-US" altLang="ko-KR" b="1" dirty="0">
+              <a:solidFill>
+                <a:srgbClr val="FF0000"/>
+              </a:solidFill>
+            </a:endParaRPr>
+          </a:p>
+        </p:txBody>
+      </p:sp>
+    </p:spTree>
+    <p:extLst>
+      <p:ext uri="{BB962C8B-B14F-4D97-AF65-F5344CB8AC3E}">
+        <p14:creationId xmlns:p14="http://schemas.microsoft.com/office/powerpoint/2010/main" val="1941280514"/>
+      </p:ext>
+    </p:extLst>
+  </p:cSld>
+  <p:clrMapOvr>
+    <a:masterClrMapping/>
+  </p:clrMapOvr>
+</p:sld>
+</file>
+
+<file path=ppt/slides/slide32.xml><?xml version="1.0" encoding="utf-8"?>
+<p:sld xmlns:a="http://schemas.openxmlformats.org/drawingml/2006/main" xmlns:r="http://schemas.openxmlformats.org/officeDocument/2006/relationships" xmlns:p="http://schemas.openxmlformats.org/presentationml/2006/main">
+  <p:cSld>
+    <p:spTree>
+      <p:nvGrpSpPr>
+        <p:cNvPr id="1" name=""/>
+        <p:cNvGrpSpPr/>
+        <p:nvPr/>
+      </p:nvGrpSpPr>
+      <p:grpSpPr>
+        <a:xfrm>
+          <a:off x="0" y="0"/>
+          <a:ext cx="0" cy="0"/>
+          <a:chOff x="0" y="0"/>
+          <a:chExt cx="0" cy="0"/>
+        </a:xfrm>
+      </p:grpSpPr>
+      <p:sp>
+        <p:nvSpPr>
+          <p:cNvPr id="2" name="제목 1"/>
+          <p:cNvSpPr>
+            <a:spLocks noGrp="1"/>
+          </p:cNvSpPr>
+          <p:nvPr>
+            <p:ph type="title"/>
+          </p:nvPr>
+        </p:nvSpPr>
+        <p:spPr/>
+        <p:txBody>
+          <a:bodyPr/>
+          <a:lstStyle/>
+          <a:p>
+            <a:r>
+              <a:rPr lang="en-US" altLang="ko-KR" dirty="0" smtClean="0">
+                <a:solidFill>
+                  <a:srgbClr val="FF0000"/>
+                </a:solidFill>
+              </a:rPr>
+              <a:t>DDPG</a:t>
+            </a:r>
+            <a:r>
+              <a:rPr lang="ko-KR" altLang="en-US" dirty="0" smtClean="0">
+                <a:solidFill>
+                  <a:srgbClr val="FF0000"/>
+                </a:solidFill>
+              </a:rPr>
+              <a:t> </a:t>
+            </a:r>
+            <a:r>
+              <a:rPr lang="en-US" altLang="ko-KR" dirty="0" smtClean="0">
+                <a:solidFill>
+                  <a:srgbClr val="FF0000"/>
+                </a:solidFill>
+              </a:rPr>
+              <a:t>10</a:t>
+            </a:r>
+            <a:r>
+              <a:rPr lang="ko-KR" altLang="en-US" dirty="0" smtClean="0">
+                <a:solidFill>
+                  <a:srgbClr val="FF0000"/>
+                </a:solidFill>
+              </a:rPr>
+              <a:t>  </a:t>
+            </a:r>
+            <a:endParaRPr lang="ko-KR" altLang="en-US" dirty="0">
+              <a:solidFill>
+                <a:srgbClr val="FF0000"/>
+              </a:solidFill>
+            </a:endParaRPr>
           </a:p>
         </p:txBody>
       </p:sp>
@@ -16027,7 +17564,7 @@
             <p:spPr>
               <a:xfrm>
                 <a:off x="838200" y="1484771"/>
-                <a:ext cx="11000874" cy="4247317"/>
+                <a:ext cx="11000874" cy="6766532"/>
               </a:xfrm>
               <a:prstGeom prst="rect">
                 <a:avLst/>
@@ -16068,17 +17605,6 @@
                   </a:rPr>
                   <a:t>적용 </a:t>
                 </a:r>
-                <a:endParaRPr lang="en-US" altLang="ko-KR" b="1" dirty="0" smtClean="0">
-                  <a:solidFill>
-                    <a:srgbClr val="FF0000"/>
-                  </a:solidFill>
-                </a:endParaRPr>
-              </a:p>
-              <a:p>
-                <a:pPr marL="742950" lvl="2" indent="-285750">
-                  <a:buFontTx/>
-                  <a:buChar char="-"/>
-                </a:pPr>
                 <a:endParaRPr lang="en-US" altLang="ko-KR" b="1" dirty="0">
                   <a:solidFill>
                     <a:srgbClr val="FF0000"/>
@@ -16095,7 +17621,7 @@
                     <m:r>
                       <a:rPr lang="en-US" altLang="ko-KR" b="1" i="1" smtClean="0">
                         <a:solidFill>
-                          <a:srgbClr val="FF0000"/>
+                          <a:schemeClr val="tx1"/>
                         </a:solidFill>
                         <a:latin typeface="Cambria Math" panose="02040503050406030204" pitchFamily="18" charset="0"/>
                       </a:rPr>
@@ -16104,7 +17630,7 @@
                     <m:r>
                       <a:rPr lang="en-US" altLang="ko-KR" b="1" i="1" smtClean="0">
                         <a:solidFill>
-                          <a:srgbClr val="FF0000"/>
+                          <a:schemeClr val="tx1"/>
                         </a:solidFill>
                         <a:latin typeface="Cambria Math" panose="02040503050406030204" pitchFamily="18" charset="0"/>
                       </a:rPr>
@@ -16116,7 +17642,7 @@
                         <m:ctrlPr>
                           <a:rPr lang="en-US" altLang="ko-KR" b="1" i="1" smtClean="0">
                             <a:solidFill>
-                              <a:srgbClr val="FF0000"/>
+                              <a:schemeClr val="tx1"/>
                             </a:solidFill>
                             <a:latin typeface="Cambria Math" panose="02040503050406030204" pitchFamily="18" charset="0"/>
                           </a:rPr>
@@ -16128,7 +17654,7 @@
                             <m:ctrlPr>
                               <a:rPr lang="en-US" altLang="ko-KR" b="1" i="1" smtClean="0">
                                 <a:solidFill>
-                                  <a:srgbClr val="FF0000"/>
+                                  <a:schemeClr val="tx1"/>
                                 </a:solidFill>
                                 <a:latin typeface="Cambria Math" panose="02040503050406030204" pitchFamily="18" charset="0"/>
                               </a:rPr>
@@ -16138,7 +17664,7 @@
                             <m:r>
                               <a:rPr lang="en-US" altLang="ko-KR" b="1" i="1" smtClean="0">
                                 <a:solidFill>
-                                  <a:srgbClr val="FF0000"/>
+                                  <a:schemeClr val="tx1"/>
                                 </a:solidFill>
                                 <a:latin typeface="Cambria Math" panose="02040503050406030204" pitchFamily="18" charset="0"/>
                               </a:rPr>
@@ -16149,7 +17675,7 @@
                             <m:r>
                               <a:rPr lang="en-US" altLang="ko-KR" b="1" i="1" smtClean="0">
                                 <a:solidFill>
-                                  <a:srgbClr val="FF0000"/>
+                                  <a:schemeClr val="tx1"/>
                                 </a:solidFill>
                                 <a:latin typeface="Cambria Math" panose="02040503050406030204" pitchFamily="18" charset="0"/>
                               </a:rPr>
@@ -16162,7 +17688,7 @@
                     <m:r>
                       <a:rPr lang="en-US" altLang="ko-KR" b="1" i="1" smtClean="0">
                         <a:solidFill>
-                          <a:srgbClr val="FF0000"/>
+                          <a:schemeClr val="tx1"/>
                         </a:solidFill>
                         <a:latin typeface="Cambria Math" panose="02040503050406030204" pitchFamily="18" charset="0"/>
                       </a:rPr>
@@ -16171,7 +17697,7 @@
                     <m:r>
                       <a:rPr lang="ko-KR" altLang="en-US" b="1" i="1" smtClean="0">
                         <a:solidFill>
-                          <a:srgbClr val="FF0000"/>
+                          <a:schemeClr val="tx1"/>
                         </a:solidFill>
                         <a:latin typeface="Cambria Math" panose="02040503050406030204" pitchFamily="18" charset="0"/>
                       </a:rPr>
@@ -16180,7 +17706,7 @@
                     <m:r>
                       <a:rPr lang="en-US" altLang="ko-KR" b="1" i="1" smtClean="0">
                         <a:solidFill>
-                          <a:srgbClr val="FF0000"/>
+                          <a:schemeClr val="tx1"/>
                         </a:solidFill>
                         <a:latin typeface="Cambria Math" panose="02040503050406030204" pitchFamily="18" charset="0"/>
                       </a:rPr>
@@ -16189,7 +17715,17 @@
                     <m:r>
                       <a:rPr lang="en-US" altLang="ko-KR" b="1" i="1" smtClean="0">
                         <a:solidFill>
-                          <a:srgbClr val="FF0000"/>
+                          <a:schemeClr val="tx1"/>
+                        </a:solidFill>
+                        <a:latin typeface="Cambria Math" panose="02040503050406030204" pitchFamily="18" charset="0"/>
+                        <a:ea typeface="Cambria Math" panose="02040503050406030204" pitchFamily="18" charset="0"/>
+                      </a:rPr>
+                      <m:t>∆</m:t>
+                    </m:r>
+                    <m:r>
+                      <a:rPr lang="en-US" altLang="ko-KR" b="1" i="1" smtClean="0">
+                        <a:solidFill>
+                          <a:schemeClr val="tx1"/>
                         </a:solidFill>
                         <a:latin typeface="Cambria Math" panose="02040503050406030204" pitchFamily="18" charset="0"/>
                       </a:rPr>
@@ -16198,7 +17734,7 @@
                     <m:r>
                       <a:rPr lang="en-US" altLang="ko-KR" b="1" i="1" smtClean="0">
                         <a:solidFill>
-                          <a:srgbClr val="FF0000"/>
+                          <a:schemeClr val="tx1"/>
                         </a:solidFill>
                         <a:latin typeface="Cambria Math" panose="02040503050406030204" pitchFamily="18" charset="0"/>
                       </a:rPr>
@@ -16211,7 +17747,7 @@
                         <m:ctrlPr>
                           <a:rPr lang="en-US" altLang="ko-KR" b="1" i="1" smtClean="0">
                             <a:solidFill>
-                              <a:srgbClr val="FF0000"/>
+                              <a:schemeClr val="tx1"/>
                             </a:solidFill>
                             <a:latin typeface="Cambria Math" panose="02040503050406030204" pitchFamily="18" charset="0"/>
                             <a:ea typeface="Cambria Math" panose="02040503050406030204" pitchFamily="18" charset="0"/>
@@ -16222,7 +17758,7 @@
                         <m:r>
                           <a:rPr lang="en-US" altLang="ko-KR" b="1" i="1" smtClean="0">
                             <a:solidFill>
-                              <a:srgbClr val="FF0000"/>
+                              <a:schemeClr val="tx1"/>
                             </a:solidFill>
                             <a:latin typeface="Cambria Math" panose="02040503050406030204" pitchFamily="18" charset="0"/>
                             <a:ea typeface="Cambria Math" panose="02040503050406030204" pitchFamily="18" charset="0"/>
@@ -16232,7 +17768,7 @@
                         <m:r>
                           <a:rPr lang="en-US" altLang="ko-KR" b="1" i="1" smtClean="0">
                             <a:solidFill>
-                              <a:srgbClr val="FF0000"/>
+                              <a:schemeClr val="tx1"/>
                             </a:solidFill>
                             <a:latin typeface="Cambria Math" panose="02040503050406030204" pitchFamily="18" charset="0"/>
                             <a:ea typeface="Cambria Math" panose="02040503050406030204" pitchFamily="18" charset="0"/>
@@ -16242,7 +17778,7 @@
                         <m:r>
                           <a:rPr lang="en-US" altLang="ko-KR" b="1" i="1" smtClean="0">
                             <a:solidFill>
-                              <a:srgbClr val="FF0000"/>
+                              <a:schemeClr val="tx1"/>
                             </a:solidFill>
                             <a:latin typeface="Cambria Math" panose="02040503050406030204" pitchFamily="18" charset="0"/>
                             <a:ea typeface="Cambria Math" panose="02040503050406030204" pitchFamily="18" charset="0"/>
@@ -16252,7 +17788,7 @@
                         <m:r>
                           <a:rPr lang="en-US" altLang="ko-KR" b="1" i="1" smtClean="0">
                             <a:solidFill>
-                              <a:srgbClr val="FF0000"/>
+                              <a:schemeClr val="tx1"/>
                             </a:solidFill>
                             <a:latin typeface="Cambria Math" panose="02040503050406030204" pitchFamily="18" charset="0"/>
                             <a:ea typeface="Cambria Math" panose="02040503050406030204" pitchFamily="18" charset="0"/>
@@ -16262,7 +17798,7 @@
                         <m:r>
                           <a:rPr lang="en-US" altLang="ko-KR" b="1" i="1" smtClean="0">
                             <a:solidFill>
-                              <a:srgbClr val="FF0000"/>
+                              <a:schemeClr val="tx1"/>
                             </a:solidFill>
                             <a:latin typeface="Cambria Math" panose="02040503050406030204" pitchFamily="18" charset="0"/>
                             <a:ea typeface="Cambria Math" panose="02040503050406030204" pitchFamily="18" charset="0"/>
@@ -16297,7 +17833,7 @@
                       <a:srgbClr val="FF0000"/>
                     </a:solidFill>
                   </a:rPr>
-                  <a:t>State</a:t>
+                  <a:t>DDPG 1 </a:t>
                 </a:r>
                 <a:r>
                   <a:rPr lang="ko-KR" altLang="en-US" b="1" dirty="0" smtClean="0">
@@ -16305,7 +17841,7 @@
                       <a:srgbClr val="FF0000"/>
                     </a:solidFill>
                   </a:rPr>
-                  <a:t>의 정의 </a:t>
+                  <a:t> </a:t>
                 </a:r>
                 <a:endParaRPr lang="en-US" altLang="ko-KR" b="1" dirty="0">
                   <a:solidFill>
@@ -16323,20 +17859,66 @@
                   <a:t>State: </a:t>
                 </a:r>
                 <a:r>
+                  <a:rPr lang="en-US" altLang="ko-KR" dirty="0" smtClean="0"/>
+                  <a:t>[norm(</a:t>
+                </a:r>
+                <a:r>
+                  <a:rPr lang="en-US" altLang="ko-KR" dirty="0" err="1" smtClean="0"/>
+                  <a:t>power_out</a:t>
+                </a:r>
+                <a:r>
+                  <a:rPr lang="en-US" altLang="ko-KR" dirty="0" smtClean="0"/>
+                  <a:t>), SOC </a:t>
+                </a:r>
+                <a:r>
+                  <a:rPr lang="en-US" altLang="ko-KR" dirty="0"/>
+                  <a:t>- 0.6, </a:t>
+                </a:r>
+                <a:r>
+                  <a:rPr lang="en-US" altLang="ko-KR" dirty="0" err="1" smtClean="0"/>
+                  <a:t>J_min</a:t>
+                </a:r>
+                <a:r>
+                  <a:rPr lang="en-US" altLang="ko-KR" dirty="0" smtClean="0"/>
+                  <a:t>, </a:t>
+                </a:r>
+                <a:r>
+                  <a:rPr lang="en-US" altLang="ko-KR" dirty="0" err="1" smtClean="0"/>
+                  <a:t>J_max</a:t>
+                </a:r>
+                <a:r>
+                  <a:rPr lang="en-US" altLang="ko-KR" dirty="0" smtClean="0"/>
+                  <a:t>]</a:t>
+                </a:r>
+              </a:p>
+              <a:p>
+                <a:pPr marL="742950" lvl="2" indent="-285750">
+                  <a:buFontTx/>
+                  <a:buChar char="-"/>
+                </a:pPr>
+                <a:r>
+                  <a:rPr lang="en-US" altLang="ko-KR" dirty="0" err="1" smtClean="0">
+                    <a:solidFill>
+                      <a:srgbClr val="FF0000"/>
+                    </a:solidFill>
+                  </a:rPr>
+                  <a:t>Reward_factor</a:t>
+                </a:r>
+                <a:r>
                   <a:rPr lang="en-US" altLang="ko-KR" dirty="0" smtClean="0">
                     <a:solidFill>
                       <a:srgbClr val="FF0000"/>
                     </a:solidFill>
                   </a:rPr>
-                  <a:t>[norm(</a:t>
-                </a:r>
-                <a:r>
-                  <a:rPr lang="en-US" altLang="ko-KR" dirty="0" err="1" smtClean="0">
+                  <a:t> = 5 (</a:t>
+                </a:r>
+                <a:r>
+                  <a:rPr lang="ko-KR" altLang="en-US" dirty="0" smtClean="0">
                     <a:solidFill>
                       <a:srgbClr val="FF0000"/>
                     </a:solidFill>
                   </a:rPr>
-                  <a:t>power_out</a:t>
+                  <a:t>실패</a:t>
                 </a:r>
                 <a:r>
                   <a:rPr lang="en-US" altLang="ko-KR" dirty="0" smtClean="0">
@@ -16344,7 +17926,102 @@
                       <a:srgbClr val="FF0000"/>
                     </a:solidFill>
                   </a:rPr>
-                  <a:t>), SOC </a:t>
+                  <a:t>)</a:t>
+                </a:r>
+                <a:endParaRPr lang="en-US" altLang="ko-KR" dirty="0" smtClean="0">
+                  <a:solidFill>
+                    <a:srgbClr val="FF0000"/>
+                  </a:solidFill>
+                </a:endParaRPr>
+              </a:p>
+              <a:p>
+                <a:pPr marL="742950" lvl="2" indent="-285750">
+                  <a:buFontTx/>
+                  <a:buChar char="-"/>
+                </a:pPr>
+                <a:endParaRPr lang="en-US" altLang="ko-KR" b="1" dirty="0" smtClean="0"/>
+              </a:p>
+              <a:p>
+                <a:pPr marL="285750" lvl="1" indent="-285750">
+                  <a:buFontTx/>
+                  <a:buChar char="-"/>
+                </a:pPr>
+                <a:r>
+                  <a:rPr lang="en-US" altLang="ko-KR" b="1" dirty="0">
+                    <a:solidFill>
+                      <a:srgbClr val="FF0000"/>
+                    </a:solidFill>
+                  </a:rPr>
+                  <a:t>DDPG </a:t>
+                </a:r>
+                <a:r>
+                  <a:rPr lang="en-US" altLang="ko-KR" b="1" dirty="0" smtClean="0">
+                    <a:solidFill>
+                      <a:srgbClr val="FF0000"/>
+                    </a:solidFill>
+                  </a:rPr>
+                  <a:t>2 </a:t>
+                </a:r>
+                <a:r>
+                  <a:rPr lang="ko-KR" altLang="en-US" b="1" dirty="0" smtClean="0">
+                    <a:solidFill>
+                      <a:srgbClr val="FF0000"/>
+                    </a:solidFill>
+                  </a:rPr>
+                  <a:t> </a:t>
+                </a:r>
+                <a:endParaRPr lang="en-US" altLang="ko-KR" b="1" dirty="0">
+                  <a:solidFill>
+                    <a:srgbClr val="FF0000"/>
+                  </a:solidFill>
+                </a:endParaRPr>
+              </a:p>
+              <a:p>
+                <a:pPr marL="742950" lvl="2" indent="-285750">
+                  <a:buFontTx/>
+                  <a:buChar char="-"/>
+                </a:pPr>
+                <a:r>
+                  <a:rPr lang="en-US" altLang="ko-KR" dirty="0"/>
+                  <a:t>State: [norm(</a:t>
+                </a:r>
+                <a:r>
+                  <a:rPr lang="en-US" altLang="ko-KR" dirty="0" err="1"/>
+                  <a:t>power_out</a:t>
+                </a:r>
+                <a:r>
+                  <a:rPr lang="en-US" altLang="ko-KR" dirty="0"/>
+                  <a:t>), SOC - 0.6, </a:t>
+                </a:r>
+                <a:r>
+                  <a:rPr lang="en-US" altLang="ko-KR" dirty="0" err="1"/>
+                  <a:t>J_min</a:t>
+                </a:r>
+                <a:r>
+                  <a:rPr lang="en-US" altLang="ko-KR" dirty="0"/>
+                  <a:t>, </a:t>
+                </a:r>
+                <a:r>
+                  <a:rPr lang="en-US" altLang="ko-KR" dirty="0" err="1"/>
+                  <a:t>J_max</a:t>
+                </a:r>
+                <a:r>
+                  <a:rPr lang="en-US" altLang="ko-KR" dirty="0"/>
+                  <a:t>]</a:t>
+                </a:r>
+              </a:p>
+              <a:p>
+                <a:pPr marL="742950" lvl="2" indent="-285750">
+                  <a:buFontTx/>
+                  <a:buChar char="-"/>
+                </a:pPr>
+                <a:r>
+                  <a:rPr lang="en-US" altLang="ko-KR" dirty="0" err="1">
+                    <a:solidFill>
+                      <a:srgbClr val="FF0000"/>
+                    </a:solidFill>
+                  </a:rPr>
+                  <a:t>Reward_factor</a:t>
                 </a:r>
                 <a:r>
                   <a:rPr lang="en-US" altLang="ko-KR" dirty="0">
@@ -16352,15 +18029,7 @@
                       <a:srgbClr val="FF0000"/>
                     </a:solidFill>
                   </a:rPr>
-                  <a:t>- 0.6, </a:t>
-                </a:r>
-                <a:r>
-                  <a:rPr lang="en-US" altLang="ko-KR" dirty="0" err="1" smtClean="0">
-                    <a:solidFill>
-                      <a:srgbClr val="FF0000"/>
-                    </a:solidFill>
-                  </a:rPr>
-                  <a:t>J_min</a:t>
+                  <a:t> = 10 </a:t>
                 </a:r>
                 <a:r>
                   <a:rPr lang="en-US" altLang="ko-KR" dirty="0" smtClean="0">
@@ -16368,15 +18037,15 @@
                       <a:srgbClr val="FF0000"/>
                     </a:solidFill>
                   </a:rPr>
-                  <a:t>, </a:t>
-                </a:r>
-                <a:r>
-                  <a:rPr lang="en-US" altLang="ko-KR" dirty="0" err="1" smtClean="0">
+                  <a:t>(</a:t>
+                </a:r>
+                <a:r>
+                  <a:rPr lang="ko-KR" altLang="en-US" dirty="0" smtClean="0">
                     <a:solidFill>
                       <a:srgbClr val="FF0000"/>
                     </a:solidFill>
                   </a:rPr>
-                  <a:t>J_max</a:t>
+                  <a:t>실패</a:t>
                 </a:r>
                 <a:r>
                   <a:rPr lang="en-US" altLang="ko-KR" dirty="0" smtClean="0">
@@ -16384,7 +18053,7 @@
                       <a:srgbClr val="FF0000"/>
                     </a:solidFill>
                   </a:rPr>
-                  <a:t>]</a:t>
+                  <a:t>)</a:t>
                 </a:r>
                 <a:endParaRPr lang="en-US" altLang="ko-KR" dirty="0">
                   <a:solidFill>
@@ -16393,29 +18062,93 @@
                 </a:endParaRPr>
               </a:p>
               <a:p>
-                <a:pPr marL="742950" lvl="1" indent="-285750">
+                <a:pPr marL="742950" lvl="2" indent="-285750">
                   <a:buFontTx/>
                   <a:buChar char="-"/>
                 </a:pPr>
+                <a:endParaRPr lang="en-US" altLang="ko-KR" b="1" dirty="0" smtClean="0"/>
+              </a:p>
+              <a:p>
+                <a:pPr marL="285750" lvl="1" indent="-285750">
+                  <a:buFontTx/>
+                  <a:buChar char="-"/>
+                </a:pPr>
+                <a:r>
+                  <a:rPr lang="en-US" altLang="ko-KR" b="1" dirty="0">
+                    <a:solidFill>
+                      <a:srgbClr val="FF0000"/>
+                    </a:solidFill>
+                  </a:rPr>
+                  <a:t>DDPG </a:t>
+                </a:r>
+                <a:r>
+                  <a:rPr lang="en-US" altLang="ko-KR" b="1" dirty="0" smtClean="0">
+                    <a:solidFill>
+                      <a:srgbClr val="FF0000"/>
+                    </a:solidFill>
+                  </a:rPr>
+                  <a:t>3 </a:t>
+                </a:r>
+                <a:r>
+                  <a:rPr lang="ko-KR" altLang="en-US" b="1" dirty="0" smtClean="0">
+                    <a:solidFill>
+                      <a:srgbClr val="FF0000"/>
+                    </a:solidFill>
+                  </a:rPr>
+                  <a:t> </a:t>
+                </a:r>
+                <a:endParaRPr lang="en-US" altLang="ko-KR" b="1" dirty="0">
+                  <a:solidFill>
+                    <a:srgbClr val="FF0000"/>
+                  </a:solidFill>
+                </a:endParaRPr>
+              </a:p>
+              <a:p>
+                <a:pPr marL="742950" lvl="2" indent="-285750">
+                  <a:buFontTx/>
+                  <a:buChar char="-"/>
+                </a:pPr>
                 <a:r>
                   <a:rPr lang="en-US" altLang="ko-KR" dirty="0"/>
-                  <a:t>Replay memory</a:t>
-                </a:r>
-                <a:r>
-                  <a:rPr lang="ko-KR" altLang="en-US" dirty="0"/>
-                  <a:t>에서 </a:t>
+                  <a:t>State: [norm(</a:t>
                 </a:r>
                 <a:r>
                   <a:rPr lang="en-US" altLang="ko-KR" dirty="0" err="1"/>
                   <a:t>power_out</a:t>
                 </a:r>
                 <a:r>
-                  <a:rPr lang="ko-KR" altLang="en-US" dirty="0"/>
-                  <a:t>에 대해</a:t>
-                </a:r>
-                <a:r>
                   <a:rPr lang="en-US" altLang="ko-KR" dirty="0"/>
-                  <a:t> </a:t>
+                  <a:t>), SOC - 0.6, </a:t>
+                </a:r>
+                <a:r>
+                  <a:rPr lang="en-US" altLang="ko-KR" dirty="0" err="1"/>
+                  <a:t>J_min</a:t>
+                </a:r>
+                <a:r>
+                  <a:rPr lang="en-US" altLang="ko-KR" dirty="0"/>
+                  <a:t>, </a:t>
+                </a:r>
+                <a:r>
+                  <a:rPr lang="en-US" altLang="ko-KR" dirty="0" err="1"/>
+                  <a:t>J_max</a:t>
+                </a:r>
+                <a:r>
+                  <a:rPr lang="en-US" altLang="ko-KR" dirty="0"/>
+                  <a:t>]</a:t>
+                </a:r>
+              </a:p>
+              <a:p>
+                <a:pPr marL="742950" lvl="2" indent="-285750">
+                  <a:buFontTx/>
+                  <a:buChar char="-"/>
+                </a:pPr>
+                <a:r>
+                  <a:rPr lang="en-US" altLang="ko-KR" dirty="0" err="1">
+                    <a:solidFill>
+                      <a:srgbClr val="FF0000"/>
+                    </a:solidFill>
+                  </a:rPr>
+                  <a:t>Reward_factor</a:t>
                 </a:r>
                 <a:r>
                   <a:rPr lang="en-US" altLang="ko-KR" dirty="0">
@@ -16423,15 +18156,110 @@
                       <a:srgbClr val="FF0000"/>
                     </a:solidFill>
                   </a:rPr>
-                  <a:t>mean-</a:t>
-                </a:r>
+                  <a:t> = </a:t>
+                </a:r>
+                <a:r>
+                  <a:rPr lang="en-US" altLang="ko-KR" dirty="0" smtClean="0">
+                    <a:solidFill>
+                      <a:srgbClr val="FF0000"/>
+                    </a:solidFill>
+                  </a:rPr>
+                  <a:t>15 ()</a:t>
+                </a:r>
+                <a:endParaRPr lang="en-US" altLang="ko-KR" dirty="0">
+                  <a:solidFill>
+                    <a:srgbClr val="FF0000"/>
+                  </a:solidFill>
+                </a:endParaRPr>
+              </a:p>
+              <a:p>
+                <a:pPr marL="742950" lvl="2" indent="-285750">
+                  <a:buFontTx/>
+                  <a:buChar char="-"/>
+                </a:pPr>
+                <a:endParaRPr lang="en-US" altLang="ko-KR" b="1" dirty="0" smtClean="0"/>
+              </a:p>
+              <a:p>
+                <a:pPr marL="285750" lvl="1" indent="-285750">
+                  <a:buFontTx/>
+                  <a:buChar char="-"/>
+                </a:pPr>
+                <a:r>
+                  <a:rPr lang="en-US" altLang="ko-KR" b="1" dirty="0">
+                    <a:solidFill>
+                      <a:srgbClr val="FF0000"/>
+                    </a:solidFill>
+                  </a:rPr>
+                  <a:t>DDPG </a:t>
+                </a:r>
+                <a:r>
+                  <a:rPr lang="en-US" altLang="ko-KR" b="1" dirty="0" smtClean="0">
+                    <a:solidFill>
+                      <a:srgbClr val="FF0000"/>
+                    </a:solidFill>
+                  </a:rPr>
+                  <a:t>4 </a:t>
+                </a:r>
+                <a:r>
+                  <a:rPr lang="ko-KR" altLang="en-US" b="1" dirty="0" smtClean="0">
+                    <a:solidFill>
+                      <a:srgbClr val="FF0000"/>
+                    </a:solidFill>
+                  </a:rPr>
+                  <a:t> </a:t>
+                </a:r>
+                <a:endParaRPr lang="en-US" altLang="ko-KR" b="1" dirty="0">
+                  <a:solidFill>
+                    <a:srgbClr val="FF0000"/>
+                  </a:solidFill>
+                </a:endParaRPr>
+              </a:p>
+              <a:p>
+                <a:pPr marL="742950" lvl="2" indent="-285750">
+                  <a:buFontTx/>
+                  <a:buChar char="-"/>
+                </a:pPr>
+                <a:r>
+                  <a:rPr lang="en-US" altLang="ko-KR" dirty="0"/>
+                  <a:t>State: [norm(</a:t>
+                </a:r>
+                <a:r>
+                  <a:rPr lang="en-US" altLang="ko-KR" dirty="0" err="1"/>
+                  <a:t>power_out</a:t>
+                </a:r>
+                <a:r>
+                  <a:rPr lang="en-US" altLang="ko-KR" dirty="0"/>
+                  <a:t>), SOC - 0.6, </a:t>
+                </a:r>
+                <a:r>
+                  <a:rPr lang="en-US" altLang="ko-KR" dirty="0" err="1"/>
+                  <a:t>J_min</a:t>
+                </a:r>
+                <a:r>
+                  <a:rPr lang="en-US" altLang="ko-KR" dirty="0"/>
+                  <a:t>, </a:t>
+                </a:r>
+                <a:r>
+                  <a:rPr lang="en-US" altLang="ko-KR" dirty="0" err="1"/>
+                  <a:t>J_max</a:t>
+                </a:r>
+                <a:r>
+                  <a:rPr lang="en-US" altLang="ko-KR" dirty="0"/>
+                  <a:t>]</a:t>
+                </a:r>
+              </a:p>
+              <a:p>
+                <a:pPr marL="742950" lvl="2" indent="-285750">
+                  <a:buFontTx/>
+                  <a:buChar char="-"/>
+                </a:pPr>
                 <a:r>
                   <a:rPr lang="en-US" altLang="ko-KR" dirty="0" err="1">
                     <a:solidFill>
                       <a:srgbClr val="FF0000"/>
                     </a:solidFill>
                   </a:rPr>
-                  <a:t>std</a:t>
+                  <a:t>Reward_factor</a:t>
                 </a:r>
                 <a:r>
                   <a:rPr lang="en-US" altLang="ko-KR" dirty="0">
@@ -16439,73 +18267,34 @@
                       <a:srgbClr val="FF0000"/>
                     </a:solidFill>
                   </a:rPr>
-                  <a:t> normalization </a:t>
-                </a:r>
-                <a:r>
-                  <a:rPr lang="ko-KR" altLang="en-US" dirty="0" smtClean="0"/>
-                  <a:t>적용</a:t>
-                </a:r>
-                <a:endParaRPr lang="en-US" altLang="ko-KR" dirty="0" smtClean="0"/>
+                  <a:t> = </a:t>
+                </a:r>
+                <a:r>
+                  <a:rPr lang="en-US" altLang="ko-KR" dirty="0" smtClean="0">
+                    <a:solidFill>
+                      <a:srgbClr val="FF0000"/>
+                    </a:solidFill>
+                  </a:rPr>
+                  <a:t>20 ()</a:t>
+                </a:r>
+                <a:endParaRPr lang="en-US" altLang="ko-KR" dirty="0">
+                  <a:solidFill>
+                    <a:srgbClr val="FF0000"/>
+                  </a:solidFill>
+                </a:endParaRPr>
               </a:p>
               <a:p>
-                <a:pPr marL="742950" lvl="1" indent="-285750">
+                <a:pPr marL="742950" lvl="2" indent="-285750">
                   <a:buFontTx/>
                   <a:buChar char="-"/>
                 </a:pPr>
-                <a:r>
-                  <a:rPr lang="en-US" altLang="ko-KR" dirty="0" smtClean="0"/>
-                  <a:t>Terminal</a:t>
-                </a:r>
-                <a:r>
-                  <a:rPr lang="ko-KR" altLang="en-US" dirty="0" smtClean="0"/>
-                  <a:t>을</a:t>
-                </a:r>
-                <a:r>
-                  <a:rPr lang="en-US" altLang="ko-KR" dirty="0" smtClean="0"/>
-                  <a:t> </a:t>
-                </a:r>
-                <a:r>
-                  <a:rPr lang="ko-KR" altLang="en-US" dirty="0" smtClean="0"/>
-                  <a:t>고려함 </a:t>
-                </a:r>
-                <a:endParaRPr lang="en-US" altLang="ko-KR" dirty="0" smtClean="0"/>
+                <a:endParaRPr lang="en-US" altLang="ko-KR" b="1" dirty="0"/>
               </a:p>
               <a:p>
-                <a:pPr marL="742950" lvl="1" indent="-285750">
+                <a:pPr marL="742950" lvl="2" indent="-285750">
                   <a:buFontTx/>
                   <a:buChar char="-"/>
                 </a:pPr>
-                <a:r>
-                  <a:rPr lang="en-US" altLang="ko-KR" dirty="0" smtClean="0"/>
-                  <a:t>State Stack</a:t>
-                </a:r>
-                <a:r>
-                  <a:rPr lang="ko-KR" altLang="en-US" dirty="0" smtClean="0"/>
-                  <a:t>을 통해 </a:t>
-                </a:r>
-                <a:r>
-                  <a:rPr lang="en-US" altLang="ko-KR" dirty="0" smtClean="0"/>
-                  <a:t>POMDP </a:t>
-                </a:r>
-                <a:r>
-                  <a:rPr lang="ko-KR" altLang="en-US" dirty="0" smtClean="0"/>
-                  <a:t>문제를 해결</a:t>
-                </a:r>
-                <a:endParaRPr lang="en-US" altLang="ko-KR" dirty="0" smtClean="0"/>
-              </a:p>
-              <a:p>
-                <a:pPr marL="742950" lvl="1" indent="-285750">
-                  <a:buFontTx/>
-                  <a:buChar char="-"/>
-                </a:pPr>
-                <a:r>
-                  <a:rPr lang="ko-KR" altLang="en-US" dirty="0" smtClean="0"/>
-                  <a:t>간소화 된 네트워크   </a:t>
-                </a:r>
-                <a:endParaRPr lang="en-US" altLang="ko-KR" dirty="0"/>
-              </a:p>
-              <a:p>
-                <a:pPr marL="0" lvl="1"/>
                 <a:endParaRPr lang="en-US" altLang="ko-KR" b="1" dirty="0" smtClean="0"/>
               </a:p>
               <a:p>
@@ -16551,7 +18340,7 @@
             <p:spPr>
               <a:xfrm>
                 <a:off x="838200" y="1484771"/>
-                <a:ext cx="11000874" cy="4247317"/>
+                <a:ext cx="11000874" cy="6766532"/>
               </a:xfrm>
               <a:prstGeom prst="rect">
                 <a:avLst/>
@@ -16559,7 +18348,7 @@
               <a:blipFill>
                 <a:blip r:embed="rId2"/>
                 <a:stretch>
-                  <a:fillRect l="-610" t="-1437"/>
+                  <a:fillRect l="-610" t="-901"/>
                 </a:stretch>
               </a:blipFill>
             </p:spPr>
@@ -16586,7 +18375,7 @@
         </p:nvSpPr>
         <p:spPr>
           <a:xfrm>
-            <a:off x="9576262" y="4910921"/>
+            <a:off x="8794867" y="4683371"/>
             <a:ext cx="2262812" cy="369332"/>
           </a:xfrm>
           <a:prstGeom prst="rect">
@@ -16636,14 +18425,90 @@
         </p:blipFill>
         <p:spPr>
           <a:xfrm>
-            <a:off x="9096666" y="1690687"/>
-            <a:ext cx="3021397" cy="3101375"/>
+            <a:off x="8065563" y="1117109"/>
+            <a:ext cx="3430939" cy="3521758"/>
           </a:xfrm>
           <a:prstGeom prst="rect">
             <a:avLst/>
           </a:prstGeom>
         </p:spPr>
       </p:pic>
+      <p:sp>
+        <p:nvSpPr>
+          <p:cNvPr id="6" name="TextBox 5"/>
+          <p:cNvSpPr txBox="1"/>
+          <p:nvPr/>
+        </p:nvSpPr>
+        <p:spPr>
+          <a:xfrm>
+            <a:off x="7409411" y="5513872"/>
+            <a:ext cx="4429663" cy="923330"/>
+          </a:xfrm>
+          <a:prstGeom prst="rect">
+            <a:avLst/>
+          </a:prstGeom>
+          <a:noFill/>
+        </p:spPr>
+        <p:txBody>
+          <a:bodyPr wrap="square" rtlCol="0">
+            <a:spAutoFit/>
+          </a:bodyPr>
+          <a:lstStyle/>
+          <a:p>
+            <a:r>
+              <a:rPr lang="en-US" altLang="ko-KR" b="1" dirty="0" smtClean="0">
+                <a:solidFill>
+                  <a:srgbClr val="FF0000"/>
+                </a:solidFill>
+              </a:rPr>
+              <a:t>Reward Factor</a:t>
+            </a:r>
+            <a:r>
+              <a:rPr lang="ko-KR" altLang="en-US" b="1" dirty="0" smtClean="0">
+                <a:solidFill>
+                  <a:srgbClr val="FF0000"/>
+                </a:solidFill>
+              </a:rPr>
+              <a:t>를 증가시킬 필요가 있음</a:t>
+            </a:r>
+            <a:endParaRPr lang="en-US" altLang="ko-KR" b="1" dirty="0" smtClean="0">
+              <a:solidFill>
+                <a:srgbClr val="FF0000"/>
+              </a:solidFill>
+            </a:endParaRPr>
+          </a:p>
+          <a:p>
+            <a:endParaRPr lang="en-US" altLang="ko-KR" b="1" dirty="0">
+              <a:solidFill>
+                <a:srgbClr val="FF0000"/>
+              </a:solidFill>
+            </a:endParaRPr>
+          </a:p>
+          <a:p>
+            <a:r>
+              <a:rPr lang="en-US" altLang="ko-KR" b="1" dirty="0" smtClean="0">
+                <a:solidFill>
+                  <a:srgbClr val="FF0000"/>
+                </a:solidFill>
+              </a:rPr>
+              <a:t>Reward Factor</a:t>
+            </a:r>
+            <a:r>
+              <a:rPr lang="ko-KR" altLang="en-US" b="1" dirty="0" smtClean="0">
+                <a:solidFill>
+                  <a:srgbClr val="FF0000"/>
+                </a:solidFill>
+              </a:rPr>
+              <a:t>가 너무 낮음  </a:t>
+            </a:r>
+            <a:endParaRPr lang="en-US" altLang="ko-KR" b="1" dirty="0">
+              <a:solidFill>
+                <a:srgbClr val="FF0000"/>
+              </a:solidFill>
+            </a:endParaRPr>
+          </a:p>
+        </p:txBody>
+      </p:sp>
     </p:spTree>
     <p:extLst>
       <p:ext uri="{BB962C8B-B14F-4D97-AF65-F5344CB8AC3E}">
@@ -16657,7 +18522,7 @@
 </p:sld>
 </file>
 
-<file path=ppt/slides/slide31.xml><?xml version="1.0" encoding="utf-8"?>
+<file path=ppt/slides/slide33.xml><?xml version="1.0" encoding="utf-8"?>
 <p:sld xmlns:a="http://schemas.openxmlformats.org/drawingml/2006/main" xmlns:r="http://schemas.openxmlformats.org/officeDocument/2006/relationships" xmlns:p="http://schemas.openxmlformats.org/presentationml/2006/main">
   <p:cSld>
     <p:spTree>
@@ -16690,35 +18555,837 @@
           <a:lstStyle/>
           <a:p>
             <a:r>
-              <a:rPr lang="en-US" altLang="ko-KR" dirty="0" smtClean="0"/>
+              <a:rPr lang="en-US" altLang="ko-KR" dirty="0" smtClean="0">
+                <a:solidFill>
+                  <a:srgbClr val="FF0000"/>
+                </a:solidFill>
+              </a:rPr>
               <a:t>DDPG</a:t>
             </a:r>
             <a:r>
-              <a:rPr lang="ko-KR" altLang="en-US" dirty="0" smtClean="0"/>
+              <a:rPr lang="ko-KR" altLang="en-US" dirty="0" smtClean="0">
+                <a:solidFill>
+                  <a:srgbClr val="FF0000"/>
+                </a:solidFill>
+              </a:rPr>
               <a:t> </a:t>
             </a:r>
             <a:r>
-              <a:rPr lang="en-US" altLang="ko-KR" dirty="0" smtClean="0"/>
+              <a:rPr lang="en-US" altLang="ko-KR" dirty="0" smtClean="0">
+                <a:solidFill>
+                  <a:srgbClr val="FF0000"/>
+                </a:solidFill>
+              </a:rPr>
               <a:t>10</a:t>
             </a:r>
             <a:r>
-              <a:rPr lang="ko-KR" altLang="en-US" dirty="0" smtClean="0"/>
+              <a:rPr lang="ko-KR" altLang="en-US" dirty="0" smtClean="0">
+                <a:solidFill>
+                  <a:srgbClr val="FF0000"/>
+                </a:solidFill>
+              </a:rPr>
               <a:t>  </a:t>
             </a:r>
-            <a:endParaRPr lang="ko-KR" altLang="en-US" dirty="0"/>
+            <a:endParaRPr lang="ko-KR" altLang="en-US" dirty="0">
+              <a:solidFill>
+                <a:srgbClr val="FF0000"/>
+              </a:solidFill>
+            </a:endParaRPr>
           </a:p>
         </p:txBody>
       </p:sp>
+      <mc:AlternateContent xmlns:mc="http://schemas.openxmlformats.org/markup-compatibility/2006">
+        <mc:Choice xmlns:a14="http://schemas.microsoft.com/office/drawing/2010/main" Requires="a14">
+          <p:sp>
+            <p:nvSpPr>
+              <p:cNvPr id="4" name="TextBox 3"/>
+              <p:cNvSpPr txBox="1"/>
+              <p:nvPr/>
+            </p:nvSpPr>
+            <p:spPr>
+              <a:xfrm>
+                <a:off x="838200" y="1484771"/>
+                <a:ext cx="11000874" cy="6766532"/>
+              </a:xfrm>
+              <a:prstGeom prst="rect">
+                <a:avLst/>
+              </a:prstGeom>
+              <a:noFill/>
+            </p:spPr>
+            <p:txBody>
+              <a:bodyPr wrap="square" rtlCol="0">
+                <a:spAutoFit/>
+              </a:bodyPr>
+              <a:lstStyle/>
+              <a:p>
+                <a:pPr marL="285750" lvl="1" indent="-285750">
+                  <a:buFontTx/>
+                  <a:buChar char="-"/>
+                </a:pPr>
+                <a:r>
+                  <a:rPr lang="ko-KR" altLang="en-US" b="1" dirty="0" smtClean="0">
+                    <a:solidFill>
+                      <a:srgbClr val="FF0000"/>
+                    </a:solidFill>
+                  </a:rPr>
+                  <a:t>변동성 있는 </a:t>
+                </a:r>
+                <a:r>
+                  <a:rPr lang="en-US" altLang="ko-KR" b="1" dirty="0" smtClean="0">
+                    <a:solidFill>
+                      <a:srgbClr val="FF0000"/>
+                    </a:solidFill>
+                  </a:rPr>
+                  <a:t>reward factor </a:t>
+                </a:r>
+                <a:r>
+                  <a:rPr lang="ko-KR" altLang="en-US" b="1" dirty="0" smtClean="0">
+                    <a:solidFill>
+                      <a:srgbClr val="FF0000"/>
+                    </a:solidFill>
+                  </a:rPr>
+                  <a:t>적용 </a:t>
+                </a:r>
+                <a:endParaRPr lang="en-US" altLang="ko-KR" b="1" dirty="0">
+                  <a:solidFill>
+                    <a:srgbClr val="FF0000"/>
+                  </a:solidFill>
+                </a:endParaRPr>
+              </a:p>
+              <a:p>
+                <a:pPr marL="742950" lvl="2" indent="-285750">
+                  <a:buFontTx/>
+                  <a:buChar char="-"/>
+                </a:pPr>
+                <a14:m>
+                  <m:oMath xmlns:m="http://schemas.openxmlformats.org/officeDocument/2006/math">
+                    <m:r>
+                      <a:rPr lang="en-US" altLang="ko-KR" b="1" i="1" smtClean="0">
+                        <a:solidFill>
+                          <a:schemeClr val="tx1"/>
+                        </a:solidFill>
+                        <a:latin typeface="Cambria Math" panose="02040503050406030204" pitchFamily="18" charset="0"/>
+                      </a:rPr>
+                      <m:t>𝒓</m:t>
+                    </m:r>
+                    <m:r>
+                      <a:rPr lang="en-US" altLang="ko-KR" b="1" i="1" smtClean="0">
+                        <a:solidFill>
+                          <a:schemeClr val="tx1"/>
+                        </a:solidFill>
+                        <a:latin typeface="Cambria Math" panose="02040503050406030204" pitchFamily="18" charset="0"/>
+                      </a:rPr>
+                      <m:t>=  −</m:t>
+                    </m:r>
+                    <m:acc>
+                      <m:accPr>
+                        <m:chr m:val="̇"/>
+                        <m:ctrlPr>
+                          <a:rPr lang="en-US" altLang="ko-KR" b="1" i="1" smtClean="0">
+                            <a:solidFill>
+                              <a:schemeClr val="tx1"/>
+                            </a:solidFill>
+                            <a:latin typeface="Cambria Math" panose="02040503050406030204" pitchFamily="18" charset="0"/>
+                          </a:rPr>
+                        </m:ctrlPr>
+                      </m:accPr>
+                      <m:e>
+                        <m:sSub>
+                          <m:sSubPr>
+                            <m:ctrlPr>
+                              <a:rPr lang="en-US" altLang="ko-KR" b="1" i="1" smtClean="0">
+                                <a:solidFill>
+                                  <a:schemeClr val="tx1"/>
+                                </a:solidFill>
+                                <a:latin typeface="Cambria Math" panose="02040503050406030204" pitchFamily="18" charset="0"/>
+                              </a:rPr>
+                            </m:ctrlPr>
+                          </m:sSubPr>
+                          <m:e>
+                            <m:r>
+                              <a:rPr lang="en-US" altLang="ko-KR" b="1" i="1" smtClean="0">
+                                <a:solidFill>
+                                  <a:schemeClr val="tx1"/>
+                                </a:solidFill>
+                                <a:latin typeface="Cambria Math" panose="02040503050406030204" pitchFamily="18" charset="0"/>
+                              </a:rPr>
+                              <m:t>𝒎</m:t>
+                            </m:r>
+                          </m:e>
+                          <m:sub>
+                            <m:r>
+                              <a:rPr lang="en-US" altLang="ko-KR" b="1" i="1" smtClean="0">
+                                <a:solidFill>
+                                  <a:schemeClr val="tx1"/>
+                                </a:solidFill>
+                                <a:latin typeface="Cambria Math" panose="02040503050406030204" pitchFamily="18" charset="0"/>
+                              </a:rPr>
+                              <m:t>𝒇𝒄</m:t>
+                            </m:r>
+                          </m:sub>
+                        </m:sSub>
+                      </m:e>
+                    </m:acc>
+                    <m:r>
+                      <a:rPr lang="en-US" altLang="ko-KR" b="1" i="1" smtClean="0">
+                        <a:solidFill>
+                          <a:schemeClr val="tx1"/>
+                        </a:solidFill>
+                        <a:latin typeface="Cambria Math" panose="02040503050406030204" pitchFamily="18" charset="0"/>
+                      </a:rPr>
+                      <m:t>−</m:t>
+                    </m:r>
+                    <m:r>
+                      <a:rPr lang="ko-KR" altLang="en-US" b="1" i="1" smtClean="0">
+                        <a:solidFill>
+                          <a:schemeClr val="tx1"/>
+                        </a:solidFill>
+                        <a:latin typeface="Cambria Math" panose="02040503050406030204" pitchFamily="18" charset="0"/>
+                      </a:rPr>
+                      <m:t>𝜸</m:t>
+                    </m:r>
+                    <m:r>
+                      <a:rPr lang="en-US" altLang="ko-KR" b="1" i="1" smtClean="0">
+                        <a:solidFill>
+                          <a:schemeClr val="tx1"/>
+                        </a:solidFill>
+                        <a:latin typeface="Cambria Math" panose="02040503050406030204" pitchFamily="18" charset="0"/>
+                      </a:rPr>
+                      <m:t>(</m:t>
+                    </m:r>
+                    <m:r>
+                      <a:rPr lang="en-US" altLang="ko-KR" b="1" i="1" smtClean="0">
+                        <a:solidFill>
+                          <a:schemeClr val="tx1"/>
+                        </a:solidFill>
+                        <a:latin typeface="Cambria Math" panose="02040503050406030204" pitchFamily="18" charset="0"/>
+                        <a:ea typeface="Cambria Math" panose="02040503050406030204" pitchFamily="18" charset="0"/>
+                      </a:rPr>
+                      <m:t>∆</m:t>
+                    </m:r>
+                    <m:r>
+                      <a:rPr lang="en-US" altLang="ko-KR" b="1" i="1" smtClean="0">
+                        <a:solidFill>
+                          <a:schemeClr val="tx1"/>
+                        </a:solidFill>
+                        <a:latin typeface="Cambria Math" panose="02040503050406030204" pitchFamily="18" charset="0"/>
+                      </a:rPr>
+                      <m:t>𝑺𝑶𝑪</m:t>
+                    </m:r>
+                    <m:r>
+                      <a:rPr lang="en-US" altLang="ko-KR" b="1" i="1" smtClean="0">
+                        <a:solidFill>
+                          <a:schemeClr val="tx1"/>
+                        </a:solidFill>
+                        <a:latin typeface="Cambria Math" panose="02040503050406030204" pitchFamily="18" charset="0"/>
+                      </a:rPr>
+                      <m:t>)∙</m:t>
+                    </m:r>
+                    <m:d>
+                      <m:dPr>
+                        <m:begChr m:val="|"/>
+                        <m:endChr m:val="|"/>
+                        <m:ctrlPr>
+                          <a:rPr lang="en-US" altLang="ko-KR" b="1" i="1" smtClean="0">
+                            <a:solidFill>
+                              <a:schemeClr val="tx1"/>
+                            </a:solidFill>
+                            <a:latin typeface="Cambria Math" panose="02040503050406030204" pitchFamily="18" charset="0"/>
+                            <a:ea typeface="Cambria Math" panose="02040503050406030204" pitchFamily="18" charset="0"/>
+                          </a:rPr>
+                        </m:ctrlPr>
+                      </m:dPr>
+                      <m:e>
+                        <m:r>
+                          <a:rPr lang="en-US" altLang="ko-KR" b="1" i="1" smtClean="0">
+                            <a:solidFill>
+                              <a:schemeClr val="tx1"/>
+                            </a:solidFill>
+                            <a:latin typeface="Cambria Math" panose="02040503050406030204" pitchFamily="18" charset="0"/>
+                            <a:ea typeface="Cambria Math" panose="02040503050406030204" pitchFamily="18" charset="0"/>
+                          </a:rPr>
+                          <m:t>𝑺𝑶𝑪</m:t>
+                        </m:r>
+                        <m:r>
+                          <a:rPr lang="en-US" altLang="ko-KR" b="1" i="1" smtClean="0">
+                            <a:solidFill>
+                              <a:schemeClr val="tx1"/>
+                            </a:solidFill>
+                            <a:latin typeface="Cambria Math" panose="02040503050406030204" pitchFamily="18" charset="0"/>
+                            <a:ea typeface="Cambria Math" panose="02040503050406030204" pitchFamily="18" charset="0"/>
+                          </a:rPr>
+                          <m:t>−</m:t>
+                        </m:r>
+                        <m:r>
+                          <a:rPr lang="en-US" altLang="ko-KR" b="1" i="1" smtClean="0">
+                            <a:solidFill>
+                              <a:schemeClr val="tx1"/>
+                            </a:solidFill>
+                            <a:latin typeface="Cambria Math" panose="02040503050406030204" pitchFamily="18" charset="0"/>
+                            <a:ea typeface="Cambria Math" panose="02040503050406030204" pitchFamily="18" charset="0"/>
+                          </a:rPr>
+                          <m:t>𝟎</m:t>
+                        </m:r>
+                        <m:r>
+                          <a:rPr lang="en-US" altLang="ko-KR" b="1" i="1" smtClean="0">
+                            <a:solidFill>
+                              <a:schemeClr val="tx1"/>
+                            </a:solidFill>
+                            <a:latin typeface="Cambria Math" panose="02040503050406030204" pitchFamily="18" charset="0"/>
+                            <a:ea typeface="Cambria Math" panose="02040503050406030204" pitchFamily="18" charset="0"/>
+                          </a:rPr>
+                          <m:t>.</m:t>
+                        </m:r>
+                        <m:r>
+                          <a:rPr lang="en-US" altLang="ko-KR" b="1" i="1" smtClean="0">
+                            <a:solidFill>
+                              <a:schemeClr val="tx1"/>
+                            </a:solidFill>
+                            <a:latin typeface="Cambria Math" panose="02040503050406030204" pitchFamily="18" charset="0"/>
+                            <a:ea typeface="Cambria Math" panose="02040503050406030204" pitchFamily="18" charset="0"/>
+                          </a:rPr>
+                          <m:t>𝟔</m:t>
+                        </m:r>
+                      </m:e>
+                    </m:d>
+                  </m:oMath>
+                </a14:m>
+                <a:endParaRPr lang="en-US" altLang="ko-KR" b="1" dirty="0" smtClean="0">
+                  <a:solidFill>
+                    <a:srgbClr val="FF0000"/>
+                  </a:solidFill>
+                </a:endParaRPr>
+              </a:p>
+              <a:p>
+                <a:pPr marL="285750" lvl="1" indent="-285750">
+                  <a:buFontTx/>
+                  <a:buChar char="-"/>
+                </a:pPr>
+                <a:endParaRPr lang="en-US" altLang="ko-KR" b="1" dirty="0" smtClean="0"/>
+              </a:p>
+              <a:p>
+                <a:pPr marL="285750" lvl="1" indent="-285750">
+                  <a:buFontTx/>
+                  <a:buChar char="-"/>
+                </a:pPr>
+                <a:r>
+                  <a:rPr lang="en-US" altLang="ko-KR" b="1" dirty="0" smtClean="0">
+                    <a:solidFill>
+                      <a:srgbClr val="FF0000"/>
+                    </a:solidFill>
+                  </a:rPr>
+                  <a:t>DDPG 1 </a:t>
+                </a:r>
+                <a:r>
+                  <a:rPr lang="ko-KR" altLang="en-US" b="1" dirty="0" smtClean="0">
+                    <a:solidFill>
+                      <a:srgbClr val="FF0000"/>
+                    </a:solidFill>
+                  </a:rPr>
+                  <a:t> </a:t>
+                </a:r>
+                <a:endParaRPr lang="en-US" altLang="ko-KR" b="1" dirty="0">
+                  <a:solidFill>
+                    <a:srgbClr val="FF0000"/>
+                  </a:solidFill>
+                </a:endParaRPr>
+              </a:p>
+              <a:p>
+                <a:pPr marL="742950" lvl="2" indent="-285750">
+                  <a:buFontTx/>
+                  <a:buChar char="-"/>
+                </a:pPr>
+                <a:r>
+                  <a:rPr lang="en-US" altLang="ko-KR" dirty="0"/>
+                  <a:t>State: </a:t>
+                </a:r>
+                <a:r>
+                  <a:rPr lang="en-US" altLang="ko-KR" dirty="0" smtClean="0"/>
+                  <a:t>[norm(</a:t>
+                </a:r>
+                <a:r>
+                  <a:rPr lang="en-US" altLang="ko-KR" dirty="0" err="1" smtClean="0"/>
+                  <a:t>power_out</a:t>
+                </a:r>
+                <a:r>
+                  <a:rPr lang="en-US" altLang="ko-KR" dirty="0" smtClean="0"/>
+                  <a:t>), SOC </a:t>
+                </a:r>
+                <a:r>
+                  <a:rPr lang="en-US" altLang="ko-KR" dirty="0"/>
+                  <a:t>- 0.6, </a:t>
+                </a:r>
+                <a:r>
+                  <a:rPr lang="en-US" altLang="ko-KR" dirty="0" err="1" smtClean="0"/>
+                  <a:t>J_min</a:t>
+                </a:r>
+                <a:r>
+                  <a:rPr lang="en-US" altLang="ko-KR" dirty="0" smtClean="0"/>
+                  <a:t>, </a:t>
+                </a:r>
+                <a:r>
+                  <a:rPr lang="en-US" altLang="ko-KR" dirty="0" err="1" smtClean="0"/>
+                  <a:t>J_max</a:t>
+                </a:r>
+                <a:r>
+                  <a:rPr lang="en-US" altLang="ko-KR" dirty="0" smtClean="0"/>
+                  <a:t>]</a:t>
+                </a:r>
+              </a:p>
+              <a:p>
+                <a:pPr marL="742950" lvl="2" indent="-285750">
+                  <a:buFontTx/>
+                  <a:buChar char="-"/>
+                </a:pPr>
+                <a:r>
+                  <a:rPr lang="en-US" altLang="ko-KR" dirty="0" err="1" smtClean="0">
+                    <a:solidFill>
+                      <a:srgbClr val="FF0000"/>
+                    </a:solidFill>
+                  </a:rPr>
+                  <a:t>Reward_factor</a:t>
+                </a:r>
+                <a:r>
+                  <a:rPr lang="en-US" altLang="ko-KR" dirty="0" smtClean="0">
+                    <a:solidFill>
+                      <a:srgbClr val="FF0000"/>
+                    </a:solidFill>
+                  </a:rPr>
+                  <a:t> = 30</a:t>
+                </a:r>
+                <a:endParaRPr lang="en-US" altLang="ko-KR" dirty="0" smtClean="0">
+                  <a:solidFill>
+                    <a:srgbClr val="FF0000"/>
+                  </a:solidFill>
+                </a:endParaRPr>
+              </a:p>
+              <a:p>
+                <a:pPr marL="742950" lvl="2" indent="-285750">
+                  <a:buFontTx/>
+                  <a:buChar char="-"/>
+                </a:pPr>
+                <a:endParaRPr lang="en-US" altLang="ko-KR" b="1" dirty="0" smtClean="0"/>
+              </a:p>
+              <a:p>
+                <a:pPr marL="285750" lvl="1" indent="-285750">
+                  <a:buFontTx/>
+                  <a:buChar char="-"/>
+                </a:pPr>
+                <a:r>
+                  <a:rPr lang="en-US" altLang="ko-KR" b="1" dirty="0">
+                    <a:solidFill>
+                      <a:srgbClr val="FF0000"/>
+                    </a:solidFill>
+                  </a:rPr>
+                  <a:t>DDPG </a:t>
+                </a:r>
+                <a:r>
+                  <a:rPr lang="en-US" altLang="ko-KR" b="1" dirty="0" smtClean="0">
+                    <a:solidFill>
+                      <a:srgbClr val="FF0000"/>
+                    </a:solidFill>
+                  </a:rPr>
+                  <a:t>2 </a:t>
+                </a:r>
+                <a:r>
+                  <a:rPr lang="ko-KR" altLang="en-US" b="1" dirty="0" smtClean="0">
+                    <a:solidFill>
+                      <a:srgbClr val="FF0000"/>
+                    </a:solidFill>
+                  </a:rPr>
+                  <a:t> </a:t>
+                </a:r>
+                <a:endParaRPr lang="en-US" altLang="ko-KR" b="1" dirty="0">
+                  <a:solidFill>
+                    <a:srgbClr val="FF0000"/>
+                  </a:solidFill>
+                </a:endParaRPr>
+              </a:p>
+              <a:p>
+                <a:pPr marL="742950" lvl="2" indent="-285750">
+                  <a:buFontTx/>
+                  <a:buChar char="-"/>
+                </a:pPr>
+                <a:r>
+                  <a:rPr lang="en-US" altLang="ko-KR" dirty="0"/>
+                  <a:t>State: [norm(</a:t>
+                </a:r>
+                <a:r>
+                  <a:rPr lang="en-US" altLang="ko-KR" dirty="0" err="1"/>
+                  <a:t>power_out</a:t>
+                </a:r>
+                <a:r>
+                  <a:rPr lang="en-US" altLang="ko-KR" dirty="0"/>
+                  <a:t>), SOC - 0.6, </a:t>
+                </a:r>
+                <a:r>
+                  <a:rPr lang="en-US" altLang="ko-KR" dirty="0" err="1"/>
+                  <a:t>J_min</a:t>
+                </a:r>
+                <a:r>
+                  <a:rPr lang="en-US" altLang="ko-KR" dirty="0"/>
+                  <a:t>, </a:t>
+                </a:r>
+                <a:r>
+                  <a:rPr lang="en-US" altLang="ko-KR" dirty="0" err="1"/>
+                  <a:t>J_max</a:t>
+                </a:r>
+                <a:r>
+                  <a:rPr lang="en-US" altLang="ko-KR" dirty="0"/>
+                  <a:t>]</a:t>
+                </a:r>
+              </a:p>
+              <a:p>
+                <a:pPr marL="742950" lvl="2" indent="-285750">
+                  <a:buFontTx/>
+                  <a:buChar char="-"/>
+                </a:pPr>
+                <a:r>
+                  <a:rPr lang="en-US" altLang="ko-KR" dirty="0" err="1">
+                    <a:solidFill>
+                      <a:srgbClr val="FF0000"/>
+                    </a:solidFill>
+                  </a:rPr>
+                  <a:t>Reward_factor</a:t>
+                </a:r>
+                <a:r>
+                  <a:rPr lang="en-US" altLang="ko-KR" dirty="0">
+                    <a:solidFill>
+                      <a:srgbClr val="FF0000"/>
+                    </a:solidFill>
+                  </a:rPr>
+                  <a:t> = </a:t>
+                </a:r>
+                <a:r>
+                  <a:rPr lang="en-US" altLang="ko-KR" dirty="0" smtClean="0">
+                    <a:solidFill>
+                      <a:srgbClr val="FF0000"/>
+                    </a:solidFill>
+                  </a:rPr>
+                  <a:t>50 </a:t>
+                </a:r>
+                <a:endParaRPr lang="en-US" altLang="ko-KR" dirty="0">
+                  <a:solidFill>
+                    <a:srgbClr val="FF0000"/>
+                  </a:solidFill>
+                </a:endParaRPr>
+              </a:p>
+              <a:p>
+                <a:pPr marL="742950" lvl="2" indent="-285750">
+                  <a:buFontTx/>
+                  <a:buChar char="-"/>
+                </a:pPr>
+                <a:endParaRPr lang="en-US" altLang="ko-KR" b="1" dirty="0" smtClean="0"/>
+              </a:p>
+              <a:p>
+                <a:pPr marL="285750" lvl="1" indent="-285750">
+                  <a:buFontTx/>
+                  <a:buChar char="-"/>
+                </a:pPr>
+                <a:r>
+                  <a:rPr lang="en-US" altLang="ko-KR" b="1" dirty="0">
+                    <a:solidFill>
+                      <a:srgbClr val="FF0000"/>
+                    </a:solidFill>
+                  </a:rPr>
+                  <a:t>DDPG </a:t>
+                </a:r>
+                <a:r>
+                  <a:rPr lang="en-US" altLang="ko-KR" b="1" dirty="0" smtClean="0">
+                    <a:solidFill>
+                      <a:srgbClr val="FF0000"/>
+                    </a:solidFill>
+                  </a:rPr>
+                  <a:t>3 </a:t>
+                </a:r>
+                <a:r>
+                  <a:rPr lang="ko-KR" altLang="en-US" b="1" dirty="0" smtClean="0">
+                    <a:solidFill>
+                      <a:srgbClr val="FF0000"/>
+                    </a:solidFill>
+                  </a:rPr>
+                  <a:t> </a:t>
+                </a:r>
+                <a:endParaRPr lang="en-US" altLang="ko-KR" b="1" dirty="0">
+                  <a:solidFill>
+                    <a:srgbClr val="FF0000"/>
+                  </a:solidFill>
+                </a:endParaRPr>
+              </a:p>
+              <a:p>
+                <a:pPr marL="742950" lvl="2" indent="-285750">
+                  <a:buFontTx/>
+                  <a:buChar char="-"/>
+                </a:pPr>
+                <a:r>
+                  <a:rPr lang="en-US" altLang="ko-KR" dirty="0"/>
+                  <a:t>State: [norm(</a:t>
+                </a:r>
+                <a:r>
+                  <a:rPr lang="en-US" altLang="ko-KR" dirty="0" err="1"/>
+                  <a:t>power_out</a:t>
+                </a:r>
+                <a:r>
+                  <a:rPr lang="en-US" altLang="ko-KR" dirty="0"/>
+                  <a:t>), SOC - 0.6, </a:t>
+                </a:r>
+                <a:r>
+                  <a:rPr lang="en-US" altLang="ko-KR" dirty="0" err="1"/>
+                  <a:t>J_min</a:t>
+                </a:r>
+                <a:r>
+                  <a:rPr lang="en-US" altLang="ko-KR" dirty="0"/>
+                  <a:t>, </a:t>
+                </a:r>
+                <a:r>
+                  <a:rPr lang="en-US" altLang="ko-KR" dirty="0" err="1"/>
+                  <a:t>J_max</a:t>
+                </a:r>
+                <a:r>
+                  <a:rPr lang="en-US" altLang="ko-KR" dirty="0"/>
+                  <a:t>]</a:t>
+                </a:r>
+              </a:p>
+              <a:p>
+                <a:pPr marL="742950" lvl="2" indent="-285750">
+                  <a:buFontTx/>
+                  <a:buChar char="-"/>
+                </a:pPr>
+                <a:r>
+                  <a:rPr lang="en-US" altLang="ko-KR" dirty="0" err="1">
+                    <a:solidFill>
+                      <a:srgbClr val="FF0000"/>
+                    </a:solidFill>
+                  </a:rPr>
+                  <a:t>Reward_factor</a:t>
+                </a:r>
+                <a:r>
+                  <a:rPr lang="en-US" altLang="ko-KR" dirty="0">
+                    <a:solidFill>
+                      <a:srgbClr val="FF0000"/>
+                    </a:solidFill>
+                  </a:rPr>
+                  <a:t> = </a:t>
+                </a:r>
+                <a:r>
+                  <a:rPr lang="en-US" altLang="ko-KR" dirty="0" smtClean="0">
+                    <a:solidFill>
+                      <a:srgbClr val="FF0000"/>
+                    </a:solidFill>
+                  </a:rPr>
+                  <a:t>70 </a:t>
+                </a:r>
+                <a:endParaRPr lang="en-US" altLang="ko-KR" dirty="0">
+                  <a:solidFill>
+                    <a:srgbClr val="FF0000"/>
+                  </a:solidFill>
+                </a:endParaRPr>
+              </a:p>
+              <a:p>
+                <a:pPr marL="742950" lvl="2" indent="-285750">
+                  <a:buFontTx/>
+                  <a:buChar char="-"/>
+                </a:pPr>
+                <a:endParaRPr lang="en-US" altLang="ko-KR" b="1" dirty="0" smtClean="0"/>
+              </a:p>
+              <a:p>
+                <a:pPr marL="285750" lvl="1" indent="-285750">
+                  <a:buFontTx/>
+                  <a:buChar char="-"/>
+                </a:pPr>
+                <a:r>
+                  <a:rPr lang="en-US" altLang="ko-KR" b="1" dirty="0">
+                    <a:solidFill>
+                      <a:srgbClr val="FF0000"/>
+                    </a:solidFill>
+                  </a:rPr>
+                  <a:t>DDPG </a:t>
+                </a:r>
+                <a:r>
+                  <a:rPr lang="en-US" altLang="ko-KR" b="1" dirty="0" smtClean="0">
+                    <a:solidFill>
+                      <a:srgbClr val="FF0000"/>
+                    </a:solidFill>
+                  </a:rPr>
+                  <a:t>4 </a:t>
+                </a:r>
+                <a:r>
+                  <a:rPr lang="ko-KR" altLang="en-US" b="1" dirty="0" smtClean="0">
+                    <a:solidFill>
+                      <a:srgbClr val="FF0000"/>
+                    </a:solidFill>
+                  </a:rPr>
+                  <a:t> </a:t>
+                </a:r>
+                <a:endParaRPr lang="en-US" altLang="ko-KR" b="1" dirty="0">
+                  <a:solidFill>
+                    <a:srgbClr val="FF0000"/>
+                  </a:solidFill>
+                </a:endParaRPr>
+              </a:p>
+              <a:p>
+                <a:pPr marL="742950" lvl="2" indent="-285750">
+                  <a:buFontTx/>
+                  <a:buChar char="-"/>
+                </a:pPr>
+                <a:r>
+                  <a:rPr lang="en-US" altLang="ko-KR" dirty="0"/>
+                  <a:t>State: [norm(</a:t>
+                </a:r>
+                <a:r>
+                  <a:rPr lang="en-US" altLang="ko-KR" dirty="0" err="1"/>
+                  <a:t>power_out</a:t>
+                </a:r>
+                <a:r>
+                  <a:rPr lang="en-US" altLang="ko-KR" dirty="0"/>
+                  <a:t>), SOC - 0.6, </a:t>
+                </a:r>
+                <a:r>
+                  <a:rPr lang="en-US" altLang="ko-KR" dirty="0" err="1"/>
+                  <a:t>J_min</a:t>
+                </a:r>
+                <a:r>
+                  <a:rPr lang="en-US" altLang="ko-KR" dirty="0"/>
+                  <a:t>, </a:t>
+                </a:r>
+                <a:r>
+                  <a:rPr lang="en-US" altLang="ko-KR" dirty="0" err="1"/>
+                  <a:t>J_max</a:t>
+                </a:r>
+                <a:r>
+                  <a:rPr lang="en-US" altLang="ko-KR" dirty="0"/>
+                  <a:t>]</a:t>
+                </a:r>
+              </a:p>
+              <a:p>
+                <a:pPr marL="742950" lvl="2" indent="-285750">
+                  <a:buFontTx/>
+                  <a:buChar char="-"/>
+                </a:pPr>
+                <a:r>
+                  <a:rPr lang="en-US" altLang="ko-KR" dirty="0" err="1">
+                    <a:solidFill>
+                      <a:srgbClr val="FF0000"/>
+                    </a:solidFill>
+                  </a:rPr>
+                  <a:t>Reward_factor</a:t>
+                </a:r>
+                <a:r>
+                  <a:rPr lang="en-US" altLang="ko-KR" dirty="0">
+                    <a:solidFill>
+                      <a:srgbClr val="FF0000"/>
+                    </a:solidFill>
+                  </a:rPr>
+                  <a:t> = </a:t>
+                </a:r>
+                <a:r>
+                  <a:rPr lang="en-US" altLang="ko-KR" dirty="0" smtClean="0">
+                    <a:solidFill>
+                      <a:srgbClr val="FF0000"/>
+                    </a:solidFill>
+                  </a:rPr>
+                  <a:t>100 </a:t>
+                </a:r>
+                <a:endParaRPr lang="en-US" altLang="ko-KR" dirty="0">
+                  <a:solidFill>
+                    <a:srgbClr val="FF0000"/>
+                  </a:solidFill>
+                </a:endParaRPr>
+              </a:p>
+              <a:p>
+                <a:pPr marL="742950" lvl="2" indent="-285750">
+                  <a:buFontTx/>
+                  <a:buChar char="-"/>
+                </a:pPr>
+                <a:endParaRPr lang="en-US" altLang="ko-KR" b="1" dirty="0"/>
+              </a:p>
+              <a:p>
+                <a:pPr marL="742950" lvl="2" indent="-285750">
+                  <a:buFontTx/>
+                  <a:buChar char="-"/>
+                </a:pPr>
+                <a:endParaRPr lang="en-US" altLang="ko-KR" b="1" dirty="0" smtClean="0"/>
+              </a:p>
+              <a:p>
+                <a:pPr marL="285750" lvl="1" indent="-285750">
+                  <a:buFontTx/>
+                  <a:buChar char="-"/>
+                </a:pPr>
+                <a:endParaRPr lang="en-US" altLang="ko-KR" b="1" dirty="0" smtClean="0"/>
+              </a:p>
+              <a:p>
+                <a:pPr marL="285750" lvl="1" indent="-285750">
+                  <a:buFontTx/>
+                  <a:buChar char="-"/>
+                </a:pPr>
+                <a:endParaRPr lang="en-US" altLang="ko-KR" b="1" dirty="0"/>
+              </a:p>
+              <a:p>
+                <a:pPr marL="285750" lvl="1" indent="-285750">
+                  <a:buFontTx/>
+                  <a:buChar char="-"/>
+                </a:pPr>
+                <a:endParaRPr lang="en-US" altLang="ko-KR" b="1" dirty="0" smtClean="0"/>
+              </a:p>
+              <a:p>
+                <a:pPr marL="285750" lvl="1" indent="-285750">
+                  <a:buFontTx/>
+                  <a:buChar char="-"/>
+                </a:pPr>
+                <a:endParaRPr lang="en-US" altLang="ko-KR" b="1" dirty="0"/>
+              </a:p>
+            </p:txBody>
+          </p:sp>
+        </mc:Choice>
+        <mc:Fallback>
+          <p:sp>
+            <p:nvSpPr>
+              <p:cNvPr id="4" name="TextBox 3"/>
+              <p:cNvSpPr txBox="1">
+                <a:spLocks noRot="1" noChangeAspect="1" noMove="1" noResize="1" noEditPoints="1" noAdjustHandles="1" noChangeArrowheads="1" noChangeShapeType="1" noTextEdit="1"/>
+              </p:cNvSpPr>
+              <p:nvPr/>
+            </p:nvSpPr>
+            <p:spPr>
+              <a:xfrm>
+                <a:off x="838200" y="1484771"/>
+                <a:ext cx="11000874" cy="6766532"/>
+              </a:xfrm>
+              <a:prstGeom prst="rect">
+                <a:avLst/>
+              </a:prstGeom>
+              <a:blipFill>
+                <a:blip r:embed="rId2"/>
+                <a:stretch>
+                  <a:fillRect l="-610" t="-901"/>
+                </a:stretch>
+              </a:blipFill>
+            </p:spPr>
+            <p:txBody>
+              <a:bodyPr/>
+              <a:lstStyle/>
+              <a:p>
+                <a:r>
+                  <a:rPr lang="ko-KR" altLang="en-US">
+                    <a:noFill/>
+                  </a:rPr>
+                  <a:t> </a:t>
+                </a:r>
+              </a:p>
+            </p:txBody>
+          </p:sp>
+        </mc:Fallback>
+      </mc:AlternateContent>
       <p:sp>
         <p:nvSpPr>
-          <p:cNvPr id="4" name="TextBox 3"/>
+          <p:cNvPr id="5" name="TextBox 4"/>
           <p:cNvSpPr txBox="1"/>
           <p:nvPr/>
         </p:nvSpPr>
         <p:spPr>
           <a:xfrm>
-            <a:off x="838200" y="1484771"/>
-            <a:ext cx="11000874" cy="2308324"/>
+            <a:off x="8794867" y="4683371"/>
+            <a:ext cx="2262812" cy="369332"/>
           </a:xfrm>
           <a:prstGeom prst="rect">
             <a:avLst/>
@@ -16731,33 +19398,87 @@
           </a:bodyPr>
           <a:lstStyle/>
           <a:p>
-            <a:pPr marL="285750" indent="-285750">
-              <a:buFontTx/>
-              <a:buChar char="-"/>
-            </a:pPr>
+            <a:r>
+              <a:rPr lang="en-US" altLang="ko-KR" dirty="0" smtClean="0"/>
+              <a:t>&lt;</a:t>
+            </a:r>
+            <a:r>
+              <a:rPr lang="ko-KR" altLang="en-US" dirty="0" err="1" smtClean="0"/>
+              <a:t>하이퍼파라미터</a:t>
+            </a:r>
+            <a:r>
+              <a:rPr lang="en-US" altLang="ko-KR" dirty="0" smtClean="0"/>
+              <a:t>&gt;</a:t>
+            </a:r>
+            <a:r>
+              <a:rPr lang="ko-KR" altLang="en-US" dirty="0" smtClean="0"/>
+              <a:t> </a:t>
+            </a:r>
+            <a:endParaRPr lang="ko-KR" altLang="en-US" dirty="0"/>
+          </a:p>
+        </p:txBody>
+      </p:sp>
+      <p:pic>
+        <p:nvPicPr>
+          <p:cNvPr id="7" name="그림 6"/>
+          <p:cNvPicPr>
+            <a:picLocks noChangeAspect="1"/>
+          </p:cNvPicPr>
+          <p:nvPr/>
+        </p:nvPicPr>
+        <p:blipFill>
+          <a:blip r:embed="rId3"/>
+          <a:stretch>
+            <a:fillRect/>
+          </a:stretch>
+        </p:blipFill>
+        <p:spPr>
+          <a:xfrm>
+            <a:off x="8065563" y="1117109"/>
+            <a:ext cx="3430939" cy="3521758"/>
+          </a:xfrm>
+          <a:prstGeom prst="rect">
+            <a:avLst/>
+          </a:prstGeom>
+        </p:spPr>
+      </p:pic>
+      <p:sp>
+        <p:nvSpPr>
+          <p:cNvPr id="6" name="TextBox 5"/>
+          <p:cNvSpPr txBox="1"/>
+          <p:nvPr/>
+        </p:nvSpPr>
+        <p:spPr>
+          <a:xfrm>
+            <a:off x="7409411" y="5513872"/>
+            <a:ext cx="4429663" cy="923330"/>
+          </a:xfrm>
+          <a:prstGeom prst="rect">
+            <a:avLst/>
+          </a:prstGeom>
+          <a:noFill/>
+        </p:spPr>
+        <p:txBody>
+          <a:bodyPr wrap="square" rtlCol="0">
+            <a:spAutoFit/>
+          </a:bodyPr>
+          <a:lstStyle/>
+          <a:p>
+            <a:r>
+              <a:rPr lang="en-US" altLang="ko-KR" b="1" dirty="0" smtClean="0">
+                <a:solidFill>
+                  <a:srgbClr val="FF0000"/>
+                </a:solidFill>
+              </a:rPr>
+              <a:t>Reward Factor</a:t>
+            </a:r>
             <a:r>
               <a:rPr lang="ko-KR" altLang="en-US" b="1" dirty="0" smtClean="0">
                 <a:solidFill>
                   <a:srgbClr val="FF0000"/>
                 </a:solidFill>
               </a:rPr>
-              <a:t>신경망에서 </a:t>
-            </a:r>
-            <a:r>
-              <a:rPr lang="en-US" altLang="ko-KR" b="1" dirty="0" smtClean="0">
-                <a:solidFill>
-                  <a:srgbClr val="FF0000"/>
-                </a:solidFill>
-              </a:rPr>
-              <a:t>Batch normalization</a:t>
-            </a:r>
-            <a:r>
-              <a:rPr lang="ko-KR" altLang="en-US" b="1" dirty="0" smtClean="0">
-                <a:solidFill>
-                  <a:srgbClr val="FF0000"/>
-                </a:solidFill>
-              </a:rPr>
-              <a:t>을 적용함 </a:t>
+              <a:t>를 증가시킬 필요가 있음</a:t>
             </a:r>
             <a:endParaRPr lang="en-US" altLang="ko-KR" b="1" dirty="0" smtClean="0">
               <a:solidFill>
@@ -16766,117 +19487,806 @@
             </a:endParaRPr>
           </a:p>
           <a:p>
-            <a:pPr marL="285750" indent="-285750">
+            <a:endParaRPr lang="en-US" altLang="ko-KR" b="1" dirty="0">
+              <a:solidFill>
+                <a:srgbClr val="FF0000"/>
+              </a:solidFill>
+            </a:endParaRPr>
+          </a:p>
+          <a:p>
+            <a:r>
+              <a:rPr lang="en-US" altLang="ko-KR" b="1" dirty="0" smtClean="0">
+                <a:solidFill>
+                  <a:srgbClr val="FF0000"/>
+                </a:solidFill>
+              </a:rPr>
+              <a:t>Reward Factor</a:t>
+            </a:r>
+            <a:r>
+              <a:rPr lang="ko-KR" altLang="en-US" b="1" dirty="0" smtClean="0">
+                <a:solidFill>
+                  <a:srgbClr val="FF0000"/>
+                </a:solidFill>
+              </a:rPr>
+              <a:t>가 너무 낮음  </a:t>
+            </a:r>
+            <a:endParaRPr lang="en-US" altLang="ko-KR" b="1" dirty="0">
+              <a:solidFill>
+                <a:srgbClr val="FF0000"/>
+              </a:solidFill>
+            </a:endParaRPr>
+          </a:p>
+        </p:txBody>
+      </p:sp>
+    </p:spTree>
+    <p:extLst>
+      <p:ext uri="{BB962C8B-B14F-4D97-AF65-F5344CB8AC3E}">
+        <p14:creationId xmlns:p14="http://schemas.microsoft.com/office/powerpoint/2010/main" val="2610836198"/>
+      </p:ext>
+    </p:extLst>
+  </p:cSld>
+  <p:clrMapOvr>
+    <a:masterClrMapping/>
+  </p:clrMapOvr>
+</p:sld>
+</file>
+
+<file path=ppt/slides/slide34.xml><?xml version="1.0" encoding="utf-8"?>
+<p:sld xmlns:a="http://schemas.openxmlformats.org/drawingml/2006/main" xmlns:r="http://schemas.openxmlformats.org/officeDocument/2006/relationships" xmlns:p="http://schemas.openxmlformats.org/presentationml/2006/main">
+  <p:cSld>
+    <p:spTree>
+      <p:nvGrpSpPr>
+        <p:cNvPr id="1" name=""/>
+        <p:cNvGrpSpPr/>
+        <p:nvPr/>
+      </p:nvGrpSpPr>
+      <p:grpSpPr>
+        <a:xfrm>
+          <a:off x="0" y="0"/>
+          <a:ext cx="0" cy="0"/>
+          <a:chOff x="0" y="0"/>
+          <a:chExt cx="0" cy="0"/>
+        </a:xfrm>
+      </p:grpSpPr>
+      <p:sp>
+        <p:nvSpPr>
+          <p:cNvPr id="2" name="제목 1"/>
+          <p:cNvSpPr>
+            <a:spLocks noGrp="1"/>
+          </p:cNvSpPr>
+          <p:nvPr>
+            <p:ph type="title"/>
+          </p:nvPr>
+        </p:nvSpPr>
+        <p:spPr/>
+        <p:txBody>
+          <a:bodyPr/>
+          <a:lstStyle/>
+          <a:p>
+            <a:r>
+              <a:rPr lang="en-US" altLang="ko-KR" dirty="0" smtClean="0">
+                <a:solidFill>
+                  <a:srgbClr val="FF0000"/>
+                </a:solidFill>
+              </a:rPr>
+              <a:t>DDPG</a:t>
+            </a:r>
+            <a:r>
+              <a:rPr lang="ko-KR" altLang="en-US" dirty="0" smtClean="0">
+                <a:solidFill>
+                  <a:srgbClr val="FF0000"/>
+                </a:solidFill>
+              </a:rPr>
+              <a:t> </a:t>
+            </a:r>
+            <a:r>
+              <a:rPr lang="en-US" altLang="ko-KR" dirty="0" smtClean="0">
+                <a:solidFill>
+                  <a:srgbClr val="FF0000"/>
+                </a:solidFill>
+              </a:rPr>
+              <a:t>11</a:t>
+            </a:r>
+            <a:r>
+              <a:rPr lang="ko-KR" altLang="en-US" dirty="0" smtClean="0">
+                <a:solidFill>
+                  <a:srgbClr val="FF0000"/>
+                </a:solidFill>
+              </a:rPr>
+              <a:t>  </a:t>
+            </a:r>
+            <a:endParaRPr lang="ko-KR" altLang="en-US" dirty="0">
+              <a:solidFill>
+                <a:srgbClr val="FF0000"/>
+              </a:solidFill>
+            </a:endParaRPr>
+          </a:p>
+        </p:txBody>
+      </p:sp>
+      <p:sp>
+        <p:nvSpPr>
+          <p:cNvPr id="4" name="TextBox 3"/>
+          <p:cNvSpPr txBox="1"/>
+          <p:nvPr/>
+        </p:nvSpPr>
+        <p:spPr>
+          <a:xfrm>
+            <a:off x="838200" y="1493084"/>
+            <a:ext cx="11000874" cy="5909310"/>
+          </a:xfrm>
+          <a:prstGeom prst="rect">
+            <a:avLst/>
+          </a:prstGeom>
+          <a:noFill/>
+        </p:spPr>
+        <p:txBody>
+          <a:bodyPr wrap="square" rtlCol="0">
+            <a:spAutoFit/>
+          </a:bodyPr>
+          <a:lstStyle/>
+          <a:p>
+            <a:pPr marL="285750" lvl="1" indent="-285750">
+              <a:buFontTx/>
+              <a:buChar char="-"/>
+            </a:pPr>
+            <a:r>
+              <a:rPr lang="en-US" altLang="ko-KR" b="1" dirty="0" smtClean="0">
+                <a:solidFill>
+                  <a:srgbClr val="FF0000"/>
+                </a:solidFill>
+              </a:rPr>
+              <a:t>Discount factor</a:t>
+            </a:r>
+            <a:r>
+              <a:rPr lang="ko-KR" altLang="en-US" b="1" dirty="0" smtClean="0">
+                <a:solidFill>
+                  <a:srgbClr val="FF0000"/>
+                </a:solidFill>
+              </a:rPr>
+              <a:t>에</a:t>
+            </a:r>
+            <a:r>
+              <a:rPr lang="en-US" altLang="ko-KR" b="1" dirty="0" smtClean="0">
+                <a:solidFill>
+                  <a:srgbClr val="FF0000"/>
+                </a:solidFill>
+              </a:rPr>
+              <a:t> </a:t>
+            </a:r>
+            <a:r>
+              <a:rPr lang="ko-KR" altLang="en-US" b="1" dirty="0" smtClean="0">
+                <a:solidFill>
+                  <a:srgbClr val="FF0000"/>
+                </a:solidFill>
+              </a:rPr>
+              <a:t>따른 </a:t>
+            </a:r>
+            <a:r>
+              <a:rPr lang="ko-KR" altLang="en-US" b="1" dirty="0" err="1" smtClean="0">
+                <a:solidFill>
+                  <a:srgbClr val="FF0000"/>
+                </a:solidFill>
+              </a:rPr>
+              <a:t>영향도를</a:t>
+            </a:r>
+            <a:r>
+              <a:rPr lang="ko-KR" altLang="en-US" b="1" dirty="0" smtClean="0">
+                <a:solidFill>
+                  <a:srgbClr val="FF0000"/>
+                </a:solidFill>
+              </a:rPr>
+              <a:t> 비교하는 실험</a:t>
+            </a:r>
+            <a:endParaRPr lang="en-US" altLang="ko-KR" b="1" dirty="0" smtClean="0">
+              <a:solidFill>
+                <a:srgbClr val="FF0000"/>
+              </a:solidFill>
+            </a:endParaRPr>
+          </a:p>
+          <a:p>
+            <a:pPr marL="285750" lvl="1" indent="-285750">
+              <a:buFontTx/>
+              <a:buChar char="-"/>
+            </a:pPr>
+            <a:endParaRPr lang="en-US" altLang="ko-KR" b="1" dirty="0" smtClean="0"/>
+          </a:p>
+          <a:p>
+            <a:pPr marL="285750" lvl="1" indent="-285750">
+              <a:buFontTx/>
+              <a:buChar char="-"/>
+            </a:pPr>
+            <a:r>
+              <a:rPr lang="en-US" altLang="ko-KR" b="1" dirty="0" smtClean="0">
+                <a:solidFill>
+                  <a:srgbClr val="FF0000"/>
+                </a:solidFill>
+              </a:rPr>
+              <a:t>DDPG 1: </a:t>
+            </a:r>
+            <a:r>
+              <a:rPr lang="ko-KR" altLang="en-US" b="1" dirty="0" smtClean="0">
+                <a:solidFill>
+                  <a:srgbClr val="FF0000"/>
+                </a:solidFill>
+              </a:rPr>
+              <a:t> </a:t>
+            </a:r>
+            <a:endParaRPr lang="en-US" altLang="ko-KR" b="1" dirty="0">
+              <a:solidFill>
+                <a:srgbClr val="FF0000"/>
+              </a:solidFill>
+            </a:endParaRPr>
+          </a:p>
+          <a:p>
+            <a:pPr marL="742950" lvl="2" indent="-285750">
+              <a:buFontTx/>
+              <a:buChar char="-"/>
+            </a:pPr>
+            <a:r>
+              <a:rPr lang="en-US" altLang="ko-KR" dirty="0"/>
+              <a:t>State: </a:t>
+            </a:r>
+            <a:r>
+              <a:rPr lang="en-US" altLang="ko-KR" dirty="0" smtClean="0">
+                <a:solidFill>
+                  <a:srgbClr val="FF0000"/>
+                </a:solidFill>
+              </a:rPr>
+              <a:t>[norm(</a:t>
+            </a:r>
+            <a:r>
+              <a:rPr lang="en-US" altLang="ko-KR" dirty="0" err="1" smtClean="0">
+                <a:solidFill>
+                  <a:srgbClr val="FF0000"/>
+                </a:solidFill>
+              </a:rPr>
+              <a:t>power_out</a:t>
+            </a:r>
+            <a:r>
+              <a:rPr lang="en-US" altLang="ko-KR" dirty="0" smtClean="0">
+                <a:solidFill>
+                  <a:srgbClr val="FF0000"/>
+                </a:solidFill>
+              </a:rPr>
+              <a:t>), SOC </a:t>
+            </a:r>
+            <a:r>
+              <a:rPr lang="en-US" altLang="ko-KR" dirty="0">
+                <a:solidFill>
+                  <a:srgbClr val="FF0000"/>
+                </a:solidFill>
+              </a:rPr>
+              <a:t>- 0.6, </a:t>
+            </a:r>
+            <a:r>
+              <a:rPr lang="en-US" altLang="ko-KR" dirty="0" err="1" smtClean="0">
+                <a:solidFill>
+                  <a:srgbClr val="FF0000"/>
+                </a:solidFill>
+              </a:rPr>
+              <a:t>J_min</a:t>
+            </a:r>
+            <a:r>
+              <a:rPr lang="en-US" altLang="ko-KR" dirty="0" smtClean="0">
+                <a:solidFill>
+                  <a:srgbClr val="FF0000"/>
+                </a:solidFill>
+              </a:rPr>
+              <a:t>, </a:t>
+            </a:r>
+            <a:r>
+              <a:rPr lang="en-US" altLang="ko-KR" dirty="0" err="1" smtClean="0">
+                <a:solidFill>
+                  <a:srgbClr val="FF0000"/>
+                </a:solidFill>
+              </a:rPr>
+              <a:t>J_max</a:t>
+            </a:r>
+            <a:r>
+              <a:rPr lang="en-US" altLang="ko-KR" dirty="0" smtClean="0">
+                <a:solidFill>
+                  <a:srgbClr val="FF0000"/>
+                </a:solidFill>
+              </a:rPr>
+              <a:t>]</a:t>
+            </a:r>
+          </a:p>
+          <a:p>
+            <a:pPr marL="742950" lvl="2" indent="-285750">
+              <a:buFontTx/>
+              <a:buChar char="-"/>
+            </a:pPr>
+            <a:r>
+              <a:rPr lang="en-US" altLang="ko-KR" dirty="0" smtClean="0">
+                <a:solidFill>
+                  <a:srgbClr val="FF0000"/>
+                </a:solidFill>
+              </a:rPr>
+              <a:t>Discount factor: 0.95</a:t>
+            </a:r>
+            <a:endParaRPr lang="en-US" altLang="ko-KR" dirty="0">
+              <a:solidFill>
+                <a:srgbClr val="FF0000"/>
+              </a:solidFill>
+            </a:endParaRPr>
+          </a:p>
+          <a:p>
+            <a:pPr marL="0" lvl="1"/>
+            <a:endParaRPr lang="en-US" altLang="ko-KR" b="1" dirty="0" smtClean="0"/>
+          </a:p>
+          <a:p>
+            <a:pPr marL="285750" lvl="1" indent="-285750">
+              <a:buFontTx/>
+              <a:buChar char="-"/>
+            </a:pPr>
+            <a:r>
+              <a:rPr lang="en-US" altLang="ko-KR" b="1" dirty="0">
+                <a:solidFill>
+                  <a:srgbClr val="FF0000"/>
+                </a:solidFill>
+              </a:rPr>
+              <a:t>DDPG </a:t>
+            </a:r>
+            <a:r>
+              <a:rPr lang="en-US" altLang="ko-KR" b="1" dirty="0" smtClean="0">
+                <a:solidFill>
+                  <a:srgbClr val="FF0000"/>
+                </a:solidFill>
+              </a:rPr>
+              <a:t>2: </a:t>
+            </a:r>
+            <a:r>
+              <a:rPr lang="ko-KR" altLang="en-US" b="1" dirty="0" smtClean="0">
+                <a:solidFill>
+                  <a:srgbClr val="FF0000"/>
+                </a:solidFill>
+              </a:rPr>
+              <a:t> </a:t>
+            </a:r>
+            <a:endParaRPr lang="en-US" altLang="ko-KR" b="1" dirty="0">
+              <a:solidFill>
+                <a:srgbClr val="FF0000"/>
+              </a:solidFill>
+            </a:endParaRPr>
+          </a:p>
+          <a:p>
+            <a:pPr marL="742950" lvl="2" indent="-285750">
+              <a:buFontTx/>
+              <a:buChar char="-"/>
+            </a:pPr>
+            <a:r>
+              <a:rPr lang="en-US" altLang="ko-KR" dirty="0"/>
+              <a:t>State: </a:t>
+            </a:r>
+            <a:r>
+              <a:rPr lang="en-US" altLang="ko-KR" dirty="0">
+                <a:solidFill>
+                  <a:srgbClr val="FF0000"/>
+                </a:solidFill>
+              </a:rPr>
+              <a:t>[norm(</a:t>
+            </a:r>
+            <a:r>
+              <a:rPr lang="en-US" altLang="ko-KR" dirty="0" err="1">
+                <a:solidFill>
+                  <a:srgbClr val="FF0000"/>
+                </a:solidFill>
+              </a:rPr>
+              <a:t>power_out</a:t>
+            </a:r>
+            <a:r>
+              <a:rPr lang="en-US" altLang="ko-KR" dirty="0">
+                <a:solidFill>
+                  <a:srgbClr val="FF0000"/>
+                </a:solidFill>
+              </a:rPr>
+              <a:t>), SOC - 0.6, </a:t>
+            </a:r>
+            <a:r>
+              <a:rPr lang="en-US" altLang="ko-KR" dirty="0" err="1">
+                <a:solidFill>
+                  <a:srgbClr val="FF0000"/>
+                </a:solidFill>
+              </a:rPr>
+              <a:t>J_min</a:t>
+            </a:r>
+            <a:r>
+              <a:rPr lang="en-US" altLang="ko-KR" dirty="0">
+                <a:solidFill>
+                  <a:srgbClr val="FF0000"/>
+                </a:solidFill>
+              </a:rPr>
+              <a:t>, </a:t>
+            </a:r>
+            <a:r>
+              <a:rPr lang="en-US" altLang="ko-KR" dirty="0" err="1">
+                <a:solidFill>
+                  <a:srgbClr val="FF0000"/>
+                </a:solidFill>
+              </a:rPr>
+              <a:t>J_max</a:t>
+            </a:r>
+            <a:r>
+              <a:rPr lang="en-US" altLang="ko-KR" dirty="0">
+                <a:solidFill>
+                  <a:srgbClr val="FF0000"/>
+                </a:solidFill>
+              </a:rPr>
+              <a:t>]</a:t>
+            </a:r>
+          </a:p>
+          <a:p>
+            <a:pPr marL="742950" lvl="2" indent="-285750">
+              <a:buFontTx/>
+              <a:buChar char="-"/>
+            </a:pPr>
+            <a:r>
+              <a:rPr lang="en-US" altLang="ko-KR" dirty="0">
+                <a:solidFill>
+                  <a:srgbClr val="FF0000"/>
+                </a:solidFill>
+              </a:rPr>
+              <a:t>Discount factor: </a:t>
+            </a:r>
+            <a:r>
+              <a:rPr lang="en-US" altLang="ko-KR" dirty="0" smtClean="0">
+                <a:solidFill>
+                  <a:srgbClr val="FF0000"/>
+                </a:solidFill>
+              </a:rPr>
+              <a:t>0.97</a:t>
+            </a:r>
+            <a:endParaRPr lang="en-US" altLang="ko-KR" dirty="0">
+              <a:solidFill>
+                <a:srgbClr val="FF0000"/>
+              </a:solidFill>
+            </a:endParaRPr>
+          </a:p>
+          <a:p>
+            <a:pPr marL="285750" lvl="1" indent="-285750">
+              <a:buFontTx/>
+              <a:buChar char="-"/>
+            </a:pPr>
+            <a:endParaRPr lang="en-US" altLang="ko-KR" b="1" dirty="0" smtClean="0"/>
+          </a:p>
+          <a:p>
+            <a:pPr marL="285750" lvl="1" indent="-285750">
+              <a:buFontTx/>
+              <a:buChar char="-"/>
+            </a:pPr>
+            <a:r>
+              <a:rPr lang="en-US" altLang="ko-KR" b="1" dirty="0">
+                <a:solidFill>
+                  <a:srgbClr val="FF0000"/>
+                </a:solidFill>
+              </a:rPr>
+              <a:t>DDPG </a:t>
+            </a:r>
+            <a:r>
+              <a:rPr lang="en-US" altLang="ko-KR" b="1" dirty="0" smtClean="0">
+                <a:solidFill>
+                  <a:srgbClr val="FF0000"/>
+                </a:solidFill>
+              </a:rPr>
+              <a:t>3: </a:t>
+            </a:r>
+            <a:r>
+              <a:rPr lang="ko-KR" altLang="en-US" b="1" dirty="0" smtClean="0">
+                <a:solidFill>
+                  <a:srgbClr val="FF0000"/>
+                </a:solidFill>
+              </a:rPr>
+              <a:t> </a:t>
+            </a:r>
+            <a:endParaRPr lang="en-US" altLang="ko-KR" b="1" dirty="0">
+              <a:solidFill>
+                <a:srgbClr val="FF0000"/>
+              </a:solidFill>
+            </a:endParaRPr>
+          </a:p>
+          <a:p>
+            <a:pPr marL="742950" lvl="2" indent="-285750">
+              <a:buFontTx/>
+              <a:buChar char="-"/>
+            </a:pPr>
+            <a:r>
+              <a:rPr lang="en-US" altLang="ko-KR" dirty="0"/>
+              <a:t>State: </a:t>
+            </a:r>
+            <a:r>
+              <a:rPr lang="en-US" altLang="ko-KR" dirty="0">
+                <a:solidFill>
+                  <a:srgbClr val="FF0000"/>
+                </a:solidFill>
+              </a:rPr>
+              <a:t>[norm(</a:t>
+            </a:r>
+            <a:r>
+              <a:rPr lang="en-US" altLang="ko-KR" dirty="0" err="1">
+                <a:solidFill>
+                  <a:srgbClr val="FF0000"/>
+                </a:solidFill>
+              </a:rPr>
+              <a:t>power_out</a:t>
+            </a:r>
+            <a:r>
+              <a:rPr lang="en-US" altLang="ko-KR" dirty="0">
+                <a:solidFill>
+                  <a:srgbClr val="FF0000"/>
+                </a:solidFill>
+              </a:rPr>
+              <a:t>), SOC - 0.6, </a:t>
+            </a:r>
+            <a:r>
+              <a:rPr lang="en-US" altLang="ko-KR" dirty="0" err="1">
+                <a:solidFill>
+                  <a:srgbClr val="FF0000"/>
+                </a:solidFill>
+              </a:rPr>
+              <a:t>J_min</a:t>
+            </a:r>
+            <a:r>
+              <a:rPr lang="en-US" altLang="ko-KR" dirty="0">
+                <a:solidFill>
+                  <a:srgbClr val="FF0000"/>
+                </a:solidFill>
+              </a:rPr>
+              <a:t>, </a:t>
+            </a:r>
+            <a:r>
+              <a:rPr lang="en-US" altLang="ko-KR" dirty="0" err="1">
+                <a:solidFill>
+                  <a:srgbClr val="FF0000"/>
+                </a:solidFill>
+              </a:rPr>
+              <a:t>J_max</a:t>
+            </a:r>
+            <a:r>
+              <a:rPr lang="en-US" altLang="ko-KR" dirty="0">
+                <a:solidFill>
+                  <a:srgbClr val="FF0000"/>
+                </a:solidFill>
+              </a:rPr>
+              <a:t>]</a:t>
+            </a:r>
+          </a:p>
+          <a:p>
+            <a:pPr marL="742950" lvl="2" indent="-285750">
+              <a:buFontTx/>
+              <a:buChar char="-"/>
+            </a:pPr>
+            <a:r>
+              <a:rPr lang="en-US" altLang="ko-KR" dirty="0">
+                <a:solidFill>
+                  <a:srgbClr val="FF0000"/>
+                </a:solidFill>
+              </a:rPr>
+              <a:t>Discount factor: </a:t>
+            </a:r>
+            <a:r>
+              <a:rPr lang="en-US" altLang="ko-KR" dirty="0" smtClean="0">
+                <a:solidFill>
+                  <a:srgbClr val="FF0000"/>
+                </a:solidFill>
+              </a:rPr>
+              <a:t>0.98</a:t>
+            </a:r>
+            <a:endParaRPr lang="en-US" altLang="ko-KR" dirty="0">
+              <a:solidFill>
+                <a:srgbClr val="FF0000"/>
+              </a:solidFill>
+            </a:endParaRPr>
+          </a:p>
+          <a:p>
+            <a:pPr marL="285750" lvl="1" indent="-285750">
+              <a:buFontTx/>
+              <a:buChar char="-"/>
+            </a:pPr>
+            <a:endParaRPr lang="en-US" altLang="ko-KR" b="1" dirty="0" smtClean="0"/>
+          </a:p>
+          <a:p>
+            <a:pPr marL="285750" lvl="1" indent="-285750">
+              <a:buFontTx/>
+              <a:buChar char="-"/>
+            </a:pPr>
+            <a:r>
+              <a:rPr lang="en-US" altLang="ko-KR" b="1" dirty="0">
+                <a:solidFill>
+                  <a:srgbClr val="FF0000"/>
+                </a:solidFill>
+              </a:rPr>
+              <a:t>DDPG </a:t>
+            </a:r>
+            <a:r>
+              <a:rPr lang="en-US" altLang="ko-KR" b="1" dirty="0" smtClean="0">
+                <a:solidFill>
+                  <a:srgbClr val="FF0000"/>
+                </a:solidFill>
+              </a:rPr>
+              <a:t>4: </a:t>
+            </a:r>
+            <a:r>
+              <a:rPr lang="ko-KR" altLang="en-US" b="1" dirty="0" smtClean="0">
+                <a:solidFill>
+                  <a:srgbClr val="FF0000"/>
+                </a:solidFill>
+              </a:rPr>
+              <a:t> </a:t>
+            </a:r>
+            <a:endParaRPr lang="en-US" altLang="ko-KR" b="1" dirty="0">
+              <a:solidFill>
+                <a:srgbClr val="FF0000"/>
+              </a:solidFill>
+            </a:endParaRPr>
+          </a:p>
+          <a:p>
+            <a:pPr marL="742950" lvl="2" indent="-285750">
+              <a:buFontTx/>
+              <a:buChar char="-"/>
+            </a:pPr>
+            <a:r>
+              <a:rPr lang="en-US" altLang="ko-KR" dirty="0"/>
+              <a:t>State: </a:t>
+            </a:r>
+            <a:r>
+              <a:rPr lang="en-US" altLang="ko-KR" dirty="0">
+                <a:solidFill>
+                  <a:srgbClr val="FF0000"/>
+                </a:solidFill>
+              </a:rPr>
+              <a:t>[norm(</a:t>
+            </a:r>
+            <a:r>
+              <a:rPr lang="en-US" altLang="ko-KR" dirty="0" err="1">
+                <a:solidFill>
+                  <a:srgbClr val="FF0000"/>
+                </a:solidFill>
+              </a:rPr>
+              <a:t>power_out</a:t>
+            </a:r>
+            <a:r>
+              <a:rPr lang="en-US" altLang="ko-KR" dirty="0">
+                <a:solidFill>
+                  <a:srgbClr val="FF0000"/>
+                </a:solidFill>
+              </a:rPr>
+              <a:t>), SOC - 0.6, </a:t>
+            </a:r>
+            <a:r>
+              <a:rPr lang="en-US" altLang="ko-KR" dirty="0" err="1">
+                <a:solidFill>
+                  <a:srgbClr val="FF0000"/>
+                </a:solidFill>
+              </a:rPr>
+              <a:t>J_min</a:t>
+            </a:r>
+            <a:r>
+              <a:rPr lang="en-US" altLang="ko-KR" dirty="0">
+                <a:solidFill>
+                  <a:srgbClr val="FF0000"/>
+                </a:solidFill>
+              </a:rPr>
+              <a:t>, </a:t>
+            </a:r>
+            <a:r>
+              <a:rPr lang="en-US" altLang="ko-KR" dirty="0" err="1">
+                <a:solidFill>
+                  <a:srgbClr val="FF0000"/>
+                </a:solidFill>
+              </a:rPr>
+              <a:t>J_max</a:t>
+            </a:r>
+            <a:r>
+              <a:rPr lang="en-US" altLang="ko-KR" dirty="0">
+                <a:solidFill>
+                  <a:srgbClr val="FF0000"/>
+                </a:solidFill>
+              </a:rPr>
+              <a:t>]</a:t>
+            </a:r>
+          </a:p>
+          <a:p>
+            <a:pPr marL="742950" lvl="2" indent="-285750">
+              <a:buFontTx/>
+              <a:buChar char="-"/>
+            </a:pPr>
+            <a:r>
+              <a:rPr lang="en-US" altLang="ko-KR" dirty="0">
+                <a:solidFill>
+                  <a:srgbClr val="FF0000"/>
+                </a:solidFill>
+              </a:rPr>
+              <a:t>Discount factor: </a:t>
+            </a:r>
+            <a:r>
+              <a:rPr lang="en-US" altLang="ko-KR" dirty="0" smtClean="0">
+                <a:solidFill>
+                  <a:srgbClr val="FF0000"/>
+                </a:solidFill>
+              </a:rPr>
+              <a:t>0.99</a:t>
+            </a:r>
+            <a:endParaRPr lang="en-US" altLang="ko-KR" dirty="0">
+              <a:solidFill>
+                <a:srgbClr val="FF0000"/>
+              </a:solidFill>
+            </a:endParaRPr>
+          </a:p>
+          <a:p>
+            <a:pPr marL="285750" lvl="1" indent="-285750">
+              <a:buFontTx/>
+              <a:buChar char="-"/>
+            </a:pPr>
+            <a:endParaRPr lang="en-US" altLang="ko-KR" b="1" dirty="0" smtClean="0"/>
+          </a:p>
+          <a:p>
+            <a:pPr marL="285750" lvl="1" indent="-285750">
               <a:buFontTx/>
               <a:buChar char="-"/>
             </a:pPr>
             <a:endParaRPr lang="en-US" altLang="ko-KR" b="1" dirty="0"/>
           </a:p>
           <a:p>
-            <a:pPr marL="285750" indent="-285750">
-              <a:buFontTx/>
-              <a:buChar char="-"/>
-            </a:pPr>
-            <a:r>
-              <a:rPr lang="en-US" altLang="ko-KR" b="1" dirty="0"/>
-              <a:t>Env1 State:</a:t>
-            </a:r>
-          </a:p>
-          <a:p>
-            <a:pPr marL="742950" lvl="1" indent="-285750">
-              <a:buFontTx/>
-              <a:buChar char="-"/>
-            </a:pPr>
-            <a:r>
-              <a:rPr lang="en-US" altLang="ko-KR" dirty="0"/>
-              <a:t>State:   [</a:t>
-            </a:r>
-            <a:r>
-              <a:rPr lang="en-US" altLang="ko-KR" dirty="0" err="1">
-                <a:solidFill>
-                  <a:srgbClr val="FF0000"/>
-                </a:solidFill>
-              </a:rPr>
-              <a:t>power_out</a:t>
-            </a:r>
-            <a:r>
-              <a:rPr lang="en-US" altLang="ko-KR" dirty="0">
-                <a:solidFill>
-                  <a:srgbClr val="FF0000"/>
-                </a:solidFill>
-              </a:rPr>
-              <a:t>/1000</a:t>
-            </a:r>
-            <a:r>
-              <a:rPr lang="en-US" altLang="ko-KR" dirty="0"/>
-              <a:t>, SOC - 0.6, </a:t>
-            </a:r>
-            <a:r>
-              <a:rPr lang="en-US" altLang="ko-KR" dirty="0" err="1"/>
-              <a:t>j_min</a:t>
-            </a:r>
-            <a:r>
-              <a:rPr lang="en-US" altLang="ko-KR" dirty="0"/>
-              <a:t>, </a:t>
-            </a:r>
-            <a:r>
-              <a:rPr lang="en-US" altLang="ko-KR" dirty="0" err="1"/>
-              <a:t>j_max</a:t>
-            </a:r>
-            <a:r>
-              <a:rPr lang="en-US" altLang="ko-KR" dirty="0" smtClean="0"/>
-              <a:t>]</a:t>
-            </a:r>
-          </a:p>
-          <a:p>
-            <a:pPr marL="742950" lvl="1" indent="-285750">
-              <a:buFontTx/>
-              <a:buChar char="-"/>
-            </a:pPr>
-            <a:r>
-              <a:rPr lang="en-US" altLang="ko-KR" dirty="0" smtClean="0"/>
-              <a:t>Actor-Critic</a:t>
+            <a:pPr marL="285750" lvl="1" indent="-285750">
+              <a:buFontTx/>
+              <a:buChar char="-"/>
+            </a:pPr>
+            <a:endParaRPr lang="en-US" altLang="ko-KR" b="1" dirty="0" smtClean="0"/>
+          </a:p>
+          <a:p>
+            <a:pPr marL="285750" lvl="1" indent="-285750">
+              <a:buFontTx/>
+              <a:buChar char="-"/>
+            </a:pPr>
+            <a:endParaRPr lang="en-US" altLang="ko-KR" b="1" dirty="0"/>
+          </a:p>
+        </p:txBody>
+      </p:sp>
+      <p:sp>
+        <p:nvSpPr>
+          <p:cNvPr id="5" name="TextBox 4"/>
+          <p:cNvSpPr txBox="1"/>
+          <p:nvPr/>
+        </p:nvSpPr>
+        <p:spPr>
+          <a:xfrm>
+            <a:off x="8321585" y="4482660"/>
+            <a:ext cx="2262812" cy="369332"/>
+          </a:xfrm>
+          <a:prstGeom prst="rect">
+            <a:avLst/>
+          </a:prstGeom>
+          <a:noFill/>
+        </p:spPr>
+        <p:txBody>
+          <a:bodyPr wrap="square" rtlCol="0">
+            <a:spAutoFit/>
+          </a:bodyPr>
+          <a:lstStyle/>
+          <a:p>
+            <a:r>
+              <a:rPr lang="en-US" altLang="ko-KR" dirty="0" smtClean="0"/>
+              <a:t>&lt;</a:t>
+            </a:r>
+            <a:r>
+              <a:rPr lang="ko-KR" altLang="en-US" dirty="0" err="1" smtClean="0"/>
+              <a:t>하이퍼파라미터</a:t>
+            </a:r>
+            <a:r>
+              <a:rPr lang="en-US" altLang="ko-KR" dirty="0" smtClean="0"/>
+              <a:t>&gt;</a:t>
             </a:r>
             <a:r>
               <a:rPr lang="ko-KR" altLang="en-US" dirty="0" smtClean="0"/>
-              <a:t>에 </a:t>
-            </a:r>
-            <a:r>
-              <a:rPr lang="en-US" altLang="ko-KR" dirty="0" smtClean="0">
-                <a:solidFill>
-                  <a:srgbClr val="FF0000"/>
-                </a:solidFill>
-              </a:rPr>
-              <a:t>Batch Normalization</a:t>
-            </a:r>
-            <a:r>
-              <a:rPr lang="ko-KR" altLang="en-US" dirty="0" smtClean="0"/>
-              <a:t>을 적용함</a:t>
-            </a:r>
-            <a:endParaRPr lang="en-US" altLang="ko-KR" dirty="0"/>
-          </a:p>
-          <a:p>
-            <a:endParaRPr lang="en-US" altLang="ko-KR" dirty="0"/>
-          </a:p>
-          <a:p>
-            <a:pPr marL="742950" lvl="1" indent="-285750">
-              <a:buFontTx/>
-              <a:buChar char="-"/>
-            </a:pPr>
-            <a:endParaRPr lang="en-US" altLang="ko-KR" dirty="0" smtClean="0"/>
-          </a:p>
-          <a:p>
-            <a:pPr marL="742950" lvl="1" indent="-285750">
-              <a:buFontTx/>
-              <a:buChar char="-"/>
-            </a:pPr>
-            <a:endParaRPr lang="en-US" altLang="ko-KR" dirty="0"/>
+              <a:t> </a:t>
+            </a:r>
+            <a:endParaRPr lang="ko-KR" altLang="en-US" dirty="0"/>
           </a:p>
         </p:txBody>
       </p:sp>
       <p:pic>
         <p:nvPicPr>
-          <p:cNvPr id="3" name="그림 2"/>
+          <p:cNvPr id="7" name="그림 6"/>
           <p:cNvPicPr>
             <a:picLocks noChangeAspect="1"/>
           </p:cNvPicPr>
@@ -16890,8 +20300,8 @@
         </p:blipFill>
         <p:spPr>
           <a:xfrm>
-            <a:off x="8661862" y="88986"/>
-            <a:ext cx="3325091" cy="2519190"/>
+            <a:off x="7766337" y="985138"/>
+            <a:ext cx="3373308" cy="3462601"/>
           </a:xfrm>
           <a:prstGeom prst="rect">
             <a:avLst/>
@@ -16900,14 +20310,14 @@
       </p:pic>
       <p:sp>
         <p:nvSpPr>
-          <p:cNvPr id="5" name="TextBox 4"/>
+          <p:cNvPr id="9" name="TextBox 8"/>
           <p:cNvSpPr txBox="1"/>
           <p:nvPr/>
         </p:nvSpPr>
         <p:spPr>
           <a:xfrm>
-            <a:off x="9576262" y="2684188"/>
-            <a:ext cx="2262812" cy="369332"/>
+            <a:off x="6941966" y="5059761"/>
+            <a:ext cx="5478018" cy="1754326"/>
           </a:xfrm>
           <a:prstGeom prst="rect">
             <a:avLst/>
@@ -16921,22 +20331,567 @@
           <a:lstStyle/>
           <a:p>
             <a:r>
-              <a:rPr lang="en-US" altLang="ko-KR" dirty="0" smtClean="0"/>
-              <a:t>&lt;</a:t>
-            </a:r>
-            <a:r>
-              <a:rPr lang="ko-KR" altLang="en-US" dirty="0" err="1" smtClean="0"/>
-              <a:t>하이퍼파라미터</a:t>
-            </a:r>
-            <a:r>
-              <a:rPr lang="en-US" altLang="ko-KR" dirty="0" smtClean="0"/>
-              <a:t>&gt;</a:t>
+              <a:rPr lang="ko-KR" altLang="en-US" b="1" dirty="0" smtClean="0">
+                <a:solidFill>
+                  <a:srgbClr val="FF0000"/>
+                </a:solidFill>
+              </a:rPr>
+              <a:t>낮은 </a:t>
+            </a:r>
+            <a:r>
+              <a:rPr lang="en-US" altLang="ko-KR" b="1" dirty="0" smtClean="0">
+                <a:solidFill>
+                  <a:srgbClr val="FF0000"/>
+                </a:solidFill>
+              </a:rPr>
+              <a:t>discount factor</a:t>
+            </a:r>
+            <a:r>
+              <a:rPr lang="ko-KR" altLang="en-US" b="1" dirty="0" smtClean="0">
+                <a:solidFill>
+                  <a:srgbClr val="FF0000"/>
+                </a:solidFill>
+              </a:rPr>
+              <a:t>는 학습의 불안정성을 높임</a:t>
+            </a:r>
+            <a:endParaRPr lang="en-US" altLang="ko-KR" b="1" dirty="0" smtClean="0">
+              <a:solidFill>
+                <a:srgbClr val="FF0000"/>
+              </a:solidFill>
+            </a:endParaRPr>
+          </a:p>
+          <a:p>
+            <a:endParaRPr lang="en-US" altLang="ko-KR" b="1" dirty="0" smtClean="0">
+              <a:solidFill>
+                <a:srgbClr val="FF0000"/>
+              </a:solidFill>
+            </a:endParaRPr>
+          </a:p>
+          <a:p>
+            <a:r>
+              <a:rPr lang="ko-KR" altLang="en-US" b="1" dirty="0" smtClean="0">
+                <a:solidFill>
+                  <a:srgbClr val="FF0000"/>
+                </a:solidFill>
+              </a:rPr>
+              <a:t>하지만 또 </a:t>
+            </a:r>
+            <a:r>
+              <a:rPr lang="en-US" altLang="ko-KR" b="1" dirty="0" smtClean="0">
+                <a:solidFill>
+                  <a:srgbClr val="FF0000"/>
+                </a:solidFill>
+              </a:rPr>
+              <a:t>1.0 </a:t>
+            </a:r>
+            <a:r>
+              <a:rPr lang="ko-KR" altLang="en-US" b="1" dirty="0" smtClean="0">
+                <a:solidFill>
+                  <a:srgbClr val="FF0000"/>
+                </a:solidFill>
+              </a:rPr>
+              <a:t>근처의 </a:t>
+            </a:r>
+            <a:r>
+              <a:rPr lang="en-US" altLang="ko-KR" b="1" dirty="0" smtClean="0">
+                <a:solidFill>
+                  <a:srgbClr val="FF0000"/>
+                </a:solidFill>
+              </a:rPr>
+              <a:t>discount factor </a:t>
+            </a:r>
+            <a:r>
+              <a:rPr lang="ko-KR" altLang="en-US" b="1" dirty="0" smtClean="0">
+                <a:solidFill>
+                  <a:srgbClr val="FF0000"/>
+                </a:solidFill>
+              </a:rPr>
+              <a:t>또한 </a:t>
+            </a:r>
+            <a:r>
+              <a:rPr lang="en-US" altLang="ko-KR" b="1" dirty="0" smtClean="0">
+                <a:solidFill>
+                  <a:srgbClr val="FF0000"/>
+                </a:solidFill>
+              </a:rPr>
+              <a:t/>
+            </a:r>
+            <a:br>
+              <a:rPr lang="en-US" altLang="ko-KR" b="1" dirty="0" smtClean="0">
+                <a:solidFill>
+                  <a:srgbClr val="FF0000"/>
+                </a:solidFill>
+              </a:rPr>
+            </a:br>
+            <a:r>
+              <a:rPr lang="ko-KR" altLang="en-US" b="1" dirty="0" smtClean="0">
+                <a:solidFill>
+                  <a:srgbClr val="FF0000"/>
+                </a:solidFill>
+              </a:rPr>
+              <a:t>학습의 불안정성을 높임   </a:t>
+            </a:r>
+            <a:r>
+              <a:rPr lang="ko-KR" altLang="en-US" b="1" dirty="0" smtClean="0">
+                <a:solidFill>
+                  <a:srgbClr val="FF0000"/>
+                </a:solidFill>
+              </a:rPr>
+              <a:t> </a:t>
+            </a:r>
+            <a:endParaRPr lang="en-US" altLang="ko-KR" b="1" dirty="0" smtClean="0">
+              <a:solidFill>
+                <a:srgbClr val="FF0000"/>
+              </a:solidFill>
+            </a:endParaRPr>
+          </a:p>
+          <a:p>
+            <a:endParaRPr lang="en-US" altLang="ko-KR" b="1" dirty="0" smtClean="0">
+              <a:solidFill>
+                <a:srgbClr val="FF0000"/>
+              </a:solidFill>
+            </a:endParaRPr>
+          </a:p>
+          <a:p>
+            <a:r>
+              <a:rPr lang="en-US" altLang="ko-KR" b="1" dirty="0" smtClean="0">
+                <a:solidFill>
+                  <a:srgbClr val="FF0000"/>
+                </a:solidFill>
+              </a:rPr>
+              <a:t>0.95 </a:t>
+            </a:r>
+            <a:r>
+              <a:rPr lang="ko-KR" altLang="en-US" b="1" dirty="0" smtClean="0">
+                <a:solidFill>
+                  <a:srgbClr val="FF0000"/>
+                </a:solidFill>
+              </a:rPr>
+              <a:t>정도의</a:t>
+            </a:r>
+            <a:r>
+              <a:rPr lang="en-US" altLang="ko-KR" b="1" dirty="0" smtClean="0">
+                <a:solidFill>
+                  <a:srgbClr val="FF0000"/>
+                </a:solidFill>
+              </a:rPr>
+              <a:t> discount factor</a:t>
+            </a:r>
+            <a:r>
+              <a:rPr lang="ko-KR" altLang="en-US" b="1" dirty="0" smtClean="0">
+                <a:solidFill>
+                  <a:srgbClr val="FF0000"/>
+                </a:solidFill>
+              </a:rPr>
+              <a:t>를 추천함 </a:t>
+            </a:r>
+            <a:endParaRPr lang="en-US" altLang="ko-KR" b="1" dirty="0">
+              <a:solidFill>
+                <a:srgbClr val="FF0000"/>
+              </a:solidFill>
+            </a:endParaRPr>
+          </a:p>
+        </p:txBody>
+      </p:sp>
+    </p:spTree>
+    <p:extLst>
+      <p:ext uri="{BB962C8B-B14F-4D97-AF65-F5344CB8AC3E}">
+        <p14:creationId xmlns:p14="http://schemas.microsoft.com/office/powerpoint/2010/main" val="517350661"/>
+      </p:ext>
+    </p:extLst>
+  </p:cSld>
+  <p:clrMapOvr>
+    <a:masterClrMapping/>
+  </p:clrMapOvr>
+</p:sld>
+</file>
+
+<file path=ppt/slides/slide35.xml><?xml version="1.0" encoding="utf-8"?>
+<p:sld xmlns:a="http://schemas.openxmlformats.org/drawingml/2006/main" xmlns:r="http://schemas.openxmlformats.org/officeDocument/2006/relationships" xmlns:p="http://schemas.openxmlformats.org/presentationml/2006/main">
+  <p:cSld>
+    <p:spTree>
+      <p:nvGrpSpPr>
+        <p:cNvPr id="1" name=""/>
+        <p:cNvGrpSpPr/>
+        <p:nvPr/>
+      </p:nvGrpSpPr>
+      <p:grpSpPr>
+        <a:xfrm>
+          <a:off x="0" y="0"/>
+          <a:ext cx="0" cy="0"/>
+          <a:chOff x="0" y="0"/>
+          <a:chExt cx="0" cy="0"/>
+        </a:xfrm>
+      </p:grpSpPr>
+      <p:sp>
+        <p:nvSpPr>
+          <p:cNvPr id="2" name="제목 1"/>
+          <p:cNvSpPr>
+            <a:spLocks noGrp="1"/>
+          </p:cNvSpPr>
+          <p:nvPr>
+            <p:ph type="title"/>
+          </p:nvPr>
+        </p:nvSpPr>
+        <p:spPr/>
+        <p:txBody>
+          <a:bodyPr/>
+          <a:lstStyle/>
+          <a:p>
+            <a:r>
+              <a:rPr lang="en-US" altLang="ko-KR" dirty="0" smtClean="0"/>
+              <a:t>DDPG</a:t>
             </a:r>
             <a:r>
               <a:rPr lang="ko-KR" altLang="en-US" dirty="0" smtClean="0"/>
               <a:t> </a:t>
             </a:r>
+            <a:r>
+              <a:rPr lang="en-US" altLang="ko-KR" dirty="0" smtClean="0"/>
+              <a:t>12</a:t>
+            </a:r>
+            <a:r>
+              <a:rPr lang="ko-KR" altLang="en-US" dirty="0" smtClean="0"/>
+              <a:t>  </a:t>
+            </a:r>
             <a:endParaRPr lang="ko-KR" altLang="en-US" dirty="0"/>
+          </a:p>
+        </p:txBody>
+      </p:sp>
+      <p:sp>
+        <p:nvSpPr>
+          <p:cNvPr id="4" name="TextBox 3"/>
+          <p:cNvSpPr txBox="1"/>
+          <p:nvPr/>
+        </p:nvSpPr>
+        <p:spPr>
+          <a:xfrm>
+            <a:off x="838200" y="1484771"/>
+            <a:ext cx="11000874" cy="5078313"/>
+          </a:xfrm>
+          <a:prstGeom prst="rect">
+            <a:avLst/>
+          </a:prstGeom>
+          <a:noFill/>
+        </p:spPr>
+        <p:txBody>
+          <a:bodyPr wrap="square" rtlCol="0">
+            <a:spAutoFit/>
+          </a:bodyPr>
+          <a:lstStyle/>
+          <a:p>
+            <a:pPr marL="285750" indent="-285750">
+              <a:buFontTx/>
+              <a:buChar char="-"/>
+            </a:pPr>
+            <a:r>
+              <a:rPr lang="ko-KR" altLang="en-US" b="1" dirty="0" smtClean="0">
+                <a:solidFill>
+                  <a:srgbClr val="FF0000"/>
+                </a:solidFill>
+              </a:rPr>
+              <a:t>신경망에서 </a:t>
+            </a:r>
+            <a:r>
+              <a:rPr lang="en-US" altLang="ko-KR" b="1" dirty="0" smtClean="0">
+                <a:solidFill>
+                  <a:srgbClr val="FF0000"/>
+                </a:solidFill>
+              </a:rPr>
+              <a:t>Batch normalization</a:t>
+            </a:r>
+            <a:r>
+              <a:rPr lang="ko-KR" altLang="en-US" b="1" dirty="0" smtClean="0">
+                <a:solidFill>
+                  <a:srgbClr val="FF0000"/>
+                </a:solidFill>
+              </a:rPr>
+              <a:t>을 적용함 </a:t>
+            </a:r>
+            <a:endParaRPr lang="en-US" altLang="ko-KR" b="1" dirty="0" smtClean="0">
+              <a:solidFill>
+                <a:srgbClr val="FF0000"/>
+              </a:solidFill>
+            </a:endParaRPr>
+          </a:p>
+          <a:p>
+            <a:pPr marL="285750" indent="-285750">
+              <a:buFontTx/>
+              <a:buChar char="-"/>
+            </a:pPr>
+            <a:endParaRPr lang="en-US" altLang="ko-KR" b="1" dirty="0"/>
+          </a:p>
+          <a:p>
+            <a:pPr marL="285750" lvl="1" indent="-285750">
+              <a:buFontTx/>
+              <a:buChar char="-"/>
+            </a:pPr>
+            <a:r>
+              <a:rPr lang="en-US" altLang="ko-KR" b="1" dirty="0">
+                <a:solidFill>
+                  <a:srgbClr val="FF0000"/>
+                </a:solidFill>
+              </a:rPr>
+              <a:t>DDPG 1 </a:t>
+            </a:r>
+            <a:r>
+              <a:rPr lang="ko-KR" altLang="en-US" b="1" dirty="0">
+                <a:solidFill>
+                  <a:srgbClr val="FF0000"/>
+                </a:solidFill>
+              </a:rPr>
+              <a:t> </a:t>
+            </a:r>
+            <a:endParaRPr lang="en-US" altLang="ko-KR" b="1" dirty="0">
+              <a:solidFill>
+                <a:srgbClr val="FF0000"/>
+              </a:solidFill>
+            </a:endParaRPr>
+          </a:p>
+          <a:p>
+            <a:pPr marL="742950" lvl="2" indent="-285750">
+              <a:buFontTx/>
+              <a:buChar char="-"/>
+            </a:pPr>
+            <a:r>
+              <a:rPr lang="en-US" altLang="ko-KR" dirty="0"/>
+              <a:t>State: [</a:t>
+            </a:r>
+            <a:r>
+              <a:rPr lang="en-US" altLang="ko-KR" dirty="0" smtClean="0">
+                <a:solidFill>
+                  <a:srgbClr val="FF0000"/>
+                </a:solidFill>
+              </a:rPr>
+              <a:t>norm(</a:t>
+            </a:r>
+            <a:r>
+              <a:rPr lang="en-US" altLang="ko-KR" dirty="0" err="1" smtClean="0">
+                <a:solidFill>
+                  <a:srgbClr val="FF0000"/>
+                </a:solidFill>
+              </a:rPr>
+              <a:t>power_out</a:t>
+            </a:r>
+            <a:r>
+              <a:rPr lang="en-US" altLang="ko-KR" dirty="0" smtClean="0">
+                <a:solidFill>
+                  <a:srgbClr val="FF0000"/>
+                </a:solidFill>
+              </a:rPr>
+              <a:t> / 1000)</a:t>
+            </a:r>
+            <a:r>
+              <a:rPr lang="en-US" altLang="ko-KR" dirty="0" smtClean="0"/>
+              <a:t>, </a:t>
+            </a:r>
+            <a:r>
+              <a:rPr lang="en-US" altLang="ko-KR" dirty="0"/>
+              <a:t>SOC - 0.6, </a:t>
+            </a:r>
+            <a:r>
+              <a:rPr lang="en-US" altLang="ko-KR" dirty="0" err="1"/>
+              <a:t>J_min</a:t>
+            </a:r>
+            <a:r>
+              <a:rPr lang="en-US" altLang="ko-KR" dirty="0"/>
+              <a:t>, </a:t>
+            </a:r>
+            <a:r>
+              <a:rPr lang="en-US" altLang="ko-KR" dirty="0" err="1"/>
+              <a:t>J_max</a:t>
+            </a:r>
+            <a:r>
+              <a:rPr lang="en-US" altLang="ko-KR" dirty="0"/>
+              <a:t>]</a:t>
+            </a:r>
+          </a:p>
+          <a:p>
+            <a:pPr marL="457200" lvl="2"/>
+            <a:endParaRPr lang="en-US" altLang="ko-KR" b="1" dirty="0" smtClean="0"/>
+          </a:p>
+          <a:p>
+            <a:pPr marL="742950" lvl="2" indent="-285750">
+              <a:buFontTx/>
+              <a:buChar char="-"/>
+            </a:pPr>
+            <a:endParaRPr lang="en-US" altLang="ko-KR" b="1" dirty="0" smtClean="0"/>
+          </a:p>
+          <a:p>
+            <a:pPr marL="742950" lvl="2" indent="-285750">
+              <a:buFontTx/>
+              <a:buChar char="-"/>
+            </a:pPr>
+            <a:endParaRPr lang="en-US" altLang="ko-KR" b="1" dirty="0"/>
+          </a:p>
+          <a:p>
+            <a:pPr marL="742950" lvl="2" indent="-285750">
+              <a:buFontTx/>
+              <a:buChar char="-"/>
+            </a:pPr>
+            <a:endParaRPr lang="en-US" altLang="ko-KR" b="1" dirty="0" smtClean="0"/>
+          </a:p>
+          <a:p>
+            <a:pPr marL="742950" lvl="2" indent="-285750">
+              <a:buFontTx/>
+              <a:buChar char="-"/>
+            </a:pPr>
+            <a:endParaRPr lang="en-US" altLang="ko-KR" b="1" dirty="0"/>
+          </a:p>
+          <a:p>
+            <a:pPr marL="742950" lvl="2" indent="-285750">
+              <a:buFontTx/>
+              <a:buChar char="-"/>
+            </a:pPr>
+            <a:endParaRPr lang="en-US" altLang="ko-KR" b="1" dirty="0" smtClean="0"/>
+          </a:p>
+          <a:p>
+            <a:pPr marL="742950" lvl="2" indent="-285750">
+              <a:buFontTx/>
+              <a:buChar char="-"/>
+            </a:pPr>
+            <a:endParaRPr lang="en-US" altLang="ko-KR" b="1" dirty="0"/>
+          </a:p>
+          <a:p>
+            <a:pPr marL="285750" lvl="1" indent="-285750">
+              <a:buFontTx/>
+              <a:buChar char="-"/>
+            </a:pPr>
+            <a:r>
+              <a:rPr lang="en-US" altLang="ko-KR" b="1" dirty="0">
+                <a:solidFill>
+                  <a:srgbClr val="FF0000"/>
+                </a:solidFill>
+              </a:rPr>
+              <a:t>DDPG 2 </a:t>
+            </a:r>
+            <a:r>
+              <a:rPr lang="ko-KR" altLang="en-US" b="1" dirty="0">
+                <a:solidFill>
+                  <a:srgbClr val="FF0000"/>
+                </a:solidFill>
+              </a:rPr>
+              <a:t> </a:t>
+            </a:r>
+            <a:endParaRPr lang="en-US" altLang="ko-KR" b="1" dirty="0">
+              <a:solidFill>
+                <a:srgbClr val="FF0000"/>
+              </a:solidFill>
+            </a:endParaRPr>
+          </a:p>
+          <a:p>
+            <a:pPr marL="742950" lvl="2" indent="-285750">
+              <a:buFontTx/>
+              <a:buChar char="-"/>
+            </a:pPr>
+            <a:r>
+              <a:rPr lang="en-US" altLang="ko-KR" dirty="0"/>
+              <a:t>State: </a:t>
+            </a:r>
+            <a:r>
+              <a:rPr lang="en-US" altLang="ko-KR" dirty="0" smtClean="0"/>
+              <a:t>[</a:t>
+            </a:r>
+            <a:r>
+              <a:rPr lang="en-US" altLang="ko-KR" dirty="0" err="1" smtClean="0">
+                <a:solidFill>
+                  <a:srgbClr val="FF0000"/>
+                </a:solidFill>
+              </a:rPr>
+              <a:t>power_out</a:t>
+            </a:r>
+            <a:r>
+              <a:rPr lang="en-US" altLang="ko-KR" dirty="0" smtClean="0">
+                <a:solidFill>
+                  <a:srgbClr val="FF0000"/>
+                </a:solidFill>
+              </a:rPr>
+              <a:t> / 1000</a:t>
+            </a:r>
+            <a:r>
+              <a:rPr lang="en-US" altLang="ko-KR" dirty="0" smtClean="0"/>
+              <a:t>, </a:t>
+            </a:r>
+            <a:r>
+              <a:rPr lang="en-US" altLang="ko-KR" dirty="0"/>
+              <a:t>SOC - 0.6, </a:t>
+            </a:r>
+            <a:r>
+              <a:rPr lang="en-US" altLang="ko-KR" dirty="0" err="1"/>
+              <a:t>J_min</a:t>
+            </a:r>
+            <a:r>
+              <a:rPr lang="en-US" altLang="ko-KR" dirty="0"/>
+              <a:t>, </a:t>
+            </a:r>
+            <a:r>
+              <a:rPr lang="en-US" altLang="ko-KR" dirty="0" err="1"/>
+              <a:t>J_max</a:t>
+            </a:r>
+            <a:r>
+              <a:rPr lang="en-US" altLang="ko-KR" dirty="0" smtClean="0"/>
+              <a:t>]</a:t>
+            </a:r>
+          </a:p>
+          <a:p>
+            <a:pPr marL="742950" lvl="2" indent="-285750">
+              <a:buFontTx/>
+              <a:buChar char="-"/>
+            </a:pPr>
+            <a:r>
+              <a:rPr lang="en-US" altLang="ko-KR" dirty="0" smtClean="0">
+                <a:solidFill>
+                  <a:srgbClr val="FF0000"/>
+                </a:solidFill>
+              </a:rPr>
+              <a:t>Batch normalization </a:t>
+            </a:r>
+            <a:r>
+              <a:rPr lang="ko-KR" altLang="en-US" dirty="0" smtClean="0">
+                <a:solidFill>
+                  <a:srgbClr val="FF0000"/>
+                </a:solidFill>
+              </a:rPr>
+              <a:t>적용 </a:t>
+            </a:r>
+            <a:endParaRPr lang="en-US" altLang="ko-KR" dirty="0">
+              <a:solidFill>
+                <a:srgbClr val="FF0000"/>
+              </a:solidFill>
+            </a:endParaRPr>
+          </a:p>
+          <a:p>
+            <a:pPr marL="457200" lvl="2"/>
+            <a:r>
+              <a:rPr lang="en-US" altLang="ko-KR" dirty="0" smtClean="0">
+                <a:solidFill>
+                  <a:srgbClr val="FF0000"/>
+                </a:solidFill>
+              </a:rPr>
+              <a:t> </a:t>
+            </a:r>
+            <a:endParaRPr lang="en-US" altLang="ko-KR" dirty="0">
+              <a:solidFill>
+                <a:srgbClr val="FF0000"/>
+              </a:solidFill>
+            </a:endParaRPr>
+          </a:p>
+          <a:p>
+            <a:endParaRPr lang="en-US" altLang="ko-KR" dirty="0"/>
+          </a:p>
+          <a:p>
+            <a:pPr marL="742950" lvl="1" indent="-285750">
+              <a:buFontTx/>
+              <a:buChar char="-"/>
+            </a:pPr>
+            <a:endParaRPr lang="en-US" altLang="ko-KR" dirty="0" smtClean="0"/>
+          </a:p>
+          <a:p>
+            <a:pPr marL="742950" lvl="1" indent="-285750">
+              <a:buFontTx/>
+              <a:buChar char="-"/>
+            </a:pPr>
+            <a:endParaRPr lang="en-US" altLang="ko-KR" dirty="0"/>
           </a:p>
         </p:txBody>
       </p:sp>
@@ -16953,7 +20908,7 @@
 </p:sld>
 </file>
 
-<file path=ppt/slides/slide32.xml><?xml version="1.0" encoding="utf-8"?>
+<file path=ppt/slides/slide36.xml><?xml version="1.0" encoding="utf-8"?>
 <p:sld xmlns:a="http://schemas.openxmlformats.org/drawingml/2006/main" xmlns:r="http://schemas.openxmlformats.org/officeDocument/2006/relationships" xmlns:p="http://schemas.openxmlformats.org/presentationml/2006/main">
   <p:cSld>
     <p:spTree>

--- a/실험정리.pptx
+++ b/실험정리.pptx
@@ -21,26 +21,28 @@
     <p:sldId id="280" r:id="rId15"/>
     <p:sldId id="284" r:id="rId16"/>
     <p:sldId id="296" r:id="rId17"/>
-    <p:sldId id="278" r:id="rId18"/>
-    <p:sldId id="283" r:id="rId19"/>
-    <p:sldId id="285" r:id="rId20"/>
-    <p:sldId id="286" r:id="rId21"/>
-    <p:sldId id="287" r:id="rId22"/>
-    <p:sldId id="292" r:id="rId23"/>
-    <p:sldId id="290" r:id="rId24"/>
-    <p:sldId id="293" r:id="rId25"/>
-    <p:sldId id="299" r:id="rId26"/>
-    <p:sldId id="305" r:id="rId27"/>
-    <p:sldId id="294" r:id="rId28"/>
-    <p:sldId id="302" r:id="rId29"/>
-    <p:sldId id="307" r:id="rId30"/>
-    <p:sldId id="310" r:id="rId31"/>
-    <p:sldId id="309" r:id="rId32"/>
-    <p:sldId id="308" r:id="rId33"/>
-    <p:sldId id="312" r:id="rId34"/>
-    <p:sldId id="311" r:id="rId35"/>
-    <p:sldId id="291" r:id="rId36"/>
-    <p:sldId id="288" r:id="rId37"/>
+    <p:sldId id="314" r:id="rId18"/>
+    <p:sldId id="278" r:id="rId19"/>
+    <p:sldId id="283" r:id="rId20"/>
+    <p:sldId id="285" r:id="rId21"/>
+    <p:sldId id="286" r:id="rId22"/>
+    <p:sldId id="287" r:id="rId23"/>
+    <p:sldId id="292" r:id="rId24"/>
+    <p:sldId id="290" r:id="rId25"/>
+    <p:sldId id="293" r:id="rId26"/>
+    <p:sldId id="299" r:id="rId27"/>
+    <p:sldId id="313" r:id="rId28"/>
+    <p:sldId id="305" r:id="rId29"/>
+    <p:sldId id="294" r:id="rId30"/>
+    <p:sldId id="302" r:id="rId31"/>
+    <p:sldId id="307" r:id="rId32"/>
+    <p:sldId id="310" r:id="rId33"/>
+    <p:sldId id="309" r:id="rId34"/>
+    <p:sldId id="308" r:id="rId35"/>
+    <p:sldId id="312" r:id="rId36"/>
+    <p:sldId id="311" r:id="rId37"/>
+    <p:sldId id="291" r:id="rId38"/>
+    <p:sldId id="288" r:id="rId39"/>
   </p:sldIdLst>
   <p:sldSz cx="12192000" cy="6858000"/>
   <p:notesSz cx="6858000" cy="9144000"/>
@@ -6029,7 +6031,7 @@
         <p:spPr>
           <a:xfrm>
             <a:off x="838200" y="1459832"/>
-            <a:ext cx="11000874" cy="4247317"/>
+            <a:ext cx="11000874" cy="4801314"/>
           </a:xfrm>
           <a:prstGeom prst="rect">
             <a:avLst/>
@@ -6396,6 +6398,23 @@
               </a:rPr>
               <a:t>)</a:t>
             </a:r>
+          </a:p>
+          <a:p>
+            <a:pPr marL="742950" lvl="1" indent="-285750">
+              <a:buFontTx/>
+              <a:buChar char="-"/>
+            </a:pPr>
+            <a:endParaRPr lang="en-US" altLang="ko-KR" dirty="0">
+              <a:solidFill>
+                <a:srgbClr val="FF0000"/>
+              </a:solidFill>
+            </a:endParaRPr>
+          </a:p>
+          <a:p>
+            <a:pPr marL="742950" lvl="1" indent="-285750">
+              <a:buFontTx/>
+              <a:buChar char="-"/>
+            </a:pPr>
             <a:endParaRPr lang="en-US" altLang="ko-KR" dirty="0">
               <a:solidFill>
                 <a:srgbClr val="FF0000"/>
@@ -6512,6 +6531,489 @@
 </file>
 
 <file path=ppt/slides/slide17.xml><?xml version="1.0" encoding="utf-8"?>
+<p:sld xmlns:a="http://schemas.openxmlformats.org/drawingml/2006/main" xmlns:r="http://schemas.openxmlformats.org/officeDocument/2006/relationships" xmlns:p="http://schemas.openxmlformats.org/presentationml/2006/main">
+  <p:cSld>
+    <p:spTree>
+      <p:nvGrpSpPr>
+        <p:cNvPr id="1" name=""/>
+        <p:cNvGrpSpPr/>
+        <p:nvPr/>
+      </p:nvGrpSpPr>
+      <p:grpSpPr>
+        <a:xfrm>
+          <a:off x="0" y="0"/>
+          <a:ext cx="0" cy="0"/>
+          <a:chOff x="0" y="0"/>
+          <a:chExt cx="0" cy="0"/>
+        </a:xfrm>
+      </p:grpSpPr>
+      <p:sp>
+        <p:nvSpPr>
+          <p:cNvPr id="2" name="제목 1"/>
+          <p:cNvSpPr>
+            <a:spLocks noGrp="1"/>
+          </p:cNvSpPr>
+          <p:nvPr>
+            <p:ph type="title"/>
+          </p:nvPr>
+        </p:nvSpPr>
+        <p:spPr/>
+        <p:txBody>
+          <a:bodyPr/>
+          <a:lstStyle/>
+          <a:p>
+            <a:r>
+              <a:rPr lang="en-US" altLang="ko-KR" dirty="0" smtClean="0"/>
+              <a:t>DDQN</a:t>
+            </a:r>
+            <a:r>
+              <a:rPr lang="ko-KR" altLang="en-US" dirty="0" smtClean="0"/>
+              <a:t> </a:t>
+            </a:r>
+            <a:r>
+              <a:rPr lang="en-US" altLang="ko-KR" dirty="0" smtClean="0"/>
+              <a:t>3_ver3 </a:t>
+            </a:r>
+            <a:r>
+              <a:rPr lang="en-US" altLang="ko-KR" dirty="0" smtClean="0"/>
+              <a:t>– </a:t>
+            </a:r>
+            <a:r>
+              <a:rPr lang="ko-KR" altLang="en-US" dirty="0" smtClean="0"/>
+              <a:t>결과   </a:t>
+            </a:r>
+            <a:endParaRPr lang="ko-KR" altLang="en-US" dirty="0"/>
+          </a:p>
+        </p:txBody>
+      </p:sp>
+      <p:sp>
+        <p:nvSpPr>
+          <p:cNvPr id="4" name="TextBox 3"/>
+          <p:cNvSpPr txBox="1"/>
+          <p:nvPr/>
+        </p:nvSpPr>
+        <p:spPr>
+          <a:xfrm>
+            <a:off x="838200" y="1459832"/>
+            <a:ext cx="11000874" cy="4524315"/>
+          </a:xfrm>
+          <a:prstGeom prst="rect">
+            <a:avLst/>
+          </a:prstGeom>
+          <a:noFill/>
+        </p:spPr>
+        <p:txBody>
+          <a:bodyPr wrap="square" rtlCol="0">
+            <a:spAutoFit/>
+          </a:bodyPr>
+          <a:lstStyle/>
+          <a:p>
+            <a:pPr marL="285750" indent="-285750">
+              <a:buFontTx/>
+              <a:buChar char="-"/>
+            </a:pPr>
+            <a:r>
+              <a:rPr lang="ko-KR" altLang="en-US" b="1" dirty="0" smtClean="0">
+                <a:solidFill>
+                  <a:srgbClr val="FF0000"/>
+                </a:solidFill>
+              </a:rPr>
+              <a:t>다양한 </a:t>
+            </a:r>
+            <a:r>
+              <a:rPr lang="en-US" altLang="ko-KR" b="1" dirty="0" smtClean="0">
+                <a:solidFill>
+                  <a:srgbClr val="FF0000"/>
+                </a:solidFill>
+              </a:rPr>
+              <a:t>State</a:t>
+            </a:r>
+            <a:r>
+              <a:rPr lang="ko-KR" altLang="en-US" b="1" dirty="0" smtClean="0">
+                <a:solidFill>
+                  <a:srgbClr val="FF0000"/>
+                </a:solidFill>
+              </a:rPr>
+              <a:t>에 대한 실험을 진행함</a:t>
+            </a:r>
+            <a:endParaRPr lang="en-US" altLang="ko-KR" b="1" dirty="0" smtClean="0">
+              <a:solidFill>
+                <a:srgbClr val="FF0000"/>
+              </a:solidFill>
+            </a:endParaRPr>
+          </a:p>
+          <a:p>
+            <a:pPr marL="285750" indent="-285750">
+              <a:buFontTx/>
+              <a:buChar char="-"/>
+            </a:pPr>
+            <a:endParaRPr lang="en-US" altLang="ko-KR" b="1" dirty="0"/>
+          </a:p>
+          <a:p>
+            <a:pPr marL="285750" indent="-285750">
+              <a:buFontTx/>
+              <a:buChar char="-"/>
+            </a:pPr>
+            <a:r>
+              <a:rPr lang="en-US" altLang="ko-KR" b="1" dirty="0" smtClean="0"/>
+              <a:t>Env1 State:</a:t>
+            </a:r>
+          </a:p>
+          <a:p>
+            <a:pPr marL="742950" lvl="1" indent="-285750">
+              <a:buFontTx/>
+              <a:buChar char="-"/>
+            </a:pPr>
+            <a:r>
+              <a:rPr lang="en-US" altLang="ko-KR" dirty="0" smtClean="0"/>
+              <a:t>State:   [</a:t>
+            </a:r>
+            <a:r>
+              <a:rPr lang="en-US" altLang="ko-KR" dirty="0" err="1" smtClean="0">
+                <a:solidFill>
+                  <a:srgbClr val="FF0000"/>
+                </a:solidFill>
+              </a:rPr>
+              <a:t>power_out</a:t>
+            </a:r>
+            <a:r>
+              <a:rPr lang="en-US" altLang="ko-KR" dirty="0" smtClean="0">
+                <a:solidFill>
+                  <a:srgbClr val="FF0000"/>
+                </a:solidFill>
+              </a:rPr>
+              <a:t>/1000</a:t>
+            </a:r>
+            <a:r>
+              <a:rPr lang="en-US" altLang="ko-KR" dirty="0" smtClean="0"/>
+              <a:t>, SOC, </a:t>
+            </a:r>
+            <a:r>
+              <a:rPr lang="en-US" altLang="ko-KR" dirty="0" err="1" smtClean="0"/>
+              <a:t>j_min</a:t>
+            </a:r>
+            <a:r>
+              <a:rPr lang="en-US" altLang="ko-KR" dirty="0" smtClean="0"/>
+              <a:t>, </a:t>
+            </a:r>
+            <a:r>
+              <a:rPr lang="en-US" altLang="ko-KR" dirty="0" err="1" smtClean="0"/>
+              <a:t>j_max</a:t>
+            </a:r>
+            <a:r>
+              <a:rPr lang="en-US" altLang="ko-KR" dirty="0" smtClean="0"/>
+              <a:t>]</a:t>
+            </a:r>
+          </a:p>
+          <a:p>
+            <a:pPr marL="742950" lvl="1" indent="-285750">
+              <a:buFontTx/>
+              <a:buChar char="-"/>
+            </a:pPr>
+            <a:endParaRPr lang="en-US" altLang="ko-KR" dirty="0" smtClean="0"/>
+          </a:p>
+          <a:p>
+            <a:pPr marL="285750" indent="-285750">
+              <a:buFontTx/>
+              <a:buChar char="-"/>
+            </a:pPr>
+            <a:r>
+              <a:rPr lang="en-US" altLang="ko-KR" b="1" dirty="0" smtClean="0"/>
+              <a:t>Env2 </a:t>
+            </a:r>
+            <a:r>
+              <a:rPr lang="en-US" altLang="ko-KR" b="1" dirty="0"/>
+              <a:t>State:</a:t>
+            </a:r>
+          </a:p>
+          <a:p>
+            <a:pPr marL="742950" lvl="1" indent="-285750">
+              <a:buFontTx/>
+              <a:buChar char="-"/>
+            </a:pPr>
+            <a:r>
+              <a:rPr lang="en-US" altLang="ko-KR" dirty="0"/>
+              <a:t>State:   </a:t>
+            </a:r>
+            <a:r>
+              <a:rPr lang="en-US" altLang="ko-KR" dirty="0" smtClean="0"/>
+              <a:t>[</a:t>
+            </a:r>
+            <a:r>
+              <a:rPr lang="en-US" altLang="ko-KR" dirty="0" err="1" smtClean="0">
+                <a:solidFill>
+                  <a:srgbClr val="FF0000"/>
+                </a:solidFill>
+              </a:rPr>
+              <a:t>power_out</a:t>
+            </a:r>
+            <a:r>
+              <a:rPr lang="en-US" altLang="ko-KR" dirty="0" smtClean="0"/>
+              <a:t>, </a:t>
+            </a:r>
+            <a:r>
+              <a:rPr lang="en-US" altLang="ko-KR" dirty="0"/>
+              <a:t>SOC, </a:t>
+            </a:r>
+            <a:r>
+              <a:rPr lang="en-US" altLang="ko-KR" dirty="0" err="1"/>
+              <a:t>j_min</a:t>
+            </a:r>
+            <a:r>
+              <a:rPr lang="en-US" altLang="ko-KR" dirty="0"/>
+              <a:t>, </a:t>
+            </a:r>
+            <a:r>
+              <a:rPr lang="en-US" altLang="ko-KR" dirty="0" err="1"/>
+              <a:t>j_max</a:t>
+            </a:r>
+            <a:r>
+              <a:rPr lang="en-US" altLang="ko-KR" dirty="0"/>
+              <a:t>]</a:t>
+            </a:r>
+          </a:p>
+          <a:p>
+            <a:pPr marL="285750" indent="-285750">
+              <a:buFontTx/>
+              <a:buChar char="-"/>
+            </a:pPr>
+            <a:endParaRPr lang="en-US" altLang="ko-KR" dirty="0" smtClean="0"/>
+          </a:p>
+          <a:p>
+            <a:pPr marL="285750" indent="-285750">
+              <a:buFontTx/>
+              <a:buChar char="-"/>
+            </a:pPr>
+            <a:r>
+              <a:rPr lang="en-US" altLang="ko-KR" b="1" dirty="0" smtClean="0"/>
+              <a:t>Env3 </a:t>
+            </a:r>
+            <a:r>
+              <a:rPr lang="en-US" altLang="ko-KR" b="1" dirty="0"/>
+              <a:t>State:</a:t>
+            </a:r>
+          </a:p>
+          <a:p>
+            <a:pPr marL="742950" lvl="1" indent="-285750">
+              <a:buFontTx/>
+              <a:buChar char="-"/>
+            </a:pPr>
+            <a:r>
+              <a:rPr lang="en-US" altLang="ko-KR" dirty="0"/>
+              <a:t>State:   </a:t>
+            </a:r>
+            <a:r>
+              <a:rPr lang="en-US" altLang="ko-KR" dirty="0" smtClean="0"/>
+              <a:t>[</a:t>
+            </a:r>
+            <a:r>
+              <a:rPr lang="en-US" altLang="ko-KR" dirty="0" err="1" smtClean="0">
+                <a:solidFill>
+                  <a:srgbClr val="FF0000"/>
+                </a:solidFill>
+              </a:rPr>
+              <a:t>power_out</a:t>
+            </a:r>
+            <a:r>
+              <a:rPr lang="en-US" altLang="ko-KR" dirty="0" smtClean="0">
+                <a:solidFill>
+                  <a:srgbClr val="FF0000"/>
+                </a:solidFill>
+              </a:rPr>
+              <a:t>/1000</a:t>
+            </a:r>
+            <a:r>
+              <a:rPr lang="en-US" altLang="ko-KR" dirty="0" smtClean="0">
+                <a:solidFill>
+                  <a:srgbClr val="FF0000"/>
+                </a:solidFill>
+              </a:rPr>
+              <a:t>, </a:t>
+            </a:r>
+            <a:r>
+              <a:rPr lang="en-US" altLang="ko-KR" dirty="0" smtClean="0"/>
+              <a:t>SOC</a:t>
+            </a:r>
+            <a:r>
+              <a:rPr lang="en-US" altLang="ko-KR" dirty="0"/>
+              <a:t>, </a:t>
+            </a:r>
+            <a:r>
+              <a:rPr lang="en-US" altLang="ko-KR" dirty="0" err="1"/>
+              <a:t>j_min</a:t>
+            </a:r>
+            <a:r>
+              <a:rPr lang="en-US" altLang="ko-KR" dirty="0"/>
+              <a:t>, </a:t>
+            </a:r>
+            <a:r>
+              <a:rPr lang="en-US" altLang="ko-KR" dirty="0" err="1"/>
+              <a:t>j_max</a:t>
+            </a:r>
+            <a:r>
+              <a:rPr lang="en-US" altLang="ko-KR" dirty="0" smtClean="0"/>
+              <a:t>]</a:t>
+            </a:r>
+          </a:p>
+          <a:p>
+            <a:pPr marL="742950" lvl="1" indent="-285750">
+              <a:buFontTx/>
+              <a:buChar char="-"/>
+            </a:pPr>
+            <a:r>
+              <a:rPr lang="en-US" altLang="ko-KR" dirty="0" smtClean="0">
+                <a:solidFill>
+                  <a:srgbClr val="FF0000"/>
+                </a:solidFill>
+              </a:rPr>
+              <a:t>Batch Normalization</a:t>
+            </a:r>
+            <a:r>
+              <a:rPr lang="ko-KR" altLang="en-US" dirty="0" smtClean="0">
+                <a:solidFill>
+                  <a:srgbClr val="FF0000"/>
+                </a:solidFill>
+              </a:rPr>
+              <a:t>을 적용함 </a:t>
+            </a:r>
+            <a:endParaRPr lang="en-US" altLang="ko-KR" dirty="0" smtClean="0">
+              <a:solidFill>
+                <a:srgbClr val="FF0000"/>
+              </a:solidFill>
+            </a:endParaRPr>
+          </a:p>
+          <a:p>
+            <a:pPr marL="742950" lvl="1" indent="-285750">
+              <a:buFontTx/>
+              <a:buChar char="-"/>
+            </a:pPr>
+            <a:endParaRPr lang="en-US" altLang="ko-KR" dirty="0">
+              <a:solidFill>
+                <a:srgbClr val="FF0000"/>
+              </a:solidFill>
+            </a:endParaRPr>
+          </a:p>
+          <a:p>
+            <a:pPr marL="742950" lvl="1" indent="-285750">
+              <a:buFontTx/>
+              <a:buChar char="-"/>
+            </a:pPr>
+            <a:endParaRPr lang="en-US" altLang="ko-KR" dirty="0">
+              <a:solidFill>
+                <a:srgbClr val="FF0000"/>
+              </a:solidFill>
+            </a:endParaRPr>
+          </a:p>
+          <a:p>
+            <a:pPr marL="285750" indent="-285750">
+              <a:buFontTx/>
+              <a:buChar char="-"/>
+            </a:pPr>
+            <a:endParaRPr lang="en-US" altLang="ko-KR" dirty="0" smtClean="0"/>
+          </a:p>
+          <a:p>
+            <a:pPr marL="285750" indent="-285750">
+              <a:buFontTx/>
+              <a:buChar char="-"/>
+            </a:pPr>
+            <a:endParaRPr lang="en-US" altLang="ko-KR" dirty="0" smtClean="0"/>
+          </a:p>
+          <a:p>
+            <a:pPr lvl="1"/>
+            <a:endParaRPr lang="en-US" altLang="ko-KR" dirty="0" smtClean="0"/>
+          </a:p>
+        </p:txBody>
+      </p:sp>
+      <p:sp>
+        <p:nvSpPr>
+          <p:cNvPr id="6" name="TextBox 5"/>
+          <p:cNvSpPr txBox="1"/>
+          <p:nvPr/>
+        </p:nvSpPr>
+        <p:spPr>
+          <a:xfrm>
+            <a:off x="1526203" y="5324290"/>
+            <a:ext cx="5657565" cy="369332"/>
+          </a:xfrm>
+          <a:prstGeom prst="rect">
+            <a:avLst/>
+          </a:prstGeom>
+          <a:noFill/>
+        </p:spPr>
+        <p:txBody>
+          <a:bodyPr wrap="square" rtlCol="0">
+            <a:spAutoFit/>
+          </a:bodyPr>
+          <a:lstStyle/>
+          <a:p>
+            <a:r>
+              <a:rPr lang="en-US" altLang="ko-KR" b="1" dirty="0" smtClean="0">
+                <a:solidFill>
+                  <a:srgbClr val="FF0000"/>
+                </a:solidFill>
+              </a:rPr>
+              <a:t>Normalization</a:t>
+            </a:r>
+            <a:r>
+              <a:rPr lang="ko-KR" altLang="en-US" b="1" dirty="0" smtClean="0">
+                <a:solidFill>
+                  <a:srgbClr val="FF0000"/>
+                </a:solidFill>
+              </a:rPr>
+              <a:t>이 필수적인 요소임으로 결론을 내자  </a:t>
+            </a:r>
+            <a:endParaRPr lang="ko-KR" altLang="en-US" b="1" dirty="0">
+              <a:solidFill>
+                <a:srgbClr val="FF0000"/>
+              </a:solidFill>
+            </a:endParaRPr>
+          </a:p>
+        </p:txBody>
+      </p:sp>
+      <p:pic>
+        <p:nvPicPr>
+          <p:cNvPr id="5" name="그림 4"/>
+          <p:cNvPicPr>
+            <a:picLocks noChangeAspect="1"/>
+          </p:cNvPicPr>
+          <p:nvPr/>
+        </p:nvPicPr>
+        <p:blipFill>
+          <a:blip r:embed="rId2">
+            <a:extLst>
+              <a:ext uri="{28A0092B-C50C-407E-A947-70E740481C1C}">
+                <a14:useLocalDpi xmlns:a14="http://schemas.microsoft.com/office/drawing/2010/main" val="0"/>
+              </a:ext>
+            </a:extLst>
+          </a:blip>
+          <a:stretch>
+            <a:fillRect/>
+          </a:stretch>
+        </p:blipFill>
+        <p:spPr>
+          <a:xfrm>
+            <a:off x="7116222" y="430875"/>
+            <a:ext cx="4906243" cy="3924994"/>
+          </a:xfrm>
+          <a:prstGeom prst="rect">
+            <a:avLst/>
+          </a:prstGeom>
+        </p:spPr>
+      </p:pic>
+    </p:spTree>
+    <p:extLst>
+      <p:ext uri="{BB962C8B-B14F-4D97-AF65-F5344CB8AC3E}">
+        <p14:creationId xmlns:p14="http://schemas.microsoft.com/office/powerpoint/2010/main" val="1802284179"/>
+      </p:ext>
+    </p:extLst>
+  </p:cSld>
+  <p:clrMapOvr>
+    <a:masterClrMapping/>
+  </p:clrMapOvr>
+</p:sld>
+</file>
+
+<file path=ppt/slides/slide18.xml><?xml version="1.0" encoding="utf-8"?>
 <p:sld xmlns:a="http://schemas.openxmlformats.org/drawingml/2006/main" xmlns:r="http://schemas.openxmlformats.org/officeDocument/2006/relationships" xmlns:p="http://schemas.openxmlformats.org/presentationml/2006/main">
   <p:cSld>
     <p:spTree>
@@ -7165,7 +7667,7 @@
 </p:sld>
 </file>
 
-<file path=ppt/slides/slide18.xml><?xml version="1.0" encoding="utf-8"?>
+<file path=ppt/slides/slide19.xml><?xml version="1.0" encoding="utf-8"?>
 <p:sld xmlns:a="http://schemas.openxmlformats.org/drawingml/2006/main" xmlns:r="http://schemas.openxmlformats.org/officeDocument/2006/relationships" xmlns:p="http://schemas.openxmlformats.org/presentationml/2006/main">
   <p:cSld>
     <p:spTree>
@@ -7947,692 +8449,6 @@
 </p:sld>
 </file>
 
-<file path=ppt/slides/slide19.xml><?xml version="1.0" encoding="utf-8"?>
-<p:sld xmlns:a="http://schemas.openxmlformats.org/drawingml/2006/main" xmlns:r="http://schemas.openxmlformats.org/officeDocument/2006/relationships" xmlns:p="http://schemas.openxmlformats.org/presentationml/2006/main">
-  <p:cSld>
-    <p:spTree>
-      <p:nvGrpSpPr>
-        <p:cNvPr id="1" name=""/>
-        <p:cNvGrpSpPr/>
-        <p:nvPr/>
-      </p:nvGrpSpPr>
-      <p:grpSpPr>
-        <a:xfrm>
-          <a:off x="0" y="0"/>
-          <a:ext cx="0" cy="0"/>
-          <a:chOff x="0" y="0"/>
-          <a:chExt cx="0" cy="0"/>
-        </a:xfrm>
-      </p:grpSpPr>
-      <p:sp>
-        <p:nvSpPr>
-          <p:cNvPr id="2" name="제목 1"/>
-          <p:cNvSpPr>
-            <a:spLocks noGrp="1"/>
-          </p:cNvSpPr>
-          <p:nvPr>
-            <p:ph type="title"/>
-          </p:nvPr>
-        </p:nvSpPr>
-        <p:spPr/>
-        <p:txBody>
-          <a:bodyPr/>
-          <a:lstStyle/>
-          <a:p>
-            <a:r>
-              <a:rPr lang="en-US" altLang="ko-KR" dirty="0" smtClean="0">
-                <a:solidFill>
-                  <a:srgbClr val="FF0000"/>
-                </a:solidFill>
-              </a:rPr>
-              <a:t>DDPG</a:t>
-            </a:r>
-            <a:r>
-              <a:rPr lang="ko-KR" altLang="en-US" dirty="0" smtClean="0">
-                <a:solidFill>
-                  <a:srgbClr val="FF0000"/>
-                </a:solidFill>
-              </a:rPr>
-              <a:t> </a:t>
-            </a:r>
-            <a:r>
-              <a:rPr lang="en-US" altLang="ko-KR" dirty="0">
-                <a:solidFill>
-                  <a:srgbClr val="FF0000"/>
-                </a:solidFill>
-              </a:rPr>
-              <a:t>3</a:t>
-            </a:r>
-            <a:r>
-              <a:rPr lang="ko-KR" altLang="en-US" dirty="0" smtClean="0">
-                <a:solidFill>
-                  <a:srgbClr val="FF0000"/>
-                </a:solidFill>
-              </a:rPr>
-              <a:t>  </a:t>
-            </a:r>
-            <a:endParaRPr lang="ko-KR" altLang="en-US" dirty="0">
-              <a:solidFill>
-                <a:srgbClr val="FF0000"/>
-              </a:solidFill>
-            </a:endParaRPr>
-          </a:p>
-        </p:txBody>
-      </p:sp>
-      <p:sp>
-        <p:nvSpPr>
-          <p:cNvPr id="4" name="TextBox 3"/>
-          <p:cNvSpPr txBox="1"/>
-          <p:nvPr/>
-        </p:nvSpPr>
-        <p:spPr>
-          <a:xfrm>
-            <a:off x="838200" y="1459832"/>
-            <a:ext cx="11000874" cy="4524315"/>
-          </a:xfrm>
-          <a:prstGeom prst="rect">
-            <a:avLst/>
-          </a:prstGeom>
-          <a:noFill/>
-        </p:spPr>
-        <p:txBody>
-          <a:bodyPr wrap="square" rtlCol="0">
-            <a:spAutoFit/>
-          </a:bodyPr>
-          <a:lstStyle/>
-          <a:p>
-            <a:pPr marL="285750" indent="-285750">
-              <a:buFontTx/>
-              <a:buChar char="-"/>
-            </a:pPr>
-            <a:r>
-              <a:rPr lang="ko-KR" altLang="en-US" b="1" dirty="0" smtClean="0">
-                <a:solidFill>
-                  <a:srgbClr val="FF0000"/>
-                </a:solidFill>
-              </a:rPr>
-              <a:t>다양한 </a:t>
-            </a:r>
-            <a:r>
-              <a:rPr lang="en-US" altLang="ko-KR" b="1" dirty="0" smtClean="0">
-                <a:solidFill>
-                  <a:srgbClr val="FF0000"/>
-                </a:solidFill>
-              </a:rPr>
-              <a:t>State</a:t>
-            </a:r>
-            <a:r>
-              <a:rPr lang="ko-KR" altLang="en-US" b="1" dirty="0" smtClean="0">
-                <a:solidFill>
-                  <a:srgbClr val="FF0000"/>
-                </a:solidFill>
-              </a:rPr>
-              <a:t>에 대한 실험을 진행함</a:t>
-            </a:r>
-            <a:endParaRPr lang="en-US" altLang="ko-KR" b="1" dirty="0" smtClean="0">
-              <a:solidFill>
-                <a:srgbClr val="FF0000"/>
-              </a:solidFill>
-            </a:endParaRPr>
-          </a:p>
-          <a:p>
-            <a:pPr marL="285750" indent="-285750">
-              <a:buFontTx/>
-              <a:buChar char="-"/>
-            </a:pPr>
-            <a:endParaRPr lang="en-US" altLang="ko-KR" b="1" dirty="0"/>
-          </a:p>
-          <a:p>
-            <a:pPr marL="285750" indent="-285750">
-              <a:buFontTx/>
-              <a:buChar char="-"/>
-            </a:pPr>
-            <a:r>
-              <a:rPr lang="en-US" altLang="ko-KR" b="1" dirty="0" smtClean="0"/>
-              <a:t>Env1 State:</a:t>
-            </a:r>
-          </a:p>
-          <a:p>
-            <a:pPr marL="742950" lvl="1" indent="-285750">
-              <a:buFontTx/>
-              <a:buChar char="-"/>
-            </a:pPr>
-            <a:r>
-              <a:rPr lang="en-US" altLang="ko-KR" dirty="0" smtClean="0"/>
-              <a:t>State:   [</a:t>
-            </a:r>
-            <a:r>
-              <a:rPr lang="en-US" altLang="ko-KR" dirty="0" err="1" smtClean="0">
-                <a:solidFill>
-                  <a:srgbClr val="FF0000"/>
-                </a:solidFill>
-              </a:rPr>
-              <a:t>power_out</a:t>
-            </a:r>
-            <a:r>
-              <a:rPr lang="en-US" altLang="ko-KR" dirty="0" smtClean="0">
-                <a:solidFill>
-                  <a:srgbClr val="FF0000"/>
-                </a:solidFill>
-              </a:rPr>
-              <a:t>/1000</a:t>
-            </a:r>
-            <a:r>
-              <a:rPr lang="en-US" altLang="ko-KR" dirty="0" smtClean="0"/>
-              <a:t>, SOC - 0.6, </a:t>
-            </a:r>
-            <a:r>
-              <a:rPr lang="en-US" altLang="ko-KR" dirty="0" err="1" smtClean="0"/>
-              <a:t>j_min</a:t>
-            </a:r>
-            <a:r>
-              <a:rPr lang="en-US" altLang="ko-KR" dirty="0" smtClean="0"/>
-              <a:t>, </a:t>
-            </a:r>
-            <a:r>
-              <a:rPr lang="en-US" altLang="ko-KR" dirty="0" err="1" smtClean="0"/>
-              <a:t>j_max</a:t>
-            </a:r>
-            <a:r>
-              <a:rPr lang="en-US" altLang="ko-KR" dirty="0" smtClean="0"/>
-              <a:t>]</a:t>
-            </a:r>
-          </a:p>
-          <a:p>
-            <a:pPr marL="742950" lvl="1" indent="-285750">
-              <a:buFontTx/>
-              <a:buChar char="-"/>
-            </a:pPr>
-            <a:endParaRPr lang="en-US" altLang="ko-KR" dirty="0" smtClean="0"/>
-          </a:p>
-          <a:p>
-            <a:pPr marL="285750" indent="-285750">
-              <a:buFontTx/>
-              <a:buChar char="-"/>
-            </a:pPr>
-            <a:r>
-              <a:rPr lang="en-US" altLang="ko-KR" b="1" dirty="0" smtClean="0"/>
-              <a:t>Env2 </a:t>
-            </a:r>
-            <a:r>
-              <a:rPr lang="en-US" altLang="ko-KR" b="1" dirty="0"/>
-              <a:t>State:</a:t>
-            </a:r>
-          </a:p>
-          <a:p>
-            <a:pPr marL="742950" lvl="1" indent="-285750">
-              <a:buFontTx/>
-              <a:buChar char="-"/>
-            </a:pPr>
-            <a:r>
-              <a:rPr lang="en-US" altLang="ko-KR" dirty="0"/>
-              <a:t>State:   </a:t>
-            </a:r>
-            <a:r>
-              <a:rPr lang="en-US" altLang="ko-KR" dirty="0" smtClean="0"/>
-              <a:t>[</a:t>
-            </a:r>
-            <a:r>
-              <a:rPr lang="en-US" altLang="ko-KR" dirty="0" err="1" smtClean="0">
-                <a:solidFill>
-                  <a:srgbClr val="FF0000"/>
-                </a:solidFill>
-              </a:rPr>
-              <a:t>tq</a:t>
-            </a:r>
-            <a:r>
-              <a:rPr lang="en-US" altLang="ko-KR" dirty="0" smtClean="0">
-                <a:solidFill>
-                  <a:srgbClr val="FF0000"/>
-                </a:solidFill>
-              </a:rPr>
-              <a:t>, </a:t>
-            </a:r>
-            <a:r>
-              <a:rPr lang="en-US" altLang="ko-KR" dirty="0" err="1" smtClean="0">
-                <a:solidFill>
-                  <a:srgbClr val="FF0000"/>
-                </a:solidFill>
-              </a:rPr>
-              <a:t>sp_whl</a:t>
-            </a:r>
-            <a:r>
-              <a:rPr lang="en-US" altLang="ko-KR" dirty="0" smtClean="0"/>
-              <a:t>, SOC - 0.6, </a:t>
-            </a:r>
-            <a:r>
-              <a:rPr lang="en-US" altLang="ko-KR" dirty="0" err="1"/>
-              <a:t>j_min</a:t>
-            </a:r>
-            <a:r>
-              <a:rPr lang="en-US" altLang="ko-KR" dirty="0"/>
-              <a:t>, </a:t>
-            </a:r>
-            <a:r>
-              <a:rPr lang="en-US" altLang="ko-KR" dirty="0" err="1"/>
-              <a:t>j_max</a:t>
-            </a:r>
-            <a:r>
-              <a:rPr lang="en-US" altLang="ko-KR" dirty="0"/>
-              <a:t>]</a:t>
-            </a:r>
-          </a:p>
-          <a:p>
-            <a:pPr marL="285750" indent="-285750">
-              <a:buFontTx/>
-              <a:buChar char="-"/>
-            </a:pPr>
-            <a:endParaRPr lang="en-US" altLang="ko-KR" dirty="0" smtClean="0"/>
-          </a:p>
-          <a:p>
-            <a:pPr marL="285750" indent="-285750">
-              <a:buFontTx/>
-              <a:buChar char="-"/>
-            </a:pPr>
-            <a:r>
-              <a:rPr lang="en-US" altLang="ko-KR" b="1" dirty="0" smtClean="0"/>
-              <a:t>Env3 State:</a:t>
-            </a:r>
-          </a:p>
-          <a:p>
-            <a:pPr marL="742950" lvl="1" indent="-285750">
-              <a:buFontTx/>
-              <a:buChar char="-"/>
-            </a:pPr>
-            <a:r>
-              <a:rPr lang="en-US" altLang="ko-KR" dirty="0" smtClean="0"/>
-              <a:t>State:   [</a:t>
-            </a:r>
-            <a:r>
-              <a:rPr lang="en-US" altLang="ko-KR" dirty="0" err="1" smtClean="0">
-                <a:solidFill>
-                  <a:srgbClr val="FF0000"/>
-                </a:solidFill>
-              </a:rPr>
-              <a:t>acc</a:t>
-            </a:r>
-            <a:r>
-              <a:rPr lang="en-US" altLang="ko-KR" dirty="0" smtClean="0">
-                <a:solidFill>
-                  <a:srgbClr val="FF0000"/>
-                </a:solidFill>
-              </a:rPr>
-              <a:t>, </a:t>
-            </a:r>
-            <a:r>
-              <a:rPr lang="en-US" altLang="ko-KR" dirty="0" err="1" smtClean="0">
-                <a:solidFill>
-                  <a:srgbClr val="FF0000"/>
-                </a:solidFill>
-              </a:rPr>
-              <a:t>sp_whl</a:t>
-            </a:r>
-            <a:r>
-              <a:rPr lang="en-US" altLang="ko-KR" dirty="0" smtClean="0"/>
-              <a:t>, SOC - 0.6, </a:t>
-            </a:r>
-            <a:r>
-              <a:rPr lang="en-US" altLang="ko-KR" dirty="0" err="1" smtClean="0"/>
-              <a:t>j_min</a:t>
-            </a:r>
-            <a:r>
-              <a:rPr lang="en-US" altLang="ko-KR" dirty="0" smtClean="0"/>
-              <a:t>, </a:t>
-            </a:r>
-            <a:r>
-              <a:rPr lang="en-US" altLang="ko-KR" dirty="0" err="1" smtClean="0"/>
-              <a:t>j_max</a:t>
-            </a:r>
-            <a:r>
-              <a:rPr lang="en-US" altLang="ko-KR" dirty="0" smtClean="0"/>
-              <a:t>]</a:t>
-            </a:r>
-          </a:p>
-          <a:p>
-            <a:endParaRPr lang="en-US" altLang="ko-KR" dirty="0"/>
-          </a:p>
-          <a:p>
-            <a:pPr marL="285750" indent="-285750">
-              <a:buFontTx/>
-              <a:buChar char="-"/>
-            </a:pPr>
-            <a:r>
-              <a:rPr lang="en-US" altLang="ko-KR" b="1" dirty="0" smtClean="0"/>
-              <a:t>Env4 </a:t>
-            </a:r>
-            <a:r>
-              <a:rPr lang="en-US" altLang="ko-KR" b="1" dirty="0"/>
-              <a:t>State:</a:t>
-            </a:r>
-          </a:p>
-          <a:p>
-            <a:pPr marL="742950" lvl="1" indent="-285750">
-              <a:buFontTx/>
-              <a:buChar char="-"/>
-            </a:pPr>
-            <a:r>
-              <a:rPr lang="en-US" altLang="ko-KR" dirty="0"/>
-              <a:t>State:   </a:t>
-            </a:r>
-            <a:r>
-              <a:rPr lang="en-US" altLang="ko-KR" dirty="0" smtClean="0"/>
-              <a:t>[</a:t>
-            </a:r>
-            <a:r>
-              <a:rPr lang="en-US" altLang="ko-KR" dirty="0" err="1" smtClean="0">
-                <a:solidFill>
-                  <a:srgbClr val="FF0000"/>
-                </a:solidFill>
-              </a:rPr>
-              <a:t>power_out</a:t>
-            </a:r>
-            <a:r>
-              <a:rPr lang="en-US" altLang="ko-KR" dirty="0" smtClean="0">
-                <a:solidFill>
-                  <a:srgbClr val="FF0000"/>
-                </a:solidFill>
-              </a:rPr>
-              <a:t> / 1000, </a:t>
-            </a:r>
-            <a:r>
-              <a:rPr lang="en-US" altLang="ko-KR" dirty="0" err="1" smtClean="0">
-                <a:solidFill>
-                  <a:srgbClr val="FF0000"/>
-                </a:solidFill>
-              </a:rPr>
-              <a:t>acc</a:t>
-            </a:r>
-            <a:r>
-              <a:rPr lang="en-US" altLang="ko-KR" dirty="0">
-                <a:solidFill>
-                  <a:srgbClr val="FF0000"/>
-                </a:solidFill>
-              </a:rPr>
-              <a:t>, </a:t>
-            </a:r>
-            <a:r>
-              <a:rPr lang="en-US" altLang="ko-KR" dirty="0" err="1">
-                <a:solidFill>
-                  <a:srgbClr val="FF0000"/>
-                </a:solidFill>
-              </a:rPr>
-              <a:t>sp_whl</a:t>
-            </a:r>
-            <a:r>
-              <a:rPr lang="en-US" altLang="ko-KR" dirty="0"/>
-              <a:t>, SOC - 0.6, </a:t>
-            </a:r>
-            <a:r>
-              <a:rPr lang="en-US" altLang="ko-KR" dirty="0" err="1"/>
-              <a:t>j_min</a:t>
-            </a:r>
-            <a:r>
-              <a:rPr lang="en-US" altLang="ko-KR" dirty="0"/>
-              <a:t>, </a:t>
-            </a:r>
-            <a:r>
-              <a:rPr lang="en-US" altLang="ko-KR" dirty="0" err="1"/>
-              <a:t>j_max</a:t>
-            </a:r>
-            <a:r>
-              <a:rPr lang="en-US" altLang="ko-KR" dirty="0"/>
-              <a:t>]</a:t>
-            </a:r>
-          </a:p>
-          <a:p>
-            <a:pPr marL="285750" indent="-285750">
-              <a:buFontTx/>
-              <a:buChar char="-"/>
-            </a:pPr>
-            <a:endParaRPr lang="en-US" altLang="ko-KR" dirty="0" smtClean="0"/>
-          </a:p>
-          <a:p>
-            <a:pPr marL="285750" indent="-285750">
-              <a:buFontTx/>
-              <a:buChar char="-"/>
-            </a:pPr>
-            <a:endParaRPr lang="en-US" altLang="ko-KR" dirty="0" smtClean="0"/>
-          </a:p>
-          <a:p>
-            <a:pPr lvl="1"/>
-            <a:endParaRPr lang="en-US" altLang="ko-KR" dirty="0" smtClean="0"/>
-          </a:p>
-        </p:txBody>
-      </p:sp>
-      <p:pic>
-        <p:nvPicPr>
-          <p:cNvPr id="3" name="그림 2"/>
-          <p:cNvPicPr>
-            <a:picLocks noChangeAspect="1"/>
-          </p:cNvPicPr>
-          <p:nvPr/>
-        </p:nvPicPr>
-        <p:blipFill>
-          <a:blip r:embed="rId2"/>
-          <a:stretch>
-            <a:fillRect/>
-          </a:stretch>
-        </p:blipFill>
-        <p:spPr>
-          <a:xfrm>
-            <a:off x="7946967" y="1797422"/>
-            <a:ext cx="3586508" cy="2717247"/>
-          </a:xfrm>
-          <a:prstGeom prst="rect">
-            <a:avLst/>
-          </a:prstGeom>
-        </p:spPr>
-      </p:pic>
-      <p:sp>
-        <p:nvSpPr>
-          <p:cNvPr id="5" name="TextBox 4"/>
-          <p:cNvSpPr txBox="1"/>
-          <p:nvPr/>
-        </p:nvSpPr>
-        <p:spPr>
-          <a:xfrm>
-            <a:off x="8711738" y="4621403"/>
-            <a:ext cx="3017520" cy="369332"/>
-          </a:xfrm>
-          <a:prstGeom prst="rect">
-            <a:avLst/>
-          </a:prstGeom>
-          <a:noFill/>
-        </p:spPr>
-        <p:txBody>
-          <a:bodyPr wrap="square" rtlCol="0">
-            <a:spAutoFit/>
-          </a:bodyPr>
-          <a:lstStyle/>
-          <a:p>
-            <a:r>
-              <a:rPr lang="en-US" altLang="ko-KR" dirty="0" smtClean="0"/>
-              <a:t>&lt;</a:t>
-            </a:r>
-            <a:r>
-              <a:rPr lang="ko-KR" altLang="en-US" dirty="0" err="1" smtClean="0"/>
-              <a:t>하이퍼파라미터</a:t>
-            </a:r>
-            <a:r>
-              <a:rPr lang="en-US" altLang="ko-KR" dirty="0" smtClean="0"/>
-              <a:t>&gt;</a:t>
-            </a:r>
-            <a:r>
-              <a:rPr lang="ko-KR" altLang="en-US" dirty="0" smtClean="0"/>
-              <a:t> </a:t>
-            </a:r>
-            <a:endParaRPr lang="ko-KR" altLang="en-US" dirty="0"/>
-          </a:p>
-        </p:txBody>
-      </p:sp>
-      <p:sp>
-        <p:nvSpPr>
-          <p:cNvPr id="6" name="TextBox 5"/>
-          <p:cNvSpPr txBox="1"/>
-          <p:nvPr/>
-        </p:nvSpPr>
-        <p:spPr>
-          <a:xfrm>
-            <a:off x="833236" y="5483516"/>
-            <a:ext cx="10700239" cy="1107996"/>
-          </a:xfrm>
-          <a:prstGeom prst="rect">
-            <a:avLst/>
-          </a:prstGeom>
-          <a:noFill/>
-        </p:spPr>
-        <p:txBody>
-          <a:bodyPr wrap="square" rtlCol="0">
-            <a:spAutoFit/>
-          </a:bodyPr>
-          <a:lstStyle/>
-          <a:p>
-            <a:r>
-              <a:rPr lang="en-US" altLang="ko-KR" sz="2400" b="1" dirty="0" smtClean="0">
-                <a:solidFill>
-                  <a:srgbClr val="FF0000"/>
-                </a:solidFill>
-              </a:rPr>
-              <a:t>Env1</a:t>
-            </a:r>
-            <a:r>
-              <a:rPr lang="ko-KR" altLang="en-US" sz="2400" b="1" dirty="0" smtClean="0">
-                <a:solidFill>
-                  <a:srgbClr val="FF0000"/>
-                </a:solidFill>
-              </a:rPr>
-              <a:t>에 대해서만 부분적으로 </a:t>
-            </a:r>
-            <a:r>
-              <a:rPr lang="ko-KR" altLang="en-US" sz="2400" b="1" dirty="0" err="1" smtClean="0">
-                <a:solidFill>
-                  <a:srgbClr val="FF0000"/>
-                </a:solidFill>
-              </a:rPr>
-              <a:t>성공적임</a:t>
-            </a:r>
-            <a:r>
-              <a:rPr lang="ko-KR" altLang="en-US" sz="2400" b="1" dirty="0" smtClean="0">
-                <a:solidFill>
-                  <a:srgbClr val="FF0000"/>
-                </a:solidFill>
-              </a:rPr>
-              <a:t> </a:t>
-            </a:r>
-            <a:r>
-              <a:rPr lang="en-US" altLang="ko-KR" sz="2400" b="1" dirty="0" smtClean="0">
-                <a:solidFill>
-                  <a:srgbClr val="FF0000"/>
-                </a:solidFill>
-              </a:rPr>
-              <a:t>(Env2</a:t>
-            </a:r>
-            <a:r>
-              <a:rPr lang="ko-KR" altLang="en-US" sz="2400" b="1" dirty="0" smtClean="0">
-                <a:solidFill>
-                  <a:srgbClr val="FF0000"/>
-                </a:solidFill>
-              </a:rPr>
-              <a:t>은 실패</a:t>
-            </a:r>
-            <a:r>
-              <a:rPr lang="en-US" altLang="ko-KR" sz="2400" b="1" dirty="0" smtClean="0">
-                <a:solidFill>
-                  <a:srgbClr val="FF0000"/>
-                </a:solidFill>
-              </a:rPr>
-              <a:t>, Env3</a:t>
-            </a:r>
-            <a:r>
-              <a:rPr lang="ko-KR" altLang="en-US" sz="2400" b="1" dirty="0" smtClean="0">
-                <a:solidFill>
-                  <a:srgbClr val="FF0000"/>
-                </a:solidFill>
-              </a:rPr>
-              <a:t>은 많이 실패</a:t>
-            </a:r>
-            <a:r>
-              <a:rPr lang="en-US" altLang="ko-KR" sz="2400" b="1" dirty="0" smtClean="0">
-                <a:solidFill>
-                  <a:srgbClr val="FF0000"/>
-                </a:solidFill>
-              </a:rPr>
-              <a:t>…)</a:t>
-            </a:r>
-          </a:p>
-          <a:p>
-            <a:endParaRPr lang="en-US" altLang="ko-KR" dirty="0"/>
-          </a:p>
-          <a:p>
-            <a:r>
-              <a:rPr lang="en-US" altLang="ko-KR" sz="2400" b="1" dirty="0" smtClean="0">
-                <a:solidFill>
-                  <a:srgbClr val="FF0000"/>
-                </a:solidFill>
-              </a:rPr>
-              <a:t>Decay Rate</a:t>
-            </a:r>
-            <a:r>
-              <a:rPr lang="ko-KR" altLang="en-US" sz="2400" b="1" dirty="0" smtClean="0">
-                <a:solidFill>
-                  <a:srgbClr val="FF0000"/>
-                </a:solidFill>
-              </a:rPr>
-              <a:t>를 </a:t>
-            </a:r>
-            <a:r>
-              <a:rPr lang="en-US" altLang="ko-KR" sz="2400" b="1" dirty="0" smtClean="0">
-                <a:solidFill>
-                  <a:srgbClr val="FF0000"/>
-                </a:solidFill>
-              </a:rPr>
-              <a:t>0.00001</a:t>
-            </a:r>
-            <a:r>
-              <a:rPr lang="ko-KR" altLang="en-US" sz="2400" b="1" dirty="0" smtClean="0">
-                <a:solidFill>
-                  <a:srgbClr val="FF0000"/>
-                </a:solidFill>
-              </a:rPr>
-              <a:t>로</a:t>
-            </a:r>
-            <a:r>
-              <a:rPr lang="en-US" altLang="ko-KR" sz="2400" b="1" dirty="0" smtClean="0">
-                <a:solidFill>
-                  <a:srgbClr val="FF0000"/>
-                </a:solidFill>
-              </a:rPr>
-              <a:t> </a:t>
-            </a:r>
-            <a:r>
-              <a:rPr lang="ko-KR" altLang="en-US" sz="2400" b="1" dirty="0" smtClean="0">
-                <a:solidFill>
-                  <a:srgbClr val="FF0000"/>
-                </a:solidFill>
-              </a:rPr>
-              <a:t>낮추기 시도 </a:t>
-            </a:r>
-            <a:endParaRPr lang="en-US" altLang="ko-KR" sz="2400" b="1" dirty="0">
-              <a:solidFill>
-                <a:srgbClr val="FF0000"/>
-              </a:solidFill>
-            </a:endParaRPr>
-          </a:p>
-        </p:txBody>
-      </p:sp>
-    </p:spTree>
-    <p:extLst>
-      <p:ext uri="{BB962C8B-B14F-4D97-AF65-F5344CB8AC3E}">
-        <p14:creationId xmlns:p14="http://schemas.microsoft.com/office/powerpoint/2010/main" val="28906980"/>
-      </p:ext>
-    </p:extLst>
-  </p:cSld>
-  <p:clrMapOvr>
-    <a:masterClrMapping/>
-  </p:clrMapOvr>
-</p:sld>
-</file>
-
 <file path=ppt/slides/slide2.xml><?xml version="1.0" encoding="utf-8"?>
 <p:sld xmlns:a="http://schemas.openxmlformats.org/drawingml/2006/main" xmlns:r="http://schemas.openxmlformats.org/officeDocument/2006/relationships" xmlns:p="http://schemas.openxmlformats.org/presentationml/2006/main">
   <p:cSld>
@@ -9308,22 +9124,42 @@
           <a:lstStyle/>
           <a:p>
             <a:r>
-              <a:rPr lang="en-US" altLang="ko-KR" dirty="0" smtClean="0"/>
+              <a:rPr lang="en-US" altLang="ko-KR" dirty="0" smtClean="0">
+                <a:solidFill>
+                  <a:srgbClr val="FF0000"/>
+                </a:solidFill>
+              </a:rPr>
               <a:t>DDPG</a:t>
             </a:r>
             <a:r>
-              <a:rPr lang="ko-KR" altLang="en-US" dirty="0" smtClean="0"/>
+              <a:rPr lang="ko-KR" altLang="en-US" dirty="0" smtClean="0">
+                <a:solidFill>
+                  <a:srgbClr val="FF0000"/>
+                </a:solidFill>
+              </a:rPr>
               <a:t> </a:t>
             </a:r>
             <a:r>
-              <a:rPr lang="en-US" altLang="ko-KR" dirty="0"/>
-              <a:t>4</a:t>
-            </a:r>
-            <a:r>
-              <a:rPr lang="ko-KR" altLang="en-US" dirty="0" smtClean="0"/>
+              <a:rPr lang="en-US" altLang="ko-KR" dirty="0">
+                <a:solidFill>
+                  <a:srgbClr val="FF0000"/>
+                </a:solidFill>
+              </a:rPr>
+              <a:t>3</a:t>
+            </a:r>
+            <a:r>
+              <a:rPr lang="ko-KR" altLang="en-US" dirty="0" smtClean="0">
+                <a:solidFill>
+                  <a:srgbClr val="FF0000"/>
+                </a:solidFill>
+              </a:rPr>
               <a:t>  </a:t>
             </a:r>
-            <a:endParaRPr lang="ko-KR" altLang="en-US" dirty="0"/>
+            <a:endParaRPr lang="ko-KR" altLang="en-US" dirty="0">
+              <a:solidFill>
+                <a:srgbClr val="FF0000"/>
+              </a:solidFill>
+            </a:endParaRPr>
           </a:p>
         </p:txBody>
       </p:sp>
@@ -9336,7 +9172,7 @@
         <p:spPr>
           <a:xfrm>
             <a:off x="838200" y="1459832"/>
-            <a:ext cx="11000874" cy="923330"/>
+            <a:ext cx="11000874" cy="4524315"/>
           </a:xfrm>
           <a:prstGeom prst="rect">
             <a:avLst/>
@@ -9354,12 +9190,20 @@
               <a:buChar char="-"/>
             </a:pPr>
             <a:r>
+              <a:rPr lang="ko-KR" altLang="en-US" b="1" dirty="0" smtClean="0">
+                <a:solidFill>
+                  <a:srgbClr val="FF0000"/>
+                </a:solidFill>
+              </a:rPr>
+              <a:t>다양한 </a:t>
+            </a:r>
+            <a:r>
               <a:rPr lang="en-US" altLang="ko-KR" b="1" dirty="0" smtClean="0">
                 <a:solidFill>
                   <a:srgbClr val="FF0000"/>
                 </a:solidFill>
               </a:rPr>
-              <a:t>Decay Rate</a:t>
+              <a:t>State</a:t>
             </a:r>
             <a:r>
               <a:rPr lang="ko-KR" altLang="en-US" b="1" dirty="0" smtClean="0">
@@ -9367,7 +9211,7 @@
                   <a:srgbClr val="FF0000"/>
                 </a:solidFill>
               </a:rPr>
-              <a:t>에 따른 학습 안정도를 확인함 </a:t>
+              <a:t>에 대한 실험을 진행함</a:t>
             </a:r>
             <a:endParaRPr lang="en-US" altLang="ko-KR" b="1" dirty="0" smtClean="0">
               <a:solidFill>
@@ -9389,12 +9233,312 @@
             </a:pPr>
             <a:r>
               <a:rPr lang="en-US" altLang="ko-KR" b="1" dirty="0" smtClean="0"/>
-              <a:t>Decay Rate</a:t>
+              <a:t>Env1 State:</a:t>
+            </a:r>
+          </a:p>
+          <a:p>
+            <a:pPr marL="742950" lvl="1" indent="-285750">
+              <a:buFontTx/>
+              <a:buChar char="-"/>
+            </a:pPr>
+            <a:r>
+              <a:rPr lang="en-US" altLang="ko-KR" dirty="0" smtClean="0"/>
+              <a:t>State:   [</a:t>
+            </a:r>
+            <a:r>
+              <a:rPr lang="en-US" altLang="ko-KR" dirty="0" err="1" smtClean="0">
+                <a:solidFill>
+                  <a:srgbClr val="FF0000"/>
+                </a:solidFill>
+              </a:rPr>
+              <a:t>power_out</a:t>
+            </a:r>
+            <a:r>
+              <a:rPr lang="en-US" altLang="ko-KR" dirty="0" smtClean="0">
+                <a:solidFill>
+                  <a:srgbClr val="FF0000"/>
+                </a:solidFill>
+              </a:rPr>
+              <a:t>/1000</a:t>
+            </a:r>
+            <a:r>
+              <a:rPr lang="en-US" altLang="ko-KR" dirty="0" smtClean="0"/>
+              <a:t>, SOC - 0.6, </a:t>
+            </a:r>
+            <a:r>
+              <a:rPr lang="en-US" altLang="ko-KR" dirty="0" err="1" smtClean="0"/>
+              <a:t>j_min</a:t>
+            </a:r>
+            <a:r>
+              <a:rPr lang="en-US" altLang="ko-KR" dirty="0" smtClean="0"/>
+              <a:t>, </a:t>
+            </a:r>
+            <a:r>
+              <a:rPr lang="en-US" altLang="ko-KR" dirty="0" err="1" smtClean="0"/>
+              <a:t>j_max</a:t>
+            </a:r>
+            <a:r>
+              <a:rPr lang="en-US" altLang="ko-KR" dirty="0" smtClean="0"/>
+              <a:t>]</a:t>
+            </a:r>
+          </a:p>
+          <a:p>
+            <a:pPr marL="742950" lvl="1" indent="-285750">
+              <a:buFontTx/>
+              <a:buChar char="-"/>
+            </a:pPr>
+            <a:endParaRPr lang="en-US" altLang="ko-KR" dirty="0" smtClean="0"/>
+          </a:p>
+          <a:p>
+            <a:pPr marL="285750" indent="-285750">
+              <a:buFontTx/>
+              <a:buChar char="-"/>
+            </a:pPr>
+            <a:r>
+              <a:rPr lang="en-US" altLang="ko-KR" b="1" dirty="0" smtClean="0"/>
+              <a:t>Env2 </a:t>
             </a:r>
             <a:r>
               <a:rPr lang="en-US" altLang="ko-KR" b="1" dirty="0"/>
-              <a:t>: [0.0001, 0.00004, 0.00002, 0.00001, 0.000005] </a:t>
-            </a:r>
+              <a:t>State:</a:t>
+            </a:r>
+          </a:p>
+          <a:p>
+            <a:pPr marL="742950" lvl="1" indent="-285750">
+              <a:buFontTx/>
+              <a:buChar char="-"/>
+            </a:pPr>
+            <a:r>
+              <a:rPr lang="en-US" altLang="ko-KR" dirty="0"/>
+              <a:t>State:   </a:t>
+            </a:r>
+            <a:r>
+              <a:rPr lang="en-US" altLang="ko-KR" dirty="0" smtClean="0"/>
+              <a:t>[</a:t>
+            </a:r>
+            <a:r>
+              <a:rPr lang="en-US" altLang="ko-KR" dirty="0" err="1" smtClean="0">
+                <a:solidFill>
+                  <a:srgbClr val="FF0000"/>
+                </a:solidFill>
+              </a:rPr>
+              <a:t>tq</a:t>
+            </a:r>
+            <a:r>
+              <a:rPr lang="en-US" altLang="ko-KR" dirty="0" smtClean="0">
+                <a:solidFill>
+                  <a:srgbClr val="FF0000"/>
+                </a:solidFill>
+              </a:rPr>
+              <a:t>, </a:t>
+            </a:r>
+            <a:r>
+              <a:rPr lang="en-US" altLang="ko-KR" dirty="0" err="1" smtClean="0">
+                <a:solidFill>
+                  <a:srgbClr val="FF0000"/>
+                </a:solidFill>
+              </a:rPr>
+              <a:t>sp_whl</a:t>
+            </a:r>
+            <a:r>
+              <a:rPr lang="en-US" altLang="ko-KR" dirty="0" smtClean="0"/>
+              <a:t>, SOC - 0.6, </a:t>
+            </a:r>
+            <a:r>
+              <a:rPr lang="en-US" altLang="ko-KR" dirty="0" err="1"/>
+              <a:t>j_min</a:t>
+            </a:r>
+            <a:r>
+              <a:rPr lang="en-US" altLang="ko-KR" dirty="0"/>
+              <a:t>, </a:t>
+            </a:r>
+            <a:r>
+              <a:rPr lang="en-US" altLang="ko-KR" dirty="0" err="1"/>
+              <a:t>j_max</a:t>
+            </a:r>
+            <a:r>
+              <a:rPr lang="en-US" altLang="ko-KR" dirty="0"/>
+              <a:t>]</a:t>
+            </a:r>
+          </a:p>
+          <a:p>
+            <a:pPr marL="285750" indent="-285750">
+              <a:buFontTx/>
+              <a:buChar char="-"/>
+            </a:pPr>
+            <a:endParaRPr lang="en-US" altLang="ko-KR" dirty="0" smtClean="0"/>
+          </a:p>
+          <a:p>
+            <a:pPr marL="285750" indent="-285750">
+              <a:buFontTx/>
+              <a:buChar char="-"/>
+            </a:pPr>
+            <a:r>
+              <a:rPr lang="en-US" altLang="ko-KR" b="1" dirty="0" smtClean="0"/>
+              <a:t>Env3 State:</a:t>
+            </a:r>
+          </a:p>
+          <a:p>
+            <a:pPr marL="742950" lvl="1" indent="-285750">
+              <a:buFontTx/>
+              <a:buChar char="-"/>
+            </a:pPr>
+            <a:r>
+              <a:rPr lang="en-US" altLang="ko-KR" dirty="0" smtClean="0"/>
+              <a:t>State:   [</a:t>
+            </a:r>
+            <a:r>
+              <a:rPr lang="en-US" altLang="ko-KR" dirty="0" err="1" smtClean="0">
+                <a:solidFill>
+                  <a:srgbClr val="FF0000"/>
+                </a:solidFill>
+              </a:rPr>
+              <a:t>acc</a:t>
+            </a:r>
+            <a:r>
+              <a:rPr lang="en-US" altLang="ko-KR" dirty="0" smtClean="0">
+                <a:solidFill>
+                  <a:srgbClr val="FF0000"/>
+                </a:solidFill>
+              </a:rPr>
+              <a:t>, </a:t>
+            </a:r>
+            <a:r>
+              <a:rPr lang="en-US" altLang="ko-KR" dirty="0" err="1" smtClean="0">
+                <a:solidFill>
+                  <a:srgbClr val="FF0000"/>
+                </a:solidFill>
+              </a:rPr>
+              <a:t>sp_whl</a:t>
+            </a:r>
+            <a:r>
+              <a:rPr lang="en-US" altLang="ko-KR" dirty="0" smtClean="0"/>
+              <a:t>, SOC - 0.6, </a:t>
+            </a:r>
+            <a:r>
+              <a:rPr lang="en-US" altLang="ko-KR" dirty="0" err="1" smtClean="0"/>
+              <a:t>j_min</a:t>
+            </a:r>
+            <a:r>
+              <a:rPr lang="en-US" altLang="ko-KR" dirty="0" smtClean="0"/>
+              <a:t>, </a:t>
+            </a:r>
+            <a:r>
+              <a:rPr lang="en-US" altLang="ko-KR" dirty="0" err="1" smtClean="0"/>
+              <a:t>j_max</a:t>
+            </a:r>
+            <a:r>
+              <a:rPr lang="en-US" altLang="ko-KR" dirty="0" smtClean="0"/>
+              <a:t>]</a:t>
+            </a:r>
+          </a:p>
+          <a:p>
+            <a:endParaRPr lang="en-US" altLang="ko-KR" dirty="0"/>
+          </a:p>
+          <a:p>
+            <a:pPr marL="285750" indent="-285750">
+              <a:buFontTx/>
+              <a:buChar char="-"/>
+            </a:pPr>
+            <a:r>
+              <a:rPr lang="en-US" altLang="ko-KR" b="1" dirty="0" smtClean="0"/>
+              <a:t>Env4 </a:t>
+            </a:r>
+            <a:r>
+              <a:rPr lang="en-US" altLang="ko-KR" b="1" dirty="0"/>
+              <a:t>State:</a:t>
+            </a:r>
+          </a:p>
+          <a:p>
+            <a:pPr marL="742950" lvl="1" indent="-285750">
+              <a:buFontTx/>
+              <a:buChar char="-"/>
+            </a:pPr>
+            <a:r>
+              <a:rPr lang="en-US" altLang="ko-KR" dirty="0"/>
+              <a:t>State:   </a:t>
+            </a:r>
+            <a:r>
+              <a:rPr lang="en-US" altLang="ko-KR" dirty="0" smtClean="0"/>
+              <a:t>[</a:t>
+            </a:r>
+            <a:r>
+              <a:rPr lang="en-US" altLang="ko-KR" dirty="0" err="1" smtClean="0">
+                <a:solidFill>
+                  <a:srgbClr val="FF0000"/>
+                </a:solidFill>
+              </a:rPr>
+              <a:t>power_out</a:t>
+            </a:r>
+            <a:r>
+              <a:rPr lang="en-US" altLang="ko-KR" dirty="0" smtClean="0">
+                <a:solidFill>
+                  <a:srgbClr val="FF0000"/>
+                </a:solidFill>
+              </a:rPr>
+              <a:t> / 1000, </a:t>
+            </a:r>
+            <a:r>
+              <a:rPr lang="en-US" altLang="ko-KR" dirty="0" err="1" smtClean="0">
+                <a:solidFill>
+                  <a:srgbClr val="FF0000"/>
+                </a:solidFill>
+              </a:rPr>
+              <a:t>acc</a:t>
+            </a:r>
+            <a:r>
+              <a:rPr lang="en-US" altLang="ko-KR" dirty="0">
+                <a:solidFill>
+                  <a:srgbClr val="FF0000"/>
+                </a:solidFill>
+              </a:rPr>
+              <a:t>, </a:t>
+            </a:r>
+            <a:r>
+              <a:rPr lang="en-US" altLang="ko-KR" dirty="0" err="1">
+                <a:solidFill>
+                  <a:srgbClr val="FF0000"/>
+                </a:solidFill>
+              </a:rPr>
+              <a:t>sp_whl</a:t>
+            </a:r>
+            <a:r>
+              <a:rPr lang="en-US" altLang="ko-KR" dirty="0"/>
+              <a:t>, SOC - 0.6, </a:t>
+            </a:r>
+            <a:r>
+              <a:rPr lang="en-US" altLang="ko-KR" dirty="0" err="1"/>
+              <a:t>j_min</a:t>
+            </a:r>
+            <a:r>
+              <a:rPr lang="en-US" altLang="ko-KR" dirty="0"/>
+              <a:t>, </a:t>
+            </a:r>
+            <a:r>
+              <a:rPr lang="en-US" altLang="ko-KR" dirty="0" err="1"/>
+              <a:t>j_max</a:t>
+            </a:r>
+            <a:r>
+              <a:rPr lang="en-US" altLang="ko-KR" dirty="0"/>
+              <a:t>]</a:t>
+            </a:r>
+          </a:p>
+          <a:p>
+            <a:pPr marL="285750" indent="-285750">
+              <a:buFontTx/>
+              <a:buChar char="-"/>
+            </a:pPr>
+            <a:endParaRPr lang="en-US" altLang="ko-KR" dirty="0" smtClean="0"/>
+          </a:p>
+          <a:p>
+            <a:pPr marL="285750" indent="-285750">
+              <a:buFontTx/>
+              <a:buChar char="-"/>
+            </a:pPr>
+            <a:endParaRPr lang="en-US" altLang="ko-KR" dirty="0" smtClean="0"/>
+          </a:p>
+          <a:p>
+            <a:pPr lvl="1"/>
             <a:endParaRPr lang="en-US" altLang="ko-KR" dirty="0" smtClean="0"/>
           </a:p>
         </p:txBody>
@@ -9473,6 +9617,364 @@
         </p:nvSpPr>
         <p:spPr>
           <a:xfrm>
+            <a:off x="833236" y="5483516"/>
+            <a:ext cx="10700239" cy="1107996"/>
+          </a:xfrm>
+          <a:prstGeom prst="rect">
+            <a:avLst/>
+          </a:prstGeom>
+          <a:noFill/>
+        </p:spPr>
+        <p:txBody>
+          <a:bodyPr wrap="square" rtlCol="0">
+            <a:spAutoFit/>
+          </a:bodyPr>
+          <a:lstStyle/>
+          <a:p>
+            <a:r>
+              <a:rPr lang="en-US" altLang="ko-KR" sz="2400" b="1" dirty="0" smtClean="0">
+                <a:solidFill>
+                  <a:srgbClr val="FF0000"/>
+                </a:solidFill>
+              </a:rPr>
+              <a:t>Env1</a:t>
+            </a:r>
+            <a:r>
+              <a:rPr lang="ko-KR" altLang="en-US" sz="2400" b="1" dirty="0" smtClean="0">
+                <a:solidFill>
+                  <a:srgbClr val="FF0000"/>
+                </a:solidFill>
+              </a:rPr>
+              <a:t>에 대해서만 부분적으로 </a:t>
+            </a:r>
+            <a:r>
+              <a:rPr lang="ko-KR" altLang="en-US" sz="2400" b="1" dirty="0" err="1" smtClean="0">
+                <a:solidFill>
+                  <a:srgbClr val="FF0000"/>
+                </a:solidFill>
+              </a:rPr>
+              <a:t>성공적임</a:t>
+            </a:r>
+            <a:r>
+              <a:rPr lang="ko-KR" altLang="en-US" sz="2400" b="1" dirty="0" smtClean="0">
+                <a:solidFill>
+                  <a:srgbClr val="FF0000"/>
+                </a:solidFill>
+              </a:rPr>
+              <a:t> </a:t>
+            </a:r>
+            <a:r>
+              <a:rPr lang="en-US" altLang="ko-KR" sz="2400" b="1" dirty="0" smtClean="0">
+                <a:solidFill>
+                  <a:srgbClr val="FF0000"/>
+                </a:solidFill>
+              </a:rPr>
+              <a:t>(Env2</a:t>
+            </a:r>
+            <a:r>
+              <a:rPr lang="ko-KR" altLang="en-US" sz="2400" b="1" dirty="0" smtClean="0">
+                <a:solidFill>
+                  <a:srgbClr val="FF0000"/>
+                </a:solidFill>
+              </a:rPr>
+              <a:t>은 실패</a:t>
+            </a:r>
+            <a:r>
+              <a:rPr lang="en-US" altLang="ko-KR" sz="2400" b="1" dirty="0" smtClean="0">
+                <a:solidFill>
+                  <a:srgbClr val="FF0000"/>
+                </a:solidFill>
+              </a:rPr>
+              <a:t>, Env3</a:t>
+            </a:r>
+            <a:r>
+              <a:rPr lang="ko-KR" altLang="en-US" sz="2400" b="1" dirty="0" smtClean="0">
+                <a:solidFill>
+                  <a:srgbClr val="FF0000"/>
+                </a:solidFill>
+              </a:rPr>
+              <a:t>은 많이 실패</a:t>
+            </a:r>
+            <a:r>
+              <a:rPr lang="en-US" altLang="ko-KR" sz="2400" b="1" dirty="0" smtClean="0">
+                <a:solidFill>
+                  <a:srgbClr val="FF0000"/>
+                </a:solidFill>
+              </a:rPr>
+              <a:t>…)</a:t>
+            </a:r>
+          </a:p>
+          <a:p>
+            <a:endParaRPr lang="en-US" altLang="ko-KR" dirty="0"/>
+          </a:p>
+          <a:p>
+            <a:r>
+              <a:rPr lang="en-US" altLang="ko-KR" sz="2400" b="1" dirty="0" smtClean="0">
+                <a:solidFill>
+                  <a:srgbClr val="FF0000"/>
+                </a:solidFill>
+              </a:rPr>
+              <a:t>Decay Rate</a:t>
+            </a:r>
+            <a:r>
+              <a:rPr lang="ko-KR" altLang="en-US" sz="2400" b="1" dirty="0" smtClean="0">
+                <a:solidFill>
+                  <a:srgbClr val="FF0000"/>
+                </a:solidFill>
+              </a:rPr>
+              <a:t>를 </a:t>
+            </a:r>
+            <a:r>
+              <a:rPr lang="en-US" altLang="ko-KR" sz="2400" b="1" dirty="0" smtClean="0">
+                <a:solidFill>
+                  <a:srgbClr val="FF0000"/>
+                </a:solidFill>
+              </a:rPr>
+              <a:t>0.00001</a:t>
+            </a:r>
+            <a:r>
+              <a:rPr lang="ko-KR" altLang="en-US" sz="2400" b="1" dirty="0" smtClean="0">
+                <a:solidFill>
+                  <a:srgbClr val="FF0000"/>
+                </a:solidFill>
+              </a:rPr>
+              <a:t>로</a:t>
+            </a:r>
+            <a:r>
+              <a:rPr lang="en-US" altLang="ko-KR" sz="2400" b="1" dirty="0" smtClean="0">
+                <a:solidFill>
+                  <a:srgbClr val="FF0000"/>
+                </a:solidFill>
+              </a:rPr>
+              <a:t> </a:t>
+            </a:r>
+            <a:r>
+              <a:rPr lang="ko-KR" altLang="en-US" sz="2400" b="1" dirty="0" smtClean="0">
+                <a:solidFill>
+                  <a:srgbClr val="FF0000"/>
+                </a:solidFill>
+              </a:rPr>
+              <a:t>낮추기 시도 </a:t>
+            </a:r>
+            <a:endParaRPr lang="en-US" altLang="ko-KR" sz="2400" b="1" dirty="0">
+              <a:solidFill>
+                <a:srgbClr val="FF0000"/>
+              </a:solidFill>
+            </a:endParaRPr>
+          </a:p>
+        </p:txBody>
+      </p:sp>
+    </p:spTree>
+    <p:extLst>
+      <p:ext uri="{BB962C8B-B14F-4D97-AF65-F5344CB8AC3E}">
+        <p14:creationId xmlns:p14="http://schemas.microsoft.com/office/powerpoint/2010/main" val="28906980"/>
+      </p:ext>
+    </p:extLst>
+  </p:cSld>
+  <p:clrMapOvr>
+    <a:masterClrMapping/>
+  </p:clrMapOvr>
+</p:sld>
+</file>
+
+<file path=ppt/slides/slide21.xml><?xml version="1.0" encoding="utf-8"?>
+<p:sld xmlns:a="http://schemas.openxmlformats.org/drawingml/2006/main" xmlns:r="http://schemas.openxmlformats.org/officeDocument/2006/relationships" xmlns:p="http://schemas.openxmlformats.org/presentationml/2006/main">
+  <p:cSld>
+    <p:spTree>
+      <p:nvGrpSpPr>
+        <p:cNvPr id="1" name=""/>
+        <p:cNvGrpSpPr/>
+        <p:nvPr/>
+      </p:nvGrpSpPr>
+      <p:grpSpPr>
+        <a:xfrm>
+          <a:off x="0" y="0"/>
+          <a:ext cx="0" cy="0"/>
+          <a:chOff x="0" y="0"/>
+          <a:chExt cx="0" cy="0"/>
+        </a:xfrm>
+      </p:grpSpPr>
+      <p:sp>
+        <p:nvSpPr>
+          <p:cNvPr id="2" name="제목 1"/>
+          <p:cNvSpPr>
+            <a:spLocks noGrp="1"/>
+          </p:cNvSpPr>
+          <p:nvPr>
+            <p:ph type="title"/>
+          </p:nvPr>
+        </p:nvSpPr>
+        <p:spPr/>
+        <p:txBody>
+          <a:bodyPr/>
+          <a:lstStyle/>
+          <a:p>
+            <a:r>
+              <a:rPr lang="en-US" altLang="ko-KR" dirty="0" smtClean="0"/>
+              <a:t>DDPG</a:t>
+            </a:r>
+            <a:r>
+              <a:rPr lang="ko-KR" altLang="en-US" dirty="0" smtClean="0"/>
+              <a:t> </a:t>
+            </a:r>
+            <a:r>
+              <a:rPr lang="en-US" altLang="ko-KR" dirty="0"/>
+              <a:t>4</a:t>
+            </a:r>
+            <a:r>
+              <a:rPr lang="ko-KR" altLang="en-US" dirty="0" smtClean="0"/>
+              <a:t>  </a:t>
+            </a:r>
+            <a:endParaRPr lang="ko-KR" altLang="en-US" dirty="0"/>
+          </a:p>
+        </p:txBody>
+      </p:sp>
+      <p:sp>
+        <p:nvSpPr>
+          <p:cNvPr id="4" name="TextBox 3"/>
+          <p:cNvSpPr txBox="1"/>
+          <p:nvPr/>
+        </p:nvSpPr>
+        <p:spPr>
+          <a:xfrm>
+            <a:off x="838200" y="1459832"/>
+            <a:ext cx="11000874" cy="923330"/>
+          </a:xfrm>
+          <a:prstGeom prst="rect">
+            <a:avLst/>
+          </a:prstGeom>
+          <a:noFill/>
+        </p:spPr>
+        <p:txBody>
+          <a:bodyPr wrap="square" rtlCol="0">
+            <a:spAutoFit/>
+          </a:bodyPr>
+          <a:lstStyle/>
+          <a:p>
+            <a:pPr marL="285750" indent="-285750">
+              <a:buFontTx/>
+              <a:buChar char="-"/>
+            </a:pPr>
+            <a:r>
+              <a:rPr lang="en-US" altLang="ko-KR" b="1" dirty="0" smtClean="0">
+                <a:solidFill>
+                  <a:srgbClr val="FF0000"/>
+                </a:solidFill>
+              </a:rPr>
+              <a:t>Decay Rate</a:t>
+            </a:r>
+            <a:r>
+              <a:rPr lang="ko-KR" altLang="en-US" b="1" dirty="0" smtClean="0">
+                <a:solidFill>
+                  <a:srgbClr val="FF0000"/>
+                </a:solidFill>
+              </a:rPr>
+              <a:t>에 따른 학습 안정도를 확인함 </a:t>
+            </a:r>
+            <a:endParaRPr lang="en-US" altLang="ko-KR" b="1" dirty="0" smtClean="0">
+              <a:solidFill>
+                <a:srgbClr val="FF0000"/>
+              </a:solidFill>
+            </a:endParaRPr>
+          </a:p>
+          <a:p>
+            <a:pPr marL="285750" indent="-285750">
+              <a:buFontTx/>
+              <a:buChar char="-"/>
+            </a:pPr>
+            <a:endParaRPr lang="en-US" altLang="ko-KR" b="1" dirty="0"/>
+          </a:p>
+          <a:p>
+            <a:pPr marL="285750" indent="-285750">
+              <a:buFontTx/>
+              <a:buChar char="-"/>
+            </a:pPr>
+            <a:r>
+              <a:rPr lang="en-US" altLang="ko-KR" b="1" dirty="0" smtClean="0"/>
+              <a:t>Decay Rate</a:t>
+            </a:r>
+            <a:r>
+              <a:rPr lang="en-US" altLang="ko-KR" b="1" dirty="0"/>
+              <a:t>: [0.0001, 0.00004, 0.00002, 0.00001, 0.000005] </a:t>
+            </a:r>
+            <a:endParaRPr lang="en-US" altLang="ko-KR" dirty="0" smtClean="0"/>
+          </a:p>
+        </p:txBody>
+      </p:sp>
+      <p:pic>
+        <p:nvPicPr>
+          <p:cNvPr id="3" name="그림 2"/>
+          <p:cNvPicPr>
+            <a:picLocks noChangeAspect="1"/>
+          </p:cNvPicPr>
+          <p:nvPr/>
+        </p:nvPicPr>
+        <p:blipFill>
+          <a:blip r:embed="rId2"/>
+          <a:stretch>
+            <a:fillRect/>
+          </a:stretch>
+        </p:blipFill>
+        <p:spPr>
+          <a:xfrm>
+            <a:off x="7946967" y="1797422"/>
+            <a:ext cx="3586508" cy="2717247"/>
+          </a:xfrm>
+          <a:prstGeom prst="rect">
+            <a:avLst/>
+          </a:prstGeom>
+        </p:spPr>
+      </p:pic>
+      <p:sp>
+        <p:nvSpPr>
+          <p:cNvPr id="5" name="TextBox 4"/>
+          <p:cNvSpPr txBox="1"/>
+          <p:nvPr/>
+        </p:nvSpPr>
+        <p:spPr>
+          <a:xfrm>
+            <a:off x="8711738" y="4621403"/>
+            <a:ext cx="3017520" cy="369332"/>
+          </a:xfrm>
+          <a:prstGeom prst="rect">
+            <a:avLst/>
+          </a:prstGeom>
+          <a:noFill/>
+        </p:spPr>
+        <p:txBody>
+          <a:bodyPr wrap="square" rtlCol="0">
+            <a:spAutoFit/>
+          </a:bodyPr>
+          <a:lstStyle/>
+          <a:p>
+            <a:r>
+              <a:rPr lang="en-US" altLang="ko-KR" dirty="0" smtClean="0"/>
+              <a:t>&lt;</a:t>
+            </a:r>
+            <a:r>
+              <a:rPr lang="ko-KR" altLang="en-US" dirty="0" err="1" smtClean="0"/>
+              <a:t>하이퍼파라미터</a:t>
+            </a:r>
+            <a:r>
+              <a:rPr lang="en-US" altLang="ko-KR" dirty="0" smtClean="0"/>
+              <a:t>&gt;</a:t>
+            </a:r>
+            <a:r>
+              <a:rPr lang="ko-KR" altLang="en-US" dirty="0" smtClean="0"/>
+              <a:t> </a:t>
+            </a:r>
+            <a:endParaRPr lang="ko-KR" altLang="en-US" dirty="0"/>
+          </a:p>
+        </p:txBody>
+      </p:sp>
+      <p:sp>
+        <p:nvSpPr>
+          <p:cNvPr id="6" name="TextBox 5"/>
+          <p:cNvSpPr txBox="1"/>
+          <p:nvPr/>
+        </p:nvSpPr>
+        <p:spPr>
+          <a:xfrm>
             <a:off x="949037" y="5506400"/>
             <a:ext cx="11000874" cy="369332"/>
           </a:xfrm>
@@ -9520,7 +10022,7 @@
 </p:sld>
 </file>
 
-<file path=ppt/slides/slide21.xml><?xml version="1.0" encoding="utf-8"?>
+<file path=ppt/slides/slide22.xml><?xml version="1.0" encoding="utf-8"?>
 <p:sld xmlns:a="http://schemas.openxmlformats.org/drawingml/2006/main" xmlns:r="http://schemas.openxmlformats.org/officeDocument/2006/relationships" xmlns:p="http://schemas.openxmlformats.org/presentationml/2006/main">
   <p:cSld>
     <p:spTree>
@@ -10356,370 +10858,6 @@
 </p:sld>
 </file>
 
-<file path=ppt/slides/slide22.xml><?xml version="1.0" encoding="utf-8"?>
-<p:sld xmlns:a="http://schemas.openxmlformats.org/drawingml/2006/main" xmlns:r="http://schemas.openxmlformats.org/officeDocument/2006/relationships" xmlns:p="http://schemas.openxmlformats.org/presentationml/2006/main">
-  <p:cSld>
-    <p:spTree>
-      <p:nvGrpSpPr>
-        <p:cNvPr id="1" name=""/>
-        <p:cNvGrpSpPr/>
-        <p:nvPr/>
-      </p:nvGrpSpPr>
-      <p:grpSpPr>
-        <a:xfrm>
-          <a:off x="0" y="0"/>
-          <a:ext cx="0" cy="0"/>
-          <a:chOff x="0" y="0"/>
-          <a:chExt cx="0" cy="0"/>
-        </a:xfrm>
-      </p:grpSpPr>
-      <p:sp>
-        <p:nvSpPr>
-          <p:cNvPr id="2" name="제목 1"/>
-          <p:cNvSpPr>
-            <a:spLocks noGrp="1"/>
-          </p:cNvSpPr>
-          <p:nvPr>
-            <p:ph type="title"/>
-          </p:nvPr>
-        </p:nvSpPr>
-        <p:spPr/>
-        <p:txBody>
-          <a:bodyPr/>
-          <a:lstStyle/>
-          <a:p>
-            <a:r>
-              <a:rPr lang="en-US" altLang="ko-KR" dirty="0" smtClean="0"/>
-              <a:t>DDPG</a:t>
-            </a:r>
-            <a:r>
-              <a:rPr lang="ko-KR" altLang="en-US" dirty="0" smtClean="0"/>
-              <a:t> </a:t>
-            </a:r>
-            <a:r>
-              <a:rPr lang="en-US" altLang="ko-KR" dirty="0" smtClean="0"/>
-              <a:t>5_ver2 </a:t>
-            </a:r>
-            <a:r>
-              <a:rPr lang="ko-KR" altLang="en-US" dirty="0" smtClean="0"/>
-              <a:t>  </a:t>
-            </a:r>
-            <a:endParaRPr lang="ko-KR" altLang="en-US" dirty="0"/>
-          </a:p>
-        </p:txBody>
-      </p:sp>
-      <p:sp>
-        <p:nvSpPr>
-          <p:cNvPr id="4" name="TextBox 3"/>
-          <p:cNvSpPr txBox="1"/>
-          <p:nvPr/>
-        </p:nvSpPr>
-        <p:spPr>
-          <a:xfrm>
-            <a:off x="838200" y="1484771"/>
-            <a:ext cx="11000874" cy="1754326"/>
-          </a:xfrm>
-          <a:prstGeom prst="rect">
-            <a:avLst/>
-          </a:prstGeom>
-          <a:noFill/>
-        </p:spPr>
-        <p:txBody>
-          <a:bodyPr wrap="square" rtlCol="0">
-            <a:spAutoFit/>
-          </a:bodyPr>
-          <a:lstStyle/>
-          <a:p>
-            <a:pPr marL="285750" indent="-285750">
-              <a:buFontTx/>
-              <a:buChar char="-"/>
-            </a:pPr>
-            <a:r>
-              <a:rPr lang="en-US" altLang="ko-KR" b="1" dirty="0" smtClean="0">
-                <a:solidFill>
-                  <a:srgbClr val="FF0000"/>
-                </a:solidFill>
-              </a:rPr>
-              <a:t>Replay memory</a:t>
-            </a:r>
-            <a:r>
-              <a:rPr lang="ko-KR" altLang="en-US" b="1" dirty="0" smtClean="0">
-                <a:solidFill>
-                  <a:srgbClr val="FF0000"/>
-                </a:solidFill>
-              </a:rPr>
-              <a:t>에서 </a:t>
-            </a:r>
-            <a:r>
-              <a:rPr lang="en-US" altLang="ko-KR" b="1" dirty="0" smtClean="0">
-                <a:solidFill>
-                  <a:srgbClr val="FF0000"/>
-                </a:solidFill>
-              </a:rPr>
-              <a:t>experiments</a:t>
-            </a:r>
-            <a:r>
-              <a:rPr lang="ko-KR" altLang="en-US" b="1" dirty="0" smtClean="0">
-                <a:solidFill>
-                  <a:srgbClr val="FF0000"/>
-                </a:solidFill>
-              </a:rPr>
-              <a:t>를 </a:t>
-            </a:r>
-            <a:r>
-              <a:rPr lang="en-US" altLang="ko-KR" b="1" dirty="0" smtClean="0">
-                <a:solidFill>
-                  <a:srgbClr val="FF0000"/>
-                </a:solidFill>
-              </a:rPr>
-              <a:t>normalization</a:t>
-            </a:r>
-            <a:r>
-              <a:rPr lang="ko-KR" altLang="en-US" b="1" dirty="0" smtClean="0">
-                <a:solidFill>
-                  <a:srgbClr val="FF0000"/>
-                </a:solidFill>
-              </a:rPr>
-              <a:t>하는 방식을 활용하기 </a:t>
-            </a:r>
-            <a:endParaRPr lang="en-US" altLang="ko-KR" b="1" dirty="0" smtClean="0">
-              <a:solidFill>
-                <a:srgbClr val="FF0000"/>
-              </a:solidFill>
-            </a:endParaRPr>
-          </a:p>
-          <a:p>
-            <a:pPr marL="285750" indent="-285750">
-              <a:buFontTx/>
-              <a:buChar char="-"/>
-            </a:pPr>
-            <a:endParaRPr lang="en-US" altLang="ko-KR" b="1" dirty="0"/>
-          </a:p>
-          <a:p>
-            <a:pPr marL="285750" indent="-285750">
-              <a:buFontTx/>
-              <a:buChar char="-"/>
-            </a:pPr>
-            <a:r>
-              <a:rPr lang="en-US" altLang="ko-KR" b="1" dirty="0"/>
-              <a:t>Env1 State:</a:t>
-            </a:r>
-          </a:p>
-          <a:p>
-            <a:pPr marL="742950" lvl="1" indent="-285750">
-              <a:buFontTx/>
-              <a:buChar char="-"/>
-            </a:pPr>
-            <a:r>
-              <a:rPr lang="en-US" altLang="ko-KR" dirty="0"/>
-              <a:t>State:   [</a:t>
-            </a:r>
-            <a:r>
-              <a:rPr lang="en-US" altLang="ko-KR" dirty="0" err="1">
-                <a:solidFill>
-                  <a:srgbClr val="FF0000"/>
-                </a:solidFill>
-              </a:rPr>
-              <a:t>power_out</a:t>
-            </a:r>
-            <a:r>
-              <a:rPr lang="en-US" altLang="ko-KR" dirty="0">
-                <a:solidFill>
-                  <a:srgbClr val="FF0000"/>
-                </a:solidFill>
-              </a:rPr>
-              <a:t>/1000</a:t>
-            </a:r>
-            <a:r>
-              <a:rPr lang="en-US" altLang="ko-KR" dirty="0"/>
-              <a:t>, SOC - 0.6, </a:t>
-            </a:r>
-            <a:r>
-              <a:rPr lang="en-US" altLang="ko-KR" dirty="0" err="1"/>
-              <a:t>j_min</a:t>
-            </a:r>
-            <a:r>
-              <a:rPr lang="en-US" altLang="ko-KR" dirty="0"/>
-              <a:t>, </a:t>
-            </a:r>
-            <a:r>
-              <a:rPr lang="en-US" altLang="ko-KR" dirty="0" err="1"/>
-              <a:t>j_max</a:t>
-            </a:r>
-            <a:r>
-              <a:rPr lang="en-US" altLang="ko-KR" dirty="0" smtClean="0"/>
-              <a:t>]</a:t>
-            </a:r>
-          </a:p>
-          <a:p>
-            <a:pPr marL="742950" lvl="1" indent="-285750">
-              <a:buFontTx/>
-              <a:buChar char="-"/>
-            </a:pPr>
-            <a:r>
-              <a:rPr lang="en-US" altLang="ko-KR" dirty="0" err="1" smtClean="0"/>
-              <a:t>power_out</a:t>
-            </a:r>
-            <a:r>
-              <a:rPr lang="ko-KR" altLang="en-US" dirty="0" smtClean="0"/>
-              <a:t>에 대해</a:t>
-            </a:r>
-            <a:r>
-              <a:rPr lang="en-US" altLang="ko-KR" dirty="0" smtClean="0"/>
-              <a:t> min-max normalization_ver2 </a:t>
-            </a:r>
-            <a:r>
-              <a:rPr lang="ko-KR" altLang="en-US" dirty="0" smtClean="0"/>
-              <a:t>적용 </a:t>
-            </a:r>
-            <a:endParaRPr lang="en-US" altLang="ko-KR" dirty="0"/>
-          </a:p>
-          <a:p>
-            <a:pPr marL="742950" lvl="1" indent="-285750">
-              <a:buFontTx/>
-              <a:buChar char="-"/>
-            </a:pPr>
-            <a:r>
-              <a:rPr lang="en-US" altLang="ko-KR" dirty="0" smtClean="0"/>
-              <a:t>[V]</a:t>
-            </a:r>
-            <a:endParaRPr lang="en-US" altLang="ko-KR" dirty="0"/>
-          </a:p>
-        </p:txBody>
-      </p:sp>
-      <p:sp>
-        <p:nvSpPr>
-          <p:cNvPr id="5" name="TextBox 4"/>
-          <p:cNvSpPr txBox="1"/>
-          <p:nvPr/>
-        </p:nvSpPr>
-        <p:spPr>
-          <a:xfrm>
-            <a:off x="9376757" y="4122289"/>
-            <a:ext cx="3017520" cy="369332"/>
-          </a:xfrm>
-          <a:prstGeom prst="rect">
-            <a:avLst/>
-          </a:prstGeom>
-          <a:noFill/>
-        </p:spPr>
-        <p:txBody>
-          <a:bodyPr wrap="square" rtlCol="0">
-            <a:spAutoFit/>
-          </a:bodyPr>
-          <a:lstStyle/>
-          <a:p>
-            <a:r>
-              <a:rPr lang="en-US" altLang="ko-KR" dirty="0" smtClean="0"/>
-              <a:t>&lt;</a:t>
-            </a:r>
-            <a:r>
-              <a:rPr lang="ko-KR" altLang="en-US" dirty="0" err="1" smtClean="0"/>
-              <a:t>하이퍼파라미터</a:t>
-            </a:r>
-            <a:r>
-              <a:rPr lang="en-US" altLang="ko-KR" dirty="0" smtClean="0"/>
-              <a:t>&gt;</a:t>
-            </a:r>
-            <a:r>
-              <a:rPr lang="ko-KR" altLang="en-US" dirty="0" smtClean="0"/>
-              <a:t> </a:t>
-            </a:r>
-            <a:endParaRPr lang="ko-KR" altLang="en-US" dirty="0"/>
-          </a:p>
-        </p:txBody>
-      </p:sp>
-      <p:sp>
-        <p:nvSpPr>
-          <p:cNvPr id="6" name="TextBox 5"/>
-          <p:cNvSpPr txBox="1"/>
-          <p:nvPr/>
-        </p:nvSpPr>
-        <p:spPr>
-          <a:xfrm>
-            <a:off x="1566247" y="4701198"/>
-            <a:ext cx="8607145" cy="369332"/>
-          </a:xfrm>
-          <a:prstGeom prst="rect">
-            <a:avLst/>
-          </a:prstGeom>
-          <a:noFill/>
-        </p:spPr>
-        <p:txBody>
-          <a:bodyPr wrap="square" rtlCol="0">
-            <a:spAutoFit/>
-          </a:bodyPr>
-          <a:lstStyle/>
-          <a:p>
-            <a:r>
-              <a:rPr lang="en-US" altLang="ko-KR" b="1" dirty="0" smtClean="0">
-                <a:solidFill>
-                  <a:srgbClr val="FF0000"/>
-                </a:solidFill>
-              </a:rPr>
-              <a:t>Mean-Standard deviation </a:t>
-            </a:r>
-            <a:r>
-              <a:rPr lang="en-US" altLang="ko-KR" b="1" dirty="0" smtClean="0">
-                <a:solidFill>
-                  <a:srgbClr val="FF0000"/>
-                </a:solidFill>
-              </a:rPr>
-              <a:t>normalization</a:t>
-            </a:r>
-            <a:r>
-              <a:rPr lang="ko-KR" altLang="en-US" b="1" dirty="0" smtClean="0">
-                <a:solidFill>
-                  <a:srgbClr val="FF0000"/>
-                </a:solidFill>
-              </a:rPr>
-              <a:t>보다 효과가 떨어지는 것으로 보임 </a:t>
-            </a:r>
-            <a:endParaRPr lang="en-US" altLang="ko-KR" b="1" dirty="0">
-              <a:solidFill>
-                <a:srgbClr val="FF0000"/>
-              </a:solidFill>
-            </a:endParaRPr>
-          </a:p>
-        </p:txBody>
-      </p:sp>
-      <p:pic>
-        <p:nvPicPr>
-          <p:cNvPr id="7" name="그림 6"/>
-          <p:cNvPicPr>
-            <a:picLocks noChangeAspect="1"/>
-          </p:cNvPicPr>
-          <p:nvPr/>
-        </p:nvPicPr>
-        <p:blipFill>
-          <a:blip r:embed="rId2"/>
-          <a:stretch>
-            <a:fillRect/>
-          </a:stretch>
-        </p:blipFill>
-        <p:spPr>
-          <a:xfrm>
-            <a:off x="9027957" y="929353"/>
-            <a:ext cx="3075374" cy="3071079"/>
-          </a:xfrm>
-          <a:prstGeom prst="rect">
-            <a:avLst/>
-          </a:prstGeom>
-        </p:spPr>
-      </p:pic>
-    </p:spTree>
-    <p:extLst>
-      <p:ext uri="{BB962C8B-B14F-4D97-AF65-F5344CB8AC3E}">
-        <p14:creationId xmlns:p14="http://schemas.microsoft.com/office/powerpoint/2010/main" val="3691464051"/>
-      </p:ext>
-    </p:extLst>
-  </p:cSld>
-  <p:clrMapOvr>
-    <a:masterClrMapping/>
-  </p:clrMapOvr>
-</p:sld>
-</file>
-
 <file path=ppt/slides/slide23.xml><?xml version="1.0" encoding="utf-8"?>
 <p:sld xmlns:a="http://schemas.openxmlformats.org/drawingml/2006/main" xmlns:r="http://schemas.openxmlformats.org/officeDocument/2006/relationships" xmlns:p="http://schemas.openxmlformats.org/presentationml/2006/main">
   <p:cSld>
@@ -10753,42 +10891,22 @@
           <a:lstStyle/>
           <a:p>
             <a:r>
-              <a:rPr lang="en-US" altLang="ko-KR" dirty="0" smtClean="0">
-                <a:solidFill>
-                  <a:srgbClr val="FF0000"/>
-                </a:solidFill>
-              </a:rPr>
+              <a:rPr lang="en-US" altLang="ko-KR" dirty="0" smtClean="0"/>
               <a:t>DDPG</a:t>
             </a:r>
             <a:r>
-              <a:rPr lang="ko-KR" altLang="en-US" dirty="0" smtClean="0">
-                <a:solidFill>
-                  <a:srgbClr val="FF0000"/>
-                </a:solidFill>
-              </a:rPr>
+              <a:rPr lang="ko-KR" altLang="en-US" dirty="0" smtClean="0"/>
               <a:t> </a:t>
             </a:r>
             <a:r>
-              <a:rPr lang="en-US" altLang="ko-KR" dirty="0">
-                <a:solidFill>
-                  <a:srgbClr val="FF0000"/>
-                </a:solidFill>
-              </a:rPr>
-              <a:t>6</a:t>
-            </a:r>
-            <a:r>
-              <a:rPr lang="ko-KR" altLang="en-US" dirty="0" smtClean="0">
-                <a:solidFill>
-                  <a:srgbClr val="FF0000"/>
-                </a:solidFill>
-              </a:rPr>
+              <a:rPr lang="en-US" altLang="ko-KR" dirty="0" smtClean="0"/>
+              <a:t>5_ver2 </a:t>
+            </a:r>
+            <a:r>
+              <a:rPr lang="ko-KR" altLang="en-US" dirty="0" smtClean="0"/>
               <a:t>  </a:t>
             </a:r>
-            <a:endParaRPr lang="ko-KR" altLang="en-US" dirty="0">
-              <a:solidFill>
-                <a:srgbClr val="FF0000"/>
-              </a:solidFill>
-            </a:endParaRPr>
+            <a:endParaRPr lang="ko-KR" altLang="en-US" dirty="0"/>
           </a:p>
         </p:txBody>
       </p:sp>
@@ -10801,7 +10919,7 @@
         <p:spPr>
           <a:xfrm>
             <a:off x="838200" y="1484771"/>
-            <a:ext cx="11000874" cy="5078313"/>
+            <a:ext cx="11000874" cy="1754326"/>
           </a:xfrm>
           <a:prstGeom prst="rect">
             <a:avLst/>
@@ -10885,11 +11003,7 @@
               <a:buChar char="-"/>
             </a:pPr>
             <a:r>
-              <a:rPr lang="en-US" altLang="ko-KR" b="1" dirty="0">
-                <a:solidFill>
-                  <a:srgbClr val="FF0000"/>
-                </a:solidFill>
-              </a:rPr>
+              <a:rPr lang="en-US" altLang="ko-KR" b="1" dirty="0"/>
               <a:t>Env1 State:</a:t>
             </a:r>
           </a:p>
@@ -10945,14 +11059,6 @@
               <a:buChar char="-"/>
             </a:pPr>
             <a:r>
-              <a:rPr lang="en-US" altLang="ko-KR" dirty="0" smtClean="0"/>
-              <a:t>Replay memory</a:t>
-            </a:r>
-            <a:r>
-              <a:rPr lang="ko-KR" altLang="en-US" dirty="0" smtClean="0"/>
-              <a:t>에서 </a:t>
-            </a:r>
-            <a:r>
               <a:rPr lang="en-US" altLang="ko-KR" dirty="0" err="1" smtClean="0"/>
               <a:t>power_out</a:t>
             </a:r>
@@ -10962,37 +11068,13 @@
             </a:r>
             <a:r>
               <a:rPr lang="en-US" altLang="ko-KR" dirty="0" smtClean="0"/>
-              <a:t> </a:t>
-            </a:r>
-            <a:r>
-              <a:rPr lang="en-US" altLang="ko-KR" dirty="0" smtClean="0">
-                <a:solidFill>
-                  <a:srgbClr val="FF0000"/>
-                </a:solidFill>
-              </a:rPr>
-              <a:t>mean-</a:t>
-            </a:r>
-            <a:r>
-              <a:rPr lang="en-US" altLang="ko-KR" dirty="0" err="1" smtClean="0">
-                <a:solidFill>
-                  <a:srgbClr val="FF0000"/>
-                </a:solidFill>
-              </a:rPr>
-              <a:t>std</a:t>
-            </a:r>
-            <a:r>
-              <a:rPr lang="en-US" altLang="ko-KR" dirty="0" smtClean="0">
-                <a:solidFill>
-                  <a:srgbClr val="FF0000"/>
-                </a:solidFill>
-              </a:rPr>
-              <a:t> normalization </a:t>
+              <a:t> min-max normalization_ver2 </a:t>
             </a:r>
             <a:r>
               <a:rPr lang="ko-KR" altLang="en-US" dirty="0" smtClean="0"/>
               <a:t>적용 </a:t>
             </a:r>
-            <a:endParaRPr lang="en-US" altLang="ko-KR" dirty="0" smtClean="0"/>
+            <a:endParaRPr lang="en-US" altLang="ko-KR" dirty="0"/>
           </a:p>
           <a:p>
             <a:pPr marL="742950" lvl="1" indent="-285750">
@@ -11001,465 +11083,7 @@
             </a:pPr>
             <a:r>
               <a:rPr lang="en-US" altLang="ko-KR" dirty="0" smtClean="0"/>
-              <a:t>[OOX]</a:t>
-            </a:r>
-            <a:endParaRPr lang="en-US" altLang="ko-KR" dirty="0"/>
-          </a:p>
-          <a:p>
-            <a:pPr marL="285750" indent="-285750">
-              <a:buFontTx/>
-              <a:buChar char="-"/>
-            </a:pPr>
-            <a:r>
-              <a:rPr lang="en-US" altLang="ko-KR" b="1" dirty="0" smtClean="0"/>
-              <a:t>Env2 </a:t>
-            </a:r>
-            <a:r>
-              <a:rPr lang="en-US" altLang="ko-KR" b="1" dirty="0"/>
-              <a:t>State:</a:t>
-            </a:r>
-          </a:p>
-          <a:p>
-            <a:pPr marL="742950" lvl="1" indent="-285750">
-              <a:buFontTx/>
-              <a:buChar char="-"/>
-            </a:pPr>
-            <a:r>
-              <a:rPr lang="en-US" altLang="ko-KR" dirty="0"/>
-              <a:t>State:   [</a:t>
-            </a:r>
-            <a:r>
-              <a:rPr lang="en-US" altLang="ko-KR" dirty="0" err="1">
-                <a:solidFill>
-                  <a:srgbClr val="FF0000"/>
-                </a:solidFill>
-              </a:rPr>
-              <a:t>power_out</a:t>
-            </a:r>
-            <a:r>
-              <a:rPr lang="en-US" altLang="ko-KR" dirty="0">
-                <a:solidFill>
-                  <a:srgbClr val="FF0000"/>
-                </a:solidFill>
-              </a:rPr>
-              <a:t>/1000</a:t>
-            </a:r>
-            <a:r>
-              <a:rPr lang="en-US" altLang="ko-KR" dirty="0"/>
-              <a:t>, SOC </a:t>
-            </a:r>
-            <a:r>
-              <a:rPr lang="en-US" altLang="ko-KR" dirty="0" smtClean="0"/>
-              <a:t>– </a:t>
-            </a:r>
-            <a:r>
-              <a:rPr lang="en-US" altLang="ko-KR" dirty="0"/>
-              <a:t>0.6, </a:t>
-            </a:r>
-            <a:r>
-              <a:rPr lang="en-US" altLang="ko-KR" dirty="0" err="1"/>
-              <a:t>j_min</a:t>
-            </a:r>
-            <a:r>
-              <a:rPr lang="en-US" altLang="ko-KR" dirty="0"/>
-              <a:t>, </a:t>
-            </a:r>
-            <a:r>
-              <a:rPr lang="en-US" altLang="ko-KR" dirty="0" err="1"/>
-              <a:t>j_max</a:t>
-            </a:r>
-            <a:r>
-              <a:rPr lang="en-US" altLang="ko-KR" dirty="0"/>
-              <a:t>]</a:t>
-            </a:r>
-          </a:p>
-          <a:p>
-            <a:pPr marL="742950" lvl="1" indent="-285750">
-              <a:buFontTx/>
-              <a:buChar char="-"/>
-            </a:pPr>
-            <a:r>
-              <a:rPr lang="en-US" altLang="ko-KR" dirty="0"/>
-              <a:t>Replay </a:t>
-            </a:r>
-            <a:r>
-              <a:rPr lang="en-US" altLang="ko-KR" dirty="0" smtClean="0"/>
-              <a:t>memory</a:t>
-            </a:r>
-            <a:r>
-              <a:rPr lang="ko-KR" altLang="en-US" dirty="0" smtClean="0"/>
-              <a:t>에서 </a:t>
-            </a:r>
-            <a:r>
-              <a:rPr lang="ko-KR" altLang="en-US" dirty="0" smtClean="0"/>
-              <a:t>모든 </a:t>
-            </a:r>
-            <a:r>
-              <a:rPr lang="en-US" altLang="ko-KR" dirty="0" smtClean="0"/>
-              <a:t>Feature</a:t>
-            </a:r>
-            <a:r>
-              <a:rPr lang="ko-KR" altLang="en-US" dirty="0" smtClean="0"/>
-              <a:t>에 </a:t>
-            </a:r>
-            <a:r>
-              <a:rPr lang="ko-KR" altLang="en-US" dirty="0"/>
-              <a:t>대해</a:t>
-            </a:r>
-            <a:r>
-              <a:rPr lang="en-US" altLang="ko-KR" dirty="0"/>
-              <a:t> </a:t>
-            </a:r>
-            <a:r>
-              <a:rPr lang="en-US" altLang="ko-KR" dirty="0">
-                <a:solidFill>
-                  <a:srgbClr val="FF0000"/>
-                </a:solidFill>
-              </a:rPr>
-              <a:t>mean-</a:t>
-            </a:r>
-            <a:r>
-              <a:rPr lang="en-US" altLang="ko-KR" dirty="0" err="1">
-                <a:solidFill>
-                  <a:srgbClr val="FF0000"/>
-                </a:solidFill>
-              </a:rPr>
-              <a:t>std</a:t>
-            </a:r>
-            <a:r>
-              <a:rPr lang="en-US" altLang="ko-KR" dirty="0">
-                <a:solidFill>
-                  <a:srgbClr val="FF0000"/>
-                </a:solidFill>
-              </a:rPr>
-              <a:t> normalization </a:t>
-            </a:r>
-            <a:r>
-              <a:rPr lang="ko-KR" altLang="en-US" dirty="0"/>
-              <a:t>적용 </a:t>
-            </a:r>
-            <a:endParaRPr lang="en-US" altLang="ko-KR" dirty="0" smtClean="0"/>
-          </a:p>
-          <a:p>
-            <a:pPr marL="742950" lvl="1" indent="-285750">
-              <a:buFontTx/>
-              <a:buChar char="-"/>
-            </a:pPr>
-            <a:r>
-              <a:rPr lang="en-US" altLang="ko-KR" dirty="0" smtClean="0"/>
-              <a:t>[VVV]</a:t>
-            </a:r>
-            <a:endParaRPr lang="en-US" altLang="ko-KR" dirty="0" smtClean="0"/>
-          </a:p>
-          <a:p>
-            <a:pPr marL="285750" indent="-285750">
-              <a:buFontTx/>
-              <a:buChar char="-"/>
-            </a:pPr>
-            <a:r>
-              <a:rPr lang="en-US" altLang="ko-KR" b="1" dirty="0" smtClean="0"/>
-              <a:t>Env3 </a:t>
-            </a:r>
-            <a:r>
-              <a:rPr lang="en-US" altLang="ko-KR" b="1" dirty="0"/>
-              <a:t>State:</a:t>
-            </a:r>
-          </a:p>
-          <a:p>
-            <a:pPr marL="742950" lvl="1" indent="-285750">
-              <a:buFontTx/>
-              <a:buChar char="-"/>
-            </a:pPr>
-            <a:r>
-              <a:rPr lang="en-US" altLang="ko-KR" dirty="0"/>
-              <a:t>State:   </a:t>
-            </a:r>
-            <a:r>
-              <a:rPr lang="en-US" altLang="ko-KR" dirty="0" smtClean="0"/>
-              <a:t>[</a:t>
-            </a:r>
-            <a:r>
-              <a:rPr lang="en-US" altLang="ko-KR" dirty="0" err="1" smtClean="0">
-                <a:solidFill>
-                  <a:srgbClr val="FF0000"/>
-                </a:solidFill>
-              </a:rPr>
-              <a:t>acc</a:t>
-            </a:r>
-            <a:r>
-              <a:rPr lang="en-US" altLang="ko-KR" dirty="0" smtClean="0">
-                <a:solidFill>
-                  <a:srgbClr val="FF0000"/>
-                </a:solidFill>
-              </a:rPr>
-              <a:t>, </a:t>
-            </a:r>
-            <a:r>
-              <a:rPr lang="en-US" altLang="ko-KR" dirty="0" err="1" smtClean="0">
-                <a:solidFill>
-                  <a:srgbClr val="FF0000"/>
-                </a:solidFill>
-              </a:rPr>
-              <a:t>sp_whl</a:t>
-            </a:r>
-            <a:r>
-              <a:rPr lang="en-US" altLang="ko-KR" dirty="0" smtClean="0"/>
-              <a:t>, </a:t>
-            </a:r>
-            <a:r>
-              <a:rPr lang="en-US" altLang="ko-KR" dirty="0"/>
-              <a:t>SOC </a:t>
-            </a:r>
-            <a:r>
-              <a:rPr lang="en-US" altLang="ko-KR" dirty="0" smtClean="0"/>
-              <a:t>– </a:t>
-            </a:r>
-            <a:r>
-              <a:rPr lang="en-US" altLang="ko-KR" dirty="0"/>
-              <a:t>0.6, </a:t>
-            </a:r>
-            <a:r>
-              <a:rPr lang="en-US" altLang="ko-KR" dirty="0" err="1"/>
-              <a:t>j_min</a:t>
-            </a:r>
-            <a:r>
-              <a:rPr lang="en-US" altLang="ko-KR" dirty="0"/>
-              <a:t>, </a:t>
-            </a:r>
-            <a:r>
-              <a:rPr lang="en-US" altLang="ko-KR" dirty="0" err="1"/>
-              <a:t>j_max</a:t>
-            </a:r>
-            <a:r>
-              <a:rPr lang="en-US" altLang="ko-KR" dirty="0"/>
-              <a:t>]</a:t>
-            </a:r>
-          </a:p>
-          <a:p>
-            <a:pPr marL="742950" lvl="1" indent="-285750">
-              <a:buFontTx/>
-              <a:buChar char="-"/>
-            </a:pPr>
-            <a:r>
-              <a:rPr lang="en-US" altLang="ko-KR" dirty="0"/>
-              <a:t>Replay </a:t>
-            </a:r>
-            <a:r>
-              <a:rPr lang="en-US" altLang="ko-KR" dirty="0" smtClean="0"/>
-              <a:t>memory</a:t>
-            </a:r>
-            <a:r>
-              <a:rPr lang="ko-KR" altLang="en-US" dirty="0" smtClean="0"/>
-              <a:t>에서 </a:t>
-            </a:r>
-            <a:r>
-              <a:rPr lang="en-US" altLang="ko-KR" dirty="0" err="1" smtClean="0"/>
-              <a:t>acc</a:t>
-            </a:r>
-            <a:r>
-              <a:rPr lang="en-US" altLang="ko-KR" dirty="0" smtClean="0"/>
-              <a:t>, </a:t>
-            </a:r>
-            <a:r>
-              <a:rPr lang="en-US" altLang="ko-KR" dirty="0" err="1" smtClean="0"/>
-              <a:t>sp_whl</a:t>
-            </a:r>
-            <a:r>
-              <a:rPr lang="ko-KR" altLang="en-US" dirty="0" smtClean="0"/>
-              <a:t>에 </a:t>
-            </a:r>
-            <a:r>
-              <a:rPr lang="ko-KR" altLang="en-US" dirty="0"/>
-              <a:t>대해</a:t>
-            </a:r>
-            <a:r>
-              <a:rPr lang="en-US" altLang="ko-KR" dirty="0"/>
-              <a:t> </a:t>
-            </a:r>
-            <a:r>
-              <a:rPr lang="en-US" altLang="ko-KR" dirty="0">
-                <a:solidFill>
-                  <a:srgbClr val="FF0000"/>
-                </a:solidFill>
-              </a:rPr>
-              <a:t>mean-</a:t>
-            </a:r>
-            <a:r>
-              <a:rPr lang="en-US" altLang="ko-KR" dirty="0" err="1">
-                <a:solidFill>
-                  <a:srgbClr val="FF0000"/>
-                </a:solidFill>
-              </a:rPr>
-              <a:t>std</a:t>
-            </a:r>
-            <a:r>
-              <a:rPr lang="en-US" altLang="ko-KR" dirty="0">
-                <a:solidFill>
-                  <a:srgbClr val="FF0000"/>
-                </a:solidFill>
-              </a:rPr>
-              <a:t> normalization</a:t>
-            </a:r>
-            <a:r>
-              <a:rPr lang="en-US" altLang="ko-KR" dirty="0"/>
-              <a:t> </a:t>
-            </a:r>
-            <a:r>
-              <a:rPr lang="ko-KR" altLang="en-US" dirty="0" smtClean="0"/>
-              <a:t>적용 </a:t>
-            </a:r>
-            <a:endParaRPr lang="en-US" altLang="ko-KR" dirty="0"/>
-          </a:p>
-          <a:p>
-            <a:pPr marL="742950" lvl="1" indent="-285750">
-              <a:buFontTx/>
-              <a:buChar char="-"/>
-            </a:pPr>
-            <a:r>
-              <a:rPr lang="en-US" altLang="ko-KR" dirty="0" smtClean="0"/>
-              <a:t>[VXX]</a:t>
-            </a:r>
-            <a:endParaRPr lang="en-US" altLang="ko-KR" dirty="0" smtClean="0"/>
-          </a:p>
-          <a:p>
-            <a:pPr marL="285750" indent="-285750">
-              <a:buFontTx/>
-              <a:buChar char="-"/>
-            </a:pPr>
-            <a:r>
-              <a:rPr lang="en-US" altLang="ko-KR" b="1" dirty="0" smtClean="0"/>
-              <a:t>Env4 </a:t>
-            </a:r>
-            <a:r>
-              <a:rPr lang="en-US" altLang="ko-KR" b="1" dirty="0"/>
-              <a:t>State:</a:t>
-            </a:r>
-          </a:p>
-          <a:p>
-            <a:pPr marL="742950" lvl="1" indent="-285750">
-              <a:buFontTx/>
-              <a:buChar char="-"/>
-            </a:pPr>
-            <a:r>
-              <a:rPr lang="en-US" altLang="ko-KR" dirty="0"/>
-              <a:t>State:   </a:t>
-            </a:r>
-            <a:r>
-              <a:rPr lang="en-US" altLang="ko-KR" dirty="0" smtClean="0"/>
-              <a:t>[</a:t>
-            </a:r>
-            <a:r>
-              <a:rPr lang="en-US" altLang="ko-KR" dirty="0" err="1" smtClean="0">
-                <a:solidFill>
-                  <a:srgbClr val="FF0000"/>
-                </a:solidFill>
-              </a:rPr>
-              <a:t>acc</a:t>
-            </a:r>
-            <a:r>
-              <a:rPr lang="en-US" altLang="ko-KR" dirty="0" smtClean="0">
-                <a:solidFill>
-                  <a:srgbClr val="FF0000"/>
-                </a:solidFill>
-              </a:rPr>
-              <a:t>, </a:t>
-            </a:r>
-            <a:r>
-              <a:rPr lang="en-US" altLang="ko-KR" dirty="0" err="1" smtClean="0">
-                <a:solidFill>
-                  <a:srgbClr val="FF0000"/>
-                </a:solidFill>
-              </a:rPr>
-              <a:t>sp_whl</a:t>
-            </a:r>
-            <a:r>
-              <a:rPr lang="en-US" altLang="ko-KR" dirty="0" smtClean="0"/>
-              <a:t>, </a:t>
-            </a:r>
-            <a:r>
-              <a:rPr lang="en-US" altLang="ko-KR" dirty="0"/>
-              <a:t>SOC - 0.6, </a:t>
-            </a:r>
-            <a:r>
-              <a:rPr lang="en-US" altLang="ko-KR" dirty="0" err="1"/>
-              <a:t>j_min</a:t>
-            </a:r>
-            <a:r>
-              <a:rPr lang="en-US" altLang="ko-KR" dirty="0"/>
-              <a:t>, </a:t>
-            </a:r>
-            <a:r>
-              <a:rPr lang="en-US" altLang="ko-KR" dirty="0" err="1"/>
-              <a:t>j_max</a:t>
-            </a:r>
-            <a:r>
-              <a:rPr lang="en-US" altLang="ko-KR" dirty="0"/>
-              <a:t>]</a:t>
-            </a:r>
-          </a:p>
-          <a:p>
-            <a:pPr marL="742950" lvl="1" indent="-285750">
-              <a:buFontTx/>
-              <a:buChar char="-"/>
-            </a:pPr>
-            <a:r>
-              <a:rPr lang="en-US" altLang="ko-KR" dirty="0"/>
-              <a:t>Replay memory</a:t>
-            </a:r>
-            <a:r>
-              <a:rPr lang="ko-KR" altLang="en-US" dirty="0"/>
-              <a:t>에서 모든 </a:t>
-            </a:r>
-            <a:r>
-              <a:rPr lang="en-US" altLang="ko-KR" dirty="0"/>
-              <a:t>Feature</a:t>
-            </a:r>
-            <a:r>
-              <a:rPr lang="ko-KR" altLang="en-US" dirty="0"/>
-              <a:t>에 대해</a:t>
-            </a:r>
-            <a:r>
-              <a:rPr lang="en-US" altLang="ko-KR" dirty="0"/>
-              <a:t> </a:t>
-            </a:r>
-            <a:r>
-              <a:rPr lang="en-US" altLang="ko-KR" dirty="0">
-                <a:solidFill>
-                  <a:srgbClr val="FF0000"/>
-                </a:solidFill>
-              </a:rPr>
-              <a:t>mean-</a:t>
-            </a:r>
-            <a:r>
-              <a:rPr lang="en-US" altLang="ko-KR" dirty="0" err="1">
-                <a:solidFill>
-                  <a:srgbClr val="FF0000"/>
-                </a:solidFill>
-              </a:rPr>
-              <a:t>std</a:t>
-            </a:r>
-            <a:r>
-              <a:rPr lang="en-US" altLang="ko-KR" dirty="0">
-                <a:solidFill>
-                  <a:srgbClr val="FF0000"/>
-                </a:solidFill>
-              </a:rPr>
-              <a:t> normalization </a:t>
-            </a:r>
-            <a:r>
-              <a:rPr lang="ko-KR" altLang="en-US" dirty="0" smtClean="0"/>
-              <a:t>적용 </a:t>
-            </a:r>
-            <a:endParaRPr lang="en-US" altLang="ko-KR" dirty="0"/>
-          </a:p>
-          <a:p>
-            <a:pPr marL="742950" lvl="1" indent="-285750">
-              <a:buFontTx/>
-              <a:buChar char="-"/>
-            </a:pPr>
-            <a:r>
-              <a:rPr lang="en-US" altLang="ko-KR" dirty="0" smtClean="0"/>
-              <a:t>[XXX]</a:t>
+              <a:t>[V]</a:t>
             </a:r>
             <a:endParaRPr lang="en-US" altLang="ko-KR" dirty="0"/>
           </a:p>
@@ -11473,8 +11097,8 @@
         </p:nvSpPr>
         <p:spPr>
           <a:xfrm>
-            <a:off x="9576262" y="2684188"/>
-            <a:ext cx="2262812" cy="369332"/>
+            <a:off x="9376757" y="4122289"/>
+            <a:ext cx="3017520" cy="369332"/>
           </a:xfrm>
           <a:prstGeom prst="rect">
             <a:avLst/>
@@ -11507,9 +11131,63 @@
           </a:p>
         </p:txBody>
       </p:sp>
+      <p:sp>
+        <p:nvSpPr>
+          <p:cNvPr id="6" name="TextBox 5"/>
+          <p:cNvSpPr txBox="1"/>
+          <p:nvPr/>
+        </p:nvSpPr>
+        <p:spPr>
+          <a:xfrm>
+            <a:off x="1566247" y="4701198"/>
+            <a:ext cx="8607145" cy="369332"/>
+          </a:xfrm>
+          <a:prstGeom prst="rect">
+            <a:avLst/>
+          </a:prstGeom>
+          <a:noFill/>
+        </p:spPr>
+        <p:txBody>
+          <a:bodyPr wrap="square" rtlCol="0">
+            <a:spAutoFit/>
+          </a:bodyPr>
+          <a:lstStyle/>
+          <a:p>
+            <a:r>
+              <a:rPr lang="en-US" altLang="ko-KR" b="1" dirty="0" smtClean="0">
+                <a:solidFill>
+                  <a:srgbClr val="FF0000"/>
+                </a:solidFill>
+              </a:rPr>
+              <a:t>Mean-Standard deviation </a:t>
+            </a:r>
+            <a:r>
+              <a:rPr lang="en-US" altLang="ko-KR" b="1" dirty="0" smtClean="0">
+                <a:solidFill>
+                  <a:srgbClr val="FF0000"/>
+                </a:solidFill>
+              </a:rPr>
+              <a:t>normalization</a:t>
+            </a:r>
+            <a:r>
+              <a:rPr lang="ko-KR" altLang="en-US" b="1" dirty="0" smtClean="0">
+                <a:solidFill>
+                  <a:srgbClr val="FF0000"/>
+                </a:solidFill>
+              </a:rPr>
+              <a:t>보다 효과가 떨어지는 것으로 보임 </a:t>
+            </a:r>
+            <a:endParaRPr lang="en-US" altLang="ko-KR" b="1" dirty="0">
+              <a:solidFill>
+                <a:srgbClr val="FF0000"/>
+              </a:solidFill>
+            </a:endParaRPr>
+          </a:p>
+        </p:txBody>
+      </p:sp>
       <p:pic>
         <p:nvPicPr>
-          <p:cNvPr id="6" name="그림 5"/>
+          <p:cNvPr id="7" name="그림 6"/>
           <p:cNvPicPr>
             <a:picLocks noChangeAspect="1"/>
           </p:cNvPicPr>
@@ -11523,8 +11201,8 @@
         </p:blipFill>
         <p:spPr>
           <a:xfrm>
-            <a:off x="9116299" y="1295047"/>
-            <a:ext cx="2995589" cy="3030574"/>
+            <a:off x="9027957" y="929353"/>
+            <a:ext cx="3075374" cy="3071079"/>
           </a:xfrm>
           <a:prstGeom prst="rect">
             <a:avLst/>
@@ -11534,7 +11212,7 @@
     </p:spTree>
     <p:extLst>
       <p:ext uri="{BB962C8B-B14F-4D97-AF65-F5344CB8AC3E}">
-        <p14:creationId xmlns:p14="http://schemas.microsoft.com/office/powerpoint/2010/main" val="504876074"/>
+        <p14:creationId xmlns:p14="http://schemas.microsoft.com/office/powerpoint/2010/main" val="3691464051"/>
       </p:ext>
     </p:extLst>
   </p:cSld>
@@ -11593,6 +11271,830 @@
               <a:t> </a:t>
             </a:r>
             <a:r>
+              <a:rPr lang="en-US" altLang="ko-KR" dirty="0">
+                <a:solidFill>
+                  <a:srgbClr val="FF0000"/>
+                </a:solidFill>
+              </a:rPr>
+              <a:t>6</a:t>
+            </a:r>
+            <a:r>
+              <a:rPr lang="ko-KR" altLang="en-US" dirty="0" smtClean="0">
+                <a:solidFill>
+                  <a:srgbClr val="FF0000"/>
+                </a:solidFill>
+              </a:rPr>
+              <a:t>  </a:t>
+            </a:r>
+            <a:endParaRPr lang="ko-KR" altLang="en-US" dirty="0">
+              <a:solidFill>
+                <a:srgbClr val="FF0000"/>
+              </a:solidFill>
+            </a:endParaRPr>
+          </a:p>
+        </p:txBody>
+      </p:sp>
+      <p:sp>
+        <p:nvSpPr>
+          <p:cNvPr id="4" name="TextBox 3"/>
+          <p:cNvSpPr txBox="1"/>
+          <p:nvPr/>
+        </p:nvSpPr>
+        <p:spPr>
+          <a:xfrm>
+            <a:off x="838200" y="1484771"/>
+            <a:ext cx="11000874" cy="5078313"/>
+          </a:xfrm>
+          <a:prstGeom prst="rect">
+            <a:avLst/>
+          </a:prstGeom>
+          <a:noFill/>
+        </p:spPr>
+        <p:txBody>
+          <a:bodyPr wrap="square" rtlCol="0">
+            <a:spAutoFit/>
+          </a:bodyPr>
+          <a:lstStyle/>
+          <a:p>
+            <a:pPr marL="285750" indent="-285750">
+              <a:buFontTx/>
+              <a:buChar char="-"/>
+            </a:pPr>
+            <a:r>
+              <a:rPr lang="en-US" altLang="ko-KR" b="1" dirty="0" smtClean="0">
+                <a:solidFill>
+                  <a:srgbClr val="FF0000"/>
+                </a:solidFill>
+              </a:rPr>
+              <a:t>Replay memory</a:t>
+            </a:r>
+            <a:r>
+              <a:rPr lang="ko-KR" altLang="en-US" b="1" dirty="0" smtClean="0">
+                <a:solidFill>
+                  <a:srgbClr val="FF0000"/>
+                </a:solidFill>
+              </a:rPr>
+              <a:t>에서 </a:t>
+            </a:r>
+            <a:r>
+              <a:rPr lang="en-US" altLang="ko-KR" b="1" dirty="0" smtClean="0">
+                <a:solidFill>
+                  <a:srgbClr val="FF0000"/>
+                </a:solidFill>
+              </a:rPr>
+              <a:t>experiments</a:t>
+            </a:r>
+            <a:r>
+              <a:rPr lang="ko-KR" altLang="en-US" b="1" dirty="0" smtClean="0">
+                <a:solidFill>
+                  <a:srgbClr val="FF0000"/>
+                </a:solidFill>
+              </a:rPr>
+              <a:t>를 </a:t>
+            </a:r>
+            <a:r>
+              <a:rPr lang="en-US" altLang="ko-KR" b="1" dirty="0" smtClean="0">
+                <a:solidFill>
+                  <a:srgbClr val="FF0000"/>
+                </a:solidFill>
+              </a:rPr>
+              <a:t>normalization</a:t>
+            </a:r>
+            <a:r>
+              <a:rPr lang="ko-KR" altLang="en-US" b="1" dirty="0" smtClean="0">
+                <a:solidFill>
+                  <a:srgbClr val="FF0000"/>
+                </a:solidFill>
+              </a:rPr>
+              <a:t>하는 방식을 활용하기 </a:t>
+            </a:r>
+            <a:endParaRPr lang="en-US" altLang="ko-KR" b="1" dirty="0" smtClean="0">
+              <a:solidFill>
+                <a:srgbClr val="FF0000"/>
+              </a:solidFill>
+            </a:endParaRPr>
+          </a:p>
+          <a:p>
+            <a:pPr marL="285750" indent="-285750">
+              <a:buFontTx/>
+              <a:buChar char="-"/>
+            </a:pPr>
+            <a:endParaRPr lang="en-US" altLang="ko-KR" b="1" dirty="0"/>
+          </a:p>
+          <a:p>
+            <a:pPr marL="285750" indent="-285750">
+              <a:buFontTx/>
+              <a:buChar char="-"/>
+            </a:pPr>
+            <a:r>
+              <a:rPr lang="en-US" altLang="ko-KR" b="1" dirty="0">
+                <a:solidFill>
+                  <a:srgbClr val="FF0000"/>
+                </a:solidFill>
+              </a:rPr>
+              <a:t>Env1 State:</a:t>
+            </a:r>
+          </a:p>
+          <a:p>
+            <a:pPr marL="742950" lvl="1" indent="-285750">
+              <a:buFontTx/>
+              <a:buChar char="-"/>
+            </a:pPr>
+            <a:r>
+              <a:rPr lang="en-US" altLang="ko-KR" dirty="0"/>
+              <a:t>State:   [</a:t>
+            </a:r>
+            <a:r>
+              <a:rPr lang="en-US" altLang="ko-KR" dirty="0" err="1">
+                <a:solidFill>
+                  <a:srgbClr val="FF0000"/>
+                </a:solidFill>
+              </a:rPr>
+              <a:t>power_out</a:t>
+            </a:r>
+            <a:r>
+              <a:rPr lang="en-US" altLang="ko-KR" dirty="0">
+                <a:solidFill>
+                  <a:srgbClr val="FF0000"/>
+                </a:solidFill>
+              </a:rPr>
+              <a:t>/1000</a:t>
+            </a:r>
+            <a:r>
+              <a:rPr lang="en-US" altLang="ko-KR" dirty="0"/>
+              <a:t>, SOC - 0.6, </a:t>
+            </a:r>
+            <a:r>
+              <a:rPr lang="en-US" altLang="ko-KR" dirty="0" err="1"/>
+              <a:t>j_min</a:t>
+            </a:r>
+            <a:r>
+              <a:rPr lang="en-US" altLang="ko-KR" dirty="0"/>
+              <a:t>, </a:t>
+            </a:r>
+            <a:r>
+              <a:rPr lang="en-US" altLang="ko-KR" dirty="0" err="1"/>
+              <a:t>j_max</a:t>
+            </a:r>
+            <a:r>
+              <a:rPr lang="en-US" altLang="ko-KR" dirty="0" smtClean="0"/>
+              <a:t>]</a:t>
+            </a:r>
+          </a:p>
+          <a:p>
+            <a:pPr marL="742950" lvl="1" indent="-285750">
+              <a:buFontTx/>
+              <a:buChar char="-"/>
+            </a:pPr>
+            <a:r>
+              <a:rPr lang="en-US" altLang="ko-KR" dirty="0" smtClean="0"/>
+              <a:t>Replay memory</a:t>
+            </a:r>
+            <a:r>
+              <a:rPr lang="ko-KR" altLang="en-US" dirty="0" smtClean="0"/>
+              <a:t>에서 </a:t>
+            </a:r>
+            <a:r>
+              <a:rPr lang="en-US" altLang="ko-KR" dirty="0" err="1" smtClean="0"/>
+              <a:t>power_out</a:t>
+            </a:r>
+            <a:r>
+              <a:rPr lang="ko-KR" altLang="en-US" dirty="0" smtClean="0"/>
+              <a:t>에 대해</a:t>
+            </a:r>
+            <a:r>
+              <a:rPr lang="en-US" altLang="ko-KR" dirty="0" smtClean="0"/>
+              <a:t> </a:t>
+            </a:r>
+            <a:r>
+              <a:rPr lang="en-US" altLang="ko-KR" dirty="0" smtClean="0">
+                <a:solidFill>
+                  <a:srgbClr val="FF0000"/>
+                </a:solidFill>
+              </a:rPr>
+              <a:t>mean-</a:t>
+            </a:r>
+            <a:r>
+              <a:rPr lang="en-US" altLang="ko-KR" dirty="0" err="1" smtClean="0">
+                <a:solidFill>
+                  <a:srgbClr val="FF0000"/>
+                </a:solidFill>
+              </a:rPr>
+              <a:t>std</a:t>
+            </a:r>
+            <a:r>
+              <a:rPr lang="en-US" altLang="ko-KR" dirty="0" smtClean="0">
+                <a:solidFill>
+                  <a:srgbClr val="FF0000"/>
+                </a:solidFill>
+              </a:rPr>
+              <a:t> normalization </a:t>
+            </a:r>
+            <a:r>
+              <a:rPr lang="ko-KR" altLang="en-US" dirty="0" smtClean="0"/>
+              <a:t>적용 </a:t>
+            </a:r>
+            <a:endParaRPr lang="en-US" altLang="ko-KR" dirty="0" smtClean="0"/>
+          </a:p>
+          <a:p>
+            <a:pPr marL="742950" lvl="1" indent="-285750">
+              <a:buFontTx/>
+              <a:buChar char="-"/>
+            </a:pPr>
+            <a:r>
+              <a:rPr lang="en-US" altLang="ko-KR" dirty="0" smtClean="0"/>
+              <a:t>[OOX]</a:t>
+            </a:r>
+            <a:endParaRPr lang="en-US" altLang="ko-KR" dirty="0"/>
+          </a:p>
+          <a:p>
+            <a:pPr marL="285750" indent="-285750">
+              <a:buFontTx/>
+              <a:buChar char="-"/>
+            </a:pPr>
+            <a:r>
+              <a:rPr lang="en-US" altLang="ko-KR" b="1" dirty="0" smtClean="0"/>
+              <a:t>Env2 </a:t>
+            </a:r>
+            <a:r>
+              <a:rPr lang="en-US" altLang="ko-KR" b="1" dirty="0"/>
+              <a:t>State:</a:t>
+            </a:r>
+          </a:p>
+          <a:p>
+            <a:pPr marL="742950" lvl="1" indent="-285750">
+              <a:buFontTx/>
+              <a:buChar char="-"/>
+            </a:pPr>
+            <a:r>
+              <a:rPr lang="en-US" altLang="ko-KR" dirty="0"/>
+              <a:t>State:   [</a:t>
+            </a:r>
+            <a:r>
+              <a:rPr lang="en-US" altLang="ko-KR" dirty="0" err="1">
+                <a:solidFill>
+                  <a:srgbClr val="FF0000"/>
+                </a:solidFill>
+              </a:rPr>
+              <a:t>power_out</a:t>
+            </a:r>
+            <a:r>
+              <a:rPr lang="en-US" altLang="ko-KR" dirty="0">
+                <a:solidFill>
+                  <a:srgbClr val="FF0000"/>
+                </a:solidFill>
+              </a:rPr>
+              <a:t>/1000</a:t>
+            </a:r>
+            <a:r>
+              <a:rPr lang="en-US" altLang="ko-KR" dirty="0"/>
+              <a:t>, SOC </a:t>
+            </a:r>
+            <a:r>
+              <a:rPr lang="en-US" altLang="ko-KR" dirty="0" smtClean="0"/>
+              <a:t>– </a:t>
+            </a:r>
+            <a:r>
+              <a:rPr lang="en-US" altLang="ko-KR" dirty="0"/>
+              <a:t>0.6, </a:t>
+            </a:r>
+            <a:r>
+              <a:rPr lang="en-US" altLang="ko-KR" dirty="0" err="1"/>
+              <a:t>j_min</a:t>
+            </a:r>
+            <a:r>
+              <a:rPr lang="en-US" altLang="ko-KR" dirty="0"/>
+              <a:t>, </a:t>
+            </a:r>
+            <a:r>
+              <a:rPr lang="en-US" altLang="ko-KR" dirty="0" err="1"/>
+              <a:t>j_max</a:t>
+            </a:r>
+            <a:r>
+              <a:rPr lang="en-US" altLang="ko-KR" dirty="0"/>
+              <a:t>]</a:t>
+            </a:r>
+          </a:p>
+          <a:p>
+            <a:pPr marL="742950" lvl="1" indent="-285750">
+              <a:buFontTx/>
+              <a:buChar char="-"/>
+            </a:pPr>
+            <a:r>
+              <a:rPr lang="en-US" altLang="ko-KR" dirty="0"/>
+              <a:t>Replay </a:t>
+            </a:r>
+            <a:r>
+              <a:rPr lang="en-US" altLang="ko-KR" dirty="0" smtClean="0"/>
+              <a:t>memory</a:t>
+            </a:r>
+            <a:r>
+              <a:rPr lang="ko-KR" altLang="en-US" dirty="0" smtClean="0"/>
+              <a:t>에서 </a:t>
+            </a:r>
+            <a:r>
+              <a:rPr lang="ko-KR" altLang="en-US" dirty="0" smtClean="0"/>
+              <a:t>모든 </a:t>
+            </a:r>
+            <a:r>
+              <a:rPr lang="en-US" altLang="ko-KR" dirty="0" smtClean="0"/>
+              <a:t>Feature</a:t>
+            </a:r>
+            <a:r>
+              <a:rPr lang="ko-KR" altLang="en-US" dirty="0" smtClean="0"/>
+              <a:t>에 </a:t>
+            </a:r>
+            <a:r>
+              <a:rPr lang="ko-KR" altLang="en-US" dirty="0"/>
+              <a:t>대해</a:t>
+            </a:r>
+            <a:r>
+              <a:rPr lang="en-US" altLang="ko-KR" dirty="0"/>
+              <a:t> </a:t>
+            </a:r>
+            <a:r>
+              <a:rPr lang="en-US" altLang="ko-KR" dirty="0">
+                <a:solidFill>
+                  <a:srgbClr val="FF0000"/>
+                </a:solidFill>
+              </a:rPr>
+              <a:t>mean-</a:t>
+            </a:r>
+            <a:r>
+              <a:rPr lang="en-US" altLang="ko-KR" dirty="0" err="1">
+                <a:solidFill>
+                  <a:srgbClr val="FF0000"/>
+                </a:solidFill>
+              </a:rPr>
+              <a:t>std</a:t>
+            </a:r>
+            <a:r>
+              <a:rPr lang="en-US" altLang="ko-KR" dirty="0">
+                <a:solidFill>
+                  <a:srgbClr val="FF0000"/>
+                </a:solidFill>
+              </a:rPr>
+              <a:t> normalization </a:t>
+            </a:r>
+            <a:r>
+              <a:rPr lang="ko-KR" altLang="en-US" dirty="0"/>
+              <a:t>적용 </a:t>
+            </a:r>
+            <a:endParaRPr lang="en-US" altLang="ko-KR" dirty="0" smtClean="0"/>
+          </a:p>
+          <a:p>
+            <a:pPr marL="742950" lvl="1" indent="-285750">
+              <a:buFontTx/>
+              <a:buChar char="-"/>
+            </a:pPr>
+            <a:r>
+              <a:rPr lang="en-US" altLang="ko-KR" dirty="0" smtClean="0"/>
+              <a:t>[VVV]</a:t>
+            </a:r>
+            <a:endParaRPr lang="en-US" altLang="ko-KR" dirty="0" smtClean="0"/>
+          </a:p>
+          <a:p>
+            <a:pPr marL="285750" indent="-285750">
+              <a:buFontTx/>
+              <a:buChar char="-"/>
+            </a:pPr>
+            <a:r>
+              <a:rPr lang="en-US" altLang="ko-KR" b="1" dirty="0" smtClean="0"/>
+              <a:t>Env3 </a:t>
+            </a:r>
+            <a:r>
+              <a:rPr lang="en-US" altLang="ko-KR" b="1" dirty="0"/>
+              <a:t>State:</a:t>
+            </a:r>
+          </a:p>
+          <a:p>
+            <a:pPr marL="742950" lvl="1" indent="-285750">
+              <a:buFontTx/>
+              <a:buChar char="-"/>
+            </a:pPr>
+            <a:r>
+              <a:rPr lang="en-US" altLang="ko-KR" dirty="0"/>
+              <a:t>State:   </a:t>
+            </a:r>
+            <a:r>
+              <a:rPr lang="en-US" altLang="ko-KR" dirty="0" smtClean="0"/>
+              <a:t>[</a:t>
+            </a:r>
+            <a:r>
+              <a:rPr lang="en-US" altLang="ko-KR" dirty="0" err="1" smtClean="0">
+                <a:solidFill>
+                  <a:srgbClr val="FF0000"/>
+                </a:solidFill>
+              </a:rPr>
+              <a:t>acc</a:t>
+            </a:r>
+            <a:r>
+              <a:rPr lang="en-US" altLang="ko-KR" dirty="0" smtClean="0">
+                <a:solidFill>
+                  <a:srgbClr val="FF0000"/>
+                </a:solidFill>
+              </a:rPr>
+              <a:t>, </a:t>
+            </a:r>
+            <a:r>
+              <a:rPr lang="en-US" altLang="ko-KR" dirty="0" err="1" smtClean="0">
+                <a:solidFill>
+                  <a:srgbClr val="FF0000"/>
+                </a:solidFill>
+              </a:rPr>
+              <a:t>sp_whl</a:t>
+            </a:r>
+            <a:r>
+              <a:rPr lang="en-US" altLang="ko-KR" dirty="0" smtClean="0"/>
+              <a:t>, </a:t>
+            </a:r>
+            <a:r>
+              <a:rPr lang="en-US" altLang="ko-KR" dirty="0"/>
+              <a:t>SOC </a:t>
+            </a:r>
+            <a:r>
+              <a:rPr lang="en-US" altLang="ko-KR" dirty="0" smtClean="0"/>
+              <a:t>– </a:t>
+            </a:r>
+            <a:r>
+              <a:rPr lang="en-US" altLang="ko-KR" dirty="0"/>
+              <a:t>0.6, </a:t>
+            </a:r>
+            <a:r>
+              <a:rPr lang="en-US" altLang="ko-KR" dirty="0" err="1"/>
+              <a:t>j_min</a:t>
+            </a:r>
+            <a:r>
+              <a:rPr lang="en-US" altLang="ko-KR" dirty="0"/>
+              <a:t>, </a:t>
+            </a:r>
+            <a:r>
+              <a:rPr lang="en-US" altLang="ko-KR" dirty="0" err="1"/>
+              <a:t>j_max</a:t>
+            </a:r>
+            <a:r>
+              <a:rPr lang="en-US" altLang="ko-KR" dirty="0"/>
+              <a:t>]</a:t>
+            </a:r>
+          </a:p>
+          <a:p>
+            <a:pPr marL="742950" lvl="1" indent="-285750">
+              <a:buFontTx/>
+              <a:buChar char="-"/>
+            </a:pPr>
+            <a:r>
+              <a:rPr lang="en-US" altLang="ko-KR" dirty="0"/>
+              <a:t>Replay </a:t>
+            </a:r>
+            <a:r>
+              <a:rPr lang="en-US" altLang="ko-KR" dirty="0" smtClean="0"/>
+              <a:t>memory</a:t>
+            </a:r>
+            <a:r>
+              <a:rPr lang="ko-KR" altLang="en-US" dirty="0" smtClean="0"/>
+              <a:t>에서 </a:t>
+            </a:r>
+            <a:r>
+              <a:rPr lang="en-US" altLang="ko-KR" dirty="0" err="1" smtClean="0"/>
+              <a:t>acc</a:t>
+            </a:r>
+            <a:r>
+              <a:rPr lang="en-US" altLang="ko-KR" dirty="0" smtClean="0"/>
+              <a:t>, </a:t>
+            </a:r>
+            <a:r>
+              <a:rPr lang="en-US" altLang="ko-KR" dirty="0" err="1" smtClean="0"/>
+              <a:t>sp_whl</a:t>
+            </a:r>
+            <a:r>
+              <a:rPr lang="ko-KR" altLang="en-US" dirty="0" smtClean="0"/>
+              <a:t>에 </a:t>
+            </a:r>
+            <a:r>
+              <a:rPr lang="ko-KR" altLang="en-US" dirty="0"/>
+              <a:t>대해</a:t>
+            </a:r>
+            <a:r>
+              <a:rPr lang="en-US" altLang="ko-KR" dirty="0"/>
+              <a:t> </a:t>
+            </a:r>
+            <a:r>
+              <a:rPr lang="en-US" altLang="ko-KR" dirty="0">
+                <a:solidFill>
+                  <a:srgbClr val="FF0000"/>
+                </a:solidFill>
+              </a:rPr>
+              <a:t>mean-</a:t>
+            </a:r>
+            <a:r>
+              <a:rPr lang="en-US" altLang="ko-KR" dirty="0" err="1">
+                <a:solidFill>
+                  <a:srgbClr val="FF0000"/>
+                </a:solidFill>
+              </a:rPr>
+              <a:t>std</a:t>
+            </a:r>
+            <a:r>
+              <a:rPr lang="en-US" altLang="ko-KR" dirty="0">
+                <a:solidFill>
+                  <a:srgbClr val="FF0000"/>
+                </a:solidFill>
+              </a:rPr>
+              <a:t> normalization</a:t>
+            </a:r>
+            <a:r>
+              <a:rPr lang="en-US" altLang="ko-KR" dirty="0"/>
+              <a:t> </a:t>
+            </a:r>
+            <a:r>
+              <a:rPr lang="ko-KR" altLang="en-US" dirty="0" smtClean="0"/>
+              <a:t>적용 </a:t>
+            </a:r>
+            <a:endParaRPr lang="en-US" altLang="ko-KR" dirty="0"/>
+          </a:p>
+          <a:p>
+            <a:pPr marL="742950" lvl="1" indent="-285750">
+              <a:buFontTx/>
+              <a:buChar char="-"/>
+            </a:pPr>
+            <a:r>
+              <a:rPr lang="en-US" altLang="ko-KR" dirty="0" smtClean="0"/>
+              <a:t>[VXX]</a:t>
+            </a:r>
+            <a:endParaRPr lang="en-US" altLang="ko-KR" dirty="0" smtClean="0"/>
+          </a:p>
+          <a:p>
+            <a:pPr marL="285750" indent="-285750">
+              <a:buFontTx/>
+              <a:buChar char="-"/>
+            </a:pPr>
+            <a:r>
+              <a:rPr lang="en-US" altLang="ko-KR" b="1" dirty="0" smtClean="0"/>
+              <a:t>Env4 </a:t>
+            </a:r>
+            <a:r>
+              <a:rPr lang="en-US" altLang="ko-KR" b="1" dirty="0"/>
+              <a:t>State:</a:t>
+            </a:r>
+          </a:p>
+          <a:p>
+            <a:pPr marL="742950" lvl="1" indent="-285750">
+              <a:buFontTx/>
+              <a:buChar char="-"/>
+            </a:pPr>
+            <a:r>
+              <a:rPr lang="en-US" altLang="ko-KR" dirty="0"/>
+              <a:t>State:   </a:t>
+            </a:r>
+            <a:r>
+              <a:rPr lang="en-US" altLang="ko-KR" dirty="0" smtClean="0"/>
+              <a:t>[</a:t>
+            </a:r>
+            <a:r>
+              <a:rPr lang="en-US" altLang="ko-KR" dirty="0" err="1" smtClean="0">
+                <a:solidFill>
+                  <a:srgbClr val="FF0000"/>
+                </a:solidFill>
+              </a:rPr>
+              <a:t>acc</a:t>
+            </a:r>
+            <a:r>
+              <a:rPr lang="en-US" altLang="ko-KR" dirty="0" smtClean="0">
+                <a:solidFill>
+                  <a:srgbClr val="FF0000"/>
+                </a:solidFill>
+              </a:rPr>
+              <a:t>, </a:t>
+            </a:r>
+            <a:r>
+              <a:rPr lang="en-US" altLang="ko-KR" dirty="0" err="1" smtClean="0">
+                <a:solidFill>
+                  <a:srgbClr val="FF0000"/>
+                </a:solidFill>
+              </a:rPr>
+              <a:t>sp_whl</a:t>
+            </a:r>
+            <a:r>
+              <a:rPr lang="en-US" altLang="ko-KR" dirty="0" smtClean="0"/>
+              <a:t>, </a:t>
+            </a:r>
+            <a:r>
+              <a:rPr lang="en-US" altLang="ko-KR" dirty="0"/>
+              <a:t>SOC - 0.6, </a:t>
+            </a:r>
+            <a:r>
+              <a:rPr lang="en-US" altLang="ko-KR" dirty="0" err="1"/>
+              <a:t>j_min</a:t>
+            </a:r>
+            <a:r>
+              <a:rPr lang="en-US" altLang="ko-KR" dirty="0"/>
+              <a:t>, </a:t>
+            </a:r>
+            <a:r>
+              <a:rPr lang="en-US" altLang="ko-KR" dirty="0" err="1"/>
+              <a:t>j_max</a:t>
+            </a:r>
+            <a:r>
+              <a:rPr lang="en-US" altLang="ko-KR" dirty="0"/>
+              <a:t>]</a:t>
+            </a:r>
+          </a:p>
+          <a:p>
+            <a:pPr marL="742950" lvl="1" indent="-285750">
+              <a:buFontTx/>
+              <a:buChar char="-"/>
+            </a:pPr>
+            <a:r>
+              <a:rPr lang="en-US" altLang="ko-KR" dirty="0"/>
+              <a:t>Replay memory</a:t>
+            </a:r>
+            <a:r>
+              <a:rPr lang="ko-KR" altLang="en-US" dirty="0"/>
+              <a:t>에서 모든 </a:t>
+            </a:r>
+            <a:r>
+              <a:rPr lang="en-US" altLang="ko-KR" dirty="0"/>
+              <a:t>Feature</a:t>
+            </a:r>
+            <a:r>
+              <a:rPr lang="ko-KR" altLang="en-US" dirty="0"/>
+              <a:t>에 대해</a:t>
+            </a:r>
+            <a:r>
+              <a:rPr lang="en-US" altLang="ko-KR" dirty="0"/>
+              <a:t> </a:t>
+            </a:r>
+            <a:r>
+              <a:rPr lang="en-US" altLang="ko-KR" dirty="0">
+                <a:solidFill>
+                  <a:srgbClr val="FF0000"/>
+                </a:solidFill>
+              </a:rPr>
+              <a:t>mean-</a:t>
+            </a:r>
+            <a:r>
+              <a:rPr lang="en-US" altLang="ko-KR" dirty="0" err="1">
+                <a:solidFill>
+                  <a:srgbClr val="FF0000"/>
+                </a:solidFill>
+              </a:rPr>
+              <a:t>std</a:t>
+            </a:r>
+            <a:r>
+              <a:rPr lang="en-US" altLang="ko-KR" dirty="0">
+                <a:solidFill>
+                  <a:srgbClr val="FF0000"/>
+                </a:solidFill>
+              </a:rPr>
+              <a:t> normalization </a:t>
+            </a:r>
+            <a:r>
+              <a:rPr lang="ko-KR" altLang="en-US" dirty="0" smtClean="0"/>
+              <a:t>적용 </a:t>
+            </a:r>
+            <a:endParaRPr lang="en-US" altLang="ko-KR" dirty="0"/>
+          </a:p>
+          <a:p>
+            <a:pPr marL="742950" lvl="1" indent="-285750">
+              <a:buFontTx/>
+              <a:buChar char="-"/>
+            </a:pPr>
+            <a:r>
+              <a:rPr lang="en-US" altLang="ko-KR" dirty="0" smtClean="0"/>
+              <a:t>[XXX]</a:t>
+            </a:r>
+            <a:endParaRPr lang="en-US" altLang="ko-KR" dirty="0"/>
+          </a:p>
+        </p:txBody>
+      </p:sp>
+      <p:sp>
+        <p:nvSpPr>
+          <p:cNvPr id="5" name="TextBox 4"/>
+          <p:cNvSpPr txBox="1"/>
+          <p:nvPr/>
+        </p:nvSpPr>
+        <p:spPr>
+          <a:xfrm>
+            <a:off x="9576262" y="2684188"/>
+            <a:ext cx="2262812" cy="369332"/>
+          </a:xfrm>
+          <a:prstGeom prst="rect">
+            <a:avLst/>
+          </a:prstGeom>
+          <a:noFill/>
+        </p:spPr>
+        <p:txBody>
+          <a:bodyPr wrap="square" rtlCol="0">
+            <a:spAutoFit/>
+          </a:bodyPr>
+          <a:lstStyle/>
+          <a:p>
+            <a:r>
+              <a:rPr lang="en-US" altLang="ko-KR" dirty="0" smtClean="0"/>
+              <a:t>&lt;</a:t>
+            </a:r>
+            <a:r>
+              <a:rPr lang="ko-KR" altLang="en-US" dirty="0" err="1" smtClean="0"/>
+              <a:t>하이퍼파라미터</a:t>
+            </a:r>
+            <a:r>
+              <a:rPr lang="en-US" altLang="ko-KR" dirty="0" smtClean="0"/>
+              <a:t>&gt;</a:t>
+            </a:r>
+            <a:r>
+              <a:rPr lang="ko-KR" altLang="en-US" dirty="0" smtClean="0"/>
+              <a:t> </a:t>
+            </a:r>
+            <a:endParaRPr lang="ko-KR" altLang="en-US" dirty="0"/>
+          </a:p>
+        </p:txBody>
+      </p:sp>
+      <p:pic>
+        <p:nvPicPr>
+          <p:cNvPr id="6" name="그림 5"/>
+          <p:cNvPicPr>
+            <a:picLocks noChangeAspect="1"/>
+          </p:cNvPicPr>
+          <p:nvPr/>
+        </p:nvPicPr>
+        <p:blipFill>
+          <a:blip r:embed="rId2"/>
+          <a:stretch>
+            <a:fillRect/>
+          </a:stretch>
+        </p:blipFill>
+        <p:spPr>
+          <a:xfrm>
+            <a:off x="9116299" y="1295047"/>
+            <a:ext cx="2995589" cy="3030574"/>
+          </a:xfrm>
+          <a:prstGeom prst="rect">
+            <a:avLst/>
+          </a:prstGeom>
+        </p:spPr>
+      </p:pic>
+    </p:spTree>
+    <p:extLst>
+      <p:ext uri="{BB962C8B-B14F-4D97-AF65-F5344CB8AC3E}">
+        <p14:creationId xmlns:p14="http://schemas.microsoft.com/office/powerpoint/2010/main" val="504876074"/>
+      </p:ext>
+    </p:extLst>
+  </p:cSld>
+  <p:clrMapOvr>
+    <a:masterClrMapping/>
+  </p:clrMapOvr>
+</p:sld>
+</file>
+
+<file path=ppt/slides/slide25.xml><?xml version="1.0" encoding="utf-8"?>
+<p:sld xmlns:a="http://schemas.openxmlformats.org/drawingml/2006/main" xmlns:r="http://schemas.openxmlformats.org/officeDocument/2006/relationships" xmlns:p="http://schemas.openxmlformats.org/presentationml/2006/main">
+  <p:cSld>
+    <p:spTree>
+      <p:nvGrpSpPr>
+        <p:cNvPr id="1" name=""/>
+        <p:cNvGrpSpPr/>
+        <p:nvPr/>
+      </p:nvGrpSpPr>
+      <p:grpSpPr>
+        <a:xfrm>
+          <a:off x="0" y="0"/>
+          <a:ext cx="0" cy="0"/>
+          <a:chOff x="0" y="0"/>
+          <a:chExt cx="0" cy="0"/>
+        </a:xfrm>
+      </p:grpSpPr>
+      <p:sp>
+        <p:nvSpPr>
+          <p:cNvPr id="2" name="제목 1"/>
+          <p:cNvSpPr>
+            <a:spLocks noGrp="1"/>
+          </p:cNvSpPr>
+          <p:nvPr>
+            <p:ph type="title"/>
+          </p:nvPr>
+        </p:nvSpPr>
+        <p:spPr/>
+        <p:txBody>
+          <a:bodyPr/>
+          <a:lstStyle/>
+          <a:p>
+            <a:r>
+              <a:rPr lang="en-US" altLang="ko-KR" dirty="0" smtClean="0">
+                <a:solidFill>
+                  <a:srgbClr val="FF0000"/>
+                </a:solidFill>
+              </a:rPr>
+              <a:t>DDPG</a:t>
+            </a:r>
+            <a:r>
+              <a:rPr lang="ko-KR" altLang="en-US" dirty="0" smtClean="0">
+                <a:solidFill>
+                  <a:srgbClr val="FF0000"/>
+                </a:solidFill>
+              </a:rPr>
+              <a:t> </a:t>
+            </a:r>
+            <a:r>
               <a:rPr lang="en-US" altLang="ko-KR" dirty="0" smtClean="0">
                 <a:solidFill>
                   <a:srgbClr val="FF0000"/>
@@ -12320,7 +12822,7 @@
 </p:sld>
 </file>
 
-<file path=ppt/slides/slide25.xml><?xml version="1.0" encoding="utf-8"?>
+<file path=ppt/slides/slide26.xml><?xml version="1.0" encoding="utf-8"?>
 <p:sld xmlns:a="http://schemas.openxmlformats.org/drawingml/2006/main" xmlns:r="http://schemas.openxmlformats.org/officeDocument/2006/relationships" xmlns:p="http://schemas.openxmlformats.org/presentationml/2006/main">
   <p:cSld>
     <p:spTree>
@@ -12763,7 +13265,448 @@
 </p:sld>
 </file>
 
-<file path=ppt/slides/slide26.xml><?xml version="1.0" encoding="utf-8"?>
+<file path=ppt/slides/slide27.xml><?xml version="1.0" encoding="utf-8"?>
+<p:sld xmlns:a="http://schemas.openxmlformats.org/drawingml/2006/main" xmlns:r="http://schemas.openxmlformats.org/officeDocument/2006/relationships" xmlns:p="http://schemas.openxmlformats.org/presentationml/2006/main">
+  <p:cSld>
+    <p:spTree>
+      <p:nvGrpSpPr>
+        <p:cNvPr id="1" name=""/>
+        <p:cNvGrpSpPr/>
+        <p:nvPr/>
+      </p:nvGrpSpPr>
+      <p:grpSpPr>
+        <a:xfrm>
+          <a:off x="0" y="0"/>
+          <a:ext cx="0" cy="0"/>
+          <a:chOff x="0" y="0"/>
+          <a:chExt cx="0" cy="0"/>
+        </a:xfrm>
+      </p:grpSpPr>
+      <p:sp>
+        <p:nvSpPr>
+          <p:cNvPr id="2" name="제목 1"/>
+          <p:cNvSpPr>
+            <a:spLocks noGrp="1"/>
+          </p:cNvSpPr>
+          <p:nvPr>
+            <p:ph type="title"/>
+          </p:nvPr>
+        </p:nvSpPr>
+        <p:spPr/>
+        <p:txBody>
+          <a:bodyPr/>
+          <a:lstStyle/>
+          <a:p>
+            <a:r>
+              <a:rPr lang="en-US" altLang="ko-KR" dirty="0" smtClean="0">
+                <a:solidFill>
+                  <a:srgbClr val="FF0000"/>
+                </a:solidFill>
+              </a:rPr>
+              <a:t>DDPG</a:t>
+            </a:r>
+            <a:r>
+              <a:rPr lang="ko-KR" altLang="en-US" dirty="0" smtClean="0">
+                <a:solidFill>
+                  <a:srgbClr val="FF0000"/>
+                </a:solidFill>
+              </a:rPr>
+              <a:t> </a:t>
+            </a:r>
+            <a:r>
+              <a:rPr lang="en-US" altLang="ko-KR" dirty="0" smtClean="0">
+                <a:solidFill>
+                  <a:srgbClr val="FF0000"/>
+                </a:solidFill>
+              </a:rPr>
+              <a:t>6_ver3</a:t>
+            </a:r>
+            <a:r>
+              <a:rPr lang="ko-KR" altLang="en-US" dirty="0" smtClean="0">
+                <a:solidFill>
+                  <a:srgbClr val="FF0000"/>
+                </a:solidFill>
+              </a:rPr>
+              <a:t>  </a:t>
+            </a:r>
+            <a:endParaRPr lang="ko-KR" altLang="en-US" dirty="0">
+              <a:solidFill>
+                <a:srgbClr val="FF0000"/>
+              </a:solidFill>
+            </a:endParaRPr>
+          </a:p>
+        </p:txBody>
+      </p:sp>
+      <p:sp>
+        <p:nvSpPr>
+          <p:cNvPr id="4" name="TextBox 3"/>
+          <p:cNvSpPr txBox="1"/>
+          <p:nvPr/>
+        </p:nvSpPr>
+        <p:spPr>
+          <a:xfrm>
+            <a:off x="838200" y="1484771"/>
+            <a:ext cx="11000874" cy="3139321"/>
+          </a:xfrm>
+          <a:prstGeom prst="rect">
+            <a:avLst/>
+          </a:prstGeom>
+          <a:noFill/>
+        </p:spPr>
+        <p:txBody>
+          <a:bodyPr wrap="square" rtlCol="0">
+            <a:spAutoFit/>
+          </a:bodyPr>
+          <a:lstStyle/>
+          <a:p>
+            <a:pPr marL="285750" indent="-285750">
+              <a:buFontTx/>
+              <a:buChar char="-"/>
+            </a:pPr>
+            <a:r>
+              <a:rPr lang="en-US" altLang="ko-KR" b="1" dirty="0" smtClean="0">
+                <a:solidFill>
+                  <a:srgbClr val="FF0000"/>
+                </a:solidFill>
+              </a:rPr>
+              <a:t>State </a:t>
+            </a:r>
+            <a:r>
+              <a:rPr lang="ko-KR" altLang="en-US" b="1" dirty="0" smtClean="0">
+                <a:solidFill>
+                  <a:srgbClr val="FF0000"/>
+                </a:solidFill>
+              </a:rPr>
+              <a:t>차이에 따른 학습 안정도를 확인함 </a:t>
+            </a:r>
+            <a:endParaRPr lang="en-US" altLang="ko-KR" b="1" dirty="0" smtClean="0">
+              <a:solidFill>
+                <a:srgbClr val="FF0000"/>
+              </a:solidFill>
+            </a:endParaRPr>
+          </a:p>
+          <a:p>
+            <a:pPr marL="285750" indent="-285750">
+              <a:buFontTx/>
+              <a:buChar char="-"/>
+            </a:pPr>
+            <a:endParaRPr lang="en-US" altLang="ko-KR" b="1" dirty="0" smtClean="0"/>
+          </a:p>
+          <a:p>
+            <a:pPr marL="285750" indent="-285750">
+              <a:buFontTx/>
+              <a:buChar char="-"/>
+            </a:pPr>
+            <a:r>
+              <a:rPr lang="ko-KR" altLang="en-US" b="1" dirty="0" smtClean="0">
+                <a:solidFill>
+                  <a:srgbClr val="FF0000"/>
+                </a:solidFill>
+              </a:rPr>
+              <a:t>다수의 시험을 진행함 </a:t>
+            </a:r>
+            <a:endParaRPr lang="en-US" altLang="ko-KR" b="1" dirty="0">
+              <a:solidFill>
+                <a:srgbClr val="FF0000"/>
+              </a:solidFill>
+            </a:endParaRPr>
+          </a:p>
+          <a:p>
+            <a:pPr marL="285750" indent="-285750">
+              <a:buFontTx/>
+              <a:buChar char="-"/>
+            </a:pPr>
+            <a:endParaRPr lang="en-US" altLang="ko-KR" b="1" dirty="0"/>
+          </a:p>
+          <a:p>
+            <a:pPr marL="285750" indent="-285750">
+              <a:buFontTx/>
+              <a:buChar char="-"/>
+            </a:pPr>
+            <a:r>
+              <a:rPr lang="en-US" altLang="ko-KR" b="1" dirty="0">
+                <a:solidFill>
+                  <a:srgbClr val="FF0000"/>
+                </a:solidFill>
+              </a:rPr>
+              <a:t>Env1 State:</a:t>
+            </a:r>
+          </a:p>
+          <a:p>
+            <a:pPr marL="742950" lvl="1" indent="-285750">
+              <a:buFontTx/>
+              <a:buChar char="-"/>
+            </a:pPr>
+            <a:r>
+              <a:rPr lang="en-US" altLang="ko-KR" dirty="0"/>
+              <a:t>State:   </a:t>
+            </a:r>
+            <a:r>
+              <a:rPr lang="en-US" altLang="ko-KR" dirty="0" smtClean="0"/>
+              <a:t>[</a:t>
+            </a:r>
+            <a:r>
+              <a:rPr lang="en-US" altLang="ko-KR" dirty="0" smtClean="0">
+                <a:solidFill>
+                  <a:srgbClr val="FF0000"/>
+                </a:solidFill>
+              </a:rPr>
+              <a:t>norm(</a:t>
+            </a:r>
+            <a:r>
+              <a:rPr lang="en-US" altLang="ko-KR" dirty="0" err="1" smtClean="0">
+                <a:solidFill>
+                  <a:srgbClr val="FF0000"/>
+                </a:solidFill>
+              </a:rPr>
+              <a:t>power_out</a:t>
+            </a:r>
+            <a:r>
+              <a:rPr lang="en-US" altLang="ko-KR" dirty="0" smtClean="0">
+                <a:solidFill>
+                  <a:srgbClr val="FF0000"/>
+                </a:solidFill>
+              </a:rPr>
+              <a:t>)</a:t>
+            </a:r>
+            <a:r>
+              <a:rPr lang="en-US" altLang="ko-KR" dirty="0" smtClean="0"/>
+              <a:t>, </a:t>
+            </a:r>
+            <a:r>
+              <a:rPr lang="en-US" altLang="ko-KR" dirty="0"/>
+              <a:t>SOC - </a:t>
+            </a:r>
+            <a:r>
+              <a:rPr lang="en-US" altLang="ko-KR" dirty="0" smtClean="0"/>
+              <a:t>0.6, </a:t>
+            </a:r>
+            <a:r>
+              <a:rPr lang="en-US" altLang="ko-KR" dirty="0" err="1" smtClean="0"/>
+              <a:t>j_min</a:t>
+            </a:r>
+            <a:r>
+              <a:rPr lang="en-US" altLang="ko-KR" dirty="0" smtClean="0"/>
+              <a:t>, </a:t>
+            </a:r>
+            <a:r>
+              <a:rPr lang="en-US" altLang="ko-KR" dirty="0" err="1" smtClean="0"/>
+              <a:t>j_max</a:t>
+            </a:r>
+            <a:r>
+              <a:rPr lang="en-US" altLang="ko-KR" dirty="0" smtClean="0"/>
+              <a:t>]</a:t>
+            </a:r>
+            <a:endParaRPr lang="en-US" altLang="ko-KR" dirty="0" smtClean="0"/>
+          </a:p>
+          <a:p>
+            <a:pPr marL="742950" lvl="1" indent="-285750">
+              <a:buFontTx/>
+              <a:buChar char="-"/>
+            </a:pPr>
+            <a:r>
+              <a:rPr lang="en-US" altLang="ko-KR" dirty="0" smtClean="0"/>
+              <a:t>[O, O, O, O, O, O, O, O, O, X]</a:t>
+            </a:r>
+          </a:p>
+          <a:p>
+            <a:pPr marL="742950" lvl="1" indent="-285750">
+              <a:buFontTx/>
+              <a:buChar char="-"/>
+            </a:pPr>
+            <a:endParaRPr lang="en-US" altLang="ko-KR" dirty="0"/>
+          </a:p>
+          <a:p>
+            <a:pPr marL="285750" indent="-285750">
+              <a:buFontTx/>
+              <a:buChar char="-"/>
+            </a:pPr>
+            <a:r>
+              <a:rPr lang="en-US" altLang="ko-KR" b="1" dirty="0" smtClean="0"/>
+              <a:t>Env2 </a:t>
+            </a:r>
+            <a:r>
+              <a:rPr lang="en-US" altLang="ko-KR" b="1" dirty="0"/>
+              <a:t>State:</a:t>
+            </a:r>
+          </a:p>
+          <a:p>
+            <a:pPr marL="742950" lvl="1" indent="-285750">
+              <a:buFontTx/>
+              <a:buChar char="-"/>
+            </a:pPr>
+            <a:r>
+              <a:rPr lang="en-US" altLang="ko-KR" dirty="0"/>
+              <a:t>State:   </a:t>
+            </a:r>
+            <a:r>
+              <a:rPr lang="en-US" altLang="ko-KR" dirty="0" smtClean="0"/>
+              <a:t>[</a:t>
+            </a:r>
+            <a:r>
+              <a:rPr lang="en-US" altLang="ko-KR" dirty="0" smtClean="0">
+                <a:solidFill>
+                  <a:srgbClr val="FF0000"/>
+                </a:solidFill>
+              </a:rPr>
+              <a:t>norm(</a:t>
+            </a:r>
+            <a:r>
+              <a:rPr lang="en-US" altLang="ko-KR" dirty="0" err="1" smtClean="0">
+                <a:solidFill>
+                  <a:srgbClr val="FF0000"/>
+                </a:solidFill>
+              </a:rPr>
+              <a:t>power_out</a:t>
+            </a:r>
+            <a:r>
+              <a:rPr lang="en-US" altLang="ko-KR" dirty="0" smtClean="0">
+                <a:solidFill>
+                  <a:srgbClr val="FF0000"/>
+                </a:solidFill>
+              </a:rPr>
+              <a:t>)</a:t>
+            </a:r>
+            <a:r>
+              <a:rPr lang="en-US" altLang="ko-KR" dirty="0" smtClean="0"/>
+              <a:t>, </a:t>
+            </a:r>
+            <a:r>
+              <a:rPr lang="en-US" altLang="ko-KR" dirty="0"/>
+              <a:t>SOC </a:t>
+            </a:r>
+            <a:r>
+              <a:rPr lang="en-US" altLang="ko-KR" dirty="0" smtClean="0"/>
+              <a:t>– 0.6]</a:t>
+            </a:r>
+            <a:endParaRPr lang="en-US" altLang="ko-KR" dirty="0"/>
+          </a:p>
+          <a:p>
+            <a:pPr marL="742950" lvl="1" indent="-285750">
+              <a:buFontTx/>
+              <a:buChar char="-"/>
+            </a:pPr>
+            <a:r>
+              <a:rPr lang="en-US" altLang="ko-KR" dirty="0"/>
+              <a:t>[O, </a:t>
+            </a:r>
+            <a:r>
+              <a:rPr lang="en-US" altLang="ko-KR" dirty="0" smtClean="0"/>
+              <a:t>V, V, V, </a:t>
+            </a:r>
+            <a:r>
+              <a:rPr lang="en-US" altLang="ko-KR" dirty="0"/>
+              <a:t>O, O, V</a:t>
+            </a:r>
+            <a:r>
+              <a:rPr lang="en-US" altLang="ko-KR" dirty="0" smtClean="0"/>
+              <a:t>, </a:t>
+            </a:r>
+            <a:r>
+              <a:rPr lang="en-US" altLang="ko-KR" dirty="0"/>
+              <a:t>O, O, O]</a:t>
+            </a:r>
+          </a:p>
+        </p:txBody>
+      </p:sp>
+      <p:sp>
+        <p:nvSpPr>
+          <p:cNvPr id="9" name="TextBox 8"/>
+          <p:cNvSpPr txBox="1"/>
+          <p:nvPr/>
+        </p:nvSpPr>
+        <p:spPr>
+          <a:xfrm>
+            <a:off x="1355045" y="5559072"/>
+            <a:ext cx="8811420" cy="369332"/>
+          </a:xfrm>
+          <a:prstGeom prst="rect">
+            <a:avLst/>
+          </a:prstGeom>
+          <a:noFill/>
+        </p:spPr>
+        <p:txBody>
+          <a:bodyPr wrap="square" rtlCol="0">
+            <a:spAutoFit/>
+          </a:bodyPr>
+          <a:lstStyle/>
+          <a:p>
+            <a:r>
+              <a:rPr lang="ko-KR" altLang="en-US" b="1" dirty="0" smtClean="0">
+                <a:solidFill>
+                  <a:srgbClr val="FF0000"/>
+                </a:solidFill>
+              </a:rPr>
+              <a:t>전체적으로는 </a:t>
+            </a:r>
+            <a:r>
+              <a:rPr lang="en-US" altLang="ko-KR" b="1" dirty="0" smtClean="0">
+                <a:solidFill>
+                  <a:srgbClr val="FF0000"/>
+                </a:solidFill>
+              </a:rPr>
+              <a:t>current density constraint</a:t>
+            </a:r>
+            <a:r>
+              <a:rPr lang="ko-KR" altLang="en-US" b="1" dirty="0" smtClean="0">
+                <a:solidFill>
+                  <a:srgbClr val="FF0000"/>
+                </a:solidFill>
+              </a:rPr>
+              <a:t>가 있는 것이 성능상 좋은 것으로 보임  </a:t>
+            </a:r>
+            <a:endParaRPr lang="en-US" altLang="ko-KR" b="1" dirty="0">
+              <a:solidFill>
+                <a:srgbClr val="FF0000"/>
+              </a:solidFill>
+            </a:endParaRPr>
+          </a:p>
+        </p:txBody>
+      </p:sp>
+      <p:pic>
+        <p:nvPicPr>
+          <p:cNvPr id="5" name="그림 4"/>
+          <p:cNvPicPr>
+            <a:picLocks noChangeAspect="1"/>
+          </p:cNvPicPr>
+          <p:nvPr/>
+        </p:nvPicPr>
+        <p:blipFill>
+          <a:blip r:embed="rId2">
+            <a:extLst>
+              <a:ext uri="{28A0092B-C50C-407E-A947-70E740481C1C}">
+                <a14:useLocalDpi xmlns:a14="http://schemas.microsoft.com/office/drawing/2010/main" val="0"/>
+              </a:ext>
+            </a:extLst>
+          </a:blip>
+          <a:stretch>
+            <a:fillRect/>
+          </a:stretch>
+        </p:blipFill>
+        <p:spPr>
+          <a:xfrm>
+            <a:off x="7030814" y="1690688"/>
+            <a:ext cx="5161186" cy="3612831"/>
+          </a:xfrm>
+          <a:prstGeom prst="rect">
+            <a:avLst/>
+          </a:prstGeom>
+        </p:spPr>
+      </p:pic>
+    </p:spTree>
+    <p:extLst>
+      <p:ext uri="{BB962C8B-B14F-4D97-AF65-F5344CB8AC3E}">
+        <p14:creationId xmlns:p14="http://schemas.microsoft.com/office/powerpoint/2010/main" val="3575979162"/>
+      </p:ext>
+    </p:extLst>
+  </p:cSld>
+  <p:clrMapOvr>
+    <a:masterClrMapping/>
+  </p:clrMapOvr>
+</p:sld>
+</file>
+
+<file path=ppt/slides/slide28.xml><?xml version="1.0" encoding="utf-8"?>
 <p:sld xmlns:a="http://schemas.openxmlformats.org/drawingml/2006/main" xmlns:r="http://schemas.openxmlformats.org/officeDocument/2006/relationships" xmlns:p="http://schemas.openxmlformats.org/presentationml/2006/main">
   <p:cSld>
     <p:spTree>
@@ -13314,7 +14257,7 @@
 </p:sld>
 </file>
 
-<file path=ppt/slides/slide27.xml><?xml version="1.0" encoding="utf-8"?>
+<file path=ppt/slides/slide29.xml><?xml version="1.0" encoding="utf-8"?>
 <p:sld xmlns:a="http://schemas.openxmlformats.org/drawingml/2006/main" xmlns:r="http://schemas.openxmlformats.org/officeDocument/2006/relationships" xmlns:p="http://schemas.openxmlformats.org/presentationml/2006/main">
   <p:cSld>
     <p:spTree>
@@ -13718,1256 +14661,6 @@
     <p:extLst>
       <p:ext uri="{BB962C8B-B14F-4D97-AF65-F5344CB8AC3E}">
         <p14:creationId xmlns:p14="http://schemas.microsoft.com/office/powerpoint/2010/main" val="4065416930"/>
-      </p:ext>
-    </p:extLst>
-  </p:cSld>
-  <p:clrMapOvr>
-    <a:masterClrMapping/>
-  </p:clrMapOvr>
-</p:sld>
-</file>
-
-<file path=ppt/slides/slide28.xml><?xml version="1.0" encoding="utf-8"?>
-<p:sld xmlns:a="http://schemas.openxmlformats.org/drawingml/2006/main" xmlns:r="http://schemas.openxmlformats.org/officeDocument/2006/relationships" xmlns:p="http://schemas.openxmlformats.org/presentationml/2006/main">
-  <p:cSld>
-    <p:spTree>
-      <p:nvGrpSpPr>
-        <p:cNvPr id="1" name=""/>
-        <p:cNvGrpSpPr/>
-        <p:nvPr/>
-      </p:nvGrpSpPr>
-      <p:grpSpPr>
-        <a:xfrm>
-          <a:off x="0" y="0"/>
-          <a:ext cx="0" cy="0"/>
-          <a:chOff x="0" y="0"/>
-          <a:chExt cx="0" cy="0"/>
-        </a:xfrm>
-      </p:grpSpPr>
-      <p:sp>
-        <p:nvSpPr>
-          <p:cNvPr id="2" name="제목 1"/>
-          <p:cNvSpPr>
-            <a:spLocks noGrp="1"/>
-          </p:cNvSpPr>
-          <p:nvPr>
-            <p:ph type="title"/>
-          </p:nvPr>
-        </p:nvSpPr>
-        <p:spPr/>
-        <p:txBody>
-          <a:bodyPr/>
-          <a:lstStyle/>
-          <a:p>
-            <a:r>
-              <a:rPr lang="en-US" altLang="ko-KR" dirty="0" smtClean="0"/>
-              <a:t>DDPG</a:t>
-            </a:r>
-            <a:r>
-              <a:rPr lang="ko-KR" altLang="en-US" dirty="0" smtClean="0"/>
-              <a:t> </a:t>
-            </a:r>
-            <a:r>
-              <a:rPr lang="en-US" altLang="ko-KR" dirty="0"/>
-              <a:t>8</a:t>
-            </a:r>
-            <a:r>
-              <a:rPr lang="ko-KR" altLang="en-US" dirty="0" smtClean="0"/>
-              <a:t>  </a:t>
-            </a:r>
-            <a:endParaRPr lang="ko-KR" altLang="en-US" dirty="0"/>
-          </a:p>
-        </p:txBody>
-      </p:sp>
-      <p:sp>
-        <p:nvSpPr>
-          <p:cNvPr id="4" name="TextBox 3"/>
-          <p:cNvSpPr txBox="1"/>
-          <p:nvPr/>
-        </p:nvSpPr>
-        <p:spPr>
-          <a:xfrm>
-            <a:off x="838200" y="1484771"/>
-            <a:ext cx="11000874" cy="2862322"/>
-          </a:xfrm>
-          <a:prstGeom prst="rect">
-            <a:avLst/>
-          </a:prstGeom>
-          <a:noFill/>
-        </p:spPr>
-        <p:txBody>
-          <a:bodyPr wrap="square" rtlCol="0">
-            <a:spAutoFit/>
-          </a:bodyPr>
-          <a:lstStyle/>
-          <a:p>
-            <a:pPr marL="285750" lvl="1" indent="-285750">
-              <a:buFontTx/>
-              <a:buChar char="-"/>
-            </a:pPr>
-            <a:r>
-              <a:rPr lang="en-US" altLang="ko-KR" b="1" dirty="0" smtClean="0">
-                <a:solidFill>
-                  <a:srgbClr val="FF0000"/>
-                </a:solidFill>
-              </a:rPr>
-              <a:t>Terminal state</a:t>
-            </a:r>
-            <a:r>
-              <a:rPr lang="ko-KR" altLang="en-US" b="1" dirty="0" smtClean="0">
-                <a:solidFill>
-                  <a:srgbClr val="FF0000"/>
-                </a:solidFill>
-              </a:rPr>
-              <a:t>를 고려한 네트워크 업데이트 알고리즘 추가 </a:t>
-            </a:r>
-            <a:endParaRPr lang="en-US" altLang="ko-KR" b="1" dirty="0" smtClean="0">
-              <a:solidFill>
-                <a:srgbClr val="FF0000"/>
-              </a:solidFill>
-            </a:endParaRPr>
-          </a:p>
-          <a:p>
-            <a:pPr marL="285750" lvl="1" indent="-285750">
-              <a:buFontTx/>
-              <a:buChar char="-"/>
-            </a:pPr>
-            <a:endParaRPr lang="en-US" altLang="ko-KR" b="1" dirty="0" smtClean="0"/>
-          </a:p>
-          <a:p>
-            <a:pPr marL="285750" lvl="1" indent="-285750">
-              <a:buFontTx/>
-              <a:buChar char="-"/>
-            </a:pPr>
-            <a:r>
-              <a:rPr lang="en-US" altLang="ko-KR" b="1" dirty="0" smtClean="0">
-                <a:solidFill>
-                  <a:srgbClr val="FF0000"/>
-                </a:solidFill>
-              </a:rPr>
-              <a:t>State</a:t>
-            </a:r>
-            <a:r>
-              <a:rPr lang="ko-KR" altLang="en-US" b="1" dirty="0" smtClean="0">
-                <a:solidFill>
-                  <a:srgbClr val="FF0000"/>
-                </a:solidFill>
-              </a:rPr>
-              <a:t>의 정의 </a:t>
-            </a:r>
-            <a:endParaRPr lang="en-US" altLang="ko-KR" b="1" dirty="0">
-              <a:solidFill>
-                <a:srgbClr val="FF0000"/>
-              </a:solidFill>
-            </a:endParaRPr>
-          </a:p>
-          <a:p>
-            <a:pPr marL="742950" lvl="2" indent="-285750">
-              <a:buFontTx/>
-              <a:buChar char="-"/>
-            </a:pPr>
-            <a:r>
-              <a:rPr lang="en-US" altLang="ko-KR" dirty="0"/>
-              <a:t>State: </a:t>
-            </a:r>
-            <a:r>
-              <a:rPr lang="en-US" altLang="ko-KR" dirty="0" smtClean="0">
-                <a:solidFill>
-                  <a:srgbClr val="FF0000"/>
-                </a:solidFill>
-              </a:rPr>
-              <a:t>[norm(</a:t>
-            </a:r>
-            <a:r>
-              <a:rPr lang="en-US" altLang="ko-KR" dirty="0" err="1" smtClean="0">
-                <a:solidFill>
-                  <a:srgbClr val="FF0000"/>
-                </a:solidFill>
-              </a:rPr>
-              <a:t>power_out</a:t>
-            </a:r>
-            <a:r>
-              <a:rPr lang="en-US" altLang="ko-KR" dirty="0" smtClean="0">
-                <a:solidFill>
-                  <a:srgbClr val="FF0000"/>
-                </a:solidFill>
-              </a:rPr>
-              <a:t>), SOC </a:t>
-            </a:r>
-            <a:r>
-              <a:rPr lang="en-US" altLang="ko-KR" dirty="0">
-                <a:solidFill>
-                  <a:srgbClr val="FF0000"/>
-                </a:solidFill>
-              </a:rPr>
-              <a:t>- 0.6, </a:t>
-            </a:r>
-            <a:r>
-              <a:rPr lang="en-US" altLang="ko-KR" dirty="0" err="1" smtClean="0">
-                <a:solidFill>
-                  <a:srgbClr val="FF0000"/>
-                </a:solidFill>
-              </a:rPr>
-              <a:t>J_min</a:t>
-            </a:r>
-            <a:r>
-              <a:rPr lang="en-US" altLang="ko-KR" dirty="0" smtClean="0">
-                <a:solidFill>
-                  <a:srgbClr val="FF0000"/>
-                </a:solidFill>
-              </a:rPr>
-              <a:t>, </a:t>
-            </a:r>
-            <a:r>
-              <a:rPr lang="en-US" altLang="ko-KR" dirty="0" err="1" smtClean="0">
-                <a:solidFill>
-                  <a:srgbClr val="FF0000"/>
-                </a:solidFill>
-              </a:rPr>
-              <a:t>J_max</a:t>
-            </a:r>
-            <a:r>
-              <a:rPr lang="en-US" altLang="ko-KR" dirty="0" smtClean="0">
-                <a:solidFill>
-                  <a:srgbClr val="FF0000"/>
-                </a:solidFill>
-              </a:rPr>
-              <a:t>]</a:t>
-            </a:r>
-            <a:endParaRPr lang="en-US" altLang="ko-KR" dirty="0">
-              <a:solidFill>
-                <a:srgbClr val="FF0000"/>
-              </a:solidFill>
-            </a:endParaRPr>
-          </a:p>
-          <a:p>
-            <a:pPr marL="742950" lvl="1" indent="-285750">
-              <a:buFontTx/>
-              <a:buChar char="-"/>
-            </a:pPr>
-            <a:r>
-              <a:rPr lang="en-US" altLang="ko-KR" dirty="0"/>
-              <a:t>Replay memory</a:t>
-            </a:r>
-            <a:r>
-              <a:rPr lang="ko-KR" altLang="en-US" dirty="0"/>
-              <a:t>에서 </a:t>
-            </a:r>
-            <a:r>
-              <a:rPr lang="en-US" altLang="ko-KR" dirty="0" err="1"/>
-              <a:t>power_out</a:t>
-            </a:r>
-            <a:r>
-              <a:rPr lang="ko-KR" altLang="en-US" dirty="0"/>
-              <a:t>에 대해</a:t>
-            </a:r>
-            <a:r>
-              <a:rPr lang="en-US" altLang="ko-KR" dirty="0"/>
-              <a:t> </a:t>
-            </a:r>
-            <a:r>
-              <a:rPr lang="en-US" altLang="ko-KR" dirty="0">
-                <a:solidFill>
-                  <a:srgbClr val="FF0000"/>
-                </a:solidFill>
-              </a:rPr>
-              <a:t>mean-</a:t>
-            </a:r>
-            <a:r>
-              <a:rPr lang="en-US" altLang="ko-KR" dirty="0" err="1">
-                <a:solidFill>
-                  <a:srgbClr val="FF0000"/>
-                </a:solidFill>
-              </a:rPr>
-              <a:t>std</a:t>
-            </a:r>
-            <a:r>
-              <a:rPr lang="en-US" altLang="ko-KR" dirty="0">
-                <a:solidFill>
-                  <a:srgbClr val="FF0000"/>
-                </a:solidFill>
-              </a:rPr>
-              <a:t> normalization </a:t>
-            </a:r>
-            <a:r>
-              <a:rPr lang="ko-KR" altLang="en-US" dirty="0"/>
-              <a:t>적용 </a:t>
-            </a:r>
-            <a:endParaRPr lang="en-US" altLang="ko-KR" dirty="0"/>
-          </a:p>
-          <a:p>
-            <a:pPr marL="0" lvl="1"/>
-            <a:endParaRPr lang="en-US" altLang="ko-KR" b="1" dirty="0" smtClean="0"/>
-          </a:p>
-          <a:p>
-            <a:pPr marL="285750" lvl="1" indent="-285750">
-              <a:buFontTx/>
-              <a:buChar char="-"/>
-            </a:pPr>
-            <a:endParaRPr lang="en-US" altLang="ko-KR" b="1" dirty="0" smtClean="0"/>
-          </a:p>
-          <a:p>
-            <a:pPr marL="285750" lvl="1" indent="-285750">
-              <a:buFontTx/>
-              <a:buChar char="-"/>
-            </a:pPr>
-            <a:endParaRPr lang="en-US" altLang="ko-KR" b="1" dirty="0"/>
-          </a:p>
-          <a:p>
-            <a:pPr marL="285750" lvl="1" indent="-285750">
-              <a:buFontTx/>
-              <a:buChar char="-"/>
-            </a:pPr>
-            <a:endParaRPr lang="en-US" altLang="ko-KR" b="1" dirty="0" smtClean="0"/>
-          </a:p>
-          <a:p>
-            <a:pPr marL="285750" lvl="1" indent="-285750">
-              <a:buFontTx/>
-              <a:buChar char="-"/>
-            </a:pPr>
-            <a:endParaRPr lang="en-US" altLang="ko-KR" b="1" dirty="0"/>
-          </a:p>
-        </p:txBody>
-      </p:sp>
-      <p:sp>
-        <p:nvSpPr>
-          <p:cNvPr id="5" name="TextBox 4"/>
-          <p:cNvSpPr txBox="1"/>
-          <p:nvPr/>
-        </p:nvSpPr>
-        <p:spPr>
-          <a:xfrm>
-            <a:off x="9576262" y="4910921"/>
-            <a:ext cx="2262812" cy="369332"/>
-          </a:xfrm>
-          <a:prstGeom prst="rect">
-            <a:avLst/>
-          </a:prstGeom>
-          <a:noFill/>
-        </p:spPr>
-        <p:txBody>
-          <a:bodyPr wrap="square" rtlCol="0">
-            <a:spAutoFit/>
-          </a:bodyPr>
-          <a:lstStyle/>
-          <a:p>
-            <a:r>
-              <a:rPr lang="en-US" altLang="ko-KR" dirty="0" smtClean="0"/>
-              <a:t>&lt;</a:t>
-            </a:r>
-            <a:r>
-              <a:rPr lang="ko-KR" altLang="en-US" dirty="0" err="1" smtClean="0"/>
-              <a:t>하이퍼파라미터</a:t>
-            </a:r>
-            <a:r>
-              <a:rPr lang="en-US" altLang="ko-KR" dirty="0" smtClean="0"/>
-              <a:t>&gt;</a:t>
-            </a:r>
-            <a:r>
-              <a:rPr lang="ko-KR" altLang="en-US" dirty="0" smtClean="0"/>
-              <a:t> </a:t>
-            </a:r>
-            <a:endParaRPr lang="ko-KR" altLang="en-US" dirty="0"/>
-          </a:p>
-        </p:txBody>
-      </p:sp>
-      <p:pic>
-        <p:nvPicPr>
-          <p:cNvPr id="7" name="그림 6"/>
-          <p:cNvPicPr>
-            <a:picLocks noChangeAspect="1"/>
-          </p:cNvPicPr>
-          <p:nvPr/>
-        </p:nvPicPr>
-        <p:blipFill>
-          <a:blip r:embed="rId2"/>
-          <a:stretch>
-            <a:fillRect/>
-          </a:stretch>
-        </p:blipFill>
-        <p:spPr>
-          <a:xfrm>
-            <a:off x="9096666" y="1690687"/>
-            <a:ext cx="3021397" cy="3101375"/>
-          </a:xfrm>
-          <a:prstGeom prst="rect">
-            <a:avLst/>
-          </a:prstGeom>
-        </p:spPr>
-      </p:pic>
-      <p:sp>
-        <p:nvSpPr>
-          <p:cNvPr id="9" name="TextBox 8"/>
-          <p:cNvSpPr txBox="1"/>
-          <p:nvPr/>
-        </p:nvSpPr>
-        <p:spPr>
-          <a:xfrm>
-            <a:off x="3356991" y="5095587"/>
-            <a:ext cx="5478018" cy="369332"/>
-          </a:xfrm>
-          <a:prstGeom prst="rect">
-            <a:avLst/>
-          </a:prstGeom>
-          <a:noFill/>
-        </p:spPr>
-        <p:txBody>
-          <a:bodyPr wrap="square" rtlCol="0">
-            <a:spAutoFit/>
-          </a:bodyPr>
-          <a:lstStyle/>
-          <a:p>
-            <a:r>
-              <a:rPr lang="ko-KR" altLang="en-US" b="1" dirty="0" smtClean="0">
-                <a:solidFill>
-                  <a:srgbClr val="FF0000"/>
-                </a:solidFill>
-              </a:rPr>
-              <a:t>더 효과를 확인할 필요가 있음</a:t>
-            </a:r>
-            <a:r>
-              <a:rPr lang="en-US" altLang="ko-KR" b="1" dirty="0" smtClean="0">
-                <a:solidFill>
-                  <a:srgbClr val="FF0000"/>
-                </a:solidFill>
-              </a:rPr>
-              <a:t>. </a:t>
-            </a:r>
-            <a:endParaRPr lang="en-US" altLang="ko-KR" b="1" dirty="0">
-              <a:solidFill>
-                <a:srgbClr val="FF0000"/>
-              </a:solidFill>
-            </a:endParaRPr>
-          </a:p>
-        </p:txBody>
-      </p:sp>
-    </p:spTree>
-    <p:extLst>
-      <p:ext uri="{BB962C8B-B14F-4D97-AF65-F5344CB8AC3E}">
-        <p14:creationId xmlns:p14="http://schemas.microsoft.com/office/powerpoint/2010/main" val="4257356289"/>
-      </p:ext>
-    </p:extLst>
-  </p:cSld>
-  <p:clrMapOvr>
-    <a:masterClrMapping/>
-  </p:clrMapOvr>
-</p:sld>
-</file>
-
-<file path=ppt/slides/slide29.xml><?xml version="1.0" encoding="utf-8"?>
-<p:sld xmlns:a="http://schemas.openxmlformats.org/drawingml/2006/main" xmlns:r="http://schemas.openxmlformats.org/officeDocument/2006/relationships" xmlns:p="http://schemas.openxmlformats.org/presentationml/2006/main">
-  <p:cSld>
-    <p:spTree>
-      <p:nvGrpSpPr>
-        <p:cNvPr id="1" name=""/>
-        <p:cNvGrpSpPr/>
-        <p:nvPr/>
-      </p:nvGrpSpPr>
-      <p:grpSpPr>
-        <a:xfrm>
-          <a:off x="0" y="0"/>
-          <a:ext cx="0" cy="0"/>
-          <a:chOff x="0" y="0"/>
-          <a:chExt cx="0" cy="0"/>
-        </a:xfrm>
-      </p:grpSpPr>
-      <p:sp>
-        <p:nvSpPr>
-          <p:cNvPr id="2" name="제목 1"/>
-          <p:cNvSpPr>
-            <a:spLocks noGrp="1"/>
-          </p:cNvSpPr>
-          <p:nvPr>
-            <p:ph type="title"/>
-          </p:nvPr>
-        </p:nvSpPr>
-        <p:spPr/>
-        <p:txBody>
-          <a:bodyPr/>
-          <a:lstStyle/>
-          <a:p>
-            <a:r>
-              <a:rPr lang="en-US" altLang="ko-KR" dirty="0" smtClean="0">
-                <a:solidFill>
-                  <a:srgbClr val="FF0000"/>
-                </a:solidFill>
-              </a:rPr>
-              <a:t>DDPG</a:t>
-            </a:r>
-            <a:r>
-              <a:rPr lang="ko-KR" altLang="en-US" dirty="0" smtClean="0">
-                <a:solidFill>
-                  <a:srgbClr val="FF0000"/>
-                </a:solidFill>
-              </a:rPr>
-              <a:t> </a:t>
-            </a:r>
-            <a:r>
-              <a:rPr lang="en-US" altLang="ko-KR" dirty="0" smtClean="0">
-                <a:solidFill>
-                  <a:srgbClr val="FF0000"/>
-                </a:solidFill>
-              </a:rPr>
-              <a:t>9</a:t>
-            </a:r>
-            <a:r>
-              <a:rPr lang="ko-KR" altLang="en-US" dirty="0" smtClean="0">
-                <a:solidFill>
-                  <a:srgbClr val="FF0000"/>
-                </a:solidFill>
-              </a:rPr>
-              <a:t>  </a:t>
-            </a:r>
-            <a:endParaRPr lang="ko-KR" altLang="en-US" dirty="0">
-              <a:solidFill>
-                <a:srgbClr val="FF0000"/>
-              </a:solidFill>
-            </a:endParaRPr>
-          </a:p>
-        </p:txBody>
-      </p:sp>
-      <p:sp>
-        <p:nvSpPr>
-          <p:cNvPr id="4" name="TextBox 3"/>
-          <p:cNvSpPr txBox="1"/>
-          <p:nvPr/>
-        </p:nvSpPr>
-        <p:spPr>
-          <a:xfrm>
-            <a:off x="838200" y="1493084"/>
-            <a:ext cx="11000874" cy="5909310"/>
-          </a:xfrm>
-          <a:prstGeom prst="rect">
-            <a:avLst/>
-          </a:prstGeom>
-          <a:noFill/>
-        </p:spPr>
-        <p:txBody>
-          <a:bodyPr wrap="square" rtlCol="0">
-            <a:spAutoFit/>
-          </a:bodyPr>
-          <a:lstStyle/>
-          <a:p>
-            <a:pPr marL="285750" lvl="1" indent="-285750">
-              <a:buFontTx/>
-              <a:buChar char="-"/>
-            </a:pPr>
-            <a:r>
-              <a:rPr lang="en-US" altLang="ko-KR" b="1" dirty="0" smtClean="0">
-                <a:solidFill>
-                  <a:srgbClr val="FF0000"/>
-                </a:solidFill>
-              </a:rPr>
-              <a:t>POMDP</a:t>
-            </a:r>
-            <a:r>
-              <a:rPr lang="ko-KR" altLang="en-US" b="1" dirty="0" smtClean="0">
-                <a:solidFill>
-                  <a:srgbClr val="FF0000"/>
-                </a:solidFill>
-              </a:rPr>
-              <a:t>를 고려한 </a:t>
-            </a:r>
-            <a:r>
-              <a:rPr lang="en-US" altLang="ko-KR" b="1" dirty="0" smtClean="0">
-                <a:solidFill>
-                  <a:srgbClr val="FF0000"/>
-                </a:solidFill>
-              </a:rPr>
-              <a:t>DDPG</a:t>
-            </a:r>
-          </a:p>
-          <a:p>
-            <a:pPr marL="285750" lvl="1" indent="-285750">
-              <a:buFontTx/>
-              <a:buChar char="-"/>
-            </a:pPr>
-            <a:endParaRPr lang="en-US" altLang="ko-KR" b="1" dirty="0" smtClean="0"/>
-          </a:p>
-          <a:p>
-            <a:pPr marL="285750" lvl="1" indent="-285750">
-              <a:buFontTx/>
-              <a:buChar char="-"/>
-            </a:pPr>
-            <a:r>
-              <a:rPr lang="en-US" altLang="ko-KR" b="1" dirty="0" smtClean="0">
-                <a:solidFill>
-                  <a:srgbClr val="FF0000"/>
-                </a:solidFill>
-              </a:rPr>
-              <a:t>DDPG 1: </a:t>
-            </a:r>
-            <a:r>
-              <a:rPr lang="ko-KR" altLang="en-US" b="1" dirty="0" smtClean="0">
-                <a:solidFill>
-                  <a:srgbClr val="FF0000"/>
-                </a:solidFill>
-              </a:rPr>
-              <a:t> </a:t>
-            </a:r>
-            <a:endParaRPr lang="en-US" altLang="ko-KR" b="1" dirty="0">
-              <a:solidFill>
-                <a:srgbClr val="FF0000"/>
-              </a:solidFill>
-            </a:endParaRPr>
-          </a:p>
-          <a:p>
-            <a:pPr marL="742950" lvl="2" indent="-285750">
-              <a:buFontTx/>
-              <a:buChar char="-"/>
-            </a:pPr>
-            <a:r>
-              <a:rPr lang="en-US" altLang="ko-KR" dirty="0"/>
-              <a:t>State: </a:t>
-            </a:r>
-            <a:r>
-              <a:rPr lang="en-US" altLang="ko-KR" dirty="0" smtClean="0">
-                <a:solidFill>
-                  <a:srgbClr val="FF0000"/>
-                </a:solidFill>
-              </a:rPr>
-              <a:t>[norm(</a:t>
-            </a:r>
-            <a:r>
-              <a:rPr lang="en-US" altLang="ko-KR" dirty="0" err="1" smtClean="0">
-                <a:solidFill>
-                  <a:srgbClr val="FF0000"/>
-                </a:solidFill>
-              </a:rPr>
-              <a:t>power_out</a:t>
-            </a:r>
-            <a:r>
-              <a:rPr lang="en-US" altLang="ko-KR" dirty="0" smtClean="0">
-                <a:solidFill>
-                  <a:srgbClr val="FF0000"/>
-                </a:solidFill>
-              </a:rPr>
-              <a:t>), SOC </a:t>
-            </a:r>
-            <a:r>
-              <a:rPr lang="en-US" altLang="ko-KR" dirty="0">
-                <a:solidFill>
-                  <a:srgbClr val="FF0000"/>
-                </a:solidFill>
-              </a:rPr>
-              <a:t>- 0.6, </a:t>
-            </a:r>
-            <a:r>
-              <a:rPr lang="en-US" altLang="ko-KR" dirty="0" err="1" smtClean="0">
-                <a:solidFill>
-                  <a:srgbClr val="FF0000"/>
-                </a:solidFill>
-              </a:rPr>
-              <a:t>J_min</a:t>
-            </a:r>
-            <a:r>
-              <a:rPr lang="en-US" altLang="ko-KR" dirty="0" smtClean="0">
-                <a:solidFill>
-                  <a:srgbClr val="FF0000"/>
-                </a:solidFill>
-              </a:rPr>
-              <a:t>, </a:t>
-            </a:r>
-            <a:r>
-              <a:rPr lang="en-US" altLang="ko-KR" dirty="0" err="1" smtClean="0">
-                <a:solidFill>
-                  <a:srgbClr val="FF0000"/>
-                </a:solidFill>
-              </a:rPr>
-              <a:t>J_max</a:t>
-            </a:r>
-            <a:r>
-              <a:rPr lang="en-US" altLang="ko-KR" dirty="0" smtClean="0">
-                <a:solidFill>
-                  <a:srgbClr val="FF0000"/>
-                </a:solidFill>
-              </a:rPr>
-              <a:t>]</a:t>
-            </a:r>
-          </a:p>
-          <a:p>
-            <a:pPr marL="742950" lvl="2" indent="-285750">
-              <a:buFontTx/>
-              <a:buChar char="-"/>
-            </a:pPr>
-            <a:r>
-              <a:rPr lang="en-US" altLang="ko-KR" dirty="0" err="1" smtClean="0">
-                <a:solidFill>
-                  <a:srgbClr val="FF0000"/>
-                </a:solidFill>
-              </a:rPr>
-              <a:t>Stack_size</a:t>
-            </a:r>
-            <a:r>
-              <a:rPr lang="en-US" altLang="ko-KR" dirty="0" smtClean="0">
-                <a:solidFill>
-                  <a:srgbClr val="FF0000"/>
-                </a:solidFill>
-              </a:rPr>
-              <a:t>: 1 </a:t>
-            </a:r>
-            <a:endParaRPr lang="en-US" altLang="ko-KR" dirty="0">
-              <a:solidFill>
-                <a:srgbClr val="FF0000"/>
-              </a:solidFill>
-            </a:endParaRPr>
-          </a:p>
-          <a:p>
-            <a:pPr marL="0" lvl="1"/>
-            <a:endParaRPr lang="en-US" altLang="ko-KR" b="1" dirty="0" smtClean="0"/>
-          </a:p>
-          <a:p>
-            <a:pPr marL="285750" lvl="1" indent="-285750">
-              <a:buFontTx/>
-              <a:buChar char="-"/>
-            </a:pPr>
-            <a:r>
-              <a:rPr lang="en-US" altLang="ko-KR" b="1" dirty="0">
-                <a:solidFill>
-                  <a:srgbClr val="FF0000"/>
-                </a:solidFill>
-              </a:rPr>
-              <a:t>DDPG </a:t>
-            </a:r>
-            <a:r>
-              <a:rPr lang="en-US" altLang="ko-KR" b="1" dirty="0" smtClean="0">
-                <a:solidFill>
-                  <a:srgbClr val="FF0000"/>
-                </a:solidFill>
-              </a:rPr>
-              <a:t>2: </a:t>
-            </a:r>
-            <a:r>
-              <a:rPr lang="ko-KR" altLang="en-US" b="1" dirty="0" smtClean="0">
-                <a:solidFill>
-                  <a:srgbClr val="FF0000"/>
-                </a:solidFill>
-              </a:rPr>
-              <a:t> </a:t>
-            </a:r>
-            <a:endParaRPr lang="en-US" altLang="ko-KR" b="1" dirty="0">
-              <a:solidFill>
-                <a:srgbClr val="FF0000"/>
-              </a:solidFill>
-            </a:endParaRPr>
-          </a:p>
-          <a:p>
-            <a:pPr marL="742950" lvl="2" indent="-285750">
-              <a:buFontTx/>
-              <a:buChar char="-"/>
-            </a:pPr>
-            <a:r>
-              <a:rPr lang="en-US" altLang="ko-KR" dirty="0"/>
-              <a:t>State: </a:t>
-            </a:r>
-            <a:r>
-              <a:rPr lang="en-US" altLang="ko-KR" dirty="0">
-                <a:solidFill>
-                  <a:srgbClr val="FF0000"/>
-                </a:solidFill>
-              </a:rPr>
-              <a:t>[norm(</a:t>
-            </a:r>
-            <a:r>
-              <a:rPr lang="en-US" altLang="ko-KR" dirty="0" err="1">
-                <a:solidFill>
-                  <a:srgbClr val="FF0000"/>
-                </a:solidFill>
-              </a:rPr>
-              <a:t>power_out</a:t>
-            </a:r>
-            <a:r>
-              <a:rPr lang="en-US" altLang="ko-KR" dirty="0">
-                <a:solidFill>
-                  <a:srgbClr val="FF0000"/>
-                </a:solidFill>
-              </a:rPr>
-              <a:t>), SOC - 0.6, </a:t>
-            </a:r>
-            <a:r>
-              <a:rPr lang="en-US" altLang="ko-KR" dirty="0" err="1">
-                <a:solidFill>
-                  <a:srgbClr val="FF0000"/>
-                </a:solidFill>
-              </a:rPr>
-              <a:t>J_min</a:t>
-            </a:r>
-            <a:r>
-              <a:rPr lang="en-US" altLang="ko-KR" dirty="0">
-                <a:solidFill>
-                  <a:srgbClr val="FF0000"/>
-                </a:solidFill>
-              </a:rPr>
-              <a:t>, </a:t>
-            </a:r>
-            <a:r>
-              <a:rPr lang="en-US" altLang="ko-KR" dirty="0" err="1">
-                <a:solidFill>
-                  <a:srgbClr val="FF0000"/>
-                </a:solidFill>
-              </a:rPr>
-              <a:t>J_max</a:t>
-            </a:r>
-            <a:r>
-              <a:rPr lang="en-US" altLang="ko-KR" dirty="0">
-                <a:solidFill>
-                  <a:srgbClr val="FF0000"/>
-                </a:solidFill>
-              </a:rPr>
-              <a:t>]</a:t>
-            </a:r>
-          </a:p>
-          <a:p>
-            <a:pPr marL="742950" lvl="2" indent="-285750">
-              <a:buFontTx/>
-              <a:buChar char="-"/>
-            </a:pPr>
-            <a:r>
-              <a:rPr lang="en-US" altLang="ko-KR" dirty="0" err="1" smtClean="0">
-                <a:solidFill>
-                  <a:srgbClr val="FF0000"/>
-                </a:solidFill>
-              </a:rPr>
-              <a:t>Stack_size</a:t>
-            </a:r>
-            <a:r>
-              <a:rPr lang="en-US" altLang="ko-KR" dirty="0" smtClean="0">
-                <a:solidFill>
-                  <a:srgbClr val="FF0000"/>
-                </a:solidFill>
-              </a:rPr>
-              <a:t>: 4 </a:t>
-            </a:r>
-            <a:endParaRPr lang="en-US" altLang="ko-KR" dirty="0">
-              <a:solidFill>
-                <a:srgbClr val="FF0000"/>
-              </a:solidFill>
-            </a:endParaRPr>
-          </a:p>
-          <a:p>
-            <a:pPr marL="285750" lvl="1" indent="-285750">
-              <a:buFontTx/>
-              <a:buChar char="-"/>
-            </a:pPr>
-            <a:endParaRPr lang="en-US" altLang="ko-KR" b="1" dirty="0" smtClean="0"/>
-          </a:p>
-          <a:p>
-            <a:pPr marL="285750" lvl="1" indent="-285750">
-              <a:buFontTx/>
-              <a:buChar char="-"/>
-            </a:pPr>
-            <a:r>
-              <a:rPr lang="en-US" altLang="ko-KR" b="1" dirty="0">
-                <a:solidFill>
-                  <a:srgbClr val="FF0000"/>
-                </a:solidFill>
-              </a:rPr>
-              <a:t>DDPG </a:t>
-            </a:r>
-            <a:r>
-              <a:rPr lang="en-US" altLang="ko-KR" b="1" dirty="0" smtClean="0">
-                <a:solidFill>
-                  <a:srgbClr val="FF0000"/>
-                </a:solidFill>
-              </a:rPr>
-              <a:t>3: </a:t>
-            </a:r>
-            <a:r>
-              <a:rPr lang="ko-KR" altLang="en-US" b="1" dirty="0" smtClean="0">
-                <a:solidFill>
-                  <a:srgbClr val="FF0000"/>
-                </a:solidFill>
-              </a:rPr>
-              <a:t> </a:t>
-            </a:r>
-            <a:endParaRPr lang="en-US" altLang="ko-KR" b="1" dirty="0">
-              <a:solidFill>
-                <a:srgbClr val="FF0000"/>
-              </a:solidFill>
-            </a:endParaRPr>
-          </a:p>
-          <a:p>
-            <a:pPr marL="742950" lvl="2" indent="-285750">
-              <a:buFontTx/>
-              <a:buChar char="-"/>
-            </a:pPr>
-            <a:r>
-              <a:rPr lang="en-US" altLang="ko-KR" dirty="0"/>
-              <a:t>State: </a:t>
-            </a:r>
-            <a:r>
-              <a:rPr lang="en-US" altLang="ko-KR" dirty="0">
-                <a:solidFill>
-                  <a:srgbClr val="FF0000"/>
-                </a:solidFill>
-              </a:rPr>
-              <a:t>[norm(</a:t>
-            </a:r>
-            <a:r>
-              <a:rPr lang="en-US" altLang="ko-KR" dirty="0" err="1">
-                <a:solidFill>
-                  <a:srgbClr val="FF0000"/>
-                </a:solidFill>
-              </a:rPr>
-              <a:t>power_out</a:t>
-            </a:r>
-            <a:r>
-              <a:rPr lang="en-US" altLang="ko-KR" dirty="0">
-                <a:solidFill>
-                  <a:srgbClr val="FF0000"/>
-                </a:solidFill>
-              </a:rPr>
-              <a:t>), SOC - 0.6, </a:t>
-            </a:r>
-            <a:r>
-              <a:rPr lang="en-US" altLang="ko-KR" dirty="0" err="1">
-                <a:solidFill>
-                  <a:srgbClr val="FF0000"/>
-                </a:solidFill>
-              </a:rPr>
-              <a:t>J_min</a:t>
-            </a:r>
-            <a:r>
-              <a:rPr lang="en-US" altLang="ko-KR" dirty="0">
-                <a:solidFill>
-                  <a:srgbClr val="FF0000"/>
-                </a:solidFill>
-              </a:rPr>
-              <a:t>, </a:t>
-            </a:r>
-            <a:r>
-              <a:rPr lang="en-US" altLang="ko-KR" dirty="0" err="1">
-                <a:solidFill>
-                  <a:srgbClr val="FF0000"/>
-                </a:solidFill>
-              </a:rPr>
-              <a:t>J_max</a:t>
-            </a:r>
-            <a:r>
-              <a:rPr lang="en-US" altLang="ko-KR" dirty="0">
-                <a:solidFill>
-                  <a:srgbClr val="FF0000"/>
-                </a:solidFill>
-              </a:rPr>
-              <a:t>]</a:t>
-            </a:r>
-          </a:p>
-          <a:p>
-            <a:pPr marL="742950" lvl="2" indent="-285750">
-              <a:buFontTx/>
-              <a:buChar char="-"/>
-            </a:pPr>
-            <a:r>
-              <a:rPr lang="en-US" altLang="ko-KR" dirty="0" err="1">
-                <a:solidFill>
-                  <a:srgbClr val="FF0000"/>
-                </a:solidFill>
-              </a:rPr>
-              <a:t>Stack_size</a:t>
-            </a:r>
-            <a:r>
-              <a:rPr lang="en-US" altLang="ko-KR" dirty="0">
-                <a:solidFill>
-                  <a:srgbClr val="FF0000"/>
-                </a:solidFill>
-              </a:rPr>
-              <a:t>: </a:t>
-            </a:r>
-            <a:r>
-              <a:rPr lang="en-US" altLang="ko-KR" dirty="0" smtClean="0">
-                <a:solidFill>
-                  <a:srgbClr val="FF0000"/>
-                </a:solidFill>
-              </a:rPr>
-              <a:t>8 </a:t>
-            </a:r>
-            <a:endParaRPr lang="en-US" altLang="ko-KR" dirty="0">
-              <a:solidFill>
-                <a:srgbClr val="FF0000"/>
-              </a:solidFill>
-            </a:endParaRPr>
-          </a:p>
-          <a:p>
-            <a:pPr marL="285750" lvl="1" indent="-285750">
-              <a:buFontTx/>
-              <a:buChar char="-"/>
-            </a:pPr>
-            <a:endParaRPr lang="en-US" altLang="ko-KR" b="1" dirty="0" smtClean="0"/>
-          </a:p>
-          <a:p>
-            <a:pPr marL="285750" lvl="1" indent="-285750">
-              <a:buFontTx/>
-              <a:buChar char="-"/>
-            </a:pPr>
-            <a:r>
-              <a:rPr lang="en-US" altLang="ko-KR" b="1" dirty="0">
-                <a:solidFill>
-                  <a:srgbClr val="FF0000"/>
-                </a:solidFill>
-              </a:rPr>
-              <a:t>DDPG </a:t>
-            </a:r>
-            <a:r>
-              <a:rPr lang="en-US" altLang="ko-KR" b="1" dirty="0" smtClean="0">
-                <a:solidFill>
-                  <a:srgbClr val="FF0000"/>
-                </a:solidFill>
-              </a:rPr>
-              <a:t>4: </a:t>
-            </a:r>
-            <a:r>
-              <a:rPr lang="ko-KR" altLang="en-US" b="1" dirty="0" smtClean="0">
-                <a:solidFill>
-                  <a:srgbClr val="FF0000"/>
-                </a:solidFill>
-              </a:rPr>
-              <a:t> </a:t>
-            </a:r>
-            <a:endParaRPr lang="en-US" altLang="ko-KR" b="1" dirty="0">
-              <a:solidFill>
-                <a:srgbClr val="FF0000"/>
-              </a:solidFill>
-            </a:endParaRPr>
-          </a:p>
-          <a:p>
-            <a:pPr marL="742950" lvl="2" indent="-285750">
-              <a:buFontTx/>
-              <a:buChar char="-"/>
-            </a:pPr>
-            <a:r>
-              <a:rPr lang="en-US" altLang="ko-KR" dirty="0"/>
-              <a:t>State: </a:t>
-            </a:r>
-            <a:r>
-              <a:rPr lang="en-US" altLang="ko-KR" dirty="0">
-                <a:solidFill>
-                  <a:srgbClr val="FF0000"/>
-                </a:solidFill>
-              </a:rPr>
-              <a:t>[norm(</a:t>
-            </a:r>
-            <a:r>
-              <a:rPr lang="en-US" altLang="ko-KR" dirty="0" err="1">
-                <a:solidFill>
-                  <a:srgbClr val="FF0000"/>
-                </a:solidFill>
-              </a:rPr>
-              <a:t>power_out</a:t>
-            </a:r>
-            <a:r>
-              <a:rPr lang="en-US" altLang="ko-KR" dirty="0">
-                <a:solidFill>
-                  <a:srgbClr val="FF0000"/>
-                </a:solidFill>
-              </a:rPr>
-              <a:t>), SOC - 0.6, </a:t>
-            </a:r>
-            <a:r>
-              <a:rPr lang="en-US" altLang="ko-KR" dirty="0" err="1">
-                <a:solidFill>
-                  <a:srgbClr val="FF0000"/>
-                </a:solidFill>
-              </a:rPr>
-              <a:t>J_min</a:t>
-            </a:r>
-            <a:r>
-              <a:rPr lang="en-US" altLang="ko-KR" dirty="0">
-                <a:solidFill>
-                  <a:srgbClr val="FF0000"/>
-                </a:solidFill>
-              </a:rPr>
-              <a:t>, </a:t>
-            </a:r>
-            <a:r>
-              <a:rPr lang="en-US" altLang="ko-KR" dirty="0" err="1">
-                <a:solidFill>
-                  <a:srgbClr val="FF0000"/>
-                </a:solidFill>
-              </a:rPr>
-              <a:t>J_max</a:t>
-            </a:r>
-            <a:r>
-              <a:rPr lang="en-US" altLang="ko-KR" dirty="0">
-                <a:solidFill>
-                  <a:srgbClr val="FF0000"/>
-                </a:solidFill>
-              </a:rPr>
-              <a:t>]</a:t>
-            </a:r>
-          </a:p>
-          <a:p>
-            <a:pPr marL="742950" lvl="2" indent="-285750">
-              <a:buFontTx/>
-              <a:buChar char="-"/>
-            </a:pPr>
-            <a:r>
-              <a:rPr lang="en-US" altLang="ko-KR" dirty="0" err="1">
-                <a:solidFill>
-                  <a:srgbClr val="FF0000"/>
-                </a:solidFill>
-              </a:rPr>
-              <a:t>Stack_size</a:t>
-            </a:r>
-            <a:r>
-              <a:rPr lang="en-US" altLang="ko-KR" dirty="0">
-                <a:solidFill>
-                  <a:srgbClr val="FF0000"/>
-                </a:solidFill>
-              </a:rPr>
-              <a:t>: </a:t>
-            </a:r>
-            <a:r>
-              <a:rPr lang="en-US" altLang="ko-KR" dirty="0" smtClean="0">
-                <a:solidFill>
-                  <a:srgbClr val="FF0000"/>
-                </a:solidFill>
-              </a:rPr>
-              <a:t>16 </a:t>
-            </a:r>
-            <a:endParaRPr lang="en-US" altLang="ko-KR" dirty="0">
-              <a:solidFill>
-                <a:srgbClr val="FF0000"/>
-              </a:solidFill>
-            </a:endParaRPr>
-          </a:p>
-          <a:p>
-            <a:pPr marL="285750" lvl="1" indent="-285750">
-              <a:buFontTx/>
-              <a:buChar char="-"/>
-            </a:pPr>
-            <a:endParaRPr lang="en-US" altLang="ko-KR" b="1" dirty="0" smtClean="0"/>
-          </a:p>
-          <a:p>
-            <a:pPr marL="285750" lvl="1" indent="-285750">
-              <a:buFontTx/>
-              <a:buChar char="-"/>
-            </a:pPr>
-            <a:endParaRPr lang="en-US" altLang="ko-KR" b="1" dirty="0"/>
-          </a:p>
-          <a:p>
-            <a:pPr marL="285750" lvl="1" indent="-285750">
-              <a:buFontTx/>
-              <a:buChar char="-"/>
-            </a:pPr>
-            <a:endParaRPr lang="en-US" altLang="ko-KR" b="1" dirty="0" smtClean="0"/>
-          </a:p>
-          <a:p>
-            <a:pPr marL="285750" lvl="1" indent="-285750">
-              <a:buFontTx/>
-              <a:buChar char="-"/>
-            </a:pPr>
-            <a:endParaRPr lang="en-US" altLang="ko-KR" b="1" dirty="0"/>
-          </a:p>
-        </p:txBody>
-      </p:sp>
-      <p:sp>
-        <p:nvSpPr>
-          <p:cNvPr id="5" name="TextBox 4"/>
-          <p:cNvSpPr txBox="1"/>
-          <p:nvPr/>
-        </p:nvSpPr>
-        <p:spPr>
-          <a:xfrm>
-            <a:off x="9576262" y="4910921"/>
-            <a:ext cx="2262812" cy="369332"/>
-          </a:xfrm>
-          <a:prstGeom prst="rect">
-            <a:avLst/>
-          </a:prstGeom>
-          <a:noFill/>
-        </p:spPr>
-        <p:txBody>
-          <a:bodyPr wrap="square" rtlCol="0">
-            <a:spAutoFit/>
-          </a:bodyPr>
-          <a:lstStyle/>
-          <a:p>
-            <a:r>
-              <a:rPr lang="en-US" altLang="ko-KR" dirty="0" smtClean="0"/>
-              <a:t>&lt;</a:t>
-            </a:r>
-            <a:r>
-              <a:rPr lang="ko-KR" altLang="en-US" dirty="0" err="1" smtClean="0"/>
-              <a:t>하이퍼파라미터</a:t>
-            </a:r>
-            <a:r>
-              <a:rPr lang="en-US" altLang="ko-KR" dirty="0" smtClean="0"/>
-              <a:t>&gt;</a:t>
-            </a:r>
-            <a:r>
-              <a:rPr lang="ko-KR" altLang="en-US" dirty="0" smtClean="0"/>
-              <a:t> </a:t>
-            </a:r>
-            <a:endParaRPr lang="ko-KR" altLang="en-US" dirty="0"/>
-          </a:p>
-        </p:txBody>
-      </p:sp>
-      <p:pic>
-        <p:nvPicPr>
-          <p:cNvPr id="7" name="그림 6"/>
-          <p:cNvPicPr>
-            <a:picLocks noChangeAspect="1"/>
-          </p:cNvPicPr>
-          <p:nvPr/>
-        </p:nvPicPr>
-        <p:blipFill>
-          <a:blip r:embed="rId2"/>
-          <a:stretch>
-            <a:fillRect/>
-          </a:stretch>
-        </p:blipFill>
-        <p:spPr>
-          <a:xfrm>
-            <a:off x="9096666" y="1690687"/>
-            <a:ext cx="3021397" cy="3101375"/>
-          </a:xfrm>
-          <a:prstGeom prst="rect">
-            <a:avLst/>
-          </a:prstGeom>
-        </p:spPr>
-      </p:pic>
-      <p:sp>
-        <p:nvSpPr>
-          <p:cNvPr id="8" name="TextBox 7"/>
-          <p:cNvSpPr txBox="1"/>
-          <p:nvPr/>
-        </p:nvSpPr>
-        <p:spPr>
-          <a:xfrm>
-            <a:off x="4678714" y="6223546"/>
-            <a:ext cx="5478018" cy="369332"/>
-          </a:xfrm>
-          <a:prstGeom prst="rect">
-            <a:avLst/>
-          </a:prstGeom>
-          <a:noFill/>
-        </p:spPr>
-        <p:txBody>
-          <a:bodyPr wrap="square" rtlCol="0">
-            <a:spAutoFit/>
-          </a:bodyPr>
-          <a:lstStyle/>
-          <a:p>
-            <a:r>
-              <a:rPr lang="ko-KR" altLang="en-US" b="1" dirty="0" smtClean="0">
-                <a:solidFill>
-                  <a:srgbClr val="FF0000"/>
-                </a:solidFill>
-              </a:rPr>
-              <a:t>오히려 스택 모델은 성능 악화를 일으킴 </a:t>
-            </a:r>
-            <a:endParaRPr lang="en-US" altLang="ko-KR" b="1" dirty="0">
-              <a:solidFill>
-                <a:srgbClr val="FF0000"/>
-              </a:solidFill>
-            </a:endParaRPr>
-          </a:p>
-        </p:txBody>
-      </p:sp>
-    </p:spTree>
-    <p:extLst>
-      <p:ext uri="{BB962C8B-B14F-4D97-AF65-F5344CB8AC3E}">
-        <p14:creationId xmlns:p14="http://schemas.microsoft.com/office/powerpoint/2010/main" val="1758552620"/>
       </p:ext>
     </p:extLst>
   </p:cSld>
@@ -16043,6 +15736,1256 @@
           <a:lstStyle/>
           <a:p>
             <a:r>
+              <a:rPr lang="en-US" altLang="ko-KR" dirty="0" smtClean="0"/>
+              <a:t>DDPG</a:t>
+            </a:r>
+            <a:r>
+              <a:rPr lang="ko-KR" altLang="en-US" dirty="0" smtClean="0"/>
+              <a:t> </a:t>
+            </a:r>
+            <a:r>
+              <a:rPr lang="en-US" altLang="ko-KR" dirty="0"/>
+              <a:t>8</a:t>
+            </a:r>
+            <a:r>
+              <a:rPr lang="ko-KR" altLang="en-US" dirty="0" smtClean="0"/>
+              <a:t>  </a:t>
+            </a:r>
+            <a:endParaRPr lang="ko-KR" altLang="en-US" dirty="0"/>
+          </a:p>
+        </p:txBody>
+      </p:sp>
+      <p:sp>
+        <p:nvSpPr>
+          <p:cNvPr id="4" name="TextBox 3"/>
+          <p:cNvSpPr txBox="1"/>
+          <p:nvPr/>
+        </p:nvSpPr>
+        <p:spPr>
+          <a:xfrm>
+            <a:off x="838200" y="1484771"/>
+            <a:ext cx="11000874" cy="2862322"/>
+          </a:xfrm>
+          <a:prstGeom prst="rect">
+            <a:avLst/>
+          </a:prstGeom>
+          <a:noFill/>
+        </p:spPr>
+        <p:txBody>
+          <a:bodyPr wrap="square" rtlCol="0">
+            <a:spAutoFit/>
+          </a:bodyPr>
+          <a:lstStyle/>
+          <a:p>
+            <a:pPr marL="285750" lvl="1" indent="-285750">
+              <a:buFontTx/>
+              <a:buChar char="-"/>
+            </a:pPr>
+            <a:r>
+              <a:rPr lang="en-US" altLang="ko-KR" b="1" dirty="0" smtClean="0">
+                <a:solidFill>
+                  <a:srgbClr val="FF0000"/>
+                </a:solidFill>
+              </a:rPr>
+              <a:t>Terminal state</a:t>
+            </a:r>
+            <a:r>
+              <a:rPr lang="ko-KR" altLang="en-US" b="1" dirty="0" smtClean="0">
+                <a:solidFill>
+                  <a:srgbClr val="FF0000"/>
+                </a:solidFill>
+              </a:rPr>
+              <a:t>를 고려한 네트워크 업데이트 알고리즘 추가 </a:t>
+            </a:r>
+            <a:endParaRPr lang="en-US" altLang="ko-KR" b="1" dirty="0" smtClean="0">
+              <a:solidFill>
+                <a:srgbClr val="FF0000"/>
+              </a:solidFill>
+            </a:endParaRPr>
+          </a:p>
+          <a:p>
+            <a:pPr marL="285750" lvl="1" indent="-285750">
+              <a:buFontTx/>
+              <a:buChar char="-"/>
+            </a:pPr>
+            <a:endParaRPr lang="en-US" altLang="ko-KR" b="1" dirty="0" smtClean="0"/>
+          </a:p>
+          <a:p>
+            <a:pPr marL="285750" lvl="1" indent="-285750">
+              <a:buFontTx/>
+              <a:buChar char="-"/>
+            </a:pPr>
+            <a:r>
+              <a:rPr lang="en-US" altLang="ko-KR" b="1" dirty="0" smtClean="0">
+                <a:solidFill>
+                  <a:srgbClr val="FF0000"/>
+                </a:solidFill>
+              </a:rPr>
+              <a:t>State</a:t>
+            </a:r>
+            <a:r>
+              <a:rPr lang="ko-KR" altLang="en-US" b="1" dirty="0" smtClean="0">
+                <a:solidFill>
+                  <a:srgbClr val="FF0000"/>
+                </a:solidFill>
+              </a:rPr>
+              <a:t>의 정의 </a:t>
+            </a:r>
+            <a:endParaRPr lang="en-US" altLang="ko-KR" b="1" dirty="0">
+              <a:solidFill>
+                <a:srgbClr val="FF0000"/>
+              </a:solidFill>
+            </a:endParaRPr>
+          </a:p>
+          <a:p>
+            <a:pPr marL="742950" lvl="2" indent="-285750">
+              <a:buFontTx/>
+              <a:buChar char="-"/>
+            </a:pPr>
+            <a:r>
+              <a:rPr lang="en-US" altLang="ko-KR" dirty="0"/>
+              <a:t>State: </a:t>
+            </a:r>
+            <a:r>
+              <a:rPr lang="en-US" altLang="ko-KR" dirty="0" smtClean="0">
+                <a:solidFill>
+                  <a:srgbClr val="FF0000"/>
+                </a:solidFill>
+              </a:rPr>
+              <a:t>[norm(</a:t>
+            </a:r>
+            <a:r>
+              <a:rPr lang="en-US" altLang="ko-KR" dirty="0" err="1" smtClean="0">
+                <a:solidFill>
+                  <a:srgbClr val="FF0000"/>
+                </a:solidFill>
+              </a:rPr>
+              <a:t>power_out</a:t>
+            </a:r>
+            <a:r>
+              <a:rPr lang="en-US" altLang="ko-KR" dirty="0" smtClean="0">
+                <a:solidFill>
+                  <a:srgbClr val="FF0000"/>
+                </a:solidFill>
+              </a:rPr>
+              <a:t>), SOC </a:t>
+            </a:r>
+            <a:r>
+              <a:rPr lang="en-US" altLang="ko-KR" dirty="0">
+                <a:solidFill>
+                  <a:srgbClr val="FF0000"/>
+                </a:solidFill>
+              </a:rPr>
+              <a:t>- 0.6, </a:t>
+            </a:r>
+            <a:r>
+              <a:rPr lang="en-US" altLang="ko-KR" dirty="0" err="1" smtClean="0">
+                <a:solidFill>
+                  <a:srgbClr val="FF0000"/>
+                </a:solidFill>
+              </a:rPr>
+              <a:t>J_min</a:t>
+            </a:r>
+            <a:r>
+              <a:rPr lang="en-US" altLang="ko-KR" dirty="0" smtClean="0">
+                <a:solidFill>
+                  <a:srgbClr val="FF0000"/>
+                </a:solidFill>
+              </a:rPr>
+              <a:t>, </a:t>
+            </a:r>
+            <a:r>
+              <a:rPr lang="en-US" altLang="ko-KR" dirty="0" err="1" smtClean="0">
+                <a:solidFill>
+                  <a:srgbClr val="FF0000"/>
+                </a:solidFill>
+              </a:rPr>
+              <a:t>J_max</a:t>
+            </a:r>
+            <a:r>
+              <a:rPr lang="en-US" altLang="ko-KR" dirty="0" smtClean="0">
+                <a:solidFill>
+                  <a:srgbClr val="FF0000"/>
+                </a:solidFill>
+              </a:rPr>
+              <a:t>]</a:t>
+            </a:r>
+            <a:endParaRPr lang="en-US" altLang="ko-KR" dirty="0">
+              <a:solidFill>
+                <a:srgbClr val="FF0000"/>
+              </a:solidFill>
+            </a:endParaRPr>
+          </a:p>
+          <a:p>
+            <a:pPr marL="742950" lvl="1" indent="-285750">
+              <a:buFontTx/>
+              <a:buChar char="-"/>
+            </a:pPr>
+            <a:r>
+              <a:rPr lang="en-US" altLang="ko-KR" dirty="0"/>
+              <a:t>Replay memory</a:t>
+            </a:r>
+            <a:r>
+              <a:rPr lang="ko-KR" altLang="en-US" dirty="0"/>
+              <a:t>에서 </a:t>
+            </a:r>
+            <a:r>
+              <a:rPr lang="en-US" altLang="ko-KR" dirty="0" err="1"/>
+              <a:t>power_out</a:t>
+            </a:r>
+            <a:r>
+              <a:rPr lang="ko-KR" altLang="en-US" dirty="0"/>
+              <a:t>에 대해</a:t>
+            </a:r>
+            <a:r>
+              <a:rPr lang="en-US" altLang="ko-KR" dirty="0"/>
+              <a:t> </a:t>
+            </a:r>
+            <a:r>
+              <a:rPr lang="en-US" altLang="ko-KR" dirty="0">
+                <a:solidFill>
+                  <a:srgbClr val="FF0000"/>
+                </a:solidFill>
+              </a:rPr>
+              <a:t>mean-</a:t>
+            </a:r>
+            <a:r>
+              <a:rPr lang="en-US" altLang="ko-KR" dirty="0" err="1">
+                <a:solidFill>
+                  <a:srgbClr val="FF0000"/>
+                </a:solidFill>
+              </a:rPr>
+              <a:t>std</a:t>
+            </a:r>
+            <a:r>
+              <a:rPr lang="en-US" altLang="ko-KR" dirty="0">
+                <a:solidFill>
+                  <a:srgbClr val="FF0000"/>
+                </a:solidFill>
+              </a:rPr>
+              <a:t> normalization </a:t>
+            </a:r>
+            <a:r>
+              <a:rPr lang="ko-KR" altLang="en-US" dirty="0"/>
+              <a:t>적용 </a:t>
+            </a:r>
+            <a:endParaRPr lang="en-US" altLang="ko-KR" dirty="0"/>
+          </a:p>
+          <a:p>
+            <a:pPr marL="0" lvl="1"/>
+            <a:endParaRPr lang="en-US" altLang="ko-KR" b="1" dirty="0" smtClean="0"/>
+          </a:p>
+          <a:p>
+            <a:pPr marL="285750" lvl="1" indent="-285750">
+              <a:buFontTx/>
+              <a:buChar char="-"/>
+            </a:pPr>
+            <a:endParaRPr lang="en-US" altLang="ko-KR" b="1" dirty="0" smtClean="0"/>
+          </a:p>
+          <a:p>
+            <a:pPr marL="285750" lvl="1" indent="-285750">
+              <a:buFontTx/>
+              <a:buChar char="-"/>
+            </a:pPr>
+            <a:endParaRPr lang="en-US" altLang="ko-KR" b="1" dirty="0"/>
+          </a:p>
+          <a:p>
+            <a:pPr marL="285750" lvl="1" indent="-285750">
+              <a:buFontTx/>
+              <a:buChar char="-"/>
+            </a:pPr>
+            <a:endParaRPr lang="en-US" altLang="ko-KR" b="1" dirty="0" smtClean="0"/>
+          </a:p>
+          <a:p>
+            <a:pPr marL="285750" lvl="1" indent="-285750">
+              <a:buFontTx/>
+              <a:buChar char="-"/>
+            </a:pPr>
+            <a:endParaRPr lang="en-US" altLang="ko-KR" b="1" dirty="0"/>
+          </a:p>
+        </p:txBody>
+      </p:sp>
+      <p:sp>
+        <p:nvSpPr>
+          <p:cNvPr id="5" name="TextBox 4"/>
+          <p:cNvSpPr txBox="1"/>
+          <p:nvPr/>
+        </p:nvSpPr>
+        <p:spPr>
+          <a:xfrm>
+            <a:off x="9576262" y="4910921"/>
+            <a:ext cx="2262812" cy="369332"/>
+          </a:xfrm>
+          <a:prstGeom prst="rect">
+            <a:avLst/>
+          </a:prstGeom>
+          <a:noFill/>
+        </p:spPr>
+        <p:txBody>
+          <a:bodyPr wrap="square" rtlCol="0">
+            <a:spAutoFit/>
+          </a:bodyPr>
+          <a:lstStyle/>
+          <a:p>
+            <a:r>
+              <a:rPr lang="en-US" altLang="ko-KR" dirty="0" smtClean="0"/>
+              <a:t>&lt;</a:t>
+            </a:r>
+            <a:r>
+              <a:rPr lang="ko-KR" altLang="en-US" dirty="0" err="1" smtClean="0"/>
+              <a:t>하이퍼파라미터</a:t>
+            </a:r>
+            <a:r>
+              <a:rPr lang="en-US" altLang="ko-KR" dirty="0" smtClean="0"/>
+              <a:t>&gt;</a:t>
+            </a:r>
+            <a:r>
+              <a:rPr lang="ko-KR" altLang="en-US" dirty="0" smtClean="0"/>
+              <a:t> </a:t>
+            </a:r>
+            <a:endParaRPr lang="ko-KR" altLang="en-US" dirty="0"/>
+          </a:p>
+        </p:txBody>
+      </p:sp>
+      <p:pic>
+        <p:nvPicPr>
+          <p:cNvPr id="7" name="그림 6"/>
+          <p:cNvPicPr>
+            <a:picLocks noChangeAspect="1"/>
+          </p:cNvPicPr>
+          <p:nvPr/>
+        </p:nvPicPr>
+        <p:blipFill>
+          <a:blip r:embed="rId2"/>
+          <a:stretch>
+            <a:fillRect/>
+          </a:stretch>
+        </p:blipFill>
+        <p:spPr>
+          <a:xfrm>
+            <a:off x="9096666" y="1690687"/>
+            <a:ext cx="3021397" cy="3101375"/>
+          </a:xfrm>
+          <a:prstGeom prst="rect">
+            <a:avLst/>
+          </a:prstGeom>
+        </p:spPr>
+      </p:pic>
+      <p:sp>
+        <p:nvSpPr>
+          <p:cNvPr id="9" name="TextBox 8"/>
+          <p:cNvSpPr txBox="1"/>
+          <p:nvPr/>
+        </p:nvSpPr>
+        <p:spPr>
+          <a:xfrm>
+            <a:off x="3356991" y="5095587"/>
+            <a:ext cx="5478018" cy="369332"/>
+          </a:xfrm>
+          <a:prstGeom prst="rect">
+            <a:avLst/>
+          </a:prstGeom>
+          <a:noFill/>
+        </p:spPr>
+        <p:txBody>
+          <a:bodyPr wrap="square" rtlCol="0">
+            <a:spAutoFit/>
+          </a:bodyPr>
+          <a:lstStyle/>
+          <a:p>
+            <a:r>
+              <a:rPr lang="ko-KR" altLang="en-US" b="1" dirty="0" smtClean="0">
+                <a:solidFill>
+                  <a:srgbClr val="FF0000"/>
+                </a:solidFill>
+              </a:rPr>
+              <a:t>더 효과를 확인할 필요가 있음</a:t>
+            </a:r>
+            <a:r>
+              <a:rPr lang="en-US" altLang="ko-KR" b="1" dirty="0" smtClean="0">
+                <a:solidFill>
+                  <a:srgbClr val="FF0000"/>
+                </a:solidFill>
+              </a:rPr>
+              <a:t>. </a:t>
+            </a:r>
+            <a:endParaRPr lang="en-US" altLang="ko-KR" b="1" dirty="0">
+              <a:solidFill>
+                <a:srgbClr val="FF0000"/>
+              </a:solidFill>
+            </a:endParaRPr>
+          </a:p>
+        </p:txBody>
+      </p:sp>
+    </p:spTree>
+    <p:extLst>
+      <p:ext uri="{BB962C8B-B14F-4D97-AF65-F5344CB8AC3E}">
+        <p14:creationId xmlns:p14="http://schemas.microsoft.com/office/powerpoint/2010/main" val="4257356289"/>
+      </p:ext>
+    </p:extLst>
+  </p:cSld>
+  <p:clrMapOvr>
+    <a:masterClrMapping/>
+  </p:clrMapOvr>
+</p:sld>
+</file>
+
+<file path=ppt/slides/slide31.xml><?xml version="1.0" encoding="utf-8"?>
+<p:sld xmlns:a="http://schemas.openxmlformats.org/drawingml/2006/main" xmlns:r="http://schemas.openxmlformats.org/officeDocument/2006/relationships" xmlns:p="http://schemas.openxmlformats.org/presentationml/2006/main">
+  <p:cSld>
+    <p:spTree>
+      <p:nvGrpSpPr>
+        <p:cNvPr id="1" name=""/>
+        <p:cNvGrpSpPr/>
+        <p:nvPr/>
+      </p:nvGrpSpPr>
+      <p:grpSpPr>
+        <a:xfrm>
+          <a:off x="0" y="0"/>
+          <a:ext cx="0" cy="0"/>
+          <a:chOff x="0" y="0"/>
+          <a:chExt cx="0" cy="0"/>
+        </a:xfrm>
+      </p:grpSpPr>
+      <p:sp>
+        <p:nvSpPr>
+          <p:cNvPr id="2" name="제목 1"/>
+          <p:cNvSpPr>
+            <a:spLocks noGrp="1"/>
+          </p:cNvSpPr>
+          <p:nvPr>
+            <p:ph type="title"/>
+          </p:nvPr>
+        </p:nvSpPr>
+        <p:spPr/>
+        <p:txBody>
+          <a:bodyPr/>
+          <a:lstStyle/>
+          <a:p>
+            <a:r>
+              <a:rPr lang="en-US" altLang="ko-KR" dirty="0" smtClean="0">
+                <a:solidFill>
+                  <a:srgbClr val="FF0000"/>
+                </a:solidFill>
+              </a:rPr>
+              <a:t>DDPG</a:t>
+            </a:r>
+            <a:r>
+              <a:rPr lang="ko-KR" altLang="en-US" dirty="0" smtClean="0">
+                <a:solidFill>
+                  <a:srgbClr val="FF0000"/>
+                </a:solidFill>
+              </a:rPr>
+              <a:t> </a:t>
+            </a:r>
+            <a:r>
+              <a:rPr lang="en-US" altLang="ko-KR" dirty="0" smtClean="0">
+                <a:solidFill>
+                  <a:srgbClr val="FF0000"/>
+                </a:solidFill>
+              </a:rPr>
+              <a:t>9</a:t>
+            </a:r>
+            <a:r>
+              <a:rPr lang="ko-KR" altLang="en-US" dirty="0" smtClean="0">
+                <a:solidFill>
+                  <a:srgbClr val="FF0000"/>
+                </a:solidFill>
+              </a:rPr>
+              <a:t>  </a:t>
+            </a:r>
+            <a:endParaRPr lang="ko-KR" altLang="en-US" dirty="0">
+              <a:solidFill>
+                <a:srgbClr val="FF0000"/>
+              </a:solidFill>
+            </a:endParaRPr>
+          </a:p>
+        </p:txBody>
+      </p:sp>
+      <p:sp>
+        <p:nvSpPr>
+          <p:cNvPr id="4" name="TextBox 3"/>
+          <p:cNvSpPr txBox="1"/>
+          <p:nvPr/>
+        </p:nvSpPr>
+        <p:spPr>
+          <a:xfrm>
+            <a:off x="838200" y="1493084"/>
+            <a:ext cx="11000874" cy="5909310"/>
+          </a:xfrm>
+          <a:prstGeom prst="rect">
+            <a:avLst/>
+          </a:prstGeom>
+          <a:noFill/>
+        </p:spPr>
+        <p:txBody>
+          <a:bodyPr wrap="square" rtlCol="0">
+            <a:spAutoFit/>
+          </a:bodyPr>
+          <a:lstStyle/>
+          <a:p>
+            <a:pPr marL="285750" lvl="1" indent="-285750">
+              <a:buFontTx/>
+              <a:buChar char="-"/>
+            </a:pPr>
+            <a:r>
+              <a:rPr lang="en-US" altLang="ko-KR" b="1" dirty="0" smtClean="0">
+                <a:solidFill>
+                  <a:srgbClr val="FF0000"/>
+                </a:solidFill>
+              </a:rPr>
+              <a:t>POMDP</a:t>
+            </a:r>
+            <a:r>
+              <a:rPr lang="ko-KR" altLang="en-US" b="1" dirty="0" smtClean="0">
+                <a:solidFill>
+                  <a:srgbClr val="FF0000"/>
+                </a:solidFill>
+              </a:rPr>
+              <a:t>를 고려한 </a:t>
+            </a:r>
+            <a:r>
+              <a:rPr lang="en-US" altLang="ko-KR" b="1" dirty="0" smtClean="0">
+                <a:solidFill>
+                  <a:srgbClr val="FF0000"/>
+                </a:solidFill>
+              </a:rPr>
+              <a:t>DDPG</a:t>
+            </a:r>
+          </a:p>
+          <a:p>
+            <a:pPr marL="285750" lvl="1" indent="-285750">
+              <a:buFontTx/>
+              <a:buChar char="-"/>
+            </a:pPr>
+            <a:endParaRPr lang="en-US" altLang="ko-KR" b="1" dirty="0" smtClean="0"/>
+          </a:p>
+          <a:p>
+            <a:pPr marL="285750" lvl="1" indent="-285750">
+              <a:buFontTx/>
+              <a:buChar char="-"/>
+            </a:pPr>
+            <a:r>
+              <a:rPr lang="en-US" altLang="ko-KR" b="1" dirty="0" smtClean="0">
+                <a:solidFill>
+                  <a:srgbClr val="FF0000"/>
+                </a:solidFill>
+              </a:rPr>
+              <a:t>DDPG 1: </a:t>
+            </a:r>
+            <a:r>
+              <a:rPr lang="ko-KR" altLang="en-US" b="1" dirty="0" smtClean="0">
+                <a:solidFill>
+                  <a:srgbClr val="FF0000"/>
+                </a:solidFill>
+              </a:rPr>
+              <a:t> </a:t>
+            </a:r>
+            <a:endParaRPr lang="en-US" altLang="ko-KR" b="1" dirty="0">
+              <a:solidFill>
+                <a:srgbClr val="FF0000"/>
+              </a:solidFill>
+            </a:endParaRPr>
+          </a:p>
+          <a:p>
+            <a:pPr marL="742950" lvl="2" indent="-285750">
+              <a:buFontTx/>
+              <a:buChar char="-"/>
+            </a:pPr>
+            <a:r>
+              <a:rPr lang="en-US" altLang="ko-KR" dirty="0"/>
+              <a:t>State: </a:t>
+            </a:r>
+            <a:r>
+              <a:rPr lang="en-US" altLang="ko-KR" dirty="0" smtClean="0">
+                <a:solidFill>
+                  <a:srgbClr val="FF0000"/>
+                </a:solidFill>
+              </a:rPr>
+              <a:t>[norm(</a:t>
+            </a:r>
+            <a:r>
+              <a:rPr lang="en-US" altLang="ko-KR" dirty="0" err="1" smtClean="0">
+                <a:solidFill>
+                  <a:srgbClr val="FF0000"/>
+                </a:solidFill>
+              </a:rPr>
+              <a:t>power_out</a:t>
+            </a:r>
+            <a:r>
+              <a:rPr lang="en-US" altLang="ko-KR" dirty="0" smtClean="0">
+                <a:solidFill>
+                  <a:srgbClr val="FF0000"/>
+                </a:solidFill>
+              </a:rPr>
+              <a:t>), SOC </a:t>
+            </a:r>
+            <a:r>
+              <a:rPr lang="en-US" altLang="ko-KR" dirty="0">
+                <a:solidFill>
+                  <a:srgbClr val="FF0000"/>
+                </a:solidFill>
+              </a:rPr>
+              <a:t>- 0.6, </a:t>
+            </a:r>
+            <a:r>
+              <a:rPr lang="en-US" altLang="ko-KR" dirty="0" err="1" smtClean="0">
+                <a:solidFill>
+                  <a:srgbClr val="FF0000"/>
+                </a:solidFill>
+              </a:rPr>
+              <a:t>J_min</a:t>
+            </a:r>
+            <a:r>
+              <a:rPr lang="en-US" altLang="ko-KR" dirty="0" smtClean="0">
+                <a:solidFill>
+                  <a:srgbClr val="FF0000"/>
+                </a:solidFill>
+              </a:rPr>
+              <a:t>, </a:t>
+            </a:r>
+            <a:r>
+              <a:rPr lang="en-US" altLang="ko-KR" dirty="0" err="1" smtClean="0">
+                <a:solidFill>
+                  <a:srgbClr val="FF0000"/>
+                </a:solidFill>
+              </a:rPr>
+              <a:t>J_max</a:t>
+            </a:r>
+            <a:r>
+              <a:rPr lang="en-US" altLang="ko-KR" dirty="0" smtClean="0">
+                <a:solidFill>
+                  <a:srgbClr val="FF0000"/>
+                </a:solidFill>
+              </a:rPr>
+              <a:t>]</a:t>
+            </a:r>
+          </a:p>
+          <a:p>
+            <a:pPr marL="742950" lvl="2" indent="-285750">
+              <a:buFontTx/>
+              <a:buChar char="-"/>
+            </a:pPr>
+            <a:r>
+              <a:rPr lang="en-US" altLang="ko-KR" dirty="0" err="1" smtClean="0">
+                <a:solidFill>
+                  <a:srgbClr val="FF0000"/>
+                </a:solidFill>
+              </a:rPr>
+              <a:t>Stack_size</a:t>
+            </a:r>
+            <a:r>
+              <a:rPr lang="en-US" altLang="ko-KR" dirty="0" smtClean="0">
+                <a:solidFill>
+                  <a:srgbClr val="FF0000"/>
+                </a:solidFill>
+              </a:rPr>
+              <a:t>: 1 </a:t>
+            </a:r>
+            <a:endParaRPr lang="en-US" altLang="ko-KR" dirty="0">
+              <a:solidFill>
+                <a:srgbClr val="FF0000"/>
+              </a:solidFill>
+            </a:endParaRPr>
+          </a:p>
+          <a:p>
+            <a:pPr marL="0" lvl="1"/>
+            <a:endParaRPr lang="en-US" altLang="ko-KR" b="1" dirty="0" smtClean="0"/>
+          </a:p>
+          <a:p>
+            <a:pPr marL="285750" lvl="1" indent="-285750">
+              <a:buFontTx/>
+              <a:buChar char="-"/>
+            </a:pPr>
+            <a:r>
+              <a:rPr lang="en-US" altLang="ko-KR" b="1" dirty="0">
+                <a:solidFill>
+                  <a:srgbClr val="FF0000"/>
+                </a:solidFill>
+              </a:rPr>
+              <a:t>DDPG </a:t>
+            </a:r>
+            <a:r>
+              <a:rPr lang="en-US" altLang="ko-KR" b="1" dirty="0" smtClean="0">
+                <a:solidFill>
+                  <a:srgbClr val="FF0000"/>
+                </a:solidFill>
+              </a:rPr>
+              <a:t>2: </a:t>
+            </a:r>
+            <a:r>
+              <a:rPr lang="ko-KR" altLang="en-US" b="1" dirty="0" smtClean="0">
+                <a:solidFill>
+                  <a:srgbClr val="FF0000"/>
+                </a:solidFill>
+              </a:rPr>
+              <a:t> </a:t>
+            </a:r>
+            <a:endParaRPr lang="en-US" altLang="ko-KR" b="1" dirty="0">
+              <a:solidFill>
+                <a:srgbClr val="FF0000"/>
+              </a:solidFill>
+            </a:endParaRPr>
+          </a:p>
+          <a:p>
+            <a:pPr marL="742950" lvl="2" indent="-285750">
+              <a:buFontTx/>
+              <a:buChar char="-"/>
+            </a:pPr>
+            <a:r>
+              <a:rPr lang="en-US" altLang="ko-KR" dirty="0"/>
+              <a:t>State: </a:t>
+            </a:r>
+            <a:r>
+              <a:rPr lang="en-US" altLang="ko-KR" dirty="0">
+                <a:solidFill>
+                  <a:srgbClr val="FF0000"/>
+                </a:solidFill>
+              </a:rPr>
+              <a:t>[norm(</a:t>
+            </a:r>
+            <a:r>
+              <a:rPr lang="en-US" altLang="ko-KR" dirty="0" err="1">
+                <a:solidFill>
+                  <a:srgbClr val="FF0000"/>
+                </a:solidFill>
+              </a:rPr>
+              <a:t>power_out</a:t>
+            </a:r>
+            <a:r>
+              <a:rPr lang="en-US" altLang="ko-KR" dirty="0">
+                <a:solidFill>
+                  <a:srgbClr val="FF0000"/>
+                </a:solidFill>
+              </a:rPr>
+              <a:t>), SOC - 0.6, </a:t>
+            </a:r>
+            <a:r>
+              <a:rPr lang="en-US" altLang="ko-KR" dirty="0" err="1">
+                <a:solidFill>
+                  <a:srgbClr val="FF0000"/>
+                </a:solidFill>
+              </a:rPr>
+              <a:t>J_min</a:t>
+            </a:r>
+            <a:r>
+              <a:rPr lang="en-US" altLang="ko-KR" dirty="0">
+                <a:solidFill>
+                  <a:srgbClr val="FF0000"/>
+                </a:solidFill>
+              </a:rPr>
+              <a:t>, </a:t>
+            </a:r>
+            <a:r>
+              <a:rPr lang="en-US" altLang="ko-KR" dirty="0" err="1">
+                <a:solidFill>
+                  <a:srgbClr val="FF0000"/>
+                </a:solidFill>
+              </a:rPr>
+              <a:t>J_max</a:t>
+            </a:r>
+            <a:r>
+              <a:rPr lang="en-US" altLang="ko-KR" dirty="0">
+                <a:solidFill>
+                  <a:srgbClr val="FF0000"/>
+                </a:solidFill>
+              </a:rPr>
+              <a:t>]</a:t>
+            </a:r>
+          </a:p>
+          <a:p>
+            <a:pPr marL="742950" lvl="2" indent="-285750">
+              <a:buFontTx/>
+              <a:buChar char="-"/>
+            </a:pPr>
+            <a:r>
+              <a:rPr lang="en-US" altLang="ko-KR" dirty="0" err="1" smtClean="0">
+                <a:solidFill>
+                  <a:srgbClr val="FF0000"/>
+                </a:solidFill>
+              </a:rPr>
+              <a:t>Stack_size</a:t>
+            </a:r>
+            <a:r>
+              <a:rPr lang="en-US" altLang="ko-KR" dirty="0" smtClean="0">
+                <a:solidFill>
+                  <a:srgbClr val="FF0000"/>
+                </a:solidFill>
+              </a:rPr>
+              <a:t>: 4 </a:t>
+            </a:r>
+            <a:endParaRPr lang="en-US" altLang="ko-KR" dirty="0">
+              <a:solidFill>
+                <a:srgbClr val="FF0000"/>
+              </a:solidFill>
+            </a:endParaRPr>
+          </a:p>
+          <a:p>
+            <a:pPr marL="285750" lvl="1" indent="-285750">
+              <a:buFontTx/>
+              <a:buChar char="-"/>
+            </a:pPr>
+            <a:endParaRPr lang="en-US" altLang="ko-KR" b="1" dirty="0" smtClean="0"/>
+          </a:p>
+          <a:p>
+            <a:pPr marL="285750" lvl="1" indent="-285750">
+              <a:buFontTx/>
+              <a:buChar char="-"/>
+            </a:pPr>
+            <a:r>
+              <a:rPr lang="en-US" altLang="ko-KR" b="1" dirty="0">
+                <a:solidFill>
+                  <a:srgbClr val="FF0000"/>
+                </a:solidFill>
+              </a:rPr>
+              <a:t>DDPG </a:t>
+            </a:r>
+            <a:r>
+              <a:rPr lang="en-US" altLang="ko-KR" b="1" dirty="0" smtClean="0">
+                <a:solidFill>
+                  <a:srgbClr val="FF0000"/>
+                </a:solidFill>
+              </a:rPr>
+              <a:t>3: </a:t>
+            </a:r>
+            <a:r>
+              <a:rPr lang="ko-KR" altLang="en-US" b="1" dirty="0" smtClean="0">
+                <a:solidFill>
+                  <a:srgbClr val="FF0000"/>
+                </a:solidFill>
+              </a:rPr>
+              <a:t> </a:t>
+            </a:r>
+            <a:endParaRPr lang="en-US" altLang="ko-KR" b="1" dirty="0">
+              <a:solidFill>
+                <a:srgbClr val="FF0000"/>
+              </a:solidFill>
+            </a:endParaRPr>
+          </a:p>
+          <a:p>
+            <a:pPr marL="742950" lvl="2" indent="-285750">
+              <a:buFontTx/>
+              <a:buChar char="-"/>
+            </a:pPr>
+            <a:r>
+              <a:rPr lang="en-US" altLang="ko-KR" dirty="0"/>
+              <a:t>State: </a:t>
+            </a:r>
+            <a:r>
+              <a:rPr lang="en-US" altLang="ko-KR" dirty="0">
+                <a:solidFill>
+                  <a:srgbClr val="FF0000"/>
+                </a:solidFill>
+              </a:rPr>
+              <a:t>[norm(</a:t>
+            </a:r>
+            <a:r>
+              <a:rPr lang="en-US" altLang="ko-KR" dirty="0" err="1">
+                <a:solidFill>
+                  <a:srgbClr val="FF0000"/>
+                </a:solidFill>
+              </a:rPr>
+              <a:t>power_out</a:t>
+            </a:r>
+            <a:r>
+              <a:rPr lang="en-US" altLang="ko-KR" dirty="0">
+                <a:solidFill>
+                  <a:srgbClr val="FF0000"/>
+                </a:solidFill>
+              </a:rPr>
+              <a:t>), SOC - 0.6, </a:t>
+            </a:r>
+            <a:r>
+              <a:rPr lang="en-US" altLang="ko-KR" dirty="0" err="1">
+                <a:solidFill>
+                  <a:srgbClr val="FF0000"/>
+                </a:solidFill>
+              </a:rPr>
+              <a:t>J_min</a:t>
+            </a:r>
+            <a:r>
+              <a:rPr lang="en-US" altLang="ko-KR" dirty="0">
+                <a:solidFill>
+                  <a:srgbClr val="FF0000"/>
+                </a:solidFill>
+              </a:rPr>
+              <a:t>, </a:t>
+            </a:r>
+            <a:r>
+              <a:rPr lang="en-US" altLang="ko-KR" dirty="0" err="1">
+                <a:solidFill>
+                  <a:srgbClr val="FF0000"/>
+                </a:solidFill>
+              </a:rPr>
+              <a:t>J_max</a:t>
+            </a:r>
+            <a:r>
+              <a:rPr lang="en-US" altLang="ko-KR" dirty="0">
+                <a:solidFill>
+                  <a:srgbClr val="FF0000"/>
+                </a:solidFill>
+              </a:rPr>
+              <a:t>]</a:t>
+            </a:r>
+          </a:p>
+          <a:p>
+            <a:pPr marL="742950" lvl="2" indent="-285750">
+              <a:buFontTx/>
+              <a:buChar char="-"/>
+            </a:pPr>
+            <a:r>
+              <a:rPr lang="en-US" altLang="ko-KR" dirty="0" err="1">
+                <a:solidFill>
+                  <a:srgbClr val="FF0000"/>
+                </a:solidFill>
+              </a:rPr>
+              <a:t>Stack_size</a:t>
+            </a:r>
+            <a:r>
+              <a:rPr lang="en-US" altLang="ko-KR" dirty="0">
+                <a:solidFill>
+                  <a:srgbClr val="FF0000"/>
+                </a:solidFill>
+              </a:rPr>
+              <a:t>: </a:t>
+            </a:r>
+            <a:r>
+              <a:rPr lang="en-US" altLang="ko-KR" dirty="0" smtClean="0">
+                <a:solidFill>
+                  <a:srgbClr val="FF0000"/>
+                </a:solidFill>
+              </a:rPr>
+              <a:t>8 </a:t>
+            </a:r>
+            <a:endParaRPr lang="en-US" altLang="ko-KR" dirty="0">
+              <a:solidFill>
+                <a:srgbClr val="FF0000"/>
+              </a:solidFill>
+            </a:endParaRPr>
+          </a:p>
+          <a:p>
+            <a:pPr marL="285750" lvl="1" indent="-285750">
+              <a:buFontTx/>
+              <a:buChar char="-"/>
+            </a:pPr>
+            <a:endParaRPr lang="en-US" altLang="ko-KR" b="1" dirty="0" smtClean="0"/>
+          </a:p>
+          <a:p>
+            <a:pPr marL="285750" lvl="1" indent="-285750">
+              <a:buFontTx/>
+              <a:buChar char="-"/>
+            </a:pPr>
+            <a:r>
+              <a:rPr lang="en-US" altLang="ko-KR" b="1" dirty="0">
+                <a:solidFill>
+                  <a:srgbClr val="FF0000"/>
+                </a:solidFill>
+              </a:rPr>
+              <a:t>DDPG </a:t>
+            </a:r>
+            <a:r>
+              <a:rPr lang="en-US" altLang="ko-KR" b="1" dirty="0" smtClean="0">
+                <a:solidFill>
+                  <a:srgbClr val="FF0000"/>
+                </a:solidFill>
+              </a:rPr>
+              <a:t>4: </a:t>
+            </a:r>
+            <a:r>
+              <a:rPr lang="ko-KR" altLang="en-US" b="1" dirty="0" smtClean="0">
+                <a:solidFill>
+                  <a:srgbClr val="FF0000"/>
+                </a:solidFill>
+              </a:rPr>
+              <a:t> </a:t>
+            </a:r>
+            <a:endParaRPr lang="en-US" altLang="ko-KR" b="1" dirty="0">
+              <a:solidFill>
+                <a:srgbClr val="FF0000"/>
+              </a:solidFill>
+            </a:endParaRPr>
+          </a:p>
+          <a:p>
+            <a:pPr marL="742950" lvl="2" indent="-285750">
+              <a:buFontTx/>
+              <a:buChar char="-"/>
+            </a:pPr>
+            <a:r>
+              <a:rPr lang="en-US" altLang="ko-KR" dirty="0"/>
+              <a:t>State: </a:t>
+            </a:r>
+            <a:r>
+              <a:rPr lang="en-US" altLang="ko-KR" dirty="0">
+                <a:solidFill>
+                  <a:srgbClr val="FF0000"/>
+                </a:solidFill>
+              </a:rPr>
+              <a:t>[norm(</a:t>
+            </a:r>
+            <a:r>
+              <a:rPr lang="en-US" altLang="ko-KR" dirty="0" err="1">
+                <a:solidFill>
+                  <a:srgbClr val="FF0000"/>
+                </a:solidFill>
+              </a:rPr>
+              <a:t>power_out</a:t>
+            </a:r>
+            <a:r>
+              <a:rPr lang="en-US" altLang="ko-KR" dirty="0">
+                <a:solidFill>
+                  <a:srgbClr val="FF0000"/>
+                </a:solidFill>
+              </a:rPr>
+              <a:t>), SOC - 0.6, </a:t>
+            </a:r>
+            <a:r>
+              <a:rPr lang="en-US" altLang="ko-KR" dirty="0" err="1">
+                <a:solidFill>
+                  <a:srgbClr val="FF0000"/>
+                </a:solidFill>
+              </a:rPr>
+              <a:t>J_min</a:t>
+            </a:r>
+            <a:r>
+              <a:rPr lang="en-US" altLang="ko-KR" dirty="0">
+                <a:solidFill>
+                  <a:srgbClr val="FF0000"/>
+                </a:solidFill>
+              </a:rPr>
+              <a:t>, </a:t>
+            </a:r>
+            <a:r>
+              <a:rPr lang="en-US" altLang="ko-KR" dirty="0" err="1">
+                <a:solidFill>
+                  <a:srgbClr val="FF0000"/>
+                </a:solidFill>
+              </a:rPr>
+              <a:t>J_max</a:t>
+            </a:r>
+            <a:r>
+              <a:rPr lang="en-US" altLang="ko-KR" dirty="0">
+                <a:solidFill>
+                  <a:srgbClr val="FF0000"/>
+                </a:solidFill>
+              </a:rPr>
+              <a:t>]</a:t>
+            </a:r>
+          </a:p>
+          <a:p>
+            <a:pPr marL="742950" lvl="2" indent="-285750">
+              <a:buFontTx/>
+              <a:buChar char="-"/>
+            </a:pPr>
+            <a:r>
+              <a:rPr lang="en-US" altLang="ko-KR" dirty="0" err="1">
+                <a:solidFill>
+                  <a:srgbClr val="FF0000"/>
+                </a:solidFill>
+              </a:rPr>
+              <a:t>Stack_size</a:t>
+            </a:r>
+            <a:r>
+              <a:rPr lang="en-US" altLang="ko-KR" dirty="0">
+                <a:solidFill>
+                  <a:srgbClr val="FF0000"/>
+                </a:solidFill>
+              </a:rPr>
+              <a:t>: </a:t>
+            </a:r>
+            <a:r>
+              <a:rPr lang="en-US" altLang="ko-KR" dirty="0" smtClean="0">
+                <a:solidFill>
+                  <a:srgbClr val="FF0000"/>
+                </a:solidFill>
+              </a:rPr>
+              <a:t>16 </a:t>
+            </a:r>
+            <a:endParaRPr lang="en-US" altLang="ko-KR" dirty="0">
+              <a:solidFill>
+                <a:srgbClr val="FF0000"/>
+              </a:solidFill>
+            </a:endParaRPr>
+          </a:p>
+          <a:p>
+            <a:pPr marL="285750" lvl="1" indent="-285750">
+              <a:buFontTx/>
+              <a:buChar char="-"/>
+            </a:pPr>
+            <a:endParaRPr lang="en-US" altLang="ko-KR" b="1" dirty="0" smtClean="0"/>
+          </a:p>
+          <a:p>
+            <a:pPr marL="285750" lvl="1" indent="-285750">
+              <a:buFontTx/>
+              <a:buChar char="-"/>
+            </a:pPr>
+            <a:endParaRPr lang="en-US" altLang="ko-KR" b="1" dirty="0"/>
+          </a:p>
+          <a:p>
+            <a:pPr marL="285750" lvl="1" indent="-285750">
+              <a:buFontTx/>
+              <a:buChar char="-"/>
+            </a:pPr>
+            <a:endParaRPr lang="en-US" altLang="ko-KR" b="1" dirty="0" smtClean="0"/>
+          </a:p>
+          <a:p>
+            <a:pPr marL="285750" lvl="1" indent="-285750">
+              <a:buFontTx/>
+              <a:buChar char="-"/>
+            </a:pPr>
+            <a:endParaRPr lang="en-US" altLang="ko-KR" b="1" dirty="0"/>
+          </a:p>
+        </p:txBody>
+      </p:sp>
+      <p:sp>
+        <p:nvSpPr>
+          <p:cNvPr id="5" name="TextBox 4"/>
+          <p:cNvSpPr txBox="1"/>
+          <p:nvPr/>
+        </p:nvSpPr>
+        <p:spPr>
+          <a:xfrm>
+            <a:off x="9576262" y="4910921"/>
+            <a:ext cx="2262812" cy="369332"/>
+          </a:xfrm>
+          <a:prstGeom prst="rect">
+            <a:avLst/>
+          </a:prstGeom>
+          <a:noFill/>
+        </p:spPr>
+        <p:txBody>
+          <a:bodyPr wrap="square" rtlCol="0">
+            <a:spAutoFit/>
+          </a:bodyPr>
+          <a:lstStyle/>
+          <a:p>
+            <a:r>
+              <a:rPr lang="en-US" altLang="ko-KR" dirty="0" smtClean="0"/>
+              <a:t>&lt;</a:t>
+            </a:r>
+            <a:r>
+              <a:rPr lang="ko-KR" altLang="en-US" dirty="0" err="1" smtClean="0"/>
+              <a:t>하이퍼파라미터</a:t>
+            </a:r>
+            <a:r>
+              <a:rPr lang="en-US" altLang="ko-KR" dirty="0" smtClean="0"/>
+              <a:t>&gt;</a:t>
+            </a:r>
+            <a:r>
+              <a:rPr lang="ko-KR" altLang="en-US" dirty="0" smtClean="0"/>
+              <a:t> </a:t>
+            </a:r>
+            <a:endParaRPr lang="ko-KR" altLang="en-US" dirty="0"/>
+          </a:p>
+        </p:txBody>
+      </p:sp>
+      <p:pic>
+        <p:nvPicPr>
+          <p:cNvPr id="7" name="그림 6"/>
+          <p:cNvPicPr>
+            <a:picLocks noChangeAspect="1"/>
+          </p:cNvPicPr>
+          <p:nvPr/>
+        </p:nvPicPr>
+        <p:blipFill>
+          <a:blip r:embed="rId2"/>
+          <a:stretch>
+            <a:fillRect/>
+          </a:stretch>
+        </p:blipFill>
+        <p:spPr>
+          <a:xfrm>
+            <a:off x="9096666" y="1690687"/>
+            <a:ext cx="3021397" cy="3101375"/>
+          </a:xfrm>
+          <a:prstGeom prst="rect">
+            <a:avLst/>
+          </a:prstGeom>
+        </p:spPr>
+      </p:pic>
+      <p:sp>
+        <p:nvSpPr>
+          <p:cNvPr id="8" name="TextBox 7"/>
+          <p:cNvSpPr txBox="1"/>
+          <p:nvPr/>
+        </p:nvSpPr>
+        <p:spPr>
+          <a:xfrm>
+            <a:off x="4678714" y="6223546"/>
+            <a:ext cx="5478018" cy="369332"/>
+          </a:xfrm>
+          <a:prstGeom prst="rect">
+            <a:avLst/>
+          </a:prstGeom>
+          <a:noFill/>
+        </p:spPr>
+        <p:txBody>
+          <a:bodyPr wrap="square" rtlCol="0">
+            <a:spAutoFit/>
+          </a:bodyPr>
+          <a:lstStyle/>
+          <a:p>
+            <a:r>
+              <a:rPr lang="ko-KR" altLang="en-US" b="1" dirty="0" smtClean="0">
+                <a:solidFill>
+                  <a:srgbClr val="FF0000"/>
+                </a:solidFill>
+              </a:rPr>
+              <a:t>오히려 스택 모델은 성능 악화를 일으킴 </a:t>
+            </a:r>
+            <a:endParaRPr lang="en-US" altLang="ko-KR" b="1" dirty="0">
+              <a:solidFill>
+                <a:srgbClr val="FF0000"/>
+              </a:solidFill>
+            </a:endParaRPr>
+          </a:p>
+        </p:txBody>
+      </p:sp>
+    </p:spTree>
+    <p:extLst>
+      <p:ext uri="{BB962C8B-B14F-4D97-AF65-F5344CB8AC3E}">
+        <p14:creationId xmlns:p14="http://schemas.microsoft.com/office/powerpoint/2010/main" val="1758552620"/>
+      </p:ext>
+    </p:extLst>
+  </p:cSld>
+  <p:clrMapOvr>
+    <a:masterClrMapping/>
+  </p:clrMapOvr>
+</p:sld>
+</file>
+
+<file path=ppt/slides/slide32.xml><?xml version="1.0" encoding="utf-8"?>
+<p:sld xmlns:a="http://schemas.openxmlformats.org/drawingml/2006/main" xmlns:r="http://schemas.openxmlformats.org/officeDocument/2006/relationships" xmlns:p="http://schemas.openxmlformats.org/presentationml/2006/main">
+  <p:cSld>
+    <p:spTree>
+      <p:nvGrpSpPr>
+        <p:cNvPr id="1" name=""/>
+        <p:cNvGrpSpPr/>
+        <p:nvPr/>
+      </p:nvGrpSpPr>
+      <p:grpSpPr>
+        <a:xfrm>
+          <a:off x="0" y="0"/>
+          <a:ext cx="0" cy="0"/>
+          <a:chOff x="0" y="0"/>
+          <a:chExt cx="0" cy="0"/>
+        </a:xfrm>
+      </p:grpSpPr>
+      <p:sp>
+        <p:nvSpPr>
+          <p:cNvPr id="2" name="제목 1"/>
+          <p:cNvSpPr>
+            <a:spLocks noGrp="1"/>
+          </p:cNvSpPr>
+          <p:nvPr>
+            <p:ph type="title"/>
+          </p:nvPr>
+        </p:nvSpPr>
+        <p:spPr/>
+        <p:txBody>
+          <a:bodyPr/>
+          <a:lstStyle/>
+          <a:p>
+            <a:r>
               <a:rPr lang="en-US" altLang="ko-KR" dirty="0" smtClean="0">
                 <a:solidFill>
                   <a:srgbClr val="FF0000"/>
@@ -16909,7 +17852,7 @@
 </p:sld>
 </file>
 
-<file path=ppt/slides/slide31.xml><?xml version="1.0" encoding="utf-8"?>
+<file path=ppt/slides/slide33.xml><?xml version="1.0" encoding="utf-8"?>
 <p:sld xmlns:a="http://schemas.openxmlformats.org/drawingml/2006/main" xmlns:r="http://schemas.openxmlformats.org/officeDocument/2006/relationships" xmlns:p="http://schemas.openxmlformats.org/presentationml/2006/main">
   <p:cSld>
     <p:spTree>
@@ -17481,7 +18424,7 @@
 </p:sld>
 </file>
 
-<file path=ppt/slides/slide32.xml><?xml version="1.0" encoding="utf-8"?>
+<file path=ppt/slides/slide34.xml><?xml version="1.0" encoding="utf-8"?>
 <p:sld xmlns:a="http://schemas.openxmlformats.org/drawingml/2006/main" xmlns:r="http://schemas.openxmlformats.org/officeDocument/2006/relationships" xmlns:p="http://schemas.openxmlformats.org/presentationml/2006/main">
   <p:cSld>
     <p:spTree>
@@ -18522,7 +19465,7 @@
 </p:sld>
 </file>
 
-<file path=ppt/slides/slide33.xml><?xml version="1.0" encoding="utf-8"?>
+<file path=ppt/slides/slide35.xml><?xml version="1.0" encoding="utf-8"?>
 <p:sld xmlns:a="http://schemas.openxmlformats.org/drawingml/2006/main" xmlns:r="http://schemas.openxmlformats.org/officeDocument/2006/relationships" xmlns:p="http://schemas.openxmlformats.org/presentationml/2006/main">
   <p:cSld>
     <p:spTree>
@@ -18951,7 +19894,7 @@
                       <a:srgbClr val="FF0000"/>
                     </a:solidFill>
                   </a:rPr>
-                  <a:t> = 30</a:t>
+                  <a:t> = 25</a:t>
                 </a:r>
                 <a:endParaRPr lang="en-US" altLang="ko-KR" dirty="0" smtClean="0">
                   <a:solidFill>
@@ -19531,7 +20474,7 @@
 </p:sld>
 </file>
 
-<file path=ppt/slides/slide34.xml><?xml version="1.0" encoding="utf-8"?>
+<file path=ppt/slides/slide36.xml><?xml version="1.0" encoding="utf-8"?>
 <p:sld xmlns:a="http://schemas.openxmlformats.org/drawingml/2006/main" xmlns:r="http://schemas.openxmlformats.org/officeDocument/2006/relationships" xmlns:p="http://schemas.openxmlformats.org/presentationml/2006/main">
   <p:cSld>
     <p:spTree>
@@ -20506,7 +21449,7 @@
 </p:sld>
 </file>
 
-<file path=ppt/slides/slide35.xml><?xml version="1.0" encoding="utf-8"?>
+<file path=ppt/slides/slide37.xml><?xml version="1.0" encoding="utf-8"?>
 <p:sld xmlns:a="http://schemas.openxmlformats.org/drawingml/2006/main" xmlns:r="http://schemas.openxmlformats.org/officeDocument/2006/relationships" xmlns:p="http://schemas.openxmlformats.org/presentationml/2006/main">
   <p:cSld>
     <p:spTree>
@@ -20895,6 +21838,54 @@
           </a:p>
         </p:txBody>
       </p:sp>
+      <p:pic>
+        <p:nvPicPr>
+          <p:cNvPr id="6" name="그림 5"/>
+          <p:cNvPicPr>
+            <a:picLocks noChangeAspect="1"/>
+          </p:cNvPicPr>
+          <p:nvPr/>
+        </p:nvPicPr>
+        <p:blipFill>
+          <a:blip r:embed="rId2"/>
+          <a:stretch>
+            <a:fillRect/>
+          </a:stretch>
+        </p:blipFill>
+        <p:spPr>
+          <a:xfrm>
+            <a:off x="8396846" y="0"/>
+            <a:ext cx="2924375" cy="3004542"/>
+          </a:xfrm>
+          <a:prstGeom prst="rect">
+            <a:avLst/>
+          </a:prstGeom>
+        </p:spPr>
+      </p:pic>
+      <p:pic>
+        <p:nvPicPr>
+          <p:cNvPr id="7" name="그림 6"/>
+          <p:cNvPicPr>
+            <a:picLocks noChangeAspect="1"/>
+          </p:cNvPicPr>
+          <p:nvPr/>
+        </p:nvPicPr>
+        <p:blipFill>
+          <a:blip r:embed="rId3"/>
+          <a:stretch>
+            <a:fillRect/>
+          </a:stretch>
+        </p:blipFill>
+        <p:spPr>
+          <a:xfrm>
+            <a:off x="8364268" y="3133713"/>
+            <a:ext cx="2989532" cy="3641586"/>
+          </a:xfrm>
+          <a:prstGeom prst="rect">
+            <a:avLst/>
+          </a:prstGeom>
+        </p:spPr>
+      </p:pic>
     </p:spTree>
     <p:extLst>
       <p:ext uri="{BB962C8B-B14F-4D97-AF65-F5344CB8AC3E}">
@@ -20908,7 +21899,7 @@
 </p:sld>
 </file>
 
-<file path=ppt/slides/slide36.xml><?xml version="1.0" encoding="utf-8"?>
+<file path=ppt/slides/slide38.xml><?xml version="1.0" encoding="utf-8"?>
 <p:sld xmlns:a="http://schemas.openxmlformats.org/drawingml/2006/main" xmlns:r="http://schemas.openxmlformats.org/officeDocument/2006/relationships" xmlns:p="http://schemas.openxmlformats.org/presentationml/2006/main">
   <p:cSld>
     <p:spTree>

--- a/실험정리.pptx
+++ b/실험정리.pptx
@@ -15,34 +15,36 @@
     <p:sldId id="304" r:id="rId9"/>
     <p:sldId id="303" r:id="rId10"/>
     <p:sldId id="306" r:id="rId11"/>
-    <p:sldId id="272" r:id="rId12"/>
-    <p:sldId id="279" r:id="rId13"/>
-    <p:sldId id="281" r:id="rId14"/>
-    <p:sldId id="280" r:id="rId15"/>
-    <p:sldId id="284" r:id="rId16"/>
-    <p:sldId id="296" r:id="rId17"/>
-    <p:sldId id="314" r:id="rId18"/>
-    <p:sldId id="278" r:id="rId19"/>
-    <p:sldId id="283" r:id="rId20"/>
-    <p:sldId id="285" r:id="rId21"/>
-    <p:sldId id="286" r:id="rId22"/>
-    <p:sldId id="287" r:id="rId23"/>
-    <p:sldId id="292" r:id="rId24"/>
-    <p:sldId id="290" r:id="rId25"/>
-    <p:sldId id="293" r:id="rId26"/>
-    <p:sldId id="299" r:id="rId27"/>
-    <p:sldId id="313" r:id="rId28"/>
-    <p:sldId id="305" r:id="rId29"/>
-    <p:sldId id="294" r:id="rId30"/>
-    <p:sldId id="302" r:id="rId31"/>
-    <p:sldId id="307" r:id="rId32"/>
-    <p:sldId id="310" r:id="rId33"/>
-    <p:sldId id="309" r:id="rId34"/>
-    <p:sldId id="308" r:id="rId35"/>
-    <p:sldId id="312" r:id="rId36"/>
-    <p:sldId id="311" r:id="rId37"/>
-    <p:sldId id="291" r:id="rId38"/>
-    <p:sldId id="288" r:id="rId39"/>
+    <p:sldId id="316" r:id="rId12"/>
+    <p:sldId id="272" r:id="rId13"/>
+    <p:sldId id="279" r:id="rId14"/>
+    <p:sldId id="281" r:id="rId15"/>
+    <p:sldId id="280" r:id="rId16"/>
+    <p:sldId id="284" r:id="rId17"/>
+    <p:sldId id="296" r:id="rId18"/>
+    <p:sldId id="314" r:id="rId19"/>
+    <p:sldId id="278" r:id="rId20"/>
+    <p:sldId id="283" r:id="rId21"/>
+    <p:sldId id="285" r:id="rId22"/>
+    <p:sldId id="286" r:id="rId23"/>
+    <p:sldId id="287" r:id="rId24"/>
+    <p:sldId id="292" r:id="rId25"/>
+    <p:sldId id="290" r:id="rId26"/>
+    <p:sldId id="293" r:id="rId27"/>
+    <p:sldId id="299" r:id="rId28"/>
+    <p:sldId id="313" r:id="rId29"/>
+    <p:sldId id="305" r:id="rId30"/>
+    <p:sldId id="294" r:id="rId31"/>
+    <p:sldId id="302" r:id="rId32"/>
+    <p:sldId id="307" r:id="rId33"/>
+    <p:sldId id="310" r:id="rId34"/>
+    <p:sldId id="309" r:id="rId35"/>
+    <p:sldId id="308" r:id="rId36"/>
+    <p:sldId id="312" r:id="rId37"/>
+    <p:sldId id="315" r:id="rId38"/>
+    <p:sldId id="311" r:id="rId39"/>
+    <p:sldId id="291" r:id="rId40"/>
+    <p:sldId id="288" r:id="rId41"/>
   </p:sldIdLst>
   <p:sldSz cx="12192000" cy="6858000"/>
   <p:notesSz cx="6858000" cy="9144000"/>
@@ -3548,6 +3550,571 @@
           <a:lstStyle/>
           <a:p>
             <a:r>
+              <a:rPr lang="en-US" altLang="ko-KR" dirty="0" err="1" smtClean="0">
+                <a:solidFill>
+                  <a:srgbClr val="FF0000"/>
+                </a:solidFill>
+              </a:rPr>
+              <a:t>DDPG_batchNormalization_comparison</a:t>
+            </a:r>
+            <a:endParaRPr lang="ko-KR" altLang="en-US" dirty="0">
+              <a:solidFill>
+                <a:srgbClr val="FF0000"/>
+              </a:solidFill>
+            </a:endParaRPr>
+          </a:p>
+        </p:txBody>
+      </p:sp>
+      <mc:AlternateContent xmlns:mc="http://schemas.openxmlformats.org/markup-compatibility/2006">
+        <mc:Choice xmlns:a14="http://schemas.microsoft.com/office/drawing/2010/main" Requires="a14">
+          <p:sp>
+            <p:nvSpPr>
+              <p:cNvPr id="4" name="TextBox 3"/>
+              <p:cNvSpPr txBox="1"/>
+              <p:nvPr/>
+            </p:nvSpPr>
+            <p:spPr>
+              <a:xfrm>
+                <a:off x="838200" y="1459832"/>
+                <a:ext cx="11000874" cy="4591065"/>
+              </a:xfrm>
+              <a:prstGeom prst="rect">
+                <a:avLst/>
+              </a:prstGeom>
+              <a:noFill/>
+            </p:spPr>
+            <p:txBody>
+              <a:bodyPr wrap="square" rtlCol="0">
+                <a:spAutoFit/>
+              </a:bodyPr>
+              <a:lstStyle/>
+              <a:p>
+                <a:pPr marL="285750" indent="-285750">
+                  <a:buFontTx/>
+                  <a:buChar char="-"/>
+                </a:pPr>
+                <a:r>
+                  <a:rPr lang="en-US" altLang="ko-KR" b="1" dirty="0" smtClean="0">
+                    <a:solidFill>
+                      <a:srgbClr val="FF0000"/>
+                    </a:solidFill>
+                  </a:rPr>
+                  <a:t>DDPG </a:t>
+                </a:r>
+                <a:r>
+                  <a:rPr lang="ko-KR" altLang="en-US" b="1" dirty="0" smtClean="0">
+                    <a:solidFill>
+                      <a:srgbClr val="FF0000"/>
+                    </a:solidFill>
+                  </a:rPr>
+                  <a:t>알고리즘에서</a:t>
+                </a:r>
+                <a:r>
+                  <a:rPr lang="en-US" altLang="ko-KR" b="1" dirty="0" smtClean="0">
+                    <a:solidFill>
+                      <a:srgbClr val="FF0000"/>
+                    </a:solidFill>
+                  </a:rPr>
+                  <a:t> Batch Normalization</a:t>
+                </a:r>
+                <a:r>
+                  <a:rPr lang="ko-KR" altLang="en-US" b="1" dirty="0" smtClean="0">
+                    <a:solidFill>
+                      <a:srgbClr val="FF0000"/>
+                    </a:solidFill>
+                  </a:rPr>
+                  <a:t>의 위력을 강조</a:t>
+                </a:r>
+                <a:endParaRPr lang="en-US" altLang="ko-KR" b="1" dirty="0" smtClean="0">
+                  <a:solidFill>
+                    <a:srgbClr val="FF0000"/>
+                  </a:solidFill>
+                </a:endParaRPr>
+              </a:p>
+              <a:p>
+                <a:pPr marL="285750" indent="-285750">
+                  <a:buFontTx/>
+                  <a:buChar char="-"/>
+                </a:pPr>
+                <a:endParaRPr lang="en-US" altLang="ko-KR" b="1" dirty="0">
+                  <a:solidFill>
+                    <a:srgbClr val="FF0000"/>
+                  </a:solidFill>
+                </a:endParaRPr>
+              </a:p>
+              <a:p>
+                <a:pPr marL="285750" indent="-285750">
+                  <a:buFontTx/>
+                  <a:buChar char="-"/>
+                </a:pPr>
+                <a14:m>
+                  <m:oMath xmlns:m="http://schemas.openxmlformats.org/officeDocument/2006/math">
+                    <m:r>
+                      <a:rPr lang="en-US" altLang="ko-KR" i="1">
+                        <a:latin typeface="Cambria Math" panose="02040503050406030204" pitchFamily="18" charset="0"/>
+                      </a:rPr>
+                      <m:t>𝑟</m:t>
+                    </m:r>
+                    <m:r>
+                      <a:rPr lang="en-US" altLang="ko-KR" i="1">
+                        <a:latin typeface="Cambria Math" panose="02040503050406030204" pitchFamily="18" charset="0"/>
+                      </a:rPr>
+                      <m:t>=</m:t>
+                    </m:r>
+                    <m:acc>
+                      <m:accPr>
+                        <m:chr m:val="̇"/>
+                        <m:ctrlPr>
+                          <a:rPr lang="en-US" altLang="ko-KR" i="1">
+                            <a:latin typeface="Cambria Math" panose="02040503050406030204" pitchFamily="18" charset="0"/>
+                          </a:rPr>
+                        </m:ctrlPr>
+                      </m:accPr>
+                      <m:e>
+                        <m:sSub>
+                          <m:sSubPr>
+                            <m:ctrlPr>
+                              <a:rPr lang="en-US" altLang="ko-KR" i="1">
+                                <a:latin typeface="Cambria Math" panose="02040503050406030204" pitchFamily="18" charset="0"/>
+                              </a:rPr>
+                            </m:ctrlPr>
+                          </m:sSubPr>
+                          <m:e>
+                            <m:r>
+                              <a:rPr lang="en-US" altLang="ko-KR" i="1">
+                                <a:latin typeface="Cambria Math" panose="02040503050406030204" pitchFamily="18" charset="0"/>
+                              </a:rPr>
+                              <m:t>−</m:t>
+                            </m:r>
+                            <m:r>
+                              <a:rPr lang="en-US" altLang="ko-KR" i="1">
+                                <a:latin typeface="Cambria Math" panose="02040503050406030204" pitchFamily="18" charset="0"/>
+                              </a:rPr>
+                              <m:t>𝑚</m:t>
+                            </m:r>
+                          </m:e>
+                          <m:sub>
+                            <m:r>
+                              <a:rPr lang="en-US" altLang="ko-KR" i="1">
+                                <a:latin typeface="Cambria Math" panose="02040503050406030204" pitchFamily="18" charset="0"/>
+                              </a:rPr>
+                              <m:t>𝑓𝑐</m:t>
+                            </m:r>
+                          </m:sub>
+                        </m:sSub>
+                      </m:e>
+                    </m:acc>
+                    <m:r>
+                      <a:rPr lang="en-US" altLang="ko-KR" i="1">
+                        <a:latin typeface="Cambria Math" panose="02040503050406030204" pitchFamily="18" charset="0"/>
+                      </a:rPr>
+                      <m:t>−10</m:t>
+                    </m:r>
+                    <m:r>
+                      <a:rPr lang="ko-KR" altLang="en-US" i="1">
+                        <a:latin typeface="Cambria Math" panose="02040503050406030204" pitchFamily="18" charset="0"/>
+                      </a:rPr>
+                      <m:t>∙</m:t>
+                    </m:r>
+                    <m:d>
+                      <m:dPr>
+                        <m:begChr m:val="|"/>
+                        <m:endChr m:val="|"/>
+                        <m:ctrlPr>
+                          <a:rPr lang="en-US" altLang="ko-KR" i="1">
+                            <a:latin typeface="Cambria Math" panose="02040503050406030204" pitchFamily="18" charset="0"/>
+                          </a:rPr>
+                        </m:ctrlPr>
+                      </m:dPr>
+                      <m:e>
+                        <m:r>
+                          <a:rPr lang="en-US" altLang="ko-KR" i="1">
+                            <a:latin typeface="Cambria Math" panose="02040503050406030204" pitchFamily="18" charset="0"/>
+                          </a:rPr>
+                          <m:t>𝑆𝑂𝐶</m:t>
+                        </m:r>
+                        <m:r>
+                          <a:rPr lang="en-US" altLang="ko-KR" i="1">
+                            <a:latin typeface="Cambria Math" panose="02040503050406030204" pitchFamily="18" charset="0"/>
+                          </a:rPr>
+                          <m:t>−0.6</m:t>
+                        </m:r>
+                      </m:e>
+                    </m:d>
+                  </m:oMath>
+                </a14:m>
+                <a:endParaRPr lang="en-US" altLang="ko-KR" dirty="0" smtClean="0"/>
+              </a:p>
+              <a:p>
+                <a:pPr marL="285750" indent="-285750">
+                  <a:buFontTx/>
+                  <a:buChar char="-"/>
+                </a:pPr>
+                <a:endParaRPr lang="en-US" altLang="ko-KR" dirty="0" smtClean="0"/>
+              </a:p>
+              <a:p>
+                <a:pPr marL="285750" indent="-285750">
+                  <a:buFontTx/>
+                  <a:buChar char="-"/>
+                </a:pPr>
+                <a:r>
+                  <a:rPr lang="en-US" altLang="ko-KR" b="1" dirty="0" smtClean="0"/>
+                  <a:t>DDPG1</a:t>
+                </a:r>
+                <a:r>
+                  <a:rPr lang="en-US" altLang="ko-KR" b="1" dirty="0" smtClean="0"/>
+                  <a:t>:</a:t>
+                </a:r>
+                <a:endParaRPr lang="en-US" altLang="ko-KR" b="1" dirty="0"/>
+              </a:p>
+              <a:p>
+                <a:pPr marL="742950" lvl="1" indent="-285750">
+                  <a:buFontTx/>
+                  <a:buChar char="-"/>
+                </a:pPr>
+                <a:r>
+                  <a:rPr lang="en-US" altLang="ko-KR" dirty="0"/>
+                  <a:t>State:   </a:t>
+                </a:r>
+                <a:r>
+                  <a:rPr lang="en-US" altLang="ko-KR" dirty="0" smtClean="0"/>
+                  <a:t>[</a:t>
+                </a:r>
+                <a:r>
+                  <a:rPr lang="en-US" altLang="ko-KR" dirty="0" err="1" smtClean="0">
+                    <a:solidFill>
+                      <a:srgbClr val="FF0000"/>
+                    </a:solidFill>
+                  </a:rPr>
+                  <a:t>power_out</a:t>
+                </a:r>
+                <a:r>
+                  <a:rPr lang="en-US" altLang="ko-KR" dirty="0" smtClean="0"/>
+                  <a:t>, </a:t>
+                </a:r>
+                <a:r>
+                  <a:rPr lang="en-US" altLang="ko-KR" dirty="0"/>
+                  <a:t>SOC, </a:t>
+                </a:r>
+                <a:r>
+                  <a:rPr lang="en-US" altLang="ko-KR" dirty="0" err="1"/>
+                  <a:t>j_min</a:t>
+                </a:r>
+                <a:r>
+                  <a:rPr lang="en-US" altLang="ko-KR" dirty="0"/>
+                  <a:t>, </a:t>
+                </a:r>
+                <a:r>
+                  <a:rPr lang="en-US" altLang="ko-KR" dirty="0" err="1"/>
+                  <a:t>j_max</a:t>
+                </a:r>
+                <a:r>
+                  <a:rPr lang="en-US" altLang="ko-KR" dirty="0" smtClean="0"/>
+                  <a:t>]</a:t>
+                </a:r>
+                <a:endParaRPr lang="en-US" altLang="ko-KR" dirty="0" smtClean="0"/>
+              </a:p>
+              <a:p>
+                <a:pPr marL="285750" indent="-285750">
+                  <a:buFontTx/>
+                  <a:buChar char="-"/>
+                </a:pPr>
+                <a:endParaRPr lang="en-US" altLang="ko-KR" dirty="0" smtClean="0"/>
+              </a:p>
+              <a:p>
+                <a:pPr marL="285750" indent="-285750">
+                  <a:buFontTx/>
+                  <a:buChar char="-"/>
+                </a:pPr>
+                <a:r>
+                  <a:rPr lang="en-US" altLang="ko-KR" b="1" dirty="0" smtClean="0"/>
+                  <a:t>DDPG2:</a:t>
+                </a:r>
+                <a:endParaRPr lang="en-US" altLang="ko-KR" b="1" dirty="0"/>
+              </a:p>
+              <a:p>
+                <a:pPr marL="742950" lvl="1" indent="-285750">
+                  <a:buFontTx/>
+                  <a:buChar char="-"/>
+                </a:pPr>
+                <a:r>
+                  <a:rPr lang="en-US" altLang="ko-KR" dirty="0"/>
+                  <a:t>State:   </a:t>
+                </a:r>
+                <a:r>
+                  <a:rPr lang="en-US" altLang="ko-KR" dirty="0" smtClean="0"/>
+                  <a:t>[</a:t>
+                </a:r>
+                <a:r>
+                  <a:rPr lang="en-US" altLang="ko-KR" dirty="0" err="1" smtClean="0">
+                    <a:solidFill>
+                      <a:srgbClr val="FF0000"/>
+                    </a:solidFill>
+                  </a:rPr>
+                  <a:t>power_out</a:t>
+                </a:r>
+                <a:r>
+                  <a:rPr lang="en-US" altLang="ko-KR" dirty="0" smtClean="0">
+                    <a:solidFill>
+                      <a:srgbClr val="FF0000"/>
+                    </a:solidFill>
+                  </a:rPr>
+                  <a:t> / 1000</a:t>
+                </a:r>
+                <a:r>
+                  <a:rPr lang="en-US" altLang="ko-KR" dirty="0" smtClean="0"/>
+                  <a:t>, </a:t>
+                </a:r>
+                <a:r>
+                  <a:rPr lang="en-US" altLang="ko-KR" dirty="0"/>
+                  <a:t>SOC, </a:t>
+                </a:r>
+                <a:r>
+                  <a:rPr lang="en-US" altLang="ko-KR" dirty="0" err="1"/>
+                  <a:t>j_min</a:t>
+                </a:r>
+                <a:r>
+                  <a:rPr lang="en-US" altLang="ko-KR" dirty="0"/>
+                  <a:t>, </a:t>
+                </a:r>
+                <a:r>
+                  <a:rPr lang="en-US" altLang="ko-KR" dirty="0" err="1"/>
+                  <a:t>j_max</a:t>
+                </a:r>
+                <a:r>
+                  <a:rPr lang="en-US" altLang="ko-KR" dirty="0"/>
+                  <a:t>]</a:t>
+                </a:r>
+              </a:p>
+              <a:p>
+                <a:pPr marL="742950" lvl="1" indent="-285750">
+                  <a:buFontTx/>
+                  <a:buChar char="-"/>
+                </a:pPr>
+                <a:endParaRPr lang="en-US" altLang="ko-KR" dirty="0" smtClean="0"/>
+              </a:p>
+              <a:p>
+                <a:pPr marL="742950" lvl="1" indent="-285750">
+                  <a:buFontTx/>
+                  <a:buChar char="-"/>
+                </a:pPr>
+                <a:endParaRPr lang="en-US" altLang="ko-KR" dirty="0"/>
+              </a:p>
+              <a:p>
+                <a:pPr marL="285750" indent="-285750">
+                  <a:buFontTx/>
+                  <a:buChar char="-"/>
+                </a:pPr>
+                <a:r>
+                  <a:rPr lang="en-US" altLang="ko-KR" b="1" dirty="0" smtClean="0"/>
+                  <a:t>DDPG3:</a:t>
+                </a:r>
+                <a:endParaRPr lang="en-US" altLang="ko-KR" b="1" dirty="0"/>
+              </a:p>
+              <a:p>
+                <a:pPr marL="742950" lvl="1" indent="-285750">
+                  <a:buFontTx/>
+                  <a:buChar char="-"/>
+                </a:pPr>
+                <a:r>
+                  <a:rPr lang="en-US" altLang="ko-KR" dirty="0"/>
+                  <a:t>State:   </a:t>
+                </a:r>
+                <a:r>
+                  <a:rPr lang="en-US" altLang="ko-KR" dirty="0" smtClean="0"/>
+                  <a:t>[</a:t>
+                </a:r>
+                <a:r>
+                  <a:rPr lang="en-US" altLang="ko-KR" dirty="0" err="1">
+                    <a:solidFill>
+                      <a:srgbClr val="FF0000"/>
+                    </a:solidFill>
+                  </a:rPr>
+                  <a:t>power_out</a:t>
+                </a:r>
+                <a:r>
+                  <a:rPr lang="en-US" altLang="ko-KR" dirty="0">
+                    <a:solidFill>
+                      <a:srgbClr val="FF0000"/>
+                    </a:solidFill>
+                  </a:rPr>
+                  <a:t> / 1000</a:t>
+                </a:r>
+                <a:r>
+                  <a:rPr lang="en-US" altLang="ko-KR" dirty="0" smtClean="0"/>
+                  <a:t>, </a:t>
+                </a:r>
+                <a:r>
+                  <a:rPr lang="en-US" altLang="ko-KR" dirty="0"/>
+                  <a:t>SOC, </a:t>
+                </a:r>
+                <a:r>
+                  <a:rPr lang="en-US" altLang="ko-KR" dirty="0" err="1"/>
+                  <a:t>j_min</a:t>
+                </a:r>
+                <a:r>
+                  <a:rPr lang="en-US" altLang="ko-KR" dirty="0"/>
+                  <a:t>, </a:t>
+                </a:r>
+                <a:r>
+                  <a:rPr lang="en-US" altLang="ko-KR" dirty="0" err="1"/>
+                  <a:t>j_max</a:t>
+                </a:r>
+                <a:r>
+                  <a:rPr lang="en-US" altLang="ko-KR" dirty="0"/>
+                  <a:t>]</a:t>
+                </a:r>
+              </a:p>
+              <a:p>
+                <a:pPr marL="742950" lvl="1" indent="-285750">
+                  <a:buFontTx/>
+                  <a:buChar char="-"/>
+                </a:pPr>
+                <a:r>
+                  <a:rPr lang="en-US" altLang="ko-KR" dirty="0" smtClean="0">
+                    <a:solidFill>
+                      <a:srgbClr val="FF0000"/>
+                    </a:solidFill>
+                  </a:rPr>
+                  <a:t>Batch normalization </a:t>
+                </a:r>
+                <a:r>
+                  <a:rPr lang="ko-KR" altLang="en-US" dirty="0" smtClean="0">
+                    <a:solidFill>
+                      <a:srgbClr val="FF0000"/>
+                    </a:solidFill>
+                  </a:rPr>
+                  <a:t>적용 </a:t>
+                </a:r>
+                <a:endParaRPr lang="en-US" altLang="ko-KR" dirty="0" smtClean="0">
+                  <a:solidFill>
+                    <a:srgbClr val="FF0000"/>
+                  </a:solidFill>
+                </a:endParaRPr>
+              </a:p>
+              <a:p>
+                <a:pPr marL="285750" indent="-285750">
+                  <a:buFontTx/>
+                  <a:buChar char="-"/>
+                </a:pPr>
+                <a:endParaRPr lang="en-US" altLang="ko-KR" dirty="0" smtClean="0"/>
+              </a:p>
+              <a:p>
+                <a:pPr lvl="1"/>
+                <a:endParaRPr lang="en-US" altLang="ko-KR" dirty="0" smtClean="0"/>
+              </a:p>
+            </p:txBody>
+          </p:sp>
+        </mc:Choice>
+        <mc:Fallback>
+          <p:sp>
+            <p:nvSpPr>
+              <p:cNvPr id="4" name="TextBox 3"/>
+              <p:cNvSpPr txBox="1">
+                <a:spLocks noRot="1" noChangeAspect="1" noMove="1" noResize="1" noEditPoints="1" noAdjustHandles="1" noChangeArrowheads="1" noChangeShapeType="1" noTextEdit="1"/>
+              </p:cNvSpPr>
+              <p:nvPr/>
+            </p:nvSpPr>
+            <p:spPr>
+              <a:xfrm>
+                <a:off x="838200" y="1459832"/>
+                <a:ext cx="11000874" cy="4591065"/>
+              </a:xfrm>
+              <a:prstGeom prst="rect">
+                <a:avLst/>
+              </a:prstGeom>
+              <a:blipFill>
+                <a:blip r:embed="rId2"/>
+                <a:stretch>
+                  <a:fillRect l="-610" t="-1194"/>
+                </a:stretch>
+              </a:blipFill>
+            </p:spPr>
+            <p:txBody>
+              <a:bodyPr/>
+              <a:lstStyle/>
+              <a:p>
+                <a:r>
+                  <a:rPr lang="ko-KR" altLang="en-US">
+                    <a:noFill/>
+                  </a:rPr>
+                  <a:t> </a:t>
+                </a:r>
+              </a:p>
+            </p:txBody>
+          </p:sp>
+        </mc:Fallback>
+      </mc:AlternateContent>
+      <p:pic>
+        <p:nvPicPr>
+          <p:cNvPr id="7" name="그림 6"/>
+          <p:cNvPicPr>
+            <a:picLocks noChangeAspect="1"/>
+          </p:cNvPicPr>
+          <p:nvPr/>
+        </p:nvPicPr>
+        <p:blipFill>
+          <a:blip r:embed="rId3"/>
+          <a:stretch>
+            <a:fillRect/>
+          </a:stretch>
+        </p:blipFill>
+        <p:spPr>
+          <a:xfrm>
+            <a:off x="8670174" y="3911986"/>
+            <a:ext cx="3440496" cy="2884032"/>
+          </a:xfrm>
+          <a:prstGeom prst="rect">
+            <a:avLst/>
+          </a:prstGeom>
+        </p:spPr>
+      </p:pic>
+    </p:spTree>
+    <p:extLst>
+      <p:ext uri="{BB962C8B-B14F-4D97-AF65-F5344CB8AC3E}">
+        <p14:creationId xmlns:p14="http://schemas.microsoft.com/office/powerpoint/2010/main" val="79765466"/>
+      </p:ext>
+    </p:extLst>
+  </p:cSld>
+  <p:clrMapOvr>
+    <a:masterClrMapping/>
+  </p:clrMapOvr>
+</p:sld>
+</file>
+
+<file path=ppt/slides/slide12.xml><?xml version="1.0" encoding="utf-8"?>
+<p:sld xmlns:a="http://schemas.openxmlformats.org/drawingml/2006/main" xmlns:r="http://schemas.openxmlformats.org/officeDocument/2006/relationships" xmlns:p="http://schemas.openxmlformats.org/presentationml/2006/main">
+  <p:cSld>
+    <p:spTree>
+      <p:nvGrpSpPr>
+        <p:cNvPr id="1" name=""/>
+        <p:cNvGrpSpPr/>
+        <p:nvPr/>
+      </p:nvGrpSpPr>
+      <p:grpSpPr>
+        <a:xfrm>
+          <a:off x="0" y="0"/>
+          <a:ext cx="0" cy="0"/>
+          <a:chOff x="0" y="0"/>
+          <a:chExt cx="0" cy="0"/>
+        </a:xfrm>
+      </p:grpSpPr>
+      <p:sp>
+        <p:nvSpPr>
+          <p:cNvPr id="2" name="제목 1"/>
+          <p:cNvSpPr>
+            <a:spLocks noGrp="1"/>
+          </p:cNvSpPr>
+          <p:nvPr>
+            <p:ph type="title"/>
+          </p:nvPr>
+        </p:nvSpPr>
+        <p:spPr/>
+        <p:txBody>
+          <a:bodyPr/>
+          <a:lstStyle/>
+          <a:p>
+            <a:r>
               <a:rPr lang="en-US" altLang="ko-KR" dirty="0" smtClean="0"/>
               <a:t>DDQN</a:t>
             </a:r>
@@ -4008,7 +4575,7 @@
 </p:sld>
 </file>
 
-<file path=ppt/slides/slide12.xml><?xml version="1.0" encoding="utf-8"?>
+<file path=ppt/slides/slide13.xml><?xml version="1.0" encoding="utf-8"?>
 <p:sld xmlns:a="http://schemas.openxmlformats.org/drawingml/2006/main" xmlns:r="http://schemas.openxmlformats.org/officeDocument/2006/relationships" xmlns:p="http://schemas.openxmlformats.org/presentationml/2006/main">
   <p:cSld>
     <p:spTree>
@@ -4583,7 +5150,7 @@
 </p:sld>
 </file>
 
-<file path=ppt/slides/slide13.xml><?xml version="1.0" encoding="utf-8"?>
+<file path=ppt/slides/slide14.xml><?xml version="1.0" encoding="utf-8"?>
 <p:sld xmlns:a="http://schemas.openxmlformats.org/drawingml/2006/main" xmlns:r="http://schemas.openxmlformats.org/officeDocument/2006/relationships" xmlns:p="http://schemas.openxmlformats.org/presentationml/2006/main">
   <p:cSld>
     <p:spTree>
@@ -4782,7 +5349,7 @@
 </p:sld>
 </file>
 
-<file path=ppt/slides/slide14.xml><?xml version="1.0" encoding="utf-8"?>
+<file path=ppt/slides/slide15.xml><?xml version="1.0" encoding="utf-8"?>
 <p:sld xmlns:a="http://schemas.openxmlformats.org/drawingml/2006/main" xmlns:r="http://schemas.openxmlformats.org/officeDocument/2006/relationships" xmlns:p="http://schemas.openxmlformats.org/presentationml/2006/main">
   <p:cSld>
     <p:spTree>
@@ -5328,7 +5895,7 @@
 </p:sld>
 </file>
 
-<file path=ppt/slides/slide15.xml><?xml version="1.0" encoding="utf-8"?>
+<file path=ppt/slides/slide16.xml><?xml version="1.0" encoding="utf-8"?>
 <p:sld xmlns:a="http://schemas.openxmlformats.org/drawingml/2006/main" xmlns:r="http://schemas.openxmlformats.org/officeDocument/2006/relationships" xmlns:p="http://schemas.openxmlformats.org/presentationml/2006/main">
   <p:cSld>
     <p:spTree>
@@ -5966,7 +6533,7 @@
 </p:sld>
 </file>
 
-<file path=ppt/slides/slide16.xml><?xml version="1.0" encoding="utf-8"?>
+<file path=ppt/slides/slide17.xml><?xml version="1.0" encoding="utf-8"?>
 <p:sld xmlns:a="http://schemas.openxmlformats.org/drawingml/2006/main" xmlns:r="http://schemas.openxmlformats.org/officeDocument/2006/relationships" xmlns:p="http://schemas.openxmlformats.org/presentationml/2006/main">
   <p:cSld>
     <p:spTree>
@@ -6530,7 +7097,7 @@
 </p:sld>
 </file>
 
-<file path=ppt/slides/slide17.xml><?xml version="1.0" encoding="utf-8"?>
+<file path=ppt/slides/slide18.xml><?xml version="1.0" encoding="utf-8"?>
 <p:sld xmlns:a="http://schemas.openxmlformats.org/drawingml/2006/main" xmlns:r="http://schemas.openxmlformats.org/officeDocument/2006/relationships" xmlns:p="http://schemas.openxmlformats.org/presentationml/2006/main">
   <p:cSld>
     <p:spTree>
@@ -6933,7 +7500,7 @@
         <p:spPr>
           <a:xfrm>
             <a:off x="1526203" y="5324290"/>
-            <a:ext cx="5657565" cy="369332"/>
+            <a:ext cx="6370888" cy="369332"/>
           </a:xfrm>
           <a:prstGeom prst="rect">
             <a:avLst/>
@@ -6952,7 +7519,7 @@
                   <a:srgbClr val="FF0000"/>
                 </a:solidFill>
               </a:rPr>
-              <a:t>Normalization</a:t>
+              <a:t>DDQN</a:t>
             </a:r>
             <a:r>
               <a:rPr lang="ko-KR" altLang="en-US" b="1" dirty="0" smtClean="0">
@@ -6960,7 +7527,31 @@
                   <a:srgbClr val="FF0000"/>
                 </a:solidFill>
               </a:rPr>
-              <a:t>이 필수적인 요소임으로 결론을 내자  </a:t>
+              <a:t>에서</a:t>
+            </a:r>
+            <a:r>
+              <a:rPr lang="ko-KR" altLang="en-US" b="1" dirty="0" smtClean="0">
+                <a:solidFill>
+                  <a:srgbClr val="FF0000"/>
+                </a:solidFill>
+              </a:rPr>
+              <a:t> </a:t>
+            </a:r>
+            <a:r>
+              <a:rPr lang="en-US" altLang="ko-KR" b="1" dirty="0" smtClean="0">
+                <a:solidFill>
+                  <a:srgbClr val="FF0000"/>
+                </a:solidFill>
+              </a:rPr>
+              <a:t>batch normalization</a:t>
+            </a:r>
+            <a:r>
+              <a:rPr lang="ko-KR" altLang="en-US" b="1" dirty="0" smtClean="0">
+                <a:solidFill>
+                  <a:srgbClr val="FF0000"/>
+                </a:solidFill>
+              </a:rPr>
+              <a:t>은 악영향을 줄 뿐임</a:t>
             </a:r>
             <a:endParaRPr lang="ko-KR" altLang="en-US" b="1" dirty="0">
               <a:solidFill>
@@ -7013,7 +7604,7 @@
 </p:sld>
 </file>
 
-<file path=ppt/slides/slide18.xml><?xml version="1.0" encoding="utf-8"?>
+<file path=ppt/slides/slide19.xml><?xml version="1.0" encoding="utf-8"?>
 <p:sld xmlns:a="http://schemas.openxmlformats.org/drawingml/2006/main" xmlns:r="http://schemas.openxmlformats.org/officeDocument/2006/relationships" xmlns:p="http://schemas.openxmlformats.org/presentationml/2006/main">
   <p:cSld>
     <p:spTree>
@@ -7667,7 +8258,649 @@
 </p:sld>
 </file>
 
-<file path=ppt/slides/slide19.xml><?xml version="1.0" encoding="utf-8"?>
+<file path=ppt/slides/slide2.xml><?xml version="1.0" encoding="utf-8"?>
+<p:sld xmlns:a="http://schemas.openxmlformats.org/drawingml/2006/main" xmlns:r="http://schemas.openxmlformats.org/officeDocument/2006/relationships" xmlns:p="http://schemas.openxmlformats.org/presentationml/2006/main">
+  <p:cSld>
+    <p:spTree>
+      <p:nvGrpSpPr>
+        <p:cNvPr id="1" name=""/>
+        <p:cNvGrpSpPr/>
+        <p:nvPr/>
+      </p:nvGrpSpPr>
+      <p:grpSpPr>
+        <a:xfrm>
+          <a:off x="0" y="0"/>
+          <a:ext cx="0" cy="0"/>
+          <a:chOff x="0" y="0"/>
+          <a:chExt cx="0" cy="0"/>
+        </a:xfrm>
+      </p:grpSpPr>
+      <p:sp>
+        <p:nvSpPr>
+          <p:cNvPr id="2" name="제목 1"/>
+          <p:cNvSpPr>
+            <a:spLocks noGrp="1"/>
+          </p:cNvSpPr>
+          <p:nvPr>
+            <p:ph type="title"/>
+          </p:nvPr>
+        </p:nvSpPr>
+        <p:spPr/>
+        <p:txBody>
+          <a:bodyPr/>
+          <a:lstStyle/>
+          <a:p>
+            <a:r>
+              <a:rPr lang="en-US" altLang="ko-KR" dirty="0" smtClean="0">
+                <a:solidFill>
+                  <a:srgbClr val="FF0000"/>
+                </a:solidFill>
+              </a:rPr>
+              <a:t>Feature Scaling</a:t>
+            </a:r>
+            <a:r>
+              <a:rPr lang="ko-KR" altLang="en-US" dirty="0" smtClean="0">
+                <a:solidFill>
+                  <a:srgbClr val="FF0000"/>
+                </a:solidFill>
+              </a:rPr>
+              <a:t>의 중요성 </a:t>
+            </a:r>
+            <a:endParaRPr lang="ko-KR" altLang="en-US" dirty="0">
+              <a:solidFill>
+                <a:srgbClr val="FF0000"/>
+              </a:solidFill>
+            </a:endParaRPr>
+          </a:p>
+        </p:txBody>
+      </p:sp>
+      <p:sp>
+        <p:nvSpPr>
+          <p:cNvPr id="4" name="TextBox 3"/>
+          <p:cNvSpPr txBox="1"/>
+          <p:nvPr/>
+        </p:nvSpPr>
+        <p:spPr>
+          <a:xfrm>
+            <a:off x="838200" y="1459832"/>
+            <a:ext cx="11000874" cy="1477328"/>
+          </a:xfrm>
+          <a:prstGeom prst="rect">
+            <a:avLst/>
+          </a:prstGeom>
+          <a:noFill/>
+        </p:spPr>
+        <p:txBody>
+          <a:bodyPr wrap="square" rtlCol="0">
+            <a:spAutoFit/>
+          </a:bodyPr>
+          <a:lstStyle/>
+          <a:p>
+            <a:pPr marL="285750" indent="-285750">
+              <a:buFontTx/>
+              <a:buChar char="-"/>
+            </a:pPr>
+            <a:r>
+              <a:rPr lang="en-US" altLang="ko-KR" b="1" dirty="0" smtClean="0"/>
+              <a:t>Feature </a:t>
+            </a:r>
+            <a:r>
+              <a:rPr lang="ko-KR" altLang="en-US" b="1" dirty="0" smtClean="0"/>
+              <a:t>사이의 값의 큰 차이는 학습의 불안정성을 가져옴</a:t>
+            </a:r>
+            <a:endParaRPr lang="en-US" altLang="ko-KR" b="1" dirty="0" smtClean="0"/>
+          </a:p>
+          <a:p>
+            <a:pPr marL="742950" lvl="1" indent="-285750">
+              <a:buFontTx/>
+              <a:buChar char="-"/>
+            </a:pPr>
+            <a:r>
+              <a:rPr lang="en-US" altLang="ko-KR" dirty="0" smtClean="0"/>
+              <a:t>State:   [</a:t>
+            </a:r>
+            <a:r>
+              <a:rPr lang="en-US" altLang="ko-KR" dirty="0" err="1" smtClean="0"/>
+              <a:t>power_out</a:t>
+            </a:r>
+            <a:r>
+              <a:rPr lang="en-US" altLang="ko-KR" dirty="0" smtClean="0"/>
+              <a:t>, SOC – 0.6, </a:t>
+            </a:r>
+            <a:r>
+              <a:rPr lang="en-US" altLang="ko-KR" dirty="0" err="1" smtClean="0"/>
+              <a:t>j_min</a:t>
+            </a:r>
+            <a:r>
+              <a:rPr lang="en-US" altLang="ko-KR" dirty="0" smtClean="0"/>
+              <a:t>, </a:t>
+            </a:r>
+            <a:r>
+              <a:rPr lang="en-US" altLang="ko-KR" dirty="0" err="1" smtClean="0"/>
+              <a:t>j_max</a:t>
+            </a:r>
+            <a:r>
+              <a:rPr lang="en-US" altLang="ko-KR" dirty="0" smtClean="0"/>
+              <a:t>]</a:t>
+            </a:r>
+          </a:p>
+          <a:p>
+            <a:pPr lvl="1"/>
+            <a:endParaRPr lang="en-US" altLang="ko-KR" dirty="0" smtClean="0"/>
+          </a:p>
+          <a:p>
+            <a:pPr marL="285750" indent="-285750">
+              <a:buFontTx/>
+              <a:buChar char="-"/>
+            </a:pPr>
+            <a:endParaRPr lang="en-US" altLang="ko-KR" dirty="0" smtClean="0"/>
+          </a:p>
+          <a:p>
+            <a:pPr lvl="1"/>
+            <a:endParaRPr lang="en-US" altLang="ko-KR" dirty="0" smtClean="0"/>
+          </a:p>
+        </p:txBody>
+      </p:sp>
+      <p:pic>
+        <p:nvPicPr>
+          <p:cNvPr id="7" name="그림 6"/>
+          <p:cNvPicPr>
+            <a:picLocks noChangeAspect="1"/>
+          </p:cNvPicPr>
+          <p:nvPr/>
+        </p:nvPicPr>
+        <p:blipFill>
+          <a:blip r:embed="rId2">
+            <a:extLst>
+              <a:ext uri="{28A0092B-C50C-407E-A947-70E740481C1C}">
+                <a14:useLocalDpi xmlns:a14="http://schemas.microsoft.com/office/drawing/2010/main" val="0"/>
+              </a:ext>
+            </a:extLst>
+          </a:blip>
+          <a:stretch>
+            <a:fillRect/>
+          </a:stretch>
+        </p:blipFill>
+        <p:spPr>
+          <a:xfrm>
+            <a:off x="7557710" y="1045151"/>
+            <a:ext cx="4570869" cy="3047246"/>
+          </a:xfrm>
+          <a:prstGeom prst="rect">
+            <a:avLst/>
+          </a:prstGeom>
+        </p:spPr>
+      </p:pic>
+      <mc:AlternateContent xmlns:mc="http://schemas.openxmlformats.org/markup-compatibility/2006" xmlns:a14="http://schemas.microsoft.com/office/drawing/2010/main">
+        <mc:Choice Requires="a14">
+          <p:sp>
+            <p:nvSpPr>
+              <p:cNvPr id="8" name="TextBox 7"/>
+              <p:cNvSpPr txBox="1"/>
+              <p:nvPr/>
+            </p:nvSpPr>
+            <p:spPr>
+              <a:xfrm>
+                <a:off x="1945178" y="2189118"/>
+                <a:ext cx="5902037" cy="379656"/>
+              </a:xfrm>
+              <a:prstGeom prst="rect">
+                <a:avLst/>
+              </a:prstGeom>
+              <a:noFill/>
+            </p:spPr>
+            <p:txBody>
+              <a:bodyPr wrap="square" rtlCol="0">
+                <a:spAutoFit/>
+              </a:bodyPr>
+              <a:lstStyle/>
+              <a:p>
+                <a:r>
+                  <a:rPr lang="en-US" altLang="ko-KR" b="1" dirty="0" smtClean="0"/>
+                  <a:t>Power_out:  ~ </a:t>
+                </a:r>
+                <a14:m>
+                  <m:oMath xmlns:m="http://schemas.openxmlformats.org/officeDocument/2006/math">
+                    <m:sSup>
+                      <m:sSupPr>
+                        <m:ctrlPr>
+                          <a:rPr lang="en-US" altLang="ko-KR" b="1" i="1" smtClean="0">
+                            <a:latin typeface="Cambria Math" panose="02040503050406030204" pitchFamily="18" charset="0"/>
+                          </a:rPr>
+                        </m:ctrlPr>
+                      </m:sSupPr>
+                      <m:e>
+                        <m:r>
+                          <a:rPr lang="en-US" altLang="ko-KR" b="1" i="1" smtClean="0">
+                            <a:latin typeface="Cambria Math" panose="02040503050406030204" pitchFamily="18" charset="0"/>
+                          </a:rPr>
+                          <m:t>𝟏𝟎</m:t>
+                        </m:r>
+                      </m:e>
+                      <m:sup>
+                        <m:r>
+                          <a:rPr lang="en-US" altLang="ko-KR" b="1" i="1" smtClean="0">
+                            <a:latin typeface="Cambria Math" panose="02040503050406030204" pitchFamily="18" charset="0"/>
+                          </a:rPr>
+                          <m:t>𝟓</m:t>
+                        </m:r>
+                      </m:sup>
+                    </m:sSup>
+                  </m:oMath>
+                </a14:m>
+                <a:r>
+                  <a:rPr lang="en-US" altLang="ko-KR" dirty="0" smtClean="0"/>
+                  <a:t> </a:t>
+                </a:r>
+                <a:endParaRPr lang="ko-KR" altLang="en-US" dirty="0"/>
+              </a:p>
+            </p:txBody>
+          </p:sp>
+        </mc:Choice>
+        <mc:Fallback xmlns="">
+          <p:sp>
+            <p:nvSpPr>
+              <p:cNvPr id="8" name="TextBox 7"/>
+              <p:cNvSpPr txBox="1">
+                <a:spLocks noRot="1" noChangeAspect="1" noMove="1" noResize="1" noEditPoints="1" noAdjustHandles="1" noChangeArrowheads="1" noChangeShapeType="1" noTextEdit="1"/>
+              </p:cNvSpPr>
+              <p:nvPr/>
+            </p:nvSpPr>
+            <p:spPr>
+              <a:xfrm>
+                <a:off x="1945178" y="2189118"/>
+                <a:ext cx="5902037" cy="379656"/>
+              </a:xfrm>
+              <a:prstGeom prst="rect">
+                <a:avLst/>
+              </a:prstGeom>
+              <a:blipFill>
+                <a:blip r:embed="rId3"/>
+                <a:stretch>
+                  <a:fillRect l="-826" t="-6452" b="-24194"/>
+                </a:stretch>
+              </a:blipFill>
+            </p:spPr>
+            <p:txBody>
+              <a:bodyPr/>
+              <a:lstStyle/>
+              <a:p>
+                <a:r>
+                  <a:rPr lang="ko-KR" altLang="en-US">
+                    <a:noFill/>
+                  </a:rPr>
+                  <a:t> </a:t>
+                </a:r>
+              </a:p>
+            </p:txBody>
+          </p:sp>
+        </mc:Fallback>
+      </mc:AlternateContent>
+      <mc:AlternateContent xmlns:mc="http://schemas.openxmlformats.org/markup-compatibility/2006" xmlns:a14="http://schemas.microsoft.com/office/drawing/2010/main">
+        <mc:Choice Requires="a14">
+          <p:sp>
+            <p:nvSpPr>
+              <p:cNvPr id="10" name="TextBox 9"/>
+              <p:cNvSpPr txBox="1"/>
+              <p:nvPr/>
+            </p:nvSpPr>
+            <p:spPr>
+              <a:xfrm>
+                <a:off x="1945178" y="3219386"/>
+                <a:ext cx="5902037" cy="375552"/>
+              </a:xfrm>
+              <a:prstGeom prst="rect">
+                <a:avLst/>
+              </a:prstGeom>
+              <a:noFill/>
+            </p:spPr>
+            <p:txBody>
+              <a:bodyPr wrap="square" rtlCol="0">
+                <a:spAutoFit/>
+              </a:bodyPr>
+              <a:lstStyle/>
+              <a:p>
+                <a:r>
+                  <a:rPr lang="en-US" altLang="ko-KR" b="1" dirty="0" smtClean="0"/>
+                  <a:t>j</a:t>
+                </a:r>
+                <a:r>
+                  <a:rPr lang="en-US" altLang="ko-KR" b="1" dirty="0" err="1" smtClean="0"/>
+                  <a:t>_min</a:t>
+                </a:r>
+                <a:r>
+                  <a:rPr lang="en-US" altLang="ko-KR" b="1" dirty="0" smtClean="0"/>
+                  <a:t>, </a:t>
+                </a:r>
+                <a:r>
+                  <a:rPr lang="en-US" altLang="ko-KR" b="1" dirty="0" err="1" smtClean="0"/>
+                  <a:t>j_max</a:t>
+                </a:r>
+                <a:r>
+                  <a:rPr lang="en-US" altLang="ko-KR" b="1" dirty="0" smtClean="0"/>
+                  <a:t>:  ~ </a:t>
+                </a:r>
+                <a14:m>
+                  <m:oMath xmlns:m="http://schemas.openxmlformats.org/officeDocument/2006/math">
+                    <m:sSup>
+                      <m:sSupPr>
+                        <m:ctrlPr>
+                          <a:rPr lang="en-US" altLang="ko-KR" b="1" i="1" smtClean="0">
+                            <a:latin typeface="Cambria Math" panose="02040503050406030204" pitchFamily="18" charset="0"/>
+                          </a:rPr>
+                        </m:ctrlPr>
+                      </m:sSupPr>
+                      <m:e>
+                        <m:r>
+                          <a:rPr lang="en-US" altLang="ko-KR" b="1" i="1" smtClean="0">
+                            <a:latin typeface="Cambria Math" panose="02040503050406030204" pitchFamily="18" charset="0"/>
+                          </a:rPr>
+                          <m:t>𝟏𝟎</m:t>
+                        </m:r>
+                      </m:e>
+                      <m:sup>
+                        <m:r>
+                          <a:rPr lang="en-US" altLang="ko-KR" b="1" i="1" smtClean="0">
+                            <a:latin typeface="Cambria Math" panose="02040503050406030204" pitchFamily="18" charset="0"/>
+                          </a:rPr>
+                          <m:t>−</m:t>
+                        </m:r>
+                        <m:r>
+                          <a:rPr lang="en-US" altLang="ko-KR" b="1" i="1" smtClean="0">
+                            <a:latin typeface="Cambria Math" panose="02040503050406030204" pitchFamily="18" charset="0"/>
+                          </a:rPr>
+                          <m:t>𝟏</m:t>
+                        </m:r>
+                      </m:sup>
+                    </m:sSup>
+                  </m:oMath>
+                </a14:m>
+                <a:r>
+                  <a:rPr lang="en-US" altLang="ko-KR" dirty="0" smtClean="0"/>
+                  <a:t> </a:t>
+                </a:r>
+                <a:endParaRPr lang="ko-KR" altLang="en-US" dirty="0"/>
+              </a:p>
+            </p:txBody>
+          </p:sp>
+        </mc:Choice>
+        <mc:Fallback xmlns="">
+          <p:sp>
+            <p:nvSpPr>
+              <p:cNvPr id="10" name="TextBox 9"/>
+              <p:cNvSpPr txBox="1">
+                <a:spLocks noRot="1" noChangeAspect="1" noMove="1" noResize="1" noEditPoints="1" noAdjustHandles="1" noChangeArrowheads="1" noChangeShapeType="1" noTextEdit="1"/>
+              </p:cNvSpPr>
+              <p:nvPr/>
+            </p:nvSpPr>
+            <p:spPr>
+              <a:xfrm>
+                <a:off x="1945178" y="3219386"/>
+                <a:ext cx="5902037" cy="375552"/>
+              </a:xfrm>
+              <a:prstGeom prst="rect">
+                <a:avLst/>
+              </a:prstGeom>
+              <a:blipFill>
+                <a:blip r:embed="rId4"/>
+                <a:stretch>
+                  <a:fillRect l="-826" t="-6452" b="-24194"/>
+                </a:stretch>
+              </a:blipFill>
+            </p:spPr>
+            <p:txBody>
+              <a:bodyPr/>
+              <a:lstStyle/>
+              <a:p>
+                <a:r>
+                  <a:rPr lang="ko-KR" altLang="en-US">
+                    <a:noFill/>
+                  </a:rPr>
+                  <a:t> </a:t>
+                </a:r>
+              </a:p>
+            </p:txBody>
+          </p:sp>
+        </mc:Fallback>
+      </mc:AlternateContent>
+      <mc:AlternateContent xmlns:mc="http://schemas.openxmlformats.org/markup-compatibility/2006" xmlns:a14="http://schemas.microsoft.com/office/drawing/2010/main">
+        <mc:Choice Requires="a14">
+          <p:sp>
+            <p:nvSpPr>
+              <p:cNvPr id="11" name="TextBox 10"/>
+              <p:cNvSpPr txBox="1"/>
+              <p:nvPr/>
+            </p:nvSpPr>
+            <p:spPr>
+              <a:xfrm>
+                <a:off x="1945178" y="2706304"/>
+                <a:ext cx="5902037" cy="375552"/>
+              </a:xfrm>
+              <a:prstGeom prst="rect">
+                <a:avLst/>
+              </a:prstGeom>
+              <a:noFill/>
+            </p:spPr>
+            <p:txBody>
+              <a:bodyPr wrap="square" rtlCol="0">
+                <a:spAutoFit/>
+              </a:bodyPr>
+              <a:lstStyle/>
+              <a:p>
+                <a:r>
+                  <a:rPr lang="en-US" altLang="ko-KR" b="1" dirty="0" smtClean="0"/>
+                  <a:t>SOC – 0.6:  ~ </a:t>
+                </a:r>
+                <a14:m>
+                  <m:oMath xmlns:m="http://schemas.openxmlformats.org/officeDocument/2006/math">
+                    <m:sSup>
+                      <m:sSupPr>
+                        <m:ctrlPr>
+                          <a:rPr lang="en-US" altLang="ko-KR" b="1" i="1" smtClean="0">
+                            <a:latin typeface="Cambria Math" panose="02040503050406030204" pitchFamily="18" charset="0"/>
+                          </a:rPr>
+                        </m:ctrlPr>
+                      </m:sSupPr>
+                      <m:e>
+                        <m:r>
+                          <a:rPr lang="en-US" altLang="ko-KR" b="1" i="1" smtClean="0">
+                            <a:latin typeface="Cambria Math" panose="02040503050406030204" pitchFamily="18" charset="0"/>
+                          </a:rPr>
+                          <m:t>𝟏𝟎</m:t>
+                        </m:r>
+                      </m:e>
+                      <m:sup>
+                        <m:r>
+                          <a:rPr lang="en-US" altLang="ko-KR" b="1" i="1" smtClean="0">
+                            <a:latin typeface="Cambria Math" panose="02040503050406030204" pitchFamily="18" charset="0"/>
+                          </a:rPr>
+                          <m:t>−</m:t>
+                        </m:r>
+                        <m:r>
+                          <a:rPr lang="en-US" altLang="ko-KR" b="1" i="1" smtClean="0">
+                            <a:latin typeface="Cambria Math" panose="02040503050406030204" pitchFamily="18" charset="0"/>
+                          </a:rPr>
+                          <m:t>𝟏</m:t>
+                        </m:r>
+                      </m:sup>
+                    </m:sSup>
+                  </m:oMath>
+                </a14:m>
+                <a:r>
+                  <a:rPr lang="en-US" altLang="ko-KR" dirty="0" smtClean="0"/>
+                  <a:t> </a:t>
+                </a:r>
+                <a:endParaRPr lang="ko-KR" altLang="en-US" dirty="0"/>
+              </a:p>
+            </p:txBody>
+          </p:sp>
+        </mc:Choice>
+        <mc:Fallback xmlns="">
+          <p:sp>
+            <p:nvSpPr>
+              <p:cNvPr id="11" name="TextBox 10"/>
+              <p:cNvSpPr txBox="1">
+                <a:spLocks noRot="1" noChangeAspect="1" noMove="1" noResize="1" noEditPoints="1" noAdjustHandles="1" noChangeArrowheads="1" noChangeShapeType="1" noTextEdit="1"/>
+              </p:cNvSpPr>
+              <p:nvPr/>
+            </p:nvSpPr>
+            <p:spPr>
+              <a:xfrm>
+                <a:off x="1945178" y="2706304"/>
+                <a:ext cx="5902037" cy="375552"/>
+              </a:xfrm>
+              <a:prstGeom prst="rect">
+                <a:avLst/>
+              </a:prstGeom>
+              <a:blipFill>
+                <a:blip r:embed="rId5"/>
+                <a:stretch>
+                  <a:fillRect l="-826" t="-8065" b="-24194"/>
+          